--- a/Etudiants/Joshua/PremièreRevueDeProjet.pptx
+++ b/Etudiants/Joshua/PremièreRevueDeProjet.pptx
@@ -7,6 +7,7 @@
   <p:sldIdLst>
     <p:sldId id="256" r:id="rId2"/>
     <p:sldId id="257" r:id="rId3"/>
+    <p:sldId id="258" r:id="rId4"/>
   </p:sldIdLst>
   <p:sldSz cx="12192000" cy="6858000"/>
   <p:notesSz cx="6858000" cy="9144000"/>
@@ -3921,32 +3922,1429 @@
         </p:nvSpPr>
         <p:spPr/>
         <p:txBody>
-          <a:bodyPr/>
+          <a:bodyPr>
+            <a:normAutofit/>
+          </a:bodyPr>
           <a:lstStyle/>
           <a:p>
             <a:pPr algn="ctr"/>
             <a:r>
-              <a:rPr lang="fr-FR" sz="5400" b="1" dirty="0">
-                <a:effectLst>
-                  <a:outerShdw blurRad="38100" dist="38100" dir="2700000" algn="tl">
-                    <a:srgbClr val="000000">
-                      <a:alpha val="43137"/>
-                    </a:srgbClr>
-                  </a:outerShdw>
-                </a:effectLst>
+              <a:rPr lang="fr-FR" b="1" dirty="0">
                 <a:latin typeface="+mn-lt"/>
               </a:rPr>
               <a:t>Introduction</a:t>
             </a:r>
-            <a:endParaRPr lang="fr-FR" b="1" dirty="0">
-              <a:effectLst>
-                <a:outerShdw blurRad="38100" dist="38100" dir="2700000" algn="tl">
-                  <a:srgbClr val="000000">
-                    <a:alpha val="43137"/>
-                  </a:srgbClr>
-                </a:outerShdw>
-              </a:effectLst>
+            <a:endParaRPr lang="fr-FR" sz="3600" b="1" dirty="0">
               <a:latin typeface="+mn-lt"/>
+            </a:endParaRPr>
+          </a:p>
+        </p:txBody>
+      </p:sp>
+      <p:pic>
+        <p:nvPicPr>
+          <p:cNvPr id="3" name="Image 2">
+            <a:extLst>
+              <a:ext uri="{FF2B5EF4-FFF2-40B4-BE49-F238E27FC236}">
+                <a16:creationId xmlns:a16="http://schemas.microsoft.com/office/drawing/2014/main" id="{F326434F-0C29-4B78-86B1-77260A8911E4}"/>
+              </a:ext>
+            </a:extLst>
+          </p:cNvPr>
+          <p:cNvPicPr/>
+          <p:nvPr/>
+        </p:nvPicPr>
+        <p:blipFill>
+          <a:blip r:embed="rId2">
+            <a:extLst>
+              <a:ext uri="{28A0092B-C50C-407E-A947-70E740481C1C}">
+                <a14:useLocalDpi xmlns:a14="http://schemas.microsoft.com/office/drawing/2010/main" val="0"/>
+              </a:ext>
+            </a:extLst>
+          </a:blip>
+          <a:stretch>
+            <a:fillRect/>
+          </a:stretch>
+        </p:blipFill>
+        <p:spPr>
+          <a:xfrm>
+            <a:off x="2315799" y="1268963"/>
+            <a:ext cx="7560401" cy="5589037"/>
+          </a:xfrm>
+          <a:prstGeom prst="rect">
+            <a:avLst/>
+          </a:prstGeom>
+        </p:spPr>
+      </p:pic>
+      <p:sp>
+        <p:nvSpPr>
+          <p:cNvPr id="5" name="Rectangle : coins arrondis 4">
+            <a:extLst>
+              <a:ext uri="{FF2B5EF4-FFF2-40B4-BE49-F238E27FC236}">
+                <a16:creationId xmlns:a16="http://schemas.microsoft.com/office/drawing/2014/main" id="{57DE185B-FF3F-4443-8DF5-F3C7D987AC94}"/>
+              </a:ext>
+            </a:extLst>
+          </p:cNvPr>
+          <p:cNvSpPr/>
+          <p:nvPr/>
+        </p:nvSpPr>
+        <p:spPr>
+          <a:xfrm>
+            <a:off x="2802730" y="1861457"/>
+            <a:ext cx="5127307" cy="831042"/>
+          </a:xfrm>
+          <a:prstGeom prst="roundRect">
+            <a:avLst/>
+          </a:prstGeom>
+          <a:noFill/>
+          <a:ln w="50800">
+            <a:solidFill>
+              <a:schemeClr val="accent1"/>
+            </a:solidFill>
+          </a:ln>
+        </p:spPr>
+        <p:style>
+          <a:lnRef idx="2">
+            <a:schemeClr val="accent1">
+              <a:shade val="50000"/>
+            </a:schemeClr>
+          </a:lnRef>
+          <a:fillRef idx="1">
+            <a:schemeClr val="accent1"/>
+          </a:fillRef>
+          <a:effectRef idx="0">
+            <a:schemeClr val="accent1"/>
+          </a:effectRef>
+          <a:fontRef idx="minor">
+            <a:schemeClr val="lt1"/>
+          </a:fontRef>
+        </p:style>
+        <p:txBody>
+          <a:bodyPr rot="0" spcFirstLastPara="0" vert="horz" wrap="square" lIns="91440" tIns="45720" rIns="91440" bIns="45720" numCol="1" spcCol="0" rtlCol="0" fromWordArt="0" anchor="ctr" anchorCtr="0" forceAA="0" compatLnSpc="1">
+            <a:prstTxWarp prst="textNoShape">
+              <a:avLst/>
+            </a:prstTxWarp>
+            <a:noAutofit/>
+          </a:bodyPr>
+          <a:lstStyle/>
+          <a:p>
+            <a:endParaRPr lang="fr-FR"/>
+          </a:p>
+        </p:txBody>
+      </p:sp>
+      <p:sp>
+        <p:nvSpPr>
+          <p:cNvPr id="6" name="Rectangle : coins arrondis 5">
+            <a:extLst>
+              <a:ext uri="{FF2B5EF4-FFF2-40B4-BE49-F238E27FC236}">
+                <a16:creationId xmlns:a16="http://schemas.microsoft.com/office/drawing/2014/main" id="{BF011F47-68B0-4826-B9CD-FD327075D3FD}"/>
+              </a:ext>
+            </a:extLst>
+          </p:cNvPr>
+          <p:cNvSpPr/>
+          <p:nvPr/>
+        </p:nvSpPr>
+        <p:spPr>
+          <a:xfrm>
+            <a:off x="4748121" y="4898571"/>
+            <a:ext cx="2382022" cy="1230085"/>
+          </a:xfrm>
+          <a:prstGeom prst="roundRect">
+            <a:avLst/>
+          </a:prstGeom>
+          <a:noFill/>
+          <a:ln w="50800">
+            <a:solidFill>
+              <a:schemeClr val="accent1"/>
+            </a:solidFill>
+          </a:ln>
+        </p:spPr>
+        <p:style>
+          <a:lnRef idx="2">
+            <a:schemeClr val="accent1">
+              <a:shade val="50000"/>
+            </a:schemeClr>
+          </a:lnRef>
+          <a:fillRef idx="1">
+            <a:schemeClr val="accent1"/>
+          </a:fillRef>
+          <a:effectRef idx="0">
+            <a:schemeClr val="accent1"/>
+          </a:effectRef>
+          <a:fontRef idx="minor">
+            <a:schemeClr val="lt1"/>
+          </a:fontRef>
+        </p:style>
+        <p:txBody>
+          <a:bodyPr rot="0" spcFirstLastPara="0" vert="horz" wrap="square" lIns="91440" tIns="45720" rIns="91440" bIns="45720" numCol="1" spcCol="0" rtlCol="0" fromWordArt="0" anchor="ctr" anchorCtr="0" forceAA="0" compatLnSpc="1">
+            <a:prstTxWarp prst="textNoShape">
+              <a:avLst/>
+            </a:prstTxWarp>
+            <a:noAutofit/>
+          </a:bodyPr>
+          <a:lstStyle/>
+          <a:p>
+            <a:endParaRPr lang="fr-FR"/>
+          </a:p>
+        </p:txBody>
+      </p:sp>
+      <p:sp>
+        <p:nvSpPr>
+          <p:cNvPr id="7" name="Rectangle : coins arrondis 6">
+            <a:extLst>
+              <a:ext uri="{FF2B5EF4-FFF2-40B4-BE49-F238E27FC236}">
+                <a16:creationId xmlns:a16="http://schemas.microsoft.com/office/drawing/2014/main" id="{A9B249F6-82C0-4E80-9688-A6C4AD58C921}"/>
+              </a:ext>
+            </a:extLst>
+          </p:cNvPr>
+          <p:cNvSpPr/>
+          <p:nvPr/>
+        </p:nvSpPr>
+        <p:spPr>
+          <a:xfrm>
+            <a:off x="7478485" y="5589037"/>
+            <a:ext cx="696685" cy="387220"/>
+          </a:xfrm>
+          <a:prstGeom prst="roundRect">
+            <a:avLst/>
+          </a:prstGeom>
+          <a:noFill/>
+          <a:ln w="50800">
+            <a:solidFill>
+              <a:schemeClr val="accent1"/>
+            </a:solidFill>
+          </a:ln>
+        </p:spPr>
+        <p:style>
+          <a:lnRef idx="2">
+            <a:schemeClr val="accent1">
+              <a:shade val="50000"/>
+            </a:schemeClr>
+          </a:lnRef>
+          <a:fillRef idx="1">
+            <a:schemeClr val="accent1"/>
+          </a:fillRef>
+          <a:effectRef idx="0">
+            <a:schemeClr val="accent1"/>
+          </a:effectRef>
+          <a:fontRef idx="minor">
+            <a:schemeClr val="lt1"/>
+          </a:fontRef>
+        </p:style>
+        <p:txBody>
+          <a:bodyPr rot="0" spcFirstLastPara="0" vert="horz" wrap="square" lIns="91440" tIns="45720" rIns="91440" bIns="45720" numCol="1" spcCol="0" rtlCol="0" fromWordArt="0" anchor="ctr" anchorCtr="0" forceAA="0" compatLnSpc="1">
+            <a:prstTxWarp prst="textNoShape">
+              <a:avLst/>
+            </a:prstTxWarp>
+            <a:noAutofit/>
+          </a:bodyPr>
+          <a:lstStyle/>
+          <a:p>
+            <a:endParaRPr lang="fr-FR"/>
+          </a:p>
+        </p:txBody>
+      </p:sp>
+      <p:sp>
+        <p:nvSpPr>
+          <p:cNvPr id="8" name="Rectangle : coins arrondis 7">
+            <a:extLst>
+              <a:ext uri="{FF2B5EF4-FFF2-40B4-BE49-F238E27FC236}">
+                <a16:creationId xmlns:a16="http://schemas.microsoft.com/office/drawing/2014/main" id="{29FB46DC-2AE1-4059-BDCC-EC19699998CA}"/>
+              </a:ext>
+            </a:extLst>
+          </p:cNvPr>
+          <p:cNvSpPr/>
+          <p:nvPr/>
+        </p:nvSpPr>
+        <p:spPr>
+          <a:xfrm>
+            <a:off x="4201886" y="5868952"/>
+            <a:ext cx="391885" cy="466533"/>
+          </a:xfrm>
+          <a:prstGeom prst="roundRect">
+            <a:avLst/>
+          </a:prstGeom>
+          <a:noFill/>
+          <a:ln w="50800">
+            <a:solidFill>
+              <a:schemeClr val="accent1"/>
+            </a:solidFill>
+          </a:ln>
+        </p:spPr>
+        <p:style>
+          <a:lnRef idx="2">
+            <a:schemeClr val="accent1">
+              <a:shade val="50000"/>
+            </a:schemeClr>
+          </a:lnRef>
+          <a:fillRef idx="1">
+            <a:schemeClr val="accent1"/>
+          </a:fillRef>
+          <a:effectRef idx="0">
+            <a:schemeClr val="accent1"/>
+          </a:effectRef>
+          <a:fontRef idx="minor">
+            <a:schemeClr val="lt1"/>
+          </a:fontRef>
+        </p:style>
+        <p:txBody>
+          <a:bodyPr rot="0" spcFirstLastPara="0" vert="horz" wrap="square" lIns="91440" tIns="45720" rIns="91440" bIns="45720" numCol="1" spcCol="0" rtlCol="0" fromWordArt="0" anchor="ctr" anchorCtr="0" forceAA="0" compatLnSpc="1">
+            <a:prstTxWarp prst="textNoShape">
+              <a:avLst/>
+            </a:prstTxWarp>
+            <a:noAutofit/>
+          </a:bodyPr>
+          <a:lstStyle/>
+          <a:p>
+            <a:endParaRPr lang="fr-FR"/>
+          </a:p>
+        </p:txBody>
+      </p:sp>
+      <p:sp>
+        <p:nvSpPr>
+          <p:cNvPr id="11" name="Rectangle : coins arrondis 10">
+            <a:extLst>
+              <a:ext uri="{FF2B5EF4-FFF2-40B4-BE49-F238E27FC236}">
+                <a16:creationId xmlns:a16="http://schemas.microsoft.com/office/drawing/2014/main" id="{C0299604-2787-4F62-8A20-BA48EE17A3F3}"/>
+              </a:ext>
+            </a:extLst>
+          </p:cNvPr>
+          <p:cNvSpPr/>
+          <p:nvPr/>
+        </p:nvSpPr>
+        <p:spPr>
+          <a:xfrm>
+            <a:off x="9907428" y="1861457"/>
+            <a:ext cx="707572" cy="45719"/>
+          </a:xfrm>
+          <a:prstGeom prst="roundRect">
+            <a:avLst/>
+          </a:prstGeom>
+          <a:noFill/>
+          <a:ln w="50800">
+            <a:solidFill>
+              <a:schemeClr val="accent1"/>
+            </a:solidFill>
+          </a:ln>
+        </p:spPr>
+        <p:style>
+          <a:lnRef idx="2">
+            <a:schemeClr val="accent1">
+              <a:shade val="50000"/>
+            </a:schemeClr>
+          </a:lnRef>
+          <a:fillRef idx="1">
+            <a:schemeClr val="accent1"/>
+          </a:fillRef>
+          <a:effectRef idx="0">
+            <a:schemeClr val="accent1"/>
+          </a:effectRef>
+          <a:fontRef idx="minor">
+            <a:schemeClr val="lt1"/>
+          </a:fontRef>
+        </p:style>
+        <p:txBody>
+          <a:bodyPr rot="0" spcFirstLastPara="0" vert="horz" wrap="square" lIns="91440" tIns="45720" rIns="91440" bIns="45720" numCol="1" spcCol="0" rtlCol="0" fromWordArt="0" anchor="ctr" anchorCtr="0" forceAA="0" compatLnSpc="1">
+            <a:prstTxWarp prst="textNoShape">
+              <a:avLst/>
+            </a:prstTxWarp>
+            <a:noAutofit/>
+          </a:bodyPr>
+          <a:lstStyle/>
+          <a:p>
+            <a:endParaRPr lang="fr-FR"/>
+          </a:p>
+        </p:txBody>
+      </p:sp>
+      <p:sp>
+        <p:nvSpPr>
+          <p:cNvPr id="12" name="ZoneTexte 11">
+            <a:extLst>
+              <a:ext uri="{FF2B5EF4-FFF2-40B4-BE49-F238E27FC236}">
+                <a16:creationId xmlns:a16="http://schemas.microsoft.com/office/drawing/2014/main" id="{CAF4F695-35FF-45A5-80B8-118450793612}"/>
+              </a:ext>
+            </a:extLst>
+          </p:cNvPr>
+          <p:cNvSpPr txBox="1"/>
+          <p:nvPr/>
+        </p:nvSpPr>
+        <p:spPr>
+          <a:xfrm>
+            <a:off x="10646228" y="1699650"/>
+            <a:ext cx="824265" cy="369332"/>
+          </a:xfrm>
+          <a:prstGeom prst="rect">
+            <a:avLst/>
+          </a:prstGeom>
+          <a:noFill/>
+        </p:spPr>
+        <p:txBody>
+          <a:bodyPr wrap="none" rtlCol="0">
+            <a:spAutoFit/>
+          </a:bodyPr>
+          <a:lstStyle/>
+          <a:p>
+            <a:r>
+              <a:rPr lang="fr-FR" dirty="0"/>
+              <a:t>Joshua</a:t>
+            </a:r>
+          </a:p>
+        </p:txBody>
+      </p:sp>
+      <p:sp>
+        <p:nvSpPr>
+          <p:cNvPr id="13" name="Rectangle : coins arrondis 12">
+            <a:extLst>
+              <a:ext uri="{FF2B5EF4-FFF2-40B4-BE49-F238E27FC236}">
+                <a16:creationId xmlns:a16="http://schemas.microsoft.com/office/drawing/2014/main" id="{2005236A-5D70-4933-9C03-53DAC7F068DD}"/>
+              </a:ext>
+            </a:extLst>
+          </p:cNvPr>
+          <p:cNvSpPr/>
+          <p:nvPr/>
+        </p:nvSpPr>
+        <p:spPr>
+          <a:xfrm>
+            <a:off x="9907428" y="2231259"/>
+            <a:ext cx="707572" cy="45719"/>
+          </a:xfrm>
+          <a:prstGeom prst="roundRect">
+            <a:avLst/>
+          </a:prstGeom>
+          <a:noFill/>
+          <a:ln w="50800">
+            <a:solidFill>
+              <a:srgbClr val="92D050"/>
+            </a:solidFill>
+          </a:ln>
+        </p:spPr>
+        <p:style>
+          <a:lnRef idx="2">
+            <a:schemeClr val="accent1">
+              <a:shade val="50000"/>
+            </a:schemeClr>
+          </a:lnRef>
+          <a:fillRef idx="1">
+            <a:schemeClr val="accent1"/>
+          </a:fillRef>
+          <a:effectRef idx="0">
+            <a:schemeClr val="accent1"/>
+          </a:effectRef>
+          <a:fontRef idx="minor">
+            <a:schemeClr val="lt1"/>
+          </a:fontRef>
+        </p:style>
+        <p:txBody>
+          <a:bodyPr rot="0" spcFirstLastPara="0" vert="horz" wrap="square" lIns="91440" tIns="45720" rIns="91440" bIns="45720" numCol="1" spcCol="0" rtlCol="0" fromWordArt="0" anchor="ctr" anchorCtr="0" forceAA="0" compatLnSpc="1">
+            <a:prstTxWarp prst="textNoShape">
+              <a:avLst/>
+            </a:prstTxWarp>
+            <a:noAutofit/>
+          </a:bodyPr>
+          <a:lstStyle/>
+          <a:p>
+            <a:endParaRPr lang="fr-FR"/>
+          </a:p>
+        </p:txBody>
+      </p:sp>
+      <p:sp>
+        <p:nvSpPr>
+          <p:cNvPr id="14" name="ZoneTexte 13">
+            <a:extLst>
+              <a:ext uri="{FF2B5EF4-FFF2-40B4-BE49-F238E27FC236}">
+                <a16:creationId xmlns:a16="http://schemas.microsoft.com/office/drawing/2014/main" id="{E0ACB98A-C89B-4929-A703-94259A65428B}"/>
+              </a:ext>
+            </a:extLst>
+          </p:cNvPr>
+          <p:cNvSpPr txBox="1"/>
+          <p:nvPr/>
+        </p:nvSpPr>
+        <p:spPr>
+          <a:xfrm>
+            <a:off x="10614999" y="2046593"/>
+            <a:ext cx="925253" cy="369332"/>
+          </a:xfrm>
+          <a:prstGeom prst="rect">
+            <a:avLst/>
+          </a:prstGeom>
+          <a:noFill/>
+        </p:spPr>
+        <p:txBody>
+          <a:bodyPr wrap="none" rtlCol="0">
+            <a:spAutoFit/>
+          </a:bodyPr>
+          <a:lstStyle/>
+          <a:p>
+            <a:r>
+              <a:rPr lang="fr-FR" dirty="0"/>
+              <a:t>Thomas</a:t>
+            </a:r>
+          </a:p>
+        </p:txBody>
+      </p:sp>
+      <p:sp>
+        <p:nvSpPr>
+          <p:cNvPr id="15" name="Rectangle : coins arrondis 14">
+            <a:extLst>
+              <a:ext uri="{FF2B5EF4-FFF2-40B4-BE49-F238E27FC236}">
+                <a16:creationId xmlns:a16="http://schemas.microsoft.com/office/drawing/2014/main" id="{C9B032DC-BEA4-4CA8-868C-B1DFB4E70287}"/>
+              </a:ext>
+            </a:extLst>
+          </p:cNvPr>
+          <p:cNvSpPr/>
+          <p:nvPr/>
+        </p:nvSpPr>
+        <p:spPr>
+          <a:xfrm>
+            <a:off x="9907427" y="2601061"/>
+            <a:ext cx="707572" cy="45719"/>
+          </a:xfrm>
+          <a:prstGeom prst="roundRect">
+            <a:avLst/>
+          </a:prstGeom>
+          <a:noFill/>
+          <a:ln w="50800">
+            <a:solidFill>
+              <a:srgbClr val="FF0000"/>
+            </a:solidFill>
+          </a:ln>
+        </p:spPr>
+        <p:style>
+          <a:lnRef idx="2">
+            <a:schemeClr val="accent1">
+              <a:shade val="50000"/>
+            </a:schemeClr>
+          </a:lnRef>
+          <a:fillRef idx="1">
+            <a:schemeClr val="accent1"/>
+          </a:fillRef>
+          <a:effectRef idx="0">
+            <a:schemeClr val="accent1"/>
+          </a:effectRef>
+          <a:fontRef idx="minor">
+            <a:schemeClr val="lt1"/>
+          </a:fontRef>
+        </p:style>
+        <p:txBody>
+          <a:bodyPr rot="0" spcFirstLastPara="0" vert="horz" wrap="square" lIns="91440" tIns="45720" rIns="91440" bIns="45720" numCol="1" spcCol="0" rtlCol="0" fromWordArt="0" anchor="ctr" anchorCtr="0" forceAA="0" compatLnSpc="1">
+            <a:prstTxWarp prst="textNoShape">
+              <a:avLst/>
+            </a:prstTxWarp>
+            <a:noAutofit/>
+          </a:bodyPr>
+          <a:lstStyle/>
+          <a:p>
+            <a:endParaRPr lang="fr-FR"/>
+          </a:p>
+        </p:txBody>
+      </p:sp>
+      <p:sp>
+        <p:nvSpPr>
+          <p:cNvPr id="16" name="ZoneTexte 15">
+            <a:extLst>
+              <a:ext uri="{FF2B5EF4-FFF2-40B4-BE49-F238E27FC236}">
+                <a16:creationId xmlns:a16="http://schemas.microsoft.com/office/drawing/2014/main" id="{48B41F13-2617-4D2B-8E9E-C48ADF79E878}"/>
+              </a:ext>
+            </a:extLst>
+          </p:cNvPr>
+          <p:cNvSpPr txBox="1"/>
+          <p:nvPr/>
+        </p:nvSpPr>
+        <p:spPr>
+          <a:xfrm>
+            <a:off x="10614999" y="2424887"/>
+            <a:ext cx="1195071" cy="369332"/>
+          </a:xfrm>
+          <a:prstGeom prst="rect">
+            <a:avLst/>
+          </a:prstGeom>
+          <a:noFill/>
+        </p:spPr>
+        <p:txBody>
+          <a:bodyPr wrap="none" rtlCol="0">
+            <a:spAutoFit/>
+          </a:bodyPr>
+          <a:lstStyle/>
+          <a:p>
+            <a:r>
+              <a:rPr lang="fr-FR" dirty="0"/>
+              <a:t>Constantin</a:t>
+            </a:r>
+          </a:p>
+        </p:txBody>
+      </p:sp>
+      <p:sp>
+        <p:nvSpPr>
+          <p:cNvPr id="17" name="Rectangle : coins arrondis 16">
+            <a:extLst>
+              <a:ext uri="{FF2B5EF4-FFF2-40B4-BE49-F238E27FC236}">
+                <a16:creationId xmlns:a16="http://schemas.microsoft.com/office/drawing/2014/main" id="{E8DD8EB4-5799-466B-8E0E-6853CD76BBDC}"/>
+              </a:ext>
+            </a:extLst>
+          </p:cNvPr>
+          <p:cNvSpPr/>
+          <p:nvPr/>
+        </p:nvSpPr>
+        <p:spPr>
+          <a:xfrm>
+            <a:off x="9907427" y="2970935"/>
+            <a:ext cx="707572" cy="45719"/>
+          </a:xfrm>
+          <a:prstGeom prst="roundRect">
+            <a:avLst/>
+          </a:prstGeom>
+          <a:noFill/>
+          <a:ln w="50800">
+            <a:solidFill>
+              <a:srgbClr val="00B0F0"/>
+            </a:solidFill>
+          </a:ln>
+        </p:spPr>
+        <p:style>
+          <a:lnRef idx="2">
+            <a:schemeClr val="accent1">
+              <a:shade val="50000"/>
+            </a:schemeClr>
+          </a:lnRef>
+          <a:fillRef idx="1">
+            <a:schemeClr val="accent1"/>
+          </a:fillRef>
+          <a:effectRef idx="0">
+            <a:schemeClr val="accent1"/>
+          </a:effectRef>
+          <a:fontRef idx="minor">
+            <a:schemeClr val="lt1"/>
+          </a:fontRef>
+        </p:style>
+        <p:txBody>
+          <a:bodyPr rot="0" spcFirstLastPara="0" vert="horz" wrap="square" lIns="91440" tIns="45720" rIns="91440" bIns="45720" numCol="1" spcCol="0" rtlCol="0" fromWordArt="0" anchor="ctr" anchorCtr="0" forceAA="0" compatLnSpc="1">
+            <a:prstTxWarp prst="textNoShape">
+              <a:avLst/>
+            </a:prstTxWarp>
+            <a:noAutofit/>
+          </a:bodyPr>
+          <a:lstStyle/>
+          <a:p>
+            <a:endParaRPr lang="fr-FR"/>
+          </a:p>
+        </p:txBody>
+      </p:sp>
+      <p:sp>
+        <p:nvSpPr>
+          <p:cNvPr id="18" name="ZoneTexte 17">
+            <a:extLst>
+              <a:ext uri="{FF2B5EF4-FFF2-40B4-BE49-F238E27FC236}">
+                <a16:creationId xmlns:a16="http://schemas.microsoft.com/office/drawing/2014/main" id="{1B85E7D9-DC72-4AE6-9300-C7C157AAF1D4}"/>
+              </a:ext>
+            </a:extLst>
+          </p:cNvPr>
+          <p:cNvSpPr txBox="1"/>
+          <p:nvPr/>
+        </p:nvSpPr>
+        <p:spPr>
+          <a:xfrm>
+            <a:off x="10614999" y="2786197"/>
+            <a:ext cx="993862" cy="369332"/>
+          </a:xfrm>
+          <a:prstGeom prst="rect">
+            <a:avLst/>
+          </a:prstGeom>
+          <a:noFill/>
+        </p:spPr>
+        <p:txBody>
+          <a:bodyPr wrap="none" rtlCol="0">
+            <a:spAutoFit/>
+          </a:bodyPr>
+          <a:lstStyle/>
+          <a:p>
+            <a:r>
+              <a:rPr lang="fr-FR" dirty="0"/>
+              <a:t>Corentin</a:t>
+            </a:r>
+          </a:p>
+        </p:txBody>
+      </p:sp>
+      <p:sp>
+        <p:nvSpPr>
+          <p:cNvPr id="19" name="Flèche : double flèche horizontale 18">
+            <a:extLst>
+              <a:ext uri="{FF2B5EF4-FFF2-40B4-BE49-F238E27FC236}">
+                <a16:creationId xmlns:a16="http://schemas.microsoft.com/office/drawing/2014/main" id="{096DB570-0746-4C92-9333-0F3669C04558}"/>
+              </a:ext>
+            </a:extLst>
+          </p:cNvPr>
+          <p:cNvSpPr/>
+          <p:nvPr/>
+        </p:nvSpPr>
+        <p:spPr>
+          <a:xfrm rot="16200000">
+            <a:off x="7428681" y="4657774"/>
+            <a:ext cx="535940" cy="234950"/>
+          </a:xfrm>
+          <a:prstGeom prst="leftRightArrow">
+            <a:avLst/>
+          </a:prstGeom>
+          <a:solidFill>
+            <a:srgbClr val="FF0000"/>
+          </a:solidFill>
+          <a:ln>
+            <a:noFill/>
+          </a:ln>
+        </p:spPr>
+        <p:style>
+          <a:lnRef idx="2">
+            <a:schemeClr val="accent1">
+              <a:shade val="50000"/>
+            </a:schemeClr>
+          </a:lnRef>
+          <a:fillRef idx="1">
+            <a:schemeClr val="accent1"/>
+          </a:fillRef>
+          <a:effectRef idx="0">
+            <a:schemeClr val="accent1"/>
+          </a:effectRef>
+          <a:fontRef idx="minor">
+            <a:schemeClr val="lt1"/>
+          </a:fontRef>
+        </p:style>
+        <p:txBody>
+          <a:bodyPr rot="0" spcFirstLastPara="0" vert="horz" wrap="square" lIns="91440" tIns="45720" rIns="91440" bIns="45720" numCol="1" spcCol="0" rtlCol="0" fromWordArt="0" anchor="ctr" anchorCtr="0" forceAA="0" compatLnSpc="1">
+            <a:prstTxWarp prst="textNoShape">
+              <a:avLst/>
+            </a:prstTxWarp>
+            <a:noAutofit/>
+          </a:bodyPr>
+          <a:lstStyle/>
+          <a:p>
+            <a:endParaRPr lang="fr-FR"/>
+          </a:p>
+        </p:txBody>
+      </p:sp>
+      <p:sp>
+        <p:nvSpPr>
+          <p:cNvPr id="20" name="Rectangle : coins arrondis 19">
+            <a:extLst>
+              <a:ext uri="{FF2B5EF4-FFF2-40B4-BE49-F238E27FC236}">
+                <a16:creationId xmlns:a16="http://schemas.microsoft.com/office/drawing/2014/main" id="{35D16060-3BD5-4384-834E-2EBCDCA60699}"/>
+              </a:ext>
+            </a:extLst>
+          </p:cNvPr>
+          <p:cNvSpPr/>
+          <p:nvPr/>
+        </p:nvSpPr>
+        <p:spPr>
+          <a:xfrm>
+            <a:off x="8149315" y="4488657"/>
+            <a:ext cx="449379" cy="164306"/>
+          </a:xfrm>
+          <a:prstGeom prst="roundRect">
+            <a:avLst/>
+          </a:prstGeom>
+          <a:noFill/>
+          <a:ln w="50800">
+            <a:solidFill>
+              <a:srgbClr val="FF0000"/>
+            </a:solidFill>
+          </a:ln>
+        </p:spPr>
+        <p:style>
+          <a:lnRef idx="2">
+            <a:schemeClr val="accent1">
+              <a:shade val="50000"/>
+            </a:schemeClr>
+          </a:lnRef>
+          <a:fillRef idx="1">
+            <a:schemeClr val="accent1"/>
+          </a:fillRef>
+          <a:effectRef idx="0">
+            <a:schemeClr val="accent1"/>
+          </a:effectRef>
+          <a:fontRef idx="minor">
+            <a:schemeClr val="lt1"/>
+          </a:fontRef>
+        </p:style>
+        <p:txBody>
+          <a:bodyPr rot="0" spcFirstLastPara="0" vert="horz" wrap="square" lIns="91440" tIns="45720" rIns="91440" bIns="45720" numCol="1" spcCol="0" rtlCol="0" fromWordArt="0" anchor="ctr" anchorCtr="0" forceAA="0" compatLnSpc="1">
+            <a:prstTxWarp prst="textNoShape">
+              <a:avLst/>
+            </a:prstTxWarp>
+            <a:noAutofit/>
+          </a:bodyPr>
+          <a:lstStyle/>
+          <a:p>
+            <a:endParaRPr lang="fr-FR"/>
+          </a:p>
+        </p:txBody>
+      </p:sp>
+      <p:sp>
+        <p:nvSpPr>
+          <p:cNvPr id="21" name="Rectangle : coins arrondis 20">
+            <a:extLst>
+              <a:ext uri="{FF2B5EF4-FFF2-40B4-BE49-F238E27FC236}">
+                <a16:creationId xmlns:a16="http://schemas.microsoft.com/office/drawing/2014/main" id="{5D361B11-4AA7-4AC6-976F-5354E0BA831E}"/>
+              </a:ext>
+            </a:extLst>
+          </p:cNvPr>
+          <p:cNvSpPr/>
+          <p:nvPr/>
+        </p:nvSpPr>
+        <p:spPr>
+          <a:xfrm>
+            <a:off x="4536622" y="3740944"/>
+            <a:ext cx="1666060" cy="801039"/>
+          </a:xfrm>
+          <a:prstGeom prst="roundRect">
+            <a:avLst/>
+          </a:prstGeom>
+          <a:noFill/>
+          <a:ln w="50800">
+            <a:solidFill>
+              <a:srgbClr val="FF0000"/>
+            </a:solidFill>
+          </a:ln>
+        </p:spPr>
+        <p:style>
+          <a:lnRef idx="2">
+            <a:schemeClr val="accent1">
+              <a:shade val="50000"/>
+            </a:schemeClr>
+          </a:lnRef>
+          <a:fillRef idx="1">
+            <a:schemeClr val="accent1"/>
+          </a:fillRef>
+          <a:effectRef idx="0">
+            <a:schemeClr val="accent1"/>
+          </a:effectRef>
+          <a:fontRef idx="minor">
+            <a:schemeClr val="lt1"/>
+          </a:fontRef>
+        </p:style>
+        <p:txBody>
+          <a:bodyPr rot="0" spcFirstLastPara="0" vert="horz" wrap="square" lIns="91440" tIns="45720" rIns="91440" bIns="45720" numCol="1" spcCol="0" rtlCol="0" fromWordArt="0" anchor="ctr" anchorCtr="0" forceAA="0" compatLnSpc="1">
+            <a:prstTxWarp prst="textNoShape">
+              <a:avLst/>
+            </a:prstTxWarp>
+            <a:noAutofit/>
+          </a:bodyPr>
+          <a:lstStyle/>
+          <a:p>
+            <a:endParaRPr lang="fr-FR"/>
+          </a:p>
+        </p:txBody>
+      </p:sp>
+      <p:sp>
+        <p:nvSpPr>
+          <p:cNvPr id="22" name="Rectangle : coins arrondis 21">
+            <a:extLst>
+              <a:ext uri="{FF2B5EF4-FFF2-40B4-BE49-F238E27FC236}">
+                <a16:creationId xmlns:a16="http://schemas.microsoft.com/office/drawing/2014/main" id="{E2933415-AEC5-44C9-AE56-64F8CE71E3F7}"/>
+              </a:ext>
+            </a:extLst>
+          </p:cNvPr>
+          <p:cNvSpPr/>
+          <p:nvPr/>
+        </p:nvSpPr>
+        <p:spPr>
+          <a:xfrm>
+            <a:off x="2802730" y="2816202"/>
+            <a:ext cx="1674019" cy="801039"/>
+          </a:xfrm>
+          <a:prstGeom prst="roundRect">
+            <a:avLst/>
+          </a:prstGeom>
+          <a:noFill/>
+          <a:ln w="50800">
+            <a:solidFill>
+              <a:srgbClr val="FF0000"/>
+            </a:solidFill>
+          </a:ln>
+        </p:spPr>
+        <p:style>
+          <a:lnRef idx="2">
+            <a:schemeClr val="accent1">
+              <a:shade val="50000"/>
+            </a:schemeClr>
+          </a:lnRef>
+          <a:fillRef idx="1">
+            <a:schemeClr val="accent1"/>
+          </a:fillRef>
+          <a:effectRef idx="0">
+            <a:schemeClr val="accent1"/>
+          </a:effectRef>
+          <a:fontRef idx="minor">
+            <a:schemeClr val="lt1"/>
+          </a:fontRef>
+        </p:style>
+        <p:txBody>
+          <a:bodyPr rot="0" spcFirstLastPara="0" vert="horz" wrap="square" lIns="91440" tIns="45720" rIns="91440" bIns="45720" numCol="1" spcCol="0" rtlCol="0" fromWordArt="0" anchor="ctr" anchorCtr="0" forceAA="0" compatLnSpc="1">
+            <a:prstTxWarp prst="textNoShape">
+              <a:avLst/>
+            </a:prstTxWarp>
+            <a:noAutofit/>
+          </a:bodyPr>
+          <a:lstStyle/>
+          <a:p>
+            <a:endParaRPr lang="fr-FR"/>
+          </a:p>
+        </p:txBody>
+      </p:sp>
+      <p:sp>
+        <p:nvSpPr>
+          <p:cNvPr id="23" name="Flèche : double flèche horizontale 22">
+            <a:extLst>
+              <a:ext uri="{FF2B5EF4-FFF2-40B4-BE49-F238E27FC236}">
+                <a16:creationId xmlns:a16="http://schemas.microsoft.com/office/drawing/2014/main" id="{1071556F-F791-4EA0-8063-D0370A498624}"/>
+              </a:ext>
+            </a:extLst>
+          </p:cNvPr>
+          <p:cNvSpPr/>
+          <p:nvPr/>
+        </p:nvSpPr>
+        <p:spPr>
+          <a:xfrm>
+            <a:off x="6865620" y="5195619"/>
+            <a:ext cx="612865" cy="317994"/>
+          </a:xfrm>
+          <a:prstGeom prst="leftRightArrow">
+            <a:avLst/>
+          </a:prstGeom>
+          <a:solidFill>
+            <a:srgbClr val="2FC9FF"/>
+          </a:solidFill>
+          <a:ln>
+            <a:solidFill>
+              <a:srgbClr val="00B0F0"/>
+            </a:solidFill>
+          </a:ln>
+        </p:spPr>
+        <p:style>
+          <a:lnRef idx="2">
+            <a:schemeClr val="accent1">
+              <a:shade val="50000"/>
+            </a:schemeClr>
+          </a:lnRef>
+          <a:fillRef idx="1">
+            <a:schemeClr val="accent1"/>
+          </a:fillRef>
+          <a:effectRef idx="0">
+            <a:schemeClr val="accent1"/>
+          </a:effectRef>
+          <a:fontRef idx="minor">
+            <a:schemeClr val="lt1"/>
+          </a:fontRef>
+        </p:style>
+        <p:txBody>
+          <a:bodyPr rot="0" spcFirstLastPara="0" vert="horz" wrap="square" lIns="91440" tIns="45720" rIns="91440" bIns="45720" numCol="1" spcCol="0" rtlCol="0" fromWordArt="0" anchor="ctr" anchorCtr="0" forceAA="0" compatLnSpc="1">
+            <a:prstTxWarp prst="textNoShape">
+              <a:avLst/>
+            </a:prstTxWarp>
+            <a:noAutofit/>
+          </a:bodyPr>
+          <a:lstStyle/>
+          <a:p>
+            <a:endParaRPr lang="fr-FR"/>
+          </a:p>
+        </p:txBody>
+      </p:sp>
+      <p:sp>
+        <p:nvSpPr>
+          <p:cNvPr id="24" name="Flèche : double flèche horizontale 23">
+            <a:extLst>
+              <a:ext uri="{FF2B5EF4-FFF2-40B4-BE49-F238E27FC236}">
+                <a16:creationId xmlns:a16="http://schemas.microsoft.com/office/drawing/2014/main" id="{9E1D88BE-4C03-4E58-BF2A-430DC0CFE2A3}"/>
+              </a:ext>
+            </a:extLst>
+          </p:cNvPr>
+          <p:cNvSpPr/>
+          <p:nvPr/>
+        </p:nvSpPr>
+        <p:spPr>
+          <a:xfrm>
+            <a:off x="4563290" y="5665171"/>
+            <a:ext cx="1666060" cy="311085"/>
+          </a:xfrm>
+          <a:prstGeom prst="leftRightArrow">
+            <a:avLst/>
+          </a:prstGeom>
+          <a:solidFill>
+            <a:srgbClr val="1EEA14"/>
+          </a:solidFill>
+          <a:ln>
+            <a:solidFill>
+              <a:srgbClr val="92D050"/>
+            </a:solidFill>
+          </a:ln>
+        </p:spPr>
+        <p:style>
+          <a:lnRef idx="2">
+            <a:schemeClr val="accent1">
+              <a:shade val="50000"/>
+            </a:schemeClr>
+          </a:lnRef>
+          <a:fillRef idx="1">
+            <a:schemeClr val="accent1"/>
+          </a:fillRef>
+          <a:effectRef idx="0">
+            <a:schemeClr val="accent1"/>
+          </a:effectRef>
+          <a:fontRef idx="minor">
+            <a:schemeClr val="lt1"/>
+          </a:fontRef>
+        </p:style>
+        <p:txBody>
+          <a:bodyPr rot="0" spcFirstLastPara="0" vert="horz" wrap="square" lIns="91440" tIns="45720" rIns="91440" bIns="45720" numCol="1" spcCol="0" rtlCol="0" fromWordArt="0" anchor="ctr" anchorCtr="0" forceAA="0" compatLnSpc="1">
+            <a:prstTxWarp prst="textNoShape">
+              <a:avLst/>
+            </a:prstTxWarp>
+            <a:noAutofit/>
+          </a:bodyPr>
+          <a:lstStyle/>
+          <a:p>
+            <a:endParaRPr lang="fr-FR"/>
+          </a:p>
+        </p:txBody>
+      </p:sp>
+      <p:sp>
+        <p:nvSpPr>
+          <p:cNvPr id="25" name="Rectangle : coins arrondis 24">
+            <a:extLst>
+              <a:ext uri="{FF2B5EF4-FFF2-40B4-BE49-F238E27FC236}">
+                <a16:creationId xmlns:a16="http://schemas.microsoft.com/office/drawing/2014/main" id="{489DFF1B-53BB-413F-A40C-14160C2DCD79}"/>
+              </a:ext>
+            </a:extLst>
+          </p:cNvPr>
+          <p:cNvSpPr/>
+          <p:nvPr/>
+        </p:nvSpPr>
+        <p:spPr>
+          <a:xfrm>
+            <a:off x="2802731" y="3747359"/>
+            <a:ext cx="1661954" cy="801039"/>
+          </a:xfrm>
+          <a:prstGeom prst="roundRect">
+            <a:avLst/>
+          </a:prstGeom>
+          <a:noFill/>
+          <a:ln w="50800">
+            <a:solidFill>
+              <a:srgbClr val="92D050"/>
+            </a:solidFill>
+          </a:ln>
+        </p:spPr>
+        <p:style>
+          <a:lnRef idx="2">
+            <a:schemeClr val="accent1">
+              <a:shade val="50000"/>
+            </a:schemeClr>
+          </a:lnRef>
+          <a:fillRef idx="1">
+            <a:schemeClr val="accent1"/>
+          </a:fillRef>
+          <a:effectRef idx="0">
+            <a:schemeClr val="accent1"/>
+          </a:effectRef>
+          <a:fontRef idx="minor">
+            <a:schemeClr val="lt1"/>
+          </a:fontRef>
+        </p:style>
+        <p:txBody>
+          <a:bodyPr rot="0" spcFirstLastPara="0" vert="horz" wrap="square" lIns="91440" tIns="45720" rIns="91440" bIns="45720" numCol="1" spcCol="0" rtlCol="0" fromWordArt="0" anchor="ctr" anchorCtr="0" forceAA="0" compatLnSpc="1">
+            <a:prstTxWarp prst="textNoShape">
+              <a:avLst/>
+            </a:prstTxWarp>
+            <a:noAutofit/>
+          </a:bodyPr>
+          <a:lstStyle/>
+          <a:p>
+            <a:endParaRPr lang="fr-FR"/>
+          </a:p>
+        </p:txBody>
+      </p:sp>
+      <p:sp>
+        <p:nvSpPr>
+          <p:cNvPr id="26" name="Rectangle : coins arrondis 25">
+            <a:extLst>
+              <a:ext uri="{FF2B5EF4-FFF2-40B4-BE49-F238E27FC236}">
+                <a16:creationId xmlns:a16="http://schemas.microsoft.com/office/drawing/2014/main" id="{182E2B6F-2034-4B2C-8B91-AF4F0257F1FA}"/>
+              </a:ext>
+            </a:extLst>
+          </p:cNvPr>
+          <p:cNvSpPr/>
+          <p:nvPr/>
+        </p:nvSpPr>
+        <p:spPr>
+          <a:xfrm>
+            <a:off x="6280150" y="2818392"/>
+            <a:ext cx="1630363" cy="801039"/>
+          </a:xfrm>
+          <a:prstGeom prst="roundRect">
+            <a:avLst/>
+          </a:prstGeom>
+          <a:noFill/>
+          <a:ln w="50800">
+            <a:solidFill>
+              <a:srgbClr val="92D050"/>
+            </a:solidFill>
+          </a:ln>
+        </p:spPr>
+        <p:style>
+          <a:lnRef idx="2">
+            <a:schemeClr val="accent1">
+              <a:shade val="50000"/>
+            </a:schemeClr>
+          </a:lnRef>
+          <a:fillRef idx="1">
+            <a:schemeClr val="accent1"/>
+          </a:fillRef>
+          <a:effectRef idx="0">
+            <a:schemeClr val="accent1"/>
+          </a:effectRef>
+          <a:fontRef idx="minor">
+            <a:schemeClr val="lt1"/>
+          </a:fontRef>
+        </p:style>
+        <p:txBody>
+          <a:bodyPr rot="0" spcFirstLastPara="0" vert="horz" wrap="square" lIns="91440" tIns="45720" rIns="91440" bIns="45720" numCol="1" spcCol="0" rtlCol="0" fromWordArt="0" anchor="ctr" anchorCtr="0" forceAA="0" compatLnSpc="1">
+            <a:prstTxWarp prst="textNoShape">
+              <a:avLst/>
+            </a:prstTxWarp>
+            <a:noAutofit/>
+          </a:bodyPr>
+          <a:lstStyle/>
+          <a:p>
+            <a:endParaRPr lang="fr-FR"/>
+          </a:p>
+        </p:txBody>
+      </p:sp>
+      <p:sp>
+        <p:nvSpPr>
+          <p:cNvPr id="27" name="Rectangle : coins arrondis 26">
+            <a:extLst>
+              <a:ext uri="{FF2B5EF4-FFF2-40B4-BE49-F238E27FC236}">
+                <a16:creationId xmlns:a16="http://schemas.microsoft.com/office/drawing/2014/main" id="{67F0BB05-9A0E-438F-99F2-3FA9E65C5937}"/>
+              </a:ext>
+            </a:extLst>
+          </p:cNvPr>
+          <p:cNvSpPr/>
+          <p:nvPr/>
+        </p:nvSpPr>
+        <p:spPr>
+          <a:xfrm>
+            <a:off x="4541997" y="2816202"/>
+            <a:ext cx="1649888" cy="801039"/>
+          </a:xfrm>
+          <a:prstGeom prst="roundRect">
+            <a:avLst/>
+          </a:prstGeom>
+          <a:noFill/>
+          <a:ln w="50800">
+            <a:solidFill>
+              <a:srgbClr val="00B0F0"/>
+            </a:solidFill>
+          </a:ln>
+        </p:spPr>
+        <p:style>
+          <a:lnRef idx="2">
+            <a:schemeClr val="accent1">
+              <a:shade val="50000"/>
+            </a:schemeClr>
+          </a:lnRef>
+          <a:fillRef idx="1">
+            <a:schemeClr val="accent1"/>
+          </a:fillRef>
+          <a:effectRef idx="0">
+            <a:schemeClr val="accent1"/>
+          </a:effectRef>
+          <a:fontRef idx="minor">
+            <a:schemeClr val="lt1"/>
+          </a:fontRef>
+        </p:style>
+        <p:txBody>
+          <a:bodyPr rot="0" spcFirstLastPara="0" vert="horz" wrap="square" lIns="91440" tIns="45720" rIns="91440" bIns="45720" numCol="1" spcCol="0" rtlCol="0" fromWordArt="0" anchor="ctr" anchorCtr="0" forceAA="0" compatLnSpc="1">
+            <a:prstTxWarp prst="textNoShape">
+              <a:avLst/>
+            </a:prstTxWarp>
+            <a:noAutofit/>
+          </a:bodyPr>
+          <a:lstStyle/>
+          <a:p>
+            <a:endParaRPr lang="fr-FR"/>
+          </a:p>
+        </p:txBody>
+      </p:sp>
+      <p:sp>
+        <p:nvSpPr>
+          <p:cNvPr id="28" name="Rectangle : coins arrondis 27">
+            <a:extLst>
+              <a:ext uri="{FF2B5EF4-FFF2-40B4-BE49-F238E27FC236}">
+                <a16:creationId xmlns:a16="http://schemas.microsoft.com/office/drawing/2014/main" id="{F606E47C-726C-4713-AAF3-C821E5344F3E}"/>
+              </a:ext>
+            </a:extLst>
+          </p:cNvPr>
+          <p:cNvSpPr/>
+          <p:nvPr/>
+        </p:nvSpPr>
+        <p:spPr>
+          <a:xfrm>
+            <a:off x="6268083" y="3749157"/>
+            <a:ext cx="1661954" cy="801039"/>
+          </a:xfrm>
+          <a:prstGeom prst="roundRect">
+            <a:avLst/>
+          </a:prstGeom>
+          <a:noFill/>
+          <a:ln w="50800">
+            <a:solidFill>
+              <a:srgbClr val="00B0F0"/>
+            </a:solidFill>
+          </a:ln>
+        </p:spPr>
+        <p:style>
+          <a:lnRef idx="2">
+            <a:schemeClr val="accent1">
+              <a:shade val="50000"/>
+            </a:schemeClr>
+          </a:lnRef>
+          <a:fillRef idx="1">
+            <a:schemeClr val="accent1"/>
+          </a:fillRef>
+          <a:effectRef idx="0">
+            <a:schemeClr val="accent1"/>
+          </a:effectRef>
+          <a:fontRef idx="minor">
+            <a:schemeClr val="lt1"/>
+          </a:fontRef>
+        </p:style>
+        <p:txBody>
+          <a:bodyPr rot="0" spcFirstLastPara="0" vert="horz" wrap="square" lIns="91440" tIns="45720" rIns="91440" bIns="45720" numCol="1" spcCol="0" rtlCol="0" fromWordArt="0" anchor="ctr" anchorCtr="0" forceAA="0" compatLnSpc="1">
+            <a:prstTxWarp prst="textNoShape">
+              <a:avLst/>
+            </a:prstTxWarp>
+            <a:noAutofit/>
+          </a:bodyPr>
+          <a:lstStyle/>
+          <a:p>
+            <a:endParaRPr lang="fr-FR"/>
+          </a:p>
+        </p:txBody>
+      </p:sp>
+      <p:cxnSp>
+        <p:nvCxnSpPr>
+          <p:cNvPr id="29" name="Connecteur droit 28">
+            <a:extLst>
+              <a:ext uri="{FF2B5EF4-FFF2-40B4-BE49-F238E27FC236}">
+                <a16:creationId xmlns:a16="http://schemas.microsoft.com/office/drawing/2014/main" id="{275F8654-B445-4228-94F2-002ED50C11F4}"/>
+              </a:ext>
+            </a:extLst>
+          </p:cNvPr>
+          <p:cNvCxnSpPr>
+            <a:cxnSpLocks/>
+          </p:cNvCxnSpPr>
+          <p:nvPr/>
+        </p:nvCxnSpPr>
+        <p:spPr>
+          <a:xfrm flipH="1" flipV="1">
+            <a:off x="2002064" y="4570810"/>
+            <a:ext cx="2878658" cy="678299"/>
+          </a:xfrm>
+          <a:prstGeom prst="line">
+            <a:avLst/>
+          </a:prstGeom>
+          <a:ln>
+            <a:solidFill>
+              <a:schemeClr val="accent1"/>
+            </a:solidFill>
+          </a:ln>
+        </p:spPr>
+        <p:style>
+          <a:lnRef idx="3">
+            <a:schemeClr val="accent1"/>
+          </a:lnRef>
+          <a:fillRef idx="0">
+            <a:schemeClr val="accent1"/>
+          </a:fillRef>
+          <a:effectRef idx="2">
+            <a:schemeClr val="accent1"/>
+          </a:effectRef>
+          <a:fontRef idx="minor">
+            <a:schemeClr val="tx1"/>
+          </a:fontRef>
+        </p:style>
+      </p:cxnSp>
+      <p:sp>
+        <p:nvSpPr>
+          <p:cNvPr id="31" name="Zone de texte 45">
+            <a:extLst>
+              <a:ext uri="{FF2B5EF4-FFF2-40B4-BE49-F238E27FC236}">
+                <a16:creationId xmlns:a16="http://schemas.microsoft.com/office/drawing/2014/main" id="{4137D27B-845D-49BA-A870-304F07D89BFE}"/>
+              </a:ext>
+            </a:extLst>
+          </p:cNvPr>
+          <p:cNvSpPr txBox="1"/>
+          <p:nvPr/>
+        </p:nvSpPr>
+        <p:spPr>
+          <a:xfrm>
+            <a:off x="905817" y="4289822"/>
+            <a:ext cx="1095375" cy="561975"/>
+          </a:xfrm>
+          <a:prstGeom prst="rect">
+            <a:avLst/>
+          </a:prstGeom>
+          <a:solidFill>
+            <a:schemeClr val="lt1"/>
+          </a:solidFill>
+          <a:ln w="6350">
+            <a:solidFill>
+              <a:schemeClr val="accent1"/>
+            </a:solidFill>
+          </a:ln>
+        </p:spPr>
+        <p:txBody>
+          <a:bodyPr rot="0" spcFirstLastPara="0" vert="horz" wrap="square" lIns="91440" tIns="45720" rIns="91440" bIns="45720" numCol="1" spcCol="0" rtlCol="0" fromWordArt="0" anchor="t" anchorCtr="0" forceAA="0" compatLnSpc="1">
+            <a:prstTxWarp prst="textNoShape">
+              <a:avLst/>
+            </a:prstTxWarp>
+            <a:noAutofit/>
+          </a:bodyPr>
+          <a:lstStyle/>
+          <a:p>
+            <a:pPr>
+              <a:lnSpc>
+                <a:spcPct val="107000"/>
+              </a:lnSpc>
+              <a:spcAft>
+                <a:spcPts val="800"/>
+              </a:spcAft>
+            </a:pPr>
+            <a:r>
+              <a:rPr lang="fr-FR" sz="1000" dirty="0">
+                <a:solidFill>
+                  <a:schemeClr val="accent1"/>
+                </a:solidFill>
+                <a:effectLst/>
+                <a:latin typeface="Calibri" panose="020F0502020204030204" pitchFamily="34" charset="0"/>
+                <a:ea typeface="Calibri" panose="020F0502020204030204" pitchFamily="34" charset="0"/>
+                <a:cs typeface="Calibri" panose="020F0502020204030204" pitchFamily="34" charset="0"/>
+              </a:rPr>
+              <a:t>Application Web sur l’affichage de l’état de la salle</a:t>
+            </a:r>
+            <a:endParaRPr lang="fr-FR" sz="1100" dirty="0">
+              <a:solidFill>
+                <a:schemeClr val="accent1"/>
+              </a:solidFill>
+              <a:effectLst/>
+              <a:latin typeface="Calibri" panose="020F0502020204030204" pitchFamily="34" charset="0"/>
+              <a:ea typeface="Calibri" panose="020F0502020204030204" pitchFamily="34" charset="0"/>
+              <a:cs typeface="Times New Roman" panose="02020603050405020304" pitchFamily="18" charset="0"/>
+            </a:endParaRPr>
+          </a:p>
+        </p:txBody>
+      </p:sp>
+      <p:cxnSp>
+        <p:nvCxnSpPr>
+          <p:cNvPr id="32" name="Connecteur droit 31">
+            <a:extLst>
+              <a:ext uri="{FF2B5EF4-FFF2-40B4-BE49-F238E27FC236}">
+                <a16:creationId xmlns:a16="http://schemas.microsoft.com/office/drawing/2014/main" id="{7A108338-C537-43B1-B6F3-044BA5E019D3}"/>
+              </a:ext>
+            </a:extLst>
+          </p:cNvPr>
+          <p:cNvCxnSpPr>
+            <a:cxnSpLocks/>
+          </p:cNvCxnSpPr>
+          <p:nvPr/>
+        </p:nvCxnSpPr>
+        <p:spPr>
+          <a:xfrm flipV="1">
+            <a:off x="7026093" y="4775248"/>
+            <a:ext cx="2781391" cy="380401"/>
+          </a:xfrm>
+          <a:prstGeom prst="line">
+            <a:avLst/>
+          </a:prstGeom>
+          <a:ln>
+            <a:solidFill>
+              <a:srgbClr val="2FC9FF"/>
+            </a:solidFill>
+          </a:ln>
+        </p:spPr>
+        <p:style>
+          <a:lnRef idx="3">
+            <a:schemeClr val="accent1"/>
+          </a:lnRef>
+          <a:fillRef idx="0">
+            <a:schemeClr val="accent1"/>
+          </a:fillRef>
+          <a:effectRef idx="2">
+            <a:schemeClr val="accent1"/>
+          </a:effectRef>
+          <a:fontRef idx="minor">
+            <a:schemeClr val="tx1"/>
+          </a:fontRef>
+        </p:style>
+      </p:cxnSp>
+      <p:sp>
+        <p:nvSpPr>
+          <p:cNvPr id="34" name="Zone de texte 44">
+            <a:extLst>
+              <a:ext uri="{FF2B5EF4-FFF2-40B4-BE49-F238E27FC236}">
+                <a16:creationId xmlns:a16="http://schemas.microsoft.com/office/drawing/2014/main" id="{4684EDED-9F12-45D2-926B-0E58883DBD1C}"/>
+              </a:ext>
+            </a:extLst>
+          </p:cNvPr>
+          <p:cNvSpPr txBox="1"/>
+          <p:nvPr/>
+        </p:nvSpPr>
+        <p:spPr>
+          <a:xfrm>
+            <a:off x="9811861" y="4481244"/>
+            <a:ext cx="1095375" cy="561975"/>
+          </a:xfrm>
+          <a:prstGeom prst="rect">
+            <a:avLst/>
+          </a:prstGeom>
+          <a:solidFill>
+            <a:schemeClr val="lt1"/>
+          </a:solidFill>
+          <a:ln w="6350">
+            <a:solidFill>
+              <a:srgbClr val="2FC9FF"/>
+            </a:solidFill>
+          </a:ln>
+        </p:spPr>
+        <p:txBody>
+          <a:bodyPr rot="0" spcFirstLastPara="0" vert="horz" wrap="square" lIns="91440" tIns="45720" rIns="91440" bIns="45720" numCol="1" spcCol="0" rtlCol="0" fromWordArt="0" anchor="t" anchorCtr="0" forceAA="0" compatLnSpc="1">
+            <a:prstTxWarp prst="textNoShape">
+              <a:avLst/>
+            </a:prstTxWarp>
+            <a:noAutofit/>
+          </a:bodyPr>
+          <a:lstStyle/>
+          <a:p>
+            <a:pPr>
+              <a:lnSpc>
+                <a:spcPct val="107000"/>
+              </a:lnSpc>
+              <a:spcAft>
+                <a:spcPts val="800"/>
+              </a:spcAft>
+            </a:pPr>
+            <a:r>
+              <a:rPr lang="fr-FR" sz="1000">
+                <a:solidFill>
+                  <a:srgbClr val="2FC9FF"/>
+                </a:solidFill>
+                <a:effectLst/>
+                <a:latin typeface="Calibri" panose="020F0502020204030204" pitchFamily="34" charset="0"/>
+                <a:ea typeface="Calibri" panose="020F0502020204030204" pitchFamily="34" charset="0"/>
+                <a:cs typeface="Calibri" panose="020F0502020204030204" pitchFamily="34" charset="0"/>
+              </a:rPr>
+              <a:t>Application Web de pilotage des actionneurs</a:t>
+            </a:r>
+            <a:endParaRPr lang="fr-FR" sz="1100">
+              <a:effectLst/>
+              <a:latin typeface="Calibri" panose="020F0502020204030204" pitchFamily="34" charset="0"/>
+              <a:ea typeface="Calibri" panose="020F0502020204030204" pitchFamily="34" charset="0"/>
+              <a:cs typeface="Times New Roman" panose="02020603050405020304" pitchFamily="18" charset="0"/>
             </a:endParaRPr>
           </a:p>
         </p:txBody>
@@ -3955,6 +5353,101 @@
     <p:extLst>
       <p:ext uri="{BB962C8B-B14F-4D97-AF65-F5344CB8AC3E}">
         <p14:creationId xmlns:p14="http://schemas.microsoft.com/office/powerpoint/2010/main" val="3816919354"/>
+      </p:ext>
+    </p:extLst>
+  </p:cSld>
+  <p:clrMapOvr>
+    <a:masterClrMapping/>
+  </p:clrMapOvr>
+</p:sld>
+</file>
+
+<file path=ppt/slides/slide3.xml><?xml version="1.0" encoding="utf-8"?>
+<p:sld xmlns:a="http://schemas.openxmlformats.org/drawingml/2006/main" xmlns:r="http://schemas.openxmlformats.org/officeDocument/2006/relationships" xmlns:p="http://schemas.openxmlformats.org/presentationml/2006/main">
+  <p:cSld>
+    <p:spTree>
+      <p:nvGrpSpPr>
+        <p:cNvPr id="1" name=""/>
+        <p:cNvGrpSpPr/>
+        <p:nvPr/>
+      </p:nvGrpSpPr>
+      <p:grpSpPr>
+        <a:xfrm>
+          <a:off x="0" y="0"/>
+          <a:ext cx="0" cy="0"/>
+          <a:chOff x="0" y="0"/>
+          <a:chExt cx="0" cy="0"/>
+        </a:xfrm>
+      </p:grpSpPr>
+      <p:sp>
+        <p:nvSpPr>
+          <p:cNvPr id="2" name="Titre 1">
+            <a:extLst>
+              <a:ext uri="{FF2B5EF4-FFF2-40B4-BE49-F238E27FC236}">
+                <a16:creationId xmlns:a16="http://schemas.microsoft.com/office/drawing/2014/main" id="{3B0C423D-65A1-40D8-8751-302A287BBB8F}"/>
+              </a:ext>
+            </a:extLst>
+          </p:cNvPr>
+          <p:cNvSpPr>
+            <a:spLocks noGrp="1"/>
+          </p:cNvSpPr>
+          <p:nvPr>
+            <p:ph type="title"/>
+          </p:nvPr>
+        </p:nvSpPr>
+        <p:spPr/>
+        <p:txBody>
+          <a:bodyPr/>
+          <a:lstStyle/>
+          <a:p>
+            <a:pPr algn="ctr"/>
+            <a:r>
+              <a:rPr lang="fr-FR" b="1" dirty="0">
+                <a:latin typeface="+mn-lt"/>
+              </a:rPr>
+              <a:t>Mes tâches</a:t>
+            </a:r>
+          </a:p>
+        </p:txBody>
+      </p:sp>
+      <p:pic>
+        <p:nvPicPr>
+          <p:cNvPr id="4" name="Image 3">
+            <a:extLst>
+              <a:ext uri="{FF2B5EF4-FFF2-40B4-BE49-F238E27FC236}">
+                <a16:creationId xmlns:a16="http://schemas.microsoft.com/office/drawing/2014/main" id="{B7441BCA-F2F3-49D7-9D50-474CE98A3A2A}"/>
+              </a:ext>
+            </a:extLst>
+          </p:cNvPr>
+          <p:cNvPicPr/>
+          <p:nvPr/>
+        </p:nvPicPr>
+        <p:blipFill>
+          <a:blip r:embed="rId2">
+            <a:extLst>
+              <a:ext uri="{28A0092B-C50C-407E-A947-70E740481C1C}">
+                <a14:useLocalDpi xmlns:a14="http://schemas.microsoft.com/office/drawing/2010/main" val="0"/>
+              </a:ext>
+            </a:extLst>
+          </a:blip>
+          <a:stretch>
+            <a:fillRect/>
+          </a:stretch>
+        </p:blipFill>
+        <p:spPr>
+          <a:xfrm>
+            <a:off x="2876550" y="1690688"/>
+            <a:ext cx="6438900" cy="4362132"/>
+          </a:xfrm>
+          <a:prstGeom prst="rect">
+            <a:avLst/>
+          </a:prstGeom>
+        </p:spPr>
+      </p:pic>
+    </p:spTree>
+    <p:extLst>
+      <p:ext uri="{BB962C8B-B14F-4D97-AF65-F5344CB8AC3E}">
+        <p14:creationId xmlns:p14="http://schemas.microsoft.com/office/powerpoint/2010/main" val="3626107938"/>
       </p:ext>
     </p:extLst>
   </p:cSld>

--- a/Etudiants/Joshua/PremièreRevueDeProjet.pptx
+++ b/Etudiants/Joshua/PremièreRevueDeProjet.pptx
@@ -8,6 +8,7 @@
     <p:sldId id="256" r:id="rId2"/>
     <p:sldId id="257" r:id="rId3"/>
     <p:sldId id="258" r:id="rId4"/>
+    <p:sldId id="259" r:id="rId5"/>
   </p:sldIdLst>
   <p:sldSz cx="12192000" cy="6858000"/>
   <p:notesSz cx="6858000" cy="9144000"/>
@@ -261,7 +262,7 @@
           <a:p>
             <a:fld id="{A5A52D65-5D23-4759-866C-BD4D7E81B3B3}" type="datetimeFigureOut">
               <a:rPr lang="fr-FR" smtClean="0"/>
-              <a:t>21/01/2020</a:t>
+              <a:t>22/01/2020</a:t>
             </a:fld>
             <a:endParaRPr lang="fr-FR"/>
           </a:p>
@@ -459,7 +460,7 @@
           <a:p>
             <a:fld id="{A5A52D65-5D23-4759-866C-BD4D7E81B3B3}" type="datetimeFigureOut">
               <a:rPr lang="fr-FR" smtClean="0"/>
-              <a:t>21/01/2020</a:t>
+              <a:t>22/01/2020</a:t>
             </a:fld>
             <a:endParaRPr lang="fr-FR"/>
           </a:p>
@@ -667,7 +668,7 @@
           <a:p>
             <a:fld id="{A5A52D65-5D23-4759-866C-BD4D7E81B3B3}" type="datetimeFigureOut">
               <a:rPr lang="fr-FR" smtClean="0"/>
-              <a:t>21/01/2020</a:t>
+              <a:t>22/01/2020</a:t>
             </a:fld>
             <a:endParaRPr lang="fr-FR"/>
           </a:p>
@@ -865,7 +866,7 @@
           <a:p>
             <a:fld id="{A5A52D65-5D23-4759-866C-BD4D7E81B3B3}" type="datetimeFigureOut">
               <a:rPr lang="fr-FR" smtClean="0"/>
-              <a:t>21/01/2020</a:t>
+              <a:t>22/01/2020</a:t>
             </a:fld>
             <a:endParaRPr lang="fr-FR"/>
           </a:p>
@@ -1140,7 +1141,7 @@
           <a:p>
             <a:fld id="{A5A52D65-5D23-4759-866C-BD4D7E81B3B3}" type="datetimeFigureOut">
               <a:rPr lang="fr-FR" smtClean="0"/>
-              <a:t>21/01/2020</a:t>
+              <a:t>22/01/2020</a:t>
             </a:fld>
             <a:endParaRPr lang="fr-FR"/>
           </a:p>
@@ -1405,7 +1406,7 @@
           <a:p>
             <a:fld id="{A5A52D65-5D23-4759-866C-BD4D7E81B3B3}" type="datetimeFigureOut">
               <a:rPr lang="fr-FR" smtClean="0"/>
-              <a:t>21/01/2020</a:t>
+              <a:t>22/01/2020</a:t>
             </a:fld>
             <a:endParaRPr lang="fr-FR"/>
           </a:p>
@@ -1817,7 +1818,7 @@
           <a:p>
             <a:fld id="{A5A52D65-5D23-4759-866C-BD4D7E81B3B3}" type="datetimeFigureOut">
               <a:rPr lang="fr-FR" smtClean="0"/>
-              <a:t>21/01/2020</a:t>
+              <a:t>22/01/2020</a:t>
             </a:fld>
             <a:endParaRPr lang="fr-FR"/>
           </a:p>
@@ -1958,7 +1959,7 @@
           <a:p>
             <a:fld id="{A5A52D65-5D23-4759-866C-BD4D7E81B3B3}" type="datetimeFigureOut">
               <a:rPr lang="fr-FR" smtClean="0"/>
-              <a:t>21/01/2020</a:t>
+              <a:t>22/01/2020</a:t>
             </a:fld>
             <a:endParaRPr lang="fr-FR"/>
           </a:p>
@@ -2071,7 +2072,7 @@
           <a:p>
             <a:fld id="{A5A52D65-5D23-4759-866C-BD4D7E81B3B3}" type="datetimeFigureOut">
               <a:rPr lang="fr-FR" smtClean="0"/>
-              <a:t>21/01/2020</a:t>
+              <a:t>22/01/2020</a:t>
             </a:fld>
             <a:endParaRPr lang="fr-FR"/>
           </a:p>
@@ -2382,7 +2383,7 @@
           <a:p>
             <a:fld id="{A5A52D65-5D23-4759-866C-BD4D7E81B3B3}" type="datetimeFigureOut">
               <a:rPr lang="fr-FR" smtClean="0"/>
-              <a:t>21/01/2020</a:t>
+              <a:t>22/01/2020</a:t>
             </a:fld>
             <a:endParaRPr lang="fr-FR"/>
           </a:p>
@@ -2670,7 +2671,7 @@
           <a:p>
             <a:fld id="{A5A52D65-5D23-4759-866C-BD4D7E81B3B3}" type="datetimeFigureOut">
               <a:rPr lang="fr-FR" smtClean="0"/>
-              <a:t>21/01/2020</a:t>
+              <a:t>22/01/2020</a:t>
             </a:fld>
             <a:endParaRPr lang="fr-FR"/>
           </a:p>
@@ -2911,7 +2912,7 @@
           <a:p>
             <a:fld id="{A5A52D65-5D23-4759-866C-BD4D7E81B3B3}" type="datetimeFigureOut">
               <a:rPr lang="fr-FR" smtClean="0"/>
-              <a:t>21/01/2020</a:t>
+              <a:t>22/01/2020</a:t>
             </a:fld>
             <a:endParaRPr lang="fr-FR"/>
           </a:p>
@@ -5457,6 +5458,67 @@
 </p:sld>
 </file>
 
+<file path=ppt/slides/slide4.xml><?xml version="1.0" encoding="utf-8"?>
+<p:sld xmlns:a="http://schemas.openxmlformats.org/drawingml/2006/main" xmlns:r="http://schemas.openxmlformats.org/officeDocument/2006/relationships" xmlns:p="http://schemas.openxmlformats.org/presentationml/2006/main">
+  <p:cSld>
+    <p:spTree>
+      <p:nvGrpSpPr>
+        <p:cNvPr id="1" name=""/>
+        <p:cNvGrpSpPr/>
+        <p:nvPr/>
+      </p:nvGrpSpPr>
+      <p:grpSpPr>
+        <a:xfrm>
+          <a:off x="0" y="0"/>
+          <a:ext cx="0" cy="0"/>
+          <a:chOff x="0" y="0"/>
+          <a:chExt cx="0" cy="0"/>
+        </a:xfrm>
+      </p:grpSpPr>
+      <p:sp>
+        <p:nvSpPr>
+          <p:cNvPr id="2" name="Titre 1">
+            <a:extLst>
+              <a:ext uri="{FF2B5EF4-FFF2-40B4-BE49-F238E27FC236}">
+                <a16:creationId xmlns:a16="http://schemas.microsoft.com/office/drawing/2014/main" id="{DF612B1D-5567-4A97-95B9-F3C81010C1DF}"/>
+              </a:ext>
+            </a:extLst>
+          </p:cNvPr>
+          <p:cNvSpPr>
+            <a:spLocks noGrp="1"/>
+          </p:cNvSpPr>
+          <p:nvPr>
+            <p:ph type="title"/>
+          </p:nvPr>
+        </p:nvSpPr>
+        <p:spPr/>
+        <p:txBody>
+          <a:bodyPr/>
+          <a:lstStyle/>
+          <a:p>
+            <a:pPr algn="ctr"/>
+            <a:r>
+              <a:rPr lang="fr-FR" b="1" dirty="0">
+                <a:latin typeface="+mn-lt"/>
+              </a:rPr>
+              <a:t>Mécanisme n°1 : </a:t>
+            </a:r>
+          </a:p>
+        </p:txBody>
+      </p:sp>
+    </p:spTree>
+    <p:extLst>
+      <p:ext uri="{BB962C8B-B14F-4D97-AF65-F5344CB8AC3E}">
+        <p14:creationId xmlns:p14="http://schemas.microsoft.com/office/powerpoint/2010/main" val="2394584400"/>
+      </p:ext>
+    </p:extLst>
+  </p:cSld>
+  <p:clrMapOvr>
+    <a:masterClrMapping/>
+  </p:clrMapOvr>
+</p:sld>
+</file>
+
 <file path=ppt/theme/theme1.xml><?xml version="1.0" encoding="utf-8"?>
 <a:theme xmlns:a="http://schemas.openxmlformats.org/drawingml/2006/main" name="Thème Office">
   <a:themeElements>

--- a/Etudiants/Joshua/PremièreRevueDeProjet.pptx
+++ b/Etudiants/Joshua/PremièreRevueDeProjet.pptx
@@ -2,13 +2,23 @@
 <file path=ppt/presentation.xml><?xml version="1.0" encoding="utf-8"?>
 <p:presentation xmlns:a="http://schemas.openxmlformats.org/drawingml/2006/main" xmlns:r="http://schemas.openxmlformats.org/officeDocument/2006/relationships" xmlns:p="http://schemas.openxmlformats.org/presentationml/2006/main" saveSubsetFonts="1">
   <p:sldMasterIdLst>
-    <p:sldMasterId id="2147483648" r:id="rId1"/>
+    <p:sldMasterId id="2147483679" r:id="rId1"/>
   </p:sldMasterIdLst>
   <p:sldIdLst>
-    <p:sldId id="256" r:id="rId2"/>
-    <p:sldId id="257" r:id="rId3"/>
-    <p:sldId id="258" r:id="rId4"/>
-    <p:sldId id="259" r:id="rId5"/>
+    <p:sldId id="257" r:id="rId2"/>
+    <p:sldId id="261" r:id="rId3"/>
+    <p:sldId id="272" r:id="rId4"/>
+    <p:sldId id="258" r:id="rId5"/>
+    <p:sldId id="268" r:id="rId6"/>
+    <p:sldId id="260" r:id="rId7"/>
+    <p:sldId id="259" r:id="rId8"/>
+    <p:sldId id="263" r:id="rId9"/>
+    <p:sldId id="262" r:id="rId10"/>
+    <p:sldId id="265" r:id="rId11"/>
+    <p:sldId id="264" r:id="rId12"/>
+    <p:sldId id="267" r:id="rId13"/>
+    <p:sldId id="269" r:id="rId14"/>
+    <p:sldId id="270" r:id="rId15"/>
   </p:sldIdLst>
   <p:sldSz cx="12192000" cy="6858000"/>
   <p:notesSz cx="6858000" cy="9144000"/>
@@ -137,7 +147,7 @@
           <p:cNvPr id="2" name="Titre 1">
             <a:extLst>
               <a:ext uri="{FF2B5EF4-FFF2-40B4-BE49-F238E27FC236}">
-                <a16:creationId xmlns:a16="http://schemas.microsoft.com/office/drawing/2014/main" id="{0541BD78-D717-4E66-AF1B-EBCA2716F76F}"/>
+                <a16:creationId xmlns:a16="http://schemas.microsoft.com/office/drawing/2014/main" id="{BF69487B-8DB4-4A44-8E4D-932106E71721}"/>
               </a:ext>
             </a:extLst>
           </p:cNvPr>
@@ -174,7 +184,7 @@
           <p:cNvPr id="3" name="Sous-titre 2">
             <a:extLst>
               <a:ext uri="{FF2B5EF4-FFF2-40B4-BE49-F238E27FC236}">
-                <a16:creationId xmlns:a16="http://schemas.microsoft.com/office/drawing/2014/main" id="{84DCA9DF-1008-4023-8CC7-4D6CF1EA177D}"/>
+                <a16:creationId xmlns:a16="http://schemas.microsoft.com/office/drawing/2014/main" id="{60D63030-FD85-4606-944D-8BEBCE4551E3}"/>
               </a:ext>
             </a:extLst>
           </p:cNvPr>
@@ -244,7 +254,7 @@
           <p:cNvPr id="4" name="Espace réservé de la date 3">
             <a:extLst>
               <a:ext uri="{FF2B5EF4-FFF2-40B4-BE49-F238E27FC236}">
-                <a16:creationId xmlns:a16="http://schemas.microsoft.com/office/drawing/2014/main" id="{153746E0-7C68-451A-BF69-E443671EF650}"/>
+                <a16:creationId xmlns:a16="http://schemas.microsoft.com/office/drawing/2014/main" id="{824D4853-3CB0-4B26-AFCF-F6172C3AC59A}"/>
               </a:ext>
             </a:extLst>
           </p:cNvPr>
@@ -262,7 +272,7 @@
           <a:p>
             <a:fld id="{A5A52D65-5D23-4759-866C-BD4D7E81B3B3}" type="datetimeFigureOut">
               <a:rPr lang="fr-FR" smtClean="0"/>
-              <a:t>22/01/2020</a:t>
+              <a:t>28/01/2020</a:t>
             </a:fld>
             <a:endParaRPr lang="fr-FR"/>
           </a:p>
@@ -273,7 +283,7 @@
           <p:cNvPr id="5" name="Espace réservé du pied de page 4">
             <a:extLst>
               <a:ext uri="{FF2B5EF4-FFF2-40B4-BE49-F238E27FC236}">
-                <a16:creationId xmlns:a16="http://schemas.microsoft.com/office/drawing/2014/main" id="{0B72B273-2776-492A-BC31-A9EFF52D9C52}"/>
+                <a16:creationId xmlns:a16="http://schemas.microsoft.com/office/drawing/2014/main" id="{49B0BF7F-6046-427C-A5B1-FB7DA8F80438}"/>
               </a:ext>
             </a:extLst>
           </p:cNvPr>
@@ -298,7 +308,7 @@
           <p:cNvPr id="6" name="Espace réservé du numéro de diapositive 5">
             <a:extLst>
               <a:ext uri="{FF2B5EF4-FFF2-40B4-BE49-F238E27FC236}">
-                <a16:creationId xmlns:a16="http://schemas.microsoft.com/office/drawing/2014/main" id="{7EC02C92-08F9-45E0-81AF-1255D5375C79}"/>
+                <a16:creationId xmlns:a16="http://schemas.microsoft.com/office/drawing/2014/main" id="{B8B39E72-8DDF-472B-8C4D-F69CC4176DE7}"/>
               </a:ext>
             </a:extLst>
           </p:cNvPr>
@@ -325,7 +335,7 @@
     </p:spTree>
     <p:extLst>
       <p:ext uri="{BB962C8B-B14F-4D97-AF65-F5344CB8AC3E}">
-        <p14:creationId xmlns:p14="http://schemas.microsoft.com/office/powerpoint/2010/main" val="1761793988"/>
+        <p14:creationId xmlns:p14="http://schemas.microsoft.com/office/powerpoint/2010/main" val="2242735894"/>
       </p:ext>
     </p:extLst>
   </p:cSld>
@@ -357,7 +367,7 @@
           <p:cNvPr id="2" name="Titre 1">
             <a:extLst>
               <a:ext uri="{FF2B5EF4-FFF2-40B4-BE49-F238E27FC236}">
-                <a16:creationId xmlns:a16="http://schemas.microsoft.com/office/drawing/2014/main" id="{8A174E2C-DA53-44FD-990D-2E4E7393D0B9}"/>
+                <a16:creationId xmlns:a16="http://schemas.microsoft.com/office/drawing/2014/main" id="{34974D59-5E58-44B2-B0A3-BAAB02175B2D}"/>
               </a:ext>
             </a:extLst>
           </p:cNvPr>
@@ -385,7 +395,7 @@
           <p:cNvPr id="3" name="Espace réservé du texte vertical 2">
             <a:extLst>
               <a:ext uri="{FF2B5EF4-FFF2-40B4-BE49-F238E27FC236}">
-                <a16:creationId xmlns:a16="http://schemas.microsoft.com/office/drawing/2014/main" id="{004D18F8-F711-4080-9C5C-E0ACA77B5467}"/>
+                <a16:creationId xmlns:a16="http://schemas.microsoft.com/office/drawing/2014/main" id="{4043D366-4518-4334-B346-4779581038D6}"/>
               </a:ext>
             </a:extLst>
           </p:cNvPr>
@@ -442,7 +452,7 @@
           <p:cNvPr id="4" name="Espace réservé de la date 3">
             <a:extLst>
               <a:ext uri="{FF2B5EF4-FFF2-40B4-BE49-F238E27FC236}">
-                <a16:creationId xmlns:a16="http://schemas.microsoft.com/office/drawing/2014/main" id="{73B0D370-3463-46C9-B595-596B321CFF65}"/>
+                <a16:creationId xmlns:a16="http://schemas.microsoft.com/office/drawing/2014/main" id="{5BFABD00-DE6C-4571-A7D2-BFB2288049E1}"/>
               </a:ext>
             </a:extLst>
           </p:cNvPr>
@@ -460,7 +470,7 @@
           <a:p>
             <a:fld id="{A5A52D65-5D23-4759-866C-BD4D7E81B3B3}" type="datetimeFigureOut">
               <a:rPr lang="fr-FR" smtClean="0"/>
-              <a:t>22/01/2020</a:t>
+              <a:t>28/01/2020</a:t>
             </a:fld>
             <a:endParaRPr lang="fr-FR"/>
           </a:p>
@@ -471,7 +481,7 @@
           <p:cNvPr id="5" name="Espace réservé du pied de page 4">
             <a:extLst>
               <a:ext uri="{FF2B5EF4-FFF2-40B4-BE49-F238E27FC236}">
-                <a16:creationId xmlns:a16="http://schemas.microsoft.com/office/drawing/2014/main" id="{4A9B7B38-9B5C-4417-8A9A-FAE5118D8360}"/>
+                <a16:creationId xmlns:a16="http://schemas.microsoft.com/office/drawing/2014/main" id="{BE29521E-0B41-4E15-BF58-3CB1A8DC1ECF}"/>
               </a:ext>
             </a:extLst>
           </p:cNvPr>
@@ -496,7 +506,7 @@
           <p:cNvPr id="6" name="Espace réservé du numéro de diapositive 5">
             <a:extLst>
               <a:ext uri="{FF2B5EF4-FFF2-40B4-BE49-F238E27FC236}">
-                <a16:creationId xmlns:a16="http://schemas.microsoft.com/office/drawing/2014/main" id="{F3A6FC9B-9C92-45E4-BC96-2C178018F5FB}"/>
+                <a16:creationId xmlns:a16="http://schemas.microsoft.com/office/drawing/2014/main" id="{F660AF23-1FA6-4F56-A0D2-6BED407CD034}"/>
               </a:ext>
             </a:extLst>
           </p:cNvPr>
@@ -523,7 +533,7 @@
     </p:spTree>
     <p:extLst>
       <p:ext uri="{BB962C8B-B14F-4D97-AF65-F5344CB8AC3E}">
-        <p14:creationId xmlns:p14="http://schemas.microsoft.com/office/powerpoint/2010/main" val="2685439531"/>
+        <p14:creationId xmlns:p14="http://schemas.microsoft.com/office/powerpoint/2010/main" val="3734705626"/>
       </p:ext>
     </p:extLst>
   </p:cSld>
@@ -555,7 +565,7 @@
           <p:cNvPr id="2" name="Titre vertical 1">
             <a:extLst>
               <a:ext uri="{FF2B5EF4-FFF2-40B4-BE49-F238E27FC236}">
-                <a16:creationId xmlns:a16="http://schemas.microsoft.com/office/drawing/2014/main" id="{C5D0D0DC-2983-45F1-9182-983D31F90EB8}"/>
+                <a16:creationId xmlns:a16="http://schemas.microsoft.com/office/drawing/2014/main" id="{EB47489E-0F04-4047-BE8C-FC50D9B884DE}"/>
               </a:ext>
             </a:extLst>
           </p:cNvPr>
@@ -588,7 +598,7 @@
           <p:cNvPr id="3" name="Espace réservé du texte vertical 2">
             <a:extLst>
               <a:ext uri="{FF2B5EF4-FFF2-40B4-BE49-F238E27FC236}">
-                <a16:creationId xmlns:a16="http://schemas.microsoft.com/office/drawing/2014/main" id="{43CA2FED-2191-461A-A75E-38078A1F3FFA}"/>
+                <a16:creationId xmlns:a16="http://schemas.microsoft.com/office/drawing/2014/main" id="{365618D9-EFB2-47E6-A51F-9115B324BAFD}"/>
               </a:ext>
             </a:extLst>
           </p:cNvPr>
@@ -650,7 +660,7 @@
           <p:cNvPr id="4" name="Espace réservé de la date 3">
             <a:extLst>
               <a:ext uri="{FF2B5EF4-FFF2-40B4-BE49-F238E27FC236}">
-                <a16:creationId xmlns:a16="http://schemas.microsoft.com/office/drawing/2014/main" id="{C75321F0-EE73-480B-A189-A607CB387C42}"/>
+                <a16:creationId xmlns:a16="http://schemas.microsoft.com/office/drawing/2014/main" id="{1724B744-7C14-4E80-BD5C-47EEF24BD199}"/>
               </a:ext>
             </a:extLst>
           </p:cNvPr>
@@ -668,7 +678,7 @@
           <a:p>
             <a:fld id="{A5A52D65-5D23-4759-866C-BD4D7E81B3B3}" type="datetimeFigureOut">
               <a:rPr lang="fr-FR" smtClean="0"/>
-              <a:t>22/01/2020</a:t>
+              <a:t>28/01/2020</a:t>
             </a:fld>
             <a:endParaRPr lang="fr-FR"/>
           </a:p>
@@ -679,7 +689,7 @@
           <p:cNvPr id="5" name="Espace réservé du pied de page 4">
             <a:extLst>
               <a:ext uri="{FF2B5EF4-FFF2-40B4-BE49-F238E27FC236}">
-                <a16:creationId xmlns:a16="http://schemas.microsoft.com/office/drawing/2014/main" id="{32FF6C59-8D4E-4343-B111-32B0666D8D7C}"/>
+                <a16:creationId xmlns:a16="http://schemas.microsoft.com/office/drawing/2014/main" id="{7A1E01E8-AC2C-49BF-AF96-E9996E9C1B22}"/>
               </a:ext>
             </a:extLst>
           </p:cNvPr>
@@ -704,7 +714,7 @@
           <p:cNvPr id="6" name="Espace réservé du numéro de diapositive 5">
             <a:extLst>
               <a:ext uri="{FF2B5EF4-FFF2-40B4-BE49-F238E27FC236}">
-                <a16:creationId xmlns:a16="http://schemas.microsoft.com/office/drawing/2014/main" id="{0C55640C-20EC-4075-B24B-9DF31FC8FEFD}"/>
+                <a16:creationId xmlns:a16="http://schemas.microsoft.com/office/drawing/2014/main" id="{1C83E190-3B1C-4893-8AD8-2FFBFA1DE280}"/>
               </a:ext>
             </a:extLst>
           </p:cNvPr>
@@ -731,7 +741,7 @@
     </p:spTree>
     <p:extLst>
       <p:ext uri="{BB962C8B-B14F-4D97-AF65-F5344CB8AC3E}">
-        <p14:creationId xmlns:p14="http://schemas.microsoft.com/office/powerpoint/2010/main" val="2219662023"/>
+        <p14:creationId xmlns:p14="http://schemas.microsoft.com/office/powerpoint/2010/main" val="627355425"/>
       </p:ext>
     </p:extLst>
   </p:cSld>
@@ -763,7 +773,7 @@
           <p:cNvPr id="2" name="Titre 1">
             <a:extLst>
               <a:ext uri="{FF2B5EF4-FFF2-40B4-BE49-F238E27FC236}">
-                <a16:creationId xmlns:a16="http://schemas.microsoft.com/office/drawing/2014/main" id="{FD263CE8-DB20-4AFD-ABA4-A97D0BD3067F}"/>
+                <a16:creationId xmlns:a16="http://schemas.microsoft.com/office/drawing/2014/main" id="{B2F9B741-4BBF-4324-B967-D037A4873BC7}"/>
               </a:ext>
             </a:extLst>
           </p:cNvPr>
@@ -791,7 +801,7 @@
           <p:cNvPr id="3" name="Espace réservé du contenu 2">
             <a:extLst>
               <a:ext uri="{FF2B5EF4-FFF2-40B4-BE49-F238E27FC236}">
-                <a16:creationId xmlns:a16="http://schemas.microsoft.com/office/drawing/2014/main" id="{E22612F4-2AE4-4A20-8144-3B8EED1FEE13}"/>
+                <a16:creationId xmlns:a16="http://schemas.microsoft.com/office/drawing/2014/main" id="{B5A49232-3C9B-4998-BD09-99834061C880}"/>
               </a:ext>
             </a:extLst>
           </p:cNvPr>
@@ -848,7 +858,7 @@
           <p:cNvPr id="4" name="Espace réservé de la date 3">
             <a:extLst>
               <a:ext uri="{FF2B5EF4-FFF2-40B4-BE49-F238E27FC236}">
-                <a16:creationId xmlns:a16="http://schemas.microsoft.com/office/drawing/2014/main" id="{B51527C2-0350-41F5-A07C-54AEB760BD08}"/>
+                <a16:creationId xmlns:a16="http://schemas.microsoft.com/office/drawing/2014/main" id="{6620AEE0-25C9-42E8-8137-2251ED0197B5}"/>
               </a:ext>
             </a:extLst>
           </p:cNvPr>
@@ -866,7 +876,7 @@
           <a:p>
             <a:fld id="{A5A52D65-5D23-4759-866C-BD4D7E81B3B3}" type="datetimeFigureOut">
               <a:rPr lang="fr-FR" smtClean="0"/>
-              <a:t>22/01/2020</a:t>
+              <a:t>28/01/2020</a:t>
             </a:fld>
             <a:endParaRPr lang="fr-FR"/>
           </a:p>
@@ -877,7 +887,7 @@
           <p:cNvPr id="5" name="Espace réservé du pied de page 4">
             <a:extLst>
               <a:ext uri="{FF2B5EF4-FFF2-40B4-BE49-F238E27FC236}">
-                <a16:creationId xmlns:a16="http://schemas.microsoft.com/office/drawing/2014/main" id="{403D720E-72A1-4F6F-838E-E73C553688A7}"/>
+                <a16:creationId xmlns:a16="http://schemas.microsoft.com/office/drawing/2014/main" id="{7D01472E-5C6F-436A-B448-E72C2485D5CB}"/>
               </a:ext>
             </a:extLst>
           </p:cNvPr>
@@ -902,7 +912,7 @@
           <p:cNvPr id="6" name="Espace réservé du numéro de diapositive 5">
             <a:extLst>
               <a:ext uri="{FF2B5EF4-FFF2-40B4-BE49-F238E27FC236}">
-                <a16:creationId xmlns:a16="http://schemas.microsoft.com/office/drawing/2014/main" id="{57B36A8B-C508-4ABC-BB3C-98BEF2F31F67}"/>
+                <a16:creationId xmlns:a16="http://schemas.microsoft.com/office/drawing/2014/main" id="{E0465BFF-343A-4304-944D-AFFA1861C5FA}"/>
               </a:ext>
             </a:extLst>
           </p:cNvPr>
@@ -929,7 +939,7 @@
     </p:spTree>
     <p:extLst>
       <p:ext uri="{BB962C8B-B14F-4D97-AF65-F5344CB8AC3E}">
-        <p14:creationId xmlns:p14="http://schemas.microsoft.com/office/powerpoint/2010/main" val="2401930341"/>
+        <p14:creationId xmlns:p14="http://schemas.microsoft.com/office/powerpoint/2010/main" val="3839361541"/>
       </p:ext>
     </p:extLst>
   </p:cSld>
@@ -961,7 +971,7 @@
           <p:cNvPr id="2" name="Titre 1">
             <a:extLst>
               <a:ext uri="{FF2B5EF4-FFF2-40B4-BE49-F238E27FC236}">
-                <a16:creationId xmlns:a16="http://schemas.microsoft.com/office/drawing/2014/main" id="{6F0F1688-B684-4DAA-910E-DD143A1479B5}"/>
+                <a16:creationId xmlns:a16="http://schemas.microsoft.com/office/drawing/2014/main" id="{5E7ACE05-9F5E-4B41-B445-D7768C233EFC}"/>
               </a:ext>
             </a:extLst>
           </p:cNvPr>
@@ -998,7 +1008,7 @@
           <p:cNvPr id="3" name="Espace réservé du texte 2">
             <a:extLst>
               <a:ext uri="{FF2B5EF4-FFF2-40B4-BE49-F238E27FC236}">
-                <a16:creationId xmlns:a16="http://schemas.microsoft.com/office/drawing/2014/main" id="{76361725-B655-4B30-AC28-B40A01174862}"/>
+                <a16:creationId xmlns:a16="http://schemas.microsoft.com/office/drawing/2014/main" id="{088C6126-C212-4D26-A895-C5AA7941393C}"/>
               </a:ext>
             </a:extLst>
           </p:cNvPr>
@@ -1123,7 +1133,7 @@
           <p:cNvPr id="4" name="Espace réservé de la date 3">
             <a:extLst>
               <a:ext uri="{FF2B5EF4-FFF2-40B4-BE49-F238E27FC236}">
-                <a16:creationId xmlns:a16="http://schemas.microsoft.com/office/drawing/2014/main" id="{1BDE41F3-42EE-46A6-93E7-82D1123BCF03}"/>
+                <a16:creationId xmlns:a16="http://schemas.microsoft.com/office/drawing/2014/main" id="{32F231AE-C4D0-47A6-B18F-74B539F5561A}"/>
               </a:ext>
             </a:extLst>
           </p:cNvPr>
@@ -1141,7 +1151,7 @@
           <a:p>
             <a:fld id="{A5A52D65-5D23-4759-866C-BD4D7E81B3B3}" type="datetimeFigureOut">
               <a:rPr lang="fr-FR" smtClean="0"/>
-              <a:t>22/01/2020</a:t>
+              <a:t>28/01/2020</a:t>
             </a:fld>
             <a:endParaRPr lang="fr-FR"/>
           </a:p>
@@ -1152,7 +1162,7 @@
           <p:cNvPr id="5" name="Espace réservé du pied de page 4">
             <a:extLst>
               <a:ext uri="{FF2B5EF4-FFF2-40B4-BE49-F238E27FC236}">
-                <a16:creationId xmlns:a16="http://schemas.microsoft.com/office/drawing/2014/main" id="{7011B108-0F42-44AB-876C-DC74B077797D}"/>
+                <a16:creationId xmlns:a16="http://schemas.microsoft.com/office/drawing/2014/main" id="{4C40219A-D8B4-403C-A63C-2CBE38B6AABA}"/>
               </a:ext>
             </a:extLst>
           </p:cNvPr>
@@ -1177,7 +1187,7 @@
           <p:cNvPr id="6" name="Espace réservé du numéro de diapositive 5">
             <a:extLst>
               <a:ext uri="{FF2B5EF4-FFF2-40B4-BE49-F238E27FC236}">
-                <a16:creationId xmlns:a16="http://schemas.microsoft.com/office/drawing/2014/main" id="{77E2F55F-5755-4559-B321-657CFDB469F7}"/>
+                <a16:creationId xmlns:a16="http://schemas.microsoft.com/office/drawing/2014/main" id="{369BE81B-A5CE-4781-B216-7C069778A83B}"/>
               </a:ext>
             </a:extLst>
           </p:cNvPr>
@@ -1204,7 +1214,7 @@
     </p:spTree>
     <p:extLst>
       <p:ext uri="{BB962C8B-B14F-4D97-AF65-F5344CB8AC3E}">
-        <p14:creationId xmlns:p14="http://schemas.microsoft.com/office/powerpoint/2010/main" val="2468863148"/>
+        <p14:creationId xmlns:p14="http://schemas.microsoft.com/office/powerpoint/2010/main" val="4214954964"/>
       </p:ext>
     </p:extLst>
   </p:cSld>
@@ -1236,7 +1246,7 @@
           <p:cNvPr id="2" name="Titre 1">
             <a:extLst>
               <a:ext uri="{FF2B5EF4-FFF2-40B4-BE49-F238E27FC236}">
-                <a16:creationId xmlns:a16="http://schemas.microsoft.com/office/drawing/2014/main" id="{B6C6B28B-A8A5-4BE0-B7CC-5E01BE437B4B}"/>
+                <a16:creationId xmlns:a16="http://schemas.microsoft.com/office/drawing/2014/main" id="{476EDEFC-5B20-434E-A2FF-A684AE7D6E2E}"/>
               </a:ext>
             </a:extLst>
           </p:cNvPr>
@@ -1264,7 +1274,7 @@
           <p:cNvPr id="3" name="Espace réservé du contenu 2">
             <a:extLst>
               <a:ext uri="{FF2B5EF4-FFF2-40B4-BE49-F238E27FC236}">
-                <a16:creationId xmlns:a16="http://schemas.microsoft.com/office/drawing/2014/main" id="{ACC7D78B-FD6F-430A-A8A2-578C53CD6C08}"/>
+                <a16:creationId xmlns:a16="http://schemas.microsoft.com/office/drawing/2014/main" id="{4438AFF7-F954-45B6-9877-93EEA4931640}"/>
               </a:ext>
             </a:extLst>
           </p:cNvPr>
@@ -1326,7 +1336,7 @@
           <p:cNvPr id="4" name="Espace réservé du contenu 3">
             <a:extLst>
               <a:ext uri="{FF2B5EF4-FFF2-40B4-BE49-F238E27FC236}">
-                <a16:creationId xmlns:a16="http://schemas.microsoft.com/office/drawing/2014/main" id="{7E916CF1-E4E8-4D39-BA14-88C06603B852}"/>
+                <a16:creationId xmlns:a16="http://schemas.microsoft.com/office/drawing/2014/main" id="{3162723E-7445-4DA2-91A8-46494311BF7D}"/>
               </a:ext>
             </a:extLst>
           </p:cNvPr>
@@ -1388,7 +1398,7 @@
           <p:cNvPr id="5" name="Espace réservé de la date 4">
             <a:extLst>
               <a:ext uri="{FF2B5EF4-FFF2-40B4-BE49-F238E27FC236}">
-                <a16:creationId xmlns:a16="http://schemas.microsoft.com/office/drawing/2014/main" id="{4EC1D793-B760-472E-AE5C-DCDE22E1B289}"/>
+                <a16:creationId xmlns:a16="http://schemas.microsoft.com/office/drawing/2014/main" id="{F8B6F5CD-6794-43EE-9EB4-5B8BF5C3B110}"/>
               </a:ext>
             </a:extLst>
           </p:cNvPr>
@@ -1406,7 +1416,7 @@
           <a:p>
             <a:fld id="{A5A52D65-5D23-4759-866C-BD4D7E81B3B3}" type="datetimeFigureOut">
               <a:rPr lang="fr-FR" smtClean="0"/>
-              <a:t>22/01/2020</a:t>
+              <a:t>28/01/2020</a:t>
             </a:fld>
             <a:endParaRPr lang="fr-FR"/>
           </a:p>
@@ -1417,7 +1427,7 @@
           <p:cNvPr id="6" name="Espace réservé du pied de page 5">
             <a:extLst>
               <a:ext uri="{FF2B5EF4-FFF2-40B4-BE49-F238E27FC236}">
-                <a16:creationId xmlns:a16="http://schemas.microsoft.com/office/drawing/2014/main" id="{C63EA7D2-65C2-4028-8E4B-64DCC8D6714D}"/>
+                <a16:creationId xmlns:a16="http://schemas.microsoft.com/office/drawing/2014/main" id="{0DC69397-7590-4486-B94B-66F911188389}"/>
               </a:ext>
             </a:extLst>
           </p:cNvPr>
@@ -1442,7 +1452,7 @@
           <p:cNvPr id="7" name="Espace réservé du numéro de diapositive 6">
             <a:extLst>
               <a:ext uri="{FF2B5EF4-FFF2-40B4-BE49-F238E27FC236}">
-                <a16:creationId xmlns:a16="http://schemas.microsoft.com/office/drawing/2014/main" id="{112C6D46-4310-4776-99BF-E7E37DF1AE5A}"/>
+                <a16:creationId xmlns:a16="http://schemas.microsoft.com/office/drawing/2014/main" id="{4EEDBED7-19DC-4872-BD81-8CA37857C8E4}"/>
               </a:ext>
             </a:extLst>
           </p:cNvPr>
@@ -1469,7 +1479,7 @@
     </p:spTree>
     <p:extLst>
       <p:ext uri="{BB962C8B-B14F-4D97-AF65-F5344CB8AC3E}">
-        <p14:creationId xmlns:p14="http://schemas.microsoft.com/office/powerpoint/2010/main" val="732982077"/>
+        <p14:creationId xmlns:p14="http://schemas.microsoft.com/office/powerpoint/2010/main" val="1606683473"/>
       </p:ext>
     </p:extLst>
   </p:cSld>
@@ -1501,7 +1511,7 @@
           <p:cNvPr id="2" name="Titre 1">
             <a:extLst>
               <a:ext uri="{FF2B5EF4-FFF2-40B4-BE49-F238E27FC236}">
-                <a16:creationId xmlns:a16="http://schemas.microsoft.com/office/drawing/2014/main" id="{EC136D1D-8A32-4209-9791-4B9DCFD3CC0C}"/>
+                <a16:creationId xmlns:a16="http://schemas.microsoft.com/office/drawing/2014/main" id="{879480C2-0EE8-4C04-9BC6-E6466D735D69}"/>
               </a:ext>
             </a:extLst>
           </p:cNvPr>
@@ -1534,7 +1544,7 @@
           <p:cNvPr id="3" name="Espace réservé du texte 2">
             <a:extLst>
               <a:ext uri="{FF2B5EF4-FFF2-40B4-BE49-F238E27FC236}">
-                <a16:creationId xmlns:a16="http://schemas.microsoft.com/office/drawing/2014/main" id="{911B60D3-EDB2-433E-9981-19E218AEA53E}"/>
+                <a16:creationId xmlns:a16="http://schemas.microsoft.com/office/drawing/2014/main" id="{BB1BB5C5-A481-4E52-983E-A2C8980520A7}"/>
               </a:ext>
             </a:extLst>
           </p:cNvPr>
@@ -1605,7 +1615,7 @@
           <p:cNvPr id="4" name="Espace réservé du contenu 3">
             <a:extLst>
               <a:ext uri="{FF2B5EF4-FFF2-40B4-BE49-F238E27FC236}">
-                <a16:creationId xmlns:a16="http://schemas.microsoft.com/office/drawing/2014/main" id="{EF7294CF-C147-4B23-84CB-697CC3205553}"/>
+                <a16:creationId xmlns:a16="http://schemas.microsoft.com/office/drawing/2014/main" id="{9036FF11-0795-4B20-B170-B24F4F701A3A}"/>
               </a:ext>
             </a:extLst>
           </p:cNvPr>
@@ -1667,7 +1677,7 @@
           <p:cNvPr id="5" name="Espace réservé du texte 4">
             <a:extLst>
               <a:ext uri="{FF2B5EF4-FFF2-40B4-BE49-F238E27FC236}">
-                <a16:creationId xmlns:a16="http://schemas.microsoft.com/office/drawing/2014/main" id="{7DA5FC3B-7B99-4FDD-88F1-B12C8965DF97}"/>
+                <a16:creationId xmlns:a16="http://schemas.microsoft.com/office/drawing/2014/main" id="{40853926-FBBD-4266-851F-C83AAD716528}"/>
               </a:ext>
             </a:extLst>
           </p:cNvPr>
@@ -1738,7 +1748,7 @@
           <p:cNvPr id="6" name="Espace réservé du contenu 5">
             <a:extLst>
               <a:ext uri="{FF2B5EF4-FFF2-40B4-BE49-F238E27FC236}">
-                <a16:creationId xmlns:a16="http://schemas.microsoft.com/office/drawing/2014/main" id="{39B79876-2BE1-450D-B218-91F3557C6FE3}"/>
+                <a16:creationId xmlns:a16="http://schemas.microsoft.com/office/drawing/2014/main" id="{31B5D091-0A45-42E1-AF49-AB7B99231DFA}"/>
               </a:ext>
             </a:extLst>
           </p:cNvPr>
@@ -1800,7 +1810,7 @@
           <p:cNvPr id="7" name="Espace réservé de la date 6">
             <a:extLst>
               <a:ext uri="{FF2B5EF4-FFF2-40B4-BE49-F238E27FC236}">
-                <a16:creationId xmlns:a16="http://schemas.microsoft.com/office/drawing/2014/main" id="{F5DDBA4A-4A39-4D92-8E9F-FE3797F600F8}"/>
+                <a16:creationId xmlns:a16="http://schemas.microsoft.com/office/drawing/2014/main" id="{C5C9E0FE-7E32-4508-8959-3827CE08886C}"/>
               </a:ext>
             </a:extLst>
           </p:cNvPr>
@@ -1818,7 +1828,7 @@
           <a:p>
             <a:fld id="{A5A52D65-5D23-4759-866C-BD4D7E81B3B3}" type="datetimeFigureOut">
               <a:rPr lang="fr-FR" smtClean="0"/>
-              <a:t>22/01/2020</a:t>
+              <a:t>28/01/2020</a:t>
             </a:fld>
             <a:endParaRPr lang="fr-FR"/>
           </a:p>
@@ -1829,7 +1839,7 @@
           <p:cNvPr id="8" name="Espace réservé du pied de page 7">
             <a:extLst>
               <a:ext uri="{FF2B5EF4-FFF2-40B4-BE49-F238E27FC236}">
-                <a16:creationId xmlns:a16="http://schemas.microsoft.com/office/drawing/2014/main" id="{4B2510FE-725E-4970-B569-89D938325524}"/>
+                <a16:creationId xmlns:a16="http://schemas.microsoft.com/office/drawing/2014/main" id="{0AB62BB7-3501-4B12-859E-1EE564D27654}"/>
               </a:ext>
             </a:extLst>
           </p:cNvPr>
@@ -1854,7 +1864,7 @@
           <p:cNvPr id="9" name="Espace réservé du numéro de diapositive 8">
             <a:extLst>
               <a:ext uri="{FF2B5EF4-FFF2-40B4-BE49-F238E27FC236}">
-                <a16:creationId xmlns:a16="http://schemas.microsoft.com/office/drawing/2014/main" id="{DCAA67F8-A5F0-4378-BBBE-F47AE07119D2}"/>
+                <a16:creationId xmlns:a16="http://schemas.microsoft.com/office/drawing/2014/main" id="{6381814C-F7DA-4910-A635-94BB5CF72A13}"/>
               </a:ext>
             </a:extLst>
           </p:cNvPr>
@@ -1881,7 +1891,7 @@
     </p:spTree>
     <p:extLst>
       <p:ext uri="{BB962C8B-B14F-4D97-AF65-F5344CB8AC3E}">
-        <p14:creationId xmlns:p14="http://schemas.microsoft.com/office/powerpoint/2010/main" val="163385319"/>
+        <p14:creationId xmlns:p14="http://schemas.microsoft.com/office/powerpoint/2010/main" val="3792149651"/>
       </p:ext>
     </p:extLst>
   </p:cSld>
@@ -1913,7 +1923,7 @@
           <p:cNvPr id="2" name="Titre 1">
             <a:extLst>
               <a:ext uri="{FF2B5EF4-FFF2-40B4-BE49-F238E27FC236}">
-                <a16:creationId xmlns:a16="http://schemas.microsoft.com/office/drawing/2014/main" id="{D996A6B5-6FB1-469D-90BC-D9F045EBAC7B}"/>
+                <a16:creationId xmlns:a16="http://schemas.microsoft.com/office/drawing/2014/main" id="{B2B223E8-884A-45EE-90D1-1CC744BAACA0}"/>
               </a:ext>
             </a:extLst>
           </p:cNvPr>
@@ -1941,7 +1951,7 @@
           <p:cNvPr id="3" name="Espace réservé de la date 2">
             <a:extLst>
               <a:ext uri="{FF2B5EF4-FFF2-40B4-BE49-F238E27FC236}">
-                <a16:creationId xmlns:a16="http://schemas.microsoft.com/office/drawing/2014/main" id="{8779242C-6994-404C-A02B-60A0246BBCBE}"/>
+                <a16:creationId xmlns:a16="http://schemas.microsoft.com/office/drawing/2014/main" id="{59FEA258-DDE5-4453-842C-560D06DAE1C8}"/>
               </a:ext>
             </a:extLst>
           </p:cNvPr>
@@ -1959,7 +1969,7 @@
           <a:p>
             <a:fld id="{A5A52D65-5D23-4759-866C-BD4D7E81B3B3}" type="datetimeFigureOut">
               <a:rPr lang="fr-FR" smtClean="0"/>
-              <a:t>22/01/2020</a:t>
+              <a:t>28/01/2020</a:t>
             </a:fld>
             <a:endParaRPr lang="fr-FR"/>
           </a:p>
@@ -1970,7 +1980,7 @@
           <p:cNvPr id="4" name="Espace réservé du pied de page 3">
             <a:extLst>
               <a:ext uri="{FF2B5EF4-FFF2-40B4-BE49-F238E27FC236}">
-                <a16:creationId xmlns:a16="http://schemas.microsoft.com/office/drawing/2014/main" id="{68305DB9-528B-4338-A502-3D46DFA23B80}"/>
+                <a16:creationId xmlns:a16="http://schemas.microsoft.com/office/drawing/2014/main" id="{A104E7C3-51A4-4F01-BD6D-03CED6658CBE}"/>
               </a:ext>
             </a:extLst>
           </p:cNvPr>
@@ -1995,7 +2005,7 @@
           <p:cNvPr id="5" name="Espace réservé du numéro de diapositive 4">
             <a:extLst>
               <a:ext uri="{FF2B5EF4-FFF2-40B4-BE49-F238E27FC236}">
-                <a16:creationId xmlns:a16="http://schemas.microsoft.com/office/drawing/2014/main" id="{ABAAE2E4-7694-4B09-802C-B3871E12E67E}"/>
+                <a16:creationId xmlns:a16="http://schemas.microsoft.com/office/drawing/2014/main" id="{5FFA9D35-73CA-4386-97D2-2D7666FEDABB}"/>
               </a:ext>
             </a:extLst>
           </p:cNvPr>
@@ -2022,7 +2032,7 @@
     </p:spTree>
     <p:extLst>
       <p:ext uri="{BB962C8B-B14F-4D97-AF65-F5344CB8AC3E}">
-        <p14:creationId xmlns:p14="http://schemas.microsoft.com/office/powerpoint/2010/main" val="2681405504"/>
+        <p14:creationId xmlns:p14="http://schemas.microsoft.com/office/powerpoint/2010/main" val="625164546"/>
       </p:ext>
     </p:extLst>
   </p:cSld>
@@ -2054,7 +2064,7 @@
           <p:cNvPr id="2" name="Espace réservé de la date 1">
             <a:extLst>
               <a:ext uri="{FF2B5EF4-FFF2-40B4-BE49-F238E27FC236}">
-                <a16:creationId xmlns:a16="http://schemas.microsoft.com/office/drawing/2014/main" id="{8B1C6F43-B8C2-4F84-A02B-5C1E4F7EDC8C}"/>
+                <a16:creationId xmlns:a16="http://schemas.microsoft.com/office/drawing/2014/main" id="{188C4990-679F-4350-A8D7-0ADD595EDB74}"/>
               </a:ext>
             </a:extLst>
           </p:cNvPr>
@@ -2072,7 +2082,7 @@
           <a:p>
             <a:fld id="{A5A52D65-5D23-4759-866C-BD4D7E81B3B3}" type="datetimeFigureOut">
               <a:rPr lang="fr-FR" smtClean="0"/>
-              <a:t>22/01/2020</a:t>
+              <a:t>28/01/2020</a:t>
             </a:fld>
             <a:endParaRPr lang="fr-FR"/>
           </a:p>
@@ -2083,7 +2093,7 @@
           <p:cNvPr id="3" name="Espace réservé du pied de page 2">
             <a:extLst>
               <a:ext uri="{FF2B5EF4-FFF2-40B4-BE49-F238E27FC236}">
-                <a16:creationId xmlns:a16="http://schemas.microsoft.com/office/drawing/2014/main" id="{675C10F9-F58E-4BD4-A7D7-87B3016978B7}"/>
+                <a16:creationId xmlns:a16="http://schemas.microsoft.com/office/drawing/2014/main" id="{C32CB98B-FF89-4193-9159-02E506385319}"/>
               </a:ext>
             </a:extLst>
           </p:cNvPr>
@@ -2108,7 +2118,7 @@
           <p:cNvPr id="4" name="Espace réservé du numéro de diapositive 3">
             <a:extLst>
               <a:ext uri="{FF2B5EF4-FFF2-40B4-BE49-F238E27FC236}">
-                <a16:creationId xmlns:a16="http://schemas.microsoft.com/office/drawing/2014/main" id="{3FB3DFEF-DD8A-417E-9199-478318D38C9B}"/>
+                <a16:creationId xmlns:a16="http://schemas.microsoft.com/office/drawing/2014/main" id="{989B1AC4-1C3E-40EE-A02C-6EA7348F2F16}"/>
               </a:ext>
             </a:extLst>
           </p:cNvPr>
@@ -2135,7 +2145,7 @@
     </p:spTree>
     <p:extLst>
       <p:ext uri="{BB962C8B-B14F-4D97-AF65-F5344CB8AC3E}">
-        <p14:creationId xmlns:p14="http://schemas.microsoft.com/office/powerpoint/2010/main" val="2263049284"/>
+        <p14:creationId xmlns:p14="http://schemas.microsoft.com/office/powerpoint/2010/main" val="2972921320"/>
       </p:ext>
     </p:extLst>
   </p:cSld>
@@ -2167,7 +2177,7 @@
           <p:cNvPr id="2" name="Titre 1">
             <a:extLst>
               <a:ext uri="{FF2B5EF4-FFF2-40B4-BE49-F238E27FC236}">
-                <a16:creationId xmlns:a16="http://schemas.microsoft.com/office/drawing/2014/main" id="{4D3B1559-1AAA-46C2-A7CE-F0CB01FE5CB3}"/>
+                <a16:creationId xmlns:a16="http://schemas.microsoft.com/office/drawing/2014/main" id="{ACC74CA4-C2DB-4746-A1D3-6CD06C84558D}"/>
               </a:ext>
             </a:extLst>
           </p:cNvPr>
@@ -2204,7 +2214,7 @@
           <p:cNvPr id="3" name="Espace réservé du contenu 2">
             <a:extLst>
               <a:ext uri="{FF2B5EF4-FFF2-40B4-BE49-F238E27FC236}">
-                <a16:creationId xmlns:a16="http://schemas.microsoft.com/office/drawing/2014/main" id="{7398B467-49D1-4B69-B3BF-33B370248702}"/>
+                <a16:creationId xmlns:a16="http://schemas.microsoft.com/office/drawing/2014/main" id="{E01616E1-7964-4756-90BB-E6258F213529}"/>
               </a:ext>
             </a:extLst>
           </p:cNvPr>
@@ -2294,7 +2304,7 @@
           <p:cNvPr id="4" name="Espace réservé du texte 3">
             <a:extLst>
               <a:ext uri="{FF2B5EF4-FFF2-40B4-BE49-F238E27FC236}">
-                <a16:creationId xmlns:a16="http://schemas.microsoft.com/office/drawing/2014/main" id="{64EC3746-C831-4A17-8B99-AC27AEA2777F}"/>
+                <a16:creationId xmlns:a16="http://schemas.microsoft.com/office/drawing/2014/main" id="{10EA7FB5-EC49-4BB5-83E5-09F97F6DEE8F}"/>
               </a:ext>
             </a:extLst>
           </p:cNvPr>
@@ -2365,7 +2375,7 @@
           <p:cNvPr id="5" name="Espace réservé de la date 4">
             <a:extLst>
               <a:ext uri="{FF2B5EF4-FFF2-40B4-BE49-F238E27FC236}">
-                <a16:creationId xmlns:a16="http://schemas.microsoft.com/office/drawing/2014/main" id="{485EB537-C582-4B7C-AFA8-1383C8D35A5F}"/>
+                <a16:creationId xmlns:a16="http://schemas.microsoft.com/office/drawing/2014/main" id="{6ADABF46-DD33-4DD6-BBA3-68C1D390CFAE}"/>
               </a:ext>
             </a:extLst>
           </p:cNvPr>
@@ -2383,7 +2393,7 @@
           <a:p>
             <a:fld id="{A5A52D65-5D23-4759-866C-BD4D7E81B3B3}" type="datetimeFigureOut">
               <a:rPr lang="fr-FR" smtClean="0"/>
-              <a:t>22/01/2020</a:t>
+              <a:t>28/01/2020</a:t>
             </a:fld>
             <a:endParaRPr lang="fr-FR"/>
           </a:p>
@@ -2394,7 +2404,7 @@
           <p:cNvPr id="6" name="Espace réservé du pied de page 5">
             <a:extLst>
               <a:ext uri="{FF2B5EF4-FFF2-40B4-BE49-F238E27FC236}">
-                <a16:creationId xmlns:a16="http://schemas.microsoft.com/office/drawing/2014/main" id="{DC9E6F41-63F0-41B0-A86E-078BAB9CC6C4}"/>
+                <a16:creationId xmlns:a16="http://schemas.microsoft.com/office/drawing/2014/main" id="{AC44128D-6B8C-4A7B-B55E-7304142934AD}"/>
               </a:ext>
             </a:extLst>
           </p:cNvPr>
@@ -2419,7 +2429,7 @@
           <p:cNvPr id="7" name="Espace réservé du numéro de diapositive 6">
             <a:extLst>
               <a:ext uri="{FF2B5EF4-FFF2-40B4-BE49-F238E27FC236}">
-                <a16:creationId xmlns:a16="http://schemas.microsoft.com/office/drawing/2014/main" id="{91917144-CB41-438C-A300-B1F86A487423}"/>
+                <a16:creationId xmlns:a16="http://schemas.microsoft.com/office/drawing/2014/main" id="{B2BBF92B-16EE-45B6-ABE1-D5CD92C6FDCD}"/>
               </a:ext>
             </a:extLst>
           </p:cNvPr>
@@ -2446,7 +2456,7 @@
     </p:spTree>
     <p:extLst>
       <p:ext uri="{BB962C8B-B14F-4D97-AF65-F5344CB8AC3E}">
-        <p14:creationId xmlns:p14="http://schemas.microsoft.com/office/powerpoint/2010/main" val="686383718"/>
+        <p14:creationId xmlns:p14="http://schemas.microsoft.com/office/powerpoint/2010/main" val="3562618301"/>
       </p:ext>
     </p:extLst>
   </p:cSld>
@@ -2478,7 +2488,7 @@
           <p:cNvPr id="2" name="Titre 1">
             <a:extLst>
               <a:ext uri="{FF2B5EF4-FFF2-40B4-BE49-F238E27FC236}">
-                <a16:creationId xmlns:a16="http://schemas.microsoft.com/office/drawing/2014/main" id="{39BDB800-188C-4602-94E1-968101CD9FD2}"/>
+                <a16:creationId xmlns:a16="http://schemas.microsoft.com/office/drawing/2014/main" id="{4C118263-D567-42B5-8B1F-E2F3FE3089BE}"/>
               </a:ext>
             </a:extLst>
           </p:cNvPr>
@@ -2515,7 +2525,7 @@
           <p:cNvPr id="3" name="Espace réservé pour une image  2">
             <a:extLst>
               <a:ext uri="{FF2B5EF4-FFF2-40B4-BE49-F238E27FC236}">
-                <a16:creationId xmlns:a16="http://schemas.microsoft.com/office/drawing/2014/main" id="{AF619E4E-5A41-4F20-8D91-9D98F99E1B03}"/>
+                <a16:creationId xmlns:a16="http://schemas.microsoft.com/office/drawing/2014/main" id="{0E0F455D-381D-4FA1-B7F6-4E802B47DE94}"/>
               </a:ext>
             </a:extLst>
           </p:cNvPr>
@@ -2582,7 +2592,7 @@
           <p:cNvPr id="4" name="Espace réservé du texte 3">
             <a:extLst>
               <a:ext uri="{FF2B5EF4-FFF2-40B4-BE49-F238E27FC236}">
-                <a16:creationId xmlns:a16="http://schemas.microsoft.com/office/drawing/2014/main" id="{B118F15F-9211-4106-8799-1D1863365D38}"/>
+                <a16:creationId xmlns:a16="http://schemas.microsoft.com/office/drawing/2014/main" id="{3868AA2F-3E20-4FE8-AC13-40D6DA7E5A6D}"/>
               </a:ext>
             </a:extLst>
           </p:cNvPr>
@@ -2653,7 +2663,7 @@
           <p:cNvPr id="5" name="Espace réservé de la date 4">
             <a:extLst>
               <a:ext uri="{FF2B5EF4-FFF2-40B4-BE49-F238E27FC236}">
-                <a16:creationId xmlns:a16="http://schemas.microsoft.com/office/drawing/2014/main" id="{5D4237F1-8A8F-43E1-8011-B6B179A41717}"/>
+                <a16:creationId xmlns:a16="http://schemas.microsoft.com/office/drawing/2014/main" id="{12DA5012-13F4-4903-AEA2-CD68C12F1807}"/>
               </a:ext>
             </a:extLst>
           </p:cNvPr>
@@ -2671,7 +2681,7 @@
           <a:p>
             <a:fld id="{A5A52D65-5D23-4759-866C-BD4D7E81B3B3}" type="datetimeFigureOut">
               <a:rPr lang="fr-FR" smtClean="0"/>
-              <a:t>22/01/2020</a:t>
+              <a:t>28/01/2020</a:t>
             </a:fld>
             <a:endParaRPr lang="fr-FR"/>
           </a:p>
@@ -2682,7 +2692,7 @@
           <p:cNvPr id="6" name="Espace réservé du pied de page 5">
             <a:extLst>
               <a:ext uri="{FF2B5EF4-FFF2-40B4-BE49-F238E27FC236}">
-                <a16:creationId xmlns:a16="http://schemas.microsoft.com/office/drawing/2014/main" id="{AA4EE09E-9B22-40A5-8C0E-222975B02409}"/>
+                <a16:creationId xmlns:a16="http://schemas.microsoft.com/office/drawing/2014/main" id="{1E9134A6-101E-4103-9476-79146B69E367}"/>
               </a:ext>
             </a:extLst>
           </p:cNvPr>
@@ -2707,7 +2717,7 @@
           <p:cNvPr id="7" name="Espace réservé du numéro de diapositive 6">
             <a:extLst>
               <a:ext uri="{FF2B5EF4-FFF2-40B4-BE49-F238E27FC236}">
-                <a16:creationId xmlns:a16="http://schemas.microsoft.com/office/drawing/2014/main" id="{67B0029A-DC0F-462C-8D0D-F16CF88A975A}"/>
+                <a16:creationId xmlns:a16="http://schemas.microsoft.com/office/drawing/2014/main" id="{B9E6D484-822E-4BA6-9160-66E75FA84B8E}"/>
               </a:ext>
             </a:extLst>
           </p:cNvPr>
@@ -2734,7 +2744,7 @@
     </p:spTree>
     <p:extLst>
       <p:ext uri="{BB962C8B-B14F-4D97-AF65-F5344CB8AC3E}">
-        <p14:creationId xmlns:p14="http://schemas.microsoft.com/office/powerpoint/2010/main" val="966182857"/>
+        <p14:creationId xmlns:p14="http://schemas.microsoft.com/office/powerpoint/2010/main" val="3069483948"/>
       </p:ext>
     </p:extLst>
   </p:cSld>
@@ -2771,7 +2781,7 @@
           <p:cNvPr id="2" name="Espace réservé du titre 1">
             <a:extLst>
               <a:ext uri="{FF2B5EF4-FFF2-40B4-BE49-F238E27FC236}">
-                <a16:creationId xmlns:a16="http://schemas.microsoft.com/office/drawing/2014/main" id="{76255BDA-BC29-42C7-A93C-8EF1341CF64B}"/>
+                <a16:creationId xmlns:a16="http://schemas.microsoft.com/office/drawing/2014/main" id="{DB6C3573-58D6-48FF-9653-7CF86104556C}"/>
               </a:ext>
             </a:extLst>
           </p:cNvPr>
@@ -2809,7 +2819,7 @@
           <p:cNvPr id="3" name="Espace réservé du texte 2">
             <a:extLst>
               <a:ext uri="{FF2B5EF4-FFF2-40B4-BE49-F238E27FC236}">
-                <a16:creationId xmlns:a16="http://schemas.microsoft.com/office/drawing/2014/main" id="{D8E23735-A464-425B-8A64-7D7FF1B1462F}"/>
+                <a16:creationId xmlns:a16="http://schemas.microsoft.com/office/drawing/2014/main" id="{9D3C2556-A949-4554-B804-8CD8C9A5E7F5}"/>
               </a:ext>
             </a:extLst>
           </p:cNvPr>
@@ -2876,7 +2886,7 @@
           <p:cNvPr id="4" name="Espace réservé de la date 3">
             <a:extLst>
               <a:ext uri="{FF2B5EF4-FFF2-40B4-BE49-F238E27FC236}">
-                <a16:creationId xmlns:a16="http://schemas.microsoft.com/office/drawing/2014/main" id="{1277EEEF-1A40-4080-807B-8CED63DF48F4}"/>
+                <a16:creationId xmlns:a16="http://schemas.microsoft.com/office/drawing/2014/main" id="{52298838-8150-497A-BD2C-6C08344E48B3}"/>
               </a:ext>
             </a:extLst>
           </p:cNvPr>
@@ -2912,7 +2922,7 @@
           <a:p>
             <a:fld id="{A5A52D65-5D23-4759-866C-BD4D7E81B3B3}" type="datetimeFigureOut">
               <a:rPr lang="fr-FR" smtClean="0"/>
-              <a:t>22/01/2020</a:t>
+              <a:t>28/01/2020</a:t>
             </a:fld>
             <a:endParaRPr lang="fr-FR"/>
           </a:p>
@@ -2923,7 +2933,7 @@
           <p:cNvPr id="5" name="Espace réservé du pied de page 4">
             <a:extLst>
               <a:ext uri="{FF2B5EF4-FFF2-40B4-BE49-F238E27FC236}">
-                <a16:creationId xmlns:a16="http://schemas.microsoft.com/office/drawing/2014/main" id="{6B83C727-F5B2-4B54-A1EC-9B4ACD9EFEC2}"/>
+                <a16:creationId xmlns:a16="http://schemas.microsoft.com/office/drawing/2014/main" id="{C8A28250-BEA2-435D-B853-7030E4819972}"/>
               </a:ext>
             </a:extLst>
           </p:cNvPr>
@@ -2966,7 +2976,7 @@
           <p:cNvPr id="6" name="Espace réservé du numéro de diapositive 5">
             <a:extLst>
               <a:ext uri="{FF2B5EF4-FFF2-40B4-BE49-F238E27FC236}">
-                <a16:creationId xmlns:a16="http://schemas.microsoft.com/office/drawing/2014/main" id="{F8E15B48-F221-4D99-B147-8DAD829CBA2F}"/>
+                <a16:creationId xmlns:a16="http://schemas.microsoft.com/office/drawing/2014/main" id="{ADD2D3AC-EB94-4698-9A20-E1E8C292E5BD}"/>
               </a:ext>
             </a:extLst>
           </p:cNvPr>
@@ -3011,23 +3021,23 @@
     </p:spTree>
     <p:extLst>
       <p:ext uri="{BB962C8B-B14F-4D97-AF65-F5344CB8AC3E}">
-        <p14:creationId xmlns:p14="http://schemas.microsoft.com/office/powerpoint/2010/main" val="1369481746"/>
+        <p14:creationId xmlns:p14="http://schemas.microsoft.com/office/powerpoint/2010/main" val="4066213408"/>
       </p:ext>
     </p:extLst>
   </p:cSld>
   <p:clrMap bg1="lt1" tx1="dk1" bg2="lt2" tx2="dk2" accent1="accent1" accent2="accent2" accent3="accent3" accent4="accent4" accent5="accent5" accent6="accent6" hlink="hlink" folHlink="folHlink"/>
   <p:sldLayoutIdLst>
-    <p:sldLayoutId id="2147483649" r:id="rId1"/>
-    <p:sldLayoutId id="2147483650" r:id="rId2"/>
-    <p:sldLayoutId id="2147483651" r:id="rId3"/>
-    <p:sldLayoutId id="2147483652" r:id="rId4"/>
-    <p:sldLayoutId id="2147483653" r:id="rId5"/>
-    <p:sldLayoutId id="2147483654" r:id="rId6"/>
-    <p:sldLayoutId id="2147483655" r:id="rId7"/>
-    <p:sldLayoutId id="2147483656" r:id="rId8"/>
-    <p:sldLayoutId id="2147483657" r:id="rId9"/>
-    <p:sldLayoutId id="2147483658" r:id="rId10"/>
-    <p:sldLayoutId id="2147483659" r:id="rId11"/>
+    <p:sldLayoutId id="2147483680" r:id="rId1"/>
+    <p:sldLayoutId id="2147483681" r:id="rId2"/>
+    <p:sldLayoutId id="2147483682" r:id="rId3"/>
+    <p:sldLayoutId id="2147483683" r:id="rId4"/>
+    <p:sldLayoutId id="2147483684" r:id="rId5"/>
+    <p:sldLayoutId id="2147483685" r:id="rId6"/>
+    <p:sldLayoutId id="2147483686" r:id="rId7"/>
+    <p:sldLayoutId id="2147483687" r:id="rId8"/>
+    <p:sldLayoutId id="2147483688" r:id="rId9"/>
+    <p:sldLayoutId id="2147483689" r:id="rId10"/>
+    <p:sldLayoutId id="2147483690" r:id="rId11"/>
   </p:sldLayoutIdLst>
   <p:txStyles>
     <p:titleStyle>
@@ -3315,14 +3325,6 @@
 <file path=ppt/slides/slide1.xml><?xml version="1.0" encoding="utf-8"?>
 <p:sld xmlns:a="http://schemas.openxmlformats.org/drawingml/2006/main" xmlns:r="http://schemas.openxmlformats.org/officeDocument/2006/relationships" xmlns:p="http://schemas.openxmlformats.org/presentationml/2006/main">
   <p:cSld>
-    <p:bg>
-      <p:bgPr>
-        <a:solidFill>
-          <a:schemeClr val="bg1"/>
-        </a:solidFill>
-        <a:effectLst/>
-      </p:bgPr>
-    </p:bg>
     <p:spTree>
       <p:nvGrpSpPr>
         <p:cNvPr id="1" name=""/>
@@ -3339,10 +3341,10 @@
       </p:grpSpPr>
       <p:pic>
         <p:nvPicPr>
-          <p:cNvPr id="7" name="Image 6" descr="Une image contenant table, paire&#10;&#10;Description générée automatiquement">
-            <a:extLst>
-              <a:ext uri="{FF2B5EF4-FFF2-40B4-BE49-F238E27FC236}">
-                <a16:creationId xmlns:a16="http://schemas.microsoft.com/office/drawing/2014/main" id="{82150931-91B0-4DB5-A181-6A1CEC56E93C}"/>
+          <p:cNvPr id="35" name="Image 34" descr="Une image contenant table, paire&#10;&#10;Description générée automatiquement">
+            <a:extLst>
+              <a:ext uri="{FF2B5EF4-FFF2-40B4-BE49-F238E27FC236}">
+                <a16:creationId xmlns:a16="http://schemas.microsoft.com/office/drawing/2014/main" id="{E5E46CAE-0FFE-4661-9FB2-F6BD0D4AF85F}"/>
               </a:ext>
             </a:extLst>
           </p:cNvPr>
@@ -3353,6 +3355,7 @@
         </p:nvPicPr>
         <p:blipFill rotWithShape="1">
           <a:blip r:embed="rId2">
+            <a:alphaModFix amt="50000"/>
             <a:extLst>
               <a:ext uri="{28A0092B-C50C-407E-A947-70E740481C1C}">
                 <a14:useLocalDpi xmlns:a14="http://schemas.microsoft.com/office/drawing/2010/main" val="0"/>
@@ -3364,319 +3367,2022 @@
         </p:blipFill>
         <p:spPr>
           <a:xfrm>
-            <a:off x="3" y="10"/>
-            <a:ext cx="12191997" cy="6857990"/>
-          </a:xfrm>
-          <a:custGeom>
+            <a:off x="20" y="1"/>
+            <a:ext cx="12191980" cy="6857999"/>
+          </a:xfrm>
+          <a:prstGeom prst="rect">
             <a:avLst/>
-            <a:gdLst>
-              <a:gd name="connsiteX0" fmla="*/ 6631620 w 12191997"/>
-              <a:gd name="connsiteY0" fmla="*/ 983228 h 6858000"/>
-              <a:gd name="connsiteX1" fmla="*/ 12091643 w 12191997"/>
-              <a:gd name="connsiteY1" fmla="*/ 983228 h 6858000"/>
-              <a:gd name="connsiteX2" fmla="*/ 12191997 w 12191997"/>
-              <a:gd name="connsiteY2" fmla="*/ 991151 h 6858000"/>
-              <a:gd name="connsiteX3" fmla="*/ 12191997 w 12191997"/>
-              <a:gd name="connsiteY3" fmla="*/ 6858000 h 6858000"/>
-              <a:gd name="connsiteX4" fmla="*/ 3051794 w 12191997"/>
-              <a:gd name="connsiteY4" fmla="*/ 6858000 h 6858000"/>
-              <a:gd name="connsiteX5" fmla="*/ 3048485 w 12191997"/>
-              <a:gd name="connsiteY5" fmla="*/ 6845812 h 6858000"/>
-              <a:gd name="connsiteX6" fmla="*/ 3121611 w 12191997"/>
-              <a:gd name="connsiteY6" fmla="*/ 6151078 h 6858000"/>
-              <a:gd name="connsiteX7" fmla="*/ 5851619 w 12191997"/>
-              <a:gd name="connsiteY7" fmla="*/ 1422010 h 6858000"/>
-              <a:gd name="connsiteX8" fmla="*/ 6631620 w 12191997"/>
-              <a:gd name="connsiteY8" fmla="*/ 983228 h 6858000"/>
-              <a:gd name="connsiteX9" fmla="*/ 0 w 12191997"/>
-              <a:gd name="connsiteY9" fmla="*/ 339531 h 6858000"/>
-              <a:gd name="connsiteX10" fmla="*/ 54301 w 12191997"/>
-              <a:gd name="connsiteY10" fmla="*/ 339531 h 6858000"/>
-              <a:gd name="connsiteX11" fmla="*/ 1340585 w 12191997"/>
-              <a:gd name="connsiteY11" fmla="*/ 339531 h 6858000"/>
-              <a:gd name="connsiteX12" fmla="*/ 1713506 w 12191997"/>
-              <a:gd name="connsiteY12" fmla="*/ 556265 h 6858000"/>
-              <a:gd name="connsiteX13" fmla="*/ 2909965 w 12191997"/>
-              <a:gd name="connsiteY13" fmla="*/ 2625561 h 6858000"/>
-              <a:gd name="connsiteX14" fmla="*/ 2909965 w 12191997"/>
-              <a:gd name="connsiteY14" fmla="*/ 3048708 h 6858000"/>
-              <a:gd name="connsiteX15" fmla="*/ 1713506 w 12191997"/>
-              <a:gd name="connsiteY15" fmla="*/ 5118003 h 6858000"/>
-              <a:gd name="connsiteX16" fmla="*/ 1340585 w 12191997"/>
-              <a:gd name="connsiteY16" fmla="*/ 5334737 h 6858000"/>
-              <a:gd name="connsiteX17" fmla="*/ 85990 w 12191997"/>
-              <a:gd name="connsiteY17" fmla="*/ 5334737 h 6858000"/>
-              <a:gd name="connsiteX18" fmla="*/ 0 w 12191997"/>
-              <a:gd name="connsiteY18" fmla="*/ 5334737 h 6858000"/>
-              <a:gd name="connsiteX19" fmla="*/ 2861712 w 12191997"/>
-              <a:gd name="connsiteY19" fmla="*/ 0 h 6858000"/>
-              <a:gd name="connsiteX20" fmla="*/ 5175003 w 12191997"/>
-              <a:gd name="connsiteY20" fmla="*/ 0 h 6858000"/>
-              <a:gd name="connsiteX21" fmla="*/ 5220943 w 12191997"/>
-              <a:gd name="connsiteY21" fmla="*/ 79581 h 6858000"/>
-              <a:gd name="connsiteX22" fmla="*/ 5724962 w 12191997"/>
-              <a:gd name="connsiteY22" fmla="*/ 952668 h 6858000"/>
-              <a:gd name="connsiteX23" fmla="*/ 5724962 w 12191997"/>
-              <a:gd name="connsiteY23" fmla="*/ 1201564 h 6858000"/>
-              <a:gd name="connsiteX24" fmla="*/ 4978322 w 12191997"/>
-              <a:gd name="connsiteY24" fmla="*/ 2494933 h 6858000"/>
-              <a:gd name="connsiteX25" fmla="*/ 4764998 w 12191997"/>
-              <a:gd name="connsiteY25" fmla="*/ 2614935 h 6858000"/>
-              <a:gd name="connsiteX26" fmla="*/ 3271717 w 12191997"/>
-              <a:gd name="connsiteY26" fmla="*/ 2614935 h 6858000"/>
-              <a:gd name="connsiteX27" fmla="*/ 3058392 w 12191997"/>
-              <a:gd name="connsiteY27" fmla="*/ 2494933 h 6858000"/>
-              <a:gd name="connsiteX28" fmla="*/ 2311754 w 12191997"/>
-              <a:gd name="connsiteY28" fmla="*/ 1201564 h 6858000"/>
-              <a:gd name="connsiteX29" fmla="*/ 2311754 w 12191997"/>
-              <a:gd name="connsiteY29" fmla="*/ 952668 h 6858000"/>
-              <a:gd name="connsiteX30" fmla="*/ 2811944 w 12191997"/>
-              <a:gd name="connsiteY30" fmla="*/ 86212 h 6858000"/>
-            </a:gdLst>
-            <a:ahLst/>
-            <a:cxnLst>
-              <a:cxn ang="0">
-                <a:pos x="connsiteX0" y="connsiteY0"/>
-              </a:cxn>
-              <a:cxn ang="0">
-                <a:pos x="connsiteX1" y="connsiteY1"/>
-              </a:cxn>
-              <a:cxn ang="0">
-                <a:pos x="connsiteX2" y="connsiteY2"/>
-              </a:cxn>
-              <a:cxn ang="0">
-                <a:pos x="connsiteX3" y="connsiteY3"/>
-              </a:cxn>
-              <a:cxn ang="0">
-                <a:pos x="connsiteX4" y="connsiteY4"/>
-              </a:cxn>
-              <a:cxn ang="0">
-                <a:pos x="connsiteX5" y="connsiteY5"/>
-              </a:cxn>
-              <a:cxn ang="0">
-                <a:pos x="connsiteX6" y="connsiteY6"/>
-              </a:cxn>
-              <a:cxn ang="0">
-                <a:pos x="connsiteX7" y="connsiteY7"/>
-              </a:cxn>
-              <a:cxn ang="0">
-                <a:pos x="connsiteX8" y="connsiteY8"/>
-              </a:cxn>
-              <a:cxn ang="0">
-                <a:pos x="connsiteX9" y="connsiteY9"/>
-              </a:cxn>
-              <a:cxn ang="0">
-                <a:pos x="connsiteX10" y="connsiteY10"/>
-              </a:cxn>
-              <a:cxn ang="0">
-                <a:pos x="connsiteX11" y="connsiteY11"/>
-              </a:cxn>
-              <a:cxn ang="0">
-                <a:pos x="connsiteX12" y="connsiteY12"/>
-              </a:cxn>
-              <a:cxn ang="0">
-                <a:pos x="connsiteX13" y="connsiteY13"/>
-              </a:cxn>
-              <a:cxn ang="0">
-                <a:pos x="connsiteX14" y="connsiteY14"/>
-              </a:cxn>
-              <a:cxn ang="0">
-                <a:pos x="connsiteX15" y="connsiteY15"/>
-              </a:cxn>
-              <a:cxn ang="0">
-                <a:pos x="connsiteX16" y="connsiteY16"/>
-              </a:cxn>
-              <a:cxn ang="0">
-                <a:pos x="connsiteX17" y="connsiteY17"/>
-              </a:cxn>
-              <a:cxn ang="0">
-                <a:pos x="connsiteX18" y="connsiteY18"/>
-              </a:cxn>
-              <a:cxn ang="0">
-                <a:pos x="connsiteX19" y="connsiteY19"/>
-              </a:cxn>
-              <a:cxn ang="0">
-                <a:pos x="connsiteX20" y="connsiteY20"/>
-              </a:cxn>
-              <a:cxn ang="0">
-                <a:pos x="connsiteX21" y="connsiteY21"/>
-              </a:cxn>
-              <a:cxn ang="0">
-                <a:pos x="connsiteX22" y="connsiteY22"/>
-              </a:cxn>
-              <a:cxn ang="0">
-                <a:pos x="connsiteX23" y="connsiteY23"/>
-              </a:cxn>
-              <a:cxn ang="0">
-                <a:pos x="connsiteX24" y="connsiteY24"/>
-              </a:cxn>
-              <a:cxn ang="0">
-                <a:pos x="connsiteX25" y="connsiteY25"/>
-              </a:cxn>
-              <a:cxn ang="0">
-                <a:pos x="connsiteX26" y="connsiteY26"/>
-              </a:cxn>
-              <a:cxn ang="0">
-                <a:pos x="connsiteX27" y="connsiteY27"/>
-              </a:cxn>
-              <a:cxn ang="0">
-                <a:pos x="connsiteX28" y="connsiteY28"/>
-              </a:cxn>
-              <a:cxn ang="0">
-                <a:pos x="connsiteX29" y="connsiteY29"/>
-              </a:cxn>
-              <a:cxn ang="0">
-                <a:pos x="connsiteX30" y="connsiteY30"/>
-              </a:cxn>
-            </a:cxnLst>
-            <a:rect l="l" t="t" r="r" b="b"/>
-            <a:pathLst>
-              <a:path w="12191997" h="6858000">
-                <a:moveTo>
-                  <a:pt x="6631620" y="983228"/>
-                </a:moveTo>
-                <a:cubicBezTo>
-                  <a:pt x="6631620" y="983228"/>
-                  <a:pt x="6631620" y="983228"/>
-                  <a:pt x="12091643" y="983228"/>
-                </a:cubicBezTo>
-                <a:lnTo>
-                  <a:pt x="12191997" y="991151"/>
-                </a:lnTo>
-                <a:lnTo>
-                  <a:pt x="12191997" y="6858000"/>
-                </a:lnTo>
-                <a:lnTo>
-                  <a:pt x="3051794" y="6858000"/>
-                </a:lnTo>
-                <a:lnTo>
-                  <a:pt x="3048485" y="6845812"/>
-                </a:lnTo>
-                <a:cubicBezTo>
-                  <a:pt x="2999734" y="6614233"/>
-                  <a:pt x="3024109" y="6346091"/>
-                  <a:pt x="3121611" y="6151078"/>
-                </a:cubicBezTo>
-                <a:cubicBezTo>
-                  <a:pt x="3121611" y="6151078"/>
-                  <a:pt x="3121611" y="6151078"/>
-                  <a:pt x="5851619" y="1422010"/>
-                </a:cubicBezTo>
-                <a:cubicBezTo>
-                  <a:pt x="5997869" y="1178242"/>
-                  <a:pt x="6355374" y="983228"/>
-                  <a:pt x="6631620" y="983228"/>
-                </a:cubicBezTo>
-                <a:close/>
-                <a:moveTo>
-                  <a:pt x="0" y="339531"/>
-                </a:moveTo>
-                <a:lnTo>
-                  <a:pt x="54301" y="339531"/>
-                </a:lnTo>
-                <a:cubicBezTo>
-                  <a:pt x="1340585" y="339531"/>
-                  <a:pt x="1340585" y="339531"/>
-                  <a:pt x="1340585" y="339531"/>
-                </a:cubicBezTo>
-                <a:cubicBezTo>
-                  <a:pt x="1495969" y="339531"/>
-                  <a:pt x="1635814" y="422097"/>
-                  <a:pt x="1713506" y="556265"/>
-                </a:cubicBezTo>
-                <a:cubicBezTo>
-                  <a:pt x="2909965" y="2625561"/>
-                  <a:pt x="2909965" y="2625561"/>
-                  <a:pt x="2909965" y="2625561"/>
-                </a:cubicBezTo>
-                <a:cubicBezTo>
-                  <a:pt x="2987657" y="2754570"/>
-                  <a:pt x="2987657" y="2919700"/>
-                  <a:pt x="2909965" y="3048708"/>
-                </a:cubicBezTo>
-                <a:cubicBezTo>
-                  <a:pt x="1713506" y="5118003"/>
-                  <a:pt x="1713506" y="5118003"/>
-                  <a:pt x="1713506" y="5118003"/>
-                </a:cubicBezTo>
-                <a:cubicBezTo>
-                  <a:pt x="1635814" y="5252173"/>
-                  <a:pt x="1495969" y="5334737"/>
-                  <a:pt x="1340585" y="5334737"/>
-                </a:cubicBezTo>
-                <a:cubicBezTo>
-                  <a:pt x="816002" y="5334737"/>
-                  <a:pt x="406171" y="5334737"/>
-                  <a:pt x="85990" y="5334737"/>
-                </a:cubicBezTo>
-                <a:lnTo>
-                  <a:pt x="0" y="5334737"/>
-                </a:lnTo>
-                <a:close/>
-                <a:moveTo>
-                  <a:pt x="2861712" y="0"/>
-                </a:moveTo>
-                <a:lnTo>
-                  <a:pt x="5175003" y="0"/>
-                </a:lnTo>
-                <a:lnTo>
-                  <a:pt x="5220943" y="79581"/>
-                </a:lnTo>
-                <a:cubicBezTo>
-                  <a:pt x="5331226" y="270618"/>
-                  <a:pt x="5491637" y="548491"/>
-                  <a:pt x="5724962" y="952668"/>
-                </a:cubicBezTo>
-                <a:cubicBezTo>
-                  <a:pt x="5764962" y="1023782"/>
-                  <a:pt x="5764962" y="1130450"/>
-                  <a:pt x="5724962" y="1201564"/>
-                </a:cubicBezTo>
-                <a:cubicBezTo>
-                  <a:pt x="5724962" y="1201564"/>
-                  <a:pt x="5724962" y="1201564"/>
-                  <a:pt x="4978322" y="2494933"/>
-                </a:cubicBezTo>
-                <a:cubicBezTo>
-                  <a:pt x="4942768" y="2561602"/>
-                  <a:pt x="4844993" y="2614935"/>
-                  <a:pt x="4764998" y="2614935"/>
-                </a:cubicBezTo>
-                <a:lnTo>
-                  <a:pt x="3271717" y="2614935"/>
-                </a:lnTo>
-                <a:cubicBezTo>
-                  <a:pt x="3196167" y="2614935"/>
-                  <a:pt x="3098390" y="2561602"/>
-                  <a:pt x="3058392" y="2494933"/>
-                </a:cubicBezTo>
-                <a:cubicBezTo>
-                  <a:pt x="3058392" y="2494933"/>
-                  <a:pt x="3058392" y="2494933"/>
-                  <a:pt x="2311754" y="1201564"/>
-                </a:cubicBezTo>
-                <a:cubicBezTo>
-                  <a:pt x="2276199" y="1130450"/>
-                  <a:pt x="2276199" y="1023782"/>
-                  <a:pt x="2311754" y="952668"/>
-                </a:cubicBezTo>
-                <a:cubicBezTo>
-                  <a:pt x="2311754" y="952668"/>
-                  <a:pt x="2311754" y="952668"/>
-                  <a:pt x="2811944" y="86212"/>
-                </a:cubicBezTo>
-                <a:close/>
-              </a:path>
-            </a:pathLst>
-          </a:custGeom>
+          </a:prstGeom>
+        </p:spPr>
+      </p:pic>
+      <p:sp>
+        <p:nvSpPr>
+          <p:cNvPr id="2" name="Titre 1">
+            <a:extLst>
+              <a:ext uri="{FF2B5EF4-FFF2-40B4-BE49-F238E27FC236}">
+                <a16:creationId xmlns:a16="http://schemas.microsoft.com/office/drawing/2014/main" id="{29D64549-C194-456E-AFBD-DDFEA9F742B9}"/>
+              </a:ext>
+            </a:extLst>
+          </p:cNvPr>
+          <p:cNvSpPr>
+            <a:spLocks noGrp="1"/>
+          </p:cNvSpPr>
+          <p:nvPr>
+            <p:ph type="title"/>
+          </p:nvPr>
+        </p:nvSpPr>
+        <p:spPr>
+          <a:xfrm>
+            <a:off x="838199" y="148442"/>
+            <a:ext cx="10515600" cy="1325563"/>
+          </a:xfrm>
+        </p:spPr>
+        <p:txBody>
+          <a:bodyPr>
+            <a:normAutofit/>
+          </a:bodyPr>
+          <a:lstStyle/>
+          <a:p>
+            <a:pPr algn="ctr"/>
+            <a:r>
+              <a:rPr lang="fr-FR" b="1" dirty="0">
+                <a:latin typeface="+mn-lt"/>
+              </a:rPr>
+              <a:t>Introduction</a:t>
+            </a:r>
+            <a:endParaRPr lang="fr-FR" sz="3600" b="1" dirty="0">
+              <a:latin typeface="+mn-lt"/>
+            </a:endParaRPr>
+          </a:p>
+        </p:txBody>
+      </p:sp>
+      <p:pic>
+        <p:nvPicPr>
+          <p:cNvPr id="3" name="Image 2">
+            <a:extLst>
+              <a:ext uri="{FF2B5EF4-FFF2-40B4-BE49-F238E27FC236}">
+                <a16:creationId xmlns:a16="http://schemas.microsoft.com/office/drawing/2014/main" id="{F326434F-0C29-4B78-86B1-77260A8911E4}"/>
+              </a:ext>
+            </a:extLst>
+          </p:cNvPr>
+          <p:cNvPicPr/>
+          <p:nvPr/>
+        </p:nvPicPr>
+        <p:blipFill>
+          <a:blip r:embed="rId3">
+            <a:extLst>
+              <a:ext uri="{28A0092B-C50C-407E-A947-70E740481C1C}">
+                <a14:useLocalDpi xmlns:a14="http://schemas.microsoft.com/office/drawing/2010/main" val="0"/>
+              </a:ext>
+            </a:extLst>
+          </a:blip>
+          <a:stretch>
+            <a:fillRect/>
+          </a:stretch>
+        </p:blipFill>
+        <p:spPr>
+          <a:xfrm>
+            <a:off x="2315799" y="1268963"/>
+            <a:ext cx="7560401" cy="5589037"/>
+          </a:xfrm>
+          <a:prstGeom prst="rect">
+            <a:avLst/>
+          </a:prstGeom>
+        </p:spPr>
+      </p:pic>
+      <p:sp>
+        <p:nvSpPr>
+          <p:cNvPr id="5" name="Rectangle : coins arrondis 4">
+            <a:extLst>
+              <a:ext uri="{FF2B5EF4-FFF2-40B4-BE49-F238E27FC236}">
+                <a16:creationId xmlns:a16="http://schemas.microsoft.com/office/drawing/2014/main" id="{57DE185B-FF3F-4443-8DF5-F3C7D987AC94}"/>
+              </a:ext>
+            </a:extLst>
+          </p:cNvPr>
+          <p:cNvSpPr/>
+          <p:nvPr/>
+        </p:nvSpPr>
+        <p:spPr>
+          <a:xfrm>
+            <a:off x="2802730" y="1861457"/>
+            <a:ext cx="5127307" cy="831042"/>
+          </a:xfrm>
+          <a:prstGeom prst="roundRect">
+            <a:avLst/>
+          </a:prstGeom>
+          <a:noFill/>
+          <a:ln w="50800">
+            <a:solidFill>
+              <a:schemeClr val="accent1"/>
+            </a:solidFill>
+          </a:ln>
+        </p:spPr>
+        <p:style>
+          <a:lnRef idx="2">
+            <a:schemeClr val="accent1">
+              <a:shade val="50000"/>
+            </a:schemeClr>
+          </a:lnRef>
+          <a:fillRef idx="1">
+            <a:schemeClr val="accent1"/>
+          </a:fillRef>
+          <a:effectRef idx="0">
+            <a:schemeClr val="accent1"/>
+          </a:effectRef>
+          <a:fontRef idx="minor">
+            <a:schemeClr val="lt1"/>
+          </a:fontRef>
+        </p:style>
+        <p:txBody>
+          <a:bodyPr rot="0" spcFirstLastPara="0" vert="horz" wrap="square" lIns="91440" tIns="45720" rIns="91440" bIns="45720" numCol="1" spcCol="0" rtlCol="0" fromWordArt="0" anchor="ctr" anchorCtr="0" forceAA="0" compatLnSpc="1">
+            <a:prstTxWarp prst="textNoShape">
+              <a:avLst/>
+            </a:prstTxWarp>
+            <a:noAutofit/>
+          </a:bodyPr>
+          <a:lstStyle/>
+          <a:p>
+            <a:endParaRPr lang="fr-FR"/>
+          </a:p>
+        </p:txBody>
+      </p:sp>
+      <p:sp>
+        <p:nvSpPr>
+          <p:cNvPr id="7" name="Rectangle : coins arrondis 6">
+            <a:extLst>
+              <a:ext uri="{FF2B5EF4-FFF2-40B4-BE49-F238E27FC236}">
+                <a16:creationId xmlns:a16="http://schemas.microsoft.com/office/drawing/2014/main" id="{A9B249F6-82C0-4E80-9688-A6C4AD58C921}"/>
+              </a:ext>
+            </a:extLst>
+          </p:cNvPr>
+          <p:cNvSpPr/>
+          <p:nvPr/>
+        </p:nvSpPr>
+        <p:spPr>
+          <a:xfrm>
+            <a:off x="7478485" y="5589037"/>
+            <a:ext cx="696685" cy="387220"/>
+          </a:xfrm>
+          <a:prstGeom prst="roundRect">
+            <a:avLst/>
+          </a:prstGeom>
+          <a:noFill/>
+          <a:ln w="50800">
+            <a:solidFill>
+              <a:schemeClr val="accent1"/>
+            </a:solidFill>
+          </a:ln>
+        </p:spPr>
+        <p:style>
+          <a:lnRef idx="2">
+            <a:schemeClr val="accent1">
+              <a:shade val="50000"/>
+            </a:schemeClr>
+          </a:lnRef>
+          <a:fillRef idx="1">
+            <a:schemeClr val="accent1"/>
+          </a:fillRef>
+          <a:effectRef idx="0">
+            <a:schemeClr val="accent1"/>
+          </a:effectRef>
+          <a:fontRef idx="minor">
+            <a:schemeClr val="lt1"/>
+          </a:fontRef>
+        </p:style>
+        <p:txBody>
+          <a:bodyPr rot="0" spcFirstLastPara="0" vert="horz" wrap="square" lIns="91440" tIns="45720" rIns="91440" bIns="45720" numCol="1" spcCol="0" rtlCol="0" fromWordArt="0" anchor="ctr" anchorCtr="0" forceAA="0" compatLnSpc="1">
+            <a:prstTxWarp prst="textNoShape">
+              <a:avLst/>
+            </a:prstTxWarp>
+            <a:noAutofit/>
+          </a:bodyPr>
+          <a:lstStyle/>
+          <a:p>
+            <a:endParaRPr lang="fr-FR"/>
+          </a:p>
+        </p:txBody>
+      </p:sp>
+      <p:sp>
+        <p:nvSpPr>
+          <p:cNvPr id="8" name="Rectangle : coins arrondis 7">
+            <a:extLst>
+              <a:ext uri="{FF2B5EF4-FFF2-40B4-BE49-F238E27FC236}">
+                <a16:creationId xmlns:a16="http://schemas.microsoft.com/office/drawing/2014/main" id="{29FB46DC-2AE1-4059-BDCC-EC19699998CA}"/>
+              </a:ext>
+            </a:extLst>
+          </p:cNvPr>
+          <p:cNvSpPr/>
+          <p:nvPr/>
+        </p:nvSpPr>
+        <p:spPr>
+          <a:xfrm>
+            <a:off x="4201886" y="5868952"/>
+            <a:ext cx="391885" cy="466533"/>
+          </a:xfrm>
+          <a:prstGeom prst="roundRect">
+            <a:avLst/>
+          </a:prstGeom>
+          <a:noFill/>
+          <a:ln w="50800">
+            <a:solidFill>
+              <a:schemeClr val="accent1"/>
+            </a:solidFill>
+          </a:ln>
+        </p:spPr>
+        <p:style>
+          <a:lnRef idx="2">
+            <a:schemeClr val="accent1">
+              <a:shade val="50000"/>
+            </a:schemeClr>
+          </a:lnRef>
+          <a:fillRef idx="1">
+            <a:schemeClr val="accent1"/>
+          </a:fillRef>
+          <a:effectRef idx="0">
+            <a:schemeClr val="accent1"/>
+          </a:effectRef>
+          <a:fontRef idx="minor">
+            <a:schemeClr val="lt1"/>
+          </a:fontRef>
+        </p:style>
+        <p:txBody>
+          <a:bodyPr rot="0" spcFirstLastPara="0" vert="horz" wrap="square" lIns="91440" tIns="45720" rIns="91440" bIns="45720" numCol="1" spcCol="0" rtlCol="0" fromWordArt="0" anchor="ctr" anchorCtr="0" forceAA="0" compatLnSpc="1">
+            <a:prstTxWarp prst="textNoShape">
+              <a:avLst/>
+            </a:prstTxWarp>
+            <a:noAutofit/>
+          </a:bodyPr>
+          <a:lstStyle/>
+          <a:p>
+            <a:endParaRPr lang="fr-FR"/>
+          </a:p>
+        </p:txBody>
+      </p:sp>
+      <p:sp>
+        <p:nvSpPr>
+          <p:cNvPr id="11" name="Rectangle : coins arrondis 10">
+            <a:extLst>
+              <a:ext uri="{FF2B5EF4-FFF2-40B4-BE49-F238E27FC236}">
+                <a16:creationId xmlns:a16="http://schemas.microsoft.com/office/drawing/2014/main" id="{C0299604-2787-4F62-8A20-BA48EE17A3F3}"/>
+              </a:ext>
+            </a:extLst>
+          </p:cNvPr>
+          <p:cNvSpPr/>
+          <p:nvPr/>
+        </p:nvSpPr>
+        <p:spPr>
+          <a:xfrm>
+            <a:off x="9907428" y="1861457"/>
+            <a:ext cx="707572" cy="45719"/>
+          </a:xfrm>
+          <a:prstGeom prst="roundRect">
+            <a:avLst/>
+          </a:prstGeom>
+          <a:noFill/>
+          <a:ln w="50800">
+            <a:solidFill>
+              <a:schemeClr val="accent1"/>
+            </a:solidFill>
+          </a:ln>
+        </p:spPr>
+        <p:style>
+          <a:lnRef idx="2">
+            <a:schemeClr val="accent1">
+              <a:shade val="50000"/>
+            </a:schemeClr>
+          </a:lnRef>
+          <a:fillRef idx="1">
+            <a:schemeClr val="accent1"/>
+          </a:fillRef>
+          <a:effectRef idx="0">
+            <a:schemeClr val="accent1"/>
+          </a:effectRef>
+          <a:fontRef idx="minor">
+            <a:schemeClr val="lt1"/>
+          </a:fontRef>
+        </p:style>
+        <p:txBody>
+          <a:bodyPr rot="0" spcFirstLastPara="0" vert="horz" wrap="square" lIns="91440" tIns="45720" rIns="91440" bIns="45720" numCol="1" spcCol="0" rtlCol="0" fromWordArt="0" anchor="ctr" anchorCtr="0" forceAA="0" compatLnSpc="1">
+            <a:prstTxWarp prst="textNoShape">
+              <a:avLst/>
+            </a:prstTxWarp>
+            <a:noAutofit/>
+          </a:bodyPr>
+          <a:lstStyle/>
+          <a:p>
+            <a:endParaRPr lang="fr-FR"/>
+          </a:p>
+        </p:txBody>
+      </p:sp>
+      <p:sp>
+        <p:nvSpPr>
+          <p:cNvPr id="12" name="ZoneTexte 11">
+            <a:extLst>
+              <a:ext uri="{FF2B5EF4-FFF2-40B4-BE49-F238E27FC236}">
+                <a16:creationId xmlns:a16="http://schemas.microsoft.com/office/drawing/2014/main" id="{CAF4F695-35FF-45A5-80B8-118450793612}"/>
+              </a:ext>
+            </a:extLst>
+          </p:cNvPr>
+          <p:cNvSpPr txBox="1"/>
+          <p:nvPr/>
+        </p:nvSpPr>
+        <p:spPr>
+          <a:xfrm>
+            <a:off x="10646228" y="1699650"/>
+            <a:ext cx="824265" cy="369332"/>
+          </a:xfrm>
+          <a:prstGeom prst="rect">
+            <a:avLst/>
+          </a:prstGeom>
+          <a:noFill/>
+        </p:spPr>
+        <p:txBody>
+          <a:bodyPr wrap="none" rtlCol="0">
+            <a:spAutoFit/>
+          </a:bodyPr>
+          <a:lstStyle/>
+          <a:p>
+            <a:r>
+              <a:rPr lang="fr-FR" dirty="0"/>
+              <a:t>Joshua</a:t>
+            </a:r>
+          </a:p>
+        </p:txBody>
+      </p:sp>
+      <p:sp>
+        <p:nvSpPr>
+          <p:cNvPr id="13" name="Rectangle : coins arrondis 12">
+            <a:extLst>
+              <a:ext uri="{FF2B5EF4-FFF2-40B4-BE49-F238E27FC236}">
+                <a16:creationId xmlns:a16="http://schemas.microsoft.com/office/drawing/2014/main" id="{2005236A-5D70-4933-9C03-53DAC7F068DD}"/>
+              </a:ext>
+            </a:extLst>
+          </p:cNvPr>
+          <p:cNvSpPr/>
+          <p:nvPr/>
+        </p:nvSpPr>
+        <p:spPr>
+          <a:xfrm>
+            <a:off x="9907428" y="2231259"/>
+            <a:ext cx="707572" cy="45719"/>
+          </a:xfrm>
+          <a:prstGeom prst="roundRect">
+            <a:avLst/>
+          </a:prstGeom>
+          <a:noFill/>
+          <a:ln w="50800">
+            <a:solidFill>
+              <a:srgbClr val="92D050"/>
+            </a:solidFill>
+          </a:ln>
+        </p:spPr>
+        <p:style>
+          <a:lnRef idx="2">
+            <a:schemeClr val="accent1">
+              <a:shade val="50000"/>
+            </a:schemeClr>
+          </a:lnRef>
+          <a:fillRef idx="1">
+            <a:schemeClr val="accent1"/>
+          </a:fillRef>
+          <a:effectRef idx="0">
+            <a:schemeClr val="accent1"/>
+          </a:effectRef>
+          <a:fontRef idx="minor">
+            <a:schemeClr val="lt1"/>
+          </a:fontRef>
+        </p:style>
+        <p:txBody>
+          <a:bodyPr rot="0" spcFirstLastPara="0" vert="horz" wrap="square" lIns="91440" tIns="45720" rIns="91440" bIns="45720" numCol="1" spcCol="0" rtlCol="0" fromWordArt="0" anchor="ctr" anchorCtr="0" forceAA="0" compatLnSpc="1">
+            <a:prstTxWarp prst="textNoShape">
+              <a:avLst/>
+            </a:prstTxWarp>
+            <a:noAutofit/>
+          </a:bodyPr>
+          <a:lstStyle/>
+          <a:p>
+            <a:endParaRPr lang="fr-FR"/>
+          </a:p>
+        </p:txBody>
+      </p:sp>
+      <p:sp>
+        <p:nvSpPr>
+          <p:cNvPr id="14" name="ZoneTexte 13">
+            <a:extLst>
+              <a:ext uri="{FF2B5EF4-FFF2-40B4-BE49-F238E27FC236}">
+                <a16:creationId xmlns:a16="http://schemas.microsoft.com/office/drawing/2014/main" id="{E0ACB98A-C89B-4929-A703-94259A65428B}"/>
+              </a:ext>
+            </a:extLst>
+          </p:cNvPr>
+          <p:cNvSpPr txBox="1"/>
+          <p:nvPr/>
+        </p:nvSpPr>
+        <p:spPr>
+          <a:xfrm>
+            <a:off x="10614999" y="2046593"/>
+            <a:ext cx="993862" cy="369332"/>
+          </a:xfrm>
+          <a:prstGeom prst="rect">
+            <a:avLst/>
+          </a:prstGeom>
+          <a:noFill/>
+        </p:spPr>
+        <p:txBody>
+          <a:bodyPr wrap="none" rtlCol="0">
+            <a:spAutoFit/>
+          </a:bodyPr>
+          <a:lstStyle/>
+          <a:p>
+            <a:r>
+              <a:rPr lang="fr-FR" dirty="0"/>
+              <a:t>Corentin</a:t>
+            </a:r>
+          </a:p>
+        </p:txBody>
+      </p:sp>
+      <p:sp>
+        <p:nvSpPr>
+          <p:cNvPr id="15" name="Rectangle : coins arrondis 14">
+            <a:extLst>
+              <a:ext uri="{FF2B5EF4-FFF2-40B4-BE49-F238E27FC236}">
+                <a16:creationId xmlns:a16="http://schemas.microsoft.com/office/drawing/2014/main" id="{C9B032DC-BEA4-4CA8-868C-B1DFB4E70287}"/>
+              </a:ext>
+            </a:extLst>
+          </p:cNvPr>
+          <p:cNvSpPr/>
+          <p:nvPr/>
+        </p:nvSpPr>
+        <p:spPr>
+          <a:xfrm>
+            <a:off x="9907427" y="2601061"/>
+            <a:ext cx="707572" cy="45719"/>
+          </a:xfrm>
+          <a:prstGeom prst="roundRect">
+            <a:avLst/>
+          </a:prstGeom>
+          <a:noFill/>
+          <a:ln w="50800">
+            <a:solidFill>
+              <a:srgbClr val="FF0000"/>
+            </a:solidFill>
+          </a:ln>
+        </p:spPr>
+        <p:style>
+          <a:lnRef idx="2">
+            <a:schemeClr val="accent1">
+              <a:shade val="50000"/>
+            </a:schemeClr>
+          </a:lnRef>
+          <a:fillRef idx="1">
+            <a:schemeClr val="accent1"/>
+          </a:fillRef>
+          <a:effectRef idx="0">
+            <a:schemeClr val="accent1"/>
+          </a:effectRef>
+          <a:fontRef idx="minor">
+            <a:schemeClr val="lt1"/>
+          </a:fontRef>
+        </p:style>
+        <p:txBody>
+          <a:bodyPr rot="0" spcFirstLastPara="0" vert="horz" wrap="square" lIns="91440" tIns="45720" rIns="91440" bIns="45720" numCol="1" spcCol="0" rtlCol="0" fromWordArt="0" anchor="ctr" anchorCtr="0" forceAA="0" compatLnSpc="1">
+            <a:prstTxWarp prst="textNoShape">
+              <a:avLst/>
+            </a:prstTxWarp>
+            <a:noAutofit/>
+          </a:bodyPr>
+          <a:lstStyle/>
+          <a:p>
+            <a:endParaRPr lang="fr-FR"/>
+          </a:p>
+        </p:txBody>
+      </p:sp>
+      <p:sp>
+        <p:nvSpPr>
+          <p:cNvPr id="16" name="ZoneTexte 15">
+            <a:extLst>
+              <a:ext uri="{FF2B5EF4-FFF2-40B4-BE49-F238E27FC236}">
+                <a16:creationId xmlns:a16="http://schemas.microsoft.com/office/drawing/2014/main" id="{48B41F13-2617-4D2B-8E9E-C48ADF79E878}"/>
+              </a:ext>
+            </a:extLst>
+          </p:cNvPr>
+          <p:cNvSpPr txBox="1"/>
+          <p:nvPr/>
+        </p:nvSpPr>
+        <p:spPr>
+          <a:xfrm>
+            <a:off x="10614999" y="2424887"/>
+            <a:ext cx="1195071" cy="369332"/>
+          </a:xfrm>
+          <a:prstGeom prst="rect">
+            <a:avLst/>
+          </a:prstGeom>
+          <a:noFill/>
+        </p:spPr>
+        <p:txBody>
+          <a:bodyPr wrap="none" rtlCol="0">
+            <a:spAutoFit/>
+          </a:bodyPr>
+          <a:lstStyle/>
+          <a:p>
+            <a:r>
+              <a:rPr lang="fr-FR" dirty="0"/>
+              <a:t>Constantin</a:t>
+            </a:r>
+          </a:p>
+        </p:txBody>
+      </p:sp>
+      <p:sp>
+        <p:nvSpPr>
+          <p:cNvPr id="17" name="Rectangle : coins arrondis 16">
+            <a:extLst>
+              <a:ext uri="{FF2B5EF4-FFF2-40B4-BE49-F238E27FC236}">
+                <a16:creationId xmlns:a16="http://schemas.microsoft.com/office/drawing/2014/main" id="{E8DD8EB4-5799-466B-8E0E-6853CD76BBDC}"/>
+              </a:ext>
+            </a:extLst>
+          </p:cNvPr>
+          <p:cNvSpPr/>
+          <p:nvPr/>
+        </p:nvSpPr>
+        <p:spPr>
+          <a:xfrm>
+            <a:off x="9907427" y="2970935"/>
+            <a:ext cx="707572" cy="45719"/>
+          </a:xfrm>
+          <a:prstGeom prst="roundRect">
+            <a:avLst/>
+          </a:prstGeom>
+          <a:noFill/>
+          <a:ln w="50800">
+            <a:solidFill>
+              <a:srgbClr val="00B0F0"/>
+            </a:solidFill>
+          </a:ln>
+        </p:spPr>
+        <p:style>
+          <a:lnRef idx="2">
+            <a:schemeClr val="accent1">
+              <a:shade val="50000"/>
+            </a:schemeClr>
+          </a:lnRef>
+          <a:fillRef idx="1">
+            <a:schemeClr val="accent1"/>
+          </a:fillRef>
+          <a:effectRef idx="0">
+            <a:schemeClr val="accent1"/>
+          </a:effectRef>
+          <a:fontRef idx="minor">
+            <a:schemeClr val="lt1"/>
+          </a:fontRef>
+        </p:style>
+        <p:txBody>
+          <a:bodyPr rot="0" spcFirstLastPara="0" vert="horz" wrap="square" lIns="91440" tIns="45720" rIns="91440" bIns="45720" numCol="1" spcCol="0" rtlCol="0" fromWordArt="0" anchor="ctr" anchorCtr="0" forceAA="0" compatLnSpc="1">
+            <a:prstTxWarp prst="textNoShape">
+              <a:avLst/>
+            </a:prstTxWarp>
+            <a:noAutofit/>
+          </a:bodyPr>
+          <a:lstStyle/>
+          <a:p>
+            <a:endParaRPr lang="fr-FR"/>
+          </a:p>
+        </p:txBody>
+      </p:sp>
+      <p:sp>
+        <p:nvSpPr>
+          <p:cNvPr id="18" name="ZoneTexte 17">
+            <a:extLst>
+              <a:ext uri="{FF2B5EF4-FFF2-40B4-BE49-F238E27FC236}">
+                <a16:creationId xmlns:a16="http://schemas.microsoft.com/office/drawing/2014/main" id="{1B85E7D9-DC72-4AE6-9300-C7C157AAF1D4}"/>
+              </a:ext>
+            </a:extLst>
+          </p:cNvPr>
+          <p:cNvSpPr txBox="1"/>
+          <p:nvPr/>
+        </p:nvSpPr>
+        <p:spPr>
+          <a:xfrm>
+            <a:off x="10614999" y="2786197"/>
+            <a:ext cx="925253" cy="369332"/>
+          </a:xfrm>
+          <a:prstGeom prst="rect">
+            <a:avLst/>
+          </a:prstGeom>
+          <a:noFill/>
+        </p:spPr>
+        <p:txBody>
+          <a:bodyPr wrap="none" rtlCol="0">
+            <a:spAutoFit/>
+          </a:bodyPr>
+          <a:lstStyle/>
+          <a:p>
+            <a:r>
+              <a:rPr lang="fr-FR" dirty="0"/>
+              <a:t>Thomas</a:t>
+            </a:r>
+          </a:p>
+        </p:txBody>
+      </p:sp>
+      <p:sp>
+        <p:nvSpPr>
+          <p:cNvPr id="20" name="Rectangle : coins arrondis 19">
+            <a:extLst>
+              <a:ext uri="{FF2B5EF4-FFF2-40B4-BE49-F238E27FC236}">
+                <a16:creationId xmlns:a16="http://schemas.microsoft.com/office/drawing/2014/main" id="{35D16060-3BD5-4384-834E-2EBCDCA60699}"/>
+              </a:ext>
+            </a:extLst>
+          </p:cNvPr>
+          <p:cNvSpPr/>
+          <p:nvPr/>
+        </p:nvSpPr>
+        <p:spPr>
+          <a:xfrm>
+            <a:off x="8149315" y="4488657"/>
+            <a:ext cx="449379" cy="164306"/>
+          </a:xfrm>
+          <a:prstGeom prst="roundRect">
+            <a:avLst/>
+          </a:prstGeom>
+          <a:noFill/>
+          <a:ln w="50800">
+            <a:solidFill>
+              <a:srgbClr val="FF0000"/>
+            </a:solidFill>
+          </a:ln>
+        </p:spPr>
+        <p:style>
+          <a:lnRef idx="2">
+            <a:schemeClr val="accent1">
+              <a:shade val="50000"/>
+            </a:schemeClr>
+          </a:lnRef>
+          <a:fillRef idx="1">
+            <a:schemeClr val="accent1"/>
+          </a:fillRef>
+          <a:effectRef idx="0">
+            <a:schemeClr val="accent1"/>
+          </a:effectRef>
+          <a:fontRef idx="minor">
+            <a:schemeClr val="lt1"/>
+          </a:fontRef>
+        </p:style>
+        <p:txBody>
+          <a:bodyPr rot="0" spcFirstLastPara="0" vert="horz" wrap="square" lIns="91440" tIns="45720" rIns="91440" bIns="45720" numCol="1" spcCol="0" rtlCol="0" fromWordArt="0" anchor="ctr" anchorCtr="0" forceAA="0" compatLnSpc="1">
+            <a:prstTxWarp prst="textNoShape">
+              <a:avLst/>
+            </a:prstTxWarp>
+            <a:noAutofit/>
+          </a:bodyPr>
+          <a:lstStyle/>
+          <a:p>
+            <a:endParaRPr lang="fr-FR"/>
+          </a:p>
+        </p:txBody>
+      </p:sp>
+      <p:sp>
+        <p:nvSpPr>
+          <p:cNvPr id="21" name="Rectangle : coins arrondis 20">
+            <a:extLst>
+              <a:ext uri="{FF2B5EF4-FFF2-40B4-BE49-F238E27FC236}">
+                <a16:creationId xmlns:a16="http://schemas.microsoft.com/office/drawing/2014/main" id="{5D361B11-4AA7-4AC6-976F-5354E0BA831E}"/>
+              </a:ext>
+            </a:extLst>
+          </p:cNvPr>
+          <p:cNvSpPr/>
+          <p:nvPr/>
+        </p:nvSpPr>
+        <p:spPr>
+          <a:xfrm>
+            <a:off x="4536622" y="3740944"/>
+            <a:ext cx="1666060" cy="801039"/>
+          </a:xfrm>
+          <a:prstGeom prst="roundRect">
+            <a:avLst/>
+          </a:prstGeom>
+          <a:noFill/>
+          <a:ln w="50800">
+            <a:solidFill>
+              <a:srgbClr val="FF0000"/>
+            </a:solidFill>
+          </a:ln>
+        </p:spPr>
+        <p:style>
+          <a:lnRef idx="2">
+            <a:schemeClr val="accent1">
+              <a:shade val="50000"/>
+            </a:schemeClr>
+          </a:lnRef>
+          <a:fillRef idx="1">
+            <a:schemeClr val="accent1"/>
+          </a:fillRef>
+          <a:effectRef idx="0">
+            <a:schemeClr val="accent1"/>
+          </a:effectRef>
+          <a:fontRef idx="minor">
+            <a:schemeClr val="lt1"/>
+          </a:fontRef>
+        </p:style>
+        <p:txBody>
+          <a:bodyPr rot="0" spcFirstLastPara="0" vert="horz" wrap="square" lIns="91440" tIns="45720" rIns="91440" bIns="45720" numCol="1" spcCol="0" rtlCol="0" fromWordArt="0" anchor="ctr" anchorCtr="0" forceAA="0" compatLnSpc="1">
+            <a:prstTxWarp prst="textNoShape">
+              <a:avLst/>
+            </a:prstTxWarp>
+            <a:noAutofit/>
+          </a:bodyPr>
+          <a:lstStyle/>
+          <a:p>
+            <a:endParaRPr lang="fr-FR"/>
+          </a:p>
+        </p:txBody>
+      </p:sp>
+      <p:sp>
+        <p:nvSpPr>
+          <p:cNvPr id="22" name="Rectangle : coins arrondis 21">
+            <a:extLst>
+              <a:ext uri="{FF2B5EF4-FFF2-40B4-BE49-F238E27FC236}">
+                <a16:creationId xmlns:a16="http://schemas.microsoft.com/office/drawing/2014/main" id="{E2933415-AEC5-44C9-AE56-64F8CE71E3F7}"/>
+              </a:ext>
+            </a:extLst>
+          </p:cNvPr>
+          <p:cNvSpPr/>
+          <p:nvPr/>
+        </p:nvSpPr>
+        <p:spPr>
+          <a:xfrm>
+            <a:off x="2802730" y="2816202"/>
+            <a:ext cx="1674019" cy="801039"/>
+          </a:xfrm>
+          <a:prstGeom prst="roundRect">
+            <a:avLst/>
+          </a:prstGeom>
+          <a:noFill/>
+          <a:ln w="50800">
+            <a:solidFill>
+              <a:srgbClr val="FF0000"/>
+            </a:solidFill>
+          </a:ln>
+        </p:spPr>
+        <p:style>
+          <a:lnRef idx="2">
+            <a:schemeClr val="accent1">
+              <a:shade val="50000"/>
+            </a:schemeClr>
+          </a:lnRef>
+          <a:fillRef idx="1">
+            <a:schemeClr val="accent1"/>
+          </a:fillRef>
+          <a:effectRef idx="0">
+            <a:schemeClr val="accent1"/>
+          </a:effectRef>
+          <a:fontRef idx="minor">
+            <a:schemeClr val="lt1"/>
+          </a:fontRef>
+        </p:style>
+        <p:txBody>
+          <a:bodyPr rot="0" spcFirstLastPara="0" vert="horz" wrap="square" lIns="91440" tIns="45720" rIns="91440" bIns="45720" numCol="1" spcCol="0" rtlCol="0" fromWordArt="0" anchor="ctr" anchorCtr="0" forceAA="0" compatLnSpc="1">
+            <a:prstTxWarp prst="textNoShape">
+              <a:avLst/>
+            </a:prstTxWarp>
+            <a:noAutofit/>
+          </a:bodyPr>
+          <a:lstStyle/>
+          <a:p>
+            <a:endParaRPr lang="fr-FR"/>
+          </a:p>
+        </p:txBody>
+      </p:sp>
+      <p:sp>
+        <p:nvSpPr>
+          <p:cNvPr id="23" name="Flèche : double flèche horizontale 22">
+            <a:extLst>
+              <a:ext uri="{FF2B5EF4-FFF2-40B4-BE49-F238E27FC236}">
+                <a16:creationId xmlns:a16="http://schemas.microsoft.com/office/drawing/2014/main" id="{1071556F-F791-4EA0-8063-D0370A498624}"/>
+              </a:ext>
+            </a:extLst>
+          </p:cNvPr>
+          <p:cNvSpPr/>
+          <p:nvPr/>
+        </p:nvSpPr>
+        <p:spPr>
+          <a:xfrm>
+            <a:off x="6865620" y="5195619"/>
+            <a:ext cx="612865" cy="317994"/>
+          </a:xfrm>
+          <a:prstGeom prst="leftRightArrow">
+            <a:avLst/>
+          </a:prstGeom>
+          <a:solidFill>
+            <a:srgbClr val="2FC9FF"/>
+          </a:solidFill>
+          <a:ln>
+            <a:solidFill>
+              <a:srgbClr val="00B0F0"/>
+            </a:solidFill>
+          </a:ln>
+        </p:spPr>
+        <p:style>
+          <a:lnRef idx="2">
+            <a:schemeClr val="accent1">
+              <a:shade val="50000"/>
+            </a:schemeClr>
+          </a:lnRef>
+          <a:fillRef idx="1">
+            <a:schemeClr val="accent1"/>
+          </a:fillRef>
+          <a:effectRef idx="0">
+            <a:schemeClr val="accent1"/>
+          </a:effectRef>
+          <a:fontRef idx="minor">
+            <a:schemeClr val="lt1"/>
+          </a:fontRef>
+        </p:style>
+        <p:txBody>
+          <a:bodyPr rot="0" spcFirstLastPara="0" vert="horz" wrap="square" lIns="91440" tIns="45720" rIns="91440" bIns="45720" numCol="1" spcCol="0" rtlCol="0" fromWordArt="0" anchor="ctr" anchorCtr="0" forceAA="0" compatLnSpc="1">
+            <a:prstTxWarp prst="textNoShape">
+              <a:avLst/>
+            </a:prstTxWarp>
+            <a:noAutofit/>
+          </a:bodyPr>
+          <a:lstStyle/>
+          <a:p>
+            <a:endParaRPr lang="fr-FR"/>
+          </a:p>
+        </p:txBody>
+      </p:sp>
+      <p:sp>
+        <p:nvSpPr>
+          <p:cNvPr id="24" name="Flèche : double flèche horizontale 23">
+            <a:extLst>
+              <a:ext uri="{FF2B5EF4-FFF2-40B4-BE49-F238E27FC236}">
+                <a16:creationId xmlns:a16="http://schemas.microsoft.com/office/drawing/2014/main" id="{9E1D88BE-4C03-4E58-BF2A-430DC0CFE2A3}"/>
+              </a:ext>
+            </a:extLst>
+          </p:cNvPr>
+          <p:cNvSpPr/>
+          <p:nvPr/>
+        </p:nvSpPr>
+        <p:spPr>
+          <a:xfrm>
+            <a:off x="4563290" y="5665171"/>
+            <a:ext cx="1666060" cy="311085"/>
+          </a:xfrm>
+          <a:prstGeom prst="leftRightArrow">
+            <a:avLst/>
+          </a:prstGeom>
+          <a:solidFill>
+            <a:srgbClr val="1EEA14"/>
+          </a:solidFill>
+          <a:ln>
+            <a:solidFill>
+              <a:srgbClr val="92D050"/>
+            </a:solidFill>
+          </a:ln>
+        </p:spPr>
+        <p:style>
+          <a:lnRef idx="2">
+            <a:schemeClr val="accent1">
+              <a:shade val="50000"/>
+            </a:schemeClr>
+          </a:lnRef>
+          <a:fillRef idx="1">
+            <a:schemeClr val="accent1"/>
+          </a:fillRef>
+          <a:effectRef idx="0">
+            <a:schemeClr val="accent1"/>
+          </a:effectRef>
+          <a:fontRef idx="minor">
+            <a:schemeClr val="lt1"/>
+          </a:fontRef>
+        </p:style>
+        <p:txBody>
+          <a:bodyPr rot="0" spcFirstLastPara="0" vert="horz" wrap="square" lIns="91440" tIns="45720" rIns="91440" bIns="45720" numCol="1" spcCol="0" rtlCol="0" fromWordArt="0" anchor="ctr" anchorCtr="0" forceAA="0" compatLnSpc="1">
+            <a:prstTxWarp prst="textNoShape">
+              <a:avLst/>
+            </a:prstTxWarp>
+            <a:noAutofit/>
+          </a:bodyPr>
+          <a:lstStyle/>
+          <a:p>
+            <a:endParaRPr lang="fr-FR"/>
+          </a:p>
+        </p:txBody>
+      </p:sp>
+      <p:sp>
+        <p:nvSpPr>
+          <p:cNvPr id="25" name="Rectangle : coins arrondis 24">
+            <a:extLst>
+              <a:ext uri="{FF2B5EF4-FFF2-40B4-BE49-F238E27FC236}">
+                <a16:creationId xmlns:a16="http://schemas.microsoft.com/office/drawing/2014/main" id="{489DFF1B-53BB-413F-A40C-14160C2DCD79}"/>
+              </a:ext>
+            </a:extLst>
+          </p:cNvPr>
+          <p:cNvSpPr/>
+          <p:nvPr/>
+        </p:nvSpPr>
+        <p:spPr>
+          <a:xfrm>
+            <a:off x="2802731" y="3747359"/>
+            <a:ext cx="1661954" cy="801039"/>
+          </a:xfrm>
+          <a:prstGeom prst="roundRect">
+            <a:avLst/>
+          </a:prstGeom>
+          <a:noFill/>
+          <a:ln w="50800">
+            <a:solidFill>
+              <a:srgbClr val="92D050"/>
+            </a:solidFill>
+          </a:ln>
+        </p:spPr>
+        <p:style>
+          <a:lnRef idx="2">
+            <a:schemeClr val="accent1">
+              <a:shade val="50000"/>
+            </a:schemeClr>
+          </a:lnRef>
+          <a:fillRef idx="1">
+            <a:schemeClr val="accent1"/>
+          </a:fillRef>
+          <a:effectRef idx="0">
+            <a:schemeClr val="accent1"/>
+          </a:effectRef>
+          <a:fontRef idx="minor">
+            <a:schemeClr val="lt1"/>
+          </a:fontRef>
+        </p:style>
+        <p:txBody>
+          <a:bodyPr rot="0" spcFirstLastPara="0" vert="horz" wrap="square" lIns="91440" tIns="45720" rIns="91440" bIns="45720" numCol="1" spcCol="0" rtlCol="0" fromWordArt="0" anchor="ctr" anchorCtr="0" forceAA="0" compatLnSpc="1">
+            <a:prstTxWarp prst="textNoShape">
+              <a:avLst/>
+            </a:prstTxWarp>
+            <a:noAutofit/>
+          </a:bodyPr>
+          <a:lstStyle/>
+          <a:p>
+            <a:endParaRPr lang="fr-FR"/>
+          </a:p>
+        </p:txBody>
+      </p:sp>
+      <p:sp>
+        <p:nvSpPr>
+          <p:cNvPr id="26" name="Rectangle : coins arrondis 25">
+            <a:extLst>
+              <a:ext uri="{FF2B5EF4-FFF2-40B4-BE49-F238E27FC236}">
+                <a16:creationId xmlns:a16="http://schemas.microsoft.com/office/drawing/2014/main" id="{182E2B6F-2034-4B2C-8B91-AF4F0257F1FA}"/>
+              </a:ext>
+            </a:extLst>
+          </p:cNvPr>
+          <p:cNvSpPr/>
+          <p:nvPr/>
+        </p:nvSpPr>
+        <p:spPr>
+          <a:xfrm>
+            <a:off x="6280150" y="2818392"/>
+            <a:ext cx="1630363" cy="801039"/>
+          </a:xfrm>
+          <a:prstGeom prst="roundRect">
+            <a:avLst/>
+          </a:prstGeom>
+          <a:noFill/>
+          <a:ln w="50800">
+            <a:solidFill>
+              <a:srgbClr val="92D050"/>
+            </a:solidFill>
+          </a:ln>
+        </p:spPr>
+        <p:style>
+          <a:lnRef idx="2">
+            <a:schemeClr val="accent1">
+              <a:shade val="50000"/>
+            </a:schemeClr>
+          </a:lnRef>
+          <a:fillRef idx="1">
+            <a:schemeClr val="accent1"/>
+          </a:fillRef>
+          <a:effectRef idx="0">
+            <a:schemeClr val="accent1"/>
+          </a:effectRef>
+          <a:fontRef idx="minor">
+            <a:schemeClr val="lt1"/>
+          </a:fontRef>
+        </p:style>
+        <p:txBody>
+          <a:bodyPr rot="0" spcFirstLastPara="0" vert="horz" wrap="square" lIns="91440" tIns="45720" rIns="91440" bIns="45720" numCol="1" spcCol="0" rtlCol="0" fromWordArt="0" anchor="ctr" anchorCtr="0" forceAA="0" compatLnSpc="1">
+            <a:prstTxWarp prst="textNoShape">
+              <a:avLst/>
+            </a:prstTxWarp>
+            <a:noAutofit/>
+          </a:bodyPr>
+          <a:lstStyle/>
+          <a:p>
+            <a:endParaRPr lang="fr-FR"/>
+          </a:p>
+        </p:txBody>
+      </p:sp>
+      <p:sp>
+        <p:nvSpPr>
+          <p:cNvPr id="27" name="Rectangle : coins arrondis 26">
+            <a:extLst>
+              <a:ext uri="{FF2B5EF4-FFF2-40B4-BE49-F238E27FC236}">
+                <a16:creationId xmlns:a16="http://schemas.microsoft.com/office/drawing/2014/main" id="{67F0BB05-9A0E-438F-99F2-3FA9E65C5937}"/>
+              </a:ext>
+            </a:extLst>
+          </p:cNvPr>
+          <p:cNvSpPr/>
+          <p:nvPr/>
+        </p:nvSpPr>
+        <p:spPr>
+          <a:xfrm>
+            <a:off x="4541997" y="2816202"/>
+            <a:ext cx="1649888" cy="801039"/>
+          </a:xfrm>
+          <a:prstGeom prst="roundRect">
+            <a:avLst/>
+          </a:prstGeom>
+          <a:noFill/>
+          <a:ln w="50800">
+            <a:solidFill>
+              <a:srgbClr val="00B0F0"/>
+            </a:solidFill>
+          </a:ln>
+        </p:spPr>
+        <p:style>
+          <a:lnRef idx="2">
+            <a:schemeClr val="accent1">
+              <a:shade val="50000"/>
+            </a:schemeClr>
+          </a:lnRef>
+          <a:fillRef idx="1">
+            <a:schemeClr val="accent1"/>
+          </a:fillRef>
+          <a:effectRef idx="0">
+            <a:schemeClr val="accent1"/>
+          </a:effectRef>
+          <a:fontRef idx="minor">
+            <a:schemeClr val="lt1"/>
+          </a:fontRef>
+        </p:style>
+        <p:txBody>
+          <a:bodyPr rot="0" spcFirstLastPara="0" vert="horz" wrap="square" lIns="91440" tIns="45720" rIns="91440" bIns="45720" numCol="1" spcCol="0" rtlCol="0" fromWordArt="0" anchor="ctr" anchorCtr="0" forceAA="0" compatLnSpc="1">
+            <a:prstTxWarp prst="textNoShape">
+              <a:avLst/>
+            </a:prstTxWarp>
+            <a:noAutofit/>
+          </a:bodyPr>
+          <a:lstStyle/>
+          <a:p>
+            <a:endParaRPr lang="fr-FR"/>
+          </a:p>
+        </p:txBody>
+      </p:sp>
+      <p:sp>
+        <p:nvSpPr>
+          <p:cNvPr id="28" name="Rectangle : coins arrondis 27">
+            <a:extLst>
+              <a:ext uri="{FF2B5EF4-FFF2-40B4-BE49-F238E27FC236}">
+                <a16:creationId xmlns:a16="http://schemas.microsoft.com/office/drawing/2014/main" id="{F606E47C-726C-4713-AAF3-C821E5344F3E}"/>
+              </a:ext>
+            </a:extLst>
+          </p:cNvPr>
+          <p:cNvSpPr/>
+          <p:nvPr/>
+        </p:nvSpPr>
+        <p:spPr>
+          <a:xfrm>
+            <a:off x="6268083" y="3749157"/>
+            <a:ext cx="1661954" cy="801039"/>
+          </a:xfrm>
+          <a:prstGeom prst="roundRect">
+            <a:avLst/>
+          </a:prstGeom>
+          <a:noFill/>
+          <a:ln w="50800">
+            <a:solidFill>
+              <a:srgbClr val="00B0F0"/>
+            </a:solidFill>
+          </a:ln>
+        </p:spPr>
+        <p:style>
+          <a:lnRef idx="2">
+            <a:schemeClr val="accent1">
+              <a:shade val="50000"/>
+            </a:schemeClr>
+          </a:lnRef>
+          <a:fillRef idx="1">
+            <a:schemeClr val="accent1"/>
+          </a:fillRef>
+          <a:effectRef idx="0">
+            <a:schemeClr val="accent1"/>
+          </a:effectRef>
+          <a:fontRef idx="minor">
+            <a:schemeClr val="lt1"/>
+          </a:fontRef>
+        </p:style>
+        <p:txBody>
+          <a:bodyPr rot="0" spcFirstLastPara="0" vert="horz" wrap="square" lIns="91440" tIns="45720" rIns="91440" bIns="45720" numCol="1" spcCol="0" rtlCol="0" fromWordArt="0" anchor="ctr" anchorCtr="0" forceAA="0" compatLnSpc="1">
+            <a:prstTxWarp prst="textNoShape">
+              <a:avLst/>
+            </a:prstTxWarp>
+            <a:noAutofit/>
+          </a:bodyPr>
+          <a:lstStyle/>
+          <a:p>
+            <a:endParaRPr lang="fr-FR"/>
+          </a:p>
+        </p:txBody>
+      </p:sp>
+      <p:cxnSp>
+        <p:nvCxnSpPr>
+          <p:cNvPr id="29" name="Connecteur droit 28">
+            <a:extLst>
+              <a:ext uri="{FF2B5EF4-FFF2-40B4-BE49-F238E27FC236}">
+                <a16:creationId xmlns:a16="http://schemas.microsoft.com/office/drawing/2014/main" id="{275F8654-B445-4228-94F2-002ED50C11F4}"/>
+              </a:ext>
+            </a:extLst>
+          </p:cNvPr>
+          <p:cNvCxnSpPr>
+            <a:cxnSpLocks/>
+          </p:cNvCxnSpPr>
+          <p:nvPr/>
+        </p:nvCxnSpPr>
+        <p:spPr>
+          <a:xfrm flipH="1" flipV="1">
+            <a:off x="2002064" y="4570810"/>
+            <a:ext cx="2878658" cy="678299"/>
+          </a:xfrm>
+          <a:prstGeom prst="line">
+            <a:avLst/>
+          </a:prstGeom>
+          <a:ln>
+            <a:solidFill>
+              <a:schemeClr val="accent1"/>
+            </a:solidFill>
+          </a:ln>
+        </p:spPr>
+        <p:style>
+          <a:lnRef idx="3">
+            <a:schemeClr val="accent1"/>
+          </a:lnRef>
+          <a:fillRef idx="0">
+            <a:schemeClr val="accent1"/>
+          </a:fillRef>
+          <a:effectRef idx="2">
+            <a:schemeClr val="accent1"/>
+          </a:effectRef>
+          <a:fontRef idx="minor">
+            <a:schemeClr val="tx1"/>
+          </a:fontRef>
+        </p:style>
+      </p:cxnSp>
+      <p:sp>
+        <p:nvSpPr>
+          <p:cNvPr id="31" name="Zone de texte 45">
+            <a:extLst>
+              <a:ext uri="{FF2B5EF4-FFF2-40B4-BE49-F238E27FC236}">
+                <a16:creationId xmlns:a16="http://schemas.microsoft.com/office/drawing/2014/main" id="{4137D27B-845D-49BA-A870-304F07D89BFE}"/>
+              </a:ext>
+            </a:extLst>
+          </p:cNvPr>
+          <p:cNvSpPr txBox="1"/>
+          <p:nvPr/>
+        </p:nvSpPr>
+        <p:spPr>
+          <a:xfrm>
+            <a:off x="905817" y="4289822"/>
+            <a:ext cx="1095375" cy="561975"/>
+          </a:xfrm>
+          <a:prstGeom prst="rect">
+            <a:avLst/>
+          </a:prstGeom>
+          <a:solidFill>
+            <a:schemeClr val="lt1"/>
+          </a:solidFill>
+          <a:ln w="6350">
+            <a:solidFill>
+              <a:schemeClr val="accent1"/>
+            </a:solidFill>
+          </a:ln>
+        </p:spPr>
+        <p:txBody>
+          <a:bodyPr rot="0" spcFirstLastPara="0" vert="horz" wrap="square" lIns="91440" tIns="45720" rIns="91440" bIns="45720" numCol="1" spcCol="0" rtlCol="0" fromWordArt="0" anchor="t" anchorCtr="0" forceAA="0" compatLnSpc="1">
+            <a:prstTxWarp prst="textNoShape">
+              <a:avLst/>
+            </a:prstTxWarp>
+            <a:noAutofit/>
+          </a:bodyPr>
+          <a:lstStyle/>
+          <a:p>
+            <a:pPr>
+              <a:lnSpc>
+                <a:spcPct val="107000"/>
+              </a:lnSpc>
+              <a:spcAft>
+                <a:spcPts val="800"/>
+              </a:spcAft>
+            </a:pPr>
+            <a:r>
+              <a:rPr lang="fr-FR" sz="1000" dirty="0">
+                <a:solidFill>
+                  <a:schemeClr val="accent1"/>
+                </a:solidFill>
+                <a:effectLst/>
+                <a:latin typeface="Calibri" panose="020F0502020204030204" pitchFamily="34" charset="0"/>
+                <a:ea typeface="Calibri" panose="020F0502020204030204" pitchFamily="34" charset="0"/>
+                <a:cs typeface="Calibri" panose="020F0502020204030204" pitchFamily="34" charset="0"/>
+              </a:rPr>
+              <a:t>Application Web sur l’affichage de l’état de la salle</a:t>
+            </a:r>
+            <a:endParaRPr lang="fr-FR" sz="1100" dirty="0">
+              <a:solidFill>
+                <a:schemeClr val="accent1"/>
+              </a:solidFill>
+              <a:effectLst/>
+              <a:latin typeface="Calibri" panose="020F0502020204030204" pitchFamily="34" charset="0"/>
+              <a:ea typeface="Calibri" panose="020F0502020204030204" pitchFamily="34" charset="0"/>
+              <a:cs typeface="Times New Roman" panose="02020603050405020304" pitchFamily="18" charset="0"/>
+            </a:endParaRPr>
+          </a:p>
+        </p:txBody>
+      </p:sp>
+      <p:cxnSp>
+        <p:nvCxnSpPr>
+          <p:cNvPr id="32" name="Connecteur droit 31">
+            <a:extLst>
+              <a:ext uri="{FF2B5EF4-FFF2-40B4-BE49-F238E27FC236}">
+                <a16:creationId xmlns:a16="http://schemas.microsoft.com/office/drawing/2014/main" id="{7A108338-C537-43B1-B6F3-044BA5E019D3}"/>
+              </a:ext>
+            </a:extLst>
+          </p:cNvPr>
+          <p:cNvCxnSpPr>
+            <a:cxnSpLocks/>
+          </p:cNvCxnSpPr>
+          <p:nvPr/>
+        </p:nvCxnSpPr>
+        <p:spPr>
+          <a:xfrm flipV="1">
+            <a:off x="7026093" y="4775248"/>
+            <a:ext cx="2781391" cy="380401"/>
+          </a:xfrm>
+          <a:prstGeom prst="line">
+            <a:avLst/>
+          </a:prstGeom>
+          <a:ln>
+            <a:solidFill>
+              <a:srgbClr val="2FC9FF"/>
+            </a:solidFill>
+          </a:ln>
+        </p:spPr>
+        <p:style>
+          <a:lnRef idx="3">
+            <a:schemeClr val="accent1"/>
+          </a:lnRef>
+          <a:fillRef idx="0">
+            <a:schemeClr val="accent1"/>
+          </a:fillRef>
+          <a:effectRef idx="2">
+            <a:schemeClr val="accent1"/>
+          </a:effectRef>
+          <a:fontRef idx="minor">
+            <a:schemeClr val="tx1"/>
+          </a:fontRef>
+        </p:style>
+      </p:cxnSp>
+      <p:sp>
+        <p:nvSpPr>
+          <p:cNvPr id="34" name="Zone de texte 44">
+            <a:extLst>
+              <a:ext uri="{FF2B5EF4-FFF2-40B4-BE49-F238E27FC236}">
+                <a16:creationId xmlns:a16="http://schemas.microsoft.com/office/drawing/2014/main" id="{4684EDED-9F12-45D2-926B-0E58883DBD1C}"/>
+              </a:ext>
+            </a:extLst>
+          </p:cNvPr>
+          <p:cNvSpPr txBox="1"/>
+          <p:nvPr/>
+        </p:nvSpPr>
+        <p:spPr>
+          <a:xfrm>
+            <a:off x="9811861" y="4481244"/>
+            <a:ext cx="1095375" cy="561975"/>
+          </a:xfrm>
+          <a:prstGeom prst="rect">
+            <a:avLst/>
+          </a:prstGeom>
+          <a:solidFill>
+            <a:schemeClr val="lt1"/>
+          </a:solidFill>
+          <a:ln w="6350">
+            <a:solidFill>
+              <a:srgbClr val="2FC9FF"/>
+            </a:solidFill>
+          </a:ln>
+        </p:spPr>
+        <p:txBody>
+          <a:bodyPr rot="0" spcFirstLastPara="0" vert="horz" wrap="square" lIns="91440" tIns="45720" rIns="91440" bIns="45720" numCol="1" spcCol="0" rtlCol="0" fromWordArt="0" anchor="t" anchorCtr="0" forceAA="0" compatLnSpc="1">
+            <a:prstTxWarp prst="textNoShape">
+              <a:avLst/>
+            </a:prstTxWarp>
+            <a:noAutofit/>
+          </a:bodyPr>
+          <a:lstStyle/>
+          <a:p>
+            <a:pPr>
+              <a:lnSpc>
+                <a:spcPct val="107000"/>
+              </a:lnSpc>
+              <a:spcAft>
+                <a:spcPts val="800"/>
+              </a:spcAft>
+            </a:pPr>
+            <a:r>
+              <a:rPr lang="fr-FR" sz="1000">
+                <a:solidFill>
+                  <a:srgbClr val="2FC9FF"/>
+                </a:solidFill>
+                <a:effectLst/>
+                <a:latin typeface="Calibri" panose="020F0502020204030204" pitchFamily="34" charset="0"/>
+                <a:ea typeface="Calibri" panose="020F0502020204030204" pitchFamily="34" charset="0"/>
+                <a:cs typeface="Calibri" panose="020F0502020204030204" pitchFamily="34" charset="0"/>
+              </a:rPr>
+              <a:t>Application Web de pilotage des actionneurs</a:t>
+            </a:r>
+            <a:endParaRPr lang="fr-FR" sz="1100">
+              <a:effectLst/>
+              <a:latin typeface="Calibri" panose="020F0502020204030204" pitchFamily="34" charset="0"/>
+              <a:ea typeface="Calibri" panose="020F0502020204030204" pitchFamily="34" charset="0"/>
+              <a:cs typeface="Times New Roman" panose="02020603050405020304" pitchFamily="18" charset="0"/>
+            </a:endParaRPr>
+          </a:p>
+        </p:txBody>
+      </p:sp>
+      <p:sp>
+        <p:nvSpPr>
+          <p:cNvPr id="30" name="Flèche : double flèche horizontale 29">
+            <a:extLst>
+              <a:ext uri="{FF2B5EF4-FFF2-40B4-BE49-F238E27FC236}">
+                <a16:creationId xmlns:a16="http://schemas.microsoft.com/office/drawing/2014/main" id="{F9F6A72D-174F-4BC3-8B21-E7E934847993}"/>
+              </a:ext>
+            </a:extLst>
+          </p:cNvPr>
+          <p:cNvSpPr/>
+          <p:nvPr/>
+        </p:nvSpPr>
+        <p:spPr>
+          <a:xfrm rot="16200000">
+            <a:off x="7428681" y="4657774"/>
+            <a:ext cx="535940" cy="234950"/>
+          </a:xfrm>
+          <a:prstGeom prst="leftRightArrow">
+            <a:avLst/>
+          </a:prstGeom>
+          <a:solidFill>
+            <a:srgbClr val="FF0000"/>
+          </a:solidFill>
+          <a:ln>
+            <a:noFill/>
+          </a:ln>
+        </p:spPr>
+        <p:style>
+          <a:lnRef idx="2">
+            <a:schemeClr val="accent1">
+              <a:shade val="50000"/>
+            </a:schemeClr>
+          </a:lnRef>
+          <a:fillRef idx="1">
+            <a:schemeClr val="accent1"/>
+          </a:fillRef>
+          <a:effectRef idx="0">
+            <a:schemeClr val="accent1"/>
+          </a:effectRef>
+          <a:fontRef idx="minor">
+            <a:schemeClr val="lt1"/>
+          </a:fontRef>
+        </p:style>
+        <p:txBody>
+          <a:bodyPr rot="0" spcFirstLastPara="0" vert="horz" wrap="square" lIns="91440" tIns="45720" rIns="91440" bIns="45720" numCol="1" spcCol="0" rtlCol="0" fromWordArt="0" anchor="ctr" anchorCtr="0" forceAA="0" compatLnSpc="1">
+            <a:prstTxWarp prst="textNoShape">
+              <a:avLst/>
+            </a:prstTxWarp>
+            <a:noAutofit/>
+          </a:bodyPr>
+          <a:lstStyle/>
+          <a:p>
+            <a:endParaRPr lang="fr-FR"/>
+          </a:p>
+        </p:txBody>
+      </p:sp>
+      <p:sp>
+        <p:nvSpPr>
+          <p:cNvPr id="33" name="Rectangle : coins arrondis 32">
+            <a:extLst>
+              <a:ext uri="{FF2B5EF4-FFF2-40B4-BE49-F238E27FC236}">
+                <a16:creationId xmlns:a16="http://schemas.microsoft.com/office/drawing/2014/main" id="{7CE9B7C8-5101-4D32-9FE4-BA4514E34A1A}"/>
+              </a:ext>
+            </a:extLst>
+          </p:cNvPr>
+          <p:cNvSpPr/>
+          <p:nvPr/>
+        </p:nvSpPr>
+        <p:spPr>
+          <a:xfrm>
+            <a:off x="3683181" y="5901112"/>
+            <a:ext cx="438833" cy="466534"/>
+          </a:xfrm>
+          <a:prstGeom prst="roundRect">
+            <a:avLst/>
+          </a:prstGeom>
+          <a:noFill/>
+          <a:ln w="50800">
+            <a:solidFill>
+              <a:srgbClr val="92D050"/>
+            </a:solidFill>
+          </a:ln>
+        </p:spPr>
+        <p:style>
+          <a:lnRef idx="2">
+            <a:schemeClr val="accent1">
+              <a:shade val="50000"/>
+            </a:schemeClr>
+          </a:lnRef>
+          <a:fillRef idx="1">
+            <a:schemeClr val="accent1"/>
+          </a:fillRef>
+          <a:effectRef idx="0">
+            <a:schemeClr val="accent1"/>
+          </a:effectRef>
+          <a:fontRef idx="minor">
+            <a:schemeClr val="lt1"/>
+          </a:fontRef>
+        </p:style>
+        <p:txBody>
+          <a:bodyPr rot="0" spcFirstLastPara="0" vert="horz" wrap="square" lIns="91440" tIns="45720" rIns="91440" bIns="45720" numCol="1" spcCol="0" rtlCol="0" fromWordArt="0" anchor="ctr" anchorCtr="0" forceAA="0" compatLnSpc="1">
+            <a:prstTxWarp prst="textNoShape">
+              <a:avLst/>
+            </a:prstTxWarp>
+            <a:noAutofit/>
+          </a:bodyPr>
+          <a:lstStyle/>
+          <a:p>
+            <a:endParaRPr lang="fr-FR"/>
+          </a:p>
+        </p:txBody>
+      </p:sp>
+    </p:spTree>
+    <p:extLst>
+      <p:ext uri="{BB962C8B-B14F-4D97-AF65-F5344CB8AC3E}">
+        <p14:creationId xmlns:p14="http://schemas.microsoft.com/office/powerpoint/2010/main" val="3816919354"/>
+      </p:ext>
+    </p:extLst>
+  </p:cSld>
+  <p:clrMapOvr>
+    <a:masterClrMapping/>
+  </p:clrMapOvr>
+  <p:timing>
+    <p:tnLst>
+      <p:par>
+        <p:cTn id="1" dur="indefinite" restart="never" nodeType="tmRoot">
+          <p:childTnLst>
+            <p:seq concurrent="1" nextAc="seek">
+              <p:cTn id="2" dur="indefinite" nodeType="mainSeq">
+                <p:childTnLst>
+                  <p:par>
+                    <p:cTn id="3" fill="hold">
+                      <p:stCondLst>
+                        <p:cond delay="indefinite"/>
+                      </p:stCondLst>
+                      <p:childTnLst>
+                        <p:par>
+                          <p:cTn id="4" fill="hold">
+                            <p:stCondLst>
+                              <p:cond delay="0"/>
+                            </p:stCondLst>
+                            <p:childTnLst>
+                              <p:par>
+                                <p:cTn id="5" presetID="1" presetClass="entr" presetSubtype="0" fill="hold" grpId="0" nodeType="clickEffect">
+                                  <p:stCondLst>
+                                    <p:cond delay="0"/>
+                                  </p:stCondLst>
+                                  <p:childTnLst>
+                                    <p:set>
+                                      <p:cBhvr>
+                                        <p:cTn id="6" dur="1" fill="hold">
+                                          <p:stCondLst>
+                                            <p:cond delay="0"/>
+                                          </p:stCondLst>
+                                        </p:cTn>
+                                        <p:tgtEl>
+                                          <p:spTgt spid="5"/>
+                                        </p:tgtEl>
+                                        <p:attrNameLst>
+                                          <p:attrName>style.visibility</p:attrName>
+                                        </p:attrNameLst>
+                                      </p:cBhvr>
+                                      <p:to>
+                                        <p:strVal val="visible"/>
+                                      </p:to>
+                                    </p:set>
+                                  </p:childTnLst>
+                                </p:cTn>
+                              </p:par>
+                            </p:childTnLst>
+                          </p:cTn>
+                        </p:par>
+                      </p:childTnLst>
+                    </p:cTn>
+                  </p:par>
+                  <p:par>
+                    <p:cTn id="7" fill="hold">
+                      <p:stCondLst>
+                        <p:cond delay="indefinite"/>
+                      </p:stCondLst>
+                      <p:childTnLst>
+                        <p:par>
+                          <p:cTn id="8" fill="hold">
+                            <p:stCondLst>
+                              <p:cond delay="0"/>
+                            </p:stCondLst>
+                            <p:childTnLst>
+                              <p:par>
+                                <p:cTn id="9" presetID="1" presetClass="entr" presetSubtype="0" fill="hold" grpId="0" nodeType="clickEffect">
+                                  <p:stCondLst>
+                                    <p:cond delay="0"/>
+                                  </p:stCondLst>
+                                  <p:childTnLst>
+                                    <p:set>
+                                      <p:cBhvr>
+                                        <p:cTn id="10" dur="1" fill="hold">
+                                          <p:stCondLst>
+                                            <p:cond delay="0"/>
+                                          </p:stCondLst>
+                                        </p:cTn>
+                                        <p:tgtEl>
+                                          <p:spTgt spid="8"/>
+                                        </p:tgtEl>
+                                        <p:attrNameLst>
+                                          <p:attrName>style.visibility</p:attrName>
+                                        </p:attrNameLst>
+                                      </p:cBhvr>
+                                      <p:to>
+                                        <p:strVal val="visible"/>
+                                      </p:to>
+                                    </p:set>
+                                  </p:childTnLst>
+                                </p:cTn>
+                              </p:par>
+                            </p:childTnLst>
+                          </p:cTn>
+                        </p:par>
+                      </p:childTnLst>
+                    </p:cTn>
+                  </p:par>
+                  <p:par>
+                    <p:cTn id="11" fill="hold">
+                      <p:stCondLst>
+                        <p:cond delay="indefinite"/>
+                      </p:stCondLst>
+                      <p:childTnLst>
+                        <p:par>
+                          <p:cTn id="12" fill="hold">
+                            <p:stCondLst>
+                              <p:cond delay="0"/>
+                            </p:stCondLst>
+                            <p:childTnLst>
+                              <p:par>
+                                <p:cTn id="13" presetID="1" presetClass="entr" presetSubtype="0" fill="hold" grpId="0" nodeType="clickEffect">
+                                  <p:stCondLst>
+                                    <p:cond delay="0"/>
+                                  </p:stCondLst>
+                                  <p:childTnLst>
+                                    <p:set>
+                                      <p:cBhvr>
+                                        <p:cTn id="14" dur="1" fill="hold">
+                                          <p:stCondLst>
+                                            <p:cond delay="0"/>
+                                          </p:stCondLst>
+                                        </p:cTn>
+                                        <p:tgtEl>
+                                          <p:spTgt spid="7"/>
+                                        </p:tgtEl>
+                                        <p:attrNameLst>
+                                          <p:attrName>style.visibility</p:attrName>
+                                        </p:attrNameLst>
+                                      </p:cBhvr>
+                                      <p:to>
+                                        <p:strVal val="visible"/>
+                                      </p:to>
+                                    </p:set>
+                                  </p:childTnLst>
+                                </p:cTn>
+                              </p:par>
+                            </p:childTnLst>
+                          </p:cTn>
+                        </p:par>
+                      </p:childTnLst>
+                    </p:cTn>
+                  </p:par>
+                  <p:par>
+                    <p:cTn id="15" fill="hold">
+                      <p:stCondLst>
+                        <p:cond delay="indefinite"/>
+                      </p:stCondLst>
+                      <p:childTnLst>
+                        <p:par>
+                          <p:cTn id="16" fill="hold">
+                            <p:stCondLst>
+                              <p:cond delay="0"/>
+                            </p:stCondLst>
+                            <p:childTnLst>
+                              <p:par>
+                                <p:cTn id="17" presetID="1" presetClass="entr" presetSubtype="0" fill="hold" nodeType="clickEffect">
+                                  <p:stCondLst>
+                                    <p:cond delay="0"/>
+                                  </p:stCondLst>
+                                  <p:childTnLst>
+                                    <p:set>
+                                      <p:cBhvr>
+                                        <p:cTn id="18" dur="1" fill="hold">
+                                          <p:stCondLst>
+                                            <p:cond delay="0"/>
+                                          </p:stCondLst>
+                                        </p:cTn>
+                                        <p:tgtEl>
+                                          <p:spTgt spid="29"/>
+                                        </p:tgtEl>
+                                        <p:attrNameLst>
+                                          <p:attrName>style.visibility</p:attrName>
+                                        </p:attrNameLst>
+                                      </p:cBhvr>
+                                      <p:to>
+                                        <p:strVal val="visible"/>
+                                      </p:to>
+                                    </p:set>
+                                  </p:childTnLst>
+                                </p:cTn>
+                              </p:par>
+                            </p:childTnLst>
+                          </p:cTn>
+                        </p:par>
+                      </p:childTnLst>
+                    </p:cTn>
+                  </p:par>
+                  <p:par>
+                    <p:cTn id="19" fill="hold">
+                      <p:stCondLst>
+                        <p:cond delay="indefinite"/>
+                      </p:stCondLst>
+                      <p:childTnLst>
+                        <p:par>
+                          <p:cTn id="20" fill="hold">
+                            <p:stCondLst>
+                              <p:cond delay="0"/>
+                            </p:stCondLst>
+                            <p:childTnLst>
+                              <p:par>
+                                <p:cTn id="21" presetID="1" presetClass="entr" presetSubtype="0" fill="hold" grpId="0" nodeType="clickEffect">
+                                  <p:stCondLst>
+                                    <p:cond delay="0"/>
+                                  </p:stCondLst>
+                                  <p:childTnLst>
+                                    <p:set>
+                                      <p:cBhvr>
+                                        <p:cTn id="22" dur="1" fill="hold">
+                                          <p:stCondLst>
+                                            <p:cond delay="0"/>
+                                          </p:stCondLst>
+                                        </p:cTn>
+                                        <p:tgtEl>
+                                          <p:spTgt spid="31"/>
+                                        </p:tgtEl>
+                                        <p:attrNameLst>
+                                          <p:attrName>style.visibility</p:attrName>
+                                        </p:attrNameLst>
+                                      </p:cBhvr>
+                                      <p:to>
+                                        <p:strVal val="visible"/>
+                                      </p:to>
+                                    </p:set>
+                                  </p:childTnLst>
+                                </p:cTn>
+                              </p:par>
+                            </p:childTnLst>
+                          </p:cTn>
+                        </p:par>
+                      </p:childTnLst>
+                    </p:cTn>
+                  </p:par>
+                </p:childTnLst>
+              </p:cTn>
+              <p:prevCondLst>
+                <p:cond evt="onPrev" delay="0">
+                  <p:tgtEl>
+                    <p:sldTgt/>
+                  </p:tgtEl>
+                </p:cond>
+              </p:prevCondLst>
+              <p:nextCondLst>
+                <p:cond evt="onNext" delay="0">
+                  <p:tgtEl>
+                    <p:sldTgt/>
+                  </p:tgtEl>
+                </p:cond>
+              </p:nextCondLst>
+            </p:seq>
+          </p:childTnLst>
+        </p:cTn>
+      </p:par>
+    </p:tnLst>
+    <p:bldLst>
+      <p:bldP spid="5" grpId="0" animBg="1"/>
+      <p:bldP spid="7" grpId="0" animBg="1"/>
+      <p:bldP spid="8" grpId="0" animBg="1"/>
+      <p:bldP spid="31" grpId="0" animBg="1"/>
+    </p:bldLst>
+  </p:timing>
+</p:sld>
+</file>
+
+<file path=ppt/slides/slide10.xml><?xml version="1.0" encoding="utf-8"?>
+<p:sld xmlns:a="http://schemas.openxmlformats.org/drawingml/2006/main" xmlns:r="http://schemas.openxmlformats.org/officeDocument/2006/relationships" xmlns:p="http://schemas.openxmlformats.org/presentationml/2006/main">
+  <p:cSld>
+    <p:spTree>
+      <p:nvGrpSpPr>
+        <p:cNvPr id="1" name=""/>
+        <p:cNvGrpSpPr/>
+        <p:nvPr/>
+      </p:nvGrpSpPr>
+      <p:grpSpPr>
+        <a:xfrm>
+          <a:off x="0" y="0"/>
+          <a:ext cx="0" cy="0"/>
+          <a:chOff x="0" y="0"/>
+          <a:chExt cx="0" cy="0"/>
+        </a:xfrm>
+      </p:grpSpPr>
+      <p:pic>
+        <p:nvPicPr>
+          <p:cNvPr id="11" name="Image 10" descr="Une image contenant table, paire&#10;&#10;Description générée automatiquement">
+            <a:extLst>
+              <a:ext uri="{FF2B5EF4-FFF2-40B4-BE49-F238E27FC236}">
+                <a16:creationId xmlns:a16="http://schemas.microsoft.com/office/drawing/2014/main" id="{6BF5BDA8-2259-41CC-A61B-D704DEF0D488}"/>
+              </a:ext>
+            </a:extLst>
+          </p:cNvPr>
+          <p:cNvPicPr>
+            <a:picLocks noChangeAspect="1"/>
+          </p:cNvPicPr>
+          <p:nvPr/>
+        </p:nvPicPr>
+        <p:blipFill rotWithShape="1">
+          <a:blip r:embed="rId2">
+            <a:alphaModFix amt="50000"/>
+            <a:extLst>
+              <a:ext uri="{28A0092B-C50C-407E-A947-70E740481C1C}">
+                <a14:useLocalDpi xmlns:a14="http://schemas.microsoft.com/office/drawing/2010/main" val="0"/>
+              </a:ext>
+            </a:extLst>
+          </a:blip>
+          <a:srcRect t="6250"/>
+          <a:stretch/>
+        </p:blipFill>
+        <p:spPr>
+          <a:xfrm>
+            <a:off x="20" y="1"/>
+            <a:ext cx="12191980" cy="6857999"/>
+          </a:xfrm>
+          <a:prstGeom prst="rect">
+            <a:avLst/>
+          </a:prstGeom>
+        </p:spPr>
+      </p:pic>
+      <p:sp>
+        <p:nvSpPr>
+          <p:cNvPr id="4" name="Titre 1">
+            <a:extLst>
+              <a:ext uri="{FF2B5EF4-FFF2-40B4-BE49-F238E27FC236}">
+                <a16:creationId xmlns:a16="http://schemas.microsoft.com/office/drawing/2014/main" id="{C9DA7725-D7E8-4BCC-9FDF-A34AF4C0A51D}"/>
+              </a:ext>
+            </a:extLst>
+          </p:cNvPr>
+          <p:cNvSpPr>
+            <a:spLocks noGrp="1"/>
+          </p:cNvSpPr>
+          <p:nvPr>
+            <p:ph type="title"/>
+          </p:nvPr>
+        </p:nvSpPr>
+        <p:spPr>
+          <a:xfrm>
+            <a:off x="897559" y="389990"/>
+            <a:ext cx="10396882" cy="1151965"/>
+          </a:xfrm>
+        </p:spPr>
+        <p:txBody>
+          <a:bodyPr/>
+          <a:lstStyle/>
+          <a:p>
+            <a:pPr algn="ctr"/>
+            <a:r>
+              <a:rPr lang="fr-FR" b="1" dirty="0">
+                <a:solidFill>
+                  <a:schemeClr val="tx1"/>
+                </a:solidFill>
+                <a:latin typeface="+mn-lt"/>
+              </a:rPr>
+              <a:t>Mécanisme n°3 : l’élément TERRE </a:t>
+            </a:r>
+          </a:p>
+        </p:txBody>
+      </p:sp>
+      <p:pic>
+        <p:nvPicPr>
+          <p:cNvPr id="2" name="Image 1">
+            <a:extLst>
+              <a:ext uri="{FF2B5EF4-FFF2-40B4-BE49-F238E27FC236}">
+                <a16:creationId xmlns:a16="http://schemas.microsoft.com/office/drawing/2014/main" id="{E28FE5E5-E318-4D8A-B7C5-DFA9C18E6F21}"/>
+              </a:ext>
+            </a:extLst>
+          </p:cNvPr>
+          <p:cNvPicPr>
+            <a:picLocks noChangeAspect="1"/>
+          </p:cNvPicPr>
+          <p:nvPr/>
+        </p:nvPicPr>
+        <p:blipFill>
+          <a:blip r:embed="rId3"/>
+          <a:stretch>
+            <a:fillRect/>
+          </a:stretch>
+        </p:blipFill>
+        <p:spPr>
+          <a:xfrm>
+            <a:off x="847722" y="4525470"/>
+            <a:ext cx="5857875" cy="1581150"/>
+          </a:xfrm>
+          <a:prstGeom prst="rect">
+            <a:avLst/>
+          </a:prstGeom>
         </p:spPr>
       </p:pic>
       <p:pic>
         <p:nvPicPr>
-          <p:cNvPr id="5" name="Image 4" descr="Une image contenant dessin&#10;&#10;Description générée automatiquement">
-            <a:extLst>
-              <a:ext uri="{FF2B5EF4-FFF2-40B4-BE49-F238E27FC236}">
-                <a16:creationId xmlns:a16="http://schemas.microsoft.com/office/drawing/2014/main" id="{2A179C27-F395-4B58-97F0-BCB8B54D40EE}"/>
+          <p:cNvPr id="3" name="Image 2">
+            <a:extLst>
+              <a:ext uri="{FF2B5EF4-FFF2-40B4-BE49-F238E27FC236}">
+                <a16:creationId xmlns:a16="http://schemas.microsoft.com/office/drawing/2014/main" id="{D595E763-7D30-47AE-8761-3F2A4DC4D3DB}"/>
+              </a:ext>
+            </a:extLst>
+          </p:cNvPr>
+          <p:cNvPicPr>
+            <a:picLocks noChangeAspect="1"/>
+          </p:cNvPicPr>
+          <p:nvPr/>
+        </p:nvPicPr>
+        <p:blipFill>
+          <a:blip r:embed="rId4"/>
+          <a:stretch>
+            <a:fillRect/>
+          </a:stretch>
+        </p:blipFill>
+        <p:spPr>
+          <a:xfrm>
+            <a:off x="3776660" y="1541955"/>
+            <a:ext cx="4638675" cy="2457450"/>
+          </a:xfrm>
+          <a:prstGeom prst="rect">
+            <a:avLst/>
+          </a:prstGeom>
+        </p:spPr>
+      </p:pic>
+      <p:pic>
+        <p:nvPicPr>
+          <p:cNvPr id="5" name="Image 4">
+            <a:extLst>
+              <a:ext uri="{FF2B5EF4-FFF2-40B4-BE49-F238E27FC236}">
+                <a16:creationId xmlns:a16="http://schemas.microsoft.com/office/drawing/2014/main" id="{7A5F23A6-7D69-4EA1-8D2A-BC9AC013614C}"/>
+              </a:ext>
+            </a:extLst>
+          </p:cNvPr>
+          <p:cNvPicPr>
+            <a:picLocks noChangeAspect="1"/>
+          </p:cNvPicPr>
+          <p:nvPr/>
+        </p:nvPicPr>
+        <p:blipFill>
+          <a:blip r:embed="rId5"/>
+          <a:stretch>
+            <a:fillRect/>
+          </a:stretch>
+        </p:blipFill>
+        <p:spPr>
+          <a:xfrm>
+            <a:off x="6705597" y="5184213"/>
+            <a:ext cx="1390650" cy="1152525"/>
+          </a:xfrm>
+          <a:prstGeom prst="rect">
+            <a:avLst/>
+          </a:prstGeom>
+        </p:spPr>
+      </p:pic>
+      <p:pic>
+        <p:nvPicPr>
+          <p:cNvPr id="10" name="Image 9">
+            <a:extLst>
+              <a:ext uri="{FF2B5EF4-FFF2-40B4-BE49-F238E27FC236}">
+                <a16:creationId xmlns:a16="http://schemas.microsoft.com/office/drawing/2014/main" id="{7DE3B953-ACFB-4D2B-9348-87A2B346ABFC}"/>
+              </a:ext>
+            </a:extLst>
+          </p:cNvPr>
+          <p:cNvPicPr>
+            <a:picLocks noChangeAspect="1"/>
+          </p:cNvPicPr>
+          <p:nvPr/>
+        </p:nvPicPr>
+        <p:blipFill>
+          <a:blip r:embed="rId6"/>
+          <a:stretch>
+            <a:fillRect/>
+          </a:stretch>
+        </p:blipFill>
+        <p:spPr>
+          <a:xfrm>
+            <a:off x="8415335" y="4301631"/>
+            <a:ext cx="2276475" cy="2028825"/>
+          </a:xfrm>
+          <a:prstGeom prst="rect">
+            <a:avLst/>
+          </a:prstGeom>
+        </p:spPr>
+      </p:pic>
+    </p:spTree>
+    <p:extLst>
+      <p:ext uri="{BB962C8B-B14F-4D97-AF65-F5344CB8AC3E}">
+        <p14:creationId xmlns:p14="http://schemas.microsoft.com/office/powerpoint/2010/main" val="2317223834"/>
+      </p:ext>
+    </p:extLst>
+  </p:cSld>
+  <p:clrMapOvr>
+    <a:masterClrMapping/>
+  </p:clrMapOvr>
+</p:sld>
+</file>
+
+<file path=ppt/slides/slide11.xml><?xml version="1.0" encoding="utf-8"?>
+<p:sld xmlns:a="http://schemas.openxmlformats.org/drawingml/2006/main" xmlns:r="http://schemas.openxmlformats.org/officeDocument/2006/relationships" xmlns:p="http://schemas.openxmlformats.org/presentationml/2006/main">
+  <p:cSld>
+    <p:spTree>
+      <p:nvGrpSpPr>
+        <p:cNvPr id="1" name=""/>
+        <p:cNvGrpSpPr/>
+        <p:nvPr/>
+      </p:nvGrpSpPr>
+      <p:grpSpPr>
+        <a:xfrm>
+          <a:off x="0" y="0"/>
+          <a:ext cx="0" cy="0"/>
+          <a:chOff x="0" y="0"/>
+          <a:chExt cx="0" cy="0"/>
+        </a:xfrm>
+      </p:grpSpPr>
+      <p:pic>
+        <p:nvPicPr>
+          <p:cNvPr id="11" name="Image 10" descr="Une image contenant table, paire&#10;&#10;Description générée automatiquement">
+            <a:extLst>
+              <a:ext uri="{FF2B5EF4-FFF2-40B4-BE49-F238E27FC236}">
+                <a16:creationId xmlns:a16="http://schemas.microsoft.com/office/drawing/2014/main" id="{AEEB834D-2A12-44C2-B731-07361B674488}"/>
+              </a:ext>
+            </a:extLst>
+          </p:cNvPr>
+          <p:cNvPicPr>
+            <a:picLocks noChangeAspect="1"/>
+          </p:cNvPicPr>
+          <p:nvPr/>
+        </p:nvPicPr>
+        <p:blipFill rotWithShape="1">
+          <a:blip r:embed="rId2">
+            <a:alphaModFix amt="50000"/>
+            <a:extLst>
+              <a:ext uri="{28A0092B-C50C-407E-A947-70E740481C1C}">
+                <a14:useLocalDpi xmlns:a14="http://schemas.microsoft.com/office/drawing/2010/main" val="0"/>
+              </a:ext>
+            </a:extLst>
+          </a:blip>
+          <a:srcRect t="6250"/>
+          <a:stretch/>
+        </p:blipFill>
+        <p:spPr>
+          <a:xfrm>
+            <a:off x="20" y="1"/>
+            <a:ext cx="12191980" cy="6857999"/>
+          </a:xfrm>
+          <a:prstGeom prst="rect">
+            <a:avLst/>
+          </a:prstGeom>
+        </p:spPr>
+      </p:pic>
+      <p:pic>
+        <p:nvPicPr>
+          <p:cNvPr id="7" name="Image 6" descr="Une image contenant carte&#10;&#10;Description générée automatiquement">
+            <a:extLst>
+              <a:ext uri="{FF2B5EF4-FFF2-40B4-BE49-F238E27FC236}">
+                <a16:creationId xmlns:a16="http://schemas.microsoft.com/office/drawing/2014/main" id="{E6A09EA4-F93A-421F-98BD-B6E820408C6D}"/>
               </a:ext>
             </a:extLst>
           </p:cNvPr>
@@ -3699,8 +5405,8 @@
         </p:blipFill>
         <p:spPr>
           <a:xfrm>
-            <a:off x="0" y="0"/>
-            <a:ext cx="2114026" cy="669249"/>
+            <a:off x="1099139" y="1541955"/>
+            <a:ext cx="9993722" cy="4926055"/>
           </a:xfrm>
           <a:prstGeom prst="rect">
             <a:avLst/>
@@ -3709,176 +5415,1090 @@
       </p:pic>
       <p:sp>
         <p:nvSpPr>
-          <p:cNvPr id="8" name="ZoneTexte 7">
-            <a:extLst>
-              <a:ext uri="{FF2B5EF4-FFF2-40B4-BE49-F238E27FC236}">
-                <a16:creationId xmlns:a16="http://schemas.microsoft.com/office/drawing/2014/main" id="{A35B4685-878E-4C29-B671-B1119F3278A7}"/>
-              </a:ext>
-            </a:extLst>
-          </p:cNvPr>
-          <p:cNvSpPr txBox="1"/>
+          <p:cNvPr id="10" name="Titre 1">
+            <a:extLst>
+              <a:ext uri="{FF2B5EF4-FFF2-40B4-BE49-F238E27FC236}">
+                <a16:creationId xmlns:a16="http://schemas.microsoft.com/office/drawing/2014/main" id="{65B0F673-5802-41EB-9E63-834C75082E49}"/>
+              </a:ext>
+            </a:extLst>
+          </p:cNvPr>
+          <p:cNvSpPr>
+            <a:spLocks noGrp="1"/>
+          </p:cNvSpPr>
+          <p:nvPr>
+            <p:ph type="title"/>
+          </p:nvPr>
+        </p:nvSpPr>
+        <p:spPr>
+          <a:xfrm>
+            <a:off x="897559" y="389990"/>
+            <a:ext cx="10396882" cy="1151965"/>
+          </a:xfrm>
+        </p:spPr>
+        <p:txBody>
+          <a:bodyPr/>
+          <a:lstStyle/>
+          <a:p>
+            <a:pPr algn="ctr"/>
+            <a:r>
+              <a:rPr lang="fr-FR" b="1" dirty="0">
+                <a:solidFill>
+                  <a:schemeClr val="tx1"/>
+                </a:solidFill>
+                <a:latin typeface="+mn-lt"/>
+              </a:rPr>
+              <a:t>Mécanisme n°3 : l’élément TERRE </a:t>
+            </a:r>
+          </a:p>
+        </p:txBody>
+      </p:sp>
+    </p:spTree>
+    <p:extLst>
+      <p:ext uri="{BB962C8B-B14F-4D97-AF65-F5344CB8AC3E}">
+        <p14:creationId xmlns:p14="http://schemas.microsoft.com/office/powerpoint/2010/main" val="3961326601"/>
+      </p:ext>
+    </p:extLst>
+  </p:cSld>
+  <p:clrMapOvr>
+    <a:masterClrMapping/>
+  </p:clrMapOvr>
+</p:sld>
+</file>
+
+<file path=ppt/slides/slide12.xml><?xml version="1.0" encoding="utf-8"?>
+<p:sld xmlns:a="http://schemas.openxmlformats.org/drawingml/2006/main" xmlns:r="http://schemas.openxmlformats.org/officeDocument/2006/relationships" xmlns:p="http://schemas.openxmlformats.org/presentationml/2006/main">
+  <p:cSld>
+    <p:spTree>
+      <p:nvGrpSpPr>
+        <p:cNvPr id="1" name=""/>
+        <p:cNvGrpSpPr/>
+        <p:nvPr/>
+      </p:nvGrpSpPr>
+      <p:grpSpPr>
+        <a:xfrm>
+          <a:off x="0" y="0"/>
+          <a:ext cx="0" cy="0"/>
+          <a:chOff x="0" y="0"/>
+          <a:chExt cx="0" cy="0"/>
+        </a:xfrm>
+      </p:grpSpPr>
+      <p:pic>
+        <p:nvPicPr>
+          <p:cNvPr id="25" name="Image 24" descr="Une image contenant table, paire&#10;&#10;Description générée automatiquement">
+            <a:extLst>
+              <a:ext uri="{FF2B5EF4-FFF2-40B4-BE49-F238E27FC236}">
+                <a16:creationId xmlns:a16="http://schemas.microsoft.com/office/drawing/2014/main" id="{360E627F-DDC6-42E0-9CBC-A5125DC34D25}"/>
+              </a:ext>
+            </a:extLst>
+          </p:cNvPr>
+          <p:cNvPicPr>
+            <a:picLocks noChangeAspect="1"/>
+          </p:cNvPicPr>
           <p:nvPr/>
-        </p:nvSpPr>
-        <p:spPr>
-          <a:xfrm>
-            <a:off x="5435009" y="0"/>
-            <a:ext cx="6756991" cy="307777"/>
+        </p:nvPicPr>
+        <p:blipFill rotWithShape="1">
+          <a:blip r:embed="rId2">
+            <a:alphaModFix amt="50000"/>
+            <a:extLst>
+              <a:ext uri="{28A0092B-C50C-407E-A947-70E740481C1C}">
+                <a14:useLocalDpi xmlns:a14="http://schemas.microsoft.com/office/drawing/2010/main" val="0"/>
+              </a:ext>
+            </a:extLst>
+          </a:blip>
+          <a:srcRect t="6250"/>
+          <a:stretch/>
+        </p:blipFill>
+        <p:spPr>
+          <a:xfrm>
+            <a:off x="20" y="1"/>
+            <a:ext cx="12191980" cy="6857999"/>
+          </a:xfrm>
+          <a:prstGeom prst="rect">
+            <a:avLst/>
+          </a:prstGeom>
+        </p:spPr>
+      </p:pic>
+      <p:sp>
+        <p:nvSpPr>
+          <p:cNvPr id="4" name="Titre 1">
+            <a:extLst>
+              <a:ext uri="{FF2B5EF4-FFF2-40B4-BE49-F238E27FC236}">
+                <a16:creationId xmlns:a16="http://schemas.microsoft.com/office/drawing/2014/main" id="{621ABB55-4537-4B7F-9986-41292A7945F8}"/>
+              </a:ext>
+            </a:extLst>
+          </p:cNvPr>
+          <p:cNvSpPr>
+            <a:spLocks noGrp="1"/>
+          </p:cNvSpPr>
+          <p:nvPr>
+            <p:ph type="title"/>
+          </p:nvPr>
+        </p:nvSpPr>
+        <p:spPr>
+          <a:xfrm>
+            <a:off x="897559" y="389990"/>
+            <a:ext cx="10396882" cy="1151965"/>
+          </a:xfrm>
+        </p:spPr>
+        <p:txBody>
+          <a:bodyPr/>
+          <a:lstStyle/>
+          <a:p>
+            <a:pPr algn="ctr"/>
+            <a:r>
+              <a:rPr lang="fr-FR" b="1" dirty="0">
+                <a:solidFill>
+                  <a:schemeClr val="tx1"/>
+                </a:solidFill>
+                <a:latin typeface="+mn-lt"/>
+              </a:rPr>
+              <a:t>Application Web de supervision</a:t>
+            </a:r>
+          </a:p>
+        </p:txBody>
+      </p:sp>
+      <p:pic>
+        <p:nvPicPr>
+          <p:cNvPr id="1026" name="Picture 2" descr="Résultat de recherche d'images pour &quot;html png&quot;">
+            <a:extLst>
+              <a:ext uri="{FF2B5EF4-FFF2-40B4-BE49-F238E27FC236}">
+                <a16:creationId xmlns:a16="http://schemas.microsoft.com/office/drawing/2014/main" id="{539C04EB-A3DC-4636-938E-6D8A58E55D67}"/>
+              </a:ext>
+            </a:extLst>
+          </p:cNvPr>
+          <p:cNvPicPr>
+            <a:picLocks noChangeAspect="1" noChangeArrowheads="1"/>
+          </p:cNvPicPr>
+          <p:nvPr/>
+        </p:nvPicPr>
+        <p:blipFill>
+          <a:blip r:embed="rId3">
+            <a:extLst>
+              <a:ext uri="{28A0092B-C50C-407E-A947-70E740481C1C}">
+                <a14:useLocalDpi xmlns:a14="http://schemas.microsoft.com/office/drawing/2010/main" val="0"/>
+              </a:ext>
+            </a:extLst>
+          </a:blip>
+          <a:srcRect/>
+          <a:stretch>
+            <a:fillRect/>
+          </a:stretch>
+        </p:blipFill>
+        <p:spPr bwMode="auto">
+          <a:xfrm>
+            <a:off x="1119451" y="2492373"/>
+            <a:ext cx="1354984" cy="1873250"/>
           </a:xfrm>
           <a:prstGeom prst="rect">
             <a:avLst/>
           </a:prstGeom>
           <a:noFill/>
-        </p:spPr>
-        <p:txBody>
-          <a:bodyPr wrap="square" rtlCol="0">
-            <a:spAutoFit/>
-          </a:bodyPr>
-          <a:lstStyle/>
-          <a:p>
-            <a:r>
-              <a:rPr lang="fr-FR" sz="1400" dirty="0"/>
-              <a:t>Etudiants BTS SN2 : Cadeau Thomas – Breny Corentin – Minos Constantin – Pinneau Joshua </a:t>
-            </a:r>
-          </a:p>
-        </p:txBody>
-      </p:sp>
-      <p:sp>
-        <p:nvSpPr>
-          <p:cNvPr id="9" name="ZoneTexte 8">
-            <a:extLst>
-              <a:ext uri="{FF2B5EF4-FFF2-40B4-BE49-F238E27FC236}">
-                <a16:creationId xmlns:a16="http://schemas.microsoft.com/office/drawing/2014/main" id="{42EF2302-E2AF-402A-BFA1-1B2DAFC76193}"/>
-              </a:ext>
-            </a:extLst>
-          </p:cNvPr>
-          <p:cNvSpPr txBox="1"/>
+          <a:extLst>
+            <a:ext uri="{909E8E84-426E-40DD-AFC4-6F175D3DCCD1}">
+              <a14:hiddenFill xmlns:a14="http://schemas.microsoft.com/office/drawing/2010/main">
+                <a:solidFill>
+                  <a:srgbClr val="FFFFFF"/>
+                </a:solidFill>
+              </a14:hiddenFill>
+            </a:ext>
+          </a:extLst>
+        </p:spPr>
+      </p:pic>
+      <p:pic>
+        <p:nvPicPr>
+          <p:cNvPr id="12" name="Image 11" descr="Une image contenant dessin&#10;&#10;Description générée automatiquement">
+            <a:extLst>
+              <a:ext uri="{FF2B5EF4-FFF2-40B4-BE49-F238E27FC236}">
+                <a16:creationId xmlns:a16="http://schemas.microsoft.com/office/drawing/2014/main" id="{36E2703C-DA22-4581-86A3-7A35D36927DB}"/>
+              </a:ext>
+            </a:extLst>
+          </p:cNvPr>
+          <p:cNvPicPr>
+            <a:picLocks noChangeAspect="1"/>
+          </p:cNvPicPr>
           <p:nvPr/>
-        </p:nvSpPr>
-        <p:spPr>
-          <a:xfrm>
-            <a:off x="0" y="6088549"/>
-            <a:ext cx="8229600" cy="769441"/>
+        </p:nvPicPr>
+        <p:blipFill>
+          <a:blip r:embed="rId4">
+            <a:extLst>
+              <a:ext uri="{28A0092B-C50C-407E-A947-70E740481C1C}">
+                <a14:useLocalDpi xmlns:a14="http://schemas.microsoft.com/office/drawing/2010/main" val="0"/>
+              </a:ext>
+            </a:extLst>
+          </a:blip>
+          <a:stretch>
+            <a:fillRect/>
+          </a:stretch>
+        </p:blipFill>
+        <p:spPr>
+          <a:xfrm>
+            <a:off x="2924769" y="2492373"/>
+            <a:ext cx="1354984" cy="1873250"/>
           </a:xfrm>
           <a:prstGeom prst="rect">
             <a:avLst/>
           </a:prstGeom>
-          <a:noFill/>
-        </p:spPr>
-        <p:txBody>
-          <a:bodyPr wrap="square" rtlCol="0">
-            <a:spAutoFit/>
-          </a:bodyPr>
-          <a:lstStyle/>
-          <a:p>
-            <a:r>
-              <a:rPr lang="fr-FR" sz="4400" b="1" dirty="0"/>
-              <a:t>Système Escape Game 13</a:t>
-            </a:r>
-            <a:r>
-              <a:rPr lang="fr-FR" sz="4400" b="1" baseline="30000" dirty="0"/>
-              <a:t>ème</a:t>
-            </a:r>
-            <a:r>
-              <a:rPr lang="fr-FR" sz="4400" b="1" dirty="0"/>
-              <a:t> Porte</a:t>
-            </a:r>
-          </a:p>
-        </p:txBody>
-      </p:sp>
-      <p:sp>
-        <p:nvSpPr>
-          <p:cNvPr id="10" name="ZoneTexte 9">
-            <a:extLst>
-              <a:ext uri="{FF2B5EF4-FFF2-40B4-BE49-F238E27FC236}">
-                <a16:creationId xmlns:a16="http://schemas.microsoft.com/office/drawing/2014/main" id="{CFA4D673-E95D-4FFF-8A57-6CE908489B4D}"/>
-              </a:ext>
-            </a:extLst>
-          </p:cNvPr>
-          <p:cNvSpPr txBox="1"/>
+        </p:spPr>
+      </p:pic>
+      <p:pic>
+        <p:nvPicPr>
+          <p:cNvPr id="14" name="Image 13" descr="Une image contenant chope, alimentation, signe&#10;&#10;Description générée automatiquement">
+            <a:extLst>
+              <a:ext uri="{FF2B5EF4-FFF2-40B4-BE49-F238E27FC236}">
+                <a16:creationId xmlns:a16="http://schemas.microsoft.com/office/drawing/2014/main" id="{3E2C9758-487C-47AD-B2AC-2C881E6E1D48}"/>
+              </a:ext>
+            </a:extLst>
+          </p:cNvPr>
+          <p:cNvPicPr>
+            <a:picLocks noChangeAspect="1"/>
+          </p:cNvPicPr>
           <p:nvPr/>
-        </p:nvSpPr>
-        <p:spPr>
-          <a:xfrm>
-            <a:off x="11132192" y="6473269"/>
-            <a:ext cx="1537982" cy="369332"/>
+        </p:nvPicPr>
+        <p:blipFill>
+          <a:blip r:embed="rId5">
+            <a:extLst>
+              <a:ext uri="{28A0092B-C50C-407E-A947-70E740481C1C}">
+                <a14:useLocalDpi xmlns:a14="http://schemas.microsoft.com/office/drawing/2010/main" val="0"/>
+              </a:ext>
+            </a:extLst>
+          </a:blip>
+          <a:stretch>
+            <a:fillRect/>
+          </a:stretch>
+        </p:blipFill>
+        <p:spPr>
+          <a:xfrm>
+            <a:off x="4730088" y="2492373"/>
+            <a:ext cx="2731824" cy="1873251"/>
           </a:xfrm>
           <a:prstGeom prst="rect">
             <a:avLst/>
           </a:prstGeom>
-          <a:noFill/>
-        </p:spPr>
-        <p:txBody>
-          <a:bodyPr wrap="square" rtlCol="0">
-            <a:spAutoFit/>
-          </a:bodyPr>
-          <a:lstStyle/>
-          <a:p>
-            <a:r>
-              <a:rPr lang="fr-FR" dirty="0">
-                <a:solidFill>
-                  <a:schemeClr val="bg1"/>
-                </a:solidFill>
-              </a:rPr>
-              <a:t>Page </a:t>
-            </a:r>
-            <a:fld id="{D7E6E402-10E7-4EAB-A0C8-9D9734620861}" type="slidenum">
-              <a:rPr lang="fr-FR" smtClean="0">
-                <a:solidFill>
-                  <a:schemeClr val="bg1"/>
-                </a:solidFill>
-              </a:rPr>
-              <a:t>1</a:t>
-            </a:fld>
-            <a:r>
-              <a:rPr lang="fr-FR" dirty="0">
-                <a:solidFill>
-                  <a:schemeClr val="bg1"/>
-                </a:solidFill>
-              </a:rPr>
-              <a:t>/</a:t>
-            </a:r>
-          </a:p>
-        </p:txBody>
-      </p:sp>
-      <p:sp>
-        <p:nvSpPr>
-          <p:cNvPr id="11" name="ZoneTexte 10">
-            <a:extLst>
-              <a:ext uri="{FF2B5EF4-FFF2-40B4-BE49-F238E27FC236}">
-                <a16:creationId xmlns:a16="http://schemas.microsoft.com/office/drawing/2014/main" id="{09EDD6D3-66DE-41D3-B719-314D03F81E2A}"/>
-              </a:ext>
-            </a:extLst>
-          </p:cNvPr>
-          <p:cNvSpPr txBox="1"/>
+        </p:spPr>
+      </p:pic>
+      <p:pic>
+        <p:nvPicPr>
+          <p:cNvPr id="16" name="Image 15" descr="Une image contenant assis, table, blanc, petit&#10;&#10;Description générée automatiquement">
+            <a:extLst>
+              <a:ext uri="{FF2B5EF4-FFF2-40B4-BE49-F238E27FC236}">
+                <a16:creationId xmlns:a16="http://schemas.microsoft.com/office/drawing/2014/main" id="{759BD418-2410-4F7A-91F3-9C08F6D5D302}"/>
+              </a:ext>
+            </a:extLst>
+          </p:cNvPr>
+          <p:cNvPicPr>
+            <a:picLocks noChangeAspect="1"/>
+          </p:cNvPicPr>
           <p:nvPr/>
-        </p:nvSpPr>
-        <p:spPr>
-          <a:xfrm>
-            <a:off x="10960277" y="299917"/>
-            <a:ext cx="1300356" cy="369332"/>
+        </p:nvPicPr>
+        <p:blipFill>
+          <a:blip r:embed="rId6">
+            <a:extLst>
+              <a:ext uri="{28A0092B-C50C-407E-A947-70E740481C1C}">
+                <a14:useLocalDpi xmlns:a14="http://schemas.microsoft.com/office/drawing/2010/main" val="0"/>
+              </a:ext>
+            </a:extLst>
+          </a:blip>
+          <a:stretch>
+            <a:fillRect/>
+          </a:stretch>
+        </p:blipFill>
+        <p:spPr>
+          <a:xfrm>
+            <a:off x="7516549" y="2494455"/>
+            <a:ext cx="1905000" cy="1905000"/>
           </a:xfrm>
           <a:prstGeom prst="rect">
             <a:avLst/>
           </a:prstGeom>
-          <a:noFill/>
-        </p:spPr>
-        <p:txBody>
-          <a:bodyPr wrap="none" rtlCol="0">
-            <a:spAutoFit/>
-          </a:bodyPr>
-          <a:lstStyle/>
-          <a:p>
-            <a:r>
-              <a:rPr lang="fr-FR" dirty="0"/>
-              <a:t>22/01/2020</a:t>
-            </a:r>
-          </a:p>
-        </p:txBody>
-      </p:sp>
+        </p:spPr>
+      </p:pic>
+      <p:pic>
+        <p:nvPicPr>
+          <p:cNvPr id="18" name="Image 17" descr="Une image contenant dessin&#10;&#10;Description générée automatiquement">
+            <a:extLst>
+              <a:ext uri="{FF2B5EF4-FFF2-40B4-BE49-F238E27FC236}">
+                <a16:creationId xmlns:a16="http://schemas.microsoft.com/office/drawing/2014/main" id="{D35119DE-A9A7-43BC-972E-903A04C95E12}"/>
+              </a:ext>
+            </a:extLst>
+          </p:cNvPr>
+          <p:cNvPicPr>
+            <a:picLocks noChangeAspect="1"/>
+          </p:cNvPicPr>
+          <p:nvPr/>
+        </p:nvPicPr>
+        <p:blipFill>
+          <a:blip r:embed="rId7">
+            <a:extLst>
+              <a:ext uri="{28A0092B-C50C-407E-A947-70E740481C1C}">
+                <a14:useLocalDpi xmlns:a14="http://schemas.microsoft.com/office/drawing/2010/main" val="0"/>
+              </a:ext>
+            </a:extLst>
+          </a:blip>
+          <a:stretch>
+            <a:fillRect/>
+          </a:stretch>
+        </p:blipFill>
+        <p:spPr>
+          <a:xfrm>
+            <a:off x="9167549" y="2598756"/>
+            <a:ext cx="1905000" cy="1905000"/>
+          </a:xfrm>
+          <a:prstGeom prst="rect">
+            <a:avLst/>
+          </a:prstGeom>
+        </p:spPr>
+      </p:pic>
+      <p:pic>
+        <p:nvPicPr>
+          <p:cNvPr id="20" name="Image 19" descr="Une image contenant objet, horloge, dessin&#10;&#10;Description générée automatiquement">
+            <a:extLst>
+              <a:ext uri="{FF2B5EF4-FFF2-40B4-BE49-F238E27FC236}">
+                <a16:creationId xmlns:a16="http://schemas.microsoft.com/office/drawing/2014/main" id="{4D24EB88-A564-4A08-9ACE-DCFA4E80673F}"/>
+              </a:ext>
+            </a:extLst>
+          </p:cNvPr>
+          <p:cNvPicPr>
+            <a:picLocks noChangeAspect="1"/>
+          </p:cNvPicPr>
+          <p:nvPr/>
+        </p:nvPicPr>
+        <p:blipFill>
+          <a:blip r:embed="rId8">
+            <a:extLst>
+              <a:ext uri="{28A0092B-C50C-407E-A947-70E740481C1C}">
+                <a14:useLocalDpi xmlns:a14="http://schemas.microsoft.com/office/drawing/2010/main" val="0"/>
+              </a:ext>
+            </a:extLst>
+          </a:blip>
+          <a:stretch>
+            <a:fillRect/>
+          </a:stretch>
+        </p:blipFill>
+        <p:spPr>
+          <a:xfrm>
+            <a:off x="1796943" y="4715468"/>
+            <a:ext cx="3150566" cy="1201153"/>
+          </a:xfrm>
+          <a:prstGeom prst="rect">
+            <a:avLst/>
+          </a:prstGeom>
+        </p:spPr>
+      </p:pic>
+      <p:pic>
+        <p:nvPicPr>
+          <p:cNvPr id="22" name="Image 21" descr="Une image contenant lumière, dessin&#10;&#10;Description générée automatiquement">
+            <a:extLst>
+              <a:ext uri="{FF2B5EF4-FFF2-40B4-BE49-F238E27FC236}">
+                <a16:creationId xmlns:a16="http://schemas.microsoft.com/office/drawing/2014/main" id="{969D07F5-1275-4DA3-96DC-E0C5FE3CDA60}"/>
+              </a:ext>
+            </a:extLst>
+          </p:cNvPr>
+          <p:cNvPicPr>
+            <a:picLocks noChangeAspect="1"/>
+          </p:cNvPicPr>
+          <p:nvPr/>
+        </p:nvPicPr>
+        <p:blipFill>
+          <a:blip r:embed="rId9">
+            <a:extLst>
+              <a:ext uri="{28A0092B-C50C-407E-A947-70E740481C1C}">
+                <a14:useLocalDpi xmlns:a14="http://schemas.microsoft.com/office/drawing/2010/main" val="0"/>
+              </a:ext>
+            </a:extLst>
+          </a:blip>
+          <a:stretch>
+            <a:fillRect/>
+          </a:stretch>
+        </p:blipFill>
+        <p:spPr>
+          <a:xfrm>
+            <a:off x="7103137" y="4503756"/>
+            <a:ext cx="2731824" cy="1412865"/>
+          </a:xfrm>
+          <a:prstGeom prst="rect">
+            <a:avLst/>
+          </a:prstGeom>
+        </p:spPr>
+      </p:pic>
+      <p:pic>
+        <p:nvPicPr>
+          <p:cNvPr id="24" name="Image 23">
+            <a:extLst>
+              <a:ext uri="{FF2B5EF4-FFF2-40B4-BE49-F238E27FC236}">
+                <a16:creationId xmlns:a16="http://schemas.microsoft.com/office/drawing/2014/main" id="{5D60D156-3379-4AB1-8059-C91209542851}"/>
+              </a:ext>
+            </a:extLst>
+          </p:cNvPr>
+          <p:cNvPicPr>
+            <a:picLocks noChangeAspect="1"/>
+          </p:cNvPicPr>
+          <p:nvPr/>
+        </p:nvPicPr>
+        <p:blipFill>
+          <a:blip r:embed="rId10"/>
+          <a:stretch>
+            <a:fillRect/>
+          </a:stretch>
+        </p:blipFill>
+        <p:spPr>
+          <a:xfrm>
+            <a:off x="4352103" y="2492373"/>
+            <a:ext cx="3487794" cy="1824633"/>
+          </a:xfrm>
+          <a:prstGeom prst="rect">
+            <a:avLst/>
+          </a:prstGeom>
+        </p:spPr>
+      </p:pic>
     </p:spTree>
     <p:extLst>
       <p:ext uri="{BB962C8B-B14F-4D97-AF65-F5344CB8AC3E}">
-        <p14:creationId xmlns:p14="http://schemas.microsoft.com/office/powerpoint/2010/main" val="3735188277"/>
+        <p14:creationId xmlns:p14="http://schemas.microsoft.com/office/powerpoint/2010/main" val="1163586149"/>
+      </p:ext>
+    </p:extLst>
+  </p:cSld>
+  <p:clrMapOvr>
+    <a:masterClrMapping/>
+  </p:clrMapOvr>
+  <p:timing>
+    <p:tnLst>
+      <p:par>
+        <p:cTn id="1" dur="indefinite" restart="never" nodeType="tmRoot">
+          <p:childTnLst>
+            <p:seq concurrent="1" nextAc="seek">
+              <p:cTn id="2" dur="indefinite" nodeType="mainSeq">
+                <p:childTnLst>
+                  <p:par>
+                    <p:cTn id="3" fill="hold">
+                      <p:stCondLst>
+                        <p:cond delay="indefinite"/>
+                      </p:stCondLst>
+                      <p:childTnLst>
+                        <p:par>
+                          <p:cTn id="4" fill="hold">
+                            <p:stCondLst>
+                              <p:cond delay="0"/>
+                            </p:stCondLst>
+                            <p:childTnLst>
+                              <p:par>
+                                <p:cTn id="5" presetID="1" presetClass="entr" presetSubtype="0" fill="hold" nodeType="clickEffect">
+                                  <p:stCondLst>
+                                    <p:cond delay="0"/>
+                                  </p:stCondLst>
+                                  <p:childTnLst>
+                                    <p:set>
+                                      <p:cBhvr>
+                                        <p:cTn id="6" dur="1" fill="hold">
+                                          <p:stCondLst>
+                                            <p:cond delay="0"/>
+                                          </p:stCondLst>
+                                        </p:cTn>
+                                        <p:tgtEl>
+                                          <p:spTgt spid="24"/>
+                                        </p:tgtEl>
+                                        <p:attrNameLst>
+                                          <p:attrName>style.visibility</p:attrName>
+                                        </p:attrNameLst>
+                                      </p:cBhvr>
+                                      <p:to>
+                                        <p:strVal val="visible"/>
+                                      </p:to>
+                                    </p:set>
+                                  </p:childTnLst>
+                                </p:cTn>
+                              </p:par>
+                            </p:childTnLst>
+                          </p:cTn>
+                        </p:par>
+                      </p:childTnLst>
+                    </p:cTn>
+                  </p:par>
+                  <p:par>
+                    <p:cTn id="7" fill="hold">
+                      <p:stCondLst>
+                        <p:cond delay="indefinite"/>
+                      </p:stCondLst>
+                      <p:childTnLst>
+                        <p:par>
+                          <p:cTn id="8" fill="hold">
+                            <p:stCondLst>
+                              <p:cond delay="0"/>
+                            </p:stCondLst>
+                            <p:childTnLst>
+                              <p:par>
+                                <p:cTn id="9" presetID="1" presetClass="exit" presetSubtype="0" fill="hold" nodeType="clickEffect">
+                                  <p:stCondLst>
+                                    <p:cond delay="0"/>
+                                  </p:stCondLst>
+                                  <p:childTnLst>
+                                    <p:set>
+                                      <p:cBhvr>
+                                        <p:cTn id="10" dur="1" fill="hold">
+                                          <p:stCondLst>
+                                            <p:cond delay="0"/>
+                                          </p:stCondLst>
+                                        </p:cTn>
+                                        <p:tgtEl>
+                                          <p:spTgt spid="24"/>
+                                        </p:tgtEl>
+                                        <p:attrNameLst>
+                                          <p:attrName>style.visibility</p:attrName>
+                                        </p:attrNameLst>
+                                      </p:cBhvr>
+                                      <p:to>
+                                        <p:strVal val="hidden"/>
+                                      </p:to>
+                                    </p:set>
+                                  </p:childTnLst>
+                                </p:cTn>
+                              </p:par>
+                            </p:childTnLst>
+                          </p:cTn>
+                        </p:par>
+                      </p:childTnLst>
+                    </p:cTn>
+                  </p:par>
+                  <p:par>
+                    <p:cTn id="11" fill="hold">
+                      <p:stCondLst>
+                        <p:cond delay="indefinite"/>
+                      </p:stCondLst>
+                      <p:childTnLst>
+                        <p:par>
+                          <p:cTn id="12" fill="hold">
+                            <p:stCondLst>
+                              <p:cond delay="0"/>
+                            </p:stCondLst>
+                            <p:childTnLst>
+                              <p:par>
+                                <p:cTn id="13" presetID="1" presetClass="entr" presetSubtype="0" fill="hold" nodeType="clickEffect">
+                                  <p:stCondLst>
+                                    <p:cond delay="0"/>
+                                  </p:stCondLst>
+                                  <p:childTnLst>
+                                    <p:set>
+                                      <p:cBhvr>
+                                        <p:cTn id="14" dur="1" fill="hold">
+                                          <p:stCondLst>
+                                            <p:cond delay="0"/>
+                                          </p:stCondLst>
+                                        </p:cTn>
+                                        <p:tgtEl>
+                                          <p:spTgt spid="1026"/>
+                                        </p:tgtEl>
+                                        <p:attrNameLst>
+                                          <p:attrName>style.visibility</p:attrName>
+                                        </p:attrNameLst>
+                                      </p:cBhvr>
+                                      <p:to>
+                                        <p:strVal val="visible"/>
+                                      </p:to>
+                                    </p:set>
+                                  </p:childTnLst>
+                                </p:cTn>
+                              </p:par>
+                            </p:childTnLst>
+                          </p:cTn>
+                        </p:par>
+                      </p:childTnLst>
+                    </p:cTn>
+                  </p:par>
+                  <p:par>
+                    <p:cTn id="15" fill="hold">
+                      <p:stCondLst>
+                        <p:cond delay="indefinite"/>
+                      </p:stCondLst>
+                      <p:childTnLst>
+                        <p:par>
+                          <p:cTn id="16" fill="hold">
+                            <p:stCondLst>
+                              <p:cond delay="0"/>
+                            </p:stCondLst>
+                            <p:childTnLst>
+                              <p:par>
+                                <p:cTn id="17" presetID="1" presetClass="entr" presetSubtype="0" fill="hold" nodeType="clickEffect">
+                                  <p:stCondLst>
+                                    <p:cond delay="0"/>
+                                  </p:stCondLst>
+                                  <p:childTnLst>
+                                    <p:set>
+                                      <p:cBhvr>
+                                        <p:cTn id="18" dur="1" fill="hold">
+                                          <p:stCondLst>
+                                            <p:cond delay="0"/>
+                                          </p:stCondLst>
+                                        </p:cTn>
+                                        <p:tgtEl>
+                                          <p:spTgt spid="12"/>
+                                        </p:tgtEl>
+                                        <p:attrNameLst>
+                                          <p:attrName>style.visibility</p:attrName>
+                                        </p:attrNameLst>
+                                      </p:cBhvr>
+                                      <p:to>
+                                        <p:strVal val="visible"/>
+                                      </p:to>
+                                    </p:set>
+                                  </p:childTnLst>
+                                </p:cTn>
+                              </p:par>
+                            </p:childTnLst>
+                          </p:cTn>
+                        </p:par>
+                      </p:childTnLst>
+                    </p:cTn>
+                  </p:par>
+                  <p:par>
+                    <p:cTn id="19" fill="hold">
+                      <p:stCondLst>
+                        <p:cond delay="indefinite"/>
+                      </p:stCondLst>
+                      <p:childTnLst>
+                        <p:par>
+                          <p:cTn id="20" fill="hold">
+                            <p:stCondLst>
+                              <p:cond delay="0"/>
+                            </p:stCondLst>
+                            <p:childTnLst>
+                              <p:par>
+                                <p:cTn id="21" presetID="1" presetClass="entr" presetSubtype="0" fill="hold" nodeType="clickEffect">
+                                  <p:stCondLst>
+                                    <p:cond delay="0"/>
+                                  </p:stCondLst>
+                                  <p:childTnLst>
+                                    <p:set>
+                                      <p:cBhvr>
+                                        <p:cTn id="22" dur="1" fill="hold">
+                                          <p:stCondLst>
+                                            <p:cond delay="0"/>
+                                          </p:stCondLst>
+                                        </p:cTn>
+                                        <p:tgtEl>
+                                          <p:spTgt spid="14"/>
+                                        </p:tgtEl>
+                                        <p:attrNameLst>
+                                          <p:attrName>style.visibility</p:attrName>
+                                        </p:attrNameLst>
+                                      </p:cBhvr>
+                                      <p:to>
+                                        <p:strVal val="visible"/>
+                                      </p:to>
+                                    </p:set>
+                                  </p:childTnLst>
+                                </p:cTn>
+                              </p:par>
+                            </p:childTnLst>
+                          </p:cTn>
+                        </p:par>
+                      </p:childTnLst>
+                    </p:cTn>
+                  </p:par>
+                  <p:par>
+                    <p:cTn id="23" fill="hold">
+                      <p:stCondLst>
+                        <p:cond delay="indefinite"/>
+                      </p:stCondLst>
+                      <p:childTnLst>
+                        <p:par>
+                          <p:cTn id="24" fill="hold">
+                            <p:stCondLst>
+                              <p:cond delay="0"/>
+                            </p:stCondLst>
+                            <p:childTnLst>
+                              <p:par>
+                                <p:cTn id="25" presetID="1" presetClass="entr" presetSubtype="0" fill="hold" nodeType="clickEffect">
+                                  <p:stCondLst>
+                                    <p:cond delay="0"/>
+                                  </p:stCondLst>
+                                  <p:childTnLst>
+                                    <p:set>
+                                      <p:cBhvr>
+                                        <p:cTn id="26" dur="1" fill="hold">
+                                          <p:stCondLst>
+                                            <p:cond delay="0"/>
+                                          </p:stCondLst>
+                                        </p:cTn>
+                                        <p:tgtEl>
+                                          <p:spTgt spid="16"/>
+                                        </p:tgtEl>
+                                        <p:attrNameLst>
+                                          <p:attrName>style.visibility</p:attrName>
+                                        </p:attrNameLst>
+                                      </p:cBhvr>
+                                      <p:to>
+                                        <p:strVal val="visible"/>
+                                      </p:to>
+                                    </p:set>
+                                  </p:childTnLst>
+                                </p:cTn>
+                              </p:par>
+                            </p:childTnLst>
+                          </p:cTn>
+                        </p:par>
+                      </p:childTnLst>
+                    </p:cTn>
+                  </p:par>
+                  <p:par>
+                    <p:cTn id="27" fill="hold">
+                      <p:stCondLst>
+                        <p:cond delay="indefinite"/>
+                      </p:stCondLst>
+                      <p:childTnLst>
+                        <p:par>
+                          <p:cTn id="28" fill="hold">
+                            <p:stCondLst>
+                              <p:cond delay="0"/>
+                            </p:stCondLst>
+                            <p:childTnLst>
+                              <p:par>
+                                <p:cTn id="29" presetID="1" presetClass="entr" presetSubtype="0" fill="hold" nodeType="clickEffect">
+                                  <p:stCondLst>
+                                    <p:cond delay="0"/>
+                                  </p:stCondLst>
+                                  <p:childTnLst>
+                                    <p:set>
+                                      <p:cBhvr>
+                                        <p:cTn id="30" dur="1" fill="hold">
+                                          <p:stCondLst>
+                                            <p:cond delay="0"/>
+                                          </p:stCondLst>
+                                        </p:cTn>
+                                        <p:tgtEl>
+                                          <p:spTgt spid="18"/>
+                                        </p:tgtEl>
+                                        <p:attrNameLst>
+                                          <p:attrName>style.visibility</p:attrName>
+                                        </p:attrNameLst>
+                                      </p:cBhvr>
+                                      <p:to>
+                                        <p:strVal val="visible"/>
+                                      </p:to>
+                                    </p:set>
+                                  </p:childTnLst>
+                                </p:cTn>
+                              </p:par>
+                            </p:childTnLst>
+                          </p:cTn>
+                        </p:par>
+                      </p:childTnLst>
+                    </p:cTn>
+                  </p:par>
+                  <p:par>
+                    <p:cTn id="31" fill="hold">
+                      <p:stCondLst>
+                        <p:cond delay="indefinite"/>
+                      </p:stCondLst>
+                      <p:childTnLst>
+                        <p:par>
+                          <p:cTn id="32" fill="hold">
+                            <p:stCondLst>
+                              <p:cond delay="0"/>
+                            </p:stCondLst>
+                            <p:childTnLst>
+                              <p:par>
+                                <p:cTn id="33" presetID="1" presetClass="entr" presetSubtype="0" fill="hold" nodeType="clickEffect">
+                                  <p:stCondLst>
+                                    <p:cond delay="0"/>
+                                  </p:stCondLst>
+                                  <p:childTnLst>
+                                    <p:set>
+                                      <p:cBhvr>
+                                        <p:cTn id="34" dur="1" fill="hold">
+                                          <p:stCondLst>
+                                            <p:cond delay="0"/>
+                                          </p:stCondLst>
+                                        </p:cTn>
+                                        <p:tgtEl>
+                                          <p:spTgt spid="20"/>
+                                        </p:tgtEl>
+                                        <p:attrNameLst>
+                                          <p:attrName>style.visibility</p:attrName>
+                                        </p:attrNameLst>
+                                      </p:cBhvr>
+                                      <p:to>
+                                        <p:strVal val="visible"/>
+                                      </p:to>
+                                    </p:set>
+                                  </p:childTnLst>
+                                </p:cTn>
+                              </p:par>
+                            </p:childTnLst>
+                          </p:cTn>
+                        </p:par>
+                      </p:childTnLst>
+                    </p:cTn>
+                  </p:par>
+                  <p:par>
+                    <p:cTn id="35" fill="hold">
+                      <p:stCondLst>
+                        <p:cond delay="indefinite"/>
+                      </p:stCondLst>
+                      <p:childTnLst>
+                        <p:par>
+                          <p:cTn id="36" fill="hold">
+                            <p:stCondLst>
+                              <p:cond delay="0"/>
+                            </p:stCondLst>
+                            <p:childTnLst>
+                              <p:par>
+                                <p:cTn id="37" presetID="1" presetClass="entr" presetSubtype="0" fill="hold" nodeType="clickEffect">
+                                  <p:stCondLst>
+                                    <p:cond delay="0"/>
+                                  </p:stCondLst>
+                                  <p:childTnLst>
+                                    <p:set>
+                                      <p:cBhvr>
+                                        <p:cTn id="38" dur="1" fill="hold">
+                                          <p:stCondLst>
+                                            <p:cond delay="0"/>
+                                          </p:stCondLst>
+                                        </p:cTn>
+                                        <p:tgtEl>
+                                          <p:spTgt spid="22"/>
+                                        </p:tgtEl>
+                                        <p:attrNameLst>
+                                          <p:attrName>style.visibility</p:attrName>
+                                        </p:attrNameLst>
+                                      </p:cBhvr>
+                                      <p:to>
+                                        <p:strVal val="visible"/>
+                                      </p:to>
+                                    </p:set>
+                                  </p:childTnLst>
+                                </p:cTn>
+                              </p:par>
+                            </p:childTnLst>
+                          </p:cTn>
+                        </p:par>
+                      </p:childTnLst>
+                    </p:cTn>
+                  </p:par>
+                </p:childTnLst>
+              </p:cTn>
+              <p:prevCondLst>
+                <p:cond evt="onPrev" delay="0">
+                  <p:tgtEl>
+                    <p:sldTgt/>
+                  </p:tgtEl>
+                </p:cond>
+              </p:prevCondLst>
+              <p:nextCondLst>
+                <p:cond evt="onNext" delay="0">
+                  <p:tgtEl>
+                    <p:sldTgt/>
+                  </p:tgtEl>
+                </p:cond>
+              </p:nextCondLst>
+            </p:seq>
+          </p:childTnLst>
+        </p:cTn>
+      </p:par>
+    </p:tnLst>
+  </p:timing>
+</p:sld>
+</file>
+
+<file path=ppt/slides/slide13.xml><?xml version="1.0" encoding="utf-8"?>
+<p:sld xmlns:a="http://schemas.openxmlformats.org/drawingml/2006/main" xmlns:r="http://schemas.openxmlformats.org/officeDocument/2006/relationships" xmlns:p="http://schemas.openxmlformats.org/presentationml/2006/main">
+  <p:cSld>
+    <p:spTree>
+      <p:nvGrpSpPr>
+        <p:cNvPr id="1" name=""/>
+        <p:cNvGrpSpPr/>
+        <p:nvPr/>
+      </p:nvGrpSpPr>
+      <p:grpSpPr>
+        <a:xfrm>
+          <a:off x="0" y="0"/>
+          <a:ext cx="0" cy="0"/>
+          <a:chOff x="0" y="0"/>
+          <a:chExt cx="0" cy="0"/>
+        </a:xfrm>
+      </p:grpSpPr>
+      <p:pic>
+        <p:nvPicPr>
+          <p:cNvPr id="5" name="Image 4" descr="Une image contenant table, paire&#10;&#10;Description générée automatiquement">
+            <a:extLst>
+              <a:ext uri="{FF2B5EF4-FFF2-40B4-BE49-F238E27FC236}">
+                <a16:creationId xmlns:a16="http://schemas.microsoft.com/office/drawing/2014/main" id="{08E607A5-1F02-469A-B003-E2A35203504C}"/>
+              </a:ext>
+            </a:extLst>
+          </p:cNvPr>
+          <p:cNvPicPr>
+            <a:picLocks noChangeAspect="1"/>
+          </p:cNvPicPr>
+          <p:nvPr/>
+        </p:nvPicPr>
+        <p:blipFill rotWithShape="1">
+          <a:blip r:embed="rId2">
+            <a:alphaModFix amt="50000"/>
+            <a:extLst>
+              <a:ext uri="{28A0092B-C50C-407E-A947-70E740481C1C}">
+                <a14:useLocalDpi xmlns:a14="http://schemas.microsoft.com/office/drawing/2010/main" val="0"/>
+              </a:ext>
+            </a:extLst>
+          </a:blip>
+          <a:srcRect t="6250"/>
+          <a:stretch/>
+        </p:blipFill>
+        <p:spPr>
+          <a:xfrm>
+            <a:off x="20" y="1"/>
+            <a:ext cx="12191980" cy="6857999"/>
+          </a:xfrm>
+          <a:prstGeom prst="rect">
+            <a:avLst/>
+          </a:prstGeom>
+        </p:spPr>
+      </p:pic>
+      <p:sp>
+        <p:nvSpPr>
+          <p:cNvPr id="4" name="Titre 1">
+            <a:extLst>
+              <a:ext uri="{FF2B5EF4-FFF2-40B4-BE49-F238E27FC236}">
+                <a16:creationId xmlns:a16="http://schemas.microsoft.com/office/drawing/2014/main" id="{84F54665-097C-4493-A561-F397C2E20484}"/>
+              </a:ext>
+            </a:extLst>
+          </p:cNvPr>
+          <p:cNvSpPr>
+            <a:spLocks noGrp="1"/>
+          </p:cNvSpPr>
+          <p:nvPr>
+            <p:ph type="title"/>
+          </p:nvPr>
+        </p:nvSpPr>
+        <p:spPr>
+          <a:xfrm>
+            <a:off x="897559" y="389990"/>
+            <a:ext cx="10396882" cy="1151965"/>
+          </a:xfrm>
+        </p:spPr>
+        <p:txBody>
+          <a:bodyPr/>
+          <a:lstStyle/>
+          <a:p>
+            <a:pPr algn="ctr"/>
+            <a:r>
+              <a:rPr lang="fr-FR" b="1" dirty="0">
+                <a:solidFill>
+                  <a:schemeClr val="tx1"/>
+                </a:solidFill>
+                <a:latin typeface="+mn-lt"/>
+              </a:rPr>
+              <a:t>Réseau</a:t>
+            </a:r>
+          </a:p>
+        </p:txBody>
+      </p:sp>
+    </p:spTree>
+    <p:extLst>
+      <p:ext uri="{BB962C8B-B14F-4D97-AF65-F5344CB8AC3E}">
+        <p14:creationId xmlns:p14="http://schemas.microsoft.com/office/powerpoint/2010/main" val="4041896449"/>
+      </p:ext>
+    </p:extLst>
+  </p:cSld>
+  <p:clrMapOvr>
+    <a:masterClrMapping/>
+  </p:clrMapOvr>
+</p:sld>
+</file>
+
+<file path=ppt/slides/slide14.xml><?xml version="1.0" encoding="utf-8"?>
+<p:sld xmlns:a="http://schemas.openxmlformats.org/drawingml/2006/main" xmlns:r="http://schemas.openxmlformats.org/officeDocument/2006/relationships" xmlns:p="http://schemas.openxmlformats.org/presentationml/2006/main">
+  <p:cSld>
+    <p:spTree>
+      <p:nvGrpSpPr>
+        <p:cNvPr id="1" name=""/>
+        <p:cNvGrpSpPr/>
+        <p:nvPr/>
+      </p:nvGrpSpPr>
+      <p:grpSpPr>
+        <a:xfrm>
+          <a:off x="0" y="0"/>
+          <a:ext cx="0" cy="0"/>
+          <a:chOff x="0" y="0"/>
+          <a:chExt cx="0" cy="0"/>
+        </a:xfrm>
+      </p:grpSpPr>
+      <p:pic>
+        <p:nvPicPr>
+          <p:cNvPr id="5" name="Image 4" descr="Une image contenant table, paire&#10;&#10;Description générée automatiquement">
+            <a:extLst>
+              <a:ext uri="{FF2B5EF4-FFF2-40B4-BE49-F238E27FC236}">
+                <a16:creationId xmlns:a16="http://schemas.microsoft.com/office/drawing/2014/main" id="{DD505890-1BEA-46C0-BFC1-758106BC1F39}"/>
+              </a:ext>
+            </a:extLst>
+          </p:cNvPr>
+          <p:cNvPicPr>
+            <a:picLocks noChangeAspect="1"/>
+          </p:cNvPicPr>
+          <p:nvPr/>
+        </p:nvPicPr>
+        <p:blipFill rotWithShape="1">
+          <a:blip r:embed="rId2">
+            <a:alphaModFix amt="50000"/>
+            <a:extLst>
+              <a:ext uri="{28A0092B-C50C-407E-A947-70E740481C1C}">
+                <a14:useLocalDpi xmlns:a14="http://schemas.microsoft.com/office/drawing/2010/main" val="0"/>
+              </a:ext>
+            </a:extLst>
+          </a:blip>
+          <a:srcRect t="6250"/>
+          <a:stretch/>
+        </p:blipFill>
+        <p:spPr>
+          <a:xfrm>
+            <a:off x="20" y="1"/>
+            <a:ext cx="12191980" cy="6857999"/>
+          </a:xfrm>
+          <a:prstGeom prst="rect">
+            <a:avLst/>
+          </a:prstGeom>
+        </p:spPr>
+      </p:pic>
+      <p:sp>
+        <p:nvSpPr>
+          <p:cNvPr id="4" name="Titre 1">
+            <a:extLst>
+              <a:ext uri="{FF2B5EF4-FFF2-40B4-BE49-F238E27FC236}">
+                <a16:creationId xmlns:a16="http://schemas.microsoft.com/office/drawing/2014/main" id="{01D523ED-FFDA-4EC7-A510-AEFC3635E236}"/>
+              </a:ext>
+            </a:extLst>
+          </p:cNvPr>
+          <p:cNvSpPr>
+            <a:spLocks noGrp="1"/>
+          </p:cNvSpPr>
+          <p:nvPr>
+            <p:ph type="title"/>
+          </p:nvPr>
+        </p:nvSpPr>
+        <p:spPr>
+          <a:xfrm>
+            <a:off x="897559" y="389990"/>
+            <a:ext cx="10396882" cy="1151965"/>
+          </a:xfrm>
+        </p:spPr>
+        <p:txBody>
+          <a:bodyPr/>
+          <a:lstStyle/>
+          <a:p>
+            <a:pPr algn="ctr"/>
+            <a:r>
+              <a:rPr lang="fr-FR" b="1" dirty="0">
+                <a:solidFill>
+                  <a:schemeClr val="tx1"/>
+                </a:solidFill>
+                <a:latin typeface="+mn-lt"/>
+              </a:rPr>
+              <a:t>Partie Physique : L’effet Hall</a:t>
+            </a:r>
+          </a:p>
+        </p:txBody>
+      </p:sp>
+    </p:spTree>
+    <p:extLst>
+      <p:ext uri="{BB962C8B-B14F-4D97-AF65-F5344CB8AC3E}">
+        <p14:creationId xmlns:p14="http://schemas.microsoft.com/office/powerpoint/2010/main" val="3748439917"/>
       </p:ext>
     </p:extLst>
   </p:cSld>
@@ -3905,12 +6525,82 @@
           <a:chExt cx="0" cy="0"/>
         </a:xfrm>
       </p:grpSpPr>
-      <p:sp>
-        <p:nvSpPr>
-          <p:cNvPr id="2" name="Titre 1">
-            <a:extLst>
-              <a:ext uri="{FF2B5EF4-FFF2-40B4-BE49-F238E27FC236}">
-                <a16:creationId xmlns:a16="http://schemas.microsoft.com/office/drawing/2014/main" id="{29D64549-C194-456E-AFBD-DDFEA9F742B9}"/>
+      <p:pic>
+        <p:nvPicPr>
+          <p:cNvPr id="21" name="Image 20" descr="Une image contenant table, paire&#10;&#10;Description générée automatiquement">
+            <a:extLst>
+              <a:ext uri="{FF2B5EF4-FFF2-40B4-BE49-F238E27FC236}">
+                <a16:creationId xmlns:a16="http://schemas.microsoft.com/office/drawing/2014/main" id="{C94C7F28-1A6D-4AE8-832F-6ADD5ADD1A9A}"/>
+              </a:ext>
+            </a:extLst>
+          </p:cNvPr>
+          <p:cNvPicPr>
+            <a:picLocks noChangeAspect="1"/>
+          </p:cNvPicPr>
+          <p:nvPr/>
+        </p:nvPicPr>
+        <p:blipFill rotWithShape="1">
+          <a:blip r:embed="rId2">
+            <a:alphaModFix amt="50000"/>
+            <a:extLst>
+              <a:ext uri="{28A0092B-C50C-407E-A947-70E740481C1C}">
+                <a14:useLocalDpi xmlns:a14="http://schemas.microsoft.com/office/drawing/2010/main" val="0"/>
+              </a:ext>
+            </a:extLst>
+          </a:blip>
+          <a:srcRect t="6250"/>
+          <a:stretch/>
+        </p:blipFill>
+        <p:spPr>
+          <a:xfrm>
+            <a:off x="20" y="1"/>
+            <a:ext cx="12191980" cy="6857999"/>
+          </a:xfrm>
+          <a:prstGeom prst="rect">
+            <a:avLst/>
+          </a:prstGeom>
+        </p:spPr>
+      </p:pic>
+      <p:pic>
+        <p:nvPicPr>
+          <p:cNvPr id="4" name="Image 3">
+            <a:extLst>
+              <a:ext uri="{FF2B5EF4-FFF2-40B4-BE49-F238E27FC236}">
+                <a16:creationId xmlns:a16="http://schemas.microsoft.com/office/drawing/2014/main" id="{CFF8CF00-DB30-4438-B600-8B2DEF6B4067}"/>
+              </a:ext>
+            </a:extLst>
+          </p:cNvPr>
+          <p:cNvPicPr/>
+          <p:nvPr/>
+        </p:nvPicPr>
+        <p:blipFill>
+          <a:blip r:embed="rId3">
+            <a:extLst>
+              <a:ext uri="{28A0092B-C50C-407E-A947-70E740481C1C}">
+                <a14:useLocalDpi xmlns:a14="http://schemas.microsoft.com/office/drawing/2010/main" val="0"/>
+              </a:ext>
+            </a:extLst>
+          </a:blip>
+          <a:stretch>
+            <a:fillRect/>
+          </a:stretch>
+        </p:blipFill>
+        <p:spPr>
+          <a:xfrm>
+            <a:off x="2773996" y="1376363"/>
+            <a:ext cx="6644005" cy="5248275"/>
+          </a:xfrm>
+          <a:prstGeom prst="rect">
+            <a:avLst/>
+          </a:prstGeom>
+        </p:spPr>
+      </p:pic>
+      <p:sp>
+        <p:nvSpPr>
+          <p:cNvPr id="16" name="Titre 1">
+            <a:extLst>
+              <a:ext uri="{FF2B5EF4-FFF2-40B4-BE49-F238E27FC236}">
+                <a16:creationId xmlns:a16="http://schemas.microsoft.com/office/drawing/2014/main" id="{70072CBA-496B-470E-9046-17C30A8A15BD}"/>
               </a:ext>
             </a:extLst>
           </p:cNvPr>
@@ -3921,7 +6611,12 @@
             <p:ph type="title"/>
           </p:nvPr>
         </p:nvSpPr>
-        <p:spPr/>
+        <p:spPr>
+          <a:xfrm>
+            <a:off x="838199" y="233362"/>
+            <a:ext cx="10515600" cy="1325563"/>
+          </a:xfrm>
+        </p:spPr>
         <p:txBody>
           <a:bodyPr>
             <a:normAutofit/>
@@ -3933,7 +6628,7 @@
               <a:rPr lang="fr-FR" b="1" dirty="0">
                 <a:latin typeface="+mn-lt"/>
               </a:rPr>
-              <a:t>Introduction</a:t>
+              <a:t>Diagramme de cas d’utilisation</a:t>
             </a:r>
             <a:endParaRPr lang="fr-FR" sz="3600" b="1" dirty="0">
               <a:latin typeface="+mn-lt"/>
@@ -3941,1419 +6636,10 @@
           </a:p>
         </p:txBody>
       </p:sp>
-      <p:pic>
-        <p:nvPicPr>
-          <p:cNvPr id="3" name="Image 2">
-            <a:extLst>
-              <a:ext uri="{FF2B5EF4-FFF2-40B4-BE49-F238E27FC236}">
-                <a16:creationId xmlns:a16="http://schemas.microsoft.com/office/drawing/2014/main" id="{F326434F-0C29-4B78-86B1-77260A8911E4}"/>
-              </a:ext>
-            </a:extLst>
-          </p:cNvPr>
-          <p:cNvPicPr/>
-          <p:nvPr/>
-        </p:nvPicPr>
-        <p:blipFill>
-          <a:blip r:embed="rId2">
-            <a:extLst>
-              <a:ext uri="{28A0092B-C50C-407E-A947-70E740481C1C}">
-                <a14:useLocalDpi xmlns:a14="http://schemas.microsoft.com/office/drawing/2010/main" val="0"/>
-              </a:ext>
-            </a:extLst>
-          </a:blip>
-          <a:stretch>
-            <a:fillRect/>
-          </a:stretch>
-        </p:blipFill>
-        <p:spPr>
-          <a:xfrm>
-            <a:off x="2315799" y="1268963"/>
-            <a:ext cx="7560401" cy="5589037"/>
-          </a:xfrm>
-          <a:prstGeom prst="rect">
-            <a:avLst/>
-          </a:prstGeom>
-        </p:spPr>
-      </p:pic>
-      <p:sp>
-        <p:nvSpPr>
-          <p:cNvPr id="5" name="Rectangle : coins arrondis 4">
-            <a:extLst>
-              <a:ext uri="{FF2B5EF4-FFF2-40B4-BE49-F238E27FC236}">
-                <a16:creationId xmlns:a16="http://schemas.microsoft.com/office/drawing/2014/main" id="{57DE185B-FF3F-4443-8DF5-F3C7D987AC94}"/>
-              </a:ext>
-            </a:extLst>
-          </p:cNvPr>
-          <p:cNvSpPr/>
-          <p:nvPr/>
-        </p:nvSpPr>
-        <p:spPr>
-          <a:xfrm>
-            <a:off x="2802730" y="1861457"/>
-            <a:ext cx="5127307" cy="831042"/>
-          </a:xfrm>
-          <a:prstGeom prst="roundRect">
-            <a:avLst/>
-          </a:prstGeom>
-          <a:noFill/>
-          <a:ln w="50800">
-            <a:solidFill>
-              <a:schemeClr val="accent1"/>
-            </a:solidFill>
-          </a:ln>
-        </p:spPr>
-        <p:style>
-          <a:lnRef idx="2">
-            <a:schemeClr val="accent1">
-              <a:shade val="50000"/>
-            </a:schemeClr>
-          </a:lnRef>
-          <a:fillRef idx="1">
-            <a:schemeClr val="accent1"/>
-          </a:fillRef>
-          <a:effectRef idx="0">
-            <a:schemeClr val="accent1"/>
-          </a:effectRef>
-          <a:fontRef idx="minor">
-            <a:schemeClr val="lt1"/>
-          </a:fontRef>
-        </p:style>
-        <p:txBody>
-          <a:bodyPr rot="0" spcFirstLastPara="0" vert="horz" wrap="square" lIns="91440" tIns="45720" rIns="91440" bIns="45720" numCol="1" spcCol="0" rtlCol="0" fromWordArt="0" anchor="ctr" anchorCtr="0" forceAA="0" compatLnSpc="1">
-            <a:prstTxWarp prst="textNoShape">
-              <a:avLst/>
-            </a:prstTxWarp>
-            <a:noAutofit/>
-          </a:bodyPr>
-          <a:lstStyle/>
-          <a:p>
-            <a:endParaRPr lang="fr-FR"/>
-          </a:p>
-        </p:txBody>
-      </p:sp>
-      <p:sp>
-        <p:nvSpPr>
-          <p:cNvPr id="6" name="Rectangle : coins arrondis 5">
-            <a:extLst>
-              <a:ext uri="{FF2B5EF4-FFF2-40B4-BE49-F238E27FC236}">
-                <a16:creationId xmlns:a16="http://schemas.microsoft.com/office/drawing/2014/main" id="{BF011F47-68B0-4826-B9CD-FD327075D3FD}"/>
-              </a:ext>
-            </a:extLst>
-          </p:cNvPr>
-          <p:cNvSpPr/>
-          <p:nvPr/>
-        </p:nvSpPr>
-        <p:spPr>
-          <a:xfrm>
-            <a:off x="4748121" y="4898571"/>
-            <a:ext cx="2382022" cy="1230085"/>
-          </a:xfrm>
-          <a:prstGeom prst="roundRect">
-            <a:avLst/>
-          </a:prstGeom>
-          <a:noFill/>
-          <a:ln w="50800">
-            <a:solidFill>
-              <a:schemeClr val="accent1"/>
-            </a:solidFill>
-          </a:ln>
-        </p:spPr>
-        <p:style>
-          <a:lnRef idx="2">
-            <a:schemeClr val="accent1">
-              <a:shade val="50000"/>
-            </a:schemeClr>
-          </a:lnRef>
-          <a:fillRef idx="1">
-            <a:schemeClr val="accent1"/>
-          </a:fillRef>
-          <a:effectRef idx="0">
-            <a:schemeClr val="accent1"/>
-          </a:effectRef>
-          <a:fontRef idx="minor">
-            <a:schemeClr val="lt1"/>
-          </a:fontRef>
-        </p:style>
-        <p:txBody>
-          <a:bodyPr rot="0" spcFirstLastPara="0" vert="horz" wrap="square" lIns="91440" tIns="45720" rIns="91440" bIns="45720" numCol="1" spcCol="0" rtlCol="0" fromWordArt="0" anchor="ctr" anchorCtr="0" forceAA="0" compatLnSpc="1">
-            <a:prstTxWarp prst="textNoShape">
-              <a:avLst/>
-            </a:prstTxWarp>
-            <a:noAutofit/>
-          </a:bodyPr>
-          <a:lstStyle/>
-          <a:p>
-            <a:endParaRPr lang="fr-FR"/>
-          </a:p>
-        </p:txBody>
-      </p:sp>
-      <p:sp>
-        <p:nvSpPr>
-          <p:cNvPr id="7" name="Rectangle : coins arrondis 6">
-            <a:extLst>
-              <a:ext uri="{FF2B5EF4-FFF2-40B4-BE49-F238E27FC236}">
-                <a16:creationId xmlns:a16="http://schemas.microsoft.com/office/drawing/2014/main" id="{A9B249F6-82C0-4E80-9688-A6C4AD58C921}"/>
-              </a:ext>
-            </a:extLst>
-          </p:cNvPr>
-          <p:cNvSpPr/>
-          <p:nvPr/>
-        </p:nvSpPr>
-        <p:spPr>
-          <a:xfrm>
-            <a:off x="7478485" y="5589037"/>
-            <a:ext cx="696685" cy="387220"/>
-          </a:xfrm>
-          <a:prstGeom prst="roundRect">
-            <a:avLst/>
-          </a:prstGeom>
-          <a:noFill/>
-          <a:ln w="50800">
-            <a:solidFill>
-              <a:schemeClr val="accent1"/>
-            </a:solidFill>
-          </a:ln>
-        </p:spPr>
-        <p:style>
-          <a:lnRef idx="2">
-            <a:schemeClr val="accent1">
-              <a:shade val="50000"/>
-            </a:schemeClr>
-          </a:lnRef>
-          <a:fillRef idx="1">
-            <a:schemeClr val="accent1"/>
-          </a:fillRef>
-          <a:effectRef idx="0">
-            <a:schemeClr val="accent1"/>
-          </a:effectRef>
-          <a:fontRef idx="minor">
-            <a:schemeClr val="lt1"/>
-          </a:fontRef>
-        </p:style>
-        <p:txBody>
-          <a:bodyPr rot="0" spcFirstLastPara="0" vert="horz" wrap="square" lIns="91440" tIns="45720" rIns="91440" bIns="45720" numCol="1" spcCol="0" rtlCol="0" fromWordArt="0" anchor="ctr" anchorCtr="0" forceAA="0" compatLnSpc="1">
-            <a:prstTxWarp prst="textNoShape">
-              <a:avLst/>
-            </a:prstTxWarp>
-            <a:noAutofit/>
-          </a:bodyPr>
-          <a:lstStyle/>
-          <a:p>
-            <a:endParaRPr lang="fr-FR"/>
-          </a:p>
-        </p:txBody>
-      </p:sp>
-      <p:sp>
-        <p:nvSpPr>
-          <p:cNvPr id="8" name="Rectangle : coins arrondis 7">
-            <a:extLst>
-              <a:ext uri="{FF2B5EF4-FFF2-40B4-BE49-F238E27FC236}">
-                <a16:creationId xmlns:a16="http://schemas.microsoft.com/office/drawing/2014/main" id="{29FB46DC-2AE1-4059-BDCC-EC19699998CA}"/>
-              </a:ext>
-            </a:extLst>
-          </p:cNvPr>
-          <p:cNvSpPr/>
-          <p:nvPr/>
-        </p:nvSpPr>
-        <p:spPr>
-          <a:xfrm>
-            <a:off x="4201886" y="5868952"/>
-            <a:ext cx="391885" cy="466533"/>
-          </a:xfrm>
-          <a:prstGeom prst="roundRect">
-            <a:avLst/>
-          </a:prstGeom>
-          <a:noFill/>
-          <a:ln w="50800">
-            <a:solidFill>
-              <a:schemeClr val="accent1"/>
-            </a:solidFill>
-          </a:ln>
-        </p:spPr>
-        <p:style>
-          <a:lnRef idx="2">
-            <a:schemeClr val="accent1">
-              <a:shade val="50000"/>
-            </a:schemeClr>
-          </a:lnRef>
-          <a:fillRef idx="1">
-            <a:schemeClr val="accent1"/>
-          </a:fillRef>
-          <a:effectRef idx="0">
-            <a:schemeClr val="accent1"/>
-          </a:effectRef>
-          <a:fontRef idx="minor">
-            <a:schemeClr val="lt1"/>
-          </a:fontRef>
-        </p:style>
-        <p:txBody>
-          <a:bodyPr rot="0" spcFirstLastPara="0" vert="horz" wrap="square" lIns="91440" tIns="45720" rIns="91440" bIns="45720" numCol="1" spcCol="0" rtlCol="0" fromWordArt="0" anchor="ctr" anchorCtr="0" forceAA="0" compatLnSpc="1">
-            <a:prstTxWarp prst="textNoShape">
-              <a:avLst/>
-            </a:prstTxWarp>
-            <a:noAutofit/>
-          </a:bodyPr>
-          <a:lstStyle/>
-          <a:p>
-            <a:endParaRPr lang="fr-FR"/>
-          </a:p>
-        </p:txBody>
-      </p:sp>
-      <p:sp>
-        <p:nvSpPr>
-          <p:cNvPr id="11" name="Rectangle : coins arrondis 10">
-            <a:extLst>
-              <a:ext uri="{FF2B5EF4-FFF2-40B4-BE49-F238E27FC236}">
-                <a16:creationId xmlns:a16="http://schemas.microsoft.com/office/drawing/2014/main" id="{C0299604-2787-4F62-8A20-BA48EE17A3F3}"/>
-              </a:ext>
-            </a:extLst>
-          </p:cNvPr>
-          <p:cNvSpPr/>
-          <p:nvPr/>
-        </p:nvSpPr>
-        <p:spPr>
-          <a:xfrm>
-            <a:off x="9907428" y="1861457"/>
-            <a:ext cx="707572" cy="45719"/>
-          </a:xfrm>
-          <a:prstGeom prst="roundRect">
-            <a:avLst/>
-          </a:prstGeom>
-          <a:noFill/>
-          <a:ln w="50800">
-            <a:solidFill>
-              <a:schemeClr val="accent1"/>
-            </a:solidFill>
-          </a:ln>
-        </p:spPr>
-        <p:style>
-          <a:lnRef idx="2">
-            <a:schemeClr val="accent1">
-              <a:shade val="50000"/>
-            </a:schemeClr>
-          </a:lnRef>
-          <a:fillRef idx="1">
-            <a:schemeClr val="accent1"/>
-          </a:fillRef>
-          <a:effectRef idx="0">
-            <a:schemeClr val="accent1"/>
-          </a:effectRef>
-          <a:fontRef idx="minor">
-            <a:schemeClr val="lt1"/>
-          </a:fontRef>
-        </p:style>
-        <p:txBody>
-          <a:bodyPr rot="0" spcFirstLastPara="0" vert="horz" wrap="square" lIns="91440" tIns="45720" rIns="91440" bIns="45720" numCol="1" spcCol="0" rtlCol="0" fromWordArt="0" anchor="ctr" anchorCtr="0" forceAA="0" compatLnSpc="1">
-            <a:prstTxWarp prst="textNoShape">
-              <a:avLst/>
-            </a:prstTxWarp>
-            <a:noAutofit/>
-          </a:bodyPr>
-          <a:lstStyle/>
-          <a:p>
-            <a:endParaRPr lang="fr-FR"/>
-          </a:p>
-        </p:txBody>
-      </p:sp>
-      <p:sp>
-        <p:nvSpPr>
-          <p:cNvPr id="12" name="ZoneTexte 11">
-            <a:extLst>
-              <a:ext uri="{FF2B5EF4-FFF2-40B4-BE49-F238E27FC236}">
-                <a16:creationId xmlns:a16="http://schemas.microsoft.com/office/drawing/2014/main" id="{CAF4F695-35FF-45A5-80B8-118450793612}"/>
-              </a:ext>
-            </a:extLst>
-          </p:cNvPr>
-          <p:cNvSpPr txBox="1"/>
-          <p:nvPr/>
-        </p:nvSpPr>
-        <p:spPr>
-          <a:xfrm>
-            <a:off x="10646228" y="1699650"/>
-            <a:ext cx="824265" cy="369332"/>
-          </a:xfrm>
-          <a:prstGeom prst="rect">
-            <a:avLst/>
-          </a:prstGeom>
-          <a:noFill/>
-        </p:spPr>
-        <p:txBody>
-          <a:bodyPr wrap="none" rtlCol="0">
-            <a:spAutoFit/>
-          </a:bodyPr>
-          <a:lstStyle/>
-          <a:p>
-            <a:r>
-              <a:rPr lang="fr-FR" dirty="0"/>
-              <a:t>Joshua</a:t>
-            </a:r>
-          </a:p>
-        </p:txBody>
-      </p:sp>
-      <p:sp>
-        <p:nvSpPr>
-          <p:cNvPr id="13" name="Rectangle : coins arrondis 12">
-            <a:extLst>
-              <a:ext uri="{FF2B5EF4-FFF2-40B4-BE49-F238E27FC236}">
-                <a16:creationId xmlns:a16="http://schemas.microsoft.com/office/drawing/2014/main" id="{2005236A-5D70-4933-9C03-53DAC7F068DD}"/>
-              </a:ext>
-            </a:extLst>
-          </p:cNvPr>
-          <p:cNvSpPr/>
-          <p:nvPr/>
-        </p:nvSpPr>
-        <p:spPr>
-          <a:xfrm>
-            <a:off x="9907428" y="2231259"/>
-            <a:ext cx="707572" cy="45719"/>
-          </a:xfrm>
-          <a:prstGeom prst="roundRect">
-            <a:avLst/>
-          </a:prstGeom>
-          <a:noFill/>
-          <a:ln w="50800">
-            <a:solidFill>
-              <a:srgbClr val="92D050"/>
-            </a:solidFill>
-          </a:ln>
-        </p:spPr>
-        <p:style>
-          <a:lnRef idx="2">
-            <a:schemeClr val="accent1">
-              <a:shade val="50000"/>
-            </a:schemeClr>
-          </a:lnRef>
-          <a:fillRef idx="1">
-            <a:schemeClr val="accent1"/>
-          </a:fillRef>
-          <a:effectRef idx="0">
-            <a:schemeClr val="accent1"/>
-          </a:effectRef>
-          <a:fontRef idx="minor">
-            <a:schemeClr val="lt1"/>
-          </a:fontRef>
-        </p:style>
-        <p:txBody>
-          <a:bodyPr rot="0" spcFirstLastPara="0" vert="horz" wrap="square" lIns="91440" tIns="45720" rIns="91440" bIns="45720" numCol="1" spcCol="0" rtlCol="0" fromWordArt="0" anchor="ctr" anchorCtr="0" forceAA="0" compatLnSpc="1">
-            <a:prstTxWarp prst="textNoShape">
-              <a:avLst/>
-            </a:prstTxWarp>
-            <a:noAutofit/>
-          </a:bodyPr>
-          <a:lstStyle/>
-          <a:p>
-            <a:endParaRPr lang="fr-FR"/>
-          </a:p>
-        </p:txBody>
-      </p:sp>
-      <p:sp>
-        <p:nvSpPr>
-          <p:cNvPr id="14" name="ZoneTexte 13">
-            <a:extLst>
-              <a:ext uri="{FF2B5EF4-FFF2-40B4-BE49-F238E27FC236}">
-                <a16:creationId xmlns:a16="http://schemas.microsoft.com/office/drawing/2014/main" id="{E0ACB98A-C89B-4929-A703-94259A65428B}"/>
-              </a:ext>
-            </a:extLst>
-          </p:cNvPr>
-          <p:cNvSpPr txBox="1"/>
-          <p:nvPr/>
-        </p:nvSpPr>
-        <p:spPr>
-          <a:xfrm>
-            <a:off x="10614999" y="2046593"/>
-            <a:ext cx="925253" cy="369332"/>
-          </a:xfrm>
-          <a:prstGeom prst="rect">
-            <a:avLst/>
-          </a:prstGeom>
-          <a:noFill/>
-        </p:spPr>
-        <p:txBody>
-          <a:bodyPr wrap="none" rtlCol="0">
-            <a:spAutoFit/>
-          </a:bodyPr>
-          <a:lstStyle/>
-          <a:p>
-            <a:r>
-              <a:rPr lang="fr-FR" dirty="0"/>
-              <a:t>Thomas</a:t>
-            </a:r>
-          </a:p>
-        </p:txBody>
-      </p:sp>
-      <p:sp>
-        <p:nvSpPr>
-          <p:cNvPr id="15" name="Rectangle : coins arrondis 14">
-            <a:extLst>
-              <a:ext uri="{FF2B5EF4-FFF2-40B4-BE49-F238E27FC236}">
-                <a16:creationId xmlns:a16="http://schemas.microsoft.com/office/drawing/2014/main" id="{C9B032DC-BEA4-4CA8-868C-B1DFB4E70287}"/>
-              </a:ext>
-            </a:extLst>
-          </p:cNvPr>
-          <p:cNvSpPr/>
-          <p:nvPr/>
-        </p:nvSpPr>
-        <p:spPr>
-          <a:xfrm>
-            <a:off x="9907427" y="2601061"/>
-            <a:ext cx="707572" cy="45719"/>
-          </a:xfrm>
-          <a:prstGeom prst="roundRect">
-            <a:avLst/>
-          </a:prstGeom>
-          <a:noFill/>
-          <a:ln w="50800">
-            <a:solidFill>
-              <a:srgbClr val="FF0000"/>
-            </a:solidFill>
-          </a:ln>
-        </p:spPr>
-        <p:style>
-          <a:lnRef idx="2">
-            <a:schemeClr val="accent1">
-              <a:shade val="50000"/>
-            </a:schemeClr>
-          </a:lnRef>
-          <a:fillRef idx="1">
-            <a:schemeClr val="accent1"/>
-          </a:fillRef>
-          <a:effectRef idx="0">
-            <a:schemeClr val="accent1"/>
-          </a:effectRef>
-          <a:fontRef idx="minor">
-            <a:schemeClr val="lt1"/>
-          </a:fontRef>
-        </p:style>
-        <p:txBody>
-          <a:bodyPr rot="0" spcFirstLastPara="0" vert="horz" wrap="square" lIns="91440" tIns="45720" rIns="91440" bIns="45720" numCol="1" spcCol="0" rtlCol="0" fromWordArt="0" anchor="ctr" anchorCtr="0" forceAA="0" compatLnSpc="1">
-            <a:prstTxWarp prst="textNoShape">
-              <a:avLst/>
-            </a:prstTxWarp>
-            <a:noAutofit/>
-          </a:bodyPr>
-          <a:lstStyle/>
-          <a:p>
-            <a:endParaRPr lang="fr-FR"/>
-          </a:p>
-        </p:txBody>
-      </p:sp>
-      <p:sp>
-        <p:nvSpPr>
-          <p:cNvPr id="16" name="ZoneTexte 15">
-            <a:extLst>
-              <a:ext uri="{FF2B5EF4-FFF2-40B4-BE49-F238E27FC236}">
-                <a16:creationId xmlns:a16="http://schemas.microsoft.com/office/drawing/2014/main" id="{48B41F13-2617-4D2B-8E9E-C48ADF79E878}"/>
-              </a:ext>
-            </a:extLst>
-          </p:cNvPr>
-          <p:cNvSpPr txBox="1"/>
-          <p:nvPr/>
-        </p:nvSpPr>
-        <p:spPr>
-          <a:xfrm>
-            <a:off x="10614999" y="2424887"/>
-            <a:ext cx="1195071" cy="369332"/>
-          </a:xfrm>
-          <a:prstGeom prst="rect">
-            <a:avLst/>
-          </a:prstGeom>
-          <a:noFill/>
-        </p:spPr>
-        <p:txBody>
-          <a:bodyPr wrap="none" rtlCol="0">
-            <a:spAutoFit/>
-          </a:bodyPr>
-          <a:lstStyle/>
-          <a:p>
-            <a:r>
-              <a:rPr lang="fr-FR" dirty="0"/>
-              <a:t>Constantin</a:t>
-            </a:r>
-          </a:p>
-        </p:txBody>
-      </p:sp>
-      <p:sp>
-        <p:nvSpPr>
-          <p:cNvPr id="17" name="Rectangle : coins arrondis 16">
-            <a:extLst>
-              <a:ext uri="{FF2B5EF4-FFF2-40B4-BE49-F238E27FC236}">
-                <a16:creationId xmlns:a16="http://schemas.microsoft.com/office/drawing/2014/main" id="{E8DD8EB4-5799-466B-8E0E-6853CD76BBDC}"/>
-              </a:ext>
-            </a:extLst>
-          </p:cNvPr>
-          <p:cNvSpPr/>
-          <p:nvPr/>
-        </p:nvSpPr>
-        <p:spPr>
-          <a:xfrm>
-            <a:off x="9907427" y="2970935"/>
-            <a:ext cx="707572" cy="45719"/>
-          </a:xfrm>
-          <a:prstGeom prst="roundRect">
-            <a:avLst/>
-          </a:prstGeom>
-          <a:noFill/>
-          <a:ln w="50800">
-            <a:solidFill>
-              <a:srgbClr val="00B0F0"/>
-            </a:solidFill>
-          </a:ln>
-        </p:spPr>
-        <p:style>
-          <a:lnRef idx="2">
-            <a:schemeClr val="accent1">
-              <a:shade val="50000"/>
-            </a:schemeClr>
-          </a:lnRef>
-          <a:fillRef idx="1">
-            <a:schemeClr val="accent1"/>
-          </a:fillRef>
-          <a:effectRef idx="0">
-            <a:schemeClr val="accent1"/>
-          </a:effectRef>
-          <a:fontRef idx="minor">
-            <a:schemeClr val="lt1"/>
-          </a:fontRef>
-        </p:style>
-        <p:txBody>
-          <a:bodyPr rot="0" spcFirstLastPara="0" vert="horz" wrap="square" lIns="91440" tIns="45720" rIns="91440" bIns="45720" numCol="1" spcCol="0" rtlCol="0" fromWordArt="0" anchor="ctr" anchorCtr="0" forceAA="0" compatLnSpc="1">
-            <a:prstTxWarp prst="textNoShape">
-              <a:avLst/>
-            </a:prstTxWarp>
-            <a:noAutofit/>
-          </a:bodyPr>
-          <a:lstStyle/>
-          <a:p>
-            <a:endParaRPr lang="fr-FR"/>
-          </a:p>
-        </p:txBody>
-      </p:sp>
-      <p:sp>
-        <p:nvSpPr>
-          <p:cNvPr id="18" name="ZoneTexte 17">
-            <a:extLst>
-              <a:ext uri="{FF2B5EF4-FFF2-40B4-BE49-F238E27FC236}">
-                <a16:creationId xmlns:a16="http://schemas.microsoft.com/office/drawing/2014/main" id="{1B85E7D9-DC72-4AE6-9300-C7C157AAF1D4}"/>
-              </a:ext>
-            </a:extLst>
-          </p:cNvPr>
-          <p:cNvSpPr txBox="1"/>
-          <p:nvPr/>
-        </p:nvSpPr>
-        <p:spPr>
-          <a:xfrm>
-            <a:off x="10614999" y="2786197"/>
-            <a:ext cx="993862" cy="369332"/>
-          </a:xfrm>
-          <a:prstGeom prst="rect">
-            <a:avLst/>
-          </a:prstGeom>
-          <a:noFill/>
-        </p:spPr>
-        <p:txBody>
-          <a:bodyPr wrap="none" rtlCol="0">
-            <a:spAutoFit/>
-          </a:bodyPr>
-          <a:lstStyle/>
-          <a:p>
-            <a:r>
-              <a:rPr lang="fr-FR" dirty="0"/>
-              <a:t>Corentin</a:t>
-            </a:r>
-          </a:p>
-        </p:txBody>
-      </p:sp>
-      <p:sp>
-        <p:nvSpPr>
-          <p:cNvPr id="19" name="Flèche : double flèche horizontale 18">
-            <a:extLst>
-              <a:ext uri="{FF2B5EF4-FFF2-40B4-BE49-F238E27FC236}">
-                <a16:creationId xmlns:a16="http://schemas.microsoft.com/office/drawing/2014/main" id="{096DB570-0746-4C92-9333-0F3669C04558}"/>
-              </a:ext>
-            </a:extLst>
-          </p:cNvPr>
-          <p:cNvSpPr/>
-          <p:nvPr/>
-        </p:nvSpPr>
-        <p:spPr>
-          <a:xfrm rot="16200000">
-            <a:off x="7428681" y="4657774"/>
-            <a:ext cx="535940" cy="234950"/>
-          </a:xfrm>
-          <a:prstGeom prst="leftRightArrow">
-            <a:avLst/>
-          </a:prstGeom>
-          <a:solidFill>
-            <a:srgbClr val="FF0000"/>
-          </a:solidFill>
-          <a:ln>
-            <a:noFill/>
-          </a:ln>
-        </p:spPr>
-        <p:style>
-          <a:lnRef idx="2">
-            <a:schemeClr val="accent1">
-              <a:shade val="50000"/>
-            </a:schemeClr>
-          </a:lnRef>
-          <a:fillRef idx="1">
-            <a:schemeClr val="accent1"/>
-          </a:fillRef>
-          <a:effectRef idx="0">
-            <a:schemeClr val="accent1"/>
-          </a:effectRef>
-          <a:fontRef idx="minor">
-            <a:schemeClr val="lt1"/>
-          </a:fontRef>
-        </p:style>
-        <p:txBody>
-          <a:bodyPr rot="0" spcFirstLastPara="0" vert="horz" wrap="square" lIns="91440" tIns="45720" rIns="91440" bIns="45720" numCol="1" spcCol="0" rtlCol="0" fromWordArt="0" anchor="ctr" anchorCtr="0" forceAA="0" compatLnSpc="1">
-            <a:prstTxWarp prst="textNoShape">
-              <a:avLst/>
-            </a:prstTxWarp>
-            <a:noAutofit/>
-          </a:bodyPr>
-          <a:lstStyle/>
-          <a:p>
-            <a:endParaRPr lang="fr-FR"/>
-          </a:p>
-        </p:txBody>
-      </p:sp>
-      <p:sp>
-        <p:nvSpPr>
-          <p:cNvPr id="20" name="Rectangle : coins arrondis 19">
-            <a:extLst>
-              <a:ext uri="{FF2B5EF4-FFF2-40B4-BE49-F238E27FC236}">
-                <a16:creationId xmlns:a16="http://schemas.microsoft.com/office/drawing/2014/main" id="{35D16060-3BD5-4384-834E-2EBCDCA60699}"/>
-              </a:ext>
-            </a:extLst>
-          </p:cNvPr>
-          <p:cNvSpPr/>
-          <p:nvPr/>
-        </p:nvSpPr>
-        <p:spPr>
-          <a:xfrm>
-            <a:off x="8149315" y="4488657"/>
-            <a:ext cx="449379" cy="164306"/>
-          </a:xfrm>
-          <a:prstGeom prst="roundRect">
-            <a:avLst/>
-          </a:prstGeom>
-          <a:noFill/>
-          <a:ln w="50800">
-            <a:solidFill>
-              <a:srgbClr val="FF0000"/>
-            </a:solidFill>
-          </a:ln>
-        </p:spPr>
-        <p:style>
-          <a:lnRef idx="2">
-            <a:schemeClr val="accent1">
-              <a:shade val="50000"/>
-            </a:schemeClr>
-          </a:lnRef>
-          <a:fillRef idx="1">
-            <a:schemeClr val="accent1"/>
-          </a:fillRef>
-          <a:effectRef idx="0">
-            <a:schemeClr val="accent1"/>
-          </a:effectRef>
-          <a:fontRef idx="minor">
-            <a:schemeClr val="lt1"/>
-          </a:fontRef>
-        </p:style>
-        <p:txBody>
-          <a:bodyPr rot="0" spcFirstLastPara="0" vert="horz" wrap="square" lIns="91440" tIns="45720" rIns="91440" bIns="45720" numCol="1" spcCol="0" rtlCol="0" fromWordArt="0" anchor="ctr" anchorCtr="0" forceAA="0" compatLnSpc="1">
-            <a:prstTxWarp prst="textNoShape">
-              <a:avLst/>
-            </a:prstTxWarp>
-            <a:noAutofit/>
-          </a:bodyPr>
-          <a:lstStyle/>
-          <a:p>
-            <a:endParaRPr lang="fr-FR"/>
-          </a:p>
-        </p:txBody>
-      </p:sp>
-      <p:sp>
-        <p:nvSpPr>
-          <p:cNvPr id="21" name="Rectangle : coins arrondis 20">
-            <a:extLst>
-              <a:ext uri="{FF2B5EF4-FFF2-40B4-BE49-F238E27FC236}">
-                <a16:creationId xmlns:a16="http://schemas.microsoft.com/office/drawing/2014/main" id="{5D361B11-4AA7-4AC6-976F-5354E0BA831E}"/>
-              </a:ext>
-            </a:extLst>
-          </p:cNvPr>
-          <p:cNvSpPr/>
-          <p:nvPr/>
-        </p:nvSpPr>
-        <p:spPr>
-          <a:xfrm>
-            <a:off x="4536622" y="3740944"/>
-            <a:ext cx="1666060" cy="801039"/>
-          </a:xfrm>
-          <a:prstGeom prst="roundRect">
-            <a:avLst/>
-          </a:prstGeom>
-          <a:noFill/>
-          <a:ln w="50800">
-            <a:solidFill>
-              <a:srgbClr val="FF0000"/>
-            </a:solidFill>
-          </a:ln>
-        </p:spPr>
-        <p:style>
-          <a:lnRef idx="2">
-            <a:schemeClr val="accent1">
-              <a:shade val="50000"/>
-            </a:schemeClr>
-          </a:lnRef>
-          <a:fillRef idx="1">
-            <a:schemeClr val="accent1"/>
-          </a:fillRef>
-          <a:effectRef idx="0">
-            <a:schemeClr val="accent1"/>
-          </a:effectRef>
-          <a:fontRef idx="minor">
-            <a:schemeClr val="lt1"/>
-          </a:fontRef>
-        </p:style>
-        <p:txBody>
-          <a:bodyPr rot="0" spcFirstLastPara="0" vert="horz" wrap="square" lIns="91440" tIns="45720" rIns="91440" bIns="45720" numCol="1" spcCol="0" rtlCol="0" fromWordArt="0" anchor="ctr" anchorCtr="0" forceAA="0" compatLnSpc="1">
-            <a:prstTxWarp prst="textNoShape">
-              <a:avLst/>
-            </a:prstTxWarp>
-            <a:noAutofit/>
-          </a:bodyPr>
-          <a:lstStyle/>
-          <a:p>
-            <a:endParaRPr lang="fr-FR"/>
-          </a:p>
-        </p:txBody>
-      </p:sp>
-      <p:sp>
-        <p:nvSpPr>
-          <p:cNvPr id="22" name="Rectangle : coins arrondis 21">
-            <a:extLst>
-              <a:ext uri="{FF2B5EF4-FFF2-40B4-BE49-F238E27FC236}">
-                <a16:creationId xmlns:a16="http://schemas.microsoft.com/office/drawing/2014/main" id="{E2933415-AEC5-44C9-AE56-64F8CE71E3F7}"/>
-              </a:ext>
-            </a:extLst>
-          </p:cNvPr>
-          <p:cNvSpPr/>
-          <p:nvPr/>
-        </p:nvSpPr>
-        <p:spPr>
-          <a:xfrm>
-            <a:off x="2802730" y="2816202"/>
-            <a:ext cx="1674019" cy="801039"/>
-          </a:xfrm>
-          <a:prstGeom prst="roundRect">
-            <a:avLst/>
-          </a:prstGeom>
-          <a:noFill/>
-          <a:ln w="50800">
-            <a:solidFill>
-              <a:srgbClr val="FF0000"/>
-            </a:solidFill>
-          </a:ln>
-        </p:spPr>
-        <p:style>
-          <a:lnRef idx="2">
-            <a:schemeClr val="accent1">
-              <a:shade val="50000"/>
-            </a:schemeClr>
-          </a:lnRef>
-          <a:fillRef idx="1">
-            <a:schemeClr val="accent1"/>
-          </a:fillRef>
-          <a:effectRef idx="0">
-            <a:schemeClr val="accent1"/>
-          </a:effectRef>
-          <a:fontRef idx="minor">
-            <a:schemeClr val="lt1"/>
-          </a:fontRef>
-        </p:style>
-        <p:txBody>
-          <a:bodyPr rot="0" spcFirstLastPara="0" vert="horz" wrap="square" lIns="91440" tIns="45720" rIns="91440" bIns="45720" numCol="1" spcCol="0" rtlCol="0" fromWordArt="0" anchor="ctr" anchorCtr="0" forceAA="0" compatLnSpc="1">
-            <a:prstTxWarp prst="textNoShape">
-              <a:avLst/>
-            </a:prstTxWarp>
-            <a:noAutofit/>
-          </a:bodyPr>
-          <a:lstStyle/>
-          <a:p>
-            <a:endParaRPr lang="fr-FR"/>
-          </a:p>
-        </p:txBody>
-      </p:sp>
-      <p:sp>
-        <p:nvSpPr>
-          <p:cNvPr id="23" name="Flèche : double flèche horizontale 22">
-            <a:extLst>
-              <a:ext uri="{FF2B5EF4-FFF2-40B4-BE49-F238E27FC236}">
-                <a16:creationId xmlns:a16="http://schemas.microsoft.com/office/drawing/2014/main" id="{1071556F-F791-4EA0-8063-D0370A498624}"/>
-              </a:ext>
-            </a:extLst>
-          </p:cNvPr>
-          <p:cNvSpPr/>
-          <p:nvPr/>
-        </p:nvSpPr>
-        <p:spPr>
-          <a:xfrm>
-            <a:off x="6865620" y="5195619"/>
-            <a:ext cx="612865" cy="317994"/>
-          </a:xfrm>
-          <a:prstGeom prst="leftRightArrow">
-            <a:avLst/>
-          </a:prstGeom>
-          <a:solidFill>
-            <a:srgbClr val="2FC9FF"/>
-          </a:solidFill>
-          <a:ln>
-            <a:solidFill>
-              <a:srgbClr val="00B0F0"/>
-            </a:solidFill>
-          </a:ln>
-        </p:spPr>
-        <p:style>
-          <a:lnRef idx="2">
-            <a:schemeClr val="accent1">
-              <a:shade val="50000"/>
-            </a:schemeClr>
-          </a:lnRef>
-          <a:fillRef idx="1">
-            <a:schemeClr val="accent1"/>
-          </a:fillRef>
-          <a:effectRef idx="0">
-            <a:schemeClr val="accent1"/>
-          </a:effectRef>
-          <a:fontRef idx="minor">
-            <a:schemeClr val="lt1"/>
-          </a:fontRef>
-        </p:style>
-        <p:txBody>
-          <a:bodyPr rot="0" spcFirstLastPara="0" vert="horz" wrap="square" lIns="91440" tIns="45720" rIns="91440" bIns="45720" numCol="1" spcCol="0" rtlCol="0" fromWordArt="0" anchor="ctr" anchorCtr="0" forceAA="0" compatLnSpc="1">
-            <a:prstTxWarp prst="textNoShape">
-              <a:avLst/>
-            </a:prstTxWarp>
-            <a:noAutofit/>
-          </a:bodyPr>
-          <a:lstStyle/>
-          <a:p>
-            <a:endParaRPr lang="fr-FR"/>
-          </a:p>
-        </p:txBody>
-      </p:sp>
-      <p:sp>
-        <p:nvSpPr>
-          <p:cNvPr id="24" name="Flèche : double flèche horizontale 23">
-            <a:extLst>
-              <a:ext uri="{FF2B5EF4-FFF2-40B4-BE49-F238E27FC236}">
-                <a16:creationId xmlns:a16="http://schemas.microsoft.com/office/drawing/2014/main" id="{9E1D88BE-4C03-4E58-BF2A-430DC0CFE2A3}"/>
-              </a:ext>
-            </a:extLst>
-          </p:cNvPr>
-          <p:cNvSpPr/>
-          <p:nvPr/>
-        </p:nvSpPr>
-        <p:spPr>
-          <a:xfrm>
-            <a:off x="4563290" y="5665171"/>
-            <a:ext cx="1666060" cy="311085"/>
-          </a:xfrm>
-          <a:prstGeom prst="leftRightArrow">
-            <a:avLst/>
-          </a:prstGeom>
-          <a:solidFill>
-            <a:srgbClr val="1EEA14"/>
-          </a:solidFill>
-          <a:ln>
-            <a:solidFill>
-              <a:srgbClr val="92D050"/>
-            </a:solidFill>
-          </a:ln>
-        </p:spPr>
-        <p:style>
-          <a:lnRef idx="2">
-            <a:schemeClr val="accent1">
-              <a:shade val="50000"/>
-            </a:schemeClr>
-          </a:lnRef>
-          <a:fillRef idx="1">
-            <a:schemeClr val="accent1"/>
-          </a:fillRef>
-          <a:effectRef idx="0">
-            <a:schemeClr val="accent1"/>
-          </a:effectRef>
-          <a:fontRef idx="minor">
-            <a:schemeClr val="lt1"/>
-          </a:fontRef>
-        </p:style>
-        <p:txBody>
-          <a:bodyPr rot="0" spcFirstLastPara="0" vert="horz" wrap="square" lIns="91440" tIns="45720" rIns="91440" bIns="45720" numCol="1" spcCol="0" rtlCol="0" fromWordArt="0" anchor="ctr" anchorCtr="0" forceAA="0" compatLnSpc="1">
-            <a:prstTxWarp prst="textNoShape">
-              <a:avLst/>
-            </a:prstTxWarp>
-            <a:noAutofit/>
-          </a:bodyPr>
-          <a:lstStyle/>
-          <a:p>
-            <a:endParaRPr lang="fr-FR"/>
-          </a:p>
-        </p:txBody>
-      </p:sp>
-      <p:sp>
-        <p:nvSpPr>
-          <p:cNvPr id="25" name="Rectangle : coins arrondis 24">
-            <a:extLst>
-              <a:ext uri="{FF2B5EF4-FFF2-40B4-BE49-F238E27FC236}">
-                <a16:creationId xmlns:a16="http://schemas.microsoft.com/office/drawing/2014/main" id="{489DFF1B-53BB-413F-A40C-14160C2DCD79}"/>
-              </a:ext>
-            </a:extLst>
-          </p:cNvPr>
-          <p:cNvSpPr/>
-          <p:nvPr/>
-        </p:nvSpPr>
-        <p:spPr>
-          <a:xfrm>
-            <a:off x="2802731" y="3747359"/>
-            <a:ext cx="1661954" cy="801039"/>
-          </a:xfrm>
-          <a:prstGeom prst="roundRect">
-            <a:avLst/>
-          </a:prstGeom>
-          <a:noFill/>
-          <a:ln w="50800">
-            <a:solidFill>
-              <a:srgbClr val="92D050"/>
-            </a:solidFill>
-          </a:ln>
-        </p:spPr>
-        <p:style>
-          <a:lnRef idx="2">
-            <a:schemeClr val="accent1">
-              <a:shade val="50000"/>
-            </a:schemeClr>
-          </a:lnRef>
-          <a:fillRef idx="1">
-            <a:schemeClr val="accent1"/>
-          </a:fillRef>
-          <a:effectRef idx="0">
-            <a:schemeClr val="accent1"/>
-          </a:effectRef>
-          <a:fontRef idx="minor">
-            <a:schemeClr val="lt1"/>
-          </a:fontRef>
-        </p:style>
-        <p:txBody>
-          <a:bodyPr rot="0" spcFirstLastPara="0" vert="horz" wrap="square" lIns="91440" tIns="45720" rIns="91440" bIns="45720" numCol="1" spcCol="0" rtlCol="0" fromWordArt="0" anchor="ctr" anchorCtr="0" forceAA="0" compatLnSpc="1">
-            <a:prstTxWarp prst="textNoShape">
-              <a:avLst/>
-            </a:prstTxWarp>
-            <a:noAutofit/>
-          </a:bodyPr>
-          <a:lstStyle/>
-          <a:p>
-            <a:endParaRPr lang="fr-FR"/>
-          </a:p>
-        </p:txBody>
-      </p:sp>
-      <p:sp>
-        <p:nvSpPr>
-          <p:cNvPr id="26" name="Rectangle : coins arrondis 25">
-            <a:extLst>
-              <a:ext uri="{FF2B5EF4-FFF2-40B4-BE49-F238E27FC236}">
-                <a16:creationId xmlns:a16="http://schemas.microsoft.com/office/drawing/2014/main" id="{182E2B6F-2034-4B2C-8B91-AF4F0257F1FA}"/>
-              </a:ext>
-            </a:extLst>
-          </p:cNvPr>
-          <p:cNvSpPr/>
-          <p:nvPr/>
-        </p:nvSpPr>
-        <p:spPr>
-          <a:xfrm>
-            <a:off x="6280150" y="2818392"/>
-            <a:ext cx="1630363" cy="801039"/>
-          </a:xfrm>
-          <a:prstGeom prst="roundRect">
-            <a:avLst/>
-          </a:prstGeom>
-          <a:noFill/>
-          <a:ln w="50800">
-            <a:solidFill>
-              <a:srgbClr val="92D050"/>
-            </a:solidFill>
-          </a:ln>
-        </p:spPr>
-        <p:style>
-          <a:lnRef idx="2">
-            <a:schemeClr val="accent1">
-              <a:shade val="50000"/>
-            </a:schemeClr>
-          </a:lnRef>
-          <a:fillRef idx="1">
-            <a:schemeClr val="accent1"/>
-          </a:fillRef>
-          <a:effectRef idx="0">
-            <a:schemeClr val="accent1"/>
-          </a:effectRef>
-          <a:fontRef idx="minor">
-            <a:schemeClr val="lt1"/>
-          </a:fontRef>
-        </p:style>
-        <p:txBody>
-          <a:bodyPr rot="0" spcFirstLastPara="0" vert="horz" wrap="square" lIns="91440" tIns="45720" rIns="91440" bIns="45720" numCol="1" spcCol="0" rtlCol="0" fromWordArt="0" anchor="ctr" anchorCtr="0" forceAA="0" compatLnSpc="1">
-            <a:prstTxWarp prst="textNoShape">
-              <a:avLst/>
-            </a:prstTxWarp>
-            <a:noAutofit/>
-          </a:bodyPr>
-          <a:lstStyle/>
-          <a:p>
-            <a:endParaRPr lang="fr-FR"/>
-          </a:p>
-        </p:txBody>
-      </p:sp>
-      <p:sp>
-        <p:nvSpPr>
-          <p:cNvPr id="27" name="Rectangle : coins arrondis 26">
-            <a:extLst>
-              <a:ext uri="{FF2B5EF4-FFF2-40B4-BE49-F238E27FC236}">
-                <a16:creationId xmlns:a16="http://schemas.microsoft.com/office/drawing/2014/main" id="{67F0BB05-9A0E-438F-99F2-3FA9E65C5937}"/>
-              </a:ext>
-            </a:extLst>
-          </p:cNvPr>
-          <p:cNvSpPr/>
-          <p:nvPr/>
-        </p:nvSpPr>
-        <p:spPr>
-          <a:xfrm>
-            <a:off x="4541997" y="2816202"/>
-            <a:ext cx="1649888" cy="801039"/>
-          </a:xfrm>
-          <a:prstGeom prst="roundRect">
-            <a:avLst/>
-          </a:prstGeom>
-          <a:noFill/>
-          <a:ln w="50800">
-            <a:solidFill>
-              <a:srgbClr val="00B0F0"/>
-            </a:solidFill>
-          </a:ln>
-        </p:spPr>
-        <p:style>
-          <a:lnRef idx="2">
-            <a:schemeClr val="accent1">
-              <a:shade val="50000"/>
-            </a:schemeClr>
-          </a:lnRef>
-          <a:fillRef idx="1">
-            <a:schemeClr val="accent1"/>
-          </a:fillRef>
-          <a:effectRef idx="0">
-            <a:schemeClr val="accent1"/>
-          </a:effectRef>
-          <a:fontRef idx="minor">
-            <a:schemeClr val="lt1"/>
-          </a:fontRef>
-        </p:style>
-        <p:txBody>
-          <a:bodyPr rot="0" spcFirstLastPara="0" vert="horz" wrap="square" lIns="91440" tIns="45720" rIns="91440" bIns="45720" numCol="1" spcCol="0" rtlCol="0" fromWordArt="0" anchor="ctr" anchorCtr="0" forceAA="0" compatLnSpc="1">
-            <a:prstTxWarp prst="textNoShape">
-              <a:avLst/>
-            </a:prstTxWarp>
-            <a:noAutofit/>
-          </a:bodyPr>
-          <a:lstStyle/>
-          <a:p>
-            <a:endParaRPr lang="fr-FR"/>
-          </a:p>
-        </p:txBody>
-      </p:sp>
-      <p:sp>
-        <p:nvSpPr>
-          <p:cNvPr id="28" name="Rectangle : coins arrondis 27">
-            <a:extLst>
-              <a:ext uri="{FF2B5EF4-FFF2-40B4-BE49-F238E27FC236}">
-                <a16:creationId xmlns:a16="http://schemas.microsoft.com/office/drawing/2014/main" id="{F606E47C-726C-4713-AAF3-C821E5344F3E}"/>
-              </a:ext>
-            </a:extLst>
-          </p:cNvPr>
-          <p:cNvSpPr/>
-          <p:nvPr/>
-        </p:nvSpPr>
-        <p:spPr>
-          <a:xfrm>
-            <a:off x="6268083" y="3749157"/>
-            <a:ext cx="1661954" cy="801039"/>
-          </a:xfrm>
-          <a:prstGeom prst="roundRect">
-            <a:avLst/>
-          </a:prstGeom>
-          <a:noFill/>
-          <a:ln w="50800">
-            <a:solidFill>
-              <a:srgbClr val="00B0F0"/>
-            </a:solidFill>
-          </a:ln>
-        </p:spPr>
-        <p:style>
-          <a:lnRef idx="2">
-            <a:schemeClr val="accent1">
-              <a:shade val="50000"/>
-            </a:schemeClr>
-          </a:lnRef>
-          <a:fillRef idx="1">
-            <a:schemeClr val="accent1"/>
-          </a:fillRef>
-          <a:effectRef idx="0">
-            <a:schemeClr val="accent1"/>
-          </a:effectRef>
-          <a:fontRef idx="minor">
-            <a:schemeClr val="lt1"/>
-          </a:fontRef>
-        </p:style>
-        <p:txBody>
-          <a:bodyPr rot="0" spcFirstLastPara="0" vert="horz" wrap="square" lIns="91440" tIns="45720" rIns="91440" bIns="45720" numCol="1" spcCol="0" rtlCol="0" fromWordArt="0" anchor="ctr" anchorCtr="0" forceAA="0" compatLnSpc="1">
-            <a:prstTxWarp prst="textNoShape">
-              <a:avLst/>
-            </a:prstTxWarp>
-            <a:noAutofit/>
-          </a:bodyPr>
-          <a:lstStyle/>
-          <a:p>
-            <a:endParaRPr lang="fr-FR"/>
-          </a:p>
-        </p:txBody>
-      </p:sp>
-      <p:cxnSp>
-        <p:nvCxnSpPr>
-          <p:cNvPr id="29" name="Connecteur droit 28">
-            <a:extLst>
-              <a:ext uri="{FF2B5EF4-FFF2-40B4-BE49-F238E27FC236}">
-                <a16:creationId xmlns:a16="http://schemas.microsoft.com/office/drawing/2014/main" id="{275F8654-B445-4228-94F2-002ED50C11F4}"/>
-              </a:ext>
-            </a:extLst>
-          </p:cNvPr>
-          <p:cNvCxnSpPr>
-            <a:cxnSpLocks/>
-          </p:cNvCxnSpPr>
-          <p:nvPr/>
-        </p:nvCxnSpPr>
-        <p:spPr>
-          <a:xfrm flipH="1" flipV="1">
-            <a:off x="2002064" y="4570810"/>
-            <a:ext cx="2878658" cy="678299"/>
-          </a:xfrm>
-          <a:prstGeom prst="line">
-            <a:avLst/>
-          </a:prstGeom>
-          <a:ln>
-            <a:solidFill>
-              <a:schemeClr val="accent1"/>
-            </a:solidFill>
-          </a:ln>
-        </p:spPr>
-        <p:style>
-          <a:lnRef idx="3">
-            <a:schemeClr val="accent1"/>
-          </a:lnRef>
-          <a:fillRef idx="0">
-            <a:schemeClr val="accent1"/>
-          </a:fillRef>
-          <a:effectRef idx="2">
-            <a:schemeClr val="accent1"/>
-          </a:effectRef>
-          <a:fontRef idx="minor">
-            <a:schemeClr val="tx1"/>
-          </a:fontRef>
-        </p:style>
-      </p:cxnSp>
-      <p:sp>
-        <p:nvSpPr>
-          <p:cNvPr id="31" name="Zone de texte 45">
-            <a:extLst>
-              <a:ext uri="{FF2B5EF4-FFF2-40B4-BE49-F238E27FC236}">
-                <a16:creationId xmlns:a16="http://schemas.microsoft.com/office/drawing/2014/main" id="{4137D27B-845D-49BA-A870-304F07D89BFE}"/>
-              </a:ext>
-            </a:extLst>
-          </p:cNvPr>
-          <p:cNvSpPr txBox="1"/>
-          <p:nvPr/>
-        </p:nvSpPr>
-        <p:spPr>
-          <a:xfrm>
-            <a:off x="905817" y="4289822"/>
-            <a:ext cx="1095375" cy="561975"/>
-          </a:xfrm>
-          <a:prstGeom prst="rect">
-            <a:avLst/>
-          </a:prstGeom>
-          <a:solidFill>
-            <a:schemeClr val="lt1"/>
-          </a:solidFill>
-          <a:ln w="6350">
-            <a:solidFill>
-              <a:schemeClr val="accent1"/>
-            </a:solidFill>
-          </a:ln>
-        </p:spPr>
-        <p:txBody>
-          <a:bodyPr rot="0" spcFirstLastPara="0" vert="horz" wrap="square" lIns="91440" tIns="45720" rIns="91440" bIns="45720" numCol="1" spcCol="0" rtlCol="0" fromWordArt="0" anchor="t" anchorCtr="0" forceAA="0" compatLnSpc="1">
-            <a:prstTxWarp prst="textNoShape">
-              <a:avLst/>
-            </a:prstTxWarp>
-            <a:noAutofit/>
-          </a:bodyPr>
-          <a:lstStyle/>
-          <a:p>
-            <a:pPr>
-              <a:lnSpc>
-                <a:spcPct val="107000"/>
-              </a:lnSpc>
-              <a:spcAft>
-                <a:spcPts val="800"/>
-              </a:spcAft>
-            </a:pPr>
-            <a:r>
-              <a:rPr lang="fr-FR" sz="1000" dirty="0">
-                <a:solidFill>
-                  <a:schemeClr val="accent1"/>
-                </a:solidFill>
-                <a:effectLst/>
-                <a:latin typeface="Calibri" panose="020F0502020204030204" pitchFamily="34" charset="0"/>
-                <a:ea typeface="Calibri" panose="020F0502020204030204" pitchFamily="34" charset="0"/>
-                <a:cs typeface="Calibri" panose="020F0502020204030204" pitchFamily="34" charset="0"/>
-              </a:rPr>
-              <a:t>Application Web sur l’affichage de l’état de la salle</a:t>
-            </a:r>
-            <a:endParaRPr lang="fr-FR" sz="1100" dirty="0">
-              <a:solidFill>
-                <a:schemeClr val="accent1"/>
-              </a:solidFill>
-              <a:effectLst/>
-              <a:latin typeface="Calibri" panose="020F0502020204030204" pitchFamily="34" charset="0"/>
-              <a:ea typeface="Calibri" panose="020F0502020204030204" pitchFamily="34" charset="0"/>
-              <a:cs typeface="Times New Roman" panose="02020603050405020304" pitchFamily="18" charset="0"/>
-            </a:endParaRPr>
-          </a:p>
-        </p:txBody>
-      </p:sp>
-      <p:cxnSp>
-        <p:nvCxnSpPr>
-          <p:cNvPr id="32" name="Connecteur droit 31">
-            <a:extLst>
-              <a:ext uri="{FF2B5EF4-FFF2-40B4-BE49-F238E27FC236}">
-                <a16:creationId xmlns:a16="http://schemas.microsoft.com/office/drawing/2014/main" id="{7A108338-C537-43B1-B6F3-044BA5E019D3}"/>
-              </a:ext>
-            </a:extLst>
-          </p:cNvPr>
-          <p:cNvCxnSpPr>
-            <a:cxnSpLocks/>
-          </p:cNvCxnSpPr>
-          <p:nvPr/>
-        </p:nvCxnSpPr>
-        <p:spPr>
-          <a:xfrm flipV="1">
-            <a:off x="7026093" y="4775248"/>
-            <a:ext cx="2781391" cy="380401"/>
-          </a:xfrm>
-          <a:prstGeom prst="line">
-            <a:avLst/>
-          </a:prstGeom>
-          <a:ln>
-            <a:solidFill>
-              <a:srgbClr val="2FC9FF"/>
-            </a:solidFill>
-          </a:ln>
-        </p:spPr>
-        <p:style>
-          <a:lnRef idx="3">
-            <a:schemeClr val="accent1"/>
-          </a:lnRef>
-          <a:fillRef idx="0">
-            <a:schemeClr val="accent1"/>
-          </a:fillRef>
-          <a:effectRef idx="2">
-            <a:schemeClr val="accent1"/>
-          </a:effectRef>
-          <a:fontRef idx="minor">
-            <a:schemeClr val="tx1"/>
-          </a:fontRef>
-        </p:style>
-      </p:cxnSp>
-      <p:sp>
-        <p:nvSpPr>
-          <p:cNvPr id="34" name="Zone de texte 44">
-            <a:extLst>
-              <a:ext uri="{FF2B5EF4-FFF2-40B4-BE49-F238E27FC236}">
-                <a16:creationId xmlns:a16="http://schemas.microsoft.com/office/drawing/2014/main" id="{4684EDED-9F12-45D2-926B-0E58883DBD1C}"/>
-              </a:ext>
-            </a:extLst>
-          </p:cNvPr>
-          <p:cNvSpPr txBox="1"/>
-          <p:nvPr/>
-        </p:nvSpPr>
-        <p:spPr>
-          <a:xfrm>
-            <a:off x="9811861" y="4481244"/>
-            <a:ext cx="1095375" cy="561975"/>
-          </a:xfrm>
-          <a:prstGeom prst="rect">
-            <a:avLst/>
-          </a:prstGeom>
-          <a:solidFill>
-            <a:schemeClr val="lt1"/>
-          </a:solidFill>
-          <a:ln w="6350">
-            <a:solidFill>
-              <a:srgbClr val="2FC9FF"/>
-            </a:solidFill>
-          </a:ln>
-        </p:spPr>
-        <p:txBody>
-          <a:bodyPr rot="0" spcFirstLastPara="0" vert="horz" wrap="square" lIns="91440" tIns="45720" rIns="91440" bIns="45720" numCol="1" spcCol="0" rtlCol="0" fromWordArt="0" anchor="t" anchorCtr="0" forceAA="0" compatLnSpc="1">
-            <a:prstTxWarp prst="textNoShape">
-              <a:avLst/>
-            </a:prstTxWarp>
-            <a:noAutofit/>
-          </a:bodyPr>
-          <a:lstStyle/>
-          <a:p>
-            <a:pPr>
-              <a:lnSpc>
-                <a:spcPct val="107000"/>
-              </a:lnSpc>
-              <a:spcAft>
-                <a:spcPts val="800"/>
-              </a:spcAft>
-            </a:pPr>
-            <a:r>
-              <a:rPr lang="fr-FR" sz="1000">
-                <a:solidFill>
-                  <a:srgbClr val="2FC9FF"/>
-                </a:solidFill>
-                <a:effectLst/>
-                <a:latin typeface="Calibri" panose="020F0502020204030204" pitchFamily="34" charset="0"/>
-                <a:ea typeface="Calibri" panose="020F0502020204030204" pitchFamily="34" charset="0"/>
-                <a:cs typeface="Calibri" panose="020F0502020204030204" pitchFamily="34" charset="0"/>
-              </a:rPr>
-              <a:t>Application Web de pilotage des actionneurs</a:t>
-            </a:r>
-            <a:endParaRPr lang="fr-FR" sz="1100">
-              <a:effectLst/>
-              <a:latin typeface="Calibri" panose="020F0502020204030204" pitchFamily="34" charset="0"/>
-              <a:ea typeface="Calibri" panose="020F0502020204030204" pitchFamily="34" charset="0"/>
-              <a:cs typeface="Times New Roman" panose="02020603050405020304" pitchFamily="18" charset="0"/>
-            </a:endParaRPr>
-          </a:p>
-        </p:txBody>
-      </p:sp>
     </p:spTree>
     <p:extLst>
       <p:ext uri="{BB962C8B-B14F-4D97-AF65-F5344CB8AC3E}">
-        <p14:creationId xmlns:p14="http://schemas.microsoft.com/office/powerpoint/2010/main" val="3816919354"/>
+        <p14:creationId xmlns:p14="http://schemas.microsoft.com/office/powerpoint/2010/main" val="141572382"/>
       </p:ext>
     </p:extLst>
   </p:cSld>
@@ -5380,75 +6666,106 @@
           <a:chExt cx="0" cy="0"/>
         </a:xfrm>
       </p:grpSpPr>
-      <p:sp>
-        <p:nvSpPr>
-          <p:cNvPr id="2" name="Titre 1">
-            <a:extLst>
-              <a:ext uri="{FF2B5EF4-FFF2-40B4-BE49-F238E27FC236}">
-                <a16:creationId xmlns:a16="http://schemas.microsoft.com/office/drawing/2014/main" id="{3B0C423D-65A1-40D8-8751-302A287BBB8F}"/>
-              </a:ext>
-            </a:extLst>
-          </p:cNvPr>
-          <p:cNvSpPr>
-            <a:spLocks noGrp="1"/>
-          </p:cNvSpPr>
-          <p:nvPr>
-            <p:ph type="title"/>
-          </p:nvPr>
-        </p:nvSpPr>
-        <p:spPr/>
-        <p:txBody>
-          <a:bodyPr/>
-          <a:lstStyle/>
-          <a:p>
-            <a:pPr algn="ctr"/>
-            <a:r>
-              <a:rPr lang="fr-FR" b="1" dirty="0">
-                <a:latin typeface="+mn-lt"/>
-              </a:rPr>
-              <a:t>Mes tâches</a:t>
-            </a:r>
-          </a:p>
-        </p:txBody>
-      </p:sp>
       <p:pic>
         <p:nvPicPr>
-          <p:cNvPr id="4" name="Image 3">
-            <a:extLst>
-              <a:ext uri="{FF2B5EF4-FFF2-40B4-BE49-F238E27FC236}">
-                <a16:creationId xmlns:a16="http://schemas.microsoft.com/office/drawing/2014/main" id="{B7441BCA-F2F3-49D7-9D50-474CE98A3A2A}"/>
-              </a:ext>
-            </a:extLst>
-          </p:cNvPr>
-          <p:cNvPicPr/>
+          <p:cNvPr id="21" name="Image 20" descr="Une image contenant table, paire&#10;&#10;Description générée automatiquement">
+            <a:extLst>
+              <a:ext uri="{FF2B5EF4-FFF2-40B4-BE49-F238E27FC236}">
+                <a16:creationId xmlns:a16="http://schemas.microsoft.com/office/drawing/2014/main" id="{C94C7F28-1A6D-4AE8-832F-6ADD5ADD1A9A}"/>
+              </a:ext>
+            </a:extLst>
+          </p:cNvPr>
+          <p:cNvPicPr>
+            <a:picLocks noChangeAspect="1"/>
+          </p:cNvPicPr>
           <p:nvPr/>
         </p:nvPicPr>
-        <p:blipFill>
+        <p:blipFill rotWithShape="1">
           <a:blip r:embed="rId2">
+            <a:alphaModFix amt="50000"/>
             <a:extLst>
               <a:ext uri="{28A0092B-C50C-407E-A947-70E740481C1C}">
                 <a14:useLocalDpi xmlns:a14="http://schemas.microsoft.com/office/drawing/2010/main" val="0"/>
               </a:ext>
             </a:extLst>
           </a:blip>
-          <a:stretch>
-            <a:fillRect/>
-          </a:stretch>
+          <a:srcRect t="6250"/>
+          <a:stretch/>
         </p:blipFill>
         <p:spPr>
           <a:xfrm>
-            <a:off x="2876550" y="1690688"/>
-            <a:ext cx="6438900" cy="4362132"/>
+            <a:off x="20" y="1"/>
+            <a:ext cx="12191980" cy="6857999"/>
           </a:xfrm>
           <a:prstGeom prst="rect">
             <a:avLst/>
           </a:prstGeom>
         </p:spPr>
       </p:pic>
+      <p:sp>
+        <p:nvSpPr>
+          <p:cNvPr id="8" name="Titre 1">
+            <a:extLst>
+              <a:ext uri="{FF2B5EF4-FFF2-40B4-BE49-F238E27FC236}">
+                <a16:creationId xmlns:a16="http://schemas.microsoft.com/office/drawing/2014/main" id="{1D901C81-2DA3-421A-BBCE-EB083238EDA4}"/>
+              </a:ext>
+            </a:extLst>
+          </p:cNvPr>
+          <p:cNvSpPr txBox="1">
+            <a:spLocks/>
+          </p:cNvSpPr>
+          <p:nvPr/>
+        </p:nvSpPr>
+        <p:spPr>
+          <a:xfrm>
+            <a:off x="1524000" y="228600"/>
+            <a:ext cx="9144000" cy="1076480"/>
+          </a:xfrm>
+          <a:prstGeom prst="rect">
+            <a:avLst/>
+          </a:prstGeom>
+        </p:spPr>
+        <p:txBody>
+          <a:bodyPr vert="horz" lIns="91440" tIns="45720" rIns="91440" bIns="45720" rtlCol="0" anchor="b">
+            <a:normAutofit/>
+          </a:bodyPr>
+          <a:lstStyle>
+            <a:lvl1pPr algn="l" defTabSz="914400" rtl="0" eaLnBrk="1" latinLnBrk="0" hangingPunct="1">
+              <a:lnSpc>
+                <a:spcPct val="90000"/>
+              </a:lnSpc>
+              <a:spcBef>
+                <a:spcPct val="0"/>
+              </a:spcBef>
+              <a:buNone/>
+              <a:defRPr sz="4400" kern="1200">
+                <a:solidFill>
+                  <a:schemeClr val="tx1"/>
+                </a:solidFill>
+                <a:latin typeface="+mj-lt"/>
+                <a:ea typeface="+mj-ea"/>
+                <a:cs typeface="+mj-cs"/>
+              </a:defRPr>
+            </a:lvl1pPr>
+          </a:lstStyle>
+          <a:p>
+            <a:pPr algn="ctr">
+              <a:spcAft>
+                <a:spcPts val="600"/>
+              </a:spcAft>
+            </a:pPr>
+            <a:r>
+              <a:rPr lang="fr-FR" sz="6000" b="1" dirty="0"/>
+              <a:t>Diagramme de Gantt</a:t>
+            </a:r>
+            <a:endParaRPr lang="en-US" sz="6000" b="1" dirty="0"/>
+          </a:p>
+        </p:txBody>
+      </p:sp>
     </p:spTree>
     <p:extLst>
       <p:ext uri="{BB962C8B-B14F-4D97-AF65-F5344CB8AC3E}">
-        <p14:creationId xmlns:p14="http://schemas.microsoft.com/office/powerpoint/2010/main" val="3626107938"/>
+        <p14:creationId xmlns:p14="http://schemas.microsoft.com/office/powerpoint/2010/main" val="2387998976"/>
       </p:ext>
     </p:extLst>
   </p:cSld>
@@ -5475,12 +6792,48 @@
           <a:chExt cx="0" cy="0"/>
         </a:xfrm>
       </p:grpSpPr>
+      <p:pic>
+        <p:nvPicPr>
+          <p:cNvPr id="5" name="Image 4" descr="Une image contenant table, paire&#10;&#10;Description générée automatiquement">
+            <a:extLst>
+              <a:ext uri="{FF2B5EF4-FFF2-40B4-BE49-F238E27FC236}">
+                <a16:creationId xmlns:a16="http://schemas.microsoft.com/office/drawing/2014/main" id="{54EDA2C0-48CE-4DA2-890F-252AC8D48847}"/>
+              </a:ext>
+            </a:extLst>
+          </p:cNvPr>
+          <p:cNvPicPr>
+            <a:picLocks noChangeAspect="1"/>
+          </p:cNvPicPr>
+          <p:nvPr/>
+        </p:nvPicPr>
+        <p:blipFill rotWithShape="1">
+          <a:blip r:embed="rId2">
+            <a:alphaModFix amt="50000"/>
+            <a:extLst>
+              <a:ext uri="{28A0092B-C50C-407E-A947-70E740481C1C}">
+                <a14:useLocalDpi xmlns:a14="http://schemas.microsoft.com/office/drawing/2010/main" val="0"/>
+              </a:ext>
+            </a:extLst>
+          </a:blip>
+          <a:srcRect t="6250"/>
+          <a:stretch/>
+        </p:blipFill>
+        <p:spPr>
+          <a:xfrm>
+            <a:off x="20" y="1"/>
+            <a:ext cx="12191980" cy="6857999"/>
+          </a:xfrm>
+          <a:prstGeom prst="rect">
+            <a:avLst/>
+          </a:prstGeom>
+        </p:spPr>
+      </p:pic>
       <p:sp>
         <p:nvSpPr>
           <p:cNvPr id="2" name="Titre 1">
             <a:extLst>
               <a:ext uri="{FF2B5EF4-FFF2-40B4-BE49-F238E27FC236}">
-                <a16:creationId xmlns:a16="http://schemas.microsoft.com/office/drawing/2014/main" id="{DF612B1D-5567-4A97-95B9-F3C81010C1DF}"/>
+                <a16:creationId xmlns:a16="http://schemas.microsoft.com/office/drawing/2014/main" id="{3B0C423D-65A1-40D8-8751-302A287BBB8F}"/>
               </a:ext>
             </a:extLst>
           </p:cNvPr>
@@ -5501,8 +6854,561 @@
               <a:rPr lang="fr-FR" b="1" dirty="0">
                 <a:latin typeface="+mn-lt"/>
               </a:rPr>
-              <a:t>Mécanisme n°1 : </a:t>
-            </a:r>
+              <a:t>Mes tâches</a:t>
+            </a:r>
+          </a:p>
+        </p:txBody>
+      </p:sp>
+      <p:pic>
+        <p:nvPicPr>
+          <p:cNvPr id="4" name="Image 3">
+            <a:extLst>
+              <a:ext uri="{FF2B5EF4-FFF2-40B4-BE49-F238E27FC236}">
+                <a16:creationId xmlns:a16="http://schemas.microsoft.com/office/drawing/2014/main" id="{B7441BCA-F2F3-49D7-9D50-474CE98A3A2A}"/>
+              </a:ext>
+            </a:extLst>
+          </p:cNvPr>
+          <p:cNvPicPr/>
+          <p:nvPr/>
+        </p:nvPicPr>
+        <p:blipFill>
+          <a:blip r:embed="rId3">
+            <a:extLst>
+              <a:ext uri="{28A0092B-C50C-407E-A947-70E740481C1C}">
+                <a14:useLocalDpi xmlns:a14="http://schemas.microsoft.com/office/drawing/2010/main" val="0"/>
+              </a:ext>
+            </a:extLst>
+          </a:blip>
+          <a:stretch>
+            <a:fillRect/>
+          </a:stretch>
+        </p:blipFill>
+        <p:spPr>
+          <a:xfrm>
+            <a:off x="2543175" y="1690688"/>
+            <a:ext cx="7105650" cy="4595812"/>
+          </a:xfrm>
+          <a:prstGeom prst="rect">
+            <a:avLst/>
+          </a:prstGeom>
+        </p:spPr>
+      </p:pic>
+    </p:spTree>
+    <p:extLst>
+      <p:ext uri="{BB962C8B-B14F-4D97-AF65-F5344CB8AC3E}">
+        <p14:creationId xmlns:p14="http://schemas.microsoft.com/office/powerpoint/2010/main" val="3626107938"/>
+      </p:ext>
+    </p:extLst>
+  </p:cSld>
+  <p:clrMapOvr>
+    <a:masterClrMapping/>
+  </p:clrMapOvr>
+</p:sld>
+</file>
+
+<file path=ppt/slides/slide5.xml><?xml version="1.0" encoding="utf-8"?>
+<p:sld xmlns:a="http://schemas.openxmlformats.org/drawingml/2006/main" xmlns:r="http://schemas.openxmlformats.org/officeDocument/2006/relationships" xmlns:p="http://schemas.openxmlformats.org/presentationml/2006/main">
+  <p:cSld>
+    <p:spTree>
+      <p:nvGrpSpPr>
+        <p:cNvPr id="1" name=""/>
+        <p:cNvGrpSpPr/>
+        <p:nvPr/>
+      </p:nvGrpSpPr>
+      <p:grpSpPr>
+        <a:xfrm>
+          <a:off x="0" y="0"/>
+          <a:ext cx="0" cy="0"/>
+          <a:chOff x="0" y="0"/>
+          <a:chExt cx="0" cy="0"/>
+        </a:xfrm>
+      </p:grpSpPr>
+      <p:pic>
+        <p:nvPicPr>
+          <p:cNvPr id="7" name="Image 6" descr="Une image contenant table, paire&#10;&#10;Description générée automatiquement">
+            <a:extLst>
+              <a:ext uri="{FF2B5EF4-FFF2-40B4-BE49-F238E27FC236}">
+                <a16:creationId xmlns:a16="http://schemas.microsoft.com/office/drawing/2014/main" id="{E938644E-CF18-4D10-8122-4DEF1BE6F344}"/>
+              </a:ext>
+            </a:extLst>
+          </p:cNvPr>
+          <p:cNvPicPr>
+            <a:picLocks noChangeAspect="1"/>
+          </p:cNvPicPr>
+          <p:nvPr/>
+        </p:nvPicPr>
+        <p:blipFill rotWithShape="1">
+          <a:blip r:embed="rId2">
+            <a:alphaModFix amt="50000"/>
+            <a:extLst>
+              <a:ext uri="{28A0092B-C50C-407E-A947-70E740481C1C}">
+                <a14:useLocalDpi xmlns:a14="http://schemas.microsoft.com/office/drawing/2010/main" val="0"/>
+              </a:ext>
+            </a:extLst>
+          </a:blip>
+          <a:srcRect t="6250"/>
+          <a:stretch/>
+        </p:blipFill>
+        <p:spPr>
+          <a:xfrm>
+            <a:off x="20" y="1"/>
+            <a:ext cx="12191980" cy="6857999"/>
+          </a:xfrm>
+          <a:prstGeom prst="rect">
+            <a:avLst/>
+          </a:prstGeom>
+        </p:spPr>
+      </p:pic>
+      <p:sp>
+        <p:nvSpPr>
+          <p:cNvPr id="5" name="Titre 1">
+            <a:extLst>
+              <a:ext uri="{FF2B5EF4-FFF2-40B4-BE49-F238E27FC236}">
+                <a16:creationId xmlns:a16="http://schemas.microsoft.com/office/drawing/2014/main" id="{782BF964-5F41-42A4-99C2-DF15DED79371}"/>
+              </a:ext>
+            </a:extLst>
+          </p:cNvPr>
+          <p:cNvSpPr>
+            <a:spLocks noGrp="1"/>
+          </p:cNvSpPr>
+          <p:nvPr>
+            <p:ph type="title"/>
+          </p:nvPr>
+        </p:nvSpPr>
+        <p:spPr>
+          <a:xfrm>
+            <a:off x="838200" y="365125"/>
+            <a:ext cx="10515600" cy="1325563"/>
+          </a:xfrm>
+        </p:spPr>
+        <p:txBody>
+          <a:bodyPr/>
+          <a:lstStyle/>
+          <a:p>
+            <a:pPr algn="ctr"/>
+            <a:r>
+              <a:rPr lang="fr-FR" b="1" dirty="0">
+                <a:latin typeface="+mn-lt"/>
+              </a:rPr>
+              <a:t>Développement sur Arduino</a:t>
+            </a:r>
+          </a:p>
+        </p:txBody>
+      </p:sp>
+      <p:pic>
+        <p:nvPicPr>
+          <p:cNvPr id="6" name="Image 5">
+            <a:extLst>
+              <a:ext uri="{FF2B5EF4-FFF2-40B4-BE49-F238E27FC236}">
+                <a16:creationId xmlns:a16="http://schemas.microsoft.com/office/drawing/2014/main" id="{8F65B668-948E-466A-9201-A753825B6D74}"/>
+              </a:ext>
+            </a:extLst>
+          </p:cNvPr>
+          <p:cNvPicPr>
+            <a:picLocks noChangeAspect="1"/>
+          </p:cNvPicPr>
+          <p:nvPr/>
+        </p:nvPicPr>
+        <p:blipFill>
+          <a:blip r:embed="rId3"/>
+          <a:stretch>
+            <a:fillRect/>
+          </a:stretch>
+        </p:blipFill>
+        <p:spPr>
+          <a:xfrm>
+            <a:off x="1833113" y="2695178"/>
+            <a:ext cx="8525773" cy="1467643"/>
+          </a:xfrm>
+          <a:prstGeom prst="rect">
+            <a:avLst/>
+          </a:prstGeom>
+        </p:spPr>
+      </p:pic>
+    </p:spTree>
+    <p:extLst>
+      <p:ext uri="{BB962C8B-B14F-4D97-AF65-F5344CB8AC3E}">
+        <p14:creationId xmlns:p14="http://schemas.microsoft.com/office/powerpoint/2010/main" val="1657409770"/>
+      </p:ext>
+    </p:extLst>
+  </p:cSld>
+  <p:clrMapOvr>
+    <a:masterClrMapping/>
+  </p:clrMapOvr>
+</p:sld>
+</file>
+
+<file path=ppt/slides/slide6.xml><?xml version="1.0" encoding="utf-8"?>
+<p:sld xmlns:a="http://schemas.openxmlformats.org/drawingml/2006/main" xmlns:r="http://schemas.openxmlformats.org/officeDocument/2006/relationships" xmlns:p="http://schemas.openxmlformats.org/presentationml/2006/main">
+  <p:cSld>
+    <p:spTree>
+      <p:nvGrpSpPr>
+        <p:cNvPr id="1" name=""/>
+        <p:cNvGrpSpPr/>
+        <p:nvPr/>
+      </p:nvGrpSpPr>
+      <p:grpSpPr>
+        <a:xfrm>
+          <a:off x="0" y="0"/>
+          <a:ext cx="0" cy="0"/>
+          <a:chOff x="0" y="0"/>
+          <a:chExt cx="0" cy="0"/>
+        </a:xfrm>
+      </p:grpSpPr>
+      <p:pic>
+        <p:nvPicPr>
+          <p:cNvPr id="11" name="Image 10" descr="Une image contenant table, paire&#10;&#10;Description générée automatiquement">
+            <a:extLst>
+              <a:ext uri="{FF2B5EF4-FFF2-40B4-BE49-F238E27FC236}">
+                <a16:creationId xmlns:a16="http://schemas.microsoft.com/office/drawing/2014/main" id="{2D11510A-402F-49FB-A1FB-790272910546}"/>
+              </a:ext>
+            </a:extLst>
+          </p:cNvPr>
+          <p:cNvPicPr>
+            <a:picLocks noChangeAspect="1"/>
+          </p:cNvPicPr>
+          <p:nvPr/>
+        </p:nvPicPr>
+        <p:blipFill rotWithShape="1">
+          <a:blip r:embed="rId2">
+            <a:alphaModFix amt="50000"/>
+            <a:extLst>
+              <a:ext uri="{28A0092B-C50C-407E-A947-70E740481C1C}">
+                <a14:useLocalDpi xmlns:a14="http://schemas.microsoft.com/office/drawing/2010/main" val="0"/>
+              </a:ext>
+            </a:extLst>
+          </a:blip>
+          <a:srcRect t="6250"/>
+          <a:stretch/>
+        </p:blipFill>
+        <p:spPr>
+          <a:xfrm>
+            <a:off x="20" y="1"/>
+            <a:ext cx="12191980" cy="6857999"/>
+          </a:xfrm>
+          <a:prstGeom prst="rect">
+            <a:avLst/>
+          </a:prstGeom>
+        </p:spPr>
+      </p:pic>
+      <p:sp>
+        <p:nvSpPr>
+          <p:cNvPr id="4" name="Titre 1">
+            <a:extLst>
+              <a:ext uri="{FF2B5EF4-FFF2-40B4-BE49-F238E27FC236}">
+                <a16:creationId xmlns:a16="http://schemas.microsoft.com/office/drawing/2014/main" id="{C9DA7725-D7E8-4BCC-9FDF-A34AF4C0A51D}"/>
+              </a:ext>
+            </a:extLst>
+          </p:cNvPr>
+          <p:cNvSpPr>
+            <a:spLocks noGrp="1"/>
+          </p:cNvSpPr>
+          <p:nvPr>
+            <p:ph type="title"/>
+          </p:nvPr>
+        </p:nvSpPr>
+        <p:spPr>
+          <a:xfrm>
+            <a:off x="897559" y="389990"/>
+            <a:ext cx="10396882" cy="1151965"/>
+          </a:xfrm>
+        </p:spPr>
+        <p:txBody>
+          <a:bodyPr/>
+          <a:lstStyle/>
+          <a:p>
+            <a:pPr algn="ctr"/>
+            <a:r>
+              <a:rPr lang="fr-FR" b="1" dirty="0">
+                <a:solidFill>
+                  <a:schemeClr val="tx1"/>
+                </a:solidFill>
+                <a:latin typeface="+mn-lt"/>
+              </a:rPr>
+              <a:t>Mécanisme n°1 : l’échiquier </a:t>
+            </a:r>
+          </a:p>
+        </p:txBody>
+      </p:sp>
+      <p:pic>
+        <p:nvPicPr>
+          <p:cNvPr id="7" name="Image 6">
+            <a:extLst>
+              <a:ext uri="{FF2B5EF4-FFF2-40B4-BE49-F238E27FC236}">
+                <a16:creationId xmlns:a16="http://schemas.microsoft.com/office/drawing/2014/main" id="{3E25E6BD-BD7B-42CD-85AA-8F3B8B632A89}"/>
+              </a:ext>
+            </a:extLst>
+          </p:cNvPr>
+          <p:cNvPicPr>
+            <a:picLocks noChangeAspect="1"/>
+          </p:cNvPicPr>
+          <p:nvPr/>
+        </p:nvPicPr>
+        <p:blipFill>
+          <a:blip r:embed="rId3"/>
+          <a:stretch>
+            <a:fillRect/>
+          </a:stretch>
+        </p:blipFill>
+        <p:spPr>
+          <a:xfrm>
+            <a:off x="6996113" y="1541953"/>
+            <a:ext cx="3381375" cy="2695575"/>
+          </a:xfrm>
+          <a:prstGeom prst="rect">
+            <a:avLst/>
+          </a:prstGeom>
+        </p:spPr>
+      </p:pic>
+      <p:pic>
+        <p:nvPicPr>
+          <p:cNvPr id="8" name="Image 7">
+            <a:extLst>
+              <a:ext uri="{FF2B5EF4-FFF2-40B4-BE49-F238E27FC236}">
+                <a16:creationId xmlns:a16="http://schemas.microsoft.com/office/drawing/2014/main" id="{0E8D0641-155D-42EE-AB58-DE3D48C7D642}"/>
+              </a:ext>
+            </a:extLst>
+          </p:cNvPr>
+          <p:cNvPicPr>
+            <a:picLocks noChangeAspect="1"/>
+          </p:cNvPicPr>
+          <p:nvPr/>
+        </p:nvPicPr>
+        <p:blipFill>
+          <a:blip r:embed="rId4"/>
+          <a:stretch>
+            <a:fillRect/>
+          </a:stretch>
+        </p:blipFill>
+        <p:spPr>
+          <a:xfrm>
+            <a:off x="8105258" y="4782647"/>
+            <a:ext cx="2272230" cy="1685363"/>
+          </a:xfrm>
+          <a:prstGeom prst="rect">
+            <a:avLst/>
+          </a:prstGeom>
+        </p:spPr>
+      </p:pic>
+      <p:pic>
+        <p:nvPicPr>
+          <p:cNvPr id="9" name="Image 8">
+            <a:extLst>
+              <a:ext uri="{FF2B5EF4-FFF2-40B4-BE49-F238E27FC236}">
+                <a16:creationId xmlns:a16="http://schemas.microsoft.com/office/drawing/2014/main" id="{DCC1F621-3787-4502-B2E6-FA7494709D1B}"/>
+              </a:ext>
+            </a:extLst>
+          </p:cNvPr>
+          <p:cNvPicPr>
+            <a:picLocks noChangeAspect="1"/>
+          </p:cNvPicPr>
+          <p:nvPr/>
+        </p:nvPicPr>
+        <p:blipFill>
+          <a:blip r:embed="rId5"/>
+          <a:stretch>
+            <a:fillRect/>
+          </a:stretch>
+        </p:blipFill>
+        <p:spPr>
+          <a:xfrm>
+            <a:off x="1814512" y="4634728"/>
+            <a:ext cx="5734050" cy="1981200"/>
+          </a:xfrm>
+          <a:prstGeom prst="rect">
+            <a:avLst/>
+          </a:prstGeom>
+        </p:spPr>
+      </p:pic>
+      <p:pic>
+        <p:nvPicPr>
+          <p:cNvPr id="10" name="Image 9">
+            <a:extLst>
+              <a:ext uri="{FF2B5EF4-FFF2-40B4-BE49-F238E27FC236}">
+                <a16:creationId xmlns:a16="http://schemas.microsoft.com/office/drawing/2014/main" id="{203CC351-552D-4FB9-89E3-DA88C189D539}"/>
+              </a:ext>
+            </a:extLst>
+          </p:cNvPr>
+          <p:cNvPicPr>
+            <a:picLocks noChangeAspect="1"/>
+          </p:cNvPicPr>
+          <p:nvPr/>
+        </p:nvPicPr>
+        <p:blipFill>
+          <a:blip r:embed="rId6"/>
+          <a:stretch>
+            <a:fillRect/>
+          </a:stretch>
+        </p:blipFill>
+        <p:spPr>
+          <a:xfrm>
+            <a:off x="1627499" y="1541953"/>
+            <a:ext cx="4638675" cy="2695574"/>
+          </a:xfrm>
+          <a:prstGeom prst="rect">
+            <a:avLst/>
+          </a:prstGeom>
+        </p:spPr>
+      </p:pic>
+    </p:spTree>
+    <p:extLst>
+      <p:ext uri="{BB962C8B-B14F-4D97-AF65-F5344CB8AC3E}">
+        <p14:creationId xmlns:p14="http://schemas.microsoft.com/office/powerpoint/2010/main" val="3952880323"/>
+      </p:ext>
+    </p:extLst>
+  </p:cSld>
+  <p:clrMapOvr>
+    <a:masterClrMapping/>
+  </p:clrMapOvr>
+</p:sld>
+</file>
+
+<file path=ppt/slides/slide7.xml><?xml version="1.0" encoding="utf-8"?>
+<p:sld xmlns:a="http://schemas.openxmlformats.org/drawingml/2006/main" xmlns:r="http://schemas.openxmlformats.org/officeDocument/2006/relationships" xmlns:p="http://schemas.openxmlformats.org/presentationml/2006/main">
+  <p:cSld>
+    <p:spTree>
+      <p:nvGrpSpPr>
+        <p:cNvPr id="1" name=""/>
+        <p:cNvGrpSpPr/>
+        <p:nvPr/>
+      </p:nvGrpSpPr>
+      <p:grpSpPr>
+        <a:xfrm>
+          <a:off x="0" y="0"/>
+          <a:ext cx="0" cy="0"/>
+          <a:chOff x="0" y="0"/>
+          <a:chExt cx="0" cy="0"/>
+        </a:xfrm>
+      </p:grpSpPr>
+      <p:pic>
+        <p:nvPicPr>
+          <p:cNvPr id="36" name="Image 35" descr="Une image contenant table, paire&#10;&#10;Description générée automatiquement">
+            <a:extLst>
+              <a:ext uri="{FF2B5EF4-FFF2-40B4-BE49-F238E27FC236}">
+                <a16:creationId xmlns:a16="http://schemas.microsoft.com/office/drawing/2014/main" id="{A156923A-8DF4-4078-94DF-E315267FCF0F}"/>
+              </a:ext>
+            </a:extLst>
+          </p:cNvPr>
+          <p:cNvPicPr>
+            <a:picLocks noChangeAspect="1"/>
+          </p:cNvPicPr>
+          <p:nvPr/>
+        </p:nvPicPr>
+        <p:blipFill rotWithShape="1">
+          <a:blip r:embed="rId2">
+            <a:alphaModFix amt="50000"/>
+            <a:extLst>
+              <a:ext uri="{28A0092B-C50C-407E-A947-70E740481C1C}">
+                <a14:useLocalDpi xmlns:a14="http://schemas.microsoft.com/office/drawing/2010/main" val="0"/>
+              </a:ext>
+            </a:extLst>
+          </a:blip>
+          <a:srcRect t="6250"/>
+          <a:stretch/>
+        </p:blipFill>
+        <p:spPr>
+          <a:xfrm>
+            <a:off x="20" y="1"/>
+            <a:ext cx="12191980" cy="6857999"/>
+          </a:xfrm>
+          <a:prstGeom prst="rect">
+            <a:avLst/>
+          </a:prstGeom>
+        </p:spPr>
+      </p:pic>
+      <p:pic>
+        <p:nvPicPr>
+          <p:cNvPr id="4" name="Image 3">
+            <a:extLst>
+              <a:ext uri="{FF2B5EF4-FFF2-40B4-BE49-F238E27FC236}">
+                <a16:creationId xmlns:a16="http://schemas.microsoft.com/office/drawing/2014/main" id="{6805F5BA-C8D9-42B8-9C92-898C42B99EC9}"/>
+              </a:ext>
+            </a:extLst>
+          </p:cNvPr>
+          <p:cNvPicPr>
+            <a:picLocks noChangeAspect="1"/>
+          </p:cNvPicPr>
+          <p:nvPr/>
+        </p:nvPicPr>
+        <p:blipFill>
+          <a:blip r:embed="rId3">
+            <a:extLst>
+              <a:ext uri="{28A0092B-C50C-407E-A947-70E740481C1C}">
+                <a14:useLocalDpi xmlns:a14="http://schemas.microsoft.com/office/drawing/2010/main" val="0"/>
+              </a:ext>
+            </a:extLst>
+          </a:blip>
+          <a:stretch>
+            <a:fillRect/>
+          </a:stretch>
+        </p:blipFill>
+        <p:spPr>
+          <a:xfrm>
+            <a:off x="1595496" y="1704733"/>
+            <a:ext cx="9001008" cy="4763277"/>
+          </a:xfrm>
+          <a:prstGeom prst="rect">
+            <a:avLst/>
+          </a:prstGeom>
+        </p:spPr>
+      </p:pic>
+      <p:sp>
+        <p:nvSpPr>
+          <p:cNvPr id="33" name="Titre 1">
+            <a:extLst>
+              <a:ext uri="{FF2B5EF4-FFF2-40B4-BE49-F238E27FC236}">
+                <a16:creationId xmlns:a16="http://schemas.microsoft.com/office/drawing/2014/main" id="{D7D47A08-2BF9-44C3-9F77-2D2D4A0332FD}"/>
+              </a:ext>
+            </a:extLst>
+          </p:cNvPr>
+          <p:cNvSpPr txBox="1">
+            <a:spLocks/>
+          </p:cNvSpPr>
+          <p:nvPr/>
+        </p:nvSpPr>
+        <p:spPr>
+          <a:xfrm>
+            <a:off x="897559" y="389990"/>
+            <a:ext cx="10396882" cy="1151965"/>
+          </a:xfrm>
+          <a:prstGeom prst="rect">
+            <a:avLst/>
+          </a:prstGeom>
+        </p:spPr>
+        <p:txBody>
+          <a:bodyPr vert="horz" lIns="91440" tIns="45720" rIns="91440" bIns="45720" rtlCol="0" anchor="ctr">
+            <a:normAutofit/>
+          </a:bodyPr>
+          <a:lstStyle>
+            <a:lvl1pPr algn="l" defTabSz="914400" rtl="0" eaLnBrk="1" latinLnBrk="0" hangingPunct="1">
+              <a:lnSpc>
+                <a:spcPct val="90000"/>
+              </a:lnSpc>
+              <a:spcBef>
+                <a:spcPct val="0"/>
+              </a:spcBef>
+              <a:buNone/>
+              <a:defRPr sz="4400" kern="1200">
+                <a:solidFill>
+                  <a:schemeClr val="tx1"/>
+                </a:solidFill>
+                <a:latin typeface="+mj-lt"/>
+                <a:ea typeface="+mj-ea"/>
+                <a:cs typeface="+mj-cs"/>
+              </a:defRPr>
+            </a:lvl1pPr>
+          </a:lstStyle>
+          <a:p>
+            <a:pPr algn="ctr"/>
+            <a:r>
+              <a:rPr lang="fr-FR" b="1">
+                <a:latin typeface="+mn-lt"/>
+              </a:rPr>
+              <a:t>Mécanisme n°1 : l’échiquier </a:t>
+            </a:r>
+            <a:endParaRPr lang="fr-FR" b="1" dirty="0">
+              <a:latin typeface="+mn-lt"/>
+            </a:endParaRPr>
           </a:p>
         </p:txBody>
       </p:sp>
@@ -5510,6 +7416,342 @@
     <p:extLst>
       <p:ext uri="{BB962C8B-B14F-4D97-AF65-F5344CB8AC3E}">
         <p14:creationId xmlns:p14="http://schemas.microsoft.com/office/powerpoint/2010/main" val="2394584400"/>
+      </p:ext>
+    </p:extLst>
+  </p:cSld>
+  <p:clrMapOvr>
+    <a:masterClrMapping/>
+  </p:clrMapOvr>
+</p:sld>
+</file>
+
+<file path=ppt/slides/slide8.xml><?xml version="1.0" encoding="utf-8"?>
+<p:sld xmlns:a="http://schemas.openxmlformats.org/drawingml/2006/main" xmlns:r="http://schemas.openxmlformats.org/officeDocument/2006/relationships" xmlns:p="http://schemas.openxmlformats.org/presentationml/2006/main">
+  <p:cSld>
+    <p:spTree>
+      <p:nvGrpSpPr>
+        <p:cNvPr id="1" name=""/>
+        <p:cNvGrpSpPr/>
+        <p:nvPr/>
+      </p:nvGrpSpPr>
+      <p:grpSpPr>
+        <a:xfrm>
+          <a:off x="0" y="0"/>
+          <a:ext cx="0" cy="0"/>
+          <a:chOff x="0" y="0"/>
+          <a:chExt cx="0" cy="0"/>
+        </a:xfrm>
+      </p:grpSpPr>
+      <p:pic>
+        <p:nvPicPr>
+          <p:cNvPr id="10" name="Image 9" descr="Une image contenant table, paire&#10;&#10;Description générée automatiquement">
+            <a:extLst>
+              <a:ext uri="{FF2B5EF4-FFF2-40B4-BE49-F238E27FC236}">
+                <a16:creationId xmlns:a16="http://schemas.microsoft.com/office/drawing/2014/main" id="{31C4281F-D622-418C-8D75-07D5069F2E30}"/>
+              </a:ext>
+            </a:extLst>
+          </p:cNvPr>
+          <p:cNvPicPr>
+            <a:picLocks noChangeAspect="1"/>
+          </p:cNvPicPr>
+          <p:nvPr/>
+        </p:nvPicPr>
+        <p:blipFill rotWithShape="1">
+          <a:blip r:embed="rId2">
+            <a:alphaModFix amt="50000"/>
+            <a:extLst>
+              <a:ext uri="{28A0092B-C50C-407E-A947-70E740481C1C}">
+                <a14:useLocalDpi xmlns:a14="http://schemas.microsoft.com/office/drawing/2010/main" val="0"/>
+              </a:ext>
+            </a:extLst>
+          </a:blip>
+          <a:srcRect t="6250"/>
+          <a:stretch/>
+        </p:blipFill>
+        <p:spPr>
+          <a:xfrm>
+            <a:off x="20" y="1"/>
+            <a:ext cx="12191980" cy="6857999"/>
+          </a:xfrm>
+          <a:prstGeom prst="rect">
+            <a:avLst/>
+          </a:prstGeom>
+        </p:spPr>
+      </p:pic>
+      <p:sp>
+        <p:nvSpPr>
+          <p:cNvPr id="4" name="Titre 1">
+            <a:extLst>
+              <a:ext uri="{FF2B5EF4-FFF2-40B4-BE49-F238E27FC236}">
+                <a16:creationId xmlns:a16="http://schemas.microsoft.com/office/drawing/2014/main" id="{C9DA7725-D7E8-4BCC-9FDF-A34AF4C0A51D}"/>
+              </a:ext>
+            </a:extLst>
+          </p:cNvPr>
+          <p:cNvSpPr>
+            <a:spLocks noGrp="1"/>
+          </p:cNvSpPr>
+          <p:nvPr>
+            <p:ph type="title"/>
+          </p:nvPr>
+        </p:nvSpPr>
+        <p:spPr>
+          <a:xfrm>
+            <a:off x="897559" y="389990"/>
+            <a:ext cx="10396882" cy="1151965"/>
+          </a:xfrm>
+        </p:spPr>
+        <p:txBody>
+          <a:bodyPr/>
+          <a:lstStyle/>
+          <a:p>
+            <a:pPr algn="ctr"/>
+            <a:r>
+              <a:rPr lang="fr-FR" b="1" dirty="0">
+                <a:solidFill>
+                  <a:schemeClr val="tx1"/>
+                </a:solidFill>
+                <a:latin typeface="+mn-lt"/>
+              </a:rPr>
+              <a:t>Mécanisme n°2 : Le lion basculant </a:t>
+            </a:r>
+          </a:p>
+        </p:txBody>
+      </p:sp>
+      <p:pic>
+        <p:nvPicPr>
+          <p:cNvPr id="2" name="Image 1">
+            <a:extLst>
+              <a:ext uri="{FF2B5EF4-FFF2-40B4-BE49-F238E27FC236}">
+                <a16:creationId xmlns:a16="http://schemas.microsoft.com/office/drawing/2014/main" id="{2C0D87F4-9306-4315-AE08-A32C8BFCE5E0}"/>
+              </a:ext>
+            </a:extLst>
+          </p:cNvPr>
+          <p:cNvPicPr>
+            <a:picLocks noChangeAspect="1"/>
+          </p:cNvPicPr>
+          <p:nvPr/>
+        </p:nvPicPr>
+        <p:blipFill>
+          <a:blip r:embed="rId3"/>
+          <a:stretch>
+            <a:fillRect/>
+          </a:stretch>
+        </p:blipFill>
+        <p:spPr>
+          <a:xfrm>
+            <a:off x="273050" y="4801135"/>
+            <a:ext cx="5638800" cy="1666875"/>
+          </a:xfrm>
+          <a:prstGeom prst="rect">
+            <a:avLst/>
+          </a:prstGeom>
+        </p:spPr>
+      </p:pic>
+      <p:pic>
+        <p:nvPicPr>
+          <p:cNvPr id="3" name="Image 2">
+            <a:extLst>
+              <a:ext uri="{FF2B5EF4-FFF2-40B4-BE49-F238E27FC236}">
+                <a16:creationId xmlns:a16="http://schemas.microsoft.com/office/drawing/2014/main" id="{87152FC5-D673-4661-8823-2AE5BE521D63}"/>
+              </a:ext>
+            </a:extLst>
+          </p:cNvPr>
+          <p:cNvPicPr>
+            <a:picLocks noChangeAspect="1"/>
+          </p:cNvPicPr>
+          <p:nvPr/>
+        </p:nvPicPr>
+        <p:blipFill>
+          <a:blip r:embed="rId4"/>
+          <a:stretch>
+            <a:fillRect/>
+          </a:stretch>
+        </p:blipFill>
+        <p:spPr>
+          <a:xfrm>
+            <a:off x="5911850" y="4677310"/>
+            <a:ext cx="6184900" cy="1790700"/>
+          </a:xfrm>
+          <a:prstGeom prst="rect">
+            <a:avLst/>
+          </a:prstGeom>
+        </p:spPr>
+      </p:pic>
+      <p:pic>
+        <p:nvPicPr>
+          <p:cNvPr id="5" name="Image 4">
+            <a:extLst>
+              <a:ext uri="{FF2B5EF4-FFF2-40B4-BE49-F238E27FC236}">
+                <a16:creationId xmlns:a16="http://schemas.microsoft.com/office/drawing/2014/main" id="{7FF68BC6-D6EF-487B-A099-123BD8719E93}"/>
+              </a:ext>
+            </a:extLst>
+          </p:cNvPr>
+          <p:cNvPicPr>
+            <a:picLocks noChangeAspect="1"/>
+          </p:cNvPicPr>
+          <p:nvPr/>
+        </p:nvPicPr>
+        <p:blipFill>
+          <a:blip r:embed="rId5"/>
+          <a:stretch>
+            <a:fillRect/>
+          </a:stretch>
+        </p:blipFill>
+        <p:spPr>
+          <a:xfrm>
+            <a:off x="3776662" y="1665780"/>
+            <a:ext cx="4638675" cy="2457450"/>
+          </a:xfrm>
+          <a:prstGeom prst="rect">
+            <a:avLst/>
+          </a:prstGeom>
+        </p:spPr>
+      </p:pic>
+    </p:spTree>
+    <p:extLst>
+      <p:ext uri="{BB962C8B-B14F-4D97-AF65-F5344CB8AC3E}">
+        <p14:creationId xmlns:p14="http://schemas.microsoft.com/office/powerpoint/2010/main" val="1226980342"/>
+      </p:ext>
+    </p:extLst>
+  </p:cSld>
+  <p:clrMapOvr>
+    <a:masterClrMapping/>
+  </p:clrMapOvr>
+</p:sld>
+</file>
+
+<file path=ppt/slides/slide9.xml><?xml version="1.0" encoding="utf-8"?>
+<p:sld xmlns:a="http://schemas.openxmlformats.org/drawingml/2006/main" xmlns:r="http://schemas.openxmlformats.org/officeDocument/2006/relationships" xmlns:p="http://schemas.openxmlformats.org/presentationml/2006/main">
+  <p:cSld>
+    <p:spTree>
+      <p:nvGrpSpPr>
+        <p:cNvPr id="1" name=""/>
+        <p:cNvGrpSpPr/>
+        <p:nvPr/>
+      </p:nvGrpSpPr>
+      <p:grpSpPr>
+        <a:xfrm>
+          <a:off x="0" y="0"/>
+          <a:ext cx="0" cy="0"/>
+          <a:chOff x="0" y="0"/>
+          <a:chExt cx="0" cy="0"/>
+        </a:xfrm>
+      </p:grpSpPr>
+      <p:pic>
+        <p:nvPicPr>
+          <p:cNvPr id="8" name="Image 7" descr="Une image contenant table, paire&#10;&#10;Description générée automatiquement">
+            <a:extLst>
+              <a:ext uri="{FF2B5EF4-FFF2-40B4-BE49-F238E27FC236}">
+                <a16:creationId xmlns:a16="http://schemas.microsoft.com/office/drawing/2014/main" id="{285DFC8B-EF09-4C38-8A7C-512706C86447}"/>
+              </a:ext>
+            </a:extLst>
+          </p:cNvPr>
+          <p:cNvPicPr>
+            <a:picLocks noChangeAspect="1"/>
+          </p:cNvPicPr>
+          <p:nvPr/>
+        </p:nvPicPr>
+        <p:blipFill rotWithShape="1">
+          <a:blip r:embed="rId2">
+            <a:alphaModFix amt="50000"/>
+            <a:extLst>
+              <a:ext uri="{28A0092B-C50C-407E-A947-70E740481C1C}">
+                <a14:useLocalDpi xmlns:a14="http://schemas.microsoft.com/office/drawing/2010/main" val="0"/>
+              </a:ext>
+            </a:extLst>
+          </a:blip>
+          <a:srcRect t="6250"/>
+          <a:stretch/>
+        </p:blipFill>
+        <p:spPr>
+          <a:xfrm>
+            <a:off x="20" y="1"/>
+            <a:ext cx="12191980" cy="6857999"/>
+          </a:xfrm>
+          <a:prstGeom prst="rect">
+            <a:avLst/>
+          </a:prstGeom>
+        </p:spPr>
+      </p:pic>
+      <p:pic>
+        <p:nvPicPr>
+          <p:cNvPr id="5" name="Image 4" descr="Une image contenant texte, carte&#10;&#10;Description générée automatiquement">
+            <a:extLst>
+              <a:ext uri="{FF2B5EF4-FFF2-40B4-BE49-F238E27FC236}">
+                <a16:creationId xmlns:a16="http://schemas.microsoft.com/office/drawing/2014/main" id="{04AB712E-CAB8-4919-9D2F-9861540EB976}"/>
+              </a:ext>
+            </a:extLst>
+          </p:cNvPr>
+          <p:cNvPicPr>
+            <a:picLocks noChangeAspect="1"/>
+          </p:cNvPicPr>
+          <p:nvPr/>
+        </p:nvPicPr>
+        <p:blipFill>
+          <a:blip r:embed="rId3">
+            <a:extLst>
+              <a:ext uri="{28A0092B-C50C-407E-A947-70E740481C1C}">
+                <a14:useLocalDpi xmlns:a14="http://schemas.microsoft.com/office/drawing/2010/main" val="0"/>
+              </a:ext>
+            </a:extLst>
+          </a:blip>
+          <a:stretch>
+            <a:fillRect/>
+          </a:stretch>
+        </p:blipFill>
+        <p:spPr>
+          <a:xfrm>
+            <a:off x="2616490" y="1541955"/>
+            <a:ext cx="6959019" cy="5189045"/>
+          </a:xfrm>
+          <a:prstGeom prst="rect">
+            <a:avLst/>
+          </a:prstGeom>
+        </p:spPr>
+      </p:pic>
+      <p:sp>
+        <p:nvSpPr>
+          <p:cNvPr id="7" name="Titre 1">
+            <a:extLst>
+              <a:ext uri="{FF2B5EF4-FFF2-40B4-BE49-F238E27FC236}">
+                <a16:creationId xmlns:a16="http://schemas.microsoft.com/office/drawing/2014/main" id="{B99C25B3-D467-4A98-8DB5-F956F5749BEE}"/>
+              </a:ext>
+            </a:extLst>
+          </p:cNvPr>
+          <p:cNvSpPr>
+            <a:spLocks noGrp="1"/>
+          </p:cNvSpPr>
+          <p:nvPr>
+            <p:ph type="title"/>
+          </p:nvPr>
+        </p:nvSpPr>
+        <p:spPr>
+          <a:xfrm>
+            <a:off x="897559" y="389990"/>
+            <a:ext cx="10396882" cy="1151965"/>
+          </a:xfrm>
+        </p:spPr>
+        <p:txBody>
+          <a:bodyPr/>
+          <a:lstStyle/>
+          <a:p>
+            <a:pPr algn="ctr"/>
+            <a:r>
+              <a:rPr lang="fr-FR" b="1" dirty="0">
+                <a:solidFill>
+                  <a:schemeClr val="tx1"/>
+                </a:solidFill>
+                <a:latin typeface="+mn-lt"/>
+              </a:rPr>
+              <a:t>Mécanisme n°2 : Le lion basculant </a:t>
+            </a:r>
+          </a:p>
+        </p:txBody>
+      </p:sp>
+    </p:spTree>
+    <p:extLst>
+      <p:ext uri="{BB962C8B-B14F-4D97-AF65-F5344CB8AC3E}">
+        <p14:creationId xmlns:p14="http://schemas.microsoft.com/office/powerpoint/2010/main" val="2536681500"/>
       </p:ext>
     </p:extLst>
   </p:cSld>

--- a/Etudiants/Joshua/PremièreRevueDeProjet.pptx
+++ b/Etudiants/Joshua/PremièreRevueDeProjet.pptx
@@ -5,20 +5,21 @@
     <p:sldMasterId id="2147483679" r:id="rId1"/>
   </p:sldMasterIdLst>
   <p:sldIdLst>
-    <p:sldId id="257" r:id="rId2"/>
-    <p:sldId id="261" r:id="rId3"/>
-    <p:sldId id="272" r:id="rId4"/>
-    <p:sldId id="258" r:id="rId5"/>
-    <p:sldId id="268" r:id="rId6"/>
-    <p:sldId id="260" r:id="rId7"/>
-    <p:sldId id="259" r:id="rId8"/>
-    <p:sldId id="263" r:id="rId9"/>
-    <p:sldId id="262" r:id="rId10"/>
-    <p:sldId id="265" r:id="rId11"/>
-    <p:sldId id="264" r:id="rId12"/>
-    <p:sldId id="267" r:id="rId13"/>
-    <p:sldId id="269" r:id="rId14"/>
-    <p:sldId id="270" r:id="rId15"/>
+    <p:sldId id="273" r:id="rId2"/>
+    <p:sldId id="257" r:id="rId3"/>
+    <p:sldId id="261" r:id="rId4"/>
+    <p:sldId id="272" r:id="rId5"/>
+    <p:sldId id="258" r:id="rId6"/>
+    <p:sldId id="268" r:id="rId7"/>
+    <p:sldId id="260" r:id="rId8"/>
+    <p:sldId id="259" r:id="rId9"/>
+    <p:sldId id="263" r:id="rId10"/>
+    <p:sldId id="262" r:id="rId11"/>
+    <p:sldId id="265" r:id="rId12"/>
+    <p:sldId id="264" r:id="rId13"/>
+    <p:sldId id="267" r:id="rId14"/>
+    <p:sldId id="269" r:id="rId15"/>
+    <p:sldId id="270" r:id="rId16"/>
   </p:sldIdLst>
   <p:sldSz cx="12192000" cy="6858000"/>
   <p:notesSz cx="6858000" cy="9144000"/>
@@ -3341,10 +3342,10 @@
       </p:grpSpPr>
       <p:pic>
         <p:nvPicPr>
-          <p:cNvPr id="35" name="Image 34" descr="Une image contenant table, paire&#10;&#10;Description générée automatiquement">
-            <a:extLst>
-              <a:ext uri="{FF2B5EF4-FFF2-40B4-BE49-F238E27FC236}">
-                <a16:creationId xmlns:a16="http://schemas.microsoft.com/office/drawing/2014/main" id="{E5E46CAE-0FFE-4661-9FB2-F6BD0D4AF85F}"/>
+          <p:cNvPr id="5" name="Image 4" descr="Une image contenant table, paire&#10;&#10;Description générée automatiquement">
+            <a:extLst>
+              <a:ext uri="{FF2B5EF4-FFF2-40B4-BE49-F238E27FC236}">
+                <a16:creationId xmlns:a16="http://schemas.microsoft.com/office/drawing/2014/main" id="{0B40B6F2-5E85-4AEC-9AA6-FBD9476A5BCF}"/>
               </a:ext>
             </a:extLst>
           </p:cNvPr>
@@ -3355,20 +3356,20 @@
         </p:nvPicPr>
         <p:blipFill rotWithShape="1">
           <a:blip r:embed="rId2">
-            <a:alphaModFix amt="50000"/>
+            <a:alphaModFix amt="35000"/>
             <a:extLst>
               <a:ext uri="{28A0092B-C50C-407E-A947-70E740481C1C}">
                 <a14:useLocalDpi xmlns:a14="http://schemas.microsoft.com/office/drawing/2010/main" val="0"/>
               </a:ext>
             </a:extLst>
           </a:blip>
-          <a:srcRect t="6250"/>
+          <a:srcRect t="6278"/>
           <a:stretch/>
         </p:blipFill>
         <p:spPr>
           <a:xfrm>
-            <a:off x="20" y="1"/>
-            <a:ext cx="12191980" cy="6857999"/>
+            <a:off x="-1" y="-30"/>
+            <a:ext cx="12192000" cy="6855958"/>
           </a:xfrm>
           <a:prstGeom prst="rect">
             <a:avLst/>
@@ -3377,59 +3378,244 @@
       </p:pic>
       <p:sp>
         <p:nvSpPr>
-          <p:cNvPr id="2" name="Titre 1">
-            <a:extLst>
-              <a:ext uri="{FF2B5EF4-FFF2-40B4-BE49-F238E27FC236}">
-                <a16:creationId xmlns:a16="http://schemas.microsoft.com/office/drawing/2014/main" id="{29D64549-C194-456E-AFBD-DDFEA9F742B9}"/>
-              </a:ext>
-            </a:extLst>
-          </p:cNvPr>
-          <p:cNvSpPr>
-            <a:spLocks noGrp="1"/>
-          </p:cNvSpPr>
-          <p:nvPr>
-            <p:ph type="title"/>
-          </p:nvPr>
-        </p:nvSpPr>
-        <p:spPr>
-          <a:xfrm>
-            <a:off x="838199" y="148442"/>
-            <a:ext cx="10515600" cy="1325563"/>
-          </a:xfrm>
-        </p:spPr>
-        <p:txBody>
-          <a:bodyPr>
+          <p:cNvPr id="6" name="Rectangle 5">
+            <a:extLst>
+              <a:ext uri="{FF2B5EF4-FFF2-40B4-BE49-F238E27FC236}">
+                <a16:creationId xmlns:a16="http://schemas.microsoft.com/office/drawing/2014/main" id="{F3B50C9F-D1DD-4FE1-86A7-5BD7379FDB93}"/>
+              </a:ext>
+            </a:extLst>
+          </p:cNvPr>
+          <p:cNvSpPr/>
+          <p:nvPr/>
+        </p:nvSpPr>
+        <p:spPr>
+          <a:xfrm>
+            <a:off x="674137" y="2663249"/>
+            <a:ext cx="4672811" cy="2076333"/>
+          </a:xfrm>
+          <a:prstGeom prst="rect">
+            <a:avLst/>
+          </a:prstGeom>
+        </p:spPr>
+        <p:txBody>
+          <a:bodyPr vert="horz" lIns="91440" tIns="45720" rIns="91440" bIns="45720" rtlCol="0" anchor="t">
             <a:normAutofit/>
           </a:bodyPr>
           <a:lstStyle/>
           <a:p>
-            <a:pPr algn="ctr"/>
-            <a:r>
-              <a:rPr lang="fr-FR" b="1" dirty="0">
-                <a:latin typeface="+mn-lt"/>
+            <a:pPr>
+              <a:lnSpc>
+                <a:spcPct val="90000"/>
+              </a:lnSpc>
+              <a:spcBef>
+                <a:spcPct val="0"/>
+              </a:spcBef>
+              <a:spcAft>
+                <a:spcPts val="600"/>
+              </a:spcAft>
+            </a:pPr>
+            <a:r>
+              <a:rPr lang="en-US" sz="4800" b="1" kern="1200" dirty="0">
+                <a:solidFill>
+                  <a:schemeClr val="tx1"/>
+                </a:solidFill>
+                <a:latin typeface="+mj-lt"/>
+                <a:ea typeface="+mj-ea"/>
+                <a:cs typeface="+mj-cs"/>
               </a:rPr>
-              <a:t>Introduction</a:t>
-            </a:r>
-            <a:endParaRPr lang="fr-FR" sz="3600" b="1" dirty="0">
-              <a:latin typeface="+mn-lt"/>
+              <a:t>Système Escape Game 13</a:t>
+            </a:r>
+            <a:r>
+              <a:rPr lang="en-US" sz="4800" b="1" kern="1200" baseline="30000" dirty="0">
+                <a:solidFill>
+                  <a:schemeClr val="tx1"/>
+                </a:solidFill>
+                <a:latin typeface="+mj-lt"/>
+                <a:ea typeface="+mj-ea"/>
+                <a:cs typeface="+mj-cs"/>
+              </a:rPr>
+              <a:t>ème</a:t>
+            </a:r>
+            <a:r>
+              <a:rPr lang="en-US" sz="4800" b="1" kern="1200" dirty="0">
+                <a:solidFill>
+                  <a:schemeClr val="tx1"/>
+                </a:solidFill>
+                <a:latin typeface="+mj-lt"/>
+                <a:ea typeface="+mj-ea"/>
+                <a:cs typeface="+mj-cs"/>
+              </a:rPr>
+              <a:t> Porte</a:t>
+            </a:r>
+            <a:endParaRPr lang="en-US" sz="4800" kern="1200" dirty="0">
+              <a:solidFill>
+                <a:schemeClr val="tx1"/>
+              </a:solidFill>
+              <a:latin typeface="+mj-lt"/>
+              <a:ea typeface="+mj-ea"/>
+              <a:cs typeface="+mj-cs"/>
             </a:endParaRPr>
           </a:p>
         </p:txBody>
       </p:sp>
       <p:pic>
         <p:nvPicPr>
-          <p:cNvPr id="3" name="Image 2">
-            <a:extLst>
-              <a:ext uri="{FF2B5EF4-FFF2-40B4-BE49-F238E27FC236}">
-                <a16:creationId xmlns:a16="http://schemas.microsoft.com/office/drawing/2014/main" id="{F326434F-0C29-4B78-86B1-77260A8911E4}"/>
-              </a:ext>
-            </a:extLst>
-          </p:cNvPr>
-          <p:cNvPicPr/>
+          <p:cNvPr id="14" name="Image 13">
+            <a:extLst>
+              <a:ext uri="{FF2B5EF4-FFF2-40B4-BE49-F238E27FC236}">
+                <a16:creationId xmlns:a16="http://schemas.microsoft.com/office/drawing/2014/main" id="{637317B2-FEF3-4D03-BDF9-7C3592E48DF1}"/>
+              </a:ext>
+            </a:extLst>
+          </p:cNvPr>
+          <p:cNvPicPr>
+            <a:picLocks noChangeAspect="1"/>
+          </p:cNvPicPr>
           <p:nvPr/>
         </p:nvPicPr>
         <p:blipFill>
           <a:blip r:embed="rId3">
+            <a:extLst>
+              <a:ext uri="{28A0092B-C50C-407E-A947-70E740481C1C}">
+                <a14:useLocalDpi xmlns:a14="http://schemas.microsoft.com/office/drawing/2010/main" val="0"/>
+              </a:ext>
+            </a:extLst>
+          </a:blip>
+          <a:srcRect/>
+          <a:stretch/>
+        </p:blipFill>
+        <p:spPr>
+          <a:xfrm>
+            <a:off x="6095999" y="687086"/>
+            <a:ext cx="6170914" cy="6170914"/>
+          </a:xfrm>
+          <a:custGeom>
+            <a:avLst/>
+            <a:gdLst>
+              <a:gd name="connsiteX0" fmla="*/ 3397813 w 6170914"/>
+              <a:gd name="connsiteY0" fmla="*/ 0 h 6313225"/>
+              <a:gd name="connsiteX1" fmla="*/ 6019731 w 6170914"/>
+              <a:gd name="connsiteY1" fmla="*/ 1236489 h 6313225"/>
+              <a:gd name="connsiteX2" fmla="*/ 6170914 w 6170914"/>
+              <a:gd name="connsiteY2" fmla="*/ 1438663 h 6313225"/>
+              <a:gd name="connsiteX3" fmla="*/ 6170914 w 6170914"/>
+              <a:gd name="connsiteY3" fmla="*/ 5356963 h 6313225"/>
+              <a:gd name="connsiteX4" fmla="*/ 6019731 w 6170914"/>
+              <a:gd name="connsiteY4" fmla="*/ 5559138 h 6313225"/>
+              <a:gd name="connsiteX5" fmla="*/ 5194591 w 6170914"/>
+              <a:gd name="connsiteY5" fmla="*/ 6282226 h 6313225"/>
+              <a:gd name="connsiteX6" fmla="*/ 5141791 w 6170914"/>
+              <a:gd name="connsiteY6" fmla="*/ 6313225 h 6313225"/>
+              <a:gd name="connsiteX7" fmla="*/ 1659199 w 6170914"/>
+              <a:gd name="connsiteY7" fmla="*/ 6313225 h 6313225"/>
+              <a:gd name="connsiteX8" fmla="*/ 1498064 w 6170914"/>
+              <a:gd name="connsiteY8" fmla="*/ 6215333 h 6313225"/>
+              <a:gd name="connsiteX9" fmla="*/ 0 w 6170914"/>
+              <a:gd name="connsiteY9" fmla="*/ 3397813 h 6313225"/>
+              <a:gd name="connsiteX10" fmla="*/ 3397813 w 6170914"/>
+              <a:gd name="connsiteY10" fmla="*/ 0 h 6313225"/>
+            </a:gdLst>
+            <a:ahLst/>
+            <a:cxnLst>
+              <a:cxn ang="0">
+                <a:pos x="connsiteX0" y="connsiteY0"/>
+              </a:cxn>
+              <a:cxn ang="0">
+                <a:pos x="connsiteX1" y="connsiteY1"/>
+              </a:cxn>
+              <a:cxn ang="0">
+                <a:pos x="connsiteX2" y="connsiteY2"/>
+              </a:cxn>
+              <a:cxn ang="0">
+                <a:pos x="connsiteX3" y="connsiteY3"/>
+              </a:cxn>
+              <a:cxn ang="0">
+                <a:pos x="connsiteX4" y="connsiteY4"/>
+              </a:cxn>
+              <a:cxn ang="0">
+                <a:pos x="connsiteX5" y="connsiteY5"/>
+              </a:cxn>
+              <a:cxn ang="0">
+                <a:pos x="connsiteX6" y="connsiteY6"/>
+              </a:cxn>
+              <a:cxn ang="0">
+                <a:pos x="connsiteX7" y="connsiteY7"/>
+              </a:cxn>
+              <a:cxn ang="0">
+                <a:pos x="connsiteX8" y="connsiteY8"/>
+              </a:cxn>
+              <a:cxn ang="0">
+                <a:pos x="connsiteX9" y="connsiteY9"/>
+              </a:cxn>
+              <a:cxn ang="0">
+                <a:pos x="connsiteX10" y="connsiteY10"/>
+              </a:cxn>
+            </a:cxnLst>
+            <a:rect l="l" t="t" r="r" b="b"/>
+            <a:pathLst>
+              <a:path w="6170914" h="6313225">
+                <a:moveTo>
+                  <a:pt x="3397813" y="0"/>
+                </a:moveTo>
+                <a:cubicBezTo>
+                  <a:pt x="4453378" y="0"/>
+                  <a:pt x="5396522" y="481334"/>
+                  <a:pt x="6019731" y="1236489"/>
+                </a:cubicBezTo>
+                <a:lnTo>
+                  <a:pt x="6170914" y="1438663"/>
+                </a:lnTo>
+                <a:lnTo>
+                  <a:pt x="6170914" y="5356963"/>
+                </a:lnTo>
+                <a:lnTo>
+                  <a:pt x="6019731" y="5559138"/>
+                </a:lnTo>
+                <a:cubicBezTo>
+                  <a:pt x="5786028" y="5842321"/>
+                  <a:pt x="5507333" y="6086998"/>
+                  <a:pt x="5194591" y="6282226"/>
+                </a:cubicBezTo>
+                <a:lnTo>
+                  <a:pt x="5141791" y="6313225"/>
+                </a:lnTo>
+                <a:lnTo>
+                  <a:pt x="1659199" y="6313225"/>
+                </a:lnTo>
+                <a:lnTo>
+                  <a:pt x="1498064" y="6215333"/>
+                </a:lnTo>
+                <a:cubicBezTo>
+                  <a:pt x="594240" y="5604721"/>
+                  <a:pt x="0" y="4570663"/>
+                  <a:pt x="0" y="3397813"/>
+                </a:cubicBezTo>
+                <a:cubicBezTo>
+                  <a:pt x="0" y="1521253"/>
+                  <a:pt x="1521253" y="0"/>
+                  <a:pt x="3397813" y="0"/>
+                </a:cubicBezTo>
+                <a:close/>
+              </a:path>
+            </a:pathLst>
+          </a:custGeom>
+        </p:spPr>
+      </p:pic>
+      <p:pic>
+        <p:nvPicPr>
+          <p:cNvPr id="20" name="Image 19" descr="Une image contenant dessin&#10;&#10;Description générée automatiquement">
+            <a:extLst>
+              <a:ext uri="{FF2B5EF4-FFF2-40B4-BE49-F238E27FC236}">
+                <a16:creationId xmlns:a16="http://schemas.microsoft.com/office/drawing/2014/main" id="{34DFA15A-31B8-4AD7-9C24-07D6859330A2}"/>
+              </a:ext>
+            </a:extLst>
+          </p:cNvPr>
+          <p:cNvPicPr>
+            <a:picLocks noChangeAspect="1"/>
+          </p:cNvPicPr>
+          <p:nvPr/>
+        </p:nvPicPr>
+        <p:blipFill>
+          <a:blip r:embed="rId4">
             <a:extLst>
               <a:ext uri="{28A0092B-C50C-407E-A947-70E740481C1C}">
                 <a14:useLocalDpi xmlns:a14="http://schemas.microsoft.com/office/drawing/2010/main" val="0"/>
@@ -3442,20 +3628,255 @@
         </p:blipFill>
         <p:spPr>
           <a:xfrm>
-            <a:off x="2315799" y="1268963"/>
-            <a:ext cx="7560401" cy="5589037"/>
+            <a:off x="8147747" y="1041231"/>
+            <a:ext cx="2583710" cy="817940"/>
           </a:xfrm>
           <a:prstGeom prst="rect">
             <a:avLst/>
           </a:prstGeom>
         </p:spPr>
       </p:pic>
-      <p:sp>
-        <p:nvSpPr>
-          <p:cNvPr id="5" name="Rectangle : coins arrondis 4">
-            <a:extLst>
-              <a:ext uri="{FF2B5EF4-FFF2-40B4-BE49-F238E27FC236}">
-                <a16:creationId xmlns:a16="http://schemas.microsoft.com/office/drawing/2014/main" id="{57DE185B-FF3F-4443-8DF5-F3C7D987AC94}"/>
+      <p:pic>
+        <p:nvPicPr>
+          <p:cNvPr id="16" name="Image 15" descr="Une image contenant signe, dessin&#10;&#10;Description générée automatiquement">
+            <a:extLst>
+              <a:ext uri="{FF2B5EF4-FFF2-40B4-BE49-F238E27FC236}">
+                <a16:creationId xmlns:a16="http://schemas.microsoft.com/office/drawing/2014/main" id="{67526598-32CB-4AF0-B8E1-45D8794CF41B}"/>
+              </a:ext>
+            </a:extLst>
+          </p:cNvPr>
+          <p:cNvPicPr>
+            <a:picLocks noChangeAspect="1"/>
+          </p:cNvPicPr>
+          <p:nvPr/>
+        </p:nvPicPr>
+        <p:blipFill>
+          <a:blip r:embed="rId5">
+            <a:extLst>
+              <a:ext uri="{28A0092B-C50C-407E-A947-70E740481C1C}">
+                <a14:useLocalDpi xmlns:a14="http://schemas.microsoft.com/office/drawing/2010/main" val="0"/>
+              </a:ext>
+            </a:extLst>
+          </a:blip>
+          <a:stretch>
+            <a:fillRect/>
+          </a:stretch>
+        </p:blipFill>
+        <p:spPr>
+          <a:xfrm>
+            <a:off x="9588430" y="2559912"/>
+            <a:ext cx="2387245" cy="2387245"/>
+          </a:xfrm>
+          <a:prstGeom prst="roundRect">
+            <a:avLst>
+              <a:gd name="adj" fmla="val 8594"/>
+            </a:avLst>
+          </a:prstGeom>
+          <a:solidFill>
+            <a:srgbClr val="FFFFFF">
+              <a:shade val="85000"/>
+            </a:srgbClr>
+          </a:solidFill>
+          <a:ln>
+            <a:noFill/>
+          </a:ln>
+          <a:effectLst>
+            <a:reflection blurRad="12700" stA="38000" endPos="28000" dist="5000" dir="5400000" sy="-100000" algn="bl" rotWithShape="0"/>
+          </a:effectLst>
+        </p:spPr>
+      </p:pic>
+      <p:pic>
+        <p:nvPicPr>
+          <p:cNvPr id="36" name="Graphique 35" descr="Engrenages">
+            <a:extLst>
+              <a:ext uri="{FF2B5EF4-FFF2-40B4-BE49-F238E27FC236}">
+                <a16:creationId xmlns:a16="http://schemas.microsoft.com/office/drawing/2014/main" id="{1ACCFB96-280B-41FD-A2BE-D2E12FBD81D8}"/>
+              </a:ext>
+            </a:extLst>
+          </p:cNvPr>
+          <p:cNvPicPr>
+            <a:picLocks noChangeAspect="1"/>
+          </p:cNvPicPr>
+          <p:nvPr/>
+        </p:nvPicPr>
+        <p:blipFill>
+          <a:blip r:embed="rId6">
+            <a:extLst>
+              <a:ext uri="{28A0092B-C50C-407E-A947-70E740481C1C}">
+                <a14:useLocalDpi xmlns:a14="http://schemas.microsoft.com/office/drawing/2010/main" val="0"/>
+              </a:ext>
+              <a:ext uri="{96DAC541-7B7A-43D3-8B79-37D633B846F1}">
+                <asvg:svgBlip xmlns:asvg="http://schemas.microsoft.com/office/drawing/2016/SVG/main" r:embed="rId7"/>
+              </a:ext>
+            </a:extLst>
+          </a:blip>
+          <a:stretch>
+            <a:fillRect/>
+          </a:stretch>
+        </p:blipFill>
+        <p:spPr>
+          <a:xfrm>
+            <a:off x="7719351" y="2801843"/>
+            <a:ext cx="1162030" cy="1162030"/>
+          </a:xfrm>
+          <a:prstGeom prst="rect">
+            <a:avLst/>
+          </a:prstGeom>
+        </p:spPr>
+      </p:pic>
+      <p:pic>
+        <p:nvPicPr>
+          <p:cNvPr id="44" name="Image 43">
+            <a:extLst>
+              <a:ext uri="{FF2B5EF4-FFF2-40B4-BE49-F238E27FC236}">
+                <a16:creationId xmlns:a16="http://schemas.microsoft.com/office/drawing/2014/main" id="{1FD7768A-1F72-4EA3-B908-9BC439FD99C2}"/>
+              </a:ext>
+            </a:extLst>
+          </p:cNvPr>
+          <p:cNvPicPr>
+            <a:picLocks noChangeAspect="1"/>
+          </p:cNvPicPr>
+          <p:nvPr/>
+        </p:nvPicPr>
+        <p:blipFill>
+          <a:blip r:embed="rId8">
+            <a:extLst>
+              <a:ext uri="{28A0092B-C50C-407E-A947-70E740481C1C}">
+                <a14:useLocalDpi xmlns:a14="http://schemas.microsoft.com/office/drawing/2010/main" val="0"/>
+              </a:ext>
+            </a:extLst>
+          </a:blip>
+          <a:stretch>
+            <a:fillRect/>
+          </a:stretch>
+        </p:blipFill>
+        <p:spPr>
+          <a:xfrm>
+            <a:off x="9490197" y="4946923"/>
+            <a:ext cx="2583710" cy="638322"/>
+          </a:xfrm>
+          <a:prstGeom prst="rect">
+            <a:avLst/>
+          </a:prstGeom>
+        </p:spPr>
+      </p:pic>
+      <p:pic>
+        <p:nvPicPr>
+          <p:cNvPr id="38" name="Graphique 37" descr="Engrenage">
+            <a:extLst>
+              <a:ext uri="{FF2B5EF4-FFF2-40B4-BE49-F238E27FC236}">
+                <a16:creationId xmlns:a16="http://schemas.microsoft.com/office/drawing/2014/main" id="{91820E0F-9F23-4BA4-90DF-7EA093FE2C37}"/>
+              </a:ext>
+            </a:extLst>
+          </p:cNvPr>
+          <p:cNvPicPr>
+            <a:picLocks noChangeAspect="1"/>
+          </p:cNvPicPr>
+          <p:nvPr/>
+        </p:nvPicPr>
+        <p:blipFill>
+          <a:blip r:embed="rId9">
+            <a:extLst>
+              <a:ext uri="{28A0092B-C50C-407E-A947-70E740481C1C}">
+                <a14:useLocalDpi xmlns:a14="http://schemas.microsoft.com/office/drawing/2010/main" val="0"/>
+              </a:ext>
+              <a:ext uri="{96DAC541-7B7A-43D3-8B79-37D633B846F1}">
+                <asvg:svgBlip xmlns:asvg="http://schemas.microsoft.com/office/drawing/2016/SVG/main" r:embed="rId10"/>
+              </a:ext>
+            </a:extLst>
+          </a:blip>
+          <a:stretch>
+            <a:fillRect/>
+          </a:stretch>
+        </p:blipFill>
+        <p:spPr>
+          <a:xfrm>
+            <a:off x="7303010" y="2530734"/>
+            <a:ext cx="999899" cy="999899"/>
+          </a:xfrm>
+          <a:prstGeom prst="rect">
+            <a:avLst/>
+          </a:prstGeom>
+        </p:spPr>
+      </p:pic>
+      <p:pic>
+        <p:nvPicPr>
+          <p:cNvPr id="40" name="Image 39" descr="Une image contenant équipement électronique, circuit&#10;&#10;Description générée automatiquement">
+            <a:extLst>
+              <a:ext uri="{FF2B5EF4-FFF2-40B4-BE49-F238E27FC236}">
+                <a16:creationId xmlns:a16="http://schemas.microsoft.com/office/drawing/2014/main" id="{9AF0E11B-4556-425D-B45E-332ECAEFA2A7}"/>
+              </a:ext>
+            </a:extLst>
+          </p:cNvPr>
+          <p:cNvPicPr>
+            <a:picLocks noChangeAspect="1"/>
+          </p:cNvPicPr>
+          <p:nvPr/>
+        </p:nvPicPr>
+        <p:blipFill>
+          <a:blip r:embed="rId11">
+            <a:extLst>
+              <a:ext uri="{28A0092B-C50C-407E-A947-70E740481C1C}">
+                <a14:useLocalDpi xmlns:a14="http://schemas.microsoft.com/office/drawing/2010/main" val="0"/>
+              </a:ext>
+            </a:extLst>
+          </a:blip>
+          <a:stretch>
+            <a:fillRect/>
+          </a:stretch>
+        </p:blipFill>
+        <p:spPr>
+          <a:xfrm>
+            <a:off x="7711187" y="3915632"/>
+            <a:ext cx="1559729" cy="1249026"/>
+          </a:xfrm>
+          <a:prstGeom prst="rect">
+            <a:avLst/>
+          </a:prstGeom>
+        </p:spPr>
+      </p:pic>
+      <p:pic>
+        <p:nvPicPr>
+          <p:cNvPr id="42" name="Image 41" descr="Une image contenant équipement électronique, circuit&#10;&#10;Description générée automatiquement">
+            <a:extLst>
+              <a:ext uri="{FF2B5EF4-FFF2-40B4-BE49-F238E27FC236}">
+                <a16:creationId xmlns:a16="http://schemas.microsoft.com/office/drawing/2014/main" id="{85E5A03A-7CDC-428D-9A31-81D1630F9EE7}"/>
+              </a:ext>
+            </a:extLst>
+          </p:cNvPr>
+          <p:cNvPicPr>
+            <a:picLocks noChangeAspect="1"/>
+          </p:cNvPicPr>
+          <p:nvPr/>
+        </p:nvPicPr>
+        <p:blipFill>
+          <a:blip r:embed="rId12">
+            <a:extLst>
+              <a:ext uri="{28A0092B-C50C-407E-A947-70E740481C1C}">
+                <a14:useLocalDpi xmlns:a14="http://schemas.microsoft.com/office/drawing/2010/main" val="0"/>
+              </a:ext>
+            </a:extLst>
+          </a:blip>
+          <a:stretch>
+            <a:fillRect/>
+          </a:stretch>
+        </p:blipFill>
+        <p:spPr>
+          <a:xfrm>
+            <a:off x="6327769" y="3530633"/>
+            <a:ext cx="1534142" cy="999900"/>
+          </a:xfrm>
+          <a:prstGeom prst="rect">
+            <a:avLst/>
+          </a:prstGeom>
+        </p:spPr>
+      </p:pic>
+      <p:sp>
+        <p:nvSpPr>
+          <p:cNvPr id="29" name="Ellipse 28">
+            <a:extLst>
+              <a:ext uri="{FF2B5EF4-FFF2-40B4-BE49-F238E27FC236}">
+                <a16:creationId xmlns:a16="http://schemas.microsoft.com/office/drawing/2014/main" id="{5E81CB24-C670-4BC2-8F9F-E1103ED078AD}"/>
               </a:ext>
             </a:extLst>
           </p:cNvPr>
@@ -3464,18 +3885,28 @@
         </p:nvSpPr>
         <p:spPr>
           <a:xfrm>
-            <a:off x="2802730" y="1861457"/>
-            <a:ext cx="5127307" cy="831042"/>
-          </a:xfrm>
-          <a:prstGeom prst="roundRect">
+            <a:off x="8209227" y="5585010"/>
+            <a:ext cx="2310926" cy="1074959"/>
+          </a:xfrm>
+          <a:prstGeom prst="ellipse">
             <a:avLst/>
           </a:prstGeom>
-          <a:noFill/>
-          <a:ln w="50800">
+          <a:solidFill>
+            <a:srgbClr val="DADAD8"/>
+          </a:solidFill>
+          <a:ln w="9525">
             <a:solidFill>
-              <a:schemeClr val="accent1"/>
+              <a:schemeClr val="bg1"/>
             </a:solidFill>
+            <a:prstDash val="lgDashDotDot"/>
           </a:ln>
+          <a:effectLst>
+            <a:outerShdw blurRad="88900" dist="50800" dir="5400000" algn="ctr" rotWithShape="0">
+              <a:srgbClr val="000000">
+                <a:alpha val="0"/>
+              </a:srgbClr>
+            </a:outerShdw>
+          </a:effectLst>
         </p:spPr>
         <p:style>
           <a:lnRef idx="2">
@@ -3494,1608 +3925,76 @@
           </a:fontRef>
         </p:style>
         <p:txBody>
-          <a:bodyPr rot="0" spcFirstLastPara="0" vert="horz" wrap="square" lIns="91440" tIns="45720" rIns="91440" bIns="45720" numCol="1" spcCol="0" rtlCol="0" fromWordArt="0" anchor="ctr" anchorCtr="0" forceAA="0" compatLnSpc="1">
-            <a:prstTxWarp prst="textNoShape">
-              <a:avLst/>
-            </a:prstTxWarp>
-            <a:noAutofit/>
-          </a:bodyPr>
+          <a:bodyPr rtlCol="0" anchor="ctr"/>
           <a:lstStyle/>
           <a:p>
-            <a:endParaRPr lang="fr-FR"/>
-          </a:p>
-        </p:txBody>
-      </p:sp>
-      <p:sp>
-        <p:nvSpPr>
-          <p:cNvPr id="7" name="Rectangle : coins arrondis 6">
-            <a:extLst>
-              <a:ext uri="{FF2B5EF4-FFF2-40B4-BE49-F238E27FC236}">
-                <a16:creationId xmlns:a16="http://schemas.microsoft.com/office/drawing/2014/main" id="{A9B249F6-82C0-4E80-9688-A6C4AD58C921}"/>
-              </a:ext>
-            </a:extLst>
-          </p:cNvPr>
-          <p:cNvSpPr/>
-          <p:nvPr/>
-        </p:nvSpPr>
-        <p:spPr>
-          <a:xfrm>
-            <a:off x="7478485" y="5589037"/>
-            <a:ext cx="696685" cy="387220"/>
-          </a:xfrm>
-          <a:prstGeom prst="roundRect">
-            <a:avLst/>
-          </a:prstGeom>
-          <a:noFill/>
-          <a:ln w="50800">
-            <a:solidFill>
-              <a:schemeClr val="accent1"/>
-            </a:solidFill>
-          </a:ln>
-        </p:spPr>
-        <p:style>
-          <a:lnRef idx="2">
-            <a:schemeClr val="accent1">
-              <a:shade val="50000"/>
-            </a:schemeClr>
-          </a:lnRef>
-          <a:fillRef idx="1">
-            <a:schemeClr val="accent1"/>
-          </a:fillRef>
-          <a:effectRef idx="0">
-            <a:schemeClr val="accent1"/>
-          </a:effectRef>
-          <a:fontRef idx="minor">
-            <a:schemeClr val="lt1"/>
-          </a:fontRef>
-        </p:style>
-        <p:txBody>
-          <a:bodyPr rot="0" spcFirstLastPara="0" vert="horz" wrap="square" lIns="91440" tIns="45720" rIns="91440" bIns="45720" numCol="1" spcCol="0" rtlCol="0" fromWordArt="0" anchor="ctr" anchorCtr="0" forceAA="0" compatLnSpc="1">
-            <a:prstTxWarp prst="textNoShape">
-              <a:avLst/>
-            </a:prstTxWarp>
-            <a:noAutofit/>
-          </a:bodyPr>
-          <a:lstStyle/>
-          <a:p>
-            <a:endParaRPr lang="fr-FR"/>
-          </a:p>
-        </p:txBody>
-      </p:sp>
-      <p:sp>
-        <p:nvSpPr>
-          <p:cNvPr id="8" name="Rectangle : coins arrondis 7">
-            <a:extLst>
-              <a:ext uri="{FF2B5EF4-FFF2-40B4-BE49-F238E27FC236}">
-                <a16:creationId xmlns:a16="http://schemas.microsoft.com/office/drawing/2014/main" id="{29FB46DC-2AE1-4059-BDCC-EC19699998CA}"/>
-              </a:ext>
-            </a:extLst>
-          </p:cNvPr>
-          <p:cNvSpPr/>
-          <p:nvPr/>
-        </p:nvSpPr>
-        <p:spPr>
-          <a:xfrm>
-            <a:off x="4201886" y="5868952"/>
-            <a:ext cx="391885" cy="466533"/>
-          </a:xfrm>
-          <a:prstGeom prst="roundRect">
-            <a:avLst/>
-          </a:prstGeom>
-          <a:noFill/>
-          <a:ln w="50800">
-            <a:solidFill>
-              <a:schemeClr val="accent1"/>
-            </a:solidFill>
-          </a:ln>
-        </p:spPr>
-        <p:style>
-          <a:lnRef idx="2">
-            <a:schemeClr val="accent1">
-              <a:shade val="50000"/>
-            </a:schemeClr>
-          </a:lnRef>
-          <a:fillRef idx="1">
-            <a:schemeClr val="accent1"/>
-          </a:fillRef>
-          <a:effectRef idx="0">
-            <a:schemeClr val="accent1"/>
-          </a:effectRef>
-          <a:fontRef idx="minor">
-            <a:schemeClr val="lt1"/>
-          </a:fontRef>
-        </p:style>
-        <p:txBody>
-          <a:bodyPr rot="0" spcFirstLastPara="0" vert="horz" wrap="square" lIns="91440" tIns="45720" rIns="91440" bIns="45720" numCol="1" spcCol="0" rtlCol="0" fromWordArt="0" anchor="ctr" anchorCtr="0" forceAA="0" compatLnSpc="1">
-            <a:prstTxWarp prst="textNoShape">
-              <a:avLst/>
-            </a:prstTxWarp>
-            <a:noAutofit/>
-          </a:bodyPr>
-          <a:lstStyle/>
-          <a:p>
-            <a:endParaRPr lang="fr-FR"/>
-          </a:p>
-        </p:txBody>
-      </p:sp>
-      <p:sp>
-        <p:nvSpPr>
-          <p:cNvPr id="11" name="Rectangle : coins arrondis 10">
-            <a:extLst>
-              <a:ext uri="{FF2B5EF4-FFF2-40B4-BE49-F238E27FC236}">
-                <a16:creationId xmlns:a16="http://schemas.microsoft.com/office/drawing/2014/main" id="{C0299604-2787-4F62-8A20-BA48EE17A3F3}"/>
-              </a:ext>
-            </a:extLst>
-          </p:cNvPr>
-          <p:cNvSpPr/>
-          <p:nvPr/>
-        </p:nvSpPr>
-        <p:spPr>
-          <a:xfrm>
-            <a:off x="9907428" y="1861457"/>
-            <a:ext cx="707572" cy="45719"/>
-          </a:xfrm>
-          <a:prstGeom prst="roundRect">
-            <a:avLst/>
-          </a:prstGeom>
-          <a:noFill/>
-          <a:ln w="50800">
-            <a:solidFill>
-              <a:schemeClr val="accent1"/>
-            </a:solidFill>
-          </a:ln>
-        </p:spPr>
-        <p:style>
-          <a:lnRef idx="2">
-            <a:schemeClr val="accent1">
-              <a:shade val="50000"/>
-            </a:schemeClr>
-          </a:lnRef>
-          <a:fillRef idx="1">
-            <a:schemeClr val="accent1"/>
-          </a:fillRef>
-          <a:effectRef idx="0">
-            <a:schemeClr val="accent1"/>
-          </a:effectRef>
-          <a:fontRef idx="minor">
-            <a:schemeClr val="lt1"/>
-          </a:fontRef>
-        </p:style>
-        <p:txBody>
-          <a:bodyPr rot="0" spcFirstLastPara="0" vert="horz" wrap="square" lIns="91440" tIns="45720" rIns="91440" bIns="45720" numCol="1" spcCol="0" rtlCol="0" fromWordArt="0" anchor="ctr" anchorCtr="0" forceAA="0" compatLnSpc="1">
-            <a:prstTxWarp prst="textNoShape">
-              <a:avLst/>
-            </a:prstTxWarp>
-            <a:noAutofit/>
-          </a:bodyPr>
-          <a:lstStyle/>
-          <a:p>
-            <a:endParaRPr lang="fr-FR"/>
-          </a:p>
-        </p:txBody>
-      </p:sp>
-      <p:sp>
-        <p:nvSpPr>
-          <p:cNvPr id="12" name="ZoneTexte 11">
-            <a:extLst>
-              <a:ext uri="{FF2B5EF4-FFF2-40B4-BE49-F238E27FC236}">
-                <a16:creationId xmlns:a16="http://schemas.microsoft.com/office/drawing/2014/main" id="{CAF4F695-35FF-45A5-80B8-118450793612}"/>
-              </a:ext>
-            </a:extLst>
-          </p:cNvPr>
-          <p:cNvSpPr txBox="1"/>
-          <p:nvPr/>
-        </p:nvSpPr>
-        <p:spPr>
-          <a:xfrm>
-            <a:off x="10646228" y="1699650"/>
-            <a:ext cx="824265" cy="369332"/>
-          </a:xfrm>
-          <a:prstGeom prst="rect">
-            <a:avLst/>
-          </a:prstGeom>
-          <a:noFill/>
-        </p:spPr>
-        <p:txBody>
-          <a:bodyPr wrap="none" rtlCol="0">
-            <a:spAutoFit/>
-          </a:bodyPr>
-          <a:lstStyle/>
-          <a:p>
-            <a:r>
-              <a:rPr lang="fr-FR" dirty="0"/>
-              <a:t>Joshua</a:t>
-            </a:r>
-          </a:p>
-        </p:txBody>
-      </p:sp>
-      <p:sp>
-        <p:nvSpPr>
-          <p:cNvPr id="13" name="Rectangle : coins arrondis 12">
-            <a:extLst>
-              <a:ext uri="{FF2B5EF4-FFF2-40B4-BE49-F238E27FC236}">
-                <a16:creationId xmlns:a16="http://schemas.microsoft.com/office/drawing/2014/main" id="{2005236A-5D70-4933-9C03-53DAC7F068DD}"/>
-              </a:ext>
-            </a:extLst>
-          </p:cNvPr>
-          <p:cNvSpPr/>
-          <p:nvPr/>
-        </p:nvSpPr>
-        <p:spPr>
-          <a:xfrm>
-            <a:off x="9907428" y="2231259"/>
-            <a:ext cx="707572" cy="45719"/>
-          </a:xfrm>
-          <a:prstGeom prst="roundRect">
-            <a:avLst/>
-          </a:prstGeom>
-          <a:noFill/>
-          <a:ln w="50800">
-            <a:solidFill>
-              <a:srgbClr val="92D050"/>
-            </a:solidFill>
-          </a:ln>
-        </p:spPr>
-        <p:style>
-          <a:lnRef idx="2">
-            <a:schemeClr val="accent1">
-              <a:shade val="50000"/>
-            </a:schemeClr>
-          </a:lnRef>
-          <a:fillRef idx="1">
-            <a:schemeClr val="accent1"/>
-          </a:fillRef>
-          <a:effectRef idx="0">
-            <a:schemeClr val="accent1"/>
-          </a:effectRef>
-          <a:fontRef idx="minor">
-            <a:schemeClr val="lt1"/>
-          </a:fontRef>
-        </p:style>
-        <p:txBody>
-          <a:bodyPr rot="0" spcFirstLastPara="0" vert="horz" wrap="square" lIns="91440" tIns="45720" rIns="91440" bIns="45720" numCol="1" spcCol="0" rtlCol="0" fromWordArt="0" anchor="ctr" anchorCtr="0" forceAA="0" compatLnSpc="1">
-            <a:prstTxWarp prst="textNoShape">
-              <a:avLst/>
-            </a:prstTxWarp>
-            <a:noAutofit/>
-          </a:bodyPr>
-          <a:lstStyle/>
-          <a:p>
-            <a:endParaRPr lang="fr-FR"/>
-          </a:p>
-        </p:txBody>
-      </p:sp>
-      <p:sp>
-        <p:nvSpPr>
-          <p:cNvPr id="14" name="ZoneTexte 13">
-            <a:extLst>
-              <a:ext uri="{FF2B5EF4-FFF2-40B4-BE49-F238E27FC236}">
-                <a16:creationId xmlns:a16="http://schemas.microsoft.com/office/drawing/2014/main" id="{E0ACB98A-C89B-4929-A703-94259A65428B}"/>
-              </a:ext>
-            </a:extLst>
-          </p:cNvPr>
-          <p:cNvSpPr txBox="1"/>
-          <p:nvPr/>
-        </p:nvSpPr>
-        <p:spPr>
-          <a:xfrm>
-            <a:off x="10614999" y="2046593"/>
-            <a:ext cx="993862" cy="369332"/>
-          </a:xfrm>
-          <a:prstGeom prst="rect">
-            <a:avLst/>
-          </a:prstGeom>
-          <a:noFill/>
-        </p:spPr>
-        <p:txBody>
-          <a:bodyPr wrap="none" rtlCol="0">
-            <a:spAutoFit/>
-          </a:bodyPr>
-          <a:lstStyle/>
-          <a:p>
-            <a:r>
-              <a:rPr lang="fr-FR" dirty="0"/>
-              <a:t>Corentin</a:t>
-            </a:r>
-          </a:p>
-        </p:txBody>
-      </p:sp>
-      <p:sp>
-        <p:nvSpPr>
-          <p:cNvPr id="15" name="Rectangle : coins arrondis 14">
-            <a:extLst>
-              <a:ext uri="{FF2B5EF4-FFF2-40B4-BE49-F238E27FC236}">
-                <a16:creationId xmlns:a16="http://schemas.microsoft.com/office/drawing/2014/main" id="{C9B032DC-BEA4-4CA8-868C-B1DFB4E70287}"/>
-              </a:ext>
-            </a:extLst>
-          </p:cNvPr>
-          <p:cNvSpPr/>
-          <p:nvPr/>
-        </p:nvSpPr>
-        <p:spPr>
-          <a:xfrm>
-            <a:off x="9907427" y="2601061"/>
-            <a:ext cx="707572" cy="45719"/>
-          </a:xfrm>
-          <a:prstGeom prst="roundRect">
-            <a:avLst/>
-          </a:prstGeom>
-          <a:noFill/>
-          <a:ln w="50800">
-            <a:solidFill>
-              <a:srgbClr val="FF0000"/>
-            </a:solidFill>
-          </a:ln>
-        </p:spPr>
-        <p:style>
-          <a:lnRef idx="2">
-            <a:schemeClr val="accent1">
-              <a:shade val="50000"/>
-            </a:schemeClr>
-          </a:lnRef>
-          <a:fillRef idx="1">
-            <a:schemeClr val="accent1"/>
-          </a:fillRef>
-          <a:effectRef idx="0">
-            <a:schemeClr val="accent1"/>
-          </a:effectRef>
-          <a:fontRef idx="minor">
-            <a:schemeClr val="lt1"/>
-          </a:fontRef>
-        </p:style>
-        <p:txBody>
-          <a:bodyPr rot="0" spcFirstLastPara="0" vert="horz" wrap="square" lIns="91440" tIns="45720" rIns="91440" bIns="45720" numCol="1" spcCol="0" rtlCol="0" fromWordArt="0" anchor="ctr" anchorCtr="0" forceAA="0" compatLnSpc="1">
-            <a:prstTxWarp prst="textNoShape">
-              <a:avLst/>
-            </a:prstTxWarp>
-            <a:noAutofit/>
-          </a:bodyPr>
-          <a:lstStyle/>
-          <a:p>
-            <a:endParaRPr lang="fr-FR"/>
-          </a:p>
-        </p:txBody>
-      </p:sp>
-      <p:sp>
-        <p:nvSpPr>
-          <p:cNvPr id="16" name="ZoneTexte 15">
-            <a:extLst>
-              <a:ext uri="{FF2B5EF4-FFF2-40B4-BE49-F238E27FC236}">
-                <a16:creationId xmlns:a16="http://schemas.microsoft.com/office/drawing/2014/main" id="{48B41F13-2617-4D2B-8E9E-C48ADF79E878}"/>
-              </a:ext>
-            </a:extLst>
-          </p:cNvPr>
-          <p:cNvSpPr txBox="1"/>
-          <p:nvPr/>
-        </p:nvSpPr>
-        <p:spPr>
-          <a:xfrm>
-            <a:off x="10614999" y="2424887"/>
-            <a:ext cx="1195071" cy="369332"/>
-          </a:xfrm>
-          <a:prstGeom prst="rect">
-            <a:avLst/>
-          </a:prstGeom>
-          <a:noFill/>
-        </p:spPr>
-        <p:txBody>
-          <a:bodyPr wrap="none" rtlCol="0">
-            <a:spAutoFit/>
-          </a:bodyPr>
-          <a:lstStyle/>
-          <a:p>
-            <a:r>
-              <a:rPr lang="fr-FR" dirty="0"/>
-              <a:t>Constantin</a:t>
-            </a:r>
-          </a:p>
-        </p:txBody>
-      </p:sp>
-      <p:sp>
-        <p:nvSpPr>
-          <p:cNvPr id="17" name="Rectangle : coins arrondis 16">
-            <a:extLst>
-              <a:ext uri="{FF2B5EF4-FFF2-40B4-BE49-F238E27FC236}">
-                <a16:creationId xmlns:a16="http://schemas.microsoft.com/office/drawing/2014/main" id="{E8DD8EB4-5799-466B-8E0E-6853CD76BBDC}"/>
-              </a:ext>
-            </a:extLst>
-          </p:cNvPr>
-          <p:cNvSpPr/>
-          <p:nvPr/>
-        </p:nvSpPr>
-        <p:spPr>
-          <a:xfrm>
-            <a:off x="9907427" y="2970935"/>
-            <a:ext cx="707572" cy="45719"/>
-          </a:xfrm>
-          <a:prstGeom prst="roundRect">
-            <a:avLst/>
-          </a:prstGeom>
-          <a:noFill/>
-          <a:ln w="50800">
-            <a:solidFill>
-              <a:srgbClr val="00B0F0"/>
-            </a:solidFill>
-          </a:ln>
-        </p:spPr>
-        <p:style>
-          <a:lnRef idx="2">
-            <a:schemeClr val="accent1">
-              <a:shade val="50000"/>
-            </a:schemeClr>
-          </a:lnRef>
-          <a:fillRef idx="1">
-            <a:schemeClr val="accent1"/>
-          </a:fillRef>
-          <a:effectRef idx="0">
-            <a:schemeClr val="accent1"/>
-          </a:effectRef>
-          <a:fontRef idx="minor">
-            <a:schemeClr val="lt1"/>
-          </a:fontRef>
-        </p:style>
-        <p:txBody>
-          <a:bodyPr rot="0" spcFirstLastPara="0" vert="horz" wrap="square" lIns="91440" tIns="45720" rIns="91440" bIns="45720" numCol="1" spcCol="0" rtlCol="0" fromWordArt="0" anchor="ctr" anchorCtr="0" forceAA="0" compatLnSpc="1">
-            <a:prstTxWarp prst="textNoShape">
-              <a:avLst/>
-            </a:prstTxWarp>
-            <a:noAutofit/>
-          </a:bodyPr>
-          <a:lstStyle/>
-          <a:p>
-            <a:endParaRPr lang="fr-FR"/>
-          </a:p>
-        </p:txBody>
-      </p:sp>
-      <p:sp>
-        <p:nvSpPr>
-          <p:cNvPr id="18" name="ZoneTexte 17">
-            <a:extLst>
-              <a:ext uri="{FF2B5EF4-FFF2-40B4-BE49-F238E27FC236}">
-                <a16:creationId xmlns:a16="http://schemas.microsoft.com/office/drawing/2014/main" id="{1B85E7D9-DC72-4AE6-9300-C7C157AAF1D4}"/>
-              </a:ext>
-            </a:extLst>
-          </p:cNvPr>
-          <p:cNvSpPr txBox="1"/>
-          <p:nvPr/>
-        </p:nvSpPr>
-        <p:spPr>
-          <a:xfrm>
-            <a:off x="10614999" y="2786197"/>
-            <a:ext cx="925253" cy="369332"/>
-          </a:xfrm>
-          <a:prstGeom prst="rect">
-            <a:avLst/>
-          </a:prstGeom>
-          <a:noFill/>
-        </p:spPr>
-        <p:txBody>
-          <a:bodyPr wrap="none" rtlCol="0">
-            <a:spAutoFit/>
-          </a:bodyPr>
-          <a:lstStyle/>
-          <a:p>
-            <a:r>
-              <a:rPr lang="fr-FR" dirty="0"/>
-              <a:t>Thomas</a:t>
-            </a:r>
-          </a:p>
-        </p:txBody>
-      </p:sp>
-      <p:sp>
-        <p:nvSpPr>
-          <p:cNvPr id="20" name="Rectangle : coins arrondis 19">
-            <a:extLst>
-              <a:ext uri="{FF2B5EF4-FFF2-40B4-BE49-F238E27FC236}">
-                <a16:creationId xmlns:a16="http://schemas.microsoft.com/office/drawing/2014/main" id="{35D16060-3BD5-4384-834E-2EBCDCA60699}"/>
-              </a:ext>
-            </a:extLst>
-          </p:cNvPr>
-          <p:cNvSpPr/>
-          <p:nvPr/>
-        </p:nvSpPr>
-        <p:spPr>
-          <a:xfrm>
-            <a:off x="8149315" y="4488657"/>
-            <a:ext cx="449379" cy="164306"/>
-          </a:xfrm>
-          <a:prstGeom prst="roundRect">
-            <a:avLst/>
-          </a:prstGeom>
-          <a:noFill/>
-          <a:ln w="50800">
-            <a:solidFill>
-              <a:srgbClr val="FF0000"/>
-            </a:solidFill>
-          </a:ln>
-        </p:spPr>
-        <p:style>
-          <a:lnRef idx="2">
-            <a:schemeClr val="accent1">
-              <a:shade val="50000"/>
-            </a:schemeClr>
-          </a:lnRef>
-          <a:fillRef idx="1">
-            <a:schemeClr val="accent1"/>
-          </a:fillRef>
-          <a:effectRef idx="0">
-            <a:schemeClr val="accent1"/>
-          </a:effectRef>
-          <a:fontRef idx="minor">
-            <a:schemeClr val="lt1"/>
-          </a:fontRef>
-        </p:style>
-        <p:txBody>
-          <a:bodyPr rot="0" spcFirstLastPara="0" vert="horz" wrap="square" lIns="91440" tIns="45720" rIns="91440" bIns="45720" numCol="1" spcCol="0" rtlCol="0" fromWordArt="0" anchor="ctr" anchorCtr="0" forceAA="0" compatLnSpc="1">
-            <a:prstTxWarp prst="textNoShape">
-              <a:avLst/>
-            </a:prstTxWarp>
-            <a:noAutofit/>
-          </a:bodyPr>
-          <a:lstStyle/>
-          <a:p>
-            <a:endParaRPr lang="fr-FR"/>
-          </a:p>
-        </p:txBody>
-      </p:sp>
-      <p:sp>
-        <p:nvSpPr>
-          <p:cNvPr id="21" name="Rectangle : coins arrondis 20">
-            <a:extLst>
-              <a:ext uri="{FF2B5EF4-FFF2-40B4-BE49-F238E27FC236}">
-                <a16:creationId xmlns:a16="http://schemas.microsoft.com/office/drawing/2014/main" id="{5D361B11-4AA7-4AC6-976F-5354E0BA831E}"/>
-              </a:ext>
-            </a:extLst>
-          </p:cNvPr>
-          <p:cNvSpPr/>
-          <p:nvPr/>
-        </p:nvSpPr>
-        <p:spPr>
-          <a:xfrm>
-            <a:off x="4536622" y="3740944"/>
-            <a:ext cx="1666060" cy="801039"/>
-          </a:xfrm>
-          <a:prstGeom prst="roundRect">
-            <a:avLst/>
-          </a:prstGeom>
-          <a:noFill/>
-          <a:ln w="50800">
-            <a:solidFill>
-              <a:srgbClr val="FF0000"/>
-            </a:solidFill>
-          </a:ln>
-        </p:spPr>
-        <p:style>
-          <a:lnRef idx="2">
-            <a:schemeClr val="accent1">
-              <a:shade val="50000"/>
-            </a:schemeClr>
-          </a:lnRef>
-          <a:fillRef idx="1">
-            <a:schemeClr val="accent1"/>
-          </a:fillRef>
-          <a:effectRef idx="0">
-            <a:schemeClr val="accent1"/>
-          </a:effectRef>
-          <a:fontRef idx="minor">
-            <a:schemeClr val="lt1"/>
-          </a:fontRef>
-        </p:style>
-        <p:txBody>
-          <a:bodyPr rot="0" spcFirstLastPara="0" vert="horz" wrap="square" lIns="91440" tIns="45720" rIns="91440" bIns="45720" numCol="1" spcCol="0" rtlCol="0" fromWordArt="0" anchor="ctr" anchorCtr="0" forceAA="0" compatLnSpc="1">
-            <a:prstTxWarp prst="textNoShape">
-              <a:avLst/>
-            </a:prstTxWarp>
-            <a:noAutofit/>
-          </a:bodyPr>
-          <a:lstStyle/>
-          <a:p>
-            <a:endParaRPr lang="fr-FR"/>
-          </a:p>
-        </p:txBody>
-      </p:sp>
-      <p:sp>
-        <p:nvSpPr>
-          <p:cNvPr id="22" name="Rectangle : coins arrondis 21">
-            <a:extLst>
-              <a:ext uri="{FF2B5EF4-FFF2-40B4-BE49-F238E27FC236}">
-                <a16:creationId xmlns:a16="http://schemas.microsoft.com/office/drawing/2014/main" id="{E2933415-AEC5-44C9-AE56-64F8CE71E3F7}"/>
-              </a:ext>
-            </a:extLst>
-          </p:cNvPr>
-          <p:cNvSpPr/>
-          <p:nvPr/>
-        </p:nvSpPr>
-        <p:spPr>
-          <a:xfrm>
-            <a:off x="2802730" y="2816202"/>
-            <a:ext cx="1674019" cy="801039"/>
-          </a:xfrm>
-          <a:prstGeom prst="roundRect">
-            <a:avLst/>
-          </a:prstGeom>
-          <a:noFill/>
-          <a:ln w="50800">
-            <a:solidFill>
-              <a:srgbClr val="FF0000"/>
-            </a:solidFill>
-          </a:ln>
-        </p:spPr>
-        <p:style>
-          <a:lnRef idx="2">
-            <a:schemeClr val="accent1">
-              <a:shade val="50000"/>
-            </a:schemeClr>
-          </a:lnRef>
-          <a:fillRef idx="1">
-            <a:schemeClr val="accent1"/>
-          </a:fillRef>
-          <a:effectRef idx="0">
-            <a:schemeClr val="accent1"/>
-          </a:effectRef>
-          <a:fontRef idx="minor">
-            <a:schemeClr val="lt1"/>
-          </a:fontRef>
-        </p:style>
-        <p:txBody>
-          <a:bodyPr rot="0" spcFirstLastPara="0" vert="horz" wrap="square" lIns="91440" tIns="45720" rIns="91440" bIns="45720" numCol="1" spcCol="0" rtlCol="0" fromWordArt="0" anchor="ctr" anchorCtr="0" forceAA="0" compatLnSpc="1">
-            <a:prstTxWarp prst="textNoShape">
-              <a:avLst/>
-            </a:prstTxWarp>
-            <a:noAutofit/>
-          </a:bodyPr>
-          <a:lstStyle/>
-          <a:p>
-            <a:endParaRPr lang="fr-FR"/>
-          </a:p>
-        </p:txBody>
-      </p:sp>
-      <p:sp>
-        <p:nvSpPr>
-          <p:cNvPr id="23" name="Flèche : double flèche horizontale 22">
-            <a:extLst>
-              <a:ext uri="{FF2B5EF4-FFF2-40B4-BE49-F238E27FC236}">
-                <a16:creationId xmlns:a16="http://schemas.microsoft.com/office/drawing/2014/main" id="{1071556F-F791-4EA0-8063-D0370A498624}"/>
-              </a:ext>
-            </a:extLst>
-          </p:cNvPr>
-          <p:cNvSpPr/>
-          <p:nvPr/>
-        </p:nvSpPr>
-        <p:spPr>
-          <a:xfrm>
-            <a:off x="6865620" y="5195619"/>
-            <a:ext cx="612865" cy="317994"/>
-          </a:xfrm>
-          <a:prstGeom prst="leftRightArrow">
-            <a:avLst/>
-          </a:prstGeom>
-          <a:solidFill>
-            <a:srgbClr val="2FC9FF"/>
-          </a:solidFill>
-          <a:ln>
-            <a:solidFill>
-              <a:srgbClr val="00B0F0"/>
-            </a:solidFill>
-          </a:ln>
-        </p:spPr>
-        <p:style>
-          <a:lnRef idx="2">
-            <a:schemeClr val="accent1">
-              <a:shade val="50000"/>
-            </a:schemeClr>
-          </a:lnRef>
-          <a:fillRef idx="1">
-            <a:schemeClr val="accent1"/>
-          </a:fillRef>
-          <a:effectRef idx="0">
-            <a:schemeClr val="accent1"/>
-          </a:effectRef>
-          <a:fontRef idx="minor">
-            <a:schemeClr val="lt1"/>
-          </a:fontRef>
-        </p:style>
-        <p:txBody>
-          <a:bodyPr rot="0" spcFirstLastPara="0" vert="horz" wrap="square" lIns="91440" tIns="45720" rIns="91440" bIns="45720" numCol="1" spcCol="0" rtlCol="0" fromWordArt="0" anchor="ctr" anchorCtr="0" forceAA="0" compatLnSpc="1">
-            <a:prstTxWarp prst="textNoShape">
-              <a:avLst/>
-            </a:prstTxWarp>
-            <a:noAutofit/>
-          </a:bodyPr>
-          <a:lstStyle/>
-          <a:p>
-            <a:endParaRPr lang="fr-FR"/>
-          </a:p>
-        </p:txBody>
-      </p:sp>
-      <p:sp>
-        <p:nvSpPr>
-          <p:cNvPr id="24" name="Flèche : double flèche horizontale 23">
-            <a:extLst>
-              <a:ext uri="{FF2B5EF4-FFF2-40B4-BE49-F238E27FC236}">
-                <a16:creationId xmlns:a16="http://schemas.microsoft.com/office/drawing/2014/main" id="{9E1D88BE-4C03-4E58-BF2A-430DC0CFE2A3}"/>
-              </a:ext>
-            </a:extLst>
-          </p:cNvPr>
-          <p:cNvSpPr/>
-          <p:nvPr/>
-        </p:nvSpPr>
-        <p:spPr>
-          <a:xfrm>
-            <a:off x="4563290" y="5665171"/>
-            <a:ext cx="1666060" cy="311085"/>
-          </a:xfrm>
-          <a:prstGeom prst="leftRightArrow">
-            <a:avLst/>
-          </a:prstGeom>
-          <a:solidFill>
-            <a:srgbClr val="1EEA14"/>
-          </a:solidFill>
-          <a:ln>
-            <a:solidFill>
-              <a:srgbClr val="92D050"/>
-            </a:solidFill>
-          </a:ln>
-        </p:spPr>
-        <p:style>
-          <a:lnRef idx="2">
-            <a:schemeClr val="accent1">
-              <a:shade val="50000"/>
-            </a:schemeClr>
-          </a:lnRef>
-          <a:fillRef idx="1">
-            <a:schemeClr val="accent1"/>
-          </a:fillRef>
-          <a:effectRef idx="0">
-            <a:schemeClr val="accent1"/>
-          </a:effectRef>
-          <a:fontRef idx="minor">
-            <a:schemeClr val="lt1"/>
-          </a:fontRef>
-        </p:style>
-        <p:txBody>
-          <a:bodyPr rot="0" spcFirstLastPara="0" vert="horz" wrap="square" lIns="91440" tIns="45720" rIns="91440" bIns="45720" numCol="1" spcCol="0" rtlCol="0" fromWordArt="0" anchor="ctr" anchorCtr="0" forceAA="0" compatLnSpc="1">
-            <a:prstTxWarp prst="textNoShape">
-              <a:avLst/>
-            </a:prstTxWarp>
-            <a:noAutofit/>
-          </a:bodyPr>
-          <a:lstStyle/>
-          <a:p>
-            <a:endParaRPr lang="fr-FR"/>
-          </a:p>
-        </p:txBody>
-      </p:sp>
-      <p:sp>
-        <p:nvSpPr>
-          <p:cNvPr id="25" name="Rectangle : coins arrondis 24">
-            <a:extLst>
-              <a:ext uri="{FF2B5EF4-FFF2-40B4-BE49-F238E27FC236}">
-                <a16:creationId xmlns:a16="http://schemas.microsoft.com/office/drawing/2014/main" id="{489DFF1B-53BB-413F-A40C-14160C2DCD79}"/>
-              </a:ext>
-            </a:extLst>
-          </p:cNvPr>
-          <p:cNvSpPr/>
-          <p:nvPr/>
-        </p:nvSpPr>
-        <p:spPr>
-          <a:xfrm>
-            <a:off x="2802731" y="3747359"/>
-            <a:ext cx="1661954" cy="801039"/>
-          </a:xfrm>
-          <a:prstGeom prst="roundRect">
-            <a:avLst/>
-          </a:prstGeom>
-          <a:noFill/>
-          <a:ln w="50800">
-            <a:solidFill>
-              <a:srgbClr val="92D050"/>
-            </a:solidFill>
-          </a:ln>
-        </p:spPr>
-        <p:style>
-          <a:lnRef idx="2">
-            <a:schemeClr val="accent1">
-              <a:shade val="50000"/>
-            </a:schemeClr>
-          </a:lnRef>
-          <a:fillRef idx="1">
-            <a:schemeClr val="accent1"/>
-          </a:fillRef>
-          <a:effectRef idx="0">
-            <a:schemeClr val="accent1"/>
-          </a:effectRef>
-          <a:fontRef idx="minor">
-            <a:schemeClr val="lt1"/>
-          </a:fontRef>
-        </p:style>
-        <p:txBody>
-          <a:bodyPr rot="0" spcFirstLastPara="0" vert="horz" wrap="square" lIns="91440" tIns="45720" rIns="91440" bIns="45720" numCol="1" spcCol="0" rtlCol="0" fromWordArt="0" anchor="ctr" anchorCtr="0" forceAA="0" compatLnSpc="1">
-            <a:prstTxWarp prst="textNoShape">
-              <a:avLst/>
-            </a:prstTxWarp>
-            <a:noAutofit/>
-          </a:bodyPr>
-          <a:lstStyle/>
-          <a:p>
-            <a:endParaRPr lang="fr-FR"/>
-          </a:p>
-        </p:txBody>
-      </p:sp>
-      <p:sp>
-        <p:nvSpPr>
-          <p:cNvPr id="26" name="Rectangle : coins arrondis 25">
-            <a:extLst>
-              <a:ext uri="{FF2B5EF4-FFF2-40B4-BE49-F238E27FC236}">
-                <a16:creationId xmlns:a16="http://schemas.microsoft.com/office/drawing/2014/main" id="{182E2B6F-2034-4B2C-8B91-AF4F0257F1FA}"/>
-              </a:ext>
-            </a:extLst>
-          </p:cNvPr>
-          <p:cNvSpPr/>
-          <p:nvPr/>
-        </p:nvSpPr>
-        <p:spPr>
-          <a:xfrm>
-            <a:off x="6280150" y="2818392"/>
-            <a:ext cx="1630363" cy="801039"/>
-          </a:xfrm>
-          <a:prstGeom prst="roundRect">
-            <a:avLst/>
-          </a:prstGeom>
-          <a:noFill/>
-          <a:ln w="50800">
-            <a:solidFill>
-              <a:srgbClr val="92D050"/>
-            </a:solidFill>
-          </a:ln>
-        </p:spPr>
-        <p:style>
-          <a:lnRef idx="2">
-            <a:schemeClr val="accent1">
-              <a:shade val="50000"/>
-            </a:schemeClr>
-          </a:lnRef>
-          <a:fillRef idx="1">
-            <a:schemeClr val="accent1"/>
-          </a:fillRef>
-          <a:effectRef idx="0">
-            <a:schemeClr val="accent1"/>
-          </a:effectRef>
-          <a:fontRef idx="minor">
-            <a:schemeClr val="lt1"/>
-          </a:fontRef>
-        </p:style>
-        <p:txBody>
-          <a:bodyPr rot="0" spcFirstLastPara="0" vert="horz" wrap="square" lIns="91440" tIns="45720" rIns="91440" bIns="45720" numCol="1" spcCol="0" rtlCol="0" fromWordArt="0" anchor="ctr" anchorCtr="0" forceAA="0" compatLnSpc="1">
-            <a:prstTxWarp prst="textNoShape">
-              <a:avLst/>
-            </a:prstTxWarp>
-            <a:noAutofit/>
-          </a:bodyPr>
-          <a:lstStyle/>
-          <a:p>
-            <a:endParaRPr lang="fr-FR"/>
-          </a:p>
-        </p:txBody>
-      </p:sp>
-      <p:sp>
-        <p:nvSpPr>
-          <p:cNvPr id="27" name="Rectangle : coins arrondis 26">
-            <a:extLst>
-              <a:ext uri="{FF2B5EF4-FFF2-40B4-BE49-F238E27FC236}">
-                <a16:creationId xmlns:a16="http://schemas.microsoft.com/office/drawing/2014/main" id="{67F0BB05-9A0E-438F-99F2-3FA9E65C5937}"/>
-              </a:ext>
-            </a:extLst>
-          </p:cNvPr>
-          <p:cNvSpPr/>
-          <p:nvPr/>
-        </p:nvSpPr>
-        <p:spPr>
-          <a:xfrm>
-            <a:off x="4541997" y="2816202"/>
-            <a:ext cx="1649888" cy="801039"/>
-          </a:xfrm>
-          <a:prstGeom prst="roundRect">
-            <a:avLst/>
-          </a:prstGeom>
-          <a:noFill/>
-          <a:ln w="50800">
-            <a:solidFill>
-              <a:srgbClr val="00B0F0"/>
-            </a:solidFill>
-          </a:ln>
-        </p:spPr>
-        <p:style>
-          <a:lnRef idx="2">
-            <a:schemeClr val="accent1">
-              <a:shade val="50000"/>
-            </a:schemeClr>
-          </a:lnRef>
-          <a:fillRef idx="1">
-            <a:schemeClr val="accent1"/>
-          </a:fillRef>
-          <a:effectRef idx="0">
-            <a:schemeClr val="accent1"/>
-          </a:effectRef>
-          <a:fontRef idx="minor">
-            <a:schemeClr val="lt1"/>
-          </a:fontRef>
-        </p:style>
-        <p:txBody>
-          <a:bodyPr rot="0" spcFirstLastPara="0" vert="horz" wrap="square" lIns="91440" tIns="45720" rIns="91440" bIns="45720" numCol="1" spcCol="0" rtlCol="0" fromWordArt="0" anchor="ctr" anchorCtr="0" forceAA="0" compatLnSpc="1">
-            <a:prstTxWarp prst="textNoShape">
-              <a:avLst/>
-            </a:prstTxWarp>
-            <a:noAutofit/>
-          </a:bodyPr>
-          <a:lstStyle/>
-          <a:p>
-            <a:endParaRPr lang="fr-FR"/>
-          </a:p>
-        </p:txBody>
-      </p:sp>
-      <p:sp>
-        <p:nvSpPr>
-          <p:cNvPr id="28" name="Rectangle : coins arrondis 27">
-            <a:extLst>
-              <a:ext uri="{FF2B5EF4-FFF2-40B4-BE49-F238E27FC236}">
-                <a16:creationId xmlns:a16="http://schemas.microsoft.com/office/drawing/2014/main" id="{F606E47C-726C-4713-AAF3-C821E5344F3E}"/>
-              </a:ext>
-            </a:extLst>
-          </p:cNvPr>
-          <p:cNvSpPr/>
-          <p:nvPr/>
-        </p:nvSpPr>
-        <p:spPr>
-          <a:xfrm>
-            <a:off x="6268083" y="3749157"/>
-            <a:ext cx="1661954" cy="801039"/>
-          </a:xfrm>
-          <a:prstGeom prst="roundRect">
-            <a:avLst/>
-          </a:prstGeom>
-          <a:noFill/>
-          <a:ln w="50800">
-            <a:solidFill>
-              <a:srgbClr val="00B0F0"/>
-            </a:solidFill>
-          </a:ln>
-        </p:spPr>
-        <p:style>
-          <a:lnRef idx="2">
-            <a:schemeClr val="accent1">
-              <a:shade val="50000"/>
-            </a:schemeClr>
-          </a:lnRef>
-          <a:fillRef idx="1">
-            <a:schemeClr val="accent1"/>
-          </a:fillRef>
-          <a:effectRef idx="0">
-            <a:schemeClr val="accent1"/>
-          </a:effectRef>
-          <a:fontRef idx="minor">
-            <a:schemeClr val="lt1"/>
-          </a:fontRef>
-        </p:style>
-        <p:txBody>
-          <a:bodyPr rot="0" spcFirstLastPara="0" vert="horz" wrap="square" lIns="91440" tIns="45720" rIns="91440" bIns="45720" numCol="1" spcCol="0" rtlCol="0" fromWordArt="0" anchor="ctr" anchorCtr="0" forceAA="0" compatLnSpc="1">
-            <a:prstTxWarp prst="textNoShape">
-              <a:avLst/>
-            </a:prstTxWarp>
-            <a:noAutofit/>
-          </a:bodyPr>
-          <a:lstStyle/>
-          <a:p>
-            <a:endParaRPr lang="fr-FR"/>
-          </a:p>
-        </p:txBody>
-      </p:sp>
-      <p:cxnSp>
-        <p:nvCxnSpPr>
-          <p:cNvPr id="29" name="Connecteur droit 28">
-            <a:extLst>
-              <a:ext uri="{FF2B5EF4-FFF2-40B4-BE49-F238E27FC236}">
-                <a16:creationId xmlns:a16="http://schemas.microsoft.com/office/drawing/2014/main" id="{275F8654-B445-4228-94F2-002ED50C11F4}"/>
-              </a:ext>
-            </a:extLst>
-          </p:cNvPr>
-          <p:cNvCxnSpPr>
-            <a:cxnSpLocks/>
-          </p:cNvCxnSpPr>
-          <p:nvPr/>
-        </p:nvCxnSpPr>
-        <p:spPr>
-          <a:xfrm flipH="1" flipV="1">
-            <a:off x="2002064" y="4570810"/>
-            <a:ext cx="2878658" cy="678299"/>
-          </a:xfrm>
-          <a:prstGeom prst="line">
-            <a:avLst/>
-          </a:prstGeom>
-          <a:ln>
-            <a:solidFill>
-              <a:schemeClr val="accent1"/>
-            </a:solidFill>
-          </a:ln>
-        </p:spPr>
-        <p:style>
-          <a:lnRef idx="3">
-            <a:schemeClr val="accent1"/>
-          </a:lnRef>
-          <a:fillRef idx="0">
-            <a:schemeClr val="accent1"/>
-          </a:fillRef>
-          <a:effectRef idx="2">
-            <a:schemeClr val="accent1"/>
-          </a:effectRef>
-          <a:fontRef idx="minor">
-            <a:schemeClr val="tx1"/>
-          </a:fontRef>
-        </p:style>
-      </p:cxnSp>
-      <p:sp>
-        <p:nvSpPr>
-          <p:cNvPr id="31" name="Zone de texte 45">
-            <a:extLst>
-              <a:ext uri="{FF2B5EF4-FFF2-40B4-BE49-F238E27FC236}">
-                <a16:creationId xmlns:a16="http://schemas.microsoft.com/office/drawing/2014/main" id="{4137D27B-845D-49BA-A870-304F07D89BFE}"/>
-              </a:ext>
-            </a:extLst>
-          </p:cNvPr>
-          <p:cNvSpPr txBox="1"/>
-          <p:nvPr/>
-        </p:nvSpPr>
-        <p:spPr>
-          <a:xfrm>
-            <a:off x="905817" y="4289822"/>
-            <a:ext cx="1095375" cy="561975"/>
-          </a:xfrm>
-          <a:prstGeom prst="rect">
-            <a:avLst/>
-          </a:prstGeom>
-          <a:solidFill>
-            <a:schemeClr val="lt1"/>
-          </a:solidFill>
-          <a:ln w="6350">
-            <a:solidFill>
-              <a:schemeClr val="accent1"/>
-            </a:solidFill>
-          </a:ln>
-        </p:spPr>
-        <p:txBody>
-          <a:bodyPr rot="0" spcFirstLastPara="0" vert="horz" wrap="square" lIns="91440" tIns="45720" rIns="91440" bIns="45720" numCol="1" spcCol="0" rtlCol="0" fromWordArt="0" anchor="t" anchorCtr="0" forceAA="0" compatLnSpc="1">
-            <a:prstTxWarp prst="textNoShape">
-              <a:avLst/>
-            </a:prstTxWarp>
-            <a:noAutofit/>
-          </a:bodyPr>
-          <a:lstStyle/>
-          <a:p>
-            <a:pPr>
-              <a:lnSpc>
-                <a:spcPct val="107000"/>
-              </a:lnSpc>
-              <a:spcAft>
-                <a:spcPts val="800"/>
-              </a:spcAft>
-            </a:pPr>
-            <a:r>
-              <a:rPr lang="fr-FR" sz="1000" dirty="0">
+            <a:pPr algn="ctr"/>
+            <a:r>
+              <a:rPr lang="fr-FR" sz="1100" i="1" dirty="0">
                 <a:solidFill>
-                  <a:schemeClr val="accent1"/>
+                  <a:schemeClr val="tx1"/>
                 </a:solidFill>
-                <a:effectLst/>
-                <a:latin typeface="Calibri" panose="020F0502020204030204" pitchFamily="34" charset="0"/>
-                <a:ea typeface="Calibri" panose="020F0502020204030204" pitchFamily="34" charset="0"/>
-                <a:cs typeface="Calibri" panose="020F0502020204030204" pitchFamily="34" charset="0"/>
               </a:rPr>
-              <a:t>Application Web sur l’affichage de l’état de la salle</a:t>
-            </a:r>
-            <a:endParaRPr lang="fr-FR" sz="1100" dirty="0">
-              <a:solidFill>
-                <a:schemeClr val="accent1"/>
-              </a:solidFill>
-              <a:effectLst/>
-              <a:latin typeface="Calibri" panose="020F0502020204030204" pitchFamily="34" charset="0"/>
-              <a:ea typeface="Calibri" panose="020F0502020204030204" pitchFamily="34" charset="0"/>
-              <a:cs typeface="Times New Roman" panose="02020603050405020304" pitchFamily="18" charset="0"/>
-            </a:endParaRPr>
-          </a:p>
-        </p:txBody>
-      </p:sp>
-      <p:cxnSp>
-        <p:nvCxnSpPr>
-          <p:cNvPr id="32" name="Connecteur droit 31">
-            <a:extLst>
-              <a:ext uri="{FF2B5EF4-FFF2-40B4-BE49-F238E27FC236}">
-                <a16:creationId xmlns:a16="http://schemas.microsoft.com/office/drawing/2014/main" id="{7A108338-C537-43B1-B6F3-044BA5E019D3}"/>
-              </a:ext>
-            </a:extLst>
-          </p:cNvPr>
-          <p:cNvCxnSpPr>
-            <a:cxnSpLocks/>
-          </p:cNvCxnSpPr>
-          <p:nvPr/>
-        </p:nvCxnSpPr>
-        <p:spPr>
-          <a:xfrm flipV="1">
-            <a:off x="7026093" y="4775248"/>
-            <a:ext cx="2781391" cy="380401"/>
-          </a:xfrm>
-          <a:prstGeom prst="line">
-            <a:avLst/>
-          </a:prstGeom>
-          <a:ln>
-            <a:solidFill>
-              <a:srgbClr val="2FC9FF"/>
-            </a:solidFill>
-          </a:ln>
-        </p:spPr>
-        <p:style>
-          <a:lnRef idx="3">
-            <a:schemeClr val="accent1"/>
-          </a:lnRef>
-          <a:fillRef idx="0">
-            <a:schemeClr val="accent1"/>
-          </a:fillRef>
-          <a:effectRef idx="2">
-            <a:schemeClr val="accent1"/>
-          </a:effectRef>
-          <a:fontRef idx="minor">
-            <a:schemeClr val="tx1"/>
-          </a:fontRef>
-        </p:style>
-      </p:cxnSp>
-      <p:sp>
-        <p:nvSpPr>
-          <p:cNvPr id="34" name="Zone de texte 44">
-            <a:extLst>
-              <a:ext uri="{FF2B5EF4-FFF2-40B4-BE49-F238E27FC236}">
-                <a16:creationId xmlns:a16="http://schemas.microsoft.com/office/drawing/2014/main" id="{4684EDED-9F12-45D2-926B-0E58883DBD1C}"/>
-              </a:ext>
-            </a:extLst>
-          </p:cNvPr>
-          <p:cNvSpPr txBox="1"/>
-          <p:nvPr/>
-        </p:nvSpPr>
-        <p:spPr>
-          <a:xfrm>
-            <a:off x="9811861" y="4481244"/>
-            <a:ext cx="1095375" cy="561975"/>
-          </a:xfrm>
-          <a:prstGeom prst="rect">
-            <a:avLst/>
-          </a:prstGeom>
-          <a:solidFill>
-            <a:schemeClr val="lt1"/>
-          </a:solidFill>
-          <a:ln w="6350">
-            <a:solidFill>
-              <a:srgbClr val="2FC9FF"/>
-            </a:solidFill>
-          </a:ln>
-        </p:spPr>
-        <p:txBody>
-          <a:bodyPr rot="0" spcFirstLastPara="0" vert="horz" wrap="square" lIns="91440" tIns="45720" rIns="91440" bIns="45720" numCol="1" spcCol="0" rtlCol="0" fromWordArt="0" anchor="t" anchorCtr="0" forceAA="0" compatLnSpc="1">
-            <a:prstTxWarp prst="textNoShape">
-              <a:avLst/>
-            </a:prstTxWarp>
-            <a:noAutofit/>
-          </a:bodyPr>
-          <a:lstStyle/>
-          <a:p>
-            <a:pPr>
-              <a:lnSpc>
-                <a:spcPct val="107000"/>
-              </a:lnSpc>
-              <a:spcAft>
-                <a:spcPts val="800"/>
-              </a:spcAft>
-            </a:pPr>
-            <a:r>
-              <a:rPr lang="fr-FR" sz="1000">
+              <a:t>CADEAU Thomas </a:t>
+            </a:r>
+            <a:br>
+              <a:rPr lang="fr-FR" sz="1100" i="1" dirty="0">
                 <a:solidFill>
-                  <a:srgbClr val="2FC9FF"/>
+                  <a:schemeClr val="tx1"/>
                 </a:solidFill>
-                <a:effectLst/>
-                <a:latin typeface="Calibri" panose="020F0502020204030204" pitchFamily="34" charset="0"/>
-                <a:ea typeface="Calibri" panose="020F0502020204030204" pitchFamily="34" charset="0"/>
-                <a:cs typeface="Calibri" panose="020F0502020204030204" pitchFamily="34" charset="0"/>
               </a:rPr>
-              <a:t>Application Web de pilotage des actionneurs</a:t>
-            </a:r>
-            <a:endParaRPr lang="fr-FR" sz="1100">
-              <a:effectLst/>
-              <a:latin typeface="Calibri" panose="020F0502020204030204" pitchFamily="34" charset="0"/>
-              <a:ea typeface="Calibri" panose="020F0502020204030204" pitchFamily="34" charset="0"/>
-              <a:cs typeface="Times New Roman" panose="02020603050405020304" pitchFamily="18" charset="0"/>
-            </a:endParaRPr>
-          </a:p>
-        </p:txBody>
-      </p:sp>
-      <p:sp>
-        <p:nvSpPr>
-          <p:cNvPr id="30" name="Flèche : double flèche horizontale 29">
-            <a:extLst>
-              <a:ext uri="{FF2B5EF4-FFF2-40B4-BE49-F238E27FC236}">
-                <a16:creationId xmlns:a16="http://schemas.microsoft.com/office/drawing/2014/main" id="{F9F6A72D-174F-4BC3-8B21-E7E934847993}"/>
-              </a:ext>
-            </a:extLst>
-          </p:cNvPr>
-          <p:cNvSpPr/>
-          <p:nvPr/>
-        </p:nvSpPr>
-        <p:spPr>
-          <a:xfrm rot="16200000">
-            <a:off x="7428681" y="4657774"/>
-            <a:ext cx="535940" cy="234950"/>
-          </a:xfrm>
-          <a:prstGeom prst="leftRightArrow">
-            <a:avLst/>
-          </a:prstGeom>
-          <a:solidFill>
-            <a:srgbClr val="FF0000"/>
-          </a:solidFill>
-          <a:ln>
-            <a:noFill/>
-          </a:ln>
-        </p:spPr>
-        <p:style>
-          <a:lnRef idx="2">
-            <a:schemeClr val="accent1">
-              <a:shade val="50000"/>
-            </a:schemeClr>
-          </a:lnRef>
-          <a:fillRef idx="1">
-            <a:schemeClr val="accent1"/>
-          </a:fillRef>
-          <a:effectRef idx="0">
-            <a:schemeClr val="accent1"/>
-          </a:effectRef>
-          <a:fontRef idx="minor">
-            <a:schemeClr val="lt1"/>
-          </a:fontRef>
-        </p:style>
-        <p:txBody>
-          <a:bodyPr rot="0" spcFirstLastPara="0" vert="horz" wrap="square" lIns="91440" tIns="45720" rIns="91440" bIns="45720" numCol="1" spcCol="0" rtlCol="0" fromWordArt="0" anchor="ctr" anchorCtr="0" forceAA="0" compatLnSpc="1">
-            <a:prstTxWarp prst="textNoShape">
-              <a:avLst/>
-            </a:prstTxWarp>
-            <a:noAutofit/>
-          </a:bodyPr>
-          <a:lstStyle/>
-          <a:p>
-            <a:endParaRPr lang="fr-FR"/>
-          </a:p>
-        </p:txBody>
-      </p:sp>
-      <p:sp>
-        <p:nvSpPr>
-          <p:cNvPr id="33" name="Rectangle : coins arrondis 32">
-            <a:extLst>
-              <a:ext uri="{FF2B5EF4-FFF2-40B4-BE49-F238E27FC236}">
-                <a16:creationId xmlns:a16="http://schemas.microsoft.com/office/drawing/2014/main" id="{7CE9B7C8-5101-4D32-9FE4-BA4514E34A1A}"/>
-              </a:ext>
-            </a:extLst>
-          </p:cNvPr>
-          <p:cNvSpPr/>
-          <p:nvPr/>
-        </p:nvSpPr>
-        <p:spPr>
-          <a:xfrm>
-            <a:off x="3683181" y="5901112"/>
-            <a:ext cx="438833" cy="466534"/>
-          </a:xfrm>
-          <a:prstGeom prst="roundRect">
-            <a:avLst/>
-          </a:prstGeom>
-          <a:noFill/>
-          <a:ln w="50800">
-            <a:solidFill>
-              <a:srgbClr val="92D050"/>
-            </a:solidFill>
-          </a:ln>
-        </p:spPr>
-        <p:style>
-          <a:lnRef idx="2">
-            <a:schemeClr val="accent1">
-              <a:shade val="50000"/>
-            </a:schemeClr>
-          </a:lnRef>
-          <a:fillRef idx="1">
-            <a:schemeClr val="accent1"/>
-          </a:fillRef>
-          <a:effectRef idx="0">
-            <a:schemeClr val="accent1"/>
-          </a:effectRef>
-          <a:fontRef idx="minor">
-            <a:schemeClr val="lt1"/>
-          </a:fontRef>
-        </p:style>
-        <p:txBody>
-          <a:bodyPr rot="0" spcFirstLastPara="0" vert="horz" wrap="square" lIns="91440" tIns="45720" rIns="91440" bIns="45720" numCol="1" spcCol="0" rtlCol="0" fromWordArt="0" anchor="ctr" anchorCtr="0" forceAA="0" compatLnSpc="1">
-            <a:prstTxWarp prst="textNoShape">
-              <a:avLst/>
-            </a:prstTxWarp>
-            <a:noAutofit/>
-          </a:bodyPr>
-          <a:lstStyle/>
-          <a:p>
-            <a:endParaRPr lang="fr-FR"/>
+            </a:br>
+            <a:r>
+              <a:rPr lang="fr-FR" sz="1100" i="1" dirty="0">
+                <a:solidFill>
+                  <a:schemeClr val="tx1"/>
+                </a:solidFill>
+              </a:rPr>
+              <a:t>BRENY Corentin </a:t>
+            </a:r>
+            <a:br>
+              <a:rPr lang="fr-FR" sz="1100" i="1" dirty="0">
+                <a:solidFill>
+                  <a:schemeClr val="tx1"/>
+                </a:solidFill>
+              </a:rPr>
+            </a:br>
+            <a:r>
+              <a:rPr lang="fr-FR" sz="1100" i="1" dirty="0">
+                <a:solidFill>
+                  <a:schemeClr val="tx1"/>
+                </a:solidFill>
+              </a:rPr>
+              <a:t>MINOS Constantin </a:t>
+            </a:r>
+            <a:br>
+              <a:rPr lang="fr-FR" sz="1100" i="1" dirty="0">
+                <a:solidFill>
+                  <a:schemeClr val="tx1"/>
+                </a:solidFill>
+              </a:rPr>
+            </a:br>
+            <a:r>
+              <a:rPr lang="fr-FR" sz="1100" i="1" dirty="0">
+                <a:solidFill>
+                  <a:schemeClr val="tx1"/>
+                </a:solidFill>
+              </a:rPr>
+              <a:t> PINNEAU Joshua</a:t>
+            </a:r>
           </a:p>
         </p:txBody>
       </p:sp>
     </p:spTree>
     <p:extLst>
       <p:ext uri="{BB962C8B-B14F-4D97-AF65-F5344CB8AC3E}">
-        <p14:creationId xmlns:p14="http://schemas.microsoft.com/office/powerpoint/2010/main" val="3816919354"/>
+        <p14:creationId xmlns:p14="http://schemas.microsoft.com/office/powerpoint/2010/main" val="4256950436"/>
       </p:ext>
     </p:extLst>
   </p:cSld>
   <p:clrMapOvr>
     <a:masterClrMapping/>
   </p:clrMapOvr>
-  <p:timing>
-    <p:tnLst>
-      <p:par>
-        <p:cTn id="1" dur="indefinite" restart="never" nodeType="tmRoot">
-          <p:childTnLst>
-            <p:seq concurrent="1" nextAc="seek">
-              <p:cTn id="2" dur="indefinite" nodeType="mainSeq">
-                <p:childTnLst>
-                  <p:par>
-                    <p:cTn id="3" fill="hold">
-                      <p:stCondLst>
-                        <p:cond delay="indefinite"/>
-                      </p:stCondLst>
-                      <p:childTnLst>
-                        <p:par>
-                          <p:cTn id="4" fill="hold">
-                            <p:stCondLst>
-                              <p:cond delay="0"/>
-                            </p:stCondLst>
-                            <p:childTnLst>
-                              <p:par>
-                                <p:cTn id="5" presetID="1" presetClass="entr" presetSubtype="0" fill="hold" grpId="0" nodeType="clickEffect">
-                                  <p:stCondLst>
-                                    <p:cond delay="0"/>
-                                  </p:stCondLst>
-                                  <p:childTnLst>
-                                    <p:set>
-                                      <p:cBhvr>
-                                        <p:cTn id="6" dur="1" fill="hold">
-                                          <p:stCondLst>
-                                            <p:cond delay="0"/>
-                                          </p:stCondLst>
-                                        </p:cTn>
-                                        <p:tgtEl>
-                                          <p:spTgt spid="5"/>
-                                        </p:tgtEl>
-                                        <p:attrNameLst>
-                                          <p:attrName>style.visibility</p:attrName>
-                                        </p:attrNameLst>
-                                      </p:cBhvr>
-                                      <p:to>
-                                        <p:strVal val="visible"/>
-                                      </p:to>
-                                    </p:set>
-                                  </p:childTnLst>
-                                </p:cTn>
-                              </p:par>
-                            </p:childTnLst>
-                          </p:cTn>
-                        </p:par>
-                      </p:childTnLst>
-                    </p:cTn>
-                  </p:par>
-                  <p:par>
-                    <p:cTn id="7" fill="hold">
-                      <p:stCondLst>
-                        <p:cond delay="indefinite"/>
-                      </p:stCondLst>
-                      <p:childTnLst>
-                        <p:par>
-                          <p:cTn id="8" fill="hold">
-                            <p:stCondLst>
-                              <p:cond delay="0"/>
-                            </p:stCondLst>
-                            <p:childTnLst>
-                              <p:par>
-                                <p:cTn id="9" presetID="1" presetClass="entr" presetSubtype="0" fill="hold" grpId="0" nodeType="clickEffect">
-                                  <p:stCondLst>
-                                    <p:cond delay="0"/>
-                                  </p:stCondLst>
-                                  <p:childTnLst>
-                                    <p:set>
-                                      <p:cBhvr>
-                                        <p:cTn id="10" dur="1" fill="hold">
-                                          <p:stCondLst>
-                                            <p:cond delay="0"/>
-                                          </p:stCondLst>
-                                        </p:cTn>
-                                        <p:tgtEl>
-                                          <p:spTgt spid="8"/>
-                                        </p:tgtEl>
-                                        <p:attrNameLst>
-                                          <p:attrName>style.visibility</p:attrName>
-                                        </p:attrNameLst>
-                                      </p:cBhvr>
-                                      <p:to>
-                                        <p:strVal val="visible"/>
-                                      </p:to>
-                                    </p:set>
-                                  </p:childTnLst>
-                                </p:cTn>
-                              </p:par>
-                            </p:childTnLst>
-                          </p:cTn>
-                        </p:par>
-                      </p:childTnLst>
-                    </p:cTn>
-                  </p:par>
-                  <p:par>
-                    <p:cTn id="11" fill="hold">
-                      <p:stCondLst>
-                        <p:cond delay="indefinite"/>
-                      </p:stCondLst>
-                      <p:childTnLst>
-                        <p:par>
-                          <p:cTn id="12" fill="hold">
-                            <p:stCondLst>
-                              <p:cond delay="0"/>
-                            </p:stCondLst>
-                            <p:childTnLst>
-                              <p:par>
-                                <p:cTn id="13" presetID="1" presetClass="entr" presetSubtype="0" fill="hold" grpId="0" nodeType="clickEffect">
-                                  <p:stCondLst>
-                                    <p:cond delay="0"/>
-                                  </p:stCondLst>
-                                  <p:childTnLst>
-                                    <p:set>
-                                      <p:cBhvr>
-                                        <p:cTn id="14" dur="1" fill="hold">
-                                          <p:stCondLst>
-                                            <p:cond delay="0"/>
-                                          </p:stCondLst>
-                                        </p:cTn>
-                                        <p:tgtEl>
-                                          <p:spTgt spid="7"/>
-                                        </p:tgtEl>
-                                        <p:attrNameLst>
-                                          <p:attrName>style.visibility</p:attrName>
-                                        </p:attrNameLst>
-                                      </p:cBhvr>
-                                      <p:to>
-                                        <p:strVal val="visible"/>
-                                      </p:to>
-                                    </p:set>
-                                  </p:childTnLst>
-                                </p:cTn>
-                              </p:par>
-                            </p:childTnLst>
-                          </p:cTn>
-                        </p:par>
-                      </p:childTnLst>
-                    </p:cTn>
-                  </p:par>
-                  <p:par>
-                    <p:cTn id="15" fill="hold">
-                      <p:stCondLst>
-                        <p:cond delay="indefinite"/>
-                      </p:stCondLst>
-                      <p:childTnLst>
-                        <p:par>
-                          <p:cTn id="16" fill="hold">
-                            <p:stCondLst>
-                              <p:cond delay="0"/>
-                            </p:stCondLst>
-                            <p:childTnLst>
-                              <p:par>
-                                <p:cTn id="17" presetID="1" presetClass="entr" presetSubtype="0" fill="hold" nodeType="clickEffect">
-                                  <p:stCondLst>
-                                    <p:cond delay="0"/>
-                                  </p:stCondLst>
-                                  <p:childTnLst>
-                                    <p:set>
-                                      <p:cBhvr>
-                                        <p:cTn id="18" dur="1" fill="hold">
-                                          <p:stCondLst>
-                                            <p:cond delay="0"/>
-                                          </p:stCondLst>
-                                        </p:cTn>
-                                        <p:tgtEl>
-                                          <p:spTgt spid="29"/>
-                                        </p:tgtEl>
-                                        <p:attrNameLst>
-                                          <p:attrName>style.visibility</p:attrName>
-                                        </p:attrNameLst>
-                                      </p:cBhvr>
-                                      <p:to>
-                                        <p:strVal val="visible"/>
-                                      </p:to>
-                                    </p:set>
-                                  </p:childTnLst>
-                                </p:cTn>
-                              </p:par>
-                            </p:childTnLst>
-                          </p:cTn>
-                        </p:par>
-                      </p:childTnLst>
-                    </p:cTn>
-                  </p:par>
-                  <p:par>
-                    <p:cTn id="19" fill="hold">
-                      <p:stCondLst>
-                        <p:cond delay="indefinite"/>
-                      </p:stCondLst>
-                      <p:childTnLst>
-                        <p:par>
-                          <p:cTn id="20" fill="hold">
-                            <p:stCondLst>
-                              <p:cond delay="0"/>
-                            </p:stCondLst>
-                            <p:childTnLst>
-                              <p:par>
-                                <p:cTn id="21" presetID="1" presetClass="entr" presetSubtype="0" fill="hold" grpId="0" nodeType="clickEffect">
-                                  <p:stCondLst>
-                                    <p:cond delay="0"/>
-                                  </p:stCondLst>
-                                  <p:childTnLst>
-                                    <p:set>
-                                      <p:cBhvr>
-                                        <p:cTn id="22" dur="1" fill="hold">
-                                          <p:stCondLst>
-                                            <p:cond delay="0"/>
-                                          </p:stCondLst>
-                                        </p:cTn>
-                                        <p:tgtEl>
-                                          <p:spTgt spid="31"/>
-                                        </p:tgtEl>
-                                        <p:attrNameLst>
-                                          <p:attrName>style.visibility</p:attrName>
-                                        </p:attrNameLst>
-                                      </p:cBhvr>
-                                      <p:to>
-                                        <p:strVal val="visible"/>
-                                      </p:to>
-                                    </p:set>
-                                  </p:childTnLst>
-                                </p:cTn>
-                              </p:par>
-                            </p:childTnLst>
-                          </p:cTn>
-                        </p:par>
-                      </p:childTnLst>
-                    </p:cTn>
-                  </p:par>
-                </p:childTnLst>
-              </p:cTn>
-              <p:prevCondLst>
-                <p:cond evt="onPrev" delay="0">
-                  <p:tgtEl>
-                    <p:sldTgt/>
-                  </p:tgtEl>
-                </p:cond>
-              </p:prevCondLst>
-              <p:nextCondLst>
-                <p:cond evt="onNext" delay="0">
-                  <p:tgtEl>
-                    <p:sldTgt/>
-                  </p:tgtEl>
-                </p:cond>
-              </p:nextCondLst>
-            </p:seq>
-          </p:childTnLst>
-        </p:cTn>
-      </p:par>
-    </p:tnLst>
-    <p:bldLst>
-      <p:bldP spid="5" grpId="0" animBg="1"/>
-      <p:bldP spid="7" grpId="0" animBg="1"/>
-      <p:bldP spid="8" grpId="0" animBg="1"/>
-      <p:bldP spid="31" grpId="0" animBg="1"/>
-    </p:bldLst>
-  </p:timing>
 </p:sld>
 </file>
 
@@ -5118,10 +4017,10 @@
       </p:grpSpPr>
       <p:pic>
         <p:nvPicPr>
-          <p:cNvPr id="11" name="Image 10" descr="Une image contenant table, paire&#10;&#10;Description générée automatiquement">
-            <a:extLst>
-              <a:ext uri="{FF2B5EF4-FFF2-40B4-BE49-F238E27FC236}">
-                <a16:creationId xmlns:a16="http://schemas.microsoft.com/office/drawing/2014/main" id="{6BF5BDA8-2259-41CC-A61B-D704DEF0D488}"/>
+          <p:cNvPr id="8" name="Image 7" descr="Une image contenant table, paire&#10;&#10;Description générée automatiquement">
+            <a:extLst>
+              <a:ext uri="{FF2B5EF4-FFF2-40B4-BE49-F238E27FC236}">
+                <a16:creationId xmlns:a16="http://schemas.microsoft.com/office/drawing/2014/main" id="{285DFC8B-EF09-4C38-8A7C-512706C86447}"/>
               </a:ext>
             </a:extLst>
           </p:cNvPr>
@@ -5152,12 +4051,48 @@
           </a:prstGeom>
         </p:spPr>
       </p:pic>
-      <p:sp>
-        <p:nvSpPr>
-          <p:cNvPr id="4" name="Titre 1">
-            <a:extLst>
-              <a:ext uri="{FF2B5EF4-FFF2-40B4-BE49-F238E27FC236}">
-                <a16:creationId xmlns:a16="http://schemas.microsoft.com/office/drawing/2014/main" id="{C9DA7725-D7E8-4BCC-9FDF-A34AF4C0A51D}"/>
+      <p:pic>
+        <p:nvPicPr>
+          <p:cNvPr id="5" name="Image 4" descr="Une image contenant texte, carte&#10;&#10;Description générée automatiquement">
+            <a:extLst>
+              <a:ext uri="{FF2B5EF4-FFF2-40B4-BE49-F238E27FC236}">
+                <a16:creationId xmlns:a16="http://schemas.microsoft.com/office/drawing/2014/main" id="{04AB712E-CAB8-4919-9D2F-9861540EB976}"/>
+              </a:ext>
+            </a:extLst>
+          </p:cNvPr>
+          <p:cNvPicPr>
+            <a:picLocks noChangeAspect="1"/>
+          </p:cNvPicPr>
+          <p:nvPr/>
+        </p:nvPicPr>
+        <p:blipFill>
+          <a:blip r:embed="rId3">
+            <a:extLst>
+              <a:ext uri="{28A0092B-C50C-407E-A947-70E740481C1C}">
+                <a14:useLocalDpi xmlns:a14="http://schemas.microsoft.com/office/drawing/2010/main" val="0"/>
+              </a:ext>
+            </a:extLst>
+          </a:blip>
+          <a:stretch>
+            <a:fillRect/>
+          </a:stretch>
+        </p:blipFill>
+        <p:spPr>
+          <a:xfrm>
+            <a:off x="2616490" y="1541955"/>
+            <a:ext cx="6959019" cy="5189045"/>
+          </a:xfrm>
+          <a:prstGeom prst="rect">
+            <a:avLst/>
+          </a:prstGeom>
+        </p:spPr>
+      </p:pic>
+      <p:sp>
+        <p:nvSpPr>
+          <p:cNvPr id="7" name="Titre 1">
+            <a:extLst>
+              <a:ext uri="{FF2B5EF4-FFF2-40B4-BE49-F238E27FC236}">
+                <a16:creationId xmlns:a16="http://schemas.microsoft.com/office/drawing/2014/main" id="{B99C25B3-D467-4A98-8DB5-F956F5749BEE}"/>
               </a:ext>
             </a:extLst>
           </p:cNvPr>
@@ -5186,135 +4121,15 @@
                 </a:solidFill>
                 <a:latin typeface="+mn-lt"/>
               </a:rPr>
-              <a:t>Mécanisme n°3 : l’élément TERRE </a:t>
-            </a:r>
-          </a:p>
-        </p:txBody>
-      </p:sp>
-      <p:pic>
-        <p:nvPicPr>
-          <p:cNvPr id="2" name="Image 1">
-            <a:extLst>
-              <a:ext uri="{FF2B5EF4-FFF2-40B4-BE49-F238E27FC236}">
-                <a16:creationId xmlns:a16="http://schemas.microsoft.com/office/drawing/2014/main" id="{E28FE5E5-E318-4D8A-B7C5-DFA9C18E6F21}"/>
-              </a:ext>
-            </a:extLst>
-          </p:cNvPr>
-          <p:cNvPicPr>
-            <a:picLocks noChangeAspect="1"/>
-          </p:cNvPicPr>
-          <p:nvPr/>
-        </p:nvPicPr>
-        <p:blipFill>
-          <a:blip r:embed="rId3"/>
-          <a:stretch>
-            <a:fillRect/>
-          </a:stretch>
-        </p:blipFill>
-        <p:spPr>
-          <a:xfrm>
-            <a:off x="847722" y="4525470"/>
-            <a:ext cx="5857875" cy="1581150"/>
-          </a:xfrm>
-          <a:prstGeom prst="rect">
-            <a:avLst/>
-          </a:prstGeom>
-        </p:spPr>
-      </p:pic>
-      <p:pic>
-        <p:nvPicPr>
-          <p:cNvPr id="3" name="Image 2">
-            <a:extLst>
-              <a:ext uri="{FF2B5EF4-FFF2-40B4-BE49-F238E27FC236}">
-                <a16:creationId xmlns:a16="http://schemas.microsoft.com/office/drawing/2014/main" id="{D595E763-7D30-47AE-8761-3F2A4DC4D3DB}"/>
-              </a:ext>
-            </a:extLst>
-          </p:cNvPr>
-          <p:cNvPicPr>
-            <a:picLocks noChangeAspect="1"/>
-          </p:cNvPicPr>
-          <p:nvPr/>
-        </p:nvPicPr>
-        <p:blipFill>
-          <a:blip r:embed="rId4"/>
-          <a:stretch>
-            <a:fillRect/>
-          </a:stretch>
-        </p:blipFill>
-        <p:spPr>
-          <a:xfrm>
-            <a:off x="3776660" y="1541955"/>
-            <a:ext cx="4638675" cy="2457450"/>
-          </a:xfrm>
-          <a:prstGeom prst="rect">
-            <a:avLst/>
-          </a:prstGeom>
-        </p:spPr>
-      </p:pic>
-      <p:pic>
-        <p:nvPicPr>
-          <p:cNvPr id="5" name="Image 4">
-            <a:extLst>
-              <a:ext uri="{FF2B5EF4-FFF2-40B4-BE49-F238E27FC236}">
-                <a16:creationId xmlns:a16="http://schemas.microsoft.com/office/drawing/2014/main" id="{7A5F23A6-7D69-4EA1-8D2A-BC9AC013614C}"/>
-              </a:ext>
-            </a:extLst>
-          </p:cNvPr>
-          <p:cNvPicPr>
-            <a:picLocks noChangeAspect="1"/>
-          </p:cNvPicPr>
-          <p:nvPr/>
-        </p:nvPicPr>
-        <p:blipFill>
-          <a:blip r:embed="rId5"/>
-          <a:stretch>
-            <a:fillRect/>
-          </a:stretch>
-        </p:blipFill>
-        <p:spPr>
-          <a:xfrm>
-            <a:off x="6705597" y="5184213"/>
-            <a:ext cx="1390650" cy="1152525"/>
-          </a:xfrm>
-          <a:prstGeom prst="rect">
-            <a:avLst/>
-          </a:prstGeom>
-        </p:spPr>
-      </p:pic>
-      <p:pic>
-        <p:nvPicPr>
-          <p:cNvPr id="10" name="Image 9">
-            <a:extLst>
-              <a:ext uri="{FF2B5EF4-FFF2-40B4-BE49-F238E27FC236}">
-                <a16:creationId xmlns:a16="http://schemas.microsoft.com/office/drawing/2014/main" id="{7DE3B953-ACFB-4D2B-9348-87A2B346ABFC}"/>
-              </a:ext>
-            </a:extLst>
-          </p:cNvPr>
-          <p:cNvPicPr>
-            <a:picLocks noChangeAspect="1"/>
-          </p:cNvPicPr>
-          <p:nvPr/>
-        </p:nvPicPr>
-        <p:blipFill>
-          <a:blip r:embed="rId6"/>
-          <a:stretch>
-            <a:fillRect/>
-          </a:stretch>
-        </p:blipFill>
-        <p:spPr>
-          <a:xfrm>
-            <a:off x="8415335" y="4301631"/>
-            <a:ext cx="2276475" cy="2028825"/>
-          </a:xfrm>
-          <a:prstGeom prst="rect">
-            <a:avLst/>
-          </a:prstGeom>
-        </p:spPr>
-      </p:pic>
+              <a:t>Mécanisme n°2 : Le lion basculant </a:t>
+            </a:r>
+          </a:p>
+        </p:txBody>
+      </p:sp>
     </p:spTree>
     <p:extLst>
       <p:ext uri="{BB962C8B-B14F-4D97-AF65-F5344CB8AC3E}">
-        <p14:creationId xmlns:p14="http://schemas.microsoft.com/office/powerpoint/2010/main" val="2317223834"/>
+        <p14:creationId xmlns:p14="http://schemas.microsoft.com/office/powerpoint/2010/main" val="2536681500"/>
       </p:ext>
     </p:extLst>
   </p:cSld>
@@ -5346,6 +4161,231 @@
           <p:cNvPr id="11" name="Image 10" descr="Une image contenant table, paire&#10;&#10;Description générée automatiquement">
             <a:extLst>
               <a:ext uri="{FF2B5EF4-FFF2-40B4-BE49-F238E27FC236}">
+                <a16:creationId xmlns:a16="http://schemas.microsoft.com/office/drawing/2014/main" id="{6BF5BDA8-2259-41CC-A61B-D704DEF0D488}"/>
+              </a:ext>
+            </a:extLst>
+          </p:cNvPr>
+          <p:cNvPicPr>
+            <a:picLocks noChangeAspect="1"/>
+          </p:cNvPicPr>
+          <p:nvPr/>
+        </p:nvPicPr>
+        <p:blipFill rotWithShape="1">
+          <a:blip r:embed="rId2">
+            <a:alphaModFix amt="50000"/>
+            <a:extLst>
+              <a:ext uri="{28A0092B-C50C-407E-A947-70E740481C1C}">
+                <a14:useLocalDpi xmlns:a14="http://schemas.microsoft.com/office/drawing/2010/main" val="0"/>
+              </a:ext>
+            </a:extLst>
+          </a:blip>
+          <a:srcRect t="6250"/>
+          <a:stretch/>
+        </p:blipFill>
+        <p:spPr>
+          <a:xfrm>
+            <a:off x="20" y="1"/>
+            <a:ext cx="12191980" cy="6857999"/>
+          </a:xfrm>
+          <a:prstGeom prst="rect">
+            <a:avLst/>
+          </a:prstGeom>
+        </p:spPr>
+      </p:pic>
+      <p:sp>
+        <p:nvSpPr>
+          <p:cNvPr id="4" name="Titre 1">
+            <a:extLst>
+              <a:ext uri="{FF2B5EF4-FFF2-40B4-BE49-F238E27FC236}">
+                <a16:creationId xmlns:a16="http://schemas.microsoft.com/office/drawing/2014/main" id="{C9DA7725-D7E8-4BCC-9FDF-A34AF4C0A51D}"/>
+              </a:ext>
+            </a:extLst>
+          </p:cNvPr>
+          <p:cNvSpPr>
+            <a:spLocks noGrp="1"/>
+          </p:cNvSpPr>
+          <p:nvPr>
+            <p:ph type="title"/>
+          </p:nvPr>
+        </p:nvSpPr>
+        <p:spPr>
+          <a:xfrm>
+            <a:off x="897559" y="389990"/>
+            <a:ext cx="10396882" cy="1151965"/>
+          </a:xfrm>
+        </p:spPr>
+        <p:txBody>
+          <a:bodyPr/>
+          <a:lstStyle/>
+          <a:p>
+            <a:pPr algn="ctr"/>
+            <a:r>
+              <a:rPr lang="fr-FR" b="1" dirty="0">
+                <a:solidFill>
+                  <a:schemeClr val="tx1"/>
+                </a:solidFill>
+                <a:latin typeface="+mn-lt"/>
+              </a:rPr>
+              <a:t>Mécanisme n°3 : l’élément TERRE </a:t>
+            </a:r>
+          </a:p>
+        </p:txBody>
+      </p:sp>
+      <p:pic>
+        <p:nvPicPr>
+          <p:cNvPr id="2" name="Image 1">
+            <a:extLst>
+              <a:ext uri="{FF2B5EF4-FFF2-40B4-BE49-F238E27FC236}">
+                <a16:creationId xmlns:a16="http://schemas.microsoft.com/office/drawing/2014/main" id="{E28FE5E5-E318-4D8A-B7C5-DFA9C18E6F21}"/>
+              </a:ext>
+            </a:extLst>
+          </p:cNvPr>
+          <p:cNvPicPr>
+            <a:picLocks noChangeAspect="1"/>
+          </p:cNvPicPr>
+          <p:nvPr/>
+        </p:nvPicPr>
+        <p:blipFill>
+          <a:blip r:embed="rId3"/>
+          <a:stretch>
+            <a:fillRect/>
+          </a:stretch>
+        </p:blipFill>
+        <p:spPr>
+          <a:xfrm>
+            <a:off x="847722" y="4525470"/>
+            <a:ext cx="5857875" cy="1581150"/>
+          </a:xfrm>
+          <a:prstGeom prst="rect">
+            <a:avLst/>
+          </a:prstGeom>
+        </p:spPr>
+      </p:pic>
+      <p:pic>
+        <p:nvPicPr>
+          <p:cNvPr id="3" name="Image 2">
+            <a:extLst>
+              <a:ext uri="{FF2B5EF4-FFF2-40B4-BE49-F238E27FC236}">
+                <a16:creationId xmlns:a16="http://schemas.microsoft.com/office/drawing/2014/main" id="{D595E763-7D30-47AE-8761-3F2A4DC4D3DB}"/>
+              </a:ext>
+            </a:extLst>
+          </p:cNvPr>
+          <p:cNvPicPr>
+            <a:picLocks noChangeAspect="1"/>
+          </p:cNvPicPr>
+          <p:nvPr/>
+        </p:nvPicPr>
+        <p:blipFill>
+          <a:blip r:embed="rId4"/>
+          <a:stretch>
+            <a:fillRect/>
+          </a:stretch>
+        </p:blipFill>
+        <p:spPr>
+          <a:xfrm>
+            <a:off x="3776660" y="1541955"/>
+            <a:ext cx="4638675" cy="2457450"/>
+          </a:xfrm>
+          <a:prstGeom prst="rect">
+            <a:avLst/>
+          </a:prstGeom>
+        </p:spPr>
+      </p:pic>
+      <p:pic>
+        <p:nvPicPr>
+          <p:cNvPr id="5" name="Image 4">
+            <a:extLst>
+              <a:ext uri="{FF2B5EF4-FFF2-40B4-BE49-F238E27FC236}">
+                <a16:creationId xmlns:a16="http://schemas.microsoft.com/office/drawing/2014/main" id="{7A5F23A6-7D69-4EA1-8D2A-BC9AC013614C}"/>
+              </a:ext>
+            </a:extLst>
+          </p:cNvPr>
+          <p:cNvPicPr>
+            <a:picLocks noChangeAspect="1"/>
+          </p:cNvPicPr>
+          <p:nvPr/>
+        </p:nvPicPr>
+        <p:blipFill>
+          <a:blip r:embed="rId5"/>
+          <a:stretch>
+            <a:fillRect/>
+          </a:stretch>
+        </p:blipFill>
+        <p:spPr>
+          <a:xfrm>
+            <a:off x="6705597" y="5184213"/>
+            <a:ext cx="1390650" cy="1152525"/>
+          </a:xfrm>
+          <a:prstGeom prst="rect">
+            <a:avLst/>
+          </a:prstGeom>
+        </p:spPr>
+      </p:pic>
+      <p:pic>
+        <p:nvPicPr>
+          <p:cNvPr id="10" name="Image 9">
+            <a:extLst>
+              <a:ext uri="{FF2B5EF4-FFF2-40B4-BE49-F238E27FC236}">
+                <a16:creationId xmlns:a16="http://schemas.microsoft.com/office/drawing/2014/main" id="{7DE3B953-ACFB-4D2B-9348-87A2B346ABFC}"/>
+              </a:ext>
+            </a:extLst>
+          </p:cNvPr>
+          <p:cNvPicPr>
+            <a:picLocks noChangeAspect="1"/>
+          </p:cNvPicPr>
+          <p:nvPr/>
+        </p:nvPicPr>
+        <p:blipFill>
+          <a:blip r:embed="rId6"/>
+          <a:stretch>
+            <a:fillRect/>
+          </a:stretch>
+        </p:blipFill>
+        <p:spPr>
+          <a:xfrm>
+            <a:off x="8415335" y="4301631"/>
+            <a:ext cx="2276475" cy="2028825"/>
+          </a:xfrm>
+          <a:prstGeom prst="rect">
+            <a:avLst/>
+          </a:prstGeom>
+        </p:spPr>
+      </p:pic>
+    </p:spTree>
+    <p:extLst>
+      <p:ext uri="{BB962C8B-B14F-4D97-AF65-F5344CB8AC3E}">
+        <p14:creationId xmlns:p14="http://schemas.microsoft.com/office/powerpoint/2010/main" val="2317223834"/>
+      </p:ext>
+    </p:extLst>
+  </p:cSld>
+  <p:clrMapOvr>
+    <a:masterClrMapping/>
+  </p:clrMapOvr>
+</p:sld>
+</file>
+
+<file path=ppt/slides/slide12.xml><?xml version="1.0" encoding="utf-8"?>
+<p:sld xmlns:a="http://schemas.openxmlformats.org/drawingml/2006/main" xmlns:r="http://schemas.openxmlformats.org/officeDocument/2006/relationships" xmlns:p="http://schemas.openxmlformats.org/presentationml/2006/main">
+  <p:cSld>
+    <p:spTree>
+      <p:nvGrpSpPr>
+        <p:cNvPr id="1" name=""/>
+        <p:cNvGrpSpPr/>
+        <p:nvPr/>
+      </p:nvGrpSpPr>
+      <p:grpSpPr>
+        <a:xfrm>
+          <a:off x="0" y="0"/>
+          <a:ext cx="0" cy="0"/>
+          <a:chOff x="0" y="0"/>
+          <a:chExt cx="0" cy="0"/>
+        </a:xfrm>
+      </p:grpSpPr>
+      <p:pic>
+        <p:nvPicPr>
+          <p:cNvPr id="11" name="Image 10" descr="Une image contenant table, paire&#10;&#10;Description générée automatiquement">
+            <a:extLst>
+              <a:ext uri="{FF2B5EF4-FFF2-40B4-BE49-F238E27FC236}">
                 <a16:creationId xmlns:a16="http://schemas.microsoft.com/office/drawing/2014/main" id="{AEEB834D-2A12-44C2-B731-07361B674488}"/>
               </a:ext>
             </a:extLst>
@@ -5465,7 +4505,7 @@
 </p:sld>
 </file>
 
-<file path=ppt/slides/slide12.xml><?xml version="1.0" encoding="utf-8"?>
+<file path=ppt/slides/slide13.xml><?xml version="1.0" encoding="utf-8"?>
 <p:sld xmlns:a="http://schemas.openxmlformats.org/drawingml/2006/main" xmlns:r="http://schemas.openxmlformats.org/officeDocument/2006/relationships" xmlns:p="http://schemas.openxmlformats.org/presentationml/2006/main">
   <p:cSld>
     <p:spTree>
@@ -6298,7 +5338,7 @@
 </p:sld>
 </file>
 
-<file path=ppt/slides/slide13.xml><?xml version="1.0" encoding="utf-8"?>
+<file path=ppt/slides/slide14.xml><?xml version="1.0" encoding="utf-8"?>
 <p:sld xmlns:a="http://schemas.openxmlformats.org/drawingml/2006/main" xmlns:r="http://schemas.openxmlformats.org/officeDocument/2006/relationships" xmlns:p="http://schemas.openxmlformats.org/presentationml/2006/main">
   <p:cSld>
     <p:spTree>
@@ -6403,7 +5443,7 @@
 </p:sld>
 </file>
 
-<file path=ppt/slides/slide14.xml><?xml version="1.0" encoding="utf-8"?>
+<file path=ppt/slides/slide15.xml><?xml version="1.0" encoding="utf-8"?>
 <p:sld xmlns:a="http://schemas.openxmlformats.org/drawingml/2006/main" xmlns:r="http://schemas.openxmlformats.org/officeDocument/2006/relationships" xmlns:p="http://schemas.openxmlformats.org/presentationml/2006/main">
   <p:cSld>
     <p:spTree>
@@ -6527,10 +5567,10 @@
       </p:grpSpPr>
       <p:pic>
         <p:nvPicPr>
-          <p:cNvPr id="21" name="Image 20" descr="Une image contenant table, paire&#10;&#10;Description générée automatiquement">
-            <a:extLst>
-              <a:ext uri="{FF2B5EF4-FFF2-40B4-BE49-F238E27FC236}">
-                <a16:creationId xmlns:a16="http://schemas.microsoft.com/office/drawing/2014/main" id="{C94C7F28-1A6D-4AE8-832F-6ADD5ADD1A9A}"/>
+          <p:cNvPr id="35" name="Image 34" descr="Une image contenant table, paire&#10;&#10;Description générée automatiquement">
+            <a:extLst>
+              <a:ext uri="{FF2B5EF4-FFF2-40B4-BE49-F238E27FC236}">
+                <a16:creationId xmlns:a16="http://schemas.microsoft.com/office/drawing/2014/main" id="{E5E46CAE-0FFE-4661-9FB2-F6BD0D4AF85F}"/>
               </a:ext>
             </a:extLst>
           </p:cNvPr>
@@ -6561,46 +5601,12 @@
           </a:prstGeom>
         </p:spPr>
       </p:pic>
-      <p:pic>
-        <p:nvPicPr>
-          <p:cNvPr id="4" name="Image 3">
-            <a:extLst>
-              <a:ext uri="{FF2B5EF4-FFF2-40B4-BE49-F238E27FC236}">
-                <a16:creationId xmlns:a16="http://schemas.microsoft.com/office/drawing/2014/main" id="{CFF8CF00-DB30-4438-B600-8B2DEF6B4067}"/>
-              </a:ext>
-            </a:extLst>
-          </p:cNvPr>
-          <p:cNvPicPr/>
-          <p:nvPr/>
-        </p:nvPicPr>
-        <p:blipFill>
-          <a:blip r:embed="rId3">
-            <a:extLst>
-              <a:ext uri="{28A0092B-C50C-407E-A947-70E740481C1C}">
-                <a14:useLocalDpi xmlns:a14="http://schemas.microsoft.com/office/drawing/2010/main" val="0"/>
-              </a:ext>
-            </a:extLst>
-          </a:blip>
-          <a:stretch>
-            <a:fillRect/>
-          </a:stretch>
-        </p:blipFill>
-        <p:spPr>
-          <a:xfrm>
-            <a:off x="2773996" y="1376363"/>
-            <a:ext cx="6644005" cy="5248275"/>
-          </a:xfrm>
-          <a:prstGeom prst="rect">
-            <a:avLst/>
-          </a:prstGeom>
-        </p:spPr>
-      </p:pic>
-      <p:sp>
-        <p:nvSpPr>
-          <p:cNvPr id="16" name="Titre 1">
-            <a:extLst>
-              <a:ext uri="{FF2B5EF4-FFF2-40B4-BE49-F238E27FC236}">
-                <a16:creationId xmlns:a16="http://schemas.microsoft.com/office/drawing/2014/main" id="{70072CBA-496B-470E-9046-17C30A8A15BD}"/>
+      <p:sp>
+        <p:nvSpPr>
+          <p:cNvPr id="2" name="Titre 1">
+            <a:extLst>
+              <a:ext uri="{FF2B5EF4-FFF2-40B4-BE49-F238E27FC236}">
+                <a16:creationId xmlns:a16="http://schemas.microsoft.com/office/drawing/2014/main" id="{29D64549-C194-456E-AFBD-DDFEA9F742B9}"/>
               </a:ext>
             </a:extLst>
           </p:cNvPr>
@@ -6613,7 +5619,7 @@
         </p:nvSpPr>
         <p:spPr>
           <a:xfrm>
-            <a:off x="838199" y="233362"/>
+            <a:off x="838199" y="148442"/>
             <a:ext cx="10515600" cy="1325563"/>
           </a:xfrm>
         </p:spPr>
@@ -6628,7 +5634,7 @@
               <a:rPr lang="fr-FR" b="1" dirty="0">
                 <a:latin typeface="+mn-lt"/>
               </a:rPr>
-              <a:t>Diagramme de cas d’utilisation</a:t>
+              <a:t>Introduction</a:t>
             </a:r>
             <a:endParaRPr lang="fr-FR" sz="3600" b="1" dirty="0">
               <a:latin typeface="+mn-lt"/>
@@ -6636,16 +5642,1686 @@
           </a:p>
         </p:txBody>
       </p:sp>
+      <p:pic>
+        <p:nvPicPr>
+          <p:cNvPr id="3" name="Image 2">
+            <a:extLst>
+              <a:ext uri="{FF2B5EF4-FFF2-40B4-BE49-F238E27FC236}">
+                <a16:creationId xmlns:a16="http://schemas.microsoft.com/office/drawing/2014/main" id="{F326434F-0C29-4B78-86B1-77260A8911E4}"/>
+              </a:ext>
+            </a:extLst>
+          </p:cNvPr>
+          <p:cNvPicPr/>
+          <p:nvPr/>
+        </p:nvPicPr>
+        <p:blipFill>
+          <a:blip r:embed="rId3">
+            <a:extLst>
+              <a:ext uri="{28A0092B-C50C-407E-A947-70E740481C1C}">
+                <a14:useLocalDpi xmlns:a14="http://schemas.microsoft.com/office/drawing/2010/main" val="0"/>
+              </a:ext>
+            </a:extLst>
+          </a:blip>
+          <a:stretch>
+            <a:fillRect/>
+          </a:stretch>
+        </p:blipFill>
+        <p:spPr>
+          <a:xfrm>
+            <a:off x="2315799" y="1268963"/>
+            <a:ext cx="7560401" cy="5589037"/>
+          </a:xfrm>
+          <a:prstGeom prst="rect">
+            <a:avLst/>
+          </a:prstGeom>
+        </p:spPr>
+      </p:pic>
+      <p:sp>
+        <p:nvSpPr>
+          <p:cNvPr id="5" name="Rectangle : coins arrondis 4">
+            <a:extLst>
+              <a:ext uri="{FF2B5EF4-FFF2-40B4-BE49-F238E27FC236}">
+                <a16:creationId xmlns:a16="http://schemas.microsoft.com/office/drawing/2014/main" id="{57DE185B-FF3F-4443-8DF5-F3C7D987AC94}"/>
+              </a:ext>
+            </a:extLst>
+          </p:cNvPr>
+          <p:cNvSpPr/>
+          <p:nvPr/>
+        </p:nvSpPr>
+        <p:spPr>
+          <a:xfrm>
+            <a:off x="2802730" y="1861457"/>
+            <a:ext cx="5127307" cy="831042"/>
+          </a:xfrm>
+          <a:prstGeom prst="roundRect">
+            <a:avLst/>
+          </a:prstGeom>
+          <a:noFill/>
+          <a:ln w="50800">
+            <a:solidFill>
+              <a:schemeClr val="accent1"/>
+            </a:solidFill>
+          </a:ln>
+        </p:spPr>
+        <p:style>
+          <a:lnRef idx="2">
+            <a:schemeClr val="accent1">
+              <a:shade val="50000"/>
+            </a:schemeClr>
+          </a:lnRef>
+          <a:fillRef idx="1">
+            <a:schemeClr val="accent1"/>
+          </a:fillRef>
+          <a:effectRef idx="0">
+            <a:schemeClr val="accent1"/>
+          </a:effectRef>
+          <a:fontRef idx="minor">
+            <a:schemeClr val="lt1"/>
+          </a:fontRef>
+        </p:style>
+        <p:txBody>
+          <a:bodyPr rot="0" spcFirstLastPara="0" vert="horz" wrap="square" lIns="91440" tIns="45720" rIns="91440" bIns="45720" numCol="1" spcCol="0" rtlCol="0" fromWordArt="0" anchor="ctr" anchorCtr="0" forceAA="0" compatLnSpc="1">
+            <a:prstTxWarp prst="textNoShape">
+              <a:avLst/>
+            </a:prstTxWarp>
+            <a:noAutofit/>
+          </a:bodyPr>
+          <a:lstStyle/>
+          <a:p>
+            <a:endParaRPr lang="fr-FR"/>
+          </a:p>
+        </p:txBody>
+      </p:sp>
+      <p:sp>
+        <p:nvSpPr>
+          <p:cNvPr id="7" name="Rectangle : coins arrondis 6">
+            <a:extLst>
+              <a:ext uri="{FF2B5EF4-FFF2-40B4-BE49-F238E27FC236}">
+                <a16:creationId xmlns:a16="http://schemas.microsoft.com/office/drawing/2014/main" id="{A9B249F6-82C0-4E80-9688-A6C4AD58C921}"/>
+              </a:ext>
+            </a:extLst>
+          </p:cNvPr>
+          <p:cNvSpPr/>
+          <p:nvPr/>
+        </p:nvSpPr>
+        <p:spPr>
+          <a:xfrm>
+            <a:off x="7478485" y="5589037"/>
+            <a:ext cx="696685" cy="387220"/>
+          </a:xfrm>
+          <a:prstGeom prst="roundRect">
+            <a:avLst/>
+          </a:prstGeom>
+          <a:noFill/>
+          <a:ln w="50800">
+            <a:solidFill>
+              <a:schemeClr val="accent1"/>
+            </a:solidFill>
+          </a:ln>
+        </p:spPr>
+        <p:style>
+          <a:lnRef idx="2">
+            <a:schemeClr val="accent1">
+              <a:shade val="50000"/>
+            </a:schemeClr>
+          </a:lnRef>
+          <a:fillRef idx="1">
+            <a:schemeClr val="accent1"/>
+          </a:fillRef>
+          <a:effectRef idx="0">
+            <a:schemeClr val="accent1"/>
+          </a:effectRef>
+          <a:fontRef idx="minor">
+            <a:schemeClr val="lt1"/>
+          </a:fontRef>
+        </p:style>
+        <p:txBody>
+          <a:bodyPr rot="0" spcFirstLastPara="0" vert="horz" wrap="square" lIns="91440" tIns="45720" rIns="91440" bIns="45720" numCol="1" spcCol="0" rtlCol="0" fromWordArt="0" anchor="ctr" anchorCtr="0" forceAA="0" compatLnSpc="1">
+            <a:prstTxWarp prst="textNoShape">
+              <a:avLst/>
+            </a:prstTxWarp>
+            <a:noAutofit/>
+          </a:bodyPr>
+          <a:lstStyle/>
+          <a:p>
+            <a:endParaRPr lang="fr-FR"/>
+          </a:p>
+        </p:txBody>
+      </p:sp>
+      <p:sp>
+        <p:nvSpPr>
+          <p:cNvPr id="8" name="Rectangle : coins arrondis 7">
+            <a:extLst>
+              <a:ext uri="{FF2B5EF4-FFF2-40B4-BE49-F238E27FC236}">
+                <a16:creationId xmlns:a16="http://schemas.microsoft.com/office/drawing/2014/main" id="{29FB46DC-2AE1-4059-BDCC-EC19699998CA}"/>
+              </a:ext>
+            </a:extLst>
+          </p:cNvPr>
+          <p:cNvSpPr/>
+          <p:nvPr/>
+        </p:nvSpPr>
+        <p:spPr>
+          <a:xfrm>
+            <a:off x="4201886" y="5868952"/>
+            <a:ext cx="391885" cy="466533"/>
+          </a:xfrm>
+          <a:prstGeom prst="roundRect">
+            <a:avLst/>
+          </a:prstGeom>
+          <a:noFill/>
+          <a:ln w="50800">
+            <a:solidFill>
+              <a:schemeClr val="accent1"/>
+            </a:solidFill>
+          </a:ln>
+        </p:spPr>
+        <p:style>
+          <a:lnRef idx="2">
+            <a:schemeClr val="accent1">
+              <a:shade val="50000"/>
+            </a:schemeClr>
+          </a:lnRef>
+          <a:fillRef idx="1">
+            <a:schemeClr val="accent1"/>
+          </a:fillRef>
+          <a:effectRef idx="0">
+            <a:schemeClr val="accent1"/>
+          </a:effectRef>
+          <a:fontRef idx="minor">
+            <a:schemeClr val="lt1"/>
+          </a:fontRef>
+        </p:style>
+        <p:txBody>
+          <a:bodyPr rot="0" spcFirstLastPara="0" vert="horz" wrap="square" lIns="91440" tIns="45720" rIns="91440" bIns="45720" numCol="1" spcCol="0" rtlCol="0" fromWordArt="0" anchor="ctr" anchorCtr="0" forceAA="0" compatLnSpc="1">
+            <a:prstTxWarp prst="textNoShape">
+              <a:avLst/>
+            </a:prstTxWarp>
+            <a:noAutofit/>
+          </a:bodyPr>
+          <a:lstStyle/>
+          <a:p>
+            <a:endParaRPr lang="fr-FR"/>
+          </a:p>
+        </p:txBody>
+      </p:sp>
+      <p:sp>
+        <p:nvSpPr>
+          <p:cNvPr id="11" name="Rectangle : coins arrondis 10">
+            <a:extLst>
+              <a:ext uri="{FF2B5EF4-FFF2-40B4-BE49-F238E27FC236}">
+                <a16:creationId xmlns:a16="http://schemas.microsoft.com/office/drawing/2014/main" id="{C0299604-2787-4F62-8A20-BA48EE17A3F3}"/>
+              </a:ext>
+            </a:extLst>
+          </p:cNvPr>
+          <p:cNvSpPr/>
+          <p:nvPr/>
+        </p:nvSpPr>
+        <p:spPr>
+          <a:xfrm>
+            <a:off x="9907428" y="1861457"/>
+            <a:ext cx="707572" cy="45719"/>
+          </a:xfrm>
+          <a:prstGeom prst="roundRect">
+            <a:avLst/>
+          </a:prstGeom>
+          <a:noFill/>
+          <a:ln w="50800">
+            <a:solidFill>
+              <a:schemeClr val="accent1"/>
+            </a:solidFill>
+          </a:ln>
+        </p:spPr>
+        <p:style>
+          <a:lnRef idx="2">
+            <a:schemeClr val="accent1">
+              <a:shade val="50000"/>
+            </a:schemeClr>
+          </a:lnRef>
+          <a:fillRef idx="1">
+            <a:schemeClr val="accent1"/>
+          </a:fillRef>
+          <a:effectRef idx="0">
+            <a:schemeClr val="accent1"/>
+          </a:effectRef>
+          <a:fontRef idx="minor">
+            <a:schemeClr val="lt1"/>
+          </a:fontRef>
+        </p:style>
+        <p:txBody>
+          <a:bodyPr rot="0" spcFirstLastPara="0" vert="horz" wrap="square" lIns="91440" tIns="45720" rIns="91440" bIns="45720" numCol="1" spcCol="0" rtlCol="0" fromWordArt="0" anchor="ctr" anchorCtr="0" forceAA="0" compatLnSpc="1">
+            <a:prstTxWarp prst="textNoShape">
+              <a:avLst/>
+            </a:prstTxWarp>
+            <a:noAutofit/>
+          </a:bodyPr>
+          <a:lstStyle/>
+          <a:p>
+            <a:endParaRPr lang="fr-FR"/>
+          </a:p>
+        </p:txBody>
+      </p:sp>
+      <p:sp>
+        <p:nvSpPr>
+          <p:cNvPr id="12" name="ZoneTexte 11">
+            <a:extLst>
+              <a:ext uri="{FF2B5EF4-FFF2-40B4-BE49-F238E27FC236}">
+                <a16:creationId xmlns:a16="http://schemas.microsoft.com/office/drawing/2014/main" id="{CAF4F695-35FF-45A5-80B8-118450793612}"/>
+              </a:ext>
+            </a:extLst>
+          </p:cNvPr>
+          <p:cNvSpPr txBox="1"/>
+          <p:nvPr/>
+        </p:nvSpPr>
+        <p:spPr>
+          <a:xfrm>
+            <a:off x="10646228" y="1699650"/>
+            <a:ext cx="824265" cy="369332"/>
+          </a:xfrm>
+          <a:prstGeom prst="rect">
+            <a:avLst/>
+          </a:prstGeom>
+          <a:noFill/>
+        </p:spPr>
+        <p:txBody>
+          <a:bodyPr wrap="none" rtlCol="0">
+            <a:spAutoFit/>
+          </a:bodyPr>
+          <a:lstStyle/>
+          <a:p>
+            <a:r>
+              <a:rPr lang="fr-FR" dirty="0"/>
+              <a:t>Joshua</a:t>
+            </a:r>
+          </a:p>
+        </p:txBody>
+      </p:sp>
+      <p:sp>
+        <p:nvSpPr>
+          <p:cNvPr id="13" name="Rectangle : coins arrondis 12">
+            <a:extLst>
+              <a:ext uri="{FF2B5EF4-FFF2-40B4-BE49-F238E27FC236}">
+                <a16:creationId xmlns:a16="http://schemas.microsoft.com/office/drawing/2014/main" id="{2005236A-5D70-4933-9C03-53DAC7F068DD}"/>
+              </a:ext>
+            </a:extLst>
+          </p:cNvPr>
+          <p:cNvSpPr/>
+          <p:nvPr/>
+        </p:nvSpPr>
+        <p:spPr>
+          <a:xfrm>
+            <a:off x="9907428" y="2231259"/>
+            <a:ext cx="707572" cy="45719"/>
+          </a:xfrm>
+          <a:prstGeom prst="roundRect">
+            <a:avLst/>
+          </a:prstGeom>
+          <a:noFill/>
+          <a:ln w="50800">
+            <a:solidFill>
+              <a:srgbClr val="92D050"/>
+            </a:solidFill>
+          </a:ln>
+        </p:spPr>
+        <p:style>
+          <a:lnRef idx="2">
+            <a:schemeClr val="accent1">
+              <a:shade val="50000"/>
+            </a:schemeClr>
+          </a:lnRef>
+          <a:fillRef idx="1">
+            <a:schemeClr val="accent1"/>
+          </a:fillRef>
+          <a:effectRef idx="0">
+            <a:schemeClr val="accent1"/>
+          </a:effectRef>
+          <a:fontRef idx="minor">
+            <a:schemeClr val="lt1"/>
+          </a:fontRef>
+        </p:style>
+        <p:txBody>
+          <a:bodyPr rot="0" spcFirstLastPara="0" vert="horz" wrap="square" lIns="91440" tIns="45720" rIns="91440" bIns="45720" numCol="1" spcCol="0" rtlCol="0" fromWordArt="0" anchor="ctr" anchorCtr="0" forceAA="0" compatLnSpc="1">
+            <a:prstTxWarp prst="textNoShape">
+              <a:avLst/>
+            </a:prstTxWarp>
+            <a:noAutofit/>
+          </a:bodyPr>
+          <a:lstStyle/>
+          <a:p>
+            <a:endParaRPr lang="fr-FR"/>
+          </a:p>
+        </p:txBody>
+      </p:sp>
+      <p:sp>
+        <p:nvSpPr>
+          <p:cNvPr id="14" name="ZoneTexte 13">
+            <a:extLst>
+              <a:ext uri="{FF2B5EF4-FFF2-40B4-BE49-F238E27FC236}">
+                <a16:creationId xmlns:a16="http://schemas.microsoft.com/office/drawing/2014/main" id="{E0ACB98A-C89B-4929-A703-94259A65428B}"/>
+              </a:ext>
+            </a:extLst>
+          </p:cNvPr>
+          <p:cNvSpPr txBox="1"/>
+          <p:nvPr/>
+        </p:nvSpPr>
+        <p:spPr>
+          <a:xfrm>
+            <a:off x="10614999" y="2046593"/>
+            <a:ext cx="993862" cy="369332"/>
+          </a:xfrm>
+          <a:prstGeom prst="rect">
+            <a:avLst/>
+          </a:prstGeom>
+          <a:noFill/>
+        </p:spPr>
+        <p:txBody>
+          <a:bodyPr wrap="none" rtlCol="0">
+            <a:spAutoFit/>
+          </a:bodyPr>
+          <a:lstStyle/>
+          <a:p>
+            <a:r>
+              <a:rPr lang="fr-FR" dirty="0"/>
+              <a:t>Corentin</a:t>
+            </a:r>
+          </a:p>
+        </p:txBody>
+      </p:sp>
+      <p:sp>
+        <p:nvSpPr>
+          <p:cNvPr id="15" name="Rectangle : coins arrondis 14">
+            <a:extLst>
+              <a:ext uri="{FF2B5EF4-FFF2-40B4-BE49-F238E27FC236}">
+                <a16:creationId xmlns:a16="http://schemas.microsoft.com/office/drawing/2014/main" id="{C9B032DC-BEA4-4CA8-868C-B1DFB4E70287}"/>
+              </a:ext>
+            </a:extLst>
+          </p:cNvPr>
+          <p:cNvSpPr/>
+          <p:nvPr/>
+        </p:nvSpPr>
+        <p:spPr>
+          <a:xfrm>
+            <a:off x="9907427" y="2601061"/>
+            <a:ext cx="707572" cy="45719"/>
+          </a:xfrm>
+          <a:prstGeom prst="roundRect">
+            <a:avLst/>
+          </a:prstGeom>
+          <a:noFill/>
+          <a:ln w="50800">
+            <a:solidFill>
+              <a:srgbClr val="FF0000"/>
+            </a:solidFill>
+          </a:ln>
+        </p:spPr>
+        <p:style>
+          <a:lnRef idx="2">
+            <a:schemeClr val="accent1">
+              <a:shade val="50000"/>
+            </a:schemeClr>
+          </a:lnRef>
+          <a:fillRef idx="1">
+            <a:schemeClr val="accent1"/>
+          </a:fillRef>
+          <a:effectRef idx="0">
+            <a:schemeClr val="accent1"/>
+          </a:effectRef>
+          <a:fontRef idx="minor">
+            <a:schemeClr val="lt1"/>
+          </a:fontRef>
+        </p:style>
+        <p:txBody>
+          <a:bodyPr rot="0" spcFirstLastPara="0" vert="horz" wrap="square" lIns="91440" tIns="45720" rIns="91440" bIns="45720" numCol="1" spcCol="0" rtlCol="0" fromWordArt="0" anchor="ctr" anchorCtr="0" forceAA="0" compatLnSpc="1">
+            <a:prstTxWarp prst="textNoShape">
+              <a:avLst/>
+            </a:prstTxWarp>
+            <a:noAutofit/>
+          </a:bodyPr>
+          <a:lstStyle/>
+          <a:p>
+            <a:endParaRPr lang="fr-FR"/>
+          </a:p>
+        </p:txBody>
+      </p:sp>
+      <p:sp>
+        <p:nvSpPr>
+          <p:cNvPr id="16" name="ZoneTexte 15">
+            <a:extLst>
+              <a:ext uri="{FF2B5EF4-FFF2-40B4-BE49-F238E27FC236}">
+                <a16:creationId xmlns:a16="http://schemas.microsoft.com/office/drawing/2014/main" id="{48B41F13-2617-4D2B-8E9E-C48ADF79E878}"/>
+              </a:ext>
+            </a:extLst>
+          </p:cNvPr>
+          <p:cNvSpPr txBox="1"/>
+          <p:nvPr/>
+        </p:nvSpPr>
+        <p:spPr>
+          <a:xfrm>
+            <a:off x="10614999" y="2424887"/>
+            <a:ext cx="1195071" cy="369332"/>
+          </a:xfrm>
+          <a:prstGeom prst="rect">
+            <a:avLst/>
+          </a:prstGeom>
+          <a:noFill/>
+        </p:spPr>
+        <p:txBody>
+          <a:bodyPr wrap="none" rtlCol="0">
+            <a:spAutoFit/>
+          </a:bodyPr>
+          <a:lstStyle/>
+          <a:p>
+            <a:r>
+              <a:rPr lang="fr-FR" dirty="0"/>
+              <a:t>Constantin</a:t>
+            </a:r>
+          </a:p>
+        </p:txBody>
+      </p:sp>
+      <p:sp>
+        <p:nvSpPr>
+          <p:cNvPr id="17" name="Rectangle : coins arrondis 16">
+            <a:extLst>
+              <a:ext uri="{FF2B5EF4-FFF2-40B4-BE49-F238E27FC236}">
+                <a16:creationId xmlns:a16="http://schemas.microsoft.com/office/drawing/2014/main" id="{E8DD8EB4-5799-466B-8E0E-6853CD76BBDC}"/>
+              </a:ext>
+            </a:extLst>
+          </p:cNvPr>
+          <p:cNvSpPr/>
+          <p:nvPr/>
+        </p:nvSpPr>
+        <p:spPr>
+          <a:xfrm>
+            <a:off x="9907427" y="2970935"/>
+            <a:ext cx="707572" cy="45719"/>
+          </a:xfrm>
+          <a:prstGeom prst="roundRect">
+            <a:avLst/>
+          </a:prstGeom>
+          <a:noFill/>
+          <a:ln w="50800">
+            <a:solidFill>
+              <a:srgbClr val="00B0F0"/>
+            </a:solidFill>
+          </a:ln>
+        </p:spPr>
+        <p:style>
+          <a:lnRef idx="2">
+            <a:schemeClr val="accent1">
+              <a:shade val="50000"/>
+            </a:schemeClr>
+          </a:lnRef>
+          <a:fillRef idx="1">
+            <a:schemeClr val="accent1"/>
+          </a:fillRef>
+          <a:effectRef idx="0">
+            <a:schemeClr val="accent1"/>
+          </a:effectRef>
+          <a:fontRef idx="minor">
+            <a:schemeClr val="lt1"/>
+          </a:fontRef>
+        </p:style>
+        <p:txBody>
+          <a:bodyPr rot="0" spcFirstLastPara="0" vert="horz" wrap="square" lIns="91440" tIns="45720" rIns="91440" bIns="45720" numCol="1" spcCol="0" rtlCol="0" fromWordArt="0" anchor="ctr" anchorCtr="0" forceAA="0" compatLnSpc="1">
+            <a:prstTxWarp prst="textNoShape">
+              <a:avLst/>
+            </a:prstTxWarp>
+            <a:noAutofit/>
+          </a:bodyPr>
+          <a:lstStyle/>
+          <a:p>
+            <a:endParaRPr lang="fr-FR"/>
+          </a:p>
+        </p:txBody>
+      </p:sp>
+      <p:sp>
+        <p:nvSpPr>
+          <p:cNvPr id="18" name="ZoneTexte 17">
+            <a:extLst>
+              <a:ext uri="{FF2B5EF4-FFF2-40B4-BE49-F238E27FC236}">
+                <a16:creationId xmlns:a16="http://schemas.microsoft.com/office/drawing/2014/main" id="{1B85E7D9-DC72-4AE6-9300-C7C157AAF1D4}"/>
+              </a:ext>
+            </a:extLst>
+          </p:cNvPr>
+          <p:cNvSpPr txBox="1"/>
+          <p:nvPr/>
+        </p:nvSpPr>
+        <p:spPr>
+          <a:xfrm>
+            <a:off x="10614999" y="2786197"/>
+            <a:ext cx="925253" cy="369332"/>
+          </a:xfrm>
+          <a:prstGeom prst="rect">
+            <a:avLst/>
+          </a:prstGeom>
+          <a:noFill/>
+        </p:spPr>
+        <p:txBody>
+          <a:bodyPr wrap="none" rtlCol="0">
+            <a:spAutoFit/>
+          </a:bodyPr>
+          <a:lstStyle/>
+          <a:p>
+            <a:r>
+              <a:rPr lang="fr-FR" dirty="0"/>
+              <a:t>Thomas</a:t>
+            </a:r>
+          </a:p>
+        </p:txBody>
+      </p:sp>
+      <p:sp>
+        <p:nvSpPr>
+          <p:cNvPr id="20" name="Rectangle : coins arrondis 19">
+            <a:extLst>
+              <a:ext uri="{FF2B5EF4-FFF2-40B4-BE49-F238E27FC236}">
+                <a16:creationId xmlns:a16="http://schemas.microsoft.com/office/drawing/2014/main" id="{35D16060-3BD5-4384-834E-2EBCDCA60699}"/>
+              </a:ext>
+            </a:extLst>
+          </p:cNvPr>
+          <p:cNvSpPr/>
+          <p:nvPr/>
+        </p:nvSpPr>
+        <p:spPr>
+          <a:xfrm>
+            <a:off x="8149315" y="4488657"/>
+            <a:ext cx="449379" cy="164306"/>
+          </a:xfrm>
+          <a:prstGeom prst="roundRect">
+            <a:avLst/>
+          </a:prstGeom>
+          <a:noFill/>
+          <a:ln w="50800">
+            <a:solidFill>
+              <a:srgbClr val="FF0000"/>
+            </a:solidFill>
+          </a:ln>
+        </p:spPr>
+        <p:style>
+          <a:lnRef idx="2">
+            <a:schemeClr val="accent1">
+              <a:shade val="50000"/>
+            </a:schemeClr>
+          </a:lnRef>
+          <a:fillRef idx="1">
+            <a:schemeClr val="accent1"/>
+          </a:fillRef>
+          <a:effectRef idx="0">
+            <a:schemeClr val="accent1"/>
+          </a:effectRef>
+          <a:fontRef idx="minor">
+            <a:schemeClr val="lt1"/>
+          </a:fontRef>
+        </p:style>
+        <p:txBody>
+          <a:bodyPr rot="0" spcFirstLastPara="0" vert="horz" wrap="square" lIns="91440" tIns="45720" rIns="91440" bIns="45720" numCol="1" spcCol="0" rtlCol="0" fromWordArt="0" anchor="ctr" anchorCtr="0" forceAA="0" compatLnSpc="1">
+            <a:prstTxWarp prst="textNoShape">
+              <a:avLst/>
+            </a:prstTxWarp>
+            <a:noAutofit/>
+          </a:bodyPr>
+          <a:lstStyle/>
+          <a:p>
+            <a:endParaRPr lang="fr-FR"/>
+          </a:p>
+        </p:txBody>
+      </p:sp>
+      <p:sp>
+        <p:nvSpPr>
+          <p:cNvPr id="21" name="Rectangle : coins arrondis 20">
+            <a:extLst>
+              <a:ext uri="{FF2B5EF4-FFF2-40B4-BE49-F238E27FC236}">
+                <a16:creationId xmlns:a16="http://schemas.microsoft.com/office/drawing/2014/main" id="{5D361B11-4AA7-4AC6-976F-5354E0BA831E}"/>
+              </a:ext>
+            </a:extLst>
+          </p:cNvPr>
+          <p:cNvSpPr/>
+          <p:nvPr/>
+        </p:nvSpPr>
+        <p:spPr>
+          <a:xfrm>
+            <a:off x="4536622" y="3740944"/>
+            <a:ext cx="1666060" cy="801039"/>
+          </a:xfrm>
+          <a:prstGeom prst="roundRect">
+            <a:avLst/>
+          </a:prstGeom>
+          <a:noFill/>
+          <a:ln w="50800">
+            <a:solidFill>
+              <a:srgbClr val="FF0000"/>
+            </a:solidFill>
+          </a:ln>
+        </p:spPr>
+        <p:style>
+          <a:lnRef idx="2">
+            <a:schemeClr val="accent1">
+              <a:shade val="50000"/>
+            </a:schemeClr>
+          </a:lnRef>
+          <a:fillRef idx="1">
+            <a:schemeClr val="accent1"/>
+          </a:fillRef>
+          <a:effectRef idx="0">
+            <a:schemeClr val="accent1"/>
+          </a:effectRef>
+          <a:fontRef idx="minor">
+            <a:schemeClr val="lt1"/>
+          </a:fontRef>
+        </p:style>
+        <p:txBody>
+          <a:bodyPr rot="0" spcFirstLastPara="0" vert="horz" wrap="square" lIns="91440" tIns="45720" rIns="91440" bIns="45720" numCol="1" spcCol="0" rtlCol="0" fromWordArt="0" anchor="ctr" anchorCtr="0" forceAA="0" compatLnSpc="1">
+            <a:prstTxWarp prst="textNoShape">
+              <a:avLst/>
+            </a:prstTxWarp>
+            <a:noAutofit/>
+          </a:bodyPr>
+          <a:lstStyle/>
+          <a:p>
+            <a:endParaRPr lang="fr-FR"/>
+          </a:p>
+        </p:txBody>
+      </p:sp>
+      <p:sp>
+        <p:nvSpPr>
+          <p:cNvPr id="22" name="Rectangle : coins arrondis 21">
+            <a:extLst>
+              <a:ext uri="{FF2B5EF4-FFF2-40B4-BE49-F238E27FC236}">
+                <a16:creationId xmlns:a16="http://schemas.microsoft.com/office/drawing/2014/main" id="{E2933415-AEC5-44C9-AE56-64F8CE71E3F7}"/>
+              </a:ext>
+            </a:extLst>
+          </p:cNvPr>
+          <p:cNvSpPr/>
+          <p:nvPr/>
+        </p:nvSpPr>
+        <p:spPr>
+          <a:xfrm>
+            <a:off x="2802730" y="2816202"/>
+            <a:ext cx="1674019" cy="801039"/>
+          </a:xfrm>
+          <a:prstGeom prst="roundRect">
+            <a:avLst/>
+          </a:prstGeom>
+          <a:noFill/>
+          <a:ln w="50800">
+            <a:solidFill>
+              <a:srgbClr val="FF0000"/>
+            </a:solidFill>
+          </a:ln>
+        </p:spPr>
+        <p:style>
+          <a:lnRef idx="2">
+            <a:schemeClr val="accent1">
+              <a:shade val="50000"/>
+            </a:schemeClr>
+          </a:lnRef>
+          <a:fillRef idx="1">
+            <a:schemeClr val="accent1"/>
+          </a:fillRef>
+          <a:effectRef idx="0">
+            <a:schemeClr val="accent1"/>
+          </a:effectRef>
+          <a:fontRef idx="minor">
+            <a:schemeClr val="lt1"/>
+          </a:fontRef>
+        </p:style>
+        <p:txBody>
+          <a:bodyPr rot="0" spcFirstLastPara="0" vert="horz" wrap="square" lIns="91440" tIns="45720" rIns="91440" bIns="45720" numCol="1" spcCol="0" rtlCol="0" fromWordArt="0" anchor="ctr" anchorCtr="0" forceAA="0" compatLnSpc="1">
+            <a:prstTxWarp prst="textNoShape">
+              <a:avLst/>
+            </a:prstTxWarp>
+            <a:noAutofit/>
+          </a:bodyPr>
+          <a:lstStyle/>
+          <a:p>
+            <a:endParaRPr lang="fr-FR"/>
+          </a:p>
+        </p:txBody>
+      </p:sp>
+      <p:sp>
+        <p:nvSpPr>
+          <p:cNvPr id="23" name="Flèche : double flèche horizontale 22">
+            <a:extLst>
+              <a:ext uri="{FF2B5EF4-FFF2-40B4-BE49-F238E27FC236}">
+                <a16:creationId xmlns:a16="http://schemas.microsoft.com/office/drawing/2014/main" id="{1071556F-F791-4EA0-8063-D0370A498624}"/>
+              </a:ext>
+            </a:extLst>
+          </p:cNvPr>
+          <p:cNvSpPr/>
+          <p:nvPr/>
+        </p:nvSpPr>
+        <p:spPr>
+          <a:xfrm>
+            <a:off x="6865620" y="5195619"/>
+            <a:ext cx="612865" cy="317994"/>
+          </a:xfrm>
+          <a:prstGeom prst="leftRightArrow">
+            <a:avLst/>
+          </a:prstGeom>
+          <a:solidFill>
+            <a:srgbClr val="2FC9FF"/>
+          </a:solidFill>
+          <a:ln>
+            <a:solidFill>
+              <a:srgbClr val="00B0F0"/>
+            </a:solidFill>
+          </a:ln>
+        </p:spPr>
+        <p:style>
+          <a:lnRef idx="2">
+            <a:schemeClr val="accent1">
+              <a:shade val="50000"/>
+            </a:schemeClr>
+          </a:lnRef>
+          <a:fillRef idx="1">
+            <a:schemeClr val="accent1"/>
+          </a:fillRef>
+          <a:effectRef idx="0">
+            <a:schemeClr val="accent1"/>
+          </a:effectRef>
+          <a:fontRef idx="minor">
+            <a:schemeClr val="lt1"/>
+          </a:fontRef>
+        </p:style>
+        <p:txBody>
+          <a:bodyPr rot="0" spcFirstLastPara="0" vert="horz" wrap="square" lIns="91440" tIns="45720" rIns="91440" bIns="45720" numCol="1" spcCol="0" rtlCol="0" fromWordArt="0" anchor="ctr" anchorCtr="0" forceAA="0" compatLnSpc="1">
+            <a:prstTxWarp prst="textNoShape">
+              <a:avLst/>
+            </a:prstTxWarp>
+            <a:noAutofit/>
+          </a:bodyPr>
+          <a:lstStyle/>
+          <a:p>
+            <a:endParaRPr lang="fr-FR"/>
+          </a:p>
+        </p:txBody>
+      </p:sp>
+      <p:sp>
+        <p:nvSpPr>
+          <p:cNvPr id="24" name="Flèche : double flèche horizontale 23">
+            <a:extLst>
+              <a:ext uri="{FF2B5EF4-FFF2-40B4-BE49-F238E27FC236}">
+                <a16:creationId xmlns:a16="http://schemas.microsoft.com/office/drawing/2014/main" id="{9E1D88BE-4C03-4E58-BF2A-430DC0CFE2A3}"/>
+              </a:ext>
+            </a:extLst>
+          </p:cNvPr>
+          <p:cNvSpPr/>
+          <p:nvPr/>
+        </p:nvSpPr>
+        <p:spPr>
+          <a:xfrm>
+            <a:off x="4563290" y="5665171"/>
+            <a:ext cx="1666060" cy="311085"/>
+          </a:xfrm>
+          <a:prstGeom prst="leftRightArrow">
+            <a:avLst/>
+          </a:prstGeom>
+          <a:solidFill>
+            <a:srgbClr val="1EEA14"/>
+          </a:solidFill>
+          <a:ln>
+            <a:solidFill>
+              <a:srgbClr val="92D050"/>
+            </a:solidFill>
+          </a:ln>
+        </p:spPr>
+        <p:style>
+          <a:lnRef idx="2">
+            <a:schemeClr val="accent1">
+              <a:shade val="50000"/>
+            </a:schemeClr>
+          </a:lnRef>
+          <a:fillRef idx="1">
+            <a:schemeClr val="accent1"/>
+          </a:fillRef>
+          <a:effectRef idx="0">
+            <a:schemeClr val="accent1"/>
+          </a:effectRef>
+          <a:fontRef idx="minor">
+            <a:schemeClr val="lt1"/>
+          </a:fontRef>
+        </p:style>
+        <p:txBody>
+          <a:bodyPr rot="0" spcFirstLastPara="0" vert="horz" wrap="square" lIns="91440" tIns="45720" rIns="91440" bIns="45720" numCol="1" spcCol="0" rtlCol="0" fromWordArt="0" anchor="ctr" anchorCtr="0" forceAA="0" compatLnSpc="1">
+            <a:prstTxWarp prst="textNoShape">
+              <a:avLst/>
+            </a:prstTxWarp>
+            <a:noAutofit/>
+          </a:bodyPr>
+          <a:lstStyle/>
+          <a:p>
+            <a:endParaRPr lang="fr-FR"/>
+          </a:p>
+        </p:txBody>
+      </p:sp>
+      <p:sp>
+        <p:nvSpPr>
+          <p:cNvPr id="25" name="Rectangle : coins arrondis 24">
+            <a:extLst>
+              <a:ext uri="{FF2B5EF4-FFF2-40B4-BE49-F238E27FC236}">
+                <a16:creationId xmlns:a16="http://schemas.microsoft.com/office/drawing/2014/main" id="{489DFF1B-53BB-413F-A40C-14160C2DCD79}"/>
+              </a:ext>
+            </a:extLst>
+          </p:cNvPr>
+          <p:cNvSpPr/>
+          <p:nvPr/>
+        </p:nvSpPr>
+        <p:spPr>
+          <a:xfrm>
+            <a:off x="2802731" y="3747359"/>
+            <a:ext cx="1661954" cy="801039"/>
+          </a:xfrm>
+          <a:prstGeom prst="roundRect">
+            <a:avLst/>
+          </a:prstGeom>
+          <a:noFill/>
+          <a:ln w="50800">
+            <a:solidFill>
+              <a:srgbClr val="92D050"/>
+            </a:solidFill>
+          </a:ln>
+        </p:spPr>
+        <p:style>
+          <a:lnRef idx="2">
+            <a:schemeClr val="accent1">
+              <a:shade val="50000"/>
+            </a:schemeClr>
+          </a:lnRef>
+          <a:fillRef idx="1">
+            <a:schemeClr val="accent1"/>
+          </a:fillRef>
+          <a:effectRef idx="0">
+            <a:schemeClr val="accent1"/>
+          </a:effectRef>
+          <a:fontRef idx="minor">
+            <a:schemeClr val="lt1"/>
+          </a:fontRef>
+        </p:style>
+        <p:txBody>
+          <a:bodyPr rot="0" spcFirstLastPara="0" vert="horz" wrap="square" lIns="91440" tIns="45720" rIns="91440" bIns="45720" numCol="1" spcCol="0" rtlCol="0" fromWordArt="0" anchor="ctr" anchorCtr="0" forceAA="0" compatLnSpc="1">
+            <a:prstTxWarp prst="textNoShape">
+              <a:avLst/>
+            </a:prstTxWarp>
+            <a:noAutofit/>
+          </a:bodyPr>
+          <a:lstStyle/>
+          <a:p>
+            <a:endParaRPr lang="fr-FR"/>
+          </a:p>
+        </p:txBody>
+      </p:sp>
+      <p:sp>
+        <p:nvSpPr>
+          <p:cNvPr id="26" name="Rectangle : coins arrondis 25">
+            <a:extLst>
+              <a:ext uri="{FF2B5EF4-FFF2-40B4-BE49-F238E27FC236}">
+                <a16:creationId xmlns:a16="http://schemas.microsoft.com/office/drawing/2014/main" id="{182E2B6F-2034-4B2C-8B91-AF4F0257F1FA}"/>
+              </a:ext>
+            </a:extLst>
+          </p:cNvPr>
+          <p:cNvSpPr/>
+          <p:nvPr/>
+        </p:nvSpPr>
+        <p:spPr>
+          <a:xfrm>
+            <a:off x="6280150" y="2818392"/>
+            <a:ext cx="1630363" cy="801039"/>
+          </a:xfrm>
+          <a:prstGeom prst="roundRect">
+            <a:avLst/>
+          </a:prstGeom>
+          <a:noFill/>
+          <a:ln w="50800">
+            <a:solidFill>
+              <a:srgbClr val="92D050"/>
+            </a:solidFill>
+          </a:ln>
+        </p:spPr>
+        <p:style>
+          <a:lnRef idx="2">
+            <a:schemeClr val="accent1">
+              <a:shade val="50000"/>
+            </a:schemeClr>
+          </a:lnRef>
+          <a:fillRef idx="1">
+            <a:schemeClr val="accent1"/>
+          </a:fillRef>
+          <a:effectRef idx="0">
+            <a:schemeClr val="accent1"/>
+          </a:effectRef>
+          <a:fontRef idx="minor">
+            <a:schemeClr val="lt1"/>
+          </a:fontRef>
+        </p:style>
+        <p:txBody>
+          <a:bodyPr rot="0" spcFirstLastPara="0" vert="horz" wrap="square" lIns="91440" tIns="45720" rIns="91440" bIns="45720" numCol="1" spcCol="0" rtlCol="0" fromWordArt="0" anchor="ctr" anchorCtr="0" forceAA="0" compatLnSpc="1">
+            <a:prstTxWarp prst="textNoShape">
+              <a:avLst/>
+            </a:prstTxWarp>
+            <a:noAutofit/>
+          </a:bodyPr>
+          <a:lstStyle/>
+          <a:p>
+            <a:endParaRPr lang="fr-FR"/>
+          </a:p>
+        </p:txBody>
+      </p:sp>
+      <p:sp>
+        <p:nvSpPr>
+          <p:cNvPr id="27" name="Rectangle : coins arrondis 26">
+            <a:extLst>
+              <a:ext uri="{FF2B5EF4-FFF2-40B4-BE49-F238E27FC236}">
+                <a16:creationId xmlns:a16="http://schemas.microsoft.com/office/drawing/2014/main" id="{67F0BB05-9A0E-438F-99F2-3FA9E65C5937}"/>
+              </a:ext>
+            </a:extLst>
+          </p:cNvPr>
+          <p:cNvSpPr/>
+          <p:nvPr/>
+        </p:nvSpPr>
+        <p:spPr>
+          <a:xfrm>
+            <a:off x="4541997" y="2816202"/>
+            <a:ext cx="1649888" cy="801039"/>
+          </a:xfrm>
+          <a:prstGeom prst="roundRect">
+            <a:avLst/>
+          </a:prstGeom>
+          <a:noFill/>
+          <a:ln w="50800">
+            <a:solidFill>
+              <a:srgbClr val="00B0F0"/>
+            </a:solidFill>
+          </a:ln>
+        </p:spPr>
+        <p:style>
+          <a:lnRef idx="2">
+            <a:schemeClr val="accent1">
+              <a:shade val="50000"/>
+            </a:schemeClr>
+          </a:lnRef>
+          <a:fillRef idx="1">
+            <a:schemeClr val="accent1"/>
+          </a:fillRef>
+          <a:effectRef idx="0">
+            <a:schemeClr val="accent1"/>
+          </a:effectRef>
+          <a:fontRef idx="minor">
+            <a:schemeClr val="lt1"/>
+          </a:fontRef>
+        </p:style>
+        <p:txBody>
+          <a:bodyPr rot="0" spcFirstLastPara="0" vert="horz" wrap="square" lIns="91440" tIns="45720" rIns="91440" bIns="45720" numCol="1" spcCol="0" rtlCol="0" fromWordArt="0" anchor="ctr" anchorCtr="0" forceAA="0" compatLnSpc="1">
+            <a:prstTxWarp prst="textNoShape">
+              <a:avLst/>
+            </a:prstTxWarp>
+            <a:noAutofit/>
+          </a:bodyPr>
+          <a:lstStyle/>
+          <a:p>
+            <a:endParaRPr lang="fr-FR"/>
+          </a:p>
+        </p:txBody>
+      </p:sp>
+      <p:sp>
+        <p:nvSpPr>
+          <p:cNvPr id="28" name="Rectangle : coins arrondis 27">
+            <a:extLst>
+              <a:ext uri="{FF2B5EF4-FFF2-40B4-BE49-F238E27FC236}">
+                <a16:creationId xmlns:a16="http://schemas.microsoft.com/office/drawing/2014/main" id="{F606E47C-726C-4713-AAF3-C821E5344F3E}"/>
+              </a:ext>
+            </a:extLst>
+          </p:cNvPr>
+          <p:cNvSpPr/>
+          <p:nvPr/>
+        </p:nvSpPr>
+        <p:spPr>
+          <a:xfrm>
+            <a:off x="6268083" y="3749157"/>
+            <a:ext cx="1661954" cy="801039"/>
+          </a:xfrm>
+          <a:prstGeom prst="roundRect">
+            <a:avLst/>
+          </a:prstGeom>
+          <a:noFill/>
+          <a:ln w="50800">
+            <a:solidFill>
+              <a:srgbClr val="00B0F0"/>
+            </a:solidFill>
+          </a:ln>
+        </p:spPr>
+        <p:style>
+          <a:lnRef idx="2">
+            <a:schemeClr val="accent1">
+              <a:shade val="50000"/>
+            </a:schemeClr>
+          </a:lnRef>
+          <a:fillRef idx="1">
+            <a:schemeClr val="accent1"/>
+          </a:fillRef>
+          <a:effectRef idx="0">
+            <a:schemeClr val="accent1"/>
+          </a:effectRef>
+          <a:fontRef idx="minor">
+            <a:schemeClr val="lt1"/>
+          </a:fontRef>
+        </p:style>
+        <p:txBody>
+          <a:bodyPr rot="0" spcFirstLastPara="0" vert="horz" wrap="square" lIns="91440" tIns="45720" rIns="91440" bIns="45720" numCol="1" spcCol="0" rtlCol="0" fromWordArt="0" anchor="ctr" anchorCtr="0" forceAA="0" compatLnSpc="1">
+            <a:prstTxWarp prst="textNoShape">
+              <a:avLst/>
+            </a:prstTxWarp>
+            <a:noAutofit/>
+          </a:bodyPr>
+          <a:lstStyle/>
+          <a:p>
+            <a:endParaRPr lang="fr-FR"/>
+          </a:p>
+        </p:txBody>
+      </p:sp>
+      <p:cxnSp>
+        <p:nvCxnSpPr>
+          <p:cNvPr id="29" name="Connecteur droit 28">
+            <a:extLst>
+              <a:ext uri="{FF2B5EF4-FFF2-40B4-BE49-F238E27FC236}">
+                <a16:creationId xmlns:a16="http://schemas.microsoft.com/office/drawing/2014/main" id="{275F8654-B445-4228-94F2-002ED50C11F4}"/>
+              </a:ext>
+            </a:extLst>
+          </p:cNvPr>
+          <p:cNvCxnSpPr>
+            <a:cxnSpLocks/>
+          </p:cNvCxnSpPr>
+          <p:nvPr/>
+        </p:nvCxnSpPr>
+        <p:spPr>
+          <a:xfrm flipH="1" flipV="1">
+            <a:off x="2002064" y="4570810"/>
+            <a:ext cx="2878658" cy="678299"/>
+          </a:xfrm>
+          <a:prstGeom prst="line">
+            <a:avLst/>
+          </a:prstGeom>
+          <a:ln>
+            <a:solidFill>
+              <a:schemeClr val="accent1"/>
+            </a:solidFill>
+          </a:ln>
+        </p:spPr>
+        <p:style>
+          <a:lnRef idx="3">
+            <a:schemeClr val="accent1"/>
+          </a:lnRef>
+          <a:fillRef idx="0">
+            <a:schemeClr val="accent1"/>
+          </a:fillRef>
+          <a:effectRef idx="2">
+            <a:schemeClr val="accent1"/>
+          </a:effectRef>
+          <a:fontRef idx="minor">
+            <a:schemeClr val="tx1"/>
+          </a:fontRef>
+        </p:style>
+      </p:cxnSp>
+      <p:sp>
+        <p:nvSpPr>
+          <p:cNvPr id="31" name="Zone de texte 45">
+            <a:extLst>
+              <a:ext uri="{FF2B5EF4-FFF2-40B4-BE49-F238E27FC236}">
+                <a16:creationId xmlns:a16="http://schemas.microsoft.com/office/drawing/2014/main" id="{4137D27B-845D-49BA-A870-304F07D89BFE}"/>
+              </a:ext>
+            </a:extLst>
+          </p:cNvPr>
+          <p:cNvSpPr txBox="1"/>
+          <p:nvPr/>
+        </p:nvSpPr>
+        <p:spPr>
+          <a:xfrm>
+            <a:off x="905817" y="4289822"/>
+            <a:ext cx="1095375" cy="561975"/>
+          </a:xfrm>
+          <a:prstGeom prst="rect">
+            <a:avLst/>
+          </a:prstGeom>
+          <a:solidFill>
+            <a:schemeClr val="lt1"/>
+          </a:solidFill>
+          <a:ln w="6350">
+            <a:solidFill>
+              <a:schemeClr val="accent1"/>
+            </a:solidFill>
+          </a:ln>
+        </p:spPr>
+        <p:txBody>
+          <a:bodyPr rot="0" spcFirstLastPara="0" vert="horz" wrap="square" lIns="91440" tIns="45720" rIns="91440" bIns="45720" numCol="1" spcCol="0" rtlCol="0" fromWordArt="0" anchor="t" anchorCtr="0" forceAA="0" compatLnSpc="1">
+            <a:prstTxWarp prst="textNoShape">
+              <a:avLst/>
+            </a:prstTxWarp>
+            <a:noAutofit/>
+          </a:bodyPr>
+          <a:lstStyle/>
+          <a:p>
+            <a:pPr>
+              <a:lnSpc>
+                <a:spcPct val="107000"/>
+              </a:lnSpc>
+              <a:spcAft>
+                <a:spcPts val="800"/>
+              </a:spcAft>
+            </a:pPr>
+            <a:r>
+              <a:rPr lang="fr-FR" sz="1000" dirty="0">
+                <a:solidFill>
+                  <a:schemeClr val="accent1"/>
+                </a:solidFill>
+                <a:effectLst/>
+                <a:latin typeface="Calibri" panose="020F0502020204030204" pitchFamily="34" charset="0"/>
+                <a:ea typeface="Calibri" panose="020F0502020204030204" pitchFamily="34" charset="0"/>
+                <a:cs typeface="Calibri" panose="020F0502020204030204" pitchFamily="34" charset="0"/>
+              </a:rPr>
+              <a:t>Application Web sur l’affichage de l’état de la salle</a:t>
+            </a:r>
+            <a:endParaRPr lang="fr-FR" sz="1100" dirty="0">
+              <a:solidFill>
+                <a:schemeClr val="accent1"/>
+              </a:solidFill>
+              <a:effectLst/>
+              <a:latin typeface="Calibri" panose="020F0502020204030204" pitchFamily="34" charset="0"/>
+              <a:ea typeface="Calibri" panose="020F0502020204030204" pitchFamily="34" charset="0"/>
+              <a:cs typeface="Times New Roman" panose="02020603050405020304" pitchFamily="18" charset="0"/>
+            </a:endParaRPr>
+          </a:p>
+        </p:txBody>
+      </p:sp>
+      <p:cxnSp>
+        <p:nvCxnSpPr>
+          <p:cNvPr id="32" name="Connecteur droit 31">
+            <a:extLst>
+              <a:ext uri="{FF2B5EF4-FFF2-40B4-BE49-F238E27FC236}">
+                <a16:creationId xmlns:a16="http://schemas.microsoft.com/office/drawing/2014/main" id="{7A108338-C537-43B1-B6F3-044BA5E019D3}"/>
+              </a:ext>
+            </a:extLst>
+          </p:cNvPr>
+          <p:cNvCxnSpPr>
+            <a:cxnSpLocks/>
+          </p:cNvCxnSpPr>
+          <p:nvPr/>
+        </p:nvCxnSpPr>
+        <p:spPr>
+          <a:xfrm flipV="1">
+            <a:off x="7026093" y="4775248"/>
+            <a:ext cx="2781391" cy="380401"/>
+          </a:xfrm>
+          <a:prstGeom prst="line">
+            <a:avLst/>
+          </a:prstGeom>
+          <a:ln>
+            <a:solidFill>
+              <a:srgbClr val="2FC9FF"/>
+            </a:solidFill>
+          </a:ln>
+        </p:spPr>
+        <p:style>
+          <a:lnRef idx="3">
+            <a:schemeClr val="accent1"/>
+          </a:lnRef>
+          <a:fillRef idx="0">
+            <a:schemeClr val="accent1"/>
+          </a:fillRef>
+          <a:effectRef idx="2">
+            <a:schemeClr val="accent1"/>
+          </a:effectRef>
+          <a:fontRef idx="minor">
+            <a:schemeClr val="tx1"/>
+          </a:fontRef>
+        </p:style>
+      </p:cxnSp>
+      <p:sp>
+        <p:nvSpPr>
+          <p:cNvPr id="34" name="Zone de texte 44">
+            <a:extLst>
+              <a:ext uri="{FF2B5EF4-FFF2-40B4-BE49-F238E27FC236}">
+                <a16:creationId xmlns:a16="http://schemas.microsoft.com/office/drawing/2014/main" id="{4684EDED-9F12-45D2-926B-0E58883DBD1C}"/>
+              </a:ext>
+            </a:extLst>
+          </p:cNvPr>
+          <p:cNvSpPr txBox="1"/>
+          <p:nvPr/>
+        </p:nvSpPr>
+        <p:spPr>
+          <a:xfrm>
+            <a:off x="9811861" y="4481244"/>
+            <a:ext cx="1095375" cy="561975"/>
+          </a:xfrm>
+          <a:prstGeom prst="rect">
+            <a:avLst/>
+          </a:prstGeom>
+          <a:solidFill>
+            <a:schemeClr val="lt1"/>
+          </a:solidFill>
+          <a:ln w="6350">
+            <a:solidFill>
+              <a:srgbClr val="2FC9FF"/>
+            </a:solidFill>
+          </a:ln>
+        </p:spPr>
+        <p:txBody>
+          <a:bodyPr rot="0" spcFirstLastPara="0" vert="horz" wrap="square" lIns="91440" tIns="45720" rIns="91440" bIns="45720" numCol="1" spcCol="0" rtlCol="0" fromWordArt="0" anchor="t" anchorCtr="0" forceAA="0" compatLnSpc="1">
+            <a:prstTxWarp prst="textNoShape">
+              <a:avLst/>
+            </a:prstTxWarp>
+            <a:noAutofit/>
+          </a:bodyPr>
+          <a:lstStyle/>
+          <a:p>
+            <a:pPr>
+              <a:lnSpc>
+                <a:spcPct val="107000"/>
+              </a:lnSpc>
+              <a:spcAft>
+                <a:spcPts val="800"/>
+              </a:spcAft>
+            </a:pPr>
+            <a:r>
+              <a:rPr lang="fr-FR" sz="1000">
+                <a:solidFill>
+                  <a:srgbClr val="2FC9FF"/>
+                </a:solidFill>
+                <a:effectLst/>
+                <a:latin typeface="Calibri" panose="020F0502020204030204" pitchFamily="34" charset="0"/>
+                <a:ea typeface="Calibri" panose="020F0502020204030204" pitchFamily="34" charset="0"/>
+                <a:cs typeface="Calibri" panose="020F0502020204030204" pitchFamily="34" charset="0"/>
+              </a:rPr>
+              <a:t>Application Web de pilotage des actionneurs</a:t>
+            </a:r>
+            <a:endParaRPr lang="fr-FR" sz="1100">
+              <a:effectLst/>
+              <a:latin typeface="Calibri" panose="020F0502020204030204" pitchFamily="34" charset="0"/>
+              <a:ea typeface="Calibri" panose="020F0502020204030204" pitchFamily="34" charset="0"/>
+              <a:cs typeface="Times New Roman" panose="02020603050405020304" pitchFamily="18" charset="0"/>
+            </a:endParaRPr>
+          </a:p>
+        </p:txBody>
+      </p:sp>
+      <p:sp>
+        <p:nvSpPr>
+          <p:cNvPr id="30" name="Flèche : double flèche horizontale 29">
+            <a:extLst>
+              <a:ext uri="{FF2B5EF4-FFF2-40B4-BE49-F238E27FC236}">
+                <a16:creationId xmlns:a16="http://schemas.microsoft.com/office/drawing/2014/main" id="{F9F6A72D-174F-4BC3-8B21-E7E934847993}"/>
+              </a:ext>
+            </a:extLst>
+          </p:cNvPr>
+          <p:cNvSpPr/>
+          <p:nvPr/>
+        </p:nvSpPr>
+        <p:spPr>
+          <a:xfrm rot="16200000">
+            <a:off x="7428681" y="4657774"/>
+            <a:ext cx="535940" cy="234950"/>
+          </a:xfrm>
+          <a:prstGeom prst="leftRightArrow">
+            <a:avLst/>
+          </a:prstGeom>
+          <a:solidFill>
+            <a:srgbClr val="FF0000"/>
+          </a:solidFill>
+          <a:ln>
+            <a:noFill/>
+          </a:ln>
+        </p:spPr>
+        <p:style>
+          <a:lnRef idx="2">
+            <a:schemeClr val="accent1">
+              <a:shade val="50000"/>
+            </a:schemeClr>
+          </a:lnRef>
+          <a:fillRef idx="1">
+            <a:schemeClr val="accent1"/>
+          </a:fillRef>
+          <a:effectRef idx="0">
+            <a:schemeClr val="accent1"/>
+          </a:effectRef>
+          <a:fontRef idx="minor">
+            <a:schemeClr val="lt1"/>
+          </a:fontRef>
+        </p:style>
+        <p:txBody>
+          <a:bodyPr rot="0" spcFirstLastPara="0" vert="horz" wrap="square" lIns="91440" tIns="45720" rIns="91440" bIns="45720" numCol="1" spcCol="0" rtlCol="0" fromWordArt="0" anchor="ctr" anchorCtr="0" forceAA="0" compatLnSpc="1">
+            <a:prstTxWarp prst="textNoShape">
+              <a:avLst/>
+            </a:prstTxWarp>
+            <a:noAutofit/>
+          </a:bodyPr>
+          <a:lstStyle/>
+          <a:p>
+            <a:endParaRPr lang="fr-FR"/>
+          </a:p>
+        </p:txBody>
+      </p:sp>
+      <p:sp>
+        <p:nvSpPr>
+          <p:cNvPr id="33" name="Rectangle : coins arrondis 32">
+            <a:extLst>
+              <a:ext uri="{FF2B5EF4-FFF2-40B4-BE49-F238E27FC236}">
+                <a16:creationId xmlns:a16="http://schemas.microsoft.com/office/drawing/2014/main" id="{7CE9B7C8-5101-4D32-9FE4-BA4514E34A1A}"/>
+              </a:ext>
+            </a:extLst>
+          </p:cNvPr>
+          <p:cNvSpPr/>
+          <p:nvPr/>
+        </p:nvSpPr>
+        <p:spPr>
+          <a:xfrm>
+            <a:off x="3683181" y="5901112"/>
+            <a:ext cx="438833" cy="466534"/>
+          </a:xfrm>
+          <a:prstGeom prst="roundRect">
+            <a:avLst/>
+          </a:prstGeom>
+          <a:noFill/>
+          <a:ln w="50800">
+            <a:solidFill>
+              <a:srgbClr val="92D050"/>
+            </a:solidFill>
+          </a:ln>
+        </p:spPr>
+        <p:style>
+          <a:lnRef idx="2">
+            <a:schemeClr val="accent1">
+              <a:shade val="50000"/>
+            </a:schemeClr>
+          </a:lnRef>
+          <a:fillRef idx="1">
+            <a:schemeClr val="accent1"/>
+          </a:fillRef>
+          <a:effectRef idx="0">
+            <a:schemeClr val="accent1"/>
+          </a:effectRef>
+          <a:fontRef idx="minor">
+            <a:schemeClr val="lt1"/>
+          </a:fontRef>
+        </p:style>
+        <p:txBody>
+          <a:bodyPr rot="0" spcFirstLastPara="0" vert="horz" wrap="square" lIns="91440" tIns="45720" rIns="91440" bIns="45720" numCol="1" spcCol="0" rtlCol="0" fromWordArt="0" anchor="ctr" anchorCtr="0" forceAA="0" compatLnSpc="1">
+            <a:prstTxWarp prst="textNoShape">
+              <a:avLst/>
+            </a:prstTxWarp>
+            <a:noAutofit/>
+          </a:bodyPr>
+          <a:lstStyle/>
+          <a:p>
+            <a:endParaRPr lang="fr-FR"/>
+          </a:p>
+        </p:txBody>
+      </p:sp>
     </p:spTree>
     <p:extLst>
       <p:ext uri="{BB962C8B-B14F-4D97-AF65-F5344CB8AC3E}">
-        <p14:creationId xmlns:p14="http://schemas.microsoft.com/office/powerpoint/2010/main" val="141572382"/>
+        <p14:creationId xmlns:p14="http://schemas.microsoft.com/office/powerpoint/2010/main" val="3816919354"/>
       </p:ext>
     </p:extLst>
   </p:cSld>
   <p:clrMapOvr>
     <a:masterClrMapping/>
   </p:clrMapOvr>
+  <p:timing>
+    <p:tnLst>
+      <p:par>
+        <p:cTn id="1" dur="indefinite" restart="never" nodeType="tmRoot">
+          <p:childTnLst>
+            <p:seq concurrent="1" nextAc="seek">
+              <p:cTn id="2" dur="indefinite" nodeType="mainSeq">
+                <p:childTnLst>
+                  <p:par>
+                    <p:cTn id="3" fill="hold">
+                      <p:stCondLst>
+                        <p:cond delay="indefinite"/>
+                      </p:stCondLst>
+                      <p:childTnLst>
+                        <p:par>
+                          <p:cTn id="4" fill="hold">
+                            <p:stCondLst>
+                              <p:cond delay="0"/>
+                            </p:stCondLst>
+                            <p:childTnLst>
+                              <p:par>
+                                <p:cTn id="5" presetID="1" presetClass="entr" presetSubtype="0" fill="hold" grpId="0" nodeType="clickEffect">
+                                  <p:stCondLst>
+                                    <p:cond delay="0"/>
+                                  </p:stCondLst>
+                                  <p:childTnLst>
+                                    <p:set>
+                                      <p:cBhvr>
+                                        <p:cTn id="6" dur="1" fill="hold">
+                                          <p:stCondLst>
+                                            <p:cond delay="0"/>
+                                          </p:stCondLst>
+                                        </p:cTn>
+                                        <p:tgtEl>
+                                          <p:spTgt spid="5"/>
+                                        </p:tgtEl>
+                                        <p:attrNameLst>
+                                          <p:attrName>style.visibility</p:attrName>
+                                        </p:attrNameLst>
+                                      </p:cBhvr>
+                                      <p:to>
+                                        <p:strVal val="visible"/>
+                                      </p:to>
+                                    </p:set>
+                                  </p:childTnLst>
+                                </p:cTn>
+                              </p:par>
+                            </p:childTnLst>
+                          </p:cTn>
+                        </p:par>
+                      </p:childTnLst>
+                    </p:cTn>
+                  </p:par>
+                  <p:par>
+                    <p:cTn id="7" fill="hold">
+                      <p:stCondLst>
+                        <p:cond delay="indefinite"/>
+                      </p:stCondLst>
+                      <p:childTnLst>
+                        <p:par>
+                          <p:cTn id="8" fill="hold">
+                            <p:stCondLst>
+                              <p:cond delay="0"/>
+                            </p:stCondLst>
+                            <p:childTnLst>
+                              <p:par>
+                                <p:cTn id="9" presetID="1" presetClass="entr" presetSubtype="0" fill="hold" grpId="0" nodeType="clickEffect">
+                                  <p:stCondLst>
+                                    <p:cond delay="0"/>
+                                  </p:stCondLst>
+                                  <p:childTnLst>
+                                    <p:set>
+                                      <p:cBhvr>
+                                        <p:cTn id="10" dur="1" fill="hold">
+                                          <p:stCondLst>
+                                            <p:cond delay="0"/>
+                                          </p:stCondLst>
+                                        </p:cTn>
+                                        <p:tgtEl>
+                                          <p:spTgt spid="8"/>
+                                        </p:tgtEl>
+                                        <p:attrNameLst>
+                                          <p:attrName>style.visibility</p:attrName>
+                                        </p:attrNameLst>
+                                      </p:cBhvr>
+                                      <p:to>
+                                        <p:strVal val="visible"/>
+                                      </p:to>
+                                    </p:set>
+                                  </p:childTnLst>
+                                </p:cTn>
+                              </p:par>
+                            </p:childTnLst>
+                          </p:cTn>
+                        </p:par>
+                      </p:childTnLst>
+                    </p:cTn>
+                  </p:par>
+                  <p:par>
+                    <p:cTn id="11" fill="hold">
+                      <p:stCondLst>
+                        <p:cond delay="indefinite"/>
+                      </p:stCondLst>
+                      <p:childTnLst>
+                        <p:par>
+                          <p:cTn id="12" fill="hold">
+                            <p:stCondLst>
+                              <p:cond delay="0"/>
+                            </p:stCondLst>
+                            <p:childTnLst>
+                              <p:par>
+                                <p:cTn id="13" presetID="1" presetClass="entr" presetSubtype="0" fill="hold" grpId="0" nodeType="clickEffect">
+                                  <p:stCondLst>
+                                    <p:cond delay="0"/>
+                                  </p:stCondLst>
+                                  <p:childTnLst>
+                                    <p:set>
+                                      <p:cBhvr>
+                                        <p:cTn id="14" dur="1" fill="hold">
+                                          <p:stCondLst>
+                                            <p:cond delay="0"/>
+                                          </p:stCondLst>
+                                        </p:cTn>
+                                        <p:tgtEl>
+                                          <p:spTgt spid="7"/>
+                                        </p:tgtEl>
+                                        <p:attrNameLst>
+                                          <p:attrName>style.visibility</p:attrName>
+                                        </p:attrNameLst>
+                                      </p:cBhvr>
+                                      <p:to>
+                                        <p:strVal val="visible"/>
+                                      </p:to>
+                                    </p:set>
+                                  </p:childTnLst>
+                                </p:cTn>
+                              </p:par>
+                            </p:childTnLst>
+                          </p:cTn>
+                        </p:par>
+                      </p:childTnLst>
+                    </p:cTn>
+                  </p:par>
+                  <p:par>
+                    <p:cTn id="15" fill="hold">
+                      <p:stCondLst>
+                        <p:cond delay="indefinite"/>
+                      </p:stCondLst>
+                      <p:childTnLst>
+                        <p:par>
+                          <p:cTn id="16" fill="hold">
+                            <p:stCondLst>
+                              <p:cond delay="0"/>
+                            </p:stCondLst>
+                            <p:childTnLst>
+                              <p:par>
+                                <p:cTn id="17" presetID="1" presetClass="entr" presetSubtype="0" fill="hold" nodeType="clickEffect">
+                                  <p:stCondLst>
+                                    <p:cond delay="0"/>
+                                  </p:stCondLst>
+                                  <p:childTnLst>
+                                    <p:set>
+                                      <p:cBhvr>
+                                        <p:cTn id="18" dur="1" fill="hold">
+                                          <p:stCondLst>
+                                            <p:cond delay="0"/>
+                                          </p:stCondLst>
+                                        </p:cTn>
+                                        <p:tgtEl>
+                                          <p:spTgt spid="29"/>
+                                        </p:tgtEl>
+                                        <p:attrNameLst>
+                                          <p:attrName>style.visibility</p:attrName>
+                                        </p:attrNameLst>
+                                      </p:cBhvr>
+                                      <p:to>
+                                        <p:strVal val="visible"/>
+                                      </p:to>
+                                    </p:set>
+                                  </p:childTnLst>
+                                </p:cTn>
+                              </p:par>
+                            </p:childTnLst>
+                          </p:cTn>
+                        </p:par>
+                      </p:childTnLst>
+                    </p:cTn>
+                  </p:par>
+                  <p:par>
+                    <p:cTn id="19" fill="hold">
+                      <p:stCondLst>
+                        <p:cond delay="indefinite"/>
+                      </p:stCondLst>
+                      <p:childTnLst>
+                        <p:par>
+                          <p:cTn id="20" fill="hold">
+                            <p:stCondLst>
+                              <p:cond delay="0"/>
+                            </p:stCondLst>
+                            <p:childTnLst>
+                              <p:par>
+                                <p:cTn id="21" presetID="1" presetClass="entr" presetSubtype="0" fill="hold" grpId="0" nodeType="clickEffect">
+                                  <p:stCondLst>
+                                    <p:cond delay="0"/>
+                                  </p:stCondLst>
+                                  <p:childTnLst>
+                                    <p:set>
+                                      <p:cBhvr>
+                                        <p:cTn id="22" dur="1" fill="hold">
+                                          <p:stCondLst>
+                                            <p:cond delay="0"/>
+                                          </p:stCondLst>
+                                        </p:cTn>
+                                        <p:tgtEl>
+                                          <p:spTgt spid="31"/>
+                                        </p:tgtEl>
+                                        <p:attrNameLst>
+                                          <p:attrName>style.visibility</p:attrName>
+                                        </p:attrNameLst>
+                                      </p:cBhvr>
+                                      <p:to>
+                                        <p:strVal val="visible"/>
+                                      </p:to>
+                                    </p:set>
+                                  </p:childTnLst>
+                                </p:cTn>
+                              </p:par>
+                            </p:childTnLst>
+                          </p:cTn>
+                        </p:par>
+                      </p:childTnLst>
+                    </p:cTn>
+                  </p:par>
+                </p:childTnLst>
+              </p:cTn>
+              <p:prevCondLst>
+                <p:cond evt="onPrev" delay="0">
+                  <p:tgtEl>
+                    <p:sldTgt/>
+                  </p:tgtEl>
+                </p:cond>
+              </p:prevCondLst>
+              <p:nextCondLst>
+                <p:cond evt="onNext" delay="0">
+                  <p:tgtEl>
+                    <p:sldTgt/>
+                  </p:tgtEl>
+                </p:cond>
+              </p:nextCondLst>
+            </p:seq>
+          </p:childTnLst>
+        </p:cTn>
+      </p:par>
+    </p:tnLst>
+    <p:bldLst>
+      <p:bldP spid="5" grpId="0" animBg="1"/>
+      <p:bldP spid="7" grpId="0" animBg="1"/>
+      <p:bldP spid="8" grpId="0" animBg="1"/>
+      <p:bldP spid="31" grpId="0" animBg="1"/>
+    </p:bldLst>
+  </p:timing>
 </p:sld>
 </file>
 
@@ -6702,70 +7378,85 @@
           </a:prstGeom>
         </p:spPr>
       </p:pic>
-      <p:sp>
-        <p:nvSpPr>
-          <p:cNvPr id="8" name="Titre 1">
-            <a:extLst>
-              <a:ext uri="{FF2B5EF4-FFF2-40B4-BE49-F238E27FC236}">
-                <a16:creationId xmlns:a16="http://schemas.microsoft.com/office/drawing/2014/main" id="{1D901C81-2DA3-421A-BBCE-EB083238EDA4}"/>
-              </a:ext>
-            </a:extLst>
-          </p:cNvPr>
-          <p:cNvSpPr txBox="1">
-            <a:spLocks/>
-          </p:cNvSpPr>
+      <p:pic>
+        <p:nvPicPr>
+          <p:cNvPr id="4" name="Image 3">
+            <a:extLst>
+              <a:ext uri="{FF2B5EF4-FFF2-40B4-BE49-F238E27FC236}">
+                <a16:creationId xmlns:a16="http://schemas.microsoft.com/office/drawing/2014/main" id="{CFF8CF00-DB30-4438-B600-8B2DEF6B4067}"/>
+              </a:ext>
+            </a:extLst>
+          </p:cNvPr>
+          <p:cNvPicPr/>
           <p:nvPr/>
-        </p:nvSpPr>
-        <p:spPr>
-          <a:xfrm>
-            <a:off x="1524000" y="228600"/>
-            <a:ext cx="9144000" cy="1076480"/>
+        </p:nvPicPr>
+        <p:blipFill>
+          <a:blip r:embed="rId3">
+            <a:extLst>
+              <a:ext uri="{28A0092B-C50C-407E-A947-70E740481C1C}">
+                <a14:useLocalDpi xmlns:a14="http://schemas.microsoft.com/office/drawing/2010/main" val="0"/>
+              </a:ext>
+            </a:extLst>
+          </a:blip>
+          <a:stretch>
+            <a:fillRect/>
+          </a:stretch>
+        </p:blipFill>
+        <p:spPr>
+          <a:xfrm>
+            <a:off x="2773996" y="1376363"/>
+            <a:ext cx="6644005" cy="5248275"/>
           </a:xfrm>
           <a:prstGeom prst="rect">
             <a:avLst/>
           </a:prstGeom>
         </p:spPr>
-        <p:txBody>
-          <a:bodyPr vert="horz" lIns="91440" tIns="45720" rIns="91440" bIns="45720" rtlCol="0" anchor="b">
+      </p:pic>
+      <p:sp>
+        <p:nvSpPr>
+          <p:cNvPr id="16" name="Titre 1">
+            <a:extLst>
+              <a:ext uri="{FF2B5EF4-FFF2-40B4-BE49-F238E27FC236}">
+                <a16:creationId xmlns:a16="http://schemas.microsoft.com/office/drawing/2014/main" id="{70072CBA-496B-470E-9046-17C30A8A15BD}"/>
+              </a:ext>
+            </a:extLst>
+          </p:cNvPr>
+          <p:cNvSpPr>
+            <a:spLocks noGrp="1"/>
+          </p:cNvSpPr>
+          <p:nvPr>
+            <p:ph type="title"/>
+          </p:nvPr>
+        </p:nvSpPr>
+        <p:spPr>
+          <a:xfrm>
+            <a:off x="838199" y="233362"/>
+            <a:ext cx="10515600" cy="1325563"/>
+          </a:xfrm>
+        </p:spPr>
+        <p:txBody>
+          <a:bodyPr>
             <a:normAutofit/>
           </a:bodyPr>
-          <a:lstStyle>
-            <a:lvl1pPr algn="l" defTabSz="914400" rtl="0" eaLnBrk="1" latinLnBrk="0" hangingPunct="1">
-              <a:lnSpc>
-                <a:spcPct val="90000"/>
-              </a:lnSpc>
-              <a:spcBef>
-                <a:spcPct val="0"/>
-              </a:spcBef>
-              <a:buNone/>
-              <a:defRPr sz="4400" kern="1200">
-                <a:solidFill>
-                  <a:schemeClr val="tx1"/>
-                </a:solidFill>
-                <a:latin typeface="+mj-lt"/>
-                <a:ea typeface="+mj-ea"/>
-                <a:cs typeface="+mj-cs"/>
-              </a:defRPr>
-            </a:lvl1pPr>
-          </a:lstStyle>
-          <a:p>
-            <a:pPr algn="ctr">
-              <a:spcAft>
-                <a:spcPts val="600"/>
-              </a:spcAft>
-            </a:pPr>
-            <a:r>
-              <a:rPr lang="fr-FR" sz="6000" b="1" dirty="0"/>
-              <a:t>Diagramme de Gantt</a:t>
-            </a:r>
-            <a:endParaRPr lang="en-US" sz="6000" b="1" dirty="0"/>
+          <a:lstStyle/>
+          <a:p>
+            <a:pPr algn="ctr"/>
+            <a:r>
+              <a:rPr lang="fr-FR" b="1" dirty="0">
+                <a:latin typeface="+mn-lt"/>
+              </a:rPr>
+              <a:t>Diagramme de cas d’utilisation</a:t>
+            </a:r>
+            <a:endParaRPr lang="fr-FR" sz="3600" b="1" dirty="0">
+              <a:latin typeface="+mn-lt"/>
+            </a:endParaRPr>
           </a:p>
         </p:txBody>
       </p:sp>
     </p:spTree>
     <p:extLst>
       <p:ext uri="{BB962C8B-B14F-4D97-AF65-F5344CB8AC3E}">
-        <p14:creationId xmlns:p14="http://schemas.microsoft.com/office/powerpoint/2010/main" val="2387998976"/>
+        <p14:creationId xmlns:p14="http://schemas.microsoft.com/office/powerpoint/2010/main" val="141572382"/>
       </p:ext>
     </p:extLst>
   </p:cSld>
@@ -6794,10 +7485,10 @@
       </p:grpSpPr>
       <p:pic>
         <p:nvPicPr>
-          <p:cNvPr id="5" name="Image 4" descr="Une image contenant table, paire&#10;&#10;Description générée automatiquement">
-            <a:extLst>
-              <a:ext uri="{FF2B5EF4-FFF2-40B4-BE49-F238E27FC236}">
-                <a16:creationId xmlns:a16="http://schemas.microsoft.com/office/drawing/2014/main" id="{54EDA2C0-48CE-4DA2-890F-252AC8D48847}"/>
+          <p:cNvPr id="21" name="Image 20" descr="Une image contenant table, paire&#10;&#10;Description générée automatiquement">
+            <a:extLst>
+              <a:ext uri="{FF2B5EF4-FFF2-40B4-BE49-F238E27FC236}">
+                <a16:creationId xmlns:a16="http://schemas.microsoft.com/office/drawing/2014/main" id="{C94C7F28-1A6D-4AE8-832F-6ADD5ADD1A9A}"/>
               </a:ext>
             </a:extLst>
           </p:cNvPr>
@@ -6830,73 +7521,68 @@
       </p:pic>
       <p:sp>
         <p:nvSpPr>
-          <p:cNvPr id="2" name="Titre 1">
-            <a:extLst>
-              <a:ext uri="{FF2B5EF4-FFF2-40B4-BE49-F238E27FC236}">
-                <a16:creationId xmlns:a16="http://schemas.microsoft.com/office/drawing/2014/main" id="{3B0C423D-65A1-40D8-8751-302A287BBB8F}"/>
-              </a:ext>
-            </a:extLst>
-          </p:cNvPr>
-          <p:cNvSpPr>
-            <a:spLocks noGrp="1"/>
+          <p:cNvPr id="8" name="Titre 1">
+            <a:extLst>
+              <a:ext uri="{FF2B5EF4-FFF2-40B4-BE49-F238E27FC236}">
+                <a16:creationId xmlns:a16="http://schemas.microsoft.com/office/drawing/2014/main" id="{1D901C81-2DA3-421A-BBCE-EB083238EDA4}"/>
+              </a:ext>
+            </a:extLst>
+          </p:cNvPr>
+          <p:cNvSpPr txBox="1">
+            <a:spLocks/>
           </p:cNvSpPr>
-          <p:nvPr>
-            <p:ph type="title"/>
-          </p:nvPr>
-        </p:nvSpPr>
-        <p:spPr/>
-        <p:txBody>
-          <a:bodyPr/>
-          <a:lstStyle/>
-          <a:p>
-            <a:pPr algn="ctr"/>
-            <a:r>
-              <a:rPr lang="fr-FR" b="1" dirty="0">
-                <a:latin typeface="+mn-lt"/>
-              </a:rPr>
-              <a:t>Mes tâches</a:t>
-            </a:r>
-          </a:p>
-        </p:txBody>
-      </p:sp>
-      <p:pic>
-        <p:nvPicPr>
-          <p:cNvPr id="4" name="Image 3">
-            <a:extLst>
-              <a:ext uri="{FF2B5EF4-FFF2-40B4-BE49-F238E27FC236}">
-                <a16:creationId xmlns:a16="http://schemas.microsoft.com/office/drawing/2014/main" id="{B7441BCA-F2F3-49D7-9D50-474CE98A3A2A}"/>
-              </a:ext>
-            </a:extLst>
-          </p:cNvPr>
-          <p:cNvPicPr/>
           <p:nvPr/>
-        </p:nvPicPr>
-        <p:blipFill>
-          <a:blip r:embed="rId3">
-            <a:extLst>
-              <a:ext uri="{28A0092B-C50C-407E-A947-70E740481C1C}">
-                <a14:useLocalDpi xmlns:a14="http://schemas.microsoft.com/office/drawing/2010/main" val="0"/>
-              </a:ext>
-            </a:extLst>
-          </a:blip>
-          <a:stretch>
-            <a:fillRect/>
-          </a:stretch>
-        </p:blipFill>
-        <p:spPr>
-          <a:xfrm>
-            <a:off x="2543175" y="1690688"/>
-            <a:ext cx="7105650" cy="4595812"/>
+        </p:nvSpPr>
+        <p:spPr>
+          <a:xfrm>
+            <a:off x="1524000" y="228600"/>
+            <a:ext cx="9144000" cy="1076480"/>
           </a:xfrm>
           <a:prstGeom prst="rect">
             <a:avLst/>
           </a:prstGeom>
         </p:spPr>
-      </p:pic>
+        <p:txBody>
+          <a:bodyPr vert="horz" lIns="91440" tIns="45720" rIns="91440" bIns="45720" rtlCol="0" anchor="b">
+            <a:normAutofit/>
+          </a:bodyPr>
+          <a:lstStyle>
+            <a:lvl1pPr algn="l" defTabSz="914400" rtl="0" eaLnBrk="1" latinLnBrk="0" hangingPunct="1">
+              <a:lnSpc>
+                <a:spcPct val="90000"/>
+              </a:lnSpc>
+              <a:spcBef>
+                <a:spcPct val="0"/>
+              </a:spcBef>
+              <a:buNone/>
+              <a:defRPr sz="4400" kern="1200">
+                <a:solidFill>
+                  <a:schemeClr val="tx1"/>
+                </a:solidFill>
+                <a:latin typeface="+mj-lt"/>
+                <a:ea typeface="+mj-ea"/>
+                <a:cs typeface="+mj-cs"/>
+              </a:defRPr>
+            </a:lvl1pPr>
+          </a:lstStyle>
+          <a:p>
+            <a:pPr algn="ctr">
+              <a:spcAft>
+                <a:spcPts val="600"/>
+              </a:spcAft>
+            </a:pPr>
+            <a:r>
+              <a:rPr lang="fr-FR" sz="6000" b="1" dirty="0"/>
+              <a:t>Diagramme de Gantt</a:t>
+            </a:r>
+            <a:endParaRPr lang="en-US" sz="6000" b="1" dirty="0"/>
+          </a:p>
+        </p:txBody>
+      </p:sp>
     </p:spTree>
     <p:extLst>
       <p:ext uri="{BB962C8B-B14F-4D97-AF65-F5344CB8AC3E}">
-        <p14:creationId xmlns:p14="http://schemas.microsoft.com/office/powerpoint/2010/main" val="3626107938"/>
+        <p14:creationId xmlns:p14="http://schemas.microsoft.com/office/powerpoint/2010/main" val="2387998976"/>
       </p:ext>
     </p:extLst>
   </p:cSld>
@@ -6925,10 +7611,10 @@
       </p:grpSpPr>
       <p:pic>
         <p:nvPicPr>
-          <p:cNvPr id="7" name="Image 6" descr="Une image contenant table, paire&#10;&#10;Description générée automatiquement">
-            <a:extLst>
-              <a:ext uri="{FF2B5EF4-FFF2-40B4-BE49-F238E27FC236}">
-                <a16:creationId xmlns:a16="http://schemas.microsoft.com/office/drawing/2014/main" id="{E938644E-CF18-4D10-8122-4DEF1BE6F344}"/>
+          <p:cNvPr id="5" name="Image 4" descr="Une image contenant table, paire&#10;&#10;Description générée automatiquement">
+            <a:extLst>
+              <a:ext uri="{FF2B5EF4-FFF2-40B4-BE49-F238E27FC236}">
+                <a16:creationId xmlns:a16="http://schemas.microsoft.com/office/drawing/2014/main" id="{54EDA2C0-48CE-4DA2-890F-252AC8D48847}"/>
               </a:ext>
             </a:extLst>
           </p:cNvPr>
@@ -6961,10 +7647,10 @@
       </p:pic>
       <p:sp>
         <p:nvSpPr>
-          <p:cNvPr id="5" name="Titre 1">
-            <a:extLst>
-              <a:ext uri="{FF2B5EF4-FFF2-40B4-BE49-F238E27FC236}">
-                <a16:creationId xmlns:a16="http://schemas.microsoft.com/office/drawing/2014/main" id="{782BF964-5F41-42A4-99C2-DF15DED79371}"/>
+          <p:cNvPr id="2" name="Titre 1">
+            <a:extLst>
+              <a:ext uri="{FF2B5EF4-FFF2-40B4-BE49-F238E27FC236}">
+                <a16:creationId xmlns:a16="http://schemas.microsoft.com/office/drawing/2014/main" id="{3B0C423D-65A1-40D8-8751-302A287BBB8F}"/>
               </a:ext>
             </a:extLst>
           </p:cNvPr>
@@ -6975,12 +7661,7 @@
             <p:ph type="title"/>
           </p:nvPr>
         </p:nvSpPr>
-        <p:spPr>
-          <a:xfrm>
-            <a:off x="838200" y="365125"/>
-            <a:ext cx="10515600" cy="1325563"/>
-          </a:xfrm>
-        </p:spPr>
+        <p:spPr/>
         <p:txBody>
           <a:bodyPr/>
           <a:lstStyle/>
@@ -6990,35 +7671,39 @@
               <a:rPr lang="fr-FR" b="1" dirty="0">
                 <a:latin typeface="+mn-lt"/>
               </a:rPr>
-              <a:t>Développement sur Arduino</a:t>
+              <a:t>Mes tâches</a:t>
             </a:r>
           </a:p>
         </p:txBody>
       </p:sp>
       <p:pic>
         <p:nvPicPr>
-          <p:cNvPr id="6" name="Image 5">
-            <a:extLst>
-              <a:ext uri="{FF2B5EF4-FFF2-40B4-BE49-F238E27FC236}">
-                <a16:creationId xmlns:a16="http://schemas.microsoft.com/office/drawing/2014/main" id="{8F65B668-948E-466A-9201-A753825B6D74}"/>
-              </a:ext>
-            </a:extLst>
-          </p:cNvPr>
-          <p:cNvPicPr>
-            <a:picLocks noChangeAspect="1"/>
-          </p:cNvPicPr>
+          <p:cNvPr id="4" name="Image 3">
+            <a:extLst>
+              <a:ext uri="{FF2B5EF4-FFF2-40B4-BE49-F238E27FC236}">
+                <a16:creationId xmlns:a16="http://schemas.microsoft.com/office/drawing/2014/main" id="{B7441BCA-F2F3-49D7-9D50-474CE98A3A2A}"/>
+              </a:ext>
+            </a:extLst>
+          </p:cNvPr>
+          <p:cNvPicPr/>
           <p:nvPr/>
         </p:nvPicPr>
         <p:blipFill>
-          <a:blip r:embed="rId3"/>
+          <a:blip r:embed="rId3">
+            <a:extLst>
+              <a:ext uri="{28A0092B-C50C-407E-A947-70E740481C1C}">
+                <a14:useLocalDpi xmlns:a14="http://schemas.microsoft.com/office/drawing/2010/main" val="0"/>
+              </a:ext>
+            </a:extLst>
+          </a:blip>
           <a:stretch>
             <a:fillRect/>
           </a:stretch>
         </p:blipFill>
         <p:spPr>
           <a:xfrm>
-            <a:off x="1833113" y="2695178"/>
-            <a:ext cx="8525773" cy="1467643"/>
+            <a:off x="2543175" y="1690688"/>
+            <a:ext cx="7105650" cy="4595812"/>
           </a:xfrm>
           <a:prstGeom prst="rect">
             <a:avLst/>
@@ -7028,7 +7713,7 @@
     </p:spTree>
     <p:extLst>
       <p:ext uri="{BB962C8B-B14F-4D97-AF65-F5344CB8AC3E}">
-        <p14:creationId xmlns:p14="http://schemas.microsoft.com/office/powerpoint/2010/main" val="1657409770"/>
+        <p14:creationId xmlns:p14="http://schemas.microsoft.com/office/powerpoint/2010/main" val="3626107938"/>
       </p:ext>
     </p:extLst>
   </p:cSld>
@@ -7057,10 +7742,10 @@
       </p:grpSpPr>
       <p:pic>
         <p:nvPicPr>
-          <p:cNvPr id="11" name="Image 10" descr="Une image contenant table, paire&#10;&#10;Description générée automatiquement">
-            <a:extLst>
-              <a:ext uri="{FF2B5EF4-FFF2-40B4-BE49-F238E27FC236}">
-                <a16:creationId xmlns:a16="http://schemas.microsoft.com/office/drawing/2014/main" id="{2D11510A-402F-49FB-A1FB-790272910546}"/>
+          <p:cNvPr id="7" name="Image 6" descr="Une image contenant table, paire&#10;&#10;Description générée automatiquement">
+            <a:extLst>
+              <a:ext uri="{FF2B5EF4-FFF2-40B4-BE49-F238E27FC236}">
+                <a16:creationId xmlns:a16="http://schemas.microsoft.com/office/drawing/2014/main" id="{E938644E-CF18-4D10-8122-4DEF1BE6F344}"/>
               </a:ext>
             </a:extLst>
           </p:cNvPr>
@@ -7093,10 +7778,10 @@
       </p:pic>
       <p:sp>
         <p:nvSpPr>
-          <p:cNvPr id="4" name="Titre 1">
-            <a:extLst>
-              <a:ext uri="{FF2B5EF4-FFF2-40B4-BE49-F238E27FC236}">
-                <a16:creationId xmlns:a16="http://schemas.microsoft.com/office/drawing/2014/main" id="{C9DA7725-D7E8-4BCC-9FDF-A34AF4C0A51D}"/>
+          <p:cNvPr id="5" name="Titre 1">
+            <a:extLst>
+              <a:ext uri="{FF2B5EF4-FFF2-40B4-BE49-F238E27FC236}">
+                <a16:creationId xmlns:a16="http://schemas.microsoft.com/office/drawing/2014/main" id="{782BF964-5F41-42A4-99C2-DF15DED79371}"/>
               </a:ext>
             </a:extLst>
           </p:cNvPr>
@@ -7109,8 +7794,8 @@
         </p:nvSpPr>
         <p:spPr>
           <a:xfrm>
-            <a:off x="897559" y="389990"/>
-            <a:ext cx="10396882" cy="1151965"/>
+            <a:off x="838200" y="365125"/>
+            <a:ext cx="10515600" cy="1325563"/>
           </a:xfrm>
         </p:spPr>
         <p:txBody>
@@ -7120,22 +7805,19 @@
             <a:pPr algn="ctr"/>
             <a:r>
               <a:rPr lang="fr-FR" b="1" dirty="0">
-                <a:solidFill>
-                  <a:schemeClr val="tx1"/>
-                </a:solidFill>
                 <a:latin typeface="+mn-lt"/>
               </a:rPr>
-              <a:t>Mécanisme n°1 : l’échiquier </a:t>
+              <a:t>Développement sur Arduino</a:t>
             </a:r>
           </a:p>
         </p:txBody>
       </p:sp>
       <p:pic>
         <p:nvPicPr>
-          <p:cNvPr id="7" name="Image 6">
-            <a:extLst>
-              <a:ext uri="{FF2B5EF4-FFF2-40B4-BE49-F238E27FC236}">
-                <a16:creationId xmlns:a16="http://schemas.microsoft.com/office/drawing/2014/main" id="{3E25E6BD-BD7B-42CD-85AA-8F3B8B632A89}"/>
+          <p:cNvPr id="6" name="Image 5">
+            <a:extLst>
+              <a:ext uri="{FF2B5EF4-FFF2-40B4-BE49-F238E27FC236}">
+                <a16:creationId xmlns:a16="http://schemas.microsoft.com/office/drawing/2014/main" id="{8F65B668-948E-466A-9201-A753825B6D74}"/>
               </a:ext>
             </a:extLst>
           </p:cNvPr>
@@ -7152,98 +7834,8 @@
         </p:blipFill>
         <p:spPr>
           <a:xfrm>
-            <a:off x="6996113" y="1541953"/>
-            <a:ext cx="3381375" cy="2695575"/>
-          </a:xfrm>
-          <a:prstGeom prst="rect">
-            <a:avLst/>
-          </a:prstGeom>
-        </p:spPr>
-      </p:pic>
-      <p:pic>
-        <p:nvPicPr>
-          <p:cNvPr id="8" name="Image 7">
-            <a:extLst>
-              <a:ext uri="{FF2B5EF4-FFF2-40B4-BE49-F238E27FC236}">
-                <a16:creationId xmlns:a16="http://schemas.microsoft.com/office/drawing/2014/main" id="{0E8D0641-155D-42EE-AB58-DE3D48C7D642}"/>
-              </a:ext>
-            </a:extLst>
-          </p:cNvPr>
-          <p:cNvPicPr>
-            <a:picLocks noChangeAspect="1"/>
-          </p:cNvPicPr>
-          <p:nvPr/>
-        </p:nvPicPr>
-        <p:blipFill>
-          <a:blip r:embed="rId4"/>
-          <a:stretch>
-            <a:fillRect/>
-          </a:stretch>
-        </p:blipFill>
-        <p:spPr>
-          <a:xfrm>
-            <a:off x="8105258" y="4782647"/>
-            <a:ext cx="2272230" cy="1685363"/>
-          </a:xfrm>
-          <a:prstGeom prst="rect">
-            <a:avLst/>
-          </a:prstGeom>
-        </p:spPr>
-      </p:pic>
-      <p:pic>
-        <p:nvPicPr>
-          <p:cNvPr id="9" name="Image 8">
-            <a:extLst>
-              <a:ext uri="{FF2B5EF4-FFF2-40B4-BE49-F238E27FC236}">
-                <a16:creationId xmlns:a16="http://schemas.microsoft.com/office/drawing/2014/main" id="{DCC1F621-3787-4502-B2E6-FA7494709D1B}"/>
-              </a:ext>
-            </a:extLst>
-          </p:cNvPr>
-          <p:cNvPicPr>
-            <a:picLocks noChangeAspect="1"/>
-          </p:cNvPicPr>
-          <p:nvPr/>
-        </p:nvPicPr>
-        <p:blipFill>
-          <a:blip r:embed="rId5"/>
-          <a:stretch>
-            <a:fillRect/>
-          </a:stretch>
-        </p:blipFill>
-        <p:spPr>
-          <a:xfrm>
-            <a:off x="1814512" y="4634728"/>
-            <a:ext cx="5734050" cy="1981200"/>
-          </a:xfrm>
-          <a:prstGeom prst="rect">
-            <a:avLst/>
-          </a:prstGeom>
-        </p:spPr>
-      </p:pic>
-      <p:pic>
-        <p:nvPicPr>
-          <p:cNvPr id="10" name="Image 9">
-            <a:extLst>
-              <a:ext uri="{FF2B5EF4-FFF2-40B4-BE49-F238E27FC236}">
-                <a16:creationId xmlns:a16="http://schemas.microsoft.com/office/drawing/2014/main" id="{203CC351-552D-4FB9-89E3-DA88C189D539}"/>
-              </a:ext>
-            </a:extLst>
-          </p:cNvPr>
-          <p:cNvPicPr>
-            <a:picLocks noChangeAspect="1"/>
-          </p:cNvPicPr>
-          <p:nvPr/>
-        </p:nvPicPr>
-        <p:blipFill>
-          <a:blip r:embed="rId6"/>
-          <a:stretch>
-            <a:fillRect/>
-          </a:stretch>
-        </p:blipFill>
-        <p:spPr>
-          <a:xfrm>
-            <a:off x="1627499" y="1541953"/>
-            <a:ext cx="4638675" cy="2695574"/>
+            <a:off x="1833113" y="2695178"/>
+            <a:ext cx="8525773" cy="1467643"/>
           </a:xfrm>
           <a:prstGeom prst="rect">
             <a:avLst/>
@@ -7253,7 +7845,7 @@
     </p:spTree>
     <p:extLst>
       <p:ext uri="{BB962C8B-B14F-4D97-AF65-F5344CB8AC3E}">
-        <p14:creationId xmlns:p14="http://schemas.microsoft.com/office/powerpoint/2010/main" val="3952880323"/>
+        <p14:creationId xmlns:p14="http://schemas.microsoft.com/office/powerpoint/2010/main" val="1657409770"/>
       </p:ext>
     </p:extLst>
   </p:cSld>
@@ -7282,10 +7874,10 @@
       </p:grpSpPr>
       <p:pic>
         <p:nvPicPr>
-          <p:cNvPr id="36" name="Image 35" descr="Une image contenant table, paire&#10;&#10;Description générée automatiquement">
-            <a:extLst>
-              <a:ext uri="{FF2B5EF4-FFF2-40B4-BE49-F238E27FC236}">
-                <a16:creationId xmlns:a16="http://schemas.microsoft.com/office/drawing/2014/main" id="{A156923A-8DF4-4078-94DF-E315267FCF0F}"/>
+          <p:cNvPr id="11" name="Image 10" descr="Une image contenant table, paire&#10;&#10;Description générée automatiquement">
+            <a:extLst>
+              <a:ext uri="{FF2B5EF4-FFF2-40B4-BE49-F238E27FC236}">
+                <a16:creationId xmlns:a16="http://schemas.microsoft.com/office/drawing/2014/main" id="{2D11510A-402F-49FB-A1FB-790272910546}"/>
               </a:ext>
             </a:extLst>
           </p:cNvPr>
@@ -7316,12 +7908,51 @@
           </a:prstGeom>
         </p:spPr>
       </p:pic>
+      <p:sp>
+        <p:nvSpPr>
+          <p:cNvPr id="4" name="Titre 1">
+            <a:extLst>
+              <a:ext uri="{FF2B5EF4-FFF2-40B4-BE49-F238E27FC236}">
+                <a16:creationId xmlns:a16="http://schemas.microsoft.com/office/drawing/2014/main" id="{C9DA7725-D7E8-4BCC-9FDF-A34AF4C0A51D}"/>
+              </a:ext>
+            </a:extLst>
+          </p:cNvPr>
+          <p:cNvSpPr>
+            <a:spLocks noGrp="1"/>
+          </p:cNvSpPr>
+          <p:nvPr>
+            <p:ph type="title"/>
+          </p:nvPr>
+        </p:nvSpPr>
+        <p:spPr>
+          <a:xfrm>
+            <a:off x="897559" y="389990"/>
+            <a:ext cx="10396882" cy="1151965"/>
+          </a:xfrm>
+        </p:spPr>
+        <p:txBody>
+          <a:bodyPr/>
+          <a:lstStyle/>
+          <a:p>
+            <a:pPr algn="ctr"/>
+            <a:r>
+              <a:rPr lang="fr-FR" b="1" dirty="0">
+                <a:solidFill>
+                  <a:schemeClr val="tx1"/>
+                </a:solidFill>
+                <a:latin typeface="+mn-lt"/>
+              </a:rPr>
+              <a:t>Mécanisme n°1 : l’échiquier </a:t>
+            </a:r>
+          </a:p>
+        </p:txBody>
+      </p:sp>
       <p:pic>
         <p:nvPicPr>
-          <p:cNvPr id="4" name="Image 3">
-            <a:extLst>
-              <a:ext uri="{FF2B5EF4-FFF2-40B4-BE49-F238E27FC236}">
-                <a16:creationId xmlns:a16="http://schemas.microsoft.com/office/drawing/2014/main" id="{6805F5BA-C8D9-42B8-9C92-898C42B99EC9}"/>
+          <p:cNvPr id="7" name="Image 6">
+            <a:extLst>
+              <a:ext uri="{FF2B5EF4-FFF2-40B4-BE49-F238E27FC236}">
+                <a16:creationId xmlns:a16="http://schemas.microsoft.com/office/drawing/2014/main" id="{3E25E6BD-BD7B-42CD-85AA-8F3B8B632A89}"/>
               </a:ext>
             </a:extLst>
           </p:cNvPr>
@@ -7331,91 +7962,115 @@
           <p:nvPr/>
         </p:nvPicPr>
         <p:blipFill>
-          <a:blip r:embed="rId3">
-            <a:extLst>
-              <a:ext uri="{28A0092B-C50C-407E-A947-70E740481C1C}">
-                <a14:useLocalDpi xmlns:a14="http://schemas.microsoft.com/office/drawing/2010/main" val="0"/>
-              </a:ext>
-            </a:extLst>
-          </a:blip>
+          <a:blip r:embed="rId3"/>
           <a:stretch>
             <a:fillRect/>
           </a:stretch>
         </p:blipFill>
         <p:spPr>
           <a:xfrm>
-            <a:off x="1595496" y="1704733"/>
-            <a:ext cx="9001008" cy="4763277"/>
+            <a:off x="6996113" y="1541953"/>
+            <a:ext cx="3381375" cy="2695575"/>
           </a:xfrm>
           <a:prstGeom prst="rect">
             <a:avLst/>
           </a:prstGeom>
         </p:spPr>
       </p:pic>
-      <p:sp>
-        <p:nvSpPr>
-          <p:cNvPr id="33" name="Titre 1">
-            <a:extLst>
-              <a:ext uri="{FF2B5EF4-FFF2-40B4-BE49-F238E27FC236}">
-                <a16:creationId xmlns:a16="http://schemas.microsoft.com/office/drawing/2014/main" id="{D7D47A08-2BF9-44C3-9F77-2D2D4A0332FD}"/>
-              </a:ext>
-            </a:extLst>
-          </p:cNvPr>
-          <p:cNvSpPr txBox="1">
-            <a:spLocks/>
-          </p:cNvSpPr>
+      <p:pic>
+        <p:nvPicPr>
+          <p:cNvPr id="8" name="Image 7">
+            <a:extLst>
+              <a:ext uri="{FF2B5EF4-FFF2-40B4-BE49-F238E27FC236}">
+                <a16:creationId xmlns:a16="http://schemas.microsoft.com/office/drawing/2014/main" id="{0E8D0641-155D-42EE-AB58-DE3D48C7D642}"/>
+              </a:ext>
+            </a:extLst>
+          </p:cNvPr>
+          <p:cNvPicPr>
+            <a:picLocks noChangeAspect="1"/>
+          </p:cNvPicPr>
           <p:nvPr/>
-        </p:nvSpPr>
-        <p:spPr>
-          <a:xfrm>
-            <a:off x="897559" y="389990"/>
-            <a:ext cx="10396882" cy="1151965"/>
+        </p:nvPicPr>
+        <p:blipFill>
+          <a:blip r:embed="rId4"/>
+          <a:stretch>
+            <a:fillRect/>
+          </a:stretch>
+        </p:blipFill>
+        <p:spPr>
+          <a:xfrm>
+            <a:off x="8105258" y="4782647"/>
+            <a:ext cx="2272230" cy="1685363"/>
           </a:xfrm>
           <a:prstGeom prst="rect">
             <a:avLst/>
           </a:prstGeom>
         </p:spPr>
-        <p:txBody>
-          <a:bodyPr vert="horz" lIns="91440" tIns="45720" rIns="91440" bIns="45720" rtlCol="0" anchor="ctr">
-            <a:normAutofit/>
-          </a:bodyPr>
-          <a:lstStyle>
-            <a:lvl1pPr algn="l" defTabSz="914400" rtl="0" eaLnBrk="1" latinLnBrk="0" hangingPunct="1">
-              <a:lnSpc>
-                <a:spcPct val="90000"/>
-              </a:lnSpc>
-              <a:spcBef>
-                <a:spcPct val="0"/>
-              </a:spcBef>
-              <a:buNone/>
-              <a:defRPr sz="4400" kern="1200">
-                <a:solidFill>
-                  <a:schemeClr val="tx1"/>
-                </a:solidFill>
-                <a:latin typeface="+mj-lt"/>
-                <a:ea typeface="+mj-ea"/>
-                <a:cs typeface="+mj-cs"/>
-              </a:defRPr>
-            </a:lvl1pPr>
-          </a:lstStyle>
-          <a:p>
-            <a:pPr algn="ctr"/>
-            <a:r>
-              <a:rPr lang="fr-FR" b="1">
-                <a:latin typeface="+mn-lt"/>
-              </a:rPr>
-              <a:t>Mécanisme n°1 : l’échiquier </a:t>
-            </a:r>
-            <a:endParaRPr lang="fr-FR" b="1" dirty="0">
-              <a:latin typeface="+mn-lt"/>
-            </a:endParaRPr>
-          </a:p>
-        </p:txBody>
-      </p:sp>
+      </p:pic>
+      <p:pic>
+        <p:nvPicPr>
+          <p:cNvPr id="9" name="Image 8">
+            <a:extLst>
+              <a:ext uri="{FF2B5EF4-FFF2-40B4-BE49-F238E27FC236}">
+                <a16:creationId xmlns:a16="http://schemas.microsoft.com/office/drawing/2014/main" id="{DCC1F621-3787-4502-B2E6-FA7494709D1B}"/>
+              </a:ext>
+            </a:extLst>
+          </p:cNvPr>
+          <p:cNvPicPr>
+            <a:picLocks noChangeAspect="1"/>
+          </p:cNvPicPr>
+          <p:nvPr/>
+        </p:nvPicPr>
+        <p:blipFill>
+          <a:blip r:embed="rId5"/>
+          <a:stretch>
+            <a:fillRect/>
+          </a:stretch>
+        </p:blipFill>
+        <p:spPr>
+          <a:xfrm>
+            <a:off x="1814512" y="4634728"/>
+            <a:ext cx="5734050" cy="1981200"/>
+          </a:xfrm>
+          <a:prstGeom prst="rect">
+            <a:avLst/>
+          </a:prstGeom>
+        </p:spPr>
+      </p:pic>
+      <p:pic>
+        <p:nvPicPr>
+          <p:cNvPr id="10" name="Image 9">
+            <a:extLst>
+              <a:ext uri="{FF2B5EF4-FFF2-40B4-BE49-F238E27FC236}">
+                <a16:creationId xmlns:a16="http://schemas.microsoft.com/office/drawing/2014/main" id="{203CC351-552D-4FB9-89E3-DA88C189D539}"/>
+              </a:ext>
+            </a:extLst>
+          </p:cNvPr>
+          <p:cNvPicPr>
+            <a:picLocks noChangeAspect="1"/>
+          </p:cNvPicPr>
+          <p:nvPr/>
+        </p:nvPicPr>
+        <p:blipFill>
+          <a:blip r:embed="rId6"/>
+          <a:stretch>
+            <a:fillRect/>
+          </a:stretch>
+        </p:blipFill>
+        <p:spPr>
+          <a:xfrm>
+            <a:off x="1627499" y="1541953"/>
+            <a:ext cx="4638675" cy="2695574"/>
+          </a:xfrm>
+          <a:prstGeom prst="rect">
+            <a:avLst/>
+          </a:prstGeom>
+        </p:spPr>
+      </p:pic>
     </p:spTree>
     <p:extLst>
       <p:ext uri="{BB962C8B-B14F-4D97-AF65-F5344CB8AC3E}">
-        <p14:creationId xmlns:p14="http://schemas.microsoft.com/office/powerpoint/2010/main" val="2394584400"/>
+        <p14:creationId xmlns:p14="http://schemas.microsoft.com/office/powerpoint/2010/main" val="3952880323"/>
       </p:ext>
     </p:extLst>
   </p:cSld>
@@ -7444,10 +8099,10 @@
       </p:grpSpPr>
       <p:pic>
         <p:nvPicPr>
-          <p:cNvPr id="10" name="Image 9" descr="Une image contenant table, paire&#10;&#10;Description générée automatiquement">
-            <a:extLst>
-              <a:ext uri="{FF2B5EF4-FFF2-40B4-BE49-F238E27FC236}">
-                <a16:creationId xmlns:a16="http://schemas.microsoft.com/office/drawing/2014/main" id="{31C4281F-D622-418C-8D75-07D5069F2E30}"/>
+          <p:cNvPr id="36" name="Image 35" descr="Une image contenant table, paire&#10;&#10;Description générée automatiquement">
+            <a:extLst>
+              <a:ext uri="{FF2B5EF4-FFF2-40B4-BE49-F238E27FC236}">
+                <a16:creationId xmlns:a16="http://schemas.microsoft.com/office/drawing/2014/main" id="{A156923A-8DF4-4078-94DF-E315267FCF0F}"/>
               </a:ext>
             </a:extLst>
           </p:cNvPr>
@@ -7478,51 +8133,12 @@
           </a:prstGeom>
         </p:spPr>
       </p:pic>
-      <p:sp>
-        <p:nvSpPr>
-          <p:cNvPr id="4" name="Titre 1">
-            <a:extLst>
-              <a:ext uri="{FF2B5EF4-FFF2-40B4-BE49-F238E27FC236}">
-                <a16:creationId xmlns:a16="http://schemas.microsoft.com/office/drawing/2014/main" id="{C9DA7725-D7E8-4BCC-9FDF-A34AF4C0A51D}"/>
-              </a:ext>
-            </a:extLst>
-          </p:cNvPr>
-          <p:cNvSpPr>
-            <a:spLocks noGrp="1"/>
-          </p:cNvSpPr>
-          <p:nvPr>
-            <p:ph type="title"/>
-          </p:nvPr>
-        </p:nvSpPr>
-        <p:spPr>
-          <a:xfrm>
-            <a:off x="897559" y="389990"/>
-            <a:ext cx="10396882" cy="1151965"/>
-          </a:xfrm>
-        </p:spPr>
-        <p:txBody>
-          <a:bodyPr/>
-          <a:lstStyle/>
-          <a:p>
-            <a:pPr algn="ctr"/>
-            <a:r>
-              <a:rPr lang="fr-FR" b="1" dirty="0">
-                <a:solidFill>
-                  <a:schemeClr val="tx1"/>
-                </a:solidFill>
-                <a:latin typeface="+mn-lt"/>
-              </a:rPr>
-              <a:t>Mécanisme n°2 : Le lion basculant </a:t>
-            </a:r>
-          </a:p>
-        </p:txBody>
-      </p:sp>
       <p:pic>
         <p:nvPicPr>
-          <p:cNvPr id="2" name="Image 1">
-            <a:extLst>
-              <a:ext uri="{FF2B5EF4-FFF2-40B4-BE49-F238E27FC236}">
-                <a16:creationId xmlns:a16="http://schemas.microsoft.com/office/drawing/2014/main" id="{2C0D87F4-9306-4315-AE08-A32C8BFCE5E0}"/>
+          <p:cNvPr id="4" name="Image 3">
+            <a:extLst>
+              <a:ext uri="{FF2B5EF4-FFF2-40B4-BE49-F238E27FC236}">
+                <a16:creationId xmlns:a16="http://schemas.microsoft.com/office/drawing/2014/main" id="{6805F5BA-C8D9-42B8-9C92-898C42B99EC9}"/>
               </a:ext>
             </a:extLst>
           </p:cNvPr>
@@ -7532,85 +8148,91 @@
           <p:nvPr/>
         </p:nvPicPr>
         <p:blipFill>
-          <a:blip r:embed="rId3"/>
+          <a:blip r:embed="rId3">
+            <a:extLst>
+              <a:ext uri="{28A0092B-C50C-407E-A947-70E740481C1C}">
+                <a14:useLocalDpi xmlns:a14="http://schemas.microsoft.com/office/drawing/2010/main" val="0"/>
+              </a:ext>
+            </a:extLst>
+          </a:blip>
           <a:stretch>
             <a:fillRect/>
           </a:stretch>
         </p:blipFill>
         <p:spPr>
           <a:xfrm>
-            <a:off x="273050" y="4801135"/>
-            <a:ext cx="5638800" cy="1666875"/>
+            <a:off x="1595496" y="1704733"/>
+            <a:ext cx="9001008" cy="4763277"/>
           </a:xfrm>
           <a:prstGeom prst="rect">
             <a:avLst/>
           </a:prstGeom>
         </p:spPr>
       </p:pic>
-      <p:pic>
-        <p:nvPicPr>
-          <p:cNvPr id="3" name="Image 2">
-            <a:extLst>
-              <a:ext uri="{FF2B5EF4-FFF2-40B4-BE49-F238E27FC236}">
-                <a16:creationId xmlns:a16="http://schemas.microsoft.com/office/drawing/2014/main" id="{87152FC5-D673-4661-8823-2AE5BE521D63}"/>
-              </a:ext>
-            </a:extLst>
-          </p:cNvPr>
-          <p:cNvPicPr>
-            <a:picLocks noChangeAspect="1"/>
-          </p:cNvPicPr>
+      <p:sp>
+        <p:nvSpPr>
+          <p:cNvPr id="33" name="Titre 1">
+            <a:extLst>
+              <a:ext uri="{FF2B5EF4-FFF2-40B4-BE49-F238E27FC236}">
+                <a16:creationId xmlns:a16="http://schemas.microsoft.com/office/drawing/2014/main" id="{D7D47A08-2BF9-44C3-9F77-2D2D4A0332FD}"/>
+              </a:ext>
+            </a:extLst>
+          </p:cNvPr>
+          <p:cNvSpPr txBox="1">
+            <a:spLocks/>
+          </p:cNvSpPr>
           <p:nvPr/>
-        </p:nvPicPr>
-        <p:blipFill>
-          <a:blip r:embed="rId4"/>
-          <a:stretch>
-            <a:fillRect/>
-          </a:stretch>
-        </p:blipFill>
-        <p:spPr>
-          <a:xfrm>
-            <a:off x="5911850" y="4677310"/>
-            <a:ext cx="6184900" cy="1790700"/>
+        </p:nvSpPr>
+        <p:spPr>
+          <a:xfrm>
+            <a:off x="897559" y="389990"/>
+            <a:ext cx="10396882" cy="1151965"/>
           </a:xfrm>
           <a:prstGeom prst="rect">
             <a:avLst/>
           </a:prstGeom>
         </p:spPr>
-      </p:pic>
-      <p:pic>
-        <p:nvPicPr>
-          <p:cNvPr id="5" name="Image 4">
-            <a:extLst>
-              <a:ext uri="{FF2B5EF4-FFF2-40B4-BE49-F238E27FC236}">
-                <a16:creationId xmlns:a16="http://schemas.microsoft.com/office/drawing/2014/main" id="{7FF68BC6-D6EF-487B-A099-123BD8719E93}"/>
-              </a:ext>
-            </a:extLst>
-          </p:cNvPr>
-          <p:cNvPicPr>
-            <a:picLocks noChangeAspect="1"/>
-          </p:cNvPicPr>
-          <p:nvPr/>
-        </p:nvPicPr>
-        <p:blipFill>
-          <a:blip r:embed="rId5"/>
-          <a:stretch>
-            <a:fillRect/>
-          </a:stretch>
-        </p:blipFill>
-        <p:spPr>
-          <a:xfrm>
-            <a:off x="3776662" y="1665780"/>
-            <a:ext cx="4638675" cy="2457450"/>
-          </a:xfrm>
-          <a:prstGeom prst="rect">
-            <a:avLst/>
-          </a:prstGeom>
-        </p:spPr>
-      </p:pic>
+        <p:txBody>
+          <a:bodyPr vert="horz" lIns="91440" tIns="45720" rIns="91440" bIns="45720" rtlCol="0" anchor="ctr">
+            <a:normAutofit/>
+          </a:bodyPr>
+          <a:lstStyle>
+            <a:lvl1pPr algn="l" defTabSz="914400" rtl="0" eaLnBrk="1" latinLnBrk="0" hangingPunct="1">
+              <a:lnSpc>
+                <a:spcPct val="90000"/>
+              </a:lnSpc>
+              <a:spcBef>
+                <a:spcPct val="0"/>
+              </a:spcBef>
+              <a:buNone/>
+              <a:defRPr sz="4400" kern="1200">
+                <a:solidFill>
+                  <a:schemeClr val="tx1"/>
+                </a:solidFill>
+                <a:latin typeface="+mj-lt"/>
+                <a:ea typeface="+mj-ea"/>
+                <a:cs typeface="+mj-cs"/>
+              </a:defRPr>
+            </a:lvl1pPr>
+          </a:lstStyle>
+          <a:p>
+            <a:pPr algn="ctr"/>
+            <a:r>
+              <a:rPr lang="fr-FR" b="1">
+                <a:latin typeface="+mn-lt"/>
+              </a:rPr>
+              <a:t>Mécanisme n°1 : l’échiquier </a:t>
+            </a:r>
+            <a:endParaRPr lang="fr-FR" b="1" dirty="0">
+              <a:latin typeface="+mn-lt"/>
+            </a:endParaRPr>
+          </a:p>
+        </p:txBody>
+      </p:sp>
     </p:spTree>
     <p:extLst>
       <p:ext uri="{BB962C8B-B14F-4D97-AF65-F5344CB8AC3E}">
-        <p14:creationId xmlns:p14="http://schemas.microsoft.com/office/powerpoint/2010/main" val="1226980342"/>
+        <p14:creationId xmlns:p14="http://schemas.microsoft.com/office/powerpoint/2010/main" val="2394584400"/>
       </p:ext>
     </p:extLst>
   </p:cSld>
@@ -7639,10 +8261,10 @@
       </p:grpSpPr>
       <p:pic>
         <p:nvPicPr>
-          <p:cNvPr id="8" name="Image 7" descr="Une image contenant table, paire&#10;&#10;Description générée automatiquement">
-            <a:extLst>
-              <a:ext uri="{FF2B5EF4-FFF2-40B4-BE49-F238E27FC236}">
-                <a16:creationId xmlns:a16="http://schemas.microsoft.com/office/drawing/2014/main" id="{285DFC8B-EF09-4C38-8A7C-512706C86447}"/>
+          <p:cNvPr id="10" name="Image 9" descr="Une image contenant table, paire&#10;&#10;Description générée automatiquement">
+            <a:extLst>
+              <a:ext uri="{FF2B5EF4-FFF2-40B4-BE49-F238E27FC236}">
+                <a16:creationId xmlns:a16="http://schemas.microsoft.com/office/drawing/2014/main" id="{31C4281F-D622-418C-8D75-07D5069F2E30}"/>
               </a:ext>
             </a:extLst>
           </p:cNvPr>
@@ -7673,48 +8295,12 @@
           </a:prstGeom>
         </p:spPr>
       </p:pic>
-      <p:pic>
-        <p:nvPicPr>
-          <p:cNvPr id="5" name="Image 4" descr="Une image contenant texte, carte&#10;&#10;Description générée automatiquement">
-            <a:extLst>
-              <a:ext uri="{FF2B5EF4-FFF2-40B4-BE49-F238E27FC236}">
-                <a16:creationId xmlns:a16="http://schemas.microsoft.com/office/drawing/2014/main" id="{04AB712E-CAB8-4919-9D2F-9861540EB976}"/>
-              </a:ext>
-            </a:extLst>
-          </p:cNvPr>
-          <p:cNvPicPr>
-            <a:picLocks noChangeAspect="1"/>
-          </p:cNvPicPr>
-          <p:nvPr/>
-        </p:nvPicPr>
-        <p:blipFill>
-          <a:blip r:embed="rId3">
-            <a:extLst>
-              <a:ext uri="{28A0092B-C50C-407E-A947-70E740481C1C}">
-                <a14:useLocalDpi xmlns:a14="http://schemas.microsoft.com/office/drawing/2010/main" val="0"/>
-              </a:ext>
-            </a:extLst>
-          </a:blip>
-          <a:stretch>
-            <a:fillRect/>
-          </a:stretch>
-        </p:blipFill>
-        <p:spPr>
-          <a:xfrm>
-            <a:off x="2616490" y="1541955"/>
-            <a:ext cx="6959019" cy="5189045"/>
-          </a:xfrm>
-          <a:prstGeom prst="rect">
-            <a:avLst/>
-          </a:prstGeom>
-        </p:spPr>
-      </p:pic>
-      <p:sp>
-        <p:nvSpPr>
-          <p:cNvPr id="7" name="Titre 1">
-            <a:extLst>
-              <a:ext uri="{FF2B5EF4-FFF2-40B4-BE49-F238E27FC236}">
-                <a16:creationId xmlns:a16="http://schemas.microsoft.com/office/drawing/2014/main" id="{B99C25B3-D467-4A98-8DB5-F956F5749BEE}"/>
+      <p:sp>
+        <p:nvSpPr>
+          <p:cNvPr id="4" name="Titre 1">
+            <a:extLst>
+              <a:ext uri="{FF2B5EF4-FFF2-40B4-BE49-F238E27FC236}">
+                <a16:creationId xmlns:a16="http://schemas.microsoft.com/office/drawing/2014/main" id="{C9DA7725-D7E8-4BCC-9FDF-A34AF4C0A51D}"/>
               </a:ext>
             </a:extLst>
           </p:cNvPr>
@@ -7748,10 +8334,100 @@
           </a:p>
         </p:txBody>
       </p:sp>
+      <p:pic>
+        <p:nvPicPr>
+          <p:cNvPr id="2" name="Image 1">
+            <a:extLst>
+              <a:ext uri="{FF2B5EF4-FFF2-40B4-BE49-F238E27FC236}">
+                <a16:creationId xmlns:a16="http://schemas.microsoft.com/office/drawing/2014/main" id="{2C0D87F4-9306-4315-AE08-A32C8BFCE5E0}"/>
+              </a:ext>
+            </a:extLst>
+          </p:cNvPr>
+          <p:cNvPicPr>
+            <a:picLocks noChangeAspect="1"/>
+          </p:cNvPicPr>
+          <p:nvPr/>
+        </p:nvPicPr>
+        <p:blipFill>
+          <a:blip r:embed="rId3"/>
+          <a:stretch>
+            <a:fillRect/>
+          </a:stretch>
+        </p:blipFill>
+        <p:spPr>
+          <a:xfrm>
+            <a:off x="273050" y="4801135"/>
+            <a:ext cx="5638800" cy="1666875"/>
+          </a:xfrm>
+          <a:prstGeom prst="rect">
+            <a:avLst/>
+          </a:prstGeom>
+        </p:spPr>
+      </p:pic>
+      <p:pic>
+        <p:nvPicPr>
+          <p:cNvPr id="3" name="Image 2">
+            <a:extLst>
+              <a:ext uri="{FF2B5EF4-FFF2-40B4-BE49-F238E27FC236}">
+                <a16:creationId xmlns:a16="http://schemas.microsoft.com/office/drawing/2014/main" id="{87152FC5-D673-4661-8823-2AE5BE521D63}"/>
+              </a:ext>
+            </a:extLst>
+          </p:cNvPr>
+          <p:cNvPicPr>
+            <a:picLocks noChangeAspect="1"/>
+          </p:cNvPicPr>
+          <p:nvPr/>
+        </p:nvPicPr>
+        <p:blipFill>
+          <a:blip r:embed="rId4"/>
+          <a:stretch>
+            <a:fillRect/>
+          </a:stretch>
+        </p:blipFill>
+        <p:spPr>
+          <a:xfrm>
+            <a:off x="5911850" y="4677310"/>
+            <a:ext cx="6184900" cy="1790700"/>
+          </a:xfrm>
+          <a:prstGeom prst="rect">
+            <a:avLst/>
+          </a:prstGeom>
+        </p:spPr>
+      </p:pic>
+      <p:pic>
+        <p:nvPicPr>
+          <p:cNvPr id="5" name="Image 4">
+            <a:extLst>
+              <a:ext uri="{FF2B5EF4-FFF2-40B4-BE49-F238E27FC236}">
+                <a16:creationId xmlns:a16="http://schemas.microsoft.com/office/drawing/2014/main" id="{7FF68BC6-D6EF-487B-A099-123BD8719E93}"/>
+              </a:ext>
+            </a:extLst>
+          </p:cNvPr>
+          <p:cNvPicPr>
+            <a:picLocks noChangeAspect="1"/>
+          </p:cNvPicPr>
+          <p:nvPr/>
+        </p:nvPicPr>
+        <p:blipFill>
+          <a:blip r:embed="rId5"/>
+          <a:stretch>
+            <a:fillRect/>
+          </a:stretch>
+        </p:blipFill>
+        <p:spPr>
+          <a:xfrm>
+            <a:off x="3776662" y="1665780"/>
+            <a:ext cx="4638675" cy="2457450"/>
+          </a:xfrm>
+          <a:prstGeom prst="rect">
+            <a:avLst/>
+          </a:prstGeom>
+        </p:spPr>
+      </p:pic>
     </p:spTree>
     <p:extLst>
       <p:ext uri="{BB962C8B-B14F-4D97-AF65-F5344CB8AC3E}">
-        <p14:creationId xmlns:p14="http://schemas.microsoft.com/office/powerpoint/2010/main" val="2536681500"/>
+        <p14:creationId xmlns:p14="http://schemas.microsoft.com/office/powerpoint/2010/main" val="1226980342"/>
       </p:ext>
     </p:extLst>
   </p:cSld>

--- a/Etudiants/Joshua/PremièreRevueDeProjet.pptx
+++ b/Etudiants/Joshua/PremièreRevueDeProjet.pptx
@@ -7,19 +7,20 @@
   <p:sldIdLst>
     <p:sldId id="273" r:id="rId2"/>
     <p:sldId id="257" r:id="rId3"/>
-    <p:sldId id="261" r:id="rId4"/>
-    <p:sldId id="272" r:id="rId5"/>
-    <p:sldId id="258" r:id="rId6"/>
-    <p:sldId id="268" r:id="rId7"/>
-    <p:sldId id="260" r:id="rId8"/>
-    <p:sldId id="259" r:id="rId9"/>
-    <p:sldId id="263" r:id="rId10"/>
-    <p:sldId id="262" r:id="rId11"/>
-    <p:sldId id="265" r:id="rId12"/>
-    <p:sldId id="264" r:id="rId13"/>
-    <p:sldId id="267" r:id="rId14"/>
-    <p:sldId id="269" r:id="rId15"/>
-    <p:sldId id="270" r:id="rId16"/>
+    <p:sldId id="275" r:id="rId4"/>
+    <p:sldId id="261" r:id="rId5"/>
+    <p:sldId id="272" r:id="rId6"/>
+    <p:sldId id="258" r:id="rId7"/>
+    <p:sldId id="268" r:id="rId8"/>
+    <p:sldId id="260" r:id="rId9"/>
+    <p:sldId id="259" r:id="rId10"/>
+    <p:sldId id="263" r:id="rId11"/>
+    <p:sldId id="262" r:id="rId12"/>
+    <p:sldId id="265" r:id="rId13"/>
+    <p:sldId id="264" r:id="rId14"/>
+    <p:sldId id="267" r:id="rId15"/>
+    <p:sldId id="269" r:id="rId16"/>
+    <p:sldId id="270" r:id="rId17"/>
   </p:sldIdLst>
   <p:sldSz cx="12192000" cy="6858000"/>
   <p:notesSz cx="6858000" cy="9144000"/>
@@ -273,7 +274,7 @@
           <a:p>
             <a:fld id="{A5A52D65-5D23-4759-866C-BD4D7E81B3B3}" type="datetimeFigureOut">
               <a:rPr lang="fr-FR" smtClean="0"/>
-              <a:t>28/01/2020</a:t>
+              <a:t>29/01/2020</a:t>
             </a:fld>
             <a:endParaRPr lang="fr-FR"/>
           </a:p>
@@ -471,7 +472,7 @@
           <a:p>
             <a:fld id="{A5A52D65-5D23-4759-866C-BD4D7E81B3B3}" type="datetimeFigureOut">
               <a:rPr lang="fr-FR" smtClean="0"/>
-              <a:t>28/01/2020</a:t>
+              <a:t>29/01/2020</a:t>
             </a:fld>
             <a:endParaRPr lang="fr-FR"/>
           </a:p>
@@ -679,7 +680,7 @@
           <a:p>
             <a:fld id="{A5A52D65-5D23-4759-866C-BD4D7E81B3B3}" type="datetimeFigureOut">
               <a:rPr lang="fr-FR" smtClean="0"/>
-              <a:t>28/01/2020</a:t>
+              <a:t>29/01/2020</a:t>
             </a:fld>
             <a:endParaRPr lang="fr-FR"/>
           </a:p>
@@ -877,7 +878,7 @@
           <a:p>
             <a:fld id="{A5A52D65-5D23-4759-866C-BD4D7E81B3B3}" type="datetimeFigureOut">
               <a:rPr lang="fr-FR" smtClean="0"/>
-              <a:t>28/01/2020</a:t>
+              <a:t>29/01/2020</a:t>
             </a:fld>
             <a:endParaRPr lang="fr-FR"/>
           </a:p>
@@ -1152,7 +1153,7 @@
           <a:p>
             <a:fld id="{A5A52D65-5D23-4759-866C-BD4D7E81B3B3}" type="datetimeFigureOut">
               <a:rPr lang="fr-FR" smtClean="0"/>
-              <a:t>28/01/2020</a:t>
+              <a:t>29/01/2020</a:t>
             </a:fld>
             <a:endParaRPr lang="fr-FR"/>
           </a:p>
@@ -1417,7 +1418,7 @@
           <a:p>
             <a:fld id="{A5A52D65-5D23-4759-866C-BD4D7E81B3B3}" type="datetimeFigureOut">
               <a:rPr lang="fr-FR" smtClean="0"/>
-              <a:t>28/01/2020</a:t>
+              <a:t>29/01/2020</a:t>
             </a:fld>
             <a:endParaRPr lang="fr-FR"/>
           </a:p>
@@ -1829,7 +1830,7 @@
           <a:p>
             <a:fld id="{A5A52D65-5D23-4759-866C-BD4D7E81B3B3}" type="datetimeFigureOut">
               <a:rPr lang="fr-FR" smtClean="0"/>
-              <a:t>28/01/2020</a:t>
+              <a:t>29/01/2020</a:t>
             </a:fld>
             <a:endParaRPr lang="fr-FR"/>
           </a:p>
@@ -1970,7 +1971,7 @@
           <a:p>
             <a:fld id="{A5A52D65-5D23-4759-866C-BD4D7E81B3B3}" type="datetimeFigureOut">
               <a:rPr lang="fr-FR" smtClean="0"/>
-              <a:t>28/01/2020</a:t>
+              <a:t>29/01/2020</a:t>
             </a:fld>
             <a:endParaRPr lang="fr-FR"/>
           </a:p>
@@ -2083,7 +2084,7 @@
           <a:p>
             <a:fld id="{A5A52D65-5D23-4759-866C-BD4D7E81B3B3}" type="datetimeFigureOut">
               <a:rPr lang="fr-FR" smtClean="0"/>
-              <a:t>28/01/2020</a:t>
+              <a:t>29/01/2020</a:t>
             </a:fld>
             <a:endParaRPr lang="fr-FR"/>
           </a:p>
@@ -2394,7 +2395,7 @@
           <a:p>
             <a:fld id="{A5A52D65-5D23-4759-866C-BD4D7E81B3B3}" type="datetimeFigureOut">
               <a:rPr lang="fr-FR" smtClean="0"/>
-              <a:t>28/01/2020</a:t>
+              <a:t>29/01/2020</a:t>
             </a:fld>
             <a:endParaRPr lang="fr-FR"/>
           </a:p>
@@ -2682,7 +2683,7 @@
           <a:p>
             <a:fld id="{A5A52D65-5D23-4759-866C-BD4D7E81B3B3}" type="datetimeFigureOut">
               <a:rPr lang="fr-FR" smtClean="0"/>
-              <a:t>28/01/2020</a:t>
+              <a:t>29/01/2020</a:t>
             </a:fld>
             <a:endParaRPr lang="fr-FR"/>
           </a:p>
@@ -2923,7 +2924,7 @@
           <a:p>
             <a:fld id="{A5A52D65-5D23-4759-866C-BD4D7E81B3B3}" type="datetimeFigureOut">
               <a:rPr lang="fr-FR" smtClean="0"/>
-              <a:t>28/01/2020</a:t>
+              <a:t>29/01/2020</a:t>
             </a:fld>
             <a:endParaRPr lang="fr-FR"/>
           </a:p>
@@ -4017,10 +4018,10 @@
       </p:grpSpPr>
       <p:pic>
         <p:nvPicPr>
-          <p:cNvPr id="8" name="Image 7" descr="Une image contenant table, paire&#10;&#10;Description générée automatiquement">
-            <a:extLst>
-              <a:ext uri="{FF2B5EF4-FFF2-40B4-BE49-F238E27FC236}">
-                <a16:creationId xmlns:a16="http://schemas.microsoft.com/office/drawing/2014/main" id="{285DFC8B-EF09-4C38-8A7C-512706C86447}"/>
+          <p:cNvPr id="10" name="Image 9" descr="Une image contenant table, paire&#10;&#10;Description générée automatiquement">
+            <a:extLst>
+              <a:ext uri="{FF2B5EF4-FFF2-40B4-BE49-F238E27FC236}">
+                <a16:creationId xmlns:a16="http://schemas.microsoft.com/office/drawing/2014/main" id="{31C4281F-D622-418C-8D75-07D5069F2E30}"/>
               </a:ext>
             </a:extLst>
           </p:cNvPr>
@@ -4051,48 +4052,12 @@
           </a:prstGeom>
         </p:spPr>
       </p:pic>
-      <p:pic>
-        <p:nvPicPr>
-          <p:cNvPr id="5" name="Image 4" descr="Une image contenant texte, carte&#10;&#10;Description générée automatiquement">
-            <a:extLst>
-              <a:ext uri="{FF2B5EF4-FFF2-40B4-BE49-F238E27FC236}">
-                <a16:creationId xmlns:a16="http://schemas.microsoft.com/office/drawing/2014/main" id="{04AB712E-CAB8-4919-9D2F-9861540EB976}"/>
-              </a:ext>
-            </a:extLst>
-          </p:cNvPr>
-          <p:cNvPicPr>
-            <a:picLocks noChangeAspect="1"/>
-          </p:cNvPicPr>
-          <p:nvPr/>
-        </p:nvPicPr>
-        <p:blipFill>
-          <a:blip r:embed="rId3">
-            <a:extLst>
-              <a:ext uri="{28A0092B-C50C-407E-A947-70E740481C1C}">
-                <a14:useLocalDpi xmlns:a14="http://schemas.microsoft.com/office/drawing/2010/main" val="0"/>
-              </a:ext>
-            </a:extLst>
-          </a:blip>
-          <a:stretch>
-            <a:fillRect/>
-          </a:stretch>
-        </p:blipFill>
-        <p:spPr>
-          <a:xfrm>
-            <a:off x="2616490" y="1541955"/>
-            <a:ext cx="6959019" cy="5189045"/>
-          </a:xfrm>
-          <a:prstGeom prst="rect">
-            <a:avLst/>
-          </a:prstGeom>
-        </p:spPr>
-      </p:pic>
-      <p:sp>
-        <p:nvSpPr>
-          <p:cNvPr id="7" name="Titre 1">
-            <a:extLst>
-              <a:ext uri="{FF2B5EF4-FFF2-40B4-BE49-F238E27FC236}">
-                <a16:creationId xmlns:a16="http://schemas.microsoft.com/office/drawing/2014/main" id="{B99C25B3-D467-4A98-8DB5-F956F5749BEE}"/>
+      <p:sp>
+        <p:nvSpPr>
+          <p:cNvPr id="4" name="Titre 1">
+            <a:extLst>
+              <a:ext uri="{FF2B5EF4-FFF2-40B4-BE49-F238E27FC236}">
+                <a16:creationId xmlns:a16="http://schemas.microsoft.com/office/drawing/2014/main" id="{C9DA7725-D7E8-4BCC-9FDF-A34AF4C0A51D}"/>
               </a:ext>
             </a:extLst>
           </p:cNvPr>
@@ -4126,10 +4091,453 @@
           </a:p>
         </p:txBody>
       </p:sp>
+      <p:pic>
+        <p:nvPicPr>
+          <p:cNvPr id="7" name="Image 6">
+            <a:extLst>
+              <a:ext uri="{FF2B5EF4-FFF2-40B4-BE49-F238E27FC236}">
+                <a16:creationId xmlns:a16="http://schemas.microsoft.com/office/drawing/2014/main" id="{03AD4EE6-306A-448A-AE1A-599D403E1CA4}"/>
+              </a:ext>
+            </a:extLst>
+          </p:cNvPr>
+          <p:cNvPicPr>
+            <a:picLocks noChangeAspect="1"/>
+          </p:cNvPicPr>
+          <p:nvPr/>
+        </p:nvPicPr>
+        <p:blipFill>
+          <a:blip r:embed="rId3"/>
+          <a:stretch>
+            <a:fillRect/>
+          </a:stretch>
+        </p:blipFill>
+        <p:spPr>
+          <a:xfrm>
+            <a:off x="4488936" y="1296749"/>
+            <a:ext cx="4515364" cy="2392123"/>
+          </a:xfrm>
+          <a:prstGeom prst="rect">
+            <a:avLst/>
+          </a:prstGeom>
+        </p:spPr>
+      </p:pic>
+      <p:sp>
+        <p:nvSpPr>
+          <p:cNvPr id="8" name="ZoneTexte 7">
+            <a:extLst>
+              <a:ext uri="{FF2B5EF4-FFF2-40B4-BE49-F238E27FC236}">
+                <a16:creationId xmlns:a16="http://schemas.microsoft.com/office/drawing/2014/main" id="{D5B1095F-15A0-4EDB-B980-475E9AAB884F}"/>
+              </a:ext>
+            </a:extLst>
+          </p:cNvPr>
+          <p:cNvSpPr txBox="1"/>
+          <p:nvPr/>
+        </p:nvSpPr>
+        <p:spPr>
+          <a:xfrm>
+            <a:off x="3899971" y="1541955"/>
+            <a:ext cx="4640373" cy="2308324"/>
+          </a:xfrm>
+          <a:prstGeom prst="rect">
+            <a:avLst/>
+          </a:prstGeom>
+          <a:noFill/>
+        </p:spPr>
+        <p:txBody>
+          <a:bodyPr wrap="none" rtlCol="0">
+            <a:spAutoFit/>
+          </a:bodyPr>
+          <a:lstStyle/>
+          <a:p>
+            <a:r>
+              <a:rPr lang="fr-FR" sz="1400" dirty="0">
+                <a:solidFill>
+                  <a:srgbClr val="0070C0"/>
+                </a:solidFill>
+              </a:rPr>
+              <a:t>Entrées :</a:t>
+            </a:r>
+          </a:p>
+          <a:p>
+            <a:r>
+              <a:rPr lang="fr-FR" sz="1400" dirty="0">
+                <a:solidFill>
+                  <a:srgbClr val="0070C0"/>
+                </a:solidFill>
+              </a:rPr>
+              <a:t>	</a:t>
+            </a:r>
+            <a:r>
+              <a:rPr lang="fr-FR" sz="1400" dirty="0"/>
+              <a:t>● E1</a:t>
+            </a:r>
+          </a:p>
+          <a:p>
+            <a:pPr marL="1657350" lvl="3" indent="-285750">
+              <a:buFont typeface="Courier New" panose="02070309020205020404" pitchFamily="49" charset="0"/>
+              <a:buChar char="o"/>
+            </a:pPr>
+            <a:r>
+              <a:rPr lang="fr-FR" sz="1400" dirty="0"/>
+              <a:t>Type de capteur : </a:t>
+            </a:r>
+            <a:r>
+              <a:rPr lang="fr-FR" sz="1400" dirty="0">
+                <a:solidFill>
+                  <a:schemeClr val="accent6">
+                    <a:lumMod val="50000"/>
+                  </a:schemeClr>
+                </a:solidFill>
+              </a:rPr>
+              <a:t>Capteur effet Hall</a:t>
+            </a:r>
+          </a:p>
+          <a:p>
+            <a:pPr marL="1657350" lvl="3" indent="-285750">
+              <a:buFont typeface="Courier New" panose="02070309020205020404" pitchFamily="49" charset="0"/>
+              <a:buChar char="o"/>
+            </a:pPr>
+            <a:r>
+              <a:rPr lang="fr-FR" sz="1400" dirty="0"/>
+              <a:t>Référence : </a:t>
+            </a:r>
+            <a:r>
+              <a:rPr lang="fr-FR" sz="1400" dirty="0">
+                <a:solidFill>
+                  <a:srgbClr val="0070C0"/>
+                </a:solidFill>
+              </a:rPr>
+              <a:t>Capteur à effet Hall A3144</a:t>
+            </a:r>
+          </a:p>
+          <a:p>
+            <a:pPr marL="1657350" lvl="3" indent="-285750">
+              <a:buFont typeface="Courier New" panose="02070309020205020404" pitchFamily="49" charset="0"/>
+              <a:buChar char="o"/>
+            </a:pPr>
+            <a:endParaRPr lang="fr-FR" sz="1400" dirty="0">
+              <a:solidFill>
+                <a:srgbClr val="0070C0"/>
+              </a:solidFill>
+            </a:endParaRPr>
+          </a:p>
+          <a:p>
+            <a:pPr marL="1657350" lvl="3" indent="-285750">
+              <a:buFont typeface="Courier New" panose="02070309020205020404" pitchFamily="49" charset="0"/>
+              <a:buChar char="o"/>
+            </a:pPr>
+            <a:endParaRPr lang="fr-FR" sz="1400" dirty="0">
+              <a:solidFill>
+                <a:srgbClr val="0070C0"/>
+              </a:solidFill>
+            </a:endParaRPr>
+          </a:p>
+          <a:p>
+            <a:pPr marL="1657350" lvl="3" indent="-285750">
+              <a:buFont typeface="Courier New" panose="02070309020205020404" pitchFamily="49" charset="0"/>
+              <a:buChar char="o"/>
+            </a:pPr>
+            <a:endParaRPr lang="fr-FR" sz="1400" dirty="0">
+              <a:solidFill>
+                <a:srgbClr val="0070C0"/>
+              </a:solidFill>
+            </a:endParaRPr>
+          </a:p>
+          <a:p>
+            <a:pPr marL="1657350" lvl="3" indent="-285750">
+              <a:buFont typeface="Courier New" panose="02070309020205020404" pitchFamily="49" charset="0"/>
+              <a:buChar char="o"/>
+            </a:pPr>
+            <a:endParaRPr lang="fr-FR" sz="1400" dirty="0">
+              <a:solidFill>
+                <a:srgbClr val="0070C0"/>
+              </a:solidFill>
+            </a:endParaRPr>
+          </a:p>
+          <a:p>
+            <a:pPr marL="1657350" lvl="3" indent="-285750">
+              <a:buFont typeface="Courier New" panose="02070309020205020404" pitchFamily="49" charset="0"/>
+              <a:buChar char="o"/>
+            </a:pPr>
+            <a:r>
+              <a:rPr lang="fr-FR" sz="1400" dirty="0"/>
+              <a:t>Signal : </a:t>
+            </a:r>
+            <a:r>
+              <a:rPr lang="fr-FR" sz="1400" dirty="0">
+                <a:solidFill>
+                  <a:srgbClr val="0070C0"/>
+                </a:solidFill>
+              </a:rPr>
+              <a:t>Numérique</a:t>
+            </a:r>
+          </a:p>
+          <a:p>
+            <a:pPr marL="1657350" lvl="3" indent="-285750">
+              <a:buFont typeface="Courier New" panose="02070309020205020404" pitchFamily="49" charset="0"/>
+              <a:buChar char="o"/>
+            </a:pPr>
+            <a:r>
+              <a:rPr lang="fr-FR" sz="1400" dirty="0"/>
+              <a:t>Voltage : </a:t>
+            </a:r>
+            <a:r>
+              <a:rPr lang="fr-FR" sz="1400" dirty="0">
+                <a:solidFill>
+                  <a:schemeClr val="accent6">
+                    <a:lumMod val="50000"/>
+                  </a:schemeClr>
+                </a:solidFill>
+              </a:rPr>
+              <a:t>0-5V</a:t>
+            </a:r>
+            <a:r>
+              <a:rPr lang="fr-FR" dirty="0"/>
+              <a:t>		 </a:t>
+            </a:r>
+          </a:p>
+        </p:txBody>
+      </p:sp>
+      <p:pic>
+        <p:nvPicPr>
+          <p:cNvPr id="9" name="Image 8">
+            <a:extLst>
+              <a:ext uri="{FF2B5EF4-FFF2-40B4-BE49-F238E27FC236}">
+                <a16:creationId xmlns:a16="http://schemas.microsoft.com/office/drawing/2014/main" id="{2DC1B36C-D890-4DE9-8026-368906230518}"/>
+              </a:ext>
+            </a:extLst>
+          </p:cNvPr>
+          <p:cNvPicPr>
+            <a:picLocks noChangeAspect="1"/>
+          </p:cNvPicPr>
+          <p:nvPr/>
+        </p:nvPicPr>
+        <p:blipFill>
+          <a:blip r:embed="rId4"/>
+          <a:stretch>
+            <a:fillRect/>
+          </a:stretch>
+        </p:blipFill>
+        <p:spPr>
+          <a:xfrm>
+            <a:off x="2065134" y="4687524"/>
+            <a:ext cx="1834837" cy="1520653"/>
+          </a:xfrm>
+          <a:prstGeom prst="rect">
+            <a:avLst/>
+          </a:prstGeom>
+        </p:spPr>
+      </p:pic>
+      <p:sp>
+        <p:nvSpPr>
+          <p:cNvPr id="11" name="ZoneTexte 10">
+            <a:extLst>
+              <a:ext uri="{FF2B5EF4-FFF2-40B4-BE49-F238E27FC236}">
+                <a16:creationId xmlns:a16="http://schemas.microsoft.com/office/drawing/2014/main" id="{D946CD7B-776D-4A44-AAF3-EFA0EE7701E8}"/>
+              </a:ext>
+            </a:extLst>
+          </p:cNvPr>
+          <p:cNvSpPr txBox="1"/>
+          <p:nvPr/>
+        </p:nvSpPr>
+        <p:spPr>
+          <a:xfrm>
+            <a:off x="2534143" y="6054288"/>
+            <a:ext cx="843564" cy="307777"/>
+          </a:xfrm>
+          <a:prstGeom prst="rect">
+            <a:avLst/>
+          </a:prstGeom>
+          <a:noFill/>
+        </p:spPr>
+        <p:txBody>
+          <a:bodyPr wrap="none" rtlCol="0">
+            <a:spAutoFit/>
+          </a:bodyPr>
+          <a:lstStyle/>
+          <a:p>
+            <a:r>
+              <a:rPr lang="fr-FR" sz="1400" dirty="0">
+                <a:solidFill>
+                  <a:srgbClr val="0070C0"/>
+                </a:solidFill>
+              </a:rPr>
+              <a:t>Relais 5V</a:t>
+            </a:r>
+          </a:p>
+        </p:txBody>
+      </p:sp>
+      <p:sp>
+        <p:nvSpPr>
+          <p:cNvPr id="12" name="ZoneTexte 11">
+            <a:extLst>
+              <a:ext uri="{FF2B5EF4-FFF2-40B4-BE49-F238E27FC236}">
+                <a16:creationId xmlns:a16="http://schemas.microsoft.com/office/drawing/2014/main" id="{E22C5A7A-3931-4D89-9295-1BFCB0C2BACF}"/>
+              </a:ext>
+            </a:extLst>
+          </p:cNvPr>
+          <p:cNvSpPr txBox="1"/>
+          <p:nvPr/>
+        </p:nvSpPr>
+        <p:spPr>
+          <a:xfrm>
+            <a:off x="0" y="4031291"/>
+            <a:ext cx="5911850" cy="1015663"/>
+          </a:xfrm>
+          <a:prstGeom prst="rect">
+            <a:avLst/>
+          </a:prstGeom>
+          <a:noFill/>
+        </p:spPr>
+        <p:txBody>
+          <a:bodyPr wrap="square" rtlCol="0">
+            <a:spAutoFit/>
+          </a:bodyPr>
+          <a:lstStyle/>
+          <a:p>
+            <a:pPr marL="742950" lvl="1" indent="-285750">
+              <a:buFont typeface="Arial" panose="020B0604020202020204" pitchFamily="34" charset="0"/>
+              <a:buChar char="•"/>
+            </a:pPr>
+            <a:r>
+              <a:rPr lang="fr-FR" sz="1400" dirty="0"/>
+              <a:t>S1</a:t>
+            </a:r>
+          </a:p>
+          <a:p>
+            <a:pPr marL="1200150" lvl="2" indent="-285750">
+              <a:buFont typeface="Courier New" panose="02070309020205020404" pitchFamily="49" charset="0"/>
+              <a:buChar char="o"/>
+            </a:pPr>
+            <a:r>
+              <a:rPr lang="fr-FR" sz="1400" dirty="0"/>
+              <a:t>Rôle : </a:t>
+            </a:r>
+            <a:r>
+              <a:rPr lang="fr-FR" sz="1400" dirty="0">
+                <a:solidFill>
+                  <a:schemeClr val="accent6">
+                    <a:lumMod val="50000"/>
+                  </a:schemeClr>
+                </a:solidFill>
+              </a:rPr>
+              <a:t>activer une gâche électrique (Solénoïde 12V) via un relais </a:t>
+            </a:r>
+            <a:r>
+              <a:rPr lang="fr-FR" sz="1400" dirty="0">
+                <a:solidFill>
+                  <a:srgbClr val="0070C0"/>
+                </a:solidFill>
+              </a:rPr>
+              <a:t>+ LED de Contrôle</a:t>
+            </a:r>
+          </a:p>
+          <a:p>
+            <a:pPr lvl="2"/>
+            <a:endParaRPr lang="fr-FR" dirty="0"/>
+          </a:p>
+        </p:txBody>
+      </p:sp>
+      <p:sp>
+        <p:nvSpPr>
+          <p:cNvPr id="13" name="Rectangle 12">
+            <a:extLst>
+              <a:ext uri="{FF2B5EF4-FFF2-40B4-BE49-F238E27FC236}">
+                <a16:creationId xmlns:a16="http://schemas.microsoft.com/office/drawing/2014/main" id="{5614035C-E9B8-4C50-9839-877C82CC746B}"/>
+              </a:ext>
+            </a:extLst>
+          </p:cNvPr>
+          <p:cNvSpPr/>
+          <p:nvPr/>
+        </p:nvSpPr>
+        <p:spPr>
+          <a:xfrm>
+            <a:off x="5911850" y="5191919"/>
+            <a:ext cx="6096000" cy="738664"/>
+          </a:xfrm>
+          <a:prstGeom prst="rect">
+            <a:avLst/>
+          </a:prstGeom>
+        </p:spPr>
+        <p:txBody>
+          <a:bodyPr>
+            <a:spAutoFit/>
+          </a:bodyPr>
+          <a:lstStyle/>
+          <a:p>
+            <a:pPr marL="1200150" lvl="2" indent="-285750">
+              <a:buFont typeface="Courier New" panose="02070309020205020404" pitchFamily="49" charset="0"/>
+              <a:buChar char="o"/>
+            </a:pPr>
+            <a:r>
+              <a:rPr lang="fr-FR" sz="1400" dirty="0"/>
+              <a:t>Condition : </a:t>
+            </a:r>
+            <a:r>
+              <a:rPr lang="fr-FR" sz="1400" dirty="0">
+                <a:solidFill>
+                  <a:schemeClr val="accent1"/>
+                </a:solidFill>
+              </a:rPr>
+              <a:t>Si E1 est à 0 alors activer la sortie, sinon, désactiver la sortie</a:t>
+            </a:r>
+          </a:p>
+          <a:p>
+            <a:pPr marL="1200150" lvl="2" indent="-285750">
+              <a:buFont typeface="Courier New" panose="02070309020205020404" pitchFamily="49" charset="0"/>
+              <a:buChar char="o"/>
+            </a:pPr>
+            <a:r>
+              <a:rPr lang="fr-FR" sz="1400" dirty="0"/>
+              <a:t>Voltage : </a:t>
+            </a:r>
+            <a:r>
+              <a:rPr lang="fr-FR" sz="1400" dirty="0">
+                <a:solidFill>
+                  <a:schemeClr val="accent6">
+                    <a:lumMod val="50000"/>
+                  </a:schemeClr>
+                </a:solidFill>
+              </a:rPr>
+              <a:t>0-5V</a:t>
+            </a:r>
+          </a:p>
+        </p:txBody>
+      </p:sp>
+      <p:pic>
+        <p:nvPicPr>
+          <p:cNvPr id="14" name="Image 13">
+            <a:extLst>
+              <a:ext uri="{FF2B5EF4-FFF2-40B4-BE49-F238E27FC236}">
+                <a16:creationId xmlns:a16="http://schemas.microsoft.com/office/drawing/2014/main" id="{A03A7D80-A8C9-4E2F-A421-49657C0CE2F3}"/>
+              </a:ext>
+            </a:extLst>
+          </p:cNvPr>
+          <p:cNvPicPr>
+            <a:picLocks noChangeAspect="1"/>
+          </p:cNvPicPr>
+          <p:nvPr/>
+        </p:nvPicPr>
+        <p:blipFill>
+          <a:blip r:embed="rId5"/>
+          <a:stretch>
+            <a:fillRect/>
+          </a:stretch>
+        </p:blipFill>
+        <p:spPr>
+          <a:xfrm flipH="1">
+            <a:off x="7206968" y="3934078"/>
+            <a:ext cx="1333376" cy="1333376"/>
+          </a:xfrm>
+          <a:prstGeom prst="rect">
+            <a:avLst/>
+          </a:prstGeom>
+        </p:spPr>
+      </p:pic>
     </p:spTree>
     <p:extLst>
       <p:ext uri="{BB962C8B-B14F-4D97-AF65-F5344CB8AC3E}">
-        <p14:creationId xmlns:p14="http://schemas.microsoft.com/office/powerpoint/2010/main" val="2536681500"/>
+        <p14:creationId xmlns:p14="http://schemas.microsoft.com/office/powerpoint/2010/main" val="1226980342"/>
       </p:ext>
     </p:extLst>
   </p:cSld>
@@ -4158,10 +4566,10 @@
       </p:grpSpPr>
       <p:pic>
         <p:nvPicPr>
-          <p:cNvPr id="11" name="Image 10" descr="Une image contenant table, paire&#10;&#10;Description générée automatiquement">
-            <a:extLst>
-              <a:ext uri="{FF2B5EF4-FFF2-40B4-BE49-F238E27FC236}">
-                <a16:creationId xmlns:a16="http://schemas.microsoft.com/office/drawing/2014/main" id="{6BF5BDA8-2259-41CC-A61B-D704DEF0D488}"/>
+          <p:cNvPr id="8" name="Image 7" descr="Une image contenant table, paire&#10;&#10;Description générée automatiquement">
+            <a:extLst>
+              <a:ext uri="{FF2B5EF4-FFF2-40B4-BE49-F238E27FC236}">
+                <a16:creationId xmlns:a16="http://schemas.microsoft.com/office/drawing/2014/main" id="{285DFC8B-EF09-4C38-8A7C-512706C86447}"/>
               </a:ext>
             </a:extLst>
           </p:cNvPr>
@@ -4192,12 +4600,48 @@
           </a:prstGeom>
         </p:spPr>
       </p:pic>
-      <p:sp>
-        <p:nvSpPr>
-          <p:cNvPr id="4" name="Titre 1">
-            <a:extLst>
-              <a:ext uri="{FF2B5EF4-FFF2-40B4-BE49-F238E27FC236}">
-                <a16:creationId xmlns:a16="http://schemas.microsoft.com/office/drawing/2014/main" id="{C9DA7725-D7E8-4BCC-9FDF-A34AF4C0A51D}"/>
+      <p:pic>
+        <p:nvPicPr>
+          <p:cNvPr id="5" name="Image 4" descr="Une image contenant texte, carte&#10;&#10;Description générée automatiquement">
+            <a:extLst>
+              <a:ext uri="{FF2B5EF4-FFF2-40B4-BE49-F238E27FC236}">
+                <a16:creationId xmlns:a16="http://schemas.microsoft.com/office/drawing/2014/main" id="{04AB712E-CAB8-4919-9D2F-9861540EB976}"/>
+              </a:ext>
+            </a:extLst>
+          </p:cNvPr>
+          <p:cNvPicPr>
+            <a:picLocks noChangeAspect="1"/>
+          </p:cNvPicPr>
+          <p:nvPr/>
+        </p:nvPicPr>
+        <p:blipFill>
+          <a:blip r:embed="rId3">
+            <a:extLst>
+              <a:ext uri="{28A0092B-C50C-407E-A947-70E740481C1C}">
+                <a14:useLocalDpi xmlns:a14="http://schemas.microsoft.com/office/drawing/2010/main" val="0"/>
+              </a:ext>
+            </a:extLst>
+          </a:blip>
+          <a:stretch>
+            <a:fillRect/>
+          </a:stretch>
+        </p:blipFill>
+        <p:spPr>
+          <a:xfrm>
+            <a:off x="2616490" y="1541955"/>
+            <a:ext cx="6959019" cy="5189045"/>
+          </a:xfrm>
+          <a:prstGeom prst="rect">
+            <a:avLst/>
+          </a:prstGeom>
+        </p:spPr>
+      </p:pic>
+      <p:sp>
+        <p:nvSpPr>
+          <p:cNvPr id="7" name="Titre 1">
+            <a:extLst>
+              <a:ext uri="{FF2B5EF4-FFF2-40B4-BE49-F238E27FC236}">
+                <a16:creationId xmlns:a16="http://schemas.microsoft.com/office/drawing/2014/main" id="{B99C25B3-D467-4A98-8DB5-F956F5749BEE}"/>
               </a:ext>
             </a:extLst>
           </p:cNvPr>
@@ -4226,135 +4670,15 @@
                 </a:solidFill>
                 <a:latin typeface="+mn-lt"/>
               </a:rPr>
-              <a:t>Mécanisme n°3 : l’élément TERRE </a:t>
-            </a:r>
-          </a:p>
-        </p:txBody>
-      </p:sp>
-      <p:pic>
-        <p:nvPicPr>
-          <p:cNvPr id="2" name="Image 1">
-            <a:extLst>
-              <a:ext uri="{FF2B5EF4-FFF2-40B4-BE49-F238E27FC236}">
-                <a16:creationId xmlns:a16="http://schemas.microsoft.com/office/drawing/2014/main" id="{E28FE5E5-E318-4D8A-B7C5-DFA9C18E6F21}"/>
-              </a:ext>
-            </a:extLst>
-          </p:cNvPr>
-          <p:cNvPicPr>
-            <a:picLocks noChangeAspect="1"/>
-          </p:cNvPicPr>
-          <p:nvPr/>
-        </p:nvPicPr>
-        <p:blipFill>
-          <a:blip r:embed="rId3"/>
-          <a:stretch>
-            <a:fillRect/>
-          </a:stretch>
-        </p:blipFill>
-        <p:spPr>
-          <a:xfrm>
-            <a:off x="847722" y="4525470"/>
-            <a:ext cx="5857875" cy="1581150"/>
-          </a:xfrm>
-          <a:prstGeom prst="rect">
-            <a:avLst/>
-          </a:prstGeom>
-        </p:spPr>
-      </p:pic>
-      <p:pic>
-        <p:nvPicPr>
-          <p:cNvPr id="3" name="Image 2">
-            <a:extLst>
-              <a:ext uri="{FF2B5EF4-FFF2-40B4-BE49-F238E27FC236}">
-                <a16:creationId xmlns:a16="http://schemas.microsoft.com/office/drawing/2014/main" id="{D595E763-7D30-47AE-8761-3F2A4DC4D3DB}"/>
-              </a:ext>
-            </a:extLst>
-          </p:cNvPr>
-          <p:cNvPicPr>
-            <a:picLocks noChangeAspect="1"/>
-          </p:cNvPicPr>
-          <p:nvPr/>
-        </p:nvPicPr>
-        <p:blipFill>
-          <a:blip r:embed="rId4"/>
-          <a:stretch>
-            <a:fillRect/>
-          </a:stretch>
-        </p:blipFill>
-        <p:spPr>
-          <a:xfrm>
-            <a:off x="3776660" y="1541955"/>
-            <a:ext cx="4638675" cy="2457450"/>
-          </a:xfrm>
-          <a:prstGeom prst="rect">
-            <a:avLst/>
-          </a:prstGeom>
-        </p:spPr>
-      </p:pic>
-      <p:pic>
-        <p:nvPicPr>
-          <p:cNvPr id="5" name="Image 4">
-            <a:extLst>
-              <a:ext uri="{FF2B5EF4-FFF2-40B4-BE49-F238E27FC236}">
-                <a16:creationId xmlns:a16="http://schemas.microsoft.com/office/drawing/2014/main" id="{7A5F23A6-7D69-4EA1-8D2A-BC9AC013614C}"/>
-              </a:ext>
-            </a:extLst>
-          </p:cNvPr>
-          <p:cNvPicPr>
-            <a:picLocks noChangeAspect="1"/>
-          </p:cNvPicPr>
-          <p:nvPr/>
-        </p:nvPicPr>
-        <p:blipFill>
-          <a:blip r:embed="rId5"/>
-          <a:stretch>
-            <a:fillRect/>
-          </a:stretch>
-        </p:blipFill>
-        <p:spPr>
-          <a:xfrm>
-            <a:off x="6705597" y="5184213"/>
-            <a:ext cx="1390650" cy="1152525"/>
-          </a:xfrm>
-          <a:prstGeom prst="rect">
-            <a:avLst/>
-          </a:prstGeom>
-        </p:spPr>
-      </p:pic>
-      <p:pic>
-        <p:nvPicPr>
-          <p:cNvPr id="10" name="Image 9">
-            <a:extLst>
-              <a:ext uri="{FF2B5EF4-FFF2-40B4-BE49-F238E27FC236}">
-                <a16:creationId xmlns:a16="http://schemas.microsoft.com/office/drawing/2014/main" id="{7DE3B953-ACFB-4D2B-9348-87A2B346ABFC}"/>
-              </a:ext>
-            </a:extLst>
-          </p:cNvPr>
-          <p:cNvPicPr>
-            <a:picLocks noChangeAspect="1"/>
-          </p:cNvPicPr>
-          <p:nvPr/>
-        </p:nvPicPr>
-        <p:blipFill>
-          <a:blip r:embed="rId6"/>
-          <a:stretch>
-            <a:fillRect/>
-          </a:stretch>
-        </p:blipFill>
-        <p:spPr>
-          <a:xfrm>
-            <a:off x="8415335" y="4301631"/>
-            <a:ext cx="2276475" cy="2028825"/>
-          </a:xfrm>
-          <a:prstGeom prst="rect">
-            <a:avLst/>
-          </a:prstGeom>
-        </p:spPr>
-      </p:pic>
+              <a:t>Mécanisme n°2 : Le lion basculant </a:t>
+            </a:r>
+          </a:p>
+        </p:txBody>
+      </p:sp>
     </p:spTree>
     <p:extLst>
       <p:ext uri="{BB962C8B-B14F-4D97-AF65-F5344CB8AC3E}">
-        <p14:creationId xmlns:p14="http://schemas.microsoft.com/office/powerpoint/2010/main" val="2317223834"/>
+        <p14:creationId xmlns:p14="http://schemas.microsoft.com/office/powerpoint/2010/main" val="2536681500"/>
       </p:ext>
     </p:extLst>
   </p:cSld>
@@ -4386,7 +4710,7 @@
           <p:cNvPr id="11" name="Image 10" descr="Une image contenant table, paire&#10;&#10;Description générée automatiquement">
             <a:extLst>
               <a:ext uri="{FF2B5EF4-FFF2-40B4-BE49-F238E27FC236}">
-                <a16:creationId xmlns:a16="http://schemas.microsoft.com/office/drawing/2014/main" id="{AEEB834D-2A12-44C2-B731-07361B674488}"/>
+                <a16:creationId xmlns:a16="http://schemas.microsoft.com/office/drawing/2014/main" id="{6BF5BDA8-2259-41CC-A61B-D704DEF0D488}"/>
               </a:ext>
             </a:extLst>
           </p:cNvPr>
@@ -4417,48 +4741,12 @@
           </a:prstGeom>
         </p:spPr>
       </p:pic>
-      <p:pic>
-        <p:nvPicPr>
-          <p:cNvPr id="7" name="Image 6" descr="Une image contenant carte&#10;&#10;Description générée automatiquement">
-            <a:extLst>
-              <a:ext uri="{FF2B5EF4-FFF2-40B4-BE49-F238E27FC236}">
-                <a16:creationId xmlns:a16="http://schemas.microsoft.com/office/drawing/2014/main" id="{E6A09EA4-F93A-421F-98BD-B6E820408C6D}"/>
-              </a:ext>
-            </a:extLst>
-          </p:cNvPr>
-          <p:cNvPicPr>
-            <a:picLocks noChangeAspect="1"/>
-          </p:cNvPicPr>
-          <p:nvPr/>
-        </p:nvPicPr>
-        <p:blipFill>
-          <a:blip r:embed="rId3">
-            <a:extLst>
-              <a:ext uri="{28A0092B-C50C-407E-A947-70E740481C1C}">
-                <a14:useLocalDpi xmlns:a14="http://schemas.microsoft.com/office/drawing/2010/main" val="0"/>
-              </a:ext>
-            </a:extLst>
-          </a:blip>
-          <a:stretch>
-            <a:fillRect/>
-          </a:stretch>
-        </p:blipFill>
-        <p:spPr>
-          <a:xfrm>
-            <a:off x="1099139" y="1541955"/>
-            <a:ext cx="9993722" cy="4926055"/>
-          </a:xfrm>
-          <a:prstGeom prst="rect">
-            <a:avLst/>
-          </a:prstGeom>
-        </p:spPr>
-      </p:pic>
-      <p:sp>
-        <p:nvSpPr>
-          <p:cNvPr id="10" name="Titre 1">
-            <a:extLst>
-              <a:ext uri="{FF2B5EF4-FFF2-40B4-BE49-F238E27FC236}">
-                <a16:creationId xmlns:a16="http://schemas.microsoft.com/office/drawing/2014/main" id="{65B0F673-5802-41EB-9E63-834C75082E49}"/>
+      <p:sp>
+        <p:nvSpPr>
+          <p:cNvPr id="4" name="Titre 1">
+            <a:extLst>
+              <a:ext uri="{FF2B5EF4-FFF2-40B4-BE49-F238E27FC236}">
+                <a16:creationId xmlns:a16="http://schemas.microsoft.com/office/drawing/2014/main" id="{C9DA7725-D7E8-4BCC-9FDF-A34AF4C0A51D}"/>
               </a:ext>
             </a:extLst>
           </p:cNvPr>
@@ -4492,10 +4780,509 @@
           </a:p>
         </p:txBody>
       </p:sp>
+      <p:sp>
+        <p:nvSpPr>
+          <p:cNvPr id="7" name="ZoneTexte 6">
+            <a:extLst>
+              <a:ext uri="{FF2B5EF4-FFF2-40B4-BE49-F238E27FC236}">
+                <a16:creationId xmlns:a16="http://schemas.microsoft.com/office/drawing/2014/main" id="{318D11AF-0299-4EAC-A2F6-661C6239C65D}"/>
+              </a:ext>
+            </a:extLst>
+          </p:cNvPr>
+          <p:cNvSpPr txBox="1"/>
+          <p:nvPr/>
+        </p:nvSpPr>
+        <p:spPr>
+          <a:xfrm>
+            <a:off x="3899971" y="1541955"/>
+            <a:ext cx="4640373" cy="2308324"/>
+          </a:xfrm>
+          <a:prstGeom prst="rect">
+            <a:avLst/>
+          </a:prstGeom>
+          <a:noFill/>
+        </p:spPr>
+        <p:txBody>
+          <a:bodyPr wrap="none" rtlCol="0">
+            <a:spAutoFit/>
+          </a:bodyPr>
+          <a:lstStyle/>
+          <a:p>
+            <a:r>
+              <a:rPr lang="fr-FR" sz="1400" dirty="0">
+                <a:solidFill>
+                  <a:srgbClr val="0070C0"/>
+                </a:solidFill>
+              </a:rPr>
+              <a:t>Entrées :</a:t>
+            </a:r>
+          </a:p>
+          <a:p>
+            <a:r>
+              <a:rPr lang="fr-FR" sz="1400" dirty="0">
+                <a:solidFill>
+                  <a:srgbClr val="0070C0"/>
+                </a:solidFill>
+              </a:rPr>
+              <a:t>	</a:t>
+            </a:r>
+            <a:r>
+              <a:rPr lang="fr-FR" sz="1400" dirty="0"/>
+              <a:t>● E1</a:t>
+            </a:r>
+          </a:p>
+          <a:p>
+            <a:pPr marL="1657350" lvl="3" indent="-285750">
+              <a:buFont typeface="Courier New" panose="02070309020205020404" pitchFamily="49" charset="0"/>
+              <a:buChar char="o"/>
+            </a:pPr>
+            <a:r>
+              <a:rPr lang="fr-FR" sz="1400" dirty="0"/>
+              <a:t>Type de capteur : </a:t>
+            </a:r>
+            <a:r>
+              <a:rPr lang="fr-FR" sz="1400" dirty="0">
+                <a:solidFill>
+                  <a:schemeClr val="accent6">
+                    <a:lumMod val="50000"/>
+                  </a:schemeClr>
+                </a:solidFill>
+              </a:rPr>
+              <a:t>Capteur effet Hall</a:t>
+            </a:r>
+          </a:p>
+          <a:p>
+            <a:pPr marL="1657350" lvl="3" indent="-285750">
+              <a:buFont typeface="Courier New" panose="02070309020205020404" pitchFamily="49" charset="0"/>
+              <a:buChar char="o"/>
+            </a:pPr>
+            <a:r>
+              <a:rPr lang="fr-FR" sz="1400" dirty="0"/>
+              <a:t>Référence : </a:t>
+            </a:r>
+            <a:r>
+              <a:rPr lang="fr-FR" sz="1400" dirty="0">
+                <a:solidFill>
+                  <a:srgbClr val="0070C0"/>
+                </a:solidFill>
+              </a:rPr>
+              <a:t>Capteur à effet Hall A3144</a:t>
+            </a:r>
+          </a:p>
+          <a:p>
+            <a:pPr marL="1657350" lvl="3" indent="-285750">
+              <a:buFont typeface="Courier New" panose="02070309020205020404" pitchFamily="49" charset="0"/>
+              <a:buChar char="o"/>
+            </a:pPr>
+            <a:endParaRPr lang="fr-FR" sz="1400" dirty="0">
+              <a:solidFill>
+                <a:srgbClr val="0070C0"/>
+              </a:solidFill>
+            </a:endParaRPr>
+          </a:p>
+          <a:p>
+            <a:pPr marL="1657350" lvl="3" indent="-285750">
+              <a:buFont typeface="Courier New" panose="02070309020205020404" pitchFamily="49" charset="0"/>
+              <a:buChar char="o"/>
+            </a:pPr>
+            <a:endParaRPr lang="fr-FR" sz="1400" dirty="0">
+              <a:solidFill>
+                <a:srgbClr val="0070C0"/>
+              </a:solidFill>
+            </a:endParaRPr>
+          </a:p>
+          <a:p>
+            <a:pPr marL="1657350" lvl="3" indent="-285750">
+              <a:buFont typeface="Courier New" panose="02070309020205020404" pitchFamily="49" charset="0"/>
+              <a:buChar char="o"/>
+            </a:pPr>
+            <a:endParaRPr lang="fr-FR" sz="1400" dirty="0">
+              <a:solidFill>
+                <a:srgbClr val="0070C0"/>
+              </a:solidFill>
+            </a:endParaRPr>
+          </a:p>
+          <a:p>
+            <a:pPr marL="1657350" lvl="3" indent="-285750">
+              <a:buFont typeface="Courier New" panose="02070309020205020404" pitchFamily="49" charset="0"/>
+              <a:buChar char="o"/>
+            </a:pPr>
+            <a:endParaRPr lang="fr-FR" sz="1400" dirty="0">
+              <a:solidFill>
+                <a:srgbClr val="0070C0"/>
+              </a:solidFill>
+            </a:endParaRPr>
+          </a:p>
+          <a:p>
+            <a:pPr marL="1657350" lvl="3" indent="-285750">
+              <a:buFont typeface="Courier New" panose="02070309020205020404" pitchFamily="49" charset="0"/>
+              <a:buChar char="o"/>
+            </a:pPr>
+            <a:r>
+              <a:rPr lang="fr-FR" sz="1400" dirty="0"/>
+              <a:t>Signal : </a:t>
+            </a:r>
+            <a:r>
+              <a:rPr lang="fr-FR" sz="1400" dirty="0">
+                <a:solidFill>
+                  <a:srgbClr val="0070C0"/>
+                </a:solidFill>
+              </a:rPr>
+              <a:t>Numérique</a:t>
+            </a:r>
+          </a:p>
+          <a:p>
+            <a:pPr marL="1657350" lvl="3" indent="-285750">
+              <a:buFont typeface="Courier New" panose="02070309020205020404" pitchFamily="49" charset="0"/>
+              <a:buChar char="o"/>
+            </a:pPr>
+            <a:r>
+              <a:rPr lang="fr-FR" sz="1400" dirty="0"/>
+              <a:t>Voltage : </a:t>
+            </a:r>
+            <a:r>
+              <a:rPr lang="fr-FR" sz="1400" dirty="0">
+                <a:solidFill>
+                  <a:schemeClr val="accent6">
+                    <a:lumMod val="50000"/>
+                  </a:schemeClr>
+                </a:solidFill>
+              </a:rPr>
+              <a:t>0-5V</a:t>
+            </a:r>
+            <a:r>
+              <a:rPr lang="fr-FR" dirty="0"/>
+              <a:t>		 </a:t>
+            </a:r>
+          </a:p>
+        </p:txBody>
+      </p:sp>
+      <p:pic>
+        <p:nvPicPr>
+          <p:cNvPr id="8" name="Image 7">
+            <a:extLst>
+              <a:ext uri="{FF2B5EF4-FFF2-40B4-BE49-F238E27FC236}">
+                <a16:creationId xmlns:a16="http://schemas.microsoft.com/office/drawing/2014/main" id="{50B93A84-F02C-4BF3-94DE-E28A5C2CF04F}"/>
+              </a:ext>
+            </a:extLst>
+          </p:cNvPr>
+          <p:cNvPicPr>
+            <a:picLocks noChangeAspect="1"/>
+          </p:cNvPicPr>
+          <p:nvPr/>
+        </p:nvPicPr>
+        <p:blipFill>
+          <a:blip r:embed="rId3"/>
+          <a:stretch>
+            <a:fillRect/>
+          </a:stretch>
+        </p:blipFill>
+        <p:spPr>
+          <a:xfrm>
+            <a:off x="4473760" y="1314193"/>
+            <a:ext cx="4515364" cy="2392123"/>
+          </a:xfrm>
+          <a:prstGeom prst="rect">
+            <a:avLst/>
+          </a:prstGeom>
+        </p:spPr>
+      </p:pic>
+      <p:sp>
+        <p:nvSpPr>
+          <p:cNvPr id="9" name="ZoneTexte 8">
+            <a:extLst>
+              <a:ext uri="{FF2B5EF4-FFF2-40B4-BE49-F238E27FC236}">
+                <a16:creationId xmlns:a16="http://schemas.microsoft.com/office/drawing/2014/main" id="{3C1FB2B3-68F4-4B62-9689-E60618997798}"/>
+              </a:ext>
+            </a:extLst>
+          </p:cNvPr>
+          <p:cNvSpPr txBox="1"/>
+          <p:nvPr/>
+        </p:nvSpPr>
+        <p:spPr>
+          <a:xfrm>
+            <a:off x="337563" y="4023383"/>
+            <a:ext cx="5758437" cy="2585323"/>
+          </a:xfrm>
+          <a:prstGeom prst="rect">
+            <a:avLst/>
+          </a:prstGeom>
+          <a:noFill/>
+        </p:spPr>
+        <p:txBody>
+          <a:bodyPr wrap="square" rtlCol="0">
+            <a:spAutoFit/>
+          </a:bodyPr>
+          <a:lstStyle/>
+          <a:p>
+            <a:r>
+              <a:rPr lang="fr-FR" sz="1400" dirty="0"/>
+              <a:t>Sorties : </a:t>
+            </a:r>
+          </a:p>
+          <a:p>
+            <a:pPr marL="742950" lvl="1" indent="-285750">
+              <a:buFont typeface="Arial" panose="020B0604020202020204" pitchFamily="34" charset="0"/>
+              <a:buChar char="•"/>
+            </a:pPr>
+            <a:r>
+              <a:rPr lang="fr-FR" sz="1400" dirty="0"/>
+              <a:t>S1</a:t>
+            </a:r>
+          </a:p>
+          <a:p>
+            <a:pPr marL="1200150" lvl="2" indent="-285750">
+              <a:buFont typeface="Courier New" panose="02070309020205020404" pitchFamily="49" charset="0"/>
+              <a:buChar char="o"/>
+            </a:pPr>
+            <a:r>
+              <a:rPr lang="fr-FR" sz="1400" dirty="0"/>
+              <a:t>Rôle : </a:t>
+            </a:r>
+            <a:r>
+              <a:rPr lang="fr-FR" sz="1400" dirty="0">
+                <a:solidFill>
+                  <a:schemeClr val="accent6">
+                    <a:lumMod val="50000"/>
+                  </a:schemeClr>
+                </a:solidFill>
+              </a:rPr>
+              <a:t>activer/désactiver un moteur (12V) via un relais </a:t>
+            </a:r>
+            <a:r>
+              <a:rPr lang="fr-FR" sz="1400" dirty="0">
+                <a:solidFill>
+                  <a:srgbClr val="0070C0"/>
+                </a:solidFill>
+              </a:rPr>
+              <a:t>+ LED de Contrôle</a:t>
+            </a:r>
+          </a:p>
+          <a:p>
+            <a:pPr marL="1200150" lvl="2" indent="-285750">
+              <a:buFont typeface="Courier New" panose="02070309020205020404" pitchFamily="49" charset="0"/>
+              <a:buChar char="o"/>
+            </a:pPr>
+            <a:r>
+              <a:rPr lang="fr-FR" sz="1400" dirty="0"/>
+              <a:t>Condition : </a:t>
+            </a:r>
+            <a:r>
+              <a:rPr lang="fr-FR" sz="1400" dirty="0">
+                <a:solidFill>
+                  <a:srgbClr val="0070C0"/>
+                </a:solidFill>
+              </a:rPr>
+              <a:t>Si E1 est à 1 alors activer la sortie, sinon, désactiver la sortie</a:t>
+            </a:r>
+          </a:p>
+          <a:p>
+            <a:pPr marL="1200150" lvl="2" indent="-285750">
+              <a:buFont typeface="Courier New" panose="02070309020205020404" pitchFamily="49" charset="0"/>
+              <a:buChar char="o"/>
+            </a:pPr>
+            <a:r>
+              <a:rPr lang="fr-FR" sz="1400" dirty="0"/>
+              <a:t>Voltage : </a:t>
+            </a:r>
+            <a:r>
+              <a:rPr lang="fr-FR" sz="1400" dirty="0">
+                <a:solidFill>
+                  <a:schemeClr val="accent6">
+                    <a:lumMod val="50000"/>
+                  </a:schemeClr>
+                </a:solidFill>
+              </a:rPr>
+              <a:t>0-5V</a:t>
+            </a:r>
+          </a:p>
+          <a:p>
+            <a:pPr marL="1200150" lvl="2" indent="-285750">
+              <a:buFont typeface="Courier New" panose="02070309020205020404" pitchFamily="49" charset="0"/>
+              <a:buChar char="o"/>
+            </a:pPr>
+            <a:endParaRPr lang="fr-FR" sz="1400" dirty="0"/>
+          </a:p>
+          <a:p>
+            <a:pPr marL="742950" lvl="1" indent="-285750">
+              <a:buFont typeface="Arial" panose="020B0604020202020204" pitchFamily="34" charset="0"/>
+              <a:buChar char="•"/>
+            </a:pPr>
+            <a:r>
+              <a:rPr lang="fr-FR" sz="1400" dirty="0"/>
+              <a:t>S_TERRE</a:t>
+            </a:r>
+          </a:p>
+          <a:p>
+            <a:pPr marL="1200150" lvl="2" indent="-285750">
+              <a:buFont typeface="Courier New" panose="02070309020205020404" pitchFamily="49" charset="0"/>
+              <a:buChar char="o"/>
+            </a:pPr>
+            <a:r>
+              <a:rPr lang="fr-FR" sz="1400" dirty="0"/>
+              <a:t>Rôle : </a:t>
+            </a:r>
+            <a:r>
+              <a:rPr lang="fr-FR" sz="1400" dirty="0">
+                <a:solidFill>
+                  <a:srgbClr val="0070C0"/>
+                </a:solidFill>
+              </a:rPr>
+              <a:t>entrée de la gestion des quatre éléments</a:t>
+            </a:r>
+            <a:r>
+              <a:rPr lang="fr-FR" dirty="0"/>
+              <a:t>	</a:t>
+            </a:r>
+          </a:p>
+          <a:p>
+            <a:pPr lvl="2"/>
+            <a:endParaRPr lang="fr-FR" dirty="0"/>
+          </a:p>
+        </p:txBody>
+      </p:sp>
+      <p:pic>
+        <p:nvPicPr>
+          <p:cNvPr id="12" name="Image 11">
+            <a:extLst>
+              <a:ext uri="{FF2B5EF4-FFF2-40B4-BE49-F238E27FC236}">
+                <a16:creationId xmlns:a16="http://schemas.microsoft.com/office/drawing/2014/main" id="{905C913B-E163-4E97-9AC7-BAC9442F062E}"/>
+              </a:ext>
+            </a:extLst>
+          </p:cNvPr>
+          <p:cNvPicPr>
+            <a:picLocks noChangeAspect="1"/>
+          </p:cNvPicPr>
+          <p:nvPr/>
+        </p:nvPicPr>
+        <p:blipFill>
+          <a:blip r:embed="rId4"/>
+          <a:stretch>
+            <a:fillRect/>
+          </a:stretch>
+        </p:blipFill>
+        <p:spPr>
+          <a:xfrm>
+            <a:off x="6096000" y="4455697"/>
+            <a:ext cx="2076206" cy="1720692"/>
+          </a:xfrm>
+          <a:prstGeom prst="rect">
+            <a:avLst/>
+          </a:prstGeom>
+        </p:spPr>
+      </p:pic>
+      <p:sp>
+        <p:nvSpPr>
+          <p:cNvPr id="13" name="ZoneTexte 12">
+            <a:extLst>
+              <a:ext uri="{FF2B5EF4-FFF2-40B4-BE49-F238E27FC236}">
+                <a16:creationId xmlns:a16="http://schemas.microsoft.com/office/drawing/2014/main" id="{9B531958-20EA-41BE-A41C-E1DA4041D9B5}"/>
+              </a:ext>
+            </a:extLst>
+          </p:cNvPr>
+          <p:cNvSpPr txBox="1"/>
+          <p:nvPr/>
+        </p:nvSpPr>
+        <p:spPr>
+          <a:xfrm>
+            <a:off x="6614596" y="5954475"/>
+            <a:ext cx="843564" cy="307777"/>
+          </a:xfrm>
+          <a:prstGeom prst="rect">
+            <a:avLst/>
+          </a:prstGeom>
+          <a:noFill/>
+        </p:spPr>
+        <p:txBody>
+          <a:bodyPr wrap="none" rtlCol="0">
+            <a:spAutoFit/>
+          </a:bodyPr>
+          <a:lstStyle/>
+          <a:p>
+            <a:r>
+              <a:rPr lang="fr-FR" sz="1400" dirty="0">
+                <a:solidFill>
+                  <a:srgbClr val="0070C0"/>
+                </a:solidFill>
+              </a:rPr>
+              <a:t>Relais 5V</a:t>
+            </a:r>
+          </a:p>
+        </p:txBody>
+      </p:sp>
+      <p:pic>
+        <p:nvPicPr>
+          <p:cNvPr id="14" name="Image 13">
+            <a:extLst>
+              <a:ext uri="{FF2B5EF4-FFF2-40B4-BE49-F238E27FC236}">
+                <a16:creationId xmlns:a16="http://schemas.microsoft.com/office/drawing/2014/main" id="{D8DCDC83-C3C0-4EE7-A3C6-715816992323}"/>
+              </a:ext>
+            </a:extLst>
+          </p:cNvPr>
+          <p:cNvPicPr>
+            <a:picLocks noChangeAspect="1"/>
+          </p:cNvPicPr>
+          <p:nvPr/>
+        </p:nvPicPr>
+        <p:blipFill>
+          <a:blip r:embed="rId5"/>
+          <a:stretch>
+            <a:fillRect/>
+          </a:stretch>
+        </p:blipFill>
+        <p:spPr>
+          <a:xfrm rot="11383194">
+            <a:off x="8352842" y="3601979"/>
+            <a:ext cx="1519483" cy="2269040"/>
+          </a:xfrm>
+          <a:prstGeom prst="rect">
+            <a:avLst/>
+          </a:prstGeom>
+        </p:spPr>
+      </p:pic>
+      <p:sp>
+        <p:nvSpPr>
+          <p:cNvPr id="15" name="ZoneTexte 14">
+            <a:extLst>
+              <a:ext uri="{FF2B5EF4-FFF2-40B4-BE49-F238E27FC236}">
+                <a16:creationId xmlns:a16="http://schemas.microsoft.com/office/drawing/2014/main" id="{6E1A8C1A-D256-4278-876D-CA1BC7549157}"/>
+              </a:ext>
+            </a:extLst>
+          </p:cNvPr>
+          <p:cNvSpPr txBox="1"/>
+          <p:nvPr/>
+        </p:nvSpPr>
+        <p:spPr>
+          <a:xfrm>
+            <a:off x="7976756" y="5954475"/>
+            <a:ext cx="2612125" cy="307777"/>
+          </a:xfrm>
+          <a:prstGeom prst="rect">
+            <a:avLst/>
+          </a:prstGeom>
+          <a:noFill/>
+        </p:spPr>
+        <p:txBody>
+          <a:bodyPr wrap="none" rtlCol="0">
+            <a:spAutoFit/>
+          </a:bodyPr>
+          <a:lstStyle/>
+          <a:p>
+            <a:r>
+              <a:rPr lang="fr-FR" sz="1400" dirty="0">
+                <a:solidFill>
+                  <a:srgbClr val="0070C0"/>
+                </a:solidFill>
+              </a:rPr>
+              <a:t>Actionneur linéaire (Moteur 12V)</a:t>
+            </a:r>
+          </a:p>
+        </p:txBody>
+      </p:sp>
     </p:spTree>
     <p:extLst>
       <p:ext uri="{BB962C8B-B14F-4D97-AF65-F5344CB8AC3E}">
-        <p14:creationId xmlns:p14="http://schemas.microsoft.com/office/powerpoint/2010/main" val="3961326601"/>
+        <p14:creationId xmlns:p14="http://schemas.microsoft.com/office/powerpoint/2010/main" val="2317223834"/>
       </p:ext>
     </p:extLst>
   </p:cSld>
@@ -4524,6 +5311,147 @@
       </p:grpSpPr>
       <p:pic>
         <p:nvPicPr>
+          <p:cNvPr id="11" name="Image 10" descr="Une image contenant table, paire&#10;&#10;Description générée automatiquement">
+            <a:extLst>
+              <a:ext uri="{FF2B5EF4-FFF2-40B4-BE49-F238E27FC236}">
+                <a16:creationId xmlns:a16="http://schemas.microsoft.com/office/drawing/2014/main" id="{AEEB834D-2A12-44C2-B731-07361B674488}"/>
+              </a:ext>
+            </a:extLst>
+          </p:cNvPr>
+          <p:cNvPicPr>
+            <a:picLocks noChangeAspect="1"/>
+          </p:cNvPicPr>
+          <p:nvPr/>
+        </p:nvPicPr>
+        <p:blipFill rotWithShape="1">
+          <a:blip r:embed="rId2">
+            <a:alphaModFix amt="50000"/>
+            <a:extLst>
+              <a:ext uri="{28A0092B-C50C-407E-A947-70E740481C1C}">
+                <a14:useLocalDpi xmlns:a14="http://schemas.microsoft.com/office/drawing/2010/main" val="0"/>
+              </a:ext>
+            </a:extLst>
+          </a:blip>
+          <a:srcRect t="6250"/>
+          <a:stretch/>
+        </p:blipFill>
+        <p:spPr>
+          <a:xfrm>
+            <a:off x="20" y="1"/>
+            <a:ext cx="12191980" cy="6857999"/>
+          </a:xfrm>
+          <a:prstGeom prst="rect">
+            <a:avLst/>
+          </a:prstGeom>
+        </p:spPr>
+      </p:pic>
+      <p:pic>
+        <p:nvPicPr>
+          <p:cNvPr id="7" name="Image 6" descr="Une image contenant carte&#10;&#10;Description générée automatiquement">
+            <a:extLst>
+              <a:ext uri="{FF2B5EF4-FFF2-40B4-BE49-F238E27FC236}">
+                <a16:creationId xmlns:a16="http://schemas.microsoft.com/office/drawing/2014/main" id="{E6A09EA4-F93A-421F-98BD-B6E820408C6D}"/>
+              </a:ext>
+            </a:extLst>
+          </p:cNvPr>
+          <p:cNvPicPr>
+            <a:picLocks noChangeAspect="1"/>
+          </p:cNvPicPr>
+          <p:nvPr/>
+        </p:nvPicPr>
+        <p:blipFill>
+          <a:blip r:embed="rId3">
+            <a:extLst>
+              <a:ext uri="{28A0092B-C50C-407E-A947-70E740481C1C}">
+                <a14:useLocalDpi xmlns:a14="http://schemas.microsoft.com/office/drawing/2010/main" val="0"/>
+              </a:ext>
+            </a:extLst>
+          </a:blip>
+          <a:stretch>
+            <a:fillRect/>
+          </a:stretch>
+        </p:blipFill>
+        <p:spPr>
+          <a:xfrm>
+            <a:off x="1099139" y="1541955"/>
+            <a:ext cx="9993722" cy="4926055"/>
+          </a:xfrm>
+          <a:prstGeom prst="rect">
+            <a:avLst/>
+          </a:prstGeom>
+        </p:spPr>
+      </p:pic>
+      <p:sp>
+        <p:nvSpPr>
+          <p:cNvPr id="10" name="Titre 1">
+            <a:extLst>
+              <a:ext uri="{FF2B5EF4-FFF2-40B4-BE49-F238E27FC236}">
+                <a16:creationId xmlns:a16="http://schemas.microsoft.com/office/drawing/2014/main" id="{65B0F673-5802-41EB-9E63-834C75082E49}"/>
+              </a:ext>
+            </a:extLst>
+          </p:cNvPr>
+          <p:cNvSpPr>
+            <a:spLocks noGrp="1"/>
+          </p:cNvSpPr>
+          <p:nvPr>
+            <p:ph type="title"/>
+          </p:nvPr>
+        </p:nvSpPr>
+        <p:spPr>
+          <a:xfrm>
+            <a:off x="897559" y="389990"/>
+            <a:ext cx="10396882" cy="1151965"/>
+          </a:xfrm>
+        </p:spPr>
+        <p:txBody>
+          <a:bodyPr/>
+          <a:lstStyle/>
+          <a:p>
+            <a:pPr algn="ctr"/>
+            <a:r>
+              <a:rPr lang="fr-FR" b="1" dirty="0">
+                <a:solidFill>
+                  <a:schemeClr val="tx1"/>
+                </a:solidFill>
+                <a:latin typeface="+mn-lt"/>
+              </a:rPr>
+              <a:t>Mécanisme n°3 : l’élément TERRE </a:t>
+            </a:r>
+          </a:p>
+        </p:txBody>
+      </p:sp>
+    </p:spTree>
+    <p:extLst>
+      <p:ext uri="{BB962C8B-B14F-4D97-AF65-F5344CB8AC3E}">
+        <p14:creationId xmlns:p14="http://schemas.microsoft.com/office/powerpoint/2010/main" val="3961326601"/>
+      </p:ext>
+    </p:extLst>
+  </p:cSld>
+  <p:clrMapOvr>
+    <a:masterClrMapping/>
+  </p:clrMapOvr>
+</p:sld>
+</file>
+
+<file path=ppt/slides/slide14.xml><?xml version="1.0" encoding="utf-8"?>
+<p:sld xmlns:a="http://schemas.openxmlformats.org/drawingml/2006/main" xmlns:r="http://schemas.openxmlformats.org/officeDocument/2006/relationships" xmlns:p="http://schemas.openxmlformats.org/presentationml/2006/main">
+  <p:cSld>
+    <p:spTree>
+      <p:nvGrpSpPr>
+        <p:cNvPr id="1" name=""/>
+        <p:cNvGrpSpPr/>
+        <p:nvPr/>
+      </p:nvGrpSpPr>
+      <p:grpSpPr>
+        <a:xfrm>
+          <a:off x="0" y="0"/>
+          <a:ext cx="0" cy="0"/>
+          <a:chOff x="0" y="0"/>
+          <a:chExt cx="0" cy="0"/>
+        </a:xfrm>
+      </p:grpSpPr>
+      <p:pic>
+        <p:nvPicPr>
           <p:cNvPr id="25" name="Image 24" descr="Une image contenant table, paire&#10;&#10;Description générée automatiquement">
             <a:extLst>
               <a:ext uri="{FF2B5EF4-FFF2-40B4-BE49-F238E27FC236}">
@@ -4862,10 +5790,10 @@
       </p:pic>
       <p:pic>
         <p:nvPicPr>
-          <p:cNvPr id="24" name="Image 23">
-            <a:extLst>
-              <a:ext uri="{FF2B5EF4-FFF2-40B4-BE49-F238E27FC236}">
-                <a16:creationId xmlns:a16="http://schemas.microsoft.com/office/drawing/2014/main" id="{5D60D156-3379-4AB1-8059-C91209542851}"/>
+          <p:cNvPr id="2" name="Image 1">
+            <a:extLst>
+              <a:ext uri="{FF2B5EF4-FFF2-40B4-BE49-F238E27FC236}">
+                <a16:creationId xmlns:a16="http://schemas.microsoft.com/office/drawing/2014/main" id="{3319EFEA-17AA-4AD4-A188-E77A675E5B86}"/>
               </a:ext>
             </a:extLst>
           </p:cNvPr>
@@ -4882,8 +5810,8 @@
         </p:blipFill>
         <p:spPr>
           <a:xfrm>
-            <a:off x="4352103" y="2492373"/>
-            <a:ext cx="3487794" cy="1824633"/>
+            <a:off x="4352681" y="2537190"/>
+            <a:ext cx="3486637" cy="1819529"/>
           </a:xfrm>
           <a:prstGeom prst="rect">
             <a:avLst/>
@@ -4934,7 +5862,7 @@
                                           </p:stCondLst>
                                         </p:cTn>
                                         <p:tgtEl>
-                                          <p:spTgt spid="24"/>
+                                          <p:spTgt spid="2"/>
                                         </p:tgtEl>
                                         <p:attrNameLst>
                                           <p:attrName>style.visibility</p:attrName>
@@ -4979,7 +5907,7 @@
                                           </p:stCondLst>
                                         </p:cTn>
                                         <p:tgtEl>
-                                          <p:spTgt spid="24"/>
+                                          <p:spTgt spid="2"/>
                                         </p:tgtEl>
                                         <p:attrNameLst>
                                           <p:attrName>style.visibility</p:attrName>
@@ -5338,7 +6266,7 @@
 </p:sld>
 </file>
 
-<file path=ppt/slides/slide14.xml><?xml version="1.0" encoding="utf-8"?>
+<file path=ppt/slides/slide15.xml><?xml version="1.0" encoding="utf-8"?>
 <p:sld xmlns:a="http://schemas.openxmlformats.org/drawingml/2006/main" xmlns:r="http://schemas.openxmlformats.org/officeDocument/2006/relationships" xmlns:p="http://schemas.openxmlformats.org/presentationml/2006/main">
   <p:cSld>
     <p:spTree>
@@ -5443,7 +6371,7 @@
 </p:sld>
 </file>
 
-<file path=ppt/slides/slide15.xml><?xml version="1.0" encoding="utf-8"?>
+<file path=ppt/slides/slide16.xml><?xml version="1.0" encoding="utf-8"?>
 <p:sld xmlns:a="http://schemas.openxmlformats.org/drawingml/2006/main" xmlns:r="http://schemas.openxmlformats.org/officeDocument/2006/relationships" xmlns:p="http://schemas.openxmlformats.org/presentationml/2006/main">
   <p:cSld>
     <p:spTree>
@@ -7344,10 +8272,10 @@
       </p:grpSpPr>
       <p:pic>
         <p:nvPicPr>
-          <p:cNvPr id="21" name="Image 20" descr="Une image contenant table, paire&#10;&#10;Description générée automatiquement">
-            <a:extLst>
-              <a:ext uri="{FF2B5EF4-FFF2-40B4-BE49-F238E27FC236}">
-                <a16:creationId xmlns:a16="http://schemas.microsoft.com/office/drawing/2014/main" id="{C94C7F28-1A6D-4AE8-832F-6ADD5ADD1A9A}"/>
+          <p:cNvPr id="5" name="Image 4" descr="Une image contenant table, paire&#10;&#10;Description générée automatiquement">
+            <a:extLst>
+              <a:ext uri="{FF2B5EF4-FFF2-40B4-BE49-F238E27FC236}">
+                <a16:creationId xmlns:a16="http://schemas.microsoft.com/office/drawing/2014/main" id="{BAACB130-1530-44E1-B237-0356E3080FEF}"/>
               </a:ext>
             </a:extLst>
           </p:cNvPr>
@@ -7378,46 +8306,12 @@
           </a:prstGeom>
         </p:spPr>
       </p:pic>
-      <p:pic>
-        <p:nvPicPr>
-          <p:cNvPr id="4" name="Image 3">
-            <a:extLst>
-              <a:ext uri="{FF2B5EF4-FFF2-40B4-BE49-F238E27FC236}">
-                <a16:creationId xmlns:a16="http://schemas.microsoft.com/office/drawing/2014/main" id="{CFF8CF00-DB30-4438-B600-8B2DEF6B4067}"/>
-              </a:ext>
-            </a:extLst>
-          </p:cNvPr>
-          <p:cNvPicPr/>
-          <p:nvPr/>
-        </p:nvPicPr>
-        <p:blipFill>
-          <a:blip r:embed="rId3">
-            <a:extLst>
-              <a:ext uri="{28A0092B-C50C-407E-A947-70E740481C1C}">
-                <a14:useLocalDpi xmlns:a14="http://schemas.microsoft.com/office/drawing/2010/main" val="0"/>
-              </a:ext>
-            </a:extLst>
-          </a:blip>
-          <a:stretch>
-            <a:fillRect/>
-          </a:stretch>
-        </p:blipFill>
-        <p:spPr>
-          <a:xfrm>
-            <a:off x="2773996" y="1376363"/>
-            <a:ext cx="6644005" cy="5248275"/>
-          </a:xfrm>
-          <a:prstGeom prst="rect">
-            <a:avLst/>
-          </a:prstGeom>
-        </p:spPr>
-      </p:pic>
-      <p:sp>
-        <p:nvSpPr>
-          <p:cNvPr id="16" name="Titre 1">
-            <a:extLst>
-              <a:ext uri="{FF2B5EF4-FFF2-40B4-BE49-F238E27FC236}">
-                <a16:creationId xmlns:a16="http://schemas.microsoft.com/office/drawing/2014/main" id="{70072CBA-496B-470E-9046-17C30A8A15BD}"/>
+      <p:sp>
+        <p:nvSpPr>
+          <p:cNvPr id="7" name="Titre 1">
+            <a:extLst>
+              <a:ext uri="{FF2B5EF4-FFF2-40B4-BE49-F238E27FC236}">
+                <a16:creationId xmlns:a16="http://schemas.microsoft.com/office/drawing/2014/main" id="{BD572159-4DB4-446A-9B29-885504AFC635}"/>
               </a:ext>
             </a:extLst>
           </p:cNvPr>
@@ -7430,7 +8324,7 @@
         </p:nvSpPr>
         <p:spPr>
           <a:xfrm>
-            <a:off x="838199" y="233362"/>
+            <a:off x="838199" y="148442"/>
             <a:ext cx="10515600" cy="1325563"/>
           </a:xfrm>
         </p:spPr>
@@ -7445,7 +8339,7 @@
               <a:rPr lang="fr-FR" b="1" dirty="0">
                 <a:latin typeface="+mn-lt"/>
               </a:rPr>
-              <a:t>Diagramme de cas d’utilisation</a:t>
+              <a:t>Introduction</a:t>
             </a:r>
             <a:endParaRPr lang="fr-FR" sz="3600" b="1" dirty="0">
               <a:latin typeface="+mn-lt"/>
@@ -7453,10 +8347,868 @@
           </a:p>
         </p:txBody>
       </p:sp>
+      <p:pic>
+        <p:nvPicPr>
+          <p:cNvPr id="8" name="Image 7">
+            <a:extLst>
+              <a:ext uri="{FF2B5EF4-FFF2-40B4-BE49-F238E27FC236}">
+                <a16:creationId xmlns:a16="http://schemas.microsoft.com/office/drawing/2014/main" id="{CD24EA29-BCE3-4ACF-8AB7-32ADBABFD4DF}"/>
+              </a:ext>
+            </a:extLst>
+          </p:cNvPr>
+          <p:cNvPicPr>
+            <a:picLocks noChangeAspect="1"/>
+          </p:cNvPicPr>
+          <p:nvPr/>
+        </p:nvPicPr>
+        <p:blipFill>
+          <a:blip r:embed="rId3"/>
+          <a:stretch>
+            <a:fillRect/>
+          </a:stretch>
+        </p:blipFill>
+        <p:spPr>
+          <a:xfrm>
+            <a:off x="1986315" y="709222"/>
+            <a:ext cx="8219370" cy="6076536"/>
+          </a:xfrm>
+          <a:prstGeom prst="rect">
+            <a:avLst/>
+          </a:prstGeom>
+        </p:spPr>
+      </p:pic>
+      <p:sp>
+        <p:nvSpPr>
+          <p:cNvPr id="9" name="ZoneTexte 8">
+            <a:extLst>
+              <a:ext uri="{FF2B5EF4-FFF2-40B4-BE49-F238E27FC236}">
+                <a16:creationId xmlns:a16="http://schemas.microsoft.com/office/drawing/2014/main" id="{5E818295-B3CB-4B78-8E0E-7CD59422726B}"/>
+              </a:ext>
+            </a:extLst>
+          </p:cNvPr>
+          <p:cNvSpPr txBox="1"/>
+          <p:nvPr/>
+        </p:nvSpPr>
+        <p:spPr>
+          <a:xfrm>
+            <a:off x="3835823" y="2754759"/>
+            <a:ext cx="548608" cy="261610"/>
+          </a:xfrm>
+          <a:prstGeom prst="rect">
+            <a:avLst/>
+          </a:prstGeom>
+          <a:noFill/>
+        </p:spPr>
+        <p:txBody>
+          <a:bodyPr wrap="square" rtlCol="0">
+            <a:spAutoFit/>
+          </a:bodyPr>
+          <a:lstStyle/>
+          <a:p>
+            <a:r>
+              <a:rPr lang="fr-FR" sz="1100" u="sng" dirty="0"/>
+              <a:t>Sortie</a:t>
+            </a:r>
+            <a:endParaRPr lang="fr-FR" sz="1600" u="sng" dirty="0"/>
+          </a:p>
+        </p:txBody>
+      </p:sp>
+      <p:sp>
+        <p:nvSpPr>
+          <p:cNvPr id="10" name="ZoneTexte 9">
+            <a:extLst>
+              <a:ext uri="{FF2B5EF4-FFF2-40B4-BE49-F238E27FC236}">
+                <a16:creationId xmlns:a16="http://schemas.microsoft.com/office/drawing/2014/main" id="{F6FDE25B-0E78-4E64-9652-6F8579D12C1B}"/>
+              </a:ext>
+            </a:extLst>
+          </p:cNvPr>
+          <p:cNvSpPr txBox="1"/>
+          <p:nvPr/>
+        </p:nvSpPr>
+        <p:spPr>
+          <a:xfrm>
+            <a:off x="5697054" y="2756446"/>
+            <a:ext cx="548608" cy="261610"/>
+          </a:xfrm>
+          <a:prstGeom prst="rect">
+            <a:avLst/>
+          </a:prstGeom>
+          <a:noFill/>
+        </p:spPr>
+        <p:txBody>
+          <a:bodyPr wrap="square" rtlCol="0">
+            <a:spAutoFit/>
+          </a:bodyPr>
+          <a:lstStyle/>
+          <a:p>
+            <a:r>
+              <a:rPr lang="fr-FR" sz="1100" u="sng" dirty="0"/>
+              <a:t>Sortie</a:t>
+            </a:r>
+            <a:endParaRPr lang="fr-FR" sz="1600" u="sng" dirty="0"/>
+          </a:p>
+        </p:txBody>
+      </p:sp>
+      <p:sp>
+        <p:nvSpPr>
+          <p:cNvPr id="11" name="ZoneTexte 10">
+            <a:extLst>
+              <a:ext uri="{FF2B5EF4-FFF2-40B4-BE49-F238E27FC236}">
+                <a16:creationId xmlns:a16="http://schemas.microsoft.com/office/drawing/2014/main" id="{4016B8BC-ABFD-4494-B3DD-64C5F671C1C7}"/>
+              </a:ext>
+            </a:extLst>
+          </p:cNvPr>
+          <p:cNvSpPr txBox="1"/>
+          <p:nvPr/>
+        </p:nvSpPr>
+        <p:spPr>
+          <a:xfrm>
+            <a:off x="7558285" y="2754759"/>
+            <a:ext cx="548608" cy="261610"/>
+          </a:xfrm>
+          <a:prstGeom prst="rect">
+            <a:avLst/>
+          </a:prstGeom>
+          <a:noFill/>
+        </p:spPr>
+        <p:txBody>
+          <a:bodyPr wrap="square" rtlCol="0">
+            <a:spAutoFit/>
+          </a:bodyPr>
+          <a:lstStyle/>
+          <a:p>
+            <a:r>
+              <a:rPr lang="fr-FR" sz="1100" u="sng" dirty="0"/>
+              <a:t>Sortie</a:t>
+            </a:r>
+            <a:endParaRPr lang="fr-FR" sz="1600" u="sng" dirty="0"/>
+          </a:p>
+        </p:txBody>
+      </p:sp>
+      <p:sp>
+        <p:nvSpPr>
+          <p:cNvPr id="12" name="ZoneTexte 11">
+            <a:extLst>
+              <a:ext uri="{FF2B5EF4-FFF2-40B4-BE49-F238E27FC236}">
+                <a16:creationId xmlns:a16="http://schemas.microsoft.com/office/drawing/2014/main" id="{69BAAD67-2A75-417C-8DAD-36EB16D608EE}"/>
+              </a:ext>
+            </a:extLst>
+          </p:cNvPr>
+          <p:cNvSpPr txBox="1"/>
+          <p:nvPr/>
+        </p:nvSpPr>
+        <p:spPr>
+          <a:xfrm>
+            <a:off x="7558285" y="3747490"/>
+            <a:ext cx="548608" cy="261610"/>
+          </a:xfrm>
+          <a:prstGeom prst="rect">
+            <a:avLst/>
+          </a:prstGeom>
+          <a:noFill/>
+        </p:spPr>
+        <p:txBody>
+          <a:bodyPr wrap="square" rtlCol="0">
+            <a:spAutoFit/>
+          </a:bodyPr>
+          <a:lstStyle/>
+          <a:p>
+            <a:r>
+              <a:rPr lang="fr-FR" sz="1100" u="sng" dirty="0"/>
+              <a:t>Sortie</a:t>
+            </a:r>
+            <a:endParaRPr lang="fr-FR" sz="1600" u="sng" dirty="0"/>
+          </a:p>
+        </p:txBody>
+      </p:sp>
+      <p:sp>
+        <p:nvSpPr>
+          <p:cNvPr id="13" name="ZoneTexte 12">
+            <a:extLst>
+              <a:ext uri="{FF2B5EF4-FFF2-40B4-BE49-F238E27FC236}">
+                <a16:creationId xmlns:a16="http://schemas.microsoft.com/office/drawing/2014/main" id="{CBA0B789-30A2-44B2-98F3-E3900AB23888}"/>
+              </a:ext>
+            </a:extLst>
+          </p:cNvPr>
+          <p:cNvSpPr txBox="1"/>
+          <p:nvPr/>
+        </p:nvSpPr>
+        <p:spPr>
+          <a:xfrm>
+            <a:off x="5713304" y="3747490"/>
+            <a:ext cx="548608" cy="261610"/>
+          </a:xfrm>
+          <a:prstGeom prst="rect">
+            <a:avLst/>
+          </a:prstGeom>
+          <a:noFill/>
+        </p:spPr>
+        <p:txBody>
+          <a:bodyPr wrap="square" rtlCol="0">
+            <a:spAutoFit/>
+          </a:bodyPr>
+          <a:lstStyle/>
+          <a:p>
+            <a:r>
+              <a:rPr lang="fr-FR" sz="1100" u="sng" dirty="0"/>
+              <a:t>Sortie</a:t>
+            </a:r>
+            <a:endParaRPr lang="fr-FR" sz="1600" u="sng" dirty="0"/>
+          </a:p>
+        </p:txBody>
+      </p:sp>
+      <p:sp>
+        <p:nvSpPr>
+          <p:cNvPr id="14" name="ZoneTexte 13">
+            <a:extLst>
+              <a:ext uri="{FF2B5EF4-FFF2-40B4-BE49-F238E27FC236}">
+                <a16:creationId xmlns:a16="http://schemas.microsoft.com/office/drawing/2014/main" id="{DA68FB16-A092-42AC-A0F9-8137A396829F}"/>
+              </a:ext>
+            </a:extLst>
+          </p:cNvPr>
+          <p:cNvSpPr txBox="1"/>
+          <p:nvPr/>
+        </p:nvSpPr>
+        <p:spPr>
+          <a:xfrm>
+            <a:off x="3827678" y="3747490"/>
+            <a:ext cx="548608" cy="261610"/>
+          </a:xfrm>
+          <a:prstGeom prst="rect">
+            <a:avLst/>
+          </a:prstGeom>
+          <a:noFill/>
+        </p:spPr>
+        <p:txBody>
+          <a:bodyPr wrap="square" rtlCol="0">
+            <a:spAutoFit/>
+          </a:bodyPr>
+          <a:lstStyle/>
+          <a:p>
+            <a:r>
+              <a:rPr lang="fr-FR" sz="1100" u="sng" dirty="0"/>
+              <a:t>Sortie</a:t>
+            </a:r>
+            <a:endParaRPr lang="fr-FR" sz="1600" u="sng" dirty="0"/>
+          </a:p>
+        </p:txBody>
+      </p:sp>
+      <p:sp>
+        <p:nvSpPr>
+          <p:cNvPr id="15" name="ZoneTexte 14">
+            <a:extLst>
+              <a:ext uri="{FF2B5EF4-FFF2-40B4-BE49-F238E27FC236}">
+                <a16:creationId xmlns:a16="http://schemas.microsoft.com/office/drawing/2014/main" id="{23F3701F-EB21-4DF4-B3B1-35882A4E9137}"/>
+              </a:ext>
+            </a:extLst>
+          </p:cNvPr>
+          <p:cNvSpPr txBox="1"/>
+          <p:nvPr/>
+        </p:nvSpPr>
+        <p:spPr>
+          <a:xfrm>
+            <a:off x="7558285" y="1708760"/>
+            <a:ext cx="548608" cy="261610"/>
+          </a:xfrm>
+          <a:prstGeom prst="rect">
+            <a:avLst/>
+          </a:prstGeom>
+          <a:noFill/>
+        </p:spPr>
+        <p:txBody>
+          <a:bodyPr wrap="square" rtlCol="0">
+            <a:spAutoFit/>
+          </a:bodyPr>
+          <a:lstStyle/>
+          <a:p>
+            <a:r>
+              <a:rPr lang="fr-FR" sz="1100" u="sng" dirty="0"/>
+              <a:t>Sortie</a:t>
+            </a:r>
+            <a:endParaRPr lang="fr-FR" sz="1600" u="sng" dirty="0"/>
+          </a:p>
+        </p:txBody>
+      </p:sp>
+      <p:sp>
+        <p:nvSpPr>
+          <p:cNvPr id="16" name="ZoneTexte 15">
+            <a:extLst>
+              <a:ext uri="{FF2B5EF4-FFF2-40B4-BE49-F238E27FC236}">
+                <a16:creationId xmlns:a16="http://schemas.microsoft.com/office/drawing/2014/main" id="{3B9A2C36-547F-469D-BCC8-0A2CCB75E87B}"/>
+              </a:ext>
+            </a:extLst>
+          </p:cNvPr>
+          <p:cNvSpPr txBox="1"/>
+          <p:nvPr/>
+        </p:nvSpPr>
+        <p:spPr>
+          <a:xfrm>
+            <a:off x="5713304" y="1747100"/>
+            <a:ext cx="548608" cy="261610"/>
+          </a:xfrm>
+          <a:prstGeom prst="rect">
+            <a:avLst/>
+          </a:prstGeom>
+          <a:noFill/>
+        </p:spPr>
+        <p:txBody>
+          <a:bodyPr wrap="square" rtlCol="0">
+            <a:spAutoFit/>
+          </a:bodyPr>
+          <a:lstStyle/>
+          <a:p>
+            <a:r>
+              <a:rPr lang="fr-FR" sz="1100" u="sng" dirty="0"/>
+              <a:t>Sortie</a:t>
+            </a:r>
+            <a:endParaRPr lang="fr-FR" sz="1600" u="sng" dirty="0"/>
+          </a:p>
+        </p:txBody>
+      </p:sp>
+      <p:sp>
+        <p:nvSpPr>
+          <p:cNvPr id="17" name="ZoneTexte 16">
+            <a:extLst>
+              <a:ext uri="{FF2B5EF4-FFF2-40B4-BE49-F238E27FC236}">
+                <a16:creationId xmlns:a16="http://schemas.microsoft.com/office/drawing/2014/main" id="{A9E86BC9-80AF-4F57-A4EF-E8FD507DD184}"/>
+              </a:ext>
+            </a:extLst>
+          </p:cNvPr>
+          <p:cNvSpPr txBox="1"/>
+          <p:nvPr/>
+        </p:nvSpPr>
+        <p:spPr>
+          <a:xfrm>
+            <a:off x="3827678" y="1708760"/>
+            <a:ext cx="548608" cy="261610"/>
+          </a:xfrm>
+          <a:prstGeom prst="rect">
+            <a:avLst/>
+          </a:prstGeom>
+          <a:noFill/>
+        </p:spPr>
+        <p:txBody>
+          <a:bodyPr wrap="square" rtlCol="0">
+            <a:spAutoFit/>
+          </a:bodyPr>
+          <a:lstStyle/>
+          <a:p>
+            <a:r>
+              <a:rPr lang="fr-FR" sz="1100" u="sng" dirty="0"/>
+              <a:t>Sortie</a:t>
+            </a:r>
+            <a:endParaRPr lang="fr-FR" sz="1600" u="sng" dirty="0"/>
+          </a:p>
+        </p:txBody>
+      </p:sp>
+      <p:sp>
+        <p:nvSpPr>
+          <p:cNvPr id="18" name="ZoneTexte 17">
+            <a:extLst>
+              <a:ext uri="{FF2B5EF4-FFF2-40B4-BE49-F238E27FC236}">
+                <a16:creationId xmlns:a16="http://schemas.microsoft.com/office/drawing/2014/main" id="{78869DEC-5A97-4788-B473-3102148470DA}"/>
+              </a:ext>
+            </a:extLst>
+          </p:cNvPr>
+          <p:cNvSpPr txBox="1"/>
+          <p:nvPr/>
+        </p:nvSpPr>
+        <p:spPr>
+          <a:xfrm>
+            <a:off x="2524656" y="1708760"/>
+            <a:ext cx="619750" cy="261610"/>
+          </a:xfrm>
+          <a:prstGeom prst="rect">
+            <a:avLst/>
+          </a:prstGeom>
+          <a:noFill/>
+        </p:spPr>
+        <p:txBody>
+          <a:bodyPr wrap="square" rtlCol="0">
+            <a:spAutoFit/>
+          </a:bodyPr>
+          <a:lstStyle/>
+          <a:p>
+            <a:r>
+              <a:rPr lang="fr-FR" sz="1100" u="sng" dirty="0"/>
+              <a:t>Entrée</a:t>
+            </a:r>
+            <a:endParaRPr lang="fr-FR" sz="1600" u="sng" dirty="0"/>
+          </a:p>
+        </p:txBody>
+      </p:sp>
+      <p:sp>
+        <p:nvSpPr>
+          <p:cNvPr id="19" name="ZoneTexte 18">
+            <a:extLst>
+              <a:ext uri="{FF2B5EF4-FFF2-40B4-BE49-F238E27FC236}">
+                <a16:creationId xmlns:a16="http://schemas.microsoft.com/office/drawing/2014/main" id="{EE79952E-81F3-47EC-AA5E-7A3C9B035D82}"/>
+              </a:ext>
+            </a:extLst>
+          </p:cNvPr>
+          <p:cNvSpPr txBox="1"/>
+          <p:nvPr/>
+        </p:nvSpPr>
+        <p:spPr>
+          <a:xfrm>
+            <a:off x="2523200" y="2743030"/>
+            <a:ext cx="619750" cy="261610"/>
+          </a:xfrm>
+          <a:prstGeom prst="rect">
+            <a:avLst/>
+          </a:prstGeom>
+          <a:noFill/>
+        </p:spPr>
+        <p:txBody>
+          <a:bodyPr wrap="square" rtlCol="0">
+            <a:spAutoFit/>
+          </a:bodyPr>
+          <a:lstStyle/>
+          <a:p>
+            <a:r>
+              <a:rPr lang="fr-FR" sz="1100" u="sng" dirty="0"/>
+              <a:t>Entrée</a:t>
+            </a:r>
+            <a:endParaRPr lang="fr-FR" sz="1600" u="sng" dirty="0"/>
+          </a:p>
+        </p:txBody>
+      </p:sp>
+      <p:sp>
+        <p:nvSpPr>
+          <p:cNvPr id="20" name="ZoneTexte 19">
+            <a:extLst>
+              <a:ext uri="{FF2B5EF4-FFF2-40B4-BE49-F238E27FC236}">
+                <a16:creationId xmlns:a16="http://schemas.microsoft.com/office/drawing/2014/main" id="{2A797895-EA94-4936-9A7A-6E7E7B8FB477}"/>
+              </a:ext>
+            </a:extLst>
+          </p:cNvPr>
+          <p:cNvSpPr txBox="1"/>
+          <p:nvPr/>
+        </p:nvSpPr>
+        <p:spPr>
+          <a:xfrm>
+            <a:off x="2523200" y="3747490"/>
+            <a:ext cx="619750" cy="261610"/>
+          </a:xfrm>
+          <a:prstGeom prst="rect">
+            <a:avLst/>
+          </a:prstGeom>
+          <a:noFill/>
+        </p:spPr>
+        <p:txBody>
+          <a:bodyPr wrap="square" rtlCol="0">
+            <a:spAutoFit/>
+          </a:bodyPr>
+          <a:lstStyle/>
+          <a:p>
+            <a:r>
+              <a:rPr lang="fr-FR" sz="1100" u="sng" dirty="0"/>
+              <a:t>Entrée</a:t>
+            </a:r>
+            <a:endParaRPr lang="fr-FR" sz="1600" u="sng" dirty="0"/>
+          </a:p>
+        </p:txBody>
+      </p:sp>
+      <p:sp>
+        <p:nvSpPr>
+          <p:cNvPr id="21" name="ZoneTexte 20">
+            <a:extLst>
+              <a:ext uri="{FF2B5EF4-FFF2-40B4-BE49-F238E27FC236}">
+                <a16:creationId xmlns:a16="http://schemas.microsoft.com/office/drawing/2014/main" id="{F5ED34C6-2B3F-45FD-AEA4-7455B1C683ED}"/>
+              </a:ext>
+            </a:extLst>
+          </p:cNvPr>
+          <p:cNvSpPr txBox="1"/>
+          <p:nvPr/>
+        </p:nvSpPr>
+        <p:spPr>
+          <a:xfrm>
+            <a:off x="4432489" y="3747490"/>
+            <a:ext cx="619750" cy="261610"/>
+          </a:xfrm>
+          <a:prstGeom prst="rect">
+            <a:avLst/>
+          </a:prstGeom>
+          <a:noFill/>
+        </p:spPr>
+        <p:txBody>
+          <a:bodyPr wrap="square" rtlCol="0">
+            <a:spAutoFit/>
+          </a:bodyPr>
+          <a:lstStyle/>
+          <a:p>
+            <a:r>
+              <a:rPr lang="fr-FR" sz="1100" u="sng" dirty="0"/>
+              <a:t>Entrée</a:t>
+            </a:r>
+            <a:endParaRPr lang="fr-FR" sz="1600" u="sng" dirty="0"/>
+          </a:p>
+        </p:txBody>
+      </p:sp>
+      <p:sp>
+        <p:nvSpPr>
+          <p:cNvPr id="22" name="ZoneTexte 21">
+            <a:extLst>
+              <a:ext uri="{FF2B5EF4-FFF2-40B4-BE49-F238E27FC236}">
+                <a16:creationId xmlns:a16="http://schemas.microsoft.com/office/drawing/2014/main" id="{CC829F1A-B383-406A-90CD-025FE4B55A87}"/>
+              </a:ext>
+            </a:extLst>
+          </p:cNvPr>
+          <p:cNvSpPr txBox="1"/>
+          <p:nvPr/>
+        </p:nvSpPr>
+        <p:spPr>
+          <a:xfrm>
+            <a:off x="6314886" y="3749183"/>
+            <a:ext cx="619750" cy="261610"/>
+          </a:xfrm>
+          <a:prstGeom prst="rect">
+            <a:avLst/>
+          </a:prstGeom>
+          <a:noFill/>
+        </p:spPr>
+        <p:txBody>
+          <a:bodyPr wrap="square" rtlCol="0">
+            <a:spAutoFit/>
+          </a:bodyPr>
+          <a:lstStyle/>
+          <a:p>
+            <a:r>
+              <a:rPr lang="fr-FR" sz="1100" u="sng" dirty="0"/>
+              <a:t>Entrée</a:t>
+            </a:r>
+            <a:endParaRPr lang="fr-FR" sz="1600" u="sng" dirty="0"/>
+          </a:p>
+        </p:txBody>
+      </p:sp>
+      <p:sp>
+        <p:nvSpPr>
+          <p:cNvPr id="23" name="ZoneTexte 22">
+            <a:extLst>
+              <a:ext uri="{FF2B5EF4-FFF2-40B4-BE49-F238E27FC236}">
+                <a16:creationId xmlns:a16="http://schemas.microsoft.com/office/drawing/2014/main" id="{D12DC906-7DB8-4E34-8834-D013D747C462}"/>
+              </a:ext>
+            </a:extLst>
+          </p:cNvPr>
+          <p:cNvSpPr txBox="1"/>
+          <p:nvPr/>
+        </p:nvSpPr>
+        <p:spPr>
+          <a:xfrm>
+            <a:off x="4432489" y="2743030"/>
+            <a:ext cx="619750" cy="261610"/>
+          </a:xfrm>
+          <a:prstGeom prst="rect">
+            <a:avLst/>
+          </a:prstGeom>
+          <a:noFill/>
+        </p:spPr>
+        <p:txBody>
+          <a:bodyPr wrap="square" rtlCol="0">
+            <a:spAutoFit/>
+          </a:bodyPr>
+          <a:lstStyle/>
+          <a:p>
+            <a:r>
+              <a:rPr lang="fr-FR" sz="1100" u="sng" dirty="0"/>
+              <a:t>Entrée</a:t>
+            </a:r>
+            <a:endParaRPr lang="fr-FR" sz="1600" u="sng" dirty="0"/>
+          </a:p>
+        </p:txBody>
+      </p:sp>
+      <p:sp>
+        <p:nvSpPr>
+          <p:cNvPr id="24" name="ZoneTexte 23">
+            <a:extLst>
+              <a:ext uri="{FF2B5EF4-FFF2-40B4-BE49-F238E27FC236}">
+                <a16:creationId xmlns:a16="http://schemas.microsoft.com/office/drawing/2014/main" id="{F477CF40-EF19-4602-AE6B-16626B9DFA20}"/>
+              </a:ext>
+            </a:extLst>
+          </p:cNvPr>
+          <p:cNvSpPr txBox="1"/>
+          <p:nvPr/>
+        </p:nvSpPr>
+        <p:spPr>
+          <a:xfrm>
+            <a:off x="4438418" y="1708760"/>
+            <a:ext cx="619750" cy="261610"/>
+          </a:xfrm>
+          <a:prstGeom prst="rect">
+            <a:avLst/>
+          </a:prstGeom>
+          <a:noFill/>
+        </p:spPr>
+        <p:txBody>
+          <a:bodyPr wrap="square" rtlCol="0">
+            <a:spAutoFit/>
+          </a:bodyPr>
+          <a:lstStyle/>
+          <a:p>
+            <a:r>
+              <a:rPr lang="fr-FR" sz="1100" u="sng" dirty="0"/>
+              <a:t>Entrée</a:t>
+            </a:r>
+            <a:endParaRPr lang="fr-FR" sz="1600" u="sng" dirty="0"/>
+          </a:p>
+        </p:txBody>
+      </p:sp>
+      <p:sp>
+        <p:nvSpPr>
+          <p:cNvPr id="25" name="ZoneTexte 24">
+            <a:extLst>
+              <a:ext uri="{FF2B5EF4-FFF2-40B4-BE49-F238E27FC236}">
+                <a16:creationId xmlns:a16="http://schemas.microsoft.com/office/drawing/2014/main" id="{2BC8CAC5-7197-46FF-BABF-CF4F8D11EFC0}"/>
+              </a:ext>
+            </a:extLst>
+          </p:cNvPr>
+          <p:cNvSpPr txBox="1"/>
+          <p:nvPr/>
+        </p:nvSpPr>
+        <p:spPr>
+          <a:xfrm>
+            <a:off x="6314886" y="1708760"/>
+            <a:ext cx="619750" cy="261610"/>
+          </a:xfrm>
+          <a:prstGeom prst="rect">
+            <a:avLst/>
+          </a:prstGeom>
+          <a:noFill/>
+        </p:spPr>
+        <p:txBody>
+          <a:bodyPr wrap="square" rtlCol="0">
+            <a:spAutoFit/>
+          </a:bodyPr>
+          <a:lstStyle/>
+          <a:p>
+            <a:r>
+              <a:rPr lang="fr-FR" sz="1100" u="sng" dirty="0"/>
+              <a:t>Entrée</a:t>
+            </a:r>
+            <a:endParaRPr lang="fr-FR" sz="1600" u="sng" dirty="0"/>
+          </a:p>
+        </p:txBody>
+      </p:sp>
+      <p:sp>
+        <p:nvSpPr>
+          <p:cNvPr id="26" name="ZoneTexte 25">
+            <a:extLst>
+              <a:ext uri="{FF2B5EF4-FFF2-40B4-BE49-F238E27FC236}">
+                <a16:creationId xmlns:a16="http://schemas.microsoft.com/office/drawing/2014/main" id="{38E1B23D-7736-498F-A227-FB8D989B52DA}"/>
+              </a:ext>
+            </a:extLst>
+          </p:cNvPr>
+          <p:cNvSpPr txBox="1"/>
+          <p:nvPr/>
+        </p:nvSpPr>
+        <p:spPr>
+          <a:xfrm>
+            <a:off x="6311754" y="2754759"/>
+            <a:ext cx="619750" cy="261610"/>
+          </a:xfrm>
+          <a:prstGeom prst="rect">
+            <a:avLst/>
+          </a:prstGeom>
+          <a:noFill/>
+        </p:spPr>
+        <p:txBody>
+          <a:bodyPr wrap="square" rtlCol="0">
+            <a:spAutoFit/>
+          </a:bodyPr>
+          <a:lstStyle/>
+          <a:p>
+            <a:r>
+              <a:rPr lang="fr-FR" sz="1100" u="sng" dirty="0"/>
+              <a:t>Entrée</a:t>
+            </a:r>
+            <a:endParaRPr lang="fr-FR" sz="1600" u="sng" dirty="0"/>
+          </a:p>
+        </p:txBody>
+      </p:sp>
+      <p:sp>
+        <p:nvSpPr>
+          <p:cNvPr id="27" name="ZoneTexte 26">
+            <a:extLst>
+              <a:ext uri="{FF2B5EF4-FFF2-40B4-BE49-F238E27FC236}">
+                <a16:creationId xmlns:a16="http://schemas.microsoft.com/office/drawing/2014/main" id="{91F95978-7956-4581-B694-52600FA90519}"/>
+              </a:ext>
+            </a:extLst>
+          </p:cNvPr>
+          <p:cNvSpPr txBox="1"/>
+          <p:nvPr/>
+        </p:nvSpPr>
+        <p:spPr>
+          <a:xfrm>
+            <a:off x="2641682" y="1431123"/>
+            <a:ext cx="1734604" cy="261610"/>
+          </a:xfrm>
+          <a:prstGeom prst="rect">
+            <a:avLst/>
+          </a:prstGeom>
+          <a:noFill/>
+        </p:spPr>
+        <p:txBody>
+          <a:bodyPr wrap="square" rtlCol="0">
+            <a:spAutoFit/>
+          </a:bodyPr>
+          <a:lstStyle/>
+          <a:p>
+            <a:r>
+              <a:rPr lang="fr-FR" sz="1100" dirty="0"/>
+              <a:t>Mécanisme 1 : L’échiquier</a:t>
+            </a:r>
+            <a:endParaRPr lang="fr-FR" sz="1600" dirty="0"/>
+          </a:p>
+        </p:txBody>
+      </p:sp>
+      <p:sp>
+        <p:nvSpPr>
+          <p:cNvPr id="28" name="ZoneTexte 27">
+            <a:extLst>
+              <a:ext uri="{FF2B5EF4-FFF2-40B4-BE49-F238E27FC236}">
+                <a16:creationId xmlns:a16="http://schemas.microsoft.com/office/drawing/2014/main" id="{DDA726B8-A2E6-40D0-9D56-4071DD30F2C6}"/>
+              </a:ext>
+            </a:extLst>
+          </p:cNvPr>
+          <p:cNvSpPr txBox="1"/>
+          <p:nvPr/>
+        </p:nvSpPr>
+        <p:spPr>
+          <a:xfrm>
+            <a:off x="4527308" y="1431123"/>
+            <a:ext cx="1734604" cy="261610"/>
+          </a:xfrm>
+          <a:prstGeom prst="rect">
+            <a:avLst/>
+          </a:prstGeom>
+          <a:noFill/>
+        </p:spPr>
+        <p:txBody>
+          <a:bodyPr wrap="square" rtlCol="0">
+            <a:spAutoFit/>
+          </a:bodyPr>
+          <a:lstStyle/>
+          <a:p>
+            <a:r>
+              <a:rPr lang="fr-FR" sz="1100" dirty="0"/>
+              <a:t>Mécanisme 1 : Le Lion</a:t>
+            </a:r>
+            <a:endParaRPr lang="fr-FR" sz="1600" dirty="0"/>
+          </a:p>
+        </p:txBody>
+      </p:sp>
+      <p:sp>
+        <p:nvSpPr>
+          <p:cNvPr id="29" name="ZoneTexte 28">
+            <a:extLst>
+              <a:ext uri="{FF2B5EF4-FFF2-40B4-BE49-F238E27FC236}">
+                <a16:creationId xmlns:a16="http://schemas.microsoft.com/office/drawing/2014/main" id="{701CA9B2-009C-4F35-ADA2-6B1BA83D048C}"/>
+              </a:ext>
+            </a:extLst>
+          </p:cNvPr>
+          <p:cNvSpPr txBox="1"/>
+          <p:nvPr/>
+        </p:nvSpPr>
+        <p:spPr>
+          <a:xfrm>
+            <a:off x="6398690" y="1431123"/>
+            <a:ext cx="1734604" cy="261610"/>
+          </a:xfrm>
+          <a:prstGeom prst="rect">
+            <a:avLst/>
+          </a:prstGeom>
+          <a:noFill/>
+        </p:spPr>
+        <p:txBody>
+          <a:bodyPr wrap="square" rtlCol="0">
+            <a:spAutoFit/>
+          </a:bodyPr>
+          <a:lstStyle/>
+          <a:p>
+            <a:r>
+              <a:rPr lang="fr-FR" sz="1100" dirty="0"/>
+              <a:t>Mécanisme 1 : TERRE</a:t>
+            </a:r>
+            <a:endParaRPr lang="fr-FR" sz="1600" dirty="0"/>
+          </a:p>
+        </p:txBody>
+      </p:sp>
+      <p:sp>
+        <p:nvSpPr>
+          <p:cNvPr id="30" name="ZoneTexte 29">
+            <a:extLst>
+              <a:ext uri="{FF2B5EF4-FFF2-40B4-BE49-F238E27FC236}">
+                <a16:creationId xmlns:a16="http://schemas.microsoft.com/office/drawing/2014/main" id="{B65F2152-04BF-40B1-9FBB-E14318A4ECC3}"/>
+              </a:ext>
+            </a:extLst>
+          </p:cNvPr>
+          <p:cNvSpPr txBox="1"/>
+          <p:nvPr/>
+        </p:nvSpPr>
+        <p:spPr>
+          <a:xfrm>
+            <a:off x="6583360" y="2459013"/>
+            <a:ext cx="1734604" cy="246221"/>
+          </a:xfrm>
+          <a:prstGeom prst="rect">
+            <a:avLst/>
+          </a:prstGeom>
+          <a:noFill/>
+        </p:spPr>
+        <p:txBody>
+          <a:bodyPr wrap="square" rtlCol="0">
+            <a:spAutoFit/>
+          </a:bodyPr>
+          <a:lstStyle/>
+          <a:p>
+            <a:r>
+              <a:rPr lang="fr-FR" sz="1000" dirty="0"/>
+              <a:t>Mécanisme 1 : AIR</a:t>
+            </a:r>
+            <a:endParaRPr lang="fr-FR" sz="1200" dirty="0"/>
+          </a:p>
+        </p:txBody>
+      </p:sp>
+      <p:sp>
+        <p:nvSpPr>
+          <p:cNvPr id="31" name="ZoneTexte 30">
+            <a:extLst>
+              <a:ext uri="{FF2B5EF4-FFF2-40B4-BE49-F238E27FC236}">
+                <a16:creationId xmlns:a16="http://schemas.microsoft.com/office/drawing/2014/main" id="{EF0DE43E-1A3D-40D6-9CAF-10893F565608}"/>
+              </a:ext>
+            </a:extLst>
+          </p:cNvPr>
+          <p:cNvSpPr txBox="1"/>
+          <p:nvPr/>
+        </p:nvSpPr>
+        <p:spPr>
+          <a:xfrm>
+            <a:off x="6261912" y="3471514"/>
+            <a:ext cx="2135711" cy="246221"/>
+          </a:xfrm>
+          <a:prstGeom prst="rect">
+            <a:avLst/>
+          </a:prstGeom>
+          <a:noFill/>
+        </p:spPr>
+        <p:txBody>
+          <a:bodyPr wrap="square" rtlCol="0">
+            <a:spAutoFit/>
+          </a:bodyPr>
+          <a:lstStyle/>
+          <a:p>
+            <a:r>
+              <a:rPr lang="fr-FR" sz="1000" dirty="0"/>
+              <a:t>Mécanisme 1 : Quatre éléments</a:t>
+            </a:r>
+            <a:endParaRPr lang="fr-FR" sz="1200" dirty="0"/>
+          </a:p>
+        </p:txBody>
+      </p:sp>
     </p:spTree>
     <p:extLst>
       <p:ext uri="{BB962C8B-B14F-4D97-AF65-F5344CB8AC3E}">
-        <p14:creationId xmlns:p14="http://schemas.microsoft.com/office/powerpoint/2010/main" val="141572382"/>
+        <p14:creationId xmlns:p14="http://schemas.microsoft.com/office/powerpoint/2010/main" val="1476959625"/>
       </p:ext>
     </p:extLst>
   </p:cSld>
@@ -7519,70 +9271,85 @@
           </a:prstGeom>
         </p:spPr>
       </p:pic>
-      <p:sp>
-        <p:nvSpPr>
-          <p:cNvPr id="8" name="Titre 1">
-            <a:extLst>
-              <a:ext uri="{FF2B5EF4-FFF2-40B4-BE49-F238E27FC236}">
-                <a16:creationId xmlns:a16="http://schemas.microsoft.com/office/drawing/2014/main" id="{1D901C81-2DA3-421A-BBCE-EB083238EDA4}"/>
-              </a:ext>
-            </a:extLst>
-          </p:cNvPr>
-          <p:cNvSpPr txBox="1">
-            <a:spLocks/>
+      <p:pic>
+        <p:nvPicPr>
+          <p:cNvPr id="4" name="Image 3">
+            <a:extLst>
+              <a:ext uri="{FF2B5EF4-FFF2-40B4-BE49-F238E27FC236}">
+                <a16:creationId xmlns:a16="http://schemas.microsoft.com/office/drawing/2014/main" id="{CFF8CF00-DB30-4438-B600-8B2DEF6B4067}"/>
+              </a:ext>
+            </a:extLst>
+          </p:cNvPr>
+          <p:cNvPicPr/>
+          <p:nvPr/>
+        </p:nvPicPr>
+        <p:blipFill>
+          <a:blip r:embed="rId3">
+            <a:extLst>
+              <a:ext uri="{28A0092B-C50C-407E-A947-70E740481C1C}">
+                <a14:useLocalDpi xmlns:a14="http://schemas.microsoft.com/office/drawing/2010/main" val="0"/>
+              </a:ext>
+            </a:extLst>
+          </a:blip>
+          <a:stretch>
+            <a:fillRect/>
+          </a:stretch>
+        </p:blipFill>
+        <p:spPr>
+          <a:xfrm>
+            <a:off x="2773996" y="1376363"/>
+            <a:ext cx="6644005" cy="5248275"/>
+          </a:xfrm>
+          <a:prstGeom prst="rect">
+            <a:avLst/>
+          </a:prstGeom>
+        </p:spPr>
+      </p:pic>
+      <p:sp>
+        <p:nvSpPr>
+          <p:cNvPr id="16" name="Titre 1">
+            <a:extLst>
+              <a:ext uri="{FF2B5EF4-FFF2-40B4-BE49-F238E27FC236}">
+                <a16:creationId xmlns:a16="http://schemas.microsoft.com/office/drawing/2014/main" id="{70072CBA-496B-470E-9046-17C30A8A15BD}"/>
+              </a:ext>
+            </a:extLst>
+          </p:cNvPr>
+          <p:cNvSpPr>
+            <a:spLocks noGrp="1"/>
           </p:cNvSpPr>
-          <p:nvPr/>
-        </p:nvSpPr>
-        <p:spPr>
-          <a:xfrm>
-            <a:off x="1524000" y="228600"/>
-            <a:ext cx="9144000" cy="1076480"/>
-          </a:xfrm>
-          <a:prstGeom prst="rect">
-            <a:avLst/>
-          </a:prstGeom>
-        </p:spPr>
-        <p:txBody>
-          <a:bodyPr vert="horz" lIns="91440" tIns="45720" rIns="91440" bIns="45720" rtlCol="0" anchor="b">
+          <p:nvPr>
+            <p:ph type="title"/>
+          </p:nvPr>
+        </p:nvSpPr>
+        <p:spPr>
+          <a:xfrm>
+            <a:off x="838199" y="233362"/>
+            <a:ext cx="10515600" cy="1325563"/>
+          </a:xfrm>
+        </p:spPr>
+        <p:txBody>
+          <a:bodyPr>
             <a:normAutofit/>
           </a:bodyPr>
-          <a:lstStyle>
-            <a:lvl1pPr algn="l" defTabSz="914400" rtl="0" eaLnBrk="1" latinLnBrk="0" hangingPunct="1">
-              <a:lnSpc>
-                <a:spcPct val="90000"/>
-              </a:lnSpc>
-              <a:spcBef>
-                <a:spcPct val="0"/>
-              </a:spcBef>
-              <a:buNone/>
-              <a:defRPr sz="4400" kern="1200">
-                <a:solidFill>
-                  <a:schemeClr val="tx1"/>
-                </a:solidFill>
-                <a:latin typeface="+mj-lt"/>
-                <a:ea typeface="+mj-ea"/>
-                <a:cs typeface="+mj-cs"/>
-              </a:defRPr>
-            </a:lvl1pPr>
-          </a:lstStyle>
-          <a:p>
-            <a:pPr algn="ctr">
-              <a:spcAft>
-                <a:spcPts val="600"/>
-              </a:spcAft>
-            </a:pPr>
-            <a:r>
-              <a:rPr lang="fr-FR" sz="6000" b="1" dirty="0"/>
-              <a:t>Diagramme de Gantt</a:t>
-            </a:r>
-            <a:endParaRPr lang="en-US" sz="6000" b="1" dirty="0"/>
+          <a:lstStyle/>
+          <a:p>
+            <a:pPr algn="ctr"/>
+            <a:r>
+              <a:rPr lang="fr-FR" b="1" dirty="0">
+                <a:latin typeface="+mn-lt"/>
+              </a:rPr>
+              <a:t>Diagramme de cas d’utilisation</a:t>
+            </a:r>
+            <a:endParaRPr lang="fr-FR" sz="3600" b="1" dirty="0">
+              <a:latin typeface="+mn-lt"/>
+            </a:endParaRPr>
           </a:p>
         </p:txBody>
       </p:sp>
     </p:spTree>
     <p:extLst>
       <p:ext uri="{BB962C8B-B14F-4D97-AF65-F5344CB8AC3E}">
-        <p14:creationId xmlns:p14="http://schemas.microsoft.com/office/powerpoint/2010/main" val="2387998976"/>
+        <p14:creationId xmlns:p14="http://schemas.microsoft.com/office/powerpoint/2010/main" val="141572382"/>
       </p:ext>
     </p:extLst>
   </p:cSld>
@@ -7611,10 +9378,10 @@
       </p:grpSpPr>
       <p:pic>
         <p:nvPicPr>
-          <p:cNvPr id="5" name="Image 4" descr="Une image contenant table, paire&#10;&#10;Description générée automatiquement">
-            <a:extLst>
-              <a:ext uri="{FF2B5EF4-FFF2-40B4-BE49-F238E27FC236}">
-                <a16:creationId xmlns:a16="http://schemas.microsoft.com/office/drawing/2014/main" id="{54EDA2C0-48CE-4DA2-890F-252AC8D48847}"/>
+          <p:cNvPr id="21" name="Image 20" descr="Une image contenant table, paire&#10;&#10;Description générée automatiquement">
+            <a:extLst>
+              <a:ext uri="{FF2B5EF4-FFF2-40B4-BE49-F238E27FC236}">
+                <a16:creationId xmlns:a16="http://schemas.microsoft.com/office/drawing/2014/main" id="{C94C7F28-1A6D-4AE8-832F-6ADD5ADD1A9A}"/>
               </a:ext>
             </a:extLst>
           </p:cNvPr>
@@ -7647,73 +9414,68 @@
       </p:pic>
       <p:sp>
         <p:nvSpPr>
-          <p:cNvPr id="2" name="Titre 1">
-            <a:extLst>
-              <a:ext uri="{FF2B5EF4-FFF2-40B4-BE49-F238E27FC236}">
-                <a16:creationId xmlns:a16="http://schemas.microsoft.com/office/drawing/2014/main" id="{3B0C423D-65A1-40D8-8751-302A287BBB8F}"/>
-              </a:ext>
-            </a:extLst>
-          </p:cNvPr>
-          <p:cNvSpPr>
-            <a:spLocks noGrp="1"/>
+          <p:cNvPr id="8" name="Titre 1">
+            <a:extLst>
+              <a:ext uri="{FF2B5EF4-FFF2-40B4-BE49-F238E27FC236}">
+                <a16:creationId xmlns:a16="http://schemas.microsoft.com/office/drawing/2014/main" id="{1D901C81-2DA3-421A-BBCE-EB083238EDA4}"/>
+              </a:ext>
+            </a:extLst>
+          </p:cNvPr>
+          <p:cNvSpPr txBox="1">
+            <a:spLocks/>
           </p:cNvSpPr>
-          <p:nvPr>
-            <p:ph type="title"/>
-          </p:nvPr>
-        </p:nvSpPr>
-        <p:spPr/>
-        <p:txBody>
-          <a:bodyPr/>
-          <a:lstStyle/>
-          <a:p>
-            <a:pPr algn="ctr"/>
-            <a:r>
-              <a:rPr lang="fr-FR" b="1" dirty="0">
-                <a:latin typeface="+mn-lt"/>
-              </a:rPr>
-              <a:t>Mes tâches</a:t>
-            </a:r>
-          </a:p>
-        </p:txBody>
-      </p:sp>
-      <p:pic>
-        <p:nvPicPr>
-          <p:cNvPr id="4" name="Image 3">
-            <a:extLst>
-              <a:ext uri="{FF2B5EF4-FFF2-40B4-BE49-F238E27FC236}">
-                <a16:creationId xmlns:a16="http://schemas.microsoft.com/office/drawing/2014/main" id="{B7441BCA-F2F3-49D7-9D50-474CE98A3A2A}"/>
-              </a:ext>
-            </a:extLst>
-          </p:cNvPr>
-          <p:cNvPicPr/>
-          <p:nvPr/>
-        </p:nvPicPr>
-        <p:blipFill>
-          <a:blip r:embed="rId3">
-            <a:extLst>
-              <a:ext uri="{28A0092B-C50C-407E-A947-70E740481C1C}">
-                <a14:useLocalDpi xmlns:a14="http://schemas.microsoft.com/office/drawing/2010/main" val="0"/>
-              </a:ext>
-            </a:extLst>
-          </a:blip>
-          <a:stretch>
-            <a:fillRect/>
-          </a:stretch>
-        </p:blipFill>
-        <p:spPr>
-          <a:xfrm>
-            <a:off x="2543175" y="1690688"/>
-            <a:ext cx="7105650" cy="4595812"/>
+          <p:nvPr/>
+        </p:nvSpPr>
+        <p:spPr>
+          <a:xfrm>
+            <a:off x="1524000" y="228600"/>
+            <a:ext cx="9144000" cy="1076480"/>
           </a:xfrm>
           <a:prstGeom prst="rect">
             <a:avLst/>
           </a:prstGeom>
         </p:spPr>
-      </p:pic>
+        <p:txBody>
+          <a:bodyPr vert="horz" lIns="91440" tIns="45720" rIns="91440" bIns="45720" rtlCol="0" anchor="b">
+            <a:normAutofit/>
+          </a:bodyPr>
+          <a:lstStyle>
+            <a:lvl1pPr algn="l" defTabSz="914400" rtl="0" eaLnBrk="1" latinLnBrk="0" hangingPunct="1">
+              <a:lnSpc>
+                <a:spcPct val="90000"/>
+              </a:lnSpc>
+              <a:spcBef>
+                <a:spcPct val="0"/>
+              </a:spcBef>
+              <a:buNone/>
+              <a:defRPr sz="4400" kern="1200">
+                <a:solidFill>
+                  <a:schemeClr val="tx1"/>
+                </a:solidFill>
+                <a:latin typeface="+mj-lt"/>
+                <a:ea typeface="+mj-ea"/>
+                <a:cs typeface="+mj-cs"/>
+              </a:defRPr>
+            </a:lvl1pPr>
+          </a:lstStyle>
+          <a:p>
+            <a:pPr algn="ctr">
+              <a:spcAft>
+                <a:spcPts val="600"/>
+              </a:spcAft>
+            </a:pPr>
+            <a:r>
+              <a:rPr lang="fr-FR" sz="6000" b="1" dirty="0"/>
+              <a:t>Diagramme de Gantt</a:t>
+            </a:r>
+            <a:endParaRPr lang="en-US" sz="6000" b="1" dirty="0"/>
+          </a:p>
+        </p:txBody>
+      </p:sp>
     </p:spTree>
     <p:extLst>
       <p:ext uri="{BB962C8B-B14F-4D97-AF65-F5344CB8AC3E}">
-        <p14:creationId xmlns:p14="http://schemas.microsoft.com/office/powerpoint/2010/main" val="3626107938"/>
+        <p14:creationId xmlns:p14="http://schemas.microsoft.com/office/powerpoint/2010/main" val="2387998976"/>
       </p:ext>
     </p:extLst>
   </p:cSld>
@@ -7742,10 +9504,10 @@
       </p:grpSpPr>
       <p:pic>
         <p:nvPicPr>
-          <p:cNvPr id="7" name="Image 6" descr="Une image contenant table, paire&#10;&#10;Description générée automatiquement">
-            <a:extLst>
-              <a:ext uri="{FF2B5EF4-FFF2-40B4-BE49-F238E27FC236}">
-                <a16:creationId xmlns:a16="http://schemas.microsoft.com/office/drawing/2014/main" id="{E938644E-CF18-4D10-8122-4DEF1BE6F344}"/>
+          <p:cNvPr id="5" name="Image 4" descr="Une image contenant table, paire&#10;&#10;Description générée automatiquement">
+            <a:extLst>
+              <a:ext uri="{FF2B5EF4-FFF2-40B4-BE49-F238E27FC236}">
+                <a16:creationId xmlns:a16="http://schemas.microsoft.com/office/drawing/2014/main" id="{54EDA2C0-48CE-4DA2-890F-252AC8D48847}"/>
               </a:ext>
             </a:extLst>
           </p:cNvPr>
@@ -7778,10 +9540,10 @@
       </p:pic>
       <p:sp>
         <p:nvSpPr>
-          <p:cNvPr id="5" name="Titre 1">
-            <a:extLst>
-              <a:ext uri="{FF2B5EF4-FFF2-40B4-BE49-F238E27FC236}">
-                <a16:creationId xmlns:a16="http://schemas.microsoft.com/office/drawing/2014/main" id="{782BF964-5F41-42A4-99C2-DF15DED79371}"/>
+          <p:cNvPr id="2" name="Titre 1">
+            <a:extLst>
+              <a:ext uri="{FF2B5EF4-FFF2-40B4-BE49-F238E27FC236}">
+                <a16:creationId xmlns:a16="http://schemas.microsoft.com/office/drawing/2014/main" id="{3B0C423D-65A1-40D8-8751-302A287BBB8F}"/>
               </a:ext>
             </a:extLst>
           </p:cNvPr>
@@ -7792,12 +9554,7 @@
             <p:ph type="title"/>
           </p:nvPr>
         </p:nvSpPr>
-        <p:spPr>
-          <a:xfrm>
-            <a:off x="838200" y="365125"/>
-            <a:ext cx="10515600" cy="1325563"/>
-          </a:xfrm>
-        </p:spPr>
+        <p:spPr/>
         <p:txBody>
           <a:bodyPr/>
           <a:lstStyle/>
@@ -7807,35 +9564,39 @@
               <a:rPr lang="fr-FR" b="1" dirty="0">
                 <a:latin typeface="+mn-lt"/>
               </a:rPr>
-              <a:t>Développement sur Arduino</a:t>
+              <a:t>Mes tâches</a:t>
             </a:r>
           </a:p>
         </p:txBody>
       </p:sp>
       <p:pic>
         <p:nvPicPr>
-          <p:cNvPr id="6" name="Image 5">
-            <a:extLst>
-              <a:ext uri="{FF2B5EF4-FFF2-40B4-BE49-F238E27FC236}">
-                <a16:creationId xmlns:a16="http://schemas.microsoft.com/office/drawing/2014/main" id="{8F65B668-948E-466A-9201-A753825B6D74}"/>
-              </a:ext>
-            </a:extLst>
-          </p:cNvPr>
-          <p:cNvPicPr>
-            <a:picLocks noChangeAspect="1"/>
-          </p:cNvPicPr>
+          <p:cNvPr id="4" name="Image 3">
+            <a:extLst>
+              <a:ext uri="{FF2B5EF4-FFF2-40B4-BE49-F238E27FC236}">
+                <a16:creationId xmlns:a16="http://schemas.microsoft.com/office/drawing/2014/main" id="{B7441BCA-F2F3-49D7-9D50-474CE98A3A2A}"/>
+              </a:ext>
+            </a:extLst>
+          </p:cNvPr>
+          <p:cNvPicPr/>
           <p:nvPr/>
         </p:nvPicPr>
         <p:blipFill>
-          <a:blip r:embed="rId3"/>
+          <a:blip r:embed="rId3">
+            <a:extLst>
+              <a:ext uri="{28A0092B-C50C-407E-A947-70E740481C1C}">
+                <a14:useLocalDpi xmlns:a14="http://schemas.microsoft.com/office/drawing/2010/main" val="0"/>
+              </a:ext>
+            </a:extLst>
+          </a:blip>
           <a:stretch>
             <a:fillRect/>
           </a:stretch>
         </p:blipFill>
         <p:spPr>
           <a:xfrm>
-            <a:off x="1833113" y="2695178"/>
-            <a:ext cx="8525773" cy="1467643"/>
+            <a:off x="2543175" y="1690688"/>
+            <a:ext cx="7105650" cy="4595812"/>
           </a:xfrm>
           <a:prstGeom prst="rect">
             <a:avLst/>
@@ -7845,7 +9606,7 @@
     </p:spTree>
     <p:extLst>
       <p:ext uri="{BB962C8B-B14F-4D97-AF65-F5344CB8AC3E}">
-        <p14:creationId xmlns:p14="http://schemas.microsoft.com/office/powerpoint/2010/main" val="1657409770"/>
+        <p14:creationId xmlns:p14="http://schemas.microsoft.com/office/powerpoint/2010/main" val="3626107938"/>
       </p:ext>
     </p:extLst>
   </p:cSld>
@@ -7874,10 +9635,10 @@
       </p:grpSpPr>
       <p:pic>
         <p:nvPicPr>
-          <p:cNvPr id="11" name="Image 10" descr="Une image contenant table, paire&#10;&#10;Description générée automatiquement">
-            <a:extLst>
-              <a:ext uri="{FF2B5EF4-FFF2-40B4-BE49-F238E27FC236}">
-                <a16:creationId xmlns:a16="http://schemas.microsoft.com/office/drawing/2014/main" id="{2D11510A-402F-49FB-A1FB-790272910546}"/>
+          <p:cNvPr id="7" name="Image 6" descr="Une image contenant table, paire&#10;&#10;Description générée automatiquement">
+            <a:extLst>
+              <a:ext uri="{FF2B5EF4-FFF2-40B4-BE49-F238E27FC236}">
+                <a16:creationId xmlns:a16="http://schemas.microsoft.com/office/drawing/2014/main" id="{E938644E-CF18-4D10-8122-4DEF1BE6F344}"/>
               </a:ext>
             </a:extLst>
           </p:cNvPr>
@@ -7910,10 +9671,10 @@
       </p:pic>
       <p:sp>
         <p:nvSpPr>
-          <p:cNvPr id="4" name="Titre 1">
-            <a:extLst>
-              <a:ext uri="{FF2B5EF4-FFF2-40B4-BE49-F238E27FC236}">
-                <a16:creationId xmlns:a16="http://schemas.microsoft.com/office/drawing/2014/main" id="{C9DA7725-D7E8-4BCC-9FDF-A34AF4C0A51D}"/>
+          <p:cNvPr id="5" name="Titre 1">
+            <a:extLst>
+              <a:ext uri="{FF2B5EF4-FFF2-40B4-BE49-F238E27FC236}">
+                <a16:creationId xmlns:a16="http://schemas.microsoft.com/office/drawing/2014/main" id="{782BF964-5F41-42A4-99C2-DF15DED79371}"/>
               </a:ext>
             </a:extLst>
           </p:cNvPr>
@@ -7926,8 +9687,8 @@
         </p:nvSpPr>
         <p:spPr>
           <a:xfrm>
-            <a:off x="897559" y="389990"/>
-            <a:ext cx="10396882" cy="1151965"/>
+            <a:off x="838200" y="365125"/>
+            <a:ext cx="10515600" cy="1325563"/>
           </a:xfrm>
         </p:spPr>
         <p:txBody>
@@ -7937,22 +9698,127 @@
             <a:pPr algn="ctr"/>
             <a:r>
               <a:rPr lang="fr-FR" b="1" dirty="0">
-                <a:solidFill>
-                  <a:schemeClr val="tx1"/>
-                </a:solidFill>
                 <a:latin typeface="+mn-lt"/>
               </a:rPr>
-              <a:t>Mécanisme n°1 : l’échiquier </a:t>
-            </a:r>
+              <a:t>Développement sur Arduino</a:t>
+            </a:r>
+          </a:p>
+        </p:txBody>
+      </p:sp>
+      <p:sp>
+        <p:nvSpPr>
+          <p:cNvPr id="4" name="ZoneTexte 3">
+            <a:extLst>
+              <a:ext uri="{FF2B5EF4-FFF2-40B4-BE49-F238E27FC236}">
+                <a16:creationId xmlns:a16="http://schemas.microsoft.com/office/drawing/2014/main" id="{E2931D2D-2A75-4941-AE67-F83158561FB7}"/>
+              </a:ext>
+            </a:extLst>
+          </p:cNvPr>
+          <p:cNvSpPr txBox="1"/>
+          <p:nvPr/>
+        </p:nvSpPr>
+        <p:spPr>
+          <a:xfrm>
+            <a:off x="2268622" y="2908893"/>
+            <a:ext cx="2066784" cy="307777"/>
+          </a:xfrm>
+          <a:prstGeom prst="rect">
+            <a:avLst/>
+          </a:prstGeom>
+          <a:noFill/>
+        </p:spPr>
+        <p:txBody>
+          <a:bodyPr wrap="none" rtlCol="0">
+            <a:spAutoFit/>
+          </a:bodyPr>
+          <a:lstStyle/>
+          <a:p>
+            <a:r>
+              <a:rPr lang="fr-FR" sz="1400" dirty="0"/>
+              <a:t>Mécanisme 1 : L’échiquier</a:t>
+            </a:r>
+            <a:endParaRPr lang="fr-FR" dirty="0"/>
+          </a:p>
+        </p:txBody>
+      </p:sp>
+      <p:sp>
+        <p:nvSpPr>
+          <p:cNvPr id="8" name="ZoneTexte 7">
+            <a:extLst>
+              <a:ext uri="{FF2B5EF4-FFF2-40B4-BE49-F238E27FC236}">
+                <a16:creationId xmlns:a16="http://schemas.microsoft.com/office/drawing/2014/main" id="{AD5C937A-8040-4DC9-873C-693F65A77CEC}"/>
+              </a:ext>
+            </a:extLst>
+          </p:cNvPr>
+          <p:cNvSpPr txBox="1"/>
+          <p:nvPr/>
+        </p:nvSpPr>
+        <p:spPr>
+          <a:xfrm>
+            <a:off x="2087647" y="3247129"/>
+            <a:ext cx="666336" cy="307777"/>
+          </a:xfrm>
+          <a:prstGeom prst="rect">
+            <a:avLst/>
+          </a:prstGeom>
+          <a:noFill/>
+        </p:spPr>
+        <p:txBody>
+          <a:bodyPr wrap="none" rtlCol="0">
+            <a:spAutoFit/>
+          </a:bodyPr>
+          <a:lstStyle/>
+          <a:p>
+            <a:r>
+              <a:rPr lang="fr-FR" sz="1400" u="sng" dirty="0"/>
+              <a:t>Entrée</a:t>
+            </a:r>
+            <a:endParaRPr lang="fr-FR" u="sng" dirty="0"/>
+          </a:p>
+        </p:txBody>
+      </p:sp>
+      <p:sp>
+        <p:nvSpPr>
+          <p:cNvPr id="9" name="ZoneTexte 8">
+            <a:extLst>
+              <a:ext uri="{FF2B5EF4-FFF2-40B4-BE49-F238E27FC236}">
+                <a16:creationId xmlns:a16="http://schemas.microsoft.com/office/drawing/2014/main" id="{8E9A7E86-1DCA-47C2-812C-1DAEBB9400D9}"/>
+              </a:ext>
+            </a:extLst>
+          </p:cNvPr>
+          <p:cNvSpPr txBox="1"/>
+          <p:nvPr/>
+        </p:nvSpPr>
+        <p:spPr>
+          <a:xfrm>
+            <a:off x="5264080" y="2861255"/>
+            <a:ext cx="1799019" cy="307777"/>
+          </a:xfrm>
+          <a:prstGeom prst="rect">
+            <a:avLst/>
+          </a:prstGeom>
+          <a:noFill/>
+        </p:spPr>
+        <p:txBody>
+          <a:bodyPr wrap="none" rtlCol="0">
+            <a:spAutoFit/>
+          </a:bodyPr>
+          <a:lstStyle/>
+          <a:p>
+            <a:r>
+              <a:rPr lang="fr-FR" sz="1400" u="sng" dirty="0"/>
+              <a:t>Mécanisme 2 : Le Lion</a:t>
+            </a:r>
+            <a:endParaRPr lang="fr-FR" u="sng" dirty="0"/>
           </a:p>
         </p:txBody>
       </p:sp>
       <p:pic>
         <p:nvPicPr>
-          <p:cNvPr id="7" name="Image 6">
-            <a:extLst>
-              <a:ext uri="{FF2B5EF4-FFF2-40B4-BE49-F238E27FC236}">
-                <a16:creationId xmlns:a16="http://schemas.microsoft.com/office/drawing/2014/main" id="{3E25E6BD-BD7B-42CD-85AA-8F3B8B632A89}"/>
+          <p:cNvPr id="10" name="Image 9">
+            <a:extLst>
+              <a:ext uri="{FF2B5EF4-FFF2-40B4-BE49-F238E27FC236}">
+                <a16:creationId xmlns:a16="http://schemas.microsoft.com/office/drawing/2014/main" id="{621CCEA5-69D0-47BF-A7D1-AD23B47F8A2D}"/>
               </a:ext>
             </a:extLst>
           </p:cNvPr>
@@ -7969,108 +9835,198 @@
         </p:blipFill>
         <p:spPr>
           <a:xfrm>
-            <a:off x="6996113" y="1541953"/>
-            <a:ext cx="3381375" cy="2695575"/>
+            <a:off x="1601723" y="4472923"/>
+            <a:ext cx="8535591" cy="1467055"/>
           </a:xfrm>
           <a:prstGeom prst="rect">
             <a:avLst/>
           </a:prstGeom>
         </p:spPr>
       </p:pic>
-      <p:pic>
-        <p:nvPicPr>
-          <p:cNvPr id="8" name="Image 7">
-            <a:extLst>
-              <a:ext uri="{FF2B5EF4-FFF2-40B4-BE49-F238E27FC236}">
-                <a16:creationId xmlns:a16="http://schemas.microsoft.com/office/drawing/2014/main" id="{0E8D0641-155D-42EE-AB58-DE3D48C7D642}"/>
-              </a:ext>
-            </a:extLst>
-          </p:cNvPr>
-          <p:cNvPicPr>
-            <a:picLocks noChangeAspect="1"/>
-          </p:cNvPicPr>
-          <p:nvPr/>
-        </p:nvPicPr>
-        <p:blipFill>
-          <a:blip r:embed="rId4"/>
-          <a:stretch>
-            <a:fillRect/>
-          </a:stretch>
-        </p:blipFill>
-        <p:spPr>
-          <a:xfrm>
-            <a:off x="8105258" y="4782647"/>
-            <a:ext cx="2272230" cy="1685363"/>
+      <p:sp>
+        <p:nvSpPr>
+          <p:cNvPr id="11" name="ZoneTexte 10">
+            <a:extLst>
+              <a:ext uri="{FF2B5EF4-FFF2-40B4-BE49-F238E27FC236}">
+                <a16:creationId xmlns:a16="http://schemas.microsoft.com/office/drawing/2014/main" id="{FF4C78C3-4F54-4A9B-9BC5-5036DC9CD23C}"/>
+              </a:ext>
+            </a:extLst>
+          </p:cNvPr>
+          <p:cNvSpPr txBox="1"/>
+          <p:nvPr/>
+        </p:nvSpPr>
+        <p:spPr>
+          <a:xfrm>
+            <a:off x="6805425" y="3247128"/>
+            <a:ext cx="615874" cy="307777"/>
           </a:xfrm>
           <a:prstGeom prst="rect">
             <a:avLst/>
           </a:prstGeom>
-        </p:spPr>
-      </p:pic>
-      <p:pic>
-        <p:nvPicPr>
-          <p:cNvPr id="9" name="Image 8">
-            <a:extLst>
-              <a:ext uri="{FF2B5EF4-FFF2-40B4-BE49-F238E27FC236}">
-                <a16:creationId xmlns:a16="http://schemas.microsoft.com/office/drawing/2014/main" id="{DCC1F621-3787-4502-B2E6-FA7494709D1B}"/>
-              </a:ext>
-            </a:extLst>
-          </p:cNvPr>
-          <p:cNvPicPr>
-            <a:picLocks noChangeAspect="1"/>
-          </p:cNvPicPr>
-          <p:nvPr/>
-        </p:nvPicPr>
-        <p:blipFill>
-          <a:blip r:embed="rId5"/>
-          <a:stretch>
-            <a:fillRect/>
-          </a:stretch>
-        </p:blipFill>
-        <p:spPr>
-          <a:xfrm>
-            <a:off x="1814512" y="4634728"/>
-            <a:ext cx="5734050" cy="1981200"/>
+          <a:noFill/>
+        </p:spPr>
+        <p:txBody>
+          <a:bodyPr wrap="none" rtlCol="0">
+            <a:spAutoFit/>
+          </a:bodyPr>
+          <a:lstStyle/>
+          <a:p>
+            <a:r>
+              <a:rPr lang="fr-FR" sz="1400" u="sng" dirty="0"/>
+              <a:t>Sortie</a:t>
+            </a:r>
+            <a:endParaRPr lang="fr-FR" u="sng" dirty="0"/>
+          </a:p>
+        </p:txBody>
+      </p:sp>
+      <p:sp>
+        <p:nvSpPr>
+          <p:cNvPr id="12" name="ZoneTexte 11">
+            <a:extLst>
+              <a:ext uri="{FF2B5EF4-FFF2-40B4-BE49-F238E27FC236}">
+                <a16:creationId xmlns:a16="http://schemas.microsoft.com/office/drawing/2014/main" id="{3FE6B700-9568-40D7-BBF0-F657FFE56B3B}"/>
+              </a:ext>
+            </a:extLst>
+          </p:cNvPr>
+          <p:cNvSpPr txBox="1"/>
+          <p:nvPr/>
+        </p:nvSpPr>
+        <p:spPr>
+          <a:xfrm>
+            <a:off x="4890900" y="3247127"/>
+            <a:ext cx="615874" cy="307777"/>
           </a:xfrm>
           <a:prstGeom prst="rect">
             <a:avLst/>
           </a:prstGeom>
-        </p:spPr>
-      </p:pic>
-      <p:pic>
-        <p:nvPicPr>
-          <p:cNvPr id="10" name="Image 9">
-            <a:extLst>
-              <a:ext uri="{FF2B5EF4-FFF2-40B4-BE49-F238E27FC236}">
-                <a16:creationId xmlns:a16="http://schemas.microsoft.com/office/drawing/2014/main" id="{203CC351-552D-4FB9-89E3-DA88C189D539}"/>
-              </a:ext>
-            </a:extLst>
-          </p:cNvPr>
-          <p:cNvPicPr>
-            <a:picLocks noChangeAspect="1"/>
-          </p:cNvPicPr>
-          <p:nvPr/>
-        </p:nvPicPr>
-        <p:blipFill>
-          <a:blip r:embed="rId6"/>
-          <a:stretch>
-            <a:fillRect/>
-          </a:stretch>
-        </p:blipFill>
-        <p:spPr>
-          <a:xfrm>
-            <a:off x="1627499" y="1541953"/>
-            <a:ext cx="4638675" cy="2695574"/>
+          <a:noFill/>
+        </p:spPr>
+        <p:txBody>
+          <a:bodyPr wrap="none" rtlCol="0">
+            <a:spAutoFit/>
+          </a:bodyPr>
+          <a:lstStyle/>
+          <a:p>
+            <a:r>
+              <a:rPr lang="fr-FR" sz="1400" u="sng" dirty="0"/>
+              <a:t>Sortie</a:t>
+            </a:r>
+            <a:endParaRPr lang="fr-FR" u="sng" dirty="0"/>
+          </a:p>
+        </p:txBody>
+      </p:sp>
+      <p:sp>
+        <p:nvSpPr>
+          <p:cNvPr id="13" name="ZoneTexte 12">
+            <a:extLst>
+              <a:ext uri="{FF2B5EF4-FFF2-40B4-BE49-F238E27FC236}">
+                <a16:creationId xmlns:a16="http://schemas.microsoft.com/office/drawing/2014/main" id="{9A9B53F9-3E55-454C-AECC-A7D0E8FE24D9}"/>
+              </a:ext>
+            </a:extLst>
+          </p:cNvPr>
+          <p:cNvSpPr txBox="1"/>
+          <p:nvPr/>
+        </p:nvSpPr>
+        <p:spPr>
+          <a:xfrm>
+            <a:off x="9521440" y="3247127"/>
+            <a:ext cx="615874" cy="307777"/>
           </a:xfrm>
           <a:prstGeom prst="rect">
             <a:avLst/>
           </a:prstGeom>
-        </p:spPr>
-      </p:pic>
+          <a:noFill/>
+        </p:spPr>
+        <p:txBody>
+          <a:bodyPr wrap="none" rtlCol="0">
+            <a:spAutoFit/>
+          </a:bodyPr>
+          <a:lstStyle/>
+          <a:p>
+            <a:r>
+              <a:rPr lang="fr-FR" sz="1400" u="sng" dirty="0"/>
+              <a:t>Sortie</a:t>
+            </a:r>
+            <a:endParaRPr lang="fr-FR" u="sng" dirty="0"/>
+          </a:p>
+        </p:txBody>
+      </p:sp>
+      <p:sp>
+        <p:nvSpPr>
+          <p:cNvPr id="14" name="ZoneTexte 13">
+            <a:extLst>
+              <a:ext uri="{FF2B5EF4-FFF2-40B4-BE49-F238E27FC236}">
+                <a16:creationId xmlns:a16="http://schemas.microsoft.com/office/drawing/2014/main" id="{C8D4B3C1-89DA-4BB3-90F2-DA4F2EC0B482}"/>
+              </a:ext>
+            </a:extLst>
+          </p:cNvPr>
+          <p:cNvSpPr txBox="1"/>
+          <p:nvPr/>
+        </p:nvSpPr>
+        <p:spPr>
+          <a:xfrm>
+            <a:off x="7638017" y="3247127"/>
+            <a:ext cx="666336" cy="307777"/>
+          </a:xfrm>
+          <a:prstGeom prst="rect">
+            <a:avLst/>
+          </a:prstGeom>
+          <a:noFill/>
+        </p:spPr>
+        <p:txBody>
+          <a:bodyPr wrap="none" rtlCol="0">
+            <a:spAutoFit/>
+          </a:bodyPr>
+          <a:lstStyle/>
+          <a:p>
+            <a:r>
+              <a:rPr lang="fr-FR" sz="1400" u="sng" dirty="0"/>
+              <a:t>Entrée</a:t>
+            </a:r>
+            <a:endParaRPr lang="fr-FR" u="sng" dirty="0"/>
+          </a:p>
+        </p:txBody>
+      </p:sp>
+      <p:sp>
+        <p:nvSpPr>
+          <p:cNvPr id="15" name="ZoneTexte 14">
+            <a:extLst>
+              <a:ext uri="{FF2B5EF4-FFF2-40B4-BE49-F238E27FC236}">
+                <a16:creationId xmlns:a16="http://schemas.microsoft.com/office/drawing/2014/main" id="{8655BAC2-2D29-4706-B374-BDFF3940D565}"/>
+              </a:ext>
+            </a:extLst>
+          </p:cNvPr>
+          <p:cNvSpPr txBox="1"/>
+          <p:nvPr/>
+        </p:nvSpPr>
+        <p:spPr>
+          <a:xfrm>
+            <a:off x="7638017" y="2909753"/>
+            <a:ext cx="2489912" cy="307777"/>
+          </a:xfrm>
+          <a:prstGeom prst="rect">
+            <a:avLst/>
+          </a:prstGeom>
+          <a:noFill/>
+        </p:spPr>
+        <p:txBody>
+          <a:bodyPr wrap="none" rtlCol="0">
+            <a:spAutoFit/>
+          </a:bodyPr>
+          <a:lstStyle/>
+          <a:p>
+            <a:r>
+              <a:rPr lang="fr-FR" sz="1400" u="sng" dirty="0"/>
+              <a:t>Mécanisme 2 : L’élément TERRE</a:t>
+            </a:r>
+            <a:endParaRPr lang="fr-FR" u="sng" dirty="0"/>
+          </a:p>
+        </p:txBody>
+      </p:sp>
     </p:spTree>
     <p:extLst>
       <p:ext uri="{BB962C8B-B14F-4D97-AF65-F5344CB8AC3E}">
-        <p14:creationId xmlns:p14="http://schemas.microsoft.com/office/powerpoint/2010/main" val="3952880323"/>
+        <p14:creationId xmlns:p14="http://schemas.microsoft.com/office/powerpoint/2010/main" val="1657409770"/>
       </p:ext>
     </p:extLst>
   </p:cSld>
@@ -8099,10 +10055,10 @@
       </p:grpSpPr>
       <p:pic>
         <p:nvPicPr>
-          <p:cNvPr id="36" name="Image 35" descr="Une image contenant table, paire&#10;&#10;Description générée automatiquement">
-            <a:extLst>
-              <a:ext uri="{FF2B5EF4-FFF2-40B4-BE49-F238E27FC236}">
-                <a16:creationId xmlns:a16="http://schemas.microsoft.com/office/drawing/2014/main" id="{A156923A-8DF4-4078-94DF-E315267FCF0F}"/>
+          <p:cNvPr id="11" name="Image 10" descr="Une image contenant table, paire&#10;&#10;Description générée automatiquement">
+            <a:extLst>
+              <a:ext uri="{FF2B5EF4-FFF2-40B4-BE49-F238E27FC236}">
+                <a16:creationId xmlns:a16="http://schemas.microsoft.com/office/drawing/2014/main" id="{2D11510A-402F-49FB-A1FB-790272910546}"/>
               </a:ext>
             </a:extLst>
           </p:cNvPr>
@@ -8133,12 +10089,51 @@
           </a:prstGeom>
         </p:spPr>
       </p:pic>
+      <p:sp>
+        <p:nvSpPr>
+          <p:cNvPr id="4" name="Titre 1">
+            <a:extLst>
+              <a:ext uri="{FF2B5EF4-FFF2-40B4-BE49-F238E27FC236}">
+                <a16:creationId xmlns:a16="http://schemas.microsoft.com/office/drawing/2014/main" id="{C9DA7725-D7E8-4BCC-9FDF-A34AF4C0A51D}"/>
+              </a:ext>
+            </a:extLst>
+          </p:cNvPr>
+          <p:cNvSpPr>
+            <a:spLocks noGrp="1"/>
+          </p:cNvSpPr>
+          <p:nvPr>
+            <p:ph type="title"/>
+          </p:nvPr>
+        </p:nvSpPr>
+        <p:spPr>
+          <a:xfrm>
+            <a:off x="897559" y="389990"/>
+            <a:ext cx="10396882" cy="1151965"/>
+          </a:xfrm>
+        </p:spPr>
+        <p:txBody>
+          <a:bodyPr/>
+          <a:lstStyle/>
+          <a:p>
+            <a:pPr algn="ctr"/>
+            <a:r>
+              <a:rPr lang="fr-FR" b="1" dirty="0">
+                <a:solidFill>
+                  <a:schemeClr val="tx1"/>
+                </a:solidFill>
+                <a:latin typeface="+mn-lt"/>
+              </a:rPr>
+              <a:t>Mécanisme n°1 : l’échiquier </a:t>
+            </a:r>
+          </a:p>
+        </p:txBody>
+      </p:sp>
       <p:pic>
         <p:nvPicPr>
-          <p:cNvPr id="4" name="Image 3">
-            <a:extLst>
-              <a:ext uri="{FF2B5EF4-FFF2-40B4-BE49-F238E27FC236}">
-                <a16:creationId xmlns:a16="http://schemas.microsoft.com/office/drawing/2014/main" id="{6805F5BA-C8D9-42B8-9C92-898C42B99EC9}"/>
+          <p:cNvPr id="8" name="Image 7">
+            <a:extLst>
+              <a:ext uri="{FF2B5EF4-FFF2-40B4-BE49-F238E27FC236}">
+                <a16:creationId xmlns:a16="http://schemas.microsoft.com/office/drawing/2014/main" id="{0E8D0641-155D-42EE-AB58-DE3D48C7D642}"/>
               </a:ext>
             </a:extLst>
           </p:cNvPr>
@@ -8148,21 +10143,15 @@
           <p:nvPr/>
         </p:nvPicPr>
         <p:blipFill>
-          <a:blip r:embed="rId3">
-            <a:extLst>
-              <a:ext uri="{28A0092B-C50C-407E-A947-70E740481C1C}">
-                <a14:useLocalDpi xmlns:a14="http://schemas.microsoft.com/office/drawing/2010/main" val="0"/>
-              </a:ext>
-            </a:extLst>
-          </a:blip>
+          <a:blip r:embed="rId3"/>
           <a:stretch>
             <a:fillRect/>
           </a:stretch>
         </p:blipFill>
         <p:spPr>
           <a:xfrm>
-            <a:off x="1595496" y="1704733"/>
-            <a:ext cx="9001008" cy="4763277"/>
+            <a:off x="8105258" y="4782647"/>
+            <a:ext cx="2272230" cy="1685363"/>
           </a:xfrm>
           <a:prstGeom prst="rect">
             <a:avLst/>
@@ -8171,68 +10160,591 @@
       </p:pic>
       <p:sp>
         <p:nvSpPr>
-          <p:cNvPr id="33" name="Titre 1">
-            <a:extLst>
-              <a:ext uri="{FF2B5EF4-FFF2-40B4-BE49-F238E27FC236}">
-                <a16:creationId xmlns:a16="http://schemas.microsoft.com/office/drawing/2014/main" id="{D7D47A08-2BF9-44C3-9F77-2D2D4A0332FD}"/>
-              </a:ext>
-            </a:extLst>
-          </p:cNvPr>
-          <p:cNvSpPr txBox="1">
-            <a:spLocks/>
-          </p:cNvSpPr>
-          <p:nvPr/>
-        </p:nvSpPr>
-        <p:spPr>
-          <a:xfrm>
-            <a:off x="897559" y="389990"/>
-            <a:ext cx="10396882" cy="1151965"/>
+          <p:cNvPr id="12" name="ZoneTexte 11">
+            <a:extLst>
+              <a:ext uri="{FF2B5EF4-FFF2-40B4-BE49-F238E27FC236}">
+                <a16:creationId xmlns:a16="http://schemas.microsoft.com/office/drawing/2014/main" id="{F400A4EF-B3AF-439C-A197-C7E02C2A0EC5}"/>
+              </a:ext>
+            </a:extLst>
+          </p:cNvPr>
+          <p:cNvSpPr txBox="1"/>
+          <p:nvPr/>
+        </p:nvSpPr>
+        <p:spPr>
+          <a:xfrm>
+            <a:off x="897559" y="1541953"/>
+            <a:ext cx="4640373" cy="2308324"/>
           </a:xfrm>
           <a:prstGeom prst="rect">
             <a:avLst/>
           </a:prstGeom>
-        </p:spPr>
-        <p:txBody>
-          <a:bodyPr vert="horz" lIns="91440" tIns="45720" rIns="91440" bIns="45720" rtlCol="0" anchor="ctr">
-            <a:normAutofit/>
+          <a:noFill/>
+        </p:spPr>
+        <p:txBody>
+          <a:bodyPr wrap="none" rtlCol="0">
+            <a:spAutoFit/>
           </a:bodyPr>
-          <a:lstStyle>
-            <a:lvl1pPr algn="l" defTabSz="914400" rtl="0" eaLnBrk="1" latinLnBrk="0" hangingPunct="1">
-              <a:lnSpc>
-                <a:spcPct val="90000"/>
-              </a:lnSpc>
-              <a:spcBef>
-                <a:spcPct val="0"/>
-              </a:spcBef>
-              <a:buNone/>
-              <a:defRPr sz="4400" kern="1200">
+          <a:lstStyle/>
+          <a:p>
+            <a:r>
+              <a:rPr lang="fr-FR" sz="1400" dirty="0">
                 <a:solidFill>
-                  <a:schemeClr val="tx1"/>
+                  <a:srgbClr val="0070C0"/>
                 </a:solidFill>
-                <a:latin typeface="+mj-lt"/>
-                <a:ea typeface="+mj-ea"/>
-                <a:cs typeface="+mj-cs"/>
-              </a:defRPr>
-            </a:lvl1pPr>
-          </a:lstStyle>
-          <a:p>
-            <a:pPr algn="ctr"/>
-            <a:r>
-              <a:rPr lang="fr-FR" b="1">
-                <a:latin typeface="+mn-lt"/>
               </a:rPr>
-              <a:t>Mécanisme n°1 : l’échiquier </a:t>
-            </a:r>
-            <a:endParaRPr lang="fr-FR" b="1" dirty="0">
-              <a:latin typeface="+mn-lt"/>
+              <a:t>Entrées :</a:t>
+            </a:r>
+          </a:p>
+          <a:p>
+            <a:r>
+              <a:rPr lang="fr-FR" sz="1400" dirty="0">
+                <a:solidFill>
+                  <a:srgbClr val="0070C0"/>
+                </a:solidFill>
+              </a:rPr>
+              <a:t>	</a:t>
+            </a:r>
+            <a:r>
+              <a:rPr lang="fr-FR" sz="1400" dirty="0"/>
+              <a:t>● E1</a:t>
+            </a:r>
+          </a:p>
+          <a:p>
+            <a:pPr marL="1657350" lvl="3" indent="-285750">
+              <a:buFont typeface="Courier New" panose="02070309020205020404" pitchFamily="49" charset="0"/>
+              <a:buChar char="o"/>
+            </a:pPr>
+            <a:r>
+              <a:rPr lang="fr-FR" sz="1400" dirty="0"/>
+              <a:t>Type de capteur : </a:t>
+            </a:r>
+            <a:r>
+              <a:rPr lang="fr-FR" sz="1400" dirty="0">
+                <a:solidFill>
+                  <a:schemeClr val="accent6">
+                    <a:lumMod val="50000"/>
+                  </a:schemeClr>
+                </a:solidFill>
+              </a:rPr>
+              <a:t>Capteur effet Hall</a:t>
+            </a:r>
+          </a:p>
+          <a:p>
+            <a:pPr marL="1657350" lvl="3" indent="-285750">
+              <a:buFont typeface="Courier New" panose="02070309020205020404" pitchFamily="49" charset="0"/>
+              <a:buChar char="o"/>
+            </a:pPr>
+            <a:r>
+              <a:rPr lang="fr-FR" sz="1400" dirty="0"/>
+              <a:t>Référence : </a:t>
+            </a:r>
+            <a:r>
+              <a:rPr lang="fr-FR" sz="1400" dirty="0">
+                <a:solidFill>
+                  <a:srgbClr val="0070C0"/>
+                </a:solidFill>
+              </a:rPr>
+              <a:t>Capteur à effet Hall A3144</a:t>
+            </a:r>
+          </a:p>
+          <a:p>
+            <a:pPr marL="1657350" lvl="3" indent="-285750">
+              <a:buFont typeface="Courier New" panose="02070309020205020404" pitchFamily="49" charset="0"/>
+              <a:buChar char="o"/>
+            </a:pPr>
+            <a:endParaRPr lang="fr-FR" sz="1400" dirty="0">
+              <a:solidFill>
+                <a:srgbClr val="0070C0"/>
+              </a:solidFill>
             </a:endParaRPr>
           </a:p>
-        </p:txBody>
-      </p:sp>
+          <a:p>
+            <a:pPr marL="1657350" lvl="3" indent="-285750">
+              <a:buFont typeface="Courier New" panose="02070309020205020404" pitchFamily="49" charset="0"/>
+              <a:buChar char="o"/>
+            </a:pPr>
+            <a:endParaRPr lang="fr-FR" sz="1400" dirty="0">
+              <a:solidFill>
+                <a:srgbClr val="0070C0"/>
+              </a:solidFill>
+            </a:endParaRPr>
+          </a:p>
+          <a:p>
+            <a:pPr marL="1657350" lvl="3" indent="-285750">
+              <a:buFont typeface="Courier New" panose="02070309020205020404" pitchFamily="49" charset="0"/>
+              <a:buChar char="o"/>
+            </a:pPr>
+            <a:endParaRPr lang="fr-FR" sz="1400" dirty="0">
+              <a:solidFill>
+                <a:srgbClr val="0070C0"/>
+              </a:solidFill>
+            </a:endParaRPr>
+          </a:p>
+          <a:p>
+            <a:pPr marL="1657350" lvl="3" indent="-285750">
+              <a:buFont typeface="Courier New" panose="02070309020205020404" pitchFamily="49" charset="0"/>
+              <a:buChar char="o"/>
+            </a:pPr>
+            <a:endParaRPr lang="fr-FR" sz="1400" dirty="0">
+              <a:solidFill>
+                <a:srgbClr val="0070C0"/>
+              </a:solidFill>
+            </a:endParaRPr>
+          </a:p>
+          <a:p>
+            <a:pPr marL="1657350" lvl="3" indent="-285750">
+              <a:buFont typeface="Courier New" panose="02070309020205020404" pitchFamily="49" charset="0"/>
+              <a:buChar char="o"/>
+            </a:pPr>
+            <a:r>
+              <a:rPr lang="fr-FR" sz="1400" dirty="0"/>
+              <a:t>Signal : </a:t>
+            </a:r>
+            <a:r>
+              <a:rPr lang="fr-FR" sz="1400" dirty="0">
+                <a:solidFill>
+                  <a:srgbClr val="0070C0"/>
+                </a:solidFill>
+              </a:rPr>
+              <a:t>Numérique</a:t>
+            </a:r>
+          </a:p>
+          <a:p>
+            <a:pPr marL="1657350" lvl="3" indent="-285750">
+              <a:buFont typeface="Courier New" panose="02070309020205020404" pitchFamily="49" charset="0"/>
+              <a:buChar char="o"/>
+            </a:pPr>
+            <a:r>
+              <a:rPr lang="fr-FR" sz="1400" dirty="0"/>
+              <a:t>Voltage : </a:t>
+            </a:r>
+            <a:r>
+              <a:rPr lang="fr-FR" sz="1400" dirty="0">
+                <a:solidFill>
+                  <a:schemeClr val="accent6">
+                    <a:lumMod val="50000"/>
+                  </a:schemeClr>
+                </a:solidFill>
+              </a:rPr>
+              <a:t>0-5V</a:t>
+            </a:r>
+            <a:r>
+              <a:rPr lang="fr-FR" dirty="0"/>
+              <a:t>		 </a:t>
+            </a:r>
+          </a:p>
+        </p:txBody>
+      </p:sp>
+      <p:sp>
+        <p:nvSpPr>
+          <p:cNvPr id="13" name="ZoneTexte 12">
+            <a:extLst>
+              <a:ext uri="{FF2B5EF4-FFF2-40B4-BE49-F238E27FC236}">
+                <a16:creationId xmlns:a16="http://schemas.microsoft.com/office/drawing/2014/main" id="{DACC1E0A-505A-4DA8-9EA2-FCE95E92F502}"/>
+              </a:ext>
+            </a:extLst>
+          </p:cNvPr>
+          <p:cNvSpPr txBox="1"/>
+          <p:nvPr/>
+        </p:nvSpPr>
+        <p:spPr>
+          <a:xfrm>
+            <a:off x="5869609" y="1780078"/>
+            <a:ext cx="4640373" cy="2308324"/>
+          </a:xfrm>
+          <a:prstGeom prst="rect">
+            <a:avLst/>
+          </a:prstGeom>
+          <a:noFill/>
+        </p:spPr>
+        <p:txBody>
+          <a:bodyPr wrap="none" rtlCol="0">
+            <a:spAutoFit/>
+          </a:bodyPr>
+          <a:lstStyle/>
+          <a:p>
+            <a:r>
+              <a:rPr lang="fr-FR" sz="1400" dirty="0">
+                <a:solidFill>
+                  <a:srgbClr val="0070C0"/>
+                </a:solidFill>
+              </a:rPr>
+              <a:t>Entrées :</a:t>
+            </a:r>
+          </a:p>
+          <a:p>
+            <a:r>
+              <a:rPr lang="fr-FR" sz="1400" dirty="0">
+                <a:solidFill>
+                  <a:srgbClr val="0070C0"/>
+                </a:solidFill>
+              </a:rPr>
+              <a:t>	</a:t>
+            </a:r>
+            <a:r>
+              <a:rPr lang="fr-FR" sz="1400" dirty="0"/>
+              <a:t>● E2</a:t>
+            </a:r>
+          </a:p>
+          <a:p>
+            <a:pPr marL="1657350" lvl="3" indent="-285750">
+              <a:buFont typeface="Courier New" panose="02070309020205020404" pitchFamily="49" charset="0"/>
+              <a:buChar char="o"/>
+            </a:pPr>
+            <a:r>
+              <a:rPr lang="fr-FR" sz="1400" dirty="0"/>
+              <a:t>Type de capteur : </a:t>
+            </a:r>
+            <a:r>
+              <a:rPr lang="fr-FR" sz="1400" dirty="0">
+                <a:solidFill>
+                  <a:schemeClr val="accent6">
+                    <a:lumMod val="50000"/>
+                  </a:schemeClr>
+                </a:solidFill>
+              </a:rPr>
+              <a:t>Capteur effet Hall</a:t>
+            </a:r>
+          </a:p>
+          <a:p>
+            <a:pPr marL="1657350" lvl="3" indent="-285750">
+              <a:buFont typeface="Courier New" panose="02070309020205020404" pitchFamily="49" charset="0"/>
+              <a:buChar char="o"/>
+            </a:pPr>
+            <a:r>
+              <a:rPr lang="fr-FR" sz="1400" dirty="0"/>
+              <a:t>Référence : </a:t>
+            </a:r>
+            <a:r>
+              <a:rPr lang="fr-FR" sz="1400" dirty="0">
+                <a:solidFill>
+                  <a:srgbClr val="0070C0"/>
+                </a:solidFill>
+              </a:rPr>
+              <a:t>Capteur à effet Hall A3144</a:t>
+            </a:r>
+          </a:p>
+          <a:p>
+            <a:pPr marL="1657350" lvl="3" indent="-285750">
+              <a:buFont typeface="Courier New" panose="02070309020205020404" pitchFamily="49" charset="0"/>
+              <a:buChar char="o"/>
+            </a:pPr>
+            <a:endParaRPr lang="fr-FR" sz="1400" dirty="0">
+              <a:solidFill>
+                <a:srgbClr val="0070C0"/>
+              </a:solidFill>
+            </a:endParaRPr>
+          </a:p>
+          <a:p>
+            <a:pPr marL="1657350" lvl="3" indent="-285750">
+              <a:buFont typeface="Courier New" panose="02070309020205020404" pitchFamily="49" charset="0"/>
+              <a:buChar char="o"/>
+            </a:pPr>
+            <a:endParaRPr lang="fr-FR" sz="1400" dirty="0">
+              <a:solidFill>
+                <a:srgbClr val="0070C0"/>
+              </a:solidFill>
+            </a:endParaRPr>
+          </a:p>
+          <a:p>
+            <a:pPr marL="1657350" lvl="3" indent="-285750">
+              <a:buFont typeface="Courier New" panose="02070309020205020404" pitchFamily="49" charset="0"/>
+              <a:buChar char="o"/>
+            </a:pPr>
+            <a:endParaRPr lang="fr-FR" sz="1400" dirty="0">
+              <a:solidFill>
+                <a:srgbClr val="0070C0"/>
+              </a:solidFill>
+            </a:endParaRPr>
+          </a:p>
+          <a:p>
+            <a:pPr marL="1657350" lvl="3" indent="-285750">
+              <a:buFont typeface="Courier New" panose="02070309020205020404" pitchFamily="49" charset="0"/>
+              <a:buChar char="o"/>
+            </a:pPr>
+            <a:endParaRPr lang="fr-FR" sz="1400" dirty="0">
+              <a:solidFill>
+                <a:srgbClr val="0070C0"/>
+              </a:solidFill>
+            </a:endParaRPr>
+          </a:p>
+          <a:p>
+            <a:pPr marL="1657350" lvl="3" indent="-285750">
+              <a:buFont typeface="Courier New" panose="02070309020205020404" pitchFamily="49" charset="0"/>
+              <a:buChar char="o"/>
+            </a:pPr>
+            <a:r>
+              <a:rPr lang="fr-FR" sz="1400" dirty="0"/>
+              <a:t>Signal : </a:t>
+            </a:r>
+            <a:r>
+              <a:rPr lang="fr-FR" sz="1400" dirty="0">
+                <a:solidFill>
+                  <a:srgbClr val="0070C0"/>
+                </a:solidFill>
+              </a:rPr>
+              <a:t>Numérique</a:t>
+            </a:r>
+          </a:p>
+          <a:p>
+            <a:pPr marL="1657350" lvl="3" indent="-285750">
+              <a:buFont typeface="Courier New" panose="02070309020205020404" pitchFamily="49" charset="0"/>
+              <a:buChar char="o"/>
+            </a:pPr>
+            <a:r>
+              <a:rPr lang="fr-FR" sz="1400" dirty="0"/>
+              <a:t>Voltage : </a:t>
+            </a:r>
+            <a:r>
+              <a:rPr lang="fr-FR" sz="1400" dirty="0">
+                <a:solidFill>
+                  <a:schemeClr val="accent6">
+                    <a:lumMod val="50000"/>
+                  </a:schemeClr>
+                </a:solidFill>
+              </a:rPr>
+              <a:t>0-5V</a:t>
+            </a:r>
+            <a:r>
+              <a:rPr lang="fr-FR" dirty="0"/>
+              <a:t>		 </a:t>
+            </a:r>
+          </a:p>
+        </p:txBody>
+      </p:sp>
+      <p:pic>
+        <p:nvPicPr>
+          <p:cNvPr id="14" name="Image 13">
+            <a:extLst>
+              <a:ext uri="{FF2B5EF4-FFF2-40B4-BE49-F238E27FC236}">
+                <a16:creationId xmlns:a16="http://schemas.microsoft.com/office/drawing/2014/main" id="{96308356-2ADA-43FC-91E4-1994E92F69A3}"/>
+              </a:ext>
+            </a:extLst>
+          </p:cNvPr>
+          <p:cNvPicPr>
+            <a:picLocks noChangeAspect="1"/>
+          </p:cNvPicPr>
+          <p:nvPr/>
+        </p:nvPicPr>
+        <p:blipFill>
+          <a:blip r:embed="rId4"/>
+          <a:stretch>
+            <a:fillRect/>
+          </a:stretch>
+        </p:blipFill>
+        <p:spPr>
+          <a:xfrm>
+            <a:off x="1580636" y="1371343"/>
+            <a:ext cx="4515364" cy="2392123"/>
+          </a:xfrm>
+          <a:prstGeom prst="rect">
+            <a:avLst/>
+          </a:prstGeom>
+        </p:spPr>
+      </p:pic>
+      <p:pic>
+        <p:nvPicPr>
+          <p:cNvPr id="15" name="Image 14">
+            <a:extLst>
+              <a:ext uri="{FF2B5EF4-FFF2-40B4-BE49-F238E27FC236}">
+                <a16:creationId xmlns:a16="http://schemas.microsoft.com/office/drawing/2014/main" id="{2F8A4A6A-30EA-4A74-B232-A0C296884549}"/>
+              </a:ext>
+            </a:extLst>
+          </p:cNvPr>
+          <p:cNvPicPr>
+            <a:picLocks noChangeAspect="1"/>
+          </p:cNvPicPr>
+          <p:nvPr/>
+        </p:nvPicPr>
+        <p:blipFill>
+          <a:blip r:embed="rId4"/>
+          <a:stretch>
+            <a:fillRect/>
+          </a:stretch>
+        </p:blipFill>
+        <p:spPr>
+          <a:xfrm>
+            <a:off x="6514072" y="1550735"/>
+            <a:ext cx="4515364" cy="2392123"/>
+          </a:xfrm>
+          <a:prstGeom prst="rect">
+            <a:avLst/>
+          </a:prstGeom>
+        </p:spPr>
+      </p:pic>
+      <p:sp>
+        <p:nvSpPr>
+          <p:cNvPr id="16" name="ZoneTexte 15">
+            <a:extLst>
+              <a:ext uri="{FF2B5EF4-FFF2-40B4-BE49-F238E27FC236}">
+                <a16:creationId xmlns:a16="http://schemas.microsoft.com/office/drawing/2014/main" id="{78133D04-7A94-46AF-BD1A-FDB85C47B8FD}"/>
+              </a:ext>
+            </a:extLst>
+          </p:cNvPr>
+          <p:cNvSpPr txBox="1"/>
+          <p:nvPr/>
+        </p:nvSpPr>
+        <p:spPr>
+          <a:xfrm>
+            <a:off x="261820" y="4168695"/>
+            <a:ext cx="5911850" cy="1015663"/>
+          </a:xfrm>
+          <a:prstGeom prst="rect">
+            <a:avLst/>
+          </a:prstGeom>
+          <a:noFill/>
+        </p:spPr>
+        <p:txBody>
+          <a:bodyPr wrap="square" rtlCol="0">
+            <a:spAutoFit/>
+          </a:bodyPr>
+          <a:lstStyle/>
+          <a:p>
+            <a:pPr marL="742950" lvl="1" indent="-285750">
+              <a:buFont typeface="Arial" panose="020B0604020202020204" pitchFamily="34" charset="0"/>
+              <a:buChar char="•"/>
+            </a:pPr>
+            <a:r>
+              <a:rPr lang="fr-FR" sz="1400" dirty="0"/>
+              <a:t>S1</a:t>
+            </a:r>
+          </a:p>
+          <a:p>
+            <a:pPr marL="1200150" lvl="2" indent="-285750">
+              <a:buFont typeface="Courier New" panose="02070309020205020404" pitchFamily="49" charset="0"/>
+              <a:buChar char="o"/>
+            </a:pPr>
+            <a:r>
+              <a:rPr lang="fr-FR" sz="1400" dirty="0"/>
+              <a:t>Rôle : </a:t>
+            </a:r>
+            <a:r>
+              <a:rPr lang="fr-FR" sz="1400" dirty="0">
+                <a:solidFill>
+                  <a:schemeClr val="accent6">
+                    <a:lumMod val="50000"/>
+                  </a:schemeClr>
+                </a:solidFill>
+              </a:rPr>
+              <a:t>Activer/désactiver un électroaimant via un relais </a:t>
+            </a:r>
+            <a:r>
+              <a:rPr lang="fr-FR" sz="1400" dirty="0">
+                <a:solidFill>
+                  <a:srgbClr val="0070C0"/>
+                </a:solidFill>
+              </a:rPr>
+              <a:t>+ LED témoin sur le tableau de contrôle</a:t>
+            </a:r>
+          </a:p>
+          <a:p>
+            <a:pPr lvl="2"/>
+            <a:endParaRPr lang="fr-FR" dirty="0"/>
+          </a:p>
+        </p:txBody>
+      </p:sp>
+      <p:sp>
+        <p:nvSpPr>
+          <p:cNvPr id="17" name="ZoneTexte 16">
+            <a:extLst>
+              <a:ext uri="{FF2B5EF4-FFF2-40B4-BE49-F238E27FC236}">
+                <a16:creationId xmlns:a16="http://schemas.microsoft.com/office/drawing/2014/main" id="{3438819A-6698-43C0-BE1F-EBAC3A37A5D5}"/>
+              </a:ext>
+            </a:extLst>
+          </p:cNvPr>
+          <p:cNvSpPr txBox="1"/>
+          <p:nvPr/>
+        </p:nvSpPr>
+        <p:spPr>
+          <a:xfrm>
+            <a:off x="237433" y="5729346"/>
+            <a:ext cx="5758437" cy="738664"/>
+          </a:xfrm>
+          <a:prstGeom prst="rect">
+            <a:avLst/>
+          </a:prstGeom>
+          <a:noFill/>
+        </p:spPr>
+        <p:txBody>
+          <a:bodyPr wrap="square" rtlCol="0">
+            <a:spAutoFit/>
+          </a:bodyPr>
+          <a:lstStyle/>
+          <a:p>
+            <a:pPr marL="1200150" lvl="2" indent="-285750">
+              <a:buFont typeface="Courier New" panose="02070309020205020404" pitchFamily="49" charset="0"/>
+              <a:buChar char="o"/>
+            </a:pPr>
+            <a:r>
+              <a:rPr lang="fr-FR" sz="1400" dirty="0"/>
+              <a:t>Condition : </a:t>
+            </a:r>
+            <a:r>
+              <a:rPr lang="fr-FR" sz="1400" dirty="0">
+                <a:solidFill>
+                  <a:srgbClr val="0070C0"/>
+                </a:solidFill>
+              </a:rPr>
+              <a:t>Si E1 et E2 sont à 1 alors activer la sortie, sinon, désactiver la sortie</a:t>
+            </a:r>
+          </a:p>
+          <a:p>
+            <a:pPr marL="1200150" lvl="2" indent="-285750">
+              <a:buFont typeface="Courier New" panose="02070309020205020404" pitchFamily="49" charset="0"/>
+              <a:buChar char="o"/>
+            </a:pPr>
+            <a:r>
+              <a:rPr lang="fr-FR" sz="1400" dirty="0"/>
+              <a:t>Voltage : </a:t>
+            </a:r>
+            <a:r>
+              <a:rPr lang="fr-FR" sz="1400" dirty="0">
+                <a:solidFill>
+                  <a:schemeClr val="accent6">
+                    <a:lumMod val="50000"/>
+                  </a:schemeClr>
+                </a:solidFill>
+              </a:rPr>
+              <a:t>0-5V</a:t>
+            </a:r>
+            <a:endParaRPr lang="fr-FR" dirty="0"/>
+          </a:p>
+        </p:txBody>
+      </p:sp>
+      <p:pic>
+        <p:nvPicPr>
+          <p:cNvPr id="18" name="Image 17">
+            <a:extLst>
+              <a:ext uri="{FF2B5EF4-FFF2-40B4-BE49-F238E27FC236}">
+                <a16:creationId xmlns:a16="http://schemas.microsoft.com/office/drawing/2014/main" id="{856991C0-E3FF-4B0A-BFAF-76CF8DFBD784}"/>
+              </a:ext>
+            </a:extLst>
+          </p:cNvPr>
+          <p:cNvPicPr>
+            <a:picLocks noChangeAspect="1"/>
+          </p:cNvPicPr>
+          <p:nvPr/>
+        </p:nvPicPr>
+        <p:blipFill>
+          <a:blip r:embed="rId5"/>
+          <a:stretch>
+            <a:fillRect/>
+          </a:stretch>
+        </p:blipFill>
+        <p:spPr>
+          <a:xfrm>
+            <a:off x="2112759" y="4744819"/>
+            <a:ext cx="1506741" cy="1248737"/>
+          </a:xfrm>
+          <a:prstGeom prst="rect">
+            <a:avLst/>
+          </a:prstGeom>
+        </p:spPr>
+      </p:pic>
     </p:spTree>
     <p:extLst>
       <p:ext uri="{BB962C8B-B14F-4D97-AF65-F5344CB8AC3E}">
-        <p14:creationId xmlns:p14="http://schemas.microsoft.com/office/powerpoint/2010/main" val="2394584400"/>
+        <p14:creationId xmlns:p14="http://schemas.microsoft.com/office/powerpoint/2010/main" val="3952880323"/>
       </p:ext>
     </p:extLst>
   </p:cSld>
@@ -8261,10 +10773,10 @@
       </p:grpSpPr>
       <p:pic>
         <p:nvPicPr>
-          <p:cNvPr id="10" name="Image 9" descr="Une image contenant table, paire&#10;&#10;Description générée automatiquement">
-            <a:extLst>
-              <a:ext uri="{FF2B5EF4-FFF2-40B4-BE49-F238E27FC236}">
-                <a16:creationId xmlns:a16="http://schemas.microsoft.com/office/drawing/2014/main" id="{31C4281F-D622-418C-8D75-07D5069F2E30}"/>
+          <p:cNvPr id="36" name="Image 35" descr="Une image contenant table, paire&#10;&#10;Description générée automatiquement">
+            <a:extLst>
+              <a:ext uri="{FF2B5EF4-FFF2-40B4-BE49-F238E27FC236}">
+                <a16:creationId xmlns:a16="http://schemas.microsoft.com/office/drawing/2014/main" id="{A156923A-8DF4-4078-94DF-E315267FCF0F}"/>
               </a:ext>
             </a:extLst>
           </p:cNvPr>
@@ -8295,51 +10807,12 @@
           </a:prstGeom>
         </p:spPr>
       </p:pic>
-      <p:sp>
-        <p:nvSpPr>
-          <p:cNvPr id="4" name="Titre 1">
-            <a:extLst>
-              <a:ext uri="{FF2B5EF4-FFF2-40B4-BE49-F238E27FC236}">
-                <a16:creationId xmlns:a16="http://schemas.microsoft.com/office/drawing/2014/main" id="{C9DA7725-D7E8-4BCC-9FDF-A34AF4C0A51D}"/>
-              </a:ext>
-            </a:extLst>
-          </p:cNvPr>
-          <p:cNvSpPr>
-            <a:spLocks noGrp="1"/>
-          </p:cNvSpPr>
-          <p:nvPr>
-            <p:ph type="title"/>
-          </p:nvPr>
-        </p:nvSpPr>
-        <p:spPr>
-          <a:xfrm>
-            <a:off x="897559" y="389990"/>
-            <a:ext cx="10396882" cy="1151965"/>
-          </a:xfrm>
-        </p:spPr>
-        <p:txBody>
-          <a:bodyPr/>
-          <a:lstStyle/>
-          <a:p>
-            <a:pPr algn="ctr"/>
-            <a:r>
-              <a:rPr lang="fr-FR" b="1" dirty="0">
-                <a:solidFill>
-                  <a:schemeClr val="tx1"/>
-                </a:solidFill>
-                <a:latin typeface="+mn-lt"/>
-              </a:rPr>
-              <a:t>Mécanisme n°2 : Le lion basculant </a:t>
-            </a:r>
-          </a:p>
-        </p:txBody>
-      </p:sp>
       <p:pic>
         <p:nvPicPr>
-          <p:cNvPr id="2" name="Image 1">
-            <a:extLst>
-              <a:ext uri="{FF2B5EF4-FFF2-40B4-BE49-F238E27FC236}">
-                <a16:creationId xmlns:a16="http://schemas.microsoft.com/office/drawing/2014/main" id="{2C0D87F4-9306-4315-AE08-A32C8BFCE5E0}"/>
+          <p:cNvPr id="4" name="Image 3">
+            <a:extLst>
+              <a:ext uri="{FF2B5EF4-FFF2-40B4-BE49-F238E27FC236}">
+                <a16:creationId xmlns:a16="http://schemas.microsoft.com/office/drawing/2014/main" id="{6805F5BA-C8D9-42B8-9C92-898C42B99EC9}"/>
               </a:ext>
             </a:extLst>
           </p:cNvPr>
@@ -8349,85 +10822,91 @@
           <p:nvPr/>
         </p:nvPicPr>
         <p:blipFill>
-          <a:blip r:embed="rId3"/>
+          <a:blip r:embed="rId3">
+            <a:extLst>
+              <a:ext uri="{28A0092B-C50C-407E-A947-70E740481C1C}">
+                <a14:useLocalDpi xmlns:a14="http://schemas.microsoft.com/office/drawing/2010/main" val="0"/>
+              </a:ext>
+            </a:extLst>
+          </a:blip>
           <a:stretch>
             <a:fillRect/>
           </a:stretch>
         </p:blipFill>
         <p:spPr>
           <a:xfrm>
-            <a:off x="273050" y="4801135"/>
-            <a:ext cx="5638800" cy="1666875"/>
+            <a:off x="1595496" y="1704733"/>
+            <a:ext cx="9001008" cy="4763277"/>
           </a:xfrm>
           <a:prstGeom prst="rect">
             <a:avLst/>
           </a:prstGeom>
         </p:spPr>
       </p:pic>
-      <p:pic>
-        <p:nvPicPr>
-          <p:cNvPr id="3" name="Image 2">
-            <a:extLst>
-              <a:ext uri="{FF2B5EF4-FFF2-40B4-BE49-F238E27FC236}">
-                <a16:creationId xmlns:a16="http://schemas.microsoft.com/office/drawing/2014/main" id="{87152FC5-D673-4661-8823-2AE5BE521D63}"/>
-              </a:ext>
-            </a:extLst>
-          </p:cNvPr>
-          <p:cNvPicPr>
-            <a:picLocks noChangeAspect="1"/>
-          </p:cNvPicPr>
-          <p:nvPr/>
-        </p:nvPicPr>
-        <p:blipFill>
-          <a:blip r:embed="rId4"/>
-          <a:stretch>
-            <a:fillRect/>
-          </a:stretch>
-        </p:blipFill>
-        <p:spPr>
-          <a:xfrm>
-            <a:off x="5911850" y="4677310"/>
-            <a:ext cx="6184900" cy="1790700"/>
+      <p:sp>
+        <p:nvSpPr>
+          <p:cNvPr id="33" name="Titre 1">
+            <a:extLst>
+              <a:ext uri="{FF2B5EF4-FFF2-40B4-BE49-F238E27FC236}">
+                <a16:creationId xmlns:a16="http://schemas.microsoft.com/office/drawing/2014/main" id="{D7D47A08-2BF9-44C3-9F77-2D2D4A0332FD}"/>
+              </a:ext>
+            </a:extLst>
+          </p:cNvPr>
+          <p:cNvSpPr txBox="1">
+            <a:spLocks/>
+          </p:cNvSpPr>
+          <p:nvPr/>
+        </p:nvSpPr>
+        <p:spPr>
+          <a:xfrm>
+            <a:off x="897559" y="389990"/>
+            <a:ext cx="10396882" cy="1151965"/>
           </a:xfrm>
           <a:prstGeom prst="rect">
             <a:avLst/>
           </a:prstGeom>
         </p:spPr>
-      </p:pic>
-      <p:pic>
-        <p:nvPicPr>
-          <p:cNvPr id="5" name="Image 4">
-            <a:extLst>
-              <a:ext uri="{FF2B5EF4-FFF2-40B4-BE49-F238E27FC236}">
-                <a16:creationId xmlns:a16="http://schemas.microsoft.com/office/drawing/2014/main" id="{7FF68BC6-D6EF-487B-A099-123BD8719E93}"/>
-              </a:ext>
-            </a:extLst>
-          </p:cNvPr>
-          <p:cNvPicPr>
-            <a:picLocks noChangeAspect="1"/>
-          </p:cNvPicPr>
-          <p:nvPr/>
-        </p:nvPicPr>
-        <p:blipFill>
-          <a:blip r:embed="rId5"/>
-          <a:stretch>
-            <a:fillRect/>
-          </a:stretch>
-        </p:blipFill>
-        <p:spPr>
-          <a:xfrm>
-            <a:off x="3776662" y="1665780"/>
-            <a:ext cx="4638675" cy="2457450"/>
-          </a:xfrm>
-          <a:prstGeom prst="rect">
-            <a:avLst/>
-          </a:prstGeom>
-        </p:spPr>
-      </p:pic>
+        <p:txBody>
+          <a:bodyPr vert="horz" lIns="91440" tIns="45720" rIns="91440" bIns="45720" rtlCol="0" anchor="ctr">
+            <a:normAutofit/>
+          </a:bodyPr>
+          <a:lstStyle>
+            <a:lvl1pPr algn="l" defTabSz="914400" rtl="0" eaLnBrk="1" latinLnBrk="0" hangingPunct="1">
+              <a:lnSpc>
+                <a:spcPct val="90000"/>
+              </a:lnSpc>
+              <a:spcBef>
+                <a:spcPct val="0"/>
+              </a:spcBef>
+              <a:buNone/>
+              <a:defRPr sz="4400" kern="1200">
+                <a:solidFill>
+                  <a:schemeClr val="tx1"/>
+                </a:solidFill>
+                <a:latin typeface="+mj-lt"/>
+                <a:ea typeface="+mj-ea"/>
+                <a:cs typeface="+mj-cs"/>
+              </a:defRPr>
+            </a:lvl1pPr>
+          </a:lstStyle>
+          <a:p>
+            <a:pPr algn="ctr"/>
+            <a:r>
+              <a:rPr lang="fr-FR" b="1">
+                <a:latin typeface="+mn-lt"/>
+              </a:rPr>
+              <a:t>Mécanisme n°1 : l’échiquier </a:t>
+            </a:r>
+            <a:endParaRPr lang="fr-FR" b="1" dirty="0">
+              <a:latin typeface="+mn-lt"/>
+            </a:endParaRPr>
+          </a:p>
+        </p:txBody>
+      </p:sp>
     </p:spTree>
     <p:extLst>
       <p:ext uri="{BB962C8B-B14F-4D97-AF65-F5344CB8AC3E}">
-        <p14:creationId xmlns:p14="http://schemas.microsoft.com/office/powerpoint/2010/main" val="1226980342"/>
+        <p14:creationId xmlns:p14="http://schemas.microsoft.com/office/powerpoint/2010/main" val="2394584400"/>
       </p:ext>
     </p:extLst>
   </p:cSld>

--- a/Etudiants/Joshua/PremièreRevueDeProjet.pptx
+++ b/Etudiants/Joshua/PremièreRevueDeProjet.pptx
@@ -7,20 +7,12 @@
   <p:sldIdLst>
     <p:sldId id="273" r:id="rId2"/>
     <p:sldId id="257" r:id="rId3"/>
-    <p:sldId id="275" r:id="rId4"/>
-    <p:sldId id="261" r:id="rId5"/>
-    <p:sldId id="272" r:id="rId6"/>
-    <p:sldId id="258" r:id="rId7"/>
-    <p:sldId id="268" r:id="rId8"/>
-    <p:sldId id="260" r:id="rId9"/>
-    <p:sldId id="259" r:id="rId10"/>
-    <p:sldId id="263" r:id="rId11"/>
-    <p:sldId id="262" r:id="rId12"/>
-    <p:sldId id="265" r:id="rId13"/>
-    <p:sldId id="264" r:id="rId14"/>
-    <p:sldId id="267" r:id="rId15"/>
-    <p:sldId id="269" r:id="rId16"/>
-    <p:sldId id="270" r:id="rId17"/>
+    <p:sldId id="261" r:id="rId4"/>
+    <p:sldId id="272" r:id="rId5"/>
+    <p:sldId id="258" r:id="rId6"/>
+    <p:sldId id="267" r:id="rId7"/>
+    <p:sldId id="269" r:id="rId8"/>
+    <p:sldId id="270" r:id="rId9"/>
   </p:sldIdLst>
   <p:sldSz cx="12192000" cy="6858000"/>
   <p:notesSz cx="6858000" cy="9144000"/>
@@ -274,7 +266,7 @@
           <a:p>
             <a:fld id="{A5A52D65-5D23-4759-866C-BD4D7E81B3B3}" type="datetimeFigureOut">
               <a:rPr lang="fr-FR" smtClean="0"/>
-              <a:t>29/01/2020</a:t>
+              <a:t>04/02/2020</a:t>
             </a:fld>
             <a:endParaRPr lang="fr-FR"/>
           </a:p>
@@ -472,7 +464,7 @@
           <a:p>
             <a:fld id="{A5A52D65-5D23-4759-866C-BD4D7E81B3B3}" type="datetimeFigureOut">
               <a:rPr lang="fr-FR" smtClean="0"/>
-              <a:t>29/01/2020</a:t>
+              <a:t>04/02/2020</a:t>
             </a:fld>
             <a:endParaRPr lang="fr-FR"/>
           </a:p>
@@ -680,7 +672,7 @@
           <a:p>
             <a:fld id="{A5A52D65-5D23-4759-866C-BD4D7E81B3B3}" type="datetimeFigureOut">
               <a:rPr lang="fr-FR" smtClean="0"/>
-              <a:t>29/01/2020</a:t>
+              <a:t>04/02/2020</a:t>
             </a:fld>
             <a:endParaRPr lang="fr-FR"/>
           </a:p>
@@ -878,7 +870,7 @@
           <a:p>
             <a:fld id="{A5A52D65-5D23-4759-866C-BD4D7E81B3B3}" type="datetimeFigureOut">
               <a:rPr lang="fr-FR" smtClean="0"/>
-              <a:t>29/01/2020</a:t>
+              <a:t>04/02/2020</a:t>
             </a:fld>
             <a:endParaRPr lang="fr-FR"/>
           </a:p>
@@ -1153,7 +1145,7 @@
           <a:p>
             <a:fld id="{A5A52D65-5D23-4759-866C-BD4D7E81B3B3}" type="datetimeFigureOut">
               <a:rPr lang="fr-FR" smtClean="0"/>
-              <a:t>29/01/2020</a:t>
+              <a:t>04/02/2020</a:t>
             </a:fld>
             <a:endParaRPr lang="fr-FR"/>
           </a:p>
@@ -1418,7 +1410,7 @@
           <a:p>
             <a:fld id="{A5A52D65-5D23-4759-866C-BD4D7E81B3B3}" type="datetimeFigureOut">
               <a:rPr lang="fr-FR" smtClean="0"/>
-              <a:t>29/01/2020</a:t>
+              <a:t>04/02/2020</a:t>
             </a:fld>
             <a:endParaRPr lang="fr-FR"/>
           </a:p>
@@ -1830,7 +1822,7 @@
           <a:p>
             <a:fld id="{A5A52D65-5D23-4759-866C-BD4D7E81B3B3}" type="datetimeFigureOut">
               <a:rPr lang="fr-FR" smtClean="0"/>
-              <a:t>29/01/2020</a:t>
+              <a:t>04/02/2020</a:t>
             </a:fld>
             <a:endParaRPr lang="fr-FR"/>
           </a:p>
@@ -1971,7 +1963,7 @@
           <a:p>
             <a:fld id="{A5A52D65-5D23-4759-866C-BD4D7E81B3B3}" type="datetimeFigureOut">
               <a:rPr lang="fr-FR" smtClean="0"/>
-              <a:t>29/01/2020</a:t>
+              <a:t>04/02/2020</a:t>
             </a:fld>
             <a:endParaRPr lang="fr-FR"/>
           </a:p>
@@ -2084,7 +2076,7 @@
           <a:p>
             <a:fld id="{A5A52D65-5D23-4759-866C-BD4D7E81B3B3}" type="datetimeFigureOut">
               <a:rPr lang="fr-FR" smtClean="0"/>
-              <a:t>29/01/2020</a:t>
+              <a:t>04/02/2020</a:t>
             </a:fld>
             <a:endParaRPr lang="fr-FR"/>
           </a:p>
@@ -2395,7 +2387,7 @@
           <a:p>
             <a:fld id="{A5A52D65-5D23-4759-866C-BD4D7E81B3B3}" type="datetimeFigureOut">
               <a:rPr lang="fr-FR" smtClean="0"/>
-              <a:t>29/01/2020</a:t>
+              <a:t>04/02/2020</a:t>
             </a:fld>
             <a:endParaRPr lang="fr-FR"/>
           </a:p>
@@ -2683,7 +2675,7 @@
           <a:p>
             <a:fld id="{A5A52D65-5D23-4759-866C-BD4D7E81B3B3}" type="datetimeFigureOut">
               <a:rPr lang="fr-FR" smtClean="0"/>
-              <a:t>29/01/2020</a:t>
+              <a:t>04/02/2020</a:t>
             </a:fld>
             <a:endParaRPr lang="fr-FR"/>
           </a:p>
@@ -2924,7 +2916,7 @@
           <a:p>
             <a:fld id="{A5A52D65-5D23-4759-866C-BD4D7E81B3B3}" type="datetimeFigureOut">
               <a:rPr lang="fr-FR" smtClean="0"/>
-              <a:t>29/01/2020</a:t>
+              <a:t>04/02/2020</a:t>
             </a:fld>
             <a:endParaRPr lang="fr-FR"/>
           </a:p>
@@ -3999,7 +3991,7 @@
 </p:sld>
 </file>
 
-<file path=ppt/slides/slide10.xml><?xml version="1.0" encoding="utf-8"?>
+<file path=ppt/slides/slide2.xml><?xml version="1.0" encoding="utf-8"?>
 <p:sld xmlns:a="http://schemas.openxmlformats.org/drawingml/2006/main" xmlns:r="http://schemas.openxmlformats.org/officeDocument/2006/relationships" xmlns:p="http://schemas.openxmlformats.org/presentationml/2006/main">
   <p:cSld>
     <p:spTree>
@@ -4018,10 +4010,10 @@
       </p:grpSpPr>
       <p:pic>
         <p:nvPicPr>
-          <p:cNvPr id="10" name="Image 9" descr="Une image contenant table, paire&#10;&#10;Description générée automatiquement">
-            <a:extLst>
-              <a:ext uri="{FF2B5EF4-FFF2-40B4-BE49-F238E27FC236}">
-                <a16:creationId xmlns:a16="http://schemas.microsoft.com/office/drawing/2014/main" id="{31C4281F-D622-418C-8D75-07D5069F2E30}"/>
+          <p:cNvPr id="35" name="Image 34" descr="Une image contenant table, paire&#10;&#10;Description générée automatiquement">
+            <a:extLst>
+              <a:ext uri="{FF2B5EF4-FFF2-40B4-BE49-F238E27FC236}">
+                <a16:creationId xmlns:a16="http://schemas.microsoft.com/office/drawing/2014/main" id="{E5E46CAE-0FFE-4661-9FB2-F6BD0D4AF85F}"/>
               </a:ext>
             </a:extLst>
           </p:cNvPr>
@@ -4054,10 +4046,10 @@
       </p:pic>
       <p:sp>
         <p:nvSpPr>
-          <p:cNvPr id="4" name="Titre 1">
-            <a:extLst>
-              <a:ext uri="{FF2B5EF4-FFF2-40B4-BE49-F238E27FC236}">
-                <a16:creationId xmlns:a16="http://schemas.microsoft.com/office/drawing/2014/main" id="{C9DA7725-D7E8-4BCC-9FDF-A34AF4C0A51D}"/>
+          <p:cNvPr id="2" name="Titre 1">
+            <a:extLst>
+              <a:ext uri="{FF2B5EF4-FFF2-40B4-BE49-F238E27FC236}">
+                <a16:creationId xmlns:a16="http://schemas.microsoft.com/office/drawing/2014/main" id="{29D64549-C194-456E-AFBD-DDFEA9F742B9}"/>
               </a:ext>
             </a:extLst>
           </p:cNvPr>
@@ -4070,51 +4062,57 @@
         </p:nvSpPr>
         <p:spPr>
           <a:xfrm>
-            <a:off x="897559" y="389990"/>
-            <a:ext cx="10396882" cy="1151965"/>
-          </a:xfrm>
-        </p:spPr>
-        <p:txBody>
-          <a:bodyPr/>
+            <a:off x="838199" y="148442"/>
+            <a:ext cx="10515600" cy="1325563"/>
+          </a:xfrm>
+        </p:spPr>
+        <p:txBody>
+          <a:bodyPr>
+            <a:normAutofit/>
+          </a:bodyPr>
           <a:lstStyle/>
           <a:p>
             <a:pPr algn="ctr"/>
             <a:r>
               <a:rPr lang="fr-FR" b="1" dirty="0">
-                <a:solidFill>
-                  <a:schemeClr val="tx1"/>
-                </a:solidFill>
                 <a:latin typeface="+mn-lt"/>
               </a:rPr>
-              <a:t>Mécanisme n°2 : Le lion basculant </a:t>
-            </a:r>
+              <a:t>Introduction</a:t>
+            </a:r>
+            <a:endParaRPr lang="fr-FR" sz="3600" b="1" dirty="0">
+              <a:latin typeface="+mn-lt"/>
+            </a:endParaRPr>
           </a:p>
         </p:txBody>
       </p:sp>
       <p:pic>
         <p:nvPicPr>
-          <p:cNvPr id="7" name="Image 6">
-            <a:extLst>
-              <a:ext uri="{FF2B5EF4-FFF2-40B4-BE49-F238E27FC236}">
-                <a16:creationId xmlns:a16="http://schemas.microsoft.com/office/drawing/2014/main" id="{03AD4EE6-306A-448A-AE1A-599D403E1CA4}"/>
-              </a:ext>
-            </a:extLst>
-          </p:cNvPr>
-          <p:cNvPicPr>
-            <a:picLocks noChangeAspect="1"/>
-          </p:cNvPicPr>
+          <p:cNvPr id="3" name="Image 2">
+            <a:extLst>
+              <a:ext uri="{FF2B5EF4-FFF2-40B4-BE49-F238E27FC236}">
+                <a16:creationId xmlns:a16="http://schemas.microsoft.com/office/drawing/2014/main" id="{F326434F-0C29-4B78-86B1-77260A8911E4}"/>
+              </a:ext>
+            </a:extLst>
+          </p:cNvPr>
+          <p:cNvPicPr/>
           <p:nvPr/>
         </p:nvPicPr>
         <p:blipFill>
-          <a:blip r:embed="rId3"/>
+          <a:blip r:embed="rId3">
+            <a:extLst>
+              <a:ext uri="{28A0092B-C50C-407E-A947-70E740481C1C}">
+                <a14:useLocalDpi xmlns:a14="http://schemas.microsoft.com/office/drawing/2010/main" val="0"/>
+              </a:ext>
+            </a:extLst>
+          </a:blip>
           <a:stretch>
             <a:fillRect/>
           </a:stretch>
         </p:blipFill>
         <p:spPr>
           <a:xfrm>
-            <a:off x="4488936" y="1296749"/>
-            <a:ext cx="4515364" cy="2392123"/>
+            <a:off x="2315799" y="1268963"/>
+            <a:ext cx="7560401" cy="5589037"/>
           </a:xfrm>
           <a:prstGeom prst="rect">
             <a:avLst/>
@@ -4123,10 +4121,234 @@
       </p:pic>
       <p:sp>
         <p:nvSpPr>
-          <p:cNvPr id="8" name="ZoneTexte 7">
-            <a:extLst>
-              <a:ext uri="{FF2B5EF4-FFF2-40B4-BE49-F238E27FC236}">
-                <a16:creationId xmlns:a16="http://schemas.microsoft.com/office/drawing/2014/main" id="{D5B1095F-15A0-4EDB-B980-475E9AAB884F}"/>
+          <p:cNvPr id="5" name="Rectangle : coins arrondis 4">
+            <a:extLst>
+              <a:ext uri="{FF2B5EF4-FFF2-40B4-BE49-F238E27FC236}">
+                <a16:creationId xmlns:a16="http://schemas.microsoft.com/office/drawing/2014/main" id="{57DE185B-FF3F-4443-8DF5-F3C7D987AC94}"/>
+              </a:ext>
+            </a:extLst>
+          </p:cNvPr>
+          <p:cNvSpPr/>
+          <p:nvPr/>
+        </p:nvSpPr>
+        <p:spPr>
+          <a:xfrm>
+            <a:off x="2802730" y="1861457"/>
+            <a:ext cx="5127307" cy="831042"/>
+          </a:xfrm>
+          <a:prstGeom prst="roundRect">
+            <a:avLst/>
+          </a:prstGeom>
+          <a:noFill/>
+          <a:ln w="50800">
+            <a:solidFill>
+              <a:schemeClr val="accent1"/>
+            </a:solidFill>
+          </a:ln>
+        </p:spPr>
+        <p:style>
+          <a:lnRef idx="2">
+            <a:schemeClr val="accent1">
+              <a:shade val="50000"/>
+            </a:schemeClr>
+          </a:lnRef>
+          <a:fillRef idx="1">
+            <a:schemeClr val="accent1"/>
+          </a:fillRef>
+          <a:effectRef idx="0">
+            <a:schemeClr val="accent1"/>
+          </a:effectRef>
+          <a:fontRef idx="minor">
+            <a:schemeClr val="lt1"/>
+          </a:fontRef>
+        </p:style>
+        <p:txBody>
+          <a:bodyPr rot="0" spcFirstLastPara="0" vert="horz" wrap="square" lIns="91440" tIns="45720" rIns="91440" bIns="45720" numCol="1" spcCol="0" rtlCol="0" fromWordArt="0" anchor="ctr" anchorCtr="0" forceAA="0" compatLnSpc="1">
+            <a:prstTxWarp prst="textNoShape">
+              <a:avLst/>
+            </a:prstTxWarp>
+            <a:noAutofit/>
+          </a:bodyPr>
+          <a:lstStyle/>
+          <a:p>
+            <a:endParaRPr lang="fr-FR"/>
+          </a:p>
+        </p:txBody>
+      </p:sp>
+      <p:sp>
+        <p:nvSpPr>
+          <p:cNvPr id="7" name="Rectangle : coins arrondis 6">
+            <a:extLst>
+              <a:ext uri="{FF2B5EF4-FFF2-40B4-BE49-F238E27FC236}">
+                <a16:creationId xmlns:a16="http://schemas.microsoft.com/office/drawing/2014/main" id="{A9B249F6-82C0-4E80-9688-A6C4AD58C921}"/>
+              </a:ext>
+            </a:extLst>
+          </p:cNvPr>
+          <p:cNvSpPr/>
+          <p:nvPr/>
+        </p:nvSpPr>
+        <p:spPr>
+          <a:xfrm>
+            <a:off x="7478485" y="5589037"/>
+            <a:ext cx="696685" cy="387220"/>
+          </a:xfrm>
+          <a:prstGeom prst="roundRect">
+            <a:avLst/>
+          </a:prstGeom>
+          <a:noFill/>
+          <a:ln w="50800">
+            <a:solidFill>
+              <a:schemeClr val="accent1"/>
+            </a:solidFill>
+          </a:ln>
+        </p:spPr>
+        <p:style>
+          <a:lnRef idx="2">
+            <a:schemeClr val="accent1">
+              <a:shade val="50000"/>
+            </a:schemeClr>
+          </a:lnRef>
+          <a:fillRef idx="1">
+            <a:schemeClr val="accent1"/>
+          </a:fillRef>
+          <a:effectRef idx="0">
+            <a:schemeClr val="accent1"/>
+          </a:effectRef>
+          <a:fontRef idx="minor">
+            <a:schemeClr val="lt1"/>
+          </a:fontRef>
+        </p:style>
+        <p:txBody>
+          <a:bodyPr rot="0" spcFirstLastPara="0" vert="horz" wrap="square" lIns="91440" tIns="45720" rIns="91440" bIns="45720" numCol="1" spcCol="0" rtlCol="0" fromWordArt="0" anchor="ctr" anchorCtr="0" forceAA="0" compatLnSpc="1">
+            <a:prstTxWarp prst="textNoShape">
+              <a:avLst/>
+            </a:prstTxWarp>
+            <a:noAutofit/>
+          </a:bodyPr>
+          <a:lstStyle/>
+          <a:p>
+            <a:endParaRPr lang="fr-FR"/>
+          </a:p>
+        </p:txBody>
+      </p:sp>
+      <p:sp>
+        <p:nvSpPr>
+          <p:cNvPr id="8" name="Rectangle : coins arrondis 7">
+            <a:extLst>
+              <a:ext uri="{FF2B5EF4-FFF2-40B4-BE49-F238E27FC236}">
+                <a16:creationId xmlns:a16="http://schemas.microsoft.com/office/drawing/2014/main" id="{29FB46DC-2AE1-4059-BDCC-EC19699998CA}"/>
+              </a:ext>
+            </a:extLst>
+          </p:cNvPr>
+          <p:cNvSpPr/>
+          <p:nvPr/>
+        </p:nvSpPr>
+        <p:spPr>
+          <a:xfrm>
+            <a:off x="4201886" y="5868952"/>
+            <a:ext cx="391885" cy="466533"/>
+          </a:xfrm>
+          <a:prstGeom prst="roundRect">
+            <a:avLst/>
+          </a:prstGeom>
+          <a:noFill/>
+          <a:ln w="50800">
+            <a:solidFill>
+              <a:schemeClr val="accent1"/>
+            </a:solidFill>
+          </a:ln>
+        </p:spPr>
+        <p:style>
+          <a:lnRef idx="2">
+            <a:schemeClr val="accent1">
+              <a:shade val="50000"/>
+            </a:schemeClr>
+          </a:lnRef>
+          <a:fillRef idx="1">
+            <a:schemeClr val="accent1"/>
+          </a:fillRef>
+          <a:effectRef idx="0">
+            <a:schemeClr val="accent1"/>
+          </a:effectRef>
+          <a:fontRef idx="minor">
+            <a:schemeClr val="lt1"/>
+          </a:fontRef>
+        </p:style>
+        <p:txBody>
+          <a:bodyPr rot="0" spcFirstLastPara="0" vert="horz" wrap="square" lIns="91440" tIns="45720" rIns="91440" bIns="45720" numCol="1" spcCol="0" rtlCol="0" fromWordArt="0" anchor="ctr" anchorCtr="0" forceAA="0" compatLnSpc="1">
+            <a:prstTxWarp prst="textNoShape">
+              <a:avLst/>
+            </a:prstTxWarp>
+            <a:noAutofit/>
+          </a:bodyPr>
+          <a:lstStyle/>
+          <a:p>
+            <a:endParaRPr lang="fr-FR"/>
+          </a:p>
+        </p:txBody>
+      </p:sp>
+      <p:sp>
+        <p:nvSpPr>
+          <p:cNvPr id="11" name="Rectangle : coins arrondis 10">
+            <a:extLst>
+              <a:ext uri="{FF2B5EF4-FFF2-40B4-BE49-F238E27FC236}">
+                <a16:creationId xmlns:a16="http://schemas.microsoft.com/office/drawing/2014/main" id="{C0299604-2787-4F62-8A20-BA48EE17A3F3}"/>
+              </a:ext>
+            </a:extLst>
+          </p:cNvPr>
+          <p:cNvSpPr/>
+          <p:nvPr/>
+        </p:nvSpPr>
+        <p:spPr>
+          <a:xfrm>
+            <a:off x="9907428" y="1861457"/>
+            <a:ext cx="707572" cy="45719"/>
+          </a:xfrm>
+          <a:prstGeom prst="roundRect">
+            <a:avLst/>
+          </a:prstGeom>
+          <a:noFill/>
+          <a:ln w="50800">
+            <a:solidFill>
+              <a:schemeClr val="accent1"/>
+            </a:solidFill>
+          </a:ln>
+        </p:spPr>
+        <p:style>
+          <a:lnRef idx="2">
+            <a:schemeClr val="accent1">
+              <a:shade val="50000"/>
+            </a:schemeClr>
+          </a:lnRef>
+          <a:fillRef idx="1">
+            <a:schemeClr val="accent1"/>
+          </a:fillRef>
+          <a:effectRef idx="0">
+            <a:schemeClr val="accent1"/>
+          </a:effectRef>
+          <a:fontRef idx="minor">
+            <a:schemeClr val="lt1"/>
+          </a:fontRef>
+        </p:style>
+        <p:txBody>
+          <a:bodyPr rot="0" spcFirstLastPara="0" vert="horz" wrap="square" lIns="91440" tIns="45720" rIns="91440" bIns="45720" numCol="1" spcCol="0" rtlCol="0" fromWordArt="0" anchor="ctr" anchorCtr="0" forceAA="0" compatLnSpc="1">
+            <a:prstTxWarp prst="textNoShape">
+              <a:avLst/>
+            </a:prstTxWarp>
+            <a:noAutofit/>
+          </a:bodyPr>
+          <a:lstStyle/>
+          <a:p>
+            <a:endParaRPr lang="fr-FR"/>
+          </a:p>
+        </p:txBody>
+      </p:sp>
+      <p:sp>
+        <p:nvSpPr>
+          <p:cNvPr id="12" name="ZoneTexte 11">
+            <a:extLst>
+              <a:ext uri="{FF2B5EF4-FFF2-40B4-BE49-F238E27FC236}">
+                <a16:creationId xmlns:a16="http://schemas.microsoft.com/office/drawing/2014/main" id="{CAF4F695-35FF-45A5-80B8-118450793612}"/>
               </a:ext>
             </a:extLst>
           </p:cNvPr>
@@ -4135,8 +4357,8 @@
         </p:nvSpPr>
         <p:spPr>
           <a:xfrm>
-            <a:off x="3899971" y="1541955"/>
-            <a:ext cx="4640373" cy="2308324"/>
+            <a:off x="10646228" y="1699650"/>
+            <a:ext cx="824265" cy="369332"/>
           </a:xfrm>
           <a:prstGeom prst="rect">
             <a:avLst/>
@@ -4150,190 +4372,74 @@
           <a:lstStyle/>
           <a:p>
             <a:r>
-              <a:rPr lang="fr-FR" sz="1400" dirty="0">
-                <a:solidFill>
-                  <a:srgbClr val="0070C0"/>
-                </a:solidFill>
-              </a:rPr>
-              <a:t>Entrées :</a:t>
-            </a:r>
-          </a:p>
-          <a:p>
-            <a:r>
-              <a:rPr lang="fr-FR" sz="1400" dirty="0">
-                <a:solidFill>
-                  <a:srgbClr val="0070C0"/>
-                </a:solidFill>
-              </a:rPr>
-              <a:t>	</a:t>
-            </a:r>
-            <a:r>
-              <a:rPr lang="fr-FR" sz="1400" dirty="0"/>
-              <a:t>● E1</a:t>
-            </a:r>
-          </a:p>
-          <a:p>
-            <a:pPr marL="1657350" lvl="3" indent="-285750">
-              <a:buFont typeface="Courier New" panose="02070309020205020404" pitchFamily="49" charset="0"/>
-              <a:buChar char="o"/>
-            </a:pPr>
-            <a:r>
-              <a:rPr lang="fr-FR" sz="1400" dirty="0"/>
-              <a:t>Type de capteur : </a:t>
-            </a:r>
-            <a:r>
-              <a:rPr lang="fr-FR" sz="1400" dirty="0">
-                <a:solidFill>
-                  <a:schemeClr val="accent6">
-                    <a:lumMod val="50000"/>
-                  </a:schemeClr>
-                </a:solidFill>
-              </a:rPr>
-              <a:t>Capteur effet Hall</a:t>
-            </a:r>
-          </a:p>
-          <a:p>
-            <a:pPr marL="1657350" lvl="3" indent="-285750">
-              <a:buFont typeface="Courier New" panose="02070309020205020404" pitchFamily="49" charset="0"/>
-              <a:buChar char="o"/>
-            </a:pPr>
-            <a:r>
-              <a:rPr lang="fr-FR" sz="1400" dirty="0"/>
-              <a:t>Référence : </a:t>
-            </a:r>
-            <a:r>
-              <a:rPr lang="fr-FR" sz="1400" dirty="0">
-                <a:solidFill>
-                  <a:srgbClr val="0070C0"/>
-                </a:solidFill>
-              </a:rPr>
-              <a:t>Capteur à effet Hall A3144</a:t>
-            </a:r>
-          </a:p>
-          <a:p>
-            <a:pPr marL="1657350" lvl="3" indent="-285750">
-              <a:buFont typeface="Courier New" panose="02070309020205020404" pitchFamily="49" charset="0"/>
-              <a:buChar char="o"/>
-            </a:pPr>
-            <a:endParaRPr lang="fr-FR" sz="1400" dirty="0">
-              <a:solidFill>
-                <a:srgbClr val="0070C0"/>
-              </a:solidFill>
-            </a:endParaRPr>
-          </a:p>
-          <a:p>
-            <a:pPr marL="1657350" lvl="3" indent="-285750">
-              <a:buFont typeface="Courier New" panose="02070309020205020404" pitchFamily="49" charset="0"/>
-              <a:buChar char="o"/>
-            </a:pPr>
-            <a:endParaRPr lang="fr-FR" sz="1400" dirty="0">
-              <a:solidFill>
-                <a:srgbClr val="0070C0"/>
-              </a:solidFill>
-            </a:endParaRPr>
-          </a:p>
-          <a:p>
-            <a:pPr marL="1657350" lvl="3" indent="-285750">
-              <a:buFont typeface="Courier New" panose="02070309020205020404" pitchFamily="49" charset="0"/>
-              <a:buChar char="o"/>
-            </a:pPr>
-            <a:endParaRPr lang="fr-FR" sz="1400" dirty="0">
-              <a:solidFill>
-                <a:srgbClr val="0070C0"/>
-              </a:solidFill>
-            </a:endParaRPr>
-          </a:p>
-          <a:p>
-            <a:pPr marL="1657350" lvl="3" indent="-285750">
-              <a:buFont typeface="Courier New" panose="02070309020205020404" pitchFamily="49" charset="0"/>
-              <a:buChar char="o"/>
-            </a:pPr>
-            <a:endParaRPr lang="fr-FR" sz="1400" dirty="0">
-              <a:solidFill>
-                <a:srgbClr val="0070C0"/>
-              </a:solidFill>
-            </a:endParaRPr>
-          </a:p>
-          <a:p>
-            <a:pPr marL="1657350" lvl="3" indent="-285750">
-              <a:buFont typeface="Courier New" panose="02070309020205020404" pitchFamily="49" charset="0"/>
-              <a:buChar char="o"/>
-            </a:pPr>
-            <a:r>
-              <a:rPr lang="fr-FR" sz="1400" dirty="0"/>
-              <a:t>Signal : </a:t>
-            </a:r>
-            <a:r>
-              <a:rPr lang="fr-FR" sz="1400" dirty="0">
-                <a:solidFill>
-                  <a:srgbClr val="0070C0"/>
-                </a:solidFill>
-              </a:rPr>
-              <a:t>Numérique</a:t>
-            </a:r>
-          </a:p>
-          <a:p>
-            <a:pPr marL="1657350" lvl="3" indent="-285750">
-              <a:buFont typeface="Courier New" panose="02070309020205020404" pitchFamily="49" charset="0"/>
-              <a:buChar char="o"/>
-            </a:pPr>
-            <a:r>
-              <a:rPr lang="fr-FR" sz="1400" dirty="0"/>
-              <a:t>Voltage : </a:t>
-            </a:r>
-            <a:r>
-              <a:rPr lang="fr-FR" sz="1400" dirty="0">
-                <a:solidFill>
-                  <a:schemeClr val="accent6">
-                    <a:lumMod val="50000"/>
-                  </a:schemeClr>
-                </a:solidFill>
-              </a:rPr>
-              <a:t>0-5V</a:t>
-            </a:r>
-            <a:r>
               <a:rPr lang="fr-FR" dirty="0"/>
-              <a:t>		 </a:t>
-            </a:r>
-          </a:p>
-        </p:txBody>
-      </p:sp>
-      <p:pic>
-        <p:nvPicPr>
-          <p:cNvPr id="9" name="Image 8">
-            <a:extLst>
-              <a:ext uri="{FF2B5EF4-FFF2-40B4-BE49-F238E27FC236}">
-                <a16:creationId xmlns:a16="http://schemas.microsoft.com/office/drawing/2014/main" id="{2DC1B36C-D890-4DE9-8026-368906230518}"/>
-              </a:ext>
-            </a:extLst>
-          </p:cNvPr>
-          <p:cNvPicPr>
-            <a:picLocks noChangeAspect="1"/>
-          </p:cNvPicPr>
+              <a:t>Joshua</a:t>
+            </a:r>
+          </a:p>
+        </p:txBody>
+      </p:sp>
+      <p:sp>
+        <p:nvSpPr>
+          <p:cNvPr id="13" name="Rectangle : coins arrondis 12">
+            <a:extLst>
+              <a:ext uri="{FF2B5EF4-FFF2-40B4-BE49-F238E27FC236}">
+                <a16:creationId xmlns:a16="http://schemas.microsoft.com/office/drawing/2014/main" id="{2005236A-5D70-4933-9C03-53DAC7F068DD}"/>
+              </a:ext>
+            </a:extLst>
+          </p:cNvPr>
+          <p:cNvSpPr/>
           <p:nvPr/>
-        </p:nvPicPr>
-        <p:blipFill>
-          <a:blip r:embed="rId4"/>
-          <a:stretch>
-            <a:fillRect/>
-          </a:stretch>
-        </p:blipFill>
-        <p:spPr>
-          <a:xfrm>
-            <a:off x="2065134" y="4687524"/>
-            <a:ext cx="1834837" cy="1520653"/>
-          </a:xfrm>
-          <a:prstGeom prst="rect">
+        </p:nvSpPr>
+        <p:spPr>
+          <a:xfrm>
+            <a:off x="9907428" y="2231259"/>
+            <a:ext cx="707572" cy="45719"/>
+          </a:xfrm>
+          <a:prstGeom prst="roundRect">
             <a:avLst/>
           </a:prstGeom>
-        </p:spPr>
-      </p:pic>
-      <p:sp>
-        <p:nvSpPr>
-          <p:cNvPr id="11" name="ZoneTexte 10">
-            <a:extLst>
-              <a:ext uri="{FF2B5EF4-FFF2-40B4-BE49-F238E27FC236}">
-                <a16:creationId xmlns:a16="http://schemas.microsoft.com/office/drawing/2014/main" id="{D946CD7B-776D-4A44-AAF3-EFA0EE7701E8}"/>
+          <a:noFill/>
+          <a:ln w="50800">
+            <a:solidFill>
+              <a:srgbClr val="92D050"/>
+            </a:solidFill>
+          </a:ln>
+        </p:spPr>
+        <p:style>
+          <a:lnRef idx="2">
+            <a:schemeClr val="accent1">
+              <a:shade val="50000"/>
+            </a:schemeClr>
+          </a:lnRef>
+          <a:fillRef idx="1">
+            <a:schemeClr val="accent1"/>
+          </a:fillRef>
+          <a:effectRef idx="0">
+            <a:schemeClr val="accent1"/>
+          </a:effectRef>
+          <a:fontRef idx="minor">
+            <a:schemeClr val="lt1"/>
+          </a:fontRef>
+        </p:style>
+        <p:txBody>
+          <a:bodyPr rot="0" spcFirstLastPara="0" vert="horz" wrap="square" lIns="91440" tIns="45720" rIns="91440" bIns="45720" numCol="1" spcCol="0" rtlCol="0" fromWordArt="0" anchor="ctr" anchorCtr="0" forceAA="0" compatLnSpc="1">
+            <a:prstTxWarp prst="textNoShape">
+              <a:avLst/>
+            </a:prstTxWarp>
+            <a:noAutofit/>
+          </a:bodyPr>
+          <a:lstStyle/>
+          <a:p>
+            <a:endParaRPr lang="fr-FR"/>
+          </a:p>
+        </p:txBody>
+      </p:sp>
+      <p:sp>
+        <p:nvSpPr>
+          <p:cNvPr id="14" name="ZoneTexte 13">
+            <a:extLst>
+              <a:ext uri="{FF2B5EF4-FFF2-40B4-BE49-F238E27FC236}">
+                <a16:creationId xmlns:a16="http://schemas.microsoft.com/office/drawing/2014/main" id="{E0ACB98A-C89B-4929-A703-94259A65428B}"/>
               </a:ext>
             </a:extLst>
           </p:cNvPr>
@@ -4342,8 +4448,8 @@
         </p:nvSpPr>
         <p:spPr>
           <a:xfrm>
-            <a:off x="2534143" y="6054288"/>
-            <a:ext cx="843564" cy="307777"/>
+            <a:off x="10614999" y="2046593"/>
+            <a:ext cx="993862" cy="369332"/>
           </a:xfrm>
           <a:prstGeom prst="rect">
             <a:avLst/>
@@ -4357,22 +4463,74 @@
           <a:lstStyle/>
           <a:p>
             <a:r>
-              <a:rPr lang="fr-FR" sz="1400" dirty="0">
-                <a:solidFill>
-                  <a:srgbClr val="0070C0"/>
-                </a:solidFill>
-              </a:rPr>
-              <a:t>Relais 5V</a:t>
-            </a:r>
-          </a:p>
-        </p:txBody>
-      </p:sp>
-      <p:sp>
-        <p:nvSpPr>
-          <p:cNvPr id="12" name="ZoneTexte 11">
-            <a:extLst>
-              <a:ext uri="{FF2B5EF4-FFF2-40B4-BE49-F238E27FC236}">
-                <a16:creationId xmlns:a16="http://schemas.microsoft.com/office/drawing/2014/main" id="{E22C5A7A-3931-4D89-9295-1BFCB0C2BACF}"/>
+              <a:rPr lang="fr-FR" dirty="0"/>
+              <a:t>Corentin</a:t>
+            </a:r>
+          </a:p>
+        </p:txBody>
+      </p:sp>
+      <p:sp>
+        <p:nvSpPr>
+          <p:cNvPr id="15" name="Rectangle : coins arrondis 14">
+            <a:extLst>
+              <a:ext uri="{FF2B5EF4-FFF2-40B4-BE49-F238E27FC236}">
+                <a16:creationId xmlns:a16="http://schemas.microsoft.com/office/drawing/2014/main" id="{C9B032DC-BEA4-4CA8-868C-B1DFB4E70287}"/>
+              </a:ext>
+            </a:extLst>
+          </p:cNvPr>
+          <p:cNvSpPr/>
+          <p:nvPr/>
+        </p:nvSpPr>
+        <p:spPr>
+          <a:xfrm>
+            <a:off x="9907427" y="2601061"/>
+            <a:ext cx="707572" cy="45719"/>
+          </a:xfrm>
+          <a:prstGeom prst="roundRect">
+            <a:avLst/>
+          </a:prstGeom>
+          <a:noFill/>
+          <a:ln w="50800">
+            <a:solidFill>
+              <a:srgbClr val="FF0000"/>
+            </a:solidFill>
+          </a:ln>
+        </p:spPr>
+        <p:style>
+          <a:lnRef idx="2">
+            <a:schemeClr val="accent1">
+              <a:shade val="50000"/>
+            </a:schemeClr>
+          </a:lnRef>
+          <a:fillRef idx="1">
+            <a:schemeClr val="accent1"/>
+          </a:fillRef>
+          <a:effectRef idx="0">
+            <a:schemeClr val="accent1"/>
+          </a:effectRef>
+          <a:fontRef idx="minor">
+            <a:schemeClr val="lt1"/>
+          </a:fontRef>
+        </p:style>
+        <p:txBody>
+          <a:bodyPr rot="0" spcFirstLastPara="0" vert="horz" wrap="square" lIns="91440" tIns="45720" rIns="91440" bIns="45720" numCol="1" spcCol="0" rtlCol="0" fromWordArt="0" anchor="ctr" anchorCtr="0" forceAA="0" compatLnSpc="1">
+            <a:prstTxWarp prst="textNoShape">
+              <a:avLst/>
+            </a:prstTxWarp>
+            <a:noAutofit/>
+          </a:bodyPr>
+          <a:lstStyle/>
+          <a:p>
+            <a:endParaRPr lang="fr-FR"/>
+          </a:p>
+        </p:txBody>
+      </p:sp>
+      <p:sp>
+        <p:nvSpPr>
+          <p:cNvPr id="16" name="ZoneTexte 15">
+            <a:extLst>
+              <a:ext uri="{FF2B5EF4-FFF2-40B4-BE49-F238E27FC236}">
+                <a16:creationId xmlns:a16="http://schemas.microsoft.com/office/drawing/2014/main" id="{48B41F13-2617-4D2B-8E9E-C48ADF79E878}"/>
               </a:ext>
             </a:extLst>
           </p:cNvPr>
@@ -4381,8 +4539,8 @@
         </p:nvSpPr>
         <p:spPr>
           <a:xfrm>
-            <a:off x="0" y="4031291"/>
-            <a:ext cx="5911850" cy="1015663"/>
+            <a:off x="10614999" y="2424887"/>
+            <a:ext cx="1195071" cy="369332"/>
           </a:xfrm>
           <a:prstGeom prst="rect">
             <a:avLst/>
@@ -4390,60 +4548,24 @@
           <a:noFill/>
         </p:spPr>
         <p:txBody>
-          <a:bodyPr wrap="square" rtlCol="0">
+          <a:bodyPr wrap="none" rtlCol="0">
             <a:spAutoFit/>
           </a:bodyPr>
           <a:lstStyle/>
           <a:p>
-            <a:pPr marL="742950" lvl="1" indent="-285750">
-              <a:buFont typeface="Arial" panose="020B0604020202020204" pitchFamily="34" charset="0"/>
-              <a:buChar char="•"/>
-            </a:pPr>
-            <a:r>
-              <a:rPr lang="fr-FR" sz="1400" dirty="0"/>
-              <a:t>S1</a:t>
-            </a:r>
-          </a:p>
-          <a:p>
-            <a:pPr marL="1200150" lvl="2" indent="-285750">
-              <a:buFont typeface="Courier New" panose="02070309020205020404" pitchFamily="49" charset="0"/>
-              <a:buChar char="o"/>
-            </a:pPr>
-            <a:r>
-              <a:rPr lang="fr-FR" sz="1400" dirty="0"/>
-              <a:t>Rôle : </a:t>
-            </a:r>
-            <a:r>
-              <a:rPr lang="fr-FR" sz="1400" dirty="0">
-                <a:solidFill>
-                  <a:schemeClr val="accent6">
-                    <a:lumMod val="50000"/>
-                  </a:schemeClr>
-                </a:solidFill>
-              </a:rPr>
-              <a:t>activer une gâche électrique (Solénoïde 12V) via un relais </a:t>
-            </a:r>
-            <a:r>
-              <a:rPr lang="fr-FR" sz="1400" dirty="0">
-                <a:solidFill>
-                  <a:srgbClr val="0070C0"/>
-                </a:solidFill>
-              </a:rPr>
-              <a:t>+ LED de Contrôle</a:t>
-            </a:r>
-          </a:p>
-          <a:p>
-            <a:pPr lvl="2"/>
-            <a:endParaRPr lang="fr-FR" dirty="0"/>
-          </a:p>
-        </p:txBody>
-      </p:sp>
-      <p:sp>
-        <p:nvSpPr>
-          <p:cNvPr id="13" name="Rectangle 12">
-            <a:extLst>
-              <a:ext uri="{FF2B5EF4-FFF2-40B4-BE49-F238E27FC236}">
-                <a16:creationId xmlns:a16="http://schemas.microsoft.com/office/drawing/2014/main" id="{5614035C-E9B8-4C50-9839-877C82CC746B}"/>
+            <a:r>
+              <a:rPr lang="fr-FR" dirty="0"/>
+              <a:t>Constantin</a:t>
+            </a:r>
+          </a:p>
+        </p:txBody>
+      </p:sp>
+      <p:sp>
+        <p:nvSpPr>
+          <p:cNvPr id="17" name="Rectangle : coins arrondis 16">
+            <a:extLst>
+              <a:ext uri="{FF2B5EF4-FFF2-40B4-BE49-F238E27FC236}">
+                <a16:creationId xmlns:a16="http://schemas.microsoft.com/office/drawing/2014/main" id="{E8DD8EB4-5799-466B-8E0E-6853CD76BBDC}"/>
               </a:ext>
             </a:extLst>
           </p:cNvPr>
@@ -4452,102 +4574,1201 @@
         </p:nvSpPr>
         <p:spPr>
           <a:xfrm>
-            <a:off x="5911850" y="5191919"/>
-            <a:ext cx="6096000" cy="738664"/>
+            <a:off x="9907427" y="2970935"/>
+            <a:ext cx="707572" cy="45719"/>
+          </a:xfrm>
+          <a:prstGeom prst="roundRect">
+            <a:avLst/>
+          </a:prstGeom>
+          <a:noFill/>
+          <a:ln w="50800">
+            <a:solidFill>
+              <a:srgbClr val="00B0F0"/>
+            </a:solidFill>
+          </a:ln>
+        </p:spPr>
+        <p:style>
+          <a:lnRef idx="2">
+            <a:schemeClr val="accent1">
+              <a:shade val="50000"/>
+            </a:schemeClr>
+          </a:lnRef>
+          <a:fillRef idx="1">
+            <a:schemeClr val="accent1"/>
+          </a:fillRef>
+          <a:effectRef idx="0">
+            <a:schemeClr val="accent1"/>
+          </a:effectRef>
+          <a:fontRef idx="minor">
+            <a:schemeClr val="lt1"/>
+          </a:fontRef>
+        </p:style>
+        <p:txBody>
+          <a:bodyPr rot="0" spcFirstLastPara="0" vert="horz" wrap="square" lIns="91440" tIns="45720" rIns="91440" bIns="45720" numCol="1" spcCol="0" rtlCol="0" fromWordArt="0" anchor="ctr" anchorCtr="0" forceAA="0" compatLnSpc="1">
+            <a:prstTxWarp prst="textNoShape">
+              <a:avLst/>
+            </a:prstTxWarp>
+            <a:noAutofit/>
+          </a:bodyPr>
+          <a:lstStyle/>
+          <a:p>
+            <a:endParaRPr lang="fr-FR"/>
+          </a:p>
+        </p:txBody>
+      </p:sp>
+      <p:sp>
+        <p:nvSpPr>
+          <p:cNvPr id="18" name="ZoneTexte 17">
+            <a:extLst>
+              <a:ext uri="{FF2B5EF4-FFF2-40B4-BE49-F238E27FC236}">
+                <a16:creationId xmlns:a16="http://schemas.microsoft.com/office/drawing/2014/main" id="{1B85E7D9-DC72-4AE6-9300-C7C157AAF1D4}"/>
+              </a:ext>
+            </a:extLst>
+          </p:cNvPr>
+          <p:cNvSpPr txBox="1"/>
+          <p:nvPr/>
+        </p:nvSpPr>
+        <p:spPr>
+          <a:xfrm>
+            <a:off x="10614999" y="2786197"/>
+            <a:ext cx="925253" cy="369332"/>
           </a:xfrm>
           <a:prstGeom prst="rect">
             <a:avLst/>
           </a:prstGeom>
-        </p:spPr>
-        <p:txBody>
-          <a:bodyPr>
+          <a:noFill/>
+        </p:spPr>
+        <p:txBody>
+          <a:bodyPr wrap="none" rtlCol="0">
             <a:spAutoFit/>
           </a:bodyPr>
           <a:lstStyle/>
           <a:p>
-            <a:pPr marL="1200150" lvl="2" indent="-285750">
-              <a:buFont typeface="Courier New" panose="02070309020205020404" pitchFamily="49" charset="0"/>
-              <a:buChar char="o"/>
+            <a:r>
+              <a:rPr lang="fr-FR" dirty="0"/>
+              <a:t>Thomas</a:t>
+            </a:r>
+          </a:p>
+        </p:txBody>
+      </p:sp>
+      <p:sp>
+        <p:nvSpPr>
+          <p:cNvPr id="20" name="Rectangle : coins arrondis 19">
+            <a:extLst>
+              <a:ext uri="{FF2B5EF4-FFF2-40B4-BE49-F238E27FC236}">
+                <a16:creationId xmlns:a16="http://schemas.microsoft.com/office/drawing/2014/main" id="{35D16060-3BD5-4384-834E-2EBCDCA60699}"/>
+              </a:ext>
+            </a:extLst>
+          </p:cNvPr>
+          <p:cNvSpPr/>
+          <p:nvPr/>
+        </p:nvSpPr>
+        <p:spPr>
+          <a:xfrm>
+            <a:off x="8149315" y="4488657"/>
+            <a:ext cx="449379" cy="164306"/>
+          </a:xfrm>
+          <a:prstGeom prst="roundRect">
+            <a:avLst/>
+          </a:prstGeom>
+          <a:noFill/>
+          <a:ln w="50800">
+            <a:solidFill>
+              <a:srgbClr val="FF0000"/>
+            </a:solidFill>
+          </a:ln>
+        </p:spPr>
+        <p:style>
+          <a:lnRef idx="2">
+            <a:schemeClr val="accent1">
+              <a:shade val="50000"/>
+            </a:schemeClr>
+          </a:lnRef>
+          <a:fillRef idx="1">
+            <a:schemeClr val="accent1"/>
+          </a:fillRef>
+          <a:effectRef idx="0">
+            <a:schemeClr val="accent1"/>
+          </a:effectRef>
+          <a:fontRef idx="minor">
+            <a:schemeClr val="lt1"/>
+          </a:fontRef>
+        </p:style>
+        <p:txBody>
+          <a:bodyPr rot="0" spcFirstLastPara="0" vert="horz" wrap="square" lIns="91440" tIns="45720" rIns="91440" bIns="45720" numCol="1" spcCol="0" rtlCol="0" fromWordArt="0" anchor="ctr" anchorCtr="0" forceAA="0" compatLnSpc="1">
+            <a:prstTxWarp prst="textNoShape">
+              <a:avLst/>
+            </a:prstTxWarp>
+            <a:noAutofit/>
+          </a:bodyPr>
+          <a:lstStyle/>
+          <a:p>
+            <a:endParaRPr lang="fr-FR"/>
+          </a:p>
+        </p:txBody>
+      </p:sp>
+      <p:sp>
+        <p:nvSpPr>
+          <p:cNvPr id="21" name="Rectangle : coins arrondis 20">
+            <a:extLst>
+              <a:ext uri="{FF2B5EF4-FFF2-40B4-BE49-F238E27FC236}">
+                <a16:creationId xmlns:a16="http://schemas.microsoft.com/office/drawing/2014/main" id="{5D361B11-4AA7-4AC6-976F-5354E0BA831E}"/>
+              </a:ext>
+            </a:extLst>
+          </p:cNvPr>
+          <p:cNvSpPr/>
+          <p:nvPr/>
+        </p:nvSpPr>
+        <p:spPr>
+          <a:xfrm>
+            <a:off x="4536622" y="3740944"/>
+            <a:ext cx="1666060" cy="801039"/>
+          </a:xfrm>
+          <a:prstGeom prst="roundRect">
+            <a:avLst/>
+          </a:prstGeom>
+          <a:noFill/>
+          <a:ln w="50800">
+            <a:solidFill>
+              <a:srgbClr val="FF0000"/>
+            </a:solidFill>
+          </a:ln>
+        </p:spPr>
+        <p:style>
+          <a:lnRef idx="2">
+            <a:schemeClr val="accent1">
+              <a:shade val="50000"/>
+            </a:schemeClr>
+          </a:lnRef>
+          <a:fillRef idx="1">
+            <a:schemeClr val="accent1"/>
+          </a:fillRef>
+          <a:effectRef idx="0">
+            <a:schemeClr val="accent1"/>
+          </a:effectRef>
+          <a:fontRef idx="minor">
+            <a:schemeClr val="lt1"/>
+          </a:fontRef>
+        </p:style>
+        <p:txBody>
+          <a:bodyPr rot="0" spcFirstLastPara="0" vert="horz" wrap="square" lIns="91440" tIns="45720" rIns="91440" bIns="45720" numCol="1" spcCol="0" rtlCol="0" fromWordArt="0" anchor="ctr" anchorCtr="0" forceAA="0" compatLnSpc="1">
+            <a:prstTxWarp prst="textNoShape">
+              <a:avLst/>
+            </a:prstTxWarp>
+            <a:noAutofit/>
+          </a:bodyPr>
+          <a:lstStyle/>
+          <a:p>
+            <a:endParaRPr lang="fr-FR"/>
+          </a:p>
+        </p:txBody>
+      </p:sp>
+      <p:sp>
+        <p:nvSpPr>
+          <p:cNvPr id="22" name="Rectangle : coins arrondis 21">
+            <a:extLst>
+              <a:ext uri="{FF2B5EF4-FFF2-40B4-BE49-F238E27FC236}">
+                <a16:creationId xmlns:a16="http://schemas.microsoft.com/office/drawing/2014/main" id="{E2933415-AEC5-44C9-AE56-64F8CE71E3F7}"/>
+              </a:ext>
+            </a:extLst>
+          </p:cNvPr>
+          <p:cNvSpPr/>
+          <p:nvPr/>
+        </p:nvSpPr>
+        <p:spPr>
+          <a:xfrm>
+            <a:off x="2802730" y="2816202"/>
+            <a:ext cx="1674019" cy="801039"/>
+          </a:xfrm>
+          <a:prstGeom prst="roundRect">
+            <a:avLst/>
+          </a:prstGeom>
+          <a:noFill/>
+          <a:ln w="50800">
+            <a:solidFill>
+              <a:srgbClr val="FF0000"/>
+            </a:solidFill>
+          </a:ln>
+        </p:spPr>
+        <p:style>
+          <a:lnRef idx="2">
+            <a:schemeClr val="accent1">
+              <a:shade val="50000"/>
+            </a:schemeClr>
+          </a:lnRef>
+          <a:fillRef idx="1">
+            <a:schemeClr val="accent1"/>
+          </a:fillRef>
+          <a:effectRef idx="0">
+            <a:schemeClr val="accent1"/>
+          </a:effectRef>
+          <a:fontRef idx="minor">
+            <a:schemeClr val="lt1"/>
+          </a:fontRef>
+        </p:style>
+        <p:txBody>
+          <a:bodyPr rot="0" spcFirstLastPara="0" vert="horz" wrap="square" lIns="91440" tIns="45720" rIns="91440" bIns="45720" numCol="1" spcCol="0" rtlCol="0" fromWordArt="0" anchor="ctr" anchorCtr="0" forceAA="0" compatLnSpc="1">
+            <a:prstTxWarp prst="textNoShape">
+              <a:avLst/>
+            </a:prstTxWarp>
+            <a:noAutofit/>
+          </a:bodyPr>
+          <a:lstStyle/>
+          <a:p>
+            <a:endParaRPr lang="fr-FR"/>
+          </a:p>
+        </p:txBody>
+      </p:sp>
+      <p:sp>
+        <p:nvSpPr>
+          <p:cNvPr id="23" name="Flèche : double flèche horizontale 22">
+            <a:extLst>
+              <a:ext uri="{FF2B5EF4-FFF2-40B4-BE49-F238E27FC236}">
+                <a16:creationId xmlns:a16="http://schemas.microsoft.com/office/drawing/2014/main" id="{1071556F-F791-4EA0-8063-D0370A498624}"/>
+              </a:ext>
+            </a:extLst>
+          </p:cNvPr>
+          <p:cNvSpPr/>
+          <p:nvPr/>
+        </p:nvSpPr>
+        <p:spPr>
+          <a:xfrm>
+            <a:off x="6865620" y="5195619"/>
+            <a:ext cx="612865" cy="317994"/>
+          </a:xfrm>
+          <a:prstGeom prst="leftRightArrow">
+            <a:avLst/>
+          </a:prstGeom>
+          <a:solidFill>
+            <a:srgbClr val="2FC9FF"/>
+          </a:solidFill>
+          <a:ln>
+            <a:solidFill>
+              <a:srgbClr val="00B0F0"/>
+            </a:solidFill>
+          </a:ln>
+        </p:spPr>
+        <p:style>
+          <a:lnRef idx="2">
+            <a:schemeClr val="accent1">
+              <a:shade val="50000"/>
+            </a:schemeClr>
+          </a:lnRef>
+          <a:fillRef idx="1">
+            <a:schemeClr val="accent1"/>
+          </a:fillRef>
+          <a:effectRef idx="0">
+            <a:schemeClr val="accent1"/>
+          </a:effectRef>
+          <a:fontRef idx="minor">
+            <a:schemeClr val="lt1"/>
+          </a:fontRef>
+        </p:style>
+        <p:txBody>
+          <a:bodyPr rot="0" spcFirstLastPara="0" vert="horz" wrap="square" lIns="91440" tIns="45720" rIns="91440" bIns="45720" numCol="1" spcCol="0" rtlCol="0" fromWordArt="0" anchor="ctr" anchorCtr="0" forceAA="0" compatLnSpc="1">
+            <a:prstTxWarp prst="textNoShape">
+              <a:avLst/>
+            </a:prstTxWarp>
+            <a:noAutofit/>
+          </a:bodyPr>
+          <a:lstStyle/>
+          <a:p>
+            <a:endParaRPr lang="fr-FR"/>
+          </a:p>
+        </p:txBody>
+      </p:sp>
+      <p:sp>
+        <p:nvSpPr>
+          <p:cNvPr id="24" name="Flèche : double flèche horizontale 23">
+            <a:extLst>
+              <a:ext uri="{FF2B5EF4-FFF2-40B4-BE49-F238E27FC236}">
+                <a16:creationId xmlns:a16="http://schemas.microsoft.com/office/drawing/2014/main" id="{9E1D88BE-4C03-4E58-BF2A-430DC0CFE2A3}"/>
+              </a:ext>
+            </a:extLst>
+          </p:cNvPr>
+          <p:cNvSpPr/>
+          <p:nvPr/>
+        </p:nvSpPr>
+        <p:spPr>
+          <a:xfrm>
+            <a:off x="4563290" y="5665171"/>
+            <a:ext cx="1666060" cy="311085"/>
+          </a:xfrm>
+          <a:prstGeom prst="leftRightArrow">
+            <a:avLst/>
+          </a:prstGeom>
+          <a:solidFill>
+            <a:srgbClr val="1EEA14"/>
+          </a:solidFill>
+          <a:ln>
+            <a:solidFill>
+              <a:srgbClr val="92D050"/>
+            </a:solidFill>
+          </a:ln>
+        </p:spPr>
+        <p:style>
+          <a:lnRef idx="2">
+            <a:schemeClr val="accent1">
+              <a:shade val="50000"/>
+            </a:schemeClr>
+          </a:lnRef>
+          <a:fillRef idx="1">
+            <a:schemeClr val="accent1"/>
+          </a:fillRef>
+          <a:effectRef idx="0">
+            <a:schemeClr val="accent1"/>
+          </a:effectRef>
+          <a:fontRef idx="minor">
+            <a:schemeClr val="lt1"/>
+          </a:fontRef>
+        </p:style>
+        <p:txBody>
+          <a:bodyPr rot="0" spcFirstLastPara="0" vert="horz" wrap="square" lIns="91440" tIns="45720" rIns="91440" bIns="45720" numCol="1" spcCol="0" rtlCol="0" fromWordArt="0" anchor="ctr" anchorCtr="0" forceAA="0" compatLnSpc="1">
+            <a:prstTxWarp prst="textNoShape">
+              <a:avLst/>
+            </a:prstTxWarp>
+            <a:noAutofit/>
+          </a:bodyPr>
+          <a:lstStyle/>
+          <a:p>
+            <a:endParaRPr lang="fr-FR"/>
+          </a:p>
+        </p:txBody>
+      </p:sp>
+      <p:sp>
+        <p:nvSpPr>
+          <p:cNvPr id="25" name="Rectangle : coins arrondis 24">
+            <a:extLst>
+              <a:ext uri="{FF2B5EF4-FFF2-40B4-BE49-F238E27FC236}">
+                <a16:creationId xmlns:a16="http://schemas.microsoft.com/office/drawing/2014/main" id="{489DFF1B-53BB-413F-A40C-14160C2DCD79}"/>
+              </a:ext>
+            </a:extLst>
+          </p:cNvPr>
+          <p:cNvSpPr/>
+          <p:nvPr/>
+        </p:nvSpPr>
+        <p:spPr>
+          <a:xfrm>
+            <a:off x="2802731" y="3747359"/>
+            <a:ext cx="1661954" cy="801039"/>
+          </a:xfrm>
+          <a:prstGeom prst="roundRect">
+            <a:avLst/>
+          </a:prstGeom>
+          <a:noFill/>
+          <a:ln w="50800">
+            <a:solidFill>
+              <a:srgbClr val="92D050"/>
+            </a:solidFill>
+          </a:ln>
+        </p:spPr>
+        <p:style>
+          <a:lnRef idx="2">
+            <a:schemeClr val="accent1">
+              <a:shade val="50000"/>
+            </a:schemeClr>
+          </a:lnRef>
+          <a:fillRef idx="1">
+            <a:schemeClr val="accent1"/>
+          </a:fillRef>
+          <a:effectRef idx="0">
+            <a:schemeClr val="accent1"/>
+          </a:effectRef>
+          <a:fontRef idx="minor">
+            <a:schemeClr val="lt1"/>
+          </a:fontRef>
+        </p:style>
+        <p:txBody>
+          <a:bodyPr rot="0" spcFirstLastPara="0" vert="horz" wrap="square" lIns="91440" tIns="45720" rIns="91440" bIns="45720" numCol="1" spcCol="0" rtlCol="0" fromWordArt="0" anchor="ctr" anchorCtr="0" forceAA="0" compatLnSpc="1">
+            <a:prstTxWarp prst="textNoShape">
+              <a:avLst/>
+            </a:prstTxWarp>
+            <a:noAutofit/>
+          </a:bodyPr>
+          <a:lstStyle/>
+          <a:p>
+            <a:endParaRPr lang="fr-FR"/>
+          </a:p>
+        </p:txBody>
+      </p:sp>
+      <p:sp>
+        <p:nvSpPr>
+          <p:cNvPr id="26" name="Rectangle : coins arrondis 25">
+            <a:extLst>
+              <a:ext uri="{FF2B5EF4-FFF2-40B4-BE49-F238E27FC236}">
+                <a16:creationId xmlns:a16="http://schemas.microsoft.com/office/drawing/2014/main" id="{182E2B6F-2034-4B2C-8B91-AF4F0257F1FA}"/>
+              </a:ext>
+            </a:extLst>
+          </p:cNvPr>
+          <p:cNvSpPr/>
+          <p:nvPr/>
+        </p:nvSpPr>
+        <p:spPr>
+          <a:xfrm>
+            <a:off x="6280150" y="2818392"/>
+            <a:ext cx="1630363" cy="801039"/>
+          </a:xfrm>
+          <a:prstGeom prst="roundRect">
+            <a:avLst/>
+          </a:prstGeom>
+          <a:noFill/>
+          <a:ln w="50800">
+            <a:solidFill>
+              <a:srgbClr val="92D050"/>
+            </a:solidFill>
+          </a:ln>
+        </p:spPr>
+        <p:style>
+          <a:lnRef idx="2">
+            <a:schemeClr val="accent1">
+              <a:shade val="50000"/>
+            </a:schemeClr>
+          </a:lnRef>
+          <a:fillRef idx="1">
+            <a:schemeClr val="accent1"/>
+          </a:fillRef>
+          <a:effectRef idx="0">
+            <a:schemeClr val="accent1"/>
+          </a:effectRef>
+          <a:fontRef idx="minor">
+            <a:schemeClr val="lt1"/>
+          </a:fontRef>
+        </p:style>
+        <p:txBody>
+          <a:bodyPr rot="0" spcFirstLastPara="0" vert="horz" wrap="square" lIns="91440" tIns="45720" rIns="91440" bIns="45720" numCol="1" spcCol="0" rtlCol="0" fromWordArt="0" anchor="ctr" anchorCtr="0" forceAA="0" compatLnSpc="1">
+            <a:prstTxWarp prst="textNoShape">
+              <a:avLst/>
+            </a:prstTxWarp>
+            <a:noAutofit/>
+          </a:bodyPr>
+          <a:lstStyle/>
+          <a:p>
+            <a:endParaRPr lang="fr-FR"/>
+          </a:p>
+        </p:txBody>
+      </p:sp>
+      <p:sp>
+        <p:nvSpPr>
+          <p:cNvPr id="27" name="Rectangle : coins arrondis 26">
+            <a:extLst>
+              <a:ext uri="{FF2B5EF4-FFF2-40B4-BE49-F238E27FC236}">
+                <a16:creationId xmlns:a16="http://schemas.microsoft.com/office/drawing/2014/main" id="{67F0BB05-9A0E-438F-99F2-3FA9E65C5937}"/>
+              </a:ext>
+            </a:extLst>
+          </p:cNvPr>
+          <p:cNvSpPr/>
+          <p:nvPr/>
+        </p:nvSpPr>
+        <p:spPr>
+          <a:xfrm>
+            <a:off x="4541997" y="2816202"/>
+            <a:ext cx="1649888" cy="801039"/>
+          </a:xfrm>
+          <a:prstGeom prst="roundRect">
+            <a:avLst/>
+          </a:prstGeom>
+          <a:noFill/>
+          <a:ln w="50800">
+            <a:solidFill>
+              <a:srgbClr val="00B0F0"/>
+            </a:solidFill>
+          </a:ln>
+        </p:spPr>
+        <p:style>
+          <a:lnRef idx="2">
+            <a:schemeClr val="accent1">
+              <a:shade val="50000"/>
+            </a:schemeClr>
+          </a:lnRef>
+          <a:fillRef idx="1">
+            <a:schemeClr val="accent1"/>
+          </a:fillRef>
+          <a:effectRef idx="0">
+            <a:schemeClr val="accent1"/>
+          </a:effectRef>
+          <a:fontRef idx="minor">
+            <a:schemeClr val="lt1"/>
+          </a:fontRef>
+        </p:style>
+        <p:txBody>
+          <a:bodyPr rot="0" spcFirstLastPara="0" vert="horz" wrap="square" lIns="91440" tIns="45720" rIns="91440" bIns="45720" numCol="1" spcCol="0" rtlCol="0" fromWordArt="0" anchor="ctr" anchorCtr="0" forceAA="0" compatLnSpc="1">
+            <a:prstTxWarp prst="textNoShape">
+              <a:avLst/>
+            </a:prstTxWarp>
+            <a:noAutofit/>
+          </a:bodyPr>
+          <a:lstStyle/>
+          <a:p>
+            <a:endParaRPr lang="fr-FR"/>
+          </a:p>
+        </p:txBody>
+      </p:sp>
+      <p:sp>
+        <p:nvSpPr>
+          <p:cNvPr id="28" name="Rectangle : coins arrondis 27">
+            <a:extLst>
+              <a:ext uri="{FF2B5EF4-FFF2-40B4-BE49-F238E27FC236}">
+                <a16:creationId xmlns:a16="http://schemas.microsoft.com/office/drawing/2014/main" id="{F606E47C-726C-4713-AAF3-C821E5344F3E}"/>
+              </a:ext>
+            </a:extLst>
+          </p:cNvPr>
+          <p:cNvSpPr/>
+          <p:nvPr/>
+        </p:nvSpPr>
+        <p:spPr>
+          <a:xfrm>
+            <a:off x="6268083" y="3749157"/>
+            <a:ext cx="1661954" cy="801039"/>
+          </a:xfrm>
+          <a:prstGeom prst="roundRect">
+            <a:avLst/>
+          </a:prstGeom>
+          <a:noFill/>
+          <a:ln w="50800">
+            <a:solidFill>
+              <a:srgbClr val="00B0F0"/>
+            </a:solidFill>
+          </a:ln>
+        </p:spPr>
+        <p:style>
+          <a:lnRef idx="2">
+            <a:schemeClr val="accent1">
+              <a:shade val="50000"/>
+            </a:schemeClr>
+          </a:lnRef>
+          <a:fillRef idx="1">
+            <a:schemeClr val="accent1"/>
+          </a:fillRef>
+          <a:effectRef idx="0">
+            <a:schemeClr val="accent1"/>
+          </a:effectRef>
+          <a:fontRef idx="minor">
+            <a:schemeClr val="lt1"/>
+          </a:fontRef>
+        </p:style>
+        <p:txBody>
+          <a:bodyPr rot="0" spcFirstLastPara="0" vert="horz" wrap="square" lIns="91440" tIns="45720" rIns="91440" bIns="45720" numCol="1" spcCol="0" rtlCol="0" fromWordArt="0" anchor="ctr" anchorCtr="0" forceAA="0" compatLnSpc="1">
+            <a:prstTxWarp prst="textNoShape">
+              <a:avLst/>
+            </a:prstTxWarp>
+            <a:noAutofit/>
+          </a:bodyPr>
+          <a:lstStyle/>
+          <a:p>
+            <a:endParaRPr lang="fr-FR"/>
+          </a:p>
+        </p:txBody>
+      </p:sp>
+      <p:cxnSp>
+        <p:nvCxnSpPr>
+          <p:cNvPr id="29" name="Connecteur droit 28">
+            <a:extLst>
+              <a:ext uri="{FF2B5EF4-FFF2-40B4-BE49-F238E27FC236}">
+                <a16:creationId xmlns:a16="http://schemas.microsoft.com/office/drawing/2014/main" id="{275F8654-B445-4228-94F2-002ED50C11F4}"/>
+              </a:ext>
+            </a:extLst>
+          </p:cNvPr>
+          <p:cNvCxnSpPr>
+            <a:cxnSpLocks/>
+          </p:cNvCxnSpPr>
+          <p:nvPr/>
+        </p:nvCxnSpPr>
+        <p:spPr>
+          <a:xfrm flipH="1" flipV="1">
+            <a:off x="2002064" y="4570810"/>
+            <a:ext cx="2878658" cy="678299"/>
+          </a:xfrm>
+          <a:prstGeom prst="line">
+            <a:avLst/>
+          </a:prstGeom>
+          <a:ln>
+            <a:solidFill>
+              <a:schemeClr val="accent1"/>
+            </a:solidFill>
+          </a:ln>
+        </p:spPr>
+        <p:style>
+          <a:lnRef idx="3">
+            <a:schemeClr val="accent1"/>
+          </a:lnRef>
+          <a:fillRef idx="0">
+            <a:schemeClr val="accent1"/>
+          </a:fillRef>
+          <a:effectRef idx="2">
+            <a:schemeClr val="accent1"/>
+          </a:effectRef>
+          <a:fontRef idx="minor">
+            <a:schemeClr val="tx1"/>
+          </a:fontRef>
+        </p:style>
+      </p:cxnSp>
+      <p:sp>
+        <p:nvSpPr>
+          <p:cNvPr id="31" name="Zone de texte 45">
+            <a:extLst>
+              <a:ext uri="{FF2B5EF4-FFF2-40B4-BE49-F238E27FC236}">
+                <a16:creationId xmlns:a16="http://schemas.microsoft.com/office/drawing/2014/main" id="{4137D27B-845D-49BA-A870-304F07D89BFE}"/>
+              </a:ext>
+            </a:extLst>
+          </p:cNvPr>
+          <p:cNvSpPr txBox="1"/>
+          <p:nvPr/>
+        </p:nvSpPr>
+        <p:spPr>
+          <a:xfrm>
+            <a:off x="905817" y="4289822"/>
+            <a:ext cx="1095375" cy="561975"/>
+          </a:xfrm>
+          <a:prstGeom prst="rect">
+            <a:avLst/>
+          </a:prstGeom>
+          <a:solidFill>
+            <a:schemeClr val="lt1"/>
+          </a:solidFill>
+          <a:ln w="6350">
+            <a:solidFill>
+              <a:schemeClr val="accent1"/>
+            </a:solidFill>
+          </a:ln>
+        </p:spPr>
+        <p:txBody>
+          <a:bodyPr rot="0" spcFirstLastPara="0" vert="horz" wrap="square" lIns="91440" tIns="45720" rIns="91440" bIns="45720" numCol="1" spcCol="0" rtlCol="0" fromWordArt="0" anchor="t" anchorCtr="0" forceAA="0" compatLnSpc="1">
+            <a:prstTxWarp prst="textNoShape">
+              <a:avLst/>
+            </a:prstTxWarp>
+            <a:noAutofit/>
+          </a:bodyPr>
+          <a:lstStyle/>
+          <a:p>
+            <a:pPr>
+              <a:lnSpc>
+                <a:spcPct val="107000"/>
+              </a:lnSpc>
+              <a:spcAft>
+                <a:spcPts val="800"/>
+              </a:spcAft>
             </a:pPr>
             <a:r>
-              <a:rPr lang="fr-FR" sz="1400" dirty="0"/>
-              <a:t>Condition : </a:t>
-            </a:r>
-            <a:r>
-              <a:rPr lang="fr-FR" sz="1400" dirty="0">
+              <a:rPr lang="fr-FR" sz="1000" dirty="0">
                 <a:solidFill>
                   <a:schemeClr val="accent1"/>
                 </a:solidFill>
+                <a:effectLst/>
+                <a:latin typeface="Calibri" panose="020F0502020204030204" pitchFamily="34" charset="0"/>
+                <a:ea typeface="Calibri" panose="020F0502020204030204" pitchFamily="34" charset="0"/>
+                <a:cs typeface="Calibri" panose="020F0502020204030204" pitchFamily="34" charset="0"/>
               </a:rPr>
-              <a:t>Si E1 est à 0 alors activer la sortie, sinon, désactiver la sortie</a:t>
-            </a:r>
-          </a:p>
-          <a:p>
-            <a:pPr marL="1200150" lvl="2" indent="-285750">
-              <a:buFont typeface="Courier New" panose="02070309020205020404" pitchFamily="49" charset="0"/>
-              <a:buChar char="o"/>
-            </a:pPr>
-            <a:r>
-              <a:rPr lang="fr-FR" sz="1400" dirty="0"/>
-              <a:t>Voltage : </a:t>
-            </a:r>
-            <a:r>
-              <a:rPr lang="fr-FR" sz="1400" dirty="0">
-                <a:solidFill>
-                  <a:schemeClr val="accent6">
-                    <a:lumMod val="50000"/>
-                  </a:schemeClr>
-                </a:solidFill>
-              </a:rPr>
-              <a:t>0-5V</a:t>
-            </a:r>
-          </a:p>
-        </p:txBody>
-      </p:sp>
-      <p:pic>
-        <p:nvPicPr>
-          <p:cNvPr id="14" name="Image 13">
-            <a:extLst>
-              <a:ext uri="{FF2B5EF4-FFF2-40B4-BE49-F238E27FC236}">
-                <a16:creationId xmlns:a16="http://schemas.microsoft.com/office/drawing/2014/main" id="{A03A7D80-A8C9-4E2F-A421-49657C0CE2F3}"/>
-              </a:ext>
-            </a:extLst>
-          </p:cNvPr>
-          <p:cNvPicPr>
-            <a:picLocks noChangeAspect="1"/>
-          </p:cNvPicPr>
+              <a:t>Application Web sur l’affichage de l’état de la salle</a:t>
+            </a:r>
+            <a:endParaRPr lang="fr-FR" sz="1100" dirty="0">
+              <a:solidFill>
+                <a:schemeClr val="accent1"/>
+              </a:solidFill>
+              <a:effectLst/>
+              <a:latin typeface="Calibri" panose="020F0502020204030204" pitchFamily="34" charset="0"/>
+              <a:ea typeface="Calibri" panose="020F0502020204030204" pitchFamily="34" charset="0"/>
+              <a:cs typeface="Times New Roman" panose="02020603050405020304" pitchFamily="18" charset="0"/>
+            </a:endParaRPr>
+          </a:p>
+        </p:txBody>
+      </p:sp>
+      <p:cxnSp>
+        <p:nvCxnSpPr>
+          <p:cNvPr id="32" name="Connecteur droit 31">
+            <a:extLst>
+              <a:ext uri="{FF2B5EF4-FFF2-40B4-BE49-F238E27FC236}">
+                <a16:creationId xmlns:a16="http://schemas.microsoft.com/office/drawing/2014/main" id="{7A108338-C537-43B1-B6F3-044BA5E019D3}"/>
+              </a:ext>
+            </a:extLst>
+          </p:cNvPr>
+          <p:cNvCxnSpPr>
+            <a:cxnSpLocks/>
+          </p:cNvCxnSpPr>
           <p:nvPr/>
-        </p:nvPicPr>
-        <p:blipFill>
-          <a:blip r:embed="rId5"/>
-          <a:stretch>
-            <a:fillRect/>
-          </a:stretch>
-        </p:blipFill>
-        <p:spPr>
-          <a:xfrm flipH="1">
-            <a:off x="7206968" y="3934078"/>
-            <a:ext cx="1333376" cy="1333376"/>
+        </p:nvCxnSpPr>
+        <p:spPr>
+          <a:xfrm flipV="1">
+            <a:off x="7026093" y="4775248"/>
+            <a:ext cx="2781391" cy="380401"/>
+          </a:xfrm>
+          <a:prstGeom prst="line">
+            <a:avLst/>
+          </a:prstGeom>
+          <a:ln>
+            <a:solidFill>
+              <a:srgbClr val="2FC9FF"/>
+            </a:solidFill>
+          </a:ln>
+        </p:spPr>
+        <p:style>
+          <a:lnRef idx="3">
+            <a:schemeClr val="accent1"/>
+          </a:lnRef>
+          <a:fillRef idx="0">
+            <a:schemeClr val="accent1"/>
+          </a:fillRef>
+          <a:effectRef idx="2">
+            <a:schemeClr val="accent1"/>
+          </a:effectRef>
+          <a:fontRef idx="minor">
+            <a:schemeClr val="tx1"/>
+          </a:fontRef>
+        </p:style>
+      </p:cxnSp>
+      <p:sp>
+        <p:nvSpPr>
+          <p:cNvPr id="34" name="Zone de texte 44">
+            <a:extLst>
+              <a:ext uri="{FF2B5EF4-FFF2-40B4-BE49-F238E27FC236}">
+                <a16:creationId xmlns:a16="http://schemas.microsoft.com/office/drawing/2014/main" id="{4684EDED-9F12-45D2-926B-0E58883DBD1C}"/>
+              </a:ext>
+            </a:extLst>
+          </p:cNvPr>
+          <p:cNvSpPr txBox="1"/>
+          <p:nvPr/>
+        </p:nvSpPr>
+        <p:spPr>
+          <a:xfrm>
+            <a:off x="9811861" y="4481244"/>
+            <a:ext cx="1095375" cy="561975"/>
           </a:xfrm>
           <a:prstGeom prst="rect">
             <a:avLst/>
           </a:prstGeom>
-        </p:spPr>
-      </p:pic>
+          <a:solidFill>
+            <a:schemeClr val="lt1"/>
+          </a:solidFill>
+          <a:ln w="6350">
+            <a:solidFill>
+              <a:srgbClr val="2FC9FF"/>
+            </a:solidFill>
+          </a:ln>
+        </p:spPr>
+        <p:txBody>
+          <a:bodyPr rot="0" spcFirstLastPara="0" vert="horz" wrap="square" lIns="91440" tIns="45720" rIns="91440" bIns="45720" numCol="1" spcCol="0" rtlCol="0" fromWordArt="0" anchor="t" anchorCtr="0" forceAA="0" compatLnSpc="1">
+            <a:prstTxWarp prst="textNoShape">
+              <a:avLst/>
+            </a:prstTxWarp>
+            <a:noAutofit/>
+          </a:bodyPr>
+          <a:lstStyle/>
+          <a:p>
+            <a:pPr>
+              <a:lnSpc>
+                <a:spcPct val="107000"/>
+              </a:lnSpc>
+              <a:spcAft>
+                <a:spcPts val="800"/>
+              </a:spcAft>
+            </a:pPr>
+            <a:r>
+              <a:rPr lang="fr-FR" sz="1000" dirty="0">
+                <a:solidFill>
+                  <a:srgbClr val="2FC9FF"/>
+                </a:solidFill>
+                <a:effectLst/>
+                <a:latin typeface="Calibri" panose="020F0502020204030204" pitchFamily="34" charset="0"/>
+                <a:ea typeface="Calibri" panose="020F0502020204030204" pitchFamily="34" charset="0"/>
+                <a:cs typeface="Calibri" panose="020F0502020204030204" pitchFamily="34" charset="0"/>
+              </a:rPr>
+              <a:t>Application Web de pilotage des actionneurs</a:t>
+            </a:r>
+            <a:endParaRPr lang="fr-FR" sz="1100" dirty="0">
+              <a:effectLst/>
+              <a:latin typeface="Calibri" panose="020F0502020204030204" pitchFamily="34" charset="0"/>
+              <a:ea typeface="Calibri" panose="020F0502020204030204" pitchFamily="34" charset="0"/>
+              <a:cs typeface="Times New Roman" panose="02020603050405020304" pitchFamily="18" charset="0"/>
+            </a:endParaRPr>
+          </a:p>
+        </p:txBody>
+      </p:sp>
+      <p:sp>
+        <p:nvSpPr>
+          <p:cNvPr id="30" name="Flèche : double flèche horizontale 29">
+            <a:extLst>
+              <a:ext uri="{FF2B5EF4-FFF2-40B4-BE49-F238E27FC236}">
+                <a16:creationId xmlns:a16="http://schemas.microsoft.com/office/drawing/2014/main" id="{F9F6A72D-174F-4BC3-8B21-E7E934847993}"/>
+              </a:ext>
+            </a:extLst>
+          </p:cNvPr>
+          <p:cNvSpPr/>
+          <p:nvPr/>
+        </p:nvSpPr>
+        <p:spPr>
+          <a:xfrm rot="16200000">
+            <a:off x="7428681" y="4657774"/>
+            <a:ext cx="535940" cy="234950"/>
+          </a:xfrm>
+          <a:prstGeom prst="leftRightArrow">
+            <a:avLst/>
+          </a:prstGeom>
+          <a:solidFill>
+            <a:srgbClr val="FF0000"/>
+          </a:solidFill>
+          <a:ln>
+            <a:noFill/>
+          </a:ln>
+        </p:spPr>
+        <p:style>
+          <a:lnRef idx="2">
+            <a:schemeClr val="accent1">
+              <a:shade val="50000"/>
+            </a:schemeClr>
+          </a:lnRef>
+          <a:fillRef idx="1">
+            <a:schemeClr val="accent1"/>
+          </a:fillRef>
+          <a:effectRef idx="0">
+            <a:schemeClr val="accent1"/>
+          </a:effectRef>
+          <a:fontRef idx="minor">
+            <a:schemeClr val="lt1"/>
+          </a:fontRef>
+        </p:style>
+        <p:txBody>
+          <a:bodyPr rot="0" spcFirstLastPara="0" vert="horz" wrap="square" lIns="91440" tIns="45720" rIns="91440" bIns="45720" numCol="1" spcCol="0" rtlCol="0" fromWordArt="0" anchor="ctr" anchorCtr="0" forceAA="0" compatLnSpc="1">
+            <a:prstTxWarp prst="textNoShape">
+              <a:avLst/>
+            </a:prstTxWarp>
+            <a:noAutofit/>
+          </a:bodyPr>
+          <a:lstStyle/>
+          <a:p>
+            <a:endParaRPr lang="fr-FR"/>
+          </a:p>
+        </p:txBody>
+      </p:sp>
+      <p:sp>
+        <p:nvSpPr>
+          <p:cNvPr id="33" name="Rectangle : coins arrondis 32">
+            <a:extLst>
+              <a:ext uri="{FF2B5EF4-FFF2-40B4-BE49-F238E27FC236}">
+                <a16:creationId xmlns:a16="http://schemas.microsoft.com/office/drawing/2014/main" id="{7CE9B7C8-5101-4D32-9FE4-BA4514E34A1A}"/>
+              </a:ext>
+            </a:extLst>
+          </p:cNvPr>
+          <p:cNvSpPr/>
+          <p:nvPr/>
+        </p:nvSpPr>
+        <p:spPr>
+          <a:xfrm>
+            <a:off x="3683181" y="5901112"/>
+            <a:ext cx="438833" cy="466534"/>
+          </a:xfrm>
+          <a:prstGeom prst="roundRect">
+            <a:avLst/>
+          </a:prstGeom>
+          <a:noFill/>
+          <a:ln w="50800">
+            <a:solidFill>
+              <a:srgbClr val="92D050"/>
+            </a:solidFill>
+          </a:ln>
+        </p:spPr>
+        <p:style>
+          <a:lnRef idx="2">
+            <a:schemeClr val="accent1">
+              <a:shade val="50000"/>
+            </a:schemeClr>
+          </a:lnRef>
+          <a:fillRef idx="1">
+            <a:schemeClr val="accent1"/>
+          </a:fillRef>
+          <a:effectRef idx="0">
+            <a:schemeClr val="accent1"/>
+          </a:effectRef>
+          <a:fontRef idx="minor">
+            <a:schemeClr val="lt1"/>
+          </a:fontRef>
+        </p:style>
+        <p:txBody>
+          <a:bodyPr rot="0" spcFirstLastPara="0" vert="horz" wrap="square" lIns="91440" tIns="45720" rIns="91440" bIns="45720" numCol="1" spcCol="0" rtlCol="0" fromWordArt="0" anchor="ctr" anchorCtr="0" forceAA="0" compatLnSpc="1">
+            <a:prstTxWarp prst="textNoShape">
+              <a:avLst/>
+            </a:prstTxWarp>
+            <a:noAutofit/>
+          </a:bodyPr>
+          <a:lstStyle/>
+          <a:p>
+            <a:endParaRPr lang="fr-FR"/>
+          </a:p>
+        </p:txBody>
+      </p:sp>
     </p:spTree>
     <p:extLst>
       <p:ext uri="{BB962C8B-B14F-4D97-AF65-F5344CB8AC3E}">
-        <p14:creationId xmlns:p14="http://schemas.microsoft.com/office/powerpoint/2010/main" val="1226980342"/>
+        <p14:creationId xmlns:p14="http://schemas.microsoft.com/office/powerpoint/2010/main" val="3816919354"/>
       </p:ext>
     </p:extLst>
   </p:cSld>
   <p:clrMapOvr>
     <a:masterClrMapping/>
   </p:clrMapOvr>
+  <p:timing>
+    <p:tnLst>
+      <p:par>
+        <p:cTn id="1" dur="indefinite" restart="never" nodeType="tmRoot">
+          <p:childTnLst>
+            <p:seq concurrent="1" nextAc="seek">
+              <p:cTn id="2" dur="indefinite" nodeType="mainSeq">
+                <p:childTnLst>
+                  <p:par>
+                    <p:cTn id="3" fill="hold">
+                      <p:stCondLst>
+                        <p:cond delay="indefinite"/>
+                      </p:stCondLst>
+                      <p:childTnLst>
+                        <p:par>
+                          <p:cTn id="4" fill="hold">
+                            <p:stCondLst>
+                              <p:cond delay="0"/>
+                            </p:stCondLst>
+                            <p:childTnLst>
+                              <p:par>
+                                <p:cTn id="5" presetID="1" presetClass="entr" presetSubtype="0" fill="hold" grpId="0" nodeType="clickEffect">
+                                  <p:stCondLst>
+                                    <p:cond delay="0"/>
+                                  </p:stCondLst>
+                                  <p:childTnLst>
+                                    <p:set>
+                                      <p:cBhvr>
+                                        <p:cTn id="6" dur="1" fill="hold">
+                                          <p:stCondLst>
+                                            <p:cond delay="0"/>
+                                          </p:stCondLst>
+                                        </p:cTn>
+                                        <p:tgtEl>
+                                          <p:spTgt spid="5"/>
+                                        </p:tgtEl>
+                                        <p:attrNameLst>
+                                          <p:attrName>style.visibility</p:attrName>
+                                        </p:attrNameLst>
+                                      </p:cBhvr>
+                                      <p:to>
+                                        <p:strVal val="visible"/>
+                                      </p:to>
+                                    </p:set>
+                                  </p:childTnLst>
+                                </p:cTn>
+                              </p:par>
+                            </p:childTnLst>
+                          </p:cTn>
+                        </p:par>
+                      </p:childTnLst>
+                    </p:cTn>
+                  </p:par>
+                  <p:par>
+                    <p:cTn id="7" fill="hold">
+                      <p:stCondLst>
+                        <p:cond delay="indefinite"/>
+                      </p:stCondLst>
+                      <p:childTnLst>
+                        <p:par>
+                          <p:cTn id="8" fill="hold">
+                            <p:stCondLst>
+                              <p:cond delay="0"/>
+                            </p:stCondLst>
+                            <p:childTnLst>
+                              <p:par>
+                                <p:cTn id="9" presetID="1" presetClass="entr" presetSubtype="0" fill="hold" grpId="0" nodeType="clickEffect">
+                                  <p:stCondLst>
+                                    <p:cond delay="0"/>
+                                  </p:stCondLst>
+                                  <p:childTnLst>
+                                    <p:set>
+                                      <p:cBhvr>
+                                        <p:cTn id="10" dur="1" fill="hold">
+                                          <p:stCondLst>
+                                            <p:cond delay="0"/>
+                                          </p:stCondLst>
+                                        </p:cTn>
+                                        <p:tgtEl>
+                                          <p:spTgt spid="8"/>
+                                        </p:tgtEl>
+                                        <p:attrNameLst>
+                                          <p:attrName>style.visibility</p:attrName>
+                                        </p:attrNameLst>
+                                      </p:cBhvr>
+                                      <p:to>
+                                        <p:strVal val="visible"/>
+                                      </p:to>
+                                    </p:set>
+                                  </p:childTnLst>
+                                </p:cTn>
+                              </p:par>
+                            </p:childTnLst>
+                          </p:cTn>
+                        </p:par>
+                      </p:childTnLst>
+                    </p:cTn>
+                  </p:par>
+                  <p:par>
+                    <p:cTn id="11" fill="hold">
+                      <p:stCondLst>
+                        <p:cond delay="indefinite"/>
+                      </p:stCondLst>
+                      <p:childTnLst>
+                        <p:par>
+                          <p:cTn id="12" fill="hold">
+                            <p:stCondLst>
+                              <p:cond delay="0"/>
+                            </p:stCondLst>
+                            <p:childTnLst>
+                              <p:par>
+                                <p:cTn id="13" presetID="1" presetClass="entr" presetSubtype="0" fill="hold" grpId="0" nodeType="clickEffect">
+                                  <p:stCondLst>
+                                    <p:cond delay="0"/>
+                                  </p:stCondLst>
+                                  <p:childTnLst>
+                                    <p:set>
+                                      <p:cBhvr>
+                                        <p:cTn id="14" dur="1" fill="hold">
+                                          <p:stCondLst>
+                                            <p:cond delay="0"/>
+                                          </p:stCondLst>
+                                        </p:cTn>
+                                        <p:tgtEl>
+                                          <p:spTgt spid="7"/>
+                                        </p:tgtEl>
+                                        <p:attrNameLst>
+                                          <p:attrName>style.visibility</p:attrName>
+                                        </p:attrNameLst>
+                                      </p:cBhvr>
+                                      <p:to>
+                                        <p:strVal val="visible"/>
+                                      </p:to>
+                                    </p:set>
+                                  </p:childTnLst>
+                                </p:cTn>
+                              </p:par>
+                            </p:childTnLst>
+                          </p:cTn>
+                        </p:par>
+                      </p:childTnLst>
+                    </p:cTn>
+                  </p:par>
+                  <p:par>
+                    <p:cTn id="15" fill="hold">
+                      <p:stCondLst>
+                        <p:cond delay="indefinite"/>
+                      </p:stCondLst>
+                      <p:childTnLst>
+                        <p:par>
+                          <p:cTn id="16" fill="hold">
+                            <p:stCondLst>
+                              <p:cond delay="0"/>
+                            </p:stCondLst>
+                            <p:childTnLst>
+                              <p:par>
+                                <p:cTn id="17" presetID="1" presetClass="entr" presetSubtype="0" fill="hold" nodeType="clickEffect">
+                                  <p:stCondLst>
+                                    <p:cond delay="0"/>
+                                  </p:stCondLst>
+                                  <p:childTnLst>
+                                    <p:set>
+                                      <p:cBhvr>
+                                        <p:cTn id="18" dur="1" fill="hold">
+                                          <p:stCondLst>
+                                            <p:cond delay="0"/>
+                                          </p:stCondLst>
+                                        </p:cTn>
+                                        <p:tgtEl>
+                                          <p:spTgt spid="29"/>
+                                        </p:tgtEl>
+                                        <p:attrNameLst>
+                                          <p:attrName>style.visibility</p:attrName>
+                                        </p:attrNameLst>
+                                      </p:cBhvr>
+                                      <p:to>
+                                        <p:strVal val="visible"/>
+                                      </p:to>
+                                    </p:set>
+                                  </p:childTnLst>
+                                </p:cTn>
+                              </p:par>
+                            </p:childTnLst>
+                          </p:cTn>
+                        </p:par>
+                      </p:childTnLst>
+                    </p:cTn>
+                  </p:par>
+                  <p:par>
+                    <p:cTn id="19" fill="hold">
+                      <p:stCondLst>
+                        <p:cond delay="indefinite"/>
+                      </p:stCondLst>
+                      <p:childTnLst>
+                        <p:par>
+                          <p:cTn id="20" fill="hold">
+                            <p:stCondLst>
+                              <p:cond delay="0"/>
+                            </p:stCondLst>
+                            <p:childTnLst>
+                              <p:par>
+                                <p:cTn id="21" presetID="1" presetClass="entr" presetSubtype="0" fill="hold" grpId="0" nodeType="clickEffect">
+                                  <p:stCondLst>
+                                    <p:cond delay="0"/>
+                                  </p:stCondLst>
+                                  <p:childTnLst>
+                                    <p:set>
+                                      <p:cBhvr>
+                                        <p:cTn id="22" dur="1" fill="hold">
+                                          <p:stCondLst>
+                                            <p:cond delay="0"/>
+                                          </p:stCondLst>
+                                        </p:cTn>
+                                        <p:tgtEl>
+                                          <p:spTgt spid="31"/>
+                                        </p:tgtEl>
+                                        <p:attrNameLst>
+                                          <p:attrName>style.visibility</p:attrName>
+                                        </p:attrNameLst>
+                                      </p:cBhvr>
+                                      <p:to>
+                                        <p:strVal val="visible"/>
+                                      </p:to>
+                                    </p:set>
+                                  </p:childTnLst>
+                                </p:cTn>
+                              </p:par>
+                            </p:childTnLst>
+                          </p:cTn>
+                        </p:par>
+                      </p:childTnLst>
+                    </p:cTn>
+                  </p:par>
+                </p:childTnLst>
+              </p:cTn>
+              <p:prevCondLst>
+                <p:cond evt="onPrev" delay="0">
+                  <p:tgtEl>
+                    <p:sldTgt/>
+                  </p:tgtEl>
+                </p:cond>
+              </p:prevCondLst>
+              <p:nextCondLst>
+                <p:cond evt="onNext" delay="0">
+                  <p:tgtEl>
+                    <p:sldTgt/>
+                  </p:tgtEl>
+                </p:cond>
+              </p:nextCondLst>
+            </p:seq>
+          </p:childTnLst>
+        </p:cTn>
+      </p:par>
+    </p:tnLst>
+    <p:bldLst>
+      <p:bldP spid="5" grpId="0" animBg="1"/>
+      <p:bldP spid="7" grpId="0" animBg="1"/>
+      <p:bldP spid="8" grpId="0" animBg="1"/>
+      <p:bldP spid="31" grpId="0" animBg="1"/>
+    </p:bldLst>
+  </p:timing>
 </p:sld>
 </file>
 
-<file path=ppt/slides/slide11.xml><?xml version="1.0" encoding="utf-8"?>
+<file path=ppt/slides/slide3.xml><?xml version="1.0" encoding="utf-8"?>
 <p:sld xmlns:a="http://schemas.openxmlformats.org/drawingml/2006/main" xmlns:r="http://schemas.openxmlformats.org/officeDocument/2006/relationships" xmlns:p="http://schemas.openxmlformats.org/presentationml/2006/main">
   <p:cSld>
     <p:spTree>
@@ -4566,10 +5787,10 @@
       </p:grpSpPr>
       <p:pic>
         <p:nvPicPr>
-          <p:cNvPr id="8" name="Image 7" descr="Une image contenant table, paire&#10;&#10;Description générée automatiquement">
-            <a:extLst>
-              <a:ext uri="{FF2B5EF4-FFF2-40B4-BE49-F238E27FC236}">
-                <a16:creationId xmlns:a16="http://schemas.microsoft.com/office/drawing/2014/main" id="{285DFC8B-EF09-4C38-8A7C-512706C86447}"/>
+          <p:cNvPr id="21" name="Image 20" descr="Une image contenant table, paire&#10;&#10;Description générée automatiquement">
+            <a:extLst>
+              <a:ext uri="{FF2B5EF4-FFF2-40B4-BE49-F238E27FC236}">
+                <a16:creationId xmlns:a16="http://schemas.microsoft.com/office/drawing/2014/main" id="{C94C7F28-1A6D-4AE8-832F-6ADD5ADD1A9A}"/>
               </a:ext>
             </a:extLst>
           </p:cNvPr>
@@ -4602,16 +5823,14 @@
       </p:pic>
       <p:pic>
         <p:nvPicPr>
-          <p:cNvPr id="5" name="Image 4" descr="Une image contenant texte, carte&#10;&#10;Description générée automatiquement">
-            <a:extLst>
-              <a:ext uri="{FF2B5EF4-FFF2-40B4-BE49-F238E27FC236}">
-                <a16:creationId xmlns:a16="http://schemas.microsoft.com/office/drawing/2014/main" id="{04AB712E-CAB8-4919-9D2F-9861540EB976}"/>
-              </a:ext>
-            </a:extLst>
-          </p:cNvPr>
-          <p:cNvPicPr>
-            <a:picLocks noChangeAspect="1"/>
-          </p:cNvPicPr>
+          <p:cNvPr id="4" name="Image 3">
+            <a:extLst>
+              <a:ext uri="{FF2B5EF4-FFF2-40B4-BE49-F238E27FC236}">
+                <a16:creationId xmlns:a16="http://schemas.microsoft.com/office/drawing/2014/main" id="{CFF8CF00-DB30-4438-B600-8B2DEF6B4067}"/>
+              </a:ext>
+            </a:extLst>
+          </p:cNvPr>
+          <p:cNvPicPr/>
           <p:nvPr/>
         </p:nvPicPr>
         <p:blipFill>
@@ -4628,8 +5847,8 @@
         </p:blipFill>
         <p:spPr>
           <a:xfrm>
-            <a:off x="2616490" y="1541955"/>
-            <a:ext cx="6959019" cy="5189045"/>
+            <a:off x="2773996" y="1376363"/>
+            <a:ext cx="6644005" cy="5248275"/>
           </a:xfrm>
           <a:prstGeom prst="rect">
             <a:avLst/>
@@ -4638,10 +5857,10 @@
       </p:pic>
       <p:sp>
         <p:nvSpPr>
-          <p:cNvPr id="7" name="Titre 1">
-            <a:extLst>
-              <a:ext uri="{FF2B5EF4-FFF2-40B4-BE49-F238E27FC236}">
-                <a16:creationId xmlns:a16="http://schemas.microsoft.com/office/drawing/2014/main" id="{B99C25B3-D467-4A98-8DB5-F956F5749BEE}"/>
+          <p:cNvPr id="16" name="Titre 1">
+            <a:extLst>
+              <a:ext uri="{FF2B5EF4-FFF2-40B4-BE49-F238E27FC236}">
+                <a16:creationId xmlns:a16="http://schemas.microsoft.com/office/drawing/2014/main" id="{70072CBA-496B-470E-9046-17C30A8A15BD}"/>
               </a:ext>
             </a:extLst>
           </p:cNvPr>
@@ -4654,31 +5873,33 @@
         </p:nvSpPr>
         <p:spPr>
           <a:xfrm>
-            <a:off x="897559" y="389990"/>
-            <a:ext cx="10396882" cy="1151965"/>
-          </a:xfrm>
-        </p:spPr>
-        <p:txBody>
-          <a:bodyPr/>
+            <a:off x="838199" y="233362"/>
+            <a:ext cx="10515600" cy="1325563"/>
+          </a:xfrm>
+        </p:spPr>
+        <p:txBody>
+          <a:bodyPr>
+            <a:normAutofit/>
+          </a:bodyPr>
           <a:lstStyle/>
           <a:p>
             <a:pPr algn="ctr"/>
             <a:r>
               <a:rPr lang="fr-FR" b="1" dirty="0">
-                <a:solidFill>
-                  <a:schemeClr val="tx1"/>
-                </a:solidFill>
                 <a:latin typeface="+mn-lt"/>
               </a:rPr>
-              <a:t>Mécanisme n°2 : Le lion basculant </a:t>
-            </a:r>
+              <a:t>Diagramme de cas d’utilisation</a:t>
+            </a:r>
+            <a:endParaRPr lang="fr-FR" sz="3600" b="1" dirty="0">
+              <a:latin typeface="+mn-lt"/>
+            </a:endParaRPr>
           </a:p>
         </p:txBody>
       </p:sp>
     </p:spTree>
     <p:extLst>
       <p:ext uri="{BB962C8B-B14F-4D97-AF65-F5344CB8AC3E}">
-        <p14:creationId xmlns:p14="http://schemas.microsoft.com/office/powerpoint/2010/main" val="2536681500"/>
+        <p14:creationId xmlns:p14="http://schemas.microsoft.com/office/powerpoint/2010/main" val="141572382"/>
       </p:ext>
     </p:extLst>
   </p:cSld>
@@ -4688,7 +5909,7 @@
 </p:sld>
 </file>
 
-<file path=ppt/slides/slide12.xml><?xml version="1.0" encoding="utf-8"?>
+<file path=ppt/slides/slide4.xml><?xml version="1.0" encoding="utf-8"?>
 <p:sld xmlns:a="http://schemas.openxmlformats.org/drawingml/2006/main" xmlns:r="http://schemas.openxmlformats.org/officeDocument/2006/relationships" xmlns:p="http://schemas.openxmlformats.org/presentationml/2006/main">
   <p:cSld>
     <p:spTree>
@@ -4707,10 +5928,10 @@
       </p:grpSpPr>
       <p:pic>
         <p:nvPicPr>
-          <p:cNvPr id="11" name="Image 10" descr="Une image contenant table, paire&#10;&#10;Description générée automatiquement">
-            <a:extLst>
-              <a:ext uri="{FF2B5EF4-FFF2-40B4-BE49-F238E27FC236}">
-                <a16:creationId xmlns:a16="http://schemas.microsoft.com/office/drawing/2014/main" id="{6BF5BDA8-2259-41CC-A61B-D704DEF0D488}"/>
+          <p:cNvPr id="21" name="Image 20" descr="Une image contenant table, paire&#10;&#10;Description générée automatiquement">
+            <a:extLst>
+              <a:ext uri="{FF2B5EF4-FFF2-40B4-BE49-F238E27FC236}">
+                <a16:creationId xmlns:a16="http://schemas.microsoft.com/office/drawing/2014/main" id="{C94C7F28-1A6D-4AE8-832F-6ADD5ADD1A9A}"/>
               </a:ext>
             </a:extLst>
           </p:cNvPr>
@@ -4743,546 +5964,68 @@
       </p:pic>
       <p:sp>
         <p:nvSpPr>
-          <p:cNvPr id="4" name="Titre 1">
-            <a:extLst>
-              <a:ext uri="{FF2B5EF4-FFF2-40B4-BE49-F238E27FC236}">
-                <a16:creationId xmlns:a16="http://schemas.microsoft.com/office/drawing/2014/main" id="{C9DA7725-D7E8-4BCC-9FDF-A34AF4C0A51D}"/>
-              </a:ext>
-            </a:extLst>
-          </p:cNvPr>
-          <p:cNvSpPr>
-            <a:spLocks noGrp="1"/>
+          <p:cNvPr id="8" name="Titre 1">
+            <a:extLst>
+              <a:ext uri="{FF2B5EF4-FFF2-40B4-BE49-F238E27FC236}">
+                <a16:creationId xmlns:a16="http://schemas.microsoft.com/office/drawing/2014/main" id="{1D901C81-2DA3-421A-BBCE-EB083238EDA4}"/>
+              </a:ext>
+            </a:extLst>
+          </p:cNvPr>
+          <p:cNvSpPr txBox="1">
+            <a:spLocks/>
           </p:cNvSpPr>
-          <p:nvPr>
-            <p:ph type="title"/>
-          </p:nvPr>
-        </p:nvSpPr>
-        <p:spPr>
-          <a:xfrm>
-            <a:off x="897559" y="389990"/>
-            <a:ext cx="10396882" cy="1151965"/>
-          </a:xfrm>
-        </p:spPr>
-        <p:txBody>
-          <a:bodyPr/>
-          <a:lstStyle/>
-          <a:p>
-            <a:pPr algn="ctr"/>
-            <a:r>
-              <a:rPr lang="fr-FR" b="1" dirty="0">
+          <p:nvPr/>
+        </p:nvSpPr>
+        <p:spPr>
+          <a:xfrm>
+            <a:off x="1524000" y="228600"/>
+            <a:ext cx="9144000" cy="1076480"/>
+          </a:xfrm>
+          <a:prstGeom prst="rect">
+            <a:avLst/>
+          </a:prstGeom>
+        </p:spPr>
+        <p:txBody>
+          <a:bodyPr vert="horz" lIns="91440" tIns="45720" rIns="91440" bIns="45720" rtlCol="0" anchor="b">
+            <a:normAutofit/>
+          </a:bodyPr>
+          <a:lstStyle>
+            <a:lvl1pPr algn="l" defTabSz="914400" rtl="0" eaLnBrk="1" latinLnBrk="0" hangingPunct="1">
+              <a:lnSpc>
+                <a:spcPct val="90000"/>
+              </a:lnSpc>
+              <a:spcBef>
+                <a:spcPct val="0"/>
+              </a:spcBef>
+              <a:buNone/>
+              <a:defRPr sz="4400" kern="1200">
                 <a:solidFill>
                   <a:schemeClr val="tx1"/>
                 </a:solidFill>
-                <a:latin typeface="+mn-lt"/>
-              </a:rPr>
-              <a:t>Mécanisme n°3 : l’élément TERRE </a:t>
-            </a:r>
-          </a:p>
-        </p:txBody>
-      </p:sp>
-      <p:sp>
-        <p:nvSpPr>
-          <p:cNvPr id="7" name="ZoneTexte 6">
-            <a:extLst>
-              <a:ext uri="{FF2B5EF4-FFF2-40B4-BE49-F238E27FC236}">
-                <a16:creationId xmlns:a16="http://schemas.microsoft.com/office/drawing/2014/main" id="{318D11AF-0299-4EAC-A2F6-661C6239C65D}"/>
-              </a:ext>
-            </a:extLst>
-          </p:cNvPr>
-          <p:cNvSpPr txBox="1"/>
-          <p:nvPr/>
-        </p:nvSpPr>
-        <p:spPr>
-          <a:xfrm>
-            <a:off x="3899971" y="1541955"/>
-            <a:ext cx="4640373" cy="2308324"/>
-          </a:xfrm>
-          <a:prstGeom prst="rect">
-            <a:avLst/>
-          </a:prstGeom>
-          <a:noFill/>
-        </p:spPr>
-        <p:txBody>
-          <a:bodyPr wrap="none" rtlCol="0">
-            <a:spAutoFit/>
-          </a:bodyPr>
-          <a:lstStyle/>
-          <a:p>
-            <a:r>
-              <a:rPr lang="fr-FR" sz="1400" dirty="0">
-                <a:solidFill>
-                  <a:srgbClr val="0070C0"/>
-                </a:solidFill>
-              </a:rPr>
-              <a:t>Entrées :</a:t>
-            </a:r>
-          </a:p>
-          <a:p>
-            <a:r>
-              <a:rPr lang="fr-FR" sz="1400" dirty="0">
-                <a:solidFill>
-                  <a:srgbClr val="0070C0"/>
-                </a:solidFill>
-              </a:rPr>
-              <a:t>	</a:t>
-            </a:r>
-            <a:r>
-              <a:rPr lang="fr-FR" sz="1400" dirty="0"/>
-              <a:t>● E1</a:t>
-            </a:r>
-          </a:p>
-          <a:p>
-            <a:pPr marL="1657350" lvl="3" indent="-285750">
-              <a:buFont typeface="Courier New" panose="02070309020205020404" pitchFamily="49" charset="0"/>
-              <a:buChar char="o"/>
+                <a:latin typeface="+mj-lt"/>
+                <a:ea typeface="+mj-ea"/>
+                <a:cs typeface="+mj-cs"/>
+              </a:defRPr>
+            </a:lvl1pPr>
+          </a:lstStyle>
+          <a:p>
+            <a:pPr algn="ctr">
+              <a:spcAft>
+                <a:spcPts val="600"/>
+              </a:spcAft>
             </a:pPr>
             <a:r>
-              <a:rPr lang="fr-FR" sz="1400" dirty="0"/>
-              <a:t>Type de capteur : </a:t>
-            </a:r>
-            <a:r>
-              <a:rPr lang="fr-FR" sz="1400" dirty="0">
-                <a:solidFill>
-                  <a:schemeClr val="accent6">
-                    <a:lumMod val="50000"/>
-                  </a:schemeClr>
-                </a:solidFill>
-              </a:rPr>
-              <a:t>Capteur effet Hall</a:t>
-            </a:r>
-          </a:p>
-          <a:p>
-            <a:pPr marL="1657350" lvl="3" indent="-285750">
-              <a:buFont typeface="Courier New" panose="02070309020205020404" pitchFamily="49" charset="0"/>
-              <a:buChar char="o"/>
-            </a:pPr>
-            <a:r>
-              <a:rPr lang="fr-FR" sz="1400" dirty="0"/>
-              <a:t>Référence : </a:t>
-            </a:r>
-            <a:r>
-              <a:rPr lang="fr-FR" sz="1400" dirty="0">
-                <a:solidFill>
-                  <a:srgbClr val="0070C0"/>
-                </a:solidFill>
-              </a:rPr>
-              <a:t>Capteur à effet Hall A3144</a:t>
-            </a:r>
-          </a:p>
-          <a:p>
-            <a:pPr marL="1657350" lvl="3" indent="-285750">
-              <a:buFont typeface="Courier New" panose="02070309020205020404" pitchFamily="49" charset="0"/>
-              <a:buChar char="o"/>
-            </a:pPr>
-            <a:endParaRPr lang="fr-FR" sz="1400" dirty="0">
-              <a:solidFill>
-                <a:srgbClr val="0070C0"/>
-              </a:solidFill>
-            </a:endParaRPr>
-          </a:p>
-          <a:p>
-            <a:pPr marL="1657350" lvl="3" indent="-285750">
-              <a:buFont typeface="Courier New" panose="02070309020205020404" pitchFamily="49" charset="0"/>
-              <a:buChar char="o"/>
-            </a:pPr>
-            <a:endParaRPr lang="fr-FR" sz="1400" dirty="0">
-              <a:solidFill>
-                <a:srgbClr val="0070C0"/>
-              </a:solidFill>
-            </a:endParaRPr>
-          </a:p>
-          <a:p>
-            <a:pPr marL="1657350" lvl="3" indent="-285750">
-              <a:buFont typeface="Courier New" panose="02070309020205020404" pitchFamily="49" charset="0"/>
-              <a:buChar char="o"/>
-            </a:pPr>
-            <a:endParaRPr lang="fr-FR" sz="1400" dirty="0">
-              <a:solidFill>
-                <a:srgbClr val="0070C0"/>
-              </a:solidFill>
-            </a:endParaRPr>
-          </a:p>
-          <a:p>
-            <a:pPr marL="1657350" lvl="3" indent="-285750">
-              <a:buFont typeface="Courier New" panose="02070309020205020404" pitchFamily="49" charset="0"/>
-              <a:buChar char="o"/>
-            </a:pPr>
-            <a:endParaRPr lang="fr-FR" sz="1400" dirty="0">
-              <a:solidFill>
-                <a:srgbClr val="0070C0"/>
-              </a:solidFill>
-            </a:endParaRPr>
-          </a:p>
-          <a:p>
-            <a:pPr marL="1657350" lvl="3" indent="-285750">
-              <a:buFont typeface="Courier New" panose="02070309020205020404" pitchFamily="49" charset="0"/>
-              <a:buChar char="o"/>
-            </a:pPr>
-            <a:r>
-              <a:rPr lang="fr-FR" sz="1400" dirty="0"/>
-              <a:t>Signal : </a:t>
-            </a:r>
-            <a:r>
-              <a:rPr lang="fr-FR" sz="1400" dirty="0">
-                <a:solidFill>
-                  <a:srgbClr val="0070C0"/>
-                </a:solidFill>
-              </a:rPr>
-              <a:t>Numérique</a:t>
-            </a:r>
-          </a:p>
-          <a:p>
-            <a:pPr marL="1657350" lvl="3" indent="-285750">
-              <a:buFont typeface="Courier New" panose="02070309020205020404" pitchFamily="49" charset="0"/>
-              <a:buChar char="o"/>
-            </a:pPr>
-            <a:r>
-              <a:rPr lang="fr-FR" sz="1400" dirty="0"/>
-              <a:t>Voltage : </a:t>
-            </a:r>
-            <a:r>
-              <a:rPr lang="fr-FR" sz="1400" dirty="0">
-                <a:solidFill>
-                  <a:schemeClr val="accent6">
-                    <a:lumMod val="50000"/>
-                  </a:schemeClr>
-                </a:solidFill>
-              </a:rPr>
-              <a:t>0-5V</a:t>
-            </a:r>
-            <a:r>
-              <a:rPr lang="fr-FR" dirty="0"/>
-              <a:t>		 </a:t>
-            </a:r>
-          </a:p>
-        </p:txBody>
-      </p:sp>
-      <p:pic>
-        <p:nvPicPr>
-          <p:cNvPr id="8" name="Image 7">
-            <a:extLst>
-              <a:ext uri="{FF2B5EF4-FFF2-40B4-BE49-F238E27FC236}">
-                <a16:creationId xmlns:a16="http://schemas.microsoft.com/office/drawing/2014/main" id="{50B93A84-F02C-4BF3-94DE-E28A5C2CF04F}"/>
-              </a:ext>
-            </a:extLst>
-          </p:cNvPr>
-          <p:cNvPicPr>
-            <a:picLocks noChangeAspect="1"/>
-          </p:cNvPicPr>
-          <p:nvPr/>
-        </p:nvPicPr>
-        <p:blipFill>
-          <a:blip r:embed="rId3"/>
-          <a:stretch>
-            <a:fillRect/>
-          </a:stretch>
-        </p:blipFill>
-        <p:spPr>
-          <a:xfrm>
-            <a:off x="4473760" y="1314193"/>
-            <a:ext cx="4515364" cy="2392123"/>
-          </a:xfrm>
-          <a:prstGeom prst="rect">
-            <a:avLst/>
-          </a:prstGeom>
-        </p:spPr>
-      </p:pic>
-      <p:sp>
-        <p:nvSpPr>
-          <p:cNvPr id="9" name="ZoneTexte 8">
-            <a:extLst>
-              <a:ext uri="{FF2B5EF4-FFF2-40B4-BE49-F238E27FC236}">
-                <a16:creationId xmlns:a16="http://schemas.microsoft.com/office/drawing/2014/main" id="{3C1FB2B3-68F4-4B62-9689-E60618997798}"/>
-              </a:ext>
-            </a:extLst>
-          </p:cNvPr>
-          <p:cNvSpPr txBox="1"/>
-          <p:nvPr/>
-        </p:nvSpPr>
-        <p:spPr>
-          <a:xfrm>
-            <a:off x="337563" y="4023383"/>
-            <a:ext cx="5758437" cy="2585323"/>
-          </a:xfrm>
-          <a:prstGeom prst="rect">
-            <a:avLst/>
-          </a:prstGeom>
-          <a:noFill/>
-        </p:spPr>
-        <p:txBody>
-          <a:bodyPr wrap="square" rtlCol="0">
-            <a:spAutoFit/>
-          </a:bodyPr>
-          <a:lstStyle/>
-          <a:p>
-            <a:r>
-              <a:rPr lang="fr-FR" sz="1400" dirty="0"/>
-              <a:t>Sorties : </a:t>
-            </a:r>
-          </a:p>
-          <a:p>
-            <a:pPr marL="742950" lvl="1" indent="-285750">
-              <a:buFont typeface="Arial" panose="020B0604020202020204" pitchFamily="34" charset="0"/>
-              <a:buChar char="•"/>
-            </a:pPr>
-            <a:r>
-              <a:rPr lang="fr-FR" sz="1400" dirty="0"/>
-              <a:t>S1</a:t>
-            </a:r>
-          </a:p>
-          <a:p>
-            <a:pPr marL="1200150" lvl="2" indent="-285750">
-              <a:buFont typeface="Courier New" panose="02070309020205020404" pitchFamily="49" charset="0"/>
-              <a:buChar char="o"/>
-            </a:pPr>
-            <a:r>
-              <a:rPr lang="fr-FR" sz="1400" dirty="0"/>
-              <a:t>Rôle : </a:t>
-            </a:r>
-            <a:r>
-              <a:rPr lang="fr-FR" sz="1400" dirty="0">
-                <a:solidFill>
-                  <a:schemeClr val="accent6">
-                    <a:lumMod val="50000"/>
-                  </a:schemeClr>
-                </a:solidFill>
-              </a:rPr>
-              <a:t>activer/désactiver un moteur (12V) via un relais </a:t>
-            </a:r>
-            <a:r>
-              <a:rPr lang="fr-FR" sz="1400" dirty="0">
-                <a:solidFill>
-                  <a:srgbClr val="0070C0"/>
-                </a:solidFill>
-              </a:rPr>
-              <a:t>+ LED de Contrôle</a:t>
-            </a:r>
-          </a:p>
-          <a:p>
-            <a:pPr marL="1200150" lvl="2" indent="-285750">
-              <a:buFont typeface="Courier New" panose="02070309020205020404" pitchFamily="49" charset="0"/>
-              <a:buChar char="o"/>
-            </a:pPr>
-            <a:r>
-              <a:rPr lang="fr-FR" sz="1400" dirty="0"/>
-              <a:t>Condition : </a:t>
-            </a:r>
-            <a:r>
-              <a:rPr lang="fr-FR" sz="1400" dirty="0">
-                <a:solidFill>
-                  <a:srgbClr val="0070C0"/>
-                </a:solidFill>
-              </a:rPr>
-              <a:t>Si E1 est à 1 alors activer la sortie, sinon, désactiver la sortie</a:t>
-            </a:r>
-          </a:p>
-          <a:p>
-            <a:pPr marL="1200150" lvl="2" indent="-285750">
-              <a:buFont typeface="Courier New" panose="02070309020205020404" pitchFamily="49" charset="0"/>
-              <a:buChar char="o"/>
-            </a:pPr>
-            <a:r>
-              <a:rPr lang="fr-FR" sz="1400" dirty="0"/>
-              <a:t>Voltage : </a:t>
-            </a:r>
-            <a:r>
-              <a:rPr lang="fr-FR" sz="1400" dirty="0">
-                <a:solidFill>
-                  <a:schemeClr val="accent6">
-                    <a:lumMod val="50000"/>
-                  </a:schemeClr>
-                </a:solidFill>
-              </a:rPr>
-              <a:t>0-5V</a:t>
-            </a:r>
-          </a:p>
-          <a:p>
-            <a:pPr marL="1200150" lvl="2" indent="-285750">
-              <a:buFont typeface="Courier New" panose="02070309020205020404" pitchFamily="49" charset="0"/>
-              <a:buChar char="o"/>
-            </a:pPr>
-            <a:endParaRPr lang="fr-FR" sz="1400" dirty="0"/>
-          </a:p>
-          <a:p>
-            <a:pPr marL="742950" lvl="1" indent="-285750">
-              <a:buFont typeface="Arial" panose="020B0604020202020204" pitchFamily="34" charset="0"/>
-              <a:buChar char="•"/>
-            </a:pPr>
-            <a:r>
-              <a:rPr lang="fr-FR" sz="1400" dirty="0"/>
-              <a:t>S_TERRE</a:t>
-            </a:r>
-          </a:p>
-          <a:p>
-            <a:pPr marL="1200150" lvl="2" indent="-285750">
-              <a:buFont typeface="Courier New" panose="02070309020205020404" pitchFamily="49" charset="0"/>
-              <a:buChar char="o"/>
-            </a:pPr>
-            <a:r>
-              <a:rPr lang="fr-FR" sz="1400" dirty="0"/>
-              <a:t>Rôle : </a:t>
-            </a:r>
-            <a:r>
-              <a:rPr lang="fr-FR" sz="1400" dirty="0">
-                <a:solidFill>
-                  <a:srgbClr val="0070C0"/>
-                </a:solidFill>
-              </a:rPr>
-              <a:t>entrée de la gestion des quatre éléments</a:t>
-            </a:r>
-            <a:r>
-              <a:rPr lang="fr-FR" dirty="0"/>
-              <a:t>	</a:t>
-            </a:r>
-          </a:p>
-          <a:p>
-            <a:pPr lvl="2"/>
-            <a:endParaRPr lang="fr-FR" dirty="0"/>
-          </a:p>
-        </p:txBody>
-      </p:sp>
-      <p:pic>
-        <p:nvPicPr>
-          <p:cNvPr id="12" name="Image 11">
-            <a:extLst>
-              <a:ext uri="{FF2B5EF4-FFF2-40B4-BE49-F238E27FC236}">
-                <a16:creationId xmlns:a16="http://schemas.microsoft.com/office/drawing/2014/main" id="{905C913B-E163-4E97-9AC7-BAC9442F062E}"/>
-              </a:ext>
-            </a:extLst>
-          </p:cNvPr>
-          <p:cNvPicPr>
-            <a:picLocks noChangeAspect="1"/>
-          </p:cNvPicPr>
-          <p:nvPr/>
-        </p:nvPicPr>
-        <p:blipFill>
-          <a:blip r:embed="rId4"/>
-          <a:stretch>
-            <a:fillRect/>
-          </a:stretch>
-        </p:blipFill>
-        <p:spPr>
-          <a:xfrm>
-            <a:off x="6096000" y="4455697"/>
-            <a:ext cx="2076206" cy="1720692"/>
-          </a:xfrm>
-          <a:prstGeom prst="rect">
-            <a:avLst/>
-          </a:prstGeom>
-        </p:spPr>
-      </p:pic>
-      <p:sp>
-        <p:nvSpPr>
-          <p:cNvPr id="13" name="ZoneTexte 12">
-            <a:extLst>
-              <a:ext uri="{FF2B5EF4-FFF2-40B4-BE49-F238E27FC236}">
-                <a16:creationId xmlns:a16="http://schemas.microsoft.com/office/drawing/2014/main" id="{9B531958-20EA-41BE-A41C-E1DA4041D9B5}"/>
-              </a:ext>
-            </a:extLst>
-          </p:cNvPr>
-          <p:cNvSpPr txBox="1"/>
-          <p:nvPr/>
-        </p:nvSpPr>
-        <p:spPr>
-          <a:xfrm>
-            <a:off x="6614596" y="5954475"/>
-            <a:ext cx="843564" cy="307777"/>
-          </a:xfrm>
-          <a:prstGeom prst="rect">
-            <a:avLst/>
-          </a:prstGeom>
-          <a:noFill/>
-        </p:spPr>
-        <p:txBody>
-          <a:bodyPr wrap="none" rtlCol="0">
-            <a:spAutoFit/>
-          </a:bodyPr>
-          <a:lstStyle/>
-          <a:p>
-            <a:r>
-              <a:rPr lang="fr-FR" sz="1400" dirty="0">
-                <a:solidFill>
-                  <a:srgbClr val="0070C0"/>
-                </a:solidFill>
-              </a:rPr>
-              <a:t>Relais 5V</a:t>
-            </a:r>
-          </a:p>
-        </p:txBody>
-      </p:sp>
-      <p:pic>
-        <p:nvPicPr>
-          <p:cNvPr id="14" name="Image 13">
-            <a:extLst>
-              <a:ext uri="{FF2B5EF4-FFF2-40B4-BE49-F238E27FC236}">
-                <a16:creationId xmlns:a16="http://schemas.microsoft.com/office/drawing/2014/main" id="{D8DCDC83-C3C0-4EE7-A3C6-715816992323}"/>
-              </a:ext>
-            </a:extLst>
-          </p:cNvPr>
-          <p:cNvPicPr>
-            <a:picLocks noChangeAspect="1"/>
-          </p:cNvPicPr>
-          <p:nvPr/>
-        </p:nvPicPr>
-        <p:blipFill>
-          <a:blip r:embed="rId5"/>
-          <a:stretch>
-            <a:fillRect/>
-          </a:stretch>
-        </p:blipFill>
-        <p:spPr>
-          <a:xfrm rot="11383194">
-            <a:off x="8352842" y="3601979"/>
-            <a:ext cx="1519483" cy="2269040"/>
-          </a:xfrm>
-          <a:prstGeom prst="rect">
-            <a:avLst/>
-          </a:prstGeom>
-        </p:spPr>
-      </p:pic>
-      <p:sp>
-        <p:nvSpPr>
-          <p:cNvPr id="15" name="ZoneTexte 14">
-            <a:extLst>
-              <a:ext uri="{FF2B5EF4-FFF2-40B4-BE49-F238E27FC236}">
-                <a16:creationId xmlns:a16="http://schemas.microsoft.com/office/drawing/2014/main" id="{6E1A8C1A-D256-4278-876D-CA1BC7549157}"/>
-              </a:ext>
-            </a:extLst>
-          </p:cNvPr>
-          <p:cNvSpPr txBox="1"/>
-          <p:nvPr/>
-        </p:nvSpPr>
-        <p:spPr>
-          <a:xfrm>
-            <a:off x="7976756" y="5954475"/>
-            <a:ext cx="2612125" cy="307777"/>
-          </a:xfrm>
-          <a:prstGeom prst="rect">
-            <a:avLst/>
-          </a:prstGeom>
-          <a:noFill/>
-        </p:spPr>
-        <p:txBody>
-          <a:bodyPr wrap="none" rtlCol="0">
-            <a:spAutoFit/>
-          </a:bodyPr>
-          <a:lstStyle/>
-          <a:p>
-            <a:r>
-              <a:rPr lang="fr-FR" sz="1400" dirty="0">
-                <a:solidFill>
-                  <a:srgbClr val="0070C0"/>
-                </a:solidFill>
-              </a:rPr>
-              <a:t>Actionneur linéaire (Moteur 12V)</a:t>
-            </a:r>
+              <a:rPr lang="fr-FR" sz="6000" b="1" dirty="0"/>
+              <a:t>Diagramme de Gantt</a:t>
+            </a:r>
+            <a:endParaRPr lang="en-US" sz="6000" b="1" dirty="0"/>
           </a:p>
         </p:txBody>
       </p:sp>
     </p:spTree>
     <p:extLst>
       <p:ext uri="{BB962C8B-B14F-4D97-AF65-F5344CB8AC3E}">
-        <p14:creationId xmlns:p14="http://schemas.microsoft.com/office/powerpoint/2010/main" val="2317223834"/>
+        <p14:creationId xmlns:p14="http://schemas.microsoft.com/office/powerpoint/2010/main" val="2387998976"/>
       </p:ext>
     </p:extLst>
   </p:cSld>
@@ -5292,7 +6035,7 @@
 </p:sld>
 </file>
 
-<file path=ppt/slides/slide13.xml><?xml version="1.0" encoding="utf-8"?>
+<file path=ppt/slides/slide5.xml><?xml version="1.0" encoding="utf-8"?>
 <p:sld xmlns:a="http://schemas.openxmlformats.org/drawingml/2006/main" xmlns:r="http://schemas.openxmlformats.org/officeDocument/2006/relationships" xmlns:p="http://schemas.openxmlformats.org/presentationml/2006/main">
   <p:cSld>
     <p:spTree>
@@ -5311,10 +6054,10 @@
       </p:grpSpPr>
       <p:pic>
         <p:nvPicPr>
-          <p:cNvPr id="11" name="Image 10" descr="Une image contenant table, paire&#10;&#10;Description générée automatiquement">
-            <a:extLst>
-              <a:ext uri="{FF2B5EF4-FFF2-40B4-BE49-F238E27FC236}">
-                <a16:creationId xmlns:a16="http://schemas.microsoft.com/office/drawing/2014/main" id="{AEEB834D-2A12-44C2-B731-07361B674488}"/>
+          <p:cNvPr id="5" name="Image 4" descr="Une image contenant table, paire&#10;&#10;Description générée automatiquement">
+            <a:extLst>
+              <a:ext uri="{FF2B5EF4-FFF2-40B4-BE49-F238E27FC236}">
+                <a16:creationId xmlns:a16="http://schemas.microsoft.com/office/drawing/2014/main" id="{54EDA2C0-48CE-4DA2-890F-252AC8D48847}"/>
               </a:ext>
             </a:extLst>
           </p:cNvPr>
@@ -5345,48 +6088,12 @@
           </a:prstGeom>
         </p:spPr>
       </p:pic>
-      <p:pic>
-        <p:nvPicPr>
-          <p:cNvPr id="7" name="Image 6" descr="Une image contenant carte&#10;&#10;Description générée automatiquement">
-            <a:extLst>
-              <a:ext uri="{FF2B5EF4-FFF2-40B4-BE49-F238E27FC236}">
-                <a16:creationId xmlns:a16="http://schemas.microsoft.com/office/drawing/2014/main" id="{E6A09EA4-F93A-421F-98BD-B6E820408C6D}"/>
-              </a:ext>
-            </a:extLst>
-          </p:cNvPr>
-          <p:cNvPicPr>
-            <a:picLocks noChangeAspect="1"/>
-          </p:cNvPicPr>
-          <p:nvPr/>
-        </p:nvPicPr>
-        <p:blipFill>
-          <a:blip r:embed="rId3">
-            <a:extLst>
-              <a:ext uri="{28A0092B-C50C-407E-A947-70E740481C1C}">
-                <a14:useLocalDpi xmlns:a14="http://schemas.microsoft.com/office/drawing/2010/main" val="0"/>
-              </a:ext>
-            </a:extLst>
-          </a:blip>
-          <a:stretch>
-            <a:fillRect/>
-          </a:stretch>
-        </p:blipFill>
-        <p:spPr>
-          <a:xfrm>
-            <a:off x="1099139" y="1541955"/>
-            <a:ext cx="9993722" cy="4926055"/>
-          </a:xfrm>
-          <a:prstGeom prst="rect">
-            <a:avLst/>
-          </a:prstGeom>
-        </p:spPr>
-      </p:pic>
-      <p:sp>
-        <p:nvSpPr>
-          <p:cNvPr id="10" name="Titre 1">
-            <a:extLst>
-              <a:ext uri="{FF2B5EF4-FFF2-40B4-BE49-F238E27FC236}">
-                <a16:creationId xmlns:a16="http://schemas.microsoft.com/office/drawing/2014/main" id="{65B0F673-5802-41EB-9E63-834C75082E49}"/>
+      <p:sp>
+        <p:nvSpPr>
+          <p:cNvPr id="2" name="Titre 1">
+            <a:extLst>
+              <a:ext uri="{FF2B5EF4-FFF2-40B4-BE49-F238E27FC236}">
+                <a16:creationId xmlns:a16="http://schemas.microsoft.com/office/drawing/2014/main" id="{3B0C423D-65A1-40D8-8751-302A287BBB8F}"/>
               </a:ext>
             </a:extLst>
           </p:cNvPr>
@@ -5397,12 +6104,7 @@
             <p:ph type="title"/>
           </p:nvPr>
         </p:nvSpPr>
-        <p:spPr>
-          <a:xfrm>
-            <a:off x="897559" y="389990"/>
-            <a:ext cx="10396882" cy="1151965"/>
-          </a:xfrm>
-        </p:spPr>
+        <p:spPr/>
         <p:txBody>
           <a:bodyPr/>
           <a:lstStyle/>
@@ -5410,20 +6112,51 @@
             <a:pPr algn="ctr"/>
             <a:r>
               <a:rPr lang="fr-FR" b="1" dirty="0">
-                <a:solidFill>
-                  <a:schemeClr val="tx1"/>
-                </a:solidFill>
                 <a:latin typeface="+mn-lt"/>
               </a:rPr>
-              <a:t>Mécanisme n°3 : l’élément TERRE </a:t>
-            </a:r>
-          </a:p>
-        </p:txBody>
-      </p:sp>
+              <a:t>Mes tâches</a:t>
+            </a:r>
+          </a:p>
+        </p:txBody>
+      </p:sp>
+      <p:pic>
+        <p:nvPicPr>
+          <p:cNvPr id="4" name="Image 3">
+            <a:extLst>
+              <a:ext uri="{FF2B5EF4-FFF2-40B4-BE49-F238E27FC236}">
+                <a16:creationId xmlns:a16="http://schemas.microsoft.com/office/drawing/2014/main" id="{B7441BCA-F2F3-49D7-9D50-474CE98A3A2A}"/>
+              </a:ext>
+            </a:extLst>
+          </p:cNvPr>
+          <p:cNvPicPr/>
+          <p:nvPr/>
+        </p:nvPicPr>
+        <p:blipFill>
+          <a:blip r:embed="rId3">
+            <a:extLst>
+              <a:ext uri="{28A0092B-C50C-407E-A947-70E740481C1C}">
+                <a14:useLocalDpi xmlns:a14="http://schemas.microsoft.com/office/drawing/2010/main" val="0"/>
+              </a:ext>
+            </a:extLst>
+          </a:blip>
+          <a:stretch>
+            <a:fillRect/>
+          </a:stretch>
+        </p:blipFill>
+        <p:spPr>
+          <a:xfrm>
+            <a:off x="2543175" y="1690688"/>
+            <a:ext cx="7105650" cy="4595812"/>
+          </a:xfrm>
+          <a:prstGeom prst="rect">
+            <a:avLst/>
+          </a:prstGeom>
+        </p:spPr>
+      </p:pic>
     </p:spTree>
     <p:extLst>
       <p:ext uri="{BB962C8B-B14F-4D97-AF65-F5344CB8AC3E}">
-        <p14:creationId xmlns:p14="http://schemas.microsoft.com/office/powerpoint/2010/main" val="3961326601"/>
+        <p14:creationId xmlns:p14="http://schemas.microsoft.com/office/powerpoint/2010/main" val="3626107938"/>
       </p:ext>
     </p:extLst>
   </p:cSld>
@@ -5433,7 +6166,7 @@
 </p:sld>
 </file>
 
-<file path=ppt/slides/slide14.xml><?xml version="1.0" encoding="utf-8"?>
+<file path=ppt/slides/slide6.xml><?xml version="1.0" encoding="utf-8"?>
 <p:sld xmlns:a="http://schemas.openxmlformats.org/drawingml/2006/main" xmlns:r="http://schemas.openxmlformats.org/officeDocument/2006/relationships" xmlns:p="http://schemas.openxmlformats.org/presentationml/2006/main">
   <p:cSld>
     <p:spTree>
@@ -6266,7 +6999,7 @@
 </p:sld>
 </file>
 
-<file path=ppt/slides/slide15.xml><?xml version="1.0" encoding="utf-8"?>
+<file path=ppt/slides/slide7.xml><?xml version="1.0" encoding="utf-8"?>
 <p:sld xmlns:a="http://schemas.openxmlformats.org/drawingml/2006/main" xmlns:r="http://schemas.openxmlformats.org/officeDocument/2006/relationships" xmlns:p="http://schemas.openxmlformats.org/presentationml/2006/main">
   <p:cSld>
     <p:spTree>
@@ -6358,42 +7091,12 @@
           </a:p>
         </p:txBody>
       </p:sp>
-    </p:spTree>
-    <p:extLst>
-      <p:ext uri="{BB962C8B-B14F-4D97-AF65-F5344CB8AC3E}">
-        <p14:creationId xmlns:p14="http://schemas.microsoft.com/office/powerpoint/2010/main" val="4041896449"/>
-      </p:ext>
-    </p:extLst>
-  </p:cSld>
-  <p:clrMapOvr>
-    <a:masterClrMapping/>
-  </p:clrMapOvr>
-</p:sld>
-</file>
-
-<file path=ppt/slides/slide16.xml><?xml version="1.0" encoding="utf-8"?>
-<p:sld xmlns:a="http://schemas.openxmlformats.org/drawingml/2006/main" xmlns:r="http://schemas.openxmlformats.org/officeDocument/2006/relationships" xmlns:p="http://schemas.openxmlformats.org/presentationml/2006/main">
-  <p:cSld>
-    <p:spTree>
-      <p:nvGrpSpPr>
-        <p:cNvPr id="1" name=""/>
-        <p:cNvGrpSpPr/>
-        <p:nvPr/>
-      </p:nvGrpSpPr>
-      <p:grpSpPr>
-        <a:xfrm>
-          <a:off x="0" y="0"/>
-          <a:ext cx="0" cy="0"/>
-          <a:chOff x="0" y="0"/>
-          <a:chExt cx="0" cy="0"/>
-        </a:xfrm>
-      </p:grpSpPr>
       <p:pic>
         <p:nvPicPr>
-          <p:cNvPr id="5" name="Image 4" descr="Une image contenant table, paire&#10;&#10;Description générée automatiquement">
-            <a:extLst>
-              <a:ext uri="{FF2B5EF4-FFF2-40B4-BE49-F238E27FC236}">
-                <a16:creationId xmlns:a16="http://schemas.microsoft.com/office/drawing/2014/main" id="{DD505890-1BEA-46C0-BFC1-758106BC1F39}"/>
+          <p:cNvPr id="2" name="Image 1">
+            <a:extLst>
+              <a:ext uri="{FF2B5EF4-FFF2-40B4-BE49-F238E27FC236}">
+                <a16:creationId xmlns:a16="http://schemas.microsoft.com/office/drawing/2014/main" id="{28CC165C-6E58-4395-9047-2780815FC152}"/>
               </a:ext>
             </a:extLst>
           </p:cNvPr>
@@ -6402,202 +7105,16 @@
           </p:cNvPicPr>
           <p:nvPr/>
         </p:nvPicPr>
-        <p:blipFill rotWithShape="1">
-          <a:blip r:embed="rId2">
-            <a:alphaModFix amt="50000"/>
-            <a:extLst>
-              <a:ext uri="{28A0092B-C50C-407E-A947-70E740481C1C}">
-                <a14:useLocalDpi xmlns:a14="http://schemas.microsoft.com/office/drawing/2010/main" val="0"/>
-              </a:ext>
-            </a:extLst>
-          </a:blip>
-          <a:srcRect t="6250"/>
-          <a:stretch/>
-        </p:blipFill>
-        <p:spPr>
-          <a:xfrm>
-            <a:off x="20" y="1"/>
-            <a:ext cx="12191980" cy="6857999"/>
-          </a:xfrm>
-          <a:prstGeom prst="rect">
-            <a:avLst/>
-          </a:prstGeom>
-        </p:spPr>
-      </p:pic>
-      <p:sp>
-        <p:nvSpPr>
-          <p:cNvPr id="4" name="Titre 1">
-            <a:extLst>
-              <a:ext uri="{FF2B5EF4-FFF2-40B4-BE49-F238E27FC236}">
-                <a16:creationId xmlns:a16="http://schemas.microsoft.com/office/drawing/2014/main" id="{01D523ED-FFDA-4EC7-A510-AEFC3635E236}"/>
-              </a:ext>
-            </a:extLst>
-          </p:cNvPr>
-          <p:cNvSpPr>
-            <a:spLocks noGrp="1"/>
-          </p:cNvSpPr>
-          <p:nvPr>
-            <p:ph type="title"/>
-          </p:nvPr>
-        </p:nvSpPr>
-        <p:spPr>
-          <a:xfrm>
-            <a:off x="897559" y="389990"/>
-            <a:ext cx="10396882" cy="1151965"/>
-          </a:xfrm>
-        </p:spPr>
-        <p:txBody>
-          <a:bodyPr/>
-          <a:lstStyle/>
-          <a:p>
-            <a:pPr algn="ctr"/>
-            <a:r>
-              <a:rPr lang="fr-FR" b="1" dirty="0">
-                <a:solidFill>
-                  <a:schemeClr val="tx1"/>
-                </a:solidFill>
-                <a:latin typeface="+mn-lt"/>
-              </a:rPr>
-              <a:t>Partie Physique : L’effet Hall</a:t>
-            </a:r>
-          </a:p>
-        </p:txBody>
-      </p:sp>
-    </p:spTree>
-    <p:extLst>
-      <p:ext uri="{BB962C8B-B14F-4D97-AF65-F5344CB8AC3E}">
-        <p14:creationId xmlns:p14="http://schemas.microsoft.com/office/powerpoint/2010/main" val="3748439917"/>
-      </p:ext>
-    </p:extLst>
-  </p:cSld>
-  <p:clrMapOvr>
-    <a:masterClrMapping/>
-  </p:clrMapOvr>
-</p:sld>
-</file>
-
-<file path=ppt/slides/slide2.xml><?xml version="1.0" encoding="utf-8"?>
-<p:sld xmlns:a="http://schemas.openxmlformats.org/drawingml/2006/main" xmlns:r="http://schemas.openxmlformats.org/officeDocument/2006/relationships" xmlns:p="http://schemas.openxmlformats.org/presentationml/2006/main">
-  <p:cSld>
-    <p:spTree>
-      <p:nvGrpSpPr>
-        <p:cNvPr id="1" name=""/>
-        <p:cNvGrpSpPr/>
-        <p:nvPr/>
-      </p:nvGrpSpPr>
-      <p:grpSpPr>
-        <a:xfrm>
-          <a:off x="0" y="0"/>
-          <a:ext cx="0" cy="0"/>
-          <a:chOff x="0" y="0"/>
-          <a:chExt cx="0" cy="0"/>
-        </a:xfrm>
-      </p:grpSpPr>
-      <p:pic>
-        <p:nvPicPr>
-          <p:cNvPr id="35" name="Image 34" descr="Une image contenant table, paire&#10;&#10;Description générée automatiquement">
-            <a:extLst>
-              <a:ext uri="{FF2B5EF4-FFF2-40B4-BE49-F238E27FC236}">
-                <a16:creationId xmlns:a16="http://schemas.microsoft.com/office/drawing/2014/main" id="{E5E46CAE-0FFE-4661-9FB2-F6BD0D4AF85F}"/>
-              </a:ext>
-            </a:extLst>
-          </p:cNvPr>
-          <p:cNvPicPr>
-            <a:picLocks noChangeAspect="1"/>
-          </p:cNvPicPr>
-          <p:nvPr/>
-        </p:nvPicPr>
-        <p:blipFill rotWithShape="1">
-          <a:blip r:embed="rId2">
-            <a:alphaModFix amt="50000"/>
-            <a:extLst>
-              <a:ext uri="{28A0092B-C50C-407E-A947-70E740481C1C}">
-                <a14:useLocalDpi xmlns:a14="http://schemas.microsoft.com/office/drawing/2010/main" val="0"/>
-              </a:ext>
-            </a:extLst>
-          </a:blip>
-          <a:srcRect t="6250"/>
-          <a:stretch/>
-        </p:blipFill>
-        <p:spPr>
-          <a:xfrm>
-            <a:off x="20" y="1"/>
-            <a:ext cx="12191980" cy="6857999"/>
-          </a:xfrm>
-          <a:prstGeom prst="rect">
-            <a:avLst/>
-          </a:prstGeom>
-        </p:spPr>
-      </p:pic>
-      <p:sp>
-        <p:nvSpPr>
-          <p:cNvPr id="2" name="Titre 1">
-            <a:extLst>
-              <a:ext uri="{FF2B5EF4-FFF2-40B4-BE49-F238E27FC236}">
-                <a16:creationId xmlns:a16="http://schemas.microsoft.com/office/drawing/2014/main" id="{29D64549-C194-456E-AFBD-DDFEA9F742B9}"/>
-              </a:ext>
-            </a:extLst>
-          </p:cNvPr>
-          <p:cNvSpPr>
-            <a:spLocks noGrp="1"/>
-          </p:cNvSpPr>
-          <p:nvPr>
-            <p:ph type="title"/>
-          </p:nvPr>
-        </p:nvSpPr>
-        <p:spPr>
-          <a:xfrm>
-            <a:off x="838199" y="148442"/>
-            <a:ext cx="10515600" cy="1325563"/>
-          </a:xfrm>
-        </p:spPr>
-        <p:txBody>
-          <a:bodyPr>
-            <a:normAutofit/>
-          </a:bodyPr>
-          <a:lstStyle/>
-          <a:p>
-            <a:pPr algn="ctr"/>
-            <a:r>
-              <a:rPr lang="fr-FR" b="1" dirty="0">
-                <a:latin typeface="+mn-lt"/>
-              </a:rPr>
-              <a:t>Introduction</a:t>
-            </a:r>
-            <a:endParaRPr lang="fr-FR" sz="3600" b="1" dirty="0">
-              <a:latin typeface="+mn-lt"/>
-            </a:endParaRPr>
-          </a:p>
-        </p:txBody>
-      </p:sp>
-      <p:pic>
-        <p:nvPicPr>
-          <p:cNvPr id="3" name="Image 2">
-            <a:extLst>
-              <a:ext uri="{FF2B5EF4-FFF2-40B4-BE49-F238E27FC236}">
-                <a16:creationId xmlns:a16="http://schemas.microsoft.com/office/drawing/2014/main" id="{F326434F-0C29-4B78-86B1-77260A8911E4}"/>
-              </a:ext>
-            </a:extLst>
-          </p:cNvPr>
-          <p:cNvPicPr/>
-          <p:nvPr/>
-        </p:nvPicPr>
         <p:blipFill>
-          <a:blip r:embed="rId3">
-            <a:extLst>
-              <a:ext uri="{28A0092B-C50C-407E-A947-70E740481C1C}">
-                <a14:useLocalDpi xmlns:a14="http://schemas.microsoft.com/office/drawing/2010/main" val="0"/>
-              </a:ext>
-            </a:extLst>
-          </a:blip>
+          <a:blip r:embed="rId3"/>
           <a:stretch>
             <a:fillRect/>
           </a:stretch>
         </p:blipFill>
         <p:spPr>
           <a:xfrm>
-            <a:off x="2315799" y="1268963"/>
-            <a:ext cx="7560401" cy="5589037"/>
+            <a:off x="1957387" y="2257425"/>
+            <a:ext cx="8277225" cy="2343150"/>
           </a:xfrm>
           <a:prstGeom prst="rect">
             <a:avLst/>
@@ -6606,10 +7123,10 @@
       </p:pic>
       <p:sp>
         <p:nvSpPr>
-          <p:cNvPr id="5" name="Rectangle : coins arrondis 4">
-            <a:extLst>
-              <a:ext uri="{FF2B5EF4-FFF2-40B4-BE49-F238E27FC236}">
-                <a16:creationId xmlns:a16="http://schemas.microsoft.com/office/drawing/2014/main" id="{57DE185B-FF3F-4443-8DF5-F3C7D987AC94}"/>
+          <p:cNvPr id="6" name="Rectangle : coins arrondis 5">
+            <a:extLst>
+              <a:ext uri="{FF2B5EF4-FFF2-40B4-BE49-F238E27FC236}">
+                <a16:creationId xmlns:a16="http://schemas.microsoft.com/office/drawing/2014/main" id="{50C71FE4-C944-493E-B74E-483454B5E764}"/>
               </a:ext>
             </a:extLst>
           </p:cNvPr>
@@ -6618,8 +7135,8 @@
         </p:nvSpPr>
         <p:spPr>
           <a:xfrm>
-            <a:off x="2802730" y="1861457"/>
-            <a:ext cx="5127307" cy="831042"/>
+            <a:off x="6350467" y="3429001"/>
+            <a:ext cx="483166" cy="396380"/>
           </a:xfrm>
           <a:prstGeom prst="roundRect">
             <a:avLst/>
@@ -6665,7 +7182,7 @@
           <p:cNvPr id="7" name="Rectangle : coins arrondis 6">
             <a:extLst>
               <a:ext uri="{FF2B5EF4-FFF2-40B4-BE49-F238E27FC236}">
-                <a16:creationId xmlns:a16="http://schemas.microsoft.com/office/drawing/2014/main" id="{A9B249F6-82C0-4E80-9688-A6C4AD58C921}"/>
+                <a16:creationId xmlns:a16="http://schemas.microsoft.com/office/drawing/2014/main" id="{042BF8CF-13D5-49E3-B9BD-394B2B167281}"/>
               </a:ext>
             </a:extLst>
           </p:cNvPr>
@@ -6674,8 +7191,8 @@
         </p:nvSpPr>
         <p:spPr>
           <a:xfrm>
-            <a:off x="7478485" y="5589037"/>
-            <a:ext cx="696685" cy="387220"/>
+            <a:off x="7825930" y="3259977"/>
+            <a:ext cx="483166" cy="396380"/>
           </a:xfrm>
           <a:prstGeom prst="roundRect">
             <a:avLst/>
@@ -6716,1273 +7233,10 @@
           </a:p>
         </p:txBody>
       </p:sp>
-      <p:sp>
-        <p:nvSpPr>
-          <p:cNvPr id="8" name="Rectangle : coins arrondis 7">
-            <a:extLst>
-              <a:ext uri="{FF2B5EF4-FFF2-40B4-BE49-F238E27FC236}">
-                <a16:creationId xmlns:a16="http://schemas.microsoft.com/office/drawing/2014/main" id="{29FB46DC-2AE1-4059-BDCC-EC19699998CA}"/>
-              </a:ext>
-            </a:extLst>
-          </p:cNvPr>
-          <p:cNvSpPr/>
-          <p:nvPr/>
-        </p:nvSpPr>
-        <p:spPr>
-          <a:xfrm>
-            <a:off x="4201886" y="5868952"/>
-            <a:ext cx="391885" cy="466533"/>
-          </a:xfrm>
-          <a:prstGeom prst="roundRect">
-            <a:avLst/>
-          </a:prstGeom>
-          <a:noFill/>
-          <a:ln w="50800">
-            <a:solidFill>
-              <a:schemeClr val="accent1"/>
-            </a:solidFill>
-          </a:ln>
-        </p:spPr>
-        <p:style>
-          <a:lnRef idx="2">
-            <a:schemeClr val="accent1">
-              <a:shade val="50000"/>
-            </a:schemeClr>
-          </a:lnRef>
-          <a:fillRef idx="1">
-            <a:schemeClr val="accent1"/>
-          </a:fillRef>
-          <a:effectRef idx="0">
-            <a:schemeClr val="accent1"/>
-          </a:effectRef>
-          <a:fontRef idx="minor">
-            <a:schemeClr val="lt1"/>
-          </a:fontRef>
-        </p:style>
-        <p:txBody>
-          <a:bodyPr rot="0" spcFirstLastPara="0" vert="horz" wrap="square" lIns="91440" tIns="45720" rIns="91440" bIns="45720" numCol="1" spcCol="0" rtlCol="0" fromWordArt="0" anchor="ctr" anchorCtr="0" forceAA="0" compatLnSpc="1">
-            <a:prstTxWarp prst="textNoShape">
-              <a:avLst/>
-            </a:prstTxWarp>
-            <a:noAutofit/>
-          </a:bodyPr>
-          <a:lstStyle/>
-          <a:p>
-            <a:endParaRPr lang="fr-FR"/>
-          </a:p>
-        </p:txBody>
-      </p:sp>
-      <p:sp>
-        <p:nvSpPr>
-          <p:cNvPr id="11" name="Rectangle : coins arrondis 10">
-            <a:extLst>
-              <a:ext uri="{FF2B5EF4-FFF2-40B4-BE49-F238E27FC236}">
-                <a16:creationId xmlns:a16="http://schemas.microsoft.com/office/drawing/2014/main" id="{C0299604-2787-4F62-8A20-BA48EE17A3F3}"/>
-              </a:ext>
-            </a:extLst>
-          </p:cNvPr>
-          <p:cNvSpPr/>
-          <p:nvPr/>
-        </p:nvSpPr>
-        <p:spPr>
-          <a:xfrm>
-            <a:off x="9907428" y="1861457"/>
-            <a:ext cx="707572" cy="45719"/>
-          </a:xfrm>
-          <a:prstGeom prst="roundRect">
-            <a:avLst/>
-          </a:prstGeom>
-          <a:noFill/>
-          <a:ln w="50800">
-            <a:solidFill>
-              <a:schemeClr val="accent1"/>
-            </a:solidFill>
-          </a:ln>
-        </p:spPr>
-        <p:style>
-          <a:lnRef idx="2">
-            <a:schemeClr val="accent1">
-              <a:shade val="50000"/>
-            </a:schemeClr>
-          </a:lnRef>
-          <a:fillRef idx="1">
-            <a:schemeClr val="accent1"/>
-          </a:fillRef>
-          <a:effectRef idx="0">
-            <a:schemeClr val="accent1"/>
-          </a:effectRef>
-          <a:fontRef idx="minor">
-            <a:schemeClr val="lt1"/>
-          </a:fontRef>
-        </p:style>
-        <p:txBody>
-          <a:bodyPr rot="0" spcFirstLastPara="0" vert="horz" wrap="square" lIns="91440" tIns="45720" rIns="91440" bIns="45720" numCol="1" spcCol="0" rtlCol="0" fromWordArt="0" anchor="ctr" anchorCtr="0" forceAA="0" compatLnSpc="1">
-            <a:prstTxWarp prst="textNoShape">
-              <a:avLst/>
-            </a:prstTxWarp>
-            <a:noAutofit/>
-          </a:bodyPr>
-          <a:lstStyle/>
-          <a:p>
-            <a:endParaRPr lang="fr-FR"/>
-          </a:p>
-        </p:txBody>
-      </p:sp>
-      <p:sp>
-        <p:nvSpPr>
-          <p:cNvPr id="12" name="ZoneTexte 11">
-            <a:extLst>
-              <a:ext uri="{FF2B5EF4-FFF2-40B4-BE49-F238E27FC236}">
-                <a16:creationId xmlns:a16="http://schemas.microsoft.com/office/drawing/2014/main" id="{CAF4F695-35FF-45A5-80B8-118450793612}"/>
-              </a:ext>
-            </a:extLst>
-          </p:cNvPr>
-          <p:cNvSpPr txBox="1"/>
-          <p:nvPr/>
-        </p:nvSpPr>
-        <p:spPr>
-          <a:xfrm>
-            <a:off x="10646228" y="1699650"/>
-            <a:ext cx="824265" cy="369332"/>
-          </a:xfrm>
-          <a:prstGeom prst="rect">
-            <a:avLst/>
-          </a:prstGeom>
-          <a:noFill/>
-        </p:spPr>
-        <p:txBody>
-          <a:bodyPr wrap="none" rtlCol="0">
-            <a:spAutoFit/>
-          </a:bodyPr>
-          <a:lstStyle/>
-          <a:p>
-            <a:r>
-              <a:rPr lang="fr-FR" dirty="0"/>
-              <a:t>Joshua</a:t>
-            </a:r>
-          </a:p>
-        </p:txBody>
-      </p:sp>
-      <p:sp>
-        <p:nvSpPr>
-          <p:cNvPr id="13" name="Rectangle : coins arrondis 12">
-            <a:extLst>
-              <a:ext uri="{FF2B5EF4-FFF2-40B4-BE49-F238E27FC236}">
-                <a16:creationId xmlns:a16="http://schemas.microsoft.com/office/drawing/2014/main" id="{2005236A-5D70-4933-9C03-53DAC7F068DD}"/>
-              </a:ext>
-            </a:extLst>
-          </p:cNvPr>
-          <p:cNvSpPr/>
-          <p:nvPr/>
-        </p:nvSpPr>
-        <p:spPr>
-          <a:xfrm>
-            <a:off x="9907428" y="2231259"/>
-            <a:ext cx="707572" cy="45719"/>
-          </a:xfrm>
-          <a:prstGeom prst="roundRect">
-            <a:avLst/>
-          </a:prstGeom>
-          <a:noFill/>
-          <a:ln w="50800">
-            <a:solidFill>
-              <a:srgbClr val="92D050"/>
-            </a:solidFill>
-          </a:ln>
-        </p:spPr>
-        <p:style>
-          <a:lnRef idx="2">
-            <a:schemeClr val="accent1">
-              <a:shade val="50000"/>
-            </a:schemeClr>
-          </a:lnRef>
-          <a:fillRef idx="1">
-            <a:schemeClr val="accent1"/>
-          </a:fillRef>
-          <a:effectRef idx="0">
-            <a:schemeClr val="accent1"/>
-          </a:effectRef>
-          <a:fontRef idx="minor">
-            <a:schemeClr val="lt1"/>
-          </a:fontRef>
-        </p:style>
-        <p:txBody>
-          <a:bodyPr rot="0" spcFirstLastPara="0" vert="horz" wrap="square" lIns="91440" tIns="45720" rIns="91440" bIns="45720" numCol="1" spcCol="0" rtlCol="0" fromWordArt="0" anchor="ctr" anchorCtr="0" forceAA="0" compatLnSpc="1">
-            <a:prstTxWarp prst="textNoShape">
-              <a:avLst/>
-            </a:prstTxWarp>
-            <a:noAutofit/>
-          </a:bodyPr>
-          <a:lstStyle/>
-          <a:p>
-            <a:endParaRPr lang="fr-FR"/>
-          </a:p>
-        </p:txBody>
-      </p:sp>
-      <p:sp>
-        <p:nvSpPr>
-          <p:cNvPr id="14" name="ZoneTexte 13">
-            <a:extLst>
-              <a:ext uri="{FF2B5EF4-FFF2-40B4-BE49-F238E27FC236}">
-                <a16:creationId xmlns:a16="http://schemas.microsoft.com/office/drawing/2014/main" id="{E0ACB98A-C89B-4929-A703-94259A65428B}"/>
-              </a:ext>
-            </a:extLst>
-          </p:cNvPr>
-          <p:cNvSpPr txBox="1"/>
-          <p:nvPr/>
-        </p:nvSpPr>
-        <p:spPr>
-          <a:xfrm>
-            <a:off x="10614999" y="2046593"/>
-            <a:ext cx="993862" cy="369332"/>
-          </a:xfrm>
-          <a:prstGeom prst="rect">
-            <a:avLst/>
-          </a:prstGeom>
-          <a:noFill/>
-        </p:spPr>
-        <p:txBody>
-          <a:bodyPr wrap="none" rtlCol="0">
-            <a:spAutoFit/>
-          </a:bodyPr>
-          <a:lstStyle/>
-          <a:p>
-            <a:r>
-              <a:rPr lang="fr-FR" dirty="0"/>
-              <a:t>Corentin</a:t>
-            </a:r>
-          </a:p>
-        </p:txBody>
-      </p:sp>
-      <p:sp>
-        <p:nvSpPr>
-          <p:cNvPr id="15" name="Rectangle : coins arrondis 14">
-            <a:extLst>
-              <a:ext uri="{FF2B5EF4-FFF2-40B4-BE49-F238E27FC236}">
-                <a16:creationId xmlns:a16="http://schemas.microsoft.com/office/drawing/2014/main" id="{C9B032DC-BEA4-4CA8-868C-B1DFB4E70287}"/>
-              </a:ext>
-            </a:extLst>
-          </p:cNvPr>
-          <p:cNvSpPr/>
-          <p:nvPr/>
-        </p:nvSpPr>
-        <p:spPr>
-          <a:xfrm>
-            <a:off x="9907427" y="2601061"/>
-            <a:ext cx="707572" cy="45719"/>
-          </a:xfrm>
-          <a:prstGeom prst="roundRect">
-            <a:avLst/>
-          </a:prstGeom>
-          <a:noFill/>
-          <a:ln w="50800">
-            <a:solidFill>
-              <a:srgbClr val="FF0000"/>
-            </a:solidFill>
-          </a:ln>
-        </p:spPr>
-        <p:style>
-          <a:lnRef idx="2">
-            <a:schemeClr val="accent1">
-              <a:shade val="50000"/>
-            </a:schemeClr>
-          </a:lnRef>
-          <a:fillRef idx="1">
-            <a:schemeClr val="accent1"/>
-          </a:fillRef>
-          <a:effectRef idx="0">
-            <a:schemeClr val="accent1"/>
-          </a:effectRef>
-          <a:fontRef idx="minor">
-            <a:schemeClr val="lt1"/>
-          </a:fontRef>
-        </p:style>
-        <p:txBody>
-          <a:bodyPr rot="0" spcFirstLastPara="0" vert="horz" wrap="square" lIns="91440" tIns="45720" rIns="91440" bIns="45720" numCol="1" spcCol="0" rtlCol="0" fromWordArt="0" anchor="ctr" anchorCtr="0" forceAA="0" compatLnSpc="1">
-            <a:prstTxWarp prst="textNoShape">
-              <a:avLst/>
-            </a:prstTxWarp>
-            <a:noAutofit/>
-          </a:bodyPr>
-          <a:lstStyle/>
-          <a:p>
-            <a:endParaRPr lang="fr-FR"/>
-          </a:p>
-        </p:txBody>
-      </p:sp>
-      <p:sp>
-        <p:nvSpPr>
-          <p:cNvPr id="16" name="ZoneTexte 15">
-            <a:extLst>
-              <a:ext uri="{FF2B5EF4-FFF2-40B4-BE49-F238E27FC236}">
-                <a16:creationId xmlns:a16="http://schemas.microsoft.com/office/drawing/2014/main" id="{48B41F13-2617-4D2B-8E9E-C48ADF79E878}"/>
-              </a:ext>
-            </a:extLst>
-          </p:cNvPr>
-          <p:cNvSpPr txBox="1"/>
-          <p:nvPr/>
-        </p:nvSpPr>
-        <p:spPr>
-          <a:xfrm>
-            <a:off x="10614999" y="2424887"/>
-            <a:ext cx="1195071" cy="369332"/>
-          </a:xfrm>
-          <a:prstGeom prst="rect">
-            <a:avLst/>
-          </a:prstGeom>
-          <a:noFill/>
-        </p:spPr>
-        <p:txBody>
-          <a:bodyPr wrap="none" rtlCol="0">
-            <a:spAutoFit/>
-          </a:bodyPr>
-          <a:lstStyle/>
-          <a:p>
-            <a:r>
-              <a:rPr lang="fr-FR" dirty="0"/>
-              <a:t>Constantin</a:t>
-            </a:r>
-          </a:p>
-        </p:txBody>
-      </p:sp>
-      <p:sp>
-        <p:nvSpPr>
-          <p:cNvPr id="17" name="Rectangle : coins arrondis 16">
-            <a:extLst>
-              <a:ext uri="{FF2B5EF4-FFF2-40B4-BE49-F238E27FC236}">
-                <a16:creationId xmlns:a16="http://schemas.microsoft.com/office/drawing/2014/main" id="{E8DD8EB4-5799-466B-8E0E-6853CD76BBDC}"/>
-              </a:ext>
-            </a:extLst>
-          </p:cNvPr>
-          <p:cNvSpPr/>
-          <p:nvPr/>
-        </p:nvSpPr>
-        <p:spPr>
-          <a:xfrm>
-            <a:off x="9907427" y="2970935"/>
-            <a:ext cx="707572" cy="45719"/>
-          </a:xfrm>
-          <a:prstGeom prst="roundRect">
-            <a:avLst/>
-          </a:prstGeom>
-          <a:noFill/>
-          <a:ln w="50800">
-            <a:solidFill>
-              <a:srgbClr val="00B0F0"/>
-            </a:solidFill>
-          </a:ln>
-        </p:spPr>
-        <p:style>
-          <a:lnRef idx="2">
-            <a:schemeClr val="accent1">
-              <a:shade val="50000"/>
-            </a:schemeClr>
-          </a:lnRef>
-          <a:fillRef idx="1">
-            <a:schemeClr val="accent1"/>
-          </a:fillRef>
-          <a:effectRef idx="0">
-            <a:schemeClr val="accent1"/>
-          </a:effectRef>
-          <a:fontRef idx="minor">
-            <a:schemeClr val="lt1"/>
-          </a:fontRef>
-        </p:style>
-        <p:txBody>
-          <a:bodyPr rot="0" spcFirstLastPara="0" vert="horz" wrap="square" lIns="91440" tIns="45720" rIns="91440" bIns="45720" numCol="1" spcCol="0" rtlCol="0" fromWordArt="0" anchor="ctr" anchorCtr="0" forceAA="0" compatLnSpc="1">
-            <a:prstTxWarp prst="textNoShape">
-              <a:avLst/>
-            </a:prstTxWarp>
-            <a:noAutofit/>
-          </a:bodyPr>
-          <a:lstStyle/>
-          <a:p>
-            <a:endParaRPr lang="fr-FR"/>
-          </a:p>
-        </p:txBody>
-      </p:sp>
-      <p:sp>
-        <p:nvSpPr>
-          <p:cNvPr id="18" name="ZoneTexte 17">
-            <a:extLst>
-              <a:ext uri="{FF2B5EF4-FFF2-40B4-BE49-F238E27FC236}">
-                <a16:creationId xmlns:a16="http://schemas.microsoft.com/office/drawing/2014/main" id="{1B85E7D9-DC72-4AE6-9300-C7C157AAF1D4}"/>
-              </a:ext>
-            </a:extLst>
-          </p:cNvPr>
-          <p:cNvSpPr txBox="1"/>
-          <p:nvPr/>
-        </p:nvSpPr>
-        <p:spPr>
-          <a:xfrm>
-            <a:off x="10614999" y="2786197"/>
-            <a:ext cx="925253" cy="369332"/>
-          </a:xfrm>
-          <a:prstGeom prst="rect">
-            <a:avLst/>
-          </a:prstGeom>
-          <a:noFill/>
-        </p:spPr>
-        <p:txBody>
-          <a:bodyPr wrap="none" rtlCol="0">
-            <a:spAutoFit/>
-          </a:bodyPr>
-          <a:lstStyle/>
-          <a:p>
-            <a:r>
-              <a:rPr lang="fr-FR" dirty="0"/>
-              <a:t>Thomas</a:t>
-            </a:r>
-          </a:p>
-        </p:txBody>
-      </p:sp>
-      <p:sp>
-        <p:nvSpPr>
-          <p:cNvPr id="20" name="Rectangle : coins arrondis 19">
-            <a:extLst>
-              <a:ext uri="{FF2B5EF4-FFF2-40B4-BE49-F238E27FC236}">
-                <a16:creationId xmlns:a16="http://schemas.microsoft.com/office/drawing/2014/main" id="{35D16060-3BD5-4384-834E-2EBCDCA60699}"/>
-              </a:ext>
-            </a:extLst>
-          </p:cNvPr>
-          <p:cNvSpPr/>
-          <p:nvPr/>
-        </p:nvSpPr>
-        <p:spPr>
-          <a:xfrm>
-            <a:off x="8149315" y="4488657"/>
-            <a:ext cx="449379" cy="164306"/>
-          </a:xfrm>
-          <a:prstGeom prst="roundRect">
-            <a:avLst/>
-          </a:prstGeom>
-          <a:noFill/>
-          <a:ln w="50800">
-            <a:solidFill>
-              <a:srgbClr val="FF0000"/>
-            </a:solidFill>
-          </a:ln>
-        </p:spPr>
-        <p:style>
-          <a:lnRef idx="2">
-            <a:schemeClr val="accent1">
-              <a:shade val="50000"/>
-            </a:schemeClr>
-          </a:lnRef>
-          <a:fillRef idx="1">
-            <a:schemeClr val="accent1"/>
-          </a:fillRef>
-          <a:effectRef idx="0">
-            <a:schemeClr val="accent1"/>
-          </a:effectRef>
-          <a:fontRef idx="minor">
-            <a:schemeClr val="lt1"/>
-          </a:fontRef>
-        </p:style>
-        <p:txBody>
-          <a:bodyPr rot="0" spcFirstLastPara="0" vert="horz" wrap="square" lIns="91440" tIns="45720" rIns="91440" bIns="45720" numCol="1" spcCol="0" rtlCol="0" fromWordArt="0" anchor="ctr" anchorCtr="0" forceAA="0" compatLnSpc="1">
-            <a:prstTxWarp prst="textNoShape">
-              <a:avLst/>
-            </a:prstTxWarp>
-            <a:noAutofit/>
-          </a:bodyPr>
-          <a:lstStyle/>
-          <a:p>
-            <a:endParaRPr lang="fr-FR"/>
-          </a:p>
-        </p:txBody>
-      </p:sp>
-      <p:sp>
-        <p:nvSpPr>
-          <p:cNvPr id="21" name="Rectangle : coins arrondis 20">
-            <a:extLst>
-              <a:ext uri="{FF2B5EF4-FFF2-40B4-BE49-F238E27FC236}">
-                <a16:creationId xmlns:a16="http://schemas.microsoft.com/office/drawing/2014/main" id="{5D361B11-4AA7-4AC6-976F-5354E0BA831E}"/>
-              </a:ext>
-            </a:extLst>
-          </p:cNvPr>
-          <p:cNvSpPr/>
-          <p:nvPr/>
-        </p:nvSpPr>
-        <p:spPr>
-          <a:xfrm>
-            <a:off x="4536622" y="3740944"/>
-            <a:ext cx="1666060" cy="801039"/>
-          </a:xfrm>
-          <a:prstGeom prst="roundRect">
-            <a:avLst/>
-          </a:prstGeom>
-          <a:noFill/>
-          <a:ln w="50800">
-            <a:solidFill>
-              <a:srgbClr val="FF0000"/>
-            </a:solidFill>
-          </a:ln>
-        </p:spPr>
-        <p:style>
-          <a:lnRef idx="2">
-            <a:schemeClr val="accent1">
-              <a:shade val="50000"/>
-            </a:schemeClr>
-          </a:lnRef>
-          <a:fillRef idx="1">
-            <a:schemeClr val="accent1"/>
-          </a:fillRef>
-          <a:effectRef idx="0">
-            <a:schemeClr val="accent1"/>
-          </a:effectRef>
-          <a:fontRef idx="minor">
-            <a:schemeClr val="lt1"/>
-          </a:fontRef>
-        </p:style>
-        <p:txBody>
-          <a:bodyPr rot="0" spcFirstLastPara="0" vert="horz" wrap="square" lIns="91440" tIns="45720" rIns="91440" bIns="45720" numCol="1" spcCol="0" rtlCol="0" fromWordArt="0" anchor="ctr" anchorCtr="0" forceAA="0" compatLnSpc="1">
-            <a:prstTxWarp prst="textNoShape">
-              <a:avLst/>
-            </a:prstTxWarp>
-            <a:noAutofit/>
-          </a:bodyPr>
-          <a:lstStyle/>
-          <a:p>
-            <a:endParaRPr lang="fr-FR"/>
-          </a:p>
-        </p:txBody>
-      </p:sp>
-      <p:sp>
-        <p:nvSpPr>
-          <p:cNvPr id="22" name="Rectangle : coins arrondis 21">
-            <a:extLst>
-              <a:ext uri="{FF2B5EF4-FFF2-40B4-BE49-F238E27FC236}">
-                <a16:creationId xmlns:a16="http://schemas.microsoft.com/office/drawing/2014/main" id="{E2933415-AEC5-44C9-AE56-64F8CE71E3F7}"/>
-              </a:ext>
-            </a:extLst>
-          </p:cNvPr>
-          <p:cNvSpPr/>
-          <p:nvPr/>
-        </p:nvSpPr>
-        <p:spPr>
-          <a:xfrm>
-            <a:off x="2802730" y="2816202"/>
-            <a:ext cx="1674019" cy="801039"/>
-          </a:xfrm>
-          <a:prstGeom prst="roundRect">
-            <a:avLst/>
-          </a:prstGeom>
-          <a:noFill/>
-          <a:ln w="50800">
-            <a:solidFill>
-              <a:srgbClr val="FF0000"/>
-            </a:solidFill>
-          </a:ln>
-        </p:spPr>
-        <p:style>
-          <a:lnRef idx="2">
-            <a:schemeClr val="accent1">
-              <a:shade val="50000"/>
-            </a:schemeClr>
-          </a:lnRef>
-          <a:fillRef idx="1">
-            <a:schemeClr val="accent1"/>
-          </a:fillRef>
-          <a:effectRef idx="0">
-            <a:schemeClr val="accent1"/>
-          </a:effectRef>
-          <a:fontRef idx="minor">
-            <a:schemeClr val="lt1"/>
-          </a:fontRef>
-        </p:style>
-        <p:txBody>
-          <a:bodyPr rot="0" spcFirstLastPara="0" vert="horz" wrap="square" lIns="91440" tIns="45720" rIns="91440" bIns="45720" numCol="1" spcCol="0" rtlCol="0" fromWordArt="0" anchor="ctr" anchorCtr="0" forceAA="0" compatLnSpc="1">
-            <a:prstTxWarp prst="textNoShape">
-              <a:avLst/>
-            </a:prstTxWarp>
-            <a:noAutofit/>
-          </a:bodyPr>
-          <a:lstStyle/>
-          <a:p>
-            <a:endParaRPr lang="fr-FR"/>
-          </a:p>
-        </p:txBody>
-      </p:sp>
-      <p:sp>
-        <p:nvSpPr>
-          <p:cNvPr id="23" name="Flèche : double flèche horizontale 22">
-            <a:extLst>
-              <a:ext uri="{FF2B5EF4-FFF2-40B4-BE49-F238E27FC236}">
-                <a16:creationId xmlns:a16="http://schemas.microsoft.com/office/drawing/2014/main" id="{1071556F-F791-4EA0-8063-D0370A498624}"/>
-              </a:ext>
-            </a:extLst>
-          </p:cNvPr>
-          <p:cNvSpPr/>
-          <p:nvPr/>
-        </p:nvSpPr>
-        <p:spPr>
-          <a:xfrm>
-            <a:off x="6865620" y="5195619"/>
-            <a:ext cx="612865" cy="317994"/>
-          </a:xfrm>
-          <a:prstGeom prst="leftRightArrow">
-            <a:avLst/>
-          </a:prstGeom>
-          <a:solidFill>
-            <a:srgbClr val="2FC9FF"/>
-          </a:solidFill>
-          <a:ln>
-            <a:solidFill>
-              <a:srgbClr val="00B0F0"/>
-            </a:solidFill>
-          </a:ln>
-        </p:spPr>
-        <p:style>
-          <a:lnRef idx="2">
-            <a:schemeClr val="accent1">
-              <a:shade val="50000"/>
-            </a:schemeClr>
-          </a:lnRef>
-          <a:fillRef idx="1">
-            <a:schemeClr val="accent1"/>
-          </a:fillRef>
-          <a:effectRef idx="0">
-            <a:schemeClr val="accent1"/>
-          </a:effectRef>
-          <a:fontRef idx="minor">
-            <a:schemeClr val="lt1"/>
-          </a:fontRef>
-        </p:style>
-        <p:txBody>
-          <a:bodyPr rot="0" spcFirstLastPara="0" vert="horz" wrap="square" lIns="91440" tIns="45720" rIns="91440" bIns="45720" numCol="1" spcCol="0" rtlCol="0" fromWordArt="0" anchor="ctr" anchorCtr="0" forceAA="0" compatLnSpc="1">
-            <a:prstTxWarp prst="textNoShape">
-              <a:avLst/>
-            </a:prstTxWarp>
-            <a:noAutofit/>
-          </a:bodyPr>
-          <a:lstStyle/>
-          <a:p>
-            <a:endParaRPr lang="fr-FR"/>
-          </a:p>
-        </p:txBody>
-      </p:sp>
-      <p:sp>
-        <p:nvSpPr>
-          <p:cNvPr id="24" name="Flèche : double flèche horizontale 23">
-            <a:extLst>
-              <a:ext uri="{FF2B5EF4-FFF2-40B4-BE49-F238E27FC236}">
-                <a16:creationId xmlns:a16="http://schemas.microsoft.com/office/drawing/2014/main" id="{9E1D88BE-4C03-4E58-BF2A-430DC0CFE2A3}"/>
-              </a:ext>
-            </a:extLst>
-          </p:cNvPr>
-          <p:cNvSpPr/>
-          <p:nvPr/>
-        </p:nvSpPr>
-        <p:spPr>
-          <a:xfrm>
-            <a:off x="4563290" y="5665171"/>
-            <a:ext cx="1666060" cy="311085"/>
-          </a:xfrm>
-          <a:prstGeom prst="leftRightArrow">
-            <a:avLst/>
-          </a:prstGeom>
-          <a:solidFill>
-            <a:srgbClr val="1EEA14"/>
-          </a:solidFill>
-          <a:ln>
-            <a:solidFill>
-              <a:srgbClr val="92D050"/>
-            </a:solidFill>
-          </a:ln>
-        </p:spPr>
-        <p:style>
-          <a:lnRef idx="2">
-            <a:schemeClr val="accent1">
-              <a:shade val="50000"/>
-            </a:schemeClr>
-          </a:lnRef>
-          <a:fillRef idx="1">
-            <a:schemeClr val="accent1"/>
-          </a:fillRef>
-          <a:effectRef idx="0">
-            <a:schemeClr val="accent1"/>
-          </a:effectRef>
-          <a:fontRef idx="minor">
-            <a:schemeClr val="lt1"/>
-          </a:fontRef>
-        </p:style>
-        <p:txBody>
-          <a:bodyPr rot="0" spcFirstLastPara="0" vert="horz" wrap="square" lIns="91440" tIns="45720" rIns="91440" bIns="45720" numCol="1" spcCol="0" rtlCol="0" fromWordArt="0" anchor="ctr" anchorCtr="0" forceAA="0" compatLnSpc="1">
-            <a:prstTxWarp prst="textNoShape">
-              <a:avLst/>
-            </a:prstTxWarp>
-            <a:noAutofit/>
-          </a:bodyPr>
-          <a:lstStyle/>
-          <a:p>
-            <a:endParaRPr lang="fr-FR"/>
-          </a:p>
-        </p:txBody>
-      </p:sp>
-      <p:sp>
-        <p:nvSpPr>
-          <p:cNvPr id="25" name="Rectangle : coins arrondis 24">
-            <a:extLst>
-              <a:ext uri="{FF2B5EF4-FFF2-40B4-BE49-F238E27FC236}">
-                <a16:creationId xmlns:a16="http://schemas.microsoft.com/office/drawing/2014/main" id="{489DFF1B-53BB-413F-A40C-14160C2DCD79}"/>
-              </a:ext>
-            </a:extLst>
-          </p:cNvPr>
-          <p:cNvSpPr/>
-          <p:nvPr/>
-        </p:nvSpPr>
-        <p:spPr>
-          <a:xfrm>
-            <a:off x="2802731" y="3747359"/>
-            <a:ext cx="1661954" cy="801039"/>
-          </a:xfrm>
-          <a:prstGeom prst="roundRect">
-            <a:avLst/>
-          </a:prstGeom>
-          <a:noFill/>
-          <a:ln w="50800">
-            <a:solidFill>
-              <a:srgbClr val="92D050"/>
-            </a:solidFill>
-          </a:ln>
-        </p:spPr>
-        <p:style>
-          <a:lnRef idx="2">
-            <a:schemeClr val="accent1">
-              <a:shade val="50000"/>
-            </a:schemeClr>
-          </a:lnRef>
-          <a:fillRef idx="1">
-            <a:schemeClr val="accent1"/>
-          </a:fillRef>
-          <a:effectRef idx="0">
-            <a:schemeClr val="accent1"/>
-          </a:effectRef>
-          <a:fontRef idx="minor">
-            <a:schemeClr val="lt1"/>
-          </a:fontRef>
-        </p:style>
-        <p:txBody>
-          <a:bodyPr rot="0" spcFirstLastPara="0" vert="horz" wrap="square" lIns="91440" tIns="45720" rIns="91440" bIns="45720" numCol="1" spcCol="0" rtlCol="0" fromWordArt="0" anchor="ctr" anchorCtr="0" forceAA="0" compatLnSpc="1">
-            <a:prstTxWarp prst="textNoShape">
-              <a:avLst/>
-            </a:prstTxWarp>
-            <a:noAutofit/>
-          </a:bodyPr>
-          <a:lstStyle/>
-          <a:p>
-            <a:endParaRPr lang="fr-FR"/>
-          </a:p>
-        </p:txBody>
-      </p:sp>
-      <p:sp>
-        <p:nvSpPr>
-          <p:cNvPr id="26" name="Rectangle : coins arrondis 25">
-            <a:extLst>
-              <a:ext uri="{FF2B5EF4-FFF2-40B4-BE49-F238E27FC236}">
-                <a16:creationId xmlns:a16="http://schemas.microsoft.com/office/drawing/2014/main" id="{182E2B6F-2034-4B2C-8B91-AF4F0257F1FA}"/>
-              </a:ext>
-            </a:extLst>
-          </p:cNvPr>
-          <p:cNvSpPr/>
-          <p:nvPr/>
-        </p:nvSpPr>
-        <p:spPr>
-          <a:xfrm>
-            <a:off x="6280150" y="2818392"/>
-            <a:ext cx="1630363" cy="801039"/>
-          </a:xfrm>
-          <a:prstGeom prst="roundRect">
-            <a:avLst/>
-          </a:prstGeom>
-          <a:noFill/>
-          <a:ln w="50800">
-            <a:solidFill>
-              <a:srgbClr val="92D050"/>
-            </a:solidFill>
-          </a:ln>
-        </p:spPr>
-        <p:style>
-          <a:lnRef idx="2">
-            <a:schemeClr val="accent1">
-              <a:shade val="50000"/>
-            </a:schemeClr>
-          </a:lnRef>
-          <a:fillRef idx="1">
-            <a:schemeClr val="accent1"/>
-          </a:fillRef>
-          <a:effectRef idx="0">
-            <a:schemeClr val="accent1"/>
-          </a:effectRef>
-          <a:fontRef idx="minor">
-            <a:schemeClr val="lt1"/>
-          </a:fontRef>
-        </p:style>
-        <p:txBody>
-          <a:bodyPr rot="0" spcFirstLastPara="0" vert="horz" wrap="square" lIns="91440" tIns="45720" rIns="91440" bIns="45720" numCol="1" spcCol="0" rtlCol="0" fromWordArt="0" anchor="ctr" anchorCtr="0" forceAA="0" compatLnSpc="1">
-            <a:prstTxWarp prst="textNoShape">
-              <a:avLst/>
-            </a:prstTxWarp>
-            <a:noAutofit/>
-          </a:bodyPr>
-          <a:lstStyle/>
-          <a:p>
-            <a:endParaRPr lang="fr-FR"/>
-          </a:p>
-        </p:txBody>
-      </p:sp>
-      <p:sp>
-        <p:nvSpPr>
-          <p:cNvPr id="27" name="Rectangle : coins arrondis 26">
-            <a:extLst>
-              <a:ext uri="{FF2B5EF4-FFF2-40B4-BE49-F238E27FC236}">
-                <a16:creationId xmlns:a16="http://schemas.microsoft.com/office/drawing/2014/main" id="{67F0BB05-9A0E-438F-99F2-3FA9E65C5937}"/>
-              </a:ext>
-            </a:extLst>
-          </p:cNvPr>
-          <p:cNvSpPr/>
-          <p:nvPr/>
-        </p:nvSpPr>
-        <p:spPr>
-          <a:xfrm>
-            <a:off x="4541997" y="2816202"/>
-            <a:ext cx="1649888" cy="801039"/>
-          </a:xfrm>
-          <a:prstGeom prst="roundRect">
-            <a:avLst/>
-          </a:prstGeom>
-          <a:noFill/>
-          <a:ln w="50800">
-            <a:solidFill>
-              <a:srgbClr val="00B0F0"/>
-            </a:solidFill>
-          </a:ln>
-        </p:spPr>
-        <p:style>
-          <a:lnRef idx="2">
-            <a:schemeClr val="accent1">
-              <a:shade val="50000"/>
-            </a:schemeClr>
-          </a:lnRef>
-          <a:fillRef idx="1">
-            <a:schemeClr val="accent1"/>
-          </a:fillRef>
-          <a:effectRef idx="0">
-            <a:schemeClr val="accent1"/>
-          </a:effectRef>
-          <a:fontRef idx="minor">
-            <a:schemeClr val="lt1"/>
-          </a:fontRef>
-        </p:style>
-        <p:txBody>
-          <a:bodyPr rot="0" spcFirstLastPara="0" vert="horz" wrap="square" lIns="91440" tIns="45720" rIns="91440" bIns="45720" numCol="1" spcCol="0" rtlCol="0" fromWordArt="0" anchor="ctr" anchorCtr="0" forceAA="0" compatLnSpc="1">
-            <a:prstTxWarp prst="textNoShape">
-              <a:avLst/>
-            </a:prstTxWarp>
-            <a:noAutofit/>
-          </a:bodyPr>
-          <a:lstStyle/>
-          <a:p>
-            <a:endParaRPr lang="fr-FR"/>
-          </a:p>
-        </p:txBody>
-      </p:sp>
-      <p:sp>
-        <p:nvSpPr>
-          <p:cNvPr id="28" name="Rectangle : coins arrondis 27">
-            <a:extLst>
-              <a:ext uri="{FF2B5EF4-FFF2-40B4-BE49-F238E27FC236}">
-                <a16:creationId xmlns:a16="http://schemas.microsoft.com/office/drawing/2014/main" id="{F606E47C-726C-4713-AAF3-C821E5344F3E}"/>
-              </a:ext>
-            </a:extLst>
-          </p:cNvPr>
-          <p:cNvSpPr/>
-          <p:nvPr/>
-        </p:nvSpPr>
-        <p:spPr>
-          <a:xfrm>
-            <a:off x="6268083" y="3749157"/>
-            <a:ext cx="1661954" cy="801039"/>
-          </a:xfrm>
-          <a:prstGeom prst="roundRect">
-            <a:avLst/>
-          </a:prstGeom>
-          <a:noFill/>
-          <a:ln w="50800">
-            <a:solidFill>
-              <a:srgbClr val="00B0F0"/>
-            </a:solidFill>
-          </a:ln>
-        </p:spPr>
-        <p:style>
-          <a:lnRef idx="2">
-            <a:schemeClr val="accent1">
-              <a:shade val="50000"/>
-            </a:schemeClr>
-          </a:lnRef>
-          <a:fillRef idx="1">
-            <a:schemeClr val="accent1"/>
-          </a:fillRef>
-          <a:effectRef idx="0">
-            <a:schemeClr val="accent1"/>
-          </a:effectRef>
-          <a:fontRef idx="minor">
-            <a:schemeClr val="lt1"/>
-          </a:fontRef>
-        </p:style>
-        <p:txBody>
-          <a:bodyPr rot="0" spcFirstLastPara="0" vert="horz" wrap="square" lIns="91440" tIns="45720" rIns="91440" bIns="45720" numCol="1" spcCol="0" rtlCol="0" fromWordArt="0" anchor="ctr" anchorCtr="0" forceAA="0" compatLnSpc="1">
-            <a:prstTxWarp prst="textNoShape">
-              <a:avLst/>
-            </a:prstTxWarp>
-            <a:noAutofit/>
-          </a:bodyPr>
-          <a:lstStyle/>
-          <a:p>
-            <a:endParaRPr lang="fr-FR"/>
-          </a:p>
-        </p:txBody>
-      </p:sp>
-      <p:cxnSp>
-        <p:nvCxnSpPr>
-          <p:cNvPr id="29" name="Connecteur droit 28">
-            <a:extLst>
-              <a:ext uri="{FF2B5EF4-FFF2-40B4-BE49-F238E27FC236}">
-                <a16:creationId xmlns:a16="http://schemas.microsoft.com/office/drawing/2014/main" id="{275F8654-B445-4228-94F2-002ED50C11F4}"/>
-              </a:ext>
-            </a:extLst>
-          </p:cNvPr>
-          <p:cNvCxnSpPr>
-            <a:cxnSpLocks/>
-          </p:cNvCxnSpPr>
-          <p:nvPr/>
-        </p:nvCxnSpPr>
-        <p:spPr>
-          <a:xfrm flipH="1" flipV="1">
-            <a:off x="2002064" y="4570810"/>
-            <a:ext cx="2878658" cy="678299"/>
-          </a:xfrm>
-          <a:prstGeom prst="line">
-            <a:avLst/>
-          </a:prstGeom>
-          <a:ln>
-            <a:solidFill>
-              <a:schemeClr val="accent1"/>
-            </a:solidFill>
-          </a:ln>
-        </p:spPr>
-        <p:style>
-          <a:lnRef idx="3">
-            <a:schemeClr val="accent1"/>
-          </a:lnRef>
-          <a:fillRef idx="0">
-            <a:schemeClr val="accent1"/>
-          </a:fillRef>
-          <a:effectRef idx="2">
-            <a:schemeClr val="accent1"/>
-          </a:effectRef>
-          <a:fontRef idx="minor">
-            <a:schemeClr val="tx1"/>
-          </a:fontRef>
-        </p:style>
-      </p:cxnSp>
-      <p:sp>
-        <p:nvSpPr>
-          <p:cNvPr id="31" name="Zone de texte 45">
-            <a:extLst>
-              <a:ext uri="{FF2B5EF4-FFF2-40B4-BE49-F238E27FC236}">
-                <a16:creationId xmlns:a16="http://schemas.microsoft.com/office/drawing/2014/main" id="{4137D27B-845D-49BA-A870-304F07D89BFE}"/>
-              </a:ext>
-            </a:extLst>
-          </p:cNvPr>
-          <p:cNvSpPr txBox="1"/>
-          <p:nvPr/>
-        </p:nvSpPr>
-        <p:spPr>
-          <a:xfrm>
-            <a:off x="905817" y="4289822"/>
-            <a:ext cx="1095375" cy="561975"/>
-          </a:xfrm>
-          <a:prstGeom prst="rect">
-            <a:avLst/>
-          </a:prstGeom>
-          <a:solidFill>
-            <a:schemeClr val="lt1"/>
-          </a:solidFill>
-          <a:ln w="6350">
-            <a:solidFill>
-              <a:schemeClr val="accent1"/>
-            </a:solidFill>
-          </a:ln>
-        </p:spPr>
-        <p:txBody>
-          <a:bodyPr rot="0" spcFirstLastPara="0" vert="horz" wrap="square" lIns="91440" tIns="45720" rIns="91440" bIns="45720" numCol="1" spcCol="0" rtlCol="0" fromWordArt="0" anchor="t" anchorCtr="0" forceAA="0" compatLnSpc="1">
-            <a:prstTxWarp prst="textNoShape">
-              <a:avLst/>
-            </a:prstTxWarp>
-            <a:noAutofit/>
-          </a:bodyPr>
-          <a:lstStyle/>
-          <a:p>
-            <a:pPr>
-              <a:lnSpc>
-                <a:spcPct val="107000"/>
-              </a:lnSpc>
-              <a:spcAft>
-                <a:spcPts val="800"/>
-              </a:spcAft>
-            </a:pPr>
-            <a:r>
-              <a:rPr lang="fr-FR" sz="1000" dirty="0">
-                <a:solidFill>
-                  <a:schemeClr val="accent1"/>
-                </a:solidFill>
-                <a:effectLst/>
-                <a:latin typeface="Calibri" panose="020F0502020204030204" pitchFamily="34" charset="0"/>
-                <a:ea typeface="Calibri" panose="020F0502020204030204" pitchFamily="34" charset="0"/>
-                <a:cs typeface="Calibri" panose="020F0502020204030204" pitchFamily="34" charset="0"/>
-              </a:rPr>
-              <a:t>Application Web sur l’affichage de l’état de la salle</a:t>
-            </a:r>
-            <a:endParaRPr lang="fr-FR" sz="1100" dirty="0">
-              <a:solidFill>
-                <a:schemeClr val="accent1"/>
-              </a:solidFill>
-              <a:effectLst/>
-              <a:latin typeface="Calibri" panose="020F0502020204030204" pitchFamily="34" charset="0"/>
-              <a:ea typeface="Calibri" panose="020F0502020204030204" pitchFamily="34" charset="0"/>
-              <a:cs typeface="Times New Roman" panose="02020603050405020304" pitchFamily="18" charset="0"/>
-            </a:endParaRPr>
-          </a:p>
-        </p:txBody>
-      </p:sp>
-      <p:cxnSp>
-        <p:nvCxnSpPr>
-          <p:cNvPr id="32" name="Connecteur droit 31">
-            <a:extLst>
-              <a:ext uri="{FF2B5EF4-FFF2-40B4-BE49-F238E27FC236}">
-                <a16:creationId xmlns:a16="http://schemas.microsoft.com/office/drawing/2014/main" id="{7A108338-C537-43B1-B6F3-044BA5E019D3}"/>
-              </a:ext>
-            </a:extLst>
-          </p:cNvPr>
-          <p:cNvCxnSpPr>
-            <a:cxnSpLocks/>
-          </p:cNvCxnSpPr>
-          <p:nvPr/>
-        </p:nvCxnSpPr>
-        <p:spPr>
-          <a:xfrm flipV="1">
-            <a:off x="7026093" y="4775248"/>
-            <a:ext cx="2781391" cy="380401"/>
-          </a:xfrm>
-          <a:prstGeom prst="line">
-            <a:avLst/>
-          </a:prstGeom>
-          <a:ln>
-            <a:solidFill>
-              <a:srgbClr val="2FC9FF"/>
-            </a:solidFill>
-          </a:ln>
-        </p:spPr>
-        <p:style>
-          <a:lnRef idx="3">
-            <a:schemeClr val="accent1"/>
-          </a:lnRef>
-          <a:fillRef idx="0">
-            <a:schemeClr val="accent1"/>
-          </a:fillRef>
-          <a:effectRef idx="2">
-            <a:schemeClr val="accent1"/>
-          </a:effectRef>
-          <a:fontRef idx="minor">
-            <a:schemeClr val="tx1"/>
-          </a:fontRef>
-        </p:style>
-      </p:cxnSp>
-      <p:sp>
-        <p:nvSpPr>
-          <p:cNvPr id="34" name="Zone de texte 44">
-            <a:extLst>
-              <a:ext uri="{FF2B5EF4-FFF2-40B4-BE49-F238E27FC236}">
-                <a16:creationId xmlns:a16="http://schemas.microsoft.com/office/drawing/2014/main" id="{4684EDED-9F12-45D2-926B-0E58883DBD1C}"/>
-              </a:ext>
-            </a:extLst>
-          </p:cNvPr>
-          <p:cNvSpPr txBox="1"/>
-          <p:nvPr/>
-        </p:nvSpPr>
-        <p:spPr>
-          <a:xfrm>
-            <a:off x="9811861" y="4481244"/>
-            <a:ext cx="1095375" cy="561975"/>
-          </a:xfrm>
-          <a:prstGeom prst="rect">
-            <a:avLst/>
-          </a:prstGeom>
-          <a:solidFill>
-            <a:schemeClr val="lt1"/>
-          </a:solidFill>
-          <a:ln w="6350">
-            <a:solidFill>
-              <a:srgbClr val="2FC9FF"/>
-            </a:solidFill>
-          </a:ln>
-        </p:spPr>
-        <p:txBody>
-          <a:bodyPr rot="0" spcFirstLastPara="0" vert="horz" wrap="square" lIns="91440" tIns="45720" rIns="91440" bIns="45720" numCol="1" spcCol="0" rtlCol="0" fromWordArt="0" anchor="t" anchorCtr="0" forceAA="0" compatLnSpc="1">
-            <a:prstTxWarp prst="textNoShape">
-              <a:avLst/>
-            </a:prstTxWarp>
-            <a:noAutofit/>
-          </a:bodyPr>
-          <a:lstStyle/>
-          <a:p>
-            <a:pPr>
-              <a:lnSpc>
-                <a:spcPct val="107000"/>
-              </a:lnSpc>
-              <a:spcAft>
-                <a:spcPts val="800"/>
-              </a:spcAft>
-            </a:pPr>
-            <a:r>
-              <a:rPr lang="fr-FR" sz="1000">
-                <a:solidFill>
-                  <a:srgbClr val="2FC9FF"/>
-                </a:solidFill>
-                <a:effectLst/>
-                <a:latin typeface="Calibri" panose="020F0502020204030204" pitchFamily="34" charset="0"/>
-                <a:ea typeface="Calibri" panose="020F0502020204030204" pitchFamily="34" charset="0"/>
-                <a:cs typeface="Calibri" panose="020F0502020204030204" pitchFamily="34" charset="0"/>
-              </a:rPr>
-              <a:t>Application Web de pilotage des actionneurs</a:t>
-            </a:r>
-            <a:endParaRPr lang="fr-FR" sz="1100">
-              <a:effectLst/>
-              <a:latin typeface="Calibri" panose="020F0502020204030204" pitchFamily="34" charset="0"/>
-              <a:ea typeface="Calibri" panose="020F0502020204030204" pitchFamily="34" charset="0"/>
-              <a:cs typeface="Times New Roman" panose="02020603050405020304" pitchFamily="18" charset="0"/>
-            </a:endParaRPr>
-          </a:p>
-        </p:txBody>
-      </p:sp>
-      <p:sp>
-        <p:nvSpPr>
-          <p:cNvPr id="30" name="Flèche : double flèche horizontale 29">
-            <a:extLst>
-              <a:ext uri="{FF2B5EF4-FFF2-40B4-BE49-F238E27FC236}">
-                <a16:creationId xmlns:a16="http://schemas.microsoft.com/office/drawing/2014/main" id="{F9F6A72D-174F-4BC3-8B21-E7E934847993}"/>
-              </a:ext>
-            </a:extLst>
-          </p:cNvPr>
-          <p:cNvSpPr/>
-          <p:nvPr/>
-        </p:nvSpPr>
-        <p:spPr>
-          <a:xfrm rot="16200000">
-            <a:off x="7428681" y="4657774"/>
-            <a:ext cx="535940" cy="234950"/>
-          </a:xfrm>
-          <a:prstGeom prst="leftRightArrow">
-            <a:avLst/>
-          </a:prstGeom>
-          <a:solidFill>
-            <a:srgbClr val="FF0000"/>
-          </a:solidFill>
-          <a:ln>
-            <a:noFill/>
-          </a:ln>
-        </p:spPr>
-        <p:style>
-          <a:lnRef idx="2">
-            <a:schemeClr val="accent1">
-              <a:shade val="50000"/>
-            </a:schemeClr>
-          </a:lnRef>
-          <a:fillRef idx="1">
-            <a:schemeClr val="accent1"/>
-          </a:fillRef>
-          <a:effectRef idx="0">
-            <a:schemeClr val="accent1"/>
-          </a:effectRef>
-          <a:fontRef idx="minor">
-            <a:schemeClr val="lt1"/>
-          </a:fontRef>
-        </p:style>
-        <p:txBody>
-          <a:bodyPr rot="0" spcFirstLastPara="0" vert="horz" wrap="square" lIns="91440" tIns="45720" rIns="91440" bIns="45720" numCol="1" spcCol="0" rtlCol="0" fromWordArt="0" anchor="ctr" anchorCtr="0" forceAA="0" compatLnSpc="1">
-            <a:prstTxWarp prst="textNoShape">
-              <a:avLst/>
-            </a:prstTxWarp>
-            <a:noAutofit/>
-          </a:bodyPr>
-          <a:lstStyle/>
-          <a:p>
-            <a:endParaRPr lang="fr-FR"/>
-          </a:p>
-        </p:txBody>
-      </p:sp>
-      <p:sp>
-        <p:nvSpPr>
-          <p:cNvPr id="33" name="Rectangle : coins arrondis 32">
-            <a:extLst>
-              <a:ext uri="{FF2B5EF4-FFF2-40B4-BE49-F238E27FC236}">
-                <a16:creationId xmlns:a16="http://schemas.microsoft.com/office/drawing/2014/main" id="{7CE9B7C8-5101-4D32-9FE4-BA4514E34A1A}"/>
-              </a:ext>
-            </a:extLst>
-          </p:cNvPr>
-          <p:cNvSpPr/>
-          <p:nvPr/>
-        </p:nvSpPr>
-        <p:spPr>
-          <a:xfrm>
-            <a:off x="3683181" y="5901112"/>
-            <a:ext cx="438833" cy="466534"/>
-          </a:xfrm>
-          <a:prstGeom prst="roundRect">
-            <a:avLst/>
-          </a:prstGeom>
-          <a:noFill/>
-          <a:ln w="50800">
-            <a:solidFill>
-              <a:srgbClr val="92D050"/>
-            </a:solidFill>
-          </a:ln>
-        </p:spPr>
-        <p:style>
-          <a:lnRef idx="2">
-            <a:schemeClr val="accent1">
-              <a:shade val="50000"/>
-            </a:schemeClr>
-          </a:lnRef>
-          <a:fillRef idx="1">
-            <a:schemeClr val="accent1"/>
-          </a:fillRef>
-          <a:effectRef idx="0">
-            <a:schemeClr val="accent1"/>
-          </a:effectRef>
-          <a:fontRef idx="minor">
-            <a:schemeClr val="lt1"/>
-          </a:fontRef>
-        </p:style>
-        <p:txBody>
-          <a:bodyPr rot="0" spcFirstLastPara="0" vert="horz" wrap="square" lIns="91440" tIns="45720" rIns="91440" bIns="45720" numCol="1" spcCol="0" rtlCol="0" fromWordArt="0" anchor="ctr" anchorCtr="0" forceAA="0" compatLnSpc="1">
-            <a:prstTxWarp prst="textNoShape">
-              <a:avLst/>
-            </a:prstTxWarp>
-            <a:noAutofit/>
-          </a:bodyPr>
-          <a:lstStyle/>
-          <a:p>
-            <a:endParaRPr lang="fr-FR"/>
-          </a:p>
-        </p:txBody>
-      </p:sp>
     </p:spTree>
     <p:extLst>
       <p:ext uri="{BB962C8B-B14F-4D97-AF65-F5344CB8AC3E}">
-        <p14:creationId xmlns:p14="http://schemas.microsoft.com/office/powerpoint/2010/main" val="3816919354"/>
+        <p14:creationId xmlns:p14="http://schemas.microsoft.com/office/powerpoint/2010/main" val="4041896449"/>
       </p:ext>
     </p:extLst>
   </p:cSld>
@@ -8023,7 +7277,7 @@
                                           </p:stCondLst>
                                         </p:cTn>
                                         <p:tgtEl>
-                                          <p:spTgt spid="5"/>
+                                          <p:spTgt spid="6"/>
                                         </p:tgtEl>
                                         <p:attrNameLst>
                                           <p:attrName>style.visibility</p:attrName>
@@ -8068,142 +7322,7 @@
                                           </p:stCondLst>
                                         </p:cTn>
                                         <p:tgtEl>
-                                          <p:spTgt spid="8"/>
-                                        </p:tgtEl>
-                                        <p:attrNameLst>
-                                          <p:attrName>style.visibility</p:attrName>
-                                        </p:attrNameLst>
-                                      </p:cBhvr>
-                                      <p:to>
-                                        <p:strVal val="visible"/>
-                                      </p:to>
-                                    </p:set>
-                                  </p:childTnLst>
-                                </p:cTn>
-                              </p:par>
-                            </p:childTnLst>
-                          </p:cTn>
-                        </p:par>
-                      </p:childTnLst>
-                    </p:cTn>
-                  </p:par>
-                  <p:par>
-                    <p:cTn id="11" fill="hold">
-                      <p:stCondLst>
-                        <p:cond delay="indefinite"/>
-                      </p:stCondLst>
-                      <p:childTnLst>
-                        <p:par>
-                          <p:cTn id="12" fill="hold">
-                            <p:stCondLst>
-                              <p:cond delay="0"/>
-                            </p:stCondLst>
-                            <p:childTnLst>
-                              <p:par>
-                                <p:cTn id="13" presetID="1" presetClass="entr" presetSubtype="0" fill="hold" grpId="0" nodeType="clickEffect">
-                                  <p:stCondLst>
-                                    <p:cond delay="0"/>
-                                  </p:stCondLst>
-                                  <p:childTnLst>
-                                    <p:set>
-                                      <p:cBhvr>
-                                        <p:cTn id="14" dur="1" fill="hold">
-                                          <p:stCondLst>
-                                            <p:cond delay="0"/>
-                                          </p:stCondLst>
-                                        </p:cTn>
-                                        <p:tgtEl>
                                           <p:spTgt spid="7"/>
-                                        </p:tgtEl>
-                                        <p:attrNameLst>
-                                          <p:attrName>style.visibility</p:attrName>
-                                        </p:attrNameLst>
-                                      </p:cBhvr>
-                                      <p:to>
-                                        <p:strVal val="visible"/>
-                                      </p:to>
-                                    </p:set>
-                                  </p:childTnLst>
-                                </p:cTn>
-                              </p:par>
-                            </p:childTnLst>
-                          </p:cTn>
-                        </p:par>
-                      </p:childTnLst>
-                    </p:cTn>
-                  </p:par>
-                  <p:par>
-                    <p:cTn id="15" fill="hold">
-                      <p:stCondLst>
-                        <p:cond delay="indefinite"/>
-                      </p:stCondLst>
-                      <p:childTnLst>
-                        <p:par>
-                          <p:cTn id="16" fill="hold">
-                            <p:stCondLst>
-                              <p:cond delay="0"/>
-                            </p:stCondLst>
-                            <p:childTnLst>
-                              <p:par>
-                                <p:cTn id="17" presetID="1" presetClass="entr" presetSubtype="0" fill="hold" nodeType="clickEffect">
-                                  <p:stCondLst>
-                                    <p:cond delay="0"/>
-                                  </p:stCondLst>
-                                  <p:childTnLst>
-                                    <p:set>
-                                      <p:cBhvr>
-                                        <p:cTn id="18" dur="1" fill="hold">
-                                          <p:stCondLst>
-                                            <p:cond delay="0"/>
-                                          </p:stCondLst>
-                                        </p:cTn>
-                                        <p:tgtEl>
-                                          <p:spTgt spid="29"/>
-                                        </p:tgtEl>
-                                        <p:attrNameLst>
-                                          <p:attrName>style.visibility</p:attrName>
-                                        </p:attrNameLst>
-                                      </p:cBhvr>
-                                      <p:to>
-                                        <p:strVal val="visible"/>
-                                      </p:to>
-                                    </p:set>
-                                  </p:childTnLst>
-                                </p:cTn>
-                              </p:par>
-                            </p:childTnLst>
-                          </p:cTn>
-                        </p:par>
-                      </p:childTnLst>
-                    </p:cTn>
-                  </p:par>
-                  <p:par>
-                    <p:cTn id="19" fill="hold">
-                      <p:stCondLst>
-                        <p:cond delay="indefinite"/>
-                      </p:stCondLst>
-                      <p:childTnLst>
-                        <p:par>
-                          <p:cTn id="20" fill="hold">
-                            <p:stCondLst>
-                              <p:cond delay="0"/>
-                            </p:stCondLst>
-                            <p:childTnLst>
-                              <p:par>
-                                <p:cTn id="21" presetID="1" presetClass="entr" presetSubtype="0" fill="hold" grpId="0" nodeType="clickEffect">
-                                  <p:stCondLst>
-                                    <p:cond delay="0"/>
-                                  </p:stCondLst>
-                                  <p:childTnLst>
-                                    <p:set>
-                                      <p:cBhvr>
-                                        <p:cTn id="22" dur="1" fill="hold">
-                                          <p:stCondLst>
-                                            <p:cond delay="0"/>
-                                          </p:stCondLst>
-                                        </p:cTn>
-                                        <p:tgtEl>
-                                          <p:spTgt spid="31"/>
                                         </p:tgtEl>
                                         <p:attrNameLst>
                                           <p:attrName>style.visibility</p:attrName>
@@ -8244,1795 +7363,10 @@
       </p:par>
     </p:tnLst>
     <p:bldLst>
-      <p:bldP spid="5" grpId="0" animBg="1"/>
+      <p:bldP spid="6" grpId="0" animBg="1"/>
       <p:bldP spid="7" grpId="0" animBg="1"/>
-      <p:bldP spid="8" grpId="0" animBg="1"/>
-      <p:bldP spid="31" grpId="0" animBg="1"/>
     </p:bldLst>
   </p:timing>
-</p:sld>
-</file>
-
-<file path=ppt/slides/slide3.xml><?xml version="1.0" encoding="utf-8"?>
-<p:sld xmlns:a="http://schemas.openxmlformats.org/drawingml/2006/main" xmlns:r="http://schemas.openxmlformats.org/officeDocument/2006/relationships" xmlns:p="http://schemas.openxmlformats.org/presentationml/2006/main">
-  <p:cSld>
-    <p:spTree>
-      <p:nvGrpSpPr>
-        <p:cNvPr id="1" name=""/>
-        <p:cNvGrpSpPr/>
-        <p:nvPr/>
-      </p:nvGrpSpPr>
-      <p:grpSpPr>
-        <a:xfrm>
-          <a:off x="0" y="0"/>
-          <a:ext cx="0" cy="0"/>
-          <a:chOff x="0" y="0"/>
-          <a:chExt cx="0" cy="0"/>
-        </a:xfrm>
-      </p:grpSpPr>
-      <p:pic>
-        <p:nvPicPr>
-          <p:cNvPr id="5" name="Image 4" descr="Une image contenant table, paire&#10;&#10;Description générée automatiquement">
-            <a:extLst>
-              <a:ext uri="{FF2B5EF4-FFF2-40B4-BE49-F238E27FC236}">
-                <a16:creationId xmlns:a16="http://schemas.microsoft.com/office/drawing/2014/main" id="{BAACB130-1530-44E1-B237-0356E3080FEF}"/>
-              </a:ext>
-            </a:extLst>
-          </p:cNvPr>
-          <p:cNvPicPr>
-            <a:picLocks noChangeAspect="1"/>
-          </p:cNvPicPr>
-          <p:nvPr/>
-        </p:nvPicPr>
-        <p:blipFill rotWithShape="1">
-          <a:blip r:embed="rId2">
-            <a:alphaModFix amt="50000"/>
-            <a:extLst>
-              <a:ext uri="{28A0092B-C50C-407E-A947-70E740481C1C}">
-                <a14:useLocalDpi xmlns:a14="http://schemas.microsoft.com/office/drawing/2010/main" val="0"/>
-              </a:ext>
-            </a:extLst>
-          </a:blip>
-          <a:srcRect t="6250"/>
-          <a:stretch/>
-        </p:blipFill>
-        <p:spPr>
-          <a:xfrm>
-            <a:off x="20" y="1"/>
-            <a:ext cx="12191980" cy="6857999"/>
-          </a:xfrm>
-          <a:prstGeom prst="rect">
-            <a:avLst/>
-          </a:prstGeom>
-        </p:spPr>
-      </p:pic>
-      <p:sp>
-        <p:nvSpPr>
-          <p:cNvPr id="7" name="Titre 1">
-            <a:extLst>
-              <a:ext uri="{FF2B5EF4-FFF2-40B4-BE49-F238E27FC236}">
-                <a16:creationId xmlns:a16="http://schemas.microsoft.com/office/drawing/2014/main" id="{BD572159-4DB4-446A-9B29-885504AFC635}"/>
-              </a:ext>
-            </a:extLst>
-          </p:cNvPr>
-          <p:cNvSpPr>
-            <a:spLocks noGrp="1"/>
-          </p:cNvSpPr>
-          <p:nvPr>
-            <p:ph type="title"/>
-          </p:nvPr>
-        </p:nvSpPr>
-        <p:spPr>
-          <a:xfrm>
-            <a:off x="838199" y="148442"/>
-            <a:ext cx="10515600" cy="1325563"/>
-          </a:xfrm>
-        </p:spPr>
-        <p:txBody>
-          <a:bodyPr>
-            <a:normAutofit/>
-          </a:bodyPr>
-          <a:lstStyle/>
-          <a:p>
-            <a:pPr algn="ctr"/>
-            <a:r>
-              <a:rPr lang="fr-FR" b="1" dirty="0">
-                <a:latin typeface="+mn-lt"/>
-              </a:rPr>
-              <a:t>Introduction</a:t>
-            </a:r>
-            <a:endParaRPr lang="fr-FR" sz="3600" b="1" dirty="0">
-              <a:latin typeface="+mn-lt"/>
-            </a:endParaRPr>
-          </a:p>
-        </p:txBody>
-      </p:sp>
-      <p:pic>
-        <p:nvPicPr>
-          <p:cNvPr id="8" name="Image 7">
-            <a:extLst>
-              <a:ext uri="{FF2B5EF4-FFF2-40B4-BE49-F238E27FC236}">
-                <a16:creationId xmlns:a16="http://schemas.microsoft.com/office/drawing/2014/main" id="{CD24EA29-BCE3-4ACF-8AB7-32ADBABFD4DF}"/>
-              </a:ext>
-            </a:extLst>
-          </p:cNvPr>
-          <p:cNvPicPr>
-            <a:picLocks noChangeAspect="1"/>
-          </p:cNvPicPr>
-          <p:nvPr/>
-        </p:nvPicPr>
-        <p:blipFill>
-          <a:blip r:embed="rId3"/>
-          <a:stretch>
-            <a:fillRect/>
-          </a:stretch>
-        </p:blipFill>
-        <p:spPr>
-          <a:xfrm>
-            <a:off x="1986315" y="709222"/>
-            <a:ext cx="8219370" cy="6076536"/>
-          </a:xfrm>
-          <a:prstGeom prst="rect">
-            <a:avLst/>
-          </a:prstGeom>
-        </p:spPr>
-      </p:pic>
-      <p:sp>
-        <p:nvSpPr>
-          <p:cNvPr id="9" name="ZoneTexte 8">
-            <a:extLst>
-              <a:ext uri="{FF2B5EF4-FFF2-40B4-BE49-F238E27FC236}">
-                <a16:creationId xmlns:a16="http://schemas.microsoft.com/office/drawing/2014/main" id="{5E818295-B3CB-4B78-8E0E-7CD59422726B}"/>
-              </a:ext>
-            </a:extLst>
-          </p:cNvPr>
-          <p:cNvSpPr txBox="1"/>
-          <p:nvPr/>
-        </p:nvSpPr>
-        <p:spPr>
-          <a:xfrm>
-            <a:off x="3835823" y="2754759"/>
-            <a:ext cx="548608" cy="261610"/>
-          </a:xfrm>
-          <a:prstGeom prst="rect">
-            <a:avLst/>
-          </a:prstGeom>
-          <a:noFill/>
-        </p:spPr>
-        <p:txBody>
-          <a:bodyPr wrap="square" rtlCol="0">
-            <a:spAutoFit/>
-          </a:bodyPr>
-          <a:lstStyle/>
-          <a:p>
-            <a:r>
-              <a:rPr lang="fr-FR" sz="1100" u="sng" dirty="0"/>
-              <a:t>Sortie</a:t>
-            </a:r>
-            <a:endParaRPr lang="fr-FR" sz="1600" u="sng" dirty="0"/>
-          </a:p>
-        </p:txBody>
-      </p:sp>
-      <p:sp>
-        <p:nvSpPr>
-          <p:cNvPr id="10" name="ZoneTexte 9">
-            <a:extLst>
-              <a:ext uri="{FF2B5EF4-FFF2-40B4-BE49-F238E27FC236}">
-                <a16:creationId xmlns:a16="http://schemas.microsoft.com/office/drawing/2014/main" id="{F6FDE25B-0E78-4E64-9652-6F8579D12C1B}"/>
-              </a:ext>
-            </a:extLst>
-          </p:cNvPr>
-          <p:cNvSpPr txBox="1"/>
-          <p:nvPr/>
-        </p:nvSpPr>
-        <p:spPr>
-          <a:xfrm>
-            <a:off x="5697054" y="2756446"/>
-            <a:ext cx="548608" cy="261610"/>
-          </a:xfrm>
-          <a:prstGeom prst="rect">
-            <a:avLst/>
-          </a:prstGeom>
-          <a:noFill/>
-        </p:spPr>
-        <p:txBody>
-          <a:bodyPr wrap="square" rtlCol="0">
-            <a:spAutoFit/>
-          </a:bodyPr>
-          <a:lstStyle/>
-          <a:p>
-            <a:r>
-              <a:rPr lang="fr-FR" sz="1100" u="sng" dirty="0"/>
-              <a:t>Sortie</a:t>
-            </a:r>
-            <a:endParaRPr lang="fr-FR" sz="1600" u="sng" dirty="0"/>
-          </a:p>
-        </p:txBody>
-      </p:sp>
-      <p:sp>
-        <p:nvSpPr>
-          <p:cNvPr id="11" name="ZoneTexte 10">
-            <a:extLst>
-              <a:ext uri="{FF2B5EF4-FFF2-40B4-BE49-F238E27FC236}">
-                <a16:creationId xmlns:a16="http://schemas.microsoft.com/office/drawing/2014/main" id="{4016B8BC-ABFD-4494-B3DD-64C5F671C1C7}"/>
-              </a:ext>
-            </a:extLst>
-          </p:cNvPr>
-          <p:cNvSpPr txBox="1"/>
-          <p:nvPr/>
-        </p:nvSpPr>
-        <p:spPr>
-          <a:xfrm>
-            <a:off x="7558285" y="2754759"/>
-            <a:ext cx="548608" cy="261610"/>
-          </a:xfrm>
-          <a:prstGeom prst="rect">
-            <a:avLst/>
-          </a:prstGeom>
-          <a:noFill/>
-        </p:spPr>
-        <p:txBody>
-          <a:bodyPr wrap="square" rtlCol="0">
-            <a:spAutoFit/>
-          </a:bodyPr>
-          <a:lstStyle/>
-          <a:p>
-            <a:r>
-              <a:rPr lang="fr-FR" sz="1100" u="sng" dirty="0"/>
-              <a:t>Sortie</a:t>
-            </a:r>
-            <a:endParaRPr lang="fr-FR" sz="1600" u="sng" dirty="0"/>
-          </a:p>
-        </p:txBody>
-      </p:sp>
-      <p:sp>
-        <p:nvSpPr>
-          <p:cNvPr id="12" name="ZoneTexte 11">
-            <a:extLst>
-              <a:ext uri="{FF2B5EF4-FFF2-40B4-BE49-F238E27FC236}">
-                <a16:creationId xmlns:a16="http://schemas.microsoft.com/office/drawing/2014/main" id="{69BAAD67-2A75-417C-8DAD-36EB16D608EE}"/>
-              </a:ext>
-            </a:extLst>
-          </p:cNvPr>
-          <p:cNvSpPr txBox="1"/>
-          <p:nvPr/>
-        </p:nvSpPr>
-        <p:spPr>
-          <a:xfrm>
-            <a:off x="7558285" y="3747490"/>
-            <a:ext cx="548608" cy="261610"/>
-          </a:xfrm>
-          <a:prstGeom prst="rect">
-            <a:avLst/>
-          </a:prstGeom>
-          <a:noFill/>
-        </p:spPr>
-        <p:txBody>
-          <a:bodyPr wrap="square" rtlCol="0">
-            <a:spAutoFit/>
-          </a:bodyPr>
-          <a:lstStyle/>
-          <a:p>
-            <a:r>
-              <a:rPr lang="fr-FR" sz="1100" u="sng" dirty="0"/>
-              <a:t>Sortie</a:t>
-            </a:r>
-            <a:endParaRPr lang="fr-FR" sz="1600" u="sng" dirty="0"/>
-          </a:p>
-        </p:txBody>
-      </p:sp>
-      <p:sp>
-        <p:nvSpPr>
-          <p:cNvPr id="13" name="ZoneTexte 12">
-            <a:extLst>
-              <a:ext uri="{FF2B5EF4-FFF2-40B4-BE49-F238E27FC236}">
-                <a16:creationId xmlns:a16="http://schemas.microsoft.com/office/drawing/2014/main" id="{CBA0B789-30A2-44B2-98F3-E3900AB23888}"/>
-              </a:ext>
-            </a:extLst>
-          </p:cNvPr>
-          <p:cNvSpPr txBox="1"/>
-          <p:nvPr/>
-        </p:nvSpPr>
-        <p:spPr>
-          <a:xfrm>
-            <a:off x="5713304" y="3747490"/>
-            <a:ext cx="548608" cy="261610"/>
-          </a:xfrm>
-          <a:prstGeom prst="rect">
-            <a:avLst/>
-          </a:prstGeom>
-          <a:noFill/>
-        </p:spPr>
-        <p:txBody>
-          <a:bodyPr wrap="square" rtlCol="0">
-            <a:spAutoFit/>
-          </a:bodyPr>
-          <a:lstStyle/>
-          <a:p>
-            <a:r>
-              <a:rPr lang="fr-FR" sz="1100" u="sng" dirty="0"/>
-              <a:t>Sortie</a:t>
-            </a:r>
-            <a:endParaRPr lang="fr-FR" sz="1600" u="sng" dirty="0"/>
-          </a:p>
-        </p:txBody>
-      </p:sp>
-      <p:sp>
-        <p:nvSpPr>
-          <p:cNvPr id="14" name="ZoneTexte 13">
-            <a:extLst>
-              <a:ext uri="{FF2B5EF4-FFF2-40B4-BE49-F238E27FC236}">
-                <a16:creationId xmlns:a16="http://schemas.microsoft.com/office/drawing/2014/main" id="{DA68FB16-A092-42AC-A0F9-8137A396829F}"/>
-              </a:ext>
-            </a:extLst>
-          </p:cNvPr>
-          <p:cNvSpPr txBox="1"/>
-          <p:nvPr/>
-        </p:nvSpPr>
-        <p:spPr>
-          <a:xfrm>
-            <a:off x="3827678" y="3747490"/>
-            <a:ext cx="548608" cy="261610"/>
-          </a:xfrm>
-          <a:prstGeom prst="rect">
-            <a:avLst/>
-          </a:prstGeom>
-          <a:noFill/>
-        </p:spPr>
-        <p:txBody>
-          <a:bodyPr wrap="square" rtlCol="0">
-            <a:spAutoFit/>
-          </a:bodyPr>
-          <a:lstStyle/>
-          <a:p>
-            <a:r>
-              <a:rPr lang="fr-FR" sz="1100" u="sng" dirty="0"/>
-              <a:t>Sortie</a:t>
-            </a:r>
-            <a:endParaRPr lang="fr-FR" sz="1600" u="sng" dirty="0"/>
-          </a:p>
-        </p:txBody>
-      </p:sp>
-      <p:sp>
-        <p:nvSpPr>
-          <p:cNvPr id="15" name="ZoneTexte 14">
-            <a:extLst>
-              <a:ext uri="{FF2B5EF4-FFF2-40B4-BE49-F238E27FC236}">
-                <a16:creationId xmlns:a16="http://schemas.microsoft.com/office/drawing/2014/main" id="{23F3701F-EB21-4DF4-B3B1-35882A4E9137}"/>
-              </a:ext>
-            </a:extLst>
-          </p:cNvPr>
-          <p:cNvSpPr txBox="1"/>
-          <p:nvPr/>
-        </p:nvSpPr>
-        <p:spPr>
-          <a:xfrm>
-            <a:off x="7558285" y="1708760"/>
-            <a:ext cx="548608" cy="261610"/>
-          </a:xfrm>
-          <a:prstGeom prst="rect">
-            <a:avLst/>
-          </a:prstGeom>
-          <a:noFill/>
-        </p:spPr>
-        <p:txBody>
-          <a:bodyPr wrap="square" rtlCol="0">
-            <a:spAutoFit/>
-          </a:bodyPr>
-          <a:lstStyle/>
-          <a:p>
-            <a:r>
-              <a:rPr lang="fr-FR" sz="1100" u="sng" dirty="0"/>
-              <a:t>Sortie</a:t>
-            </a:r>
-            <a:endParaRPr lang="fr-FR" sz="1600" u="sng" dirty="0"/>
-          </a:p>
-        </p:txBody>
-      </p:sp>
-      <p:sp>
-        <p:nvSpPr>
-          <p:cNvPr id="16" name="ZoneTexte 15">
-            <a:extLst>
-              <a:ext uri="{FF2B5EF4-FFF2-40B4-BE49-F238E27FC236}">
-                <a16:creationId xmlns:a16="http://schemas.microsoft.com/office/drawing/2014/main" id="{3B9A2C36-547F-469D-BCC8-0A2CCB75E87B}"/>
-              </a:ext>
-            </a:extLst>
-          </p:cNvPr>
-          <p:cNvSpPr txBox="1"/>
-          <p:nvPr/>
-        </p:nvSpPr>
-        <p:spPr>
-          <a:xfrm>
-            <a:off x="5713304" y="1747100"/>
-            <a:ext cx="548608" cy="261610"/>
-          </a:xfrm>
-          <a:prstGeom prst="rect">
-            <a:avLst/>
-          </a:prstGeom>
-          <a:noFill/>
-        </p:spPr>
-        <p:txBody>
-          <a:bodyPr wrap="square" rtlCol="0">
-            <a:spAutoFit/>
-          </a:bodyPr>
-          <a:lstStyle/>
-          <a:p>
-            <a:r>
-              <a:rPr lang="fr-FR" sz="1100" u="sng" dirty="0"/>
-              <a:t>Sortie</a:t>
-            </a:r>
-            <a:endParaRPr lang="fr-FR" sz="1600" u="sng" dirty="0"/>
-          </a:p>
-        </p:txBody>
-      </p:sp>
-      <p:sp>
-        <p:nvSpPr>
-          <p:cNvPr id="17" name="ZoneTexte 16">
-            <a:extLst>
-              <a:ext uri="{FF2B5EF4-FFF2-40B4-BE49-F238E27FC236}">
-                <a16:creationId xmlns:a16="http://schemas.microsoft.com/office/drawing/2014/main" id="{A9E86BC9-80AF-4F57-A4EF-E8FD507DD184}"/>
-              </a:ext>
-            </a:extLst>
-          </p:cNvPr>
-          <p:cNvSpPr txBox="1"/>
-          <p:nvPr/>
-        </p:nvSpPr>
-        <p:spPr>
-          <a:xfrm>
-            <a:off x="3827678" y="1708760"/>
-            <a:ext cx="548608" cy="261610"/>
-          </a:xfrm>
-          <a:prstGeom prst="rect">
-            <a:avLst/>
-          </a:prstGeom>
-          <a:noFill/>
-        </p:spPr>
-        <p:txBody>
-          <a:bodyPr wrap="square" rtlCol="0">
-            <a:spAutoFit/>
-          </a:bodyPr>
-          <a:lstStyle/>
-          <a:p>
-            <a:r>
-              <a:rPr lang="fr-FR" sz="1100" u="sng" dirty="0"/>
-              <a:t>Sortie</a:t>
-            </a:r>
-            <a:endParaRPr lang="fr-FR" sz="1600" u="sng" dirty="0"/>
-          </a:p>
-        </p:txBody>
-      </p:sp>
-      <p:sp>
-        <p:nvSpPr>
-          <p:cNvPr id="18" name="ZoneTexte 17">
-            <a:extLst>
-              <a:ext uri="{FF2B5EF4-FFF2-40B4-BE49-F238E27FC236}">
-                <a16:creationId xmlns:a16="http://schemas.microsoft.com/office/drawing/2014/main" id="{78869DEC-5A97-4788-B473-3102148470DA}"/>
-              </a:ext>
-            </a:extLst>
-          </p:cNvPr>
-          <p:cNvSpPr txBox="1"/>
-          <p:nvPr/>
-        </p:nvSpPr>
-        <p:spPr>
-          <a:xfrm>
-            <a:off x="2524656" y="1708760"/>
-            <a:ext cx="619750" cy="261610"/>
-          </a:xfrm>
-          <a:prstGeom prst="rect">
-            <a:avLst/>
-          </a:prstGeom>
-          <a:noFill/>
-        </p:spPr>
-        <p:txBody>
-          <a:bodyPr wrap="square" rtlCol="0">
-            <a:spAutoFit/>
-          </a:bodyPr>
-          <a:lstStyle/>
-          <a:p>
-            <a:r>
-              <a:rPr lang="fr-FR" sz="1100" u="sng" dirty="0"/>
-              <a:t>Entrée</a:t>
-            </a:r>
-            <a:endParaRPr lang="fr-FR" sz="1600" u="sng" dirty="0"/>
-          </a:p>
-        </p:txBody>
-      </p:sp>
-      <p:sp>
-        <p:nvSpPr>
-          <p:cNvPr id="19" name="ZoneTexte 18">
-            <a:extLst>
-              <a:ext uri="{FF2B5EF4-FFF2-40B4-BE49-F238E27FC236}">
-                <a16:creationId xmlns:a16="http://schemas.microsoft.com/office/drawing/2014/main" id="{EE79952E-81F3-47EC-AA5E-7A3C9B035D82}"/>
-              </a:ext>
-            </a:extLst>
-          </p:cNvPr>
-          <p:cNvSpPr txBox="1"/>
-          <p:nvPr/>
-        </p:nvSpPr>
-        <p:spPr>
-          <a:xfrm>
-            <a:off x="2523200" y="2743030"/>
-            <a:ext cx="619750" cy="261610"/>
-          </a:xfrm>
-          <a:prstGeom prst="rect">
-            <a:avLst/>
-          </a:prstGeom>
-          <a:noFill/>
-        </p:spPr>
-        <p:txBody>
-          <a:bodyPr wrap="square" rtlCol="0">
-            <a:spAutoFit/>
-          </a:bodyPr>
-          <a:lstStyle/>
-          <a:p>
-            <a:r>
-              <a:rPr lang="fr-FR" sz="1100" u="sng" dirty="0"/>
-              <a:t>Entrée</a:t>
-            </a:r>
-            <a:endParaRPr lang="fr-FR" sz="1600" u="sng" dirty="0"/>
-          </a:p>
-        </p:txBody>
-      </p:sp>
-      <p:sp>
-        <p:nvSpPr>
-          <p:cNvPr id="20" name="ZoneTexte 19">
-            <a:extLst>
-              <a:ext uri="{FF2B5EF4-FFF2-40B4-BE49-F238E27FC236}">
-                <a16:creationId xmlns:a16="http://schemas.microsoft.com/office/drawing/2014/main" id="{2A797895-EA94-4936-9A7A-6E7E7B8FB477}"/>
-              </a:ext>
-            </a:extLst>
-          </p:cNvPr>
-          <p:cNvSpPr txBox="1"/>
-          <p:nvPr/>
-        </p:nvSpPr>
-        <p:spPr>
-          <a:xfrm>
-            <a:off x="2523200" y="3747490"/>
-            <a:ext cx="619750" cy="261610"/>
-          </a:xfrm>
-          <a:prstGeom prst="rect">
-            <a:avLst/>
-          </a:prstGeom>
-          <a:noFill/>
-        </p:spPr>
-        <p:txBody>
-          <a:bodyPr wrap="square" rtlCol="0">
-            <a:spAutoFit/>
-          </a:bodyPr>
-          <a:lstStyle/>
-          <a:p>
-            <a:r>
-              <a:rPr lang="fr-FR" sz="1100" u="sng" dirty="0"/>
-              <a:t>Entrée</a:t>
-            </a:r>
-            <a:endParaRPr lang="fr-FR" sz="1600" u="sng" dirty="0"/>
-          </a:p>
-        </p:txBody>
-      </p:sp>
-      <p:sp>
-        <p:nvSpPr>
-          <p:cNvPr id="21" name="ZoneTexte 20">
-            <a:extLst>
-              <a:ext uri="{FF2B5EF4-FFF2-40B4-BE49-F238E27FC236}">
-                <a16:creationId xmlns:a16="http://schemas.microsoft.com/office/drawing/2014/main" id="{F5ED34C6-2B3F-45FD-AEA4-7455B1C683ED}"/>
-              </a:ext>
-            </a:extLst>
-          </p:cNvPr>
-          <p:cNvSpPr txBox="1"/>
-          <p:nvPr/>
-        </p:nvSpPr>
-        <p:spPr>
-          <a:xfrm>
-            <a:off x="4432489" y="3747490"/>
-            <a:ext cx="619750" cy="261610"/>
-          </a:xfrm>
-          <a:prstGeom prst="rect">
-            <a:avLst/>
-          </a:prstGeom>
-          <a:noFill/>
-        </p:spPr>
-        <p:txBody>
-          <a:bodyPr wrap="square" rtlCol="0">
-            <a:spAutoFit/>
-          </a:bodyPr>
-          <a:lstStyle/>
-          <a:p>
-            <a:r>
-              <a:rPr lang="fr-FR" sz="1100" u="sng" dirty="0"/>
-              <a:t>Entrée</a:t>
-            </a:r>
-            <a:endParaRPr lang="fr-FR" sz="1600" u="sng" dirty="0"/>
-          </a:p>
-        </p:txBody>
-      </p:sp>
-      <p:sp>
-        <p:nvSpPr>
-          <p:cNvPr id="22" name="ZoneTexte 21">
-            <a:extLst>
-              <a:ext uri="{FF2B5EF4-FFF2-40B4-BE49-F238E27FC236}">
-                <a16:creationId xmlns:a16="http://schemas.microsoft.com/office/drawing/2014/main" id="{CC829F1A-B383-406A-90CD-025FE4B55A87}"/>
-              </a:ext>
-            </a:extLst>
-          </p:cNvPr>
-          <p:cNvSpPr txBox="1"/>
-          <p:nvPr/>
-        </p:nvSpPr>
-        <p:spPr>
-          <a:xfrm>
-            <a:off x="6314886" y="3749183"/>
-            <a:ext cx="619750" cy="261610"/>
-          </a:xfrm>
-          <a:prstGeom prst="rect">
-            <a:avLst/>
-          </a:prstGeom>
-          <a:noFill/>
-        </p:spPr>
-        <p:txBody>
-          <a:bodyPr wrap="square" rtlCol="0">
-            <a:spAutoFit/>
-          </a:bodyPr>
-          <a:lstStyle/>
-          <a:p>
-            <a:r>
-              <a:rPr lang="fr-FR" sz="1100" u="sng" dirty="0"/>
-              <a:t>Entrée</a:t>
-            </a:r>
-            <a:endParaRPr lang="fr-FR" sz="1600" u="sng" dirty="0"/>
-          </a:p>
-        </p:txBody>
-      </p:sp>
-      <p:sp>
-        <p:nvSpPr>
-          <p:cNvPr id="23" name="ZoneTexte 22">
-            <a:extLst>
-              <a:ext uri="{FF2B5EF4-FFF2-40B4-BE49-F238E27FC236}">
-                <a16:creationId xmlns:a16="http://schemas.microsoft.com/office/drawing/2014/main" id="{D12DC906-7DB8-4E34-8834-D013D747C462}"/>
-              </a:ext>
-            </a:extLst>
-          </p:cNvPr>
-          <p:cNvSpPr txBox="1"/>
-          <p:nvPr/>
-        </p:nvSpPr>
-        <p:spPr>
-          <a:xfrm>
-            <a:off x="4432489" y="2743030"/>
-            <a:ext cx="619750" cy="261610"/>
-          </a:xfrm>
-          <a:prstGeom prst="rect">
-            <a:avLst/>
-          </a:prstGeom>
-          <a:noFill/>
-        </p:spPr>
-        <p:txBody>
-          <a:bodyPr wrap="square" rtlCol="0">
-            <a:spAutoFit/>
-          </a:bodyPr>
-          <a:lstStyle/>
-          <a:p>
-            <a:r>
-              <a:rPr lang="fr-FR" sz="1100" u="sng" dirty="0"/>
-              <a:t>Entrée</a:t>
-            </a:r>
-            <a:endParaRPr lang="fr-FR" sz="1600" u="sng" dirty="0"/>
-          </a:p>
-        </p:txBody>
-      </p:sp>
-      <p:sp>
-        <p:nvSpPr>
-          <p:cNvPr id="24" name="ZoneTexte 23">
-            <a:extLst>
-              <a:ext uri="{FF2B5EF4-FFF2-40B4-BE49-F238E27FC236}">
-                <a16:creationId xmlns:a16="http://schemas.microsoft.com/office/drawing/2014/main" id="{F477CF40-EF19-4602-AE6B-16626B9DFA20}"/>
-              </a:ext>
-            </a:extLst>
-          </p:cNvPr>
-          <p:cNvSpPr txBox="1"/>
-          <p:nvPr/>
-        </p:nvSpPr>
-        <p:spPr>
-          <a:xfrm>
-            <a:off x="4438418" y="1708760"/>
-            <a:ext cx="619750" cy="261610"/>
-          </a:xfrm>
-          <a:prstGeom prst="rect">
-            <a:avLst/>
-          </a:prstGeom>
-          <a:noFill/>
-        </p:spPr>
-        <p:txBody>
-          <a:bodyPr wrap="square" rtlCol="0">
-            <a:spAutoFit/>
-          </a:bodyPr>
-          <a:lstStyle/>
-          <a:p>
-            <a:r>
-              <a:rPr lang="fr-FR" sz="1100" u="sng" dirty="0"/>
-              <a:t>Entrée</a:t>
-            </a:r>
-            <a:endParaRPr lang="fr-FR" sz="1600" u="sng" dirty="0"/>
-          </a:p>
-        </p:txBody>
-      </p:sp>
-      <p:sp>
-        <p:nvSpPr>
-          <p:cNvPr id="25" name="ZoneTexte 24">
-            <a:extLst>
-              <a:ext uri="{FF2B5EF4-FFF2-40B4-BE49-F238E27FC236}">
-                <a16:creationId xmlns:a16="http://schemas.microsoft.com/office/drawing/2014/main" id="{2BC8CAC5-7197-46FF-BABF-CF4F8D11EFC0}"/>
-              </a:ext>
-            </a:extLst>
-          </p:cNvPr>
-          <p:cNvSpPr txBox="1"/>
-          <p:nvPr/>
-        </p:nvSpPr>
-        <p:spPr>
-          <a:xfrm>
-            <a:off x="6314886" y="1708760"/>
-            <a:ext cx="619750" cy="261610"/>
-          </a:xfrm>
-          <a:prstGeom prst="rect">
-            <a:avLst/>
-          </a:prstGeom>
-          <a:noFill/>
-        </p:spPr>
-        <p:txBody>
-          <a:bodyPr wrap="square" rtlCol="0">
-            <a:spAutoFit/>
-          </a:bodyPr>
-          <a:lstStyle/>
-          <a:p>
-            <a:r>
-              <a:rPr lang="fr-FR" sz="1100" u="sng" dirty="0"/>
-              <a:t>Entrée</a:t>
-            </a:r>
-            <a:endParaRPr lang="fr-FR" sz="1600" u="sng" dirty="0"/>
-          </a:p>
-        </p:txBody>
-      </p:sp>
-      <p:sp>
-        <p:nvSpPr>
-          <p:cNvPr id="26" name="ZoneTexte 25">
-            <a:extLst>
-              <a:ext uri="{FF2B5EF4-FFF2-40B4-BE49-F238E27FC236}">
-                <a16:creationId xmlns:a16="http://schemas.microsoft.com/office/drawing/2014/main" id="{38E1B23D-7736-498F-A227-FB8D989B52DA}"/>
-              </a:ext>
-            </a:extLst>
-          </p:cNvPr>
-          <p:cNvSpPr txBox="1"/>
-          <p:nvPr/>
-        </p:nvSpPr>
-        <p:spPr>
-          <a:xfrm>
-            <a:off x="6311754" y="2754759"/>
-            <a:ext cx="619750" cy="261610"/>
-          </a:xfrm>
-          <a:prstGeom prst="rect">
-            <a:avLst/>
-          </a:prstGeom>
-          <a:noFill/>
-        </p:spPr>
-        <p:txBody>
-          <a:bodyPr wrap="square" rtlCol="0">
-            <a:spAutoFit/>
-          </a:bodyPr>
-          <a:lstStyle/>
-          <a:p>
-            <a:r>
-              <a:rPr lang="fr-FR" sz="1100" u="sng" dirty="0"/>
-              <a:t>Entrée</a:t>
-            </a:r>
-            <a:endParaRPr lang="fr-FR" sz="1600" u="sng" dirty="0"/>
-          </a:p>
-        </p:txBody>
-      </p:sp>
-      <p:sp>
-        <p:nvSpPr>
-          <p:cNvPr id="27" name="ZoneTexte 26">
-            <a:extLst>
-              <a:ext uri="{FF2B5EF4-FFF2-40B4-BE49-F238E27FC236}">
-                <a16:creationId xmlns:a16="http://schemas.microsoft.com/office/drawing/2014/main" id="{91F95978-7956-4581-B694-52600FA90519}"/>
-              </a:ext>
-            </a:extLst>
-          </p:cNvPr>
-          <p:cNvSpPr txBox="1"/>
-          <p:nvPr/>
-        </p:nvSpPr>
-        <p:spPr>
-          <a:xfrm>
-            <a:off x="2641682" y="1431123"/>
-            <a:ext cx="1734604" cy="261610"/>
-          </a:xfrm>
-          <a:prstGeom prst="rect">
-            <a:avLst/>
-          </a:prstGeom>
-          <a:noFill/>
-        </p:spPr>
-        <p:txBody>
-          <a:bodyPr wrap="square" rtlCol="0">
-            <a:spAutoFit/>
-          </a:bodyPr>
-          <a:lstStyle/>
-          <a:p>
-            <a:r>
-              <a:rPr lang="fr-FR" sz="1100" dirty="0"/>
-              <a:t>Mécanisme 1 : L’échiquier</a:t>
-            </a:r>
-            <a:endParaRPr lang="fr-FR" sz="1600" dirty="0"/>
-          </a:p>
-        </p:txBody>
-      </p:sp>
-      <p:sp>
-        <p:nvSpPr>
-          <p:cNvPr id="28" name="ZoneTexte 27">
-            <a:extLst>
-              <a:ext uri="{FF2B5EF4-FFF2-40B4-BE49-F238E27FC236}">
-                <a16:creationId xmlns:a16="http://schemas.microsoft.com/office/drawing/2014/main" id="{DDA726B8-A2E6-40D0-9D56-4071DD30F2C6}"/>
-              </a:ext>
-            </a:extLst>
-          </p:cNvPr>
-          <p:cNvSpPr txBox="1"/>
-          <p:nvPr/>
-        </p:nvSpPr>
-        <p:spPr>
-          <a:xfrm>
-            <a:off x="4527308" y="1431123"/>
-            <a:ext cx="1734604" cy="261610"/>
-          </a:xfrm>
-          <a:prstGeom prst="rect">
-            <a:avLst/>
-          </a:prstGeom>
-          <a:noFill/>
-        </p:spPr>
-        <p:txBody>
-          <a:bodyPr wrap="square" rtlCol="0">
-            <a:spAutoFit/>
-          </a:bodyPr>
-          <a:lstStyle/>
-          <a:p>
-            <a:r>
-              <a:rPr lang="fr-FR" sz="1100" dirty="0"/>
-              <a:t>Mécanisme 1 : Le Lion</a:t>
-            </a:r>
-            <a:endParaRPr lang="fr-FR" sz="1600" dirty="0"/>
-          </a:p>
-        </p:txBody>
-      </p:sp>
-      <p:sp>
-        <p:nvSpPr>
-          <p:cNvPr id="29" name="ZoneTexte 28">
-            <a:extLst>
-              <a:ext uri="{FF2B5EF4-FFF2-40B4-BE49-F238E27FC236}">
-                <a16:creationId xmlns:a16="http://schemas.microsoft.com/office/drawing/2014/main" id="{701CA9B2-009C-4F35-ADA2-6B1BA83D048C}"/>
-              </a:ext>
-            </a:extLst>
-          </p:cNvPr>
-          <p:cNvSpPr txBox="1"/>
-          <p:nvPr/>
-        </p:nvSpPr>
-        <p:spPr>
-          <a:xfrm>
-            <a:off x="6398690" y="1431123"/>
-            <a:ext cx="1734604" cy="261610"/>
-          </a:xfrm>
-          <a:prstGeom prst="rect">
-            <a:avLst/>
-          </a:prstGeom>
-          <a:noFill/>
-        </p:spPr>
-        <p:txBody>
-          <a:bodyPr wrap="square" rtlCol="0">
-            <a:spAutoFit/>
-          </a:bodyPr>
-          <a:lstStyle/>
-          <a:p>
-            <a:r>
-              <a:rPr lang="fr-FR" sz="1100" dirty="0"/>
-              <a:t>Mécanisme 1 : TERRE</a:t>
-            </a:r>
-            <a:endParaRPr lang="fr-FR" sz="1600" dirty="0"/>
-          </a:p>
-        </p:txBody>
-      </p:sp>
-      <p:sp>
-        <p:nvSpPr>
-          <p:cNvPr id="30" name="ZoneTexte 29">
-            <a:extLst>
-              <a:ext uri="{FF2B5EF4-FFF2-40B4-BE49-F238E27FC236}">
-                <a16:creationId xmlns:a16="http://schemas.microsoft.com/office/drawing/2014/main" id="{B65F2152-04BF-40B1-9FBB-E14318A4ECC3}"/>
-              </a:ext>
-            </a:extLst>
-          </p:cNvPr>
-          <p:cNvSpPr txBox="1"/>
-          <p:nvPr/>
-        </p:nvSpPr>
-        <p:spPr>
-          <a:xfrm>
-            <a:off x="6583360" y="2459013"/>
-            <a:ext cx="1734604" cy="246221"/>
-          </a:xfrm>
-          <a:prstGeom prst="rect">
-            <a:avLst/>
-          </a:prstGeom>
-          <a:noFill/>
-        </p:spPr>
-        <p:txBody>
-          <a:bodyPr wrap="square" rtlCol="0">
-            <a:spAutoFit/>
-          </a:bodyPr>
-          <a:lstStyle/>
-          <a:p>
-            <a:r>
-              <a:rPr lang="fr-FR" sz="1000" dirty="0"/>
-              <a:t>Mécanisme 1 : AIR</a:t>
-            </a:r>
-            <a:endParaRPr lang="fr-FR" sz="1200" dirty="0"/>
-          </a:p>
-        </p:txBody>
-      </p:sp>
-      <p:sp>
-        <p:nvSpPr>
-          <p:cNvPr id="31" name="ZoneTexte 30">
-            <a:extLst>
-              <a:ext uri="{FF2B5EF4-FFF2-40B4-BE49-F238E27FC236}">
-                <a16:creationId xmlns:a16="http://schemas.microsoft.com/office/drawing/2014/main" id="{EF0DE43E-1A3D-40D6-9CAF-10893F565608}"/>
-              </a:ext>
-            </a:extLst>
-          </p:cNvPr>
-          <p:cNvSpPr txBox="1"/>
-          <p:nvPr/>
-        </p:nvSpPr>
-        <p:spPr>
-          <a:xfrm>
-            <a:off x="6261912" y="3471514"/>
-            <a:ext cx="2135711" cy="246221"/>
-          </a:xfrm>
-          <a:prstGeom prst="rect">
-            <a:avLst/>
-          </a:prstGeom>
-          <a:noFill/>
-        </p:spPr>
-        <p:txBody>
-          <a:bodyPr wrap="square" rtlCol="0">
-            <a:spAutoFit/>
-          </a:bodyPr>
-          <a:lstStyle/>
-          <a:p>
-            <a:r>
-              <a:rPr lang="fr-FR" sz="1000" dirty="0"/>
-              <a:t>Mécanisme 1 : Quatre éléments</a:t>
-            </a:r>
-            <a:endParaRPr lang="fr-FR" sz="1200" dirty="0"/>
-          </a:p>
-        </p:txBody>
-      </p:sp>
-    </p:spTree>
-    <p:extLst>
-      <p:ext uri="{BB962C8B-B14F-4D97-AF65-F5344CB8AC3E}">
-        <p14:creationId xmlns:p14="http://schemas.microsoft.com/office/powerpoint/2010/main" val="1476959625"/>
-      </p:ext>
-    </p:extLst>
-  </p:cSld>
-  <p:clrMapOvr>
-    <a:masterClrMapping/>
-  </p:clrMapOvr>
-</p:sld>
-</file>
-
-<file path=ppt/slides/slide4.xml><?xml version="1.0" encoding="utf-8"?>
-<p:sld xmlns:a="http://schemas.openxmlformats.org/drawingml/2006/main" xmlns:r="http://schemas.openxmlformats.org/officeDocument/2006/relationships" xmlns:p="http://schemas.openxmlformats.org/presentationml/2006/main">
-  <p:cSld>
-    <p:spTree>
-      <p:nvGrpSpPr>
-        <p:cNvPr id="1" name=""/>
-        <p:cNvGrpSpPr/>
-        <p:nvPr/>
-      </p:nvGrpSpPr>
-      <p:grpSpPr>
-        <a:xfrm>
-          <a:off x="0" y="0"/>
-          <a:ext cx="0" cy="0"/>
-          <a:chOff x="0" y="0"/>
-          <a:chExt cx="0" cy="0"/>
-        </a:xfrm>
-      </p:grpSpPr>
-      <p:pic>
-        <p:nvPicPr>
-          <p:cNvPr id="21" name="Image 20" descr="Une image contenant table, paire&#10;&#10;Description générée automatiquement">
-            <a:extLst>
-              <a:ext uri="{FF2B5EF4-FFF2-40B4-BE49-F238E27FC236}">
-                <a16:creationId xmlns:a16="http://schemas.microsoft.com/office/drawing/2014/main" id="{C94C7F28-1A6D-4AE8-832F-6ADD5ADD1A9A}"/>
-              </a:ext>
-            </a:extLst>
-          </p:cNvPr>
-          <p:cNvPicPr>
-            <a:picLocks noChangeAspect="1"/>
-          </p:cNvPicPr>
-          <p:nvPr/>
-        </p:nvPicPr>
-        <p:blipFill rotWithShape="1">
-          <a:blip r:embed="rId2">
-            <a:alphaModFix amt="50000"/>
-            <a:extLst>
-              <a:ext uri="{28A0092B-C50C-407E-A947-70E740481C1C}">
-                <a14:useLocalDpi xmlns:a14="http://schemas.microsoft.com/office/drawing/2010/main" val="0"/>
-              </a:ext>
-            </a:extLst>
-          </a:blip>
-          <a:srcRect t="6250"/>
-          <a:stretch/>
-        </p:blipFill>
-        <p:spPr>
-          <a:xfrm>
-            <a:off x="20" y="1"/>
-            <a:ext cx="12191980" cy="6857999"/>
-          </a:xfrm>
-          <a:prstGeom prst="rect">
-            <a:avLst/>
-          </a:prstGeom>
-        </p:spPr>
-      </p:pic>
-      <p:pic>
-        <p:nvPicPr>
-          <p:cNvPr id="4" name="Image 3">
-            <a:extLst>
-              <a:ext uri="{FF2B5EF4-FFF2-40B4-BE49-F238E27FC236}">
-                <a16:creationId xmlns:a16="http://schemas.microsoft.com/office/drawing/2014/main" id="{CFF8CF00-DB30-4438-B600-8B2DEF6B4067}"/>
-              </a:ext>
-            </a:extLst>
-          </p:cNvPr>
-          <p:cNvPicPr/>
-          <p:nvPr/>
-        </p:nvPicPr>
-        <p:blipFill>
-          <a:blip r:embed="rId3">
-            <a:extLst>
-              <a:ext uri="{28A0092B-C50C-407E-A947-70E740481C1C}">
-                <a14:useLocalDpi xmlns:a14="http://schemas.microsoft.com/office/drawing/2010/main" val="0"/>
-              </a:ext>
-            </a:extLst>
-          </a:blip>
-          <a:stretch>
-            <a:fillRect/>
-          </a:stretch>
-        </p:blipFill>
-        <p:spPr>
-          <a:xfrm>
-            <a:off x="2773996" y="1376363"/>
-            <a:ext cx="6644005" cy="5248275"/>
-          </a:xfrm>
-          <a:prstGeom prst="rect">
-            <a:avLst/>
-          </a:prstGeom>
-        </p:spPr>
-      </p:pic>
-      <p:sp>
-        <p:nvSpPr>
-          <p:cNvPr id="16" name="Titre 1">
-            <a:extLst>
-              <a:ext uri="{FF2B5EF4-FFF2-40B4-BE49-F238E27FC236}">
-                <a16:creationId xmlns:a16="http://schemas.microsoft.com/office/drawing/2014/main" id="{70072CBA-496B-470E-9046-17C30A8A15BD}"/>
-              </a:ext>
-            </a:extLst>
-          </p:cNvPr>
-          <p:cNvSpPr>
-            <a:spLocks noGrp="1"/>
-          </p:cNvSpPr>
-          <p:nvPr>
-            <p:ph type="title"/>
-          </p:nvPr>
-        </p:nvSpPr>
-        <p:spPr>
-          <a:xfrm>
-            <a:off x="838199" y="233362"/>
-            <a:ext cx="10515600" cy="1325563"/>
-          </a:xfrm>
-        </p:spPr>
-        <p:txBody>
-          <a:bodyPr>
-            <a:normAutofit/>
-          </a:bodyPr>
-          <a:lstStyle/>
-          <a:p>
-            <a:pPr algn="ctr"/>
-            <a:r>
-              <a:rPr lang="fr-FR" b="1" dirty="0">
-                <a:latin typeface="+mn-lt"/>
-              </a:rPr>
-              <a:t>Diagramme de cas d’utilisation</a:t>
-            </a:r>
-            <a:endParaRPr lang="fr-FR" sz="3600" b="1" dirty="0">
-              <a:latin typeface="+mn-lt"/>
-            </a:endParaRPr>
-          </a:p>
-        </p:txBody>
-      </p:sp>
-    </p:spTree>
-    <p:extLst>
-      <p:ext uri="{BB962C8B-B14F-4D97-AF65-F5344CB8AC3E}">
-        <p14:creationId xmlns:p14="http://schemas.microsoft.com/office/powerpoint/2010/main" val="141572382"/>
-      </p:ext>
-    </p:extLst>
-  </p:cSld>
-  <p:clrMapOvr>
-    <a:masterClrMapping/>
-  </p:clrMapOvr>
-</p:sld>
-</file>
-
-<file path=ppt/slides/slide5.xml><?xml version="1.0" encoding="utf-8"?>
-<p:sld xmlns:a="http://schemas.openxmlformats.org/drawingml/2006/main" xmlns:r="http://schemas.openxmlformats.org/officeDocument/2006/relationships" xmlns:p="http://schemas.openxmlformats.org/presentationml/2006/main">
-  <p:cSld>
-    <p:spTree>
-      <p:nvGrpSpPr>
-        <p:cNvPr id="1" name=""/>
-        <p:cNvGrpSpPr/>
-        <p:nvPr/>
-      </p:nvGrpSpPr>
-      <p:grpSpPr>
-        <a:xfrm>
-          <a:off x="0" y="0"/>
-          <a:ext cx="0" cy="0"/>
-          <a:chOff x="0" y="0"/>
-          <a:chExt cx="0" cy="0"/>
-        </a:xfrm>
-      </p:grpSpPr>
-      <p:pic>
-        <p:nvPicPr>
-          <p:cNvPr id="21" name="Image 20" descr="Une image contenant table, paire&#10;&#10;Description générée automatiquement">
-            <a:extLst>
-              <a:ext uri="{FF2B5EF4-FFF2-40B4-BE49-F238E27FC236}">
-                <a16:creationId xmlns:a16="http://schemas.microsoft.com/office/drawing/2014/main" id="{C94C7F28-1A6D-4AE8-832F-6ADD5ADD1A9A}"/>
-              </a:ext>
-            </a:extLst>
-          </p:cNvPr>
-          <p:cNvPicPr>
-            <a:picLocks noChangeAspect="1"/>
-          </p:cNvPicPr>
-          <p:nvPr/>
-        </p:nvPicPr>
-        <p:blipFill rotWithShape="1">
-          <a:blip r:embed="rId2">
-            <a:alphaModFix amt="50000"/>
-            <a:extLst>
-              <a:ext uri="{28A0092B-C50C-407E-A947-70E740481C1C}">
-                <a14:useLocalDpi xmlns:a14="http://schemas.microsoft.com/office/drawing/2010/main" val="0"/>
-              </a:ext>
-            </a:extLst>
-          </a:blip>
-          <a:srcRect t="6250"/>
-          <a:stretch/>
-        </p:blipFill>
-        <p:spPr>
-          <a:xfrm>
-            <a:off x="20" y="1"/>
-            <a:ext cx="12191980" cy="6857999"/>
-          </a:xfrm>
-          <a:prstGeom prst="rect">
-            <a:avLst/>
-          </a:prstGeom>
-        </p:spPr>
-      </p:pic>
-      <p:sp>
-        <p:nvSpPr>
-          <p:cNvPr id="8" name="Titre 1">
-            <a:extLst>
-              <a:ext uri="{FF2B5EF4-FFF2-40B4-BE49-F238E27FC236}">
-                <a16:creationId xmlns:a16="http://schemas.microsoft.com/office/drawing/2014/main" id="{1D901C81-2DA3-421A-BBCE-EB083238EDA4}"/>
-              </a:ext>
-            </a:extLst>
-          </p:cNvPr>
-          <p:cNvSpPr txBox="1">
-            <a:spLocks/>
-          </p:cNvSpPr>
-          <p:nvPr/>
-        </p:nvSpPr>
-        <p:spPr>
-          <a:xfrm>
-            <a:off x="1524000" y="228600"/>
-            <a:ext cx="9144000" cy="1076480"/>
-          </a:xfrm>
-          <a:prstGeom prst="rect">
-            <a:avLst/>
-          </a:prstGeom>
-        </p:spPr>
-        <p:txBody>
-          <a:bodyPr vert="horz" lIns="91440" tIns="45720" rIns="91440" bIns="45720" rtlCol="0" anchor="b">
-            <a:normAutofit/>
-          </a:bodyPr>
-          <a:lstStyle>
-            <a:lvl1pPr algn="l" defTabSz="914400" rtl="0" eaLnBrk="1" latinLnBrk="0" hangingPunct="1">
-              <a:lnSpc>
-                <a:spcPct val="90000"/>
-              </a:lnSpc>
-              <a:spcBef>
-                <a:spcPct val="0"/>
-              </a:spcBef>
-              <a:buNone/>
-              <a:defRPr sz="4400" kern="1200">
-                <a:solidFill>
-                  <a:schemeClr val="tx1"/>
-                </a:solidFill>
-                <a:latin typeface="+mj-lt"/>
-                <a:ea typeface="+mj-ea"/>
-                <a:cs typeface="+mj-cs"/>
-              </a:defRPr>
-            </a:lvl1pPr>
-          </a:lstStyle>
-          <a:p>
-            <a:pPr algn="ctr">
-              <a:spcAft>
-                <a:spcPts val="600"/>
-              </a:spcAft>
-            </a:pPr>
-            <a:r>
-              <a:rPr lang="fr-FR" sz="6000" b="1" dirty="0"/>
-              <a:t>Diagramme de Gantt</a:t>
-            </a:r>
-            <a:endParaRPr lang="en-US" sz="6000" b="1" dirty="0"/>
-          </a:p>
-        </p:txBody>
-      </p:sp>
-    </p:spTree>
-    <p:extLst>
-      <p:ext uri="{BB962C8B-B14F-4D97-AF65-F5344CB8AC3E}">
-        <p14:creationId xmlns:p14="http://schemas.microsoft.com/office/powerpoint/2010/main" val="2387998976"/>
-      </p:ext>
-    </p:extLst>
-  </p:cSld>
-  <p:clrMapOvr>
-    <a:masterClrMapping/>
-  </p:clrMapOvr>
-</p:sld>
-</file>
-
-<file path=ppt/slides/slide6.xml><?xml version="1.0" encoding="utf-8"?>
-<p:sld xmlns:a="http://schemas.openxmlformats.org/drawingml/2006/main" xmlns:r="http://schemas.openxmlformats.org/officeDocument/2006/relationships" xmlns:p="http://schemas.openxmlformats.org/presentationml/2006/main">
-  <p:cSld>
-    <p:spTree>
-      <p:nvGrpSpPr>
-        <p:cNvPr id="1" name=""/>
-        <p:cNvGrpSpPr/>
-        <p:nvPr/>
-      </p:nvGrpSpPr>
-      <p:grpSpPr>
-        <a:xfrm>
-          <a:off x="0" y="0"/>
-          <a:ext cx="0" cy="0"/>
-          <a:chOff x="0" y="0"/>
-          <a:chExt cx="0" cy="0"/>
-        </a:xfrm>
-      </p:grpSpPr>
-      <p:pic>
-        <p:nvPicPr>
-          <p:cNvPr id="5" name="Image 4" descr="Une image contenant table, paire&#10;&#10;Description générée automatiquement">
-            <a:extLst>
-              <a:ext uri="{FF2B5EF4-FFF2-40B4-BE49-F238E27FC236}">
-                <a16:creationId xmlns:a16="http://schemas.microsoft.com/office/drawing/2014/main" id="{54EDA2C0-48CE-4DA2-890F-252AC8D48847}"/>
-              </a:ext>
-            </a:extLst>
-          </p:cNvPr>
-          <p:cNvPicPr>
-            <a:picLocks noChangeAspect="1"/>
-          </p:cNvPicPr>
-          <p:nvPr/>
-        </p:nvPicPr>
-        <p:blipFill rotWithShape="1">
-          <a:blip r:embed="rId2">
-            <a:alphaModFix amt="50000"/>
-            <a:extLst>
-              <a:ext uri="{28A0092B-C50C-407E-A947-70E740481C1C}">
-                <a14:useLocalDpi xmlns:a14="http://schemas.microsoft.com/office/drawing/2010/main" val="0"/>
-              </a:ext>
-            </a:extLst>
-          </a:blip>
-          <a:srcRect t="6250"/>
-          <a:stretch/>
-        </p:blipFill>
-        <p:spPr>
-          <a:xfrm>
-            <a:off x="20" y="1"/>
-            <a:ext cx="12191980" cy="6857999"/>
-          </a:xfrm>
-          <a:prstGeom prst="rect">
-            <a:avLst/>
-          </a:prstGeom>
-        </p:spPr>
-      </p:pic>
-      <p:sp>
-        <p:nvSpPr>
-          <p:cNvPr id="2" name="Titre 1">
-            <a:extLst>
-              <a:ext uri="{FF2B5EF4-FFF2-40B4-BE49-F238E27FC236}">
-                <a16:creationId xmlns:a16="http://schemas.microsoft.com/office/drawing/2014/main" id="{3B0C423D-65A1-40D8-8751-302A287BBB8F}"/>
-              </a:ext>
-            </a:extLst>
-          </p:cNvPr>
-          <p:cNvSpPr>
-            <a:spLocks noGrp="1"/>
-          </p:cNvSpPr>
-          <p:nvPr>
-            <p:ph type="title"/>
-          </p:nvPr>
-        </p:nvSpPr>
-        <p:spPr/>
-        <p:txBody>
-          <a:bodyPr/>
-          <a:lstStyle/>
-          <a:p>
-            <a:pPr algn="ctr"/>
-            <a:r>
-              <a:rPr lang="fr-FR" b="1" dirty="0">
-                <a:latin typeface="+mn-lt"/>
-              </a:rPr>
-              <a:t>Mes tâches</a:t>
-            </a:r>
-          </a:p>
-        </p:txBody>
-      </p:sp>
-      <p:pic>
-        <p:nvPicPr>
-          <p:cNvPr id="4" name="Image 3">
-            <a:extLst>
-              <a:ext uri="{FF2B5EF4-FFF2-40B4-BE49-F238E27FC236}">
-                <a16:creationId xmlns:a16="http://schemas.microsoft.com/office/drawing/2014/main" id="{B7441BCA-F2F3-49D7-9D50-474CE98A3A2A}"/>
-              </a:ext>
-            </a:extLst>
-          </p:cNvPr>
-          <p:cNvPicPr/>
-          <p:nvPr/>
-        </p:nvPicPr>
-        <p:blipFill>
-          <a:blip r:embed="rId3">
-            <a:extLst>
-              <a:ext uri="{28A0092B-C50C-407E-A947-70E740481C1C}">
-                <a14:useLocalDpi xmlns:a14="http://schemas.microsoft.com/office/drawing/2010/main" val="0"/>
-              </a:ext>
-            </a:extLst>
-          </a:blip>
-          <a:stretch>
-            <a:fillRect/>
-          </a:stretch>
-        </p:blipFill>
-        <p:spPr>
-          <a:xfrm>
-            <a:off x="2543175" y="1690688"/>
-            <a:ext cx="7105650" cy="4595812"/>
-          </a:xfrm>
-          <a:prstGeom prst="rect">
-            <a:avLst/>
-          </a:prstGeom>
-        </p:spPr>
-      </p:pic>
-    </p:spTree>
-    <p:extLst>
-      <p:ext uri="{BB962C8B-B14F-4D97-AF65-F5344CB8AC3E}">
-        <p14:creationId xmlns:p14="http://schemas.microsoft.com/office/powerpoint/2010/main" val="3626107938"/>
-      </p:ext>
-    </p:extLst>
-  </p:cSld>
-  <p:clrMapOvr>
-    <a:masterClrMapping/>
-  </p:clrMapOvr>
-</p:sld>
-</file>
-
-<file path=ppt/slides/slide7.xml><?xml version="1.0" encoding="utf-8"?>
-<p:sld xmlns:a="http://schemas.openxmlformats.org/drawingml/2006/main" xmlns:r="http://schemas.openxmlformats.org/officeDocument/2006/relationships" xmlns:p="http://schemas.openxmlformats.org/presentationml/2006/main">
-  <p:cSld>
-    <p:spTree>
-      <p:nvGrpSpPr>
-        <p:cNvPr id="1" name=""/>
-        <p:cNvGrpSpPr/>
-        <p:nvPr/>
-      </p:nvGrpSpPr>
-      <p:grpSpPr>
-        <a:xfrm>
-          <a:off x="0" y="0"/>
-          <a:ext cx="0" cy="0"/>
-          <a:chOff x="0" y="0"/>
-          <a:chExt cx="0" cy="0"/>
-        </a:xfrm>
-      </p:grpSpPr>
-      <p:pic>
-        <p:nvPicPr>
-          <p:cNvPr id="7" name="Image 6" descr="Une image contenant table, paire&#10;&#10;Description générée automatiquement">
-            <a:extLst>
-              <a:ext uri="{FF2B5EF4-FFF2-40B4-BE49-F238E27FC236}">
-                <a16:creationId xmlns:a16="http://schemas.microsoft.com/office/drawing/2014/main" id="{E938644E-CF18-4D10-8122-4DEF1BE6F344}"/>
-              </a:ext>
-            </a:extLst>
-          </p:cNvPr>
-          <p:cNvPicPr>
-            <a:picLocks noChangeAspect="1"/>
-          </p:cNvPicPr>
-          <p:nvPr/>
-        </p:nvPicPr>
-        <p:blipFill rotWithShape="1">
-          <a:blip r:embed="rId2">
-            <a:alphaModFix amt="50000"/>
-            <a:extLst>
-              <a:ext uri="{28A0092B-C50C-407E-A947-70E740481C1C}">
-                <a14:useLocalDpi xmlns:a14="http://schemas.microsoft.com/office/drawing/2010/main" val="0"/>
-              </a:ext>
-            </a:extLst>
-          </a:blip>
-          <a:srcRect t="6250"/>
-          <a:stretch/>
-        </p:blipFill>
-        <p:spPr>
-          <a:xfrm>
-            <a:off x="20" y="1"/>
-            <a:ext cx="12191980" cy="6857999"/>
-          </a:xfrm>
-          <a:prstGeom prst="rect">
-            <a:avLst/>
-          </a:prstGeom>
-        </p:spPr>
-      </p:pic>
-      <p:sp>
-        <p:nvSpPr>
-          <p:cNvPr id="5" name="Titre 1">
-            <a:extLst>
-              <a:ext uri="{FF2B5EF4-FFF2-40B4-BE49-F238E27FC236}">
-                <a16:creationId xmlns:a16="http://schemas.microsoft.com/office/drawing/2014/main" id="{782BF964-5F41-42A4-99C2-DF15DED79371}"/>
-              </a:ext>
-            </a:extLst>
-          </p:cNvPr>
-          <p:cNvSpPr>
-            <a:spLocks noGrp="1"/>
-          </p:cNvSpPr>
-          <p:nvPr>
-            <p:ph type="title"/>
-          </p:nvPr>
-        </p:nvSpPr>
-        <p:spPr>
-          <a:xfrm>
-            <a:off x="838200" y="365125"/>
-            <a:ext cx="10515600" cy="1325563"/>
-          </a:xfrm>
-        </p:spPr>
-        <p:txBody>
-          <a:bodyPr/>
-          <a:lstStyle/>
-          <a:p>
-            <a:pPr algn="ctr"/>
-            <a:r>
-              <a:rPr lang="fr-FR" b="1" dirty="0">
-                <a:latin typeface="+mn-lt"/>
-              </a:rPr>
-              <a:t>Développement sur Arduino</a:t>
-            </a:r>
-          </a:p>
-        </p:txBody>
-      </p:sp>
-      <p:sp>
-        <p:nvSpPr>
-          <p:cNvPr id="4" name="ZoneTexte 3">
-            <a:extLst>
-              <a:ext uri="{FF2B5EF4-FFF2-40B4-BE49-F238E27FC236}">
-                <a16:creationId xmlns:a16="http://schemas.microsoft.com/office/drawing/2014/main" id="{E2931D2D-2A75-4941-AE67-F83158561FB7}"/>
-              </a:ext>
-            </a:extLst>
-          </p:cNvPr>
-          <p:cNvSpPr txBox="1"/>
-          <p:nvPr/>
-        </p:nvSpPr>
-        <p:spPr>
-          <a:xfrm>
-            <a:off x="2268622" y="2908893"/>
-            <a:ext cx="2066784" cy="307777"/>
-          </a:xfrm>
-          <a:prstGeom prst="rect">
-            <a:avLst/>
-          </a:prstGeom>
-          <a:noFill/>
-        </p:spPr>
-        <p:txBody>
-          <a:bodyPr wrap="none" rtlCol="0">
-            <a:spAutoFit/>
-          </a:bodyPr>
-          <a:lstStyle/>
-          <a:p>
-            <a:r>
-              <a:rPr lang="fr-FR" sz="1400" dirty="0"/>
-              <a:t>Mécanisme 1 : L’échiquier</a:t>
-            </a:r>
-            <a:endParaRPr lang="fr-FR" dirty="0"/>
-          </a:p>
-        </p:txBody>
-      </p:sp>
-      <p:sp>
-        <p:nvSpPr>
-          <p:cNvPr id="8" name="ZoneTexte 7">
-            <a:extLst>
-              <a:ext uri="{FF2B5EF4-FFF2-40B4-BE49-F238E27FC236}">
-                <a16:creationId xmlns:a16="http://schemas.microsoft.com/office/drawing/2014/main" id="{AD5C937A-8040-4DC9-873C-693F65A77CEC}"/>
-              </a:ext>
-            </a:extLst>
-          </p:cNvPr>
-          <p:cNvSpPr txBox="1"/>
-          <p:nvPr/>
-        </p:nvSpPr>
-        <p:spPr>
-          <a:xfrm>
-            <a:off x="2087647" y="3247129"/>
-            <a:ext cx="666336" cy="307777"/>
-          </a:xfrm>
-          <a:prstGeom prst="rect">
-            <a:avLst/>
-          </a:prstGeom>
-          <a:noFill/>
-        </p:spPr>
-        <p:txBody>
-          <a:bodyPr wrap="none" rtlCol="0">
-            <a:spAutoFit/>
-          </a:bodyPr>
-          <a:lstStyle/>
-          <a:p>
-            <a:r>
-              <a:rPr lang="fr-FR" sz="1400" u="sng" dirty="0"/>
-              <a:t>Entrée</a:t>
-            </a:r>
-            <a:endParaRPr lang="fr-FR" u="sng" dirty="0"/>
-          </a:p>
-        </p:txBody>
-      </p:sp>
-      <p:sp>
-        <p:nvSpPr>
-          <p:cNvPr id="9" name="ZoneTexte 8">
-            <a:extLst>
-              <a:ext uri="{FF2B5EF4-FFF2-40B4-BE49-F238E27FC236}">
-                <a16:creationId xmlns:a16="http://schemas.microsoft.com/office/drawing/2014/main" id="{8E9A7E86-1DCA-47C2-812C-1DAEBB9400D9}"/>
-              </a:ext>
-            </a:extLst>
-          </p:cNvPr>
-          <p:cNvSpPr txBox="1"/>
-          <p:nvPr/>
-        </p:nvSpPr>
-        <p:spPr>
-          <a:xfrm>
-            <a:off x="5264080" y="2861255"/>
-            <a:ext cx="1799019" cy="307777"/>
-          </a:xfrm>
-          <a:prstGeom prst="rect">
-            <a:avLst/>
-          </a:prstGeom>
-          <a:noFill/>
-        </p:spPr>
-        <p:txBody>
-          <a:bodyPr wrap="none" rtlCol="0">
-            <a:spAutoFit/>
-          </a:bodyPr>
-          <a:lstStyle/>
-          <a:p>
-            <a:r>
-              <a:rPr lang="fr-FR" sz="1400" u="sng" dirty="0"/>
-              <a:t>Mécanisme 2 : Le Lion</a:t>
-            </a:r>
-            <a:endParaRPr lang="fr-FR" u="sng" dirty="0"/>
-          </a:p>
-        </p:txBody>
-      </p:sp>
-      <p:pic>
-        <p:nvPicPr>
-          <p:cNvPr id="10" name="Image 9">
-            <a:extLst>
-              <a:ext uri="{FF2B5EF4-FFF2-40B4-BE49-F238E27FC236}">
-                <a16:creationId xmlns:a16="http://schemas.microsoft.com/office/drawing/2014/main" id="{621CCEA5-69D0-47BF-A7D1-AD23B47F8A2D}"/>
-              </a:ext>
-            </a:extLst>
-          </p:cNvPr>
-          <p:cNvPicPr>
-            <a:picLocks noChangeAspect="1"/>
-          </p:cNvPicPr>
-          <p:nvPr/>
-        </p:nvPicPr>
-        <p:blipFill>
-          <a:blip r:embed="rId3"/>
-          <a:stretch>
-            <a:fillRect/>
-          </a:stretch>
-        </p:blipFill>
-        <p:spPr>
-          <a:xfrm>
-            <a:off x="1601723" y="4472923"/>
-            <a:ext cx="8535591" cy="1467055"/>
-          </a:xfrm>
-          <a:prstGeom prst="rect">
-            <a:avLst/>
-          </a:prstGeom>
-        </p:spPr>
-      </p:pic>
-      <p:sp>
-        <p:nvSpPr>
-          <p:cNvPr id="11" name="ZoneTexte 10">
-            <a:extLst>
-              <a:ext uri="{FF2B5EF4-FFF2-40B4-BE49-F238E27FC236}">
-                <a16:creationId xmlns:a16="http://schemas.microsoft.com/office/drawing/2014/main" id="{FF4C78C3-4F54-4A9B-9BC5-5036DC9CD23C}"/>
-              </a:ext>
-            </a:extLst>
-          </p:cNvPr>
-          <p:cNvSpPr txBox="1"/>
-          <p:nvPr/>
-        </p:nvSpPr>
-        <p:spPr>
-          <a:xfrm>
-            <a:off x="6805425" y="3247128"/>
-            <a:ext cx="615874" cy="307777"/>
-          </a:xfrm>
-          <a:prstGeom prst="rect">
-            <a:avLst/>
-          </a:prstGeom>
-          <a:noFill/>
-        </p:spPr>
-        <p:txBody>
-          <a:bodyPr wrap="none" rtlCol="0">
-            <a:spAutoFit/>
-          </a:bodyPr>
-          <a:lstStyle/>
-          <a:p>
-            <a:r>
-              <a:rPr lang="fr-FR" sz="1400" u="sng" dirty="0"/>
-              <a:t>Sortie</a:t>
-            </a:r>
-            <a:endParaRPr lang="fr-FR" u="sng" dirty="0"/>
-          </a:p>
-        </p:txBody>
-      </p:sp>
-      <p:sp>
-        <p:nvSpPr>
-          <p:cNvPr id="12" name="ZoneTexte 11">
-            <a:extLst>
-              <a:ext uri="{FF2B5EF4-FFF2-40B4-BE49-F238E27FC236}">
-                <a16:creationId xmlns:a16="http://schemas.microsoft.com/office/drawing/2014/main" id="{3FE6B700-9568-40D7-BBF0-F657FFE56B3B}"/>
-              </a:ext>
-            </a:extLst>
-          </p:cNvPr>
-          <p:cNvSpPr txBox="1"/>
-          <p:nvPr/>
-        </p:nvSpPr>
-        <p:spPr>
-          <a:xfrm>
-            <a:off x="4890900" y="3247127"/>
-            <a:ext cx="615874" cy="307777"/>
-          </a:xfrm>
-          <a:prstGeom prst="rect">
-            <a:avLst/>
-          </a:prstGeom>
-          <a:noFill/>
-        </p:spPr>
-        <p:txBody>
-          <a:bodyPr wrap="none" rtlCol="0">
-            <a:spAutoFit/>
-          </a:bodyPr>
-          <a:lstStyle/>
-          <a:p>
-            <a:r>
-              <a:rPr lang="fr-FR" sz="1400" u="sng" dirty="0"/>
-              <a:t>Sortie</a:t>
-            </a:r>
-            <a:endParaRPr lang="fr-FR" u="sng" dirty="0"/>
-          </a:p>
-        </p:txBody>
-      </p:sp>
-      <p:sp>
-        <p:nvSpPr>
-          <p:cNvPr id="13" name="ZoneTexte 12">
-            <a:extLst>
-              <a:ext uri="{FF2B5EF4-FFF2-40B4-BE49-F238E27FC236}">
-                <a16:creationId xmlns:a16="http://schemas.microsoft.com/office/drawing/2014/main" id="{9A9B53F9-3E55-454C-AECC-A7D0E8FE24D9}"/>
-              </a:ext>
-            </a:extLst>
-          </p:cNvPr>
-          <p:cNvSpPr txBox="1"/>
-          <p:nvPr/>
-        </p:nvSpPr>
-        <p:spPr>
-          <a:xfrm>
-            <a:off x="9521440" y="3247127"/>
-            <a:ext cx="615874" cy="307777"/>
-          </a:xfrm>
-          <a:prstGeom prst="rect">
-            <a:avLst/>
-          </a:prstGeom>
-          <a:noFill/>
-        </p:spPr>
-        <p:txBody>
-          <a:bodyPr wrap="none" rtlCol="0">
-            <a:spAutoFit/>
-          </a:bodyPr>
-          <a:lstStyle/>
-          <a:p>
-            <a:r>
-              <a:rPr lang="fr-FR" sz="1400" u="sng" dirty="0"/>
-              <a:t>Sortie</a:t>
-            </a:r>
-            <a:endParaRPr lang="fr-FR" u="sng" dirty="0"/>
-          </a:p>
-        </p:txBody>
-      </p:sp>
-      <p:sp>
-        <p:nvSpPr>
-          <p:cNvPr id="14" name="ZoneTexte 13">
-            <a:extLst>
-              <a:ext uri="{FF2B5EF4-FFF2-40B4-BE49-F238E27FC236}">
-                <a16:creationId xmlns:a16="http://schemas.microsoft.com/office/drawing/2014/main" id="{C8D4B3C1-89DA-4BB3-90F2-DA4F2EC0B482}"/>
-              </a:ext>
-            </a:extLst>
-          </p:cNvPr>
-          <p:cNvSpPr txBox="1"/>
-          <p:nvPr/>
-        </p:nvSpPr>
-        <p:spPr>
-          <a:xfrm>
-            <a:off x="7638017" y="3247127"/>
-            <a:ext cx="666336" cy="307777"/>
-          </a:xfrm>
-          <a:prstGeom prst="rect">
-            <a:avLst/>
-          </a:prstGeom>
-          <a:noFill/>
-        </p:spPr>
-        <p:txBody>
-          <a:bodyPr wrap="none" rtlCol="0">
-            <a:spAutoFit/>
-          </a:bodyPr>
-          <a:lstStyle/>
-          <a:p>
-            <a:r>
-              <a:rPr lang="fr-FR" sz="1400" u="sng" dirty="0"/>
-              <a:t>Entrée</a:t>
-            </a:r>
-            <a:endParaRPr lang="fr-FR" u="sng" dirty="0"/>
-          </a:p>
-        </p:txBody>
-      </p:sp>
-      <p:sp>
-        <p:nvSpPr>
-          <p:cNvPr id="15" name="ZoneTexte 14">
-            <a:extLst>
-              <a:ext uri="{FF2B5EF4-FFF2-40B4-BE49-F238E27FC236}">
-                <a16:creationId xmlns:a16="http://schemas.microsoft.com/office/drawing/2014/main" id="{8655BAC2-2D29-4706-B374-BDFF3940D565}"/>
-              </a:ext>
-            </a:extLst>
-          </p:cNvPr>
-          <p:cNvSpPr txBox="1"/>
-          <p:nvPr/>
-        </p:nvSpPr>
-        <p:spPr>
-          <a:xfrm>
-            <a:off x="7638017" y="2909753"/>
-            <a:ext cx="2489912" cy="307777"/>
-          </a:xfrm>
-          <a:prstGeom prst="rect">
-            <a:avLst/>
-          </a:prstGeom>
-          <a:noFill/>
-        </p:spPr>
-        <p:txBody>
-          <a:bodyPr wrap="none" rtlCol="0">
-            <a:spAutoFit/>
-          </a:bodyPr>
-          <a:lstStyle/>
-          <a:p>
-            <a:r>
-              <a:rPr lang="fr-FR" sz="1400" u="sng" dirty="0"/>
-              <a:t>Mécanisme 2 : L’élément TERRE</a:t>
-            </a:r>
-            <a:endParaRPr lang="fr-FR" u="sng" dirty="0"/>
-          </a:p>
-        </p:txBody>
-      </p:sp>
-    </p:spTree>
-    <p:extLst>
-      <p:ext uri="{BB962C8B-B14F-4D97-AF65-F5344CB8AC3E}">
-        <p14:creationId xmlns:p14="http://schemas.microsoft.com/office/powerpoint/2010/main" val="1657409770"/>
-      </p:ext>
-    </p:extLst>
-  </p:cSld>
-  <p:clrMapOvr>
-    <a:masterClrMapping/>
-  </p:clrMapOvr>
 </p:sld>
 </file>
 
@@ -10055,10 +7389,10 @@
       </p:grpSpPr>
       <p:pic>
         <p:nvPicPr>
-          <p:cNvPr id="11" name="Image 10" descr="Une image contenant table, paire&#10;&#10;Description générée automatiquement">
-            <a:extLst>
-              <a:ext uri="{FF2B5EF4-FFF2-40B4-BE49-F238E27FC236}">
-                <a16:creationId xmlns:a16="http://schemas.microsoft.com/office/drawing/2014/main" id="{2D11510A-402F-49FB-A1FB-790272910546}"/>
+          <p:cNvPr id="5" name="Image 4" descr="Une image contenant table, paire&#10;&#10;Description générée automatiquement">
+            <a:extLst>
+              <a:ext uri="{FF2B5EF4-FFF2-40B4-BE49-F238E27FC236}">
+                <a16:creationId xmlns:a16="http://schemas.microsoft.com/office/drawing/2014/main" id="{DD505890-1BEA-46C0-BFC1-758106BC1F39}"/>
               </a:ext>
             </a:extLst>
           </p:cNvPr>
@@ -10094,7 +7428,7 @@
           <p:cNvPr id="4" name="Titre 1">
             <a:extLst>
               <a:ext uri="{FF2B5EF4-FFF2-40B4-BE49-F238E27FC236}">
-                <a16:creationId xmlns:a16="http://schemas.microsoft.com/office/drawing/2014/main" id="{C9DA7725-D7E8-4BCC-9FDF-A34AF4C0A51D}"/>
+                <a16:creationId xmlns:a16="http://schemas.microsoft.com/office/drawing/2014/main" id="{01D523ED-FFDA-4EC7-A510-AEFC3635E236}"/>
               </a:ext>
             </a:extLst>
           </p:cNvPr>
@@ -10123,701 +7457,22 @@
                 </a:solidFill>
                 <a:latin typeface="+mn-lt"/>
               </a:rPr>
-              <a:t>Mécanisme n°1 : l’échiquier </a:t>
+              <a:t>Partie Physique : L’effet Hall</a:t>
             </a:r>
           </a:p>
         </p:txBody>
       </p:sp>
       <p:pic>
         <p:nvPicPr>
-          <p:cNvPr id="8" name="Image 7">
-            <a:extLst>
-              <a:ext uri="{FF2B5EF4-FFF2-40B4-BE49-F238E27FC236}">
-                <a16:creationId xmlns:a16="http://schemas.microsoft.com/office/drawing/2014/main" id="{0E8D0641-155D-42EE-AB58-DE3D48C7D642}"/>
+          <p:cNvPr id="1026" name="Picture 2" descr="Résultat de recherche d'images pour &quot;L'effet hall&quot;&quot;">
+            <a:extLst>
+              <a:ext uri="{FF2B5EF4-FFF2-40B4-BE49-F238E27FC236}">
+                <a16:creationId xmlns:a16="http://schemas.microsoft.com/office/drawing/2014/main" id="{1593D3FE-D5AE-4B9A-ACCF-69A4C600E4F2}"/>
               </a:ext>
             </a:extLst>
           </p:cNvPr>
           <p:cNvPicPr>
-            <a:picLocks noChangeAspect="1"/>
-          </p:cNvPicPr>
-          <p:nvPr/>
-        </p:nvPicPr>
-        <p:blipFill>
-          <a:blip r:embed="rId3"/>
-          <a:stretch>
-            <a:fillRect/>
-          </a:stretch>
-        </p:blipFill>
-        <p:spPr>
-          <a:xfrm>
-            <a:off x="8105258" y="4782647"/>
-            <a:ext cx="2272230" cy="1685363"/>
-          </a:xfrm>
-          <a:prstGeom prst="rect">
-            <a:avLst/>
-          </a:prstGeom>
-        </p:spPr>
-      </p:pic>
-      <p:sp>
-        <p:nvSpPr>
-          <p:cNvPr id="12" name="ZoneTexte 11">
-            <a:extLst>
-              <a:ext uri="{FF2B5EF4-FFF2-40B4-BE49-F238E27FC236}">
-                <a16:creationId xmlns:a16="http://schemas.microsoft.com/office/drawing/2014/main" id="{F400A4EF-B3AF-439C-A197-C7E02C2A0EC5}"/>
-              </a:ext>
-            </a:extLst>
-          </p:cNvPr>
-          <p:cNvSpPr txBox="1"/>
-          <p:nvPr/>
-        </p:nvSpPr>
-        <p:spPr>
-          <a:xfrm>
-            <a:off x="897559" y="1541953"/>
-            <a:ext cx="4640373" cy="2308324"/>
-          </a:xfrm>
-          <a:prstGeom prst="rect">
-            <a:avLst/>
-          </a:prstGeom>
-          <a:noFill/>
-        </p:spPr>
-        <p:txBody>
-          <a:bodyPr wrap="none" rtlCol="0">
-            <a:spAutoFit/>
-          </a:bodyPr>
-          <a:lstStyle/>
-          <a:p>
-            <a:r>
-              <a:rPr lang="fr-FR" sz="1400" dirty="0">
-                <a:solidFill>
-                  <a:srgbClr val="0070C0"/>
-                </a:solidFill>
-              </a:rPr>
-              <a:t>Entrées :</a:t>
-            </a:r>
-          </a:p>
-          <a:p>
-            <a:r>
-              <a:rPr lang="fr-FR" sz="1400" dirty="0">
-                <a:solidFill>
-                  <a:srgbClr val="0070C0"/>
-                </a:solidFill>
-              </a:rPr>
-              <a:t>	</a:t>
-            </a:r>
-            <a:r>
-              <a:rPr lang="fr-FR" sz="1400" dirty="0"/>
-              <a:t>● E1</a:t>
-            </a:r>
-          </a:p>
-          <a:p>
-            <a:pPr marL="1657350" lvl="3" indent="-285750">
-              <a:buFont typeface="Courier New" panose="02070309020205020404" pitchFamily="49" charset="0"/>
-              <a:buChar char="o"/>
-            </a:pPr>
-            <a:r>
-              <a:rPr lang="fr-FR" sz="1400" dirty="0"/>
-              <a:t>Type de capteur : </a:t>
-            </a:r>
-            <a:r>
-              <a:rPr lang="fr-FR" sz="1400" dirty="0">
-                <a:solidFill>
-                  <a:schemeClr val="accent6">
-                    <a:lumMod val="50000"/>
-                  </a:schemeClr>
-                </a:solidFill>
-              </a:rPr>
-              <a:t>Capteur effet Hall</a:t>
-            </a:r>
-          </a:p>
-          <a:p>
-            <a:pPr marL="1657350" lvl="3" indent="-285750">
-              <a:buFont typeface="Courier New" panose="02070309020205020404" pitchFamily="49" charset="0"/>
-              <a:buChar char="o"/>
-            </a:pPr>
-            <a:r>
-              <a:rPr lang="fr-FR" sz="1400" dirty="0"/>
-              <a:t>Référence : </a:t>
-            </a:r>
-            <a:r>
-              <a:rPr lang="fr-FR" sz="1400" dirty="0">
-                <a:solidFill>
-                  <a:srgbClr val="0070C0"/>
-                </a:solidFill>
-              </a:rPr>
-              <a:t>Capteur à effet Hall A3144</a:t>
-            </a:r>
-          </a:p>
-          <a:p>
-            <a:pPr marL="1657350" lvl="3" indent="-285750">
-              <a:buFont typeface="Courier New" panose="02070309020205020404" pitchFamily="49" charset="0"/>
-              <a:buChar char="o"/>
-            </a:pPr>
-            <a:endParaRPr lang="fr-FR" sz="1400" dirty="0">
-              <a:solidFill>
-                <a:srgbClr val="0070C0"/>
-              </a:solidFill>
-            </a:endParaRPr>
-          </a:p>
-          <a:p>
-            <a:pPr marL="1657350" lvl="3" indent="-285750">
-              <a:buFont typeface="Courier New" panose="02070309020205020404" pitchFamily="49" charset="0"/>
-              <a:buChar char="o"/>
-            </a:pPr>
-            <a:endParaRPr lang="fr-FR" sz="1400" dirty="0">
-              <a:solidFill>
-                <a:srgbClr val="0070C0"/>
-              </a:solidFill>
-            </a:endParaRPr>
-          </a:p>
-          <a:p>
-            <a:pPr marL="1657350" lvl="3" indent="-285750">
-              <a:buFont typeface="Courier New" panose="02070309020205020404" pitchFamily="49" charset="0"/>
-              <a:buChar char="o"/>
-            </a:pPr>
-            <a:endParaRPr lang="fr-FR" sz="1400" dirty="0">
-              <a:solidFill>
-                <a:srgbClr val="0070C0"/>
-              </a:solidFill>
-            </a:endParaRPr>
-          </a:p>
-          <a:p>
-            <a:pPr marL="1657350" lvl="3" indent="-285750">
-              <a:buFont typeface="Courier New" panose="02070309020205020404" pitchFamily="49" charset="0"/>
-              <a:buChar char="o"/>
-            </a:pPr>
-            <a:endParaRPr lang="fr-FR" sz="1400" dirty="0">
-              <a:solidFill>
-                <a:srgbClr val="0070C0"/>
-              </a:solidFill>
-            </a:endParaRPr>
-          </a:p>
-          <a:p>
-            <a:pPr marL="1657350" lvl="3" indent="-285750">
-              <a:buFont typeface="Courier New" panose="02070309020205020404" pitchFamily="49" charset="0"/>
-              <a:buChar char="o"/>
-            </a:pPr>
-            <a:r>
-              <a:rPr lang="fr-FR" sz="1400" dirty="0"/>
-              <a:t>Signal : </a:t>
-            </a:r>
-            <a:r>
-              <a:rPr lang="fr-FR" sz="1400" dirty="0">
-                <a:solidFill>
-                  <a:srgbClr val="0070C0"/>
-                </a:solidFill>
-              </a:rPr>
-              <a:t>Numérique</a:t>
-            </a:r>
-          </a:p>
-          <a:p>
-            <a:pPr marL="1657350" lvl="3" indent="-285750">
-              <a:buFont typeface="Courier New" panose="02070309020205020404" pitchFamily="49" charset="0"/>
-              <a:buChar char="o"/>
-            </a:pPr>
-            <a:r>
-              <a:rPr lang="fr-FR" sz="1400" dirty="0"/>
-              <a:t>Voltage : </a:t>
-            </a:r>
-            <a:r>
-              <a:rPr lang="fr-FR" sz="1400" dirty="0">
-                <a:solidFill>
-                  <a:schemeClr val="accent6">
-                    <a:lumMod val="50000"/>
-                  </a:schemeClr>
-                </a:solidFill>
-              </a:rPr>
-              <a:t>0-5V</a:t>
-            </a:r>
-            <a:r>
-              <a:rPr lang="fr-FR" dirty="0"/>
-              <a:t>		 </a:t>
-            </a:r>
-          </a:p>
-        </p:txBody>
-      </p:sp>
-      <p:sp>
-        <p:nvSpPr>
-          <p:cNvPr id="13" name="ZoneTexte 12">
-            <a:extLst>
-              <a:ext uri="{FF2B5EF4-FFF2-40B4-BE49-F238E27FC236}">
-                <a16:creationId xmlns:a16="http://schemas.microsoft.com/office/drawing/2014/main" id="{DACC1E0A-505A-4DA8-9EA2-FCE95E92F502}"/>
-              </a:ext>
-            </a:extLst>
-          </p:cNvPr>
-          <p:cNvSpPr txBox="1"/>
-          <p:nvPr/>
-        </p:nvSpPr>
-        <p:spPr>
-          <a:xfrm>
-            <a:off x="5869609" y="1780078"/>
-            <a:ext cx="4640373" cy="2308324"/>
-          </a:xfrm>
-          <a:prstGeom prst="rect">
-            <a:avLst/>
-          </a:prstGeom>
-          <a:noFill/>
-        </p:spPr>
-        <p:txBody>
-          <a:bodyPr wrap="none" rtlCol="0">
-            <a:spAutoFit/>
-          </a:bodyPr>
-          <a:lstStyle/>
-          <a:p>
-            <a:r>
-              <a:rPr lang="fr-FR" sz="1400" dirty="0">
-                <a:solidFill>
-                  <a:srgbClr val="0070C0"/>
-                </a:solidFill>
-              </a:rPr>
-              <a:t>Entrées :</a:t>
-            </a:r>
-          </a:p>
-          <a:p>
-            <a:r>
-              <a:rPr lang="fr-FR" sz="1400" dirty="0">
-                <a:solidFill>
-                  <a:srgbClr val="0070C0"/>
-                </a:solidFill>
-              </a:rPr>
-              <a:t>	</a:t>
-            </a:r>
-            <a:r>
-              <a:rPr lang="fr-FR" sz="1400" dirty="0"/>
-              <a:t>● E2</a:t>
-            </a:r>
-          </a:p>
-          <a:p>
-            <a:pPr marL="1657350" lvl="3" indent="-285750">
-              <a:buFont typeface="Courier New" panose="02070309020205020404" pitchFamily="49" charset="0"/>
-              <a:buChar char="o"/>
-            </a:pPr>
-            <a:r>
-              <a:rPr lang="fr-FR" sz="1400" dirty="0"/>
-              <a:t>Type de capteur : </a:t>
-            </a:r>
-            <a:r>
-              <a:rPr lang="fr-FR" sz="1400" dirty="0">
-                <a:solidFill>
-                  <a:schemeClr val="accent6">
-                    <a:lumMod val="50000"/>
-                  </a:schemeClr>
-                </a:solidFill>
-              </a:rPr>
-              <a:t>Capteur effet Hall</a:t>
-            </a:r>
-          </a:p>
-          <a:p>
-            <a:pPr marL="1657350" lvl="3" indent="-285750">
-              <a:buFont typeface="Courier New" panose="02070309020205020404" pitchFamily="49" charset="0"/>
-              <a:buChar char="o"/>
-            </a:pPr>
-            <a:r>
-              <a:rPr lang="fr-FR" sz="1400" dirty="0"/>
-              <a:t>Référence : </a:t>
-            </a:r>
-            <a:r>
-              <a:rPr lang="fr-FR" sz="1400" dirty="0">
-                <a:solidFill>
-                  <a:srgbClr val="0070C0"/>
-                </a:solidFill>
-              </a:rPr>
-              <a:t>Capteur à effet Hall A3144</a:t>
-            </a:r>
-          </a:p>
-          <a:p>
-            <a:pPr marL="1657350" lvl="3" indent="-285750">
-              <a:buFont typeface="Courier New" panose="02070309020205020404" pitchFamily="49" charset="0"/>
-              <a:buChar char="o"/>
-            </a:pPr>
-            <a:endParaRPr lang="fr-FR" sz="1400" dirty="0">
-              <a:solidFill>
-                <a:srgbClr val="0070C0"/>
-              </a:solidFill>
-            </a:endParaRPr>
-          </a:p>
-          <a:p>
-            <a:pPr marL="1657350" lvl="3" indent="-285750">
-              <a:buFont typeface="Courier New" panose="02070309020205020404" pitchFamily="49" charset="0"/>
-              <a:buChar char="o"/>
-            </a:pPr>
-            <a:endParaRPr lang="fr-FR" sz="1400" dirty="0">
-              <a:solidFill>
-                <a:srgbClr val="0070C0"/>
-              </a:solidFill>
-            </a:endParaRPr>
-          </a:p>
-          <a:p>
-            <a:pPr marL="1657350" lvl="3" indent="-285750">
-              <a:buFont typeface="Courier New" panose="02070309020205020404" pitchFamily="49" charset="0"/>
-              <a:buChar char="o"/>
-            </a:pPr>
-            <a:endParaRPr lang="fr-FR" sz="1400" dirty="0">
-              <a:solidFill>
-                <a:srgbClr val="0070C0"/>
-              </a:solidFill>
-            </a:endParaRPr>
-          </a:p>
-          <a:p>
-            <a:pPr marL="1657350" lvl="3" indent="-285750">
-              <a:buFont typeface="Courier New" panose="02070309020205020404" pitchFamily="49" charset="0"/>
-              <a:buChar char="o"/>
-            </a:pPr>
-            <a:endParaRPr lang="fr-FR" sz="1400" dirty="0">
-              <a:solidFill>
-                <a:srgbClr val="0070C0"/>
-              </a:solidFill>
-            </a:endParaRPr>
-          </a:p>
-          <a:p>
-            <a:pPr marL="1657350" lvl="3" indent="-285750">
-              <a:buFont typeface="Courier New" panose="02070309020205020404" pitchFamily="49" charset="0"/>
-              <a:buChar char="o"/>
-            </a:pPr>
-            <a:r>
-              <a:rPr lang="fr-FR" sz="1400" dirty="0"/>
-              <a:t>Signal : </a:t>
-            </a:r>
-            <a:r>
-              <a:rPr lang="fr-FR" sz="1400" dirty="0">
-                <a:solidFill>
-                  <a:srgbClr val="0070C0"/>
-                </a:solidFill>
-              </a:rPr>
-              <a:t>Numérique</a:t>
-            </a:r>
-          </a:p>
-          <a:p>
-            <a:pPr marL="1657350" lvl="3" indent="-285750">
-              <a:buFont typeface="Courier New" panose="02070309020205020404" pitchFamily="49" charset="0"/>
-              <a:buChar char="o"/>
-            </a:pPr>
-            <a:r>
-              <a:rPr lang="fr-FR" sz="1400" dirty="0"/>
-              <a:t>Voltage : </a:t>
-            </a:r>
-            <a:r>
-              <a:rPr lang="fr-FR" sz="1400" dirty="0">
-                <a:solidFill>
-                  <a:schemeClr val="accent6">
-                    <a:lumMod val="50000"/>
-                  </a:schemeClr>
-                </a:solidFill>
-              </a:rPr>
-              <a:t>0-5V</a:t>
-            </a:r>
-            <a:r>
-              <a:rPr lang="fr-FR" dirty="0"/>
-              <a:t>		 </a:t>
-            </a:r>
-          </a:p>
-        </p:txBody>
-      </p:sp>
-      <p:pic>
-        <p:nvPicPr>
-          <p:cNvPr id="14" name="Image 13">
-            <a:extLst>
-              <a:ext uri="{FF2B5EF4-FFF2-40B4-BE49-F238E27FC236}">
-                <a16:creationId xmlns:a16="http://schemas.microsoft.com/office/drawing/2014/main" id="{96308356-2ADA-43FC-91E4-1994E92F69A3}"/>
-              </a:ext>
-            </a:extLst>
-          </p:cNvPr>
-          <p:cNvPicPr>
-            <a:picLocks noChangeAspect="1"/>
-          </p:cNvPicPr>
-          <p:nvPr/>
-        </p:nvPicPr>
-        <p:blipFill>
-          <a:blip r:embed="rId4"/>
-          <a:stretch>
-            <a:fillRect/>
-          </a:stretch>
-        </p:blipFill>
-        <p:spPr>
-          <a:xfrm>
-            <a:off x="1580636" y="1371343"/>
-            <a:ext cx="4515364" cy="2392123"/>
-          </a:xfrm>
-          <a:prstGeom prst="rect">
-            <a:avLst/>
-          </a:prstGeom>
-        </p:spPr>
-      </p:pic>
-      <p:pic>
-        <p:nvPicPr>
-          <p:cNvPr id="15" name="Image 14">
-            <a:extLst>
-              <a:ext uri="{FF2B5EF4-FFF2-40B4-BE49-F238E27FC236}">
-                <a16:creationId xmlns:a16="http://schemas.microsoft.com/office/drawing/2014/main" id="{2F8A4A6A-30EA-4A74-B232-A0C296884549}"/>
-              </a:ext>
-            </a:extLst>
-          </p:cNvPr>
-          <p:cNvPicPr>
-            <a:picLocks noChangeAspect="1"/>
-          </p:cNvPicPr>
-          <p:nvPr/>
-        </p:nvPicPr>
-        <p:blipFill>
-          <a:blip r:embed="rId4"/>
-          <a:stretch>
-            <a:fillRect/>
-          </a:stretch>
-        </p:blipFill>
-        <p:spPr>
-          <a:xfrm>
-            <a:off x="6514072" y="1550735"/>
-            <a:ext cx="4515364" cy="2392123"/>
-          </a:xfrm>
-          <a:prstGeom prst="rect">
-            <a:avLst/>
-          </a:prstGeom>
-        </p:spPr>
-      </p:pic>
-      <p:sp>
-        <p:nvSpPr>
-          <p:cNvPr id="16" name="ZoneTexte 15">
-            <a:extLst>
-              <a:ext uri="{FF2B5EF4-FFF2-40B4-BE49-F238E27FC236}">
-                <a16:creationId xmlns:a16="http://schemas.microsoft.com/office/drawing/2014/main" id="{78133D04-7A94-46AF-BD1A-FDB85C47B8FD}"/>
-              </a:ext>
-            </a:extLst>
-          </p:cNvPr>
-          <p:cNvSpPr txBox="1"/>
-          <p:nvPr/>
-        </p:nvSpPr>
-        <p:spPr>
-          <a:xfrm>
-            <a:off x="261820" y="4168695"/>
-            <a:ext cx="5911850" cy="1015663"/>
-          </a:xfrm>
-          <a:prstGeom prst="rect">
-            <a:avLst/>
-          </a:prstGeom>
-          <a:noFill/>
-        </p:spPr>
-        <p:txBody>
-          <a:bodyPr wrap="square" rtlCol="0">
-            <a:spAutoFit/>
-          </a:bodyPr>
-          <a:lstStyle/>
-          <a:p>
-            <a:pPr marL="742950" lvl="1" indent="-285750">
-              <a:buFont typeface="Arial" panose="020B0604020202020204" pitchFamily="34" charset="0"/>
-              <a:buChar char="•"/>
-            </a:pPr>
-            <a:r>
-              <a:rPr lang="fr-FR" sz="1400" dirty="0"/>
-              <a:t>S1</a:t>
-            </a:r>
-          </a:p>
-          <a:p>
-            <a:pPr marL="1200150" lvl="2" indent="-285750">
-              <a:buFont typeface="Courier New" panose="02070309020205020404" pitchFamily="49" charset="0"/>
-              <a:buChar char="o"/>
-            </a:pPr>
-            <a:r>
-              <a:rPr lang="fr-FR" sz="1400" dirty="0"/>
-              <a:t>Rôle : </a:t>
-            </a:r>
-            <a:r>
-              <a:rPr lang="fr-FR" sz="1400" dirty="0">
-                <a:solidFill>
-                  <a:schemeClr val="accent6">
-                    <a:lumMod val="50000"/>
-                  </a:schemeClr>
-                </a:solidFill>
-              </a:rPr>
-              <a:t>Activer/désactiver un électroaimant via un relais </a:t>
-            </a:r>
-            <a:r>
-              <a:rPr lang="fr-FR" sz="1400" dirty="0">
-                <a:solidFill>
-                  <a:srgbClr val="0070C0"/>
-                </a:solidFill>
-              </a:rPr>
-              <a:t>+ LED témoin sur le tableau de contrôle</a:t>
-            </a:r>
-          </a:p>
-          <a:p>
-            <a:pPr lvl="2"/>
-            <a:endParaRPr lang="fr-FR" dirty="0"/>
-          </a:p>
-        </p:txBody>
-      </p:sp>
-      <p:sp>
-        <p:nvSpPr>
-          <p:cNvPr id="17" name="ZoneTexte 16">
-            <a:extLst>
-              <a:ext uri="{FF2B5EF4-FFF2-40B4-BE49-F238E27FC236}">
-                <a16:creationId xmlns:a16="http://schemas.microsoft.com/office/drawing/2014/main" id="{3438819A-6698-43C0-BE1F-EBAC3A37A5D5}"/>
-              </a:ext>
-            </a:extLst>
-          </p:cNvPr>
-          <p:cNvSpPr txBox="1"/>
-          <p:nvPr/>
-        </p:nvSpPr>
-        <p:spPr>
-          <a:xfrm>
-            <a:off x="237433" y="5729346"/>
-            <a:ext cx="5758437" cy="738664"/>
-          </a:xfrm>
-          <a:prstGeom prst="rect">
-            <a:avLst/>
-          </a:prstGeom>
-          <a:noFill/>
-        </p:spPr>
-        <p:txBody>
-          <a:bodyPr wrap="square" rtlCol="0">
-            <a:spAutoFit/>
-          </a:bodyPr>
-          <a:lstStyle/>
-          <a:p>
-            <a:pPr marL="1200150" lvl="2" indent="-285750">
-              <a:buFont typeface="Courier New" panose="02070309020205020404" pitchFamily="49" charset="0"/>
-              <a:buChar char="o"/>
-            </a:pPr>
-            <a:r>
-              <a:rPr lang="fr-FR" sz="1400" dirty="0"/>
-              <a:t>Condition : </a:t>
-            </a:r>
-            <a:r>
-              <a:rPr lang="fr-FR" sz="1400" dirty="0">
-                <a:solidFill>
-                  <a:srgbClr val="0070C0"/>
-                </a:solidFill>
-              </a:rPr>
-              <a:t>Si E1 et E2 sont à 1 alors activer la sortie, sinon, désactiver la sortie</a:t>
-            </a:r>
-          </a:p>
-          <a:p>
-            <a:pPr marL="1200150" lvl="2" indent="-285750">
-              <a:buFont typeface="Courier New" panose="02070309020205020404" pitchFamily="49" charset="0"/>
-              <a:buChar char="o"/>
-            </a:pPr>
-            <a:r>
-              <a:rPr lang="fr-FR" sz="1400" dirty="0"/>
-              <a:t>Voltage : </a:t>
-            </a:r>
-            <a:r>
-              <a:rPr lang="fr-FR" sz="1400" dirty="0">
-                <a:solidFill>
-                  <a:schemeClr val="accent6">
-                    <a:lumMod val="50000"/>
-                  </a:schemeClr>
-                </a:solidFill>
-              </a:rPr>
-              <a:t>0-5V</a:t>
-            </a:r>
-            <a:endParaRPr lang="fr-FR" dirty="0"/>
-          </a:p>
-        </p:txBody>
-      </p:sp>
-      <p:pic>
-        <p:nvPicPr>
-          <p:cNvPr id="18" name="Image 17">
-            <a:extLst>
-              <a:ext uri="{FF2B5EF4-FFF2-40B4-BE49-F238E27FC236}">
-                <a16:creationId xmlns:a16="http://schemas.microsoft.com/office/drawing/2014/main" id="{856991C0-E3FF-4B0A-BFAF-76CF8DFBD784}"/>
-              </a:ext>
-            </a:extLst>
-          </p:cNvPr>
-          <p:cNvPicPr>
-            <a:picLocks noChangeAspect="1"/>
-          </p:cNvPicPr>
-          <p:nvPr/>
-        </p:nvPicPr>
-        <p:blipFill>
-          <a:blip r:embed="rId5"/>
-          <a:stretch>
-            <a:fillRect/>
-          </a:stretch>
-        </p:blipFill>
-        <p:spPr>
-          <a:xfrm>
-            <a:off x="2112759" y="4744819"/>
-            <a:ext cx="1506741" cy="1248737"/>
-          </a:xfrm>
-          <a:prstGeom prst="rect">
-            <a:avLst/>
-          </a:prstGeom>
-        </p:spPr>
-      </p:pic>
-    </p:spTree>
-    <p:extLst>
-      <p:ext uri="{BB962C8B-B14F-4D97-AF65-F5344CB8AC3E}">
-        <p14:creationId xmlns:p14="http://schemas.microsoft.com/office/powerpoint/2010/main" val="3952880323"/>
-      </p:ext>
-    </p:extLst>
-  </p:cSld>
-  <p:clrMapOvr>
-    <a:masterClrMapping/>
-  </p:clrMapOvr>
-</p:sld>
-</file>
-
-<file path=ppt/slides/slide9.xml><?xml version="1.0" encoding="utf-8"?>
-<p:sld xmlns:a="http://schemas.openxmlformats.org/drawingml/2006/main" xmlns:r="http://schemas.openxmlformats.org/officeDocument/2006/relationships" xmlns:p="http://schemas.openxmlformats.org/presentationml/2006/main">
-  <p:cSld>
-    <p:spTree>
-      <p:nvGrpSpPr>
-        <p:cNvPr id="1" name=""/>
-        <p:cNvGrpSpPr/>
-        <p:nvPr/>
-      </p:nvGrpSpPr>
-      <p:grpSpPr>
-        <a:xfrm>
-          <a:off x="0" y="0"/>
-          <a:ext cx="0" cy="0"/>
-          <a:chOff x="0" y="0"/>
-          <a:chExt cx="0" cy="0"/>
-        </a:xfrm>
-      </p:grpSpPr>
-      <p:pic>
-        <p:nvPicPr>
-          <p:cNvPr id="36" name="Image 35" descr="Une image contenant table, paire&#10;&#10;Description générée automatiquement">
-            <a:extLst>
-              <a:ext uri="{FF2B5EF4-FFF2-40B4-BE49-F238E27FC236}">
-                <a16:creationId xmlns:a16="http://schemas.microsoft.com/office/drawing/2014/main" id="{A156923A-8DF4-4078-94DF-E315267FCF0F}"/>
-              </a:ext>
-            </a:extLst>
-          </p:cNvPr>
-          <p:cNvPicPr>
-            <a:picLocks noChangeAspect="1"/>
-          </p:cNvPicPr>
-          <p:nvPr/>
-        </p:nvPicPr>
-        <p:blipFill rotWithShape="1">
-          <a:blip r:embed="rId2">
-            <a:alphaModFix amt="50000"/>
-            <a:extLst>
-              <a:ext uri="{28A0092B-C50C-407E-A947-70E740481C1C}">
-                <a14:useLocalDpi xmlns:a14="http://schemas.microsoft.com/office/drawing/2010/main" val="0"/>
-              </a:ext>
-            </a:extLst>
-          </a:blip>
-          <a:srcRect t="6250"/>
-          <a:stretch/>
-        </p:blipFill>
-        <p:spPr>
-          <a:xfrm>
-            <a:off x="20" y="1"/>
-            <a:ext cx="12191980" cy="6857999"/>
-          </a:xfrm>
-          <a:prstGeom prst="rect">
-            <a:avLst/>
-          </a:prstGeom>
-        </p:spPr>
-      </p:pic>
-      <p:pic>
-        <p:nvPicPr>
-          <p:cNvPr id="4" name="Image 3">
-            <a:extLst>
-              <a:ext uri="{FF2B5EF4-FFF2-40B4-BE49-F238E27FC236}">
-                <a16:creationId xmlns:a16="http://schemas.microsoft.com/office/drawing/2014/main" id="{6805F5BA-C8D9-42B8-9C92-898C42B99EC9}"/>
-              </a:ext>
-            </a:extLst>
-          </p:cNvPr>
-          <p:cNvPicPr>
-            <a:picLocks noChangeAspect="1"/>
+            <a:picLocks noChangeAspect="1" noChangeArrowheads="1"/>
           </p:cNvPicPr>
           <p:nvPr/>
         </p:nvPicPr>
@@ -10829,84 +7484,35 @@
               </a:ext>
             </a:extLst>
           </a:blip>
+          <a:srcRect/>
           <a:stretch>
             <a:fillRect/>
           </a:stretch>
         </p:blipFill>
-        <p:spPr>
-          <a:xfrm>
-            <a:off x="1595496" y="1704733"/>
-            <a:ext cx="9001008" cy="4763277"/>
+        <p:spPr bwMode="auto">
+          <a:xfrm>
+            <a:off x="3288002" y="1995487"/>
+            <a:ext cx="5615996" cy="2867025"/>
           </a:xfrm>
           <a:prstGeom prst="rect">
             <a:avLst/>
           </a:prstGeom>
+          <a:noFill/>
+          <a:extLst>
+            <a:ext uri="{909E8E84-426E-40DD-AFC4-6F175D3DCCD1}">
+              <a14:hiddenFill xmlns:a14="http://schemas.microsoft.com/office/drawing/2010/main">
+                <a:solidFill>
+                  <a:srgbClr val="FFFFFF"/>
+                </a:solidFill>
+              </a14:hiddenFill>
+            </a:ext>
+          </a:extLst>
         </p:spPr>
       </p:pic>
-      <p:sp>
-        <p:nvSpPr>
-          <p:cNvPr id="33" name="Titre 1">
-            <a:extLst>
-              <a:ext uri="{FF2B5EF4-FFF2-40B4-BE49-F238E27FC236}">
-                <a16:creationId xmlns:a16="http://schemas.microsoft.com/office/drawing/2014/main" id="{D7D47A08-2BF9-44C3-9F77-2D2D4A0332FD}"/>
-              </a:ext>
-            </a:extLst>
-          </p:cNvPr>
-          <p:cNvSpPr txBox="1">
-            <a:spLocks/>
-          </p:cNvSpPr>
-          <p:nvPr/>
-        </p:nvSpPr>
-        <p:spPr>
-          <a:xfrm>
-            <a:off x="897559" y="389990"/>
-            <a:ext cx="10396882" cy="1151965"/>
-          </a:xfrm>
-          <a:prstGeom prst="rect">
-            <a:avLst/>
-          </a:prstGeom>
-        </p:spPr>
-        <p:txBody>
-          <a:bodyPr vert="horz" lIns="91440" tIns="45720" rIns="91440" bIns="45720" rtlCol="0" anchor="ctr">
-            <a:normAutofit/>
-          </a:bodyPr>
-          <a:lstStyle>
-            <a:lvl1pPr algn="l" defTabSz="914400" rtl="0" eaLnBrk="1" latinLnBrk="0" hangingPunct="1">
-              <a:lnSpc>
-                <a:spcPct val="90000"/>
-              </a:lnSpc>
-              <a:spcBef>
-                <a:spcPct val="0"/>
-              </a:spcBef>
-              <a:buNone/>
-              <a:defRPr sz="4400" kern="1200">
-                <a:solidFill>
-                  <a:schemeClr val="tx1"/>
-                </a:solidFill>
-                <a:latin typeface="+mj-lt"/>
-                <a:ea typeface="+mj-ea"/>
-                <a:cs typeface="+mj-cs"/>
-              </a:defRPr>
-            </a:lvl1pPr>
-          </a:lstStyle>
-          <a:p>
-            <a:pPr algn="ctr"/>
-            <a:r>
-              <a:rPr lang="fr-FR" b="1">
-                <a:latin typeface="+mn-lt"/>
-              </a:rPr>
-              <a:t>Mécanisme n°1 : l’échiquier </a:t>
-            </a:r>
-            <a:endParaRPr lang="fr-FR" b="1" dirty="0">
-              <a:latin typeface="+mn-lt"/>
-            </a:endParaRPr>
-          </a:p>
-        </p:txBody>
-      </p:sp>
     </p:spTree>
     <p:extLst>
       <p:ext uri="{BB962C8B-B14F-4D97-AF65-F5344CB8AC3E}">
-        <p14:creationId xmlns:p14="http://schemas.microsoft.com/office/powerpoint/2010/main" val="2394584400"/>
+        <p14:creationId xmlns:p14="http://schemas.microsoft.com/office/powerpoint/2010/main" val="3748439917"/>
       </p:ext>
     </p:extLst>
   </p:cSld>

--- a/Etudiants/Joshua/PremièreRevueDeProjet.pptx
+++ b/Etudiants/Joshua/PremièreRevueDeProjet.pptx
@@ -8,11 +8,13 @@
     <p:sldId id="273" r:id="rId2"/>
     <p:sldId id="257" r:id="rId3"/>
     <p:sldId id="261" r:id="rId4"/>
-    <p:sldId id="272" r:id="rId5"/>
-    <p:sldId id="258" r:id="rId6"/>
-    <p:sldId id="267" r:id="rId7"/>
-    <p:sldId id="269" r:id="rId8"/>
-    <p:sldId id="270" r:id="rId9"/>
+    <p:sldId id="258" r:id="rId5"/>
+    <p:sldId id="274" r:id="rId6"/>
+    <p:sldId id="276" r:id="rId7"/>
+    <p:sldId id="275" r:id="rId8"/>
+    <p:sldId id="267" r:id="rId9"/>
+    <p:sldId id="269" r:id="rId10"/>
+    <p:sldId id="277" r:id="rId11"/>
   </p:sldIdLst>
   <p:sldSz cx="12192000" cy="6858000"/>
   <p:notesSz cx="6858000" cy="9144000"/>
@@ -3988,6 +3990,697 @@
   <p:clrMapOvr>
     <a:masterClrMapping/>
   </p:clrMapOvr>
+  <mc:AlternateContent xmlns:mc="http://schemas.openxmlformats.org/markup-compatibility/2006">
+    <mc:Choice xmlns:p14="http://schemas.microsoft.com/office/powerpoint/2010/main" Requires="p14">
+      <p:transition spd="med" p14:dur="700">
+        <p:fade/>
+      </p:transition>
+    </mc:Choice>
+    <mc:Fallback>
+      <p:transition spd="med">
+        <p:fade/>
+      </p:transition>
+    </mc:Fallback>
+  </mc:AlternateContent>
+</p:sld>
+</file>
+
+<file path=ppt/slides/slide10.xml><?xml version="1.0" encoding="utf-8"?>
+<p:sld xmlns:a="http://schemas.openxmlformats.org/drawingml/2006/main" xmlns:r="http://schemas.openxmlformats.org/officeDocument/2006/relationships" xmlns:p="http://schemas.openxmlformats.org/presentationml/2006/main">
+  <p:cSld>
+    <p:spTree>
+      <p:nvGrpSpPr>
+        <p:cNvPr id="1" name=""/>
+        <p:cNvGrpSpPr/>
+        <p:nvPr/>
+      </p:nvGrpSpPr>
+      <p:grpSpPr>
+        <a:xfrm>
+          <a:off x="0" y="0"/>
+          <a:ext cx="0" cy="0"/>
+          <a:chOff x="0" y="0"/>
+          <a:chExt cx="0" cy="0"/>
+        </a:xfrm>
+      </p:grpSpPr>
+      <p:pic>
+        <p:nvPicPr>
+          <p:cNvPr id="5" name="Image 4" descr="Une image contenant table, paire&#10;&#10;Description générée automatiquement">
+            <a:extLst>
+              <a:ext uri="{FF2B5EF4-FFF2-40B4-BE49-F238E27FC236}">
+                <a16:creationId xmlns:a16="http://schemas.microsoft.com/office/drawing/2014/main" id="{0B40B6F2-5E85-4AEC-9AA6-FBD9476A5BCF}"/>
+              </a:ext>
+            </a:extLst>
+          </p:cNvPr>
+          <p:cNvPicPr>
+            <a:picLocks noChangeAspect="1"/>
+          </p:cNvPicPr>
+          <p:nvPr/>
+        </p:nvPicPr>
+        <p:blipFill rotWithShape="1">
+          <a:blip r:embed="rId2">
+            <a:alphaModFix amt="35000"/>
+            <a:extLst>
+              <a:ext uri="{28A0092B-C50C-407E-A947-70E740481C1C}">
+                <a14:useLocalDpi xmlns:a14="http://schemas.microsoft.com/office/drawing/2010/main" val="0"/>
+              </a:ext>
+            </a:extLst>
+          </a:blip>
+          <a:srcRect t="6278"/>
+          <a:stretch/>
+        </p:blipFill>
+        <p:spPr>
+          <a:xfrm>
+            <a:off x="-1" y="-30"/>
+            <a:ext cx="12192000" cy="6855958"/>
+          </a:xfrm>
+          <a:prstGeom prst="rect">
+            <a:avLst/>
+          </a:prstGeom>
+        </p:spPr>
+      </p:pic>
+      <p:sp>
+        <p:nvSpPr>
+          <p:cNvPr id="6" name="Rectangle 5">
+            <a:extLst>
+              <a:ext uri="{FF2B5EF4-FFF2-40B4-BE49-F238E27FC236}">
+                <a16:creationId xmlns:a16="http://schemas.microsoft.com/office/drawing/2014/main" id="{F3B50C9F-D1DD-4FE1-86A7-5BD7379FDB93}"/>
+              </a:ext>
+            </a:extLst>
+          </p:cNvPr>
+          <p:cNvSpPr/>
+          <p:nvPr/>
+        </p:nvSpPr>
+        <p:spPr>
+          <a:xfrm>
+            <a:off x="674137" y="1859171"/>
+            <a:ext cx="4980864" cy="3305487"/>
+          </a:xfrm>
+          <a:prstGeom prst="rect">
+            <a:avLst/>
+          </a:prstGeom>
+        </p:spPr>
+        <p:txBody>
+          <a:bodyPr vert="horz" lIns="91440" tIns="45720" rIns="91440" bIns="45720" rtlCol="0" anchor="t">
+            <a:normAutofit lnSpcReduction="10000"/>
+          </a:bodyPr>
+          <a:lstStyle/>
+          <a:p>
+            <a:pPr>
+              <a:lnSpc>
+                <a:spcPct val="90000"/>
+              </a:lnSpc>
+              <a:spcBef>
+                <a:spcPct val="0"/>
+              </a:spcBef>
+              <a:spcAft>
+                <a:spcPts val="600"/>
+              </a:spcAft>
+            </a:pPr>
+            <a:r>
+              <a:rPr lang="en-US" sz="8000" b="1" kern="1200" dirty="0">
+                <a:solidFill>
+                  <a:schemeClr val="tx1"/>
+                </a:solidFill>
+                <a:effectLst>
+                  <a:outerShdw blurRad="38100" dist="38100" dir="2700000" algn="tl">
+                    <a:srgbClr val="000000">
+                      <a:alpha val="43137"/>
+                    </a:srgbClr>
+                  </a:outerShdw>
+                </a:effectLst>
+                <a:latin typeface="+mj-lt"/>
+                <a:ea typeface="+mj-ea"/>
+                <a:cs typeface="+mj-cs"/>
+              </a:rPr>
+              <a:t>Avez-vous des questions ?</a:t>
+            </a:r>
+            <a:endParaRPr lang="en-US" sz="8000" kern="1200" dirty="0">
+              <a:solidFill>
+                <a:schemeClr val="tx1"/>
+              </a:solidFill>
+              <a:effectLst>
+                <a:outerShdw blurRad="38100" dist="38100" dir="2700000" algn="tl">
+                  <a:srgbClr val="000000">
+                    <a:alpha val="43137"/>
+                  </a:srgbClr>
+                </a:outerShdw>
+              </a:effectLst>
+              <a:latin typeface="+mj-lt"/>
+              <a:ea typeface="+mj-ea"/>
+              <a:cs typeface="+mj-cs"/>
+            </a:endParaRPr>
+          </a:p>
+        </p:txBody>
+      </p:sp>
+      <p:pic>
+        <p:nvPicPr>
+          <p:cNvPr id="14" name="Image 13">
+            <a:extLst>
+              <a:ext uri="{FF2B5EF4-FFF2-40B4-BE49-F238E27FC236}">
+                <a16:creationId xmlns:a16="http://schemas.microsoft.com/office/drawing/2014/main" id="{637317B2-FEF3-4D03-BDF9-7C3592E48DF1}"/>
+              </a:ext>
+            </a:extLst>
+          </p:cNvPr>
+          <p:cNvPicPr>
+            <a:picLocks noChangeAspect="1"/>
+          </p:cNvPicPr>
+          <p:nvPr/>
+        </p:nvPicPr>
+        <p:blipFill>
+          <a:blip r:embed="rId3">
+            <a:extLst>
+              <a:ext uri="{28A0092B-C50C-407E-A947-70E740481C1C}">
+                <a14:useLocalDpi xmlns:a14="http://schemas.microsoft.com/office/drawing/2010/main" val="0"/>
+              </a:ext>
+            </a:extLst>
+          </a:blip>
+          <a:srcRect/>
+          <a:stretch/>
+        </p:blipFill>
+        <p:spPr>
+          <a:xfrm>
+            <a:off x="6095999" y="687086"/>
+            <a:ext cx="6170914" cy="6170914"/>
+          </a:xfrm>
+          <a:custGeom>
+            <a:avLst/>
+            <a:gdLst>
+              <a:gd name="connsiteX0" fmla="*/ 3397813 w 6170914"/>
+              <a:gd name="connsiteY0" fmla="*/ 0 h 6313225"/>
+              <a:gd name="connsiteX1" fmla="*/ 6019731 w 6170914"/>
+              <a:gd name="connsiteY1" fmla="*/ 1236489 h 6313225"/>
+              <a:gd name="connsiteX2" fmla="*/ 6170914 w 6170914"/>
+              <a:gd name="connsiteY2" fmla="*/ 1438663 h 6313225"/>
+              <a:gd name="connsiteX3" fmla="*/ 6170914 w 6170914"/>
+              <a:gd name="connsiteY3" fmla="*/ 5356963 h 6313225"/>
+              <a:gd name="connsiteX4" fmla="*/ 6019731 w 6170914"/>
+              <a:gd name="connsiteY4" fmla="*/ 5559138 h 6313225"/>
+              <a:gd name="connsiteX5" fmla="*/ 5194591 w 6170914"/>
+              <a:gd name="connsiteY5" fmla="*/ 6282226 h 6313225"/>
+              <a:gd name="connsiteX6" fmla="*/ 5141791 w 6170914"/>
+              <a:gd name="connsiteY6" fmla="*/ 6313225 h 6313225"/>
+              <a:gd name="connsiteX7" fmla="*/ 1659199 w 6170914"/>
+              <a:gd name="connsiteY7" fmla="*/ 6313225 h 6313225"/>
+              <a:gd name="connsiteX8" fmla="*/ 1498064 w 6170914"/>
+              <a:gd name="connsiteY8" fmla="*/ 6215333 h 6313225"/>
+              <a:gd name="connsiteX9" fmla="*/ 0 w 6170914"/>
+              <a:gd name="connsiteY9" fmla="*/ 3397813 h 6313225"/>
+              <a:gd name="connsiteX10" fmla="*/ 3397813 w 6170914"/>
+              <a:gd name="connsiteY10" fmla="*/ 0 h 6313225"/>
+            </a:gdLst>
+            <a:ahLst/>
+            <a:cxnLst>
+              <a:cxn ang="0">
+                <a:pos x="connsiteX0" y="connsiteY0"/>
+              </a:cxn>
+              <a:cxn ang="0">
+                <a:pos x="connsiteX1" y="connsiteY1"/>
+              </a:cxn>
+              <a:cxn ang="0">
+                <a:pos x="connsiteX2" y="connsiteY2"/>
+              </a:cxn>
+              <a:cxn ang="0">
+                <a:pos x="connsiteX3" y="connsiteY3"/>
+              </a:cxn>
+              <a:cxn ang="0">
+                <a:pos x="connsiteX4" y="connsiteY4"/>
+              </a:cxn>
+              <a:cxn ang="0">
+                <a:pos x="connsiteX5" y="connsiteY5"/>
+              </a:cxn>
+              <a:cxn ang="0">
+                <a:pos x="connsiteX6" y="connsiteY6"/>
+              </a:cxn>
+              <a:cxn ang="0">
+                <a:pos x="connsiteX7" y="connsiteY7"/>
+              </a:cxn>
+              <a:cxn ang="0">
+                <a:pos x="connsiteX8" y="connsiteY8"/>
+              </a:cxn>
+              <a:cxn ang="0">
+                <a:pos x="connsiteX9" y="connsiteY9"/>
+              </a:cxn>
+              <a:cxn ang="0">
+                <a:pos x="connsiteX10" y="connsiteY10"/>
+              </a:cxn>
+            </a:cxnLst>
+            <a:rect l="l" t="t" r="r" b="b"/>
+            <a:pathLst>
+              <a:path w="6170914" h="6313225">
+                <a:moveTo>
+                  <a:pt x="3397813" y="0"/>
+                </a:moveTo>
+                <a:cubicBezTo>
+                  <a:pt x="4453378" y="0"/>
+                  <a:pt x="5396522" y="481334"/>
+                  <a:pt x="6019731" y="1236489"/>
+                </a:cubicBezTo>
+                <a:lnTo>
+                  <a:pt x="6170914" y="1438663"/>
+                </a:lnTo>
+                <a:lnTo>
+                  <a:pt x="6170914" y="5356963"/>
+                </a:lnTo>
+                <a:lnTo>
+                  <a:pt x="6019731" y="5559138"/>
+                </a:lnTo>
+                <a:cubicBezTo>
+                  <a:pt x="5786028" y="5842321"/>
+                  <a:pt x="5507333" y="6086998"/>
+                  <a:pt x="5194591" y="6282226"/>
+                </a:cubicBezTo>
+                <a:lnTo>
+                  <a:pt x="5141791" y="6313225"/>
+                </a:lnTo>
+                <a:lnTo>
+                  <a:pt x="1659199" y="6313225"/>
+                </a:lnTo>
+                <a:lnTo>
+                  <a:pt x="1498064" y="6215333"/>
+                </a:lnTo>
+                <a:cubicBezTo>
+                  <a:pt x="594240" y="5604721"/>
+                  <a:pt x="0" y="4570663"/>
+                  <a:pt x="0" y="3397813"/>
+                </a:cubicBezTo>
+                <a:cubicBezTo>
+                  <a:pt x="0" y="1521253"/>
+                  <a:pt x="1521253" y="0"/>
+                  <a:pt x="3397813" y="0"/>
+                </a:cubicBezTo>
+                <a:close/>
+              </a:path>
+            </a:pathLst>
+          </a:custGeom>
+        </p:spPr>
+      </p:pic>
+      <p:pic>
+        <p:nvPicPr>
+          <p:cNvPr id="20" name="Image 19" descr="Une image contenant dessin&#10;&#10;Description générée automatiquement">
+            <a:extLst>
+              <a:ext uri="{FF2B5EF4-FFF2-40B4-BE49-F238E27FC236}">
+                <a16:creationId xmlns:a16="http://schemas.microsoft.com/office/drawing/2014/main" id="{34DFA15A-31B8-4AD7-9C24-07D6859330A2}"/>
+              </a:ext>
+            </a:extLst>
+          </p:cNvPr>
+          <p:cNvPicPr>
+            <a:picLocks noChangeAspect="1"/>
+          </p:cNvPicPr>
+          <p:nvPr/>
+        </p:nvPicPr>
+        <p:blipFill>
+          <a:blip r:embed="rId4">
+            <a:extLst>
+              <a:ext uri="{28A0092B-C50C-407E-A947-70E740481C1C}">
+                <a14:useLocalDpi xmlns:a14="http://schemas.microsoft.com/office/drawing/2010/main" val="0"/>
+              </a:ext>
+            </a:extLst>
+          </a:blip>
+          <a:stretch>
+            <a:fillRect/>
+          </a:stretch>
+        </p:blipFill>
+        <p:spPr>
+          <a:xfrm>
+            <a:off x="8147747" y="1041231"/>
+            <a:ext cx="2583710" cy="817940"/>
+          </a:xfrm>
+          <a:prstGeom prst="rect">
+            <a:avLst/>
+          </a:prstGeom>
+        </p:spPr>
+      </p:pic>
+      <p:pic>
+        <p:nvPicPr>
+          <p:cNvPr id="16" name="Image 15" descr="Une image contenant signe, dessin&#10;&#10;Description générée automatiquement">
+            <a:extLst>
+              <a:ext uri="{FF2B5EF4-FFF2-40B4-BE49-F238E27FC236}">
+                <a16:creationId xmlns:a16="http://schemas.microsoft.com/office/drawing/2014/main" id="{67526598-32CB-4AF0-B8E1-45D8794CF41B}"/>
+              </a:ext>
+            </a:extLst>
+          </p:cNvPr>
+          <p:cNvPicPr>
+            <a:picLocks noChangeAspect="1"/>
+          </p:cNvPicPr>
+          <p:nvPr/>
+        </p:nvPicPr>
+        <p:blipFill>
+          <a:blip r:embed="rId5">
+            <a:extLst>
+              <a:ext uri="{28A0092B-C50C-407E-A947-70E740481C1C}">
+                <a14:useLocalDpi xmlns:a14="http://schemas.microsoft.com/office/drawing/2010/main" val="0"/>
+              </a:ext>
+            </a:extLst>
+          </a:blip>
+          <a:stretch>
+            <a:fillRect/>
+          </a:stretch>
+        </p:blipFill>
+        <p:spPr>
+          <a:xfrm>
+            <a:off x="9588430" y="2559912"/>
+            <a:ext cx="2387245" cy="2387245"/>
+          </a:xfrm>
+          <a:prstGeom prst="roundRect">
+            <a:avLst>
+              <a:gd name="adj" fmla="val 8594"/>
+            </a:avLst>
+          </a:prstGeom>
+          <a:solidFill>
+            <a:srgbClr val="FFFFFF">
+              <a:shade val="85000"/>
+            </a:srgbClr>
+          </a:solidFill>
+          <a:ln>
+            <a:noFill/>
+          </a:ln>
+          <a:effectLst>
+            <a:reflection blurRad="12700" stA="38000" endPos="28000" dist="5000" dir="5400000" sy="-100000" algn="bl" rotWithShape="0"/>
+          </a:effectLst>
+        </p:spPr>
+      </p:pic>
+      <p:pic>
+        <p:nvPicPr>
+          <p:cNvPr id="36" name="Graphique 35" descr="Engrenages">
+            <a:extLst>
+              <a:ext uri="{FF2B5EF4-FFF2-40B4-BE49-F238E27FC236}">
+                <a16:creationId xmlns:a16="http://schemas.microsoft.com/office/drawing/2014/main" id="{1ACCFB96-280B-41FD-A2BE-D2E12FBD81D8}"/>
+              </a:ext>
+            </a:extLst>
+          </p:cNvPr>
+          <p:cNvPicPr>
+            <a:picLocks noChangeAspect="1"/>
+          </p:cNvPicPr>
+          <p:nvPr/>
+        </p:nvPicPr>
+        <p:blipFill>
+          <a:blip r:embed="rId6">
+            <a:extLst>
+              <a:ext uri="{28A0092B-C50C-407E-A947-70E740481C1C}">
+                <a14:useLocalDpi xmlns:a14="http://schemas.microsoft.com/office/drawing/2010/main" val="0"/>
+              </a:ext>
+              <a:ext uri="{96DAC541-7B7A-43D3-8B79-37D633B846F1}">
+                <asvg:svgBlip xmlns:asvg="http://schemas.microsoft.com/office/drawing/2016/SVG/main" r:embed="rId7"/>
+              </a:ext>
+            </a:extLst>
+          </a:blip>
+          <a:stretch>
+            <a:fillRect/>
+          </a:stretch>
+        </p:blipFill>
+        <p:spPr>
+          <a:xfrm>
+            <a:off x="7719351" y="2801843"/>
+            <a:ext cx="1162030" cy="1162030"/>
+          </a:xfrm>
+          <a:prstGeom prst="rect">
+            <a:avLst/>
+          </a:prstGeom>
+        </p:spPr>
+      </p:pic>
+      <p:pic>
+        <p:nvPicPr>
+          <p:cNvPr id="44" name="Image 43">
+            <a:extLst>
+              <a:ext uri="{FF2B5EF4-FFF2-40B4-BE49-F238E27FC236}">
+                <a16:creationId xmlns:a16="http://schemas.microsoft.com/office/drawing/2014/main" id="{1FD7768A-1F72-4EA3-B908-9BC439FD99C2}"/>
+              </a:ext>
+            </a:extLst>
+          </p:cNvPr>
+          <p:cNvPicPr>
+            <a:picLocks noChangeAspect="1"/>
+          </p:cNvPicPr>
+          <p:nvPr/>
+        </p:nvPicPr>
+        <p:blipFill>
+          <a:blip r:embed="rId8">
+            <a:extLst>
+              <a:ext uri="{28A0092B-C50C-407E-A947-70E740481C1C}">
+                <a14:useLocalDpi xmlns:a14="http://schemas.microsoft.com/office/drawing/2010/main" val="0"/>
+              </a:ext>
+            </a:extLst>
+          </a:blip>
+          <a:stretch>
+            <a:fillRect/>
+          </a:stretch>
+        </p:blipFill>
+        <p:spPr>
+          <a:xfrm>
+            <a:off x="9490197" y="4946923"/>
+            <a:ext cx="2583710" cy="638322"/>
+          </a:xfrm>
+          <a:prstGeom prst="rect">
+            <a:avLst/>
+          </a:prstGeom>
+        </p:spPr>
+      </p:pic>
+      <p:pic>
+        <p:nvPicPr>
+          <p:cNvPr id="38" name="Graphique 37" descr="Engrenage">
+            <a:extLst>
+              <a:ext uri="{FF2B5EF4-FFF2-40B4-BE49-F238E27FC236}">
+                <a16:creationId xmlns:a16="http://schemas.microsoft.com/office/drawing/2014/main" id="{91820E0F-9F23-4BA4-90DF-7EA093FE2C37}"/>
+              </a:ext>
+            </a:extLst>
+          </p:cNvPr>
+          <p:cNvPicPr>
+            <a:picLocks noChangeAspect="1"/>
+          </p:cNvPicPr>
+          <p:nvPr/>
+        </p:nvPicPr>
+        <p:blipFill>
+          <a:blip r:embed="rId9">
+            <a:extLst>
+              <a:ext uri="{28A0092B-C50C-407E-A947-70E740481C1C}">
+                <a14:useLocalDpi xmlns:a14="http://schemas.microsoft.com/office/drawing/2010/main" val="0"/>
+              </a:ext>
+              <a:ext uri="{96DAC541-7B7A-43D3-8B79-37D633B846F1}">
+                <asvg:svgBlip xmlns:asvg="http://schemas.microsoft.com/office/drawing/2016/SVG/main" r:embed="rId10"/>
+              </a:ext>
+            </a:extLst>
+          </a:blip>
+          <a:stretch>
+            <a:fillRect/>
+          </a:stretch>
+        </p:blipFill>
+        <p:spPr>
+          <a:xfrm>
+            <a:off x="7303010" y="2530734"/>
+            <a:ext cx="999899" cy="999899"/>
+          </a:xfrm>
+          <a:prstGeom prst="rect">
+            <a:avLst/>
+          </a:prstGeom>
+        </p:spPr>
+      </p:pic>
+      <p:pic>
+        <p:nvPicPr>
+          <p:cNvPr id="40" name="Image 39" descr="Une image contenant équipement électronique, circuit&#10;&#10;Description générée automatiquement">
+            <a:extLst>
+              <a:ext uri="{FF2B5EF4-FFF2-40B4-BE49-F238E27FC236}">
+                <a16:creationId xmlns:a16="http://schemas.microsoft.com/office/drawing/2014/main" id="{9AF0E11B-4556-425D-B45E-332ECAEFA2A7}"/>
+              </a:ext>
+            </a:extLst>
+          </p:cNvPr>
+          <p:cNvPicPr>
+            <a:picLocks noChangeAspect="1"/>
+          </p:cNvPicPr>
+          <p:nvPr/>
+        </p:nvPicPr>
+        <p:blipFill>
+          <a:blip r:embed="rId11">
+            <a:extLst>
+              <a:ext uri="{28A0092B-C50C-407E-A947-70E740481C1C}">
+                <a14:useLocalDpi xmlns:a14="http://schemas.microsoft.com/office/drawing/2010/main" val="0"/>
+              </a:ext>
+            </a:extLst>
+          </a:blip>
+          <a:stretch>
+            <a:fillRect/>
+          </a:stretch>
+        </p:blipFill>
+        <p:spPr>
+          <a:xfrm>
+            <a:off x="7711187" y="3915632"/>
+            <a:ext cx="1559729" cy="1249026"/>
+          </a:xfrm>
+          <a:prstGeom prst="rect">
+            <a:avLst/>
+          </a:prstGeom>
+        </p:spPr>
+      </p:pic>
+      <p:pic>
+        <p:nvPicPr>
+          <p:cNvPr id="42" name="Image 41" descr="Une image contenant équipement électronique, circuit&#10;&#10;Description générée automatiquement">
+            <a:extLst>
+              <a:ext uri="{FF2B5EF4-FFF2-40B4-BE49-F238E27FC236}">
+                <a16:creationId xmlns:a16="http://schemas.microsoft.com/office/drawing/2014/main" id="{85E5A03A-7CDC-428D-9A31-81D1630F9EE7}"/>
+              </a:ext>
+            </a:extLst>
+          </p:cNvPr>
+          <p:cNvPicPr>
+            <a:picLocks noChangeAspect="1"/>
+          </p:cNvPicPr>
+          <p:nvPr/>
+        </p:nvPicPr>
+        <p:blipFill>
+          <a:blip r:embed="rId12">
+            <a:extLst>
+              <a:ext uri="{28A0092B-C50C-407E-A947-70E740481C1C}">
+                <a14:useLocalDpi xmlns:a14="http://schemas.microsoft.com/office/drawing/2010/main" val="0"/>
+              </a:ext>
+            </a:extLst>
+          </a:blip>
+          <a:stretch>
+            <a:fillRect/>
+          </a:stretch>
+        </p:blipFill>
+        <p:spPr>
+          <a:xfrm>
+            <a:off x="6327769" y="3530633"/>
+            <a:ext cx="1534142" cy="999900"/>
+          </a:xfrm>
+          <a:prstGeom prst="rect">
+            <a:avLst/>
+          </a:prstGeom>
+        </p:spPr>
+      </p:pic>
+      <p:sp>
+        <p:nvSpPr>
+          <p:cNvPr id="29" name="Ellipse 28">
+            <a:extLst>
+              <a:ext uri="{FF2B5EF4-FFF2-40B4-BE49-F238E27FC236}">
+                <a16:creationId xmlns:a16="http://schemas.microsoft.com/office/drawing/2014/main" id="{5E81CB24-C670-4BC2-8F9F-E1103ED078AD}"/>
+              </a:ext>
+            </a:extLst>
+          </p:cNvPr>
+          <p:cNvSpPr/>
+          <p:nvPr/>
+        </p:nvSpPr>
+        <p:spPr>
+          <a:xfrm>
+            <a:off x="8209227" y="5585010"/>
+            <a:ext cx="2310926" cy="1074959"/>
+          </a:xfrm>
+          <a:prstGeom prst="ellipse">
+            <a:avLst/>
+          </a:prstGeom>
+          <a:solidFill>
+            <a:srgbClr val="DADAD8"/>
+          </a:solidFill>
+          <a:ln w="9525">
+            <a:solidFill>
+              <a:schemeClr val="bg1"/>
+            </a:solidFill>
+            <a:prstDash val="lgDashDotDot"/>
+          </a:ln>
+          <a:effectLst>
+            <a:outerShdw blurRad="88900" dist="50800" dir="5400000" algn="ctr" rotWithShape="0">
+              <a:srgbClr val="000000">
+                <a:alpha val="0"/>
+              </a:srgbClr>
+            </a:outerShdw>
+          </a:effectLst>
+        </p:spPr>
+        <p:style>
+          <a:lnRef idx="2">
+            <a:schemeClr val="accent1">
+              <a:shade val="50000"/>
+            </a:schemeClr>
+          </a:lnRef>
+          <a:fillRef idx="1">
+            <a:schemeClr val="accent1"/>
+          </a:fillRef>
+          <a:effectRef idx="0">
+            <a:schemeClr val="accent1"/>
+          </a:effectRef>
+          <a:fontRef idx="minor">
+            <a:schemeClr val="lt1"/>
+          </a:fontRef>
+        </p:style>
+        <p:txBody>
+          <a:bodyPr rtlCol="0" anchor="ctr"/>
+          <a:lstStyle/>
+          <a:p>
+            <a:pPr algn="ctr"/>
+            <a:r>
+              <a:rPr lang="fr-FR" sz="1100" i="1" dirty="0">
+                <a:solidFill>
+                  <a:schemeClr val="tx1"/>
+                </a:solidFill>
+              </a:rPr>
+              <a:t>CADEAU Thomas </a:t>
+            </a:r>
+            <a:br>
+              <a:rPr lang="fr-FR" sz="1100" i="1" dirty="0">
+                <a:solidFill>
+                  <a:schemeClr val="tx1"/>
+                </a:solidFill>
+              </a:rPr>
+            </a:br>
+            <a:r>
+              <a:rPr lang="fr-FR" sz="1100" i="1" dirty="0">
+                <a:solidFill>
+                  <a:schemeClr val="tx1"/>
+                </a:solidFill>
+              </a:rPr>
+              <a:t>BRENY Corentin </a:t>
+            </a:r>
+            <a:br>
+              <a:rPr lang="fr-FR" sz="1100" i="1" dirty="0">
+                <a:solidFill>
+                  <a:schemeClr val="tx1"/>
+                </a:solidFill>
+              </a:rPr>
+            </a:br>
+            <a:r>
+              <a:rPr lang="fr-FR" sz="1100" i="1" dirty="0">
+                <a:solidFill>
+                  <a:schemeClr val="tx1"/>
+                </a:solidFill>
+              </a:rPr>
+              <a:t>MINOS Constantin </a:t>
+            </a:r>
+            <a:br>
+              <a:rPr lang="fr-FR" sz="1100" i="1" dirty="0">
+                <a:solidFill>
+                  <a:schemeClr val="tx1"/>
+                </a:solidFill>
+              </a:rPr>
+            </a:br>
+            <a:r>
+              <a:rPr lang="fr-FR" sz="1100" i="1" dirty="0">
+                <a:solidFill>
+                  <a:schemeClr val="tx1"/>
+                </a:solidFill>
+              </a:rPr>
+              <a:t> PINNEAU Joshua</a:t>
+            </a:r>
+          </a:p>
+        </p:txBody>
+      </p:sp>
+    </p:spTree>
+    <p:extLst>
+      <p:ext uri="{BB962C8B-B14F-4D97-AF65-F5344CB8AC3E}">
+        <p14:creationId xmlns:p14="http://schemas.microsoft.com/office/powerpoint/2010/main" val="412642291"/>
+      </p:ext>
+    </p:extLst>
+  </p:cSld>
+  <p:clrMapOvr>
+    <a:masterClrMapping/>
+  </p:clrMapOvr>
+  <mc:AlternateContent xmlns:mc="http://schemas.openxmlformats.org/markup-compatibility/2006">
+    <mc:Choice xmlns:p14="http://schemas.microsoft.com/office/powerpoint/2010/main" Requires="p14">
+      <p:transition spd="med" p14:dur="700">
+        <p:fade/>
+      </p:transition>
+    </mc:Choice>
+    <mc:Fallback>
+      <p:transition spd="med">
+        <p:fade/>
+      </p:transition>
+    </mc:Fallback>
+  </mc:AlternateContent>
 </p:sld>
 </file>
 
@@ -4075,11 +4768,25 @@
             <a:pPr algn="ctr"/>
             <a:r>
               <a:rPr lang="fr-FR" b="1" dirty="0">
+                <a:effectLst>
+                  <a:outerShdw blurRad="38100" dist="38100" dir="2700000" algn="tl">
+                    <a:srgbClr val="000000">
+                      <a:alpha val="43137"/>
+                    </a:srgbClr>
+                  </a:outerShdw>
+                </a:effectLst>
                 <a:latin typeface="+mn-lt"/>
               </a:rPr>
               <a:t>Introduction</a:t>
             </a:r>
             <a:endParaRPr lang="fr-FR" sz="3600" b="1" dirty="0">
+              <a:effectLst>
+                <a:outerShdw blurRad="38100" dist="38100" dir="2700000" algn="tl">
+                  <a:srgbClr val="000000">
+                    <a:alpha val="43137"/>
+                  </a:srgbClr>
+                </a:outerShdw>
+              </a:effectLst>
               <a:latin typeface="+mn-lt"/>
             </a:endParaRPr>
           </a:p>
@@ -4301,8 +5008,8 @@
         </p:nvSpPr>
         <p:spPr>
           <a:xfrm>
-            <a:off x="9907428" y="1861457"/>
-            <a:ext cx="707572" cy="45719"/>
+            <a:off x="1639728" y="1733217"/>
+            <a:ext cx="600432" cy="49800"/>
           </a:xfrm>
           <a:prstGeom prst="roundRect">
             <a:avLst/>
@@ -4339,7 +5046,7 @@
           </a:bodyPr>
           <a:lstStyle/>
           <a:p>
-            <a:endParaRPr lang="fr-FR"/>
+            <a:endParaRPr lang="fr-FR" dirty="0"/>
           </a:p>
         </p:txBody>
       </p:sp>
@@ -4357,7 +5064,7 @@
         </p:nvSpPr>
         <p:spPr>
           <a:xfrm>
-            <a:off x="10646228" y="1699650"/>
+            <a:off x="488796" y="1552958"/>
             <a:ext cx="824265" cy="369332"/>
           </a:xfrm>
           <a:prstGeom prst="rect">
@@ -4392,8 +5099,8 @@
         </p:nvSpPr>
         <p:spPr>
           <a:xfrm>
-            <a:off x="9907428" y="2231259"/>
-            <a:ext cx="707572" cy="45719"/>
+            <a:off x="1639728" y="1988507"/>
+            <a:ext cx="602206" cy="45719"/>
           </a:xfrm>
           <a:prstGeom prst="roundRect">
             <a:avLst/>
@@ -4448,7 +5155,7 @@
         </p:nvSpPr>
         <p:spPr>
           <a:xfrm>
-            <a:off x="10614999" y="2046593"/>
+            <a:off x="450456" y="1803841"/>
             <a:ext cx="993862" cy="369332"/>
           </a:xfrm>
           <a:prstGeom prst="rect">
@@ -4483,8 +5190,8 @@
         </p:nvSpPr>
         <p:spPr>
           <a:xfrm>
-            <a:off x="9907427" y="2601061"/>
-            <a:ext cx="707572" cy="45719"/>
+            <a:off x="1639728" y="2240990"/>
+            <a:ext cx="602797" cy="45719"/>
           </a:xfrm>
           <a:prstGeom prst="roundRect">
             <a:avLst/>
@@ -4539,7 +5246,7 @@
         </p:nvSpPr>
         <p:spPr>
           <a:xfrm>
-            <a:off x="10614999" y="2424887"/>
+            <a:off x="454136" y="2054724"/>
             <a:ext cx="1195071" cy="369332"/>
           </a:xfrm>
           <a:prstGeom prst="rect">
@@ -4574,8 +5281,8 @@
         </p:nvSpPr>
         <p:spPr>
           <a:xfrm>
-            <a:off x="9907427" y="2970935"/>
-            <a:ext cx="707572" cy="45719"/>
+            <a:off x="1649207" y="2492199"/>
+            <a:ext cx="600433" cy="45792"/>
           </a:xfrm>
           <a:prstGeom prst="roundRect">
             <a:avLst/>
@@ -4630,7 +5337,7 @@
         </p:nvSpPr>
         <p:spPr>
           <a:xfrm>
-            <a:off x="10614999" y="2786197"/>
+            <a:off x="454136" y="2323167"/>
             <a:ext cx="925253" cy="369332"/>
           </a:xfrm>
           <a:prstGeom prst="rect">
@@ -4787,64 +5494,6 @@
           <a:ln w="50800">
             <a:solidFill>
               <a:srgbClr val="FF0000"/>
-            </a:solidFill>
-          </a:ln>
-        </p:spPr>
-        <p:style>
-          <a:lnRef idx="2">
-            <a:schemeClr val="accent1">
-              <a:shade val="50000"/>
-            </a:schemeClr>
-          </a:lnRef>
-          <a:fillRef idx="1">
-            <a:schemeClr val="accent1"/>
-          </a:fillRef>
-          <a:effectRef idx="0">
-            <a:schemeClr val="accent1"/>
-          </a:effectRef>
-          <a:fontRef idx="minor">
-            <a:schemeClr val="lt1"/>
-          </a:fontRef>
-        </p:style>
-        <p:txBody>
-          <a:bodyPr rot="0" spcFirstLastPara="0" vert="horz" wrap="square" lIns="91440" tIns="45720" rIns="91440" bIns="45720" numCol="1" spcCol="0" rtlCol="0" fromWordArt="0" anchor="ctr" anchorCtr="0" forceAA="0" compatLnSpc="1">
-            <a:prstTxWarp prst="textNoShape">
-              <a:avLst/>
-            </a:prstTxWarp>
-            <a:noAutofit/>
-          </a:bodyPr>
-          <a:lstStyle/>
-          <a:p>
-            <a:endParaRPr lang="fr-FR"/>
-          </a:p>
-        </p:txBody>
-      </p:sp>
-      <p:sp>
-        <p:nvSpPr>
-          <p:cNvPr id="23" name="Flèche : double flèche horizontale 22">
-            <a:extLst>
-              <a:ext uri="{FF2B5EF4-FFF2-40B4-BE49-F238E27FC236}">
-                <a16:creationId xmlns:a16="http://schemas.microsoft.com/office/drawing/2014/main" id="{1071556F-F791-4EA0-8063-D0370A498624}"/>
-              </a:ext>
-            </a:extLst>
-          </p:cNvPr>
-          <p:cNvSpPr/>
-          <p:nvPr/>
-        </p:nvSpPr>
-        <p:spPr>
-          <a:xfrm>
-            <a:off x="6865620" y="5195619"/>
-            <a:ext cx="612865" cy="317994"/>
-          </a:xfrm>
-          <a:prstGeom prst="leftRightArrow">
-            <a:avLst/>
-          </a:prstGeom>
-          <a:solidFill>
-            <a:srgbClr val="2FC9FF"/>
-          </a:solidFill>
-          <a:ln>
-            <a:solidFill>
-              <a:srgbClr val="00B0F0"/>
             </a:solidFill>
           </a:ln>
         </p:spPr>
@@ -5159,229 +5808,6 @@
           </a:p>
         </p:txBody>
       </p:sp>
-      <p:cxnSp>
-        <p:nvCxnSpPr>
-          <p:cNvPr id="29" name="Connecteur droit 28">
-            <a:extLst>
-              <a:ext uri="{FF2B5EF4-FFF2-40B4-BE49-F238E27FC236}">
-                <a16:creationId xmlns:a16="http://schemas.microsoft.com/office/drawing/2014/main" id="{275F8654-B445-4228-94F2-002ED50C11F4}"/>
-              </a:ext>
-            </a:extLst>
-          </p:cNvPr>
-          <p:cNvCxnSpPr>
-            <a:cxnSpLocks/>
-          </p:cNvCxnSpPr>
-          <p:nvPr/>
-        </p:nvCxnSpPr>
-        <p:spPr>
-          <a:xfrm flipH="1" flipV="1">
-            <a:off x="2002064" y="4570810"/>
-            <a:ext cx="2878658" cy="678299"/>
-          </a:xfrm>
-          <a:prstGeom prst="line">
-            <a:avLst/>
-          </a:prstGeom>
-          <a:ln>
-            <a:solidFill>
-              <a:schemeClr val="accent1"/>
-            </a:solidFill>
-          </a:ln>
-        </p:spPr>
-        <p:style>
-          <a:lnRef idx="3">
-            <a:schemeClr val="accent1"/>
-          </a:lnRef>
-          <a:fillRef idx="0">
-            <a:schemeClr val="accent1"/>
-          </a:fillRef>
-          <a:effectRef idx="2">
-            <a:schemeClr val="accent1"/>
-          </a:effectRef>
-          <a:fontRef idx="minor">
-            <a:schemeClr val="tx1"/>
-          </a:fontRef>
-        </p:style>
-      </p:cxnSp>
-      <p:sp>
-        <p:nvSpPr>
-          <p:cNvPr id="31" name="Zone de texte 45">
-            <a:extLst>
-              <a:ext uri="{FF2B5EF4-FFF2-40B4-BE49-F238E27FC236}">
-                <a16:creationId xmlns:a16="http://schemas.microsoft.com/office/drawing/2014/main" id="{4137D27B-845D-49BA-A870-304F07D89BFE}"/>
-              </a:ext>
-            </a:extLst>
-          </p:cNvPr>
-          <p:cNvSpPr txBox="1"/>
-          <p:nvPr/>
-        </p:nvSpPr>
-        <p:spPr>
-          <a:xfrm>
-            <a:off x="905817" y="4289822"/>
-            <a:ext cx="1095375" cy="561975"/>
-          </a:xfrm>
-          <a:prstGeom prst="rect">
-            <a:avLst/>
-          </a:prstGeom>
-          <a:solidFill>
-            <a:schemeClr val="lt1"/>
-          </a:solidFill>
-          <a:ln w="6350">
-            <a:solidFill>
-              <a:schemeClr val="accent1"/>
-            </a:solidFill>
-          </a:ln>
-        </p:spPr>
-        <p:txBody>
-          <a:bodyPr rot="0" spcFirstLastPara="0" vert="horz" wrap="square" lIns="91440" tIns="45720" rIns="91440" bIns="45720" numCol="1" spcCol="0" rtlCol="0" fromWordArt="0" anchor="t" anchorCtr="0" forceAA="0" compatLnSpc="1">
-            <a:prstTxWarp prst="textNoShape">
-              <a:avLst/>
-            </a:prstTxWarp>
-            <a:noAutofit/>
-          </a:bodyPr>
-          <a:lstStyle/>
-          <a:p>
-            <a:pPr>
-              <a:lnSpc>
-                <a:spcPct val="107000"/>
-              </a:lnSpc>
-              <a:spcAft>
-                <a:spcPts val="800"/>
-              </a:spcAft>
-            </a:pPr>
-            <a:r>
-              <a:rPr lang="fr-FR" sz="1000" dirty="0">
-                <a:solidFill>
-                  <a:schemeClr val="accent1"/>
-                </a:solidFill>
-                <a:effectLst/>
-                <a:latin typeface="Calibri" panose="020F0502020204030204" pitchFamily="34" charset="0"/>
-                <a:ea typeface="Calibri" panose="020F0502020204030204" pitchFamily="34" charset="0"/>
-                <a:cs typeface="Calibri" panose="020F0502020204030204" pitchFamily="34" charset="0"/>
-              </a:rPr>
-              <a:t>Application Web sur l’affichage de l’état de la salle</a:t>
-            </a:r>
-            <a:endParaRPr lang="fr-FR" sz="1100" dirty="0">
-              <a:solidFill>
-                <a:schemeClr val="accent1"/>
-              </a:solidFill>
-              <a:effectLst/>
-              <a:latin typeface="Calibri" panose="020F0502020204030204" pitchFamily="34" charset="0"/>
-              <a:ea typeface="Calibri" panose="020F0502020204030204" pitchFamily="34" charset="0"/>
-              <a:cs typeface="Times New Roman" panose="02020603050405020304" pitchFamily="18" charset="0"/>
-            </a:endParaRPr>
-          </a:p>
-        </p:txBody>
-      </p:sp>
-      <p:cxnSp>
-        <p:nvCxnSpPr>
-          <p:cNvPr id="32" name="Connecteur droit 31">
-            <a:extLst>
-              <a:ext uri="{FF2B5EF4-FFF2-40B4-BE49-F238E27FC236}">
-                <a16:creationId xmlns:a16="http://schemas.microsoft.com/office/drawing/2014/main" id="{7A108338-C537-43B1-B6F3-044BA5E019D3}"/>
-              </a:ext>
-            </a:extLst>
-          </p:cNvPr>
-          <p:cNvCxnSpPr>
-            <a:cxnSpLocks/>
-          </p:cNvCxnSpPr>
-          <p:nvPr/>
-        </p:nvCxnSpPr>
-        <p:spPr>
-          <a:xfrm flipV="1">
-            <a:off x="7026093" y="4775248"/>
-            <a:ext cx="2781391" cy="380401"/>
-          </a:xfrm>
-          <a:prstGeom prst="line">
-            <a:avLst/>
-          </a:prstGeom>
-          <a:ln>
-            <a:solidFill>
-              <a:srgbClr val="2FC9FF"/>
-            </a:solidFill>
-          </a:ln>
-        </p:spPr>
-        <p:style>
-          <a:lnRef idx="3">
-            <a:schemeClr val="accent1"/>
-          </a:lnRef>
-          <a:fillRef idx="0">
-            <a:schemeClr val="accent1"/>
-          </a:fillRef>
-          <a:effectRef idx="2">
-            <a:schemeClr val="accent1"/>
-          </a:effectRef>
-          <a:fontRef idx="minor">
-            <a:schemeClr val="tx1"/>
-          </a:fontRef>
-        </p:style>
-      </p:cxnSp>
-      <p:sp>
-        <p:nvSpPr>
-          <p:cNvPr id="34" name="Zone de texte 44">
-            <a:extLst>
-              <a:ext uri="{FF2B5EF4-FFF2-40B4-BE49-F238E27FC236}">
-                <a16:creationId xmlns:a16="http://schemas.microsoft.com/office/drawing/2014/main" id="{4684EDED-9F12-45D2-926B-0E58883DBD1C}"/>
-              </a:ext>
-            </a:extLst>
-          </p:cNvPr>
-          <p:cNvSpPr txBox="1"/>
-          <p:nvPr/>
-        </p:nvSpPr>
-        <p:spPr>
-          <a:xfrm>
-            <a:off x="9811861" y="4481244"/>
-            <a:ext cx="1095375" cy="561975"/>
-          </a:xfrm>
-          <a:prstGeom prst="rect">
-            <a:avLst/>
-          </a:prstGeom>
-          <a:solidFill>
-            <a:schemeClr val="lt1"/>
-          </a:solidFill>
-          <a:ln w="6350">
-            <a:solidFill>
-              <a:srgbClr val="2FC9FF"/>
-            </a:solidFill>
-          </a:ln>
-        </p:spPr>
-        <p:txBody>
-          <a:bodyPr rot="0" spcFirstLastPara="0" vert="horz" wrap="square" lIns="91440" tIns="45720" rIns="91440" bIns="45720" numCol="1" spcCol="0" rtlCol="0" fromWordArt="0" anchor="t" anchorCtr="0" forceAA="0" compatLnSpc="1">
-            <a:prstTxWarp prst="textNoShape">
-              <a:avLst/>
-            </a:prstTxWarp>
-            <a:noAutofit/>
-          </a:bodyPr>
-          <a:lstStyle/>
-          <a:p>
-            <a:pPr>
-              <a:lnSpc>
-                <a:spcPct val="107000"/>
-              </a:lnSpc>
-              <a:spcAft>
-                <a:spcPts val="800"/>
-              </a:spcAft>
-            </a:pPr>
-            <a:r>
-              <a:rPr lang="fr-FR" sz="1000" dirty="0">
-                <a:solidFill>
-                  <a:srgbClr val="2FC9FF"/>
-                </a:solidFill>
-                <a:effectLst/>
-                <a:latin typeface="Calibri" panose="020F0502020204030204" pitchFamily="34" charset="0"/>
-                <a:ea typeface="Calibri" panose="020F0502020204030204" pitchFamily="34" charset="0"/>
-                <a:cs typeface="Calibri" panose="020F0502020204030204" pitchFamily="34" charset="0"/>
-              </a:rPr>
-              <a:t>Application Web de pilotage des actionneurs</a:t>
-            </a:r>
-            <a:endParaRPr lang="fr-FR" sz="1100" dirty="0">
-              <a:effectLst/>
-              <a:latin typeface="Calibri" panose="020F0502020204030204" pitchFamily="34" charset="0"/>
-              <a:ea typeface="Calibri" panose="020F0502020204030204" pitchFamily="34" charset="0"/>
-              <a:cs typeface="Times New Roman" panose="02020603050405020304" pitchFamily="18" charset="0"/>
-            </a:endParaRPr>
-          </a:p>
-        </p:txBody>
-      </p:sp>
       <p:sp>
         <p:nvSpPr>
           <p:cNvPr id="30" name="Flèche : double flèche horizontale 29">
@@ -5491,6 +5917,943 @@
           <a:lstStyle/>
           <a:p>
             <a:endParaRPr lang="fr-FR"/>
+          </a:p>
+        </p:txBody>
+      </p:sp>
+      <p:sp>
+        <p:nvSpPr>
+          <p:cNvPr id="37" name="Flèche : angle droit 36">
+            <a:extLst>
+              <a:ext uri="{FF2B5EF4-FFF2-40B4-BE49-F238E27FC236}">
+                <a16:creationId xmlns:a16="http://schemas.microsoft.com/office/drawing/2014/main" id="{35977F53-973E-45F2-BCB9-51FDEEDBF051}"/>
+              </a:ext>
+            </a:extLst>
+          </p:cNvPr>
+          <p:cNvSpPr/>
+          <p:nvPr/>
+        </p:nvSpPr>
+        <p:spPr>
+          <a:xfrm flipH="1">
+            <a:off x="3062642" y="6268955"/>
+            <a:ext cx="5395558" cy="610031"/>
+          </a:xfrm>
+          <a:prstGeom prst="bentUpArrow">
+            <a:avLst>
+              <a:gd name="adj1" fmla="val 22758"/>
+              <a:gd name="adj2" fmla="val 38791"/>
+              <a:gd name="adj3" fmla="val 38450"/>
+            </a:avLst>
+          </a:prstGeom>
+          <a:solidFill>
+            <a:srgbClr val="92D050"/>
+          </a:solidFill>
+          <a:ln>
+            <a:noFill/>
+          </a:ln>
+        </p:spPr>
+        <p:style>
+          <a:lnRef idx="2">
+            <a:schemeClr val="accent1">
+              <a:shade val="50000"/>
+            </a:schemeClr>
+          </a:lnRef>
+          <a:fillRef idx="1">
+            <a:schemeClr val="accent1"/>
+          </a:fillRef>
+          <a:effectRef idx="0">
+            <a:schemeClr val="accent1"/>
+          </a:effectRef>
+          <a:fontRef idx="minor">
+            <a:schemeClr val="lt1"/>
+          </a:fontRef>
+        </p:style>
+        <p:txBody>
+          <a:bodyPr rtlCol="0" anchor="ctr"/>
+          <a:lstStyle/>
+          <a:p>
+            <a:pPr algn="ctr"/>
+            <a:endParaRPr lang="fr-FR"/>
+          </a:p>
+        </p:txBody>
+      </p:sp>
+      <p:sp>
+        <p:nvSpPr>
+          <p:cNvPr id="38" name="Rectangle 37">
+            <a:extLst>
+              <a:ext uri="{FF2B5EF4-FFF2-40B4-BE49-F238E27FC236}">
+                <a16:creationId xmlns:a16="http://schemas.microsoft.com/office/drawing/2014/main" id="{A3AC406C-08F2-425A-84BE-51167875E9CE}"/>
+              </a:ext>
+            </a:extLst>
+          </p:cNvPr>
+          <p:cNvSpPr/>
+          <p:nvPr/>
+        </p:nvSpPr>
+        <p:spPr>
+          <a:xfrm flipH="1">
+            <a:off x="8373706" y="6144633"/>
+            <a:ext cx="168987" cy="734353"/>
+          </a:xfrm>
+          <a:prstGeom prst="rect">
+            <a:avLst/>
+          </a:prstGeom>
+          <a:solidFill>
+            <a:srgbClr val="92D050"/>
+          </a:solidFill>
+          <a:ln>
+            <a:solidFill>
+              <a:srgbClr val="92D050"/>
+            </a:solidFill>
+          </a:ln>
+        </p:spPr>
+        <p:style>
+          <a:lnRef idx="2">
+            <a:schemeClr val="accent1">
+              <a:shade val="50000"/>
+            </a:schemeClr>
+          </a:lnRef>
+          <a:fillRef idx="1">
+            <a:schemeClr val="accent1"/>
+          </a:fillRef>
+          <a:effectRef idx="0">
+            <a:schemeClr val="accent1"/>
+          </a:effectRef>
+          <a:fontRef idx="minor">
+            <a:schemeClr val="lt1"/>
+          </a:fontRef>
+        </p:style>
+        <p:txBody>
+          <a:bodyPr rtlCol="0" anchor="ctr"/>
+          <a:lstStyle/>
+          <a:p>
+            <a:pPr algn="ctr"/>
+            <a:endParaRPr lang="fr-FR"/>
+          </a:p>
+        </p:txBody>
+      </p:sp>
+      <p:sp>
+        <p:nvSpPr>
+          <p:cNvPr id="39" name="Flèche : virage 38">
+            <a:extLst>
+              <a:ext uri="{FF2B5EF4-FFF2-40B4-BE49-F238E27FC236}">
+                <a16:creationId xmlns:a16="http://schemas.microsoft.com/office/drawing/2014/main" id="{113C766A-B434-47BB-AA4C-030D2BFC09B3}"/>
+              </a:ext>
+            </a:extLst>
+          </p:cNvPr>
+          <p:cNvSpPr/>
+          <p:nvPr/>
+        </p:nvSpPr>
+        <p:spPr>
+          <a:xfrm>
+            <a:off x="3608392" y="4789565"/>
+            <a:ext cx="3702888" cy="678299"/>
+          </a:xfrm>
+          <a:prstGeom prst="bentArrow">
+            <a:avLst>
+              <a:gd name="adj1" fmla="val 25000"/>
+              <a:gd name="adj2" fmla="val 22504"/>
+              <a:gd name="adj3" fmla="val 25000"/>
+              <a:gd name="adj4" fmla="val 43750"/>
+            </a:avLst>
+          </a:prstGeom>
+          <a:solidFill>
+            <a:srgbClr val="00B0F0"/>
+          </a:solidFill>
+          <a:ln>
+            <a:noFill/>
+          </a:ln>
+        </p:spPr>
+        <p:style>
+          <a:lnRef idx="2">
+            <a:schemeClr val="accent1">
+              <a:shade val="50000"/>
+            </a:schemeClr>
+          </a:lnRef>
+          <a:fillRef idx="1">
+            <a:schemeClr val="accent1"/>
+          </a:fillRef>
+          <a:effectRef idx="0">
+            <a:schemeClr val="accent1"/>
+          </a:effectRef>
+          <a:fontRef idx="minor">
+            <a:schemeClr val="lt1"/>
+          </a:fontRef>
+        </p:style>
+        <p:txBody>
+          <a:bodyPr rtlCol="0" anchor="ctr"/>
+          <a:lstStyle/>
+          <a:p>
+            <a:pPr algn="ctr"/>
+            <a:endParaRPr lang="fr-FR">
+              <a:solidFill>
+                <a:schemeClr val="tx1"/>
+              </a:solidFill>
+            </a:endParaRPr>
+          </a:p>
+        </p:txBody>
+      </p:sp>
+      <p:sp>
+        <p:nvSpPr>
+          <p:cNvPr id="40" name="Rectangle 39">
+            <a:extLst>
+              <a:ext uri="{FF2B5EF4-FFF2-40B4-BE49-F238E27FC236}">
+                <a16:creationId xmlns:a16="http://schemas.microsoft.com/office/drawing/2014/main" id="{5AC6D0F7-10AB-4DC6-8D14-DB708493A509}"/>
+              </a:ext>
+            </a:extLst>
+          </p:cNvPr>
+          <p:cNvSpPr/>
+          <p:nvPr/>
+        </p:nvSpPr>
+        <p:spPr>
+          <a:xfrm>
+            <a:off x="11714226" y="511747"/>
+            <a:ext cx="372999" cy="5834506"/>
+          </a:xfrm>
+          <a:prstGeom prst="rect">
+            <a:avLst/>
+          </a:prstGeom>
+          <a:solidFill>
+            <a:schemeClr val="bg1"/>
+          </a:solidFill>
+          <a:ln>
+            <a:solidFill>
+              <a:srgbClr val="002060"/>
+            </a:solidFill>
+          </a:ln>
+        </p:spPr>
+        <p:style>
+          <a:lnRef idx="2">
+            <a:schemeClr val="accent1">
+              <a:shade val="50000"/>
+            </a:schemeClr>
+          </a:lnRef>
+          <a:fillRef idx="1">
+            <a:schemeClr val="accent1"/>
+          </a:fillRef>
+          <a:effectRef idx="0">
+            <a:schemeClr val="accent1"/>
+          </a:effectRef>
+          <a:fontRef idx="minor">
+            <a:schemeClr val="lt1"/>
+          </a:fontRef>
+        </p:style>
+        <p:txBody>
+          <a:bodyPr rtlCol="0" anchor="ctr"/>
+          <a:lstStyle/>
+          <a:p>
+            <a:pPr algn="ctr"/>
+            <a:endParaRPr lang="fr-FR"/>
+          </a:p>
+        </p:txBody>
+      </p:sp>
+      <p:sp>
+        <p:nvSpPr>
+          <p:cNvPr id="41" name="Ellipse 40">
+            <a:extLst>
+              <a:ext uri="{FF2B5EF4-FFF2-40B4-BE49-F238E27FC236}">
+                <a16:creationId xmlns:a16="http://schemas.microsoft.com/office/drawing/2014/main" id="{D72B5190-0A6A-483E-995D-DC696E4E0354}"/>
+              </a:ext>
+            </a:extLst>
+          </p:cNvPr>
+          <p:cNvSpPr/>
+          <p:nvPr/>
+        </p:nvSpPr>
+        <p:spPr>
+          <a:xfrm>
+            <a:off x="11576112" y="441326"/>
+            <a:ext cx="615868" cy="596900"/>
+          </a:xfrm>
+          <a:prstGeom prst="ellipse">
+            <a:avLst/>
+          </a:prstGeom>
+          <a:solidFill>
+            <a:srgbClr val="92D050"/>
+          </a:solidFill>
+          <a:ln>
+            <a:solidFill>
+              <a:srgbClr val="002060"/>
+            </a:solidFill>
+          </a:ln>
+        </p:spPr>
+        <p:style>
+          <a:lnRef idx="2">
+            <a:schemeClr val="accent1">
+              <a:shade val="50000"/>
+            </a:schemeClr>
+          </a:lnRef>
+          <a:fillRef idx="1">
+            <a:schemeClr val="accent1"/>
+          </a:fillRef>
+          <a:effectRef idx="0">
+            <a:schemeClr val="accent1"/>
+          </a:effectRef>
+          <a:fontRef idx="minor">
+            <a:schemeClr val="lt1"/>
+          </a:fontRef>
+        </p:style>
+        <p:txBody>
+          <a:bodyPr rtlCol="0" anchor="ctr"/>
+          <a:lstStyle/>
+          <a:p>
+            <a:pPr algn="ctr"/>
+            <a:endParaRPr lang="fr-FR"/>
+          </a:p>
+        </p:txBody>
+      </p:sp>
+      <p:sp>
+        <p:nvSpPr>
+          <p:cNvPr id="42" name="Ellipse 41">
+            <a:extLst>
+              <a:ext uri="{FF2B5EF4-FFF2-40B4-BE49-F238E27FC236}">
+                <a16:creationId xmlns:a16="http://schemas.microsoft.com/office/drawing/2014/main" id="{10E47165-205E-43F9-BA2D-92272060EF99}"/>
+              </a:ext>
+            </a:extLst>
+          </p:cNvPr>
+          <p:cNvSpPr/>
+          <p:nvPr/>
+        </p:nvSpPr>
+        <p:spPr>
+          <a:xfrm>
+            <a:off x="11592791" y="1260476"/>
+            <a:ext cx="615868" cy="596900"/>
+          </a:xfrm>
+          <a:prstGeom prst="ellipse">
+            <a:avLst/>
+          </a:prstGeom>
+          <a:solidFill>
+            <a:schemeClr val="bg1"/>
+          </a:solidFill>
+          <a:ln>
+            <a:solidFill>
+              <a:srgbClr val="002060"/>
+            </a:solidFill>
+          </a:ln>
+        </p:spPr>
+        <p:style>
+          <a:lnRef idx="2">
+            <a:schemeClr val="accent1">
+              <a:shade val="50000"/>
+            </a:schemeClr>
+          </a:lnRef>
+          <a:fillRef idx="1">
+            <a:schemeClr val="accent1"/>
+          </a:fillRef>
+          <a:effectRef idx="0">
+            <a:schemeClr val="accent1"/>
+          </a:effectRef>
+          <a:fontRef idx="minor">
+            <a:schemeClr val="lt1"/>
+          </a:fontRef>
+        </p:style>
+        <p:txBody>
+          <a:bodyPr rtlCol="0" anchor="ctr"/>
+          <a:lstStyle/>
+          <a:p>
+            <a:pPr algn="ctr"/>
+            <a:endParaRPr lang="fr-FR"/>
+          </a:p>
+        </p:txBody>
+      </p:sp>
+      <p:sp>
+        <p:nvSpPr>
+          <p:cNvPr id="43" name="Ellipse 42">
+            <a:extLst>
+              <a:ext uri="{FF2B5EF4-FFF2-40B4-BE49-F238E27FC236}">
+                <a16:creationId xmlns:a16="http://schemas.microsoft.com/office/drawing/2014/main" id="{A6A57D71-C5A5-41D0-A462-55A4BB0E1925}"/>
+              </a:ext>
+            </a:extLst>
+          </p:cNvPr>
+          <p:cNvSpPr/>
+          <p:nvPr/>
+        </p:nvSpPr>
+        <p:spPr>
+          <a:xfrm>
+            <a:off x="11599162" y="2079626"/>
+            <a:ext cx="615868" cy="596900"/>
+          </a:xfrm>
+          <a:prstGeom prst="ellipse">
+            <a:avLst/>
+          </a:prstGeom>
+          <a:solidFill>
+            <a:schemeClr val="bg1"/>
+          </a:solidFill>
+          <a:ln>
+            <a:solidFill>
+              <a:srgbClr val="002060"/>
+            </a:solidFill>
+          </a:ln>
+        </p:spPr>
+        <p:style>
+          <a:lnRef idx="2">
+            <a:schemeClr val="accent1">
+              <a:shade val="50000"/>
+            </a:schemeClr>
+          </a:lnRef>
+          <a:fillRef idx="1">
+            <a:schemeClr val="accent1"/>
+          </a:fillRef>
+          <a:effectRef idx="0">
+            <a:schemeClr val="accent1"/>
+          </a:effectRef>
+          <a:fontRef idx="minor">
+            <a:schemeClr val="lt1"/>
+          </a:fontRef>
+        </p:style>
+        <p:txBody>
+          <a:bodyPr rtlCol="0" anchor="ctr"/>
+          <a:lstStyle/>
+          <a:p>
+            <a:pPr algn="ctr"/>
+            <a:endParaRPr lang="fr-FR"/>
+          </a:p>
+        </p:txBody>
+      </p:sp>
+      <p:sp>
+        <p:nvSpPr>
+          <p:cNvPr id="44" name="Ellipse 43">
+            <a:extLst>
+              <a:ext uri="{FF2B5EF4-FFF2-40B4-BE49-F238E27FC236}">
+                <a16:creationId xmlns:a16="http://schemas.microsoft.com/office/drawing/2014/main" id="{BBDB81A6-4A4A-48FB-BE2A-C596CA50F899}"/>
+              </a:ext>
+            </a:extLst>
+          </p:cNvPr>
+          <p:cNvSpPr/>
+          <p:nvPr/>
+        </p:nvSpPr>
+        <p:spPr>
+          <a:xfrm>
+            <a:off x="11599162" y="2898776"/>
+            <a:ext cx="615868" cy="596900"/>
+          </a:xfrm>
+          <a:prstGeom prst="ellipse">
+            <a:avLst/>
+          </a:prstGeom>
+          <a:solidFill>
+            <a:schemeClr val="bg1"/>
+          </a:solidFill>
+          <a:ln>
+            <a:solidFill>
+              <a:srgbClr val="002060"/>
+            </a:solidFill>
+          </a:ln>
+        </p:spPr>
+        <p:style>
+          <a:lnRef idx="2">
+            <a:schemeClr val="accent1">
+              <a:shade val="50000"/>
+            </a:schemeClr>
+          </a:lnRef>
+          <a:fillRef idx="1">
+            <a:schemeClr val="accent1"/>
+          </a:fillRef>
+          <a:effectRef idx="0">
+            <a:schemeClr val="accent1"/>
+          </a:effectRef>
+          <a:fontRef idx="minor">
+            <a:schemeClr val="lt1"/>
+          </a:fontRef>
+        </p:style>
+        <p:txBody>
+          <a:bodyPr rtlCol="0" anchor="ctr"/>
+          <a:lstStyle/>
+          <a:p>
+            <a:pPr algn="ctr"/>
+            <a:endParaRPr lang="fr-FR"/>
+          </a:p>
+        </p:txBody>
+      </p:sp>
+      <p:sp>
+        <p:nvSpPr>
+          <p:cNvPr id="45" name="Ellipse 44">
+            <a:extLst>
+              <a:ext uri="{FF2B5EF4-FFF2-40B4-BE49-F238E27FC236}">
+                <a16:creationId xmlns:a16="http://schemas.microsoft.com/office/drawing/2014/main" id="{49DE8ED9-7516-4A06-8FD6-C968F7608EAA}"/>
+              </a:ext>
+            </a:extLst>
+          </p:cNvPr>
+          <p:cNvSpPr/>
+          <p:nvPr/>
+        </p:nvSpPr>
+        <p:spPr>
+          <a:xfrm>
+            <a:off x="11599162" y="3717926"/>
+            <a:ext cx="615868" cy="596900"/>
+          </a:xfrm>
+          <a:prstGeom prst="ellipse">
+            <a:avLst/>
+          </a:prstGeom>
+          <a:solidFill>
+            <a:schemeClr val="bg1"/>
+          </a:solidFill>
+          <a:ln>
+            <a:solidFill>
+              <a:srgbClr val="002060"/>
+            </a:solidFill>
+          </a:ln>
+        </p:spPr>
+        <p:style>
+          <a:lnRef idx="2">
+            <a:schemeClr val="accent1">
+              <a:shade val="50000"/>
+            </a:schemeClr>
+          </a:lnRef>
+          <a:fillRef idx="1">
+            <a:schemeClr val="accent1"/>
+          </a:fillRef>
+          <a:effectRef idx="0">
+            <a:schemeClr val="accent1"/>
+          </a:effectRef>
+          <a:fontRef idx="minor">
+            <a:schemeClr val="lt1"/>
+          </a:fontRef>
+        </p:style>
+        <p:txBody>
+          <a:bodyPr rtlCol="0" anchor="ctr"/>
+          <a:lstStyle/>
+          <a:p>
+            <a:pPr algn="ctr"/>
+            <a:endParaRPr lang="fr-FR"/>
+          </a:p>
+        </p:txBody>
+      </p:sp>
+      <p:sp>
+        <p:nvSpPr>
+          <p:cNvPr id="46" name="Ellipse 45">
+            <a:extLst>
+              <a:ext uri="{FF2B5EF4-FFF2-40B4-BE49-F238E27FC236}">
+                <a16:creationId xmlns:a16="http://schemas.microsoft.com/office/drawing/2014/main" id="{5499172C-CE8D-41A3-A2B9-D255A8B7ED7A}"/>
+              </a:ext>
+            </a:extLst>
+          </p:cNvPr>
+          <p:cNvSpPr/>
+          <p:nvPr/>
+        </p:nvSpPr>
+        <p:spPr>
+          <a:xfrm>
+            <a:off x="11601224" y="4537076"/>
+            <a:ext cx="615868" cy="596900"/>
+          </a:xfrm>
+          <a:prstGeom prst="ellipse">
+            <a:avLst/>
+          </a:prstGeom>
+          <a:solidFill>
+            <a:schemeClr val="bg1"/>
+          </a:solidFill>
+          <a:ln>
+            <a:solidFill>
+              <a:srgbClr val="002060"/>
+            </a:solidFill>
+          </a:ln>
+        </p:spPr>
+        <p:style>
+          <a:lnRef idx="2">
+            <a:schemeClr val="accent1">
+              <a:shade val="50000"/>
+            </a:schemeClr>
+          </a:lnRef>
+          <a:fillRef idx="1">
+            <a:schemeClr val="accent1"/>
+          </a:fillRef>
+          <a:effectRef idx="0">
+            <a:schemeClr val="accent1"/>
+          </a:effectRef>
+          <a:fontRef idx="minor">
+            <a:schemeClr val="lt1"/>
+          </a:fontRef>
+        </p:style>
+        <p:txBody>
+          <a:bodyPr rtlCol="0" anchor="ctr"/>
+          <a:lstStyle/>
+          <a:p>
+            <a:pPr algn="ctr"/>
+            <a:endParaRPr lang="fr-FR"/>
+          </a:p>
+        </p:txBody>
+      </p:sp>
+      <p:sp>
+        <p:nvSpPr>
+          <p:cNvPr id="47" name="Ellipse 46">
+            <a:extLst>
+              <a:ext uri="{FF2B5EF4-FFF2-40B4-BE49-F238E27FC236}">
+                <a16:creationId xmlns:a16="http://schemas.microsoft.com/office/drawing/2014/main" id="{8DFFD330-351C-4C4B-9BDA-9397DADE4445}"/>
+              </a:ext>
+            </a:extLst>
+          </p:cNvPr>
+          <p:cNvSpPr/>
+          <p:nvPr/>
+        </p:nvSpPr>
+        <p:spPr>
+          <a:xfrm>
+            <a:off x="11576112" y="5356226"/>
+            <a:ext cx="615868" cy="596900"/>
+          </a:xfrm>
+          <a:prstGeom prst="ellipse">
+            <a:avLst/>
+          </a:prstGeom>
+          <a:solidFill>
+            <a:schemeClr val="bg1"/>
+          </a:solidFill>
+          <a:ln>
+            <a:solidFill>
+              <a:srgbClr val="002060"/>
+            </a:solidFill>
+          </a:ln>
+        </p:spPr>
+        <p:style>
+          <a:lnRef idx="2">
+            <a:schemeClr val="accent1">
+              <a:shade val="50000"/>
+            </a:schemeClr>
+          </a:lnRef>
+          <a:fillRef idx="1">
+            <a:schemeClr val="accent1"/>
+          </a:fillRef>
+          <a:effectRef idx="0">
+            <a:schemeClr val="accent1"/>
+          </a:effectRef>
+          <a:fontRef idx="minor">
+            <a:schemeClr val="lt1"/>
+          </a:fontRef>
+        </p:style>
+        <p:txBody>
+          <a:bodyPr rtlCol="0" anchor="ctr"/>
+          <a:lstStyle/>
+          <a:p>
+            <a:pPr algn="ctr"/>
+            <a:endParaRPr lang="fr-FR"/>
+          </a:p>
+        </p:txBody>
+      </p:sp>
+      <p:sp>
+        <p:nvSpPr>
+          <p:cNvPr id="48" name="Ellipse 47">
+            <a:extLst>
+              <a:ext uri="{FF2B5EF4-FFF2-40B4-BE49-F238E27FC236}">
+                <a16:creationId xmlns:a16="http://schemas.microsoft.com/office/drawing/2014/main" id="{D6FE919B-0A6D-42FF-9A76-18D49EE4D2CA}"/>
+              </a:ext>
+            </a:extLst>
+          </p:cNvPr>
+          <p:cNvSpPr/>
+          <p:nvPr/>
+        </p:nvSpPr>
+        <p:spPr>
+          <a:xfrm>
+            <a:off x="11599162" y="6175376"/>
+            <a:ext cx="615868" cy="596900"/>
+          </a:xfrm>
+          <a:prstGeom prst="ellipse">
+            <a:avLst/>
+          </a:prstGeom>
+          <a:solidFill>
+            <a:schemeClr val="bg1"/>
+          </a:solidFill>
+          <a:ln>
+            <a:solidFill>
+              <a:srgbClr val="002060"/>
+            </a:solidFill>
+          </a:ln>
+        </p:spPr>
+        <p:style>
+          <a:lnRef idx="2">
+            <a:schemeClr val="accent1">
+              <a:shade val="50000"/>
+            </a:schemeClr>
+          </a:lnRef>
+          <a:fillRef idx="1">
+            <a:schemeClr val="accent1"/>
+          </a:fillRef>
+          <a:effectRef idx="0">
+            <a:schemeClr val="accent1"/>
+          </a:effectRef>
+          <a:fontRef idx="minor">
+            <a:schemeClr val="lt1"/>
+          </a:fontRef>
+        </p:style>
+        <p:txBody>
+          <a:bodyPr rtlCol="0" anchor="ctr"/>
+          <a:lstStyle/>
+          <a:p>
+            <a:pPr algn="ctr"/>
+            <a:endParaRPr lang="fr-FR"/>
+          </a:p>
+        </p:txBody>
+      </p:sp>
+      <p:sp>
+        <p:nvSpPr>
+          <p:cNvPr id="49" name="ZoneTexte 48">
+            <a:extLst>
+              <a:ext uri="{FF2B5EF4-FFF2-40B4-BE49-F238E27FC236}">
+                <a16:creationId xmlns:a16="http://schemas.microsoft.com/office/drawing/2014/main" id="{484BD510-8F23-4A61-9574-ABF052D3229F}"/>
+              </a:ext>
+            </a:extLst>
+          </p:cNvPr>
+          <p:cNvSpPr txBox="1"/>
+          <p:nvPr/>
+        </p:nvSpPr>
+        <p:spPr>
+          <a:xfrm>
+            <a:off x="10053015" y="555110"/>
+            <a:ext cx="1375569" cy="369332"/>
+          </a:xfrm>
+          <a:prstGeom prst="rect">
+            <a:avLst/>
+          </a:prstGeom>
+          <a:noFill/>
+        </p:spPr>
+        <p:txBody>
+          <a:bodyPr wrap="none" rtlCol="0">
+            <a:spAutoFit/>
+          </a:bodyPr>
+          <a:lstStyle/>
+          <a:p>
+            <a:r>
+              <a:rPr lang="fr-FR" b="1" dirty="0"/>
+              <a:t>Introduction</a:t>
+            </a:r>
+          </a:p>
+        </p:txBody>
+      </p:sp>
+      <p:sp>
+        <p:nvSpPr>
+          <p:cNvPr id="50" name="ZoneTexte 49">
+            <a:extLst>
+              <a:ext uri="{FF2B5EF4-FFF2-40B4-BE49-F238E27FC236}">
+                <a16:creationId xmlns:a16="http://schemas.microsoft.com/office/drawing/2014/main" id="{D885B29F-14F9-44E2-B07A-3B1244F920C5}"/>
+              </a:ext>
+            </a:extLst>
+          </p:cNvPr>
+          <p:cNvSpPr txBox="1"/>
+          <p:nvPr/>
+        </p:nvSpPr>
+        <p:spPr>
+          <a:xfrm>
+            <a:off x="10053015" y="1379493"/>
+            <a:ext cx="1359731" cy="369332"/>
+          </a:xfrm>
+          <a:prstGeom prst="rect">
+            <a:avLst/>
+          </a:prstGeom>
+          <a:noFill/>
+        </p:spPr>
+        <p:txBody>
+          <a:bodyPr wrap="none" rtlCol="0">
+            <a:spAutoFit/>
+          </a:bodyPr>
+          <a:lstStyle/>
+          <a:p>
+            <a:r>
+              <a:rPr lang="fr-FR" strike="sngStrike" dirty="0"/>
+              <a:t>Diagrammes</a:t>
+            </a:r>
+          </a:p>
+        </p:txBody>
+      </p:sp>
+      <p:sp>
+        <p:nvSpPr>
+          <p:cNvPr id="51" name="ZoneTexte 50">
+            <a:extLst>
+              <a:ext uri="{FF2B5EF4-FFF2-40B4-BE49-F238E27FC236}">
+                <a16:creationId xmlns:a16="http://schemas.microsoft.com/office/drawing/2014/main" id="{B408126F-D792-4CE3-A2F3-C76041A680C1}"/>
+              </a:ext>
+            </a:extLst>
+          </p:cNvPr>
+          <p:cNvSpPr txBox="1"/>
+          <p:nvPr/>
+        </p:nvSpPr>
+        <p:spPr>
+          <a:xfrm>
+            <a:off x="10053015" y="2189074"/>
+            <a:ext cx="1249445" cy="369332"/>
+          </a:xfrm>
+          <a:prstGeom prst="rect">
+            <a:avLst/>
+          </a:prstGeom>
+          <a:noFill/>
+        </p:spPr>
+        <p:txBody>
+          <a:bodyPr wrap="none" rtlCol="0">
+            <a:spAutoFit/>
+          </a:bodyPr>
+          <a:lstStyle/>
+          <a:p>
+            <a:r>
+              <a:rPr lang="fr-FR" strike="sngStrike" dirty="0"/>
+              <a:t>Mes tâches</a:t>
+            </a:r>
+          </a:p>
+        </p:txBody>
+      </p:sp>
+      <p:sp>
+        <p:nvSpPr>
+          <p:cNvPr id="52" name="ZoneTexte 51">
+            <a:extLst>
+              <a:ext uri="{FF2B5EF4-FFF2-40B4-BE49-F238E27FC236}">
+                <a16:creationId xmlns:a16="http://schemas.microsoft.com/office/drawing/2014/main" id="{D785D04B-AC8D-41CB-A284-BE4C8612C0D1}"/>
+              </a:ext>
+            </a:extLst>
+          </p:cNvPr>
+          <p:cNvSpPr txBox="1"/>
+          <p:nvPr/>
+        </p:nvSpPr>
+        <p:spPr>
+          <a:xfrm>
+            <a:off x="10053015" y="3012560"/>
+            <a:ext cx="1638269" cy="369332"/>
+          </a:xfrm>
+          <a:prstGeom prst="rect">
+            <a:avLst/>
+          </a:prstGeom>
+          <a:noFill/>
+        </p:spPr>
+        <p:txBody>
+          <a:bodyPr wrap="none" rtlCol="0">
+            <a:spAutoFit/>
+          </a:bodyPr>
+          <a:lstStyle/>
+          <a:p>
+            <a:r>
+              <a:rPr lang="fr-FR" strike="sngStrike" dirty="0"/>
+              <a:t>Mécanisme n°1</a:t>
+            </a:r>
+          </a:p>
+        </p:txBody>
+      </p:sp>
+      <p:sp>
+        <p:nvSpPr>
+          <p:cNvPr id="53" name="ZoneTexte 52">
+            <a:extLst>
+              <a:ext uri="{FF2B5EF4-FFF2-40B4-BE49-F238E27FC236}">
+                <a16:creationId xmlns:a16="http://schemas.microsoft.com/office/drawing/2014/main" id="{912B6471-74E3-4F00-93A7-95C06ED1847F}"/>
+              </a:ext>
+            </a:extLst>
+          </p:cNvPr>
+          <p:cNvSpPr txBox="1"/>
+          <p:nvPr/>
+        </p:nvSpPr>
+        <p:spPr>
+          <a:xfrm>
+            <a:off x="10053015" y="3826522"/>
+            <a:ext cx="1638269" cy="369332"/>
+          </a:xfrm>
+          <a:prstGeom prst="rect">
+            <a:avLst/>
+          </a:prstGeom>
+          <a:noFill/>
+        </p:spPr>
+        <p:txBody>
+          <a:bodyPr wrap="none" rtlCol="0">
+            <a:spAutoFit/>
+          </a:bodyPr>
+          <a:lstStyle/>
+          <a:p>
+            <a:r>
+              <a:rPr lang="fr-FR" strike="sngStrike" dirty="0"/>
+              <a:t>Mécanisme n°2</a:t>
+            </a:r>
+          </a:p>
+        </p:txBody>
+      </p:sp>
+      <p:sp>
+        <p:nvSpPr>
+          <p:cNvPr id="54" name="ZoneTexte 53">
+            <a:extLst>
+              <a:ext uri="{FF2B5EF4-FFF2-40B4-BE49-F238E27FC236}">
+                <a16:creationId xmlns:a16="http://schemas.microsoft.com/office/drawing/2014/main" id="{780B7A64-E04A-4D6C-854C-201B454770F1}"/>
+              </a:ext>
+            </a:extLst>
+          </p:cNvPr>
+          <p:cNvSpPr txBox="1"/>
+          <p:nvPr/>
+        </p:nvSpPr>
+        <p:spPr>
+          <a:xfrm>
+            <a:off x="10050865" y="4640484"/>
+            <a:ext cx="1638269" cy="369332"/>
+          </a:xfrm>
+          <a:prstGeom prst="rect">
+            <a:avLst/>
+          </a:prstGeom>
+          <a:noFill/>
+        </p:spPr>
+        <p:txBody>
+          <a:bodyPr wrap="none" rtlCol="0">
+            <a:spAutoFit/>
+          </a:bodyPr>
+          <a:lstStyle/>
+          <a:p>
+            <a:r>
+              <a:rPr lang="fr-FR" strike="sngStrike" dirty="0"/>
+              <a:t>Mécanisme n°3</a:t>
+            </a:r>
+          </a:p>
+        </p:txBody>
+      </p:sp>
+      <p:sp>
+        <p:nvSpPr>
+          <p:cNvPr id="55" name="ZoneTexte 54">
+            <a:extLst>
+              <a:ext uri="{FF2B5EF4-FFF2-40B4-BE49-F238E27FC236}">
+                <a16:creationId xmlns:a16="http://schemas.microsoft.com/office/drawing/2014/main" id="{2E94B4DE-3EB2-415A-8606-1DA046E2C202}"/>
+              </a:ext>
+            </a:extLst>
+          </p:cNvPr>
+          <p:cNvSpPr txBox="1"/>
+          <p:nvPr/>
+        </p:nvSpPr>
+        <p:spPr>
+          <a:xfrm>
+            <a:off x="10050865" y="5470010"/>
+            <a:ext cx="1162498" cy="369332"/>
+          </a:xfrm>
+          <a:prstGeom prst="rect">
+            <a:avLst/>
+          </a:prstGeom>
+          <a:noFill/>
+        </p:spPr>
+        <p:txBody>
+          <a:bodyPr wrap="none" rtlCol="0">
+            <a:spAutoFit/>
+          </a:bodyPr>
+          <a:lstStyle/>
+          <a:p>
+            <a:r>
+              <a:rPr lang="fr-FR" strike="sngStrike" dirty="0"/>
+              <a:t>Appli WEB</a:t>
+            </a:r>
+          </a:p>
+        </p:txBody>
+      </p:sp>
+      <p:sp>
+        <p:nvSpPr>
+          <p:cNvPr id="56" name="ZoneTexte 55">
+            <a:extLst>
+              <a:ext uri="{FF2B5EF4-FFF2-40B4-BE49-F238E27FC236}">
+                <a16:creationId xmlns:a16="http://schemas.microsoft.com/office/drawing/2014/main" id="{B070590C-6DD6-42D8-B5D9-37C90FF49EA8}"/>
+              </a:ext>
+            </a:extLst>
+          </p:cNvPr>
+          <p:cNvSpPr txBox="1"/>
+          <p:nvPr/>
+        </p:nvSpPr>
+        <p:spPr>
+          <a:xfrm>
+            <a:off x="10050865" y="6299536"/>
+            <a:ext cx="1417439" cy="369332"/>
+          </a:xfrm>
+          <a:prstGeom prst="rect">
+            <a:avLst/>
+          </a:prstGeom>
+          <a:noFill/>
+        </p:spPr>
+        <p:txBody>
+          <a:bodyPr wrap="none" rtlCol="0">
+            <a:spAutoFit/>
+          </a:bodyPr>
+          <a:lstStyle/>
+          <a:p>
+            <a:r>
+              <a:rPr lang="fr-FR" strike="sngStrike" dirty="0"/>
+              <a:t>Partie réseau</a:t>
+            </a:r>
           </a:p>
         </p:txBody>
       </p:sp>
@@ -5504,6 +6867,18 @@
   <p:clrMapOvr>
     <a:masterClrMapping/>
   </p:clrMapOvr>
+  <mc:AlternateContent xmlns:mc="http://schemas.openxmlformats.org/markup-compatibility/2006">
+    <mc:Choice xmlns:p14="http://schemas.microsoft.com/office/powerpoint/2010/main" Requires="p14">
+      <p:transition spd="med" p14:dur="700">
+        <p:fade/>
+      </p:transition>
+    </mc:Choice>
+    <mc:Fallback>
+      <p:transition spd="med">
+        <p:fade/>
+      </p:transition>
+    </mc:Fallback>
+  </mc:AlternateContent>
   <p:timing>
     <p:tnLst>
       <p:par>
@@ -5647,96 +7022,6 @@
                       </p:childTnLst>
                     </p:cTn>
                   </p:par>
-                  <p:par>
-                    <p:cTn id="15" fill="hold">
-                      <p:stCondLst>
-                        <p:cond delay="indefinite"/>
-                      </p:stCondLst>
-                      <p:childTnLst>
-                        <p:par>
-                          <p:cTn id="16" fill="hold">
-                            <p:stCondLst>
-                              <p:cond delay="0"/>
-                            </p:stCondLst>
-                            <p:childTnLst>
-                              <p:par>
-                                <p:cTn id="17" presetID="1" presetClass="entr" presetSubtype="0" fill="hold" nodeType="clickEffect">
-                                  <p:stCondLst>
-                                    <p:cond delay="0"/>
-                                  </p:stCondLst>
-                                  <p:childTnLst>
-                                    <p:set>
-                                      <p:cBhvr>
-                                        <p:cTn id="18" dur="1" fill="hold">
-                                          <p:stCondLst>
-                                            <p:cond delay="0"/>
-                                          </p:stCondLst>
-                                        </p:cTn>
-                                        <p:tgtEl>
-                                          <p:spTgt spid="29"/>
-                                        </p:tgtEl>
-                                        <p:attrNameLst>
-                                          <p:attrName>style.visibility</p:attrName>
-                                        </p:attrNameLst>
-                                      </p:cBhvr>
-                                      <p:to>
-                                        <p:strVal val="visible"/>
-                                      </p:to>
-                                    </p:set>
-                                  </p:childTnLst>
-                                </p:cTn>
-                              </p:par>
-                            </p:childTnLst>
-                          </p:cTn>
-                        </p:par>
-                      </p:childTnLst>
-                    </p:cTn>
-                  </p:par>
-                  <p:par>
-                    <p:cTn id="19" fill="hold">
-                      <p:stCondLst>
-                        <p:cond delay="indefinite"/>
-                      </p:stCondLst>
-                      <p:childTnLst>
-                        <p:par>
-                          <p:cTn id="20" fill="hold">
-                            <p:stCondLst>
-                              <p:cond delay="0"/>
-                            </p:stCondLst>
-                            <p:childTnLst>
-                              <p:par>
-                                <p:cTn id="21" presetID="1" presetClass="entr" presetSubtype="0" fill="hold" grpId="0" nodeType="clickEffect">
-                                  <p:stCondLst>
-                                    <p:cond delay="0"/>
-                                  </p:stCondLst>
-                                  <p:childTnLst>
-                                    <p:set>
-                                      <p:cBhvr>
-                                        <p:cTn id="22" dur="1" fill="hold">
-                                          <p:stCondLst>
-                                            <p:cond delay="0"/>
-                                          </p:stCondLst>
-                                        </p:cTn>
-                                        <p:tgtEl>
-                                          <p:spTgt spid="31"/>
-                                        </p:tgtEl>
-                                        <p:attrNameLst>
-                                          <p:attrName>style.visibility</p:attrName>
-                                        </p:attrNameLst>
-                                      </p:cBhvr>
-                                      <p:to>
-                                        <p:strVal val="visible"/>
-                                      </p:to>
-                                    </p:set>
-                                  </p:childTnLst>
-                                </p:cTn>
-                              </p:par>
-                            </p:childTnLst>
-                          </p:cTn>
-                        </p:par>
-                      </p:childTnLst>
-                    </p:cTn>
-                  </p:par>
                 </p:childTnLst>
               </p:cTn>
               <p:prevCondLst>
@@ -5762,7 +7047,6 @@
       <p:bldP spid="5" grpId="0" animBg="1"/>
       <p:bldP spid="7" grpId="0" animBg="1"/>
       <p:bldP spid="8" grpId="0" animBg="1"/>
-      <p:bldP spid="31" grpId="0" animBg="1"/>
     </p:bldLst>
   </p:timing>
 </p:sld>
@@ -5886,13 +7170,793 @@
             <a:pPr algn="ctr"/>
             <a:r>
               <a:rPr lang="fr-FR" b="1" dirty="0">
+                <a:effectLst>
+                  <a:outerShdw blurRad="38100" dist="38100" dir="2700000" algn="tl">
+                    <a:srgbClr val="000000">
+                      <a:alpha val="43137"/>
+                    </a:srgbClr>
+                  </a:outerShdw>
+                </a:effectLst>
                 <a:latin typeface="+mn-lt"/>
               </a:rPr>
               <a:t>Diagramme de cas d’utilisation</a:t>
             </a:r>
             <a:endParaRPr lang="fr-FR" sz="3600" b="1" dirty="0">
+              <a:effectLst>
+                <a:outerShdw blurRad="38100" dist="38100" dir="2700000" algn="tl">
+                  <a:srgbClr val="000000">
+                    <a:alpha val="43137"/>
+                  </a:srgbClr>
+                </a:outerShdw>
+              </a:effectLst>
               <a:latin typeface="+mn-lt"/>
             </a:endParaRPr>
+          </a:p>
+        </p:txBody>
+      </p:sp>
+      <p:sp>
+        <p:nvSpPr>
+          <p:cNvPr id="5" name="Rectangle 4">
+            <a:extLst>
+              <a:ext uri="{FF2B5EF4-FFF2-40B4-BE49-F238E27FC236}">
+                <a16:creationId xmlns:a16="http://schemas.microsoft.com/office/drawing/2014/main" id="{2597B06F-7E5D-4D2D-9C94-E2D5256CE95C}"/>
+              </a:ext>
+            </a:extLst>
+          </p:cNvPr>
+          <p:cNvSpPr/>
+          <p:nvPr/>
+        </p:nvSpPr>
+        <p:spPr>
+          <a:xfrm>
+            <a:off x="11714226" y="511747"/>
+            <a:ext cx="372999" cy="5834506"/>
+          </a:xfrm>
+          <a:prstGeom prst="rect">
+            <a:avLst/>
+          </a:prstGeom>
+          <a:solidFill>
+            <a:schemeClr val="bg1"/>
+          </a:solidFill>
+          <a:ln>
+            <a:solidFill>
+              <a:srgbClr val="002060"/>
+            </a:solidFill>
+          </a:ln>
+        </p:spPr>
+        <p:style>
+          <a:lnRef idx="2">
+            <a:schemeClr val="accent1">
+              <a:shade val="50000"/>
+            </a:schemeClr>
+          </a:lnRef>
+          <a:fillRef idx="1">
+            <a:schemeClr val="accent1"/>
+          </a:fillRef>
+          <a:effectRef idx="0">
+            <a:schemeClr val="accent1"/>
+          </a:effectRef>
+          <a:fontRef idx="minor">
+            <a:schemeClr val="lt1"/>
+          </a:fontRef>
+        </p:style>
+        <p:txBody>
+          <a:bodyPr rtlCol="0" anchor="ctr"/>
+          <a:lstStyle/>
+          <a:p>
+            <a:pPr algn="ctr"/>
+            <a:endParaRPr lang="fr-FR"/>
+          </a:p>
+        </p:txBody>
+      </p:sp>
+      <p:sp>
+        <p:nvSpPr>
+          <p:cNvPr id="6" name="Ellipse 5">
+            <a:extLst>
+              <a:ext uri="{FF2B5EF4-FFF2-40B4-BE49-F238E27FC236}">
+                <a16:creationId xmlns:a16="http://schemas.microsoft.com/office/drawing/2014/main" id="{F437B3D3-D933-4AEA-8679-8841761E7A76}"/>
+              </a:ext>
+            </a:extLst>
+          </p:cNvPr>
+          <p:cNvSpPr/>
+          <p:nvPr/>
+        </p:nvSpPr>
+        <p:spPr>
+          <a:xfrm>
+            <a:off x="11576112" y="441326"/>
+            <a:ext cx="615868" cy="596900"/>
+          </a:xfrm>
+          <a:prstGeom prst="ellipse">
+            <a:avLst/>
+          </a:prstGeom>
+          <a:solidFill>
+            <a:srgbClr val="92D050"/>
+          </a:solidFill>
+          <a:ln>
+            <a:solidFill>
+              <a:srgbClr val="002060"/>
+            </a:solidFill>
+          </a:ln>
+        </p:spPr>
+        <p:style>
+          <a:lnRef idx="2">
+            <a:schemeClr val="accent1">
+              <a:shade val="50000"/>
+            </a:schemeClr>
+          </a:lnRef>
+          <a:fillRef idx="1">
+            <a:schemeClr val="accent1"/>
+          </a:fillRef>
+          <a:effectRef idx="0">
+            <a:schemeClr val="accent1"/>
+          </a:effectRef>
+          <a:fontRef idx="minor">
+            <a:schemeClr val="lt1"/>
+          </a:fontRef>
+        </p:style>
+        <p:txBody>
+          <a:bodyPr rtlCol="0" anchor="ctr"/>
+          <a:lstStyle/>
+          <a:p>
+            <a:pPr algn="ctr"/>
+            <a:endParaRPr lang="fr-FR"/>
+          </a:p>
+        </p:txBody>
+      </p:sp>
+      <p:sp>
+        <p:nvSpPr>
+          <p:cNvPr id="7" name="Ellipse 6">
+            <a:extLst>
+              <a:ext uri="{FF2B5EF4-FFF2-40B4-BE49-F238E27FC236}">
+                <a16:creationId xmlns:a16="http://schemas.microsoft.com/office/drawing/2014/main" id="{A6E5A0A6-018A-4ABF-8DA1-06157BA06ED5}"/>
+              </a:ext>
+            </a:extLst>
+          </p:cNvPr>
+          <p:cNvSpPr/>
+          <p:nvPr/>
+        </p:nvSpPr>
+        <p:spPr>
+          <a:xfrm>
+            <a:off x="11592791" y="1260476"/>
+            <a:ext cx="615868" cy="596900"/>
+          </a:xfrm>
+          <a:prstGeom prst="ellipse">
+            <a:avLst/>
+          </a:prstGeom>
+          <a:solidFill>
+            <a:srgbClr val="92D050"/>
+          </a:solidFill>
+          <a:ln>
+            <a:solidFill>
+              <a:srgbClr val="002060"/>
+            </a:solidFill>
+          </a:ln>
+        </p:spPr>
+        <p:style>
+          <a:lnRef idx="2">
+            <a:schemeClr val="accent1">
+              <a:shade val="50000"/>
+            </a:schemeClr>
+          </a:lnRef>
+          <a:fillRef idx="1">
+            <a:schemeClr val="accent1"/>
+          </a:fillRef>
+          <a:effectRef idx="0">
+            <a:schemeClr val="accent1"/>
+          </a:effectRef>
+          <a:fontRef idx="minor">
+            <a:schemeClr val="lt1"/>
+          </a:fontRef>
+        </p:style>
+        <p:txBody>
+          <a:bodyPr rtlCol="0" anchor="ctr"/>
+          <a:lstStyle/>
+          <a:p>
+            <a:pPr algn="ctr"/>
+            <a:endParaRPr lang="fr-FR"/>
+          </a:p>
+        </p:txBody>
+      </p:sp>
+      <p:sp>
+        <p:nvSpPr>
+          <p:cNvPr id="8" name="Ellipse 7">
+            <a:extLst>
+              <a:ext uri="{FF2B5EF4-FFF2-40B4-BE49-F238E27FC236}">
+                <a16:creationId xmlns:a16="http://schemas.microsoft.com/office/drawing/2014/main" id="{5B83DD57-2A48-4E0E-A30D-A70B1D2898F9}"/>
+              </a:ext>
+            </a:extLst>
+          </p:cNvPr>
+          <p:cNvSpPr/>
+          <p:nvPr/>
+        </p:nvSpPr>
+        <p:spPr>
+          <a:xfrm>
+            <a:off x="11599162" y="2079626"/>
+            <a:ext cx="615868" cy="596900"/>
+          </a:xfrm>
+          <a:prstGeom prst="ellipse">
+            <a:avLst/>
+          </a:prstGeom>
+          <a:solidFill>
+            <a:schemeClr val="bg1"/>
+          </a:solidFill>
+          <a:ln>
+            <a:solidFill>
+              <a:srgbClr val="002060"/>
+            </a:solidFill>
+          </a:ln>
+        </p:spPr>
+        <p:style>
+          <a:lnRef idx="2">
+            <a:schemeClr val="accent1">
+              <a:shade val="50000"/>
+            </a:schemeClr>
+          </a:lnRef>
+          <a:fillRef idx="1">
+            <a:schemeClr val="accent1"/>
+          </a:fillRef>
+          <a:effectRef idx="0">
+            <a:schemeClr val="accent1"/>
+          </a:effectRef>
+          <a:fontRef idx="minor">
+            <a:schemeClr val="lt1"/>
+          </a:fontRef>
+        </p:style>
+        <p:txBody>
+          <a:bodyPr rtlCol="0" anchor="ctr"/>
+          <a:lstStyle/>
+          <a:p>
+            <a:pPr algn="ctr"/>
+            <a:endParaRPr lang="fr-FR"/>
+          </a:p>
+        </p:txBody>
+      </p:sp>
+      <p:sp>
+        <p:nvSpPr>
+          <p:cNvPr id="9" name="Ellipse 8">
+            <a:extLst>
+              <a:ext uri="{FF2B5EF4-FFF2-40B4-BE49-F238E27FC236}">
+                <a16:creationId xmlns:a16="http://schemas.microsoft.com/office/drawing/2014/main" id="{31C323D0-A0C8-4095-B9DF-9456800AB8CE}"/>
+              </a:ext>
+            </a:extLst>
+          </p:cNvPr>
+          <p:cNvSpPr/>
+          <p:nvPr/>
+        </p:nvSpPr>
+        <p:spPr>
+          <a:xfrm>
+            <a:off x="11599162" y="2898776"/>
+            <a:ext cx="615868" cy="596900"/>
+          </a:xfrm>
+          <a:prstGeom prst="ellipse">
+            <a:avLst/>
+          </a:prstGeom>
+          <a:solidFill>
+            <a:schemeClr val="bg1"/>
+          </a:solidFill>
+          <a:ln>
+            <a:solidFill>
+              <a:srgbClr val="002060"/>
+            </a:solidFill>
+          </a:ln>
+        </p:spPr>
+        <p:style>
+          <a:lnRef idx="2">
+            <a:schemeClr val="accent1">
+              <a:shade val="50000"/>
+            </a:schemeClr>
+          </a:lnRef>
+          <a:fillRef idx="1">
+            <a:schemeClr val="accent1"/>
+          </a:fillRef>
+          <a:effectRef idx="0">
+            <a:schemeClr val="accent1"/>
+          </a:effectRef>
+          <a:fontRef idx="minor">
+            <a:schemeClr val="lt1"/>
+          </a:fontRef>
+        </p:style>
+        <p:txBody>
+          <a:bodyPr rtlCol="0" anchor="ctr"/>
+          <a:lstStyle/>
+          <a:p>
+            <a:pPr algn="ctr"/>
+            <a:endParaRPr lang="fr-FR"/>
+          </a:p>
+        </p:txBody>
+      </p:sp>
+      <p:sp>
+        <p:nvSpPr>
+          <p:cNvPr id="10" name="Ellipse 9">
+            <a:extLst>
+              <a:ext uri="{FF2B5EF4-FFF2-40B4-BE49-F238E27FC236}">
+                <a16:creationId xmlns:a16="http://schemas.microsoft.com/office/drawing/2014/main" id="{E2148BEE-B762-4A71-B57D-0D6FC66FE947}"/>
+              </a:ext>
+            </a:extLst>
+          </p:cNvPr>
+          <p:cNvSpPr/>
+          <p:nvPr/>
+        </p:nvSpPr>
+        <p:spPr>
+          <a:xfrm>
+            <a:off x="11599162" y="3717926"/>
+            <a:ext cx="615868" cy="596900"/>
+          </a:xfrm>
+          <a:prstGeom prst="ellipse">
+            <a:avLst/>
+          </a:prstGeom>
+          <a:solidFill>
+            <a:schemeClr val="bg1"/>
+          </a:solidFill>
+          <a:ln>
+            <a:solidFill>
+              <a:srgbClr val="002060"/>
+            </a:solidFill>
+          </a:ln>
+        </p:spPr>
+        <p:style>
+          <a:lnRef idx="2">
+            <a:schemeClr val="accent1">
+              <a:shade val="50000"/>
+            </a:schemeClr>
+          </a:lnRef>
+          <a:fillRef idx="1">
+            <a:schemeClr val="accent1"/>
+          </a:fillRef>
+          <a:effectRef idx="0">
+            <a:schemeClr val="accent1"/>
+          </a:effectRef>
+          <a:fontRef idx="minor">
+            <a:schemeClr val="lt1"/>
+          </a:fontRef>
+        </p:style>
+        <p:txBody>
+          <a:bodyPr rtlCol="0" anchor="ctr"/>
+          <a:lstStyle/>
+          <a:p>
+            <a:pPr algn="ctr"/>
+            <a:endParaRPr lang="fr-FR"/>
+          </a:p>
+        </p:txBody>
+      </p:sp>
+      <p:sp>
+        <p:nvSpPr>
+          <p:cNvPr id="11" name="Ellipse 10">
+            <a:extLst>
+              <a:ext uri="{FF2B5EF4-FFF2-40B4-BE49-F238E27FC236}">
+                <a16:creationId xmlns:a16="http://schemas.microsoft.com/office/drawing/2014/main" id="{C6C94B81-D758-4845-B6F3-92522487F3A5}"/>
+              </a:ext>
+            </a:extLst>
+          </p:cNvPr>
+          <p:cNvSpPr/>
+          <p:nvPr/>
+        </p:nvSpPr>
+        <p:spPr>
+          <a:xfrm>
+            <a:off x="11601224" y="4537076"/>
+            <a:ext cx="615868" cy="596900"/>
+          </a:xfrm>
+          <a:prstGeom prst="ellipse">
+            <a:avLst/>
+          </a:prstGeom>
+          <a:solidFill>
+            <a:schemeClr val="bg1"/>
+          </a:solidFill>
+          <a:ln>
+            <a:solidFill>
+              <a:srgbClr val="002060"/>
+            </a:solidFill>
+          </a:ln>
+        </p:spPr>
+        <p:style>
+          <a:lnRef idx="2">
+            <a:schemeClr val="accent1">
+              <a:shade val="50000"/>
+            </a:schemeClr>
+          </a:lnRef>
+          <a:fillRef idx="1">
+            <a:schemeClr val="accent1"/>
+          </a:fillRef>
+          <a:effectRef idx="0">
+            <a:schemeClr val="accent1"/>
+          </a:effectRef>
+          <a:fontRef idx="minor">
+            <a:schemeClr val="lt1"/>
+          </a:fontRef>
+        </p:style>
+        <p:txBody>
+          <a:bodyPr rtlCol="0" anchor="ctr"/>
+          <a:lstStyle/>
+          <a:p>
+            <a:pPr algn="ctr"/>
+            <a:endParaRPr lang="fr-FR"/>
+          </a:p>
+        </p:txBody>
+      </p:sp>
+      <p:sp>
+        <p:nvSpPr>
+          <p:cNvPr id="12" name="Ellipse 11">
+            <a:extLst>
+              <a:ext uri="{FF2B5EF4-FFF2-40B4-BE49-F238E27FC236}">
+                <a16:creationId xmlns:a16="http://schemas.microsoft.com/office/drawing/2014/main" id="{1C51FF82-C43C-48FE-9F53-91FAFA6D16C9}"/>
+              </a:ext>
+            </a:extLst>
+          </p:cNvPr>
+          <p:cNvSpPr/>
+          <p:nvPr/>
+        </p:nvSpPr>
+        <p:spPr>
+          <a:xfrm>
+            <a:off x="11576112" y="5356226"/>
+            <a:ext cx="615868" cy="596900"/>
+          </a:xfrm>
+          <a:prstGeom prst="ellipse">
+            <a:avLst/>
+          </a:prstGeom>
+          <a:solidFill>
+            <a:schemeClr val="bg1"/>
+          </a:solidFill>
+          <a:ln>
+            <a:solidFill>
+              <a:srgbClr val="002060"/>
+            </a:solidFill>
+          </a:ln>
+        </p:spPr>
+        <p:style>
+          <a:lnRef idx="2">
+            <a:schemeClr val="accent1">
+              <a:shade val="50000"/>
+            </a:schemeClr>
+          </a:lnRef>
+          <a:fillRef idx="1">
+            <a:schemeClr val="accent1"/>
+          </a:fillRef>
+          <a:effectRef idx="0">
+            <a:schemeClr val="accent1"/>
+          </a:effectRef>
+          <a:fontRef idx="minor">
+            <a:schemeClr val="lt1"/>
+          </a:fontRef>
+        </p:style>
+        <p:txBody>
+          <a:bodyPr rtlCol="0" anchor="ctr"/>
+          <a:lstStyle/>
+          <a:p>
+            <a:pPr algn="ctr"/>
+            <a:endParaRPr lang="fr-FR"/>
+          </a:p>
+        </p:txBody>
+      </p:sp>
+      <p:sp>
+        <p:nvSpPr>
+          <p:cNvPr id="13" name="Ellipse 12">
+            <a:extLst>
+              <a:ext uri="{FF2B5EF4-FFF2-40B4-BE49-F238E27FC236}">
+                <a16:creationId xmlns:a16="http://schemas.microsoft.com/office/drawing/2014/main" id="{D9C2F317-F355-4FB6-8E88-13CE3DF529FF}"/>
+              </a:ext>
+            </a:extLst>
+          </p:cNvPr>
+          <p:cNvSpPr/>
+          <p:nvPr/>
+        </p:nvSpPr>
+        <p:spPr>
+          <a:xfrm>
+            <a:off x="11599162" y="6175376"/>
+            <a:ext cx="615868" cy="596900"/>
+          </a:xfrm>
+          <a:prstGeom prst="ellipse">
+            <a:avLst/>
+          </a:prstGeom>
+          <a:solidFill>
+            <a:schemeClr val="bg1"/>
+          </a:solidFill>
+          <a:ln>
+            <a:solidFill>
+              <a:srgbClr val="002060"/>
+            </a:solidFill>
+          </a:ln>
+        </p:spPr>
+        <p:style>
+          <a:lnRef idx="2">
+            <a:schemeClr val="accent1">
+              <a:shade val="50000"/>
+            </a:schemeClr>
+          </a:lnRef>
+          <a:fillRef idx="1">
+            <a:schemeClr val="accent1"/>
+          </a:fillRef>
+          <a:effectRef idx="0">
+            <a:schemeClr val="accent1"/>
+          </a:effectRef>
+          <a:fontRef idx="minor">
+            <a:schemeClr val="lt1"/>
+          </a:fontRef>
+        </p:style>
+        <p:txBody>
+          <a:bodyPr rtlCol="0" anchor="ctr"/>
+          <a:lstStyle/>
+          <a:p>
+            <a:pPr algn="ctr"/>
+            <a:endParaRPr lang="fr-FR"/>
+          </a:p>
+        </p:txBody>
+      </p:sp>
+      <p:sp>
+        <p:nvSpPr>
+          <p:cNvPr id="14" name="ZoneTexte 13">
+            <a:extLst>
+              <a:ext uri="{FF2B5EF4-FFF2-40B4-BE49-F238E27FC236}">
+                <a16:creationId xmlns:a16="http://schemas.microsoft.com/office/drawing/2014/main" id="{140FF694-68E2-4201-A462-AEC4B27A566A}"/>
+              </a:ext>
+            </a:extLst>
+          </p:cNvPr>
+          <p:cNvSpPr txBox="1"/>
+          <p:nvPr/>
+        </p:nvSpPr>
+        <p:spPr>
+          <a:xfrm>
+            <a:off x="10053015" y="555110"/>
+            <a:ext cx="1375569" cy="369332"/>
+          </a:xfrm>
+          <a:prstGeom prst="rect">
+            <a:avLst/>
+          </a:prstGeom>
+          <a:noFill/>
+        </p:spPr>
+        <p:txBody>
+          <a:bodyPr wrap="none" rtlCol="0">
+            <a:spAutoFit/>
+          </a:bodyPr>
+          <a:lstStyle/>
+          <a:p>
+            <a:r>
+              <a:rPr lang="fr-FR" strike="sngStrike" dirty="0"/>
+              <a:t>Introduction</a:t>
+            </a:r>
+          </a:p>
+        </p:txBody>
+      </p:sp>
+      <p:sp>
+        <p:nvSpPr>
+          <p:cNvPr id="15" name="ZoneTexte 14">
+            <a:extLst>
+              <a:ext uri="{FF2B5EF4-FFF2-40B4-BE49-F238E27FC236}">
+                <a16:creationId xmlns:a16="http://schemas.microsoft.com/office/drawing/2014/main" id="{721948DB-B466-4EB3-AD60-43B99329AECE}"/>
+              </a:ext>
+            </a:extLst>
+          </p:cNvPr>
+          <p:cNvSpPr txBox="1"/>
+          <p:nvPr/>
+        </p:nvSpPr>
+        <p:spPr>
+          <a:xfrm>
+            <a:off x="10053015" y="1379493"/>
+            <a:ext cx="1290481" cy="369332"/>
+          </a:xfrm>
+          <a:prstGeom prst="rect">
+            <a:avLst/>
+          </a:prstGeom>
+          <a:noFill/>
+        </p:spPr>
+        <p:txBody>
+          <a:bodyPr wrap="none" rtlCol="0">
+            <a:spAutoFit/>
+          </a:bodyPr>
+          <a:lstStyle/>
+          <a:p>
+            <a:r>
+              <a:rPr lang="fr-FR" b="1" dirty="0"/>
+              <a:t>Diagramme</a:t>
+            </a:r>
+          </a:p>
+        </p:txBody>
+      </p:sp>
+      <p:sp>
+        <p:nvSpPr>
+          <p:cNvPr id="17" name="ZoneTexte 16">
+            <a:extLst>
+              <a:ext uri="{FF2B5EF4-FFF2-40B4-BE49-F238E27FC236}">
+                <a16:creationId xmlns:a16="http://schemas.microsoft.com/office/drawing/2014/main" id="{ACC32103-6628-4C67-A554-02C5BFFF3796}"/>
+              </a:ext>
+            </a:extLst>
+          </p:cNvPr>
+          <p:cNvSpPr txBox="1"/>
+          <p:nvPr/>
+        </p:nvSpPr>
+        <p:spPr>
+          <a:xfrm>
+            <a:off x="10053015" y="2189074"/>
+            <a:ext cx="1249445" cy="369332"/>
+          </a:xfrm>
+          <a:prstGeom prst="rect">
+            <a:avLst/>
+          </a:prstGeom>
+          <a:noFill/>
+        </p:spPr>
+        <p:txBody>
+          <a:bodyPr wrap="none" rtlCol="0">
+            <a:spAutoFit/>
+          </a:bodyPr>
+          <a:lstStyle/>
+          <a:p>
+            <a:r>
+              <a:rPr lang="fr-FR" strike="sngStrike" dirty="0"/>
+              <a:t>Mes tâches</a:t>
+            </a:r>
+          </a:p>
+        </p:txBody>
+      </p:sp>
+      <p:sp>
+        <p:nvSpPr>
+          <p:cNvPr id="18" name="ZoneTexte 17">
+            <a:extLst>
+              <a:ext uri="{FF2B5EF4-FFF2-40B4-BE49-F238E27FC236}">
+                <a16:creationId xmlns:a16="http://schemas.microsoft.com/office/drawing/2014/main" id="{AC40BAAD-E4FB-476D-88C3-2D4D26357826}"/>
+              </a:ext>
+            </a:extLst>
+          </p:cNvPr>
+          <p:cNvSpPr txBox="1"/>
+          <p:nvPr/>
+        </p:nvSpPr>
+        <p:spPr>
+          <a:xfrm>
+            <a:off x="10053015" y="3012560"/>
+            <a:ext cx="1638269" cy="369332"/>
+          </a:xfrm>
+          <a:prstGeom prst="rect">
+            <a:avLst/>
+          </a:prstGeom>
+          <a:noFill/>
+        </p:spPr>
+        <p:txBody>
+          <a:bodyPr wrap="none" rtlCol="0">
+            <a:spAutoFit/>
+          </a:bodyPr>
+          <a:lstStyle/>
+          <a:p>
+            <a:r>
+              <a:rPr lang="fr-FR" strike="sngStrike" dirty="0"/>
+              <a:t>Mécanisme n°1</a:t>
+            </a:r>
+          </a:p>
+        </p:txBody>
+      </p:sp>
+      <p:sp>
+        <p:nvSpPr>
+          <p:cNvPr id="19" name="ZoneTexte 18">
+            <a:extLst>
+              <a:ext uri="{FF2B5EF4-FFF2-40B4-BE49-F238E27FC236}">
+                <a16:creationId xmlns:a16="http://schemas.microsoft.com/office/drawing/2014/main" id="{F5715609-C05E-4596-98A9-1F2B72F9FBE6}"/>
+              </a:ext>
+            </a:extLst>
+          </p:cNvPr>
+          <p:cNvSpPr txBox="1"/>
+          <p:nvPr/>
+        </p:nvSpPr>
+        <p:spPr>
+          <a:xfrm>
+            <a:off x="10053015" y="3826522"/>
+            <a:ext cx="1638269" cy="369332"/>
+          </a:xfrm>
+          <a:prstGeom prst="rect">
+            <a:avLst/>
+          </a:prstGeom>
+          <a:noFill/>
+        </p:spPr>
+        <p:txBody>
+          <a:bodyPr wrap="none" rtlCol="0">
+            <a:spAutoFit/>
+          </a:bodyPr>
+          <a:lstStyle/>
+          <a:p>
+            <a:r>
+              <a:rPr lang="fr-FR" strike="sngStrike" dirty="0"/>
+              <a:t>Mécanisme n°2</a:t>
+            </a:r>
+          </a:p>
+        </p:txBody>
+      </p:sp>
+      <p:sp>
+        <p:nvSpPr>
+          <p:cNvPr id="20" name="ZoneTexte 19">
+            <a:extLst>
+              <a:ext uri="{FF2B5EF4-FFF2-40B4-BE49-F238E27FC236}">
+                <a16:creationId xmlns:a16="http://schemas.microsoft.com/office/drawing/2014/main" id="{8E248D34-65CC-43C1-937C-28FB9903C298}"/>
+              </a:ext>
+            </a:extLst>
+          </p:cNvPr>
+          <p:cNvSpPr txBox="1"/>
+          <p:nvPr/>
+        </p:nvSpPr>
+        <p:spPr>
+          <a:xfrm>
+            <a:off x="10050865" y="4640484"/>
+            <a:ext cx="1638269" cy="369332"/>
+          </a:xfrm>
+          <a:prstGeom prst="rect">
+            <a:avLst/>
+          </a:prstGeom>
+          <a:noFill/>
+        </p:spPr>
+        <p:txBody>
+          <a:bodyPr wrap="none" rtlCol="0">
+            <a:spAutoFit/>
+          </a:bodyPr>
+          <a:lstStyle/>
+          <a:p>
+            <a:r>
+              <a:rPr lang="fr-FR" strike="sngStrike" dirty="0"/>
+              <a:t>Mécanisme n°3</a:t>
+            </a:r>
+          </a:p>
+        </p:txBody>
+      </p:sp>
+      <p:sp>
+        <p:nvSpPr>
+          <p:cNvPr id="22" name="ZoneTexte 21">
+            <a:extLst>
+              <a:ext uri="{FF2B5EF4-FFF2-40B4-BE49-F238E27FC236}">
+                <a16:creationId xmlns:a16="http://schemas.microsoft.com/office/drawing/2014/main" id="{05B9E18B-D5E3-4745-942C-6F239F17571D}"/>
+              </a:ext>
+            </a:extLst>
+          </p:cNvPr>
+          <p:cNvSpPr txBox="1"/>
+          <p:nvPr/>
+        </p:nvSpPr>
+        <p:spPr>
+          <a:xfrm>
+            <a:off x="10050865" y="5470010"/>
+            <a:ext cx="1162498" cy="369332"/>
+          </a:xfrm>
+          <a:prstGeom prst="rect">
+            <a:avLst/>
+          </a:prstGeom>
+          <a:noFill/>
+        </p:spPr>
+        <p:txBody>
+          <a:bodyPr wrap="none" rtlCol="0">
+            <a:spAutoFit/>
+          </a:bodyPr>
+          <a:lstStyle/>
+          <a:p>
+            <a:r>
+              <a:rPr lang="fr-FR" strike="sngStrike" dirty="0"/>
+              <a:t>Appli WEB</a:t>
+            </a:r>
+          </a:p>
+        </p:txBody>
+      </p:sp>
+      <p:sp>
+        <p:nvSpPr>
+          <p:cNvPr id="23" name="ZoneTexte 22">
+            <a:extLst>
+              <a:ext uri="{FF2B5EF4-FFF2-40B4-BE49-F238E27FC236}">
+                <a16:creationId xmlns:a16="http://schemas.microsoft.com/office/drawing/2014/main" id="{AEDD4C80-5C4C-492D-86FC-F0CEF694FA3D}"/>
+              </a:ext>
+            </a:extLst>
+          </p:cNvPr>
+          <p:cNvSpPr txBox="1"/>
+          <p:nvPr/>
+        </p:nvSpPr>
+        <p:spPr>
+          <a:xfrm>
+            <a:off x="10050865" y="6299536"/>
+            <a:ext cx="1417439" cy="369332"/>
+          </a:xfrm>
+          <a:prstGeom prst="rect">
+            <a:avLst/>
+          </a:prstGeom>
+          <a:noFill/>
+        </p:spPr>
+        <p:txBody>
+          <a:bodyPr wrap="none" rtlCol="0">
+            <a:spAutoFit/>
+          </a:bodyPr>
+          <a:lstStyle/>
+          <a:p>
+            <a:r>
+              <a:rPr lang="fr-FR" strike="sngStrike" dirty="0"/>
+              <a:t>Partie réseau</a:t>
+            </a:r>
           </a:p>
         </p:txBody>
       </p:sp>
@@ -5906,6 +7970,18 @@
   <p:clrMapOvr>
     <a:masterClrMapping/>
   </p:clrMapOvr>
+  <mc:AlternateContent xmlns:mc="http://schemas.openxmlformats.org/markup-compatibility/2006">
+    <mc:Choice xmlns:p14="http://schemas.microsoft.com/office/powerpoint/2010/main" Requires="p14">
+      <p:transition spd="med" p14:dur="700">
+        <p:fade/>
+      </p:transition>
+    </mc:Choice>
+    <mc:Fallback>
+      <p:transition spd="med">
+        <p:fade/>
+      </p:transition>
+    </mc:Fallback>
+  </mc:AlternateContent>
 </p:sld>
 </file>
 
@@ -5928,10 +8004,10 @@
       </p:grpSpPr>
       <p:pic>
         <p:nvPicPr>
-          <p:cNvPr id="21" name="Image 20" descr="Une image contenant table, paire&#10;&#10;Description générée automatiquement">
-            <a:extLst>
-              <a:ext uri="{FF2B5EF4-FFF2-40B4-BE49-F238E27FC236}">
-                <a16:creationId xmlns:a16="http://schemas.microsoft.com/office/drawing/2014/main" id="{C94C7F28-1A6D-4AE8-832F-6ADD5ADD1A9A}"/>
+          <p:cNvPr id="5" name="Image 4" descr="Une image contenant table, paire&#10;&#10;Description générée automatiquement">
+            <a:extLst>
+              <a:ext uri="{FF2B5EF4-FFF2-40B4-BE49-F238E27FC236}">
+                <a16:creationId xmlns:a16="http://schemas.microsoft.com/office/drawing/2014/main" id="{54EDA2C0-48CE-4DA2-890F-252AC8D48847}"/>
               </a:ext>
             </a:extLst>
           </p:cNvPr>
@@ -5964,74 +8040,864 @@
       </p:pic>
       <p:sp>
         <p:nvSpPr>
-          <p:cNvPr id="8" name="Titre 1">
-            <a:extLst>
-              <a:ext uri="{FF2B5EF4-FFF2-40B4-BE49-F238E27FC236}">
-                <a16:creationId xmlns:a16="http://schemas.microsoft.com/office/drawing/2014/main" id="{1D901C81-2DA3-421A-BBCE-EB083238EDA4}"/>
-              </a:ext>
-            </a:extLst>
-          </p:cNvPr>
-          <p:cNvSpPr txBox="1">
-            <a:spLocks/>
+          <p:cNvPr id="2" name="Titre 1">
+            <a:extLst>
+              <a:ext uri="{FF2B5EF4-FFF2-40B4-BE49-F238E27FC236}">
+                <a16:creationId xmlns:a16="http://schemas.microsoft.com/office/drawing/2014/main" id="{3B0C423D-65A1-40D8-8751-302A287BBB8F}"/>
+              </a:ext>
+            </a:extLst>
+          </p:cNvPr>
+          <p:cNvSpPr>
+            <a:spLocks noGrp="1"/>
           </p:cNvSpPr>
-          <p:nvPr/>
-        </p:nvSpPr>
-        <p:spPr>
-          <a:xfrm>
-            <a:off x="1524000" y="228600"/>
-            <a:ext cx="9144000" cy="1076480"/>
+          <p:nvPr>
+            <p:ph type="title"/>
+          </p:nvPr>
+        </p:nvSpPr>
+        <p:spPr/>
+        <p:txBody>
+          <a:bodyPr/>
+          <a:lstStyle/>
+          <a:p>
+            <a:pPr algn="ctr"/>
+            <a:r>
+              <a:rPr lang="fr-FR" b="1" dirty="0">
+                <a:effectLst>
+                  <a:outerShdw blurRad="38100" dist="38100" dir="2700000" algn="tl">
+                    <a:srgbClr val="000000">
+                      <a:alpha val="43137"/>
+                    </a:srgbClr>
+                  </a:outerShdw>
+                </a:effectLst>
+                <a:latin typeface="+mn-lt"/>
+              </a:rPr>
+              <a:t>Mes tâches</a:t>
+            </a:r>
+          </a:p>
+        </p:txBody>
+      </p:sp>
+      <p:pic>
+        <p:nvPicPr>
+          <p:cNvPr id="4" name="Image 3">
+            <a:extLst>
+              <a:ext uri="{FF2B5EF4-FFF2-40B4-BE49-F238E27FC236}">
+                <a16:creationId xmlns:a16="http://schemas.microsoft.com/office/drawing/2014/main" id="{B7441BCA-F2F3-49D7-9D50-474CE98A3A2A}"/>
+              </a:ext>
+            </a:extLst>
+          </p:cNvPr>
+          <p:cNvPicPr/>
+          <p:nvPr/>
+        </p:nvPicPr>
+        <p:blipFill>
+          <a:blip r:embed="rId3">
+            <a:extLst>
+              <a:ext uri="{28A0092B-C50C-407E-A947-70E740481C1C}">
+                <a14:useLocalDpi xmlns:a14="http://schemas.microsoft.com/office/drawing/2010/main" val="0"/>
+              </a:ext>
+            </a:extLst>
+          </a:blip>
+          <a:stretch>
+            <a:fillRect/>
+          </a:stretch>
+        </p:blipFill>
+        <p:spPr>
+          <a:xfrm>
+            <a:off x="2543175" y="1690688"/>
+            <a:ext cx="7105650" cy="4595812"/>
           </a:xfrm>
           <a:prstGeom prst="rect">
             <a:avLst/>
           </a:prstGeom>
         </p:spPr>
-        <p:txBody>
-          <a:bodyPr vert="horz" lIns="91440" tIns="45720" rIns="91440" bIns="45720" rtlCol="0" anchor="b">
-            <a:normAutofit/>
+      </p:pic>
+      <p:sp>
+        <p:nvSpPr>
+          <p:cNvPr id="6" name="Rectangle 5">
+            <a:extLst>
+              <a:ext uri="{FF2B5EF4-FFF2-40B4-BE49-F238E27FC236}">
+                <a16:creationId xmlns:a16="http://schemas.microsoft.com/office/drawing/2014/main" id="{026B9CF2-D4D0-4BEC-9F77-CA2926DE3A9D}"/>
+              </a:ext>
+            </a:extLst>
+          </p:cNvPr>
+          <p:cNvSpPr/>
+          <p:nvPr/>
+        </p:nvSpPr>
+        <p:spPr>
+          <a:xfrm>
+            <a:off x="11714226" y="511747"/>
+            <a:ext cx="372999" cy="5834506"/>
+          </a:xfrm>
+          <a:prstGeom prst="rect">
+            <a:avLst/>
+          </a:prstGeom>
+          <a:solidFill>
+            <a:schemeClr val="bg1"/>
+          </a:solidFill>
+          <a:ln>
+            <a:solidFill>
+              <a:srgbClr val="002060"/>
+            </a:solidFill>
+          </a:ln>
+        </p:spPr>
+        <p:style>
+          <a:lnRef idx="2">
+            <a:schemeClr val="accent1">
+              <a:shade val="50000"/>
+            </a:schemeClr>
+          </a:lnRef>
+          <a:fillRef idx="1">
+            <a:schemeClr val="accent1"/>
+          </a:fillRef>
+          <a:effectRef idx="0">
+            <a:schemeClr val="accent1"/>
+          </a:effectRef>
+          <a:fontRef idx="minor">
+            <a:schemeClr val="lt1"/>
+          </a:fontRef>
+        </p:style>
+        <p:txBody>
+          <a:bodyPr rtlCol="0" anchor="ctr"/>
+          <a:lstStyle/>
+          <a:p>
+            <a:pPr algn="ctr"/>
+            <a:endParaRPr lang="fr-FR"/>
+          </a:p>
+        </p:txBody>
+      </p:sp>
+      <p:sp>
+        <p:nvSpPr>
+          <p:cNvPr id="7" name="Ellipse 6">
+            <a:extLst>
+              <a:ext uri="{FF2B5EF4-FFF2-40B4-BE49-F238E27FC236}">
+                <a16:creationId xmlns:a16="http://schemas.microsoft.com/office/drawing/2014/main" id="{38337F22-C4C6-4464-8A30-4486A39CD07D}"/>
+              </a:ext>
+            </a:extLst>
+          </p:cNvPr>
+          <p:cNvSpPr/>
+          <p:nvPr/>
+        </p:nvSpPr>
+        <p:spPr>
+          <a:xfrm>
+            <a:off x="11576112" y="441326"/>
+            <a:ext cx="615868" cy="596900"/>
+          </a:xfrm>
+          <a:prstGeom prst="ellipse">
+            <a:avLst/>
+          </a:prstGeom>
+          <a:solidFill>
+            <a:srgbClr val="92D050"/>
+          </a:solidFill>
+          <a:ln>
+            <a:solidFill>
+              <a:srgbClr val="002060"/>
+            </a:solidFill>
+          </a:ln>
+        </p:spPr>
+        <p:style>
+          <a:lnRef idx="2">
+            <a:schemeClr val="accent1">
+              <a:shade val="50000"/>
+            </a:schemeClr>
+          </a:lnRef>
+          <a:fillRef idx="1">
+            <a:schemeClr val="accent1"/>
+          </a:fillRef>
+          <a:effectRef idx="0">
+            <a:schemeClr val="accent1"/>
+          </a:effectRef>
+          <a:fontRef idx="minor">
+            <a:schemeClr val="lt1"/>
+          </a:fontRef>
+        </p:style>
+        <p:txBody>
+          <a:bodyPr rtlCol="0" anchor="ctr"/>
+          <a:lstStyle/>
+          <a:p>
+            <a:pPr algn="ctr"/>
+            <a:endParaRPr lang="fr-FR"/>
+          </a:p>
+        </p:txBody>
+      </p:sp>
+      <p:sp>
+        <p:nvSpPr>
+          <p:cNvPr id="8" name="Ellipse 7">
+            <a:extLst>
+              <a:ext uri="{FF2B5EF4-FFF2-40B4-BE49-F238E27FC236}">
+                <a16:creationId xmlns:a16="http://schemas.microsoft.com/office/drawing/2014/main" id="{E52770CF-5D56-4B5F-BD42-BCBE7DDC3533}"/>
+              </a:ext>
+            </a:extLst>
+          </p:cNvPr>
+          <p:cNvSpPr/>
+          <p:nvPr/>
+        </p:nvSpPr>
+        <p:spPr>
+          <a:xfrm>
+            <a:off x="11592791" y="1260476"/>
+            <a:ext cx="615868" cy="596900"/>
+          </a:xfrm>
+          <a:prstGeom prst="ellipse">
+            <a:avLst/>
+          </a:prstGeom>
+          <a:solidFill>
+            <a:srgbClr val="92D050"/>
+          </a:solidFill>
+          <a:ln>
+            <a:solidFill>
+              <a:srgbClr val="002060"/>
+            </a:solidFill>
+          </a:ln>
+        </p:spPr>
+        <p:style>
+          <a:lnRef idx="2">
+            <a:schemeClr val="accent1">
+              <a:shade val="50000"/>
+            </a:schemeClr>
+          </a:lnRef>
+          <a:fillRef idx="1">
+            <a:schemeClr val="accent1"/>
+          </a:fillRef>
+          <a:effectRef idx="0">
+            <a:schemeClr val="accent1"/>
+          </a:effectRef>
+          <a:fontRef idx="minor">
+            <a:schemeClr val="lt1"/>
+          </a:fontRef>
+        </p:style>
+        <p:txBody>
+          <a:bodyPr rtlCol="0" anchor="ctr"/>
+          <a:lstStyle/>
+          <a:p>
+            <a:pPr algn="ctr"/>
+            <a:endParaRPr lang="fr-FR"/>
+          </a:p>
+        </p:txBody>
+      </p:sp>
+      <p:sp>
+        <p:nvSpPr>
+          <p:cNvPr id="9" name="Ellipse 8">
+            <a:extLst>
+              <a:ext uri="{FF2B5EF4-FFF2-40B4-BE49-F238E27FC236}">
+                <a16:creationId xmlns:a16="http://schemas.microsoft.com/office/drawing/2014/main" id="{C59383CB-47EB-4550-BBCA-D4394E4D6515}"/>
+              </a:ext>
+            </a:extLst>
+          </p:cNvPr>
+          <p:cNvSpPr/>
+          <p:nvPr/>
+        </p:nvSpPr>
+        <p:spPr>
+          <a:xfrm>
+            <a:off x="11599162" y="2079626"/>
+            <a:ext cx="615868" cy="596900"/>
+          </a:xfrm>
+          <a:prstGeom prst="ellipse">
+            <a:avLst/>
+          </a:prstGeom>
+          <a:solidFill>
+            <a:srgbClr val="92D050"/>
+          </a:solidFill>
+          <a:ln>
+            <a:solidFill>
+              <a:srgbClr val="002060"/>
+            </a:solidFill>
+          </a:ln>
+        </p:spPr>
+        <p:style>
+          <a:lnRef idx="2">
+            <a:schemeClr val="accent1">
+              <a:shade val="50000"/>
+            </a:schemeClr>
+          </a:lnRef>
+          <a:fillRef idx="1">
+            <a:schemeClr val="accent1"/>
+          </a:fillRef>
+          <a:effectRef idx="0">
+            <a:schemeClr val="accent1"/>
+          </a:effectRef>
+          <a:fontRef idx="minor">
+            <a:schemeClr val="lt1"/>
+          </a:fontRef>
+        </p:style>
+        <p:txBody>
+          <a:bodyPr rtlCol="0" anchor="ctr"/>
+          <a:lstStyle/>
+          <a:p>
+            <a:pPr algn="ctr"/>
+            <a:endParaRPr lang="fr-FR"/>
+          </a:p>
+        </p:txBody>
+      </p:sp>
+      <p:sp>
+        <p:nvSpPr>
+          <p:cNvPr id="10" name="Ellipse 9">
+            <a:extLst>
+              <a:ext uri="{FF2B5EF4-FFF2-40B4-BE49-F238E27FC236}">
+                <a16:creationId xmlns:a16="http://schemas.microsoft.com/office/drawing/2014/main" id="{C3EBBA81-16A7-4424-AA6E-D63B82153669}"/>
+              </a:ext>
+            </a:extLst>
+          </p:cNvPr>
+          <p:cNvSpPr/>
+          <p:nvPr/>
+        </p:nvSpPr>
+        <p:spPr>
+          <a:xfrm>
+            <a:off x="11599162" y="2898776"/>
+            <a:ext cx="615868" cy="596900"/>
+          </a:xfrm>
+          <a:prstGeom prst="ellipse">
+            <a:avLst/>
+          </a:prstGeom>
+          <a:solidFill>
+            <a:schemeClr val="bg1"/>
+          </a:solidFill>
+          <a:ln>
+            <a:solidFill>
+              <a:srgbClr val="002060"/>
+            </a:solidFill>
+          </a:ln>
+        </p:spPr>
+        <p:style>
+          <a:lnRef idx="2">
+            <a:schemeClr val="accent1">
+              <a:shade val="50000"/>
+            </a:schemeClr>
+          </a:lnRef>
+          <a:fillRef idx="1">
+            <a:schemeClr val="accent1"/>
+          </a:fillRef>
+          <a:effectRef idx="0">
+            <a:schemeClr val="accent1"/>
+          </a:effectRef>
+          <a:fontRef idx="minor">
+            <a:schemeClr val="lt1"/>
+          </a:fontRef>
+        </p:style>
+        <p:txBody>
+          <a:bodyPr rtlCol="0" anchor="ctr"/>
+          <a:lstStyle/>
+          <a:p>
+            <a:pPr algn="ctr"/>
+            <a:endParaRPr lang="fr-FR"/>
+          </a:p>
+        </p:txBody>
+      </p:sp>
+      <p:sp>
+        <p:nvSpPr>
+          <p:cNvPr id="11" name="Ellipse 10">
+            <a:extLst>
+              <a:ext uri="{FF2B5EF4-FFF2-40B4-BE49-F238E27FC236}">
+                <a16:creationId xmlns:a16="http://schemas.microsoft.com/office/drawing/2014/main" id="{9986B24E-995E-4086-A0E5-B1839C9A9457}"/>
+              </a:ext>
+            </a:extLst>
+          </p:cNvPr>
+          <p:cNvSpPr/>
+          <p:nvPr/>
+        </p:nvSpPr>
+        <p:spPr>
+          <a:xfrm>
+            <a:off x="11599162" y="3717926"/>
+            <a:ext cx="615868" cy="596900"/>
+          </a:xfrm>
+          <a:prstGeom prst="ellipse">
+            <a:avLst/>
+          </a:prstGeom>
+          <a:solidFill>
+            <a:schemeClr val="bg1"/>
+          </a:solidFill>
+          <a:ln>
+            <a:solidFill>
+              <a:srgbClr val="002060"/>
+            </a:solidFill>
+          </a:ln>
+        </p:spPr>
+        <p:style>
+          <a:lnRef idx="2">
+            <a:schemeClr val="accent1">
+              <a:shade val="50000"/>
+            </a:schemeClr>
+          </a:lnRef>
+          <a:fillRef idx="1">
+            <a:schemeClr val="accent1"/>
+          </a:fillRef>
+          <a:effectRef idx="0">
+            <a:schemeClr val="accent1"/>
+          </a:effectRef>
+          <a:fontRef idx="minor">
+            <a:schemeClr val="lt1"/>
+          </a:fontRef>
+        </p:style>
+        <p:txBody>
+          <a:bodyPr rtlCol="0" anchor="ctr"/>
+          <a:lstStyle/>
+          <a:p>
+            <a:pPr algn="ctr"/>
+            <a:endParaRPr lang="fr-FR"/>
+          </a:p>
+        </p:txBody>
+      </p:sp>
+      <p:sp>
+        <p:nvSpPr>
+          <p:cNvPr id="12" name="Ellipse 11">
+            <a:extLst>
+              <a:ext uri="{FF2B5EF4-FFF2-40B4-BE49-F238E27FC236}">
+                <a16:creationId xmlns:a16="http://schemas.microsoft.com/office/drawing/2014/main" id="{4F5BB0D6-F518-4C2E-A507-894065D6053A}"/>
+              </a:ext>
+            </a:extLst>
+          </p:cNvPr>
+          <p:cNvSpPr/>
+          <p:nvPr/>
+        </p:nvSpPr>
+        <p:spPr>
+          <a:xfrm>
+            <a:off x="11601224" y="4537076"/>
+            <a:ext cx="615868" cy="596900"/>
+          </a:xfrm>
+          <a:prstGeom prst="ellipse">
+            <a:avLst/>
+          </a:prstGeom>
+          <a:solidFill>
+            <a:schemeClr val="bg1"/>
+          </a:solidFill>
+          <a:ln>
+            <a:solidFill>
+              <a:srgbClr val="002060"/>
+            </a:solidFill>
+          </a:ln>
+        </p:spPr>
+        <p:style>
+          <a:lnRef idx="2">
+            <a:schemeClr val="accent1">
+              <a:shade val="50000"/>
+            </a:schemeClr>
+          </a:lnRef>
+          <a:fillRef idx="1">
+            <a:schemeClr val="accent1"/>
+          </a:fillRef>
+          <a:effectRef idx="0">
+            <a:schemeClr val="accent1"/>
+          </a:effectRef>
+          <a:fontRef idx="minor">
+            <a:schemeClr val="lt1"/>
+          </a:fontRef>
+        </p:style>
+        <p:txBody>
+          <a:bodyPr rtlCol="0" anchor="ctr"/>
+          <a:lstStyle/>
+          <a:p>
+            <a:pPr algn="ctr"/>
+            <a:endParaRPr lang="fr-FR"/>
+          </a:p>
+        </p:txBody>
+      </p:sp>
+      <p:sp>
+        <p:nvSpPr>
+          <p:cNvPr id="13" name="Ellipse 12">
+            <a:extLst>
+              <a:ext uri="{FF2B5EF4-FFF2-40B4-BE49-F238E27FC236}">
+                <a16:creationId xmlns:a16="http://schemas.microsoft.com/office/drawing/2014/main" id="{5192C0D1-2B3C-48D2-A16B-014B3E82406B}"/>
+              </a:ext>
+            </a:extLst>
+          </p:cNvPr>
+          <p:cNvSpPr/>
+          <p:nvPr/>
+        </p:nvSpPr>
+        <p:spPr>
+          <a:xfrm>
+            <a:off x="11576112" y="5356226"/>
+            <a:ext cx="615868" cy="596900"/>
+          </a:xfrm>
+          <a:prstGeom prst="ellipse">
+            <a:avLst/>
+          </a:prstGeom>
+          <a:solidFill>
+            <a:schemeClr val="bg1"/>
+          </a:solidFill>
+          <a:ln>
+            <a:solidFill>
+              <a:srgbClr val="002060"/>
+            </a:solidFill>
+          </a:ln>
+        </p:spPr>
+        <p:style>
+          <a:lnRef idx="2">
+            <a:schemeClr val="accent1">
+              <a:shade val="50000"/>
+            </a:schemeClr>
+          </a:lnRef>
+          <a:fillRef idx="1">
+            <a:schemeClr val="accent1"/>
+          </a:fillRef>
+          <a:effectRef idx="0">
+            <a:schemeClr val="accent1"/>
+          </a:effectRef>
+          <a:fontRef idx="minor">
+            <a:schemeClr val="lt1"/>
+          </a:fontRef>
+        </p:style>
+        <p:txBody>
+          <a:bodyPr rtlCol="0" anchor="ctr"/>
+          <a:lstStyle/>
+          <a:p>
+            <a:pPr algn="ctr"/>
+            <a:endParaRPr lang="fr-FR"/>
+          </a:p>
+        </p:txBody>
+      </p:sp>
+      <p:sp>
+        <p:nvSpPr>
+          <p:cNvPr id="14" name="Ellipse 13">
+            <a:extLst>
+              <a:ext uri="{FF2B5EF4-FFF2-40B4-BE49-F238E27FC236}">
+                <a16:creationId xmlns:a16="http://schemas.microsoft.com/office/drawing/2014/main" id="{6FDC2F9D-CA03-426B-A190-609947078A34}"/>
+              </a:ext>
+            </a:extLst>
+          </p:cNvPr>
+          <p:cNvSpPr/>
+          <p:nvPr/>
+        </p:nvSpPr>
+        <p:spPr>
+          <a:xfrm>
+            <a:off x="11599162" y="6175376"/>
+            <a:ext cx="615868" cy="596900"/>
+          </a:xfrm>
+          <a:prstGeom prst="ellipse">
+            <a:avLst/>
+          </a:prstGeom>
+          <a:solidFill>
+            <a:schemeClr val="bg1"/>
+          </a:solidFill>
+          <a:ln>
+            <a:solidFill>
+              <a:srgbClr val="002060"/>
+            </a:solidFill>
+          </a:ln>
+        </p:spPr>
+        <p:style>
+          <a:lnRef idx="2">
+            <a:schemeClr val="accent1">
+              <a:shade val="50000"/>
+            </a:schemeClr>
+          </a:lnRef>
+          <a:fillRef idx="1">
+            <a:schemeClr val="accent1"/>
+          </a:fillRef>
+          <a:effectRef idx="0">
+            <a:schemeClr val="accent1"/>
+          </a:effectRef>
+          <a:fontRef idx="minor">
+            <a:schemeClr val="lt1"/>
+          </a:fontRef>
+        </p:style>
+        <p:txBody>
+          <a:bodyPr rtlCol="0" anchor="ctr"/>
+          <a:lstStyle/>
+          <a:p>
+            <a:pPr algn="ctr"/>
+            <a:endParaRPr lang="fr-FR"/>
+          </a:p>
+        </p:txBody>
+      </p:sp>
+      <p:sp>
+        <p:nvSpPr>
+          <p:cNvPr id="15" name="ZoneTexte 14">
+            <a:extLst>
+              <a:ext uri="{FF2B5EF4-FFF2-40B4-BE49-F238E27FC236}">
+                <a16:creationId xmlns:a16="http://schemas.microsoft.com/office/drawing/2014/main" id="{C5F9564B-F10E-43DD-8AEC-C129B86B37B4}"/>
+              </a:ext>
+            </a:extLst>
+          </p:cNvPr>
+          <p:cNvSpPr txBox="1"/>
+          <p:nvPr/>
+        </p:nvSpPr>
+        <p:spPr>
+          <a:xfrm>
+            <a:off x="10053015" y="555110"/>
+            <a:ext cx="1375569" cy="369332"/>
+          </a:xfrm>
+          <a:prstGeom prst="rect">
+            <a:avLst/>
+          </a:prstGeom>
+          <a:noFill/>
+        </p:spPr>
+        <p:txBody>
+          <a:bodyPr wrap="none" rtlCol="0">
+            <a:spAutoFit/>
           </a:bodyPr>
-          <a:lstStyle>
-            <a:lvl1pPr algn="l" defTabSz="914400" rtl="0" eaLnBrk="1" latinLnBrk="0" hangingPunct="1">
-              <a:lnSpc>
-                <a:spcPct val="90000"/>
-              </a:lnSpc>
-              <a:spcBef>
-                <a:spcPct val="0"/>
-              </a:spcBef>
-              <a:buNone/>
-              <a:defRPr sz="4400" kern="1200">
-                <a:solidFill>
-                  <a:schemeClr val="tx1"/>
-                </a:solidFill>
-                <a:latin typeface="+mj-lt"/>
-                <a:ea typeface="+mj-ea"/>
-                <a:cs typeface="+mj-cs"/>
-              </a:defRPr>
-            </a:lvl1pPr>
-          </a:lstStyle>
-          <a:p>
-            <a:pPr algn="ctr">
-              <a:spcAft>
-                <a:spcPts val="600"/>
-              </a:spcAft>
-            </a:pPr>
-            <a:r>
-              <a:rPr lang="fr-FR" sz="6000" b="1" dirty="0"/>
-              <a:t>Diagramme de Gantt</a:t>
-            </a:r>
-            <a:endParaRPr lang="en-US" sz="6000" b="1" dirty="0"/>
+          <a:lstStyle/>
+          <a:p>
+            <a:r>
+              <a:rPr lang="fr-FR" strike="sngStrike" dirty="0"/>
+              <a:t>Introduction</a:t>
+            </a:r>
+          </a:p>
+        </p:txBody>
+      </p:sp>
+      <p:sp>
+        <p:nvSpPr>
+          <p:cNvPr id="16" name="ZoneTexte 15">
+            <a:extLst>
+              <a:ext uri="{FF2B5EF4-FFF2-40B4-BE49-F238E27FC236}">
+                <a16:creationId xmlns:a16="http://schemas.microsoft.com/office/drawing/2014/main" id="{FE3C444A-A0C1-4C90-868F-ED05A9D99E69}"/>
+              </a:ext>
+            </a:extLst>
+          </p:cNvPr>
+          <p:cNvSpPr txBox="1"/>
+          <p:nvPr/>
+        </p:nvSpPr>
+        <p:spPr>
+          <a:xfrm>
+            <a:off x="10053015" y="1379493"/>
+            <a:ext cx="1359731" cy="369332"/>
+          </a:xfrm>
+          <a:prstGeom prst="rect">
+            <a:avLst/>
+          </a:prstGeom>
+          <a:noFill/>
+        </p:spPr>
+        <p:txBody>
+          <a:bodyPr wrap="none" rtlCol="0">
+            <a:spAutoFit/>
+          </a:bodyPr>
+          <a:lstStyle/>
+          <a:p>
+            <a:r>
+              <a:rPr lang="fr-FR" strike="sngStrike" dirty="0"/>
+              <a:t>Diagrammes</a:t>
+            </a:r>
+          </a:p>
+        </p:txBody>
+      </p:sp>
+      <p:sp>
+        <p:nvSpPr>
+          <p:cNvPr id="17" name="ZoneTexte 16">
+            <a:extLst>
+              <a:ext uri="{FF2B5EF4-FFF2-40B4-BE49-F238E27FC236}">
+                <a16:creationId xmlns:a16="http://schemas.microsoft.com/office/drawing/2014/main" id="{DF56D2B9-2355-44BF-9C79-1700DC4C32A6}"/>
+              </a:ext>
+            </a:extLst>
+          </p:cNvPr>
+          <p:cNvSpPr txBox="1"/>
+          <p:nvPr/>
+        </p:nvSpPr>
+        <p:spPr>
+          <a:xfrm>
+            <a:off x="10053015" y="2189074"/>
+            <a:ext cx="1264449" cy="369332"/>
+          </a:xfrm>
+          <a:prstGeom prst="rect">
+            <a:avLst/>
+          </a:prstGeom>
+          <a:noFill/>
+        </p:spPr>
+        <p:txBody>
+          <a:bodyPr wrap="none" rtlCol="0">
+            <a:spAutoFit/>
+          </a:bodyPr>
+          <a:lstStyle/>
+          <a:p>
+            <a:r>
+              <a:rPr lang="fr-FR" b="1" dirty="0"/>
+              <a:t>Mes tâches</a:t>
+            </a:r>
+          </a:p>
+        </p:txBody>
+      </p:sp>
+      <p:sp>
+        <p:nvSpPr>
+          <p:cNvPr id="18" name="ZoneTexte 17">
+            <a:extLst>
+              <a:ext uri="{FF2B5EF4-FFF2-40B4-BE49-F238E27FC236}">
+                <a16:creationId xmlns:a16="http://schemas.microsoft.com/office/drawing/2014/main" id="{7A3CD090-0683-41AE-ADDE-D36EA381434E}"/>
+              </a:ext>
+            </a:extLst>
+          </p:cNvPr>
+          <p:cNvSpPr txBox="1"/>
+          <p:nvPr/>
+        </p:nvSpPr>
+        <p:spPr>
+          <a:xfrm>
+            <a:off x="10053015" y="3012560"/>
+            <a:ext cx="1638269" cy="369332"/>
+          </a:xfrm>
+          <a:prstGeom prst="rect">
+            <a:avLst/>
+          </a:prstGeom>
+          <a:noFill/>
+        </p:spPr>
+        <p:txBody>
+          <a:bodyPr wrap="none" rtlCol="0">
+            <a:spAutoFit/>
+          </a:bodyPr>
+          <a:lstStyle/>
+          <a:p>
+            <a:r>
+              <a:rPr lang="fr-FR" strike="sngStrike" dirty="0"/>
+              <a:t>Mécanisme n°1</a:t>
+            </a:r>
+          </a:p>
+        </p:txBody>
+      </p:sp>
+      <p:sp>
+        <p:nvSpPr>
+          <p:cNvPr id="19" name="ZoneTexte 18">
+            <a:extLst>
+              <a:ext uri="{FF2B5EF4-FFF2-40B4-BE49-F238E27FC236}">
+                <a16:creationId xmlns:a16="http://schemas.microsoft.com/office/drawing/2014/main" id="{4202E5EB-8149-4988-B025-21550E75DF78}"/>
+              </a:ext>
+            </a:extLst>
+          </p:cNvPr>
+          <p:cNvSpPr txBox="1"/>
+          <p:nvPr/>
+        </p:nvSpPr>
+        <p:spPr>
+          <a:xfrm>
+            <a:off x="10053015" y="3826522"/>
+            <a:ext cx="1638269" cy="369332"/>
+          </a:xfrm>
+          <a:prstGeom prst="rect">
+            <a:avLst/>
+          </a:prstGeom>
+          <a:noFill/>
+        </p:spPr>
+        <p:txBody>
+          <a:bodyPr wrap="none" rtlCol="0">
+            <a:spAutoFit/>
+          </a:bodyPr>
+          <a:lstStyle/>
+          <a:p>
+            <a:r>
+              <a:rPr lang="fr-FR" strike="sngStrike" dirty="0"/>
+              <a:t>Mécanisme n°2</a:t>
+            </a:r>
+          </a:p>
+        </p:txBody>
+      </p:sp>
+      <p:sp>
+        <p:nvSpPr>
+          <p:cNvPr id="20" name="ZoneTexte 19">
+            <a:extLst>
+              <a:ext uri="{FF2B5EF4-FFF2-40B4-BE49-F238E27FC236}">
+                <a16:creationId xmlns:a16="http://schemas.microsoft.com/office/drawing/2014/main" id="{1916274B-9AFE-4DCD-B612-CC60EE95F1BE}"/>
+              </a:ext>
+            </a:extLst>
+          </p:cNvPr>
+          <p:cNvSpPr txBox="1"/>
+          <p:nvPr/>
+        </p:nvSpPr>
+        <p:spPr>
+          <a:xfrm>
+            <a:off x="10050865" y="4640484"/>
+            <a:ext cx="1638269" cy="369332"/>
+          </a:xfrm>
+          <a:prstGeom prst="rect">
+            <a:avLst/>
+          </a:prstGeom>
+          <a:noFill/>
+        </p:spPr>
+        <p:txBody>
+          <a:bodyPr wrap="none" rtlCol="0">
+            <a:spAutoFit/>
+          </a:bodyPr>
+          <a:lstStyle/>
+          <a:p>
+            <a:r>
+              <a:rPr lang="fr-FR" strike="sngStrike" dirty="0"/>
+              <a:t>Mécanisme n°3</a:t>
+            </a:r>
+          </a:p>
+        </p:txBody>
+      </p:sp>
+      <p:sp>
+        <p:nvSpPr>
+          <p:cNvPr id="21" name="ZoneTexte 20">
+            <a:extLst>
+              <a:ext uri="{FF2B5EF4-FFF2-40B4-BE49-F238E27FC236}">
+                <a16:creationId xmlns:a16="http://schemas.microsoft.com/office/drawing/2014/main" id="{BB33F972-198C-4E63-9E02-396C9F27198D}"/>
+              </a:ext>
+            </a:extLst>
+          </p:cNvPr>
+          <p:cNvSpPr txBox="1"/>
+          <p:nvPr/>
+        </p:nvSpPr>
+        <p:spPr>
+          <a:xfrm>
+            <a:off x="10050865" y="5470010"/>
+            <a:ext cx="1162498" cy="369332"/>
+          </a:xfrm>
+          <a:prstGeom prst="rect">
+            <a:avLst/>
+          </a:prstGeom>
+          <a:noFill/>
+        </p:spPr>
+        <p:txBody>
+          <a:bodyPr wrap="none" rtlCol="0">
+            <a:spAutoFit/>
+          </a:bodyPr>
+          <a:lstStyle/>
+          <a:p>
+            <a:r>
+              <a:rPr lang="fr-FR" strike="sngStrike" dirty="0"/>
+              <a:t>Appli WEB</a:t>
+            </a:r>
+          </a:p>
+        </p:txBody>
+      </p:sp>
+      <p:sp>
+        <p:nvSpPr>
+          <p:cNvPr id="22" name="ZoneTexte 21">
+            <a:extLst>
+              <a:ext uri="{FF2B5EF4-FFF2-40B4-BE49-F238E27FC236}">
+                <a16:creationId xmlns:a16="http://schemas.microsoft.com/office/drawing/2014/main" id="{5B1CCF47-841E-483C-AB2D-53E398C86376}"/>
+              </a:ext>
+            </a:extLst>
+          </p:cNvPr>
+          <p:cNvSpPr txBox="1"/>
+          <p:nvPr/>
+        </p:nvSpPr>
+        <p:spPr>
+          <a:xfrm>
+            <a:off x="10050865" y="6299536"/>
+            <a:ext cx="1417439" cy="369332"/>
+          </a:xfrm>
+          <a:prstGeom prst="rect">
+            <a:avLst/>
+          </a:prstGeom>
+          <a:noFill/>
+        </p:spPr>
+        <p:txBody>
+          <a:bodyPr wrap="none" rtlCol="0">
+            <a:spAutoFit/>
+          </a:bodyPr>
+          <a:lstStyle/>
+          <a:p>
+            <a:r>
+              <a:rPr lang="fr-FR" strike="sngStrike" dirty="0"/>
+              <a:t>Partie réseau</a:t>
+            </a:r>
           </a:p>
         </p:txBody>
       </p:sp>
     </p:spTree>
     <p:extLst>
       <p:ext uri="{BB962C8B-B14F-4D97-AF65-F5344CB8AC3E}">
-        <p14:creationId xmlns:p14="http://schemas.microsoft.com/office/powerpoint/2010/main" val="2387998976"/>
+        <p14:creationId xmlns:p14="http://schemas.microsoft.com/office/powerpoint/2010/main" val="3626107938"/>
       </p:ext>
     </p:extLst>
   </p:cSld>
   <p:clrMapOvr>
     <a:masterClrMapping/>
   </p:clrMapOvr>
+  <mc:AlternateContent xmlns:mc="http://schemas.openxmlformats.org/markup-compatibility/2006">
+    <mc:Choice xmlns:p14="http://schemas.microsoft.com/office/powerpoint/2010/main" Requires="p14">
+      <p:transition spd="med" p14:dur="700">
+        <p:fade/>
+      </p:transition>
+    </mc:Choice>
+    <mc:Fallback>
+      <p:transition spd="med">
+        <p:fade/>
+      </p:transition>
+    </mc:Fallback>
+  </mc:AlternateContent>
 </p:sld>
 </file>
 
@@ -6112,57 +8978,1003 @@
             <a:pPr algn="ctr"/>
             <a:r>
               <a:rPr lang="fr-FR" b="1" dirty="0">
+                <a:effectLst>
+                  <a:outerShdw blurRad="38100" dist="38100" dir="2700000" algn="tl">
+                    <a:srgbClr val="000000">
+                      <a:alpha val="43137"/>
+                    </a:srgbClr>
+                  </a:outerShdw>
+                </a:effectLst>
                 <a:latin typeface="+mn-lt"/>
               </a:rPr>
+              <a:t>Mécanisme n°1 : L’échiquier</a:t>
+            </a:r>
+          </a:p>
+        </p:txBody>
+      </p:sp>
+      <p:sp>
+        <p:nvSpPr>
+          <p:cNvPr id="6" name="Rectangle 5">
+            <a:extLst>
+              <a:ext uri="{FF2B5EF4-FFF2-40B4-BE49-F238E27FC236}">
+                <a16:creationId xmlns:a16="http://schemas.microsoft.com/office/drawing/2014/main" id="{CBA47D79-0FCA-49B2-9372-FD95C5CC0C0C}"/>
+              </a:ext>
+            </a:extLst>
+          </p:cNvPr>
+          <p:cNvSpPr/>
+          <p:nvPr/>
+        </p:nvSpPr>
+        <p:spPr>
+          <a:xfrm>
+            <a:off x="11714226" y="511747"/>
+            <a:ext cx="372999" cy="5834506"/>
+          </a:xfrm>
+          <a:prstGeom prst="rect">
+            <a:avLst/>
+          </a:prstGeom>
+          <a:solidFill>
+            <a:schemeClr val="bg1"/>
+          </a:solidFill>
+          <a:ln>
+            <a:solidFill>
+              <a:srgbClr val="002060"/>
+            </a:solidFill>
+          </a:ln>
+        </p:spPr>
+        <p:style>
+          <a:lnRef idx="2">
+            <a:schemeClr val="accent1">
+              <a:shade val="50000"/>
+            </a:schemeClr>
+          </a:lnRef>
+          <a:fillRef idx="1">
+            <a:schemeClr val="accent1"/>
+          </a:fillRef>
+          <a:effectRef idx="0">
+            <a:schemeClr val="accent1"/>
+          </a:effectRef>
+          <a:fontRef idx="minor">
+            <a:schemeClr val="lt1"/>
+          </a:fontRef>
+        </p:style>
+        <p:txBody>
+          <a:bodyPr rtlCol="0" anchor="ctr"/>
+          <a:lstStyle/>
+          <a:p>
+            <a:pPr algn="ctr"/>
+            <a:endParaRPr lang="fr-FR"/>
+          </a:p>
+        </p:txBody>
+      </p:sp>
+      <p:sp>
+        <p:nvSpPr>
+          <p:cNvPr id="7" name="Ellipse 6">
+            <a:extLst>
+              <a:ext uri="{FF2B5EF4-FFF2-40B4-BE49-F238E27FC236}">
+                <a16:creationId xmlns:a16="http://schemas.microsoft.com/office/drawing/2014/main" id="{DCC54F63-DF92-40F0-9BFA-B01DE12E8CC1}"/>
+              </a:ext>
+            </a:extLst>
+          </p:cNvPr>
+          <p:cNvSpPr/>
+          <p:nvPr/>
+        </p:nvSpPr>
+        <p:spPr>
+          <a:xfrm>
+            <a:off x="11576112" y="441326"/>
+            <a:ext cx="615868" cy="596900"/>
+          </a:xfrm>
+          <a:prstGeom prst="ellipse">
+            <a:avLst/>
+          </a:prstGeom>
+          <a:solidFill>
+            <a:srgbClr val="92D050"/>
+          </a:solidFill>
+          <a:ln>
+            <a:solidFill>
+              <a:srgbClr val="002060"/>
+            </a:solidFill>
+          </a:ln>
+        </p:spPr>
+        <p:style>
+          <a:lnRef idx="2">
+            <a:schemeClr val="accent1">
+              <a:shade val="50000"/>
+            </a:schemeClr>
+          </a:lnRef>
+          <a:fillRef idx="1">
+            <a:schemeClr val="accent1"/>
+          </a:fillRef>
+          <a:effectRef idx="0">
+            <a:schemeClr val="accent1"/>
+          </a:effectRef>
+          <a:fontRef idx="minor">
+            <a:schemeClr val="lt1"/>
+          </a:fontRef>
+        </p:style>
+        <p:txBody>
+          <a:bodyPr rtlCol="0" anchor="ctr"/>
+          <a:lstStyle/>
+          <a:p>
+            <a:pPr algn="ctr"/>
+            <a:endParaRPr lang="fr-FR"/>
+          </a:p>
+        </p:txBody>
+      </p:sp>
+      <p:sp>
+        <p:nvSpPr>
+          <p:cNvPr id="8" name="Ellipse 7">
+            <a:extLst>
+              <a:ext uri="{FF2B5EF4-FFF2-40B4-BE49-F238E27FC236}">
+                <a16:creationId xmlns:a16="http://schemas.microsoft.com/office/drawing/2014/main" id="{D81466C0-A4A3-4984-A6A9-F26B72C98B5D}"/>
+              </a:ext>
+            </a:extLst>
+          </p:cNvPr>
+          <p:cNvSpPr/>
+          <p:nvPr/>
+        </p:nvSpPr>
+        <p:spPr>
+          <a:xfrm>
+            <a:off x="11592791" y="1260476"/>
+            <a:ext cx="615868" cy="596900"/>
+          </a:xfrm>
+          <a:prstGeom prst="ellipse">
+            <a:avLst/>
+          </a:prstGeom>
+          <a:solidFill>
+            <a:srgbClr val="92D050"/>
+          </a:solidFill>
+          <a:ln>
+            <a:solidFill>
+              <a:srgbClr val="002060"/>
+            </a:solidFill>
+          </a:ln>
+        </p:spPr>
+        <p:style>
+          <a:lnRef idx="2">
+            <a:schemeClr val="accent1">
+              <a:shade val="50000"/>
+            </a:schemeClr>
+          </a:lnRef>
+          <a:fillRef idx="1">
+            <a:schemeClr val="accent1"/>
+          </a:fillRef>
+          <a:effectRef idx="0">
+            <a:schemeClr val="accent1"/>
+          </a:effectRef>
+          <a:fontRef idx="minor">
+            <a:schemeClr val="lt1"/>
+          </a:fontRef>
+        </p:style>
+        <p:txBody>
+          <a:bodyPr rtlCol="0" anchor="ctr"/>
+          <a:lstStyle/>
+          <a:p>
+            <a:pPr algn="ctr"/>
+            <a:endParaRPr lang="fr-FR"/>
+          </a:p>
+        </p:txBody>
+      </p:sp>
+      <p:sp>
+        <p:nvSpPr>
+          <p:cNvPr id="9" name="Ellipse 8">
+            <a:extLst>
+              <a:ext uri="{FF2B5EF4-FFF2-40B4-BE49-F238E27FC236}">
+                <a16:creationId xmlns:a16="http://schemas.microsoft.com/office/drawing/2014/main" id="{88BB5B44-93F2-4A32-8E55-3FB7C5007E52}"/>
+              </a:ext>
+            </a:extLst>
+          </p:cNvPr>
+          <p:cNvSpPr/>
+          <p:nvPr/>
+        </p:nvSpPr>
+        <p:spPr>
+          <a:xfrm>
+            <a:off x="11599162" y="2079626"/>
+            <a:ext cx="615868" cy="596900"/>
+          </a:xfrm>
+          <a:prstGeom prst="ellipse">
+            <a:avLst/>
+          </a:prstGeom>
+          <a:solidFill>
+            <a:srgbClr val="92D050"/>
+          </a:solidFill>
+          <a:ln>
+            <a:solidFill>
+              <a:srgbClr val="002060"/>
+            </a:solidFill>
+          </a:ln>
+        </p:spPr>
+        <p:style>
+          <a:lnRef idx="2">
+            <a:schemeClr val="accent1">
+              <a:shade val="50000"/>
+            </a:schemeClr>
+          </a:lnRef>
+          <a:fillRef idx="1">
+            <a:schemeClr val="accent1"/>
+          </a:fillRef>
+          <a:effectRef idx="0">
+            <a:schemeClr val="accent1"/>
+          </a:effectRef>
+          <a:fontRef idx="minor">
+            <a:schemeClr val="lt1"/>
+          </a:fontRef>
+        </p:style>
+        <p:txBody>
+          <a:bodyPr rtlCol="0" anchor="ctr"/>
+          <a:lstStyle/>
+          <a:p>
+            <a:pPr algn="ctr"/>
+            <a:endParaRPr lang="fr-FR"/>
+          </a:p>
+        </p:txBody>
+      </p:sp>
+      <p:sp>
+        <p:nvSpPr>
+          <p:cNvPr id="10" name="Ellipse 9">
+            <a:extLst>
+              <a:ext uri="{FF2B5EF4-FFF2-40B4-BE49-F238E27FC236}">
+                <a16:creationId xmlns:a16="http://schemas.microsoft.com/office/drawing/2014/main" id="{28F50CF8-FD3C-42B0-B108-3F99C294A90A}"/>
+              </a:ext>
+            </a:extLst>
+          </p:cNvPr>
+          <p:cNvSpPr/>
+          <p:nvPr/>
+        </p:nvSpPr>
+        <p:spPr>
+          <a:xfrm>
+            <a:off x="11599162" y="2898776"/>
+            <a:ext cx="615868" cy="596900"/>
+          </a:xfrm>
+          <a:prstGeom prst="ellipse">
+            <a:avLst/>
+          </a:prstGeom>
+          <a:solidFill>
+            <a:srgbClr val="92D050"/>
+          </a:solidFill>
+          <a:ln>
+            <a:solidFill>
+              <a:srgbClr val="002060"/>
+            </a:solidFill>
+          </a:ln>
+        </p:spPr>
+        <p:style>
+          <a:lnRef idx="2">
+            <a:schemeClr val="accent1">
+              <a:shade val="50000"/>
+            </a:schemeClr>
+          </a:lnRef>
+          <a:fillRef idx="1">
+            <a:schemeClr val="accent1"/>
+          </a:fillRef>
+          <a:effectRef idx="0">
+            <a:schemeClr val="accent1"/>
+          </a:effectRef>
+          <a:fontRef idx="minor">
+            <a:schemeClr val="lt1"/>
+          </a:fontRef>
+        </p:style>
+        <p:txBody>
+          <a:bodyPr rtlCol="0" anchor="ctr"/>
+          <a:lstStyle/>
+          <a:p>
+            <a:pPr algn="ctr"/>
+            <a:endParaRPr lang="fr-FR"/>
+          </a:p>
+        </p:txBody>
+      </p:sp>
+      <p:sp>
+        <p:nvSpPr>
+          <p:cNvPr id="11" name="Ellipse 10">
+            <a:extLst>
+              <a:ext uri="{FF2B5EF4-FFF2-40B4-BE49-F238E27FC236}">
+                <a16:creationId xmlns:a16="http://schemas.microsoft.com/office/drawing/2014/main" id="{26C0FAD6-3CC9-4453-822C-DA53A53942C0}"/>
+              </a:ext>
+            </a:extLst>
+          </p:cNvPr>
+          <p:cNvSpPr/>
+          <p:nvPr/>
+        </p:nvSpPr>
+        <p:spPr>
+          <a:xfrm>
+            <a:off x="11599162" y="3717926"/>
+            <a:ext cx="615868" cy="596900"/>
+          </a:xfrm>
+          <a:prstGeom prst="ellipse">
+            <a:avLst/>
+          </a:prstGeom>
+          <a:solidFill>
+            <a:schemeClr val="bg1"/>
+          </a:solidFill>
+          <a:ln>
+            <a:solidFill>
+              <a:srgbClr val="002060"/>
+            </a:solidFill>
+          </a:ln>
+        </p:spPr>
+        <p:style>
+          <a:lnRef idx="2">
+            <a:schemeClr val="accent1">
+              <a:shade val="50000"/>
+            </a:schemeClr>
+          </a:lnRef>
+          <a:fillRef idx="1">
+            <a:schemeClr val="accent1"/>
+          </a:fillRef>
+          <a:effectRef idx="0">
+            <a:schemeClr val="accent1"/>
+          </a:effectRef>
+          <a:fontRef idx="minor">
+            <a:schemeClr val="lt1"/>
+          </a:fontRef>
+        </p:style>
+        <p:txBody>
+          <a:bodyPr rtlCol="0" anchor="ctr"/>
+          <a:lstStyle/>
+          <a:p>
+            <a:pPr algn="ctr"/>
+            <a:endParaRPr lang="fr-FR"/>
+          </a:p>
+        </p:txBody>
+      </p:sp>
+      <p:sp>
+        <p:nvSpPr>
+          <p:cNvPr id="12" name="Ellipse 11">
+            <a:extLst>
+              <a:ext uri="{FF2B5EF4-FFF2-40B4-BE49-F238E27FC236}">
+                <a16:creationId xmlns:a16="http://schemas.microsoft.com/office/drawing/2014/main" id="{37D3D1ED-6CCD-4D31-A4C8-B2015B9DB4D8}"/>
+              </a:ext>
+            </a:extLst>
+          </p:cNvPr>
+          <p:cNvSpPr/>
+          <p:nvPr/>
+        </p:nvSpPr>
+        <p:spPr>
+          <a:xfrm>
+            <a:off x="11601224" y="4537076"/>
+            <a:ext cx="615868" cy="596900"/>
+          </a:xfrm>
+          <a:prstGeom prst="ellipse">
+            <a:avLst/>
+          </a:prstGeom>
+          <a:solidFill>
+            <a:schemeClr val="bg1"/>
+          </a:solidFill>
+          <a:ln>
+            <a:solidFill>
+              <a:srgbClr val="002060"/>
+            </a:solidFill>
+          </a:ln>
+        </p:spPr>
+        <p:style>
+          <a:lnRef idx="2">
+            <a:schemeClr val="accent1">
+              <a:shade val="50000"/>
+            </a:schemeClr>
+          </a:lnRef>
+          <a:fillRef idx="1">
+            <a:schemeClr val="accent1"/>
+          </a:fillRef>
+          <a:effectRef idx="0">
+            <a:schemeClr val="accent1"/>
+          </a:effectRef>
+          <a:fontRef idx="minor">
+            <a:schemeClr val="lt1"/>
+          </a:fontRef>
+        </p:style>
+        <p:txBody>
+          <a:bodyPr rtlCol="0" anchor="ctr"/>
+          <a:lstStyle/>
+          <a:p>
+            <a:pPr algn="ctr"/>
+            <a:endParaRPr lang="fr-FR"/>
+          </a:p>
+        </p:txBody>
+      </p:sp>
+      <p:sp>
+        <p:nvSpPr>
+          <p:cNvPr id="13" name="Ellipse 12">
+            <a:extLst>
+              <a:ext uri="{FF2B5EF4-FFF2-40B4-BE49-F238E27FC236}">
+                <a16:creationId xmlns:a16="http://schemas.microsoft.com/office/drawing/2014/main" id="{41BEF1AC-50CD-4863-90C3-6B5CC05DA911}"/>
+              </a:ext>
+            </a:extLst>
+          </p:cNvPr>
+          <p:cNvSpPr/>
+          <p:nvPr/>
+        </p:nvSpPr>
+        <p:spPr>
+          <a:xfrm>
+            <a:off x="11576112" y="5356226"/>
+            <a:ext cx="615868" cy="596900"/>
+          </a:xfrm>
+          <a:prstGeom prst="ellipse">
+            <a:avLst/>
+          </a:prstGeom>
+          <a:solidFill>
+            <a:schemeClr val="bg1"/>
+          </a:solidFill>
+          <a:ln>
+            <a:solidFill>
+              <a:srgbClr val="002060"/>
+            </a:solidFill>
+          </a:ln>
+        </p:spPr>
+        <p:style>
+          <a:lnRef idx="2">
+            <a:schemeClr val="accent1">
+              <a:shade val="50000"/>
+            </a:schemeClr>
+          </a:lnRef>
+          <a:fillRef idx="1">
+            <a:schemeClr val="accent1"/>
+          </a:fillRef>
+          <a:effectRef idx="0">
+            <a:schemeClr val="accent1"/>
+          </a:effectRef>
+          <a:fontRef idx="minor">
+            <a:schemeClr val="lt1"/>
+          </a:fontRef>
+        </p:style>
+        <p:txBody>
+          <a:bodyPr rtlCol="0" anchor="ctr"/>
+          <a:lstStyle/>
+          <a:p>
+            <a:pPr algn="ctr"/>
+            <a:endParaRPr lang="fr-FR"/>
+          </a:p>
+        </p:txBody>
+      </p:sp>
+      <p:sp>
+        <p:nvSpPr>
+          <p:cNvPr id="14" name="Ellipse 13">
+            <a:extLst>
+              <a:ext uri="{FF2B5EF4-FFF2-40B4-BE49-F238E27FC236}">
+                <a16:creationId xmlns:a16="http://schemas.microsoft.com/office/drawing/2014/main" id="{10D252BB-2DE0-45FF-B32B-0B60F18B7588}"/>
+              </a:ext>
+            </a:extLst>
+          </p:cNvPr>
+          <p:cNvSpPr/>
+          <p:nvPr/>
+        </p:nvSpPr>
+        <p:spPr>
+          <a:xfrm>
+            <a:off x="11599162" y="6175376"/>
+            <a:ext cx="615868" cy="596900"/>
+          </a:xfrm>
+          <a:prstGeom prst="ellipse">
+            <a:avLst/>
+          </a:prstGeom>
+          <a:solidFill>
+            <a:schemeClr val="bg1"/>
+          </a:solidFill>
+          <a:ln>
+            <a:solidFill>
+              <a:srgbClr val="002060"/>
+            </a:solidFill>
+          </a:ln>
+        </p:spPr>
+        <p:style>
+          <a:lnRef idx="2">
+            <a:schemeClr val="accent1">
+              <a:shade val="50000"/>
+            </a:schemeClr>
+          </a:lnRef>
+          <a:fillRef idx="1">
+            <a:schemeClr val="accent1"/>
+          </a:fillRef>
+          <a:effectRef idx="0">
+            <a:schemeClr val="accent1"/>
+          </a:effectRef>
+          <a:fontRef idx="minor">
+            <a:schemeClr val="lt1"/>
+          </a:fontRef>
+        </p:style>
+        <p:txBody>
+          <a:bodyPr rtlCol="0" anchor="ctr"/>
+          <a:lstStyle/>
+          <a:p>
+            <a:pPr algn="ctr"/>
+            <a:endParaRPr lang="fr-FR"/>
+          </a:p>
+        </p:txBody>
+      </p:sp>
+      <p:sp>
+        <p:nvSpPr>
+          <p:cNvPr id="15" name="ZoneTexte 14">
+            <a:extLst>
+              <a:ext uri="{FF2B5EF4-FFF2-40B4-BE49-F238E27FC236}">
+                <a16:creationId xmlns:a16="http://schemas.microsoft.com/office/drawing/2014/main" id="{85DAF84D-70C4-4235-927E-D1C4BBCE2598}"/>
+              </a:ext>
+            </a:extLst>
+          </p:cNvPr>
+          <p:cNvSpPr txBox="1"/>
+          <p:nvPr/>
+        </p:nvSpPr>
+        <p:spPr>
+          <a:xfrm>
+            <a:off x="10053015" y="555110"/>
+            <a:ext cx="1375569" cy="369332"/>
+          </a:xfrm>
+          <a:prstGeom prst="rect">
+            <a:avLst/>
+          </a:prstGeom>
+          <a:noFill/>
+        </p:spPr>
+        <p:txBody>
+          <a:bodyPr wrap="none" rtlCol="0">
+            <a:spAutoFit/>
+          </a:bodyPr>
+          <a:lstStyle/>
+          <a:p>
+            <a:r>
+              <a:rPr lang="fr-FR" strike="sngStrike" dirty="0"/>
+              <a:t>Introduction</a:t>
+            </a:r>
+          </a:p>
+        </p:txBody>
+      </p:sp>
+      <p:sp>
+        <p:nvSpPr>
+          <p:cNvPr id="16" name="ZoneTexte 15">
+            <a:extLst>
+              <a:ext uri="{FF2B5EF4-FFF2-40B4-BE49-F238E27FC236}">
+                <a16:creationId xmlns:a16="http://schemas.microsoft.com/office/drawing/2014/main" id="{A1E2B18B-ED96-4442-A71D-7490034CED5A}"/>
+              </a:ext>
+            </a:extLst>
+          </p:cNvPr>
+          <p:cNvSpPr txBox="1"/>
+          <p:nvPr/>
+        </p:nvSpPr>
+        <p:spPr>
+          <a:xfrm>
+            <a:off x="10053015" y="1379493"/>
+            <a:ext cx="1359731" cy="369332"/>
+          </a:xfrm>
+          <a:prstGeom prst="rect">
+            <a:avLst/>
+          </a:prstGeom>
+          <a:noFill/>
+        </p:spPr>
+        <p:txBody>
+          <a:bodyPr wrap="none" rtlCol="0">
+            <a:spAutoFit/>
+          </a:bodyPr>
+          <a:lstStyle/>
+          <a:p>
+            <a:r>
+              <a:rPr lang="fr-FR" strike="sngStrike" dirty="0"/>
+              <a:t>Diagrammes</a:t>
+            </a:r>
+          </a:p>
+        </p:txBody>
+      </p:sp>
+      <p:sp>
+        <p:nvSpPr>
+          <p:cNvPr id="17" name="ZoneTexte 16">
+            <a:extLst>
+              <a:ext uri="{FF2B5EF4-FFF2-40B4-BE49-F238E27FC236}">
+                <a16:creationId xmlns:a16="http://schemas.microsoft.com/office/drawing/2014/main" id="{3823058C-8858-4010-910A-F5BFEE2BC346}"/>
+              </a:ext>
+            </a:extLst>
+          </p:cNvPr>
+          <p:cNvSpPr txBox="1"/>
+          <p:nvPr/>
+        </p:nvSpPr>
+        <p:spPr>
+          <a:xfrm>
+            <a:off x="10053015" y="2189074"/>
+            <a:ext cx="1249445" cy="369332"/>
+          </a:xfrm>
+          <a:prstGeom prst="rect">
+            <a:avLst/>
+          </a:prstGeom>
+          <a:noFill/>
+        </p:spPr>
+        <p:txBody>
+          <a:bodyPr wrap="none" rtlCol="0">
+            <a:spAutoFit/>
+          </a:bodyPr>
+          <a:lstStyle/>
+          <a:p>
+            <a:r>
+              <a:rPr lang="fr-FR" strike="sngStrike" dirty="0"/>
               <a:t>Mes tâches</a:t>
+            </a:r>
+          </a:p>
+        </p:txBody>
+      </p:sp>
+      <p:sp>
+        <p:nvSpPr>
+          <p:cNvPr id="18" name="ZoneTexte 17">
+            <a:extLst>
+              <a:ext uri="{FF2B5EF4-FFF2-40B4-BE49-F238E27FC236}">
+                <a16:creationId xmlns:a16="http://schemas.microsoft.com/office/drawing/2014/main" id="{E37909DC-128C-4839-890C-91AC0AD01661}"/>
+              </a:ext>
+            </a:extLst>
+          </p:cNvPr>
+          <p:cNvSpPr txBox="1"/>
+          <p:nvPr/>
+        </p:nvSpPr>
+        <p:spPr>
+          <a:xfrm>
+            <a:off x="10053015" y="3012560"/>
+            <a:ext cx="1656479" cy="369332"/>
+          </a:xfrm>
+          <a:prstGeom prst="rect">
+            <a:avLst/>
+          </a:prstGeom>
+          <a:noFill/>
+        </p:spPr>
+        <p:txBody>
+          <a:bodyPr wrap="none" rtlCol="0">
+            <a:spAutoFit/>
+          </a:bodyPr>
+          <a:lstStyle/>
+          <a:p>
+            <a:r>
+              <a:rPr lang="fr-FR" b="1" dirty="0"/>
+              <a:t>Mécanisme n°1</a:t>
+            </a:r>
+          </a:p>
+        </p:txBody>
+      </p:sp>
+      <p:sp>
+        <p:nvSpPr>
+          <p:cNvPr id="19" name="ZoneTexte 18">
+            <a:extLst>
+              <a:ext uri="{FF2B5EF4-FFF2-40B4-BE49-F238E27FC236}">
+                <a16:creationId xmlns:a16="http://schemas.microsoft.com/office/drawing/2014/main" id="{E3D1534B-5754-4537-BE8F-8B8836EA6883}"/>
+              </a:ext>
+            </a:extLst>
+          </p:cNvPr>
+          <p:cNvSpPr txBox="1"/>
+          <p:nvPr/>
+        </p:nvSpPr>
+        <p:spPr>
+          <a:xfrm>
+            <a:off x="10053015" y="3826522"/>
+            <a:ext cx="1638269" cy="369332"/>
+          </a:xfrm>
+          <a:prstGeom prst="rect">
+            <a:avLst/>
+          </a:prstGeom>
+          <a:noFill/>
+        </p:spPr>
+        <p:txBody>
+          <a:bodyPr wrap="none" rtlCol="0">
+            <a:spAutoFit/>
+          </a:bodyPr>
+          <a:lstStyle/>
+          <a:p>
+            <a:r>
+              <a:rPr lang="fr-FR" strike="sngStrike" dirty="0"/>
+              <a:t>Mécanisme n°2</a:t>
+            </a:r>
+          </a:p>
+        </p:txBody>
+      </p:sp>
+      <p:sp>
+        <p:nvSpPr>
+          <p:cNvPr id="20" name="ZoneTexte 19">
+            <a:extLst>
+              <a:ext uri="{FF2B5EF4-FFF2-40B4-BE49-F238E27FC236}">
+                <a16:creationId xmlns:a16="http://schemas.microsoft.com/office/drawing/2014/main" id="{2932188B-645B-40F3-991A-E57F2FEEC1E6}"/>
+              </a:ext>
+            </a:extLst>
+          </p:cNvPr>
+          <p:cNvSpPr txBox="1"/>
+          <p:nvPr/>
+        </p:nvSpPr>
+        <p:spPr>
+          <a:xfrm>
+            <a:off x="10050865" y="4640484"/>
+            <a:ext cx="1638269" cy="369332"/>
+          </a:xfrm>
+          <a:prstGeom prst="rect">
+            <a:avLst/>
+          </a:prstGeom>
+          <a:noFill/>
+        </p:spPr>
+        <p:txBody>
+          <a:bodyPr wrap="none" rtlCol="0">
+            <a:spAutoFit/>
+          </a:bodyPr>
+          <a:lstStyle/>
+          <a:p>
+            <a:r>
+              <a:rPr lang="fr-FR" strike="sngStrike" dirty="0"/>
+              <a:t>Mécanisme n°3</a:t>
+            </a:r>
+          </a:p>
+        </p:txBody>
+      </p:sp>
+      <p:sp>
+        <p:nvSpPr>
+          <p:cNvPr id="21" name="ZoneTexte 20">
+            <a:extLst>
+              <a:ext uri="{FF2B5EF4-FFF2-40B4-BE49-F238E27FC236}">
+                <a16:creationId xmlns:a16="http://schemas.microsoft.com/office/drawing/2014/main" id="{7F1BDAFF-6372-4EB8-8DA0-608FD6369FC9}"/>
+              </a:ext>
+            </a:extLst>
+          </p:cNvPr>
+          <p:cNvSpPr txBox="1"/>
+          <p:nvPr/>
+        </p:nvSpPr>
+        <p:spPr>
+          <a:xfrm>
+            <a:off x="10050865" y="5470010"/>
+            <a:ext cx="1162498" cy="369332"/>
+          </a:xfrm>
+          <a:prstGeom prst="rect">
+            <a:avLst/>
+          </a:prstGeom>
+          <a:noFill/>
+        </p:spPr>
+        <p:txBody>
+          <a:bodyPr wrap="none" rtlCol="0">
+            <a:spAutoFit/>
+          </a:bodyPr>
+          <a:lstStyle/>
+          <a:p>
+            <a:r>
+              <a:rPr lang="fr-FR" strike="sngStrike" dirty="0"/>
+              <a:t>Appli WEB</a:t>
+            </a:r>
+          </a:p>
+        </p:txBody>
+      </p:sp>
+      <p:sp>
+        <p:nvSpPr>
+          <p:cNvPr id="22" name="ZoneTexte 21">
+            <a:extLst>
+              <a:ext uri="{FF2B5EF4-FFF2-40B4-BE49-F238E27FC236}">
+                <a16:creationId xmlns:a16="http://schemas.microsoft.com/office/drawing/2014/main" id="{A0A0DCE1-5E99-4965-8214-3070B71AA460}"/>
+              </a:ext>
+            </a:extLst>
+          </p:cNvPr>
+          <p:cNvSpPr txBox="1"/>
+          <p:nvPr/>
+        </p:nvSpPr>
+        <p:spPr>
+          <a:xfrm>
+            <a:off x="10050865" y="6299536"/>
+            <a:ext cx="1417439" cy="369332"/>
+          </a:xfrm>
+          <a:prstGeom prst="rect">
+            <a:avLst/>
+          </a:prstGeom>
+          <a:noFill/>
+        </p:spPr>
+        <p:txBody>
+          <a:bodyPr wrap="none" rtlCol="0">
+            <a:spAutoFit/>
+          </a:bodyPr>
+          <a:lstStyle/>
+          <a:p>
+            <a:r>
+              <a:rPr lang="fr-FR" strike="sngStrike" dirty="0"/>
+              <a:t>Partie réseau</a:t>
             </a:r>
           </a:p>
         </p:txBody>
       </p:sp>
       <p:pic>
         <p:nvPicPr>
-          <p:cNvPr id="4" name="Image 3">
-            <a:extLst>
-              <a:ext uri="{FF2B5EF4-FFF2-40B4-BE49-F238E27FC236}">
-                <a16:creationId xmlns:a16="http://schemas.microsoft.com/office/drawing/2014/main" id="{B7441BCA-F2F3-49D7-9D50-474CE98A3A2A}"/>
-              </a:ext>
-            </a:extLst>
-          </p:cNvPr>
-          <p:cNvPicPr/>
+          <p:cNvPr id="23" name="Image 22">
+            <a:extLst>
+              <a:ext uri="{FF2B5EF4-FFF2-40B4-BE49-F238E27FC236}">
+                <a16:creationId xmlns:a16="http://schemas.microsoft.com/office/drawing/2014/main" id="{5F7D97F1-855C-4032-A445-A83D8E9C86B1}"/>
+              </a:ext>
+            </a:extLst>
+          </p:cNvPr>
+          <p:cNvPicPr>
+            <a:picLocks noChangeAspect="1"/>
+          </p:cNvPicPr>
           <p:nvPr/>
         </p:nvPicPr>
         <p:blipFill>
-          <a:blip r:embed="rId3">
-            <a:extLst>
-              <a:ext uri="{28A0092B-C50C-407E-A947-70E740481C1C}">
-                <a14:useLocalDpi xmlns:a14="http://schemas.microsoft.com/office/drawing/2010/main" val="0"/>
-              </a:ext>
-            </a:extLst>
-          </a:blip>
+          <a:blip r:embed="rId3"/>
           <a:stretch>
             <a:fillRect/>
           </a:stretch>
         </p:blipFill>
         <p:spPr>
           <a:xfrm>
-            <a:off x="2543175" y="1690688"/>
-            <a:ext cx="7105650" cy="4595812"/>
+            <a:off x="49557" y="1345256"/>
+            <a:ext cx="6568638" cy="3479894"/>
           </a:xfrm>
           <a:prstGeom prst="rect">
             <a:avLst/>
           </a:prstGeom>
         </p:spPr>
       </p:pic>
+      <p:sp>
+        <p:nvSpPr>
+          <p:cNvPr id="24" name="ZoneTexte 23">
+            <a:extLst>
+              <a:ext uri="{FF2B5EF4-FFF2-40B4-BE49-F238E27FC236}">
+                <a16:creationId xmlns:a16="http://schemas.microsoft.com/office/drawing/2014/main" id="{3C79A3F9-45D6-4A99-8AA8-CF85C2619C84}"/>
+              </a:ext>
+            </a:extLst>
+          </p:cNvPr>
+          <p:cNvSpPr txBox="1"/>
+          <p:nvPr/>
+        </p:nvSpPr>
+        <p:spPr>
+          <a:xfrm>
+            <a:off x="1447800" y="4195854"/>
+            <a:ext cx="2245102" cy="400110"/>
+          </a:xfrm>
+          <a:prstGeom prst="rect">
+            <a:avLst/>
+          </a:prstGeom>
+          <a:noFill/>
+        </p:spPr>
+        <p:txBody>
+          <a:bodyPr wrap="none" rtlCol="0">
+            <a:spAutoFit/>
+          </a:bodyPr>
+          <a:lstStyle/>
+          <a:p>
+            <a:r>
+              <a:rPr lang="fr-FR" sz="2000" b="1" dirty="0"/>
+              <a:t>Capteur à effet Hall</a:t>
+            </a:r>
+          </a:p>
+        </p:txBody>
+      </p:sp>
+      <p:pic>
+        <p:nvPicPr>
+          <p:cNvPr id="25" name="Image 24">
+            <a:extLst>
+              <a:ext uri="{FF2B5EF4-FFF2-40B4-BE49-F238E27FC236}">
+                <a16:creationId xmlns:a16="http://schemas.microsoft.com/office/drawing/2014/main" id="{22303699-C1B7-428A-98E2-6FE84B29902E}"/>
+              </a:ext>
+            </a:extLst>
+          </p:cNvPr>
+          <p:cNvPicPr>
+            <a:picLocks noChangeAspect="1"/>
+          </p:cNvPicPr>
+          <p:nvPr/>
+        </p:nvPicPr>
+        <p:blipFill>
+          <a:blip r:embed="rId4"/>
+          <a:stretch>
+            <a:fillRect/>
+          </a:stretch>
+        </p:blipFill>
+        <p:spPr>
+          <a:xfrm>
+            <a:off x="7249708" y="2766144"/>
+            <a:ext cx="1967131" cy="1459064"/>
+          </a:xfrm>
+          <a:prstGeom prst="rect">
+            <a:avLst/>
+          </a:prstGeom>
+        </p:spPr>
+      </p:pic>
+      <p:pic>
+        <p:nvPicPr>
+          <p:cNvPr id="26" name="Image 25">
+            <a:extLst>
+              <a:ext uri="{FF2B5EF4-FFF2-40B4-BE49-F238E27FC236}">
+                <a16:creationId xmlns:a16="http://schemas.microsoft.com/office/drawing/2014/main" id="{8C0DD802-2AE1-4798-BA1E-D64DAA302EC2}"/>
+              </a:ext>
+            </a:extLst>
+          </p:cNvPr>
+          <p:cNvPicPr>
+            <a:picLocks noChangeAspect="1"/>
+          </p:cNvPicPr>
+          <p:nvPr/>
+        </p:nvPicPr>
+        <p:blipFill>
+          <a:blip r:embed="rId5"/>
+          <a:stretch>
+            <a:fillRect/>
+          </a:stretch>
+        </p:blipFill>
+        <p:spPr>
+          <a:xfrm>
+            <a:off x="4286686" y="2735298"/>
+            <a:ext cx="2245102" cy="1860666"/>
+          </a:xfrm>
+          <a:prstGeom prst="rect">
+            <a:avLst/>
+          </a:prstGeom>
+        </p:spPr>
+      </p:pic>
+      <p:sp>
+        <p:nvSpPr>
+          <p:cNvPr id="27" name="ZoneTexte 26">
+            <a:extLst>
+              <a:ext uri="{FF2B5EF4-FFF2-40B4-BE49-F238E27FC236}">
+                <a16:creationId xmlns:a16="http://schemas.microsoft.com/office/drawing/2014/main" id="{48EDCAE7-1DB4-46FF-BA11-3FDFCB1AFE7D}"/>
+              </a:ext>
+            </a:extLst>
+          </p:cNvPr>
+          <p:cNvSpPr txBox="1"/>
+          <p:nvPr/>
+        </p:nvSpPr>
+        <p:spPr>
+          <a:xfrm>
+            <a:off x="5004606" y="4195854"/>
+            <a:ext cx="809261" cy="400110"/>
+          </a:xfrm>
+          <a:prstGeom prst="rect">
+            <a:avLst/>
+          </a:prstGeom>
+          <a:noFill/>
+        </p:spPr>
+        <p:txBody>
+          <a:bodyPr wrap="none" rtlCol="0">
+            <a:spAutoFit/>
+          </a:bodyPr>
+          <a:lstStyle/>
+          <a:p>
+            <a:r>
+              <a:rPr lang="fr-FR" sz="2000" b="1" dirty="0"/>
+              <a:t>Relais</a:t>
+            </a:r>
+          </a:p>
+        </p:txBody>
+      </p:sp>
+      <p:sp>
+        <p:nvSpPr>
+          <p:cNvPr id="28" name="ZoneTexte 27">
+            <a:extLst>
+              <a:ext uri="{FF2B5EF4-FFF2-40B4-BE49-F238E27FC236}">
+                <a16:creationId xmlns:a16="http://schemas.microsoft.com/office/drawing/2014/main" id="{CAF8AC7F-BACE-42DC-A242-94CA2999B683}"/>
+              </a:ext>
+            </a:extLst>
+          </p:cNvPr>
+          <p:cNvSpPr txBox="1"/>
+          <p:nvPr/>
+        </p:nvSpPr>
+        <p:spPr>
+          <a:xfrm>
+            <a:off x="7125572" y="4195854"/>
+            <a:ext cx="2245743" cy="400110"/>
+          </a:xfrm>
+          <a:prstGeom prst="rect">
+            <a:avLst/>
+          </a:prstGeom>
+          <a:noFill/>
+        </p:spPr>
+        <p:txBody>
+          <a:bodyPr wrap="none" rtlCol="0">
+            <a:spAutoFit/>
+          </a:bodyPr>
+          <a:lstStyle/>
+          <a:p>
+            <a:r>
+              <a:rPr lang="fr-FR" sz="2000" b="1" dirty="0"/>
+              <a:t>Verrou magnétique</a:t>
+            </a:r>
+          </a:p>
+        </p:txBody>
+      </p:sp>
     </p:spTree>
     <p:extLst>
       <p:ext uri="{BB962C8B-B14F-4D97-AF65-F5344CB8AC3E}">
-        <p14:creationId xmlns:p14="http://schemas.microsoft.com/office/powerpoint/2010/main" val="3626107938"/>
+        <p14:creationId xmlns:p14="http://schemas.microsoft.com/office/powerpoint/2010/main" val="3757101805"/>
       </p:ext>
     </p:extLst>
   </p:cSld>
   <p:clrMapOvr>
     <a:masterClrMapping/>
   </p:clrMapOvr>
+  <mc:AlternateContent xmlns:mc="http://schemas.openxmlformats.org/markup-compatibility/2006">
+    <mc:Choice xmlns:p14="http://schemas.microsoft.com/office/powerpoint/2010/main" Requires="p14">
+      <p:transition spd="med" p14:dur="700">
+        <p:fade/>
+      </p:transition>
+    </mc:Choice>
+    <mc:Fallback>
+      <p:transition spd="med">
+        <p:fade/>
+      </p:transition>
+    </mc:Fallback>
+  </mc:AlternateContent>
 </p:sld>
 </file>
 
@@ -6185,10 +9997,10 @@
       </p:grpSpPr>
       <p:pic>
         <p:nvPicPr>
-          <p:cNvPr id="25" name="Image 24" descr="Une image contenant table, paire&#10;&#10;Description générée automatiquement">
-            <a:extLst>
-              <a:ext uri="{FF2B5EF4-FFF2-40B4-BE49-F238E27FC236}">
-                <a16:creationId xmlns:a16="http://schemas.microsoft.com/office/drawing/2014/main" id="{360E627F-DDC6-42E0-9CBC-A5125DC34D25}"/>
+          <p:cNvPr id="5" name="Image 4" descr="Une image contenant table, paire&#10;&#10;Description générée automatiquement">
+            <a:extLst>
+              <a:ext uri="{FF2B5EF4-FFF2-40B4-BE49-F238E27FC236}">
+                <a16:creationId xmlns:a16="http://schemas.microsoft.com/office/drawing/2014/main" id="{54EDA2C0-48CE-4DA2-890F-252AC8D48847}"/>
               </a:ext>
             </a:extLst>
           </p:cNvPr>
@@ -6221,10 +10033,10 @@
       </p:pic>
       <p:sp>
         <p:nvSpPr>
-          <p:cNvPr id="4" name="Titre 1">
-            <a:extLst>
-              <a:ext uri="{FF2B5EF4-FFF2-40B4-BE49-F238E27FC236}">
-                <a16:creationId xmlns:a16="http://schemas.microsoft.com/office/drawing/2014/main" id="{621ABB55-4537-4B7F-9986-41292A7945F8}"/>
+          <p:cNvPr id="2" name="Titre 1">
+            <a:extLst>
+              <a:ext uri="{FF2B5EF4-FFF2-40B4-BE49-F238E27FC236}">
+                <a16:creationId xmlns:a16="http://schemas.microsoft.com/office/drawing/2014/main" id="{3B0C423D-65A1-40D8-8751-302A287BBB8F}"/>
               </a:ext>
             </a:extLst>
           </p:cNvPr>
@@ -6235,6 +10047,2160 @@
             <p:ph type="title"/>
           </p:nvPr>
         </p:nvSpPr>
+        <p:spPr/>
+        <p:txBody>
+          <a:bodyPr/>
+          <a:lstStyle/>
+          <a:p>
+            <a:pPr algn="ctr"/>
+            <a:r>
+              <a:rPr lang="fr-FR" b="1" dirty="0">
+                <a:effectLst>
+                  <a:outerShdw blurRad="38100" dist="38100" dir="2700000" algn="tl">
+                    <a:srgbClr val="000000">
+                      <a:alpha val="43137"/>
+                    </a:srgbClr>
+                  </a:outerShdw>
+                </a:effectLst>
+                <a:latin typeface="+mn-lt"/>
+              </a:rPr>
+              <a:t>Mécanisme n°2 : Le lion basculant</a:t>
+            </a:r>
+          </a:p>
+        </p:txBody>
+      </p:sp>
+      <p:sp>
+        <p:nvSpPr>
+          <p:cNvPr id="6" name="Rectangle 5">
+            <a:extLst>
+              <a:ext uri="{FF2B5EF4-FFF2-40B4-BE49-F238E27FC236}">
+                <a16:creationId xmlns:a16="http://schemas.microsoft.com/office/drawing/2014/main" id="{0E26DA03-9C88-47D2-B9CE-136A27D38692}"/>
+              </a:ext>
+            </a:extLst>
+          </p:cNvPr>
+          <p:cNvSpPr/>
+          <p:nvPr/>
+        </p:nvSpPr>
+        <p:spPr>
+          <a:xfrm>
+            <a:off x="11714226" y="511747"/>
+            <a:ext cx="372999" cy="5834506"/>
+          </a:xfrm>
+          <a:prstGeom prst="rect">
+            <a:avLst/>
+          </a:prstGeom>
+          <a:solidFill>
+            <a:schemeClr val="bg1"/>
+          </a:solidFill>
+          <a:ln>
+            <a:solidFill>
+              <a:srgbClr val="002060"/>
+            </a:solidFill>
+          </a:ln>
+        </p:spPr>
+        <p:style>
+          <a:lnRef idx="2">
+            <a:schemeClr val="accent1">
+              <a:shade val="50000"/>
+            </a:schemeClr>
+          </a:lnRef>
+          <a:fillRef idx="1">
+            <a:schemeClr val="accent1"/>
+          </a:fillRef>
+          <a:effectRef idx="0">
+            <a:schemeClr val="accent1"/>
+          </a:effectRef>
+          <a:fontRef idx="minor">
+            <a:schemeClr val="lt1"/>
+          </a:fontRef>
+        </p:style>
+        <p:txBody>
+          <a:bodyPr rtlCol="0" anchor="ctr"/>
+          <a:lstStyle/>
+          <a:p>
+            <a:pPr algn="ctr"/>
+            <a:endParaRPr lang="fr-FR"/>
+          </a:p>
+        </p:txBody>
+      </p:sp>
+      <p:sp>
+        <p:nvSpPr>
+          <p:cNvPr id="7" name="Ellipse 6">
+            <a:extLst>
+              <a:ext uri="{FF2B5EF4-FFF2-40B4-BE49-F238E27FC236}">
+                <a16:creationId xmlns:a16="http://schemas.microsoft.com/office/drawing/2014/main" id="{1BF28E4C-1133-44A9-B5DA-A936B76EEDA2}"/>
+              </a:ext>
+            </a:extLst>
+          </p:cNvPr>
+          <p:cNvSpPr/>
+          <p:nvPr/>
+        </p:nvSpPr>
+        <p:spPr>
+          <a:xfrm>
+            <a:off x="11576112" y="441326"/>
+            <a:ext cx="615868" cy="596900"/>
+          </a:xfrm>
+          <a:prstGeom prst="ellipse">
+            <a:avLst/>
+          </a:prstGeom>
+          <a:solidFill>
+            <a:srgbClr val="92D050"/>
+          </a:solidFill>
+          <a:ln>
+            <a:solidFill>
+              <a:srgbClr val="002060"/>
+            </a:solidFill>
+          </a:ln>
+        </p:spPr>
+        <p:style>
+          <a:lnRef idx="2">
+            <a:schemeClr val="accent1">
+              <a:shade val="50000"/>
+            </a:schemeClr>
+          </a:lnRef>
+          <a:fillRef idx="1">
+            <a:schemeClr val="accent1"/>
+          </a:fillRef>
+          <a:effectRef idx="0">
+            <a:schemeClr val="accent1"/>
+          </a:effectRef>
+          <a:fontRef idx="minor">
+            <a:schemeClr val="lt1"/>
+          </a:fontRef>
+        </p:style>
+        <p:txBody>
+          <a:bodyPr rtlCol="0" anchor="ctr"/>
+          <a:lstStyle/>
+          <a:p>
+            <a:pPr algn="ctr"/>
+            <a:endParaRPr lang="fr-FR"/>
+          </a:p>
+        </p:txBody>
+      </p:sp>
+      <p:sp>
+        <p:nvSpPr>
+          <p:cNvPr id="8" name="Ellipse 7">
+            <a:extLst>
+              <a:ext uri="{FF2B5EF4-FFF2-40B4-BE49-F238E27FC236}">
+                <a16:creationId xmlns:a16="http://schemas.microsoft.com/office/drawing/2014/main" id="{B4F7649D-62D5-44A8-8292-5D639FA488C2}"/>
+              </a:ext>
+            </a:extLst>
+          </p:cNvPr>
+          <p:cNvSpPr/>
+          <p:nvPr/>
+        </p:nvSpPr>
+        <p:spPr>
+          <a:xfrm>
+            <a:off x="11592791" y="1260476"/>
+            <a:ext cx="615868" cy="596900"/>
+          </a:xfrm>
+          <a:prstGeom prst="ellipse">
+            <a:avLst/>
+          </a:prstGeom>
+          <a:solidFill>
+            <a:srgbClr val="92D050"/>
+          </a:solidFill>
+          <a:ln>
+            <a:solidFill>
+              <a:srgbClr val="002060"/>
+            </a:solidFill>
+          </a:ln>
+        </p:spPr>
+        <p:style>
+          <a:lnRef idx="2">
+            <a:schemeClr val="accent1">
+              <a:shade val="50000"/>
+            </a:schemeClr>
+          </a:lnRef>
+          <a:fillRef idx="1">
+            <a:schemeClr val="accent1"/>
+          </a:fillRef>
+          <a:effectRef idx="0">
+            <a:schemeClr val="accent1"/>
+          </a:effectRef>
+          <a:fontRef idx="minor">
+            <a:schemeClr val="lt1"/>
+          </a:fontRef>
+        </p:style>
+        <p:txBody>
+          <a:bodyPr rtlCol="0" anchor="ctr"/>
+          <a:lstStyle/>
+          <a:p>
+            <a:pPr algn="ctr"/>
+            <a:endParaRPr lang="fr-FR"/>
+          </a:p>
+        </p:txBody>
+      </p:sp>
+      <p:sp>
+        <p:nvSpPr>
+          <p:cNvPr id="9" name="Ellipse 8">
+            <a:extLst>
+              <a:ext uri="{FF2B5EF4-FFF2-40B4-BE49-F238E27FC236}">
+                <a16:creationId xmlns:a16="http://schemas.microsoft.com/office/drawing/2014/main" id="{28C57D16-ECE1-44CB-9D78-C06C83E503B3}"/>
+              </a:ext>
+            </a:extLst>
+          </p:cNvPr>
+          <p:cNvSpPr/>
+          <p:nvPr/>
+        </p:nvSpPr>
+        <p:spPr>
+          <a:xfrm>
+            <a:off x="11599162" y="2079626"/>
+            <a:ext cx="615868" cy="596900"/>
+          </a:xfrm>
+          <a:prstGeom prst="ellipse">
+            <a:avLst/>
+          </a:prstGeom>
+          <a:solidFill>
+            <a:srgbClr val="92D050"/>
+          </a:solidFill>
+          <a:ln>
+            <a:solidFill>
+              <a:srgbClr val="002060"/>
+            </a:solidFill>
+          </a:ln>
+        </p:spPr>
+        <p:style>
+          <a:lnRef idx="2">
+            <a:schemeClr val="accent1">
+              <a:shade val="50000"/>
+            </a:schemeClr>
+          </a:lnRef>
+          <a:fillRef idx="1">
+            <a:schemeClr val="accent1"/>
+          </a:fillRef>
+          <a:effectRef idx="0">
+            <a:schemeClr val="accent1"/>
+          </a:effectRef>
+          <a:fontRef idx="minor">
+            <a:schemeClr val="lt1"/>
+          </a:fontRef>
+        </p:style>
+        <p:txBody>
+          <a:bodyPr rtlCol="0" anchor="ctr"/>
+          <a:lstStyle/>
+          <a:p>
+            <a:pPr algn="ctr"/>
+            <a:endParaRPr lang="fr-FR"/>
+          </a:p>
+        </p:txBody>
+      </p:sp>
+      <p:sp>
+        <p:nvSpPr>
+          <p:cNvPr id="10" name="Ellipse 9">
+            <a:extLst>
+              <a:ext uri="{FF2B5EF4-FFF2-40B4-BE49-F238E27FC236}">
+                <a16:creationId xmlns:a16="http://schemas.microsoft.com/office/drawing/2014/main" id="{FDBE34A7-3692-46E3-B411-FF0AD86A26B0}"/>
+              </a:ext>
+            </a:extLst>
+          </p:cNvPr>
+          <p:cNvSpPr/>
+          <p:nvPr/>
+        </p:nvSpPr>
+        <p:spPr>
+          <a:xfrm>
+            <a:off x="11599162" y="2898776"/>
+            <a:ext cx="615868" cy="596900"/>
+          </a:xfrm>
+          <a:prstGeom prst="ellipse">
+            <a:avLst/>
+          </a:prstGeom>
+          <a:solidFill>
+            <a:srgbClr val="92D050"/>
+          </a:solidFill>
+          <a:ln>
+            <a:solidFill>
+              <a:srgbClr val="002060"/>
+            </a:solidFill>
+          </a:ln>
+        </p:spPr>
+        <p:style>
+          <a:lnRef idx="2">
+            <a:schemeClr val="accent1">
+              <a:shade val="50000"/>
+            </a:schemeClr>
+          </a:lnRef>
+          <a:fillRef idx="1">
+            <a:schemeClr val="accent1"/>
+          </a:fillRef>
+          <a:effectRef idx="0">
+            <a:schemeClr val="accent1"/>
+          </a:effectRef>
+          <a:fontRef idx="minor">
+            <a:schemeClr val="lt1"/>
+          </a:fontRef>
+        </p:style>
+        <p:txBody>
+          <a:bodyPr rtlCol="0" anchor="ctr"/>
+          <a:lstStyle/>
+          <a:p>
+            <a:pPr algn="ctr"/>
+            <a:endParaRPr lang="fr-FR"/>
+          </a:p>
+        </p:txBody>
+      </p:sp>
+      <p:sp>
+        <p:nvSpPr>
+          <p:cNvPr id="11" name="Ellipse 10">
+            <a:extLst>
+              <a:ext uri="{FF2B5EF4-FFF2-40B4-BE49-F238E27FC236}">
+                <a16:creationId xmlns:a16="http://schemas.microsoft.com/office/drawing/2014/main" id="{B888ACFB-189D-425A-9FF2-1B764FCAEB9D}"/>
+              </a:ext>
+            </a:extLst>
+          </p:cNvPr>
+          <p:cNvSpPr/>
+          <p:nvPr/>
+        </p:nvSpPr>
+        <p:spPr>
+          <a:xfrm>
+            <a:off x="11599162" y="3717926"/>
+            <a:ext cx="615868" cy="596900"/>
+          </a:xfrm>
+          <a:prstGeom prst="ellipse">
+            <a:avLst/>
+          </a:prstGeom>
+          <a:solidFill>
+            <a:srgbClr val="92D050"/>
+          </a:solidFill>
+          <a:ln>
+            <a:solidFill>
+              <a:srgbClr val="002060"/>
+            </a:solidFill>
+          </a:ln>
+        </p:spPr>
+        <p:style>
+          <a:lnRef idx="2">
+            <a:schemeClr val="accent1">
+              <a:shade val="50000"/>
+            </a:schemeClr>
+          </a:lnRef>
+          <a:fillRef idx="1">
+            <a:schemeClr val="accent1"/>
+          </a:fillRef>
+          <a:effectRef idx="0">
+            <a:schemeClr val="accent1"/>
+          </a:effectRef>
+          <a:fontRef idx="minor">
+            <a:schemeClr val="lt1"/>
+          </a:fontRef>
+        </p:style>
+        <p:txBody>
+          <a:bodyPr rtlCol="0" anchor="ctr"/>
+          <a:lstStyle/>
+          <a:p>
+            <a:pPr algn="ctr"/>
+            <a:endParaRPr lang="fr-FR"/>
+          </a:p>
+        </p:txBody>
+      </p:sp>
+      <p:sp>
+        <p:nvSpPr>
+          <p:cNvPr id="12" name="Ellipse 11">
+            <a:extLst>
+              <a:ext uri="{FF2B5EF4-FFF2-40B4-BE49-F238E27FC236}">
+                <a16:creationId xmlns:a16="http://schemas.microsoft.com/office/drawing/2014/main" id="{737BD5EC-24A0-42CD-BBF4-10CF942E7070}"/>
+              </a:ext>
+            </a:extLst>
+          </p:cNvPr>
+          <p:cNvSpPr/>
+          <p:nvPr/>
+        </p:nvSpPr>
+        <p:spPr>
+          <a:xfrm>
+            <a:off x="11601224" y="4537076"/>
+            <a:ext cx="615868" cy="596900"/>
+          </a:xfrm>
+          <a:prstGeom prst="ellipse">
+            <a:avLst/>
+          </a:prstGeom>
+          <a:solidFill>
+            <a:schemeClr val="bg1"/>
+          </a:solidFill>
+          <a:ln>
+            <a:solidFill>
+              <a:srgbClr val="002060"/>
+            </a:solidFill>
+          </a:ln>
+        </p:spPr>
+        <p:style>
+          <a:lnRef idx="2">
+            <a:schemeClr val="accent1">
+              <a:shade val="50000"/>
+            </a:schemeClr>
+          </a:lnRef>
+          <a:fillRef idx="1">
+            <a:schemeClr val="accent1"/>
+          </a:fillRef>
+          <a:effectRef idx="0">
+            <a:schemeClr val="accent1"/>
+          </a:effectRef>
+          <a:fontRef idx="minor">
+            <a:schemeClr val="lt1"/>
+          </a:fontRef>
+        </p:style>
+        <p:txBody>
+          <a:bodyPr rtlCol="0" anchor="ctr"/>
+          <a:lstStyle/>
+          <a:p>
+            <a:pPr algn="ctr"/>
+            <a:endParaRPr lang="fr-FR"/>
+          </a:p>
+        </p:txBody>
+      </p:sp>
+      <p:sp>
+        <p:nvSpPr>
+          <p:cNvPr id="13" name="Ellipse 12">
+            <a:extLst>
+              <a:ext uri="{FF2B5EF4-FFF2-40B4-BE49-F238E27FC236}">
+                <a16:creationId xmlns:a16="http://schemas.microsoft.com/office/drawing/2014/main" id="{6D6F6C01-9E1E-4A85-9B03-C48CC1E44E0E}"/>
+              </a:ext>
+            </a:extLst>
+          </p:cNvPr>
+          <p:cNvSpPr/>
+          <p:nvPr/>
+        </p:nvSpPr>
+        <p:spPr>
+          <a:xfrm>
+            <a:off x="11576112" y="5356226"/>
+            <a:ext cx="615868" cy="596900"/>
+          </a:xfrm>
+          <a:prstGeom prst="ellipse">
+            <a:avLst/>
+          </a:prstGeom>
+          <a:solidFill>
+            <a:schemeClr val="bg1"/>
+          </a:solidFill>
+          <a:ln>
+            <a:solidFill>
+              <a:srgbClr val="002060"/>
+            </a:solidFill>
+          </a:ln>
+        </p:spPr>
+        <p:style>
+          <a:lnRef idx="2">
+            <a:schemeClr val="accent1">
+              <a:shade val="50000"/>
+            </a:schemeClr>
+          </a:lnRef>
+          <a:fillRef idx="1">
+            <a:schemeClr val="accent1"/>
+          </a:fillRef>
+          <a:effectRef idx="0">
+            <a:schemeClr val="accent1"/>
+          </a:effectRef>
+          <a:fontRef idx="minor">
+            <a:schemeClr val="lt1"/>
+          </a:fontRef>
+        </p:style>
+        <p:txBody>
+          <a:bodyPr rtlCol="0" anchor="ctr"/>
+          <a:lstStyle/>
+          <a:p>
+            <a:pPr algn="ctr"/>
+            <a:endParaRPr lang="fr-FR"/>
+          </a:p>
+        </p:txBody>
+      </p:sp>
+      <p:sp>
+        <p:nvSpPr>
+          <p:cNvPr id="14" name="Ellipse 13">
+            <a:extLst>
+              <a:ext uri="{FF2B5EF4-FFF2-40B4-BE49-F238E27FC236}">
+                <a16:creationId xmlns:a16="http://schemas.microsoft.com/office/drawing/2014/main" id="{B879935B-84C1-4D51-90F7-C99C3A926837}"/>
+              </a:ext>
+            </a:extLst>
+          </p:cNvPr>
+          <p:cNvSpPr/>
+          <p:nvPr/>
+        </p:nvSpPr>
+        <p:spPr>
+          <a:xfrm>
+            <a:off x="11599162" y="6175376"/>
+            <a:ext cx="615868" cy="596900"/>
+          </a:xfrm>
+          <a:prstGeom prst="ellipse">
+            <a:avLst/>
+          </a:prstGeom>
+          <a:solidFill>
+            <a:schemeClr val="bg1"/>
+          </a:solidFill>
+          <a:ln>
+            <a:solidFill>
+              <a:srgbClr val="002060"/>
+            </a:solidFill>
+          </a:ln>
+        </p:spPr>
+        <p:style>
+          <a:lnRef idx="2">
+            <a:schemeClr val="accent1">
+              <a:shade val="50000"/>
+            </a:schemeClr>
+          </a:lnRef>
+          <a:fillRef idx="1">
+            <a:schemeClr val="accent1"/>
+          </a:fillRef>
+          <a:effectRef idx="0">
+            <a:schemeClr val="accent1"/>
+          </a:effectRef>
+          <a:fontRef idx="minor">
+            <a:schemeClr val="lt1"/>
+          </a:fontRef>
+        </p:style>
+        <p:txBody>
+          <a:bodyPr rtlCol="0" anchor="ctr"/>
+          <a:lstStyle/>
+          <a:p>
+            <a:pPr algn="ctr"/>
+            <a:endParaRPr lang="fr-FR"/>
+          </a:p>
+        </p:txBody>
+      </p:sp>
+      <p:sp>
+        <p:nvSpPr>
+          <p:cNvPr id="15" name="ZoneTexte 14">
+            <a:extLst>
+              <a:ext uri="{FF2B5EF4-FFF2-40B4-BE49-F238E27FC236}">
+                <a16:creationId xmlns:a16="http://schemas.microsoft.com/office/drawing/2014/main" id="{0CCF4C3E-E1D6-4190-9ADA-4D67CCCE5509}"/>
+              </a:ext>
+            </a:extLst>
+          </p:cNvPr>
+          <p:cNvSpPr txBox="1"/>
+          <p:nvPr/>
+        </p:nvSpPr>
+        <p:spPr>
+          <a:xfrm>
+            <a:off x="10053015" y="555110"/>
+            <a:ext cx="1375569" cy="369332"/>
+          </a:xfrm>
+          <a:prstGeom prst="rect">
+            <a:avLst/>
+          </a:prstGeom>
+          <a:noFill/>
+        </p:spPr>
+        <p:txBody>
+          <a:bodyPr wrap="none" rtlCol="0">
+            <a:spAutoFit/>
+          </a:bodyPr>
+          <a:lstStyle/>
+          <a:p>
+            <a:r>
+              <a:rPr lang="fr-FR" strike="sngStrike" dirty="0"/>
+              <a:t>Introduction</a:t>
+            </a:r>
+          </a:p>
+        </p:txBody>
+      </p:sp>
+      <p:sp>
+        <p:nvSpPr>
+          <p:cNvPr id="16" name="ZoneTexte 15">
+            <a:extLst>
+              <a:ext uri="{FF2B5EF4-FFF2-40B4-BE49-F238E27FC236}">
+                <a16:creationId xmlns:a16="http://schemas.microsoft.com/office/drawing/2014/main" id="{9112EA84-8664-403D-B048-DB7D6601ACB7}"/>
+              </a:ext>
+            </a:extLst>
+          </p:cNvPr>
+          <p:cNvSpPr txBox="1"/>
+          <p:nvPr/>
+        </p:nvSpPr>
+        <p:spPr>
+          <a:xfrm>
+            <a:off x="10053015" y="1379493"/>
+            <a:ext cx="1359731" cy="369332"/>
+          </a:xfrm>
+          <a:prstGeom prst="rect">
+            <a:avLst/>
+          </a:prstGeom>
+          <a:noFill/>
+        </p:spPr>
+        <p:txBody>
+          <a:bodyPr wrap="none" rtlCol="0">
+            <a:spAutoFit/>
+          </a:bodyPr>
+          <a:lstStyle/>
+          <a:p>
+            <a:r>
+              <a:rPr lang="fr-FR" strike="sngStrike" dirty="0"/>
+              <a:t>Diagrammes</a:t>
+            </a:r>
+          </a:p>
+        </p:txBody>
+      </p:sp>
+      <p:sp>
+        <p:nvSpPr>
+          <p:cNvPr id="17" name="ZoneTexte 16">
+            <a:extLst>
+              <a:ext uri="{FF2B5EF4-FFF2-40B4-BE49-F238E27FC236}">
+                <a16:creationId xmlns:a16="http://schemas.microsoft.com/office/drawing/2014/main" id="{5DAEB368-E70E-4FA5-8C9B-329332CA325C}"/>
+              </a:ext>
+            </a:extLst>
+          </p:cNvPr>
+          <p:cNvSpPr txBox="1"/>
+          <p:nvPr/>
+        </p:nvSpPr>
+        <p:spPr>
+          <a:xfrm>
+            <a:off x="10053015" y="2189074"/>
+            <a:ext cx="1249445" cy="369332"/>
+          </a:xfrm>
+          <a:prstGeom prst="rect">
+            <a:avLst/>
+          </a:prstGeom>
+          <a:noFill/>
+        </p:spPr>
+        <p:txBody>
+          <a:bodyPr wrap="none" rtlCol="0">
+            <a:spAutoFit/>
+          </a:bodyPr>
+          <a:lstStyle/>
+          <a:p>
+            <a:r>
+              <a:rPr lang="fr-FR" strike="sngStrike" dirty="0"/>
+              <a:t>Mes tâches</a:t>
+            </a:r>
+          </a:p>
+        </p:txBody>
+      </p:sp>
+      <p:sp>
+        <p:nvSpPr>
+          <p:cNvPr id="18" name="ZoneTexte 17">
+            <a:extLst>
+              <a:ext uri="{FF2B5EF4-FFF2-40B4-BE49-F238E27FC236}">
+                <a16:creationId xmlns:a16="http://schemas.microsoft.com/office/drawing/2014/main" id="{B5CD3D3F-9B85-4027-B813-45747EF4130B}"/>
+              </a:ext>
+            </a:extLst>
+          </p:cNvPr>
+          <p:cNvSpPr txBox="1"/>
+          <p:nvPr/>
+        </p:nvSpPr>
+        <p:spPr>
+          <a:xfrm>
+            <a:off x="10053015" y="3012560"/>
+            <a:ext cx="1638269" cy="369332"/>
+          </a:xfrm>
+          <a:prstGeom prst="rect">
+            <a:avLst/>
+          </a:prstGeom>
+          <a:noFill/>
+        </p:spPr>
+        <p:txBody>
+          <a:bodyPr wrap="none" rtlCol="0">
+            <a:spAutoFit/>
+          </a:bodyPr>
+          <a:lstStyle/>
+          <a:p>
+            <a:r>
+              <a:rPr lang="fr-FR" strike="sngStrike" dirty="0"/>
+              <a:t>Mécanisme n°1</a:t>
+            </a:r>
+          </a:p>
+        </p:txBody>
+      </p:sp>
+      <p:sp>
+        <p:nvSpPr>
+          <p:cNvPr id="19" name="ZoneTexte 18">
+            <a:extLst>
+              <a:ext uri="{FF2B5EF4-FFF2-40B4-BE49-F238E27FC236}">
+                <a16:creationId xmlns:a16="http://schemas.microsoft.com/office/drawing/2014/main" id="{6EAAC40F-BB05-40B6-AEEF-5A08C13C9819}"/>
+              </a:ext>
+            </a:extLst>
+          </p:cNvPr>
+          <p:cNvSpPr txBox="1"/>
+          <p:nvPr/>
+        </p:nvSpPr>
+        <p:spPr>
+          <a:xfrm>
+            <a:off x="10053015" y="3826522"/>
+            <a:ext cx="1656479" cy="369332"/>
+          </a:xfrm>
+          <a:prstGeom prst="rect">
+            <a:avLst/>
+          </a:prstGeom>
+          <a:noFill/>
+        </p:spPr>
+        <p:txBody>
+          <a:bodyPr wrap="none" rtlCol="0">
+            <a:spAutoFit/>
+          </a:bodyPr>
+          <a:lstStyle/>
+          <a:p>
+            <a:r>
+              <a:rPr lang="fr-FR" b="1" dirty="0"/>
+              <a:t>Mécanisme n°2</a:t>
+            </a:r>
+          </a:p>
+        </p:txBody>
+      </p:sp>
+      <p:sp>
+        <p:nvSpPr>
+          <p:cNvPr id="20" name="ZoneTexte 19">
+            <a:extLst>
+              <a:ext uri="{FF2B5EF4-FFF2-40B4-BE49-F238E27FC236}">
+                <a16:creationId xmlns:a16="http://schemas.microsoft.com/office/drawing/2014/main" id="{50779DFC-53AC-453E-A512-49A9EBFA5FDE}"/>
+              </a:ext>
+            </a:extLst>
+          </p:cNvPr>
+          <p:cNvSpPr txBox="1"/>
+          <p:nvPr/>
+        </p:nvSpPr>
+        <p:spPr>
+          <a:xfrm>
+            <a:off x="10050865" y="4640484"/>
+            <a:ext cx="1638269" cy="369332"/>
+          </a:xfrm>
+          <a:prstGeom prst="rect">
+            <a:avLst/>
+          </a:prstGeom>
+          <a:noFill/>
+        </p:spPr>
+        <p:txBody>
+          <a:bodyPr wrap="none" rtlCol="0">
+            <a:spAutoFit/>
+          </a:bodyPr>
+          <a:lstStyle/>
+          <a:p>
+            <a:r>
+              <a:rPr lang="fr-FR" strike="sngStrike" dirty="0"/>
+              <a:t>Mécanisme n°3</a:t>
+            </a:r>
+          </a:p>
+        </p:txBody>
+      </p:sp>
+      <p:sp>
+        <p:nvSpPr>
+          <p:cNvPr id="21" name="ZoneTexte 20">
+            <a:extLst>
+              <a:ext uri="{FF2B5EF4-FFF2-40B4-BE49-F238E27FC236}">
+                <a16:creationId xmlns:a16="http://schemas.microsoft.com/office/drawing/2014/main" id="{658CC75F-EBBF-44E3-959A-DB67B8AF6341}"/>
+              </a:ext>
+            </a:extLst>
+          </p:cNvPr>
+          <p:cNvSpPr txBox="1"/>
+          <p:nvPr/>
+        </p:nvSpPr>
+        <p:spPr>
+          <a:xfrm>
+            <a:off x="10050865" y="5470010"/>
+            <a:ext cx="1162498" cy="369332"/>
+          </a:xfrm>
+          <a:prstGeom prst="rect">
+            <a:avLst/>
+          </a:prstGeom>
+          <a:noFill/>
+        </p:spPr>
+        <p:txBody>
+          <a:bodyPr wrap="none" rtlCol="0">
+            <a:spAutoFit/>
+          </a:bodyPr>
+          <a:lstStyle/>
+          <a:p>
+            <a:r>
+              <a:rPr lang="fr-FR" strike="sngStrike" dirty="0"/>
+              <a:t>Appli WEB</a:t>
+            </a:r>
+          </a:p>
+        </p:txBody>
+      </p:sp>
+      <p:sp>
+        <p:nvSpPr>
+          <p:cNvPr id="22" name="ZoneTexte 21">
+            <a:extLst>
+              <a:ext uri="{FF2B5EF4-FFF2-40B4-BE49-F238E27FC236}">
+                <a16:creationId xmlns:a16="http://schemas.microsoft.com/office/drawing/2014/main" id="{AF573A7D-3079-41C0-8683-76FB3243A66B}"/>
+              </a:ext>
+            </a:extLst>
+          </p:cNvPr>
+          <p:cNvSpPr txBox="1"/>
+          <p:nvPr/>
+        </p:nvSpPr>
+        <p:spPr>
+          <a:xfrm>
+            <a:off x="10050865" y="6299536"/>
+            <a:ext cx="1417439" cy="369332"/>
+          </a:xfrm>
+          <a:prstGeom prst="rect">
+            <a:avLst/>
+          </a:prstGeom>
+          <a:noFill/>
+        </p:spPr>
+        <p:txBody>
+          <a:bodyPr wrap="none" rtlCol="0">
+            <a:spAutoFit/>
+          </a:bodyPr>
+          <a:lstStyle/>
+          <a:p>
+            <a:r>
+              <a:rPr lang="fr-FR" strike="sngStrike" dirty="0"/>
+              <a:t>Partie réseau</a:t>
+            </a:r>
+          </a:p>
+        </p:txBody>
+      </p:sp>
+      <p:pic>
+        <p:nvPicPr>
+          <p:cNvPr id="23" name="Image 22">
+            <a:extLst>
+              <a:ext uri="{FF2B5EF4-FFF2-40B4-BE49-F238E27FC236}">
+                <a16:creationId xmlns:a16="http://schemas.microsoft.com/office/drawing/2014/main" id="{6229AEDA-8A9B-4016-BFD4-066C7C31DBBF}"/>
+              </a:ext>
+            </a:extLst>
+          </p:cNvPr>
+          <p:cNvPicPr>
+            <a:picLocks noChangeAspect="1"/>
+          </p:cNvPicPr>
+          <p:nvPr/>
+        </p:nvPicPr>
+        <p:blipFill>
+          <a:blip r:embed="rId3"/>
+          <a:stretch>
+            <a:fillRect/>
+          </a:stretch>
+        </p:blipFill>
+        <p:spPr>
+          <a:xfrm>
+            <a:off x="49557" y="1345256"/>
+            <a:ext cx="6568638" cy="3479894"/>
+          </a:xfrm>
+          <a:prstGeom prst="rect">
+            <a:avLst/>
+          </a:prstGeom>
+        </p:spPr>
+      </p:pic>
+      <p:sp>
+        <p:nvSpPr>
+          <p:cNvPr id="24" name="ZoneTexte 23">
+            <a:extLst>
+              <a:ext uri="{FF2B5EF4-FFF2-40B4-BE49-F238E27FC236}">
+                <a16:creationId xmlns:a16="http://schemas.microsoft.com/office/drawing/2014/main" id="{7621FC81-39E8-4827-973E-298CC71CA155}"/>
+              </a:ext>
+            </a:extLst>
+          </p:cNvPr>
+          <p:cNvSpPr txBox="1"/>
+          <p:nvPr/>
+        </p:nvSpPr>
+        <p:spPr>
+          <a:xfrm>
+            <a:off x="1447800" y="4195854"/>
+            <a:ext cx="2245102" cy="400110"/>
+          </a:xfrm>
+          <a:prstGeom prst="rect">
+            <a:avLst/>
+          </a:prstGeom>
+          <a:noFill/>
+        </p:spPr>
+        <p:txBody>
+          <a:bodyPr wrap="none" rtlCol="0">
+            <a:spAutoFit/>
+          </a:bodyPr>
+          <a:lstStyle/>
+          <a:p>
+            <a:r>
+              <a:rPr lang="fr-FR" sz="2000" b="1" dirty="0"/>
+              <a:t>Capteur à effet Hall</a:t>
+            </a:r>
+          </a:p>
+        </p:txBody>
+      </p:sp>
+      <p:pic>
+        <p:nvPicPr>
+          <p:cNvPr id="25" name="Image 24">
+            <a:extLst>
+              <a:ext uri="{FF2B5EF4-FFF2-40B4-BE49-F238E27FC236}">
+                <a16:creationId xmlns:a16="http://schemas.microsoft.com/office/drawing/2014/main" id="{4B9652A6-A5C3-4196-BE8B-3C46D92A402E}"/>
+              </a:ext>
+            </a:extLst>
+          </p:cNvPr>
+          <p:cNvPicPr>
+            <a:picLocks noChangeAspect="1"/>
+          </p:cNvPicPr>
+          <p:nvPr/>
+        </p:nvPicPr>
+        <p:blipFill>
+          <a:blip r:embed="rId4"/>
+          <a:stretch>
+            <a:fillRect/>
+          </a:stretch>
+        </p:blipFill>
+        <p:spPr>
+          <a:xfrm flipH="1">
+            <a:off x="7429308" y="2662146"/>
+            <a:ext cx="1638269" cy="1638269"/>
+          </a:xfrm>
+          <a:prstGeom prst="rect">
+            <a:avLst/>
+          </a:prstGeom>
+        </p:spPr>
+      </p:pic>
+      <p:pic>
+        <p:nvPicPr>
+          <p:cNvPr id="26" name="Image 25">
+            <a:extLst>
+              <a:ext uri="{FF2B5EF4-FFF2-40B4-BE49-F238E27FC236}">
+                <a16:creationId xmlns:a16="http://schemas.microsoft.com/office/drawing/2014/main" id="{8D77104F-CF6A-4BB2-9022-4DE64CBAB6A8}"/>
+              </a:ext>
+            </a:extLst>
+          </p:cNvPr>
+          <p:cNvPicPr>
+            <a:picLocks noChangeAspect="1"/>
+          </p:cNvPicPr>
+          <p:nvPr/>
+        </p:nvPicPr>
+        <p:blipFill>
+          <a:blip r:embed="rId5"/>
+          <a:stretch>
+            <a:fillRect/>
+          </a:stretch>
+        </p:blipFill>
+        <p:spPr>
+          <a:xfrm>
+            <a:off x="4286686" y="2735298"/>
+            <a:ext cx="2245102" cy="1860666"/>
+          </a:xfrm>
+          <a:prstGeom prst="rect">
+            <a:avLst/>
+          </a:prstGeom>
+        </p:spPr>
+      </p:pic>
+      <p:sp>
+        <p:nvSpPr>
+          <p:cNvPr id="27" name="ZoneTexte 26">
+            <a:extLst>
+              <a:ext uri="{FF2B5EF4-FFF2-40B4-BE49-F238E27FC236}">
+                <a16:creationId xmlns:a16="http://schemas.microsoft.com/office/drawing/2014/main" id="{05E54DB6-D647-498B-9A17-D52C7B9B036B}"/>
+              </a:ext>
+            </a:extLst>
+          </p:cNvPr>
+          <p:cNvSpPr txBox="1"/>
+          <p:nvPr/>
+        </p:nvSpPr>
+        <p:spPr>
+          <a:xfrm>
+            <a:off x="5004606" y="4195854"/>
+            <a:ext cx="809261" cy="400110"/>
+          </a:xfrm>
+          <a:prstGeom prst="rect">
+            <a:avLst/>
+          </a:prstGeom>
+          <a:noFill/>
+        </p:spPr>
+        <p:txBody>
+          <a:bodyPr wrap="none" rtlCol="0">
+            <a:spAutoFit/>
+          </a:bodyPr>
+          <a:lstStyle/>
+          <a:p>
+            <a:r>
+              <a:rPr lang="fr-FR" sz="2000" b="1" dirty="0"/>
+              <a:t>Relais</a:t>
+            </a:r>
+          </a:p>
+        </p:txBody>
+      </p:sp>
+      <p:sp>
+        <p:nvSpPr>
+          <p:cNvPr id="28" name="ZoneTexte 27">
+            <a:extLst>
+              <a:ext uri="{FF2B5EF4-FFF2-40B4-BE49-F238E27FC236}">
+                <a16:creationId xmlns:a16="http://schemas.microsoft.com/office/drawing/2014/main" id="{8F58BE31-72D0-4FEE-8F10-3FFFF3B94C19}"/>
+              </a:ext>
+            </a:extLst>
+          </p:cNvPr>
+          <p:cNvSpPr txBox="1"/>
+          <p:nvPr/>
+        </p:nvSpPr>
+        <p:spPr>
+          <a:xfrm>
+            <a:off x="7211979" y="4194418"/>
+            <a:ext cx="1984839" cy="400110"/>
+          </a:xfrm>
+          <a:prstGeom prst="rect">
+            <a:avLst/>
+          </a:prstGeom>
+          <a:noFill/>
+        </p:spPr>
+        <p:txBody>
+          <a:bodyPr wrap="none" rtlCol="0">
+            <a:spAutoFit/>
+          </a:bodyPr>
+          <a:lstStyle/>
+          <a:p>
+            <a:r>
+              <a:rPr lang="fr-FR" sz="2000" b="1" dirty="0"/>
+              <a:t>Gâche électrique</a:t>
+            </a:r>
+          </a:p>
+        </p:txBody>
+      </p:sp>
+    </p:spTree>
+    <p:extLst>
+      <p:ext uri="{BB962C8B-B14F-4D97-AF65-F5344CB8AC3E}">
+        <p14:creationId xmlns:p14="http://schemas.microsoft.com/office/powerpoint/2010/main" val="314738183"/>
+      </p:ext>
+    </p:extLst>
+  </p:cSld>
+  <p:clrMapOvr>
+    <a:masterClrMapping/>
+  </p:clrMapOvr>
+  <mc:AlternateContent xmlns:mc="http://schemas.openxmlformats.org/markup-compatibility/2006">
+    <mc:Choice xmlns:p14="http://schemas.microsoft.com/office/powerpoint/2010/main" Requires="p14">
+      <p:transition spd="med" p14:dur="700">
+        <p:fade/>
+      </p:transition>
+    </mc:Choice>
+    <mc:Fallback>
+      <p:transition spd="med">
+        <p:fade/>
+      </p:transition>
+    </mc:Fallback>
+  </mc:AlternateContent>
+</p:sld>
+</file>
+
+<file path=ppt/slides/slide7.xml><?xml version="1.0" encoding="utf-8"?>
+<p:sld xmlns:a="http://schemas.openxmlformats.org/drawingml/2006/main" xmlns:r="http://schemas.openxmlformats.org/officeDocument/2006/relationships" xmlns:p="http://schemas.openxmlformats.org/presentationml/2006/main">
+  <p:cSld>
+    <p:spTree>
+      <p:nvGrpSpPr>
+        <p:cNvPr id="1" name=""/>
+        <p:cNvGrpSpPr/>
+        <p:nvPr/>
+      </p:nvGrpSpPr>
+      <p:grpSpPr>
+        <a:xfrm>
+          <a:off x="0" y="0"/>
+          <a:ext cx="0" cy="0"/>
+          <a:chOff x="0" y="0"/>
+          <a:chExt cx="0" cy="0"/>
+        </a:xfrm>
+      </p:grpSpPr>
+      <p:pic>
+        <p:nvPicPr>
+          <p:cNvPr id="5" name="Image 4" descr="Une image contenant table, paire&#10;&#10;Description générée automatiquement">
+            <a:extLst>
+              <a:ext uri="{FF2B5EF4-FFF2-40B4-BE49-F238E27FC236}">
+                <a16:creationId xmlns:a16="http://schemas.microsoft.com/office/drawing/2014/main" id="{54EDA2C0-48CE-4DA2-890F-252AC8D48847}"/>
+              </a:ext>
+            </a:extLst>
+          </p:cNvPr>
+          <p:cNvPicPr>
+            <a:picLocks noChangeAspect="1"/>
+          </p:cNvPicPr>
+          <p:nvPr/>
+        </p:nvPicPr>
+        <p:blipFill rotWithShape="1">
+          <a:blip r:embed="rId2">
+            <a:alphaModFix amt="50000"/>
+            <a:extLst>
+              <a:ext uri="{28A0092B-C50C-407E-A947-70E740481C1C}">
+                <a14:useLocalDpi xmlns:a14="http://schemas.microsoft.com/office/drawing/2010/main" val="0"/>
+              </a:ext>
+            </a:extLst>
+          </a:blip>
+          <a:srcRect t="6250"/>
+          <a:stretch/>
+        </p:blipFill>
+        <p:spPr>
+          <a:xfrm>
+            <a:off x="20" y="1"/>
+            <a:ext cx="12191980" cy="6857999"/>
+          </a:xfrm>
+          <a:prstGeom prst="rect">
+            <a:avLst/>
+          </a:prstGeom>
+        </p:spPr>
+      </p:pic>
+      <p:sp>
+        <p:nvSpPr>
+          <p:cNvPr id="2" name="Titre 1">
+            <a:extLst>
+              <a:ext uri="{FF2B5EF4-FFF2-40B4-BE49-F238E27FC236}">
+                <a16:creationId xmlns:a16="http://schemas.microsoft.com/office/drawing/2014/main" id="{3B0C423D-65A1-40D8-8751-302A287BBB8F}"/>
+              </a:ext>
+            </a:extLst>
+          </p:cNvPr>
+          <p:cNvSpPr>
+            <a:spLocks noGrp="1"/>
+          </p:cNvSpPr>
+          <p:nvPr>
+            <p:ph type="title"/>
+          </p:nvPr>
+        </p:nvSpPr>
+        <p:spPr/>
+        <p:txBody>
+          <a:bodyPr/>
+          <a:lstStyle/>
+          <a:p>
+            <a:pPr algn="ctr"/>
+            <a:r>
+              <a:rPr lang="fr-FR" b="1" dirty="0">
+                <a:effectLst>
+                  <a:outerShdw blurRad="38100" dist="38100" dir="2700000" algn="tl">
+                    <a:srgbClr val="000000">
+                      <a:alpha val="43137"/>
+                    </a:srgbClr>
+                  </a:outerShdw>
+                </a:effectLst>
+                <a:latin typeface="+mn-lt"/>
+              </a:rPr>
+              <a:t>Mécanisme n°3 : l’élément TERRE</a:t>
+            </a:r>
+          </a:p>
+        </p:txBody>
+      </p:sp>
+      <p:sp>
+        <p:nvSpPr>
+          <p:cNvPr id="6" name="Rectangle 5">
+            <a:extLst>
+              <a:ext uri="{FF2B5EF4-FFF2-40B4-BE49-F238E27FC236}">
+                <a16:creationId xmlns:a16="http://schemas.microsoft.com/office/drawing/2014/main" id="{4CD0E717-83D0-4C8C-BF4E-6CF527338F52}"/>
+              </a:ext>
+            </a:extLst>
+          </p:cNvPr>
+          <p:cNvSpPr/>
+          <p:nvPr/>
+        </p:nvSpPr>
+        <p:spPr>
+          <a:xfrm>
+            <a:off x="11714226" y="511747"/>
+            <a:ext cx="372999" cy="5834506"/>
+          </a:xfrm>
+          <a:prstGeom prst="rect">
+            <a:avLst/>
+          </a:prstGeom>
+          <a:solidFill>
+            <a:schemeClr val="bg1"/>
+          </a:solidFill>
+          <a:ln>
+            <a:solidFill>
+              <a:srgbClr val="002060"/>
+            </a:solidFill>
+          </a:ln>
+        </p:spPr>
+        <p:style>
+          <a:lnRef idx="2">
+            <a:schemeClr val="accent1">
+              <a:shade val="50000"/>
+            </a:schemeClr>
+          </a:lnRef>
+          <a:fillRef idx="1">
+            <a:schemeClr val="accent1"/>
+          </a:fillRef>
+          <a:effectRef idx="0">
+            <a:schemeClr val="accent1"/>
+          </a:effectRef>
+          <a:fontRef idx="minor">
+            <a:schemeClr val="lt1"/>
+          </a:fontRef>
+        </p:style>
+        <p:txBody>
+          <a:bodyPr rtlCol="0" anchor="ctr"/>
+          <a:lstStyle/>
+          <a:p>
+            <a:pPr algn="ctr"/>
+            <a:endParaRPr lang="fr-FR"/>
+          </a:p>
+        </p:txBody>
+      </p:sp>
+      <p:sp>
+        <p:nvSpPr>
+          <p:cNvPr id="7" name="Ellipse 6">
+            <a:extLst>
+              <a:ext uri="{FF2B5EF4-FFF2-40B4-BE49-F238E27FC236}">
+                <a16:creationId xmlns:a16="http://schemas.microsoft.com/office/drawing/2014/main" id="{71ED669B-55B2-4CAF-8C79-735D9BCA1D2B}"/>
+              </a:ext>
+            </a:extLst>
+          </p:cNvPr>
+          <p:cNvSpPr/>
+          <p:nvPr/>
+        </p:nvSpPr>
+        <p:spPr>
+          <a:xfrm>
+            <a:off x="11576112" y="441326"/>
+            <a:ext cx="615868" cy="596900"/>
+          </a:xfrm>
+          <a:prstGeom prst="ellipse">
+            <a:avLst/>
+          </a:prstGeom>
+          <a:solidFill>
+            <a:srgbClr val="92D050"/>
+          </a:solidFill>
+          <a:ln>
+            <a:solidFill>
+              <a:srgbClr val="002060"/>
+            </a:solidFill>
+          </a:ln>
+        </p:spPr>
+        <p:style>
+          <a:lnRef idx="2">
+            <a:schemeClr val="accent1">
+              <a:shade val="50000"/>
+            </a:schemeClr>
+          </a:lnRef>
+          <a:fillRef idx="1">
+            <a:schemeClr val="accent1"/>
+          </a:fillRef>
+          <a:effectRef idx="0">
+            <a:schemeClr val="accent1"/>
+          </a:effectRef>
+          <a:fontRef idx="minor">
+            <a:schemeClr val="lt1"/>
+          </a:fontRef>
+        </p:style>
+        <p:txBody>
+          <a:bodyPr rtlCol="0" anchor="ctr"/>
+          <a:lstStyle/>
+          <a:p>
+            <a:pPr algn="ctr"/>
+            <a:endParaRPr lang="fr-FR"/>
+          </a:p>
+        </p:txBody>
+      </p:sp>
+      <p:sp>
+        <p:nvSpPr>
+          <p:cNvPr id="8" name="Ellipse 7">
+            <a:extLst>
+              <a:ext uri="{FF2B5EF4-FFF2-40B4-BE49-F238E27FC236}">
+                <a16:creationId xmlns:a16="http://schemas.microsoft.com/office/drawing/2014/main" id="{BFCC90D0-227F-4A3F-8D9C-EBDB56536AAB}"/>
+              </a:ext>
+            </a:extLst>
+          </p:cNvPr>
+          <p:cNvSpPr/>
+          <p:nvPr/>
+        </p:nvSpPr>
+        <p:spPr>
+          <a:xfrm>
+            <a:off x="11592791" y="1260476"/>
+            <a:ext cx="615868" cy="596900"/>
+          </a:xfrm>
+          <a:prstGeom prst="ellipse">
+            <a:avLst/>
+          </a:prstGeom>
+          <a:solidFill>
+            <a:srgbClr val="92D050"/>
+          </a:solidFill>
+          <a:ln>
+            <a:solidFill>
+              <a:srgbClr val="002060"/>
+            </a:solidFill>
+          </a:ln>
+        </p:spPr>
+        <p:style>
+          <a:lnRef idx="2">
+            <a:schemeClr val="accent1">
+              <a:shade val="50000"/>
+            </a:schemeClr>
+          </a:lnRef>
+          <a:fillRef idx="1">
+            <a:schemeClr val="accent1"/>
+          </a:fillRef>
+          <a:effectRef idx="0">
+            <a:schemeClr val="accent1"/>
+          </a:effectRef>
+          <a:fontRef idx="minor">
+            <a:schemeClr val="lt1"/>
+          </a:fontRef>
+        </p:style>
+        <p:txBody>
+          <a:bodyPr rtlCol="0" anchor="ctr"/>
+          <a:lstStyle/>
+          <a:p>
+            <a:pPr algn="ctr"/>
+            <a:endParaRPr lang="fr-FR"/>
+          </a:p>
+        </p:txBody>
+      </p:sp>
+      <p:sp>
+        <p:nvSpPr>
+          <p:cNvPr id="9" name="Ellipse 8">
+            <a:extLst>
+              <a:ext uri="{FF2B5EF4-FFF2-40B4-BE49-F238E27FC236}">
+                <a16:creationId xmlns:a16="http://schemas.microsoft.com/office/drawing/2014/main" id="{EFC84203-72AC-4FDF-934C-F2728B473437}"/>
+              </a:ext>
+            </a:extLst>
+          </p:cNvPr>
+          <p:cNvSpPr/>
+          <p:nvPr/>
+        </p:nvSpPr>
+        <p:spPr>
+          <a:xfrm>
+            <a:off x="11599162" y="2079626"/>
+            <a:ext cx="615868" cy="596900"/>
+          </a:xfrm>
+          <a:prstGeom prst="ellipse">
+            <a:avLst/>
+          </a:prstGeom>
+          <a:solidFill>
+            <a:srgbClr val="92D050"/>
+          </a:solidFill>
+          <a:ln>
+            <a:solidFill>
+              <a:srgbClr val="002060"/>
+            </a:solidFill>
+          </a:ln>
+        </p:spPr>
+        <p:style>
+          <a:lnRef idx="2">
+            <a:schemeClr val="accent1">
+              <a:shade val="50000"/>
+            </a:schemeClr>
+          </a:lnRef>
+          <a:fillRef idx="1">
+            <a:schemeClr val="accent1"/>
+          </a:fillRef>
+          <a:effectRef idx="0">
+            <a:schemeClr val="accent1"/>
+          </a:effectRef>
+          <a:fontRef idx="minor">
+            <a:schemeClr val="lt1"/>
+          </a:fontRef>
+        </p:style>
+        <p:txBody>
+          <a:bodyPr rtlCol="0" anchor="ctr"/>
+          <a:lstStyle/>
+          <a:p>
+            <a:pPr algn="ctr"/>
+            <a:endParaRPr lang="fr-FR"/>
+          </a:p>
+        </p:txBody>
+      </p:sp>
+      <p:sp>
+        <p:nvSpPr>
+          <p:cNvPr id="10" name="Ellipse 9">
+            <a:extLst>
+              <a:ext uri="{FF2B5EF4-FFF2-40B4-BE49-F238E27FC236}">
+                <a16:creationId xmlns:a16="http://schemas.microsoft.com/office/drawing/2014/main" id="{CACC763F-868D-414A-84F0-EF650A109BFE}"/>
+              </a:ext>
+            </a:extLst>
+          </p:cNvPr>
+          <p:cNvSpPr/>
+          <p:nvPr/>
+        </p:nvSpPr>
+        <p:spPr>
+          <a:xfrm>
+            <a:off x="11599162" y="2898776"/>
+            <a:ext cx="615868" cy="596900"/>
+          </a:xfrm>
+          <a:prstGeom prst="ellipse">
+            <a:avLst/>
+          </a:prstGeom>
+          <a:solidFill>
+            <a:srgbClr val="92D050"/>
+          </a:solidFill>
+          <a:ln>
+            <a:solidFill>
+              <a:srgbClr val="002060"/>
+            </a:solidFill>
+          </a:ln>
+        </p:spPr>
+        <p:style>
+          <a:lnRef idx="2">
+            <a:schemeClr val="accent1">
+              <a:shade val="50000"/>
+            </a:schemeClr>
+          </a:lnRef>
+          <a:fillRef idx="1">
+            <a:schemeClr val="accent1"/>
+          </a:fillRef>
+          <a:effectRef idx="0">
+            <a:schemeClr val="accent1"/>
+          </a:effectRef>
+          <a:fontRef idx="minor">
+            <a:schemeClr val="lt1"/>
+          </a:fontRef>
+        </p:style>
+        <p:txBody>
+          <a:bodyPr rtlCol="0" anchor="ctr"/>
+          <a:lstStyle/>
+          <a:p>
+            <a:pPr algn="ctr"/>
+            <a:endParaRPr lang="fr-FR"/>
+          </a:p>
+        </p:txBody>
+      </p:sp>
+      <p:sp>
+        <p:nvSpPr>
+          <p:cNvPr id="11" name="Ellipse 10">
+            <a:extLst>
+              <a:ext uri="{FF2B5EF4-FFF2-40B4-BE49-F238E27FC236}">
+                <a16:creationId xmlns:a16="http://schemas.microsoft.com/office/drawing/2014/main" id="{9BAC5FA8-3424-4C38-90AF-A40A327C47B2}"/>
+              </a:ext>
+            </a:extLst>
+          </p:cNvPr>
+          <p:cNvSpPr/>
+          <p:nvPr/>
+        </p:nvSpPr>
+        <p:spPr>
+          <a:xfrm>
+            <a:off x="11599162" y="3717926"/>
+            <a:ext cx="615868" cy="596900"/>
+          </a:xfrm>
+          <a:prstGeom prst="ellipse">
+            <a:avLst/>
+          </a:prstGeom>
+          <a:solidFill>
+            <a:srgbClr val="92D050"/>
+          </a:solidFill>
+          <a:ln>
+            <a:solidFill>
+              <a:srgbClr val="002060"/>
+            </a:solidFill>
+          </a:ln>
+        </p:spPr>
+        <p:style>
+          <a:lnRef idx="2">
+            <a:schemeClr val="accent1">
+              <a:shade val="50000"/>
+            </a:schemeClr>
+          </a:lnRef>
+          <a:fillRef idx="1">
+            <a:schemeClr val="accent1"/>
+          </a:fillRef>
+          <a:effectRef idx="0">
+            <a:schemeClr val="accent1"/>
+          </a:effectRef>
+          <a:fontRef idx="minor">
+            <a:schemeClr val="lt1"/>
+          </a:fontRef>
+        </p:style>
+        <p:txBody>
+          <a:bodyPr rtlCol="0" anchor="ctr"/>
+          <a:lstStyle/>
+          <a:p>
+            <a:pPr algn="ctr"/>
+            <a:endParaRPr lang="fr-FR"/>
+          </a:p>
+        </p:txBody>
+      </p:sp>
+      <p:sp>
+        <p:nvSpPr>
+          <p:cNvPr id="12" name="Ellipse 11">
+            <a:extLst>
+              <a:ext uri="{FF2B5EF4-FFF2-40B4-BE49-F238E27FC236}">
+                <a16:creationId xmlns:a16="http://schemas.microsoft.com/office/drawing/2014/main" id="{DEEB6230-72BD-4D39-A560-352E4A5BF895}"/>
+              </a:ext>
+            </a:extLst>
+          </p:cNvPr>
+          <p:cNvSpPr/>
+          <p:nvPr/>
+        </p:nvSpPr>
+        <p:spPr>
+          <a:xfrm>
+            <a:off x="11601224" y="4537076"/>
+            <a:ext cx="615868" cy="596900"/>
+          </a:xfrm>
+          <a:prstGeom prst="ellipse">
+            <a:avLst/>
+          </a:prstGeom>
+          <a:solidFill>
+            <a:srgbClr val="92D050"/>
+          </a:solidFill>
+          <a:ln>
+            <a:solidFill>
+              <a:srgbClr val="002060"/>
+            </a:solidFill>
+          </a:ln>
+        </p:spPr>
+        <p:style>
+          <a:lnRef idx="2">
+            <a:schemeClr val="accent1">
+              <a:shade val="50000"/>
+            </a:schemeClr>
+          </a:lnRef>
+          <a:fillRef idx="1">
+            <a:schemeClr val="accent1"/>
+          </a:fillRef>
+          <a:effectRef idx="0">
+            <a:schemeClr val="accent1"/>
+          </a:effectRef>
+          <a:fontRef idx="minor">
+            <a:schemeClr val="lt1"/>
+          </a:fontRef>
+        </p:style>
+        <p:txBody>
+          <a:bodyPr rtlCol="0" anchor="ctr"/>
+          <a:lstStyle/>
+          <a:p>
+            <a:pPr algn="ctr"/>
+            <a:endParaRPr lang="fr-FR"/>
+          </a:p>
+        </p:txBody>
+      </p:sp>
+      <p:sp>
+        <p:nvSpPr>
+          <p:cNvPr id="13" name="Ellipse 12">
+            <a:extLst>
+              <a:ext uri="{FF2B5EF4-FFF2-40B4-BE49-F238E27FC236}">
+                <a16:creationId xmlns:a16="http://schemas.microsoft.com/office/drawing/2014/main" id="{CEB9F4AF-F224-4449-92E8-1B3874046893}"/>
+              </a:ext>
+            </a:extLst>
+          </p:cNvPr>
+          <p:cNvSpPr/>
+          <p:nvPr/>
+        </p:nvSpPr>
+        <p:spPr>
+          <a:xfrm>
+            <a:off x="11576112" y="5356226"/>
+            <a:ext cx="615868" cy="596900"/>
+          </a:xfrm>
+          <a:prstGeom prst="ellipse">
+            <a:avLst/>
+          </a:prstGeom>
+          <a:solidFill>
+            <a:schemeClr val="bg1"/>
+          </a:solidFill>
+          <a:ln>
+            <a:solidFill>
+              <a:srgbClr val="002060"/>
+            </a:solidFill>
+          </a:ln>
+        </p:spPr>
+        <p:style>
+          <a:lnRef idx="2">
+            <a:schemeClr val="accent1">
+              <a:shade val="50000"/>
+            </a:schemeClr>
+          </a:lnRef>
+          <a:fillRef idx="1">
+            <a:schemeClr val="accent1"/>
+          </a:fillRef>
+          <a:effectRef idx="0">
+            <a:schemeClr val="accent1"/>
+          </a:effectRef>
+          <a:fontRef idx="minor">
+            <a:schemeClr val="lt1"/>
+          </a:fontRef>
+        </p:style>
+        <p:txBody>
+          <a:bodyPr rtlCol="0" anchor="ctr"/>
+          <a:lstStyle/>
+          <a:p>
+            <a:pPr algn="ctr"/>
+            <a:endParaRPr lang="fr-FR"/>
+          </a:p>
+        </p:txBody>
+      </p:sp>
+      <p:sp>
+        <p:nvSpPr>
+          <p:cNvPr id="14" name="Ellipse 13">
+            <a:extLst>
+              <a:ext uri="{FF2B5EF4-FFF2-40B4-BE49-F238E27FC236}">
+                <a16:creationId xmlns:a16="http://schemas.microsoft.com/office/drawing/2014/main" id="{B64931DD-33EF-4762-A7F3-8A0E518C795C}"/>
+              </a:ext>
+            </a:extLst>
+          </p:cNvPr>
+          <p:cNvSpPr/>
+          <p:nvPr/>
+        </p:nvSpPr>
+        <p:spPr>
+          <a:xfrm>
+            <a:off x="11599162" y="6175376"/>
+            <a:ext cx="615868" cy="596900"/>
+          </a:xfrm>
+          <a:prstGeom prst="ellipse">
+            <a:avLst/>
+          </a:prstGeom>
+          <a:solidFill>
+            <a:schemeClr val="bg1"/>
+          </a:solidFill>
+          <a:ln>
+            <a:solidFill>
+              <a:srgbClr val="002060"/>
+            </a:solidFill>
+          </a:ln>
+        </p:spPr>
+        <p:style>
+          <a:lnRef idx="2">
+            <a:schemeClr val="accent1">
+              <a:shade val="50000"/>
+            </a:schemeClr>
+          </a:lnRef>
+          <a:fillRef idx="1">
+            <a:schemeClr val="accent1"/>
+          </a:fillRef>
+          <a:effectRef idx="0">
+            <a:schemeClr val="accent1"/>
+          </a:effectRef>
+          <a:fontRef idx="minor">
+            <a:schemeClr val="lt1"/>
+          </a:fontRef>
+        </p:style>
+        <p:txBody>
+          <a:bodyPr rtlCol="0" anchor="ctr"/>
+          <a:lstStyle/>
+          <a:p>
+            <a:pPr algn="ctr"/>
+            <a:endParaRPr lang="fr-FR"/>
+          </a:p>
+        </p:txBody>
+      </p:sp>
+      <p:sp>
+        <p:nvSpPr>
+          <p:cNvPr id="15" name="ZoneTexte 14">
+            <a:extLst>
+              <a:ext uri="{FF2B5EF4-FFF2-40B4-BE49-F238E27FC236}">
+                <a16:creationId xmlns:a16="http://schemas.microsoft.com/office/drawing/2014/main" id="{FAB4BFE0-24EF-4295-9C96-4C46915FC5B9}"/>
+              </a:ext>
+            </a:extLst>
+          </p:cNvPr>
+          <p:cNvSpPr txBox="1"/>
+          <p:nvPr/>
+        </p:nvSpPr>
+        <p:spPr>
+          <a:xfrm>
+            <a:off x="10053015" y="555110"/>
+            <a:ext cx="1375569" cy="369332"/>
+          </a:xfrm>
+          <a:prstGeom prst="rect">
+            <a:avLst/>
+          </a:prstGeom>
+          <a:noFill/>
+        </p:spPr>
+        <p:txBody>
+          <a:bodyPr wrap="none" rtlCol="0">
+            <a:spAutoFit/>
+          </a:bodyPr>
+          <a:lstStyle/>
+          <a:p>
+            <a:r>
+              <a:rPr lang="fr-FR" strike="sngStrike" dirty="0"/>
+              <a:t>Introduction</a:t>
+            </a:r>
+          </a:p>
+        </p:txBody>
+      </p:sp>
+      <p:sp>
+        <p:nvSpPr>
+          <p:cNvPr id="16" name="ZoneTexte 15">
+            <a:extLst>
+              <a:ext uri="{FF2B5EF4-FFF2-40B4-BE49-F238E27FC236}">
+                <a16:creationId xmlns:a16="http://schemas.microsoft.com/office/drawing/2014/main" id="{14015828-23C4-41F5-B4D7-878950885677}"/>
+              </a:ext>
+            </a:extLst>
+          </p:cNvPr>
+          <p:cNvSpPr txBox="1"/>
+          <p:nvPr/>
+        </p:nvSpPr>
+        <p:spPr>
+          <a:xfrm>
+            <a:off x="10053015" y="1379493"/>
+            <a:ext cx="1359731" cy="369332"/>
+          </a:xfrm>
+          <a:prstGeom prst="rect">
+            <a:avLst/>
+          </a:prstGeom>
+          <a:noFill/>
+        </p:spPr>
+        <p:txBody>
+          <a:bodyPr wrap="none" rtlCol="0">
+            <a:spAutoFit/>
+          </a:bodyPr>
+          <a:lstStyle/>
+          <a:p>
+            <a:r>
+              <a:rPr lang="fr-FR" strike="sngStrike" dirty="0"/>
+              <a:t>Diagrammes</a:t>
+            </a:r>
+          </a:p>
+        </p:txBody>
+      </p:sp>
+      <p:sp>
+        <p:nvSpPr>
+          <p:cNvPr id="17" name="ZoneTexte 16">
+            <a:extLst>
+              <a:ext uri="{FF2B5EF4-FFF2-40B4-BE49-F238E27FC236}">
+                <a16:creationId xmlns:a16="http://schemas.microsoft.com/office/drawing/2014/main" id="{DC1B6A08-2908-4DF4-A71A-D58ACA9E845F}"/>
+              </a:ext>
+            </a:extLst>
+          </p:cNvPr>
+          <p:cNvSpPr txBox="1"/>
+          <p:nvPr/>
+        </p:nvSpPr>
+        <p:spPr>
+          <a:xfrm>
+            <a:off x="10053015" y="2189074"/>
+            <a:ext cx="1249445" cy="369332"/>
+          </a:xfrm>
+          <a:prstGeom prst="rect">
+            <a:avLst/>
+          </a:prstGeom>
+          <a:noFill/>
+        </p:spPr>
+        <p:txBody>
+          <a:bodyPr wrap="none" rtlCol="0">
+            <a:spAutoFit/>
+          </a:bodyPr>
+          <a:lstStyle/>
+          <a:p>
+            <a:r>
+              <a:rPr lang="fr-FR" strike="sngStrike" dirty="0"/>
+              <a:t>Mes tâches</a:t>
+            </a:r>
+          </a:p>
+        </p:txBody>
+      </p:sp>
+      <p:sp>
+        <p:nvSpPr>
+          <p:cNvPr id="18" name="ZoneTexte 17">
+            <a:extLst>
+              <a:ext uri="{FF2B5EF4-FFF2-40B4-BE49-F238E27FC236}">
+                <a16:creationId xmlns:a16="http://schemas.microsoft.com/office/drawing/2014/main" id="{DD185CDB-2147-4ACD-AE6E-9021945C57CD}"/>
+              </a:ext>
+            </a:extLst>
+          </p:cNvPr>
+          <p:cNvSpPr txBox="1"/>
+          <p:nvPr/>
+        </p:nvSpPr>
+        <p:spPr>
+          <a:xfrm>
+            <a:off x="10053015" y="3012560"/>
+            <a:ext cx="1638269" cy="369332"/>
+          </a:xfrm>
+          <a:prstGeom prst="rect">
+            <a:avLst/>
+          </a:prstGeom>
+          <a:noFill/>
+        </p:spPr>
+        <p:txBody>
+          <a:bodyPr wrap="none" rtlCol="0">
+            <a:spAutoFit/>
+          </a:bodyPr>
+          <a:lstStyle/>
+          <a:p>
+            <a:r>
+              <a:rPr lang="fr-FR" strike="sngStrike" dirty="0"/>
+              <a:t>Mécanisme n°1</a:t>
+            </a:r>
+          </a:p>
+        </p:txBody>
+      </p:sp>
+      <p:sp>
+        <p:nvSpPr>
+          <p:cNvPr id="19" name="ZoneTexte 18">
+            <a:extLst>
+              <a:ext uri="{FF2B5EF4-FFF2-40B4-BE49-F238E27FC236}">
+                <a16:creationId xmlns:a16="http://schemas.microsoft.com/office/drawing/2014/main" id="{71238C55-F7BD-415C-8C7A-C9D539089044}"/>
+              </a:ext>
+            </a:extLst>
+          </p:cNvPr>
+          <p:cNvSpPr txBox="1"/>
+          <p:nvPr/>
+        </p:nvSpPr>
+        <p:spPr>
+          <a:xfrm>
+            <a:off x="10053015" y="3826522"/>
+            <a:ext cx="1638269" cy="369332"/>
+          </a:xfrm>
+          <a:prstGeom prst="rect">
+            <a:avLst/>
+          </a:prstGeom>
+          <a:noFill/>
+        </p:spPr>
+        <p:txBody>
+          <a:bodyPr wrap="none" rtlCol="0">
+            <a:spAutoFit/>
+          </a:bodyPr>
+          <a:lstStyle/>
+          <a:p>
+            <a:r>
+              <a:rPr lang="fr-FR" strike="sngStrike" dirty="0"/>
+              <a:t>Mécanisme n°2</a:t>
+            </a:r>
+          </a:p>
+        </p:txBody>
+      </p:sp>
+      <p:sp>
+        <p:nvSpPr>
+          <p:cNvPr id="20" name="ZoneTexte 19">
+            <a:extLst>
+              <a:ext uri="{FF2B5EF4-FFF2-40B4-BE49-F238E27FC236}">
+                <a16:creationId xmlns:a16="http://schemas.microsoft.com/office/drawing/2014/main" id="{F4437090-444A-497F-A19C-EEFA2A54226C}"/>
+              </a:ext>
+            </a:extLst>
+          </p:cNvPr>
+          <p:cNvSpPr txBox="1"/>
+          <p:nvPr/>
+        </p:nvSpPr>
+        <p:spPr>
+          <a:xfrm>
+            <a:off x="10050865" y="4640484"/>
+            <a:ext cx="1656479" cy="369332"/>
+          </a:xfrm>
+          <a:prstGeom prst="rect">
+            <a:avLst/>
+          </a:prstGeom>
+          <a:noFill/>
+        </p:spPr>
+        <p:txBody>
+          <a:bodyPr wrap="none" rtlCol="0">
+            <a:spAutoFit/>
+          </a:bodyPr>
+          <a:lstStyle/>
+          <a:p>
+            <a:r>
+              <a:rPr lang="fr-FR" b="1" dirty="0"/>
+              <a:t>Mécanisme n°3</a:t>
+            </a:r>
+          </a:p>
+        </p:txBody>
+      </p:sp>
+      <p:sp>
+        <p:nvSpPr>
+          <p:cNvPr id="21" name="ZoneTexte 20">
+            <a:extLst>
+              <a:ext uri="{FF2B5EF4-FFF2-40B4-BE49-F238E27FC236}">
+                <a16:creationId xmlns:a16="http://schemas.microsoft.com/office/drawing/2014/main" id="{D9318AE3-3F3C-45F0-8F12-DF9A8CC6F8BF}"/>
+              </a:ext>
+            </a:extLst>
+          </p:cNvPr>
+          <p:cNvSpPr txBox="1"/>
+          <p:nvPr/>
+        </p:nvSpPr>
+        <p:spPr>
+          <a:xfrm>
+            <a:off x="10050865" y="5470010"/>
+            <a:ext cx="1162498" cy="369332"/>
+          </a:xfrm>
+          <a:prstGeom prst="rect">
+            <a:avLst/>
+          </a:prstGeom>
+          <a:noFill/>
+        </p:spPr>
+        <p:txBody>
+          <a:bodyPr wrap="none" rtlCol="0">
+            <a:spAutoFit/>
+          </a:bodyPr>
+          <a:lstStyle/>
+          <a:p>
+            <a:r>
+              <a:rPr lang="fr-FR" strike="sngStrike" dirty="0"/>
+              <a:t>Appli WEB</a:t>
+            </a:r>
+          </a:p>
+        </p:txBody>
+      </p:sp>
+      <p:sp>
+        <p:nvSpPr>
+          <p:cNvPr id="22" name="ZoneTexte 21">
+            <a:extLst>
+              <a:ext uri="{FF2B5EF4-FFF2-40B4-BE49-F238E27FC236}">
+                <a16:creationId xmlns:a16="http://schemas.microsoft.com/office/drawing/2014/main" id="{967E9711-9092-4961-953F-63B597F49274}"/>
+              </a:ext>
+            </a:extLst>
+          </p:cNvPr>
+          <p:cNvSpPr txBox="1"/>
+          <p:nvPr/>
+        </p:nvSpPr>
+        <p:spPr>
+          <a:xfrm>
+            <a:off x="10050865" y="6299536"/>
+            <a:ext cx="1417439" cy="369332"/>
+          </a:xfrm>
+          <a:prstGeom prst="rect">
+            <a:avLst/>
+          </a:prstGeom>
+          <a:noFill/>
+        </p:spPr>
+        <p:txBody>
+          <a:bodyPr wrap="none" rtlCol="0">
+            <a:spAutoFit/>
+          </a:bodyPr>
+          <a:lstStyle/>
+          <a:p>
+            <a:r>
+              <a:rPr lang="fr-FR" strike="sngStrike" dirty="0"/>
+              <a:t>Partie réseau</a:t>
+            </a:r>
+          </a:p>
+        </p:txBody>
+      </p:sp>
+      <p:pic>
+        <p:nvPicPr>
+          <p:cNvPr id="31" name="Image 30">
+            <a:extLst>
+              <a:ext uri="{FF2B5EF4-FFF2-40B4-BE49-F238E27FC236}">
+                <a16:creationId xmlns:a16="http://schemas.microsoft.com/office/drawing/2014/main" id="{4E7FCE2B-9E07-4459-80AA-CA60E5BB1C42}"/>
+              </a:ext>
+            </a:extLst>
+          </p:cNvPr>
+          <p:cNvPicPr>
+            <a:picLocks noChangeAspect="1"/>
+          </p:cNvPicPr>
+          <p:nvPr/>
+        </p:nvPicPr>
+        <p:blipFill>
+          <a:blip r:embed="rId3"/>
+          <a:stretch>
+            <a:fillRect/>
+          </a:stretch>
+        </p:blipFill>
+        <p:spPr>
+          <a:xfrm>
+            <a:off x="49557" y="1345256"/>
+            <a:ext cx="6568638" cy="3479894"/>
+          </a:xfrm>
+          <a:prstGeom prst="rect">
+            <a:avLst/>
+          </a:prstGeom>
+        </p:spPr>
+      </p:pic>
+      <p:sp>
+        <p:nvSpPr>
+          <p:cNvPr id="32" name="ZoneTexte 31">
+            <a:extLst>
+              <a:ext uri="{FF2B5EF4-FFF2-40B4-BE49-F238E27FC236}">
+                <a16:creationId xmlns:a16="http://schemas.microsoft.com/office/drawing/2014/main" id="{A97396D5-B7F3-44E5-84EA-7FFD38D37C69}"/>
+              </a:ext>
+            </a:extLst>
+          </p:cNvPr>
+          <p:cNvSpPr txBox="1"/>
+          <p:nvPr/>
+        </p:nvSpPr>
+        <p:spPr>
+          <a:xfrm>
+            <a:off x="1447800" y="4195854"/>
+            <a:ext cx="2245102" cy="400110"/>
+          </a:xfrm>
+          <a:prstGeom prst="rect">
+            <a:avLst/>
+          </a:prstGeom>
+          <a:noFill/>
+        </p:spPr>
+        <p:txBody>
+          <a:bodyPr wrap="none" rtlCol="0">
+            <a:spAutoFit/>
+          </a:bodyPr>
+          <a:lstStyle/>
+          <a:p>
+            <a:r>
+              <a:rPr lang="fr-FR" sz="2000" b="1" dirty="0"/>
+              <a:t>Capteur à effet Hall</a:t>
+            </a:r>
+          </a:p>
+        </p:txBody>
+      </p:sp>
+      <p:pic>
+        <p:nvPicPr>
+          <p:cNvPr id="33" name="Image 32">
+            <a:extLst>
+              <a:ext uri="{FF2B5EF4-FFF2-40B4-BE49-F238E27FC236}">
+                <a16:creationId xmlns:a16="http://schemas.microsoft.com/office/drawing/2014/main" id="{BCD390B1-A6FE-4053-91F1-6A3D5E34397C}"/>
+              </a:ext>
+            </a:extLst>
+          </p:cNvPr>
+          <p:cNvPicPr>
+            <a:picLocks noChangeAspect="1"/>
+          </p:cNvPicPr>
+          <p:nvPr/>
+        </p:nvPicPr>
+        <p:blipFill>
+          <a:blip r:embed="rId4"/>
+          <a:stretch>
+            <a:fillRect/>
+          </a:stretch>
+        </p:blipFill>
+        <p:spPr>
+          <a:xfrm>
+            <a:off x="4286686" y="2735298"/>
+            <a:ext cx="2245102" cy="1860666"/>
+          </a:xfrm>
+          <a:prstGeom prst="rect">
+            <a:avLst/>
+          </a:prstGeom>
+        </p:spPr>
+      </p:pic>
+      <p:sp>
+        <p:nvSpPr>
+          <p:cNvPr id="34" name="ZoneTexte 33">
+            <a:extLst>
+              <a:ext uri="{FF2B5EF4-FFF2-40B4-BE49-F238E27FC236}">
+                <a16:creationId xmlns:a16="http://schemas.microsoft.com/office/drawing/2014/main" id="{03DA56DA-D658-4CFC-852C-026A52FB23B9}"/>
+              </a:ext>
+            </a:extLst>
+          </p:cNvPr>
+          <p:cNvSpPr txBox="1"/>
+          <p:nvPr/>
+        </p:nvSpPr>
+        <p:spPr>
+          <a:xfrm>
+            <a:off x="5004606" y="4195854"/>
+            <a:ext cx="809261" cy="400110"/>
+          </a:xfrm>
+          <a:prstGeom prst="rect">
+            <a:avLst/>
+          </a:prstGeom>
+          <a:noFill/>
+        </p:spPr>
+        <p:txBody>
+          <a:bodyPr wrap="none" rtlCol="0">
+            <a:spAutoFit/>
+          </a:bodyPr>
+          <a:lstStyle/>
+          <a:p>
+            <a:r>
+              <a:rPr lang="fr-FR" sz="2000" b="1" dirty="0"/>
+              <a:t>Relais</a:t>
+            </a:r>
+          </a:p>
+        </p:txBody>
+      </p:sp>
+      <p:sp>
+        <p:nvSpPr>
+          <p:cNvPr id="35" name="ZoneTexte 34">
+            <a:extLst>
+              <a:ext uri="{FF2B5EF4-FFF2-40B4-BE49-F238E27FC236}">
+                <a16:creationId xmlns:a16="http://schemas.microsoft.com/office/drawing/2014/main" id="{8716EFEC-635C-4D14-8ADE-E83FA3F2DC49}"/>
+              </a:ext>
+            </a:extLst>
+          </p:cNvPr>
+          <p:cNvSpPr txBox="1"/>
+          <p:nvPr/>
+        </p:nvSpPr>
+        <p:spPr>
+          <a:xfrm>
+            <a:off x="7272112" y="4195854"/>
+            <a:ext cx="2228815" cy="400110"/>
+          </a:xfrm>
+          <a:prstGeom prst="rect">
+            <a:avLst/>
+          </a:prstGeom>
+          <a:noFill/>
+        </p:spPr>
+        <p:txBody>
+          <a:bodyPr wrap="none" rtlCol="0">
+            <a:spAutoFit/>
+          </a:bodyPr>
+          <a:lstStyle/>
+          <a:p>
+            <a:r>
+              <a:rPr lang="fr-FR" sz="2000" b="1" dirty="0"/>
+              <a:t>Actionneur linéaire</a:t>
+            </a:r>
+          </a:p>
+        </p:txBody>
+      </p:sp>
+      <p:pic>
+        <p:nvPicPr>
+          <p:cNvPr id="36" name="Image 35">
+            <a:extLst>
+              <a:ext uri="{FF2B5EF4-FFF2-40B4-BE49-F238E27FC236}">
+                <a16:creationId xmlns:a16="http://schemas.microsoft.com/office/drawing/2014/main" id="{8C461437-4006-46F8-809E-BF46B7A5EF92}"/>
+              </a:ext>
+            </a:extLst>
+          </p:cNvPr>
+          <p:cNvPicPr>
+            <a:picLocks noChangeAspect="1"/>
+          </p:cNvPicPr>
+          <p:nvPr/>
+        </p:nvPicPr>
+        <p:blipFill>
+          <a:blip r:embed="rId5"/>
+          <a:stretch>
+            <a:fillRect/>
+          </a:stretch>
+        </p:blipFill>
+        <p:spPr>
+          <a:xfrm rot="11383194">
+            <a:off x="7498306" y="2217321"/>
+            <a:ext cx="1365832" cy="2039593"/>
+          </a:xfrm>
+          <a:prstGeom prst="rect">
+            <a:avLst/>
+          </a:prstGeom>
+        </p:spPr>
+      </p:pic>
+    </p:spTree>
+    <p:extLst>
+      <p:ext uri="{BB962C8B-B14F-4D97-AF65-F5344CB8AC3E}">
+        <p14:creationId xmlns:p14="http://schemas.microsoft.com/office/powerpoint/2010/main" val="4096673761"/>
+      </p:ext>
+    </p:extLst>
+  </p:cSld>
+  <p:clrMapOvr>
+    <a:masterClrMapping/>
+  </p:clrMapOvr>
+  <mc:AlternateContent xmlns:mc="http://schemas.openxmlformats.org/markup-compatibility/2006">
+    <mc:Choice xmlns:p14="http://schemas.microsoft.com/office/powerpoint/2010/main" Requires="p14">
+      <p:transition spd="med" p14:dur="700">
+        <p:fade/>
+      </p:transition>
+    </mc:Choice>
+    <mc:Fallback>
+      <p:transition spd="med">
+        <p:fade/>
+      </p:transition>
+    </mc:Fallback>
+  </mc:AlternateContent>
+</p:sld>
+</file>
+
+<file path=ppt/slides/slide8.xml><?xml version="1.0" encoding="utf-8"?>
+<p:sld xmlns:a="http://schemas.openxmlformats.org/drawingml/2006/main" xmlns:r="http://schemas.openxmlformats.org/officeDocument/2006/relationships" xmlns:p="http://schemas.openxmlformats.org/presentationml/2006/main">
+  <p:cSld>
+    <p:spTree>
+      <p:nvGrpSpPr>
+        <p:cNvPr id="1" name=""/>
+        <p:cNvGrpSpPr/>
+        <p:nvPr/>
+      </p:nvGrpSpPr>
+      <p:grpSpPr>
+        <a:xfrm>
+          <a:off x="0" y="0"/>
+          <a:ext cx="0" cy="0"/>
+          <a:chOff x="0" y="0"/>
+          <a:chExt cx="0" cy="0"/>
+        </a:xfrm>
+      </p:grpSpPr>
+      <p:pic>
+        <p:nvPicPr>
+          <p:cNvPr id="25" name="Image 24" descr="Une image contenant table, paire&#10;&#10;Description générée automatiquement">
+            <a:extLst>
+              <a:ext uri="{FF2B5EF4-FFF2-40B4-BE49-F238E27FC236}">
+                <a16:creationId xmlns:a16="http://schemas.microsoft.com/office/drawing/2014/main" id="{360E627F-DDC6-42E0-9CBC-A5125DC34D25}"/>
+              </a:ext>
+            </a:extLst>
+          </p:cNvPr>
+          <p:cNvPicPr>
+            <a:picLocks noChangeAspect="1"/>
+          </p:cNvPicPr>
+          <p:nvPr/>
+        </p:nvPicPr>
+        <p:blipFill rotWithShape="1">
+          <a:blip r:embed="rId2">
+            <a:alphaModFix amt="50000"/>
+            <a:extLst>
+              <a:ext uri="{28A0092B-C50C-407E-A947-70E740481C1C}">
+                <a14:useLocalDpi xmlns:a14="http://schemas.microsoft.com/office/drawing/2010/main" val="0"/>
+              </a:ext>
+            </a:extLst>
+          </a:blip>
+          <a:srcRect t="6250"/>
+          <a:stretch/>
+        </p:blipFill>
+        <p:spPr>
+          <a:xfrm>
+            <a:off x="20" y="1"/>
+            <a:ext cx="12191980" cy="6857999"/>
+          </a:xfrm>
+          <a:prstGeom prst="rect">
+            <a:avLst/>
+          </a:prstGeom>
+        </p:spPr>
+      </p:pic>
+      <p:sp>
+        <p:nvSpPr>
+          <p:cNvPr id="4" name="Titre 1">
+            <a:extLst>
+              <a:ext uri="{FF2B5EF4-FFF2-40B4-BE49-F238E27FC236}">
+                <a16:creationId xmlns:a16="http://schemas.microsoft.com/office/drawing/2014/main" id="{621ABB55-4537-4B7F-9986-41292A7945F8}"/>
+              </a:ext>
+            </a:extLst>
+          </p:cNvPr>
+          <p:cNvSpPr>
+            <a:spLocks noGrp="1"/>
+          </p:cNvSpPr>
+          <p:nvPr>
+            <p:ph type="title"/>
+          </p:nvPr>
+        </p:nvSpPr>
         <p:spPr>
           <a:xfrm>
             <a:off x="897559" y="389990"/>
@@ -6251,6 +12217,13 @@
                 <a:solidFill>
                   <a:schemeClr val="tx1"/>
                 </a:solidFill>
+                <a:effectLst>
+                  <a:outerShdw blurRad="38100" dist="38100" dir="2700000" algn="tl">
+                    <a:srgbClr val="000000">
+                      <a:alpha val="43137"/>
+                    </a:srgbClr>
+                  </a:outerShdw>
+                </a:effectLst>
                 <a:latin typeface="+mn-lt"/>
               </a:rPr>
               <a:t>Application Web de supervision</a:t>
@@ -6287,7 +12260,7 @@
         </p:blipFill>
         <p:spPr bwMode="auto">
           <a:xfrm>
-            <a:off x="1119451" y="2492373"/>
+            <a:off x="3147729" y="2492375"/>
             <a:ext cx="1354984" cy="1873250"/>
           </a:xfrm>
           <a:prstGeom prst="rect">
@@ -6333,7 +12306,7 @@
         </p:blipFill>
         <p:spPr>
           <a:xfrm>
-            <a:off x="2924769" y="2492373"/>
+            <a:off x="5029326" y="2492375"/>
             <a:ext cx="1354984" cy="1873250"/>
           </a:xfrm>
           <a:prstGeom prst="rect">
@@ -6369,7 +12342,7 @@
         </p:blipFill>
         <p:spPr>
           <a:xfrm>
-            <a:off x="4730088" y="2492373"/>
+            <a:off x="6910923" y="2496235"/>
             <a:ext cx="2731824" cy="1873251"/>
           </a:xfrm>
           <a:prstGeom prst="rect">
@@ -6405,7 +12378,7 @@
         </p:blipFill>
         <p:spPr>
           <a:xfrm>
-            <a:off x="7516549" y="2494455"/>
+            <a:off x="6384309" y="2591443"/>
             <a:ext cx="1905000" cy="1905000"/>
           </a:xfrm>
           <a:prstGeom prst="rect">
@@ -6441,7 +12414,7 @@
         </p:blipFill>
         <p:spPr>
           <a:xfrm>
-            <a:off x="9167549" y="2598756"/>
+            <a:off x="3825221" y="2676526"/>
             <a:ext cx="1905000" cy="1905000"/>
           </a:xfrm>
           <a:prstGeom prst="rect">
@@ -6477,7 +12450,7 @@
         </p:blipFill>
         <p:spPr>
           <a:xfrm>
-            <a:off x="1796943" y="4715468"/>
+            <a:off x="2904027" y="4640484"/>
             <a:ext cx="3150566" cy="1201153"/>
           </a:xfrm>
           <a:prstGeom prst="rect">
@@ -6513,7 +12486,7 @@
         </p:blipFill>
         <p:spPr>
           <a:xfrm>
-            <a:off x="7103137" y="4503756"/>
+            <a:off x="6601591" y="4215739"/>
             <a:ext cx="2731824" cy="1412865"/>
           </a:xfrm>
           <a:prstGeom prst="rect">
@@ -6543,7 +12516,7 @@
         </p:blipFill>
         <p:spPr>
           <a:xfrm>
-            <a:off x="4352681" y="2537190"/>
+            <a:off x="4640991" y="2820955"/>
             <a:ext cx="3486637" cy="1819529"/>
           </a:xfrm>
           <a:prstGeom prst="rect">
@@ -6551,6 +12524,772 @@
           </a:prstGeom>
         </p:spPr>
       </p:pic>
+      <p:sp>
+        <p:nvSpPr>
+          <p:cNvPr id="13" name="Rectangle 12">
+            <a:extLst>
+              <a:ext uri="{FF2B5EF4-FFF2-40B4-BE49-F238E27FC236}">
+                <a16:creationId xmlns:a16="http://schemas.microsoft.com/office/drawing/2014/main" id="{FC7106E0-7475-4F77-8AA4-5EF950FD578C}"/>
+              </a:ext>
+            </a:extLst>
+          </p:cNvPr>
+          <p:cNvSpPr/>
+          <p:nvPr/>
+        </p:nvSpPr>
+        <p:spPr>
+          <a:xfrm>
+            <a:off x="11714226" y="511747"/>
+            <a:ext cx="372999" cy="5834506"/>
+          </a:xfrm>
+          <a:prstGeom prst="rect">
+            <a:avLst/>
+          </a:prstGeom>
+          <a:solidFill>
+            <a:schemeClr val="bg1"/>
+          </a:solidFill>
+          <a:ln>
+            <a:solidFill>
+              <a:srgbClr val="002060"/>
+            </a:solidFill>
+          </a:ln>
+        </p:spPr>
+        <p:style>
+          <a:lnRef idx="2">
+            <a:schemeClr val="accent1">
+              <a:shade val="50000"/>
+            </a:schemeClr>
+          </a:lnRef>
+          <a:fillRef idx="1">
+            <a:schemeClr val="accent1"/>
+          </a:fillRef>
+          <a:effectRef idx="0">
+            <a:schemeClr val="accent1"/>
+          </a:effectRef>
+          <a:fontRef idx="minor">
+            <a:schemeClr val="lt1"/>
+          </a:fontRef>
+        </p:style>
+        <p:txBody>
+          <a:bodyPr rtlCol="0" anchor="ctr"/>
+          <a:lstStyle/>
+          <a:p>
+            <a:pPr algn="ctr"/>
+            <a:endParaRPr lang="fr-FR"/>
+          </a:p>
+        </p:txBody>
+      </p:sp>
+      <p:sp>
+        <p:nvSpPr>
+          <p:cNvPr id="15" name="Ellipse 14">
+            <a:extLst>
+              <a:ext uri="{FF2B5EF4-FFF2-40B4-BE49-F238E27FC236}">
+                <a16:creationId xmlns:a16="http://schemas.microsoft.com/office/drawing/2014/main" id="{E2A0F80C-F0B9-44EA-8129-9AC69CF1E944}"/>
+              </a:ext>
+            </a:extLst>
+          </p:cNvPr>
+          <p:cNvSpPr/>
+          <p:nvPr/>
+        </p:nvSpPr>
+        <p:spPr>
+          <a:xfrm>
+            <a:off x="11576112" y="441326"/>
+            <a:ext cx="615868" cy="596900"/>
+          </a:xfrm>
+          <a:prstGeom prst="ellipse">
+            <a:avLst/>
+          </a:prstGeom>
+          <a:solidFill>
+            <a:srgbClr val="92D050"/>
+          </a:solidFill>
+          <a:ln>
+            <a:solidFill>
+              <a:srgbClr val="002060"/>
+            </a:solidFill>
+          </a:ln>
+        </p:spPr>
+        <p:style>
+          <a:lnRef idx="2">
+            <a:schemeClr val="accent1">
+              <a:shade val="50000"/>
+            </a:schemeClr>
+          </a:lnRef>
+          <a:fillRef idx="1">
+            <a:schemeClr val="accent1"/>
+          </a:fillRef>
+          <a:effectRef idx="0">
+            <a:schemeClr val="accent1"/>
+          </a:effectRef>
+          <a:fontRef idx="minor">
+            <a:schemeClr val="lt1"/>
+          </a:fontRef>
+        </p:style>
+        <p:txBody>
+          <a:bodyPr rtlCol="0" anchor="ctr"/>
+          <a:lstStyle/>
+          <a:p>
+            <a:pPr algn="ctr"/>
+            <a:endParaRPr lang="fr-FR"/>
+          </a:p>
+        </p:txBody>
+      </p:sp>
+      <p:sp>
+        <p:nvSpPr>
+          <p:cNvPr id="17" name="Ellipse 16">
+            <a:extLst>
+              <a:ext uri="{FF2B5EF4-FFF2-40B4-BE49-F238E27FC236}">
+                <a16:creationId xmlns:a16="http://schemas.microsoft.com/office/drawing/2014/main" id="{8746EACB-3583-4D83-84FB-2721D878B912}"/>
+              </a:ext>
+            </a:extLst>
+          </p:cNvPr>
+          <p:cNvSpPr/>
+          <p:nvPr/>
+        </p:nvSpPr>
+        <p:spPr>
+          <a:xfrm>
+            <a:off x="11592791" y="1260476"/>
+            <a:ext cx="615868" cy="596900"/>
+          </a:xfrm>
+          <a:prstGeom prst="ellipse">
+            <a:avLst/>
+          </a:prstGeom>
+          <a:solidFill>
+            <a:srgbClr val="92D050"/>
+          </a:solidFill>
+          <a:ln>
+            <a:solidFill>
+              <a:srgbClr val="002060"/>
+            </a:solidFill>
+          </a:ln>
+        </p:spPr>
+        <p:style>
+          <a:lnRef idx="2">
+            <a:schemeClr val="accent1">
+              <a:shade val="50000"/>
+            </a:schemeClr>
+          </a:lnRef>
+          <a:fillRef idx="1">
+            <a:schemeClr val="accent1"/>
+          </a:fillRef>
+          <a:effectRef idx="0">
+            <a:schemeClr val="accent1"/>
+          </a:effectRef>
+          <a:fontRef idx="minor">
+            <a:schemeClr val="lt1"/>
+          </a:fontRef>
+        </p:style>
+        <p:txBody>
+          <a:bodyPr rtlCol="0" anchor="ctr"/>
+          <a:lstStyle/>
+          <a:p>
+            <a:pPr algn="ctr"/>
+            <a:endParaRPr lang="fr-FR"/>
+          </a:p>
+        </p:txBody>
+      </p:sp>
+      <p:sp>
+        <p:nvSpPr>
+          <p:cNvPr id="19" name="Ellipse 18">
+            <a:extLst>
+              <a:ext uri="{FF2B5EF4-FFF2-40B4-BE49-F238E27FC236}">
+                <a16:creationId xmlns:a16="http://schemas.microsoft.com/office/drawing/2014/main" id="{FADFAB21-4E56-476F-97FA-2DC18F12D326}"/>
+              </a:ext>
+            </a:extLst>
+          </p:cNvPr>
+          <p:cNvSpPr/>
+          <p:nvPr/>
+        </p:nvSpPr>
+        <p:spPr>
+          <a:xfrm>
+            <a:off x="11599162" y="2079626"/>
+            <a:ext cx="615868" cy="596900"/>
+          </a:xfrm>
+          <a:prstGeom prst="ellipse">
+            <a:avLst/>
+          </a:prstGeom>
+          <a:solidFill>
+            <a:srgbClr val="92D050"/>
+          </a:solidFill>
+          <a:ln>
+            <a:solidFill>
+              <a:srgbClr val="002060"/>
+            </a:solidFill>
+          </a:ln>
+        </p:spPr>
+        <p:style>
+          <a:lnRef idx="2">
+            <a:schemeClr val="accent1">
+              <a:shade val="50000"/>
+            </a:schemeClr>
+          </a:lnRef>
+          <a:fillRef idx="1">
+            <a:schemeClr val="accent1"/>
+          </a:fillRef>
+          <a:effectRef idx="0">
+            <a:schemeClr val="accent1"/>
+          </a:effectRef>
+          <a:fontRef idx="minor">
+            <a:schemeClr val="lt1"/>
+          </a:fontRef>
+        </p:style>
+        <p:txBody>
+          <a:bodyPr rtlCol="0" anchor="ctr"/>
+          <a:lstStyle/>
+          <a:p>
+            <a:pPr algn="ctr"/>
+            <a:endParaRPr lang="fr-FR"/>
+          </a:p>
+        </p:txBody>
+      </p:sp>
+      <p:sp>
+        <p:nvSpPr>
+          <p:cNvPr id="21" name="Ellipse 20">
+            <a:extLst>
+              <a:ext uri="{FF2B5EF4-FFF2-40B4-BE49-F238E27FC236}">
+                <a16:creationId xmlns:a16="http://schemas.microsoft.com/office/drawing/2014/main" id="{D0C257A3-F273-4E3F-9B87-FF87F3669382}"/>
+              </a:ext>
+            </a:extLst>
+          </p:cNvPr>
+          <p:cNvSpPr/>
+          <p:nvPr/>
+        </p:nvSpPr>
+        <p:spPr>
+          <a:xfrm>
+            <a:off x="11599162" y="2898776"/>
+            <a:ext cx="615868" cy="596900"/>
+          </a:xfrm>
+          <a:prstGeom prst="ellipse">
+            <a:avLst/>
+          </a:prstGeom>
+          <a:solidFill>
+            <a:srgbClr val="92D050"/>
+          </a:solidFill>
+          <a:ln>
+            <a:solidFill>
+              <a:srgbClr val="002060"/>
+            </a:solidFill>
+          </a:ln>
+        </p:spPr>
+        <p:style>
+          <a:lnRef idx="2">
+            <a:schemeClr val="accent1">
+              <a:shade val="50000"/>
+            </a:schemeClr>
+          </a:lnRef>
+          <a:fillRef idx="1">
+            <a:schemeClr val="accent1"/>
+          </a:fillRef>
+          <a:effectRef idx="0">
+            <a:schemeClr val="accent1"/>
+          </a:effectRef>
+          <a:fontRef idx="minor">
+            <a:schemeClr val="lt1"/>
+          </a:fontRef>
+        </p:style>
+        <p:txBody>
+          <a:bodyPr rtlCol="0" anchor="ctr"/>
+          <a:lstStyle/>
+          <a:p>
+            <a:pPr algn="ctr"/>
+            <a:endParaRPr lang="fr-FR"/>
+          </a:p>
+        </p:txBody>
+      </p:sp>
+      <p:sp>
+        <p:nvSpPr>
+          <p:cNvPr id="23" name="Ellipse 22">
+            <a:extLst>
+              <a:ext uri="{FF2B5EF4-FFF2-40B4-BE49-F238E27FC236}">
+                <a16:creationId xmlns:a16="http://schemas.microsoft.com/office/drawing/2014/main" id="{4530CEE8-3AB5-4511-86C1-F2BC067BD5A1}"/>
+              </a:ext>
+            </a:extLst>
+          </p:cNvPr>
+          <p:cNvSpPr/>
+          <p:nvPr/>
+        </p:nvSpPr>
+        <p:spPr>
+          <a:xfrm>
+            <a:off x="11599162" y="3717926"/>
+            <a:ext cx="615868" cy="596900"/>
+          </a:xfrm>
+          <a:prstGeom prst="ellipse">
+            <a:avLst/>
+          </a:prstGeom>
+          <a:solidFill>
+            <a:srgbClr val="92D050"/>
+          </a:solidFill>
+          <a:ln>
+            <a:solidFill>
+              <a:srgbClr val="002060"/>
+            </a:solidFill>
+          </a:ln>
+        </p:spPr>
+        <p:style>
+          <a:lnRef idx="2">
+            <a:schemeClr val="accent1">
+              <a:shade val="50000"/>
+            </a:schemeClr>
+          </a:lnRef>
+          <a:fillRef idx="1">
+            <a:schemeClr val="accent1"/>
+          </a:fillRef>
+          <a:effectRef idx="0">
+            <a:schemeClr val="accent1"/>
+          </a:effectRef>
+          <a:fontRef idx="minor">
+            <a:schemeClr val="lt1"/>
+          </a:fontRef>
+        </p:style>
+        <p:txBody>
+          <a:bodyPr rtlCol="0" anchor="ctr"/>
+          <a:lstStyle/>
+          <a:p>
+            <a:pPr algn="ctr"/>
+            <a:endParaRPr lang="fr-FR"/>
+          </a:p>
+        </p:txBody>
+      </p:sp>
+      <p:sp>
+        <p:nvSpPr>
+          <p:cNvPr id="24" name="Ellipse 23">
+            <a:extLst>
+              <a:ext uri="{FF2B5EF4-FFF2-40B4-BE49-F238E27FC236}">
+                <a16:creationId xmlns:a16="http://schemas.microsoft.com/office/drawing/2014/main" id="{0B2B8DF5-66F6-4CB2-B209-8A633B2C99DA}"/>
+              </a:ext>
+            </a:extLst>
+          </p:cNvPr>
+          <p:cNvSpPr/>
+          <p:nvPr/>
+        </p:nvSpPr>
+        <p:spPr>
+          <a:xfrm>
+            <a:off x="11601224" y="4537076"/>
+            <a:ext cx="615868" cy="596900"/>
+          </a:xfrm>
+          <a:prstGeom prst="ellipse">
+            <a:avLst/>
+          </a:prstGeom>
+          <a:solidFill>
+            <a:srgbClr val="92D050"/>
+          </a:solidFill>
+          <a:ln>
+            <a:solidFill>
+              <a:srgbClr val="002060"/>
+            </a:solidFill>
+          </a:ln>
+        </p:spPr>
+        <p:style>
+          <a:lnRef idx="2">
+            <a:schemeClr val="accent1">
+              <a:shade val="50000"/>
+            </a:schemeClr>
+          </a:lnRef>
+          <a:fillRef idx="1">
+            <a:schemeClr val="accent1"/>
+          </a:fillRef>
+          <a:effectRef idx="0">
+            <a:schemeClr val="accent1"/>
+          </a:effectRef>
+          <a:fontRef idx="minor">
+            <a:schemeClr val="lt1"/>
+          </a:fontRef>
+        </p:style>
+        <p:txBody>
+          <a:bodyPr rtlCol="0" anchor="ctr"/>
+          <a:lstStyle/>
+          <a:p>
+            <a:pPr algn="ctr"/>
+            <a:endParaRPr lang="fr-FR"/>
+          </a:p>
+        </p:txBody>
+      </p:sp>
+      <p:sp>
+        <p:nvSpPr>
+          <p:cNvPr id="26" name="Ellipse 25">
+            <a:extLst>
+              <a:ext uri="{FF2B5EF4-FFF2-40B4-BE49-F238E27FC236}">
+                <a16:creationId xmlns:a16="http://schemas.microsoft.com/office/drawing/2014/main" id="{A0AC2229-72B5-4DDA-BDA6-BA83B6782BD0}"/>
+              </a:ext>
+            </a:extLst>
+          </p:cNvPr>
+          <p:cNvSpPr/>
+          <p:nvPr/>
+        </p:nvSpPr>
+        <p:spPr>
+          <a:xfrm>
+            <a:off x="11576112" y="5356226"/>
+            <a:ext cx="615868" cy="596900"/>
+          </a:xfrm>
+          <a:prstGeom prst="ellipse">
+            <a:avLst/>
+          </a:prstGeom>
+          <a:solidFill>
+            <a:srgbClr val="92D050"/>
+          </a:solidFill>
+          <a:ln>
+            <a:solidFill>
+              <a:srgbClr val="002060"/>
+            </a:solidFill>
+          </a:ln>
+        </p:spPr>
+        <p:style>
+          <a:lnRef idx="2">
+            <a:schemeClr val="accent1">
+              <a:shade val="50000"/>
+            </a:schemeClr>
+          </a:lnRef>
+          <a:fillRef idx="1">
+            <a:schemeClr val="accent1"/>
+          </a:fillRef>
+          <a:effectRef idx="0">
+            <a:schemeClr val="accent1"/>
+          </a:effectRef>
+          <a:fontRef idx="minor">
+            <a:schemeClr val="lt1"/>
+          </a:fontRef>
+        </p:style>
+        <p:txBody>
+          <a:bodyPr rtlCol="0" anchor="ctr"/>
+          <a:lstStyle/>
+          <a:p>
+            <a:pPr algn="ctr"/>
+            <a:endParaRPr lang="fr-FR"/>
+          </a:p>
+        </p:txBody>
+      </p:sp>
+      <p:sp>
+        <p:nvSpPr>
+          <p:cNvPr id="27" name="Ellipse 26">
+            <a:extLst>
+              <a:ext uri="{FF2B5EF4-FFF2-40B4-BE49-F238E27FC236}">
+                <a16:creationId xmlns:a16="http://schemas.microsoft.com/office/drawing/2014/main" id="{9470095A-CE11-4CB0-994F-0A2B34D740B9}"/>
+              </a:ext>
+            </a:extLst>
+          </p:cNvPr>
+          <p:cNvSpPr/>
+          <p:nvPr/>
+        </p:nvSpPr>
+        <p:spPr>
+          <a:xfrm>
+            <a:off x="11599162" y="6175376"/>
+            <a:ext cx="615868" cy="596900"/>
+          </a:xfrm>
+          <a:prstGeom prst="ellipse">
+            <a:avLst/>
+          </a:prstGeom>
+          <a:solidFill>
+            <a:schemeClr val="bg1"/>
+          </a:solidFill>
+          <a:ln>
+            <a:solidFill>
+              <a:srgbClr val="002060"/>
+            </a:solidFill>
+          </a:ln>
+        </p:spPr>
+        <p:style>
+          <a:lnRef idx="2">
+            <a:schemeClr val="accent1">
+              <a:shade val="50000"/>
+            </a:schemeClr>
+          </a:lnRef>
+          <a:fillRef idx="1">
+            <a:schemeClr val="accent1"/>
+          </a:fillRef>
+          <a:effectRef idx="0">
+            <a:schemeClr val="accent1"/>
+          </a:effectRef>
+          <a:fontRef idx="minor">
+            <a:schemeClr val="lt1"/>
+          </a:fontRef>
+        </p:style>
+        <p:txBody>
+          <a:bodyPr rtlCol="0" anchor="ctr"/>
+          <a:lstStyle/>
+          <a:p>
+            <a:pPr algn="ctr"/>
+            <a:endParaRPr lang="fr-FR"/>
+          </a:p>
+        </p:txBody>
+      </p:sp>
+      <p:sp>
+        <p:nvSpPr>
+          <p:cNvPr id="28" name="ZoneTexte 27">
+            <a:extLst>
+              <a:ext uri="{FF2B5EF4-FFF2-40B4-BE49-F238E27FC236}">
+                <a16:creationId xmlns:a16="http://schemas.microsoft.com/office/drawing/2014/main" id="{2866A3B6-CDE4-4BA2-B1AB-5E1080F295FA}"/>
+              </a:ext>
+            </a:extLst>
+          </p:cNvPr>
+          <p:cNvSpPr txBox="1"/>
+          <p:nvPr/>
+        </p:nvSpPr>
+        <p:spPr>
+          <a:xfrm>
+            <a:off x="10053015" y="555110"/>
+            <a:ext cx="1375569" cy="369332"/>
+          </a:xfrm>
+          <a:prstGeom prst="rect">
+            <a:avLst/>
+          </a:prstGeom>
+          <a:noFill/>
+        </p:spPr>
+        <p:txBody>
+          <a:bodyPr wrap="none" rtlCol="0">
+            <a:spAutoFit/>
+          </a:bodyPr>
+          <a:lstStyle/>
+          <a:p>
+            <a:r>
+              <a:rPr lang="fr-FR" strike="sngStrike" dirty="0"/>
+              <a:t>Introduction</a:t>
+            </a:r>
+          </a:p>
+        </p:txBody>
+      </p:sp>
+      <p:sp>
+        <p:nvSpPr>
+          <p:cNvPr id="29" name="ZoneTexte 28">
+            <a:extLst>
+              <a:ext uri="{FF2B5EF4-FFF2-40B4-BE49-F238E27FC236}">
+                <a16:creationId xmlns:a16="http://schemas.microsoft.com/office/drawing/2014/main" id="{CFEAAF36-74C6-490E-A019-C239D7CE650C}"/>
+              </a:ext>
+            </a:extLst>
+          </p:cNvPr>
+          <p:cNvSpPr txBox="1"/>
+          <p:nvPr/>
+        </p:nvSpPr>
+        <p:spPr>
+          <a:xfrm>
+            <a:off x="10053015" y="1379493"/>
+            <a:ext cx="1359731" cy="369332"/>
+          </a:xfrm>
+          <a:prstGeom prst="rect">
+            <a:avLst/>
+          </a:prstGeom>
+          <a:noFill/>
+        </p:spPr>
+        <p:txBody>
+          <a:bodyPr wrap="none" rtlCol="0">
+            <a:spAutoFit/>
+          </a:bodyPr>
+          <a:lstStyle/>
+          <a:p>
+            <a:r>
+              <a:rPr lang="fr-FR" strike="sngStrike" dirty="0"/>
+              <a:t>Diagrammes</a:t>
+            </a:r>
+          </a:p>
+        </p:txBody>
+      </p:sp>
+      <p:sp>
+        <p:nvSpPr>
+          <p:cNvPr id="30" name="ZoneTexte 29">
+            <a:extLst>
+              <a:ext uri="{FF2B5EF4-FFF2-40B4-BE49-F238E27FC236}">
+                <a16:creationId xmlns:a16="http://schemas.microsoft.com/office/drawing/2014/main" id="{A538670A-67AF-4B81-B6A2-9F6B9C989D67}"/>
+              </a:ext>
+            </a:extLst>
+          </p:cNvPr>
+          <p:cNvSpPr txBox="1"/>
+          <p:nvPr/>
+        </p:nvSpPr>
+        <p:spPr>
+          <a:xfrm>
+            <a:off x="10053015" y="2189074"/>
+            <a:ext cx="1249445" cy="369332"/>
+          </a:xfrm>
+          <a:prstGeom prst="rect">
+            <a:avLst/>
+          </a:prstGeom>
+          <a:noFill/>
+        </p:spPr>
+        <p:txBody>
+          <a:bodyPr wrap="none" rtlCol="0">
+            <a:spAutoFit/>
+          </a:bodyPr>
+          <a:lstStyle/>
+          <a:p>
+            <a:r>
+              <a:rPr lang="fr-FR" strike="sngStrike" dirty="0"/>
+              <a:t>Mes tâches</a:t>
+            </a:r>
+          </a:p>
+        </p:txBody>
+      </p:sp>
+      <p:sp>
+        <p:nvSpPr>
+          <p:cNvPr id="31" name="ZoneTexte 30">
+            <a:extLst>
+              <a:ext uri="{FF2B5EF4-FFF2-40B4-BE49-F238E27FC236}">
+                <a16:creationId xmlns:a16="http://schemas.microsoft.com/office/drawing/2014/main" id="{1A77ED40-3CD9-42B5-8ECB-82138E800B8D}"/>
+              </a:ext>
+            </a:extLst>
+          </p:cNvPr>
+          <p:cNvSpPr txBox="1"/>
+          <p:nvPr/>
+        </p:nvSpPr>
+        <p:spPr>
+          <a:xfrm>
+            <a:off x="10053015" y="3012560"/>
+            <a:ext cx="1638269" cy="369332"/>
+          </a:xfrm>
+          <a:prstGeom prst="rect">
+            <a:avLst/>
+          </a:prstGeom>
+          <a:noFill/>
+        </p:spPr>
+        <p:txBody>
+          <a:bodyPr wrap="none" rtlCol="0">
+            <a:spAutoFit/>
+          </a:bodyPr>
+          <a:lstStyle/>
+          <a:p>
+            <a:r>
+              <a:rPr lang="fr-FR" strike="sngStrike" dirty="0"/>
+              <a:t>Mécanisme n°1</a:t>
+            </a:r>
+          </a:p>
+        </p:txBody>
+      </p:sp>
+      <p:sp>
+        <p:nvSpPr>
+          <p:cNvPr id="32" name="ZoneTexte 31">
+            <a:extLst>
+              <a:ext uri="{FF2B5EF4-FFF2-40B4-BE49-F238E27FC236}">
+                <a16:creationId xmlns:a16="http://schemas.microsoft.com/office/drawing/2014/main" id="{9F8EB306-5293-4ADD-A5AB-16B7BB7E847E}"/>
+              </a:ext>
+            </a:extLst>
+          </p:cNvPr>
+          <p:cNvSpPr txBox="1"/>
+          <p:nvPr/>
+        </p:nvSpPr>
+        <p:spPr>
+          <a:xfrm>
+            <a:off x="10053015" y="3826522"/>
+            <a:ext cx="1638269" cy="369332"/>
+          </a:xfrm>
+          <a:prstGeom prst="rect">
+            <a:avLst/>
+          </a:prstGeom>
+          <a:noFill/>
+        </p:spPr>
+        <p:txBody>
+          <a:bodyPr wrap="none" rtlCol="0">
+            <a:spAutoFit/>
+          </a:bodyPr>
+          <a:lstStyle/>
+          <a:p>
+            <a:r>
+              <a:rPr lang="fr-FR" strike="sngStrike" dirty="0"/>
+              <a:t>Mécanisme n°2</a:t>
+            </a:r>
+          </a:p>
+        </p:txBody>
+      </p:sp>
+      <p:sp>
+        <p:nvSpPr>
+          <p:cNvPr id="33" name="ZoneTexte 32">
+            <a:extLst>
+              <a:ext uri="{FF2B5EF4-FFF2-40B4-BE49-F238E27FC236}">
+                <a16:creationId xmlns:a16="http://schemas.microsoft.com/office/drawing/2014/main" id="{418273F2-3441-4159-9890-7DD0FA5753E6}"/>
+              </a:ext>
+            </a:extLst>
+          </p:cNvPr>
+          <p:cNvSpPr txBox="1"/>
+          <p:nvPr/>
+        </p:nvSpPr>
+        <p:spPr>
+          <a:xfrm>
+            <a:off x="10050865" y="4640484"/>
+            <a:ext cx="1638269" cy="369332"/>
+          </a:xfrm>
+          <a:prstGeom prst="rect">
+            <a:avLst/>
+          </a:prstGeom>
+          <a:noFill/>
+        </p:spPr>
+        <p:txBody>
+          <a:bodyPr wrap="none" rtlCol="0">
+            <a:spAutoFit/>
+          </a:bodyPr>
+          <a:lstStyle/>
+          <a:p>
+            <a:r>
+              <a:rPr lang="fr-FR" strike="sngStrike" dirty="0"/>
+              <a:t>Mécanisme n°3</a:t>
+            </a:r>
+          </a:p>
+        </p:txBody>
+      </p:sp>
+      <p:sp>
+        <p:nvSpPr>
+          <p:cNvPr id="34" name="ZoneTexte 33">
+            <a:extLst>
+              <a:ext uri="{FF2B5EF4-FFF2-40B4-BE49-F238E27FC236}">
+                <a16:creationId xmlns:a16="http://schemas.microsoft.com/office/drawing/2014/main" id="{4C8535ED-9D3C-47BA-AA3A-268A50AAA673}"/>
+              </a:ext>
+            </a:extLst>
+          </p:cNvPr>
+          <p:cNvSpPr txBox="1"/>
+          <p:nvPr/>
+        </p:nvSpPr>
+        <p:spPr>
+          <a:xfrm>
+            <a:off x="10050865" y="5470010"/>
+            <a:ext cx="1188146" cy="369332"/>
+          </a:xfrm>
+          <a:prstGeom prst="rect">
+            <a:avLst/>
+          </a:prstGeom>
+          <a:noFill/>
+        </p:spPr>
+        <p:txBody>
+          <a:bodyPr wrap="none" rtlCol="0">
+            <a:spAutoFit/>
+          </a:bodyPr>
+          <a:lstStyle/>
+          <a:p>
+            <a:r>
+              <a:rPr lang="fr-FR" b="1" dirty="0"/>
+              <a:t>Appli WEB</a:t>
+            </a:r>
+          </a:p>
+        </p:txBody>
+      </p:sp>
+      <p:sp>
+        <p:nvSpPr>
+          <p:cNvPr id="35" name="ZoneTexte 34">
+            <a:extLst>
+              <a:ext uri="{FF2B5EF4-FFF2-40B4-BE49-F238E27FC236}">
+                <a16:creationId xmlns:a16="http://schemas.microsoft.com/office/drawing/2014/main" id="{632D9B24-F4D0-4933-85DD-5BA371B5A94A}"/>
+              </a:ext>
+            </a:extLst>
+          </p:cNvPr>
+          <p:cNvSpPr txBox="1"/>
+          <p:nvPr/>
+        </p:nvSpPr>
+        <p:spPr>
+          <a:xfrm>
+            <a:off x="10050865" y="6299536"/>
+            <a:ext cx="1417439" cy="369332"/>
+          </a:xfrm>
+          <a:prstGeom prst="rect">
+            <a:avLst/>
+          </a:prstGeom>
+          <a:noFill/>
+        </p:spPr>
+        <p:txBody>
+          <a:bodyPr wrap="none" rtlCol="0">
+            <a:spAutoFit/>
+          </a:bodyPr>
+          <a:lstStyle/>
+          <a:p>
+            <a:r>
+              <a:rPr lang="fr-FR" strike="sngStrike" dirty="0"/>
+              <a:t>Partie réseau</a:t>
+            </a:r>
+          </a:p>
+        </p:txBody>
+      </p:sp>
     </p:spTree>
     <p:extLst>
       <p:ext uri="{BB962C8B-B14F-4D97-AF65-F5344CB8AC3E}">
@@ -6561,6 +13300,18 @@
   <p:clrMapOvr>
     <a:masterClrMapping/>
   </p:clrMapOvr>
+  <mc:AlternateContent xmlns:mc="http://schemas.openxmlformats.org/markup-compatibility/2006">
+    <mc:Choice xmlns:p14="http://schemas.microsoft.com/office/powerpoint/2010/main" Requires="p14">
+      <p:transition spd="med" p14:dur="700">
+        <p:fade/>
+      </p:transition>
+    </mc:Choice>
+    <mc:Fallback>
+      <p:transition spd="med">
+        <p:fade/>
+      </p:transition>
+    </mc:Fallback>
+  </mc:AlternateContent>
   <p:timing>
     <p:tnLst>
       <p:par>
@@ -6807,7 +13558,7 @@
                             </p:stCondLst>
                             <p:childTnLst>
                               <p:par>
-                                <p:cTn id="25" presetID="1" presetClass="entr" presetSubtype="0" fill="hold" nodeType="clickEffect">
+                                <p:cTn id="25" presetID="1" presetClass="exit" presetSubtype="0" fill="hold" nodeType="clickEffect">
                                   <p:stCondLst>
                                     <p:cond delay="0"/>
                                   </p:stCondLst>
@@ -6820,14 +13571,14 @@
                                           </p:stCondLst>
                                         </p:cTn>
                                         <p:tgtEl>
-                                          <p:spTgt spid="16"/>
+                                          <p:spTgt spid="14"/>
                                         </p:tgtEl>
                                         <p:attrNameLst>
                                           <p:attrName>style.visibility</p:attrName>
                                         </p:attrNameLst>
                                       </p:cBhvr>
                                       <p:to>
-                                        <p:strVal val="visible"/>
+                                        <p:strVal val="hidden"/>
                                       </p:to>
                                     </p:set>
                                   </p:childTnLst>
@@ -6852,7 +13603,7 @@
                             </p:stCondLst>
                             <p:childTnLst>
                               <p:par>
-                                <p:cTn id="29" presetID="1" presetClass="entr" presetSubtype="0" fill="hold" nodeType="clickEffect">
+                                <p:cTn id="29" presetID="1" presetClass="exit" presetSubtype="0" fill="hold" nodeType="clickEffect">
                                   <p:stCondLst>
                                     <p:cond delay="0"/>
                                   </p:stCondLst>
@@ -6865,14 +13616,14 @@
                                           </p:stCondLst>
                                         </p:cTn>
                                         <p:tgtEl>
-                                          <p:spTgt spid="18"/>
+                                          <p:spTgt spid="12"/>
                                         </p:tgtEl>
                                         <p:attrNameLst>
                                           <p:attrName>style.visibility</p:attrName>
                                         </p:attrNameLst>
                                       </p:cBhvr>
                                       <p:to>
-                                        <p:strVal val="visible"/>
+                                        <p:strVal val="hidden"/>
                                       </p:to>
                                     </p:set>
                                   </p:childTnLst>
@@ -6897,7 +13648,7 @@
                             </p:stCondLst>
                             <p:childTnLst>
                               <p:par>
-                                <p:cTn id="33" presetID="1" presetClass="entr" presetSubtype="0" fill="hold" nodeType="clickEffect">
+                                <p:cTn id="33" presetID="1" presetClass="exit" presetSubtype="0" fill="hold" nodeType="clickEffect">
                                   <p:stCondLst>
                                     <p:cond delay="0"/>
                                   </p:stCondLst>
@@ -6910,14 +13661,14 @@
                                           </p:stCondLst>
                                         </p:cTn>
                                         <p:tgtEl>
-                                          <p:spTgt spid="20"/>
+                                          <p:spTgt spid="1026"/>
                                         </p:tgtEl>
                                         <p:attrNameLst>
                                           <p:attrName>style.visibility</p:attrName>
                                         </p:attrNameLst>
                                       </p:cBhvr>
                                       <p:to>
-                                        <p:strVal val="visible"/>
+                                        <p:strVal val="hidden"/>
                                       </p:to>
                                     </p:set>
                                   </p:childTnLst>
@@ -6950,6 +13701,231 @@
                                     <p:set>
                                       <p:cBhvr>
                                         <p:cTn id="38" dur="1" fill="hold">
+                                          <p:stCondLst>
+                                            <p:cond delay="0"/>
+                                          </p:stCondLst>
+                                        </p:cTn>
+                                        <p:tgtEl>
+                                          <p:spTgt spid="18"/>
+                                        </p:tgtEl>
+                                        <p:attrNameLst>
+                                          <p:attrName>style.visibility</p:attrName>
+                                        </p:attrNameLst>
+                                      </p:cBhvr>
+                                      <p:to>
+                                        <p:strVal val="visible"/>
+                                      </p:to>
+                                    </p:set>
+                                  </p:childTnLst>
+                                </p:cTn>
+                              </p:par>
+                            </p:childTnLst>
+                          </p:cTn>
+                        </p:par>
+                      </p:childTnLst>
+                    </p:cTn>
+                  </p:par>
+                  <p:par>
+                    <p:cTn id="39" fill="hold">
+                      <p:stCondLst>
+                        <p:cond delay="indefinite"/>
+                      </p:stCondLst>
+                      <p:childTnLst>
+                        <p:par>
+                          <p:cTn id="40" fill="hold">
+                            <p:stCondLst>
+                              <p:cond delay="0"/>
+                            </p:stCondLst>
+                            <p:childTnLst>
+                              <p:par>
+                                <p:cTn id="41" presetID="1" presetClass="entr" presetSubtype="0" fill="hold" nodeType="clickEffect">
+                                  <p:stCondLst>
+                                    <p:cond delay="0"/>
+                                  </p:stCondLst>
+                                  <p:childTnLst>
+                                    <p:set>
+                                      <p:cBhvr>
+                                        <p:cTn id="42" dur="1" fill="hold">
+                                          <p:stCondLst>
+                                            <p:cond delay="0"/>
+                                          </p:stCondLst>
+                                        </p:cTn>
+                                        <p:tgtEl>
+                                          <p:spTgt spid="16"/>
+                                        </p:tgtEl>
+                                        <p:attrNameLst>
+                                          <p:attrName>style.visibility</p:attrName>
+                                        </p:attrNameLst>
+                                      </p:cBhvr>
+                                      <p:to>
+                                        <p:strVal val="visible"/>
+                                      </p:to>
+                                    </p:set>
+                                  </p:childTnLst>
+                                </p:cTn>
+                              </p:par>
+                            </p:childTnLst>
+                          </p:cTn>
+                        </p:par>
+                      </p:childTnLst>
+                    </p:cTn>
+                  </p:par>
+                  <p:par>
+                    <p:cTn id="43" fill="hold">
+                      <p:stCondLst>
+                        <p:cond delay="indefinite"/>
+                      </p:stCondLst>
+                      <p:childTnLst>
+                        <p:par>
+                          <p:cTn id="44" fill="hold">
+                            <p:stCondLst>
+                              <p:cond delay="0"/>
+                            </p:stCondLst>
+                            <p:childTnLst>
+                              <p:par>
+                                <p:cTn id="45" presetID="1" presetClass="exit" presetSubtype="0" fill="hold" nodeType="clickEffect">
+                                  <p:stCondLst>
+                                    <p:cond delay="0"/>
+                                  </p:stCondLst>
+                                  <p:childTnLst>
+                                    <p:set>
+                                      <p:cBhvr>
+                                        <p:cTn id="46" dur="1" fill="hold">
+                                          <p:stCondLst>
+                                            <p:cond delay="0"/>
+                                          </p:stCondLst>
+                                        </p:cTn>
+                                        <p:tgtEl>
+                                          <p:spTgt spid="18"/>
+                                        </p:tgtEl>
+                                        <p:attrNameLst>
+                                          <p:attrName>style.visibility</p:attrName>
+                                        </p:attrNameLst>
+                                      </p:cBhvr>
+                                      <p:to>
+                                        <p:strVal val="hidden"/>
+                                      </p:to>
+                                    </p:set>
+                                  </p:childTnLst>
+                                </p:cTn>
+                              </p:par>
+                            </p:childTnLst>
+                          </p:cTn>
+                        </p:par>
+                      </p:childTnLst>
+                    </p:cTn>
+                  </p:par>
+                  <p:par>
+                    <p:cTn id="47" fill="hold">
+                      <p:stCondLst>
+                        <p:cond delay="indefinite"/>
+                      </p:stCondLst>
+                      <p:childTnLst>
+                        <p:par>
+                          <p:cTn id="48" fill="hold">
+                            <p:stCondLst>
+                              <p:cond delay="0"/>
+                            </p:stCondLst>
+                            <p:childTnLst>
+                              <p:par>
+                                <p:cTn id="49" presetID="1" presetClass="exit" presetSubtype="0" fill="hold" nodeType="clickEffect">
+                                  <p:stCondLst>
+                                    <p:cond delay="0"/>
+                                  </p:stCondLst>
+                                  <p:childTnLst>
+                                    <p:set>
+                                      <p:cBhvr>
+                                        <p:cTn id="50" dur="1" fill="hold">
+                                          <p:stCondLst>
+                                            <p:cond delay="0"/>
+                                          </p:stCondLst>
+                                        </p:cTn>
+                                        <p:tgtEl>
+                                          <p:spTgt spid="16"/>
+                                        </p:tgtEl>
+                                        <p:attrNameLst>
+                                          <p:attrName>style.visibility</p:attrName>
+                                        </p:attrNameLst>
+                                      </p:cBhvr>
+                                      <p:to>
+                                        <p:strVal val="hidden"/>
+                                      </p:to>
+                                    </p:set>
+                                  </p:childTnLst>
+                                </p:cTn>
+                              </p:par>
+                            </p:childTnLst>
+                          </p:cTn>
+                        </p:par>
+                      </p:childTnLst>
+                    </p:cTn>
+                  </p:par>
+                  <p:par>
+                    <p:cTn id="51" fill="hold">
+                      <p:stCondLst>
+                        <p:cond delay="indefinite"/>
+                      </p:stCondLst>
+                      <p:childTnLst>
+                        <p:par>
+                          <p:cTn id="52" fill="hold">
+                            <p:stCondLst>
+                              <p:cond delay="0"/>
+                            </p:stCondLst>
+                            <p:childTnLst>
+                              <p:par>
+                                <p:cTn id="53" presetID="1" presetClass="entr" presetSubtype="0" fill="hold" nodeType="clickEffect">
+                                  <p:stCondLst>
+                                    <p:cond delay="0"/>
+                                  </p:stCondLst>
+                                  <p:childTnLst>
+                                    <p:set>
+                                      <p:cBhvr>
+                                        <p:cTn id="54" dur="1" fill="hold">
+                                          <p:stCondLst>
+                                            <p:cond delay="0"/>
+                                          </p:stCondLst>
+                                        </p:cTn>
+                                        <p:tgtEl>
+                                          <p:spTgt spid="20"/>
+                                        </p:tgtEl>
+                                        <p:attrNameLst>
+                                          <p:attrName>style.visibility</p:attrName>
+                                        </p:attrNameLst>
+                                      </p:cBhvr>
+                                      <p:to>
+                                        <p:strVal val="visible"/>
+                                      </p:to>
+                                    </p:set>
+                                  </p:childTnLst>
+                                </p:cTn>
+                              </p:par>
+                            </p:childTnLst>
+                          </p:cTn>
+                        </p:par>
+                      </p:childTnLst>
+                    </p:cTn>
+                  </p:par>
+                  <p:par>
+                    <p:cTn id="55" fill="hold">
+                      <p:stCondLst>
+                        <p:cond delay="indefinite"/>
+                      </p:stCondLst>
+                      <p:childTnLst>
+                        <p:par>
+                          <p:cTn id="56" fill="hold">
+                            <p:stCondLst>
+                              <p:cond delay="0"/>
+                            </p:stCondLst>
+                            <p:childTnLst>
+                              <p:par>
+                                <p:cTn id="57" presetID="1" presetClass="entr" presetSubtype="0" fill="hold" nodeType="clickEffect">
+                                  <p:stCondLst>
+                                    <p:cond delay="0"/>
+                                  </p:stCondLst>
+                                  <p:childTnLst>
+                                    <p:set>
+                                      <p:cBhvr>
+                                        <p:cTn id="58" dur="1" fill="hold">
                                           <p:stCondLst>
                                             <p:cond delay="0"/>
                                           </p:stCondLst>
@@ -6999,7 +13975,7 @@
 </p:sld>
 </file>
 
-<file path=ppt/slides/slide7.xml><?xml version="1.0" encoding="utf-8"?>
+<file path=ppt/slides/slide9.xml><?xml version="1.0" encoding="utf-8"?>
 <p:sld xmlns:a="http://schemas.openxmlformats.org/drawingml/2006/main" xmlns:r="http://schemas.openxmlformats.org/officeDocument/2006/relationships" xmlns:p="http://schemas.openxmlformats.org/presentationml/2006/main">
   <p:cSld>
     <p:spTree>
@@ -7084,6 +14060,13 @@
                 <a:solidFill>
                   <a:schemeClr val="tx1"/>
                 </a:solidFill>
+                <a:effectLst>
+                  <a:outerShdw blurRad="38100" dist="38100" dir="2700000" algn="tl">
+                    <a:srgbClr val="000000">
+                      <a:alpha val="43137"/>
+                    </a:srgbClr>
+                  </a:outerShdw>
+                </a:effectLst>
                 <a:latin typeface="+mn-lt"/>
               </a:rPr>
               <a:t>Réseau</a:t>
@@ -7113,7 +14096,7 @@
         </p:blipFill>
         <p:spPr>
           <a:xfrm>
-            <a:off x="1957387" y="2257425"/>
+            <a:off x="1838627" y="2257425"/>
             <a:ext cx="8277225" cy="2343150"/>
           </a:xfrm>
           <a:prstGeom prst="rect">
@@ -7135,7 +14118,7 @@
         </p:nvSpPr>
         <p:spPr>
           <a:xfrm>
-            <a:off x="6350467" y="3429001"/>
+            <a:off x="6227556" y="3429000"/>
             <a:ext cx="483166" cy="396380"/>
           </a:xfrm>
           <a:prstGeom prst="roundRect">
@@ -7191,7 +14174,7 @@
         </p:nvSpPr>
         <p:spPr>
           <a:xfrm>
-            <a:off x="7825930" y="3259977"/>
+            <a:off x="7710866" y="3289300"/>
             <a:ext cx="483166" cy="396380"/>
           </a:xfrm>
           <a:prstGeom prst="roundRect">
@@ -7230,6 +14213,772 @@
           <a:lstStyle/>
           <a:p>
             <a:endParaRPr lang="fr-FR"/>
+          </a:p>
+        </p:txBody>
+      </p:sp>
+      <p:sp>
+        <p:nvSpPr>
+          <p:cNvPr id="8" name="Rectangle 7">
+            <a:extLst>
+              <a:ext uri="{FF2B5EF4-FFF2-40B4-BE49-F238E27FC236}">
+                <a16:creationId xmlns:a16="http://schemas.microsoft.com/office/drawing/2014/main" id="{896DC0C7-E70E-414B-887A-0EB465DE6F29}"/>
+              </a:ext>
+            </a:extLst>
+          </p:cNvPr>
+          <p:cNvSpPr/>
+          <p:nvPr/>
+        </p:nvSpPr>
+        <p:spPr>
+          <a:xfrm>
+            <a:off x="11714226" y="511747"/>
+            <a:ext cx="372999" cy="5834506"/>
+          </a:xfrm>
+          <a:prstGeom prst="rect">
+            <a:avLst/>
+          </a:prstGeom>
+          <a:solidFill>
+            <a:schemeClr val="bg1"/>
+          </a:solidFill>
+          <a:ln>
+            <a:solidFill>
+              <a:srgbClr val="002060"/>
+            </a:solidFill>
+          </a:ln>
+        </p:spPr>
+        <p:style>
+          <a:lnRef idx="2">
+            <a:schemeClr val="accent1">
+              <a:shade val="50000"/>
+            </a:schemeClr>
+          </a:lnRef>
+          <a:fillRef idx="1">
+            <a:schemeClr val="accent1"/>
+          </a:fillRef>
+          <a:effectRef idx="0">
+            <a:schemeClr val="accent1"/>
+          </a:effectRef>
+          <a:fontRef idx="minor">
+            <a:schemeClr val="lt1"/>
+          </a:fontRef>
+        </p:style>
+        <p:txBody>
+          <a:bodyPr rtlCol="0" anchor="ctr"/>
+          <a:lstStyle/>
+          <a:p>
+            <a:pPr algn="ctr"/>
+            <a:endParaRPr lang="fr-FR"/>
+          </a:p>
+        </p:txBody>
+      </p:sp>
+      <p:sp>
+        <p:nvSpPr>
+          <p:cNvPr id="9" name="Ellipse 8">
+            <a:extLst>
+              <a:ext uri="{FF2B5EF4-FFF2-40B4-BE49-F238E27FC236}">
+                <a16:creationId xmlns:a16="http://schemas.microsoft.com/office/drawing/2014/main" id="{CA276F84-F757-4602-8B89-2126DB0C7852}"/>
+              </a:ext>
+            </a:extLst>
+          </p:cNvPr>
+          <p:cNvSpPr/>
+          <p:nvPr/>
+        </p:nvSpPr>
+        <p:spPr>
+          <a:xfrm>
+            <a:off x="11576112" y="441326"/>
+            <a:ext cx="615868" cy="596900"/>
+          </a:xfrm>
+          <a:prstGeom prst="ellipse">
+            <a:avLst/>
+          </a:prstGeom>
+          <a:solidFill>
+            <a:srgbClr val="92D050"/>
+          </a:solidFill>
+          <a:ln>
+            <a:solidFill>
+              <a:srgbClr val="002060"/>
+            </a:solidFill>
+          </a:ln>
+        </p:spPr>
+        <p:style>
+          <a:lnRef idx="2">
+            <a:schemeClr val="accent1">
+              <a:shade val="50000"/>
+            </a:schemeClr>
+          </a:lnRef>
+          <a:fillRef idx="1">
+            <a:schemeClr val="accent1"/>
+          </a:fillRef>
+          <a:effectRef idx="0">
+            <a:schemeClr val="accent1"/>
+          </a:effectRef>
+          <a:fontRef idx="minor">
+            <a:schemeClr val="lt1"/>
+          </a:fontRef>
+        </p:style>
+        <p:txBody>
+          <a:bodyPr rtlCol="0" anchor="ctr"/>
+          <a:lstStyle/>
+          <a:p>
+            <a:pPr algn="ctr"/>
+            <a:endParaRPr lang="fr-FR"/>
+          </a:p>
+        </p:txBody>
+      </p:sp>
+      <p:sp>
+        <p:nvSpPr>
+          <p:cNvPr id="10" name="Ellipse 9">
+            <a:extLst>
+              <a:ext uri="{FF2B5EF4-FFF2-40B4-BE49-F238E27FC236}">
+                <a16:creationId xmlns:a16="http://schemas.microsoft.com/office/drawing/2014/main" id="{9B517BF0-FE10-4272-9FC5-1C5C78B4015A}"/>
+              </a:ext>
+            </a:extLst>
+          </p:cNvPr>
+          <p:cNvSpPr/>
+          <p:nvPr/>
+        </p:nvSpPr>
+        <p:spPr>
+          <a:xfrm>
+            <a:off x="11592791" y="1260476"/>
+            <a:ext cx="615868" cy="596900"/>
+          </a:xfrm>
+          <a:prstGeom prst="ellipse">
+            <a:avLst/>
+          </a:prstGeom>
+          <a:solidFill>
+            <a:srgbClr val="92D050"/>
+          </a:solidFill>
+          <a:ln>
+            <a:solidFill>
+              <a:srgbClr val="002060"/>
+            </a:solidFill>
+          </a:ln>
+        </p:spPr>
+        <p:style>
+          <a:lnRef idx="2">
+            <a:schemeClr val="accent1">
+              <a:shade val="50000"/>
+            </a:schemeClr>
+          </a:lnRef>
+          <a:fillRef idx="1">
+            <a:schemeClr val="accent1"/>
+          </a:fillRef>
+          <a:effectRef idx="0">
+            <a:schemeClr val="accent1"/>
+          </a:effectRef>
+          <a:fontRef idx="minor">
+            <a:schemeClr val="lt1"/>
+          </a:fontRef>
+        </p:style>
+        <p:txBody>
+          <a:bodyPr rtlCol="0" anchor="ctr"/>
+          <a:lstStyle/>
+          <a:p>
+            <a:pPr algn="ctr"/>
+            <a:endParaRPr lang="fr-FR"/>
+          </a:p>
+        </p:txBody>
+      </p:sp>
+      <p:sp>
+        <p:nvSpPr>
+          <p:cNvPr id="11" name="Ellipse 10">
+            <a:extLst>
+              <a:ext uri="{FF2B5EF4-FFF2-40B4-BE49-F238E27FC236}">
+                <a16:creationId xmlns:a16="http://schemas.microsoft.com/office/drawing/2014/main" id="{DB78B357-BCC4-40D1-BE6E-B95FABACEC93}"/>
+              </a:ext>
+            </a:extLst>
+          </p:cNvPr>
+          <p:cNvSpPr/>
+          <p:nvPr/>
+        </p:nvSpPr>
+        <p:spPr>
+          <a:xfrm>
+            <a:off x="11599162" y="2079626"/>
+            <a:ext cx="615868" cy="596900"/>
+          </a:xfrm>
+          <a:prstGeom prst="ellipse">
+            <a:avLst/>
+          </a:prstGeom>
+          <a:solidFill>
+            <a:srgbClr val="92D050"/>
+          </a:solidFill>
+          <a:ln>
+            <a:solidFill>
+              <a:srgbClr val="002060"/>
+            </a:solidFill>
+          </a:ln>
+        </p:spPr>
+        <p:style>
+          <a:lnRef idx="2">
+            <a:schemeClr val="accent1">
+              <a:shade val="50000"/>
+            </a:schemeClr>
+          </a:lnRef>
+          <a:fillRef idx="1">
+            <a:schemeClr val="accent1"/>
+          </a:fillRef>
+          <a:effectRef idx="0">
+            <a:schemeClr val="accent1"/>
+          </a:effectRef>
+          <a:fontRef idx="minor">
+            <a:schemeClr val="lt1"/>
+          </a:fontRef>
+        </p:style>
+        <p:txBody>
+          <a:bodyPr rtlCol="0" anchor="ctr"/>
+          <a:lstStyle/>
+          <a:p>
+            <a:pPr algn="ctr"/>
+            <a:endParaRPr lang="fr-FR"/>
+          </a:p>
+        </p:txBody>
+      </p:sp>
+      <p:sp>
+        <p:nvSpPr>
+          <p:cNvPr id="12" name="Ellipse 11">
+            <a:extLst>
+              <a:ext uri="{FF2B5EF4-FFF2-40B4-BE49-F238E27FC236}">
+                <a16:creationId xmlns:a16="http://schemas.microsoft.com/office/drawing/2014/main" id="{47610EDD-9134-40F2-9594-9F6F7FE33BFC}"/>
+              </a:ext>
+            </a:extLst>
+          </p:cNvPr>
+          <p:cNvSpPr/>
+          <p:nvPr/>
+        </p:nvSpPr>
+        <p:spPr>
+          <a:xfrm>
+            <a:off x="11599162" y="2898776"/>
+            <a:ext cx="615868" cy="596900"/>
+          </a:xfrm>
+          <a:prstGeom prst="ellipse">
+            <a:avLst/>
+          </a:prstGeom>
+          <a:solidFill>
+            <a:srgbClr val="92D050"/>
+          </a:solidFill>
+          <a:ln>
+            <a:solidFill>
+              <a:srgbClr val="002060"/>
+            </a:solidFill>
+          </a:ln>
+        </p:spPr>
+        <p:style>
+          <a:lnRef idx="2">
+            <a:schemeClr val="accent1">
+              <a:shade val="50000"/>
+            </a:schemeClr>
+          </a:lnRef>
+          <a:fillRef idx="1">
+            <a:schemeClr val="accent1"/>
+          </a:fillRef>
+          <a:effectRef idx="0">
+            <a:schemeClr val="accent1"/>
+          </a:effectRef>
+          <a:fontRef idx="minor">
+            <a:schemeClr val="lt1"/>
+          </a:fontRef>
+        </p:style>
+        <p:txBody>
+          <a:bodyPr rtlCol="0" anchor="ctr"/>
+          <a:lstStyle/>
+          <a:p>
+            <a:pPr algn="ctr"/>
+            <a:endParaRPr lang="fr-FR"/>
+          </a:p>
+        </p:txBody>
+      </p:sp>
+      <p:sp>
+        <p:nvSpPr>
+          <p:cNvPr id="13" name="Ellipse 12">
+            <a:extLst>
+              <a:ext uri="{FF2B5EF4-FFF2-40B4-BE49-F238E27FC236}">
+                <a16:creationId xmlns:a16="http://schemas.microsoft.com/office/drawing/2014/main" id="{D6C180B7-BA9D-411B-8B53-7F868E19FE66}"/>
+              </a:ext>
+            </a:extLst>
+          </p:cNvPr>
+          <p:cNvSpPr/>
+          <p:nvPr/>
+        </p:nvSpPr>
+        <p:spPr>
+          <a:xfrm>
+            <a:off x="11599162" y="3717926"/>
+            <a:ext cx="615868" cy="596900"/>
+          </a:xfrm>
+          <a:prstGeom prst="ellipse">
+            <a:avLst/>
+          </a:prstGeom>
+          <a:solidFill>
+            <a:srgbClr val="92D050"/>
+          </a:solidFill>
+          <a:ln>
+            <a:solidFill>
+              <a:srgbClr val="002060"/>
+            </a:solidFill>
+          </a:ln>
+        </p:spPr>
+        <p:style>
+          <a:lnRef idx="2">
+            <a:schemeClr val="accent1">
+              <a:shade val="50000"/>
+            </a:schemeClr>
+          </a:lnRef>
+          <a:fillRef idx="1">
+            <a:schemeClr val="accent1"/>
+          </a:fillRef>
+          <a:effectRef idx="0">
+            <a:schemeClr val="accent1"/>
+          </a:effectRef>
+          <a:fontRef idx="minor">
+            <a:schemeClr val="lt1"/>
+          </a:fontRef>
+        </p:style>
+        <p:txBody>
+          <a:bodyPr rtlCol="0" anchor="ctr"/>
+          <a:lstStyle/>
+          <a:p>
+            <a:pPr algn="ctr"/>
+            <a:endParaRPr lang="fr-FR"/>
+          </a:p>
+        </p:txBody>
+      </p:sp>
+      <p:sp>
+        <p:nvSpPr>
+          <p:cNvPr id="14" name="Ellipse 13">
+            <a:extLst>
+              <a:ext uri="{FF2B5EF4-FFF2-40B4-BE49-F238E27FC236}">
+                <a16:creationId xmlns:a16="http://schemas.microsoft.com/office/drawing/2014/main" id="{43AA8B5A-F8F9-49EF-ACF1-D5019B4958CF}"/>
+              </a:ext>
+            </a:extLst>
+          </p:cNvPr>
+          <p:cNvSpPr/>
+          <p:nvPr/>
+        </p:nvSpPr>
+        <p:spPr>
+          <a:xfrm>
+            <a:off x="11601224" y="4537076"/>
+            <a:ext cx="615868" cy="596900"/>
+          </a:xfrm>
+          <a:prstGeom prst="ellipse">
+            <a:avLst/>
+          </a:prstGeom>
+          <a:solidFill>
+            <a:srgbClr val="92D050"/>
+          </a:solidFill>
+          <a:ln>
+            <a:solidFill>
+              <a:srgbClr val="002060"/>
+            </a:solidFill>
+          </a:ln>
+        </p:spPr>
+        <p:style>
+          <a:lnRef idx="2">
+            <a:schemeClr val="accent1">
+              <a:shade val="50000"/>
+            </a:schemeClr>
+          </a:lnRef>
+          <a:fillRef idx="1">
+            <a:schemeClr val="accent1"/>
+          </a:fillRef>
+          <a:effectRef idx="0">
+            <a:schemeClr val="accent1"/>
+          </a:effectRef>
+          <a:fontRef idx="minor">
+            <a:schemeClr val="lt1"/>
+          </a:fontRef>
+        </p:style>
+        <p:txBody>
+          <a:bodyPr rtlCol="0" anchor="ctr"/>
+          <a:lstStyle/>
+          <a:p>
+            <a:pPr algn="ctr"/>
+            <a:endParaRPr lang="fr-FR"/>
+          </a:p>
+        </p:txBody>
+      </p:sp>
+      <p:sp>
+        <p:nvSpPr>
+          <p:cNvPr id="15" name="Ellipse 14">
+            <a:extLst>
+              <a:ext uri="{FF2B5EF4-FFF2-40B4-BE49-F238E27FC236}">
+                <a16:creationId xmlns:a16="http://schemas.microsoft.com/office/drawing/2014/main" id="{84508534-1D4C-4AC2-AD1E-E580208DADB8}"/>
+              </a:ext>
+            </a:extLst>
+          </p:cNvPr>
+          <p:cNvSpPr/>
+          <p:nvPr/>
+        </p:nvSpPr>
+        <p:spPr>
+          <a:xfrm>
+            <a:off x="11576112" y="5356226"/>
+            <a:ext cx="615868" cy="596900"/>
+          </a:xfrm>
+          <a:prstGeom prst="ellipse">
+            <a:avLst/>
+          </a:prstGeom>
+          <a:solidFill>
+            <a:srgbClr val="92D050"/>
+          </a:solidFill>
+          <a:ln>
+            <a:solidFill>
+              <a:srgbClr val="002060"/>
+            </a:solidFill>
+          </a:ln>
+        </p:spPr>
+        <p:style>
+          <a:lnRef idx="2">
+            <a:schemeClr val="accent1">
+              <a:shade val="50000"/>
+            </a:schemeClr>
+          </a:lnRef>
+          <a:fillRef idx="1">
+            <a:schemeClr val="accent1"/>
+          </a:fillRef>
+          <a:effectRef idx="0">
+            <a:schemeClr val="accent1"/>
+          </a:effectRef>
+          <a:fontRef idx="minor">
+            <a:schemeClr val="lt1"/>
+          </a:fontRef>
+        </p:style>
+        <p:txBody>
+          <a:bodyPr rtlCol="0" anchor="ctr"/>
+          <a:lstStyle/>
+          <a:p>
+            <a:pPr algn="ctr"/>
+            <a:endParaRPr lang="fr-FR"/>
+          </a:p>
+        </p:txBody>
+      </p:sp>
+      <p:sp>
+        <p:nvSpPr>
+          <p:cNvPr id="16" name="Ellipse 15">
+            <a:extLst>
+              <a:ext uri="{FF2B5EF4-FFF2-40B4-BE49-F238E27FC236}">
+                <a16:creationId xmlns:a16="http://schemas.microsoft.com/office/drawing/2014/main" id="{6DED0B3C-05BD-4F25-9214-12C430011FA0}"/>
+              </a:ext>
+            </a:extLst>
+          </p:cNvPr>
+          <p:cNvSpPr/>
+          <p:nvPr/>
+        </p:nvSpPr>
+        <p:spPr>
+          <a:xfrm>
+            <a:off x="11599162" y="6175376"/>
+            <a:ext cx="615868" cy="596900"/>
+          </a:xfrm>
+          <a:prstGeom prst="ellipse">
+            <a:avLst/>
+          </a:prstGeom>
+          <a:solidFill>
+            <a:srgbClr val="92D050"/>
+          </a:solidFill>
+          <a:ln>
+            <a:solidFill>
+              <a:srgbClr val="002060"/>
+            </a:solidFill>
+          </a:ln>
+        </p:spPr>
+        <p:style>
+          <a:lnRef idx="2">
+            <a:schemeClr val="accent1">
+              <a:shade val="50000"/>
+            </a:schemeClr>
+          </a:lnRef>
+          <a:fillRef idx="1">
+            <a:schemeClr val="accent1"/>
+          </a:fillRef>
+          <a:effectRef idx="0">
+            <a:schemeClr val="accent1"/>
+          </a:effectRef>
+          <a:fontRef idx="minor">
+            <a:schemeClr val="lt1"/>
+          </a:fontRef>
+        </p:style>
+        <p:txBody>
+          <a:bodyPr rtlCol="0" anchor="ctr"/>
+          <a:lstStyle/>
+          <a:p>
+            <a:pPr algn="ctr"/>
+            <a:endParaRPr lang="fr-FR"/>
+          </a:p>
+        </p:txBody>
+      </p:sp>
+      <p:sp>
+        <p:nvSpPr>
+          <p:cNvPr id="17" name="ZoneTexte 16">
+            <a:extLst>
+              <a:ext uri="{FF2B5EF4-FFF2-40B4-BE49-F238E27FC236}">
+                <a16:creationId xmlns:a16="http://schemas.microsoft.com/office/drawing/2014/main" id="{47CD2330-4B0B-4A55-9E11-C0933BEF4845}"/>
+              </a:ext>
+            </a:extLst>
+          </p:cNvPr>
+          <p:cNvSpPr txBox="1"/>
+          <p:nvPr/>
+        </p:nvSpPr>
+        <p:spPr>
+          <a:xfrm>
+            <a:off x="10053015" y="555110"/>
+            <a:ext cx="1375569" cy="369332"/>
+          </a:xfrm>
+          <a:prstGeom prst="rect">
+            <a:avLst/>
+          </a:prstGeom>
+          <a:noFill/>
+        </p:spPr>
+        <p:txBody>
+          <a:bodyPr wrap="none" rtlCol="0">
+            <a:spAutoFit/>
+          </a:bodyPr>
+          <a:lstStyle/>
+          <a:p>
+            <a:r>
+              <a:rPr lang="fr-FR" strike="sngStrike" dirty="0"/>
+              <a:t>Introduction</a:t>
+            </a:r>
+          </a:p>
+        </p:txBody>
+      </p:sp>
+      <p:sp>
+        <p:nvSpPr>
+          <p:cNvPr id="18" name="ZoneTexte 17">
+            <a:extLst>
+              <a:ext uri="{FF2B5EF4-FFF2-40B4-BE49-F238E27FC236}">
+                <a16:creationId xmlns:a16="http://schemas.microsoft.com/office/drawing/2014/main" id="{A0641E94-9A8B-4DCF-B979-463E7DA522AC}"/>
+              </a:ext>
+            </a:extLst>
+          </p:cNvPr>
+          <p:cNvSpPr txBox="1"/>
+          <p:nvPr/>
+        </p:nvSpPr>
+        <p:spPr>
+          <a:xfrm>
+            <a:off x="10053015" y="1379493"/>
+            <a:ext cx="1359731" cy="369332"/>
+          </a:xfrm>
+          <a:prstGeom prst="rect">
+            <a:avLst/>
+          </a:prstGeom>
+          <a:noFill/>
+        </p:spPr>
+        <p:txBody>
+          <a:bodyPr wrap="none" rtlCol="0">
+            <a:spAutoFit/>
+          </a:bodyPr>
+          <a:lstStyle/>
+          <a:p>
+            <a:r>
+              <a:rPr lang="fr-FR" strike="sngStrike" dirty="0"/>
+              <a:t>Diagrammes</a:t>
+            </a:r>
+          </a:p>
+        </p:txBody>
+      </p:sp>
+      <p:sp>
+        <p:nvSpPr>
+          <p:cNvPr id="19" name="ZoneTexte 18">
+            <a:extLst>
+              <a:ext uri="{FF2B5EF4-FFF2-40B4-BE49-F238E27FC236}">
+                <a16:creationId xmlns:a16="http://schemas.microsoft.com/office/drawing/2014/main" id="{AFAAF9F6-F3BF-4C39-A59A-9A4AF7349559}"/>
+              </a:ext>
+            </a:extLst>
+          </p:cNvPr>
+          <p:cNvSpPr txBox="1"/>
+          <p:nvPr/>
+        </p:nvSpPr>
+        <p:spPr>
+          <a:xfrm>
+            <a:off x="10053015" y="2189074"/>
+            <a:ext cx="1249445" cy="369332"/>
+          </a:xfrm>
+          <a:prstGeom prst="rect">
+            <a:avLst/>
+          </a:prstGeom>
+          <a:noFill/>
+        </p:spPr>
+        <p:txBody>
+          <a:bodyPr wrap="none" rtlCol="0">
+            <a:spAutoFit/>
+          </a:bodyPr>
+          <a:lstStyle/>
+          <a:p>
+            <a:r>
+              <a:rPr lang="fr-FR" strike="sngStrike" dirty="0"/>
+              <a:t>Mes tâches</a:t>
+            </a:r>
+          </a:p>
+        </p:txBody>
+      </p:sp>
+      <p:sp>
+        <p:nvSpPr>
+          <p:cNvPr id="20" name="ZoneTexte 19">
+            <a:extLst>
+              <a:ext uri="{FF2B5EF4-FFF2-40B4-BE49-F238E27FC236}">
+                <a16:creationId xmlns:a16="http://schemas.microsoft.com/office/drawing/2014/main" id="{3D9F2288-82F1-47E3-A82E-A191877D9B71}"/>
+              </a:ext>
+            </a:extLst>
+          </p:cNvPr>
+          <p:cNvSpPr txBox="1"/>
+          <p:nvPr/>
+        </p:nvSpPr>
+        <p:spPr>
+          <a:xfrm>
+            <a:off x="10053015" y="3012560"/>
+            <a:ext cx="1638269" cy="369332"/>
+          </a:xfrm>
+          <a:prstGeom prst="rect">
+            <a:avLst/>
+          </a:prstGeom>
+          <a:noFill/>
+        </p:spPr>
+        <p:txBody>
+          <a:bodyPr wrap="none" rtlCol="0">
+            <a:spAutoFit/>
+          </a:bodyPr>
+          <a:lstStyle/>
+          <a:p>
+            <a:r>
+              <a:rPr lang="fr-FR" strike="sngStrike" dirty="0"/>
+              <a:t>Mécanisme n°1</a:t>
+            </a:r>
+          </a:p>
+        </p:txBody>
+      </p:sp>
+      <p:sp>
+        <p:nvSpPr>
+          <p:cNvPr id="21" name="ZoneTexte 20">
+            <a:extLst>
+              <a:ext uri="{FF2B5EF4-FFF2-40B4-BE49-F238E27FC236}">
+                <a16:creationId xmlns:a16="http://schemas.microsoft.com/office/drawing/2014/main" id="{47B84AD6-B400-4C59-8079-77EE3DF7DFD9}"/>
+              </a:ext>
+            </a:extLst>
+          </p:cNvPr>
+          <p:cNvSpPr txBox="1"/>
+          <p:nvPr/>
+        </p:nvSpPr>
+        <p:spPr>
+          <a:xfrm>
+            <a:off x="10053015" y="3826522"/>
+            <a:ext cx="1638269" cy="369332"/>
+          </a:xfrm>
+          <a:prstGeom prst="rect">
+            <a:avLst/>
+          </a:prstGeom>
+          <a:noFill/>
+        </p:spPr>
+        <p:txBody>
+          <a:bodyPr wrap="none" rtlCol="0">
+            <a:spAutoFit/>
+          </a:bodyPr>
+          <a:lstStyle/>
+          <a:p>
+            <a:r>
+              <a:rPr lang="fr-FR" strike="sngStrike" dirty="0"/>
+              <a:t>Mécanisme n°2</a:t>
+            </a:r>
+          </a:p>
+        </p:txBody>
+      </p:sp>
+      <p:sp>
+        <p:nvSpPr>
+          <p:cNvPr id="22" name="ZoneTexte 21">
+            <a:extLst>
+              <a:ext uri="{FF2B5EF4-FFF2-40B4-BE49-F238E27FC236}">
+                <a16:creationId xmlns:a16="http://schemas.microsoft.com/office/drawing/2014/main" id="{891A0D2D-89B7-4053-BB3A-9A3058E090F0}"/>
+              </a:ext>
+            </a:extLst>
+          </p:cNvPr>
+          <p:cNvSpPr txBox="1"/>
+          <p:nvPr/>
+        </p:nvSpPr>
+        <p:spPr>
+          <a:xfrm>
+            <a:off x="10050865" y="4640484"/>
+            <a:ext cx="1638269" cy="369332"/>
+          </a:xfrm>
+          <a:prstGeom prst="rect">
+            <a:avLst/>
+          </a:prstGeom>
+          <a:noFill/>
+        </p:spPr>
+        <p:txBody>
+          <a:bodyPr wrap="none" rtlCol="0">
+            <a:spAutoFit/>
+          </a:bodyPr>
+          <a:lstStyle/>
+          <a:p>
+            <a:r>
+              <a:rPr lang="fr-FR" strike="sngStrike" dirty="0"/>
+              <a:t>Mécanisme n°3</a:t>
+            </a:r>
+          </a:p>
+        </p:txBody>
+      </p:sp>
+      <p:sp>
+        <p:nvSpPr>
+          <p:cNvPr id="23" name="ZoneTexte 22">
+            <a:extLst>
+              <a:ext uri="{FF2B5EF4-FFF2-40B4-BE49-F238E27FC236}">
+                <a16:creationId xmlns:a16="http://schemas.microsoft.com/office/drawing/2014/main" id="{1CCDBF17-1DB2-4C7E-9789-A317D2458973}"/>
+              </a:ext>
+            </a:extLst>
+          </p:cNvPr>
+          <p:cNvSpPr txBox="1"/>
+          <p:nvPr/>
+        </p:nvSpPr>
+        <p:spPr>
+          <a:xfrm>
+            <a:off x="10050865" y="5470010"/>
+            <a:ext cx="1162498" cy="369332"/>
+          </a:xfrm>
+          <a:prstGeom prst="rect">
+            <a:avLst/>
+          </a:prstGeom>
+          <a:noFill/>
+        </p:spPr>
+        <p:txBody>
+          <a:bodyPr wrap="none" rtlCol="0">
+            <a:spAutoFit/>
+          </a:bodyPr>
+          <a:lstStyle/>
+          <a:p>
+            <a:r>
+              <a:rPr lang="fr-FR" strike="sngStrike" dirty="0"/>
+              <a:t>Appli WEB</a:t>
+            </a:r>
+          </a:p>
+        </p:txBody>
+      </p:sp>
+      <p:sp>
+        <p:nvSpPr>
+          <p:cNvPr id="24" name="ZoneTexte 23">
+            <a:extLst>
+              <a:ext uri="{FF2B5EF4-FFF2-40B4-BE49-F238E27FC236}">
+                <a16:creationId xmlns:a16="http://schemas.microsoft.com/office/drawing/2014/main" id="{DF0F96B2-0EE8-49DD-A299-3ABD0C220145}"/>
+              </a:ext>
+            </a:extLst>
+          </p:cNvPr>
+          <p:cNvSpPr txBox="1"/>
+          <p:nvPr/>
+        </p:nvSpPr>
+        <p:spPr>
+          <a:xfrm>
+            <a:off x="10050865" y="6299536"/>
+            <a:ext cx="1442383" cy="369332"/>
+          </a:xfrm>
+          <a:prstGeom prst="rect">
+            <a:avLst/>
+          </a:prstGeom>
+          <a:noFill/>
+        </p:spPr>
+        <p:txBody>
+          <a:bodyPr wrap="none" rtlCol="0">
+            <a:spAutoFit/>
+          </a:bodyPr>
+          <a:lstStyle/>
+          <a:p>
+            <a:r>
+              <a:rPr lang="fr-FR" b="1" dirty="0"/>
+              <a:t>Partie réseau</a:t>
+            </a:r>
           </a:p>
         </p:txBody>
       </p:sp>
@@ -7243,6 +14992,18 @@
   <p:clrMapOvr>
     <a:masterClrMapping/>
   </p:clrMapOvr>
+  <mc:AlternateContent xmlns:mc="http://schemas.openxmlformats.org/markup-compatibility/2006">
+    <mc:Choice xmlns:p14="http://schemas.microsoft.com/office/powerpoint/2010/main" Requires="p14">
+      <p:transition spd="med" p14:dur="700">
+        <p:fade/>
+      </p:transition>
+    </mc:Choice>
+    <mc:Fallback>
+      <p:transition spd="med">
+        <p:fade/>
+      </p:transition>
+    </mc:Fallback>
+  </mc:AlternateContent>
   <p:timing>
     <p:tnLst>
       <p:par>
@@ -7367,158 +15128,6 @@
       <p:bldP spid="7" grpId="0" animBg="1"/>
     </p:bldLst>
   </p:timing>
-</p:sld>
-</file>
-
-<file path=ppt/slides/slide8.xml><?xml version="1.0" encoding="utf-8"?>
-<p:sld xmlns:a="http://schemas.openxmlformats.org/drawingml/2006/main" xmlns:r="http://schemas.openxmlformats.org/officeDocument/2006/relationships" xmlns:p="http://schemas.openxmlformats.org/presentationml/2006/main">
-  <p:cSld>
-    <p:spTree>
-      <p:nvGrpSpPr>
-        <p:cNvPr id="1" name=""/>
-        <p:cNvGrpSpPr/>
-        <p:nvPr/>
-      </p:nvGrpSpPr>
-      <p:grpSpPr>
-        <a:xfrm>
-          <a:off x="0" y="0"/>
-          <a:ext cx="0" cy="0"/>
-          <a:chOff x="0" y="0"/>
-          <a:chExt cx="0" cy="0"/>
-        </a:xfrm>
-      </p:grpSpPr>
-      <p:pic>
-        <p:nvPicPr>
-          <p:cNvPr id="5" name="Image 4" descr="Une image contenant table, paire&#10;&#10;Description générée automatiquement">
-            <a:extLst>
-              <a:ext uri="{FF2B5EF4-FFF2-40B4-BE49-F238E27FC236}">
-                <a16:creationId xmlns:a16="http://schemas.microsoft.com/office/drawing/2014/main" id="{DD505890-1BEA-46C0-BFC1-758106BC1F39}"/>
-              </a:ext>
-            </a:extLst>
-          </p:cNvPr>
-          <p:cNvPicPr>
-            <a:picLocks noChangeAspect="1"/>
-          </p:cNvPicPr>
-          <p:nvPr/>
-        </p:nvPicPr>
-        <p:blipFill rotWithShape="1">
-          <a:blip r:embed="rId2">
-            <a:alphaModFix amt="50000"/>
-            <a:extLst>
-              <a:ext uri="{28A0092B-C50C-407E-A947-70E740481C1C}">
-                <a14:useLocalDpi xmlns:a14="http://schemas.microsoft.com/office/drawing/2010/main" val="0"/>
-              </a:ext>
-            </a:extLst>
-          </a:blip>
-          <a:srcRect t="6250"/>
-          <a:stretch/>
-        </p:blipFill>
-        <p:spPr>
-          <a:xfrm>
-            <a:off x="20" y="1"/>
-            <a:ext cx="12191980" cy="6857999"/>
-          </a:xfrm>
-          <a:prstGeom prst="rect">
-            <a:avLst/>
-          </a:prstGeom>
-        </p:spPr>
-      </p:pic>
-      <p:sp>
-        <p:nvSpPr>
-          <p:cNvPr id="4" name="Titre 1">
-            <a:extLst>
-              <a:ext uri="{FF2B5EF4-FFF2-40B4-BE49-F238E27FC236}">
-                <a16:creationId xmlns:a16="http://schemas.microsoft.com/office/drawing/2014/main" id="{01D523ED-FFDA-4EC7-A510-AEFC3635E236}"/>
-              </a:ext>
-            </a:extLst>
-          </p:cNvPr>
-          <p:cNvSpPr>
-            <a:spLocks noGrp="1"/>
-          </p:cNvSpPr>
-          <p:nvPr>
-            <p:ph type="title"/>
-          </p:nvPr>
-        </p:nvSpPr>
-        <p:spPr>
-          <a:xfrm>
-            <a:off x="897559" y="389990"/>
-            <a:ext cx="10396882" cy="1151965"/>
-          </a:xfrm>
-        </p:spPr>
-        <p:txBody>
-          <a:bodyPr/>
-          <a:lstStyle/>
-          <a:p>
-            <a:pPr algn="ctr"/>
-            <a:r>
-              <a:rPr lang="fr-FR" b="1" dirty="0">
-                <a:solidFill>
-                  <a:schemeClr val="tx1"/>
-                </a:solidFill>
-                <a:latin typeface="+mn-lt"/>
-              </a:rPr>
-              <a:t>Partie Physique : L’effet Hall</a:t>
-            </a:r>
-          </a:p>
-        </p:txBody>
-      </p:sp>
-      <p:pic>
-        <p:nvPicPr>
-          <p:cNvPr id="1026" name="Picture 2" descr="Résultat de recherche d'images pour &quot;L'effet hall&quot;&quot;">
-            <a:extLst>
-              <a:ext uri="{FF2B5EF4-FFF2-40B4-BE49-F238E27FC236}">
-                <a16:creationId xmlns:a16="http://schemas.microsoft.com/office/drawing/2014/main" id="{1593D3FE-D5AE-4B9A-ACCF-69A4C600E4F2}"/>
-              </a:ext>
-            </a:extLst>
-          </p:cNvPr>
-          <p:cNvPicPr>
-            <a:picLocks noChangeAspect="1" noChangeArrowheads="1"/>
-          </p:cNvPicPr>
-          <p:nvPr/>
-        </p:nvPicPr>
-        <p:blipFill>
-          <a:blip r:embed="rId3">
-            <a:extLst>
-              <a:ext uri="{28A0092B-C50C-407E-A947-70E740481C1C}">
-                <a14:useLocalDpi xmlns:a14="http://schemas.microsoft.com/office/drawing/2010/main" val="0"/>
-              </a:ext>
-            </a:extLst>
-          </a:blip>
-          <a:srcRect/>
-          <a:stretch>
-            <a:fillRect/>
-          </a:stretch>
-        </p:blipFill>
-        <p:spPr bwMode="auto">
-          <a:xfrm>
-            <a:off x="3288002" y="1995487"/>
-            <a:ext cx="5615996" cy="2867025"/>
-          </a:xfrm>
-          <a:prstGeom prst="rect">
-            <a:avLst/>
-          </a:prstGeom>
-          <a:noFill/>
-          <a:extLst>
-            <a:ext uri="{909E8E84-426E-40DD-AFC4-6F175D3DCCD1}">
-              <a14:hiddenFill xmlns:a14="http://schemas.microsoft.com/office/drawing/2010/main">
-                <a:solidFill>
-                  <a:srgbClr val="FFFFFF"/>
-                </a:solidFill>
-              </a14:hiddenFill>
-            </a:ext>
-          </a:extLst>
-        </p:spPr>
-      </p:pic>
-    </p:spTree>
-    <p:extLst>
-      <p:ext uri="{BB962C8B-B14F-4D97-AF65-F5344CB8AC3E}">
-        <p14:creationId xmlns:p14="http://schemas.microsoft.com/office/powerpoint/2010/main" val="3748439917"/>
-      </p:ext>
-    </p:extLst>
-  </p:cSld>
-  <p:clrMapOvr>
-    <a:masterClrMapping/>
-  </p:clrMapOvr>
 </p:sld>
 </file>
 

--- a/Etudiants/Joshua/PremièreRevueDeProjet.pptx
+++ b/Etudiants/Joshua/PremièreRevueDeProjet.pptx
@@ -268,7 +268,7 @@
           <a:p>
             <a:fld id="{A5A52D65-5D23-4759-866C-BD4D7E81B3B3}" type="datetimeFigureOut">
               <a:rPr lang="fr-FR" smtClean="0"/>
-              <a:t>04/02/2020</a:t>
+              <a:t>07/02/2020</a:t>
             </a:fld>
             <a:endParaRPr lang="fr-FR"/>
           </a:p>
@@ -466,7 +466,7 @@
           <a:p>
             <a:fld id="{A5A52D65-5D23-4759-866C-BD4D7E81B3B3}" type="datetimeFigureOut">
               <a:rPr lang="fr-FR" smtClean="0"/>
-              <a:t>04/02/2020</a:t>
+              <a:t>07/02/2020</a:t>
             </a:fld>
             <a:endParaRPr lang="fr-FR"/>
           </a:p>
@@ -674,7 +674,7 @@
           <a:p>
             <a:fld id="{A5A52D65-5D23-4759-866C-BD4D7E81B3B3}" type="datetimeFigureOut">
               <a:rPr lang="fr-FR" smtClean="0"/>
-              <a:t>04/02/2020</a:t>
+              <a:t>07/02/2020</a:t>
             </a:fld>
             <a:endParaRPr lang="fr-FR"/>
           </a:p>
@@ -872,7 +872,7 @@
           <a:p>
             <a:fld id="{A5A52D65-5D23-4759-866C-BD4D7E81B3B3}" type="datetimeFigureOut">
               <a:rPr lang="fr-FR" smtClean="0"/>
-              <a:t>04/02/2020</a:t>
+              <a:t>07/02/2020</a:t>
             </a:fld>
             <a:endParaRPr lang="fr-FR"/>
           </a:p>
@@ -1147,7 +1147,7 @@
           <a:p>
             <a:fld id="{A5A52D65-5D23-4759-866C-BD4D7E81B3B3}" type="datetimeFigureOut">
               <a:rPr lang="fr-FR" smtClean="0"/>
-              <a:t>04/02/2020</a:t>
+              <a:t>07/02/2020</a:t>
             </a:fld>
             <a:endParaRPr lang="fr-FR"/>
           </a:p>
@@ -1412,7 +1412,7 @@
           <a:p>
             <a:fld id="{A5A52D65-5D23-4759-866C-BD4D7E81B3B3}" type="datetimeFigureOut">
               <a:rPr lang="fr-FR" smtClean="0"/>
-              <a:t>04/02/2020</a:t>
+              <a:t>07/02/2020</a:t>
             </a:fld>
             <a:endParaRPr lang="fr-FR"/>
           </a:p>
@@ -1824,7 +1824,7 @@
           <a:p>
             <a:fld id="{A5A52D65-5D23-4759-866C-BD4D7E81B3B3}" type="datetimeFigureOut">
               <a:rPr lang="fr-FR" smtClean="0"/>
-              <a:t>04/02/2020</a:t>
+              <a:t>07/02/2020</a:t>
             </a:fld>
             <a:endParaRPr lang="fr-FR"/>
           </a:p>
@@ -1965,7 +1965,7 @@
           <a:p>
             <a:fld id="{A5A52D65-5D23-4759-866C-BD4D7E81B3B3}" type="datetimeFigureOut">
               <a:rPr lang="fr-FR" smtClean="0"/>
-              <a:t>04/02/2020</a:t>
+              <a:t>07/02/2020</a:t>
             </a:fld>
             <a:endParaRPr lang="fr-FR"/>
           </a:p>
@@ -2078,7 +2078,7 @@
           <a:p>
             <a:fld id="{A5A52D65-5D23-4759-866C-BD4D7E81B3B3}" type="datetimeFigureOut">
               <a:rPr lang="fr-FR" smtClean="0"/>
-              <a:t>04/02/2020</a:t>
+              <a:t>07/02/2020</a:t>
             </a:fld>
             <a:endParaRPr lang="fr-FR"/>
           </a:p>
@@ -2389,7 +2389,7 @@
           <a:p>
             <a:fld id="{A5A52D65-5D23-4759-866C-BD4D7E81B3B3}" type="datetimeFigureOut">
               <a:rPr lang="fr-FR" smtClean="0"/>
-              <a:t>04/02/2020</a:t>
+              <a:t>07/02/2020</a:t>
             </a:fld>
             <a:endParaRPr lang="fr-FR"/>
           </a:p>
@@ -2677,7 +2677,7 @@
           <a:p>
             <a:fld id="{A5A52D65-5D23-4759-866C-BD4D7E81B3B3}" type="datetimeFigureOut">
               <a:rPr lang="fr-FR" smtClean="0"/>
-              <a:t>04/02/2020</a:t>
+              <a:t>07/02/2020</a:t>
             </a:fld>
             <a:endParaRPr lang="fr-FR"/>
           </a:p>
@@ -2918,7 +2918,7 @@
           <a:p>
             <a:fld id="{A5A52D65-5D23-4759-866C-BD4D7E81B3B3}" type="datetimeFigureOut">
               <a:rPr lang="fr-FR" smtClean="0"/>
-              <a:t>04/02/2020</a:t>
+              <a:t>07/02/2020</a:t>
             </a:fld>
             <a:endParaRPr lang="fr-FR"/>
           </a:p>
@@ -3990,13 +3990,13 @@
   <p:clrMapOvr>
     <a:masterClrMapping/>
   </p:clrMapOvr>
-  <mc:AlternateContent xmlns:mc="http://schemas.openxmlformats.org/markup-compatibility/2006">
-    <mc:Choice xmlns:p14="http://schemas.microsoft.com/office/powerpoint/2010/main" Requires="p14">
+  <mc:AlternateContent xmlns:mc="http://schemas.openxmlformats.org/markup-compatibility/2006" xmlns:p14="http://schemas.microsoft.com/office/powerpoint/2010/main">
+    <mc:Choice Requires="p14">
       <p:transition spd="med" p14:dur="700">
         <p:fade/>
       </p:transition>
     </mc:Choice>
-    <mc:Fallback>
+    <mc:Fallback xmlns="">
       <p:transition spd="med">
         <p:fade/>
       </p:transition>
@@ -4669,13 +4669,13 @@
   <p:clrMapOvr>
     <a:masterClrMapping/>
   </p:clrMapOvr>
-  <mc:AlternateContent xmlns:mc="http://schemas.openxmlformats.org/markup-compatibility/2006">
-    <mc:Choice xmlns:p14="http://schemas.microsoft.com/office/powerpoint/2010/main" Requires="p14">
+  <mc:AlternateContent xmlns:mc="http://schemas.openxmlformats.org/markup-compatibility/2006" xmlns:p14="http://schemas.microsoft.com/office/powerpoint/2010/main">
+    <mc:Choice Requires="p14">
       <p:transition spd="med" p14:dur="700">
         <p:fade/>
       </p:transition>
     </mc:Choice>
-    <mc:Fallback>
+    <mc:Fallback xmlns="">
       <p:transition spd="med">
         <p:fade/>
       </p:transition>
@@ -6641,7 +6641,13 @@
           <a:lstStyle/>
           <a:p>
             <a:r>
-              <a:rPr lang="fr-FR" strike="sngStrike" dirty="0"/>
+              <a:rPr lang="fr-FR" dirty="0">
+                <a:solidFill>
+                  <a:schemeClr val="bg1">
+                    <a:lumMod val="75000"/>
+                  </a:schemeClr>
+                </a:solidFill>
+              </a:rPr>
               <a:t>Diagrammes</a:t>
             </a:r>
           </a:p>
@@ -6676,7 +6682,13 @@
           <a:lstStyle/>
           <a:p>
             <a:r>
-              <a:rPr lang="fr-FR" strike="sngStrike" dirty="0"/>
+              <a:rPr lang="fr-FR" dirty="0">
+                <a:solidFill>
+                  <a:schemeClr val="bg1">
+                    <a:lumMod val="75000"/>
+                  </a:schemeClr>
+                </a:solidFill>
+              </a:rPr>
               <a:t>Mes tâches</a:t>
             </a:r>
           </a:p>
@@ -6711,7 +6723,13 @@
           <a:lstStyle/>
           <a:p>
             <a:r>
-              <a:rPr lang="fr-FR" strike="sngStrike" dirty="0"/>
+              <a:rPr lang="fr-FR" dirty="0">
+                <a:solidFill>
+                  <a:schemeClr val="bg1">
+                    <a:lumMod val="75000"/>
+                  </a:schemeClr>
+                </a:solidFill>
+              </a:rPr>
               <a:t>Mécanisme n°1</a:t>
             </a:r>
           </a:p>
@@ -6746,7 +6764,13 @@
           <a:lstStyle/>
           <a:p>
             <a:r>
-              <a:rPr lang="fr-FR" strike="sngStrike" dirty="0"/>
+              <a:rPr lang="fr-FR" dirty="0">
+                <a:solidFill>
+                  <a:schemeClr val="bg1">
+                    <a:lumMod val="75000"/>
+                  </a:schemeClr>
+                </a:solidFill>
+              </a:rPr>
               <a:t>Mécanisme n°2</a:t>
             </a:r>
           </a:p>
@@ -6781,7 +6805,13 @@
           <a:lstStyle/>
           <a:p>
             <a:r>
-              <a:rPr lang="fr-FR" strike="sngStrike" dirty="0"/>
+              <a:rPr lang="fr-FR" dirty="0">
+                <a:solidFill>
+                  <a:schemeClr val="bg1">
+                    <a:lumMod val="75000"/>
+                  </a:schemeClr>
+                </a:solidFill>
+              </a:rPr>
               <a:t>Mécanisme n°3</a:t>
             </a:r>
           </a:p>
@@ -6816,7 +6846,13 @@
           <a:lstStyle/>
           <a:p>
             <a:r>
-              <a:rPr lang="fr-FR" strike="sngStrike" dirty="0"/>
+              <a:rPr lang="fr-FR" dirty="0">
+                <a:solidFill>
+                  <a:schemeClr val="bg1">
+                    <a:lumMod val="75000"/>
+                  </a:schemeClr>
+                </a:solidFill>
+              </a:rPr>
               <a:t>Appli WEB</a:t>
             </a:r>
           </a:p>
@@ -6851,9 +6887,295 @@
           <a:lstStyle/>
           <a:p>
             <a:r>
-              <a:rPr lang="fr-FR" strike="sngStrike" dirty="0"/>
+              <a:rPr lang="fr-FR" dirty="0">
+                <a:solidFill>
+                  <a:schemeClr val="bg1">
+                    <a:lumMod val="75000"/>
+                  </a:schemeClr>
+                </a:solidFill>
+              </a:rPr>
               <a:t>Partie réseau</a:t>
             </a:r>
+          </a:p>
+        </p:txBody>
+      </p:sp>
+      <p:sp>
+        <p:nvSpPr>
+          <p:cNvPr id="57" name="Rectangle : coins arrondis 56">
+            <a:extLst>
+              <a:ext uri="{FF2B5EF4-FFF2-40B4-BE49-F238E27FC236}">
+                <a16:creationId xmlns:a16="http://schemas.microsoft.com/office/drawing/2014/main" id="{4E86D547-CDED-413C-B2CE-F17220741502}"/>
+              </a:ext>
+            </a:extLst>
+          </p:cNvPr>
+          <p:cNvSpPr/>
+          <p:nvPr/>
+        </p:nvSpPr>
+        <p:spPr>
+          <a:xfrm>
+            <a:off x="4870727" y="5233233"/>
+            <a:ext cx="1231616" cy="186386"/>
+          </a:xfrm>
+          <a:prstGeom prst="roundRect">
+            <a:avLst/>
+          </a:prstGeom>
+          <a:noFill/>
+          <a:ln w="50800">
+            <a:solidFill>
+              <a:schemeClr val="accent1"/>
+            </a:solidFill>
+          </a:ln>
+        </p:spPr>
+        <p:style>
+          <a:lnRef idx="2">
+            <a:schemeClr val="accent1">
+              <a:shade val="50000"/>
+            </a:schemeClr>
+          </a:lnRef>
+          <a:fillRef idx="1">
+            <a:schemeClr val="accent1"/>
+          </a:fillRef>
+          <a:effectRef idx="0">
+            <a:schemeClr val="accent1"/>
+          </a:effectRef>
+          <a:fontRef idx="minor">
+            <a:schemeClr val="lt1"/>
+          </a:fontRef>
+        </p:style>
+        <p:txBody>
+          <a:bodyPr rot="0" spcFirstLastPara="0" vert="horz" wrap="square" lIns="91440" tIns="45720" rIns="91440" bIns="45720" numCol="1" spcCol="0" rtlCol="0" fromWordArt="0" anchor="ctr" anchorCtr="0" forceAA="0" compatLnSpc="1">
+            <a:prstTxWarp prst="textNoShape">
+              <a:avLst/>
+            </a:prstTxWarp>
+            <a:noAutofit/>
+          </a:bodyPr>
+          <a:lstStyle/>
+          <a:p>
+            <a:endParaRPr lang="fr-FR"/>
+          </a:p>
+        </p:txBody>
+      </p:sp>
+      <p:sp>
+        <p:nvSpPr>
+          <p:cNvPr id="58" name="Rectangle : coins arrondis 57">
+            <a:extLst>
+              <a:ext uri="{FF2B5EF4-FFF2-40B4-BE49-F238E27FC236}">
+                <a16:creationId xmlns:a16="http://schemas.microsoft.com/office/drawing/2014/main" id="{FDB8A860-7E65-4ED4-9C14-C7E67E5C3E1D}"/>
+              </a:ext>
+            </a:extLst>
+          </p:cNvPr>
+          <p:cNvSpPr/>
+          <p:nvPr/>
+        </p:nvSpPr>
+        <p:spPr>
+          <a:xfrm>
+            <a:off x="4870727" y="5477808"/>
+            <a:ext cx="1225272" cy="176321"/>
+          </a:xfrm>
+          <a:prstGeom prst="roundRect">
+            <a:avLst/>
+          </a:prstGeom>
+          <a:noFill/>
+          <a:ln w="50800">
+            <a:solidFill>
+              <a:srgbClr val="00B0F0"/>
+            </a:solidFill>
+          </a:ln>
+        </p:spPr>
+        <p:style>
+          <a:lnRef idx="2">
+            <a:schemeClr val="accent1">
+              <a:shade val="50000"/>
+            </a:schemeClr>
+          </a:lnRef>
+          <a:fillRef idx="1">
+            <a:schemeClr val="accent1"/>
+          </a:fillRef>
+          <a:effectRef idx="0">
+            <a:schemeClr val="accent1"/>
+          </a:effectRef>
+          <a:fontRef idx="minor">
+            <a:schemeClr val="lt1"/>
+          </a:fontRef>
+        </p:style>
+        <p:txBody>
+          <a:bodyPr rot="0" spcFirstLastPara="0" vert="horz" wrap="square" lIns="91440" tIns="45720" rIns="91440" bIns="45720" numCol="1" spcCol="0" rtlCol="0" fromWordArt="0" anchor="ctr" anchorCtr="0" forceAA="0" compatLnSpc="1">
+            <a:prstTxWarp prst="textNoShape">
+              <a:avLst/>
+            </a:prstTxWarp>
+            <a:noAutofit/>
+          </a:bodyPr>
+          <a:lstStyle/>
+          <a:p>
+            <a:endParaRPr lang="fr-FR"/>
+          </a:p>
+        </p:txBody>
+      </p:sp>
+      <p:sp>
+        <p:nvSpPr>
+          <p:cNvPr id="59" name="Rectangle : coins arrondis 58">
+            <a:extLst>
+              <a:ext uri="{FF2B5EF4-FFF2-40B4-BE49-F238E27FC236}">
+                <a16:creationId xmlns:a16="http://schemas.microsoft.com/office/drawing/2014/main" id="{757A1A26-DD35-45CE-B13B-352F85964001}"/>
+              </a:ext>
+            </a:extLst>
+          </p:cNvPr>
+          <p:cNvSpPr/>
+          <p:nvPr/>
+        </p:nvSpPr>
+        <p:spPr>
+          <a:xfrm>
+            <a:off x="2735703" y="5742514"/>
+            <a:ext cx="693297" cy="158598"/>
+          </a:xfrm>
+          <a:prstGeom prst="roundRect">
+            <a:avLst/>
+          </a:prstGeom>
+          <a:noFill/>
+          <a:ln w="50800">
+            <a:solidFill>
+              <a:schemeClr val="accent1"/>
+            </a:solidFill>
+          </a:ln>
+        </p:spPr>
+        <p:style>
+          <a:lnRef idx="2">
+            <a:schemeClr val="accent1">
+              <a:shade val="50000"/>
+            </a:schemeClr>
+          </a:lnRef>
+          <a:fillRef idx="1">
+            <a:schemeClr val="accent1"/>
+          </a:fillRef>
+          <a:effectRef idx="0">
+            <a:schemeClr val="accent1"/>
+          </a:effectRef>
+          <a:fontRef idx="minor">
+            <a:schemeClr val="lt1"/>
+          </a:fontRef>
+        </p:style>
+        <p:txBody>
+          <a:bodyPr rot="0" spcFirstLastPara="0" vert="horz" wrap="square" lIns="91440" tIns="45720" rIns="91440" bIns="45720" numCol="1" spcCol="0" rtlCol="0" fromWordArt="0" anchor="ctr" anchorCtr="0" forceAA="0" compatLnSpc="1">
+            <a:prstTxWarp prst="textNoShape">
+              <a:avLst/>
+            </a:prstTxWarp>
+            <a:noAutofit/>
+          </a:bodyPr>
+          <a:lstStyle/>
+          <a:p>
+            <a:endParaRPr lang="fr-FR"/>
+          </a:p>
+        </p:txBody>
+      </p:sp>
+      <p:sp>
+        <p:nvSpPr>
+          <p:cNvPr id="60" name="Rectangle : coins arrondis 59">
+            <a:extLst>
+              <a:ext uri="{FF2B5EF4-FFF2-40B4-BE49-F238E27FC236}">
+                <a16:creationId xmlns:a16="http://schemas.microsoft.com/office/drawing/2014/main" id="{5E7A9175-CB2C-4FEE-9D0F-A17674E4EF5C}"/>
+              </a:ext>
+            </a:extLst>
+          </p:cNvPr>
+          <p:cNvSpPr/>
+          <p:nvPr/>
+        </p:nvSpPr>
+        <p:spPr>
+          <a:xfrm>
+            <a:off x="2724770" y="5953127"/>
+            <a:ext cx="704230" cy="158598"/>
+          </a:xfrm>
+          <a:prstGeom prst="roundRect">
+            <a:avLst/>
+          </a:prstGeom>
+          <a:noFill/>
+          <a:ln w="50800">
+            <a:solidFill>
+              <a:srgbClr val="92D050"/>
+            </a:solidFill>
+          </a:ln>
+        </p:spPr>
+        <p:style>
+          <a:lnRef idx="2">
+            <a:schemeClr val="accent1">
+              <a:shade val="50000"/>
+            </a:schemeClr>
+          </a:lnRef>
+          <a:fillRef idx="1">
+            <a:schemeClr val="accent1"/>
+          </a:fillRef>
+          <a:effectRef idx="0">
+            <a:schemeClr val="accent1"/>
+          </a:effectRef>
+          <a:fontRef idx="minor">
+            <a:schemeClr val="lt1"/>
+          </a:fontRef>
+        </p:style>
+        <p:txBody>
+          <a:bodyPr rot="0" spcFirstLastPara="0" vert="horz" wrap="square" lIns="91440" tIns="45720" rIns="91440" bIns="45720" numCol="1" spcCol="0" rtlCol="0" fromWordArt="0" anchor="ctr" anchorCtr="0" forceAA="0" compatLnSpc="1">
+            <a:prstTxWarp prst="textNoShape">
+              <a:avLst/>
+            </a:prstTxWarp>
+            <a:noAutofit/>
+          </a:bodyPr>
+          <a:lstStyle/>
+          <a:p>
+            <a:endParaRPr lang="fr-FR"/>
+          </a:p>
+        </p:txBody>
+      </p:sp>
+      <p:sp>
+        <p:nvSpPr>
+          <p:cNvPr id="61" name="Rectangle : coins arrondis 60">
+            <a:extLst>
+              <a:ext uri="{FF2B5EF4-FFF2-40B4-BE49-F238E27FC236}">
+                <a16:creationId xmlns:a16="http://schemas.microsoft.com/office/drawing/2014/main" id="{96276102-8004-4922-9D8C-69A2E5A40FF4}"/>
+              </a:ext>
+            </a:extLst>
+          </p:cNvPr>
+          <p:cNvSpPr/>
+          <p:nvPr/>
+        </p:nvSpPr>
+        <p:spPr>
+          <a:xfrm>
+            <a:off x="8244502" y="3108982"/>
+            <a:ext cx="1024004" cy="164306"/>
+          </a:xfrm>
+          <a:prstGeom prst="roundRect">
+            <a:avLst/>
+          </a:prstGeom>
+          <a:noFill/>
+          <a:ln w="50800">
+            <a:solidFill>
+              <a:srgbClr val="FF0000"/>
+            </a:solidFill>
+          </a:ln>
+        </p:spPr>
+        <p:style>
+          <a:lnRef idx="2">
+            <a:schemeClr val="accent1">
+              <a:shade val="50000"/>
+            </a:schemeClr>
+          </a:lnRef>
+          <a:fillRef idx="1">
+            <a:schemeClr val="accent1"/>
+          </a:fillRef>
+          <a:effectRef idx="0">
+            <a:schemeClr val="accent1"/>
+          </a:effectRef>
+          <a:fontRef idx="minor">
+            <a:schemeClr val="lt1"/>
+          </a:fontRef>
+        </p:style>
+        <p:txBody>
+          <a:bodyPr rot="0" spcFirstLastPara="0" vert="horz" wrap="square" lIns="91440" tIns="45720" rIns="91440" bIns="45720" numCol="1" spcCol="0" rtlCol="0" fromWordArt="0" anchor="ctr" anchorCtr="0" forceAA="0" compatLnSpc="1">
+            <a:prstTxWarp prst="textNoShape">
+              <a:avLst/>
+            </a:prstTxWarp>
+            <a:noAutofit/>
+          </a:bodyPr>
+          <a:lstStyle/>
+          <a:p>
+            <a:endParaRPr lang="fr-FR"/>
           </a:p>
         </p:txBody>
       </p:sp>
@@ -6867,13 +7189,13 @@
   <p:clrMapOvr>
     <a:masterClrMapping/>
   </p:clrMapOvr>
-  <mc:AlternateContent xmlns:mc="http://schemas.openxmlformats.org/markup-compatibility/2006">
-    <mc:Choice xmlns:p14="http://schemas.microsoft.com/office/powerpoint/2010/main" Requires="p14">
+  <mc:AlternateContent xmlns:mc="http://schemas.openxmlformats.org/markup-compatibility/2006" xmlns:p14="http://schemas.microsoft.com/office/powerpoint/2010/main">
+    <mc:Choice Requires="p14">
       <p:transition spd="med" p14:dur="700">
         <p:fade/>
       </p:transition>
     </mc:Choice>
-    <mc:Fallback>
+    <mc:Fallback xmlns="">
       <p:transition spd="med">
         <p:fade/>
       </p:transition>
@@ -7022,6 +7344,96 @@
                       </p:childTnLst>
                     </p:cTn>
                   </p:par>
+                  <p:par>
+                    <p:cTn id="15" fill="hold">
+                      <p:stCondLst>
+                        <p:cond delay="indefinite"/>
+                      </p:stCondLst>
+                      <p:childTnLst>
+                        <p:par>
+                          <p:cTn id="16" fill="hold">
+                            <p:stCondLst>
+                              <p:cond delay="0"/>
+                            </p:stCondLst>
+                            <p:childTnLst>
+                              <p:par>
+                                <p:cTn id="17" presetID="1" presetClass="entr" presetSubtype="0" fill="hold" grpId="0" nodeType="clickEffect">
+                                  <p:stCondLst>
+                                    <p:cond delay="0"/>
+                                  </p:stCondLst>
+                                  <p:childTnLst>
+                                    <p:set>
+                                      <p:cBhvr>
+                                        <p:cTn id="18" dur="1" fill="hold">
+                                          <p:stCondLst>
+                                            <p:cond delay="0"/>
+                                          </p:stCondLst>
+                                        </p:cTn>
+                                        <p:tgtEl>
+                                          <p:spTgt spid="57"/>
+                                        </p:tgtEl>
+                                        <p:attrNameLst>
+                                          <p:attrName>style.visibility</p:attrName>
+                                        </p:attrNameLst>
+                                      </p:cBhvr>
+                                      <p:to>
+                                        <p:strVal val="visible"/>
+                                      </p:to>
+                                    </p:set>
+                                  </p:childTnLst>
+                                </p:cTn>
+                              </p:par>
+                            </p:childTnLst>
+                          </p:cTn>
+                        </p:par>
+                      </p:childTnLst>
+                    </p:cTn>
+                  </p:par>
+                  <p:par>
+                    <p:cTn id="19" fill="hold">
+                      <p:stCondLst>
+                        <p:cond delay="indefinite"/>
+                      </p:stCondLst>
+                      <p:childTnLst>
+                        <p:par>
+                          <p:cTn id="20" fill="hold">
+                            <p:stCondLst>
+                              <p:cond delay="0"/>
+                            </p:stCondLst>
+                            <p:childTnLst>
+                              <p:par>
+                                <p:cTn id="21" presetID="1" presetClass="entr" presetSubtype="0" fill="hold" grpId="0" nodeType="clickEffect">
+                                  <p:stCondLst>
+                                    <p:cond delay="0"/>
+                                  </p:stCondLst>
+                                  <p:childTnLst>
+                                    <p:set>
+                                      <p:cBhvr>
+                                        <p:cTn id="22" dur="1" fill="hold">
+                                          <p:stCondLst>
+                                            <p:cond delay="0"/>
+                                          </p:stCondLst>
+                                        </p:cTn>
+                                        <p:tgtEl>
+                                          <p:spTgt spid="59"/>
+                                        </p:tgtEl>
+                                        <p:attrNameLst>
+                                          <p:attrName>style.visibility</p:attrName>
+                                        </p:attrNameLst>
+                                      </p:cBhvr>
+                                      <p:to>
+                                        <p:strVal val="visible"/>
+                                      </p:to>
+                                    </p:set>
+                                  </p:childTnLst>
+                                </p:cTn>
+                              </p:par>
+                            </p:childTnLst>
+                          </p:cTn>
+                        </p:par>
+                      </p:childTnLst>
+                    </p:cTn>
+                  </p:par>
                 </p:childTnLst>
               </p:cTn>
               <p:prevCondLst>
@@ -7047,6 +7459,8 @@
       <p:bldP spid="5" grpId="0" animBg="1"/>
       <p:bldP spid="7" grpId="0" animBg="1"/>
       <p:bldP spid="8" grpId="0" animBg="1"/>
+      <p:bldP spid="57" grpId="0" animBg="1"/>
+      <p:bldP spid="59" grpId="0" animBg="1"/>
     </p:bldLst>
   </p:timing>
 </p:sld>
@@ -7709,7 +8123,13 @@
           <a:lstStyle/>
           <a:p>
             <a:r>
-              <a:rPr lang="fr-FR" strike="sngStrike" dirty="0"/>
+              <a:rPr lang="fr-FR" dirty="0">
+                <a:solidFill>
+                  <a:schemeClr val="bg1">
+                    <a:lumMod val="75000"/>
+                  </a:schemeClr>
+                </a:solidFill>
+              </a:rPr>
               <a:t>Introduction</a:t>
             </a:r>
           </a:p>
@@ -7779,7 +8199,13 @@
           <a:lstStyle/>
           <a:p>
             <a:r>
-              <a:rPr lang="fr-FR" strike="sngStrike" dirty="0"/>
+              <a:rPr lang="fr-FR" dirty="0">
+                <a:solidFill>
+                  <a:schemeClr val="bg1">
+                    <a:lumMod val="75000"/>
+                  </a:schemeClr>
+                </a:solidFill>
+              </a:rPr>
               <a:t>Mes tâches</a:t>
             </a:r>
           </a:p>
@@ -7787,10 +8213,10 @@
       </p:sp>
       <p:sp>
         <p:nvSpPr>
-          <p:cNvPr id="18" name="ZoneTexte 17">
-            <a:extLst>
-              <a:ext uri="{FF2B5EF4-FFF2-40B4-BE49-F238E27FC236}">
-                <a16:creationId xmlns:a16="http://schemas.microsoft.com/office/drawing/2014/main" id="{AC40BAAD-E4FB-476D-88C3-2D4D26357826}"/>
+          <p:cNvPr id="24" name="ZoneTexte 23">
+            <a:extLst>
+              <a:ext uri="{FF2B5EF4-FFF2-40B4-BE49-F238E27FC236}">
+                <a16:creationId xmlns:a16="http://schemas.microsoft.com/office/drawing/2014/main" id="{B59358DB-6944-457B-8B23-35EBF188137C}"/>
               </a:ext>
             </a:extLst>
           </p:cNvPr>
@@ -7814,7 +8240,13 @@
           <a:lstStyle/>
           <a:p>
             <a:r>
-              <a:rPr lang="fr-FR" strike="sngStrike" dirty="0"/>
+              <a:rPr lang="fr-FR" dirty="0">
+                <a:solidFill>
+                  <a:schemeClr val="bg1">
+                    <a:lumMod val="75000"/>
+                  </a:schemeClr>
+                </a:solidFill>
+              </a:rPr>
               <a:t>Mécanisme n°1</a:t>
             </a:r>
           </a:p>
@@ -7822,10 +8254,10 @@
       </p:sp>
       <p:sp>
         <p:nvSpPr>
-          <p:cNvPr id="19" name="ZoneTexte 18">
-            <a:extLst>
-              <a:ext uri="{FF2B5EF4-FFF2-40B4-BE49-F238E27FC236}">
-                <a16:creationId xmlns:a16="http://schemas.microsoft.com/office/drawing/2014/main" id="{F5715609-C05E-4596-98A9-1F2B72F9FBE6}"/>
+          <p:cNvPr id="25" name="ZoneTexte 24">
+            <a:extLst>
+              <a:ext uri="{FF2B5EF4-FFF2-40B4-BE49-F238E27FC236}">
+                <a16:creationId xmlns:a16="http://schemas.microsoft.com/office/drawing/2014/main" id="{3A3AA4E4-02A6-4413-A97F-C8B7D0752AF6}"/>
               </a:ext>
             </a:extLst>
           </p:cNvPr>
@@ -7849,7 +8281,13 @@
           <a:lstStyle/>
           <a:p>
             <a:r>
-              <a:rPr lang="fr-FR" strike="sngStrike" dirty="0"/>
+              <a:rPr lang="fr-FR" dirty="0">
+                <a:solidFill>
+                  <a:schemeClr val="bg1">
+                    <a:lumMod val="75000"/>
+                  </a:schemeClr>
+                </a:solidFill>
+              </a:rPr>
               <a:t>Mécanisme n°2</a:t>
             </a:r>
           </a:p>
@@ -7857,10 +8295,10 @@
       </p:sp>
       <p:sp>
         <p:nvSpPr>
-          <p:cNvPr id="20" name="ZoneTexte 19">
-            <a:extLst>
-              <a:ext uri="{FF2B5EF4-FFF2-40B4-BE49-F238E27FC236}">
-                <a16:creationId xmlns:a16="http://schemas.microsoft.com/office/drawing/2014/main" id="{8E248D34-65CC-43C1-937C-28FB9903C298}"/>
+          <p:cNvPr id="26" name="ZoneTexte 25">
+            <a:extLst>
+              <a:ext uri="{FF2B5EF4-FFF2-40B4-BE49-F238E27FC236}">
+                <a16:creationId xmlns:a16="http://schemas.microsoft.com/office/drawing/2014/main" id="{5BC64679-859C-45BC-9166-1C2747A5D99C}"/>
               </a:ext>
             </a:extLst>
           </p:cNvPr>
@@ -7869,8 +8307,8 @@
         </p:nvSpPr>
         <p:spPr>
           <a:xfrm>
-            <a:off x="10050865" y="4640484"/>
-            <a:ext cx="1638269" cy="369332"/>
+            <a:off x="10050865" y="5470010"/>
+            <a:ext cx="1162498" cy="369332"/>
           </a:xfrm>
           <a:prstGeom prst="rect">
             <a:avLst/>
@@ -7884,18 +8322,24 @@
           <a:lstStyle/>
           <a:p>
             <a:r>
-              <a:rPr lang="fr-FR" strike="sngStrike" dirty="0"/>
-              <a:t>Mécanisme n°3</a:t>
+              <a:rPr lang="fr-FR" dirty="0">
+                <a:solidFill>
+                  <a:schemeClr val="bg1">
+                    <a:lumMod val="75000"/>
+                  </a:schemeClr>
+                </a:solidFill>
+              </a:rPr>
+              <a:t>Appli WEB</a:t>
             </a:r>
           </a:p>
         </p:txBody>
       </p:sp>
       <p:sp>
         <p:nvSpPr>
-          <p:cNvPr id="22" name="ZoneTexte 21">
-            <a:extLst>
-              <a:ext uri="{FF2B5EF4-FFF2-40B4-BE49-F238E27FC236}">
-                <a16:creationId xmlns:a16="http://schemas.microsoft.com/office/drawing/2014/main" id="{05B9E18B-D5E3-4745-942C-6F239F17571D}"/>
+          <p:cNvPr id="27" name="ZoneTexte 26">
+            <a:extLst>
+              <a:ext uri="{FF2B5EF4-FFF2-40B4-BE49-F238E27FC236}">
+                <a16:creationId xmlns:a16="http://schemas.microsoft.com/office/drawing/2014/main" id="{98BFBC1D-44EC-47C8-90A7-1F98EB8B5A34}"/>
               </a:ext>
             </a:extLst>
           </p:cNvPr>
@@ -7904,8 +8348,8 @@
         </p:nvSpPr>
         <p:spPr>
           <a:xfrm>
-            <a:off x="10050865" y="5470010"/>
-            <a:ext cx="1162498" cy="369332"/>
+            <a:off x="10050865" y="4640484"/>
+            <a:ext cx="1638269" cy="369332"/>
           </a:xfrm>
           <a:prstGeom prst="rect">
             <a:avLst/>
@@ -7919,18 +8363,24 @@
           <a:lstStyle/>
           <a:p>
             <a:r>
-              <a:rPr lang="fr-FR" strike="sngStrike" dirty="0"/>
-              <a:t>Appli WEB</a:t>
+              <a:rPr lang="fr-FR" dirty="0">
+                <a:solidFill>
+                  <a:schemeClr val="bg1">
+                    <a:lumMod val="75000"/>
+                  </a:schemeClr>
+                </a:solidFill>
+              </a:rPr>
+              <a:t>Mécanisme n°3</a:t>
             </a:r>
           </a:p>
         </p:txBody>
       </p:sp>
       <p:sp>
         <p:nvSpPr>
-          <p:cNvPr id="23" name="ZoneTexte 22">
-            <a:extLst>
-              <a:ext uri="{FF2B5EF4-FFF2-40B4-BE49-F238E27FC236}">
-                <a16:creationId xmlns:a16="http://schemas.microsoft.com/office/drawing/2014/main" id="{AEDD4C80-5C4C-492D-86FC-F0CEF694FA3D}"/>
+          <p:cNvPr id="28" name="ZoneTexte 27">
+            <a:extLst>
+              <a:ext uri="{FF2B5EF4-FFF2-40B4-BE49-F238E27FC236}">
+                <a16:creationId xmlns:a16="http://schemas.microsoft.com/office/drawing/2014/main" id="{AA61D910-2274-417F-A313-0544061BF368}"/>
               </a:ext>
             </a:extLst>
           </p:cNvPr>
@@ -7954,7 +8404,13 @@
           <a:lstStyle/>
           <a:p>
             <a:r>
-              <a:rPr lang="fr-FR" strike="sngStrike" dirty="0"/>
+              <a:rPr lang="fr-FR" dirty="0">
+                <a:solidFill>
+                  <a:schemeClr val="bg1">
+                    <a:lumMod val="75000"/>
+                  </a:schemeClr>
+                </a:solidFill>
+              </a:rPr>
               <a:t>Partie réseau</a:t>
             </a:r>
           </a:p>
@@ -7970,13 +8426,13 @@
   <p:clrMapOvr>
     <a:masterClrMapping/>
   </p:clrMapOvr>
-  <mc:AlternateContent xmlns:mc="http://schemas.openxmlformats.org/markup-compatibility/2006">
-    <mc:Choice xmlns:p14="http://schemas.microsoft.com/office/powerpoint/2010/main" Requires="p14">
+  <mc:AlternateContent xmlns:mc="http://schemas.openxmlformats.org/markup-compatibility/2006" xmlns:p14="http://schemas.microsoft.com/office/powerpoint/2010/main">
+    <mc:Choice Requires="p14">
       <p:transition spd="med" p14:dur="700">
         <p:fade/>
       </p:transition>
     </mc:Choice>
-    <mc:Fallback>
+    <mc:Fallback xmlns="">
       <p:transition spd="med">
         <p:fade/>
       </p:transition>
@@ -8598,76 +9054,6 @@
       </p:sp>
       <p:sp>
         <p:nvSpPr>
-          <p:cNvPr id="15" name="ZoneTexte 14">
-            <a:extLst>
-              <a:ext uri="{FF2B5EF4-FFF2-40B4-BE49-F238E27FC236}">
-                <a16:creationId xmlns:a16="http://schemas.microsoft.com/office/drawing/2014/main" id="{C5F9564B-F10E-43DD-8AEC-C129B86B37B4}"/>
-              </a:ext>
-            </a:extLst>
-          </p:cNvPr>
-          <p:cNvSpPr txBox="1"/>
-          <p:nvPr/>
-        </p:nvSpPr>
-        <p:spPr>
-          <a:xfrm>
-            <a:off x="10053015" y="555110"/>
-            <a:ext cx="1375569" cy="369332"/>
-          </a:xfrm>
-          <a:prstGeom prst="rect">
-            <a:avLst/>
-          </a:prstGeom>
-          <a:noFill/>
-        </p:spPr>
-        <p:txBody>
-          <a:bodyPr wrap="none" rtlCol="0">
-            <a:spAutoFit/>
-          </a:bodyPr>
-          <a:lstStyle/>
-          <a:p>
-            <a:r>
-              <a:rPr lang="fr-FR" strike="sngStrike" dirty="0"/>
-              <a:t>Introduction</a:t>
-            </a:r>
-          </a:p>
-        </p:txBody>
-      </p:sp>
-      <p:sp>
-        <p:nvSpPr>
-          <p:cNvPr id="16" name="ZoneTexte 15">
-            <a:extLst>
-              <a:ext uri="{FF2B5EF4-FFF2-40B4-BE49-F238E27FC236}">
-                <a16:creationId xmlns:a16="http://schemas.microsoft.com/office/drawing/2014/main" id="{FE3C444A-A0C1-4C90-868F-ED05A9D99E69}"/>
-              </a:ext>
-            </a:extLst>
-          </p:cNvPr>
-          <p:cNvSpPr txBox="1"/>
-          <p:nvPr/>
-        </p:nvSpPr>
-        <p:spPr>
-          <a:xfrm>
-            <a:off x="10053015" y="1379493"/>
-            <a:ext cx="1359731" cy="369332"/>
-          </a:xfrm>
-          <a:prstGeom prst="rect">
-            <a:avLst/>
-          </a:prstGeom>
-          <a:noFill/>
-        </p:spPr>
-        <p:txBody>
-          <a:bodyPr wrap="none" rtlCol="0">
-            <a:spAutoFit/>
-          </a:bodyPr>
-          <a:lstStyle/>
-          <a:p>
-            <a:r>
-              <a:rPr lang="fr-FR" strike="sngStrike" dirty="0"/>
-              <a:t>Diagrammes</a:t>
-            </a:r>
-          </a:p>
-        </p:txBody>
-      </p:sp>
-      <p:sp>
-        <p:nvSpPr>
           <p:cNvPr id="17" name="ZoneTexte 16">
             <a:extLst>
               <a:ext uri="{FF2B5EF4-FFF2-40B4-BE49-F238E27FC236}">
@@ -8703,10 +9089,10 @@
       </p:sp>
       <p:sp>
         <p:nvSpPr>
-          <p:cNvPr id="18" name="ZoneTexte 17">
-            <a:extLst>
-              <a:ext uri="{FF2B5EF4-FFF2-40B4-BE49-F238E27FC236}">
-                <a16:creationId xmlns:a16="http://schemas.microsoft.com/office/drawing/2014/main" id="{7A3CD090-0683-41AE-ADDE-D36EA381434E}"/>
+          <p:cNvPr id="23" name="ZoneTexte 22">
+            <a:extLst>
+              <a:ext uri="{FF2B5EF4-FFF2-40B4-BE49-F238E27FC236}">
+                <a16:creationId xmlns:a16="http://schemas.microsoft.com/office/drawing/2014/main" id="{4D3CFE61-BA05-4626-8B43-590C4352CA37}"/>
               </a:ext>
             </a:extLst>
           </p:cNvPr>
@@ -8715,8 +9101,8 @@
         </p:nvSpPr>
         <p:spPr>
           <a:xfrm>
-            <a:off x="10053015" y="3012560"/>
-            <a:ext cx="1638269" cy="369332"/>
+            <a:off x="10053015" y="555110"/>
+            <a:ext cx="1375569" cy="369332"/>
           </a:xfrm>
           <a:prstGeom prst="rect">
             <a:avLst/>
@@ -8730,18 +9116,24 @@
           <a:lstStyle/>
           <a:p>
             <a:r>
-              <a:rPr lang="fr-FR" strike="sngStrike" dirty="0"/>
-              <a:t>Mécanisme n°1</a:t>
+              <a:rPr lang="fr-FR" dirty="0">
+                <a:solidFill>
+                  <a:schemeClr val="bg1">
+                    <a:lumMod val="75000"/>
+                  </a:schemeClr>
+                </a:solidFill>
+              </a:rPr>
+              <a:t>Introduction</a:t>
             </a:r>
           </a:p>
         </p:txBody>
       </p:sp>
       <p:sp>
         <p:nvSpPr>
-          <p:cNvPr id="19" name="ZoneTexte 18">
-            <a:extLst>
-              <a:ext uri="{FF2B5EF4-FFF2-40B4-BE49-F238E27FC236}">
-                <a16:creationId xmlns:a16="http://schemas.microsoft.com/office/drawing/2014/main" id="{4202E5EB-8149-4988-B025-21550E75DF78}"/>
+          <p:cNvPr id="24" name="ZoneTexte 23">
+            <a:extLst>
+              <a:ext uri="{FF2B5EF4-FFF2-40B4-BE49-F238E27FC236}">
+                <a16:creationId xmlns:a16="http://schemas.microsoft.com/office/drawing/2014/main" id="{AA973B2D-1044-4A68-9891-6C6DBF919ED8}"/>
               </a:ext>
             </a:extLst>
           </p:cNvPr>
@@ -8750,8 +9142,8 @@
         </p:nvSpPr>
         <p:spPr>
           <a:xfrm>
-            <a:off x="10053015" y="3826522"/>
-            <a:ext cx="1638269" cy="369332"/>
+            <a:off x="10053015" y="1379493"/>
+            <a:ext cx="1359731" cy="369332"/>
           </a:xfrm>
           <a:prstGeom prst="rect">
             <a:avLst/>
@@ -8765,18 +9157,24 @@
           <a:lstStyle/>
           <a:p>
             <a:r>
-              <a:rPr lang="fr-FR" strike="sngStrike" dirty="0"/>
-              <a:t>Mécanisme n°2</a:t>
+              <a:rPr lang="fr-FR" dirty="0">
+                <a:solidFill>
+                  <a:schemeClr val="bg1">
+                    <a:lumMod val="75000"/>
+                  </a:schemeClr>
+                </a:solidFill>
+              </a:rPr>
+              <a:t>Diagrammes</a:t>
             </a:r>
           </a:p>
         </p:txBody>
       </p:sp>
       <p:sp>
         <p:nvSpPr>
-          <p:cNvPr id="20" name="ZoneTexte 19">
-            <a:extLst>
-              <a:ext uri="{FF2B5EF4-FFF2-40B4-BE49-F238E27FC236}">
-                <a16:creationId xmlns:a16="http://schemas.microsoft.com/office/drawing/2014/main" id="{1916274B-9AFE-4DCD-B612-CC60EE95F1BE}"/>
+          <p:cNvPr id="26" name="ZoneTexte 25">
+            <a:extLst>
+              <a:ext uri="{FF2B5EF4-FFF2-40B4-BE49-F238E27FC236}">
+                <a16:creationId xmlns:a16="http://schemas.microsoft.com/office/drawing/2014/main" id="{80A61C96-0DD3-44DC-A528-35E62239A340}"/>
               </a:ext>
             </a:extLst>
           </p:cNvPr>
@@ -8785,7 +9183,7 @@
         </p:nvSpPr>
         <p:spPr>
           <a:xfrm>
-            <a:off x="10050865" y="4640484"/>
+            <a:off x="10053015" y="3012560"/>
             <a:ext cx="1638269" cy="369332"/>
           </a:xfrm>
           <a:prstGeom prst="rect">
@@ -8800,18 +9198,24 @@
           <a:lstStyle/>
           <a:p>
             <a:r>
-              <a:rPr lang="fr-FR" strike="sngStrike" dirty="0"/>
-              <a:t>Mécanisme n°3</a:t>
+              <a:rPr lang="fr-FR" dirty="0">
+                <a:solidFill>
+                  <a:schemeClr val="bg1">
+                    <a:lumMod val="75000"/>
+                  </a:schemeClr>
+                </a:solidFill>
+              </a:rPr>
+              <a:t>Mécanisme n°1</a:t>
             </a:r>
           </a:p>
         </p:txBody>
       </p:sp>
       <p:sp>
         <p:nvSpPr>
-          <p:cNvPr id="21" name="ZoneTexte 20">
-            <a:extLst>
-              <a:ext uri="{FF2B5EF4-FFF2-40B4-BE49-F238E27FC236}">
-                <a16:creationId xmlns:a16="http://schemas.microsoft.com/office/drawing/2014/main" id="{BB33F972-198C-4E63-9E02-396C9F27198D}"/>
+          <p:cNvPr id="27" name="ZoneTexte 26">
+            <a:extLst>
+              <a:ext uri="{FF2B5EF4-FFF2-40B4-BE49-F238E27FC236}">
+                <a16:creationId xmlns:a16="http://schemas.microsoft.com/office/drawing/2014/main" id="{70917ADD-259B-453E-B7E7-3A3FB5A6DD04}"/>
               </a:ext>
             </a:extLst>
           </p:cNvPr>
@@ -8820,8 +9224,8 @@
         </p:nvSpPr>
         <p:spPr>
           <a:xfrm>
-            <a:off x="10050865" y="5470010"/>
-            <a:ext cx="1162498" cy="369332"/>
+            <a:off x="10053015" y="3826522"/>
+            <a:ext cx="1638269" cy="369332"/>
           </a:xfrm>
           <a:prstGeom prst="rect">
             <a:avLst/>
@@ -8835,18 +9239,24 @@
           <a:lstStyle/>
           <a:p>
             <a:r>
-              <a:rPr lang="fr-FR" strike="sngStrike" dirty="0"/>
-              <a:t>Appli WEB</a:t>
+              <a:rPr lang="fr-FR" dirty="0">
+                <a:solidFill>
+                  <a:schemeClr val="bg1">
+                    <a:lumMod val="75000"/>
+                  </a:schemeClr>
+                </a:solidFill>
+              </a:rPr>
+              <a:t>Mécanisme n°2</a:t>
             </a:r>
           </a:p>
         </p:txBody>
       </p:sp>
       <p:sp>
         <p:nvSpPr>
-          <p:cNvPr id="22" name="ZoneTexte 21">
-            <a:extLst>
-              <a:ext uri="{FF2B5EF4-FFF2-40B4-BE49-F238E27FC236}">
-                <a16:creationId xmlns:a16="http://schemas.microsoft.com/office/drawing/2014/main" id="{5B1CCF47-841E-483C-AB2D-53E398C86376}"/>
+          <p:cNvPr id="28" name="ZoneTexte 27">
+            <a:extLst>
+              <a:ext uri="{FF2B5EF4-FFF2-40B4-BE49-F238E27FC236}">
+                <a16:creationId xmlns:a16="http://schemas.microsoft.com/office/drawing/2014/main" id="{794BA14D-07A9-4888-A04E-7B371BC21B40}"/>
               </a:ext>
             </a:extLst>
           </p:cNvPr>
@@ -8855,8 +9265,8 @@
         </p:nvSpPr>
         <p:spPr>
           <a:xfrm>
-            <a:off x="10050865" y="6299536"/>
-            <a:ext cx="1417439" cy="369332"/>
+            <a:off x="10050865" y="4640484"/>
+            <a:ext cx="1638269" cy="369332"/>
           </a:xfrm>
           <a:prstGeom prst="rect">
             <a:avLst/>
@@ -8870,7 +9280,95 @@
           <a:lstStyle/>
           <a:p>
             <a:r>
-              <a:rPr lang="fr-FR" strike="sngStrike" dirty="0"/>
+              <a:rPr lang="fr-FR" dirty="0">
+                <a:solidFill>
+                  <a:schemeClr val="bg1">
+                    <a:lumMod val="75000"/>
+                  </a:schemeClr>
+                </a:solidFill>
+              </a:rPr>
+              <a:t>Mécanisme n°3</a:t>
+            </a:r>
+          </a:p>
+        </p:txBody>
+      </p:sp>
+      <p:sp>
+        <p:nvSpPr>
+          <p:cNvPr id="29" name="ZoneTexte 28">
+            <a:extLst>
+              <a:ext uri="{FF2B5EF4-FFF2-40B4-BE49-F238E27FC236}">
+                <a16:creationId xmlns:a16="http://schemas.microsoft.com/office/drawing/2014/main" id="{B32FB5B8-53C3-4440-8432-14AC029B317C}"/>
+              </a:ext>
+            </a:extLst>
+          </p:cNvPr>
+          <p:cNvSpPr txBox="1"/>
+          <p:nvPr/>
+        </p:nvSpPr>
+        <p:spPr>
+          <a:xfrm>
+            <a:off x="10050865" y="5470010"/>
+            <a:ext cx="1162498" cy="369332"/>
+          </a:xfrm>
+          <a:prstGeom prst="rect">
+            <a:avLst/>
+          </a:prstGeom>
+          <a:noFill/>
+        </p:spPr>
+        <p:txBody>
+          <a:bodyPr wrap="none" rtlCol="0">
+            <a:spAutoFit/>
+          </a:bodyPr>
+          <a:lstStyle/>
+          <a:p>
+            <a:r>
+              <a:rPr lang="fr-FR" dirty="0">
+                <a:solidFill>
+                  <a:schemeClr val="bg1">
+                    <a:lumMod val="75000"/>
+                  </a:schemeClr>
+                </a:solidFill>
+              </a:rPr>
+              <a:t>Appli WEB</a:t>
+            </a:r>
+          </a:p>
+        </p:txBody>
+      </p:sp>
+      <p:sp>
+        <p:nvSpPr>
+          <p:cNvPr id="30" name="ZoneTexte 29">
+            <a:extLst>
+              <a:ext uri="{FF2B5EF4-FFF2-40B4-BE49-F238E27FC236}">
+                <a16:creationId xmlns:a16="http://schemas.microsoft.com/office/drawing/2014/main" id="{F28B3DA6-E893-4425-A1D1-022D9DDA2A5C}"/>
+              </a:ext>
+            </a:extLst>
+          </p:cNvPr>
+          <p:cNvSpPr txBox="1"/>
+          <p:nvPr/>
+        </p:nvSpPr>
+        <p:spPr>
+          <a:xfrm>
+            <a:off x="10050865" y="6299536"/>
+            <a:ext cx="1417439" cy="369332"/>
+          </a:xfrm>
+          <a:prstGeom prst="rect">
+            <a:avLst/>
+          </a:prstGeom>
+          <a:noFill/>
+        </p:spPr>
+        <p:txBody>
+          <a:bodyPr wrap="none" rtlCol="0">
+            <a:spAutoFit/>
+          </a:bodyPr>
+          <a:lstStyle/>
+          <a:p>
+            <a:r>
+              <a:rPr lang="fr-FR" dirty="0">
+                <a:solidFill>
+                  <a:schemeClr val="bg1">
+                    <a:lumMod val="75000"/>
+                  </a:schemeClr>
+                </a:solidFill>
+              </a:rPr>
               <a:t>Partie réseau</a:t>
             </a:r>
           </a:p>
@@ -8886,13 +9384,13 @@
   <p:clrMapOvr>
     <a:masterClrMapping/>
   </p:clrMapOvr>
-  <mc:AlternateContent xmlns:mc="http://schemas.openxmlformats.org/markup-compatibility/2006">
-    <mc:Choice xmlns:p14="http://schemas.microsoft.com/office/powerpoint/2010/main" Requires="p14">
+  <mc:AlternateContent xmlns:mc="http://schemas.openxmlformats.org/markup-compatibility/2006" xmlns:p14="http://schemas.microsoft.com/office/powerpoint/2010/main">
+    <mc:Choice Requires="p14">
       <p:transition spd="med" p14:dur="700">
         <p:fade/>
       </p:transition>
     </mc:Choice>
-    <mc:Fallback>
+    <mc:Fallback xmlns="">
       <p:transition spd="med">
         <p:fade/>
       </p:transition>
@@ -9480,10 +9978,10 @@
       </p:sp>
       <p:sp>
         <p:nvSpPr>
-          <p:cNvPr id="15" name="ZoneTexte 14">
-            <a:extLst>
-              <a:ext uri="{FF2B5EF4-FFF2-40B4-BE49-F238E27FC236}">
-                <a16:creationId xmlns:a16="http://schemas.microsoft.com/office/drawing/2014/main" id="{85DAF84D-70C4-4235-927E-D1C4BBCE2598}"/>
+          <p:cNvPr id="18" name="ZoneTexte 17">
+            <a:extLst>
+              <a:ext uri="{FF2B5EF4-FFF2-40B4-BE49-F238E27FC236}">
+                <a16:creationId xmlns:a16="http://schemas.microsoft.com/office/drawing/2014/main" id="{E37909DC-128C-4839-890C-91AC0AD01661}"/>
               </a:ext>
             </a:extLst>
           </p:cNvPr>
@@ -9492,8 +9990,8 @@
         </p:nvSpPr>
         <p:spPr>
           <a:xfrm>
-            <a:off x="10053015" y="555110"/>
-            <a:ext cx="1375569" cy="369332"/>
+            <a:off x="10053015" y="3012560"/>
+            <a:ext cx="1656479" cy="369332"/>
           </a:xfrm>
           <a:prstGeom prst="rect">
             <a:avLst/>
@@ -9507,253 +10005,8 @@
           <a:lstStyle/>
           <a:p>
             <a:r>
-              <a:rPr lang="fr-FR" strike="sngStrike" dirty="0"/>
-              <a:t>Introduction</a:t>
-            </a:r>
-          </a:p>
-        </p:txBody>
-      </p:sp>
-      <p:sp>
-        <p:nvSpPr>
-          <p:cNvPr id="16" name="ZoneTexte 15">
-            <a:extLst>
-              <a:ext uri="{FF2B5EF4-FFF2-40B4-BE49-F238E27FC236}">
-                <a16:creationId xmlns:a16="http://schemas.microsoft.com/office/drawing/2014/main" id="{A1E2B18B-ED96-4442-A71D-7490034CED5A}"/>
-              </a:ext>
-            </a:extLst>
-          </p:cNvPr>
-          <p:cNvSpPr txBox="1"/>
-          <p:nvPr/>
-        </p:nvSpPr>
-        <p:spPr>
-          <a:xfrm>
-            <a:off x="10053015" y="1379493"/>
-            <a:ext cx="1359731" cy="369332"/>
-          </a:xfrm>
-          <a:prstGeom prst="rect">
-            <a:avLst/>
-          </a:prstGeom>
-          <a:noFill/>
-        </p:spPr>
-        <p:txBody>
-          <a:bodyPr wrap="none" rtlCol="0">
-            <a:spAutoFit/>
-          </a:bodyPr>
-          <a:lstStyle/>
-          <a:p>
-            <a:r>
-              <a:rPr lang="fr-FR" strike="sngStrike" dirty="0"/>
-              <a:t>Diagrammes</a:t>
-            </a:r>
-          </a:p>
-        </p:txBody>
-      </p:sp>
-      <p:sp>
-        <p:nvSpPr>
-          <p:cNvPr id="17" name="ZoneTexte 16">
-            <a:extLst>
-              <a:ext uri="{FF2B5EF4-FFF2-40B4-BE49-F238E27FC236}">
-                <a16:creationId xmlns:a16="http://schemas.microsoft.com/office/drawing/2014/main" id="{3823058C-8858-4010-910A-F5BFEE2BC346}"/>
-              </a:ext>
-            </a:extLst>
-          </p:cNvPr>
-          <p:cNvSpPr txBox="1"/>
-          <p:nvPr/>
-        </p:nvSpPr>
-        <p:spPr>
-          <a:xfrm>
-            <a:off x="10053015" y="2189074"/>
-            <a:ext cx="1249445" cy="369332"/>
-          </a:xfrm>
-          <a:prstGeom prst="rect">
-            <a:avLst/>
-          </a:prstGeom>
-          <a:noFill/>
-        </p:spPr>
-        <p:txBody>
-          <a:bodyPr wrap="none" rtlCol="0">
-            <a:spAutoFit/>
-          </a:bodyPr>
-          <a:lstStyle/>
-          <a:p>
-            <a:r>
-              <a:rPr lang="fr-FR" strike="sngStrike" dirty="0"/>
-              <a:t>Mes tâches</a:t>
-            </a:r>
-          </a:p>
-        </p:txBody>
-      </p:sp>
-      <p:sp>
-        <p:nvSpPr>
-          <p:cNvPr id="18" name="ZoneTexte 17">
-            <a:extLst>
-              <a:ext uri="{FF2B5EF4-FFF2-40B4-BE49-F238E27FC236}">
-                <a16:creationId xmlns:a16="http://schemas.microsoft.com/office/drawing/2014/main" id="{E37909DC-128C-4839-890C-91AC0AD01661}"/>
-              </a:ext>
-            </a:extLst>
-          </p:cNvPr>
-          <p:cNvSpPr txBox="1"/>
-          <p:nvPr/>
-        </p:nvSpPr>
-        <p:spPr>
-          <a:xfrm>
-            <a:off x="10053015" y="3012560"/>
-            <a:ext cx="1656479" cy="369332"/>
-          </a:xfrm>
-          <a:prstGeom prst="rect">
-            <a:avLst/>
-          </a:prstGeom>
-          <a:noFill/>
-        </p:spPr>
-        <p:txBody>
-          <a:bodyPr wrap="none" rtlCol="0">
-            <a:spAutoFit/>
-          </a:bodyPr>
-          <a:lstStyle/>
-          <a:p>
-            <a:r>
               <a:rPr lang="fr-FR" b="1" dirty="0"/>
               <a:t>Mécanisme n°1</a:t>
-            </a:r>
-          </a:p>
-        </p:txBody>
-      </p:sp>
-      <p:sp>
-        <p:nvSpPr>
-          <p:cNvPr id="19" name="ZoneTexte 18">
-            <a:extLst>
-              <a:ext uri="{FF2B5EF4-FFF2-40B4-BE49-F238E27FC236}">
-                <a16:creationId xmlns:a16="http://schemas.microsoft.com/office/drawing/2014/main" id="{E3D1534B-5754-4537-BE8F-8B8836EA6883}"/>
-              </a:ext>
-            </a:extLst>
-          </p:cNvPr>
-          <p:cNvSpPr txBox="1"/>
-          <p:nvPr/>
-        </p:nvSpPr>
-        <p:spPr>
-          <a:xfrm>
-            <a:off x="10053015" y="3826522"/>
-            <a:ext cx="1638269" cy="369332"/>
-          </a:xfrm>
-          <a:prstGeom prst="rect">
-            <a:avLst/>
-          </a:prstGeom>
-          <a:noFill/>
-        </p:spPr>
-        <p:txBody>
-          <a:bodyPr wrap="none" rtlCol="0">
-            <a:spAutoFit/>
-          </a:bodyPr>
-          <a:lstStyle/>
-          <a:p>
-            <a:r>
-              <a:rPr lang="fr-FR" strike="sngStrike" dirty="0"/>
-              <a:t>Mécanisme n°2</a:t>
-            </a:r>
-          </a:p>
-        </p:txBody>
-      </p:sp>
-      <p:sp>
-        <p:nvSpPr>
-          <p:cNvPr id="20" name="ZoneTexte 19">
-            <a:extLst>
-              <a:ext uri="{FF2B5EF4-FFF2-40B4-BE49-F238E27FC236}">
-                <a16:creationId xmlns:a16="http://schemas.microsoft.com/office/drawing/2014/main" id="{2932188B-645B-40F3-991A-E57F2FEEC1E6}"/>
-              </a:ext>
-            </a:extLst>
-          </p:cNvPr>
-          <p:cNvSpPr txBox="1"/>
-          <p:nvPr/>
-        </p:nvSpPr>
-        <p:spPr>
-          <a:xfrm>
-            <a:off x="10050865" y="4640484"/>
-            <a:ext cx="1638269" cy="369332"/>
-          </a:xfrm>
-          <a:prstGeom prst="rect">
-            <a:avLst/>
-          </a:prstGeom>
-          <a:noFill/>
-        </p:spPr>
-        <p:txBody>
-          <a:bodyPr wrap="none" rtlCol="0">
-            <a:spAutoFit/>
-          </a:bodyPr>
-          <a:lstStyle/>
-          <a:p>
-            <a:r>
-              <a:rPr lang="fr-FR" strike="sngStrike" dirty="0"/>
-              <a:t>Mécanisme n°3</a:t>
-            </a:r>
-          </a:p>
-        </p:txBody>
-      </p:sp>
-      <p:sp>
-        <p:nvSpPr>
-          <p:cNvPr id="21" name="ZoneTexte 20">
-            <a:extLst>
-              <a:ext uri="{FF2B5EF4-FFF2-40B4-BE49-F238E27FC236}">
-                <a16:creationId xmlns:a16="http://schemas.microsoft.com/office/drawing/2014/main" id="{7F1BDAFF-6372-4EB8-8DA0-608FD6369FC9}"/>
-              </a:ext>
-            </a:extLst>
-          </p:cNvPr>
-          <p:cNvSpPr txBox="1"/>
-          <p:nvPr/>
-        </p:nvSpPr>
-        <p:spPr>
-          <a:xfrm>
-            <a:off x="10050865" y="5470010"/>
-            <a:ext cx="1162498" cy="369332"/>
-          </a:xfrm>
-          <a:prstGeom prst="rect">
-            <a:avLst/>
-          </a:prstGeom>
-          <a:noFill/>
-        </p:spPr>
-        <p:txBody>
-          <a:bodyPr wrap="none" rtlCol="0">
-            <a:spAutoFit/>
-          </a:bodyPr>
-          <a:lstStyle/>
-          <a:p>
-            <a:r>
-              <a:rPr lang="fr-FR" strike="sngStrike" dirty="0"/>
-              <a:t>Appli WEB</a:t>
-            </a:r>
-          </a:p>
-        </p:txBody>
-      </p:sp>
-      <p:sp>
-        <p:nvSpPr>
-          <p:cNvPr id="22" name="ZoneTexte 21">
-            <a:extLst>
-              <a:ext uri="{FF2B5EF4-FFF2-40B4-BE49-F238E27FC236}">
-                <a16:creationId xmlns:a16="http://schemas.microsoft.com/office/drawing/2014/main" id="{A0A0DCE1-5E99-4965-8214-3070B71AA460}"/>
-              </a:ext>
-            </a:extLst>
-          </p:cNvPr>
-          <p:cNvSpPr txBox="1"/>
-          <p:nvPr/>
-        </p:nvSpPr>
-        <p:spPr>
-          <a:xfrm>
-            <a:off x="10050865" y="6299536"/>
-            <a:ext cx="1417439" cy="369332"/>
-          </a:xfrm>
-          <a:prstGeom prst="rect">
-            <a:avLst/>
-          </a:prstGeom>
-          <a:noFill/>
-        </p:spPr>
-        <p:txBody>
-          <a:bodyPr wrap="none" rtlCol="0">
-            <a:spAutoFit/>
-          </a:bodyPr>
-          <a:lstStyle/>
-          <a:p>
-            <a:r>
-              <a:rPr lang="fr-FR" strike="sngStrike" dirty="0"/>
-              <a:t>Partie réseau</a:t>
             </a:r>
           </a:p>
         </p:txBody>
@@ -9949,6 +10202,293 @@
             <a:r>
               <a:rPr lang="fr-FR" sz="2000" b="1" dirty="0"/>
               <a:t>Verrou magnétique</a:t>
+            </a:r>
+          </a:p>
+        </p:txBody>
+      </p:sp>
+      <p:sp>
+        <p:nvSpPr>
+          <p:cNvPr id="29" name="ZoneTexte 28">
+            <a:extLst>
+              <a:ext uri="{FF2B5EF4-FFF2-40B4-BE49-F238E27FC236}">
+                <a16:creationId xmlns:a16="http://schemas.microsoft.com/office/drawing/2014/main" id="{180EC874-DE92-4A06-812B-787E3F0F807A}"/>
+              </a:ext>
+            </a:extLst>
+          </p:cNvPr>
+          <p:cNvSpPr txBox="1"/>
+          <p:nvPr/>
+        </p:nvSpPr>
+        <p:spPr>
+          <a:xfrm>
+            <a:off x="10053015" y="555110"/>
+            <a:ext cx="1375569" cy="369332"/>
+          </a:xfrm>
+          <a:prstGeom prst="rect">
+            <a:avLst/>
+          </a:prstGeom>
+          <a:noFill/>
+        </p:spPr>
+        <p:txBody>
+          <a:bodyPr wrap="none" rtlCol="0">
+            <a:spAutoFit/>
+          </a:bodyPr>
+          <a:lstStyle/>
+          <a:p>
+            <a:r>
+              <a:rPr lang="fr-FR" dirty="0">
+                <a:solidFill>
+                  <a:schemeClr val="bg1">
+                    <a:lumMod val="75000"/>
+                  </a:schemeClr>
+                </a:solidFill>
+              </a:rPr>
+              <a:t>Introduction</a:t>
+            </a:r>
+          </a:p>
+        </p:txBody>
+      </p:sp>
+      <p:sp>
+        <p:nvSpPr>
+          <p:cNvPr id="30" name="ZoneTexte 29">
+            <a:extLst>
+              <a:ext uri="{FF2B5EF4-FFF2-40B4-BE49-F238E27FC236}">
+                <a16:creationId xmlns:a16="http://schemas.microsoft.com/office/drawing/2014/main" id="{D80DBF28-1F6B-4777-BF3C-184719595611}"/>
+              </a:ext>
+            </a:extLst>
+          </p:cNvPr>
+          <p:cNvSpPr txBox="1"/>
+          <p:nvPr/>
+        </p:nvSpPr>
+        <p:spPr>
+          <a:xfrm>
+            <a:off x="10053015" y="1379493"/>
+            <a:ext cx="1359731" cy="369332"/>
+          </a:xfrm>
+          <a:prstGeom prst="rect">
+            <a:avLst/>
+          </a:prstGeom>
+          <a:noFill/>
+        </p:spPr>
+        <p:txBody>
+          <a:bodyPr wrap="none" rtlCol="0">
+            <a:spAutoFit/>
+          </a:bodyPr>
+          <a:lstStyle/>
+          <a:p>
+            <a:r>
+              <a:rPr lang="fr-FR" dirty="0">
+                <a:solidFill>
+                  <a:schemeClr val="bg1">
+                    <a:lumMod val="75000"/>
+                  </a:schemeClr>
+                </a:solidFill>
+              </a:rPr>
+              <a:t>Diagrammes</a:t>
+            </a:r>
+          </a:p>
+        </p:txBody>
+      </p:sp>
+      <p:sp>
+        <p:nvSpPr>
+          <p:cNvPr id="31" name="ZoneTexte 30">
+            <a:extLst>
+              <a:ext uri="{FF2B5EF4-FFF2-40B4-BE49-F238E27FC236}">
+                <a16:creationId xmlns:a16="http://schemas.microsoft.com/office/drawing/2014/main" id="{B4E395DF-B027-414D-B71E-5592C5A5344D}"/>
+              </a:ext>
+            </a:extLst>
+          </p:cNvPr>
+          <p:cNvSpPr txBox="1"/>
+          <p:nvPr/>
+        </p:nvSpPr>
+        <p:spPr>
+          <a:xfrm>
+            <a:off x="10053015" y="2189074"/>
+            <a:ext cx="1249445" cy="369332"/>
+          </a:xfrm>
+          <a:prstGeom prst="rect">
+            <a:avLst/>
+          </a:prstGeom>
+          <a:noFill/>
+        </p:spPr>
+        <p:txBody>
+          <a:bodyPr wrap="none" rtlCol="0">
+            <a:spAutoFit/>
+          </a:bodyPr>
+          <a:lstStyle/>
+          <a:p>
+            <a:r>
+              <a:rPr lang="fr-FR" dirty="0">
+                <a:solidFill>
+                  <a:schemeClr val="bg1">
+                    <a:lumMod val="75000"/>
+                  </a:schemeClr>
+                </a:solidFill>
+              </a:rPr>
+              <a:t>Mes tâches</a:t>
+            </a:r>
+          </a:p>
+        </p:txBody>
+      </p:sp>
+      <p:sp>
+        <p:nvSpPr>
+          <p:cNvPr id="32" name="ZoneTexte 31">
+            <a:extLst>
+              <a:ext uri="{FF2B5EF4-FFF2-40B4-BE49-F238E27FC236}">
+                <a16:creationId xmlns:a16="http://schemas.microsoft.com/office/drawing/2014/main" id="{60E5AF33-8268-4CA4-86E1-3610ACD35D4E}"/>
+              </a:ext>
+            </a:extLst>
+          </p:cNvPr>
+          <p:cNvSpPr txBox="1"/>
+          <p:nvPr/>
+        </p:nvSpPr>
+        <p:spPr>
+          <a:xfrm>
+            <a:off x="10053015" y="3826522"/>
+            <a:ext cx="1638269" cy="369332"/>
+          </a:xfrm>
+          <a:prstGeom prst="rect">
+            <a:avLst/>
+          </a:prstGeom>
+          <a:noFill/>
+        </p:spPr>
+        <p:txBody>
+          <a:bodyPr wrap="none" rtlCol="0">
+            <a:spAutoFit/>
+          </a:bodyPr>
+          <a:lstStyle/>
+          <a:p>
+            <a:r>
+              <a:rPr lang="fr-FR" dirty="0">
+                <a:solidFill>
+                  <a:schemeClr val="bg1">
+                    <a:lumMod val="75000"/>
+                  </a:schemeClr>
+                </a:solidFill>
+              </a:rPr>
+              <a:t>Mécanisme n°2</a:t>
+            </a:r>
+          </a:p>
+        </p:txBody>
+      </p:sp>
+      <p:sp>
+        <p:nvSpPr>
+          <p:cNvPr id="33" name="ZoneTexte 32">
+            <a:extLst>
+              <a:ext uri="{FF2B5EF4-FFF2-40B4-BE49-F238E27FC236}">
+                <a16:creationId xmlns:a16="http://schemas.microsoft.com/office/drawing/2014/main" id="{59DA397F-BE2A-4B02-928E-66611114F624}"/>
+              </a:ext>
+            </a:extLst>
+          </p:cNvPr>
+          <p:cNvSpPr txBox="1"/>
+          <p:nvPr/>
+        </p:nvSpPr>
+        <p:spPr>
+          <a:xfrm>
+            <a:off x="10050865" y="4640484"/>
+            <a:ext cx="1638269" cy="369332"/>
+          </a:xfrm>
+          <a:prstGeom prst="rect">
+            <a:avLst/>
+          </a:prstGeom>
+          <a:noFill/>
+        </p:spPr>
+        <p:txBody>
+          <a:bodyPr wrap="none" rtlCol="0">
+            <a:spAutoFit/>
+          </a:bodyPr>
+          <a:lstStyle/>
+          <a:p>
+            <a:r>
+              <a:rPr lang="fr-FR" dirty="0">
+                <a:solidFill>
+                  <a:schemeClr val="bg1">
+                    <a:lumMod val="75000"/>
+                  </a:schemeClr>
+                </a:solidFill>
+              </a:rPr>
+              <a:t>Mécanisme n°3</a:t>
+            </a:r>
+          </a:p>
+        </p:txBody>
+      </p:sp>
+      <p:sp>
+        <p:nvSpPr>
+          <p:cNvPr id="34" name="ZoneTexte 33">
+            <a:extLst>
+              <a:ext uri="{FF2B5EF4-FFF2-40B4-BE49-F238E27FC236}">
+                <a16:creationId xmlns:a16="http://schemas.microsoft.com/office/drawing/2014/main" id="{ED6C487C-50CF-4808-823C-6E9C221A5FF4}"/>
+              </a:ext>
+            </a:extLst>
+          </p:cNvPr>
+          <p:cNvSpPr txBox="1"/>
+          <p:nvPr/>
+        </p:nvSpPr>
+        <p:spPr>
+          <a:xfrm>
+            <a:off x="10050865" y="5470010"/>
+            <a:ext cx="1162498" cy="369332"/>
+          </a:xfrm>
+          <a:prstGeom prst="rect">
+            <a:avLst/>
+          </a:prstGeom>
+          <a:noFill/>
+        </p:spPr>
+        <p:txBody>
+          <a:bodyPr wrap="none" rtlCol="0">
+            <a:spAutoFit/>
+          </a:bodyPr>
+          <a:lstStyle/>
+          <a:p>
+            <a:r>
+              <a:rPr lang="fr-FR" dirty="0">
+                <a:solidFill>
+                  <a:schemeClr val="bg1">
+                    <a:lumMod val="75000"/>
+                  </a:schemeClr>
+                </a:solidFill>
+              </a:rPr>
+              <a:t>Appli WEB</a:t>
+            </a:r>
+          </a:p>
+        </p:txBody>
+      </p:sp>
+      <p:sp>
+        <p:nvSpPr>
+          <p:cNvPr id="35" name="ZoneTexte 34">
+            <a:extLst>
+              <a:ext uri="{FF2B5EF4-FFF2-40B4-BE49-F238E27FC236}">
+                <a16:creationId xmlns:a16="http://schemas.microsoft.com/office/drawing/2014/main" id="{0BA1E048-F82E-410C-9933-CD87DFCF72AF}"/>
+              </a:ext>
+            </a:extLst>
+          </p:cNvPr>
+          <p:cNvSpPr txBox="1"/>
+          <p:nvPr/>
+        </p:nvSpPr>
+        <p:spPr>
+          <a:xfrm>
+            <a:off x="10050865" y="6299536"/>
+            <a:ext cx="1417439" cy="369332"/>
+          </a:xfrm>
+          <a:prstGeom prst="rect">
+            <a:avLst/>
+          </a:prstGeom>
+          <a:noFill/>
+        </p:spPr>
+        <p:txBody>
+          <a:bodyPr wrap="none" rtlCol="0">
+            <a:spAutoFit/>
+          </a:bodyPr>
+          <a:lstStyle/>
+          <a:p>
+            <a:r>
+              <a:rPr lang="fr-FR" dirty="0">
+                <a:solidFill>
+                  <a:schemeClr val="bg1">
+                    <a:lumMod val="75000"/>
+                  </a:schemeClr>
+                </a:solidFill>
+              </a:rPr>
+              <a:t>Partie réseau</a:t>
             </a:r>
           </a:p>
         </p:txBody>
@@ -9963,13 +10503,13 @@
   <p:clrMapOvr>
     <a:masterClrMapping/>
   </p:clrMapOvr>
-  <mc:AlternateContent xmlns:mc="http://schemas.openxmlformats.org/markup-compatibility/2006">
-    <mc:Choice xmlns:p14="http://schemas.microsoft.com/office/powerpoint/2010/main" Requires="p14">
+  <mc:AlternateContent xmlns:mc="http://schemas.openxmlformats.org/markup-compatibility/2006" xmlns:p14="http://schemas.microsoft.com/office/powerpoint/2010/main">
+    <mc:Choice Requires="p14">
       <p:transition spd="med" p14:dur="700">
         <p:fade/>
       </p:transition>
     </mc:Choice>
-    <mc:Fallback>
+    <mc:Fallback xmlns="">
       <p:transition spd="med">
         <p:fade/>
       </p:transition>
@@ -10557,10 +11097,10 @@
       </p:sp>
       <p:sp>
         <p:nvSpPr>
-          <p:cNvPr id="15" name="ZoneTexte 14">
-            <a:extLst>
-              <a:ext uri="{FF2B5EF4-FFF2-40B4-BE49-F238E27FC236}">
-                <a16:creationId xmlns:a16="http://schemas.microsoft.com/office/drawing/2014/main" id="{0CCF4C3E-E1D6-4190-9ADA-4D67CCCE5509}"/>
+          <p:cNvPr id="19" name="ZoneTexte 18">
+            <a:extLst>
+              <a:ext uri="{FF2B5EF4-FFF2-40B4-BE49-F238E27FC236}">
+                <a16:creationId xmlns:a16="http://schemas.microsoft.com/office/drawing/2014/main" id="{6EAAC40F-BB05-40B6-AEEF-5A08C13C9819}"/>
               </a:ext>
             </a:extLst>
           </p:cNvPr>
@@ -10569,8 +11109,8 @@
         </p:nvSpPr>
         <p:spPr>
           <a:xfrm>
-            <a:off x="10053015" y="555110"/>
-            <a:ext cx="1375569" cy="369332"/>
+            <a:off x="10053015" y="3826522"/>
+            <a:ext cx="1656479" cy="369332"/>
           </a:xfrm>
           <a:prstGeom prst="rect">
             <a:avLst/>
@@ -10584,253 +11124,8 @@
           <a:lstStyle/>
           <a:p>
             <a:r>
-              <a:rPr lang="fr-FR" strike="sngStrike" dirty="0"/>
-              <a:t>Introduction</a:t>
-            </a:r>
-          </a:p>
-        </p:txBody>
-      </p:sp>
-      <p:sp>
-        <p:nvSpPr>
-          <p:cNvPr id="16" name="ZoneTexte 15">
-            <a:extLst>
-              <a:ext uri="{FF2B5EF4-FFF2-40B4-BE49-F238E27FC236}">
-                <a16:creationId xmlns:a16="http://schemas.microsoft.com/office/drawing/2014/main" id="{9112EA84-8664-403D-B048-DB7D6601ACB7}"/>
-              </a:ext>
-            </a:extLst>
-          </p:cNvPr>
-          <p:cNvSpPr txBox="1"/>
-          <p:nvPr/>
-        </p:nvSpPr>
-        <p:spPr>
-          <a:xfrm>
-            <a:off x="10053015" y="1379493"/>
-            <a:ext cx="1359731" cy="369332"/>
-          </a:xfrm>
-          <a:prstGeom prst="rect">
-            <a:avLst/>
-          </a:prstGeom>
-          <a:noFill/>
-        </p:spPr>
-        <p:txBody>
-          <a:bodyPr wrap="none" rtlCol="0">
-            <a:spAutoFit/>
-          </a:bodyPr>
-          <a:lstStyle/>
-          <a:p>
-            <a:r>
-              <a:rPr lang="fr-FR" strike="sngStrike" dirty="0"/>
-              <a:t>Diagrammes</a:t>
-            </a:r>
-          </a:p>
-        </p:txBody>
-      </p:sp>
-      <p:sp>
-        <p:nvSpPr>
-          <p:cNvPr id="17" name="ZoneTexte 16">
-            <a:extLst>
-              <a:ext uri="{FF2B5EF4-FFF2-40B4-BE49-F238E27FC236}">
-                <a16:creationId xmlns:a16="http://schemas.microsoft.com/office/drawing/2014/main" id="{5DAEB368-E70E-4FA5-8C9B-329332CA325C}"/>
-              </a:ext>
-            </a:extLst>
-          </p:cNvPr>
-          <p:cNvSpPr txBox="1"/>
-          <p:nvPr/>
-        </p:nvSpPr>
-        <p:spPr>
-          <a:xfrm>
-            <a:off x="10053015" y="2189074"/>
-            <a:ext cx="1249445" cy="369332"/>
-          </a:xfrm>
-          <a:prstGeom prst="rect">
-            <a:avLst/>
-          </a:prstGeom>
-          <a:noFill/>
-        </p:spPr>
-        <p:txBody>
-          <a:bodyPr wrap="none" rtlCol="0">
-            <a:spAutoFit/>
-          </a:bodyPr>
-          <a:lstStyle/>
-          <a:p>
-            <a:r>
-              <a:rPr lang="fr-FR" strike="sngStrike" dirty="0"/>
-              <a:t>Mes tâches</a:t>
-            </a:r>
-          </a:p>
-        </p:txBody>
-      </p:sp>
-      <p:sp>
-        <p:nvSpPr>
-          <p:cNvPr id="18" name="ZoneTexte 17">
-            <a:extLst>
-              <a:ext uri="{FF2B5EF4-FFF2-40B4-BE49-F238E27FC236}">
-                <a16:creationId xmlns:a16="http://schemas.microsoft.com/office/drawing/2014/main" id="{B5CD3D3F-9B85-4027-B813-45747EF4130B}"/>
-              </a:ext>
-            </a:extLst>
-          </p:cNvPr>
-          <p:cNvSpPr txBox="1"/>
-          <p:nvPr/>
-        </p:nvSpPr>
-        <p:spPr>
-          <a:xfrm>
-            <a:off x="10053015" y="3012560"/>
-            <a:ext cx="1638269" cy="369332"/>
-          </a:xfrm>
-          <a:prstGeom prst="rect">
-            <a:avLst/>
-          </a:prstGeom>
-          <a:noFill/>
-        </p:spPr>
-        <p:txBody>
-          <a:bodyPr wrap="none" rtlCol="0">
-            <a:spAutoFit/>
-          </a:bodyPr>
-          <a:lstStyle/>
-          <a:p>
-            <a:r>
-              <a:rPr lang="fr-FR" strike="sngStrike" dirty="0"/>
-              <a:t>Mécanisme n°1</a:t>
-            </a:r>
-          </a:p>
-        </p:txBody>
-      </p:sp>
-      <p:sp>
-        <p:nvSpPr>
-          <p:cNvPr id="19" name="ZoneTexte 18">
-            <a:extLst>
-              <a:ext uri="{FF2B5EF4-FFF2-40B4-BE49-F238E27FC236}">
-                <a16:creationId xmlns:a16="http://schemas.microsoft.com/office/drawing/2014/main" id="{6EAAC40F-BB05-40B6-AEEF-5A08C13C9819}"/>
-              </a:ext>
-            </a:extLst>
-          </p:cNvPr>
-          <p:cNvSpPr txBox="1"/>
-          <p:nvPr/>
-        </p:nvSpPr>
-        <p:spPr>
-          <a:xfrm>
-            <a:off x="10053015" y="3826522"/>
-            <a:ext cx="1656479" cy="369332"/>
-          </a:xfrm>
-          <a:prstGeom prst="rect">
-            <a:avLst/>
-          </a:prstGeom>
-          <a:noFill/>
-        </p:spPr>
-        <p:txBody>
-          <a:bodyPr wrap="none" rtlCol="0">
-            <a:spAutoFit/>
-          </a:bodyPr>
-          <a:lstStyle/>
-          <a:p>
-            <a:r>
               <a:rPr lang="fr-FR" b="1" dirty="0"/>
               <a:t>Mécanisme n°2</a:t>
-            </a:r>
-          </a:p>
-        </p:txBody>
-      </p:sp>
-      <p:sp>
-        <p:nvSpPr>
-          <p:cNvPr id="20" name="ZoneTexte 19">
-            <a:extLst>
-              <a:ext uri="{FF2B5EF4-FFF2-40B4-BE49-F238E27FC236}">
-                <a16:creationId xmlns:a16="http://schemas.microsoft.com/office/drawing/2014/main" id="{50779DFC-53AC-453E-A512-49A9EBFA5FDE}"/>
-              </a:ext>
-            </a:extLst>
-          </p:cNvPr>
-          <p:cNvSpPr txBox="1"/>
-          <p:nvPr/>
-        </p:nvSpPr>
-        <p:spPr>
-          <a:xfrm>
-            <a:off x="10050865" y="4640484"/>
-            <a:ext cx="1638269" cy="369332"/>
-          </a:xfrm>
-          <a:prstGeom prst="rect">
-            <a:avLst/>
-          </a:prstGeom>
-          <a:noFill/>
-        </p:spPr>
-        <p:txBody>
-          <a:bodyPr wrap="none" rtlCol="0">
-            <a:spAutoFit/>
-          </a:bodyPr>
-          <a:lstStyle/>
-          <a:p>
-            <a:r>
-              <a:rPr lang="fr-FR" strike="sngStrike" dirty="0"/>
-              <a:t>Mécanisme n°3</a:t>
-            </a:r>
-          </a:p>
-        </p:txBody>
-      </p:sp>
-      <p:sp>
-        <p:nvSpPr>
-          <p:cNvPr id="21" name="ZoneTexte 20">
-            <a:extLst>
-              <a:ext uri="{FF2B5EF4-FFF2-40B4-BE49-F238E27FC236}">
-                <a16:creationId xmlns:a16="http://schemas.microsoft.com/office/drawing/2014/main" id="{658CC75F-EBBF-44E3-959A-DB67B8AF6341}"/>
-              </a:ext>
-            </a:extLst>
-          </p:cNvPr>
-          <p:cNvSpPr txBox="1"/>
-          <p:nvPr/>
-        </p:nvSpPr>
-        <p:spPr>
-          <a:xfrm>
-            <a:off x="10050865" y="5470010"/>
-            <a:ext cx="1162498" cy="369332"/>
-          </a:xfrm>
-          <a:prstGeom prst="rect">
-            <a:avLst/>
-          </a:prstGeom>
-          <a:noFill/>
-        </p:spPr>
-        <p:txBody>
-          <a:bodyPr wrap="none" rtlCol="0">
-            <a:spAutoFit/>
-          </a:bodyPr>
-          <a:lstStyle/>
-          <a:p>
-            <a:r>
-              <a:rPr lang="fr-FR" strike="sngStrike" dirty="0"/>
-              <a:t>Appli WEB</a:t>
-            </a:r>
-          </a:p>
-        </p:txBody>
-      </p:sp>
-      <p:sp>
-        <p:nvSpPr>
-          <p:cNvPr id="22" name="ZoneTexte 21">
-            <a:extLst>
-              <a:ext uri="{FF2B5EF4-FFF2-40B4-BE49-F238E27FC236}">
-                <a16:creationId xmlns:a16="http://schemas.microsoft.com/office/drawing/2014/main" id="{AF573A7D-3079-41C0-8683-76FB3243A66B}"/>
-              </a:ext>
-            </a:extLst>
-          </p:cNvPr>
-          <p:cNvSpPr txBox="1"/>
-          <p:nvPr/>
-        </p:nvSpPr>
-        <p:spPr>
-          <a:xfrm>
-            <a:off x="10050865" y="6299536"/>
-            <a:ext cx="1417439" cy="369332"/>
-          </a:xfrm>
-          <a:prstGeom prst="rect">
-            <a:avLst/>
-          </a:prstGeom>
-          <a:noFill/>
-        </p:spPr>
-        <p:txBody>
-          <a:bodyPr wrap="none" rtlCol="0">
-            <a:spAutoFit/>
-          </a:bodyPr>
-          <a:lstStyle/>
-          <a:p>
-            <a:r>
-              <a:rPr lang="fr-FR" strike="sngStrike" dirty="0"/>
-              <a:t>Partie réseau</a:t>
             </a:r>
           </a:p>
         </p:txBody>
@@ -11026,6 +11321,293 @@
             <a:r>
               <a:rPr lang="fr-FR" sz="2000" b="1" dirty="0"/>
               <a:t>Gâche électrique</a:t>
+            </a:r>
+          </a:p>
+        </p:txBody>
+      </p:sp>
+      <p:sp>
+        <p:nvSpPr>
+          <p:cNvPr id="29" name="ZoneTexte 28">
+            <a:extLst>
+              <a:ext uri="{FF2B5EF4-FFF2-40B4-BE49-F238E27FC236}">
+                <a16:creationId xmlns:a16="http://schemas.microsoft.com/office/drawing/2014/main" id="{3DA93E5E-7CAA-4845-BAEA-2E96969F22CC}"/>
+              </a:ext>
+            </a:extLst>
+          </p:cNvPr>
+          <p:cNvSpPr txBox="1"/>
+          <p:nvPr/>
+        </p:nvSpPr>
+        <p:spPr>
+          <a:xfrm>
+            <a:off x="10053015" y="555110"/>
+            <a:ext cx="1375569" cy="369332"/>
+          </a:xfrm>
+          <a:prstGeom prst="rect">
+            <a:avLst/>
+          </a:prstGeom>
+          <a:noFill/>
+        </p:spPr>
+        <p:txBody>
+          <a:bodyPr wrap="none" rtlCol="0">
+            <a:spAutoFit/>
+          </a:bodyPr>
+          <a:lstStyle/>
+          <a:p>
+            <a:r>
+              <a:rPr lang="fr-FR" dirty="0">
+                <a:solidFill>
+                  <a:schemeClr val="bg1">
+                    <a:lumMod val="75000"/>
+                  </a:schemeClr>
+                </a:solidFill>
+              </a:rPr>
+              <a:t>Introduction</a:t>
+            </a:r>
+          </a:p>
+        </p:txBody>
+      </p:sp>
+      <p:sp>
+        <p:nvSpPr>
+          <p:cNvPr id="30" name="ZoneTexte 29">
+            <a:extLst>
+              <a:ext uri="{FF2B5EF4-FFF2-40B4-BE49-F238E27FC236}">
+                <a16:creationId xmlns:a16="http://schemas.microsoft.com/office/drawing/2014/main" id="{C08E8F16-866D-4E97-8D56-7EA23C301197}"/>
+              </a:ext>
+            </a:extLst>
+          </p:cNvPr>
+          <p:cNvSpPr txBox="1"/>
+          <p:nvPr/>
+        </p:nvSpPr>
+        <p:spPr>
+          <a:xfrm>
+            <a:off x="10053015" y="1379493"/>
+            <a:ext cx="1359731" cy="369332"/>
+          </a:xfrm>
+          <a:prstGeom prst="rect">
+            <a:avLst/>
+          </a:prstGeom>
+          <a:noFill/>
+        </p:spPr>
+        <p:txBody>
+          <a:bodyPr wrap="none" rtlCol="0">
+            <a:spAutoFit/>
+          </a:bodyPr>
+          <a:lstStyle/>
+          <a:p>
+            <a:r>
+              <a:rPr lang="fr-FR" dirty="0">
+                <a:solidFill>
+                  <a:schemeClr val="bg1">
+                    <a:lumMod val="75000"/>
+                  </a:schemeClr>
+                </a:solidFill>
+              </a:rPr>
+              <a:t>Diagrammes</a:t>
+            </a:r>
+          </a:p>
+        </p:txBody>
+      </p:sp>
+      <p:sp>
+        <p:nvSpPr>
+          <p:cNvPr id="31" name="ZoneTexte 30">
+            <a:extLst>
+              <a:ext uri="{FF2B5EF4-FFF2-40B4-BE49-F238E27FC236}">
+                <a16:creationId xmlns:a16="http://schemas.microsoft.com/office/drawing/2014/main" id="{14517A12-D195-4A1A-AC16-FAB2DD447872}"/>
+              </a:ext>
+            </a:extLst>
+          </p:cNvPr>
+          <p:cNvSpPr txBox="1"/>
+          <p:nvPr/>
+        </p:nvSpPr>
+        <p:spPr>
+          <a:xfrm>
+            <a:off x="10053015" y="2189074"/>
+            <a:ext cx="1249445" cy="369332"/>
+          </a:xfrm>
+          <a:prstGeom prst="rect">
+            <a:avLst/>
+          </a:prstGeom>
+          <a:noFill/>
+        </p:spPr>
+        <p:txBody>
+          <a:bodyPr wrap="none" rtlCol="0">
+            <a:spAutoFit/>
+          </a:bodyPr>
+          <a:lstStyle/>
+          <a:p>
+            <a:r>
+              <a:rPr lang="fr-FR" dirty="0">
+                <a:solidFill>
+                  <a:schemeClr val="bg1">
+                    <a:lumMod val="75000"/>
+                  </a:schemeClr>
+                </a:solidFill>
+              </a:rPr>
+              <a:t>Mes tâches</a:t>
+            </a:r>
+          </a:p>
+        </p:txBody>
+      </p:sp>
+      <p:sp>
+        <p:nvSpPr>
+          <p:cNvPr id="32" name="ZoneTexte 31">
+            <a:extLst>
+              <a:ext uri="{FF2B5EF4-FFF2-40B4-BE49-F238E27FC236}">
+                <a16:creationId xmlns:a16="http://schemas.microsoft.com/office/drawing/2014/main" id="{B7579120-6204-43C0-95F1-3D25045E81BB}"/>
+              </a:ext>
+            </a:extLst>
+          </p:cNvPr>
+          <p:cNvSpPr txBox="1"/>
+          <p:nvPr/>
+        </p:nvSpPr>
+        <p:spPr>
+          <a:xfrm>
+            <a:off x="10053015" y="3012560"/>
+            <a:ext cx="1638269" cy="369332"/>
+          </a:xfrm>
+          <a:prstGeom prst="rect">
+            <a:avLst/>
+          </a:prstGeom>
+          <a:noFill/>
+        </p:spPr>
+        <p:txBody>
+          <a:bodyPr wrap="none" rtlCol="0">
+            <a:spAutoFit/>
+          </a:bodyPr>
+          <a:lstStyle/>
+          <a:p>
+            <a:r>
+              <a:rPr lang="fr-FR" dirty="0">
+                <a:solidFill>
+                  <a:schemeClr val="bg1">
+                    <a:lumMod val="75000"/>
+                  </a:schemeClr>
+                </a:solidFill>
+              </a:rPr>
+              <a:t>Mécanisme n°1</a:t>
+            </a:r>
+          </a:p>
+        </p:txBody>
+      </p:sp>
+      <p:sp>
+        <p:nvSpPr>
+          <p:cNvPr id="33" name="ZoneTexte 32">
+            <a:extLst>
+              <a:ext uri="{FF2B5EF4-FFF2-40B4-BE49-F238E27FC236}">
+                <a16:creationId xmlns:a16="http://schemas.microsoft.com/office/drawing/2014/main" id="{1C26D99C-528E-43E0-B56D-2B00A35F2F89}"/>
+              </a:ext>
+            </a:extLst>
+          </p:cNvPr>
+          <p:cNvSpPr txBox="1"/>
+          <p:nvPr/>
+        </p:nvSpPr>
+        <p:spPr>
+          <a:xfrm>
+            <a:off x="10050865" y="4640484"/>
+            <a:ext cx="1638269" cy="369332"/>
+          </a:xfrm>
+          <a:prstGeom prst="rect">
+            <a:avLst/>
+          </a:prstGeom>
+          <a:noFill/>
+        </p:spPr>
+        <p:txBody>
+          <a:bodyPr wrap="none" rtlCol="0">
+            <a:spAutoFit/>
+          </a:bodyPr>
+          <a:lstStyle/>
+          <a:p>
+            <a:r>
+              <a:rPr lang="fr-FR" dirty="0">
+                <a:solidFill>
+                  <a:schemeClr val="bg1">
+                    <a:lumMod val="75000"/>
+                  </a:schemeClr>
+                </a:solidFill>
+              </a:rPr>
+              <a:t>Mécanisme n°3</a:t>
+            </a:r>
+          </a:p>
+        </p:txBody>
+      </p:sp>
+      <p:sp>
+        <p:nvSpPr>
+          <p:cNvPr id="34" name="ZoneTexte 33">
+            <a:extLst>
+              <a:ext uri="{FF2B5EF4-FFF2-40B4-BE49-F238E27FC236}">
+                <a16:creationId xmlns:a16="http://schemas.microsoft.com/office/drawing/2014/main" id="{A60614CE-F344-4381-90DB-F39246CE5C0E}"/>
+              </a:ext>
+            </a:extLst>
+          </p:cNvPr>
+          <p:cNvSpPr txBox="1"/>
+          <p:nvPr/>
+        </p:nvSpPr>
+        <p:spPr>
+          <a:xfrm>
+            <a:off x="10050865" y="5470010"/>
+            <a:ext cx="1162498" cy="369332"/>
+          </a:xfrm>
+          <a:prstGeom prst="rect">
+            <a:avLst/>
+          </a:prstGeom>
+          <a:noFill/>
+        </p:spPr>
+        <p:txBody>
+          <a:bodyPr wrap="none" rtlCol="0">
+            <a:spAutoFit/>
+          </a:bodyPr>
+          <a:lstStyle/>
+          <a:p>
+            <a:r>
+              <a:rPr lang="fr-FR" dirty="0">
+                <a:solidFill>
+                  <a:schemeClr val="bg1">
+                    <a:lumMod val="75000"/>
+                  </a:schemeClr>
+                </a:solidFill>
+              </a:rPr>
+              <a:t>Appli WEB</a:t>
+            </a:r>
+          </a:p>
+        </p:txBody>
+      </p:sp>
+      <p:sp>
+        <p:nvSpPr>
+          <p:cNvPr id="35" name="ZoneTexte 34">
+            <a:extLst>
+              <a:ext uri="{FF2B5EF4-FFF2-40B4-BE49-F238E27FC236}">
+                <a16:creationId xmlns:a16="http://schemas.microsoft.com/office/drawing/2014/main" id="{AA028133-58C9-42C9-8843-EEA6C93320CB}"/>
+              </a:ext>
+            </a:extLst>
+          </p:cNvPr>
+          <p:cNvSpPr txBox="1"/>
+          <p:nvPr/>
+        </p:nvSpPr>
+        <p:spPr>
+          <a:xfrm>
+            <a:off x="10050865" y="6299536"/>
+            <a:ext cx="1417439" cy="369332"/>
+          </a:xfrm>
+          <a:prstGeom prst="rect">
+            <a:avLst/>
+          </a:prstGeom>
+          <a:noFill/>
+        </p:spPr>
+        <p:txBody>
+          <a:bodyPr wrap="none" rtlCol="0">
+            <a:spAutoFit/>
+          </a:bodyPr>
+          <a:lstStyle/>
+          <a:p>
+            <a:r>
+              <a:rPr lang="fr-FR" dirty="0">
+                <a:solidFill>
+                  <a:schemeClr val="bg1">
+                    <a:lumMod val="75000"/>
+                  </a:schemeClr>
+                </a:solidFill>
+              </a:rPr>
+              <a:t>Partie réseau</a:t>
             </a:r>
           </a:p>
         </p:txBody>
@@ -11040,13 +11622,13 @@
   <p:clrMapOvr>
     <a:masterClrMapping/>
   </p:clrMapOvr>
-  <mc:AlternateContent xmlns:mc="http://schemas.openxmlformats.org/markup-compatibility/2006">
-    <mc:Choice xmlns:p14="http://schemas.microsoft.com/office/powerpoint/2010/main" Requires="p14">
+  <mc:AlternateContent xmlns:mc="http://schemas.openxmlformats.org/markup-compatibility/2006" xmlns:p14="http://schemas.microsoft.com/office/powerpoint/2010/main">
+    <mc:Choice Requires="p14">
       <p:transition spd="med" p14:dur="700">
         <p:fade/>
       </p:transition>
     </mc:Choice>
-    <mc:Fallback>
+    <mc:Fallback xmlns="">
       <p:transition spd="med">
         <p:fade/>
       </p:transition>
@@ -11634,10 +12216,10 @@
       </p:sp>
       <p:sp>
         <p:nvSpPr>
-          <p:cNvPr id="15" name="ZoneTexte 14">
-            <a:extLst>
-              <a:ext uri="{FF2B5EF4-FFF2-40B4-BE49-F238E27FC236}">
-                <a16:creationId xmlns:a16="http://schemas.microsoft.com/office/drawing/2014/main" id="{FAB4BFE0-24EF-4295-9C96-4C46915FC5B9}"/>
+          <p:cNvPr id="20" name="ZoneTexte 19">
+            <a:extLst>
+              <a:ext uri="{FF2B5EF4-FFF2-40B4-BE49-F238E27FC236}">
+                <a16:creationId xmlns:a16="http://schemas.microsoft.com/office/drawing/2014/main" id="{F4437090-444A-497F-A19C-EEFA2A54226C}"/>
               </a:ext>
             </a:extLst>
           </p:cNvPr>
@@ -11646,8 +12228,8 @@
         </p:nvSpPr>
         <p:spPr>
           <a:xfrm>
-            <a:off x="10053015" y="555110"/>
-            <a:ext cx="1375569" cy="369332"/>
+            <a:off x="10050865" y="4640484"/>
+            <a:ext cx="1656479" cy="369332"/>
           </a:xfrm>
           <a:prstGeom prst="rect">
             <a:avLst/>
@@ -11661,253 +12243,8 @@
           <a:lstStyle/>
           <a:p>
             <a:r>
-              <a:rPr lang="fr-FR" strike="sngStrike" dirty="0"/>
-              <a:t>Introduction</a:t>
-            </a:r>
-          </a:p>
-        </p:txBody>
-      </p:sp>
-      <p:sp>
-        <p:nvSpPr>
-          <p:cNvPr id="16" name="ZoneTexte 15">
-            <a:extLst>
-              <a:ext uri="{FF2B5EF4-FFF2-40B4-BE49-F238E27FC236}">
-                <a16:creationId xmlns:a16="http://schemas.microsoft.com/office/drawing/2014/main" id="{14015828-23C4-41F5-B4D7-878950885677}"/>
-              </a:ext>
-            </a:extLst>
-          </p:cNvPr>
-          <p:cNvSpPr txBox="1"/>
-          <p:nvPr/>
-        </p:nvSpPr>
-        <p:spPr>
-          <a:xfrm>
-            <a:off x="10053015" y="1379493"/>
-            <a:ext cx="1359731" cy="369332"/>
-          </a:xfrm>
-          <a:prstGeom prst="rect">
-            <a:avLst/>
-          </a:prstGeom>
-          <a:noFill/>
-        </p:spPr>
-        <p:txBody>
-          <a:bodyPr wrap="none" rtlCol="0">
-            <a:spAutoFit/>
-          </a:bodyPr>
-          <a:lstStyle/>
-          <a:p>
-            <a:r>
-              <a:rPr lang="fr-FR" strike="sngStrike" dirty="0"/>
-              <a:t>Diagrammes</a:t>
-            </a:r>
-          </a:p>
-        </p:txBody>
-      </p:sp>
-      <p:sp>
-        <p:nvSpPr>
-          <p:cNvPr id="17" name="ZoneTexte 16">
-            <a:extLst>
-              <a:ext uri="{FF2B5EF4-FFF2-40B4-BE49-F238E27FC236}">
-                <a16:creationId xmlns:a16="http://schemas.microsoft.com/office/drawing/2014/main" id="{DC1B6A08-2908-4DF4-A71A-D58ACA9E845F}"/>
-              </a:ext>
-            </a:extLst>
-          </p:cNvPr>
-          <p:cNvSpPr txBox="1"/>
-          <p:nvPr/>
-        </p:nvSpPr>
-        <p:spPr>
-          <a:xfrm>
-            <a:off x="10053015" y="2189074"/>
-            <a:ext cx="1249445" cy="369332"/>
-          </a:xfrm>
-          <a:prstGeom prst="rect">
-            <a:avLst/>
-          </a:prstGeom>
-          <a:noFill/>
-        </p:spPr>
-        <p:txBody>
-          <a:bodyPr wrap="none" rtlCol="0">
-            <a:spAutoFit/>
-          </a:bodyPr>
-          <a:lstStyle/>
-          <a:p>
-            <a:r>
-              <a:rPr lang="fr-FR" strike="sngStrike" dirty="0"/>
-              <a:t>Mes tâches</a:t>
-            </a:r>
-          </a:p>
-        </p:txBody>
-      </p:sp>
-      <p:sp>
-        <p:nvSpPr>
-          <p:cNvPr id="18" name="ZoneTexte 17">
-            <a:extLst>
-              <a:ext uri="{FF2B5EF4-FFF2-40B4-BE49-F238E27FC236}">
-                <a16:creationId xmlns:a16="http://schemas.microsoft.com/office/drawing/2014/main" id="{DD185CDB-2147-4ACD-AE6E-9021945C57CD}"/>
-              </a:ext>
-            </a:extLst>
-          </p:cNvPr>
-          <p:cNvSpPr txBox="1"/>
-          <p:nvPr/>
-        </p:nvSpPr>
-        <p:spPr>
-          <a:xfrm>
-            <a:off x="10053015" y="3012560"/>
-            <a:ext cx="1638269" cy="369332"/>
-          </a:xfrm>
-          <a:prstGeom prst="rect">
-            <a:avLst/>
-          </a:prstGeom>
-          <a:noFill/>
-        </p:spPr>
-        <p:txBody>
-          <a:bodyPr wrap="none" rtlCol="0">
-            <a:spAutoFit/>
-          </a:bodyPr>
-          <a:lstStyle/>
-          <a:p>
-            <a:r>
-              <a:rPr lang="fr-FR" strike="sngStrike" dirty="0"/>
-              <a:t>Mécanisme n°1</a:t>
-            </a:r>
-          </a:p>
-        </p:txBody>
-      </p:sp>
-      <p:sp>
-        <p:nvSpPr>
-          <p:cNvPr id="19" name="ZoneTexte 18">
-            <a:extLst>
-              <a:ext uri="{FF2B5EF4-FFF2-40B4-BE49-F238E27FC236}">
-                <a16:creationId xmlns:a16="http://schemas.microsoft.com/office/drawing/2014/main" id="{71238C55-F7BD-415C-8C7A-C9D539089044}"/>
-              </a:ext>
-            </a:extLst>
-          </p:cNvPr>
-          <p:cNvSpPr txBox="1"/>
-          <p:nvPr/>
-        </p:nvSpPr>
-        <p:spPr>
-          <a:xfrm>
-            <a:off x="10053015" y="3826522"/>
-            <a:ext cx="1638269" cy="369332"/>
-          </a:xfrm>
-          <a:prstGeom prst="rect">
-            <a:avLst/>
-          </a:prstGeom>
-          <a:noFill/>
-        </p:spPr>
-        <p:txBody>
-          <a:bodyPr wrap="none" rtlCol="0">
-            <a:spAutoFit/>
-          </a:bodyPr>
-          <a:lstStyle/>
-          <a:p>
-            <a:r>
-              <a:rPr lang="fr-FR" strike="sngStrike" dirty="0"/>
-              <a:t>Mécanisme n°2</a:t>
-            </a:r>
-          </a:p>
-        </p:txBody>
-      </p:sp>
-      <p:sp>
-        <p:nvSpPr>
-          <p:cNvPr id="20" name="ZoneTexte 19">
-            <a:extLst>
-              <a:ext uri="{FF2B5EF4-FFF2-40B4-BE49-F238E27FC236}">
-                <a16:creationId xmlns:a16="http://schemas.microsoft.com/office/drawing/2014/main" id="{F4437090-444A-497F-A19C-EEFA2A54226C}"/>
-              </a:ext>
-            </a:extLst>
-          </p:cNvPr>
-          <p:cNvSpPr txBox="1"/>
-          <p:nvPr/>
-        </p:nvSpPr>
-        <p:spPr>
-          <a:xfrm>
-            <a:off x="10050865" y="4640484"/>
-            <a:ext cx="1656479" cy="369332"/>
-          </a:xfrm>
-          <a:prstGeom prst="rect">
-            <a:avLst/>
-          </a:prstGeom>
-          <a:noFill/>
-        </p:spPr>
-        <p:txBody>
-          <a:bodyPr wrap="none" rtlCol="0">
-            <a:spAutoFit/>
-          </a:bodyPr>
-          <a:lstStyle/>
-          <a:p>
-            <a:r>
               <a:rPr lang="fr-FR" b="1" dirty="0"/>
               <a:t>Mécanisme n°3</a:t>
-            </a:r>
-          </a:p>
-        </p:txBody>
-      </p:sp>
-      <p:sp>
-        <p:nvSpPr>
-          <p:cNvPr id="21" name="ZoneTexte 20">
-            <a:extLst>
-              <a:ext uri="{FF2B5EF4-FFF2-40B4-BE49-F238E27FC236}">
-                <a16:creationId xmlns:a16="http://schemas.microsoft.com/office/drawing/2014/main" id="{D9318AE3-3F3C-45F0-8F12-DF9A8CC6F8BF}"/>
-              </a:ext>
-            </a:extLst>
-          </p:cNvPr>
-          <p:cNvSpPr txBox="1"/>
-          <p:nvPr/>
-        </p:nvSpPr>
-        <p:spPr>
-          <a:xfrm>
-            <a:off x="10050865" y="5470010"/>
-            <a:ext cx="1162498" cy="369332"/>
-          </a:xfrm>
-          <a:prstGeom prst="rect">
-            <a:avLst/>
-          </a:prstGeom>
-          <a:noFill/>
-        </p:spPr>
-        <p:txBody>
-          <a:bodyPr wrap="none" rtlCol="0">
-            <a:spAutoFit/>
-          </a:bodyPr>
-          <a:lstStyle/>
-          <a:p>
-            <a:r>
-              <a:rPr lang="fr-FR" strike="sngStrike" dirty="0"/>
-              <a:t>Appli WEB</a:t>
-            </a:r>
-          </a:p>
-        </p:txBody>
-      </p:sp>
-      <p:sp>
-        <p:nvSpPr>
-          <p:cNvPr id="22" name="ZoneTexte 21">
-            <a:extLst>
-              <a:ext uri="{FF2B5EF4-FFF2-40B4-BE49-F238E27FC236}">
-                <a16:creationId xmlns:a16="http://schemas.microsoft.com/office/drawing/2014/main" id="{967E9711-9092-4961-953F-63B597F49274}"/>
-              </a:ext>
-            </a:extLst>
-          </p:cNvPr>
-          <p:cNvSpPr txBox="1"/>
-          <p:nvPr/>
-        </p:nvSpPr>
-        <p:spPr>
-          <a:xfrm>
-            <a:off x="10050865" y="6299536"/>
-            <a:ext cx="1417439" cy="369332"/>
-          </a:xfrm>
-          <a:prstGeom prst="rect">
-            <a:avLst/>
-          </a:prstGeom>
-          <a:noFill/>
-        </p:spPr>
-        <p:txBody>
-          <a:bodyPr wrap="none" rtlCol="0">
-            <a:spAutoFit/>
-          </a:bodyPr>
-          <a:lstStyle/>
-          <a:p>
-            <a:r>
-              <a:rPr lang="fr-FR" strike="sngStrike" dirty="0"/>
-              <a:t>Partie réseau</a:t>
             </a:r>
           </a:p>
         </p:txBody>
@@ -12107,6 +12444,293 @@
           </a:prstGeom>
         </p:spPr>
       </p:pic>
+      <p:sp>
+        <p:nvSpPr>
+          <p:cNvPr id="27" name="ZoneTexte 26">
+            <a:extLst>
+              <a:ext uri="{FF2B5EF4-FFF2-40B4-BE49-F238E27FC236}">
+                <a16:creationId xmlns:a16="http://schemas.microsoft.com/office/drawing/2014/main" id="{C9F7E15A-E667-4195-B9AA-D85D04DE5A9C}"/>
+              </a:ext>
+            </a:extLst>
+          </p:cNvPr>
+          <p:cNvSpPr txBox="1"/>
+          <p:nvPr/>
+        </p:nvSpPr>
+        <p:spPr>
+          <a:xfrm>
+            <a:off x="10053015" y="555110"/>
+            <a:ext cx="1375569" cy="369332"/>
+          </a:xfrm>
+          <a:prstGeom prst="rect">
+            <a:avLst/>
+          </a:prstGeom>
+          <a:noFill/>
+        </p:spPr>
+        <p:txBody>
+          <a:bodyPr wrap="none" rtlCol="0">
+            <a:spAutoFit/>
+          </a:bodyPr>
+          <a:lstStyle/>
+          <a:p>
+            <a:r>
+              <a:rPr lang="fr-FR" dirty="0">
+                <a:solidFill>
+                  <a:schemeClr val="bg1">
+                    <a:lumMod val="75000"/>
+                  </a:schemeClr>
+                </a:solidFill>
+              </a:rPr>
+              <a:t>Introduction</a:t>
+            </a:r>
+          </a:p>
+        </p:txBody>
+      </p:sp>
+      <p:sp>
+        <p:nvSpPr>
+          <p:cNvPr id="28" name="ZoneTexte 27">
+            <a:extLst>
+              <a:ext uri="{FF2B5EF4-FFF2-40B4-BE49-F238E27FC236}">
+                <a16:creationId xmlns:a16="http://schemas.microsoft.com/office/drawing/2014/main" id="{EA65688A-C501-460A-98C1-0F9F1759A7F8}"/>
+              </a:ext>
+            </a:extLst>
+          </p:cNvPr>
+          <p:cNvSpPr txBox="1"/>
+          <p:nvPr/>
+        </p:nvSpPr>
+        <p:spPr>
+          <a:xfrm>
+            <a:off x="10053015" y="1379493"/>
+            <a:ext cx="1359731" cy="369332"/>
+          </a:xfrm>
+          <a:prstGeom prst="rect">
+            <a:avLst/>
+          </a:prstGeom>
+          <a:noFill/>
+        </p:spPr>
+        <p:txBody>
+          <a:bodyPr wrap="none" rtlCol="0">
+            <a:spAutoFit/>
+          </a:bodyPr>
+          <a:lstStyle/>
+          <a:p>
+            <a:r>
+              <a:rPr lang="fr-FR" dirty="0">
+                <a:solidFill>
+                  <a:schemeClr val="bg1">
+                    <a:lumMod val="75000"/>
+                  </a:schemeClr>
+                </a:solidFill>
+              </a:rPr>
+              <a:t>Diagrammes</a:t>
+            </a:r>
+          </a:p>
+        </p:txBody>
+      </p:sp>
+      <p:sp>
+        <p:nvSpPr>
+          <p:cNvPr id="29" name="ZoneTexte 28">
+            <a:extLst>
+              <a:ext uri="{FF2B5EF4-FFF2-40B4-BE49-F238E27FC236}">
+                <a16:creationId xmlns:a16="http://schemas.microsoft.com/office/drawing/2014/main" id="{C9F8CDB9-28F8-4A71-87EB-9064075F406B}"/>
+              </a:ext>
+            </a:extLst>
+          </p:cNvPr>
+          <p:cNvSpPr txBox="1"/>
+          <p:nvPr/>
+        </p:nvSpPr>
+        <p:spPr>
+          <a:xfrm>
+            <a:off x="10053015" y="2189074"/>
+            <a:ext cx="1249445" cy="369332"/>
+          </a:xfrm>
+          <a:prstGeom prst="rect">
+            <a:avLst/>
+          </a:prstGeom>
+          <a:noFill/>
+        </p:spPr>
+        <p:txBody>
+          <a:bodyPr wrap="none" rtlCol="0">
+            <a:spAutoFit/>
+          </a:bodyPr>
+          <a:lstStyle/>
+          <a:p>
+            <a:r>
+              <a:rPr lang="fr-FR" dirty="0">
+                <a:solidFill>
+                  <a:schemeClr val="bg1">
+                    <a:lumMod val="75000"/>
+                  </a:schemeClr>
+                </a:solidFill>
+              </a:rPr>
+              <a:t>Mes tâches</a:t>
+            </a:r>
+          </a:p>
+        </p:txBody>
+      </p:sp>
+      <p:sp>
+        <p:nvSpPr>
+          <p:cNvPr id="30" name="ZoneTexte 29">
+            <a:extLst>
+              <a:ext uri="{FF2B5EF4-FFF2-40B4-BE49-F238E27FC236}">
+                <a16:creationId xmlns:a16="http://schemas.microsoft.com/office/drawing/2014/main" id="{40C67297-9CDB-4A84-A594-F188714A60C7}"/>
+              </a:ext>
+            </a:extLst>
+          </p:cNvPr>
+          <p:cNvSpPr txBox="1"/>
+          <p:nvPr/>
+        </p:nvSpPr>
+        <p:spPr>
+          <a:xfrm>
+            <a:off x="10053015" y="3012560"/>
+            <a:ext cx="1638269" cy="369332"/>
+          </a:xfrm>
+          <a:prstGeom prst="rect">
+            <a:avLst/>
+          </a:prstGeom>
+          <a:noFill/>
+        </p:spPr>
+        <p:txBody>
+          <a:bodyPr wrap="none" rtlCol="0">
+            <a:spAutoFit/>
+          </a:bodyPr>
+          <a:lstStyle/>
+          <a:p>
+            <a:r>
+              <a:rPr lang="fr-FR" dirty="0">
+                <a:solidFill>
+                  <a:schemeClr val="bg1">
+                    <a:lumMod val="75000"/>
+                  </a:schemeClr>
+                </a:solidFill>
+              </a:rPr>
+              <a:t>Mécanisme n°1</a:t>
+            </a:r>
+          </a:p>
+        </p:txBody>
+      </p:sp>
+      <p:sp>
+        <p:nvSpPr>
+          <p:cNvPr id="37" name="ZoneTexte 36">
+            <a:extLst>
+              <a:ext uri="{FF2B5EF4-FFF2-40B4-BE49-F238E27FC236}">
+                <a16:creationId xmlns:a16="http://schemas.microsoft.com/office/drawing/2014/main" id="{9439E50A-9E2B-4F10-9C97-A9F78863E06F}"/>
+              </a:ext>
+            </a:extLst>
+          </p:cNvPr>
+          <p:cNvSpPr txBox="1"/>
+          <p:nvPr/>
+        </p:nvSpPr>
+        <p:spPr>
+          <a:xfrm>
+            <a:off x="10053015" y="3826522"/>
+            <a:ext cx="1638269" cy="369332"/>
+          </a:xfrm>
+          <a:prstGeom prst="rect">
+            <a:avLst/>
+          </a:prstGeom>
+          <a:noFill/>
+        </p:spPr>
+        <p:txBody>
+          <a:bodyPr wrap="none" rtlCol="0">
+            <a:spAutoFit/>
+          </a:bodyPr>
+          <a:lstStyle/>
+          <a:p>
+            <a:r>
+              <a:rPr lang="fr-FR" dirty="0">
+                <a:solidFill>
+                  <a:schemeClr val="bg1">
+                    <a:lumMod val="75000"/>
+                  </a:schemeClr>
+                </a:solidFill>
+              </a:rPr>
+              <a:t>Mécanisme n°2</a:t>
+            </a:r>
+          </a:p>
+        </p:txBody>
+      </p:sp>
+      <p:sp>
+        <p:nvSpPr>
+          <p:cNvPr id="38" name="ZoneTexte 37">
+            <a:extLst>
+              <a:ext uri="{FF2B5EF4-FFF2-40B4-BE49-F238E27FC236}">
+                <a16:creationId xmlns:a16="http://schemas.microsoft.com/office/drawing/2014/main" id="{3D67EE72-62DB-49EC-88CE-7090707F0848}"/>
+              </a:ext>
+            </a:extLst>
+          </p:cNvPr>
+          <p:cNvSpPr txBox="1"/>
+          <p:nvPr/>
+        </p:nvSpPr>
+        <p:spPr>
+          <a:xfrm>
+            <a:off x="10050865" y="5470010"/>
+            <a:ext cx="1162498" cy="369332"/>
+          </a:xfrm>
+          <a:prstGeom prst="rect">
+            <a:avLst/>
+          </a:prstGeom>
+          <a:noFill/>
+        </p:spPr>
+        <p:txBody>
+          <a:bodyPr wrap="none" rtlCol="0">
+            <a:spAutoFit/>
+          </a:bodyPr>
+          <a:lstStyle/>
+          <a:p>
+            <a:r>
+              <a:rPr lang="fr-FR" dirty="0">
+                <a:solidFill>
+                  <a:schemeClr val="bg1">
+                    <a:lumMod val="75000"/>
+                  </a:schemeClr>
+                </a:solidFill>
+              </a:rPr>
+              <a:t>Appli WEB</a:t>
+            </a:r>
+          </a:p>
+        </p:txBody>
+      </p:sp>
+      <p:sp>
+        <p:nvSpPr>
+          <p:cNvPr id="39" name="ZoneTexte 38">
+            <a:extLst>
+              <a:ext uri="{FF2B5EF4-FFF2-40B4-BE49-F238E27FC236}">
+                <a16:creationId xmlns:a16="http://schemas.microsoft.com/office/drawing/2014/main" id="{F2824C13-C76E-469F-8408-D863BB2B8AD6}"/>
+              </a:ext>
+            </a:extLst>
+          </p:cNvPr>
+          <p:cNvSpPr txBox="1"/>
+          <p:nvPr/>
+        </p:nvSpPr>
+        <p:spPr>
+          <a:xfrm>
+            <a:off x="10050865" y="6299536"/>
+            <a:ext cx="1417439" cy="369332"/>
+          </a:xfrm>
+          <a:prstGeom prst="rect">
+            <a:avLst/>
+          </a:prstGeom>
+          <a:noFill/>
+        </p:spPr>
+        <p:txBody>
+          <a:bodyPr wrap="none" rtlCol="0">
+            <a:spAutoFit/>
+          </a:bodyPr>
+          <a:lstStyle/>
+          <a:p>
+            <a:r>
+              <a:rPr lang="fr-FR" dirty="0">
+                <a:solidFill>
+                  <a:schemeClr val="bg1">
+                    <a:lumMod val="75000"/>
+                  </a:schemeClr>
+                </a:solidFill>
+              </a:rPr>
+              <a:t>Partie réseau</a:t>
+            </a:r>
+          </a:p>
+        </p:txBody>
+      </p:sp>
     </p:spTree>
     <p:extLst>
       <p:ext uri="{BB962C8B-B14F-4D97-AF65-F5344CB8AC3E}">
@@ -12117,13 +12741,13 @@
   <p:clrMapOvr>
     <a:masterClrMapping/>
   </p:clrMapOvr>
-  <mc:AlternateContent xmlns:mc="http://schemas.openxmlformats.org/markup-compatibility/2006">
-    <mc:Choice xmlns:p14="http://schemas.microsoft.com/office/powerpoint/2010/main" Requires="p14">
+  <mc:AlternateContent xmlns:mc="http://schemas.openxmlformats.org/markup-compatibility/2006" xmlns:p14="http://schemas.microsoft.com/office/powerpoint/2010/main">
+    <mc:Choice Requires="p14">
       <p:transition spd="med" p14:dur="700">
         <p:fade/>
       </p:transition>
     </mc:Choice>
-    <mc:Fallback>
+    <mc:Fallback xmlns="">
       <p:transition spd="med">
         <p:fade/>
       </p:transition>
@@ -13012,10 +13636,10 @@
       </p:sp>
       <p:sp>
         <p:nvSpPr>
-          <p:cNvPr id="28" name="ZoneTexte 27">
-            <a:extLst>
-              <a:ext uri="{FF2B5EF4-FFF2-40B4-BE49-F238E27FC236}">
-                <a16:creationId xmlns:a16="http://schemas.microsoft.com/office/drawing/2014/main" id="{2866A3B6-CDE4-4BA2-B1AB-5E1080F295FA}"/>
+          <p:cNvPr id="36" name="ZoneTexte 35">
+            <a:extLst>
+              <a:ext uri="{FF2B5EF4-FFF2-40B4-BE49-F238E27FC236}">
+                <a16:creationId xmlns:a16="http://schemas.microsoft.com/office/drawing/2014/main" id="{8B4D61D7-F238-43AE-B19D-EFE455343488}"/>
               </a:ext>
             </a:extLst>
           </p:cNvPr>
@@ -13039,7 +13663,13 @@
           <a:lstStyle/>
           <a:p>
             <a:r>
-              <a:rPr lang="fr-FR" strike="sngStrike" dirty="0"/>
+              <a:rPr lang="fr-FR" dirty="0">
+                <a:solidFill>
+                  <a:schemeClr val="bg1">
+                    <a:lumMod val="75000"/>
+                  </a:schemeClr>
+                </a:solidFill>
+              </a:rPr>
               <a:t>Introduction</a:t>
             </a:r>
           </a:p>
@@ -13047,10 +13677,10 @@
       </p:sp>
       <p:sp>
         <p:nvSpPr>
-          <p:cNvPr id="29" name="ZoneTexte 28">
-            <a:extLst>
-              <a:ext uri="{FF2B5EF4-FFF2-40B4-BE49-F238E27FC236}">
-                <a16:creationId xmlns:a16="http://schemas.microsoft.com/office/drawing/2014/main" id="{CFEAAF36-74C6-490E-A019-C239D7CE650C}"/>
+          <p:cNvPr id="37" name="ZoneTexte 36">
+            <a:extLst>
+              <a:ext uri="{FF2B5EF4-FFF2-40B4-BE49-F238E27FC236}">
+                <a16:creationId xmlns:a16="http://schemas.microsoft.com/office/drawing/2014/main" id="{095BA30D-F217-489C-AFB6-BAD6BAB2456F}"/>
               </a:ext>
             </a:extLst>
           </p:cNvPr>
@@ -13074,7 +13704,13 @@
           <a:lstStyle/>
           <a:p>
             <a:r>
-              <a:rPr lang="fr-FR" strike="sngStrike" dirty="0"/>
+              <a:rPr lang="fr-FR" dirty="0">
+                <a:solidFill>
+                  <a:schemeClr val="bg1">
+                    <a:lumMod val="75000"/>
+                  </a:schemeClr>
+                </a:solidFill>
+              </a:rPr>
               <a:t>Diagrammes</a:t>
             </a:r>
           </a:p>
@@ -13082,10 +13718,10 @@
       </p:sp>
       <p:sp>
         <p:nvSpPr>
-          <p:cNvPr id="30" name="ZoneTexte 29">
-            <a:extLst>
-              <a:ext uri="{FF2B5EF4-FFF2-40B4-BE49-F238E27FC236}">
-                <a16:creationId xmlns:a16="http://schemas.microsoft.com/office/drawing/2014/main" id="{A538670A-67AF-4B81-B6A2-9F6B9C989D67}"/>
+          <p:cNvPr id="38" name="ZoneTexte 37">
+            <a:extLst>
+              <a:ext uri="{FF2B5EF4-FFF2-40B4-BE49-F238E27FC236}">
+                <a16:creationId xmlns:a16="http://schemas.microsoft.com/office/drawing/2014/main" id="{369AABAC-E8F4-421C-AE91-2F02DCCEF6EB}"/>
               </a:ext>
             </a:extLst>
           </p:cNvPr>
@@ -13109,7 +13745,13 @@
           <a:lstStyle/>
           <a:p>
             <a:r>
-              <a:rPr lang="fr-FR" strike="sngStrike" dirty="0"/>
+              <a:rPr lang="fr-FR" dirty="0">
+                <a:solidFill>
+                  <a:schemeClr val="bg1">
+                    <a:lumMod val="75000"/>
+                  </a:schemeClr>
+                </a:solidFill>
+              </a:rPr>
               <a:t>Mes tâches</a:t>
             </a:r>
           </a:p>
@@ -13117,10 +13759,10 @@
       </p:sp>
       <p:sp>
         <p:nvSpPr>
-          <p:cNvPr id="31" name="ZoneTexte 30">
-            <a:extLst>
-              <a:ext uri="{FF2B5EF4-FFF2-40B4-BE49-F238E27FC236}">
-                <a16:creationId xmlns:a16="http://schemas.microsoft.com/office/drawing/2014/main" id="{1A77ED40-3CD9-42B5-8ECB-82138E800B8D}"/>
+          <p:cNvPr id="39" name="ZoneTexte 38">
+            <a:extLst>
+              <a:ext uri="{FF2B5EF4-FFF2-40B4-BE49-F238E27FC236}">
+                <a16:creationId xmlns:a16="http://schemas.microsoft.com/office/drawing/2014/main" id="{96CE0C09-E7D1-4ADA-8AB8-3793C89CB5C9}"/>
               </a:ext>
             </a:extLst>
           </p:cNvPr>
@@ -13144,7 +13786,13 @@
           <a:lstStyle/>
           <a:p>
             <a:r>
-              <a:rPr lang="fr-FR" strike="sngStrike" dirty="0"/>
+              <a:rPr lang="fr-FR" dirty="0">
+                <a:solidFill>
+                  <a:schemeClr val="bg1">
+                    <a:lumMod val="75000"/>
+                  </a:schemeClr>
+                </a:solidFill>
+              </a:rPr>
               <a:t>Mécanisme n°1</a:t>
             </a:r>
           </a:p>
@@ -13152,10 +13800,10 @@
       </p:sp>
       <p:sp>
         <p:nvSpPr>
-          <p:cNvPr id="32" name="ZoneTexte 31">
-            <a:extLst>
-              <a:ext uri="{FF2B5EF4-FFF2-40B4-BE49-F238E27FC236}">
-                <a16:creationId xmlns:a16="http://schemas.microsoft.com/office/drawing/2014/main" id="{9F8EB306-5293-4ADD-A5AB-16B7BB7E847E}"/>
+          <p:cNvPr id="40" name="ZoneTexte 39">
+            <a:extLst>
+              <a:ext uri="{FF2B5EF4-FFF2-40B4-BE49-F238E27FC236}">
+                <a16:creationId xmlns:a16="http://schemas.microsoft.com/office/drawing/2014/main" id="{40A2831C-4B8D-48C9-A2B0-C69DB87A65CD}"/>
               </a:ext>
             </a:extLst>
           </p:cNvPr>
@@ -13179,7 +13827,13 @@
           <a:lstStyle/>
           <a:p>
             <a:r>
-              <a:rPr lang="fr-FR" strike="sngStrike" dirty="0"/>
+              <a:rPr lang="fr-FR" dirty="0">
+                <a:solidFill>
+                  <a:schemeClr val="bg1">
+                    <a:lumMod val="75000"/>
+                  </a:schemeClr>
+                </a:solidFill>
+              </a:rPr>
               <a:t>Mécanisme n°2</a:t>
             </a:r>
           </a:p>
@@ -13187,10 +13841,10 @@
       </p:sp>
       <p:sp>
         <p:nvSpPr>
-          <p:cNvPr id="33" name="ZoneTexte 32">
-            <a:extLst>
-              <a:ext uri="{FF2B5EF4-FFF2-40B4-BE49-F238E27FC236}">
-                <a16:creationId xmlns:a16="http://schemas.microsoft.com/office/drawing/2014/main" id="{418273F2-3441-4159-9890-7DD0FA5753E6}"/>
+          <p:cNvPr id="41" name="ZoneTexte 40">
+            <a:extLst>
+              <a:ext uri="{FF2B5EF4-FFF2-40B4-BE49-F238E27FC236}">
+                <a16:creationId xmlns:a16="http://schemas.microsoft.com/office/drawing/2014/main" id="{F21009C4-8128-4479-A8FD-7968B57722D2}"/>
               </a:ext>
             </a:extLst>
           </p:cNvPr>
@@ -13214,7 +13868,13 @@
           <a:lstStyle/>
           <a:p>
             <a:r>
-              <a:rPr lang="fr-FR" strike="sngStrike" dirty="0"/>
+              <a:rPr lang="fr-FR" dirty="0">
+                <a:solidFill>
+                  <a:schemeClr val="bg1">
+                    <a:lumMod val="75000"/>
+                  </a:schemeClr>
+                </a:solidFill>
+              </a:rPr>
               <a:t>Mécanisme n°3</a:t>
             </a:r>
           </a:p>
@@ -13222,10 +13882,10 @@
       </p:sp>
       <p:sp>
         <p:nvSpPr>
-          <p:cNvPr id="34" name="ZoneTexte 33">
-            <a:extLst>
-              <a:ext uri="{FF2B5EF4-FFF2-40B4-BE49-F238E27FC236}">
-                <a16:creationId xmlns:a16="http://schemas.microsoft.com/office/drawing/2014/main" id="{4C8535ED-9D3C-47BA-AA3A-268A50AAA673}"/>
+          <p:cNvPr id="42" name="ZoneTexte 41">
+            <a:extLst>
+              <a:ext uri="{FF2B5EF4-FFF2-40B4-BE49-F238E27FC236}">
+                <a16:creationId xmlns:a16="http://schemas.microsoft.com/office/drawing/2014/main" id="{6163CE01-F92E-483D-BB31-11443F4B49CF}"/>
               </a:ext>
             </a:extLst>
           </p:cNvPr>
@@ -13257,10 +13917,10 @@
       </p:sp>
       <p:sp>
         <p:nvSpPr>
-          <p:cNvPr id="35" name="ZoneTexte 34">
-            <a:extLst>
-              <a:ext uri="{FF2B5EF4-FFF2-40B4-BE49-F238E27FC236}">
-                <a16:creationId xmlns:a16="http://schemas.microsoft.com/office/drawing/2014/main" id="{632D9B24-F4D0-4933-85DD-5BA371B5A94A}"/>
+          <p:cNvPr id="43" name="ZoneTexte 42">
+            <a:extLst>
+              <a:ext uri="{FF2B5EF4-FFF2-40B4-BE49-F238E27FC236}">
+                <a16:creationId xmlns:a16="http://schemas.microsoft.com/office/drawing/2014/main" id="{0032E3F3-06AF-41D3-AF32-6766D16FA686}"/>
               </a:ext>
             </a:extLst>
           </p:cNvPr>
@@ -13284,7 +13944,13 @@
           <a:lstStyle/>
           <a:p>
             <a:r>
-              <a:rPr lang="fr-FR" strike="sngStrike" dirty="0"/>
+              <a:rPr lang="fr-FR" dirty="0">
+                <a:solidFill>
+                  <a:schemeClr val="bg1">
+                    <a:lumMod val="75000"/>
+                  </a:schemeClr>
+                </a:solidFill>
+              </a:rPr>
               <a:t>Partie réseau</a:t>
             </a:r>
           </a:p>
@@ -13300,13 +13966,13 @@
   <p:clrMapOvr>
     <a:masterClrMapping/>
   </p:clrMapOvr>
-  <mc:AlternateContent xmlns:mc="http://schemas.openxmlformats.org/markup-compatibility/2006">
-    <mc:Choice xmlns:p14="http://schemas.microsoft.com/office/powerpoint/2010/main" Requires="p14">
+  <mc:AlternateContent xmlns:mc="http://schemas.openxmlformats.org/markup-compatibility/2006" xmlns:p14="http://schemas.microsoft.com/office/powerpoint/2010/main">
+    <mc:Choice Requires="p14">
       <p:transition spd="med" p14:dur="700">
         <p:fade/>
       </p:transition>
     </mc:Choice>
-    <mc:Fallback>
+    <mc:Fallback xmlns="">
       <p:transition spd="med">
         <p:fade/>
       </p:transition>
@@ -14704,10 +15370,10 @@
       </p:sp>
       <p:sp>
         <p:nvSpPr>
-          <p:cNvPr id="17" name="ZoneTexte 16">
-            <a:extLst>
-              <a:ext uri="{FF2B5EF4-FFF2-40B4-BE49-F238E27FC236}">
-                <a16:creationId xmlns:a16="http://schemas.microsoft.com/office/drawing/2014/main" id="{47CD2330-4B0B-4A55-9E11-C0933BEF4845}"/>
+          <p:cNvPr id="24" name="ZoneTexte 23">
+            <a:extLst>
+              <a:ext uri="{FF2B5EF4-FFF2-40B4-BE49-F238E27FC236}">
+                <a16:creationId xmlns:a16="http://schemas.microsoft.com/office/drawing/2014/main" id="{DF0F96B2-0EE8-49DD-A299-3ABD0C220145}"/>
               </a:ext>
             </a:extLst>
           </p:cNvPr>
@@ -14716,8 +15382,8 @@
         </p:nvSpPr>
         <p:spPr>
           <a:xfrm>
-            <a:off x="10053015" y="555110"/>
-            <a:ext cx="1375569" cy="369332"/>
+            <a:off x="10050865" y="6299536"/>
+            <a:ext cx="1442383" cy="369332"/>
           </a:xfrm>
           <a:prstGeom prst="rect">
             <a:avLst/>
@@ -14731,18 +15397,18 @@
           <a:lstStyle/>
           <a:p>
             <a:r>
-              <a:rPr lang="fr-FR" strike="sngStrike" dirty="0"/>
-              <a:t>Introduction</a:t>
+              <a:rPr lang="fr-FR" b="1" dirty="0"/>
+              <a:t>Partie réseau</a:t>
             </a:r>
           </a:p>
         </p:txBody>
       </p:sp>
       <p:sp>
         <p:nvSpPr>
-          <p:cNvPr id="18" name="ZoneTexte 17">
-            <a:extLst>
-              <a:ext uri="{FF2B5EF4-FFF2-40B4-BE49-F238E27FC236}">
-                <a16:creationId xmlns:a16="http://schemas.microsoft.com/office/drawing/2014/main" id="{A0641E94-9A8B-4DCF-B979-463E7DA522AC}"/>
+          <p:cNvPr id="25" name="ZoneTexte 24">
+            <a:extLst>
+              <a:ext uri="{FF2B5EF4-FFF2-40B4-BE49-F238E27FC236}">
+                <a16:creationId xmlns:a16="http://schemas.microsoft.com/office/drawing/2014/main" id="{60502665-8D8E-4940-8D64-593433E51BA4}"/>
               </a:ext>
             </a:extLst>
           </p:cNvPr>
@@ -14751,8 +15417,8 @@
         </p:nvSpPr>
         <p:spPr>
           <a:xfrm>
-            <a:off x="10053015" y="1379493"/>
-            <a:ext cx="1359731" cy="369332"/>
+            <a:off x="10053015" y="555110"/>
+            <a:ext cx="1375569" cy="369332"/>
           </a:xfrm>
           <a:prstGeom prst="rect">
             <a:avLst/>
@@ -14766,18 +15432,24 @@
           <a:lstStyle/>
           <a:p>
             <a:r>
-              <a:rPr lang="fr-FR" strike="sngStrike" dirty="0"/>
-              <a:t>Diagrammes</a:t>
+              <a:rPr lang="fr-FR" dirty="0">
+                <a:solidFill>
+                  <a:schemeClr val="bg1">
+                    <a:lumMod val="75000"/>
+                  </a:schemeClr>
+                </a:solidFill>
+              </a:rPr>
+              <a:t>Introduction</a:t>
             </a:r>
           </a:p>
         </p:txBody>
       </p:sp>
       <p:sp>
         <p:nvSpPr>
-          <p:cNvPr id="19" name="ZoneTexte 18">
-            <a:extLst>
-              <a:ext uri="{FF2B5EF4-FFF2-40B4-BE49-F238E27FC236}">
-                <a16:creationId xmlns:a16="http://schemas.microsoft.com/office/drawing/2014/main" id="{AFAAF9F6-F3BF-4C39-A59A-9A4AF7349559}"/>
+          <p:cNvPr id="27" name="ZoneTexte 26">
+            <a:extLst>
+              <a:ext uri="{FF2B5EF4-FFF2-40B4-BE49-F238E27FC236}">
+                <a16:creationId xmlns:a16="http://schemas.microsoft.com/office/drawing/2014/main" id="{882A56D1-FCD3-457D-A17A-0BA92B8DDB81}"/>
               </a:ext>
             </a:extLst>
           </p:cNvPr>
@@ -14786,8 +15458,8 @@
         </p:nvSpPr>
         <p:spPr>
           <a:xfrm>
-            <a:off x="10053015" y="2189074"/>
-            <a:ext cx="1249445" cy="369332"/>
+            <a:off x="10053015" y="1379493"/>
+            <a:ext cx="1359731" cy="369332"/>
           </a:xfrm>
           <a:prstGeom prst="rect">
             <a:avLst/>
@@ -14801,18 +15473,24 @@
           <a:lstStyle/>
           <a:p>
             <a:r>
-              <a:rPr lang="fr-FR" strike="sngStrike" dirty="0"/>
-              <a:t>Mes tâches</a:t>
+              <a:rPr lang="fr-FR" dirty="0">
+                <a:solidFill>
+                  <a:schemeClr val="bg1">
+                    <a:lumMod val="75000"/>
+                  </a:schemeClr>
+                </a:solidFill>
+              </a:rPr>
+              <a:t>Diagrammes</a:t>
             </a:r>
           </a:p>
         </p:txBody>
       </p:sp>
       <p:sp>
         <p:nvSpPr>
-          <p:cNvPr id="20" name="ZoneTexte 19">
-            <a:extLst>
-              <a:ext uri="{FF2B5EF4-FFF2-40B4-BE49-F238E27FC236}">
-                <a16:creationId xmlns:a16="http://schemas.microsoft.com/office/drawing/2014/main" id="{3D9F2288-82F1-47E3-A82E-A191877D9B71}"/>
+          <p:cNvPr id="28" name="ZoneTexte 27">
+            <a:extLst>
+              <a:ext uri="{FF2B5EF4-FFF2-40B4-BE49-F238E27FC236}">
+                <a16:creationId xmlns:a16="http://schemas.microsoft.com/office/drawing/2014/main" id="{4D673B22-C77B-4FE7-A4C4-89EC49CEC974}"/>
               </a:ext>
             </a:extLst>
           </p:cNvPr>
@@ -14821,8 +15499,8 @@
         </p:nvSpPr>
         <p:spPr>
           <a:xfrm>
-            <a:off x="10053015" y="3012560"/>
-            <a:ext cx="1638269" cy="369332"/>
+            <a:off x="10053015" y="2189074"/>
+            <a:ext cx="1249445" cy="369332"/>
           </a:xfrm>
           <a:prstGeom prst="rect">
             <a:avLst/>
@@ -14836,18 +15514,24 @@
           <a:lstStyle/>
           <a:p>
             <a:r>
-              <a:rPr lang="fr-FR" strike="sngStrike" dirty="0"/>
-              <a:t>Mécanisme n°1</a:t>
+              <a:rPr lang="fr-FR" dirty="0">
+                <a:solidFill>
+                  <a:schemeClr val="bg1">
+                    <a:lumMod val="75000"/>
+                  </a:schemeClr>
+                </a:solidFill>
+              </a:rPr>
+              <a:t>Mes tâches</a:t>
             </a:r>
           </a:p>
         </p:txBody>
       </p:sp>
       <p:sp>
         <p:nvSpPr>
-          <p:cNvPr id="21" name="ZoneTexte 20">
-            <a:extLst>
-              <a:ext uri="{FF2B5EF4-FFF2-40B4-BE49-F238E27FC236}">
-                <a16:creationId xmlns:a16="http://schemas.microsoft.com/office/drawing/2014/main" id="{47B84AD6-B400-4C59-8079-77EE3DF7DFD9}"/>
+          <p:cNvPr id="29" name="ZoneTexte 28">
+            <a:extLst>
+              <a:ext uri="{FF2B5EF4-FFF2-40B4-BE49-F238E27FC236}">
+                <a16:creationId xmlns:a16="http://schemas.microsoft.com/office/drawing/2014/main" id="{22C45E1F-645E-4325-8D16-1E7C6A80CA34}"/>
               </a:ext>
             </a:extLst>
           </p:cNvPr>
@@ -14856,7 +15540,7 @@
         </p:nvSpPr>
         <p:spPr>
           <a:xfrm>
-            <a:off x="10053015" y="3826522"/>
+            <a:off x="10053015" y="3012560"/>
             <a:ext cx="1638269" cy="369332"/>
           </a:xfrm>
           <a:prstGeom prst="rect">
@@ -14871,18 +15555,24 @@
           <a:lstStyle/>
           <a:p>
             <a:r>
-              <a:rPr lang="fr-FR" strike="sngStrike" dirty="0"/>
-              <a:t>Mécanisme n°2</a:t>
+              <a:rPr lang="fr-FR" dirty="0">
+                <a:solidFill>
+                  <a:schemeClr val="bg1">
+                    <a:lumMod val="75000"/>
+                  </a:schemeClr>
+                </a:solidFill>
+              </a:rPr>
+              <a:t>Mécanisme n°1</a:t>
             </a:r>
           </a:p>
         </p:txBody>
       </p:sp>
       <p:sp>
         <p:nvSpPr>
-          <p:cNvPr id="22" name="ZoneTexte 21">
-            <a:extLst>
-              <a:ext uri="{FF2B5EF4-FFF2-40B4-BE49-F238E27FC236}">
-                <a16:creationId xmlns:a16="http://schemas.microsoft.com/office/drawing/2014/main" id="{891A0D2D-89B7-4053-BB3A-9A3058E090F0}"/>
+          <p:cNvPr id="30" name="ZoneTexte 29">
+            <a:extLst>
+              <a:ext uri="{FF2B5EF4-FFF2-40B4-BE49-F238E27FC236}">
+                <a16:creationId xmlns:a16="http://schemas.microsoft.com/office/drawing/2014/main" id="{CC4AEF1A-21ED-433E-9754-4D7AE305F902}"/>
               </a:ext>
             </a:extLst>
           </p:cNvPr>
@@ -14891,7 +15581,7 @@
         </p:nvSpPr>
         <p:spPr>
           <a:xfrm>
-            <a:off x="10050865" y="4640484"/>
+            <a:off x="10053015" y="3826522"/>
             <a:ext cx="1638269" cy="369332"/>
           </a:xfrm>
           <a:prstGeom prst="rect">
@@ -14906,18 +15596,24 @@
           <a:lstStyle/>
           <a:p>
             <a:r>
-              <a:rPr lang="fr-FR" strike="sngStrike" dirty="0"/>
-              <a:t>Mécanisme n°3</a:t>
+              <a:rPr lang="fr-FR" dirty="0">
+                <a:solidFill>
+                  <a:schemeClr val="bg1">
+                    <a:lumMod val="75000"/>
+                  </a:schemeClr>
+                </a:solidFill>
+              </a:rPr>
+              <a:t>Mécanisme n°2</a:t>
             </a:r>
           </a:p>
         </p:txBody>
       </p:sp>
       <p:sp>
         <p:nvSpPr>
-          <p:cNvPr id="23" name="ZoneTexte 22">
-            <a:extLst>
-              <a:ext uri="{FF2B5EF4-FFF2-40B4-BE49-F238E27FC236}">
-                <a16:creationId xmlns:a16="http://schemas.microsoft.com/office/drawing/2014/main" id="{1CCDBF17-1DB2-4C7E-9789-A317D2458973}"/>
+          <p:cNvPr id="31" name="ZoneTexte 30">
+            <a:extLst>
+              <a:ext uri="{FF2B5EF4-FFF2-40B4-BE49-F238E27FC236}">
+                <a16:creationId xmlns:a16="http://schemas.microsoft.com/office/drawing/2014/main" id="{FC747FAD-A3DE-498D-8D89-0C188642D2F0}"/>
               </a:ext>
             </a:extLst>
           </p:cNvPr>
@@ -14926,8 +15622,8 @@
         </p:nvSpPr>
         <p:spPr>
           <a:xfrm>
-            <a:off x="10050865" y="5470010"/>
-            <a:ext cx="1162498" cy="369332"/>
+            <a:off x="10050865" y="4640484"/>
+            <a:ext cx="1638269" cy="369332"/>
           </a:xfrm>
           <a:prstGeom prst="rect">
             <a:avLst/>
@@ -14941,18 +15637,24 @@
           <a:lstStyle/>
           <a:p>
             <a:r>
-              <a:rPr lang="fr-FR" strike="sngStrike" dirty="0"/>
-              <a:t>Appli WEB</a:t>
+              <a:rPr lang="fr-FR" dirty="0">
+                <a:solidFill>
+                  <a:schemeClr val="bg1">
+                    <a:lumMod val="75000"/>
+                  </a:schemeClr>
+                </a:solidFill>
+              </a:rPr>
+              <a:t>Mécanisme n°3</a:t>
             </a:r>
           </a:p>
         </p:txBody>
       </p:sp>
       <p:sp>
         <p:nvSpPr>
-          <p:cNvPr id="24" name="ZoneTexte 23">
-            <a:extLst>
-              <a:ext uri="{FF2B5EF4-FFF2-40B4-BE49-F238E27FC236}">
-                <a16:creationId xmlns:a16="http://schemas.microsoft.com/office/drawing/2014/main" id="{DF0F96B2-0EE8-49DD-A299-3ABD0C220145}"/>
+          <p:cNvPr id="32" name="ZoneTexte 31">
+            <a:extLst>
+              <a:ext uri="{FF2B5EF4-FFF2-40B4-BE49-F238E27FC236}">
+                <a16:creationId xmlns:a16="http://schemas.microsoft.com/office/drawing/2014/main" id="{0E4FDB6B-CF10-458B-8BA8-489EDB9ABA58}"/>
               </a:ext>
             </a:extLst>
           </p:cNvPr>
@@ -14961,8 +15663,8 @@
         </p:nvSpPr>
         <p:spPr>
           <a:xfrm>
-            <a:off x="10050865" y="6299536"/>
-            <a:ext cx="1442383" cy="369332"/>
+            <a:off x="10050865" y="5470010"/>
+            <a:ext cx="1162498" cy="369332"/>
           </a:xfrm>
           <a:prstGeom prst="rect">
             <a:avLst/>
@@ -14976,8 +15678,14 @@
           <a:lstStyle/>
           <a:p>
             <a:r>
-              <a:rPr lang="fr-FR" b="1" dirty="0"/>
-              <a:t>Partie réseau</a:t>
+              <a:rPr lang="fr-FR" dirty="0">
+                <a:solidFill>
+                  <a:schemeClr val="bg1">
+                    <a:lumMod val="75000"/>
+                  </a:schemeClr>
+                </a:solidFill>
+              </a:rPr>
+              <a:t>Appli WEB</a:t>
             </a:r>
           </a:p>
         </p:txBody>
@@ -14992,13 +15700,13 @@
   <p:clrMapOvr>
     <a:masterClrMapping/>
   </p:clrMapOvr>
-  <mc:AlternateContent xmlns:mc="http://schemas.openxmlformats.org/markup-compatibility/2006">
-    <mc:Choice xmlns:p14="http://schemas.microsoft.com/office/powerpoint/2010/main" Requires="p14">
+  <mc:AlternateContent xmlns:mc="http://schemas.openxmlformats.org/markup-compatibility/2006" xmlns:p14="http://schemas.microsoft.com/office/powerpoint/2010/main">
+    <mc:Choice Requires="p14">
       <p:transition spd="med" p14:dur="700">
         <p:fade/>
       </p:transition>
     </mc:Choice>
-    <mc:Fallback>
+    <mc:Fallback xmlns="">
       <p:transition spd="med">
         <p:fade/>
       </p:transition>
